--- a/DecisionTrees/DecisionTrees.pptx
+++ b/DecisionTrees/DecisionTrees.pptx
@@ -7,6 +7,11 @@
   <p:sldIdLst>
     <p:sldId id="256" r:id="rId2"/>
     <p:sldId id="257" r:id="rId3"/>
+    <p:sldId id="258" r:id="rId4"/>
+    <p:sldId id="259" r:id="rId5"/>
+    <p:sldId id="260" r:id="rId6"/>
+    <p:sldId id="261" r:id="rId7"/>
+    <p:sldId id="262" r:id="rId8"/>
   </p:sldIdLst>
   <p:sldSz cx="12192000" cy="6858000"/>
   <p:notesSz cx="6858000" cy="9144000"/>
@@ -105,6 +110,11 @@
       </a:defRPr>
     </a:lvl9pPr>
   </p:defaultTextStyle>
+  <p:extLst>
+    <p:ext uri="{EFAFB233-063F-42B5-8137-9DF3F51BA10A}">
+      <p15:sldGuideLst xmlns:p15="http://schemas.microsoft.com/office/powerpoint/2012/main"/>
+    </p:ext>
+  </p:extLst>
 </p:presentation>
 </file>
 
@@ -255,7 +265,7 @@
           <a:p>
             <a:fld id="{7E292AB8-5F8F-4402-9592-F9413DCC0C16}" type="datetimeFigureOut">
               <a:rPr lang="en-US" smtClean="0"/>
-              <a:t>7/1/2023</a:t>
+              <a:t>7/2/2023</a:t>
             </a:fld>
             <a:endParaRPr lang="en-US"/>
           </a:p>
@@ -453,7 +463,7 @@
           <a:p>
             <a:fld id="{7E292AB8-5F8F-4402-9592-F9413DCC0C16}" type="datetimeFigureOut">
               <a:rPr lang="en-US" smtClean="0"/>
-              <a:t>7/1/2023</a:t>
+              <a:t>7/2/2023</a:t>
             </a:fld>
             <a:endParaRPr lang="en-US"/>
           </a:p>
@@ -661,7 +671,7 @@
           <a:p>
             <a:fld id="{7E292AB8-5F8F-4402-9592-F9413DCC0C16}" type="datetimeFigureOut">
               <a:rPr lang="en-US" smtClean="0"/>
-              <a:t>7/1/2023</a:t>
+              <a:t>7/2/2023</a:t>
             </a:fld>
             <a:endParaRPr lang="en-US"/>
           </a:p>
@@ -859,7 +869,7 @@
           <a:p>
             <a:fld id="{7E292AB8-5F8F-4402-9592-F9413DCC0C16}" type="datetimeFigureOut">
               <a:rPr lang="en-US" smtClean="0"/>
-              <a:t>7/1/2023</a:t>
+              <a:t>7/2/2023</a:t>
             </a:fld>
             <a:endParaRPr lang="en-US"/>
           </a:p>
@@ -1134,7 +1144,7 @@
           <a:p>
             <a:fld id="{7E292AB8-5F8F-4402-9592-F9413DCC0C16}" type="datetimeFigureOut">
               <a:rPr lang="en-US" smtClean="0"/>
-              <a:t>7/1/2023</a:t>
+              <a:t>7/2/2023</a:t>
             </a:fld>
             <a:endParaRPr lang="en-US"/>
           </a:p>
@@ -1399,7 +1409,7 @@
           <a:p>
             <a:fld id="{7E292AB8-5F8F-4402-9592-F9413DCC0C16}" type="datetimeFigureOut">
               <a:rPr lang="en-US" smtClean="0"/>
-              <a:t>7/1/2023</a:t>
+              <a:t>7/2/2023</a:t>
             </a:fld>
             <a:endParaRPr lang="en-US"/>
           </a:p>
@@ -1811,7 +1821,7 @@
           <a:p>
             <a:fld id="{7E292AB8-5F8F-4402-9592-F9413DCC0C16}" type="datetimeFigureOut">
               <a:rPr lang="en-US" smtClean="0"/>
-              <a:t>7/1/2023</a:t>
+              <a:t>7/2/2023</a:t>
             </a:fld>
             <a:endParaRPr lang="en-US"/>
           </a:p>
@@ -1952,7 +1962,7 @@
           <a:p>
             <a:fld id="{7E292AB8-5F8F-4402-9592-F9413DCC0C16}" type="datetimeFigureOut">
               <a:rPr lang="en-US" smtClean="0"/>
-              <a:t>7/1/2023</a:t>
+              <a:t>7/2/2023</a:t>
             </a:fld>
             <a:endParaRPr lang="en-US"/>
           </a:p>
@@ -2065,7 +2075,7 @@
           <a:p>
             <a:fld id="{7E292AB8-5F8F-4402-9592-F9413DCC0C16}" type="datetimeFigureOut">
               <a:rPr lang="en-US" smtClean="0"/>
-              <a:t>7/1/2023</a:t>
+              <a:t>7/2/2023</a:t>
             </a:fld>
             <a:endParaRPr lang="en-US"/>
           </a:p>
@@ -2376,7 +2386,7 @@
           <a:p>
             <a:fld id="{7E292AB8-5F8F-4402-9592-F9413DCC0C16}" type="datetimeFigureOut">
               <a:rPr lang="en-US" smtClean="0"/>
-              <a:t>7/1/2023</a:t>
+              <a:t>7/2/2023</a:t>
             </a:fld>
             <a:endParaRPr lang="en-US"/>
           </a:p>
@@ -2664,7 +2674,7 @@
           <a:p>
             <a:fld id="{7E292AB8-5F8F-4402-9592-F9413DCC0C16}" type="datetimeFigureOut">
               <a:rPr lang="en-US" smtClean="0"/>
-              <a:t>7/1/2023</a:t>
+              <a:t>7/2/2023</a:t>
             </a:fld>
             <a:endParaRPr lang="en-US"/>
           </a:p>
@@ -2905,7 +2915,7 @@
           <a:p>
             <a:fld id="{7E292AB8-5F8F-4402-9592-F9413DCC0C16}" type="datetimeFigureOut">
               <a:rPr lang="en-US" smtClean="0"/>
-              <a:t>7/1/2023</a:t>
+              <a:t>7/2/2023</a:t>
             </a:fld>
             <a:endParaRPr lang="en-US"/>
           </a:p>
@@ -3459,13 +3469,13 @@
             </p:spPr>
             <p:txBody>
               <a:bodyPr>
-                <a:normAutofit lnSpcReduction="10000"/>
+                <a:normAutofit fontScale="92500"/>
               </a:bodyPr>
               <a:lstStyle/>
               <a:p>
                 <a:r>
                   <a:rPr lang="en-US" dirty="0"/>
-                  <a:t>A classification problem is one of finding a probability distribution that provides a probability of an input data point belonging to any class.</a:t>
+                  <a:t>The machine learning classification task is one of finding a probability distribution that provides a probability of an input data point belonging to any class.</a:t>
                 </a:r>
               </a:p>
               <a:p>
@@ -3473,16 +3483,16 @@
                   <a:rPr lang="en-US" dirty="0">
                     <a:ea typeface="Cambria Math" panose="02040503050406030204" pitchFamily="18" charset="0"/>
                   </a:rPr>
-                  <a:t>Input:  </a:t>
+                  <a:t>Input Data Point:  </a:t>
                 </a:r>
                 <a14:m>
                   <m:oMath xmlns:m="http://schemas.openxmlformats.org/officeDocument/2006/math">
                     <m:r>
-                      <a:rPr lang="en-US" b="0" i="1" smtClean="0">
+                      <a:rPr lang="en-US" b="1" i="1" smtClean="0">
                         <a:latin typeface="Cambria Math" panose="02040503050406030204" pitchFamily="18" charset="0"/>
                         <a:ea typeface="Cambria Math" panose="02040503050406030204" pitchFamily="18" charset="0"/>
                       </a:rPr>
-                      <m:t>𝑥</m:t>
+                      <m:t>𝒙</m:t>
                     </m:r>
                     <m:r>
                       <a:rPr lang="en-US" b="0" i="1" smtClean="0">
@@ -3509,20 +3519,20 @@
                   <a:rPr lang="en-US" dirty="0">
                     <a:ea typeface="Cambria Math" panose="02040503050406030204" pitchFamily="18" charset="0"/>
                   </a:rPr>
-                  <a:t>Output: </a:t>
+                  <a:t>Output Class: </a:t>
                 </a:r>
                 <a14:m>
                   <m:oMath xmlns:m="http://schemas.openxmlformats.org/officeDocument/2006/math">
                     <m:r>
-                      <a:rPr lang="en-US" b="0" i="1" smtClean="0">
+                      <a:rPr lang="en-US" b="1" i="1" smtClean="0">
                         <a:latin typeface="Cambria Math" panose="02040503050406030204" pitchFamily="18" charset="0"/>
                         <a:ea typeface="Cambria Math" panose="02040503050406030204" pitchFamily="18" charset="0"/>
                       </a:rPr>
-                      <m:t>𝑦</m:t>
+                      <m:t>𝒚</m:t>
                     </m:r>
                   </m:oMath>
                 </a14:m>
-                <a:endParaRPr lang="en-US" b="0" dirty="0">
+                <a:endParaRPr lang="en-US" b="1" dirty="0">
                   <a:ea typeface="Cambria Math" panose="02040503050406030204" pitchFamily="18" charset="0"/>
                 </a:endParaRPr>
               </a:p>
@@ -3536,11 +3546,11 @@
                 <a14:m>
                   <m:oMath xmlns:m="http://schemas.openxmlformats.org/officeDocument/2006/math">
                     <m:r>
-                      <a:rPr lang="en-US" b="0" i="1" dirty="0" smtClean="0">
+                      <a:rPr lang="en-US" b="1" i="1" dirty="0" smtClean="0">
                         <a:latin typeface="Cambria Math" panose="02040503050406030204" pitchFamily="18" charset="0"/>
                         <a:ea typeface="Cambria Math" panose="02040503050406030204" pitchFamily="18" charset="0"/>
                       </a:rPr>
-                      <m:t>𝐹</m:t>
+                      <m:t>𝑭</m:t>
                     </m:r>
                     <m:d>
                       <m:dPr>
@@ -3630,11 +3640,11 @@
                       </m:e>
                       <m:e>
                         <m:r>
-                          <a:rPr lang="en-US" b="0" i="1" dirty="0" smtClean="0">
+                          <a:rPr lang="en-US" b="1" i="1" dirty="0" smtClean="0">
                             <a:latin typeface="Cambria Math" panose="02040503050406030204" pitchFamily="18" charset="0"/>
                             <a:ea typeface="Cambria Math" panose="02040503050406030204" pitchFamily="18" charset="0"/>
                           </a:rPr>
-                          <m:t>𝑥</m:t>
+                          <m:t>𝒙</m:t>
                         </m:r>
                       </m:e>
                     </m:d>
@@ -3798,7 +3808,7 @@
               <a:blipFill>
                 <a:blip r:embed="rId2"/>
                 <a:stretch>
-                  <a:fillRect l="-2088" t="-3081" r="-3016"/>
+                  <a:fillRect l="-1856" t="-2101" r="-232"/>
                 </a:stretch>
               </a:blipFill>
             </p:spPr>
@@ -3817,10 +3827,1953 @@
           </p:sp>
         </mc:Fallback>
       </mc:AlternateContent>
+      <p:grpSp>
+        <p:nvGrpSpPr>
+          <p:cNvPr id="44" name="Group 43">
+            <a:extLst>
+              <a:ext uri="{FF2B5EF4-FFF2-40B4-BE49-F238E27FC236}">
+                <a16:creationId xmlns:a16="http://schemas.microsoft.com/office/drawing/2014/main" id="{F0D842A5-8065-E4F1-F954-583E52B57B7F}"/>
+              </a:ext>
+            </a:extLst>
+          </p:cNvPr>
+          <p:cNvGrpSpPr/>
+          <p:nvPr/>
+        </p:nvGrpSpPr>
+        <p:grpSpPr>
+          <a:xfrm>
+            <a:off x="7038363" y="1690688"/>
+            <a:ext cx="3726264" cy="1832382"/>
+            <a:chOff x="7038363" y="1690688"/>
+            <a:chExt cx="3726264" cy="1832382"/>
+          </a:xfrm>
+        </p:grpSpPr>
+        <p:pic>
+          <p:nvPicPr>
+            <p:cNvPr id="10" name="Picture 9">
+              <a:extLst>
+                <a:ext uri="{FF2B5EF4-FFF2-40B4-BE49-F238E27FC236}">
+                  <a16:creationId xmlns:a16="http://schemas.microsoft.com/office/drawing/2014/main" id="{20CA9D6D-1D7D-6EDD-B475-A6C162F32C3C}"/>
+                </a:ext>
+              </a:extLst>
+            </p:cNvPr>
+            <p:cNvPicPr>
+              <a:picLocks noChangeAspect="1"/>
+            </p:cNvPicPr>
+            <p:nvPr/>
+          </p:nvPicPr>
+          <p:blipFill>
+            <a:blip r:embed="rId3"/>
+            <a:stretch>
+              <a:fillRect/>
+            </a:stretch>
+          </p:blipFill>
+          <p:spPr>
+            <a:xfrm>
+              <a:off x="7038363" y="2225136"/>
+              <a:ext cx="755709" cy="755709"/>
+            </a:xfrm>
+            <a:prstGeom prst="rect">
+              <a:avLst/>
+            </a:prstGeom>
+          </p:spPr>
+        </p:pic>
+        <p:cxnSp>
+          <p:nvCxnSpPr>
+            <p:cNvPr id="12" name="Connector: Elbow 11">
+              <a:extLst>
+                <a:ext uri="{FF2B5EF4-FFF2-40B4-BE49-F238E27FC236}">
+                  <a16:creationId xmlns:a16="http://schemas.microsoft.com/office/drawing/2014/main" id="{36B2259E-CEA6-0277-65E4-79E648FE570D}"/>
+                </a:ext>
+              </a:extLst>
+            </p:cNvPr>
+            <p:cNvCxnSpPr>
+              <a:cxnSpLocks/>
+            </p:cNvCxnSpPr>
+            <p:nvPr/>
+          </p:nvCxnSpPr>
+          <p:spPr>
+            <a:xfrm flipV="1">
+              <a:off x="7786734" y="2068541"/>
+              <a:ext cx="1039536" cy="534449"/>
+            </a:xfrm>
+            <a:prstGeom prst="bentConnector3">
+              <a:avLst/>
+            </a:prstGeom>
+            <a:ln>
+              <a:tailEnd type="triangle"/>
+            </a:ln>
+          </p:spPr>
+          <p:style>
+            <a:lnRef idx="1">
+              <a:schemeClr val="accent1"/>
+            </a:lnRef>
+            <a:fillRef idx="0">
+              <a:schemeClr val="accent1"/>
+            </a:fillRef>
+            <a:effectRef idx="0">
+              <a:schemeClr val="accent1"/>
+            </a:effectRef>
+            <a:fontRef idx="minor">
+              <a:schemeClr val="tx1"/>
+            </a:fontRef>
+          </p:style>
+        </p:cxnSp>
+        <p:pic>
+          <p:nvPicPr>
+            <p:cNvPr id="15" name="Picture 14">
+              <a:extLst>
+                <a:ext uri="{FF2B5EF4-FFF2-40B4-BE49-F238E27FC236}">
+                  <a16:creationId xmlns:a16="http://schemas.microsoft.com/office/drawing/2014/main" id="{6A5B3C07-E382-64FB-FFCC-65A3F6D23337}"/>
+                </a:ext>
+              </a:extLst>
+            </p:cNvPr>
+            <p:cNvPicPr>
+              <a:picLocks noChangeAspect="1"/>
+            </p:cNvPicPr>
+            <p:nvPr/>
+          </p:nvPicPr>
+          <p:blipFill>
+            <a:blip r:embed="rId3"/>
+            <a:stretch>
+              <a:fillRect/>
+            </a:stretch>
+          </p:blipFill>
+          <p:spPr>
+            <a:xfrm>
+              <a:off x="8833608" y="1690688"/>
+              <a:ext cx="755709" cy="755709"/>
+            </a:xfrm>
+            <a:prstGeom prst="rect">
+              <a:avLst/>
+            </a:prstGeom>
+          </p:spPr>
+        </p:pic>
+        <p:sp>
+          <p:nvSpPr>
+            <p:cNvPr id="16" name="TextBox 15">
+              <a:extLst>
+                <a:ext uri="{FF2B5EF4-FFF2-40B4-BE49-F238E27FC236}">
+                  <a16:creationId xmlns:a16="http://schemas.microsoft.com/office/drawing/2014/main" id="{30692BA4-884A-AB9F-6811-B82E9FCE0E54}"/>
+                </a:ext>
+              </a:extLst>
+            </p:cNvPr>
+            <p:cNvSpPr txBox="1"/>
+            <p:nvPr/>
+          </p:nvSpPr>
+          <p:spPr>
+            <a:xfrm>
+              <a:off x="9637395" y="1883876"/>
+              <a:ext cx="718466" cy="369332"/>
+            </a:xfrm>
+            <a:prstGeom prst="rect">
+              <a:avLst/>
+            </a:prstGeom>
+            <a:noFill/>
+          </p:spPr>
+          <p:txBody>
+            <a:bodyPr wrap="none" rtlCol="0">
+              <a:spAutoFit/>
+            </a:bodyPr>
+            <a:lstStyle/>
+            <a:p>
+              <a:r>
+                <a:rPr lang="en-US" b="1" dirty="0">
+                  <a:solidFill>
+                    <a:schemeClr val="accent2">
+                      <a:lumMod val="75000"/>
+                    </a:schemeClr>
+                  </a:solidFill>
+                </a:rPr>
+                <a:t>Spam</a:t>
+              </a:r>
+            </a:p>
+          </p:txBody>
+        </p:sp>
+        <p:sp>
+          <p:nvSpPr>
+            <p:cNvPr id="17" name="&quot;Not Allowed&quot; Symbol 16">
+              <a:extLst>
+                <a:ext uri="{FF2B5EF4-FFF2-40B4-BE49-F238E27FC236}">
+                  <a16:creationId xmlns:a16="http://schemas.microsoft.com/office/drawing/2014/main" id="{CF03F71C-9490-79D8-BF1D-DE7C5F119830}"/>
+                </a:ext>
+              </a:extLst>
+            </p:cNvPr>
+            <p:cNvSpPr/>
+            <p:nvPr/>
+          </p:nvSpPr>
+          <p:spPr>
+            <a:xfrm>
+              <a:off x="9042981" y="1900061"/>
+              <a:ext cx="336962" cy="336962"/>
+            </a:xfrm>
+            <a:prstGeom prst="noSmoking">
+              <a:avLst/>
+            </a:prstGeom>
+            <a:solidFill>
+              <a:srgbClr val="C55A11"/>
+            </a:solidFill>
+          </p:spPr>
+          <p:style>
+            <a:lnRef idx="2">
+              <a:schemeClr val="accent1">
+                <a:shade val="15000"/>
+              </a:schemeClr>
+            </a:lnRef>
+            <a:fillRef idx="1">
+              <a:schemeClr val="accent1"/>
+            </a:fillRef>
+            <a:effectRef idx="0">
+              <a:schemeClr val="accent1"/>
+            </a:effectRef>
+            <a:fontRef idx="minor">
+              <a:schemeClr val="lt1"/>
+            </a:fontRef>
+          </p:style>
+          <p:txBody>
+            <a:bodyPr rtlCol="0" anchor="ctr"/>
+            <a:lstStyle/>
+            <a:p>
+              <a:pPr algn="ctr"/>
+              <a:endParaRPr lang="en-US">
+                <a:solidFill>
+                  <a:schemeClr val="tx1"/>
+                </a:solidFill>
+              </a:endParaRPr>
+            </a:p>
+          </p:txBody>
+        </p:sp>
+        <p:pic>
+          <p:nvPicPr>
+            <p:cNvPr id="18" name="Picture 17">
+              <a:extLst>
+                <a:ext uri="{FF2B5EF4-FFF2-40B4-BE49-F238E27FC236}">
+                  <a16:creationId xmlns:a16="http://schemas.microsoft.com/office/drawing/2014/main" id="{D87DB181-15CC-794C-0801-872520454CF5}"/>
+                </a:ext>
+              </a:extLst>
+            </p:cNvPr>
+            <p:cNvPicPr>
+              <a:picLocks noChangeAspect="1"/>
+            </p:cNvPicPr>
+            <p:nvPr/>
+          </p:nvPicPr>
+          <p:blipFill>
+            <a:blip r:embed="rId3"/>
+            <a:stretch>
+              <a:fillRect/>
+            </a:stretch>
+          </p:blipFill>
+          <p:spPr>
+            <a:xfrm>
+              <a:off x="8881686" y="2767361"/>
+              <a:ext cx="755709" cy="755709"/>
+            </a:xfrm>
+            <a:prstGeom prst="rect">
+              <a:avLst/>
+            </a:prstGeom>
+          </p:spPr>
+        </p:pic>
+        <p:sp>
+          <p:nvSpPr>
+            <p:cNvPr id="19" name="TextBox 18">
+              <a:extLst>
+                <a:ext uri="{FF2B5EF4-FFF2-40B4-BE49-F238E27FC236}">
+                  <a16:creationId xmlns:a16="http://schemas.microsoft.com/office/drawing/2014/main" id="{90D965C6-F3C2-D81C-C6A1-0F6E7C00F520}"/>
+                </a:ext>
+              </a:extLst>
+            </p:cNvPr>
+            <p:cNvSpPr txBox="1"/>
+            <p:nvPr/>
+          </p:nvSpPr>
+          <p:spPr>
+            <a:xfrm>
+              <a:off x="9637395" y="2951548"/>
+              <a:ext cx="1127232" cy="369332"/>
+            </a:xfrm>
+            <a:prstGeom prst="rect">
+              <a:avLst/>
+            </a:prstGeom>
+            <a:noFill/>
+          </p:spPr>
+          <p:txBody>
+            <a:bodyPr wrap="none" rtlCol="0">
+              <a:spAutoFit/>
+            </a:bodyPr>
+            <a:lstStyle/>
+            <a:p>
+              <a:r>
+                <a:rPr lang="en-US" b="1" dirty="0"/>
+                <a:t>Not Spam</a:t>
+              </a:r>
+            </a:p>
+          </p:txBody>
+        </p:sp>
+        <p:cxnSp>
+          <p:nvCxnSpPr>
+            <p:cNvPr id="21" name="Connector: Elbow 20">
+              <a:extLst>
+                <a:ext uri="{FF2B5EF4-FFF2-40B4-BE49-F238E27FC236}">
+                  <a16:creationId xmlns:a16="http://schemas.microsoft.com/office/drawing/2014/main" id="{2BF4E997-D05A-7B0E-663E-D1EE4C11B0EF}"/>
+                </a:ext>
+              </a:extLst>
+            </p:cNvPr>
+            <p:cNvCxnSpPr>
+              <a:cxnSpLocks/>
+            </p:cNvCxnSpPr>
+            <p:nvPr/>
+          </p:nvCxnSpPr>
+          <p:spPr>
+            <a:xfrm>
+              <a:off x="7786734" y="2601765"/>
+              <a:ext cx="1039536" cy="534449"/>
+            </a:xfrm>
+            <a:prstGeom prst="bentConnector3">
+              <a:avLst/>
+            </a:prstGeom>
+            <a:ln>
+              <a:tailEnd type="triangle"/>
+            </a:ln>
+          </p:spPr>
+          <p:style>
+            <a:lnRef idx="1">
+              <a:schemeClr val="accent1"/>
+            </a:lnRef>
+            <a:fillRef idx="0">
+              <a:schemeClr val="accent1"/>
+            </a:fillRef>
+            <a:effectRef idx="0">
+              <a:schemeClr val="accent1"/>
+            </a:effectRef>
+            <a:fontRef idx="minor">
+              <a:schemeClr val="tx1"/>
+            </a:fontRef>
+          </p:style>
+        </p:cxnSp>
+        <p:sp>
+          <p:nvSpPr>
+            <p:cNvPr id="23" name="TextBox 22">
+              <a:extLst>
+                <a:ext uri="{FF2B5EF4-FFF2-40B4-BE49-F238E27FC236}">
+                  <a16:creationId xmlns:a16="http://schemas.microsoft.com/office/drawing/2014/main" id="{ECB8BE79-55D2-A8AA-6C69-5355C222D0EA}"/>
+                </a:ext>
+              </a:extLst>
+            </p:cNvPr>
+            <p:cNvSpPr txBox="1"/>
+            <p:nvPr/>
+          </p:nvSpPr>
+          <p:spPr>
+            <a:xfrm>
+              <a:off x="7060991" y="2868989"/>
+              <a:ext cx="710451" cy="369332"/>
+            </a:xfrm>
+            <a:prstGeom prst="rect">
+              <a:avLst/>
+            </a:prstGeom>
+            <a:noFill/>
+          </p:spPr>
+          <p:txBody>
+            <a:bodyPr wrap="none" rtlCol="0">
+              <a:spAutoFit/>
+            </a:bodyPr>
+            <a:lstStyle/>
+            <a:p>
+              <a:r>
+                <a:rPr lang="en-US" b="1" dirty="0"/>
+                <a:t>Email</a:t>
+              </a:r>
+            </a:p>
+          </p:txBody>
+        </p:sp>
+      </p:grpSp>
+      <p:grpSp>
+        <p:nvGrpSpPr>
+          <p:cNvPr id="45" name="Group 44">
+            <a:extLst>
+              <a:ext uri="{FF2B5EF4-FFF2-40B4-BE49-F238E27FC236}">
+                <a16:creationId xmlns:a16="http://schemas.microsoft.com/office/drawing/2014/main" id="{E8A923D0-8ABD-CE23-5249-D667899BCCE8}"/>
+              </a:ext>
+            </a:extLst>
+          </p:cNvPr>
+          <p:cNvGrpSpPr/>
+          <p:nvPr/>
+        </p:nvGrpSpPr>
+        <p:grpSpPr>
+          <a:xfrm>
+            <a:off x="7060991" y="4242687"/>
+            <a:ext cx="3478959" cy="1524873"/>
+            <a:chOff x="7060991" y="4242687"/>
+            <a:chExt cx="3478959" cy="1524873"/>
+          </a:xfrm>
+        </p:grpSpPr>
+        <p:sp>
+          <p:nvSpPr>
+            <p:cNvPr id="43" name="TextBox 42">
+              <a:extLst>
+                <a:ext uri="{FF2B5EF4-FFF2-40B4-BE49-F238E27FC236}">
+                  <a16:creationId xmlns:a16="http://schemas.microsoft.com/office/drawing/2014/main" id="{26132BD2-058D-E6F1-2CA5-3D0E59D15DC0}"/>
+                </a:ext>
+              </a:extLst>
+            </p:cNvPr>
+            <p:cNvSpPr txBox="1"/>
+            <p:nvPr/>
+          </p:nvSpPr>
+          <p:spPr>
+            <a:xfrm>
+              <a:off x="7067974" y="5354294"/>
+              <a:ext cx="770852" cy="369332"/>
+            </a:xfrm>
+            <a:prstGeom prst="rect">
+              <a:avLst/>
+            </a:prstGeom>
+            <a:noFill/>
+          </p:spPr>
+          <p:txBody>
+            <a:bodyPr wrap="none" rtlCol="0">
+              <a:spAutoFit/>
+            </a:bodyPr>
+            <a:lstStyle/>
+            <a:p>
+              <a:r>
+                <a:rPr lang="en-US" b="1" dirty="0"/>
+                <a:t>Tweet</a:t>
+              </a:r>
+            </a:p>
+          </p:txBody>
+        </p:sp>
+        <p:pic>
+          <p:nvPicPr>
+            <p:cNvPr id="27" name="Picture 26">
+              <a:extLst>
+                <a:ext uri="{FF2B5EF4-FFF2-40B4-BE49-F238E27FC236}">
+                  <a16:creationId xmlns:a16="http://schemas.microsoft.com/office/drawing/2014/main" id="{35A508BB-0EEE-F343-7329-154A860930D0}"/>
+                </a:ext>
+              </a:extLst>
+            </p:cNvPr>
+            <p:cNvPicPr>
+              <a:picLocks noChangeAspect="1"/>
+            </p:cNvPicPr>
+            <p:nvPr/>
+          </p:nvPicPr>
+          <p:blipFill>
+            <a:blip r:embed="rId4"/>
+            <a:stretch>
+              <a:fillRect/>
+            </a:stretch>
+          </p:blipFill>
+          <p:spPr>
+            <a:xfrm>
+              <a:off x="7060991" y="4738512"/>
+              <a:ext cx="724418" cy="585572"/>
+            </a:xfrm>
+            <a:prstGeom prst="rect">
+              <a:avLst/>
+            </a:prstGeom>
+          </p:spPr>
+        </p:pic>
+        <p:cxnSp>
+          <p:nvCxnSpPr>
+            <p:cNvPr id="28" name="Connector: Elbow 27">
+              <a:extLst>
+                <a:ext uri="{FF2B5EF4-FFF2-40B4-BE49-F238E27FC236}">
+                  <a16:creationId xmlns:a16="http://schemas.microsoft.com/office/drawing/2014/main" id="{094DC763-8225-61A3-465D-631309CED24A}"/>
+                </a:ext>
+              </a:extLst>
+            </p:cNvPr>
+            <p:cNvCxnSpPr>
+              <a:cxnSpLocks/>
+            </p:cNvCxnSpPr>
+            <p:nvPr/>
+          </p:nvCxnSpPr>
+          <p:spPr>
+            <a:xfrm flipV="1">
+              <a:off x="7842150" y="4471287"/>
+              <a:ext cx="1039536" cy="534449"/>
+            </a:xfrm>
+            <a:prstGeom prst="bentConnector3">
+              <a:avLst/>
+            </a:prstGeom>
+            <a:ln>
+              <a:tailEnd type="triangle"/>
+            </a:ln>
+          </p:spPr>
+          <p:style>
+            <a:lnRef idx="1">
+              <a:schemeClr val="accent1"/>
+            </a:lnRef>
+            <a:fillRef idx="0">
+              <a:schemeClr val="accent1"/>
+            </a:fillRef>
+            <a:effectRef idx="0">
+              <a:schemeClr val="accent1"/>
+            </a:effectRef>
+            <a:fontRef idx="minor">
+              <a:schemeClr val="tx1"/>
+            </a:fontRef>
+          </p:style>
+        </p:cxnSp>
+        <p:cxnSp>
+          <p:nvCxnSpPr>
+            <p:cNvPr id="29" name="Connector: Elbow 28">
+              <a:extLst>
+                <a:ext uri="{FF2B5EF4-FFF2-40B4-BE49-F238E27FC236}">
+                  <a16:creationId xmlns:a16="http://schemas.microsoft.com/office/drawing/2014/main" id="{EB4508A7-DA55-97EF-82CF-99220B17FC90}"/>
+                </a:ext>
+              </a:extLst>
+            </p:cNvPr>
+            <p:cNvCxnSpPr>
+              <a:cxnSpLocks/>
+            </p:cNvCxnSpPr>
+            <p:nvPr/>
+          </p:nvCxnSpPr>
+          <p:spPr>
+            <a:xfrm>
+              <a:off x="7842150" y="5004511"/>
+              <a:ext cx="1039536" cy="534449"/>
+            </a:xfrm>
+            <a:prstGeom prst="bentConnector3">
+              <a:avLst/>
+            </a:prstGeom>
+            <a:ln>
+              <a:tailEnd type="triangle"/>
+            </a:ln>
+          </p:spPr>
+          <p:style>
+            <a:lnRef idx="1">
+              <a:schemeClr val="accent1"/>
+            </a:lnRef>
+            <a:fillRef idx="0">
+              <a:schemeClr val="accent1"/>
+            </a:fillRef>
+            <a:effectRef idx="0">
+              <a:schemeClr val="accent1"/>
+            </a:effectRef>
+            <a:fontRef idx="minor">
+              <a:schemeClr val="tx1"/>
+            </a:fontRef>
+          </p:style>
+        </p:cxnSp>
+        <p:cxnSp>
+          <p:nvCxnSpPr>
+            <p:cNvPr id="32" name="Straight Connector 31">
+              <a:extLst>
+                <a:ext uri="{FF2B5EF4-FFF2-40B4-BE49-F238E27FC236}">
+                  <a16:creationId xmlns:a16="http://schemas.microsoft.com/office/drawing/2014/main" id="{0C23917A-DAD6-3582-3659-EF61A0B2B77F}"/>
+                </a:ext>
+              </a:extLst>
+            </p:cNvPr>
+            <p:cNvCxnSpPr/>
+            <p:nvPr/>
+          </p:nvCxnSpPr>
+          <p:spPr>
+            <a:xfrm>
+              <a:off x="7842150" y="5004691"/>
+              <a:ext cx="1039536" cy="0"/>
+            </a:xfrm>
+            <a:prstGeom prst="line">
+              <a:avLst/>
+            </a:prstGeom>
+            <a:ln>
+              <a:headEnd type="none" w="med" len="med"/>
+              <a:tailEnd type="triangle" w="med" len="med"/>
+            </a:ln>
+          </p:spPr>
+          <p:style>
+            <a:lnRef idx="1">
+              <a:schemeClr val="accent1"/>
+            </a:lnRef>
+            <a:fillRef idx="0">
+              <a:schemeClr val="accent1"/>
+            </a:fillRef>
+            <a:effectRef idx="0">
+              <a:schemeClr val="accent1"/>
+            </a:effectRef>
+            <a:fontRef idx="minor">
+              <a:schemeClr val="tx1"/>
+            </a:fontRef>
+          </p:style>
+        </p:cxnSp>
+        <p:pic>
+          <p:nvPicPr>
+            <p:cNvPr id="35" name="Picture 34">
+              <a:extLst>
+                <a:ext uri="{FF2B5EF4-FFF2-40B4-BE49-F238E27FC236}">
+                  <a16:creationId xmlns:a16="http://schemas.microsoft.com/office/drawing/2014/main" id="{64EE5603-52C9-B95A-56A7-09AFC92F7C92}"/>
+                </a:ext>
+              </a:extLst>
+            </p:cNvPr>
+            <p:cNvPicPr>
+              <a:picLocks noChangeAspect="1"/>
+            </p:cNvPicPr>
+            <p:nvPr/>
+          </p:nvPicPr>
+          <p:blipFill>
+            <a:blip r:embed="rId5">
+              <a:duotone>
+                <a:prstClr val="black"/>
+                <a:srgbClr val="D5D5D5">
+                  <a:tint val="45000"/>
+                  <a:satMod val="400000"/>
+                </a:srgbClr>
+              </a:duotone>
+            </a:blip>
+            <a:stretch>
+              <a:fillRect/>
+            </a:stretch>
+          </p:blipFill>
+          <p:spPr>
+            <a:xfrm>
+              <a:off x="8933472" y="4242687"/>
+              <a:ext cx="457200" cy="457200"/>
+            </a:xfrm>
+            <a:prstGeom prst="rect">
+              <a:avLst/>
+            </a:prstGeom>
+          </p:spPr>
+        </p:pic>
+        <p:pic>
+          <p:nvPicPr>
+            <p:cNvPr id="37" name="Picture 36">
+              <a:extLst>
+                <a:ext uri="{FF2B5EF4-FFF2-40B4-BE49-F238E27FC236}">
+                  <a16:creationId xmlns:a16="http://schemas.microsoft.com/office/drawing/2014/main" id="{B6F92CDD-94F1-BD7D-D823-ECE4546078DE}"/>
+                </a:ext>
+              </a:extLst>
+            </p:cNvPr>
+            <p:cNvPicPr>
+              <a:picLocks noChangeAspect="1"/>
+            </p:cNvPicPr>
+            <p:nvPr/>
+          </p:nvPicPr>
+          <p:blipFill>
+            <a:blip r:embed="rId6">
+              <a:duotone>
+                <a:prstClr val="black"/>
+                <a:srgbClr val="C6C6C6">
+                  <a:tint val="45000"/>
+                  <a:satMod val="400000"/>
+                </a:srgbClr>
+              </a:duotone>
+            </a:blip>
+            <a:stretch>
+              <a:fillRect/>
+            </a:stretch>
+          </p:blipFill>
+          <p:spPr>
+            <a:xfrm rot="21400440">
+              <a:off x="8946343" y="4775911"/>
+              <a:ext cx="465498" cy="457200"/>
+            </a:xfrm>
+            <a:prstGeom prst="rect">
+              <a:avLst/>
+            </a:prstGeom>
+          </p:spPr>
+        </p:pic>
+        <p:pic>
+          <p:nvPicPr>
+            <p:cNvPr id="39" name="Picture 38">
+              <a:extLst>
+                <a:ext uri="{FF2B5EF4-FFF2-40B4-BE49-F238E27FC236}">
+                  <a16:creationId xmlns:a16="http://schemas.microsoft.com/office/drawing/2014/main" id="{AC79C009-8F99-F6EB-5B15-AB511CD1ADEF}"/>
+                </a:ext>
+              </a:extLst>
+            </p:cNvPr>
+            <p:cNvPicPr>
+              <a:picLocks noChangeAspect="1"/>
+            </p:cNvPicPr>
+            <p:nvPr/>
+          </p:nvPicPr>
+          <p:blipFill>
+            <a:blip r:embed="rId7">
+              <a:duotone>
+                <a:prstClr val="black"/>
+                <a:srgbClr val="C6C6C6">
+                  <a:tint val="45000"/>
+                  <a:satMod val="400000"/>
+                </a:srgbClr>
+              </a:duotone>
+            </a:blip>
+            <a:stretch>
+              <a:fillRect/>
+            </a:stretch>
+          </p:blipFill>
+          <p:spPr>
+            <a:xfrm>
+              <a:off x="8950492" y="5310360"/>
+              <a:ext cx="457200" cy="457200"/>
+            </a:xfrm>
+            <a:prstGeom prst="rect">
+              <a:avLst/>
+            </a:prstGeom>
+          </p:spPr>
+        </p:pic>
+        <p:sp>
+          <p:nvSpPr>
+            <p:cNvPr id="40" name="TextBox 39">
+              <a:extLst>
+                <a:ext uri="{FF2B5EF4-FFF2-40B4-BE49-F238E27FC236}">
+                  <a16:creationId xmlns:a16="http://schemas.microsoft.com/office/drawing/2014/main" id="{ECC41FA1-FE70-B758-FF4A-2C1CC8AC7242}"/>
+                </a:ext>
+              </a:extLst>
+            </p:cNvPr>
+            <p:cNvSpPr txBox="1"/>
+            <p:nvPr/>
+          </p:nvSpPr>
+          <p:spPr>
+            <a:xfrm>
+              <a:off x="9637395" y="4286621"/>
+              <a:ext cx="799001" cy="369332"/>
+            </a:xfrm>
+            <a:prstGeom prst="rect">
+              <a:avLst/>
+            </a:prstGeom>
+            <a:noFill/>
+          </p:spPr>
+          <p:txBody>
+            <a:bodyPr wrap="none" rtlCol="0">
+              <a:spAutoFit/>
+            </a:bodyPr>
+            <a:lstStyle/>
+            <a:p>
+              <a:r>
+                <a:rPr lang="en-US" b="1" dirty="0"/>
+                <a:t>Happy</a:t>
+              </a:r>
+            </a:p>
+          </p:txBody>
+        </p:sp>
+        <p:sp>
+          <p:nvSpPr>
+            <p:cNvPr id="41" name="TextBox 40">
+              <a:extLst>
+                <a:ext uri="{FF2B5EF4-FFF2-40B4-BE49-F238E27FC236}">
+                  <a16:creationId xmlns:a16="http://schemas.microsoft.com/office/drawing/2014/main" id="{9709DB41-8379-CDA1-9278-7538F9AAA666}"/>
+                </a:ext>
+              </a:extLst>
+            </p:cNvPr>
+            <p:cNvSpPr txBox="1"/>
+            <p:nvPr/>
+          </p:nvSpPr>
+          <p:spPr>
+            <a:xfrm>
+              <a:off x="9637395" y="4762792"/>
+              <a:ext cx="902555" cy="369332"/>
+            </a:xfrm>
+            <a:prstGeom prst="rect">
+              <a:avLst/>
+            </a:prstGeom>
+            <a:noFill/>
+          </p:spPr>
+          <p:txBody>
+            <a:bodyPr wrap="none" rtlCol="0">
+              <a:spAutoFit/>
+            </a:bodyPr>
+            <a:lstStyle/>
+            <a:p>
+              <a:r>
+                <a:rPr lang="en-US" b="1" dirty="0"/>
+                <a:t>Neutral</a:t>
+              </a:r>
+            </a:p>
+          </p:txBody>
+        </p:sp>
+        <p:sp>
+          <p:nvSpPr>
+            <p:cNvPr id="42" name="TextBox 41">
+              <a:extLst>
+                <a:ext uri="{FF2B5EF4-FFF2-40B4-BE49-F238E27FC236}">
+                  <a16:creationId xmlns:a16="http://schemas.microsoft.com/office/drawing/2014/main" id="{6A9AB0F0-48A9-7CDB-C3F3-51FE7996D5DF}"/>
+                </a:ext>
+              </a:extLst>
+            </p:cNvPr>
+            <p:cNvSpPr txBox="1"/>
+            <p:nvPr/>
+          </p:nvSpPr>
+          <p:spPr>
+            <a:xfrm>
+              <a:off x="9637394" y="5354294"/>
+              <a:ext cx="530915" cy="369332"/>
+            </a:xfrm>
+            <a:prstGeom prst="rect">
+              <a:avLst/>
+            </a:prstGeom>
+            <a:noFill/>
+          </p:spPr>
+          <p:txBody>
+            <a:bodyPr wrap="none" rtlCol="0">
+              <a:spAutoFit/>
+            </a:bodyPr>
+            <a:lstStyle/>
+            <a:p>
+              <a:r>
+                <a:rPr lang="en-US" b="1" dirty="0"/>
+                <a:t>Sad</a:t>
+              </a:r>
+            </a:p>
+          </p:txBody>
+        </p:sp>
+      </p:grpSp>
     </p:spTree>
     <p:extLst>
       <p:ext uri="{BB962C8B-B14F-4D97-AF65-F5344CB8AC3E}">
         <p14:creationId xmlns:p14="http://schemas.microsoft.com/office/powerpoint/2010/main" val="1613563730"/>
+      </p:ext>
+    </p:extLst>
+  </p:cSld>
+  <p:clrMapOvr>
+    <a:masterClrMapping/>
+  </p:clrMapOvr>
+</p:sld>
+</file>
+
+<file path=ppt/slides/slide3.xml><?xml version="1.0" encoding="utf-8"?>
+<p:sld xmlns:a="http://schemas.openxmlformats.org/drawingml/2006/main" xmlns:r="http://schemas.openxmlformats.org/officeDocument/2006/relationships" xmlns:p="http://schemas.openxmlformats.org/presentationml/2006/main">
+  <p:cSld>
+    <p:spTree>
+      <p:nvGrpSpPr>
+        <p:cNvPr id="1" name=""/>
+        <p:cNvGrpSpPr/>
+        <p:nvPr/>
+      </p:nvGrpSpPr>
+      <p:grpSpPr>
+        <a:xfrm>
+          <a:off x="0" y="0"/>
+          <a:ext cx="0" cy="0"/>
+          <a:chOff x="0" y="0"/>
+          <a:chExt cx="0" cy="0"/>
+        </a:xfrm>
+      </p:grpSpPr>
+      <p:sp>
+        <p:nvSpPr>
+          <p:cNvPr id="2" name="Title 1">
+            <a:extLst>
+              <a:ext uri="{FF2B5EF4-FFF2-40B4-BE49-F238E27FC236}">
+                <a16:creationId xmlns:a16="http://schemas.microsoft.com/office/drawing/2014/main" id="{192D8086-4787-1459-456D-6E66571842E3}"/>
+              </a:ext>
+            </a:extLst>
+          </p:cNvPr>
+          <p:cNvSpPr>
+            <a:spLocks noGrp="1"/>
+          </p:cNvSpPr>
+          <p:nvPr>
+            <p:ph type="title"/>
+          </p:nvPr>
+        </p:nvSpPr>
+        <p:spPr/>
+        <p:txBody>
+          <a:bodyPr/>
+          <a:lstStyle/>
+          <a:p>
+            <a:r>
+              <a:rPr lang="en-US" dirty="0"/>
+              <a:t>Decision Tree</a:t>
+            </a:r>
+          </a:p>
+        </p:txBody>
+      </p:sp>
+      <p:grpSp>
+        <p:nvGrpSpPr>
+          <p:cNvPr id="3" name="Group 2">
+            <a:extLst>
+              <a:ext uri="{FF2B5EF4-FFF2-40B4-BE49-F238E27FC236}">
+                <a16:creationId xmlns:a16="http://schemas.microsoft.com/office/drawing/2014/main" id="{E876497F-78F8-8A32-326F-578487D54BE3}"/>
+              </a:ext>
+            </a:extLst>
+          </p:cNvPr>
+          <p:cNvGrpSpPr/>
+          <p:nvPr/>
+        </p:nvGrpSpPr>
+        <p:grpSpPr>
+          <a:xfrm>
+            <a:off x="7211332" y="322340"/>
+            <a:ext cx="3894818" cy="6213320"/>
+            <a:chOff x="6287550" y="242604"/>
+            <a:chExt cx="4008832" cy="6395204"/>
+          </a:xfrm>
+        </p:grpSpPr>
+        <p:sp>
+          <p:nvSpPr>
+            <p:cNvPr id="4" name="Oval 3">
+              <a:extLst>
+                <a:ext uri="{FF2B5EF4-FFF2-40B4-BE49-F238E27FC236}">
+                  <a16:creationId xmlns:a16="http://schemas.microsoft.com/office/drawing/2014/main" id="{413B9216-00C1-4BF5-06A6-32EA17997C54}"/>
+                </a:ext>
+              </a:extLst>
+            </p:cNvPr>
+            <p:cNvSpPr/>
+            <p:nvPr/>
+          </p:nvSpPr>
+          <p:spPr>
+            <a:xfrm>
+              <a:off x="7214533" y="618381"/>
+              <a:ext cx="1350627" cy="1249960"/>
+            </a:xfrm>
+            <a:prstGeom prst="ellipse">
+              <a:avLst/>
+            </a:prstGeom>
+          </p:spPr>
+          <p:style>
+            <a:lnRef idx="2">
+              <a:schemeClr val="accent1">
+                <a:shade val="15000"/>
+              </a:schemeClr>
+            </a:lnRef>
+            <a:fillRef idx="1">
+              <a:schemeClr val="accent1"/>
+            </a:fillRef>
+            <a:effectRef idx="0">
+              <a:schemeClr val="accent1"/>
+            </a:effectRef>
+            <a:fontRef idx="minor">
+              <a:schemeClr val="lt1"/>
+            </a:fontRef>
+          </p:style>
+          <p:txBody>
+            <a:bodyPr rtlCol="0" anchor="ctr"/>
+            <a:lstStyle/>
+            <a:p>
+              <a:pPr algn="ctr"/>
+              <a:r>
+                <a:rPr lang="en-US" dirty="0"/>
+                <a:t>Sunny?</a:t>
+              </a:r>
+            </a:p>
+          </p:txBody>
+        </p:sp>
+        <p:cxnSp>
+          <p:nvCxnSpPr>
+            <p:cNvPr id="6" name="Straight Arrow Connector 5">
+              <a:extLst>
+                <a:ext uri="{FF2B5EF4-FFF2-40B4-BE49-F238E27FC236}">
+                  <a16:creationId xmlns:a16="http://schemas.microsoft.com/office/drawing/2014/main" id="{C8B74276-07CE-D41C-0237-792824E8219B}"/>
+                </a:ext>
+              </a:extLst>
+            </p:cNvPr>
+            <p:cNvCxnSpPr>
+              <a:cxnSpLocks/>
+              <a:stCxn id="4" idx="4"/>
+            </p:cNvCxnSpPr>
+            <p:nvPr/>
+          </p:nvCxnSpPr>
+          <p:spPr>
+            <a:xfrm flipH="1">
+              <a:off x="6962863" y="1868341"/>
+              <a:ext cx="926984" cy="922789"/>
+            </a:xfrm>
+            <a:prstGeom prst="straightConnector1">
+              <a:avLst/>
+            </a:prstGeom>
+            <a:ln>
+              <a:tailEnd type="triangle"/>
+            </a:ln>
+          </p:spPr>
+          <p:style>
+            <a:lnRef idx="1">
+              <a:schemeClr val="accent1"/>
+            </a:lnRef>
+            <a:fillRef idx="0">
+              <a:schemeClr val="accent1"/>
+            </a:fillRef>
+            <a:effectRef idx="0">
+              <a:schemeClr val="accent1"/>
+            </a:effectRef>
+            <a:fontRef idx="minor">
+              <a:schemeClr val="tx1"/>
+            </a:fontRef>
+          </p:style>
+        </p:cxnSp>
+        <p:cxnSp>
+          <p:nvCxnSpPr>
+            <p:cNvPr id="7" name="Straight Arrow Connector 6">
+              <a:extLst>
+                <a:ext uri="{FF2B5EF4-FFF2-40B4-BE49-F238E27FC236}">
+                  <a16:creationId xmlns:a16="http://schemas.microsoft.com/office/drawing/2014/main" id="{89927F93-B2EF-F5EF-9DB8-FE58AF54EB4F}"/>
+                </a:ext>
+              </a:extLst>
+            </p:cNvPr>
+            <p:cNvCxnSpPr>
+              <a:cxnSpLocks/>
+              <a:stCxn id="4" idx="4"/>
+            </p:cNvCxnSpPr>
+            <p:nvPr/>
+          </p:nvCxnSpPr>
+          <p:spPr>
+            <a:xfrm>
+              <a:off x="7889847" y="1868341"/>
+              <a:ext cx="843093" cy="922789"/>
+            </a:xfrm>
+            <a:prstGeom prst="straightConnector1">
+              <a:avLst/>
+            </a:prstGeom>
+            <a:ln>
+              <a:tailEnd type="triangle"/>
+            </a:ln>
+          </p:spPr>
+          <p:style>
+            <a:lnRef idx="1">
+              <a:schemeClr val="accent1"/>
+            </a:lnRef>
+            <a:fillRef idx="0">
+              <a:schemeClr val="accent1"/>
+            </a:fillRef>
+            <a:effectRef idx="0">
+              <a:schemeClr val="accent1"/>
+            </a:effectRef>
+            <a:fontRef idx="minor">
+              <a:schemeClr val="tx1"/>
+            </a:fontRef>
+          </p:style>
+        </p:cxnSp>
+        <p:sp>
+          <p:nvSpPr>
+            <p:cNvPr id="10" name="TextBox 9">
+              <a:extLst>
+                <a:ext uri="{FF2B5EF4-FFF2-40B4-BE49-F238E27FC236}">
+                  <a16:creationId xmlns:a16="http://schemas.microsoft.com/office/drawing/2014/main" id="{C97386FD-A153-80F4-14CD-BD045CDF76A7}"/>
+                </a:ext>
+              </a:extLst>
+            </p:cNvPr>
+            <p:cNvSpPr txBox="1"/>
+            <p:nvPr/>
+          </p:nvSpPr>
+          <p:spPr>
+            <a:xfrm>
+              <a:off x="6940837" y="2086347"/>
+              <a:ext cx="485519" cy="369332"/>
+            </a:xfrm>
+            <a:prstGeom prst="rect">
+              <a:avLst/>
+            </a:prstGeom>
+            <a:noFill/>
+          </p:spPr>
+          <p:txBody>
+            <a:bodyPr wrap="none" rtlCol="0">
+              <a:spAutoFit/>
+            </a:bodyPr>
+            <a:lstStyle/>
+            <a:p>
+              <a:r>
+                <a:rPr lang="en-US" dirty="0"/>
+                <a:t>Yes</a:t>
+              </a:r>
+            </a:p>
+          </p:txBody>
+        </p:sp>
+        <p:sp>
+          <p:nvSpPr>
+            <p:cNvPr id="11" name="TextBox 10">
+              <a:extLst>
+                <a:ext uri="{FF2B5EF4-FFF2-40B4-BE49-F238E27FC236}">
+                  <a16:creationId xmlns:a16="http://schemas.microsoft.com/office/drawing/2014/main" id="{FD361A44-8B92-41BF-3738-0D173084D20D}"/>
+                </a:ext>
+              </a:extLst>
+            </p:cNvPr>
+            <p:cNvSpPr txBox="1"/>
+            <p:nvPr/>
+          </p:nvSpPr>
+          <p:spPr>
+            <a:xfrm>
+              <a:off x="8490181" y="2086347"/>
+              <a:ext cx="455574" cy="369332"/>
+            </a:xfrm>
+            <a:prstGeom prst="rect">
+              <a:avLst/>
+            </a:prstGeom>
+            <a:noFill/>
+          </p:spPr>
+          <p:txBody>
+            <a:bodyPr wrap="none" rtlCol="0">
+              <a:spAutoFit/>
+            </a:bodyPr>
+            <a:lstStyle/>
+            <a:p>
+              <a:r>
+                <a:rPr lang="en-US" dirty="0"/>
+                <a:t>No</a:t>
+              </a:r>
+            </a:p>
+          </p:txBody>
+        </p:sp>
+        <p:sp>
+          <p:nvSpPr>
+            <p:cNvPr id="12" name="Oval 11">
+              <a:extLst>
+                <a:ext uri="{FF2B5EF4-FFF2-40B4-BE49-F238E27FC236}">
+                  <a16:creationId xmlns:a16="http://schemas.microsoft.com/office/drawing/2014/main" id="{8E1917C3-FB6B-E7E7-4CBC-1BE7F5575A1E}"/>
+                </a:ext>
+              </a:extLst>
+            </p:cNvPr>
+            <p:cNvSpPr/>
+            <p:nvPr/>
+          </p:nvSpPr>
+          <p:spPr>
+            <a:xfrm>
+              <a:off x="8057626" y="2804020"/>
+              <a:ext cx="1350627" cy="1249960"/>
+            </a:xfrm>
+            <a:prstGeom prst="ellipse">
+              <a:avLst/>
+            </a:prstGeom>
+          </p:spPr>
+          <p:style>
+            <a:lnRef idx="2">
+              <a:schemeClr val="accent1">
+                <a:shade val="15000"/>
+              </a:schemeClr>
+            </a:lnRef>
+            <a:fillRef idx="1">
+              <a:schemeClr val="accent1"/>
+            </a:fillRef>
+            <a:effectRef idx="0">
+              <a:schemeClr val="accent1"/>
+            </a:effectRef>
+            <a:fontRef idx="minor">
+              <a:schemeClr val="lt1"/>
+            </a:fontRef>
+          </p:style>
+          <p:txBody>
+            <a:bodyPr rtlCol="0" anchor="ctr"/>
+            <a:lstStyle/>
+            <a:p>
+              <a:pPr algn="ctr"/>
+              <a:r>
+                <a:rPr lang="en-US" dirty="0"/>
+                <a:t>Rainy?</a:t>
+              </a:r>
+            </a:p>
+          </p:txBody>
+        </p:sp>
+        <p:cxnSp>
+          <p:nvCxnSpPr>
+            <p:cNvPr id="13" name="Straight Arrow Connector 12">
+              <a:extLst>
+                <a:ext uri="{FF2B5EF4-FFF2-40B4-BE49-F238E27FC236}">
+                  <a16:creationId xmlns:a16="http://schemas.microsoft.com/office/drawing/2014/main" id="{F64FA0D8-4568-D129-94A2-14C34ADDDE6B}"/>
+                </a:ext>
+              </a:extLst>
+            </p:cNvPr>
+            <p:cNvCxnSpPr/>
+            <p:nvPr/>
+          </p:nvCxnSpPr>
+          <p:spPr>
+            <a:xfrm flipH="1">
+              <a:off x="7807060" y="4053980"/>
+              <a:ext cx="926984" cy="922789"/>
+            </a:xfrm>
+            <a:prstGeom prst="straightConnector1">
+              <a:avLst/>
+            </a:prstGeom>
+            <a:ln>
+              <a:tailEnd type="triangle"/>
+            </a:ln>
+          </p:spPr>
+          <p:style>
+            <a:lnRef idx="1">
+              <a:schemeClr val="accent1"/>
+            </a:lnRef>
+            <a:fillRef idx="0">
+              <a:schemeClr val="accent1"/>
+            </a:fillRef>
+            <a:effectRef idx="0">
+              <a:schemeClr val="accent1"/>
+            </a:effectRef>
+            <a:fontRef idx="minor">
+              <a:schemeClr val="tx1"/>
+            </a:fontRef>
+          </p:style>
+        </p:cxnSp>
+        <p:sp>
+          <p:nvSpPr>
+            <p:cNvPr id="14" name="TextBox 13">
+              <a:extLst>
+                <a:ext uri="{FF2B5EF4-FFF2-40B4-BE49-F238E27FC236}">
+                  <a16:creationId xmlns:a16="http://schemas.microsoft.com/office/drawing/2014/main" id="{DDD51714-3221-D97C-A02A-A23496FD7D07}"/>
+                </a:ext>
+              </a:extLst>
+            </p:cNvPr>
+            <p:cNvSpPr txBox="1"/>
+            <p:nvPr/>
+          </p:nvSpPr>
+          <p:spPr>
+            <a:xfrm>
+              <a:off x="7889846" y="4082836"/>
+              <a:ext cx="485519" cy="369332"/>
+            </a:xfrm>
+            <a:prstGeom prst="rect">
+              <a:avLst/>
+            </a:prstGeom>
+            <a:noFill/>
+          </p:spPr>
+          <p:txBody>
+            <a:bodyPr wrap="none" rtlCol="0">
+              <a:spAutoFit/>
+            </a:bodyPr>
+            <a:lstStyle/>
+            <a:p>
+              <a:r>
+                <a:rPr lang="en-US" dirty="0"/>
+                <a:t>Yes</a:t>
+              </a:r>
+            </a:p>
+          </p:txBody>
+        </p:sp>
+        <p:cxnSp>
+          <p:nvCxnSpPr>
+            <p:cNvPr id="15" name="Straight Arrow Connector 14">
+              <a:extLst>
+                <a:ext uri="{FF2B5EF4-FFF2-40B4-BE49-F238E27FC236}">
+                  <a16:creationId xmlns:a16="http://schemas.microsoft.com/office/drawing/2014/main" id="{D3EA4DD5-7BE8-BDDE-40DC-7B5729CF0B95}"/>
+                </a:ext>
+              </a:extLst>
+            </p:cNvPr>
+            <p:cNvCxnSpPr>
+              <a:cxnSpLocks/>
+            </p:cNvCxnSpPr>
+            <p:nvPr/>
+          </p:nvCxnSpPr>
+          <p:spPr>
+            <a:xfrm>
+              <a:off x="8716684" y="3990774"/>
+              <a:ext cx="843093" cy="922789"/>
+            </a:xfrm>
+            <a:prstGeom prst="straightConnector1">
+              <a:avLst/>
+            </a:prstGeom>
+            <a:ln>
+              <a:tailEnd type="triangle"/>
+            </a:ln>
+          </p:spPr>
+          <p:style>
+            <a:lnRef idx="1">
+              <a:schemeClr val="accent1"/>
+            </a:lnRef>
+            <a:fillRef idx="0">
+              <a:schemeClr val="accent1"/>
+            </a:fillRef>
+            <a:effectRef idx="0">
+              <a:schemeClr val="accent1"/>
+            </a:effectRef>
+            <a:fontRef idx="minor">
+              <a:schemeClr val="tx1"/>
+            </a:fontRef>
+          </p:style>
+        </p:cxnSp>
+        <p:sp>
+          <p:nvSpPr>
+            <p:cNvPr id="16" name="TextBox 15">
+              <a:extLst>
+                <a:ext uri="{FF2B5EF4-FFF2-40B4-BE49-F238E27FC236}">
+                  <a16:creationId xmlns:a16="http://schemas.microsoft.com/office/drawing/2014/main" id="{8429B965-74F4-134C-9E0E-A1E3ABB11A45}"/>
+                </a:ext>
+              </a:extLst>
+            </p:cNvPr>
+            <p:cNvSpPr txBox="1"/>
+            <p:nvPr/>
+          </p:nvSpPr>
+          <p:spPr>
+            <a:xfrm>
+              <a:off x="9317016" y="4208780"/>
+              <a:ext cx="455574" cy="369332"/>
+            </a:xfrm>
+            <a:prstGeom prst="rect">
+              <a:avLst/>
+            </a:prstGeom>
+            <a:noFill/>
+          </p:spPr>
+          <p:txBody>
+            <a:bodyPr wrap="none" rtlCol="0">
+              <a:spAutoFit/>
+            </a:bodyPr>
+            <a:lstStyle/>
+            <a:p>
+              <a:r>
+                <a:rPr lang="en-US" dirty="0"/>
+                <a:t>No</a:t>
+              </a:r>
+            </a:p>
+          </p:txBody>
+        </p:sp>
+        <p:sp>
+          <p:nvSpPr>
+            <p:cNvPr id="18" name="Oval 17">
+              <a:extLst>
+                <a:ext uri="{FF2B5EF4-FFF2-40B4-BE49-F238E27FC236}">
+                  <a16:creationId xmlns:a16="http://schemas.microsoft.com/office/drawing/2014/main" id="{2E12593E-62BB-AEAB-7E16-B8A92DE6B379}"/>
+                </a:ext>
+              </a:extLst>
+            </p:cNvPr>
+            <p:cNvSpPr/>
+            <p:nvPr/>
+          </p:nvSpPr>
+          <p:spPr>
+            <a:xfrm>
+              <a:off x="6287550" y="2791130"/>
+              <a:ext cx="1350627" cy="1249960"/>
+            </a:xfrm>
+            <a:prstGeom prst="ellipse">
+              <a:avLst/>
+            </a:prstGeom>
+            <a:solidFill>
+              <a:schemeClr val="accent2"/>
+            </a:solidFill>
+          </p:spPr>
+          <p:style>
+            <a:lnRef idx="2">
+              <a:schemeClr val="accent1">
+                <a:shade val="15000"/>
+              </a:schemeClr>
+            </a:lnRef>
+            <a:fillRef idx="1">
+              <a:schemeClr val="accent1"/>
+            </a:fillRef>
+            <a:effectRef idx="0">
+              <a:schemeClr val="accent1"/>
+            </a:effectRef>
+            <a:fontRef idx="minor">
+              <a:schemeClr val="lt1"/>
+            </a:fontRef>
+          </p:style>
+          <p:txBody>
+            <a:bodyPr rtlCol="0" anchor="ctr"/>
+            <a:lstStyle/>
+            <a:p>
+              <a:pPr algn="ctr"/>
+              <a:r>
+                <a:rPr lang="en-US" dirty="0"/>
+                <a:t>Ice Cream</a:t>
+              </a:r>
+            </a:p>
+          </p:txBody>
+        </p:sp>
+        <p:sp>
+          <p:nvSpPr>
+            <p:cNvPr id="19" name="Oval 18">
+              <a:extLst>
+                <a:ext uri="{FF2B5EF4-FFF2-40B4-BE49-F238E27FC236}">
+                  <a16:creationId xmlns:a16="http://schemas.microsoft.com/office/drawing/2014/main" id="{3C277521-CF21-9DBB-33F8-1D3AC12CDEDB}"/>
+                </a:ext>
+              </a:extLst>
+            </p:cNvPr>
+            <p:cNvSpPr/>
+            <p:nvPr/>
+          </p:nvSpPr>
+          <p:spPr>
+            <a:xfrm>
+              <a:off x="7183596" y="4976769"/>
+              <a:ext cx="1350627" cy="1249960"/>
+            </a:xfrm>
+            <a:prstGeom prst="ellipse">
+              <a:avLst/>
+            </a:prstGeom>
+            <a:solidFill>
+              <a:schemeClr val="accent2"/>
+            </a:solidFill>
+          </p:spPr>
+          <p:style>
+            <a:lnRef idx="2">
+              <a:schemeClr val="accent1">
+                <a:shade val="15000"/>
+              </a:schemeClr>
+            </a:lnRef>
+            <a:fillRef idx="1">
+              <a:schemeClr val="accent1"/>
+            </a:fillRef>
+            <a:effectRef idx="0">
+              <a:schemeClr val="accent1"/>
+            </a:effectRef>
+            <a:fontRef idx="minor">
+              <a:schemeClr val="lt1"/>
+            </a:fontRef>
+          </p:style>
+          <p:txBody>
+            <a:bodyPr rtlCol="0" anchor="ctr"/>
+            <a:lstStyle/>
+            <a:p>
+              <a:pPr algn="ctr"/>
+              <a:r>
+                <a:rPr lang="en-US" dirty="0" err="1"/>
+                <a:t>Bajji</a:t>
+              </a:r>
+              <a:endParaRPr lang="en-US" dirty="0"/>
+            </a:p>
+          </p:txBody>
+        </p:sp>
+        <p:sp>
+          <p:nvSpPr>
+            <p:cNvPr id="20" name="Oval 19">
+              <a:extLst>
+                <a:ext uri="{FF2B5EF4-FFF2-40B4-BE49-F238E27FC236}">
+                  <a16:creationId xmlns:a16="http://schemas.microsoft.com/office/drawing/2014/main" id="{A7C428C6-AB59-E290-E95A-310C63863744}"/>
+                </a:ext>
+              </a:extLst>
+            </p:cNvPr>
+            <p:cNvSpPr/>
+            <p:nvPr/>
+          </p:nvSpPr>
+          <p:spPr>
+            <a:xfrm>
+              <a:off x="8945755" y="4913563"/>
+              <a:ext cx="1350627" cy="1249960"/>
+            </a:xfrm>
+            <a:prstGeom prst="ellipse">
+              <a:avLst/>
+            </a:prstGeom>
+            <a:solidFill>
+              <a:schemeClr val="accent2"/>
+            </a:solidFill>
+          </p:spPr>
+          <p:style>
+            <a:lnRef idx="2">
+              <a:schemeClr val="accent1">
+                <a:shade val="15000"/>
+              </a:schemeClr>
+            </a:lnRef>
+            <a:fillRef idx="1">
+              <a:schemeClr val="accent1"/>
+            </a:fillRef>
+            <a:effectRef idx="0">
+              <a:schemeClr val="accent1"/>
+            </a:effectRef>
+            <a:fontRef idx="minor">
+              <a:schemeClr val="lt1"/>
+            </a:fontRef>
+          </p:style>
+          <p:txBody>
+            <a:bodyPr rtlCol="0" anchor="ctr"/>
+            <a:lstStyle/>
+            <a:p>
+              <a:pPr algn="ctr"/>
+              <a:r>
+                <a:rPr lang="en-US" dirty="0"/>
+                <a:t>Tea</a:t>
+              </a:r>
+            </a:p>
+          </p:txBody>
+        </p:sp>
+        <p:sp>
+          <p:nvSpPr>
+            <p:cNvPr id="21" name="TextBox 20">
+              <a:extLst>
+                <a:ext uri="{FF2B5EF4-FFF2-40B4-BE49-F238E27FC236}">
+                  <a16:creationId xmlns:a16="http://schemas.microsoft.com/office/drawing/2014/main" id="{94D825B0-F275-0F56-726F-F4A042F342B1}"/>
+                </a:ext>
+              </a:extLst>
+            </p:cNvPr>
+            <p:cNvSpPr txBox="1"/>
+            <p:nvPr/>
+          </p:nvSpPr>
+          <p:spPr>
+            <a:xfrm>
+              <a:off x="7296542" y="242604"/>
+              <a:ext cx="1186607" cy="369332"/>
+            </a:xfrm>
+            <a:prstGeom prst="rect">
+              <a:avLst/>
+            </a:prstGeom>
+            <a:noFill/>
+          </p:spPr>
+          <p:txBody>
+            <a:bodyPr wrap="none" rtlCol="0">
+              <a:spAutoFit/>
+            </a:bodyPr>
+            <a:lstStyle/>
+            <a:p>
+              <a:r>
+                <a:rPr lang="en-US" dirty="0"/>
+                <a:t>Root Node</a:t>
+              </a:r>
+            </a:p>
+          </p:txBody>
+        </p:sp>
+        <p:sp>
+          <p:nvSpPr>
+            <p:cNvPr id="22" name="TextBox 21">
+              <a:extLst>
+                <a:ext uri="{FF2B5EF4-FFF2-40B4-BE49-F238E27FC236}">
+                  <a16:creationId xmlns:a16="http://schemas.microsoft.com/office/drawing/2014/main" id="{EAF840FB-AFE1-EC4E-166F-A3481068D24B}"/>
+                </a:ext>
+              </a:extLst>
+            </p:cNvPr>
+            <p:cNvSpPr txBox="1"/>
+            <p:nvPr/>
+          </p:nvSpPr>
+          <p:spPr>
+            <a:xfrm>
+              <a:off x="6328967" y="3961377"/>
+              <a:ext cx="1138711" cy="369332"/>
+            </a:xfrm>
+            <a:prstGeom prst="rect">
+              <a:avLst/>
+            </a:prstGeom>
+            <a:noFill/>
+          </p:spPr>
+          <p:txBody>
+            <a:bodyPr wrap="none" rtlCol="0">
+              <a:spAutoFit/>
+            </a:bodyPr>
+            <a:lstStyle/>
+            <a:p>
+              <a:r>
+                <a:rPr lang="en-US" dirty="0"/>
+                <a:t>Leaf Node</a:t>
+              </a:r>
+            </a:p>
+          </p:txBody>
+        </p:sp>
+        <p:sp>
+          <p:nvSpPr>
+            <p:cNvPr id="23" name="TextBox 22">
+              <a:extLst>
+                <a:ext uri="{FF2B5EF4-FFF2-40B4-BE49-F238E27FC236}">
+                  <a16:creationId xmlns:a16="http://schemas.microsoft.com/office/drawing/2014/main" id="{A38BCD8E-CF41-BC15-073A-F5B16DCA6394}"/>
+                </a:ext>
+              </a:extLst>
+            </p:cNvPr>
+            <p:cNvSpPr txBox="1"/>
+            <p:nvPr/>
+          </p:nvSpPr>
+          <p:spPr>
+            <a:xfrm>
+              <a:off x="7068822" y="6268476"/>
+              <a:ext cx="1138711" cy="369332"/>
+            </a:xfrm>
+            <a:prstGeom prst="rect">
+              <a:avLst/>
+            </a:prstGeom>
+            <a:noFill/>
+          </p:spPr>
+          <p:txBody>
+            <a:bodyPr wrap="none" rtlCol="0">
+              <a:spAutoFit/>
+            </a:bodyPr>
+            <a:lstStyle/>
+            <a:p>
+              <a:r>
+                <a:rPr lang="en-US" dirty="0"/>
+                <a:t>Leaf Node</a:t>
+              </a:r>
+            </a:p>
+          </p:txBody>
+        </p:sp>
+        <p:sp>
+          <p:nvSpPr>
+            <p:cNvPr id="24" name="TextBox 23">
+              <a:extLst>
+                <a:ext uri="{FF2B5EF4-FFF2-40B4-BE49-F238E27FC236}">
+                  <a16:creationId xmlns:a16="http://schemas.microsoft.com/office/drawing/2014/main" id="{E52AA769-8BC8-E39E-081D-B7D2A2EA2827}"/>
+                </a:ext>
+              </a:extLst>
+            </p:cNvPr>
+            <p:cNvSpPr txBox="1"/>
+            <p:nvPr/>
+          </p:nvSpPr>
+          <p:spPr>
+            <a:xfrm>
+              <a:off x="9157670" y="6228755"/>
+              <a:ext cx="1138710" cy="369332"/>
+            </a:xfrm>
+            <a:prstGeom prst="rect">
+              <a:avLst/>
+            </a:prstGeom>
+            <a:noFill/>
+          </p:spPr>
+          <p:txBody>
+            <a:bodyPr wrap="none" rtlCol="0">
+              <a:spAutoFit/>
+            </a:bodyPr>
+            <a:lstStyle/>
+            <a:p>
+              <a:r>
+                <a:rPr lang="en-US" dirty="0"/>
+                <a:t>Leaf Node</a:t>
+              </a:r>
+            </a:p>
+          </p:txBody>
+        </p:sp>
+      </p:grpSp>
+    </p:spTree>
+    <p:extLst>
+      <p:ext uri="{BB962C8B-B14F-4D97-AF65-F5344CB8AC3E}">
+        <p14:creationId xmlns:p14="http://schemas.microsoft.com/office/powerpoint/2010/main" val="1221890830"/>
+      </p:ext>
+    </p:extLst>
+  </p:cSld>
+  <p:clrMapOvr>
+    <a:masterClrMapping/>
+  </p:clrMapOvr>
+</p:sld>
+</file>
+
+<file path=ppt/slides/slide4.xml><?xml version="1.0" encoding="utf-8"?>
+<p:sld xmlns:a="http://schemas.openxmlformats.org/drawingml/2006/main" xmlns:r="http://schemas.openxmlformats.org/officeDocument/2006/relationships" xmlns:p="http://schemas.openxmlformats.org/presentationml/2006/main">
+  <p:cSld>
+    <p:spTree>
+      <p:nvGrpSpPr>
+        <p:cNvPr id="1" name=""/>
+        <p:cNvGrpSpPr/>
+        <p:nvPr/>
+      </p:nvGrpSpPr>
+      <p:grpSpPr>
+        <a:xfrm>
+          <a:off x="0" y="0"/>
+          <a:ext cx="0" cy="0"/>
+          <a:chOff x="0" y="0"/>
+          <a:chExt cx="0" cy="0"/>
+        </a:xfrm>
+      </p:grpSpPr>
+      <p:sp>
+        <p:nvSpPr>
+          <p:cNvPr id="2" name="Title 1">
+            <a:extLst>
+              <a:ext uri="{FF2B5EF4-FFF2-40B4-BE49-F238E27FC236}">
+                <a16:creationId xmlns:a16="http://schemas.microsoft.com/office/drawing/2014/main" id="{3D125364-4385-6331-2E0E-02C1915293E0}"/>
+              </a:ext>
+            </a:extLst>
+          </p:cNvPr>
+          <p:cNvSpPr>
+            <a:spLocks noGrp="1"/>
+          </p:cNvSpPr>
+          <p:nvPr>
+            <p:ph type="title"/>
+          </p:nvPr>
+        </p:nvSpPr>
+        <p:spPr/>
+        <p:txBody>
+          <a:bodyPr/>
+          <a:lstStyle/>
+          <a:p>
+            <a:r>
+              <a:rPr lang="en-US" dirty="0"/>
+              <a:t>Understanding Success</a:t>
+            </a:r>
+          </a:p>
+        </p:txBody>
+      </p:sp>
+      <p:sp>
+        <p:nvSpPr>
+          <p:cNvPr id="3" name="Content Placeholder 2">
+            <a:extLst>
+              <a:ext uri="{FF2B5EF4-FFF2-40B4-BE49-F238E27FC236}">
+                <a16:creationId xmlns:a16="http://schemas.microsoft.com/office/drawing/2014/main" id="{D45CFC62-A670-21F7-0A1B-08F4DCC6C8DE}"/>
+              </a:ext>
+            </a:extLst>
+          </p:cNvPr>
+          <p:cNvSpPr>
+            <a:spLocks noGrp="1"/>
+          </p:cNvSpPr>
+          <p:nvPr>
+            <p:ph idx="1"/>
+          </p:nvPr>
+        </p:nvSpPr>
+        <p:spPr/>
+        <p:txBody>
+          <a:bodyPr/>
+          <a:lstStyle/>
+          <a:p>
+            <a:r>
+              <a:rPr lang="en-US" dirty="0"/>
+              <a:t>Effectiveness of a decision tree classifier is measured by using a dataset that has existing class labels. </a:t>
+            </a:r>
+          </a:p>
+          <a:p>
+            <a:r>
+              <a:rPr lang="en-US" dirty="0"/>
+              <a:t>Indicators:</a:t>
+            </a:r>
+          </a:p>
+          <a:p>
+            <a:pPr lvl="1"/>
+            <a:r>
+              <a:rPr lang="en-US" dirty="0"/>
+              <a:t>Degree of misclassification</a:t>
+            </a:r>
+          </a:p>
+          <a:p>
+            <a:pPr lvl="2"/>
+            <a:r>
+              <a:rPr lang="en-US" dirty="0"/>
+              <a:t>Accuracy</a:t>
+            </a:r>
+          </a:p>
+          <a:p>
+            <a:pPr lvl="2"/>
+            <a:r>
+              <a:rPr lang="en-US" dirty="0"/>
+              <a:t>Recall/Sensitivity - TPR</a:t>
+            </a:r>
+          </a:p>
+          <a:p>
+            <a:pPr lvl="2"/>
+            <a:r>
+              <a:rPr lang="en-US" dirty="0"/>
+              <a:t>Precision</a:t>
+            </a:r>
+          </a:p>
+          <a:p>
+            <a:pPr lvl="2"/>
+            <a:r>
+              <a:rPr lang="en-US" dirty="0"/>
+              <a:t>FPR</a:t>
+            </a:r>
+          </a:p>
+          <a:p>
+            <a:pPr lvl="1"/>
+            <a:endParaRPr lang="en-US" dirty="0"/>
+          </a:p>
+        </p:txBody>
+      </p:sp>
+    </p:spTree>
+    <p:extLst>
+      <p:ext uri="{BB962C8B-B14F-4D97-AF65-F5344CB8AC3E}">
+        <p14:creationId xmlns:p14="http://schemas.microsoft.com/office/powerpoint/2010/main" val="2081715045"/>
+      </p:ext>
+    </p:extLst>
+  </p:cSld>
+  <p:clrMapOvr>
+    <a:masterClrMapping/>
+  </p:clrMapOvr>
+</p:sld>
+</file>
+
+<file path=ppt/slides/slide5.xml><?xml version="1.0" encoding="utf-8"?>
+<p:sld xmlns:a="http://schemas.openxmlformats.org/drawingml/2006/main" xmlns:r="http://schemas.openxmlformats.org/officeDocument/2006/relationships" xmlns:p="http://schemas.openxmlformats.org/presentationml/2006/main">
+  <p:cSld>
+    <p:spTree>
+      <p:nvGrpSpPr>
+        <p:cNvPr id="1" name=""/>
+        <p:cNvGrpSpPr/>
+        <p:nvPr/>
+      </p:nvGrpSpPr>
+      <p:grpSpPr>
+        <a:xfrm>
+          <a:off x="0" y="0"/>
+          <a:ext cx="0" cy="0"/>
+          <a:chOff x="0" y="0"/>
+          <a:chExt cx="0" cy="0"/>
+        </a:xfrm>
+      </p:grpSpPr>
+      <p:sp>
+        <p:nvSpPr>
+          <p:cNvPr id="2" name="Title 1">
+            <a:extLst>
+              <a:ext uri="{FF2B5EF4-FFF2-40B4-BE49-F238E27FC236}">
+                <a16:creationId xmlns:a16="http://schemas.microsoft.com/office/drawing/2014/main" id="{8E5880B9-3062-A96C-307C-4559348E1CAC}"/>
+              </a:ext>
+            </a:extLst>
+          </p:cNvPr>
+          <p:cNvSpPr>
+            <a:spLocks noGrp="1"/>
+          </p:cNvSpPr>
+          <p:nvPr>
+            <p:ph type="title"/>
+          </p:nvPr>
+        </p:nvSpPr>
+        <p:spPr/>
+        <p:txBody>
+          <a:bodyPr/>
+          <a:lstStyle/>
+          <a:p>
+            <a:r>
+              <a:rPr lang="en-US"/>
+              <a:t>Misclassification Metric</a:t>
+            </a:r>
+            <a:endParaRPr lang="en-US" dirty="0"/>
+          </a:p>
+        </p:txBody>
+      </p:sp>
+      <p:sp>
+        <p:nvSpPr>
+          <p:cNvPr id="3" name="Content Placeholder 2">
+            <a:extLst>
+              <a:ext uri="{FF2B5EF4-FFF2-40B4-BE49-F238E27FC236}">
+                <a16:creationId xmlns:a16="http://schemas.microsoft.com/office/drawing/2014/main" id="{D240EB75-D57C-BDBA-67D8-83BC08B6FD9A}"/>
+              </a:ext>
+            </a:extLst>
+          </p:cNvPr>
+          <p:cNvSpPr>
+            <a:spLocks noGrp="1"/>
+          </p:cNvSpPr>
+          <p:nvPr>
+            <p:ph idx="1"/>
+          </p:nvPr>
+        </p:nvSpPr>
+        <p:spPr/>
+        <p:txBody>
+          <a:bodyPr/>
+          <a:lstStyle/>
+          <a:p>
+            <a:endParaRPr lang="en-US"/>
+          </a:p>
+        </p:txBody>
+      </p:sp>
+    </p:spTree>
+    <p:extLst>
+      <p:ext uri="{BB962C8B-B14F-4D97-AF65-F5344CB8AC3E}">
+        <p14:creationId xmlns:p14="http://schemas.microsoft.com/office/powerpoint/2010/main" val="1274289020"/>
+      </p:ext>
+    </p:extLst>
+  </p:cSld>
+  <p:clrMapOvr>
+    <a:masterClrMapping/>
+  </p:clrMapOvr>
+</p:sld>
+</file>
+
+<file path=ppt/slides/slide6.xml><?xml version="1.0" encoding="utf-8"?>
+<p:sld xmlns:a="http://schemas.openxmlformats.org/drawingml/2006/main" xmlns:r="http://schemas.openxmlformats.org/officeDocument/2006/relationships" xmlns:p="http://schemas.openxmlformats.org/presentationml/2006/main">
+  <p:cSld>
+    <p:spTree>
+      <p:nvGrpSpPr>
+        <p:cNvPr id="1" name=""/>
+        <p:cNvGrpSpPr/>
+        <p:nvPr/>
+      </p:nvGrpSpPr>
+      <p:grpSpPr>
+        <a:xfrm>
+          <a:off x="0" y="0"/>
+          <a:ext cx="0" cy="0"/>
+          <a:chOff x="0" y="0"/>
+          <a:chExt cx="0" cy="0"/>
+        </a:xfrm>
+      </p:grpSpPr>
+      <p:sp>
+        <p:nvSpPr>
+          <p:cNvPr id="2" name="Title 1">
+            <a:extLst>
+              <a:ext uri="{FF2B5EF4-FFF2-40B4-BE49-F238E27FC236}">
+                <a16:creationId xmlns:a16="http://schemas.microsoft.com/office/drawing/2014/main" id="{C84B770B-7928-4294-938C-54F566403029}"/>
+              </a:ext>
+            </a:extLst>
+          </p:cNvPr>
+          <p:cNvSpPr>
+            <a:spLocks noGrp="1"/>
+          </p:cNvSpPr>
+          <p:nvPr>
+            <p:ph type="title"/>
+          </p:nvPr>
+        </p:nvSpPr>
+        <p:spPr/>
+        <p:txBody>
+          <a:bodyPr/>
+          <a:lstStyle/>
+          <a:p>
+            <a:r>
+              <a:rPr lang="en-US" dirty="0"/>
+              <a:t>Entropy Metric</a:t>
+            </a:r>
+          </a:p>
+        </p:txBody>
+      </p:sp>
+      <p:sp>
+        <p:nvSpPr>
+          <p:cNvPr id="3" name="Content Placeholder 2">
+            <a:extLst>
+              <a:ext uri="{FF2B5EF4-FFF2-40B4-BE49-F238E27FC236}">
+                <a16:creationId xmlns:a16="http://schemas.microsoft.com/office/drawing/2014/main" id="{369D591D-FB53-0999-0AC9-06E05CE59713}"/>
+              </a:ext>
+            </a:extLst>
+          </p:cNvPr>
+          <p:cNvSpPr>
+            <a:spLocks noGrp="1"/>
+          </p:cNvSpPr>
+          <p:nvPr>
+            <p:ph idx="1"/>
+          </p:nvPr>
+        </p:nvSpPr>
+        <p:spPr/>
+        <p:txBody>
+          <a:bodyPr/>
+          <a:lstStyle/>
+          <a:p>
+            <a:endParaRPr lang="en-US"/>
+          </a:p>
+        </p:txBody>
+      </p:sp>
+    </p:spTree>
+    <p:extLst>
+      <p:ext uri="{BB962C8B-B14F-4D97-AF65-F5344CB8AC3E}">
+        <p14:creationId xmlns:p14="http://schemas.microsoft.com/office/powerpoint/2010/main" val="1680382787"/>
+      </p:ext>
+    </p:extLst>
+  </p:cSld>
+  <p:clrMapOvr>
+    <a:masterClrMapping/>
+  </p:clrMapOvr>
+</p:sld>
+</file>
+
+<file path=ppt/slides/slide7.xml><?xml version="1.0" encoding="utf-8"?>
+<p:sld xmlns:a="http://schemas.openxmlformats.org/drawingml/2006/main" xmlns:r="http://schemas.openxmlformats.org/officeDocument/2006/relationships" xmlns:p="http://schemas.openxmlformats.org/presentationml/2006/main">
+  <p:cSld>
+    <p:spTree>
+      <p:nvGrpSpPr>
+        <p:cNvPr id="1" name=""/>
+        <p:cNvGrpSpPr/>
+        <p:nvPr/>
+      </p:nvGrpSpPr>
+      <p:grpSpPr>
+        <a:xfrm>
+          <a:off x="0" y="0"/>
+          <a:ext cx="0" cy="0"/>
+          <a:chOff x="0" y="0"/>
+          <a:chExt cx="0" cy="0"/>
+        </a:xfrm>
+      </p:grpSpPr>
+      <p:sp>
+        <p:nvSpPr>
+          <p:cNvPr id="2" name="Title 1">
+            <a:extLst>
+              <a:ext uri="{FF2B5EF4-FFF2-40B4-BE49-F238E27FC236}">
+                <a16:creationId xmlns:a16="http://schemas.microsoft.com/office/drawing/2014/main" id="{4F1261DB-738A-7255-D20B-EBC43962B8AC}"/>
+              </a:ext>
+            </a:extLst>
+          </p:cNvPr>
+          <p:cNvSpPr>
+            <a:spLocks noGrp="1"/>
+          </p:cNvSpPr>
+          <p:nvPr>
+            <p:ph type="title"/>
+          </p:nvPr>
+        </p:nvSpPr>
+        <p:spPr/>
+        <p:txBody>
+          <a:bodyPr/>
+          <a:lstStyle/>
+          <a:p>
+            <a:r>
+              <a:rPr lang="en-US" dirty="0"/>
+              <a:t>Gini Metric</a:t>
+            </a:r>
+          </a:p>
+        </p:txBody>
+      </p:sp>
+      <p:sp>
+        <p:nvSpPr>
+          <p:cNvPr id="3" name="Content Placeholder 2">
+            <a:extLst>
+              <a:ext uri="{FF2B5EF4-FFF2-40B4-BE49-F238E27FC236}">
+                <a16:creationId xmlns:a16="http://schemas.microsoft.com/office/drawing/2014/main" id="{1902F06A-DBBA-FAC1-6F16-EDA8BADAA57F}"/>
+              </a:ext>
+            </a:extLst>
+          </p:cNvPr>
+          <p:cNvSpPr>
+            <a:spLocks noGrp="1"/>
+          </p:cNvSpPr>
+          <p:nvPr>
+            <p:ph idx="1"/>
+          </p:nvPr>
+        </p:nvSpPr>
+        <p:spPr/>
+        <p:txBody>
+          <a:bodyPr/>
+          <a:lstStyle/>
+          <a:p>
+            <a:endParaRPr lang="en-US"/>
+          </a:p>
+        </p:txBody>
+      </p:sp>
+    </p:spTree>
+    <p:extLst>
+      <p:ext uri="{BB962C8B-B14F-4D97-AF65-F5344CB8AC3E}">
+        <p14:creationId xmlns:p14="http://schemas.microsoft.com/office/powerpoint/2010/main" val="1156644528"/>
       </p:ext>
     </p:extLst>
   </p:cSld>

--- a/DecisionTrees/DecisionTrees.pptx
+++ b/DecisionTrees/DecisionTrees.pptx
@@ -265,7 +265,7 @@
           <a:p>
             <a:fld id="{7E292AB8-5F8F-4402-9592-F9413DCC0C16}" type="datetimeFigureOut">
               <a:rPr lang="en-US" smtClean="0"/>
-              <a:t>7/2/2023</a:t>
+              <a:t>7/3/2023</a:t>
             </a:fld>
             <a:endParaRPr lang="en-US"/>
           </a:p>
@@ -463,7 +463,7 @@
           <a:p>
             <a:fld id="{7E292AB8-5F8F-4402-9592-F9413DCC0C16}" type="datetimeFigureOut">
               <a:rPr lang="en-US" smtClean="0"/>
-              <a:t>7/2/2023</a:t>
+              <a:t>7/3/2023</a:t>
             </a:fld>
             <a:endParaRPr lang="en-US"/>
           </a:p>
@@ -671,7 +671,7 @@
           <a:p>
             <a:fld id="{7E292AB8-5F8F-4402-9592-F9413DCC0C16}" type="datetimeFigureOut">
               <a:rPr lang="en-US" smtClean="0"/>
-              <a:t>7/2/2023</a:t>
+              <a:t>7/3/2023</a:t>
             </a:fld>
             <a:endParaRPr lang="en-US"/>
           </a:p>
@@ -869,7 +869,7 @@
           <a:p>
             <a:fld id="{7E292AB8-5F8F-4402-9592-F9413DCC0C16}" type="datetimeFigureOut">
               <a:rPr lang="en-US" smtClean="0"/>
-              <a:t>7/2/2023</a:t>
+              <a:t>7/3/2023</a:t>
             </a:fld>
             <a:endParaRPr lang="en-US"/>
           </a:p>
@@ -1144,7 +1144,7 @@
           <a:p>
             <a:fld id="{7E292AB8-5F8F-4402-9592-F9413DCC0C16}" type="datetimeFigureOut">
               <a:rPr lang="en-US" smtClean="0"/>
-              <a:t>7/2/2023</a:t>
+              <a:t>7/3/2023</a:t>
             </a:fld>
             <a:endParaRPr lang="en-US"/>
           </a:p>
@@ -1409,7 +1409,7 @@
           <a:p>
             <a:fld id="{7E292AB8-5F8F-4402-9592-F9413DCC0C16}" type="datetimeFigureOut">
               <a:rPr lang="en-US" smtClean="0"/>
-              <a:t>7/2/2023</a:t>
+              <a:t>7/3/2023</a:t>
             </a:fld>
             <a:endParaRPr lang="en-US"/>
           </a:p>
@@ -1821,7 +1821,7 @@
           <a:p>
             <a:fld id="{7E292AB8-5F8F-4402-9592-F9413DCC0C16}" type="datetimeFigureOut">
               <a:rPr lang="en-US" smtClean="0"/>
-              <a:t>7/2/2023</a:t>
+              <a:t>7/3/2023</a:t>
             </a:fld>
             <a:endParaRPr lang="en-US"/>
           </a:p>
@@ -1962,7 +1962,7 @@
           <a:p>
             <a:fld id="{7E292AB8-5F8F-4402-9592-F9413DCC0C16}" type="datetimeFigureOut">
               <a:rPr lang="en-US" smtClean="0"/>
-              <a:t>7/2/2023</a:t>
+              <a:t>7/3/2023</a:t>
             </a:fld>
             <a:endParaRPr lang="en-US"/>
           </a:p>
@@ -2075,7 +2075,7 @@
           <a:p>
             <a:fld id="{7E292AB8-5F8F-4402-9592-F9413DCC0C16}" type="datetimeFigureOut">
               <a:rPr lang="en-US" smtClean="0"/>
-              <a:t>7/2/2023</a:t>
+              <a:t>7/3/2023</a:t>
             </a:fld>
             <a:endParaRPr lang="en-US"/>
           </a:p>
@@ -2386,7 +2386,7 @@
           <a:p>
             <a:fld id="{7E292AB8-5F8F-4402-9592-F9413DCC0C16}" type="datetimeFigureOut">
               <a:rPr lang="en-US" smtClean="0"/>
-              <a:t>7/2/2023</a:t>
+              <a:t>7/3/2023</a:t>
             </a:fld>
             <a:endParaRPr lang="en-US"/>
           </a:p>
@@ -2674,7 +2674,7 @@
           <a:p>
             <a:fld id="{7E292AB8-5F8F-4402-9592-F9413DCC0C16}" type="datetimeFigureOut">
               <a:rPr lang="en-US" smtClean="0"/>
-              <a:t>7/2/2023</a:t>
+              <a:t>7/3/2023</a:t>
             </a:fld>
             <a:endParaRPr lang="en-US"/>
           </a:p>
@@ -2915,7 +2915,7 @@
           <a:p>
             <a:fld id="{7E292AB8-5F8F-4402-9592-F9413DCC0C16}" type="datetimeFigureOut">
               <a:rPr lang="en-US" smtClean="0"/>
-              <a:t>7/2/2023</a:t>
+              <a:t>7/3/2023</a:t>
             </a:fld>
             <a:endParaRPr lang="en-US"/>
           </a:p>
@@ -3443,8 +3443,8 @@
           </a:p>
         </p:txBody>
       </p:sp>
-      <mc:AlternateContent xmlns:mc="http://schemas.openxmlformats.org/markup-compatibility/2006">
-        <mc:Choice xmlns:a14="http://schemas.microsoft.com/office/drawing/2010/main" Requires="a14">
+      <mc:AlternateContent xmlns:mc="http://schemas.openxmlformats.org/markup-compatibility/2006" xmlns:a14="http://schemas.microsoft.com/office/drawing/2010/main">
+        <mc:Choice Requires="a14">
           <p:sp>
             <p:nvSpPr>
               <p:cNvPr id="3" name="Content Placeholder 2">
@@ -3783,7 +3783,7 @@
             </p:txBody>
           </p:sp>
         </mc:Choice>
-        <mc:Fallback>
+        <mc:Fallback xmlns="">
           <p:sp>
             <p:nvSpPr>
               <p:cNvPr id="3" name="Content Placeholder 2">
@@ -4665,6 +4665,108 @@
             <a:r>
               <a:rPr lang="en-US" dirty="0"/>
               <a:t>Decision Tree</a:t>
+            </a:r>
+          </a:p>
+        </p:txBody>
+      </p:sp>
+      <p:sp>
+        <p:nvSpPr>
+          <p:cNvPr id="5" name="Content Placeholder 4">
+            <a:extLst>
+              <a:ext uri="{FF2B5EF4-FFF2-40B4-BE49-F238E27FC236}">
+                <a16:creationId xmlns:a16="http://schemas.microsoft.com/office/drawing/2014/main" id="{B6551173-A73A-CB52-A954-90FC88F23E27}"/>
+              </a:ext>
+            </a:extLst>
+          </p:cNvPr>
+          <p:cNvSpPr>
+            <a:spLocks noGrp="1"/>
+          </p:cNvSpPr>
+          <p:nvPr>
+            <p:ph idx="1"/>
+          </p:nvPr>
+        </p:nvSpPr>
+        <p:spPr/>
+        <p:txBody>
+          <a:bodyPr/>
+          <a:lstStyle/>
+          <a:p>
+            <a:r>
+              <a:rPr lang="en-AU" dirty="0"/>
+              <a:t>What is Decision Tree:</a:t>
+            </a:r>
+          </a:p>
+          <a:p>
+            <a:pPr lvl="1"/>
+            <a:r>
+              <a:rPr lang="en-AU" dirty="0"/>
+              <a:t>Supervised ML algorithm</a:t>
+            </a:r>
+          </a:p>
+          <a:p>
+            <a:pPr lvl="1"/>
+            <a:r>
+              <a:rPr lang="en-AU" dirty="0"/>
+              <a:t>Tree structure</a:t>
+            </a:r>
+          </a:p>
+          <a:p>
+            <a:pPr lvl="1"/>
+            <a:r>
+              <a:rPr lang="en-AU" dirty="0"/>
+              <a:t> It have root, internal and terminal nodes</a:t>
+            </a:r>
+          </a:p>
+          <a:p>
+            <a:pPr lvl="1"/>
+            <a:r>
+              <a:rPr lang="en-AU" dirty="0"/>
+              <a:t>Construction:</a:t>
+            </a:r>
+          </a:p>
+          <a:p>
+            <a:pPr lvl="2"/>
+            <a:r>
+              <a:rPr lang="en-AU" dirty="0"/>
+              <a:t>Recursively splitting train data set into subsets</a:t>
+            </a:r>
+          </a:p>
+          <a:p>
+            <a:pPr marL="914400" lvl="2" indent="0">
+              <a:buNone/>
+            </a:pPr>
+            <a:r>
+              <a:rPr lang="en-AU" dirty="0"/>
+              <a:t>     based on the values of the attributes until</a:t>
+            </a:r>
+          </a:p>
+          <a:p>
+            <a:pPr marL="914400" lvl="2" indent="0">
+              <a:buNone/>
+            </a:pPr>
+            <a:r>
+              <a:rPr lang="en-AU" dirty="0"/>
+              <a:t>     a stopping criterion is met</a:t>
+            </a:r>
+          </a:p>
+          <a:p>
+            <a:pPr lvl="2"/>
+            <a:r>
+              <a:rPr lang="en-AU" dirty="0"/>
+              <a:t>Stopping criterion:</a:t>
+            </a:r>
+          </a:p>
+          <a:p>
+            <a:pPr lvl="3"/>
+            <a:r>
+              <a:rPr lang="en-AU" dirty="0"/>
+              <a:t>Maximum depth of the tree</a:t>
+            </a:r>
+          </a:p>
+          <a:p>
+            <a:pPr lvl="3"/>
+            <a:r>
+              <a:rPr lang="en-AU" dirty="0"/>
+              <a:t>Minimum number of samples required to split a node</a:t>
             </a:r>
           </a:p>
         </p:txBody>
@@ -5463,9 +5565,16 @@
             <p:ph idx="1"/>
           </p:nvPr>
         </p:nvSpPr>
-        <p:spPr/>
-        <p:txBody>
-          <a:bodyPr/>
+        <p:spPr>
+          <a:xfrm>
+            <a:off x="838200" y="1825625"/>
+            <a:ext cx="10515600" cy="4564542"/>
+          </a:xfrm>
+        </p:spPr>
+        <p:txBody>
+          <a:bodyPr>
+            <a:normAutofit fontScale="85000" lnSpcReduction="10000"/>
+          </a:bodyPr>
           <a:lstStyle/>
           <a:p>
             <a:r>
@@ -5490,29 +5599,71 @@
             <a:pPr lvl="2"/>
             <a:r>
               <a:rPr lang="en-US" dirty="0"/>
-              <a:t>Accuracy</a:t>
+              <a:t>Accuracy: Ratio between the number of all correct predictions to the total number of data points.</a:t>
             </a:r>
           </a:p>
           <a:p>
             <a:pPr lvl="2"/>
+            <a:endParaRPr lang="en-US" dirty="0"/>
+          </a:p>
+          <a:p>
+            <a:pPr lvl="2"/>
             <a:r>
               <a:rPr lang="en-US" dirty="0"/>
-              <a:t>Recall/Sensitivity - TPR</a:t>
-            </a:r>
+              <a:t>Recall/Sensitivity – TPR: Ratio between </a:t>
+            </a:r>
+            <a:r>
+              <a:rPr lang="en-AU" dirty="0"/>
+              <a:t>the number of correct positive predictions to the total number of positives</a:t>
+            </a:r>
+            <a:endParaRPr lang="en-US" dirty="0"/>
           </a:p>
           <a:p>
             <a:pPr lvl="2"/>
+            <a:endParaRPr lang="en-US" dirty="0"/>
+          </a:p>
+          <a:p>
+            <a:pPr lvl="2"/>
             <a:r>
               <a:rPr lang="en-US" dirty="0"/>
-              <a:t>Precision</a:t>
-            </a:r>
+              <a:t>Precision: Ratio between </a:t>
+            </a:r>
+            <a:r>
+              <a:rPr lang="en-AU" dirty="0"/>
+              <a:t>the number of correct positive predictions to the total number of positive predictions</a:t>
+            </a:r>
+            <a:endParaRPr lang="en-US" dirty="0"/>
           </a:p>
           <a:p>
             <a:pPr lvl="2"/>
+            <a:endParaRPr lang="en-US" dirty="0"/>
+          </a:p>
+          <a:p>
+            <a:pPr lvl="2"/>
             <a:r>
               <a:rPr lang="en-US" dirty="0"/>
-              <a:t>FPR</a:t>
-            </a:r>
+              <a:t>FPR: Ratio between </a:t>
+            </a:r>
+            <a:r>
+              <a:rPr lang="en-AU" dirty="0"/>
+              <a:t>the number of incorrect positive predictions to the total number of negatives</a:t>
+            </a:r>
+          </a:p>
+          <a:p>
+            <a:pPr lvl="2"/>
+            <a:endParaRPr lang="en-US" dirty="0"/>
+          </a:p>
+          <a:p>
+            <a:pPr lvl="2"/>
+            <a:r>
+              <a:rPr lang="en-US" dirty="0"/>
+              <a:t>Specificity: Ratio between </a:t>
+            </a:r>
+            <a:r>
+              <a:rPr lang="en-AU" dirty="0"/>
+              <a:t>the number of correct negative predictions to the total number of negatives</a:t>
+            </a:r>
+            <a:endParaRPr lang="en-US" dirty="0"/>
           </a:p>
           <a:p>
             <a:pPr lvl="1"/>

--- a/DecisionTrees/DecisionTrees.pptx
+++ b/DecisionTrees/DecisionTrees.pptx
@@ -7,8 +7,8 @@
   <p:sldIdLst>
     <p:sldId id="256" r:id="rId2"/>
     <p:sldId id="257" r:id="rId3"/>
-    <p:sldId id="258" r:id="rId4"/>
-    <p:sldId id="259" r:id="rId5"/>
+    <p:sldId id="259" r:id="rId4"/>
+    <p:sldId id="258" r:id="rId5"/>
     <p:sldId id="260" r:id="rId6"/>
     <p:sldId id="261" r:id="rId7"/>
     <p:sldId id="262" r:id="rId8"/>
@@ -4625,6 +4625,888 @@
 </file>
 
 <file path=ppt/slides/slide3.xml><?xml version="1.0" encoding="utf-8"?>
+<p:sld xmlns:a="http://schemas.openxmlformats.org/drawingml/2006/main" xmlns:r="http://schemas.openxmlformats.org/officeDocument/2006/relationships" xmlns:p="http://schemas.openxmlformats.org/presentationml/2006/main">
+  <p:cSld>
+    <p:spTree>
+      <p:nvGrpSpPr>
+        <p:cNvPr id="1" name=""/>
+        <p:cNvGrpSpPr/>
+        <p:nvPr/>
+      </p:nvGrpSpPr>
+      <p:grpSpPr>
+        <a:xfrm>
+          <a:off x="0" y="0"/>
+          <a:ext cx="0" cy="0"/>
+          <a:chOff x="0" y="0"/>
+          <a:chExt cx="0" cy="0"/>
+        </a:xfrm>
+      </p:grpSpPr>
+      <p:sp>
+        <p:nvSpPr>
+          <p:cNvPr id="2" name="Title 1">
+            <a:extLst>
+              <a:ext uri="{FF2B5EF4-FFF2-40B4-BE49-F238E27FC236}">
+                <a16:creationId xmlns:a16="http://schemas.microsoft.com/office/drawing/2014/main" id="{3D125364-4385-6331-2E0E-02C1915293E0}"/>
+              </a:ext>
+            </a:extLst>
+          </p:cNvPr>
+          <p:cNvSpPr>
+            <a:spLocks noGrp="1"/>
+          </p:cNvSpPr>
+          <p:nvPr>
+            <p:ph type="title"/>
+          </p:nvPr>
+        </p:nvSpPr>
+        <p:spPr/>
+        <p:txBody>
+          <a:bodyPr/>
+          <a:lstStyle/>
+          <a:p>
+            <a:r>
+              <a:rPr lang="en-US" dirty="0"/>
+              <a:t>Understanding Success</a:t>
+            </a:r>
+          </a:p>
+        </p:txBody>
+      </p:sp>
+      <p:sp>
+        <p:nvSpPr>
+          <p:cNvPr id="3" name="Content Placeholder 2">
+            <a:extLst>
+              <a:ext uri="{FF2B5EF4-FFF2-40B4-BE49-F238E27FC236}">
+                <a16:creationId xmlns:a16="http://schemas.microsoft.com/office/drawing/2014/main" id="{D45CFC62-A670-21F7-0A1B-08F4DCC6C8DE}"/>
+              </a:ext>
+            </a:extLst>
+          </p:cNvPr>
+          <p:cNvSpPr>
+            <a:spLocks noGrp="1"/>
+          </p:cNvSpPr>
+          <p:nvPr>
+            <p:ph idx="1"/>
+          </p:nvPr>
+        </p:nvSpPr>
+        <p:spPr>
+          <a:xfrm>
+            <a:off x="838200" y="1825625"/>
+            <a:ext cx="10515600" cy="1446081"/>
+          </a:xfrm>
+        </p:spPr>
+        <p:txBody>
+          <a:bodyPr>
+            <a:normAutofit/>
+          </a:bodyPr>
+          <a:lstStyle/>
+          <a:p>
+            <a:r>
+              <a:rPr lang="en-US" dirty="0"/>
+              <a:t>Effectiveness of a classification system is measured by using a dataset that has existing class labels. </a:t>
+            </a:r>
+          </a:p>
+          <a:p>
+            <a:r>
+              <a:rPr lang="en-US" dirty="0"/>
+              <a:t>Indicators:</a:t>
+            </a:r>
+          </a:p>
+        </p:txBody>
+      </p:sp>
+      <mc:AlternateContent xmlns:mc="http://schemas.openxmlformats.org/markup-compatibility/2006">
+        <mc:Choice xmlns:a14="http://schemas.microsoft.com/office/drawing/2010/main" Requires="a14">
+          <p:sp>
+            <p:nvSpPr>
+              <p:cNvPr id="5" name="TextBox 4">
+                <a:extLst>
+                  <a:ext uri="{FF2B5EF4-FFF2-40B4-BE49-F238E27FC236}">
+                    <a16:creationId xmlns:a16="http://schemas.microsoft.com/office/drawing/2014/main" id="{3ECB4C24-4F98-E772-A8BC-A22E9F7D878E}"/>
+                  </a:ext>
+                </a:extLst>
+              </p:cNvPr>
+              <p:cNvSpPr txBox="1"/>
+              <p:nvPr/>
+            </p:nvSpPr>
+            <p:spPr>
+              <a:xfrm>
+                <a:off x="2036427" y="3429000"/>
+                <a:ext cx="6094602" cy="618311"/>
+              </a:xfrm>
+              <a:prstGeom prst="rect">
+                <a:avLst/>
+              </a:prstGeom>
+              <a:noFill/>
+            </p:spPr>
+            <p:txBody>
+              <a:bodyPr wrap="square">
+                <a:spAutoFit/>
+              </a:bodyPr>
+              <a:lstStyle/>
+              <a:p>
+                <a:pPr/>
+                <a14:m>
+                  <m:oMathPara xmlns:m="http://schemas.openxmlformats.org/officeDocument/2006/math">
+                    <m:oMathParaPr>
+                      <m:jc m:val="left"/>
+                    </m:oMathParaPr>
+                    <m:oMath xmlns:m="http://schemas.openxmlformats.org/officeDocument/2006/math">
+                      <m:r>
+                        <a:rPr lang="en-US" sz="1800" b="0" i="1" smtClean="0">
+                          <a:latin typeface="Cambria Math" panose="02040503050406030204" pitchFamily="18" charset="0"/>
+                        </a:rPr>
+                        <m:t>𝐴𝑐𝑐𝑢𝑟𝑎𝑐𝑦</m:t>
+                      </m:r>
+                      <m:r>
+                        <a:rPr lang="en-US" sz="1800" b="0" i="1" smtClean="0">
+                          <a:latin typeface="Cambria Math" panose="02040503050406030204" pitchFamily="18" charset="0"/>
+                        </a:rPr>
+                        <m:t>=</m:t>
+                      </m:r>
+                      <m:f>
+                        <m:fPr>
+                          <m:ctrlPr>
+                            <a:rPr lang="en-US" sz="1800" b="0" i="1" smtClean="0">
+                              <a:latin typeface="Cambria Math" panose="02040503050406030204" pitchFamily="18" charset="0"/>
+                            </a:rPr>
+                          </m:ctrlPr>
+                        </m:fPr>
+                        <m:num>
+                          <m:r>
+                            <a:rPr lang="en-US" sz="1800" i="1">
+                              <a:latin typeface="Cambria Math" panose="02040503050406030204" pitchFamily="18" charset="0"/>
+                            </a:rPr>
+                            <m:t># </m:t>
+                          </m:r>
+                          <m:r>
+                            <a:rPr lang="en-US" sz="1800" i="1">
+                              <a:latin typeface="Cambria Math" panose="02040503050406030204" pitchFamily="18" charset="0"/>
+                            </a:rPr>
+                            <m:t>𝐶𝑜𝑟𝑟𝑒𝑐𝑡</m:t>
+                          </m:r>
+                          <m:r>
+                            <a:rPr lang="en-US" sz="1800" b="0" i="1" smtClean="0">
+                              <a:latin typeface="Cambria Math" panose="02040503050406030204" pitchFamily="18" charset="0"/>
+                            </a:rPr>
+                            <m:t> </m:t>
+                          </m:r>
+                          <m:r>
+                            <a:rPr lang="en-US" sz="1800" b="0" i="1" smtClean="0">
+                              <a:latin typeface="Cambria Math" panose="02040503050406030204" pitchFamily="18" charset="0"/>
+                            </a:rPr>
+                            <m:t>𝑃𝑟𝑒𝑑𝑖𝑐𝑡𝑖𝑜𝑛𝑠</m:t>
+                          </m:r>
+                        </m:num>
+                        <m:den>
+                          <m:r>
+                            <a:rPr lang="en-US" sz="1800" b="0" i="1" smtClean="0">
+                              <a:latin typeface="Cambria Math" panose="02040503050406030204" pitchFamily="18" charset="0"/>
+                            </a:rPr>
+                            <m:t># </m:t>
+                          </m:r>
+                          <m:r>
+                            <a:rPr lang="en-US" sz="1800" b="0" i="1" smtClean="0">
+                              <a:latin typeface="Cambria Math" panose="02040503050406030204" pitchFamily="18" charset="0"/>
+                            </a:rPr>
+                            <m:t>𝐷𝑎𝑡𝑎</m:t>
+                          </m:r>
+                          <m:r>
+                            <a:rPr lang="en-US" sz="1800" b="0" i="1" smtClean="0">
+                              <a:latin typeface="Cambria Math" panose="02040503050406030204" pitchFamily="18" charset="0"/>
+                            </a:rPr>
+                            <m:t> </m:t>
+                          </m:r>
+                          <m:r>
+                            <a:rPr lang="en-US" sz="1800" b="0" i="1" smtClean="0">
+                              <a:latin typeface="Cambria Math" panose="02040503050406030204" pitchFamily="18" charset="0"/>
+                            </a:rPr>
+                            <m:t>𝑃𝑜𝑖𝑛𝑡𝑠</m:t>
+                          </m:r>
+                        </m:den>
+                      </m:f>
+                    </m:oMath>
+                  </m:oMathPara>
+                </a14:m>
+                <a:endParaRPr lang="en-US" dirty="0"/>
+              </a:p>
+            </p:txBody>
+          </p:sp>
+        </mc:Choice>
+        <mc:Fallback>
+          <p:sp>
+            <p:nvSpPr>
+              <p:cNvPr id="5" name="TextBox 4">
+                <a:extLst>
+                  <a:ext uri="{FF2B5EF4-FFF2-40B4-BE49-F238E27FC236}">
+                    <a16:creationId xmlns:a16="http://schemas.microsoft.com/office/drawing/2014/main" id="{3ECB4C24-4F98-E772-A8BC-A22E9F7D878E}"/>
+                  </a:ext>
+                </a:extLst>
+              </p:cNvPr>
+              <p:cNvSpPr txBox="1">
+                <a:spLocks noRot="1" noChangeAspect="1" noMove="1" noResize="1" noEditPoints="1" noAdjustHandles="1" noChangeArrowheads="1" noChangeShapeType="1" noTextEdit="1"/>
+              </p:cNvSpPr>
+              <p:nvPr/>
+            </p:nvSpPr>
+            <p:spPr>
+              <a:xfrm>
+                <a:off x="2036427" y="3429000"/>
+                <a:ext cx="6094602" cy="618311"/>
+              </a:xfrm>
+              <a:prstGeom prst="rect">
+                <a:avLst/>
+              </a:prstGeom>
+              <a:blipFill>
+                <a:blip r:embed="rId2"/>
+                <a:stretch>
+                  <a:fillRect/>
+                </a:stretch>
+              </a:blipFill>
+            </p:spPr>
+            <p:txBody>
+              <a:bodyPr/>
+              <a:lstStyle/>
+              <a:p>
+                <a:r>
+                  <a:rPr lang="en-US">
+                    <a:noFill/>
+                  </a:rPr>
+                  <a:t> </a:t>
+                </a:r>
+              </a:p>
+            </p:txBody>
+          </p:sp>
+        </mc:Fallback>
+      </mc:AlternateContent>
+      <mc:AlternateContent xmlns:mc="http://schemas.openxmlformats.org/markup-compatibility/2006">
+        <mc:Choice xmlns:a14="http://schemas.microsoft.com/office/drawing/2010/main" Requires="a14">
+          <p:sp>
+            <p:nvSpPr>
+              <p:cNvPr id="7" name="TextBox 6">
+                <a:extLst>
+                  <a:ext uri="{FF2B5EF4-FFF2-40B4-BE49-F238E27FC236}">
+                    <a16:creationId xmlns:a16="http://schemas.microsoft.com/office/drawing/2014/main" id="{E644D50E-30AC-B0ED-E9EC-DE126F5DF01D}"/>
+                  </a:ext>
+                </a:extLst>
+              </p:cNvPr>
+              <p:cNvSpPr txBox="1"/>
+              <p:nvPr/>
+            </p:nvSpPr>
+            <p:spPr>
+              <a:xfrm>
+                <a:off x="2036427" y="4334919"/>
+                <a:ext cx="6094602" cy="665760"/>
+              </a:xfrm>
+              <a:prstGeom prst="rect">
+                <a:avLst/>
+              </a:prstGeom>
+              <a:noFill/>
+            </p:spPr>
+            <p:txBody>
+              <a:bodyPr wrap="square">
+                <a:spAutoFit/>
+              </a:bodyPr>
+              <a:lstStyle/>
+              <a:p>
+                <a:pPr/>
+                <a14:m>
+                  <m:oMathPara xmlns:m="http://schemas.openxmlformats.org/officeDocument/2006/math">
+                    <m:oMathParaPr>
+                      <m:jc m:val="left"/>
+                    </m:oMathParaPr>
+                    <m:oMath xmlns:m="http://schemas.openxmlformats.org/officeDocument/2006/math">
+                      <m:r>
+                        <a:rPr lang="en-US" sz="1800" b="0" i="1" smtClean="0">
+                          <a:latin typeface="Cambria Math" panose="02040503050406030204" pitchFamily="18" charset="0"/>
+                        </a:rPr>
+                        <m:t>𝑅𝑒𝑐𝑎𝑙𝑙</m:t>
+                      </m:r>
+                      <m:r>
+                        <a:rPr lang="en-US" sz="1800" b="0" i="1" smtClean="0">
+                          <a:latin typeface="Cambria Math" panose="02040503050406030204" pitchFamily="18" charset="0"/>
+                        </a:rPr>
+                        <m:t> </m:t>
+                      </m:r>
+                      <m:r>
+                        <a:rPr lang="en-US" sz="1800" b="0" i="1" smtClean="0">
+                          <a:latin typeface="Cambria Math" panose="02040503050406030204" pitchFamily="18" charset="0"/>
+                        </a:rPr>
+                        <m:t>𝑓𝑜𝑟</m:t>
+                      </m:r>
+                      <m:r>
+                        <a:rPr lang="en-US" sz="1800" b="0" i="1" smtClean="0">
+                          <a:latin typeface="Cambria Math" panose="02040503050406030204" pitchFamily="18" charset="0"/>
+                        </a:rPr>
+                        <m:t> </m:t>
+                      </m:r>
+                      <m:sSub>
+                        <m:sSubPr>
+                          <m:ctrlPr>
+                            <a:rPr lang="en-US" sz="1800" b="0" i="1" smtClean="0">
+                              <a:latin typeface="Cambria Math" panose="02040503050406030204" pitchFamily="18" charset="0"/>
+                            </a:rPr>
+                          </m:ctrlPr>
+                        </m:sSubPr>
+                        <m:e>
+                          <m:r>
+                            <a:rPr lang="en-US" sz="1800" b="0" i="1" smtClean="0">
+                              <a:latin typeface="Cambria Math" panose="02040503050406030204" pitchFamily="18" charset="0"/>
+                            </a:rPr>
+                            <m:t>𝐶</m:t>
+                          </m:r>
+                        </m:e>
+                        <m:sub>
+                          <m:r>
+                            <a:rPr lang="en-US" sz="1800" b="0" i="1" smtClean="0">
+                              <a:latin typeface="Cambria Math" panose="02040503050406030204" pitchFamily="18" charset="0"/>
+                            </a:rPr>
+                            <m:t>𝑖</m:t>
+                          </m:r>
+                        </m:sub>
+                      </m:sSub>
+                      <m:r>
+                        <a:rPr lang="en-US" sz="1800" b="0" i="1" smtClean="0">
+                          <a:latin typeface="Cambria Math" panose="02040503050406030204" pitchFamily="18" charset="0"/>
+                        </a:rPr>
+                        <m:t>=</m:t>
+                      </m:r>
+                      <m:f>
+                        <m:fPr>
+                          <m:ctrlPr>
+                            <a:rPr lang="en-US" sz="1800" b="0" i="1" smtClean="0">
+                              <a:latin typeface="Cambria Math" panose="02040503050406030204" pitchFamily="18" charset="0"/>
+                            </a:rPr>
+                          </m:ctrlPr>
+                        </m:fPr>
+                        <m:num>
+                          <m:r>
+                            <a:rPr lang="en-US" sz="1800" b="0" i="1" smtClean="0">
+                              <a:latin typeface="Cambria Math" panose="02040503050406030204" pitchFamily="18" charset="0"/>
+                            </a:rPr>
+                            <m:t># </m:t>
+                          </m:r>
+                          <m:r>
+                            <a:rPr lang="en-US" sz="1800" b="0" i="1" smtClean="0">
+                              <a:latin typeface="Cambria Math" panose="02040503050406030204" pitchFamily="18" charset="0"/>
+                            </a:rPr>
+                            <m:t>𝐶𝑜𝑟𝑟𝑒𝑐𝑡</m:t>
+                          </m:r>
+                          <m:r>
+                            <a:rPr lang="en-US" sz="1800" b="0" i="1" smtClean="0">
+                              <a:latin typeface="Cambria Math" panose="02040503050406030204" pitchFamily="18" charset="0"/>
+                            </a:rPr>
+                            <m:t> </m:t>
+                          </m:r>
+                          <m:r>
+                            <a:rPr lang="en-US" sz="1800" b="0" i="1" smtClean="0">
+                              <a:latin typeface="Cambria Math" panose="02040503050406030204" pitchFamily="18" charset="0"/>
+                            </a:rPr>
+                            <m:t>𝐶𝑙𝑎𝑠𝑠</m:t>
+                          </m:r>
+                          <m:r>
+                            <a:rPr lang="en-US" sz="1800" b="0" i="1" smtClean="0">
+                              <a:latin typeface="Cambria Math" panose="02040503050406030204" pitchFamily="18" charset="0"/>
+                            </a:rPr>
+                            <m:t> </m:t>
+                          </m:r>
+                          <m:r>
+                            <a:rPr lang="en-US" sz="1800" b="0" i="1" smtClean="0">
+                              <a:latin typeface="Cambria Math" panose="02040503050406030204" pitchFamily="18" charset="0"/>
+                            </a:rPr>
+                            <m:t>𝑃𝑟𝑒𝑑𝑖𝑐𝑡𝑖𝑜𝑛𝑠</m:t>
+                          </m:r>
+                          <m:r>
+                            <a:rPr lang="en-US" sz="1800" b="0" i="1" smtClean="0">
+                              <a:latin typeface="Cambria Math" panose="02040503050406030204" pitchFamily="18" charset="0"/>
+                            </a:rPr>
+                            <m:t> </m:t>
+                          </m:r>
+                          <m:r>
+                            <a:rPr lang="en-US" sz="1800" b="0" i="1" smtClean="0">
+                              <a:latin typeface="Cambria Math" panose="02040503050406030204" pitchFamily="18" charset="0"/>
+                            </a:rPr>
+                            <m:t>𝑓𝑜𝑟</m:t>
+                          </m:r>
+                          <m:r>
+                            <a:rPr lang="en-US" sz="1800" b="0" i="1" smtClean="0">
+                              <a:latin typeface="Cambria Math" panose="02040503050406030204" pitchFamily="18" charset="0"/>
+                            </a:rPr>
+                            <m:t> </m:t>
+                          </m:r>
+                          <m:r>
+                            <a:rPr lang="en-US" sz="1800" b="0" i="1" smtClean="0">
+                              <a:latin typeface="Cambria Math" panose="02040503050406030204" pitchFamily="18" charset="0"/>
+                            </a:rPr>
+                            <m:t>𝐶𝑙𝑎𝑠𝑠</m:t>
+                          </m:r>
+                          <m:r>
+                            <a:rPr lang="en-US" sz="1800" b="0" i="1" smtClean="0">
+                              <a:latin typeface="Cambria Math" panose="02040503050406030204" pitchFamily="18" charset="0"/>
+                            </a:rPr>
+                            <m:t> </m:t>
+                          </m:r>
+                          <m:sSub>
+                            <m:sSubPr>
+                              <m:ctrlPr>
+                                <a:rPr lang="en-US" sz="1800" b="0" i="1" smtClean="0">
+                                  <a:latin typeface="Cambria Math" panose="02040503050406030204" pitchFamily="18" charset="0"/>
+                                </a:rPr>
+                              </m:ctrlPr>
+                            </m:sSubPr>
+                            <m:e>
+                              <m:r>
+                                <a:rPr lang="en-US" sz="1800" b="0" i="1" smtClean="0">
+                                  <a:latin typeface="Cambria Math" panose="02040503050406030204" pitchFamily="18" charset="0"/>
+                                </a:rPr>
+                                <m:t>𝐶</m:t>
+                              </m:r>
+                            </m:e>
+                            <m:sub>
+                              <m:r>
+                                <a:rPr lang="en-US" sz="1800" b="0" i="1" smtClean="0">
+                                  <a:latin typeface="Cambria Math" panose="02040503050406030204" pitchFamily="18" charset="0"/>
+                                </a:rPr>
+                                <m:t>𝑖</m:t>
+                              </m:r>
+                            </m:sub>
+                          </m:sSub>
+                        </m:num>
+                        <m:den>
+                          <m:r>
+                            <a:rPr lang="en-US" sz="1800" b="0" i="1" smtClean="0">
+                              <a:latin typeface="Cambria Math" panose="02040503050406030204" pitchFamily="18" charset="0"/>
+                            </a:rPr>
+                            <m:t># </m:t>
+                          </m:r>
+                          <m:r>
+                            <a:rPr lang="en-US" sz="1800" b="0" i="1" smtClean="0">
+                              <a:latin typeface="Cambria Math" panose="02040503050406030204" pitchFamily="18" charset="0"/>
+                            </a:rPr>
+                            <m:t>𝐶𝑙𝑎𝑠𝑠</m:t>
+                          </m:r>
+                          <m:r>
+                            <a:rPr lang="en-US" sz="1800" b="0" i="1" smtClean="0">
+                              <a:latin typeface="Cambria Math" panose="02040503050406030204" pitchFamily="18" charset="0"/>
+                            </a:rPr>
+                            <m:t> </m:t>
+                          </m:r>
+                          <m:sSub>
+                            <m:sSubPr>
+                              <m:ctrlPr>
+                                <a:rPr lang="en-US" sz="1800" b="0" i="1" smtClean="0">
+                                  <a:latin typeface="Cambria Math" panose="02040503050406030204" pitchFamily="18" charset="0"/>
+                                </a:rPr>
+                              </m:ctrlPr>
+                            </m:sSubPr>
+                            <m:e>
+                              <m:r>
+                                <a:rPr lang="en-US" sz="1800" b="0" i="1" smtClean="0">
+                                  <a:latin typeface="Cambria Math" panose="02040503050406030204" pitchFamily="18" charset="0"/>
+                                </a:rPr>
+                                <m:t>𝐶</m:t>
+                              </m:r>
+                            </m:e>
+                            <m:sub>
+                              <m:r>
+                                <a:rPr lang="en-US" sz="1800" b="0" i="1" smtClean="0">
+                                  <a:latin typeface="Cambria Math" panose="02040503050406030204" pitchFamily="18" charset="0"/>
+                                </a:rPr>
+                                <m:t>𝑖</m:t>
+                              </m:r>
+                            </m:sub>
+                          </m:sSub>
+                          <m:r>
+                            <a:rPr lang="en-US" sz="1800" b="0" i="1" smtClean="0">
+                              <a:latin typeface="Cambria Math" panose="02040503050406030204" pitchFamily="18" charset="0"/>
+                            </a:rPr>
+                            <m:t> </m:t>
+                          </m:r>
+                          <m:r>
+                            <a:rPr lang="en-US" sz="1800" b="0" i="1" smtClean="0">
+                              <a:latin typeface="Cambria Math" panose="02040503050406030204" pitchFamily="18" charset="0"/>
+                            </a:rPr>
+                            <m:t>𝐷𝑎𝑡𝑎</m:t>
+                          </m:r>
+                          <m:r>
+                            <a:rPr lang="en-US" sz="1800" b="0" i="1" smtClean="0">
+                              <a:latin typeface="Cambria Math" panose="02040503050406030204" pitchFamily="18" charset="0"/>
+                            </a:rPr>
+                            <m:t> </m:t>
+                          </m:r>
+                          <m:r>
+                            <a:rPr lang="en-US" sz="1800" b="0" i="1" smtClean="0">
+                              <a:latin typeface="Cambria Math" panose="02040503050406030204" pitchFamily="18" charset="0"/>
+                            </a:rPr>
+                            <m:t>𝑃𝑜𝑖𝑛𝑡𝑠</m:t>
+                          </m:r>
+                        </m:den>
+                      </m:f>
+                    </m:oMath>
+                  </m:oMathPara>
+                </a14:m>
+                <a:endParaRPr lang="en-US" dirty="0"/>
+              </a:p>
+            </p:txBody>
+          </p:sp>
+        </mc:Choice>
+        <mc:Fallback>
+          <p:sp>
+            <p:nvSpPr>
+              <p:cNvPr id="7" name="TextBox 6">
+                <a:extLst>
+                  <a:ext uri="{FF2B5EF4-FFF2-40B4-BE49-F238E27FC236}">
+                    <a16:creationId xmlns:a16="http://schemas.microsoft.com/office/drawing/2014/main" id="{E644D50E-30AC-B0ED-E9EC-DE126F5DF01D}"/>
+                  </a:ext>
+                </a:extLst>
+              </p:cNvPr>
+              <p:cNvSpPr txBox="1">
+                <a:spLocks noRot="1" noChangeAspect="1" noMove="1" noResize="1" noEditPoints="1" noAdjustHandles="1" noChangeArrowheads="1" noChangeShapeType="1" noTextEdit="1"/>
+              </p:cNvSpPr>
+              <p:nvPr/>
+            </p:nvSpPr>
+            <p:spPr>
+              <a:xfrm>
+                <a:off x="2036427" y="4334919"/>
+                <a:ext cx="6094602" cy="665760"/>
+              </a:xfrm>
+              <a:prstGeom prst="rect">
+                <a:avLst/>
+              </a:prstGeom>
+              <a:blipFill>
+                <a:blip r:embed="rId3"/>
+                <a:stretch>
+                  <a:fillRect/>
+                </a:stretch>
+              </a:blipFill>
+            </p:spPr>
+            <p:txBody>
+              <a:bodyPr/>
+              <a:lstStyle/>
+              <a:p>
+                <a:r>
+                  <a:rPr lang="en-US">
+                    <a:noFill/>
+                  </a:rPr>
+                  <a:t> </a:t>
+                </a:r>
+              </a:p>
+            </p:txBody>
+          </p:sp>
+        </mc:Fallback>
+      </mc:AlternateContent>
+      <mc:AlternateContent xmlns:mc="http://schemas.openxmlformats.org/markup-compatibility/2006">
+        <mc:Choice xmlns:a14="http://schemas.microsoft.com/office/drawing/2010/main" Requires="a14">
+          <p:sp>
+            <p:nvSpPr>
+              <p:cNvPr id="9" name="TextBox 8">
+                <a:extLst>
+                  <a:ext uri="{FF2B5EF4-FFF2-40B4-BE49-F238E27FC236}">
+                    <a16:creationId xmlns:a16="http://schemas.microsoft.com/office/drawing/2014/main" id="{B29ABD4C-3B77-B5C9-0DC5-B371E4EC40B2}"/>
+                  </a:ext>
+                </a:extLst>
+              </p:cNvPr>
+              <p:cNvSpPr txBox="1"/>
+              <p:nvPr/>
+            </p:nvSpPr>
+            <p:spPr>
+              <a:xfrm>
+                <a:off x="2036427" y="5401027"/>
+                <a:ext cx="7725562" cy="665760"/>
+              </a:xfrm>
+              <a:prstGeom prst="rect">
+                <a:avLst/>
+              </a:prstGeom>
+              <a:noFill/>
+            </p:spPr>
+            <p:txBody>
+              <a:bodyPr wrap="square">
+                <a:spAutoFit/>
+              </a:bodyPr>
+              <a:lstStyle/>
+              <a:p>
+                <a:pPr/>
+                <a14:m>
+                  <m:oMathPara xmlns:m="http://schemas.openxmlformats.org/officeDocument/2006/math">
+                    <m:oMathParaPr>
+                      <m:jc m:val="left"/>
+                    </m:oMathParaPr>
+                    <m:oMath xmlns:m="http://schemas.openxmlformats.org/officeDocument/2006/math">
+                      <m:r>
+                        <a:rPr lang="en-US" sz="1800" b="0" i="1" smtClean="0">
+                          <a:latin typeface="Cambria Math" panose="02040503050406030204" pitchFamily="18" charset="0"/>
+                        </a:rPr>
+                        <m:t>𝑃𝑟𝑒𝑐𝑖𝑠𝑖𝑜𝑛</m:t>
+                      </m:r>
+                      <m:r>
+                        <a:rPr lang="en-US" sz="1800" b="0" i="1" smtClean="0">
+                          <a:latin typeface="Cambria Math" panose="02040503050406030204" pitchFamily="18" charset="0"/>
+                        </a:rPr>
+                        <m:t> </m:t>
+                      </m:r>
+                      <m:r>
+                        <a:rPr lang="en-US" sz="1800" b="0" i="1" smtClean="0">
+                          <a:latin typeface="Cambria Math" panose="02040503050406030204" pitchFamily="18" charset="0"/>
+                        </a:rPr>
+                        <m:t>𝑓𝑜𝑟</m:t>
+                      </m:r>
+                      <m:r>
+                        <a:rPr lang="en-US" sz="1800" b="0" i="1" smtClean="0">
+                          <a:latin typeface="Cambria Math" panose="02040503050406030204" pitchFamily="18" charset="0"/>
+                        </a:rPr>
+                        <m:t> </m:t>
+                      </m:r>
+                      <m:sSub>
+                        <m:sSubPr>
+                          <m:ctrlPr>
+                            <a:rPr lang="en-US" sz="1800" b="0" i="1" smtClean="0">
+                              <a:latin typeface="Cambria Math" panose="02040503050406030204" pitchFamily="18" charset="0"/>
+                            </a:rPr>
+                          </m:ctrlPr>
+                        </m:sSubPr>
+                        <m:e>
+                          <m:r>
+                            <a:rPr lang="en-US" sz="1800" b="0" i="1" smtClean="0">
+                              <a:latin typeface="Cambria Math" panose="02040503050406030204" pitchFamily="18" charset="0"/>
+                            </a:rPr>
+                            <m:t>𝐶</m:t>
+                          </m:r>
+                        </m:e>
+                        <m:sub>
+                          <m:r>
+                            <a:rPr lang="en-US" sz="1800" b="0" i="1" smtClean="0">
+                              <a:latin typeface="Cambria Math" panose="02040503050406030204" pitchFamily="18" charset="0"/>
+                            </a:rPr>
+                            <m:t>𝑖</m:t>
+                          </m:r>
+                        </m:sub>
+                      </m:sSub>
+                      <m:r>
+                        <a:rPr lang="en-US" sz="1800" b="0" i="1" smtClean="0">
+                          <a:latin typeface="Cambria Math" panose="02040503050406030204" pitchFamily="18" charset="0"/>
+                        </a:rPr>
+                        <m:t>=</m:t>
+                      </m:r>
+                      <m:f>
+                        <m:fPr>
+                          <m:ctrlPr>
+                            <a:rPr lang="en-US" sz="1800" b="0" i="1" smtClean="0">
+                              <a:latin typeface="Cambria Math" panose="02040503050406030204" pitchFamily="18" charset="0"/>
+                            </a:rPr>
+                          </m:ctrlPr>
+                        </m:fPr>
+                        <m:num>
+                          <m:r>
+                            <a:rPr lang="en-US" sz="1800" b="0" i="1" smtClean="0">
+                              <a:latin typeface="Cambria Math" panose="02040503050406030204" pitchFamily="18" charset="0"/>
+                            </a:rPr>
+                            <m:t># </m:t>
+                          </m:r>
+                          <m:r>
+                            <a:rPr lang="en-US" sz="1800" b="0" i="1" smtClean="0">
+                              <a:latin typeface="Cambria Math" panose="02040503050406030204" pitchFamily="18" charset="0"/>
+                            </a:rPr>
+                            <m:t>𝐶𝑜𝑟𝑟𝑒𝑐𝑡</m:t>
+                          </m:r>
+                          <m:r>
+                            <a:rPr lang="en-US" sz="1800" b="0" i="1" smtClean="0">
+                              <a:latin typeface="Cambria Math" panose="02040503050406030204" pitchFamily="18" charset="0"/>
+                            </a:rPr>
+                            <m:t> </m:t>
+                          </m:r>
+                          <m:r>
+                            <a:rPr lang="en-US" sz="1800" b="0" i="1" smtClean="0">
+                              <a:latin typeface="Cambria Math" panose="02040503050406030204" pitchFamily="18" charset="0"/>
+                            </a:rPr>
+                            <m:t>𝐶𝑙𝑎𝑠𝑠</m:t>
+                          </m:r>
+                          <m:r>
+                            <a:rPr lang="en-US" sz="1800" b="0" i="1" smtClean="0">
+                              <a:latin typeface="Cambria Math" panose="02040503050406030204" pitchFamily="18" charset="0"/>
+                            </a:rPr>
+                            <m:t> </m:t>
+                          </m:r>
+                          <m:r>
+                            <a:rPr lang="en-US" sz="1800" b="0" i="1" smtClean="0">
+                              <a:latin typeface="Cambria Math" panose="02040503050406030204" pitchFamily="18" charset="0"/>
+                            </a:rPr>
+                            <m:t>𝑃𝑟𝑒𝑑𝑖𝑐𝑡𝑖𝑜𝑛𝑠</m:t>
+                          </m:r>
+                          <m:r>
+                            <a:rPr lang="en-US" sz="1800" b="0" i="1" smtClean="0">
+                              <a:latin typeface="Cambria Math" panose="02040503050406030204" pitchFamily="18" charset="0"/>
+                            </a:rPr>
+                            <m:t> </m:t>
+                          </m:r>
+                          <m:r>
+                            <a:rPr lang="en-US" sz="1800" b="0" i="1" smtClean="0">
+                              <a:latin typeface="Cambria Math" panose="02040503050406030204" pitchFamily="18" charset="0"/>
+                            </a:rPr>
+                            <m:t>𝑓𝑜𝑟</m:t>
+                          </m:r>
+                          <m:r>
+                            <a:rPr lang="en-US" sz="1800" b="0" i="1" smtClean="0">
+                              <a:latin typeface="Cambria Math" panose="02040503050406030204" pitchFamily="18" charset="0"/>
+                            </a:rPr>
+                            <m:t> </m:t>
+                          </m:r>
+                          <m:r>
+                            <a:rPr lang="en-US" sz="1800" b="0" i="1" smtClean="0">
+                              <a:latin typeface="Cambria Math" panose="02040503050406030204" pitchFamily="18" charset="0"/>
+                            </a:rPr>
+                            <m:t>𝐶𝑙𝑎𝑠𝑠</m:t>
+                          </m:r>
+                          <m:r>
+                            <a:rPr lang="en-US" sz="1800" b="0" i="1" smtClean="0">
+                              <a:latin typeface="Cambria Math" panose="02040503050406030204" pitchFamily="18" charset="0"/>
+                            </a:rPr>
+                            <m:t> </m:t>
+                          </m:r>
+                          <m:sSub>
+                            <m:sSubPr>
+                              <m:ctrlPr>
+                                <a:rPr lang="en-US" sz="1800" b="0" i="1" smtClean="0">
+                                  <a:latin typeface="Cambria Math" panose="02040503050406030204" pitchFamily="18" charset="0"/>
+                                </a:rPr>
+                              </m:ctrlPr>
+                            </m:sSubPr>
+                            <m:e>
+                              <m:r>
+                                <a:rPr lang="en-US" sz="1800" b="0" i="1" smtClean="0">
+                                  <a:latin typeface="Cambria Math" panose="02040503050406030204" pitchFamily="18" charset="0"/>
+                                </a:rPr>
+                                <m:t>𝐶</m:t>
+                              </m:r>
+                            </m:e>
+                            <m:sub>
+                              <m:r>
+                                <a:rPr lang="en-US" sz="1800" b="0" i="1" smtClean="0">
+                                  <a:latin typeface="Cambria Math" panose="02040503050406030204" pitchFamily="18" charset="0"/>
+                                </a:rPr>
+                                <m:t>𝑖</m:t>
+                              </m:r>
+                            </m:sub>
+                          </m:sSub>
+                        </m:num>
+                        <m:den>
+                          <m:r>
+                            <a:rPr lang="en-US" sz="1800" b="0" i="1" smtClean="0">
+                              <a:latin typeface="Cambria Math" panose="02040503050406030204" pitchFamily="18" charset="0"/>
+                            </a:rPr>
+                            <m:t># </m:t>
+                          </m:r>
+                          <m:r>
+                            <a:rPr lang="en-US" sz="1800" b="0" i="1" smtClean="0">
+                              <a:latin typeface="Cambria Math" panose="02040503050406030204" pitchFamily="18" charset="0"/>
+                            </a:rPr>
+                            <m:t>𝐶𝑙𝑎𝑠𝑠</m:t>
+                          </m:r>
+                          <m:r>
+                            <a:rPr lang="en-US" sz="1800" b="0" i="1" smtClean="0">
+                              <a:latin typeface="Cambria Math" panose="02040503050406030204" pitchFamily="18" charset="0"/>
+                            </a:rPr>
+                            <m:t> </m:t>
+                          </m:r>
+                          <m:sSub>
+                            <m:sSubPr>
+                              <m:ctrlPr>
+                                <a:rPr lang="en-US" sz="1800" b="0" i="1" smtClean="0">
+                                  <a:latin typeface="Cambria Math" panose="02040503050406030204" pitchFamily="18" charset="0"/>
+                                </a:rPr>
+                              </m:ctrlPr>
+                            </m:sSubPr>
+                            <m:e>
+                              <m:r>
+                                <a:rPr lang="en-US" sz="1800" b="0" i="1" smtClean="0">
+                                  <a:latin typeface="Cambria Math" panose="02040503050406030204" pitchFamily="18" charset="0"/>
+                                </a:rPr>
+                                <m:t>𝐶</m:t>
+                              </m:r>
+                            </m:e>
+                            <m:sub>
+                              <m:r>
+                                <a:rPr lang="en-US" sz="1800" b="0" i="1" smtClean="0">
+                                  <a:latin typeface="Cambria Math" panose="02040503050406030204" pitchFamily="18" charset="0"/>
+                                </a:rPr>
+                                <m:t>𝑖</m:t>
+                              </m:r>
+                            </m:sub>
+                          </m:sSub>
+                          <m:r>
+                            <a:rPr lang="en-US" sz="1800" b="0" i="1" smtClean="0">
+                              <a:latin typeface="Cambria Math" panose="02040503050406030204" pitchFamily="18" charset="0"/>
+                            </a:rPr>
+                            <m:t> </m:t>
+                          </m:r>
+                          <m:r>
+                            <a:rPr lang="en-US" sz="1800" b="0" i="1" smtClean="0">
+                              <a:latin typeface="Cambria Math" panose="02040503050406030204" pitchFamily="18" charset="0"/>
+                            </a:rPr>
+                            <m:t>𝑃𝑟𝑒𝑑𝑖𝑐𝑡𝑖𝑜𝑛𝑠</m:t>
+                          </m:r>
+                        </m:den>
+                      </m:f>
+                    </m:oMath>
+                  </m:oMathPara>
+                </a14:m>
+                <a:endParaRPr lang="en-US" dirty="0"/>
+              </a:p>
+            </p:txBody>
+          </p:sp>
+        </mc:Choice>
+        <mc:Fallback>
+          <p:sp>
+            <p:nvSpPr>
+              <p:cNvPr id="9" name="TextBox 8">
+                <a:extLst>
+                  <a:ext uri="{FF2B5EF4-FFF2-40B4-BE49-F238E27FC236}">
+                    <a16:creationId xmlns:a16="http://schemas.microsoft.com/office/drawing/2014/main" id="{B29ABD4C-3B77-B5C9-0DC5-B371E4EC40B2}"/>
+                  </a:ext>
+                </a:extLst>
+              </p:cNvPr>
+              <p:cNvSpPr txBox="1">
+                <a:spLocks noRot="1" noChangeAspect="1" noMove="1" noResize="1" noEditPoints="1" noAdjustHandles="1" noChangeArrowheads="1" noChangeShapeType="1" noTextEdit="1"/>
+              </p:cNvSpPr>
+              <p:nvPr/>
+            </p:nvSpPr>
+            <p:spPr>
+              <a:xfrm>
+                <a:off x="2036427" y="5401027"/>
+                <a:ext cx="7725562" cy="665760"/>
+              </a:xfrm>
+              <a:prstGeom prst="rect">
+                <a:avLst/>
+              </a:prstGeom>
+              <a:blipFill>
+                <a:blip r:embed="rId4"/>
+                <a:stretch>
+                  <a:fillRect/>
+                </a:stretch>
+              </a:blipFill>
+            </p:spPr>
+            <p:txBody>
+              <a:bodyPr/>
+              <a:lstStyle/>
+              <a:p>
+                <a:r>
+                  <a:rPr lang="en-US">
+                    <a:noFill/>
+                  </a:rPr>
+                  <a:t> </a:t>
+                </a:r>
+              </a:p>
+            </p:txBody>
+          </p:sp>
+        </mc:Fallback>
+      </mc:AlternateContent>
+    </p:spTree>
+    <p:extLst>
+      <p:ext uri="{BB962C8B-B14F-4D97-AF65-F5344CB8AC3E}">
+        <p14:creationId xmlns:p14="http://schemas.microsoft.com/office/powerpoint/2010/main" val="2081715045"/>
+      </p:ext>
+    </p:extLst>
+  </p:cSld>
+  <p:clrMapOvr>
+    <a:masterClrMapping/>
+  </p:clrMapOvr>
+</p:sld>
+</file>
+
+<file path=ppt/slides/slide4.xml><?xml version="1.0" encoding="utf-8"?>
 <p:sld xmlns:a="http://schemas.openxmlformats.org/drawingml/2006/main" xmlns:r="http://schemas.openxmlformats.org/officeDocument/2006/relationships" xmlns:p="http://schemas.openxmlformats.org/presentationml/2006/main">
   <p:cSld>
     <p:spTree>
@@ -5504,186 +6386,6 @@
 </p:sld>
 </file>
 
-<file path=ppt/slides/slide4.xml><?xml version="1.0" encoding="utf-8"?>
-<p:sld xmlns:a="http://schemas.openxmlformats.org/drawingml/2006/main" xmlns:r="http://schemas.openxmlformats.org/officeDocument/2006/relationships" xmlns:p="http://schemas.openxmlformats.org/presentationml/2006/main">
-  <p:cSld>
-    <p:spTree>
-      <p:nvGrpSpPr>
-        <p:cNvPr id="1" name=""/>
-        <p:cNvGrpSpPr/>
-        <p:nvPr/>
-      </p:nvGrpSpPr>
-      <p:grpSpPr>
-        <a:xfrm>
-          <a:off x="0" y="0"/>
-          <a:ext cx="0" cy="0"/>
-          <a:chOff x="0" y="0"/>
-          <a:chExt cx="0" cy="0"/>
-        </a:xfrm>
-      </p:grpSpPr>
-      <p:sp>
-        <p:nvSpPr>
-          <p:cNvPr id="2" name="Title 1">
-            <a:extLst>
-              <a:ext uri="{FF2B5EF4-FFF2-40B4-BE49-F238E27FC236}">
-                <a16:creationId xmlns:a16="http://schemas.microsoft.com/office/drawing/2014/main" id="{3D125364-4385-6331-2E0E-02C1915293E0}"/>
-              </a:ext>
-            </a:extLst>
-          </p:cNvPr>
-          <p:cNvSpPr>
-            <a:spLocks noGrp="1"/>
-          </p:cNvSpPr>
-          <p:nvPr>
-            <p:ph type="title"/>
-          </p:nvPr>
-        </p:nvSpPr>
-        <p:spPr/>
-        <p:txBody>
-          <a:bodyPr/>
-          <a:lstStyle/>
-          <a:p>
-            <a:r>
-              <a:rPr lang="en-US" dirty="0"/>
-              <a:t>Understanding Success</a:t>
-            </a:r>
-          </a:p>
-        </p:txBody>
-      </p:sp>
-      <p:sp>
-        <p:nvSpPr>
-          <p:cNvPr id="3" name="Content Placeholder 2">
-            <a:extLst>
-              <a:ext uri="{FF2B5EF4-FFF2-40B4-BE49-F238E27FC236}">
-                <a16:creationId xmlns:a16="http://schemas.microsoft.com/office/drawing/2014/main" id="{D45CFC62-A670-21F7-0A1B-08F4DCC6C8DE}"/>
-              </a:ext>
-            </a:extLst>
-          </p:cNvPr>
-          <p:cNvSpPr>
-            <a:spLocks noGrp="1"/>
-          </p:cNvSpPr>
-          <p:nvPr>
-            <p:ph idx="1"/>
-          </p:nvPr>
-        </p:nvSpPr>
-        <p:spPr>
-          <a:xfrm>
-            <a:off x="838200" y="1825625"/>
-            <a:ext cx="10515600" cy="4564542"/>
-          </a:xfrm>
-        </p:spPr>
-        <p:txBody>
-          <a:bodyPr>
-            <a:normAutofit fontScale="85000" lnSpcReduction="10000"/>
-          </a:bodyPr>
-          <a:lstStyle/>
-          <a:p>
-            <a:r>
-              <a:rPr lang="en-US" dirty="0"/>
-              <a:t>Effectiveness of a decision tree classifier is measured by using a dataset that has existing class labels. </a:t>
-            </a:r>
-          </a:p>
-          <a:p>
-            <a:r>
-              <a:rPr lang="en-US" dirty="0"/>
-              <a:t>Indicators:</a:t>
-            </a:r>
-          </a:p>
-          <a:p>
-            <a:pPr lvl="1"/>
-            <a:r>
-              <a:rPr lang="en-US" dirty="0"/>
-              <a:t>Degree of misclassification</a:t>
-            </a:r>
-          </a:p>
-          <a:p>
-            <a:pPr lvl="2"/>
-            <a:r>
-              <a:rPr lang="en-US" dirty="0"/>
-              <a:t>Accuracy: Ratio between the number of all correct predictions to the total number of data points.</a:t>
-            </a:r>
-          </a:p>
-          <a:p>
-            <a:pPr lvl="2"/>
-            <a:endParaRPr lang="en-US" dirty="0"/>
-          </a:p>
-          <a:p>
-            <a:pPr lvl="2"/>
-            <a:r>
-              <a:rPr lang="en-US" dirty="0"/>
-              <a:t>Recall/Sensitivity – TPR: Ratio between </a:t>
-            </a:r>
-            <a:r>
-              <a:rPr lang="en-AU" dirty="0"/>
-              <a:t>the number of correct positive predictions to the total number of positives</a:t>
-            </a:r>
-            <a:endParaRPr lang="en-US" dirty="0"/>
-          </a:p>
-          <a:p>
-            <a:pPr lvl="2"/>
-            <a:endParaRPr lang="en-US" dirty="0"/>
-          </a:p>
-          <a:p>
-            <a:pPr lvl="2"/>
-            <a:r>
-              <a:rPr lang="en-US" dirty="0"/>
-              <a:t>Precision: Ratio between </a:t>
-            </a:r>
-            <a:r>
-              <a:rPr lang="en-AU" dirty="0"/>
-              <a:t>the number of correct positive predictions to the total number of positive predictions</a:t>
-            </a:r>
-            <a:endParaRPr lang="en-US" dirty="0"/>
-          </a:p>
-          <a:p>
-            <a:pPr lvl="2"/>
-            <a:endParaRPr lang="en-US" dirty="0"/>
-          </a:p>
-          <a:p>
-            <a:pPr lvl="2"/>
-            <a:r>
-              <a:rPr lang="en-US" dirty="0"/>
-              <a:t>FPR: Ratio between </a:t>
-            </a:r>
-            <a:r>
-              <a:rPr lang="en-AU" dirty="0"/>
-              <a:t>the number of incorrect positive predictions to the total number of negatives</a:t>
-            </a:r>
-          </a:p>
-          <a:p>
-            <a:pPr lvl="2"/>
-            <a:endParaRPr lang="en-US" dirty="0"/>
-          </a:p>
-          <a:p>
-            <a:pPr lvl="2"/>
-            <a:r>
-              <a:rPr lang="en-US" dirty="0"/>
-              <a:t>Specificity: Ratio between </a:t>
-            </a:r>
-            <a:r>
-              <a:rPr lang="en-AU" dirty="0"/>
-              <a:t>the number of correct negative predictions to the total number of negatives</a:t>
-            </a:r>
-            <a:endParaRPr lang="en-US" dirty="0"/>
-          </a:p>
-          <a:p>
-            <a:pPr lvl="1"/>
-            <a:endParaRPr lang="en-US" dirty="0"/>
-          </a:p>
-        </p:txBody>
-      </p:sp>
-    </p:spTree>
-    <p:extLst>
-      <p:ext uri="{BB962C8B-B14F-4D97-AF65-F5344CB8AC3E}">
-        <p14:creationId xmlns:p14="http://schemas.microsoft.com/office/powerpoint/2010/main" val="2081715045"/>
-      </p:ext>
-    </p:extLst>
-  </p:cSld>
-  <p:clrMapOvr>
-    <a:masterClrMapping/>
-  </p:clrMapOvr>
-</p:sld>
-</file>
-
 <file path=ppt/slides/slide5.xml><?xml version="1.0" encoding="utf-8"?>
 <p:sld xmlns:a="http://schemas.openxmlformats.org/drawingml/2006/main" xmlns:r="http://schemas.openxmlformats.org/officeDocument/2006/relationships" xmlns:p="http://schemas.openxmlformats.org/presentationml/2006/main">
   <p:cSld>

--- a/DecisionTrees/DecisionTrees.pptx
+++ b/DecisionTrees/DecisionTrees.pptx
@@ -8,10 +8,14 @@
     <p:sldId id="256" r:id="rId2"/>
     <p:sldId id="257" r:id="rId3"/>
     <p:sldId id="259" r:id="rId4"/>
-    <p:sldId id="258" r:id="rId5"/>
-    <p:sldId id="260" r:id="rId6"/>
-    <p:sldId id="261" r:id="rId7"/>
-    <p:sldId id="262" r:id="rId8"/>
+    <p:sldId id="266" r:id="rId5"/>
+    <p:sldId id="263" r:id="rId6"/>
+    <p:sldId id="265" r:id="rId7"/>
+    <p:sldId id="264" r:id="rId8"/>
+    <p:sldId id="258" r:id="rId9"/>
+    <p:sldId id="260" r:id="rId10"/>
+    <p:sldId id="261" r:id="rId11"/>
+    <p:sldId id="262" r:id="rId12"/>
   </p:sldIdLst>
   <p:sldSz cx="12192000" cy="6858000"/>
   <p:notesSz cx="6858000" cy="9144000"/>
@@ -3398,6 +3402,172 @@
 </p:sld>
 </file>
 
+<file path=ppt/slides/slide10.xml><?xml version="1.0" encoding="utf-8"?>
+<p:sld xmlns:a="http://schemas.openxmlformats.org/drawingml/2006/main" xmlns:r="http://schemas.openxmlformats.org/officeDocument/2006/relationships" xmlns:p="http://schemas.openxmlformats.org/presentationml/2006/main">
+  <p:cSld>
+    <p:spTree>
+      <p:nvGrpSpPr>
+        <p:cNvPr id="1" name=""/>
+        <p:cNvGrpSpPr/>
+        <p:nvPr/>
+      </p:nvGrpSpPr>
+      <p:grpSpPr>
+        <a:xfrm>
+          <a:off x="0" y="0"/>
+          <a:ext cx="0" cy="0"/>
+          <a:chOff x="0" y="0"/>
+          <a:chExt cx="0" cy="0"/>
+        </a:xfrm>
+      </p:grpSpPr>
+      <p:sp>
+        <p:nvSpPr>
+          <p:cNvPr id="2" name="Title 1">
+            <a:extLst>
+              <a:ext uri="{FF2B5EF4-FFF2-40B4-BE49-F238E27FC236}">
+                <a16:creationId xmlns:a16="http://schemas.microsoft.com/office/drawing/2014/main" id="{C84B770B-7928-4294-938C-54F566403029}"/>
+              </a:ext>
+            </a:extLst>
+          </p:cNvPr>
+          <p:cNvSpPr>
+            <a:spLocks noGrp="1"/>
+          </p:cNvSpPr>
+          <p:nvPr>
+            <p:ph type="title"/>
+          </p:nvPr>
+        </p:nvSpPr>
+        <p:spPr/>
+        <p:txBody>
+          <a:bodyPr/>
+          <a:lstStyle/>
+          <a:p>
+            <a:r>
+              <a:rPr lang="en-US" dirty="0"/>
+              <a:t>Entropy Metric</a:t>
+            </a:r>
+          </a:p>
+        </p:txBody>
+      </p:sp>
+      <p:sp>
+        <p:nvSpPr>
+          <p:cNvPr id="3" name="Content Placeholder 2">
+            <a:extLst>
+              <a:ext uri="{FF2B5EF4-FFF2-40B4-BE49-F238E27FC236}">
+                <a16:creationId xmlns:a16="http://schemas.microsoft.com/office/drawing/2014/main" id="{369D591D-FB53-0999-0AC9-06E05CE59713}"/>
+              </a:ext>
+            </a:extLst>
+          </p:cNvPr>
+          <p:cNvSpPr>
+            <a:spLocks noGrp="1"/>
+          </p:cNvSpPr>
+          <p:nvPr>
+            <p:ph idx="1"/>
+          </p:nvPr>
+        </p:nvSpPr>
+        <p:spPr/>
+        <p:txBody>
+          <a:bodyPr/>
+          <a:lstStyle/>
+          <a:p>
+            <a:endParaRPr lang="en-US"/>
+          </a:p>
+        </p:txBody>
+      </p:sp>
+    </p:spTree>
+    <p:extLst>
+      <p:ext uri="{BB962C8B-B14F-4D97-AF65-F5344CB8AC3E}">
+        <p14:creationId xmlns:p14="http://schemas.microsoft.com/office/powerpoint/2010/main" val="1680382787"/>
+      </p:ext>
+    </p:extLst>
+  </p:cSld>
+  <p:clrMapOvr>
+    <a:masterClrMapping/>
+  </p:clrMapOvr>
+</p:sld>
+</file>
+
+<file path=ppt/slides/slide11.xml><?xml version="1.0" encoding="utf-8"?>
+<p:sld xmlns:a="http://schemas.openxmlformats.org/drawingml/2006/main" xmlns:r="http://schemas.openxmlformats.org/officeDocument/2006/relationships" xmlns:p="http://schemas.openxmlformats.org/presentationml/2006/main">
+  <p:cSld>
+    <p:spTree>
+      <p:nvGrpSpPr>
+        <p:cNvPr id="1" name=""/>
+        <p:cNvGrpSpPr/>
+        <p:nvPr/>
+      </p:nvGrpSpPr>
+      <p:grpSpPr>
+        <a:xfrm>
+          <a:off x="0" y="0"/>
+          <a:ext cx="0" cy="0"/>
+          <a:chOff x="0" y="0"/>
+          <a:chExt cx="0" cy="0"/>
+        </a:xfrm>
+      </p:grpSpPr>
+      <p:sp>
+        <p:nvSpPr>
+          <p:cNvPr id="2" name="Title 1">
+            <a:extLst>
+              <a:ext uri="{FF2B5EF4-FFF2-40B4-BE49-F238E27FC236}">
+                <a16:creationId xmlns:a16="http://schemas.microsoft.com/office/drawing/2014/main" id="{4F1261DB-738A-7255-D20B-EBC43962B8AC}"/>
+              </a:ext>
+            </a:extLst>
+          </p:cNvPr>
+          <p:cNvSpPr>
+            <a:spLocks noGrp="1"/>
+          </p:cNvSpPr>
+          <p:nvPr>
+            <p:ph type="title"/>
+          </p:nvPr>
+        </p:nvSpPr>
+        <p:spPr/>
+        <p:txBody>
+          <a:bodyPr/>
+          <a:lstStyle/>
+          <a:p>
+            <a:r>
+              <a:rPr lang="en-US" dirty="0"/>
+              <a:t>Gini Metric</a:t>
+            </a:r>
+          </a:p>
+        </p:txBody>
+      </p:sp>
+      <p:sp>
+        <p:nvSpPr>
+          <p:cNvPr id="3" name="Content Placeholder 2">
+            <a:extLst>
+              <a:ext uri="{FF2B5EF4-FFF2-40B4-BE49-F238E27FC236}">
+                <a16:creationId xmlns:a16="http://schemas.microsoft.com/office/drawing/2014/main" id="{1902F06A-DBBA-FAC1-6F16-EDA8BADAA57F}"/>
+              </a:ext>
+            </a:extLst>
+          </p:cNvPr>
+          <p:cNvSpPr>
+            <a:spLocks noGrp="1"/>
+          </p:cNvSpPr>
+          <p:nvPr>
+            <p:ph idx="1"/>
+          </p:nvPr>
+        </p:nvSpPr>
+        <p:spPr/>
+        <p:txBody>
+          <a:bodyPr/>
+          <a:lstStyle/>
+          <a:p>
+            <a:endParaRPr lang="en-US"/>
+          </a:p>
+        </p:txBody>
+      </p:sp>
+    </p:spTree>
+    <p:extLst>
+      <p:ext uri="{BB962C8B-B14F-4D97-AF65-F5344CB8AC3E}">
+        <p14:creationId xmlns:p14="http://schemas.microsoft.com/office/powerpoint/2010/main" val="1156644528"/>
+      </p:ext>
+    </p:extLst>
+  </p:cSld>
+  <p:clrMapOvr>
+    <a:masterClrMapping/>
+  </p:clrMapOvr>
+</p:sld>
+</file>
+
 <file path=ppt/slides/slide2.xml><?xml version="1.0" encoding="utf-8"?>
 <p:sld xmlns:a="http://schemas.openxmlformats.org/drawingml/2006/main" xmlns:r="http://schemas.openxmlformats.org/officeDocument/2006/relationships" xmlns:p="http://schemas.openxmlformats.org/presentationml/2006/main">
   <p:cSld>
@@ -3443,8 +3613,8 @@
           </a:p>
         </p:txBody>
       </p:sp>
-      <mc:AlternateContent xmlns:mc="http://schemas.openxmlformats.org/markup-compatibility/2006" xmlns:a14="http://schemas.microsoft.com/office/drawing/2010/main">
-        <mc:Choice Requires="a14">
+      <mc:AlternateContent xmlns:mc="http://schemas.openxmlformats.org/markup-compatibility/2006">
+        <mc:Choice xmlns:a14="http://schemas.microsoft.com/office/drawing/2010/main" Requires="a14">
           <p:sp>
             <p:nvSpPr>
               <p:cNvPr id="3" name="Content Placeholder 2">
@@ -3464,18 +3634,18 @@
             <p:spPr>
               <a:xfrm>
                 <a:off x="838200" y="1825625"/>
-                <a:ext cx="5257800" cy="4351338"/>
+                <a:ext cx="5257800" cy="4835234"/>
               </a:xfrm>
             </p:spPr>
             <p:txBody>
               <a:bodyPr>
-                <a:normAutofit fontScale="92500"/>
+                <a:normAutofit fontScale="92500" lnSpcReduction="10000"/>
               </a:bodyPr>
               <a:lstStyle/>
               <a:p>
                 <a:r>
                   <a:rPr lang="en-US" dirty="0"/>
-                  <a:t>The machine learning classification task is one of finding a probability distribution that provides a probability of an input data point belonging to any class.</a:t>
+                  <a:t>The machine learning classification task is one of finding a probability distribution over all classes  for any input data point.</a:t>
                 </a:r>
               </a:p>
               <a:p>
@@ -3780,10 +3950,18 @@
                   <a:t>present. </a:t>
                 </a:r>
               </a:p>
+              <a:p>
+                <a:r>
+                  <a:rPr lang="en-US" dirty="0">
+                    <a:ea typeface="Cambria Math" panose="02040503050406030204" pitchFamily="18" charset="0"/>
+                  </a:rPr>
+                  <a:t>This probability is usually interpreted as a class by setting a threshold.</a:t>
+                </a:r>
+              </a:p>
             </p:txBody>
           </p:sp>
         </mc:Choice>
-        <mc:Fallback xmlns="">
+        <mc:Fallback>
           <p:sp>
             <p:nvSpPr>
               <p:cNvPr id="3" name="Content Placeholder 2">
@@ -3803,12 +3981,12 @@
             <p:spPr>
               <a:xfrm>
                 <a:off x="838200" y="1825625"/>
-                <a:ext cx="5257800" cy="4351338"/>
+                <a:ext cx="5257800" cy="4835234"/>
               </a:xfrm>
               <a:blipFill>
                 <a:blip r:embed="rId2"/>
                 <a:stretch>
-                  <a:fillRect l="-1856" t="-2101" r="-232"/>
+                  <a:fillRect l="-1856" t="-2519" r="-696"/>
                 </a:stretch>
               </a:blipFill>
             </p:spPr>
@@ -4688,7 +4866,7 @@
         <p:spPr>
           <a:xfrm>
             <a:off x="838200" y="1825625"/>
-            <a:ext cx="10515600" cy="1446081"/>
+            <a:ext cx="10515600" cy="1294220"/>
           </a:xfrm>
         </p:spPr>
         <p:txBody>
@@ -4697,15 +4875,12 @@
           </a:bodyPr>
           <a:lstStyle/>
           <a:p>
+            <a:pPr marL="0" indent="0">
+              <a:buNone/>
+            </a:pPr>
             <a:r>
               <a:rPr lang="en-US" dirty="0"/>
-              <a:t>Effectiveness of a classification system is measured by using a dataset that has existing class labels. </a:t>
-            </a:r>
-          </a:p>
-          <a:p>
-            <a:r>
-              <a:rPr lang="en-US" dirty="0"/>
-              <a:t>Indicators:</a:t>
+              <a:t>Effectiveness of a classification system is measured by using a supervised approach of having an unseen dataset that has existing class labels  pass through the system.</a:t>
             </a:r>
           </a:p>
         </p:txBody>
@@ -4726,8 +4901,8 @@
             </p:nvSpPr>
             <p:spPr>
               <a:xfrm>
-                <a:off x="2036427" y="3429000"/>
-                <a:ext cx="6094602" cy="618311"/>
+                <a:off x="3048699" y="3119845"/>
+                <a:ext cx="6094602" cy="664926"/>
               </a:xfrm>
               <a:prstGeom prst="rect">
                 <a:avLst/>
@@ -4740,11 +4915,11 @@
               </a:bodyPr>
               <a:lstStyle/>
               <a:p>
-                <a:pPr/>
+                <a:pPr algn="ctr"/>
                 <a14:m>
                   <m:oMathPara xmlns:m="http://schemas.openxmlformats.org/officeDocument/2006/math">
                     <m:oMathParaPr>
-                      <m:jc m:val="left"/>
+                      <m:jc m:val="center"/>
                     </m:oMathParaPr>
                     <m:oMath xmlns:m="http://schemas.openxmlformats.org/officeDocument/2006/math">
                       <m:r>
@@ -4775,10 +4950,16 @@
                             <m:t># </m:t>
                           </m:r>
                           <m:r>
+                            <a:rPr lang="en-US" sz="1800" b="0" i="1" smtClean="0">
+                              <a:latin typeface="Cambria Math" panose="02040503050406030204" pitchFamily="18" charset="0"/>
+                            </a:rPr>
+                            <m:t>𝑐</m:t>
+                          </m:r>
+                          <m:r>
                             <a:rPr lang="en-US" sz="1800" i="1">
                               <a:latin typeface="Cambria Math" panose="02040503050406030204" pitchFamily="18" charset="0"/>
                             </a:rPr>
-                            <m:t>𝐶𝑜𝑟𝑟𝑒𝑐𝑡</m:t>
+                            <m:t>𝑜𝑟𝑟𝑒𝑐𝑡</m:t>
                           </m:r>
                           <m:r>
                             <a:rPr lang="en-US" sz="1800" b="0" i="1" smtClean="0">
@@ -4790,7 +4971,13 @@
                             <a:rPr lang="en-US" sz="1800" b="0" i="1" smtClean="0">
                               <a:latin typeface="Cambria Math" panose="02040503050406030204" pitchFamily="18" charset="0"/>
                             </a:rPr>
-                            <m:t>𝑃𝑟𝑒𝑑𝑖𝑐𝑡𝑖𝑜𝑛𝑠</m:t>
+                            <m:t>𝑝</m:t>
+                          </m:r>
+                          <m:r>
+                            <a:rPr lang="en-US" sz="1800" b="0" i="1" smtClean="0">
+                              <a:latin typeface="Cambria Math" panose="02040503050406030204" pitchFamily="18" charset="0"/>
+                            </a:rPr>
+                            <m:t>𝑟𝑒𝑑𝑖𝑐𝑡𝑖𝑜𝑛𝑠</m:t>
                           </m:r>
                         </m:num>
                         <m:den>
@@ -4804,7 +4991,13 @@
                             <a:rPr lang="en-US" sz="1800" b="0" i="1" smtClean="0">
                               <a:latin typeface="Cambria Math" panose="02040503050406030204" pitchFamily="18" charset="0"/>
                             </a:rPr>
-                            <m:t>𝐷𝑎𝑡𝑎</m:t>
+                            <m:t>𝑑</m:t>
+                          </m:r>
+                          <m:r>
+                            <a:rPr lang="en-US" sz="1800" b="0" i="1" smtClean="0">
+                              <a:latin typeface="Cambria Math" panose="02040503050406030204" pitchFamily="18" charset="0"/>
+                            </a:rPr>
+                            <m:t>𝑎𝑡𝑎</m:t>
                           </m:r>
                           <m:r>
                             <a:rPr lang="en-US" sz="1800" b="0" i="1" smtClean="0">
@@ -4816,7 +5009,13 @@
                             <a:rPr lang="en-US" sz="1800" b="0" i="1" smtClean="0">
                               <a:latin typeface="Cambria Math" panose="02040503050406030204" pitchFamily="18" charset="0"/>
                             </a:rPr>
-                            <m:t>𝑃𝑜𝑖𝑛𝑡𝑠</m:t>
+                            <m:t>𝑝</m:t>
+                          </m:r>
+                          <m:r>
+                            <a:rPr lang="en-US" sz="1800" b="0" i="1" smtClean="0">
+                              <a:latin typeface="Cambria Math" panose="02040503050406030204" pitchFamily="18" charset="0"/>
+                            </a:rPr>
+                            <m:t>𝑜𝑖𝑛𝑡𝑠</m:t>
                           </m:r>
                         </m:den>
                       </m:f>
@@ -4845,8 +5044,8 @@
             </p:nvSpPr>
             <p:spPr>
               <a:xfrm>
-                <a:off x="2036427" y="3429000"/>
-                <a:ext cx="6094602" cy="618311"/>
+                <a:off x="3048699" y="3119845"/>
+                <a:ext cx="6094602" cy="664926"/>
               </a:xfrm>
               <a:prstGeom prst="rect">
                 <a:avLst/>
@@ -4873,6 +5072,2411 @@
           </p:sp>
         </mc:Fallback>
       </mc:AlternateContent>
+      <p:sp>
+        <p:nvSpPr>
+          <p:cNvPr id="6" name="Content Placeholder 2">
+            <a:extLst>
+              <a:ext uri="{FF2B5EF4-FFF2-40B4-BE49-F238E27FC236}">
+                <a16:creationId xmlns:a16="http://schemas.microsoft.com/office/drawing/2014/main" id="{198A6352-4BA7-D626-BEBE-52290CBB7CA7}"/>
+              </a:ext>
+            </a:extLst>
+          </p:cNvPr>
+          <p:cNvSpPr txBox="1">
+            <a:spLocks/>
+          </p:cNvSpPr>
+          <p:nvPr/>
+        </p:nvSpPr>
+        <p:spPr>
+          <a:xfrm>
+            <a:off x="838199" y="6096967"/>
+            <a:ext cx="2691003" cy="431177"/>
+          </a:xfrm>
+          <a:prstGeom prst="rect">
+            <a:avLst/>
+          </a:prstGeom>
+          <a:noFill/>
+          <a:ln>
+            <a:noFill/>
+          </a:ln>
+        </p:spPr>
+        <p:style>
+          <a:lnRef idx="2">
+            <a:schemeClr val="accent5"/>
+          </a:lnRef>
+          <a:fillRef idx="1">
+            <a:schemeClr val="lt1"/>
+          </a:fillRef>
+          <a:effectRef idx="0">
+            <a:schemeClr val="accent5"/>
+          </a:effectRef>
+          <a:fontRef idx="minor">
+            <a:schemeClr val="dk1"/>
+          </a:fontRef>
+        </p:style>
+        <p:txBody>
+          <a:bodyPr vert="horz" lIns="91440" tIns="45720" rIns="91440" bIns="45720" rtlCol="0">
+            <a:normAutofit fontScale="55000" lnSpcReduction="20000"/>
+          </a:bodyPr>
+          <a:lstStyle>
+            <a:lvl1pPr marL="228600" indent="-228600" algn="l" defTabSz="914400" rtl="0" eaLnBrk="1" latinLnBrk="0" hangingPunct="1">
+              <a:lnSpc>
+                <a:spcPct val="90000"/>
+              </a:lnSpc>
+              <a:spcBef>
+                <a:spcPts val="1000"/>
+              </a:spcBef>
+              <a:buFont typeface="Arial" panose="020B0604020202020204" pitchFamily="34" charset="0"/>
+              <a:buChar char="•"/>
+              <a:defRPr sz="2800" kern="1200">
+                <a:solidFill>
+                  <a:schemeClr val="tx1"/>
+                </a:solidFill>
+                <a:latin typeface="+mn-lt"/>
+                <a:ea typeface="+mn-ea"/>
+                <a:cs typeface="+mn-cs"/>
+              </a:defRPr>
+            </a:lvl1pPr>
+            <a:lvl2pPr marL="685800" indent="-228600" algn="l" defTabSz="914400" rtl="0" eaLnBrk="1" latinLnBrk="0" hangingPunct="1">
+              <a:lnSpc>
+                <a:spcPct val="90000"/>
+              </a:lnSpc>
+              <a:spcBef>
+                <a:spcPts val="500"/>
+              </a:spcBef>
+              <a:buFont typeface="Arial" panose="020B0604020202020204" pitchFamily="34" charset="0"/>
+              <a:buChar char="•"/>
+              <a:defRPr sz="2400" kern="1200">
+                <a:solidFill>
+                  <a:schemeClr val="tx1"/>
+                </a:solidFill>
+                <a:latin typeface="+mn-lt"/>
+                <a:ea typeface="+mn-ea"/>
+                <a:cs typeface="+mn-cs"/>
+              </a:defRPr>
+            </a:lvl2pPr>
+            <a:lvl3pPr marL="1143000" indent="-228600" algn="l" defTabSz="914400" rtl="0" eaLnBrk="1" latinLnBrk="0" hangingPunct="1">
+              <a:lnSpc>
+                <a:spcPct val="90000"/>
+              </a:lnSpc>
+              <a:spcBef>
+                <a:spcPts val="500"/>
+              </a:spcBef>
+              <a:buFont typeface="Arial" panose="020B0604020202020204" pitchFamily="34" charset="0"/>
+              <a:buChar char="•"/>
+              <a:defRPr sz="2000" kern="1200">
+                <a:solidFill>
+                  <a:schemeClr val="tx1"/>
+                </a:solidFill>
+                <a:latin typeface="+mn-lt"/>
+                <a:ea typeface="+mn-ea"/>
+                <a:cs typeface="+mn-cs"/>
+              </a:defRPr>
+            </a:lvl3pPr>
+            <a:lvl4pPr marL="1600200" indent="-228600" algn="l" defTabSz="914400" rtl="0" eaLnBrk="1" latinLnBrk="0" hangingPunct="1">
+              <a:lnSpc>
+                <a:spcPct val="90000"/>
+              </a:lnSpc>
+              <a:spcBef>
+                <a:spcPts val="500"/>
+              </a:spcBef>
+              <a:buFont typeface="Arial" panose="020B0604020202020204" pitchFamily="34" charset="0"/>
+              <a:buChar char="•"/>
+              <a:defRPr sz="1800" kern="1200">
+                <a:solidFill>
+                  <a:schemeClr val="tx1"/>
+                </a:solidFill>
+                <a:latin typeface="+mn-lt"/>
+                <a:ea typeface="+mn-ea"/>
+                <a:cs typeface="+mn-cs"/>
+              </a:defRPr>
+            </a:lvl4pPr>
+            <a:lvl5pPr marL="2057400" indent="-228600" algn="l" defTabSz="914400" rtl="0" eaLnBrk="1" latinLnBrk="0" hangingPunct="1">
+              <a:lnSpc>
+                <a:spcPct val="90000"/>
+              </a:lnSpc>
+              <a:spcBef>
+                <a:spcPts val="500"/>
+              </a:spcBef>
+              <a:buFont typeface="Arial" panose="020B0604020202020204" pitchFamily="34" charset="0"/>
+              <a:buChar char="•"/>
+              <a:defRPr sz="1800" kern="1200">
+                <a:solidFill>
+                  <a:schemeClr val="tx1"/>
+                </a:solidFill>
+                <a:latin typeface="+mn-lt"/>
+                <a:ea typeface="+mn-ea"/>
+                <a:cs typeface="+mn-cs"/>
+              </a:defRPr>
+            </a:lvl5pPr>
+            <a:lvl6pPr marL="2514600" indent="-228600" algn="l" defTabSz="914400" rtl="0" eaLnBrk="1" latinLnBrk="0" hangingPunct="1">
+              <a:lnSpc>
+                <a:spcPct val="90000"/>
+              </a:lnSpc>
+              <a:spcBef>
+                <a:spcPts val="500"/>
+              </a:spcBef>
+              <a:buFont typeface="Arial" panose="020B0604020202020204" pitchFamily="34" charset="0"/>
+              <a:buChar char="•"/>
+              <a:defRPr sz="1800" kern="1200">
+                <a:solidFill>
+                  <a:schemeClr val="tx1"/>
+                </a:solidFill>
+                <a:latin typeface="+mn-lt"/>
+                <a:ea typeface="+mn-ea"/>
+                <a:cs typeface="+mn-cs"/>
+              </a:defRPr>
+            </a:lvl6pPr>
+            <a:lvl7pPr marL="2971800" indent="-228600" algn="l" defTabSz="914400" rtl="0" eaLnBrk="1" latinLnBrk="0" hangingPunct="1">
+              <a:lnSpc>
+                <a:spcPct val="90000"/>
+              </a:lnSpc>
+              <a:spcBef>
+                <a:spcPts val="500"/>
+              </a:spcBef>
+              <a:buFont typeface="Arial" panose="020B0604020202020204" pitchFamily="34" charset="0"/>
+              <a:buChar char="•"/>
+              <a:defRPr sz="1800" kern="1200">
+                <a:solidFill>
+                  <a:schemeClr val="tx1"/>
+                </a:solidFill>
+                <a:latin typeface="+mn-lt"/>
+                <a:ea typeface="+mn-ea"/>
+                <a:cs typeface="+mn-cs"/>
+              </a:defRPr>
+            </a:lvl7pPr>
+            <a:lvl8pPr marL="3429000" indent="-228600" algn="l" defTabSz="914400" rtl="0" eaLnBrk="1" latinLnBrk="0" hangingPunct="1">
+              <a:lnSpc>
+                <a:spcPct val="90000"/>
+              </a:lnSpc>
+              <a:spcBef>
+                <a:spcPts val="500"/>
+              </a:spcBef>
+              <a:buFont typeface="Arial" panose="020B0604020202020204" pitchFamily="34" charset="0"/>
+              <a:buChar char="•"/>
+              <a:defRPr sz="1800" kern="1200">
+                <a:solidFill>
+                  <a:schemeClr val="tx1"/>
+                </a:solidFill>
+                <a:latin typeface="+mn-lt"/>
+                <a:ea typeface="+mn-ea"/>
+                <a:cs typeface="+mn-cs"/>
+              </a:defRPr>
+            </a:lvl8pPr>
+            <a:lvl9pPr marL="3886200" indent="-228600" algn="l" defTabSz="914400" rtl="0" eaLnBrk="1" latinLnBrk="0" hangingPunct="1">
+              <a:lnSpc>
+                <a:spcPct val="90000"/>
+              </a:lnSpc>
+              <a:spcBef>
+                <a:spcPts val="500"/>
+              </a:spcBef>
+              <a:buFont typeface="Arial" panose="020B0604020202020204" pitchFamily="34" charset="0"/>
+              <a:buChar char="•"/>
+              <a:defRPr sz="1800" kern="1200">
+                <a:solidFill>
+                  <a:schemeClr val="tx1"/>
+                </a:solidFill>
+                <a:latin typeface="+mn-lt"/>
+                <a:ea typeface="+mn-ea"/>
+                <a:cs typeface="+mn-cs"/>
+              </a:defRPr>
+            </a:lvl9pPr>
+          </a:lstStyle>
+          <a:p>
+            <a:pPr marL="0" indent="0">
+              <a:buNone/>
+            </a:pPr>
+            <a:r>
+              <a:rPr lang="en-US" dirty="0"/>
+              <a:t>Balanced Data: Equal quantity of dogs, cats, and birds</a:t>
+            </a:r>
+          </a:p>
+        </p:txBody>
+      </p:sp>
+      <p:graphicFrame>
+        <p:nvGraphicFramePr>
+          <p:cNvPr id="10" name="Table 10">
+            <a:extLst>
+              <a:ext uri="{FF2B5EF4-FFF2-40B4-BE49-F238E27FC236}">
+                <a16:creationId xmlns:a16="http://schemas.microsoft.com/office/drawing/2014/main" id="{75FF2FEA-5868-25FA-4A2F-CE9DAD0BFEFA}"/>
+              </a:ext>
+            </a:extLst>
+          </p:cNvPr>
+          <p:cNvGraphicFramePr>
+            <a:graphicFrameLocks noGrp="1"/>
+          </p:cNvGraphicFramePr>
+          <p:nvPr>
+            <p:extLst>
+              <p:ext uri="{D42A27DB-BD31-4B8C-83A1-F6EECF244321}">
+                <p14:modId xmlns:p14="http://schemas.microsoft.com/office/powerpoint/2010/main" val="3062787460"/>
+              </p:ext>
+            </p:extLst>
+          </p:nvPr>
+        </p:nvGraphicFramePr>
+        <p:xfrm>
+          <a:off x="838198" y="3921583"/>
+          <a:ext cx="2691004" cy="2124504"/>
+        </p:xfrm>
+        <a:graphic>
+          <a:graphicData uri="http://schemas.openxmlformats.org/drawingml/2006/table">
+            <a:tbl>
+              <a:tblPr firstRow="1" bandRow="1">
+                <a:tableStyleId>{5C22544A-7EE6-4342-B048-85BDC9FD1C3A}</a:tableStyleId>
+              </a:tblPr>
+              <a:tblGrid>
+                <a:gridCol w="672751">
+                  <a:extLst>
+                    <a:ext uri="{9D8B030D-6E8A-4147-A177-3AD203B41FA5}">
+                      <a16:colId xmlns:a16="http://schemas.microsoft.com/office/drawing/2014/main" val="3779047369"/>
+                    </a:ext>
+                  </a:extLst>
+                </a:gridCol>
+                <a:gridCol w="672751">
+                  <a:extLst>
+                    <a:ext uri="{9D8B030D-6E8A-4147-A177-3AD203B41FA5}">
+                      <a16:colId xmlns:a16="http://schemas.microsoft.com/office/drawing/2014/main" val="2587912599"/>
+                    </a:ext>
+                  </a:extLst>
+                </a:gridCol>
+                <a:gridCol w="672751">
+                  <a:extLst>
+                    <a:ext uri="{9D8B030D-6E8A-4147-A177-3AD203B41FA5}">
+                      <a16:colId xmlns:a16="http://schemas.microsoft.com/office/drawing/2014/main" val="617498338"/>
+                    </a:ext>
+                  </a:extLst>
+                </a:gridCol>
+                <a:gridCol w="672751">
+                  <a:extLst>
+                    <a:ext uri="{9D8B030D-6E8A-4147-A177-3AD203B41FA5}">
+                      <a16:colId xmlns:a16="http://schemas.microsoft.com/office/drawing/2014/main" val="1361611942"/>
+                    </a:ext>
+                  </a:extLst>
+                </a:gridCol>
+              </a:tblGrid>
+              <a:tr h="517477">
+                <a:tc>
+                  <a:txBody>
+                    <a:bodyPr/>
+                    <a:lstStyle/>
+                    <a:p>
+                      <a:pPr algn="ctr"/>
+                      <a:endParaRPr lang="en-US" sz="1500" b="1" dirty="0">
+                        <a:solidFill>
+                          <a:schemeClr val="bg1"/>
+                        </a:solidFill>
+                      </a:endParaRPr>
+                    </a:p>
+                  </a:txBody>
+                  <a:tcPr marL="73925" marR="73925" marT="36963" marB="36963">
+                    <a:solidFill>
+                      <a:srgbClr val="4472C4"/>
+                    </a:solidFill>
+                  </a:tcPr>
+                </a:tc>
+                <a:tc>
+                  <a:txBody>
+                    <a:bodyPr/>
+                    <a:lstStyle/>
+                    <a:p>
+                      <a:pPr algn="ctr"/>
+                      <a:r>
+                        <a:rPr lang="en-US" sz="1500" dirty="0"/>
+                        <a:t>Model Cat</a:t>
+                      </a:r>
+                    </a:p>
+                  </a:txBody>
+                  <a:tcPr marL="73925" marR="73925" marT="36963" marB="36963"/>
+                </a:tc>
+                <a:tc>
+                  <a:txBody>
+                    <a:bodyPr/>
+                    <a:lstStyle/>
+                    <a:p>
+                      <a:pPr algn="ctr"/>
+                      <a:r>
+                        <a:rPr lang="en-US" sz="1500" dirty="0"/>
+                        <a:t>Model Dog</a:t>
+                      </a:r>
+                    </a:p>
+                  </a:txBody>
+                  <a:tcPr marL="73925" marR="73925" marT="36963" marB="36963"/>
+                </a:tc>
+                <a:tc>
+                  <a:txBody>
+                    <a:bodyPr/>
+                    <a:lstStyle/>
+                    <a:p>
+                      <a:pPr algn="ctr"/>
+                      <a:r>
+                        <a:rPr lang="en-US" sz="1500" dirty="0"/>
+                        <a:t>Model Bird</a:t>
+                      </a:r>
+                    </a:p>
+                  </a:txBody>
+                  <a:tcPr marL="73925" marR="73925" marT="36963" marB="36963"/>
+                </a:tc>
+                <a:extLst>
+                  <a:ext uri="{0D108BD9-81ED-4DB2-BD59-A6C34878D82A}">
+                    <a16:rowId xmlns:a16="http://schemas.microsoft.com/office/drawing/2014/main" val="2688480762"/>
+                  </a:ext>
+                </a:extLst>
+              </a:tr>
+              <a:tr h="517477">
+                <a:tc>
+                  <a:txBody>
+                    <a:bodyPr/>
+                    <a:lstStyle/>
+                    <a:p>
+                      <a:pPr algn="ctr"/>
+                      <a:r>
+                        <a:rPr lang="en-US" sz="1500" b="1" dirty="0">
+                          <a:solidFill>
+                            <a:schemeClr val="bg1"/>
+                          </a:solidFill>
+                        </a:rPr>
+                        <a:t>Data Cat</a:t>
+                      </a:r>
+                    </a:p>
+                  </a:txBody>
+                  <a:tcPr marL="73925" marR="73925" marT="36963" marB="36963">
+                    <a:solidFill>
+                      <a:srgbClr val="4472C4"/>
+                    </a:solidFill>
+                  </a:tcPr>
+                </a:tc>
+                <a:tc>
+                  <a:txBody>
+                    <a:bodyPr/>
+                    <a:lstStyle/>
+                    <a:p>
+                      <a:r>
+                        <a:rPr lang="en-US" sz="1500" dirty="0"/>
+                        <a:t>76</a:t>
+                      </a:r>
+                    </a:p>
+                  </a:txBody>
+                  <a:tcPr marL="73925" marR="73925" marT="36963" marB="36963"/>
+                </a:tc>
+                <a:tc>
+                  <a:txBody>
+                    <a:bodyPr/>
+                    <a:lstStyle/>
+                    <a:p>
+                      <a:r>
+                        <a:rPr lang="en-US" sz="1500" dirty="0"/>
+                        <a:t>10</a:t>
+                      </a:r>
+                    </a:p>
+                  </a:txBody>
+                  <a:tcPr marL="73925" marR="73925" marT="36963" marB="36963"/>
+                </a:tc>
+                <a:tc>
+                  <a:txBody>
+                    <a:bodyPr/>
+                    <a:lstStyle/>
+                    <a:p>
+                      <a:r>
+                        <a:rPr lang="en-US" sz="1500" dirty="0"/>
+                        <a:t>12</a:t>
+                      </a:r>
+                    </a:p>
+                  </a:txBody>
+                  <a:tcPr marL="73925" marR="73925" marT="36963" marB="36963"/>
+                </a:tc>
+                <a:extLst>
+                  <a:ext uri="{0D108BD9-81ED-4DB2-BD59-A6C34878D82A}">
+                    <a16:rowId xmlns:a16="http://schemas.microsoft.com/office/drawing/2014/main" val="1617891110"/>
+                  </a:ext>
+                </a:extLst>
+              </a:tr>
+              <a:tr h="517477">
+                <a:tc>
+                  <a:txBody>
+                    <a:bodyPr/>
+                    <a:lstStyle/>
+                    <a:p>
+                      <a:pPr algn="ctr"/>
+                      <a:r>
+                        <a:rPr lang="en-US" sz="1500" b="1" dirty="0">
+                          <a:solidFill>
+                            <a:schemeClr val="bg1"/>
+                          </a:solidFill>
+                        </a:rPr>
+                        <a:t>Data Dog</a:t>
+                      </a:r>
+                    </a:p>
+                  </a:txBody>
+                  <a:tcPr marL="73925" marR="73925" marT="36963" marB="36963">
+                    <a:solidFill>
+                      <a:srgbClr val="4472C4"/>
+                    </a:solidFill>
+                  </a:tcPr>
+                </a:tc>
+                <a:tc>
+                  <a:txBody>
+                    <a:bodyPr/>
+                    <a:lstStyle/>
+                    <a:p>
+                      <a:r>
+                        <a:rPr lang="en-US" sz="1500" dirty="0"/>
+                        <a:t>27</a:t>
+                      </a:r>
+                    </a:p>
+                  </a:txBody>
+                  <a:tcPr marL="73925" marR="73925" marT="36963" marB="36963"/>
+                </a:tc>
+                <a:tc>
+                  <a:txBody>
+                    <a:bodyPr/>
+                    <a:lstStyle/>
+                    <a:p>
+                      <a:r>
+                        <a:rPr lang="en-US" sz="1500" dirty="0"/>
+                        <a:t>69</a:t>
+                      </a:r>
+                    </a:p>
+                  </a:txBody>
+                  <a:tcPr marL="73925" marR="73925" marT="36963" marB="36963"/>
+                </a:tc>
+                <a:tc>
+                  <a:txBody>
+                    <a:bodyPr/>
+                    <a:lstStyle/>
+                    <a:p>
+                      <a:r>
+                        <a:rPr lang="en-US" sz="1500" dirty="0"/>
+                        <a:t>11</a:t>
+                      </a:r>
+                    </a:p>
+                  </a:txBody>
+                  <a:tcPr marL="73925" marR="73925" marT="36963" marB="36963"/>
+                </a:tc>
+                <a:extLst>
+                  <a:ext uri="{0D108BD9-81ED-4DB2-BD59-A6C34878D82A}">
+                    <a16:rowId xmlns:a16="http://schemas.microsoft.com/office/drawing/2014/main" val="842711822"/>
+                  </a:ext>
+                </a:extLst>
+              </a:tr>
+              <a:tr h="517477">
+                <a:tc>
+                  <a:txBody>
+                    <a:bodyPr/>
+                    <a:lstStyle/>
+                    <a:p>
+                      <a:pPr algn="ctr"/>
+                      <a:r>
+                        <a:rPr lang="en-US" sz="1500" b="1" dirty="0">
+                          <a:solidFill>
+                            <a:schemeClr val="bg1"/>
+                          </a:solidFill>
+                        </a:rPr>
+                        <a:t>Data Bird</a:t>
+                      </a:r>
+                    </a:p>
+                  </a:txBody>
+                  <a:tcPr marL="73925" marR="73925" marT="36963" marB="36963">
+                    <a:solidFill>
+                      <a:srgbClr val="4472C4"/>
+                    </a:solidFill>
+                  </a:tcPr>
+                </a:tc>
+                <a:tc>
+                  <a:txBody>
+                    <a:bodyPr/>
+                    <a:lstStyle/>
+                    <a:p>
+                      <a:r>
+                        <a:rPr lang="en-US" sz="1500" dirty="0"/>
+                        <a:t>6</a:t>
+                      </a:r>
+                    </a:p>
+                  </a:txBody>
+                  <a:tcPr marL="73925" marR="73925" marT="36963" marB="36963"/>
+                </a:tc>
+                <a:tc>
+                  <a:txBody>
+                    <a:bodyPr/>
+                    <a:lstStyle/>
+                    <a:p>
+                      <a:r>
+                        <a:rPr lang="en-US" sz="1500" dirty="0"/>
+                        <a:t>3</a:t>
+                      </a:r>
+                    </a:p>
+                  </a:txBody>
+                  <a:tcPr marL="73925" marR="73925" marT="36963" marB="36963"/>
+                </a:tc>
+                <a:tc>
+                  <a:txBody>
+                    <a:bodyPr/>
+                    <a:lstStyle/>
+                    <a:p>
+                      <a:r>
+                        <a:rPr lang="en-US" sz="1500" dirty="0"/>
+                        <a:t>81</a:t>
+                      </a:r>
+                    </a:p>
+                  </a:txBody>
+                  <a:tcPr marL="73925" marR="73925" marT="36963" marB="36963"/>
+                </a:tc>
+                <a:extLst>
+                  <a:ext uri="{0D108BD9-81ED-4DB2-BD59-A6C34878D82A}">
+                    <a16:rowId xmlns:a16="http://schemas.microsoft.com/office/drawing/2014/main" val="1343416302"/>
+                  </a:ext>
+                </a:extLst>
+              </a:tr>
+            </a:tbl>
+          </a:graphicData>
+        </a:graphic>
+      </p:graphicFrame>
+      <mc:AlternateContent xmlns:mc="http://schemas.openxmlformats.org/markup-compatibility/2006">
+        <mc:Choice xmlns:a14="http://schemas.microsoft.com/office/drawing/2010/main" Requires="a14">
+          <p:sp>
+            <p:nvSpPr>
+              <p:cNvPr id="11" name="Content Placeholder 2">
+                <a:extLst>
+                  <a:ext uri="{FF2B5EF4-FFF2-40B4-BE49-F238E27FC236}">
+                    <a16:creationId xmlns:a16="http://schemas.microsoft.com/office/drawing/2014/main" id="{3B539280-2463-FE2C-647E-A409CBB087BB}"/>
+                  </a:ext>
+                </a:extLst>
+              </p:cNvPr>
+              <p:cNvSpPr txBox="1">
+                <a:spLocks/>
+              </p:cNvSpPr>
+              <p:nvPr/>
+            </p:nvSpPr>
+            <p:spPr>
+              <a:xfrm>
+                <a:off x="3947484" y="4651372"/>
+                <a:ext cx="6790423" cy="664926"/>
+              </a:xfrm>
+              <a:prstGeom prst="rect">
+                <a:avLst/>
+              </a:prstGeom>
+              <a:noFill/>
+              <a:ln>
+                <a:noFill/>
+              </a:ln>
+            </p:spPr>
+            <p:style>
+              <a:lnRef idx="2">
+                <a:schemeClr val="accent5"/>
+              </a:lnRef>
+              <a:fillRef idx="1">
+                <a:schemeClr val="lt1"/>
+              </a:fillRef>
+              <a:effectRef idx="0">
+                <a:schemeClr val="accent5"/>
+              </a:effectRef>
+              <a:fontRef idx="minor">
+                <a:schemeClr val="dk1"/>
+              </a:fontRef>
+            </p:style>
+            <p:txBody>
+              <a:bodyPr vert="horz" lIns="91440" tIns="45720" rIns="91440" bIns="45720" rtlCol="0">
+                <a:noAutofit/>
+              </a:bodyPr>
+              <a:lstStyle>
+                <a:lvl1pPr marL="228600" indent="-228600" algn="l" defTabSz="914400" rtl="0" eaLnBrk="1" latinLnBrk="0" hangingPunct="1">
+                  <a:lnSpc>
+                    <a:spcPct val="90000"/>
+                  </a:lnSpc>
+                  <a:spcBef>
+                    <a:spcPts val="1000"/>
+                  </a:spcBef>
+                  <a:buFont typeface="Arial" panose="020B0604020202020204" pitchFamily="34" charset="0"/>
+                  <a:buChar char="•"/>
+                  <a:defRPr sz="2800" kern="1200">
+                    <a:solidFill>
+                      <a:schemeClr val="tx1"/>
+                    </a:solidFill>
+                    <a:latin typeface="+mn-lt"/>
+                    <a:ea typeface="+mn-ea"/>
+                    <a:cs typeface="+mn-cs"/>
+                  </a:defRPr>
+                </a:lvl1pPr>
+                <a:lvl2pPr marL="685800" indent="-228600" algn="l" defTabSz="914400" rtl="0" eaLnBrk="1" latinLnBrk="0" hangingPunct="1">
+                  <a:lnSpc>
+                    <a:spcPct val="90000"/>
+                  </a:lnSpc>
+                  <a:spcBef>
+                    <a:spcPts val="500"/>
+                  </a:spcBef>
+                  <a:buFont typeface="Arial" panose="020B0604020202020204" pitchFamily="34" charset="0"/>
+                  <a:buChar char="•"/>
+                  <a:defRPr sz="2400" kern="1200">
+                    <a:solidFill>
+                      <a:schemeClr val="tx1"/>
+                    </a:solidFill>
+                    <a:latin typeface="+mn-lt"/>
+                    <a:ea typeface="+mn-ea"/>
+                    <a:cs typeface="+mn-cs"/>
+                  </a:defRPr>
+                </a:lvl2pPr>
+                <a:lvl3pPr marL="1143000" indent="-228600" algn="l" defTabSz="914400" rtl="0" eaLnBrk="1" latinLnBrk="0" hangingPunct="1">
+                  <a:lnSpc>
+                    <a:spcPct val="90000"/>
+                  </a:lnSpc>
+                  <a:spcBef>
+                    <a:spcPts val="500"/>
+                  </a:spcBef>
+                  <a:buFont typeface="Arial" panose="020B0604020202020204" pitchFamily="34" charset="0"/>
+                  <a:buChar char="•"/>
+                  <a:defRPr sz="2000" kern="1200">
+                    <a:solidFill>
+                      <a:schemeClr val="tx1"/>
+                    </a:solidFill>
+                    <a:latin typeface="+mn-lt"/>
+                    <a:ea typeface="+mn-ea"/>
+                    <a:cs typeface="+mn-cs"/>
+                  </a:defRPr>
+                </a:lvl3pPr>
+                <a:lvl4pPr marL="1600200" indent="-228600" algn="l" defTabSz="914400" rtl="0" eaLnBrk="1" latinLnBrk="0" hangingPunct="1">
+                  <a:lnSpc>
+                    <a:spcPct val="90000"/>
+                  </a:lnSpc>
+                  <a:spcBef>
+                    <a:spcPts val="500"/>
+                  </a:spcBef>
+                  <a:buFont typeface="Arial" panose="020B0604020202020204" pitchFamily="34" charset="0"/>
+                  <a:buChar char="•"/>
+                  <a:defRPr sz="1800" kern="1200">
+                    <a:solidFill>
+                      <a:schemeClr val="tx1"/>
+                    </a:solidFill>
+                    <a:latin typeface="+mn-lt"/>
+                    <a:ea typeface="+mn-ea"/>
+                    <a:cs typeface="+mn-cs"/>
+                  </a:defRPr>
+                </a:lvl4pPr>
+                <a:lvl5pPr marL="2057400" indent="-228600" algn="l" defTabSz="914400" rtl="0" eaLnBrk="1" latinLnBrk="0" hangingPunct="1">
+                  <a:lnSpc>
+                    <a:spcPct val="90000"/>
+                  </a:lnSpc>
+                  <a:spcBef>
+                    <a:spcPts val="500"/>
+                  </a:spcBef>
+                  <a:buFont typeface="Arial" panose="020B0604020202020204" pitchFamily="34" charset="0"/>
+                  <a:buChar char="•"/>
+                  <a:defRPr sz="1800" kern="1200">
+                    <a:solidFill>
+                      <a:schemeClr val="tx1"/>
+                    </a:solidFill>
+                    <a:latin typeface="+mn-lt"/>
+                    <a:ea typeface="+mn-ea"/>
+                    <a:cs typeface="+mn-cs"/>
+                  </a:defRPr>
+                </a:lvl5pPr>
+                <a:lvl6pPr marL="2514600" indent="-228600" algn="l" defTabSz="914400" rtl="0" eaLnBrk="1" latinLnBrk="0" hangingPunct="1">
+                  <a:lnSpc>
+                    <a:spcPct val="90000"/>
+                  </a:lnSpc>
+                  <a:spcBef>
+                    <a:spcPts val="500"/>
+                  </a:spcBef>
+                  <a:buFont typeface="Arial" panose="020B0604020202020204" pitchFamily="34" charset="0"/>
+                  <a:buChar char="•"/>
+                  <a:defRPr sz="1800" kern="1200">
+                    <a:solidFill>
+                      <a:schemeClr val="tx1"/>
+                    </a:solidFill>
+                    <a:latin typeface="+mn-lt"/>
+                    <a:ea typeface="+mn-ea"/>
+                    <a:cs typeface="+mn-cs"/>
+                  </a:defRPr>
+                </a:lvl6pPr>
+                <a:lvl7pPr marL="2971800" indent="-228600" algn="l" defTabSz="914400" rtl="0" eaLnBrk="1" latinLnBrk="0" hangingPunct="1">
+                  <a:lnSpc>
+                    <a:spcPct val="90000"/>
+                  </a:lnSpc>
+                  <a:spcBef>
+                    <a:spcPts val="500"/>
+                  </a:spcBef>
+                  <a:buFont typeface="Arial" panose="020B0604020202020204" pitchFamily="34" charset="0"/>
+                  <a:buChar char="•"/>
+                  <a:defRPr sz="1800" kern="1200">
+                    <a:solidFill>
+                      <a:schemeClr val="tx1"/>
+                    </a:solidFill>
+                    <a:latin typeface="+mn-lt"/>
+                    <a:ea typeface="+mn-ea"/>
+                    <a:cs typeface="+mn-cs"/>
+                  </a:defRPr>
+                </a:lvl7pPr>
+                <a:lvl8pPr marL="3429000" indent="-228600" algn="l" defTabSz="914400" rtl="0" eaLnBrk="1" latinLnBrk="0" hangingPunct="1">
+                  <a:lnSpc>
+                    <a:spcPct val="90000"/>
+                  </a:lnSpc>
+                  <a:spcBef>
+                    <a:spcPts val="500"/>
+                  </a:spcBef>
+                  <a:buFont typeface="Arial" panose="020B0604020202020204" pitchFamily="34" charset="0"/>
+                  <a:buChar char="•"/>
+                  <a:defRPr sz="1800" kern="1200">
+                    <a:solidFill>
+                      <a:schemeClr val="tx1"/>
+                    </a:solidFill>
+                    <a:latin typeface="+mn-lt"/>
+                    <a:ea typeface="+mn-ea"/>
+                    <a:cs typeface="+mn-cs"/>
+                  </a:defRPr>
+                </a:lvl8pPr>
+                <a:lvl9pPr marL="3886200" indent="-228600" algn="l" defTabSz="914400" rtl="0" eaLnBrk="1" latinLnBrk="0" hangingPunct="1">
+                  <a:lnSpc>
+                    <a:spcPct val="90000"/>
+                  </a:lnSpc>
+                  <a:spcBef>
+                    <a:spcPts val="500"/>
+                  </a:spcBef>
+                  <a:buFont typeface="Arial" panose="020B0604020202020204" pitchFamily="34" charset="0"/>
+                  <a:buChar char="•"/>
+                  <a:defRPr sz="1800" kern="1200">
+                    <a:solidFill>
+                      <a:schemeClr val="tx1"/>
+                    </a:solidFill>
+                    <a:latin typeface="+mn-lt"/>
+                    <a:ea typeface="+mn-ea"/>
+                    <a:cs typeface="+mn-cs"/>
+                  </a:defRPr>
+                </a:lvl9pPr>
+              </a:lstStyle>
+              <a:p>
+                <a:pPr marL="0" indent="0">
+                  <a:buNone/>
+                </a:pPr>
+                <a14:m>
+                  <m:oMathPara xmlns:m="http://schemas.openxmlformats.org/officeDocument/2006/math">
+                    <m:oMathParaPr>
+                      <m:jc m:val="centerGroup"/>
+                    </m:oMathParaPr>
+                    <m:oMath xmlns:m="http://schemas.openxmlformats.org/officeDocument/2006/math">
+                      <m:r>
+                        <a:rPr lang="en-US" sz="1800" i="1" dirty="0" smtClean="0">
+                          <a:latin typeface="Cambria Math" panose="02040503050406030204" pitchFamily="18" charset="0"/>
+                        </a:rPr>
+                        <m:t>𝐴𝑐𝑐𝑢𝑟𝑎𝑐𝑦</m:t>
+                      </m:r>
+                      <m:r>
+                        <a:rPr lang="en-US" sz="1800" i="1" dirty="0" smtClean="0">
+                          <a:latin typeface="Cambria Math" panose="02040503050406030204" pitchFamily="18" charset="0"/>
+                        </a:rPr>
+                        <m:t> =</m:t>
+                      </m:r>
+                      <m:f>
+                        <m:fPr>
+                          <m:ctrlPr>
+                            <a:rPr lang="en-US" sz="1800" b="0" i="1" dirty="0" smtClean="0">
+                              <a:latin typeface="Cambria Math" panose="02040503050406030204" pitchFamily="18" charset="0"/>
+                            </a:rPr>
+                          </m:ctrlPr>
+                        </m:fPr>
+                        <m:num>
+                          <m:r>
+                            <a:rPr lang="en-US" sz="1800" i="1" dirty="0" smtClean="0">
+                              <a:latin typeface="Cambria Math" panose="02040503050406030204" pitchFamily="18" charset="0"/>
+                            </a:rPr>
+                            <m:t>76+69+81</m:t>
+                          </m:r>
+                        </m:num>
+                        <m:den>
+                          <m:r>
+                            <a:rPr lang="en-US" sz="1800" b="0" i="1" dirty="0" smtClean="0">
+                              <a:latin typeface="Cambria Math" panose="02040503050406030204" pitchFamily="18" charset="0"/>
+                            </a:rPr>
+                            <m:t>76+69+81+10+12+11+27+3+6</m:t>
+                          </m:r>
+                        </m:den>
+                      </m:f>
+                      <m:r>
+                        <a:rPr lang="en-US" sz="1800" b="0" i="1" dirty="0" smtClean="0">
+                          <a:latin typeface="Cambria Math" panose="02040503050406030204" pitchFamily="18" charset="0"/>
+                        </a:rPr>
+                        <m:t>=76.66%</m:t>
+                      </m:r>
+                    </m:oMath>
+                  </m:oMathPara>
+                </a14:m>
+                <a:endParaRPr lang="en-US" sz="1800" dirty="0"/>
+              </a:p>
+            </p:txBody>
+          </p:sp>
+        </mc:Choice>
+        <mc:Fallback>
+          <p:sp>
+            <p:nvSpPr>
+              <p:cNvPr id="11" name="Content Placeholder 2">
+                <a:extLst>
+                  <a:ext uri="{FF2B5EF4-FFF2-40B4-BE49-F238E27FC236}">
+                    <a16:creationId xmlns:a16="http://schemas.microsoft.com/office/drawing/2014/main" id="{3B539280-2463-FE2C-647E-A409CBB087BB}"/>
+                  </a:ext>
+                </a:extLst>
+              </p:cNvPr>
+              <p:cNvSpPr txBox="1">
+                <a:spLocks noRot="1" noChangeAspect="1" noMove="1" noResize="1" noEditPoints="1" noAdjustHandles="1" noChangeArrowheads="1" noChangeShapeType="1" noTextEdit="1"/>
+              </p:cNvSpPr>
+              <p:nvPr/>
+            </p:nvSpPr>
+            <p:spPr>
+              <a:xfrm>
+                <a:off x="3947484" y="4651372"/>
+                <a:ext cx="6790423" cy="664926"/>
+              </a:xfrm>
+              <a:prstGeom prst="rect">
+                <a:avLst/>
+              </a:prstGeom>
+              <a:blipFill>
+                <a:blip r:embed="rId3"/>
+                <a:stretch>
+                  <a:fillRect/>
+                </a:stretch>
+              </a:blipFill>
+              <a:ln>
+                <a:noFill/>
+              </a:ln>
+            </p:spPr>
+            <p:txBody>
+              <a:bodyPr/>
+              <a:lstStyle/>
+              <a:p>
+                <a:r>
+                  <a:rPr lang="en-US">
+                    <a:noFill/>
+                  </a:rPr>
+                  <a:t> </a:t>
+                </a:r>
+              </a:p>
+            </p:txBody>
+          </p:sp>
+        </mc:Fallback>
+      </mc:AlternateContent>
+    </p:spTree>
+    <p:extLst>
+      <p:ext uri="{BB962C8B-B14F-4D97-AF65-F5344CB8AC3E}">
+        <p14:creationId xmlns:p14="http://schemas.microsoft.com/office/powerpoint/2010/main" val="2081715045"/>
+      </p:ext>
+    </p:extLst>
+  </p:cSld>
+  <p:clrMapOvr>
+    <a:masterClrMapping/>
+  </p:clrMapOvr>
+</p:sld>
+</file>
+
+<file path=ppt/slides/slide4.xml><?xml version="1.0" encoding="utf-8"?>
+<p:sld xmlns:a="http://schemas.openxmlformats.org/drawingml/2006/main" xmlns:r="http://schemas.openxmlformats.org/officeDocument/2006/relationships" xmlns:p="http://schemas.openxmlformats.org/presentationml/2006/main">
+  <p:cSld>
+    <p:spTree>
+      <p:nvGrpSpPr>
+        <p:cNvPr id="1" name=""/>
+        <p:cNvGrpSpPr/>
+        <p:nvPr/>
+      </p:nvGrpSpPr>
+      <p:grpSpPr>
+        <a:xfrm>
+          <a:off x="0" y="0"/>
+          <a:ext cx="0" cy="0"/>
+          <a:chOff x="0" y="0"/>
+          <a:chExt cx="0" cy="0"/>
+        </a:xfrm>
+      </p:grpSpPr>
+      <p:sp>
+        <p:nvSpPr>
+          <p:cNvPr id="2" name="Title 1">
+            <a:extLst>
+              <a:ext uri="{FF2B5EF4-FFF2-40B4-BE49-F238E27FC236}">
+                <a16:creationId xmlns:a16="http://schemas.microsoft.com/office/drawing/2014/main" id="{3D125364-4385-6331-2E0E-02C1915293E0}"/>
+              </a:ext>
+            </a:extLst>
+          </p:cNvPr>
+          <p:cNvSpPr>
+            <a:spLocks noGrp="1"/>
+          </p:cNvSpPr>
+          <p:nvPr>
+            <p:ph type="title"/>
+          </p:nvPr>
+        </p:nvSpPr>
+        <p:spPr/>
+        <p:txBody>
+          <a:bodyPr/>
+          <a:lstStyle/>
+          <a:p>
+            <a:r>
+              <a:rPr lang="en-US" dirty="0"/>
+              <a:t>Understanding Success</a:t>
+            </a:r>
+          </a:p>
+        </p:txBody>
+      </p:sp>
+      <p:sp>
+        <p:nvSpPr>
+          <p:cNvPr id="3" name="Content Placeholder 2">
+            <a:extLst>
+              <a:ext uri="{FF2B5EF4-FFF2-40B4-BE49-F238E27FC236}">
+                <a16:creationId xmlns:a16="http://schemas.microsoft.com/office/drawing/2014/main" id="{D45CFC62-A670-21F7-0A1B-08F4DCC6C8DE}"/>
+              </a:ext>
+            </a:extLst>
+          </p:cNvPr>
+          <p:cNvSpPr>
+            <a:spLocks noGrp="1"/>
+          </p:cNvSpPr>
+          <p:nvPr>
+            <p:ph idx="1"/>
+          </p:nvPr>
+        </p:nvSpPr>
+        <p:spPr>
+          <a:xfrm>
+            <a:off x="838200" y="1825625"/>
+            <a:ext cx="10515600" cy="1294220"/>
+          </a:xfrm>
+        </p:spPr>
+        <p:txBody>
+          <a:bodyPr>
+            <a:normAutofit/>
+          </a:bodyPr>
+          <a:lstStyle/>
+          <a:p>
+            <a:pPr marL="0" indent="0">
+              <a:buNone/>
+            </a:pPr>
+            <a:r>
+              <a:rPr lang="en-US" dirty="0"/>
+              <a:t>Effectiveness of a classification system is measured by using a supervised approach of having an unseen dataset that has existing class labels  pass through the system.</a:t>
+            </a:r>
+          </a:p>
+        </p:txBody>
+      </p:sp>
+      <mc:AlternateContent xmlns:mc="http://schemas.openxmlformats.org/markup-compatibility/2006">
+        <mc:Choice xmlns:a14="http://schemas.microsoft.com/office/drawing/2010/main" Requires="a14">
+          <p:sp>
+            <p:nvSpPr>
+              <p:cNvPr id="5" name="TextBox 4">
+                <a:extLst>
+                  <a:ext uri="{FF2B5EF4-FFF2-40B4-BE49-F238E27FC236}">
+                    <a16:creationId xmlns:a16="http://schemas.microsoft.com/office/drawing/2014/main" id="{3ECB4C24-4F98-E772-A8BC-A22E9F7D878E}"/>
+                  </a:ext>
+                </a:extLst>
+              </p:cNvPr>
+              <p:cNvSpPr txBox="1"/>
+              <p:nvPr/>
+            </p:nvSpPr>
+            <p:spPr>
+              <a:xfrm>
+                <a:off x="3048699" y="3119845"/>
+                <a:ext cx="6094602" cy="664926"/>
+              </a:xfrm>
+              <a:prstGeom prst="rect">
+                <a:avLst/>
+              </a:prstGeom>
+              <a:noFill/>
+            </p:spPr>
+            <p:txBody>
+              <a:bodyPr wrap="square">
+                <a:spAutoFit/>
+              </a:bodyPr>
+              <a:lstStyle/>
+              <a:p>
+                <a:pPr algn="ctr"/>
+                <a14:m>
+                  <m:oMathPara xmlns:m="http://schemas.openxmlformats.org/officeDocument/2006/math">
+                    <m:oMathParaPr>
+                      <m:jc m:val="center"/>
+                    </m:oMathParaPr>
+                    <m:oMath xmlns:m="http://schemas.openxmlformats.org/officeDocument/2006/math">
+                      <m:r>
+                        <a:rPr lang="en-US" sz="1800" b="0" i="1" smtClean="0">
+                          <a:latin typeface="Cambria Math" panose="02040503050406030204" pitchFamily="18" charset="0"/>
+                        </a:rPr>
+                        <m:t>𝐴𝑐𝑐𝑢𝑟𝑎𝑐𝑦</m:t>
+                      </m:r>
+                      <m:r>
+                        <a:rPr lang="en-US" sz="1800" b="0" i="1" smtClean="0">
+                          <a:latin typeface="Cambria Math" panose="02040503050406030204" pitchFamily="18" charset="0"/>
+                        </a:rPr>
+                        <m:t>=</m:t>
+                      </m:r>
+                      <m:f>
+                        <m:fPr>
+                          <m:ctrlPr>
+                            <a:rPr lang="en-US" sz="1800" b="0" i="1" smtClean="0">
+                              <a:latin typeface="Cambria Math" panose="02040503050406030204" pitchFamily="18" charset="0"/>
+                            </a:rPr>
+                          </m:ctrlPr>
+                        </m:fPr>
+                        <m:num>
+                          <m:r>
+                            <a:rPr lang="en-US" sz="1800" i="1">
+                              <a:latin typeface="Cambria Math" panose="02040503050406030204" pitchFamily="18" charset="0"/>
+                            </a:rPr>
+                            <m:t># </m:t>
+                          </m:r>
+                          <m:r>
+                            <a:rPr lang="en-US" sz="1800" b="0" i="1" smtClean="0">
+                              <a:latin typeface="Cambria Math" panose="02040503050406030204" pitchFamily="18" charset="0"/>
+                            </a:rPr>
+                            <m:t>𝑐</m:t>
+                          </m:r>
+                          <m:r>
+                            <a:rPr lang="en-US" sz="1800" i="1">
+                              <a:latin typeface="Cambria Math" panose="02040503050406030204" pitchFamily="18" charset="0"/>
+                            </a:rPr>
+                            <m:t>𝑜𝑟𝑟𝑒𝑐𝑡</m:t>
+                          </m:r>
+                          <m:r>
+                            <a:rPr lang="en-US" sz="1800" b="0" i="1" smtClean="0">
+                              <a:latin typeface="Cambria Math" panose="02040503050406030204" pitchFamily="18" charset="0"/>
+                            </a:rPr>
+                            <m:t> </m:t>
+                          </m:r>
+                          <m:r>
+                            <a:rPr lang="en-US" sz="1800" b="0" i="1" smtClean="0">
+                              <a:latin typeface="Cambria Math" panose="02040503050406030204" pitchFamily="18" charset="0"/>
+                            </a:rPr>
+                            <m:t>𝑝𝑟𝑒𝑑𝑖𝑐𝑡𝑖𝑜𝑛𝑠</m:t>
+                          </m:r>
+                        </m:num>
+                        <m:den>
+                          <m:r>
+                            <a:rPr lang="en-US" sz="1800" b="0" i="1" smtClean="0">
+                              <a:latin typeface="Cambria Math" panose="02040503050406030204" pitchFamily="18" charset="0"/>
+                            </a:rPr>
+                            <m:t># </m:t>
+                          </m:r>
+                          <m:r>
+                            <a:rPr lang="en-US" sz="1800" b="0" i="1" smtClean="0">
+                              <a:latin typeface="Cambria Math" panose="02040503050406030204" pitchFamily="18" charset="0"/>
+                            </a:rPr>
+                            <m:t>𝑑𝑎𝑡𝑎</m:t>
+                          </m:r>
+                          <m:r>
+                            <a:rPr lang="en-US" sz="1800" b="0" i="1" smtClean="0">
+                              <a:latin typeface="Cambria Math" panose="02040503050406030204" pitchFamily="18" charset="0"/>
+                            </a:rPr>
+                            <m:t> </m:t>
+                          </m:r>
+                          <m:r>
+                            <a:rPr lang="en-US" sz="1800" b="0" i="1" smtClean="0">
+                              <a:latin typeface="Cambria Math" panose="02040503050406030204" pitchFamily="18" charset="0"/>
+                            </a:rPr>
+                            <m:t>𝑝𝑜𝑖𝑛𝑡𝑠</m:t>
+                          </m:r>
+                        </m:den>
+                      </m:f>
+                    </m:oMath>
+                  </m:oMathPara>
+                </a14:m>
+                <a:endParaRPr lang="en-US" dirty="0"/>
+              </a:p>
+            </p:txBody>
+          </p:sp>
+        </mc:Choice>
+        <mc:Fallback>
+          <p:sp>
+            <p:nvSpPr>
+              <p:cNvPr id="5" name="TextBox 4">
+                <a:extLst>
+                  <a:ext uri="{FF2B5EF4-FFF2-40B4-BE49-F238E27FC236}">
+                    <a16:creationId xmlns:a16="http://schemas.microsoft.com/office/drawing/2014/main" id="{3ECB4C24-4F98-E772-A8BC-A22E9F7D878E}"/>
+                  </a:ext>
+                </a:extLst>
+              </p:cNvPr>
+              <p:cNvSpPr txBox="1">
+                <a:spLocks noRot="1" noChangeAspect="1" noMove="1" noResize="1" noEditPoints="1" noAdjustHandles="1" noChangeArrowheads="1" noChangeShapeType="1" noTextEdit="1"/>
+              </p:cNvSpPr>
+              <p:nvPr/>
+            </p:nvSpPr>
+            <p:spPr>
+              <a:xfrm>
+                <a:off x="3048699" y="3119845"/>
+                <a:ext cx="6094602" cy="664926"/>
+              </a:xfrm>
+              <a:prstGeom prst="rect">
+                <a:avLst/>
+              </a:prstGeom>
+              <a:blipFill>
+                <a:blip r:embed="rId2"/>
+                <a:stretch>
+                  <a:fillRect/>
+                </a:stretch>
+              </a:blipFill>
+            </p:spPr>
+            <p:txBody>
+              <a:bodyPr/>
+              <a:lstStyle/>
+              <a:p>
+                <a:r>
+                  <a:rPr lang="en-US">
+                    <a:noFill/>
+                  </a:rPr>
+                  <a:t> </a:t>
+                </a:r>
+              </a:p>
+            </p:txBody>
+          </p:sp>
+        </mc:Fallback>
+      </mc:AlternateContent>
+      <p:sp>
+        <p:nvSpPr>
+          <p:cNvPr id="6" name="Content Placeholder 2">
+            <a:extLst>
+              <a:ext uri="{FF2B5EF4-FFF2-40B4-BE49-F238E27FC236}">
+                <a16:creationId xmlns:a16="http://schemas.microsoft.com/office/drawing/2014/main" id="{198A6352-4BA7-D626-BEBE-52290CBB7CA7}"/>
+              </a:ext>
+            </a:extLst>
+          </p:cNvPr>
+          <p:cNvSpPr txBox="1">
+            <a:spLocks/>
+          </p:cNvSpPr>
+          <p:nvPr/>
+        </p:nvSpPr>
+        <p:spPr>
+          <a:xfrm>
+            <a:off x="838199" y="6096967"/>
+            <a:ext cx="2691003" cy="431177"/>
+          </a:xfrm>
+          <a:prstGeom prst="rect">
+            <a:avLst/>
+          </a:prstGeom>
+          <a:noFill/>
+          <a:ln>
+            <a:noFill/>
+          </a:ln>
+        </p:spPr>
+        <p:style>
+          <a:lnRef idx="2">
+            <a:schemeClr val="accent5"/>
+          </a:lnRef>
+          <a:fillRef idx="1">
+            <a:schemeClr val="lt1"/>
+          </a:fillRef>
+          <a:effectRef idx="0">
+            <a:schemeClr val="accent5"/>
+          </a:effectRef>
+          <a:fontRef idx="minor">
+            <a:schemeClr val="dk1"/>
+          </a:fontRef>
+        </p:style>
+        <p:txBody>
+          <a:bodyPr vert="horz" lIns="91440" tIns="45720" rIns="91440" bIns="45720" rtlCol="0">
+            <a:normAutofit fontScale="55000" lnSpcReduction="20000"/>
+          </a:bodyPr>
+          <a:lstStyle>
+            <a:lvl1pPr marL="228600" indent="-228600" algn="l" defTabSz="914400" rtl="0" eaLnBrk="1" latinLnBrk="0" hangingPunct="1">
+              <a:lnSpc>
+                <a:spcPct val="90000"/>
+              </a:lnSpc>
+              <a:spcBef>
+                <a:spcPts val="1000"/>
+              </a:spcBef>
+              <a:buFont typeface="Arial" panose="020B0604020202020204" pitchFamily="34" charset="0"/>
+              <a:buChar char="•"/>
+              <a:defRPr sz="2800" kern="1200">
+                <a:solidFill>
+                  <a:schemeClr val="tx1"/>
+                </a:solidFill>
+                <a:latin typeface="+mn-lt"/>
+                <a:ea typeface="+mn-ea"/>
+                <a:cs typeface="+mn-cs"/>
+              </a:defRPr>
+            </a:lvl1pPr>
+            <a:lvl2pPr marL="685800" indent="-228600" algn="l" defTabSz="914400" rtl="0" eaLnBrk="1" latinLnBrk="0" hangingPunct="1">
+              <a:lnSpc>
+                <a:spcPct val="90000"/>
+              </a:lnSpc>
+              <a:spcBef>
+                <a:spcPts val="500"/>
+              </a:spcBef>
+              <a:buFont typeface="Arial" panose="020B0604020202020204" pitchFamily="34" charset="0"/>
+              <a:buChar char="•"/>
+              <a:defRPr sz="2400" kern="1200">
+                <a:solidFill>
+                  <a:schemeClr val="tx1"/>
+                </a:solidFill>
+                <a:latin typeface="+mn-lt"/>
+                <a:ea typeface="+mn-ea"/>
+                <a:cs typeface="+mn-cs"/>
+              </a:defRPr>
+            </a:lvl2pPr>
+            <a:lvl3pPr marL="1143000" indent="-228600" algn="l" defTabSz="914400" rtl="0" eaLnBrk="1" latinLnBrk="0" hangingPunct="1">
+              <a:lnSpc>
+                <a:spcPct val="90000"/>
+              </a:lnSpc>
+              <a:spcBef>
+                <a:spcPts val="500"/>
+              </a:spcBef>
+              <a:buFont typeface="Arial" panose="020B0604020202020204" pitchFamily="34" charset="0"/>
+              <a:buChar char="•"/>
+              <a:defRPr sz="2000" kern="1200">
+                <a:solidFill>
+                  <a:schemeClr val="tx1"/>
+                </a:solidFill>
+                <a:latin typeface="+mn-lt"/>
+                <a:ea typeface="+mn-ea"/>
+                <a:cs typeface="+mn-cs"/>
+              </a:defRPr>
+            </a:lvl3pPr>
+            <a:lvl4pPr marL="1600200" indent="-228600" algn="l" defTabSz="914400" rtl="0" eaLnBrk="1" latinLnBrk="0" hangingPunct="1">
+              <a:lnSpc>
+                <a:spcPct val="90000"/>
+              </a:lnSpc>
+              <a:spcBef>
+                <a:spcPts val="500"/>
+              </a:spcBef>
+              <a:buFont typeface="Arial" panose="020B0604020202020204" pitchFamily="34" charset="0"/>
+              <a:buChar char="•"/>
+              <a:defRPr sz="1800" kern="1200">
+                <a:solidFill>
+                  <a:schemeClr val="tx1"/>
+                </a:solidFill>
+                <a:latin typeface="+mn-lt"/>
+                <a:ea typeface="+mn-ea"/>
+                <a:cs typeface="+mn-cs"/>
+              </a:defRPr>
+            </a:lvl4pPr>
+            <a:lvl5pPr marL="2057400" indent="-228600" algn="l" defTabSz="914400" rtl="0" eaLnBrk="1" latinLnBrk="0" hangingPunct="1">
+              <a:lnSpc>
+                <a:spcPct val="90000"/>
+              </a:lnSpc>
+              <a:spcBef>
+                <a:spcPts val="500"/>
+              </a:spcBef>
+              <a:buFont typeface="Arial" panose="020B0604020202020204" pitchFamily="34" charset="0"/>
+              <a:buChar char="•"/>
+              <a:defRPr sz="1800" kern="1200">
+                <a:solidFill>
+                  <a:schemeClr val="tx1"/>
+                </a:solidFill>
+                <a:latin typeface="+mn-lt"/>
+                <a:ea typeface="+mn-ea"/>
+                <a:cs typeface="+mn-cs"/>
+              </a:defRPr>
+            </a:lvl5pPr>
+            <a:lvl6pPr marL="2514600" indent="-228600" algn="l" defTabSz="914400" rtl="0" eaLnBrk="1" latinLnBrk="0" hangingPunct="1">
+              <a:lnSpc>
+                <a:spcPct val="90000"/>
+              </a:lnSpc>
+              <a:spcBef>
+                <a:spcPts val="500"/>
+              </a:spcBef>
+              <a:buFont typeface="Arial" panose="020B0604020202020204" pitchFamily="34" charset="0"/>
+              <a:buChar char="•"/>
+              <a:defRPr sz="1800" kern="1200">
+                <a:solidFill>
+                  <a:schemeClr val="tx1"/>
+                </a:solidFill>
+                <a:latin typeface="+mn-lt"/>
+                <a:ea typeface="+mn-ea"/>
+                <a:cs typeface="+mn-cs"/>
+              </a:defRPr>
+            </a:lvl6pPr>
+            <a:lvl7pPr marL="2971800" indent="-228600" algn="l" defTabSz="914400" rtl="0" eaLnBrk="1" latinLnBrk="0" hangingPunct="1">
+              <a:lnSpc>
+                <a:spcPct val="90000"/>
+              </a:lnSpc>
+              <a:spcBef>
+                <a:spcPts val="500"/>
+              </a:spcBef>
+              <a:buFont typeface="Arial" panose="020B0604020202020204" pitchFamily="34" charset="0"/>
+              <a:buChar char="•"/>
+              <a:defRPr sz="1800" kern="1200">
+                <a:solidFill>
+                  <a:schemeClr val="tx1"/>
+                </a:solidFill>
+                <a:latin typeface="+mn-lt"/>
+                <a:ea typeface="+mn-ea"/>
+                <a:cs typeface="+mn-cs"/>
+              </a:defRPr>
+            </a:lvl7pPr>
+            <a:lvl8pPr marL="3429000" indent="-228600" algn="l" defTabSz="914400" rtl="0" eaLnBrk="1" latinLnBrk="0" hangingPunct="1">
+              <a:lnSpc>
+                <a:spcPct val="90000"/>
+              </a:lnSpc>
+              <a:spcBef>
+                <a:spcPts val="500"/>
+              </a:spcBef>
+              <a:buFont typeface="Arial" panose="020B0604020202020204" pitchFamily="34" charset="0"/>
+              <a:buChar char="•"/>
+              <a:defRPr sz="1800" kern="1200">
+                <a:solidFill>
+                  <a:schemeClr val="tx1"/>
+                </a:solidFill>
+                <a:latin typeface="+mn-lt"/>
+                <a:ea typeface="+mn-ea"/>
+                <a:cs typeface="+mn-cs"/>
+              </a:defRPr>
+            </a:lvl8pPr>
+            <a:lvl9pPr marL="3886200" indent="-228600" algn="l" defTabSz="914400" rtl="0" eaLnBrk="1" latinLnBrk="0" hangingPunct="1">
+              <a:lnSpc>
+                <a:spcPct val="90000"/>
+              </a:lnSpc>
+              <a:spcBef>
+                <a:spcPts val="500"/>
+              </a:spcBef>
+              <a:buFont typeface="Arial" panose="020B0604020202020204" pitchFamily="34" charset="0"/>
+              <a:buChar char="•"/>
+              <a:defRPr sz="1800" kern="1200">
+                <a:solidFill>
+                  <a:schemeClr val="tx1"/>
+                </a:solidFill>
+                <a:latin typeface="+mn-lt"/>
+                <a:ea typeface="+mn-ea"/>
+                <a:cs typeface="+mn-cs"/>
+              </a:defRPr>
+            </a:lvl9pPr>
+          </a:lstStyle>
+          <a:p>
+            <a:pPr marL="0" indent="0">
+              <a:buNone/>
+            </a:pPr>
+            <a:r>
+              <a:rPr lang="en-US" dirty="0"/>
+              <a:t>Unbalanced Data: more dogs in comparison to cats or birds</a:t>
+            </a:r>
+          </a:p>
+        </p:txBody>
+      </p:sp>
+      <p:graphicFrame>
+        <p:nvGraphicFramePr>
+          <p:cNvPr id="10" name="Table 10">
+            <a:extLst>
+              <a:ext uri="{FF2B5EF4-FFF2-40B4-BE49-F238E27FC236}">
+                <a16:creationId xmlns:a16="http://schemas.microsoft.com/office/drawing/2014/main" id="{75FF2FEA-5868-25FA-4A2F-CE9DAD0BFEFA}"/>
+              </a:ext>
+            </a:extLst>
+          </p:cNvPr>
+          <p:cNvGraphicFramePr>
+            <a:graphicFrameLocks noGrp="1"/>
+          </p:cNvGraphicFramePr>
+          <p:nvPr>
+            <p:extLst>
+              <p:ext uri="{D42A27DB-BD31-4B8C-83A1-F6EECF244321}">
+                <p14:modId xmlns:p14="http://schemas.microsoft.com/office/powerpoint/2010/main" val="1237446162"/>
+              </p:ext>
+            </p:extLst>
+          </p:nvPr>
+        </p:nvGraphicFramePr>
+        <p:xfrm>
+          <a:off x="838198" y="3921583"/>
+          <a:ext cx="2691004" cy="2124504"/>
+        </p:xfrm>
+        <a:graphic>
+          <a:graphicData uri="http://schemas.openxmlformats.org/drawingml/2006/table">
+            <a:tbl>
+              <a:tblPr firstRow="1" bandRow="1">
+                <a:tableStyleId>{5C22544A-7EE6-4342-B048-85BDC9FD1C3A}</a:tableStyleId>
+              </a:tblPr>
+              <a:tblGrid>
+                <a:gridCol w="672751">
+                  <a:extLst>
+                    <a:ext uri="{9D8B030D-6E8A-4147-A177-3AD203B41FA5}">
+                      <a16:colId xmlns:a16="http://schemas.microsoft.com/office/drawing/2014/main" val="3779047369"/>
+                    </a:ext>
+                  </a:extLst>
+                </a:gridCol>
+                <a:gridCol w="672751">
+                  <a:extLst>
+                    <a:ext uri="{9D8B030D-6E8A-4147-A177-3AD203B41FA5}">
+                      <a16:colId xmlns:a16="http://schemas.microsoft.com/office/drawing/2014/main" val="2587912599"/>
+                    </a:ext>
+                  </a:extLst>
+                </a:gridCol>
+                <a:gridCol w="672751">
+                  <a:extLst>
+                    <a:ext uri="{9D8B030D-6E8A-4147-A177-3AD203B41FA5}">
+                      <a16:colId xmlns:a16="http://schemas.microsoft.com/office/drawing/2014/main" val="617498338"/>
+                    </a:ext>
+                  </a:extLst>
+                </a:gridCol>
+                <a:gridCol w="672751">
+                  <a:extLst>
+                    <a:ext uri="{9D8B030D-6E8A-4147-A177-3AD203B41FA5}">
+                      <a16:colId xmlns:a16="http://schemas.microsoft.com/office/drawing/2014/main" val="1361611942"/>
+                    </a:ext>
+                  </a:extLst>
+                </a:gridCol>
+              </a:tblGrid>
+              <a:tr h="517477">
+                <a:tc>
+                  <a:txBody>
+                    <a:bodyPr/>
+                    <a:lstStyle/>
+                    <a:p>
+                      <a:pPr algn="ctr"/>
+                      <a:endParaRPr lang="en-US" sz="1500" b="1" dirty="0">
+                        <a:solidFill>
+                          <a:schemeClr val="bg1"/>
+                        </a:solidFill>
+                      </a:endParaRPr>
+                    </a:p>
+                  </a:txBody>
+                  <a:tcPr marL="73925" marR="73925" marT="36963" marB="36963">
+                    <a:solidFill>
+                      <a:srgbClr val="4472C4"/>
+                    </a:solidFill>
+                  </a:tcPr>
+                </a:tc>
+                <a:tc>
+                  <a:txBody>
+                    <a:bodyPr/>
+                    <a:lstStyle/>
+                    <a:p>
+                      <a:pPr algn="ctr"/>
+                      <a:r>
+                        <a:rPr lang="en-US" sz="1500" dirty="0"/>
+                        <a:t>Model Cat</a:t>
+                      </a:r>
+                    </a:p>
+                  </a:txBody>
+                  <a:tcPr marL="73925" marR="73925" marT="36963" marB="36963"/>
+                </a:tc>
+                <a:tc>
+                  <a:txBody>
+                    <a:bodyPr/>
+                    <a:lstStyle/>
+                    <a:p>
+                      <a:pPr algn="ctr"/>
+                      <a:r>
+                        <a:rPr lang="en-US" sz="1500" dirty="0"/>
+                        <a:t>Model Dog</a:t>
+                      </a:r>
+                    </a:p>
+                  </a:txBody>
+                  <a:tcPr marL="73925" marR="73925" marT="36963" marB="36963"/>
+                </a:tc>
+                <a:tc>
+                  <a:txBody>
+                    <a:bodyPr/>
+                    <a:lstStyle/>
+                    <a:p>
+                      <a:pPr algn="ctr"/>
+                      <a:r>
+                        <a:rPr lang="en-US" sz="1500" dirty="0"/>
+                        <a:t>Model Bird</a:t>
+                      </a:r>
+                    </a:p>
+                  </a:txBody>
+                  <a:tcPr marL="73925" marR="73925" marT="36963" marB="36963"/>
+                </a:tc>
+                <a:extLst>
+                  <a:ext uri="{0D108BD9-81ED-4DB2-BD59-A6C34878D82A}">
+                    <a16:rowId xmlns:a16="http://schemas.microsoft.com/office/drawing/2014/main" val="2688480762"/>
+                  </a:ext>
+                </a:extLst>
+              </a:tr>
+              <a:tr h="517477">
+                <a:tc>
+                  <a:txBody>
+                    <a:bodyPr/>
+                    <a:lstStyle/>
+                    <a:p>
+                      <a:pPr algn="ctr"/>
+                      <a:r>
+                        <a:rPr lang="en-US" sz="1500" b="1" dirty="0">
+                          <a:solidFill>
+                            <a:schemeClr val="bg1"/>
+                          </a:solidFill>
+                        </a:rPr>
+                        <a:t>Data Cat</a:t>
+                      </a:r>
+                    </a:p>
+                  </a:txBody>
+                  <a:tcPr marL="73925" marR="73925" marT="36963" marB="36963">
+                    <a:solidFill>
+                      <a:srgbClr val="4472C4"/>
+                    </a:solidFill>
+                  </a:tcPr>
+                </a:tc>
+                <a:tc>
+                  <a:txBody>
+                    <a:bodyPr/>
+                    <a:lstStyle/>
+                    <a:p>
+                      <a:r>
+                        <a:rPr lang="en-US" sz="1500" dirty="0"/>
+                        <a:t>76</a:t>
+                      </a:r>
+                    </a:p>
+                  </a:txBody>
+                  <a:tcPr marL="73925" marR="73925" marT="36963" marB="36963"/>
+                </a:tc>
+                <a:tc>
+                  <a:txBody>
+                    <a:bodyPr/>
+                    <a:lstStyle/>
+                    <a:p>
+                      <a:r>
+                        <a:rPr lang="en-US" sz="1500" dirty="0"/>
+                        <a:t>20</a:t>
+                      </a:r>
+                    </a:p>
+                  </a:txBody>
+                  <a:tcPr marL="73925" marR="73925" marT="36963" marB="36963"/>
+                </a:tc>
+                <a:tc>
+                  <a:txBody>
+                    <a:bodyPr/>
+                    <a:lstStyle/>
+                    <a:p>
+                      <a:r>
+                        <a:rPr lang="en-US" sz="1500" dirty="0"/>
+                        <a:t>12</a:t>
+                      </a:r>
+                    </a:p>
+                  </a:txBody>
+                  <a:tcPr marL="73925" marR="73925" marT="36963" marB="36963"/>
+                </a:tc>
+                <a:extLst>
+                  <a:ext uri="{0D108BD9-81ED-4DB2-BD59-A6C34878D82A}">
+                    <a16:rowId xmlns:a16="http://schemas.microsoft.com/office/drawing/2014/main" val="1617891110"/>
+                  </a:ext>
+                </a:extLst>
+              </a:tr>
+              <a:tr h="517477">
+                <a:tc>
+                  <a:txBody>
+                    <a:bodyPr/>
+                    <a:lstStyle/>
+                    <a:p>
+                      <a:pPr algn="ctr"/>
+                      <a:r>
+                        <a:rPr lang="en-US" sz="1500" b="1" dirty="0">
+                          <a:solidFill>
+                            <a:schemeClr val="bg1"/>
+                          </a:solidFill>
+                        </a:rPr>
+                        <a:t>Data Dog</a:t>
+                      </a:r>
+                    </a:p>
+                  </a:txBody>
+                  <a:tcPr marL="73925" marR="73925" marT="36963" marB="36963">
+                    <a:solidFill>
+                      <a:srgbClr val="4472C4"/>
+                    </a:solidFill>
+                  </a:tcPr>
+                </a:tc>
+                <a:tc>
+                  <a:txBody>
+                    <a:bodyPr/>
+                    <a:lstStyle/>
+                    <a:p>
+                      <a:r>
+                        <a:rPr lang="en-US" sz="1500" dirty="0"/>
+                        <a:t>27</a:t>
+                      </a:r>
+                    </a:p>
+                  </a:txBody>
+                  <a:tcPr marL="73925" marR="73925" marT="36963" marB="36963"/>
+                </a:tc>
+                <a:tc>
+                  <a:txBody>
+                    <a:bodyPr/>
+                    <a:lstStyle/>
+                    <a:p>
+                      <a:r>
+                        <a:rPr lang="en-US" sz="1500" dirty="0"/>
+                        <a:t>180</a:t>
+                      </a:r>
+                    </a:p>
+                  </a:txBody>
+                  <a:tcPr marL="73925" marR="73925" marT="36963" marB="36963"/>
+                </a:tc>
+                <a:tc>
+                  <a:txBody>
+                    <a:bodyPr/>
+                    <a:lstStyle/>
+                    <a:p>
+                      <a:r>
+                        <a:rPr lang="en-US" sz="1500" dirty="0"/>
+                        <a:t>11</a:t>
+                      </a:r>
+                    </a:p>
+                  </a:txBody>
+                  <a:tcPr marL="73925" marR="73925" marT="36963" marB="36963"/>
+                </a:tc>
+                <a:extLst>
+                  <a:ext uri="{0D108BD9-81ED-4DB2-BD59-A6C34878D82A}">
+                    <a16:rowId xmlns:a16="http://schemas.microsoft.com/office/drawing/2014/main" val="842711822"/>
+                  </a:ext>
+                </a:extLst>
+              </a:tr>
+              <a:tr h="517477">
+                <a:tc>
+                  <a:txBody>
+                    <a:bodyPr/>
+                    <a:lstStyle/>
+                    <a:p>
+                      <a:pPr algn="ctr"/>
+                      <a:r>
+                        <a:rPr lang="en-US" sz="1500" b="1" dirty="0">
+                          <a:solidFill>
+                            <a:schemeClr val="bg1"/>
+                          </a:solidFill>
+                        </a:rPr>
+                        <a:t>Data Bird</a:t>
+                      </a:r>
+                    </a:p>
+                  </a:txBody>
+                  <a:tcPr marL="73925" marR="73925" marT="36963" marB="36963">
+                    <a:solidFill>
+                      <a:srgbClr val="4472C4"/>
+                    </a:solidFill>
+                  </a:tcPr>
+                </a:tc>
+                <a:tc>
+                  <a:txBody>
+                    <a:bodyPr/>
+                    <a:lstStyle/>
+                    <a:p>
+                      <a:r>
+                        <a:rPr lang="en-US" sz="1500" dirty="0"/>
+                        <a:t>16</a:t>
+                      </a:r>
+                    </a:p>
+                  </a:txBody>
+                  <a:tcPr marL="73925" marR="73925" marT="36963" marB="36963"/>
+                </a:tc>
+                <a:tc>
+                  <a:txBody>
+                    <a:bodyPr/>
+                    <a:lstStyle/>
+                    <a:p>
+                      <a:r>
+                        <a:rPr lang="en-US" sz="1500" dirty="0"/>
+                        <a:t>3</a:t>
+                      </a:r>
+                    </a:p>
+                  </a:txBody>
+                  <a:tcPr marL="73925" marR="73925" marT="36963" marB="36963"/>
+                </a:tc>
+                <a:tc>
+                  <a:txBody>
+                    <a:bodyPr/>
+                    <a:lstStyle/>
+                    <a:p>
+                      <a:r>
+                        <a:rPr lang="en-US" sz="1500" dirty="0"/>
+                        <a:t>25</a:t>
+                      </a:r>
+                    </a:p>
+                  </a:txBody>
+                  <a:tcPr marL="73925" marR="73925" marT="36963" marB="36963"/>
+                </a:tc>
+                <a:extLst>
+                  <a:ext uri="{0D108BD9-81ED-4DB2-BD59-A6C34878D82A}">
+                    <a16:rowId xmlns:a16="http://schemas.microsoft.com/office/drawing/2014/main" val="1343416302"/>
+                  </a:ext>
+                </a:extLst>
+              </a:tr>
+            </a:tbl>
+          </a:graphicData>
+        </a:graphic>
+      </p:graphicFrame>
+      <mc:AlternateContent xmlns:mc="http://schemas.openxmlformats.org/markup-compatibility/2006">
+        <mc:Choice xmlns:a14="http://schemas.microsoft.com/office/drawing/2010/main" Requires="a14">
+          <p:sp>
+            <p:nvSpPr>
+              <p:cNvPr id="11" name="Content Placeholder 2">
+                <a:extLst>
+                  <a:ext uri="{FF2B5EF4-FFF2-40B4-BE49-F238E27FC236}">
+                    <a16:creationId xmlns:a16="http://schemas.microsoft.com/office/drawing/2014/main" id="{3B539280-2463-FE2C-647E-A409CBB087BB}"/>
+                  </a:ext>
+                </a:extLst>
+              </p:cNvPr>
+              <p:cNvSpPr txBox="1">
+                <a:spLocks/>
+              </p:cNvSpPr>
+              <p:nvPr/>
+            </p:nvSpPr>
+            <p:spPr>
+              <a:xfrm>
+                <a:off x="3947484" y="4651372"/>
+                <a:ext cx="7075650" cy="664926"/>
+              </a:xfrm>
+              <a:prstGeom prst="rect">
+                <a:avLst/>
+              </a:prstGeom>
+              <a:noFill/>
+              <a:ln>
+                <a:noFill/>
+              </a:ln>
+            </p:spPr>
+            <p:style>
+              <a:lnRef idx="2">
+                <a:schemeClr val="accent5"/>
+              </a:lnRef>
+              <a:fillRef idx="1">
+                <a:schemeClr val="lt1"/>
+              </a:fillRef>
+              <a:effectRef idx="0">
+                <a:schemeClr val="accent5"/>
+              </a:effectRef>
+              <a:fontRef idx="minor">
+                <a:schemeClr val="dk1"/>
+              </a:fontRef>
+            </p:style>
+            <p:txBody>
+              <a:bodyPr vert="horz" lIns="91440" tIns="45720" rIns="91440" bIns="45720" rtlCol="0">
+                <a:noAutofit/>
+              </a:bodyPr>
+              <a:lstStyle>
+                <a:lvl1pPr marL="228600" indent="-228600" algn="l" defTabSz="914400" rtl="0" eaLnBrk="1" latinLnBrk="0" hangingPunct="1">
+                  <a:lnSpc>
+                    <a:spcPct val="90000"/>
+                  </a:lnSpc>
+                  <a:spcBef>
+                    <a:spcPts val="1000"/>
+                  </a:spcBef>
+                  <a:buFont typeface="Arial" panose="020B0604020202020204" pitchFamily="34" charset="0"/>
+                  <a:buChar char="•"/>
+                  <a:defRPr sz="2800" kern="1200">
+                    <a:solidFill>
+                      <a:schemeClr val="tx1"/>
+                    </a:solidFill>
+                    <a:latin typeface="+mn-lt"/>
+                    <a:ea typeface="+mn-ea"/>
+                    <a:cs typeface="+mn-cs"/>
+                  </a:defRPr>
+                </a:lvl1pPr>
+                <a:lvl2pPr marL="685800" indent="-228600" algn="l" defTabSz="914400" rtl="0" eaLnBrk="1" latinLnBrk="0" hangingPunct="1">
+                  <a:lnSpc>
+                    <a:spcPct val="90000"/>
+                  </a:lnSpc>
+                  <a:spcBef>
+                    <a:spcPts val="500"/>
+                  </a:spcBef>
+                  <a:buFont typeface="Arial" panose="020B0604020202020204" pitchFamily="34" charset="0"/>
+                  <a:buChar char="•"/>
+                  <a:defRPr sz="2400" kern="1200">
+                    <a:solidFill>
+                      <a:schemeClr val="tx1"/>
+                    </a:solidFill>
+                    <a:latin typeface="+mn-lt"/>
+                    <a:ea typeface="+mn-ea"/>
+                    <a:cs typeface="+mn-cs"/>
+                  </a:defRPr>
+                </a:lvl2pPr>
+                <a:lvl3pPr marL="1143000" indent="-228600" algn="l" defTabSz="914400" rtl="0" eaLnBrk="1" latinLnBrk="0" hangingPunct="1">
+                  <a:lnSpc>
+                    <a:spcPct val="90000"/>
+                  </a:lnSpc>
+                  <a:spcBef>
+                    <a:spcPts val="500"/>
+                  </a:spcBef>
+                  <a:buFont typeface="Arial" panose="020B0604020202020204" pitchFamily="34" charset="0"/>
+                  <a:buChar char="•"/>
+                  <a:defRPr sz="2000" kern="1200">
+                    <a:solidFill>
+                      <a:schemeClr val="tx1"/>
+                    </a:solidFill>
+                    <a:latin typeface="+mn-lt"/>
+                    <a:ea typeface="+mn-ea"/>
+                    <a:cs typeface="+mn-cs"/>
+                  </a:defRPr>
+                </a:lvl3pPr>
+                <a:lvl4pPr marL="1600200" indent="-228600" algn="l" defTabSz="914400" rtl="0" eaLnBrk="1" latinLnBrk="0" hangingPunct="1">
+                  <a:lnSpc>
+                    <a:spcPct val="90000"/>
+                  </a:lnSpc>
+                  <a:spcBef>
+                    <a:spcPts val="500"/>
+                  </a:spcBef>
+                  <a:buFont typeface="Arial" panose="020B0604020202020204" pitchFamily="34" charset="0"/>
+                  <a:buChar char="•"/>
+                  <a:defRPr sz="1800" kern="1200">
+                    <a:solidFill>
+                      <a:schemeClr val="tx1"/>
+                    </a:solidFill>
+                    <a:latin typeface="+mn-lt"/>
+                    <a:ea typeface="+mn-ea"/>
+                    <a:cs typeface="+mn-cs"/>
+                  </a:defRPr>
+                </a:lvl4pPr>
+                <a:lvl5pPr marL="2057400" indent="-228600" algn="l" defTabSz="914400" rtl="0" eaLnBrk="1" latinLnBrk="0" hangingPunct="1">
+                  <a:lnSpc>
+                    <a:spcPct val="90000"/>
+                  </a:lnSpc>
+                  <a:spcBef>
+                    <a:spcPts val="500"/>
+                  </a:spcBef>
+                  <a:buFont typeface="Arial" panose="020B0604020202020204" pitchFamily="34" charset="0"/>
+                  <a:buChar char="•"/>
+                  <a:defRPr sz="1800" kern="1200">
+                    <a:solidFill>
+                      <a:schemeClr val="tx1"/>
+                    </a:solidFill>
+                    <a:latin typeface="+mn-lt"/>
+                    <a:ea typeface="+mn-ea"/>
+                    <a:cs typeface="+mn-cs"/>
+                  </a:defRPr>
+                </a:lvl5pPr>
+                <a:lvl6pPr marL="2514600" indent="-228600" algn="l" defTabSz="914400" rtl="0" eaLnBrk="1" latinLnBrk="0" hangingPunct="1">
+                  <a:lnSpc>
+                    <a:spcPct val="90000"/>
+                  </a:lnSpc>
+                  <a:spcBef>
+                    <a:spcPts val="500"/>
+                  </a:spcBef>
+                  <a:buFont typeface="Arial" panose="020B0604020202020204" pitchFamily="34" charset="0"/>
+                  <a:buChar char="•"/>
+                  <a:defRPr sz="1800" kern="1200">
+                    <a:solidFill>
+                      <a:schemeClr val="tx1"/>
+                    </a:solidFill>
+                    <a:latin typeface="+mn-lt"/>
+                    <a:ea typeface="+mn-ea"/>
+                    <a:cs typeface="+mn-cs"/>
+                  </a:defRPr>
+                </a:lvl6pPr>
+                <a:lvl7pPr marL="2971800" indent="-228600" algn="l" defTabSz="914400" rtl="0" eaLnBrk="1" latinLnBrk="0" hangingPunct="1">
+                  <a:lnSpc>
+                    <a:spcPct val="90000"/>
+                  </a:lnSpc>
+                  <a:spcBef>
+                    <a:spcPts val="500"/>
+                  </a:spcBef>
+                  <a:buFont typeface="Arial" panose="020B0604020202020204" pitchFamily="34" charset="0"/>
+                  <a:buChar char="•"/>
+                  <a:defRPr sz="1800" kern="1200">
+                    <a:solidFill>
+                      <a:schemeClr val="tx1"/>
+                    </a:solidFill>
+                    <a:latin typeface="+mn-lt"/>
+                    <a:ea typeface="+mn-ea"/>
+                    <a:cs typeface="+mn-cs"/>
+                  </a:defRPr>
+                </a:lvl7pPr>
+                <a:lvl8pPr marL="3429000" indent="-228600" algn="l" defTabSz="914400" rtl="0" eaLnBrk="1" latinLnBrk="0" hangingPunct="1">
+                  <a:lnSpc>
+                    <a:spcPct val="90000"/>
+                  </a:lnSpc>
+                  <a:spcBef>
+                    <a:spcPts val="500"/>
+                  </a:spcBef>
+                  <a:buFont typeface="Arial" panose="020B0604020202020204" pitchFamily="34" charset="0"/>
+                  <a:buChar char="•"/>
+                  <a:defRPr sz="1800" kern="1200">
+                    <a:solidFill>
+                      <a:schemeClr val="tx1"/>
+                    </a:solidFill>
+                    <a:latin typeface="+mn-lt"/>
+                    <a:ea typeface="+mn-ea"/>
+                    <a:cs typeface="+mn-cs"/>
+                  </a:defRPr>
+                </a:lvl8pPr>
+                <a:lvl9pPr marL="3886200" indent="-228600" algn="l" defTabSz="914400" rtl="0" eaLnBrk="1" latinLnBrk="0" hangingPunct="1">
+                  <a:lnSpc>
+                    <a:spcPct val="90000"/>
+                  </a:lnSpc>
+                  <a:spcBef>
+                    <a:spcPts val="500"/>
+                  </a:spcBef>
+                  <a:buFont typeface="Arial" panose="020B0604020202020204" pitchFamily="34" charset="0"/>
+                  <a:buChar char="•"/>
+                  <a:defRPr sz="1800" kern="1200">
+                    <a:solidFill>
+                      <a:schemeClr val="tx1"/>
+                    </a:solidFill>
+                    <a:latin typeface="+mn-lt"/>
+                    <a:ea typeface="+mn-ea"/>
+                    <a:cs typeface="+mn-cs"/>
+                  </a:defRPr>
+                </a:lvl9pPr>
+              </a:lstStyle>
+              <a:p>
+                <a:pPr marL="0" indent="0">
+                  <a:buNone/>
+                </a:pPr>
+                <a14:m>
+                  <m:oMathPara xmlns:m="http://schemas.openxmlformats.org/officeDocument/2006/math">
+                    <m:oMathParaPr>
+                      <m:jc m:val="centerGroup"/>
+                    </m:oMathParaPr>
+                    <m:oMath xmlns:m="http://schemas.openxmlformats.org/officeDocument/2006/math">
+                      <m:r>
+                        <a:rPr lang="en-US" sz="1800" i="1" dirty="0" smtClean="0">
+                          <a:latin typeface="Cambria Math" panose="02040503050406030204" pitchFamily="18" charset="0"/>
+                        </a:rPr>
+                        <m:t>𝐴𝑐𝑐𝑢𝑟𝑎𝑐𝑦</m:t>
+                      </m:r>
+                      <m:r>
+                        <a:rPr lang="en-US" sz="1800" i="1" dirty="0" smtClean="0">
+                          <a:latin typeface="Cambria Math" panose="02040503050406030204" pitchFamily="18" charset="0"/>
+                        </a:rPr>
+                        <m:t> =</m:t>
+                      </m:r>
+                      <m:f>
+                        <m:fPr>
+                          <m:ctrlPr>
+                            <a:rPr lang="en-US" sz="1800" b="0" i="1" dirty="0" smtClean="0">
+                              <a:latin typeface="Cambria Math" panose="02040503050406030204" pitchFamily="18" charset="0"/>
+                            </a:rPr>
+                          </m:ctrlPr>
+                        </m:fPr>
+                        <m:num>
+                          <m:r>
+                            <a:rPr lang="en-US" sz="1800" i="1" dirty="0" smtClean="0">
+                              <a:latin typeface="Cambria Math" panose="02040503050406030204" pitchFamily="18" charset="0"/>
+                            </a:rPr>
+                            <m:t>76+</m:t>
+                          </m:r>
+                          <m:r>
+                            <a:rPr lang="en-US" sz="1800" b="0" i="1" dirty="0" smtClean="0">
+                              <a:latin typeface="Cambria Math" panose="02040503050406030204" pitchFamily="18" charset="0"/>
+                            </a:rPr>
+                            <m:t>180</m:t>
+                          </m:r>
+                          <m:r>
+                            <a:rPr lang="en-US" sz="1800" i="1" dirty="0" smtClean="0">
+                              <a:latin typeface="Cambria Math" panose="02040503050406030204" pitchFamily="18" charset="0"/>
+                            </a:rPr>
+                            <m:t>+</m:t>
+                          </m:r>
+                          <m:r>
+                            <a:rPr lang="en-US" sz="1800" b="0" i="1" dirty="0" smtClean="0">
+                              <a:latin typeface="Cambria Math" panose="02040503050406030204" pitchFamily="18" charset="0"/>
+                            </a:rPr>
+                            <m:t>25</m:t>
+                          </m:r>
+                        </m:num>
+                        <m:den>
+                          <m:r>
+                            <a:rPr lang="en-US" sz="1800" b="0" i="1" dirty="0" smtClean="0">
+                              <a:latin typeface="Cambria Math" panose="02040503050406030204" pitchFamily="18" charset="0"/>
+                            </a:rPr>
+                            <m:t>76+</m:t>
+                          </m:r>
+                          <m:r>
+                            <a:rPr lang="en-US" sz="1800" b="0" i="1" dirty="0" smtClean="0">
+                              <a:latin typeface="Cambria Math" panose="02040503050406030204" pitchFamily="18" charset="0"/>
+                            </a:rPr>
+                            <m:t>180</m:t>
+                          </m:r>
+                          <m:r>
+                            <a:rPr lang="en-US" sz="1800" b="0" i="1" dirty="0" smtClean="0">
+                              <a:latin typeface="Cambria Math" panose="02040503050406030204" pitchFamily="18" charset="0"/>
+                            </a:rPr>
+                            <m:t>+</m:t>
+                          </m:r>
+                          <m:r>
+                            <a:rPr lang="en-US" sz="1800" b="0" i="1" dirty="0" smtClean="0">
+                              <a:latin typeface="Cambria Math" panose="02040503050406030204" pitchFamily="18" charset="0"/>
+                            </a:rPr>
+                            <m:t>25</m:t>
+                          </m:r>
+                          <m:r>
+                            <a:rPr lang="en-US" sz="1800" b="0" i="1" dirty="0" smtClean="0">
+                              <a:latin typeface="Cambria Math" panose="02040503050406030204" pitchFamily="18" charset="0"/>
+                            </a:rPr>
+                            <m:t>+</m:t>
+                          </m:r>
+                          <m:r>
+                            <a:rPr lang="en-US" sz="1800" b="0" i="1" dirty="0" smtClean="0">
+                              <a:latin typeface="Cambria Math" panose="02040503050406030204" pitchFamily="18" charset="0"/>
+                            </a:rPr>
+                            <m:t>2</m:t>
+                          </m:r>
+                          <m:r>
+                            <a:rPr lang="en-US" sz="1800" b="0" i="1" dirty="0" smtClean="0">
+                              <a:latin typeface="Cambria Math" panose="02040503050406030204" pitchFamily="18" charset="0"/>
+                            </a:rPr>
+                            <m:t>0+12+11+27+3+</m:t>
+                          </m:r>
+                          <m:r>
+                            <a:rPr lang="en-US" sz="1800" b="0" i="1" dirty="0" smtClean="0">
+                              <a:latin typeface="Cambria Math" panose="02040503050406030204" pitchFamily="18" charset="0"/>
+                            </a:rPr>
+                            <m:t>1</m:t>
+                          </m:r>
+                          <m:r>
+                            <a:rPr lang="en-US" sz="1800" b="0" i="1" dirty="0" smtClean="0">
+                              <a:latin typeface="Cambria Math" panose="02040503050406030204" pitchFamily="18" charset="0"/>
+                            </a:rPr>
+                            <m:t>6</m:t>
+                          </m:r>
+                        </m:den>
+                      </m:f>
+                      <m:r>
+                        <a:rPr lang="en-US" sz="1800" b="0" i="1" dirty="0" smtClean="0">
+                          <a:latin typeface="Cambria Math" panose="02040503050406030204" pitchFamily="18" charset="0"/>
+                        </a:rPr>
+                        <m:t>=7</m:t>
+                      </m:r>
+                      <m:r>
+                        <a:rPr lang="en-US" sz="1800" b="0" i="1" dirty="0" smtClean="0">
+                          <a:latin typeface="Cambria Math" panose="02040503050406030204" pitchFamily="18" charset="0"/>
+                        </a:rPr>
+                        <m:t>5</m:t>
+                      </m:r>
+                      <m:r>
+                        <a:rPr lang="en-US" sz="1800" b="0" i="1" dirty="0" smtClean="0">
+                          <a:latin typeface="Cambria Math" panose="02040503050406030204" pitchFamily="18" charset="0"/>
+                        </a:rPr>
+                        <m:t>.</m:t>
+                      </m:r>
+                      <m:r>
+                        <a:rPr lang="en-US" sz="1800" b="0" i="1" dirty="0" smtClean="0">
+                          <a:latin typeface="Cambria Math" panose="02040503050406030204" pitchFamily="18" charset="0"/>
+                        </a:rPr>
+                        <m:t>95</m:t>
+                      </m:r>
+                      <m:r>
+                        <a:rPr lang="en-US" sz="1800" b="0" i="1" dirty="0" smtClean="0">
+                          <a:latin typeface="Cambria Math" panose="02040503050406030204" pitchFamily="18" charset="0"/>
+                        </a:rPr>
+                        <m:t>%</m:t>
+                      </m:r>
+                    </m:oMath>
+                  </m:oMathPara>
+                </a14:m>
+                <a:endParaRPr lang="en-US" sz="1800" dirty="0"/>
+              </a:p>
+            </p:txBody>
+          </p:sp>
+        </mc:Choice>
+        <mc:Fallback>
+          <p:sp>
+            <p:nvSpPr>
+              <p:cNvPr id="11" name="Content Placeholder 2">
+                <a:extLst>
+                  <a:ext uri="{FF2B5EF4-FFF2-40B4-BE49-F238E27FC236}">
+                    <a16:creationId xmlns:a16="http://schemas.microsoft.com/office/drawing/2014/main" id="{3B539280-2463-FE2C-647E-A409CBB087BB}"/>
+                  </a:ext>
+                </a:extLst>
+              </p:cNvPr>
+              <p:cNvSpPr txBox="1">
+                <a:spLocks noRot="1" noChangeAspect="1" noMove="1" noResize="1" noEditPoints="1" noAdjustHandles="1" noChangeArrowheads="1" noChangeShapeType="1" noTextEdit="1"/>
+              </p:cNvSpPr>
+              <p:nvPr/>
+            </p:nvSpPr>
+            <p:spPr>
+              <a:xfrm>
+                <a:off x="3947484" y="4651372"/>
+                <a:ext cx="7075650" cy="664926"/>
+              </a:xfrm>
+              <a:prstGeom prst="rect">
+                <a:avLst/>
+              </a:prstGeom>
+              <a:blipFill>
+                <a:blip r:embed="rId3"/>
+                <a:stretch>
+                  <a:fillRect/>
+                </a:stretch>
+              </a:blipFill>
+              <a:ln>
+                <a:noFill/>
+              </a:ln>
+            </p:spPr>
+            <p:txBody>
+              <a:bodyPr/>
+              <a:lstStyle/>
+              <a:p>
+                <a:r>
+                  <a:rPr lang="en-US">
+                    <a:noFill/>
+                  </a:rPr>
+                  <a:t> </a:t>
+                </a:r>
+              </a:p>
+            </p:txBody>
+          </p:sp>
+        </mc:Fallback>
+      </mc:AlternateContent>
+      <p:sp>
+        <p:nvSpPr>
+          <p:cNvPr id="7" name="Content Placeholder 2">
+            <a:extLst>
+              <a:ext uri="{FF2B5EF4-FFF2-40B4-BE49-F238E27FC236}">
+                <a16:creationId xmlns:a16="http://schemas.microsoft.com/office/drawing/2014/main" id="{9440DC4E-6298-D7EB-40CE-74F9EA18D2A0}"/>
+              </a:ext>
+            </a:extLst>
+          </p:cNvPr>
+          <p:cNvSpPr txBox="1">
+            <a:spLocks/>
+          </p:cNvSpPr>
+          <p:nvPr/>
+        </p:nvSpPr>
+        <p:spPr>
+          <a:xfrm>
+            <a:off x="3877112" y="5591226"/>
+            <a:ext cx="7958970" cy="505741"/>
+          </a:xfrm>
+          <a:prstGeom prst="rect">
+            <a:avLst/>
+          </a:prstGeom>
+        </p:spPr>
+        <p:txBody>
+          <a:bodyPr vert="horz" lIns="91440" tIns="45720" rIns="91440" bIns="45720" rtlCol="0">
+            <a:normAutofit fontScale="62500" lnSpcReduction="20000"/>
+          </a:bodyPr>
+          <a:lstStyle>
+            <a:lvl1pPr marL="228600" indent="-228600" algn="l" defTabSz="914400" rtl="0" eaLnBrk="1" latinLnBrk="0" hangingPunct="1">
+              <a:lnSpc>
+                <a:spcPct val="90000"/>
+              </a:lnSpc>
+              <a:spcBef>
+                <a:spcPts val="1000"/>
+              </a:spcBef>
+              <a:buFont typeface="Arial" panose="020B0604020202020204" pitchFamily="34" charset="0"/>
+              <a:buChar char="•"/>
+              <a:defRPr sz="2800" kern="1200">
+                <a:solidFill>
+                  <a:schemeClr val="tx1"/>
+                </a:solidFill>
+                <a:latin typeface="+mn-lt"/>
+                <a:ea typeface="+mn-ea"/>
+                <a:cs typeface="+mn-cs"/>
+              </a:defRPr>
+            </a:lvl1pPr>
+            <a:lvl2pPr marL="685800" indent="-228600" algn="l" defTabSz="914400" rtl="0" eaLnBrk="1" latinLnBrk="0" hangingPunct="1">
+              <a:lnSpc>
+                <a:spcPct val="90000"/>
+              </a:lnSpc>
+              <a:spcBef>
+                <a:spcPts val="500"/>
+              </a:spcBef>
+              <a:buFont typeface="Arial" panose="020B0604020202020204" pitchFamily="34" charset="0"/>
+              <a:buChar char="•"/>
+              <a:defRPr sz="2400" kern="1200">
+                <a:solidFill>
+                  <a:schemeClr val="tx1"/>
+                </a:solidFill>
+                <a:latin typeface="+mn-lt"/>
+                <a:ea typeface="+mn-ea"/>
+                <a:cs typeface="+mn-cs"/>
+              </a:defRPr>
+            </a:lvl2pPr>
+            <a:lvl3pPr marL="1143000" indent="-228600" algn="l" defTabSz="914400" rtl="0" eaLnBrk="1" latinLnBrk="0" hangingPunct="1">
+              <a:lnSpc>
+                <a:spcPct val="90000"/>
+              </a:lnSpc>
+              <a:spcBef>
+                <a:spcPts val="500"/>
+              </a:spcBef>
+              <a:buFont typeface="Arial" panose="020B0604020202020204" pitchFamily="34" charset="0"/>
+              <a:buChar char="•"/>
+              <a:defRPr sz="2000" kern="1200">
+                <a:solidFill>
+                  <a:schemeClr val="tx1"/>
+                </a:solidFill>
+                <a:latin typeface="+mn-lt"/>
+                <a:ea typeface="+mn-ea"/>
+                <a:cs typeface="+mn-cs"/>
+              </a:defRPr>
+            </a:lvl3pPr>
+            <a:lvl4pPr marL="1600200" indent="-228600" algn="l" defTabSz="914400" rtl="0" eaLnBrk="1" latinLnBrk="0" hangingPunct="1">
+              <a:lnSpc>
+                <a:spcPct val="90000"/>
+              </a:lnSpc>
+              <a:spcBef>
+                <a:spcPts val="500"/>
+              </a:spcBef>
+              <a:buFont typeface="Arial" panose="020B0604020202020204" pitchFamily="34" charset="0"/>
+              <a:buChar char="•"/>
+              <a:defRPr sz="1800" kern="1200">
+                <a:solidFill>
+                  <a:schemeClr val="tx1"/>
+                </a:solidFill>
+                <a:latin typeface="+mn-lt"/>
+                <a:ea typeface="+mn-ea"/>
+                <a:cs typeface="+mn-cs"/>
+              </a:defRPr>
+            </a:lvl4pPr>
+            <a:lvl5pPr marL="2057400" indent="-228600" algn="l" defTabSz="914400" rtl="0" eaLnBrk="1" latinLnBrk="0" hangingPunct="1">
+              <a:lnSpc>
+                <a:spcPct val="90000"/>
+              </a:lnSpc>
+              <a:spcBef>
+                <a:spcPts val="500"/>
+              </a:spcBef>
+              <a:buFont typeface="Arial" panose="020B0604020202020204" pitchFamily="34" charset="0"/>
+              <a:buChar char="•"/>
+              <a:defRPr sz="1800" kern="1200">
+                <a:solidFill>
+                  <a:schemeClr val="tx1"/>
+                </a:solidFill>
+                <a:latin typeface="+mn-lt"/>
+                <a:ea typeface="+mn-ea"/>
+                <a:cs typeface="+mn-cs"/>
+              </a:defRPr>
+            </a:lvl5pPr>
+            <a:lvl6pPr marL="2514600" indent="-228600" algn="l" defTabSz="914400" rtl="0" eaLnBrk="1" latinLnBrk="0" hangingPunct="1">
+              <a:lnSpc>
+                <a:spcPct val="90000"/>
+              </a:lnSpc>
+              <a:spcBef>
+                <a:spcPts val="500"/>
+              </a:spcBef>
+              <a:buFont typeface="Arial" panose="020B0604020202020204" pitchFamily="34" charset="0"/>
+              <a:buChar char="•"/>
+              <a:defRPr sz="1800" kern="1200">
+                <a:solidFill>
+                  <a:schemeClr val="tx1"/>
+                </a:solidFill>
+                <a:latin typeface="+mn-lt"/>
+                <a:ea typeface="+mn-ea"/>
+                <a:cs typeface="+mn-cs"/>
+              </a:defRPr>
+            </a:lvl6pPr>
+            <a:lvl7pPr marL="2971800" indent="-228600" algn="l" defTabSz="914400" rtl="0" eaLnBrk="1" latinLnBrk="0" hangingPunct="1">
+              <a:lnSpc>
+                <a:spcPct val="90000"/>
+              </a:lnSpc>
+              <a:spcBef>
+                <a:spcPts val="500"/>
+              </a:spcBef>
+              <a:buFont typeface="Arial" panose="020B0604020202020204" pitchFamily="34" charset="0"/>
+              <a:buChar char="•"/>
+              <a:defRPr sz="1800" kern="1200">
+                <a:solidFill>
+                  <a:schemeClr val="tx1"/>
+                </a:solidFill>
+                <a:latin typeface="+mn-lt"/>
+                <a:ea typeface="+mn-ea"/>
+                <a:cs typeface="+mn-cs"/>
+              </a:defRPr>
+            </a:lvl7pPr>
+            <a:lvl8pPr marL="3429000" indent="-228600" algn="l" defTabSz="914400" rtl="0" eaLnBrk="1" latinLnBrk="0" hangingPunct="1">
+              <a:lnSpc>
+                <a:spcPct val="90000"/>
+              </a:lnSpc>
+              <a:spcBef>
+                <a:spcPts val="500"/>
+              </a:spcBef>
+              <a:buFont typeface="Arial" panose="020B0604020202020204" pitchFamily="34" charset="0"/>
+              <a:buChar char="•"/>
+              <a:defRPr sz="1800" kern="1200">
+                <a:solidFill>
+                  <a:schemeClr val="tx1"/>
+                </a:solidFill>
+                <a:latin typeface="+mn-lt"/>
+                <a:ea typeface="+mn-ea"/>
+                <a:cs typeface="+mn-cs"/>
+              </a:defRPr>
+            </a:lvl8pPr>
+            <a:lvl9pPr marL="3886200" indent="-228600" algn="l" defTabSz="914400" rtl="0" eaLnBrk="1" latinLnBrk="0" hangingPunct="1">
+              <a:lnSpc>
+                <a:spcPct val="90000"/>
+              </a:lnSpc>
+              <a:spcBef>
+                <a:spcPts val="500"/>
+              </a:spcBef>
+              <a:buFont typeface="Arial" panose="020B0604020202020204" pitchFamily="34" charset="0"/>
+              <a:buChar char="•"/>
+              <a:defRPr sz="1800" kern="1200">
+                <a:solidFill>
+                  <a:schemeClr val="tx1"/>
+                </a:solidFill>
+                <a:latin typeface="+mn-lt"/>
+                <a:ea typeface="+mn-ea"/>
+                <a:cs typeface="+mn-cs"/>
+              </a:defRPr>
+            </a:lvl9pPr>
+          </a:lstStyle>
+          <a:p>
+            <a:pPr marL="0" indent="0">
+              <a:buNone/>
+            </a:pPr>
+            <a:r>
+              <a:rPr lang="en-US" dirty="0"/>
+              <a:t>Even though the classification of “Birds” is poor, the accuracy is comparable to the previous scenario as the majority class is mostly captured by the model. </a:t>
+            </a:r>
+          </a:p>
+        </p:txBody>
+      </p:sp>
+    </p:spTree>
+    <p:extLst>
+      <p:ext uri="{BB962C8B-B14F-4D97-AF65-F5344CB8AC3E}">
+        <p14:creationId xmlns:p14="http://schemas.microsoft.com/office/powerpoint/2010/main" val="4184444610"/>
+      </p:ext>
+    </p:extLst>
+  </p:cSld>
+  <p:clrMapOvr>
+    <a:masterClrMapping/>
+  </p:clrMapOvr>
+</p:sld>
+</file>
+
+<file path=ppt/slides/slide5.xml><?xml version="1.0" encoding="utf-8"?>
+<p:sld xmlns:a="http://schemas.openxmlformats.org/drawingml/2006/main" xmlns:r="http://schemas.openxmlformats.org/officeDocument/2006/relationships" xmlns:p="http://schemas.openxmlformats.org/presentationml/2006/main">
+  <p:cSld>
+    <p:spTree>
+      <p:nvGrpSpPr>
+        <p:cNvPr id="1" name=""/>
+        <p:cNvGrpSpPr/>
+        <p:nvPr/>
+      </p:nvGrpSpPr>
+      <p:grpSpPr>
+        <a:xfrm>
+          <a:off x="0" y="0"/>
+          <a:ext cx="0" cy="0"/>
+          <a:chOff x="0" y="0"/>
+          <a:chExt cx="0" cy="0"/>
+        </a:xfrm>
+      </p:grpSpPr>
+      <p:sp>
+        <p:nvSpPr>
+          <p:cNvPr id="2" name="Title 1">
+            <a:extLst>
+              <a:ext uri="{FF2B5EF4-FFF2-40B4-BE49-F238E27FC236}">
+                <a16:creationId xmlns:a16="http://schemas.microsoft.com/office/drawing/2014/main" id="{3D125364-4385-6331-2E0E-02C1915293E0}"/>
+              </a:ext>
+            </a:extLst>
+          </p:cNvPr>
+          <p:cNvSpPr>
+            <a:spLocks noGrp="1"/>
+          </p:cNvSpPr>
+          <p:nvPr>
+            <p:ph type="title"/>
+          </p:nvPr>
+        </p:nvSpPr>
+        <p:spPr/>
+        <p:txBody>
+          <a:bodyPr/>
+          <a:lstStyle/>
+          <a:p>
+            <a:r>
+              <a:rPr lang="en-US" dirty="0"/>
+              <a:t>Understanding Success</a:t>
+            </a:r>
+          </a:p>
+        </p:txBody>
+      </p:sp>
+      <p:sp>
+        <p:nvSpPr>
+          <p:cNvPr id="3" name="Content Placeholder 2">
+            <a:extLst>
+              <a:ext uri="{FF2B5EF4-FFF2-40B4-BE49-F238E27FC236}">
+                <a16:creationId xmlns:a16="http://schemas.microsoft.com/office/drawing/2014/main" id="{D45CFC62-A670-21F7-0A1B-08F4DCC6C8DE}"/>
+              </a:ext>
+            </a:extLst>
+          </p:cNvPr>
+          <p:cNvSpPr>
+            <a:spLocks noGrp="1"/>
+          </p:cNvSpPr>
+          <p:nvPr>
+            <p:ph idx="1"/>
+          </p:nvPr>
+        </p:nvSpPr>
+        <p:spPr>
+          <a:xfrm>
+            <a:off x="838200" y="2812889"/>
+            <a:ext cx="10515600" cy="545430"/>
+          </a:xfrm>
+        </p:spPr>
+        <p:txBody>
+          <a:bodyPr>
+            <a:normAutofit/>
+          </a:bodyPr>
+          <a:lstStyle/>
+          <a:p>
+            <a:pPr marL="0" indent="0" algn="ctr">
+              <a:buNone/>
+            </a:pPr>
+            <a:r>
+              <a:rPr lang="en-US" sz="2000" dirty="0"/>
+              <a:t>Other names: True Positive Rate, Sensitivity</a:t>
+            </a:r>
+          </a:p>
+        </p:txBody>
+      </p:sp>
       <mc:AlternateContent xmlns:mc="http://schemas.openxmlformats.org/markup-compatibility/2006">
         <mc:Choice xmlns:a14="http://schemas.microsoft.com/office/drawing/2010/main" Requires="a14">
           <p:sp>
@@ -4889,7 +7493,7 @@
             </p:nvSpPr>
             <p:spPr>
               <a:xfrm>
-                <a:off x="2036427" y="4334919"/>
+                <a:off x="3048699" y="1825625"/>
                 <a:ext cx="6094602" cy="665760"/>
               </a:xfrm>
               <a:prstGeom prst="rect">
@@ -4907,7 +7511,7 @@
                 <a14:m>
                   <m:oMathPara xmlns:m="http://schemas.openxmlformats.org/officeDocument/2006/math">
                     <m:oMathParaPr>
-                      <m:jc m:val="left"/>
+                      <m:jc m:val="center"/>
                     </m:oMathParaPr>
                     <m:oMath xmlns:m="http://schemas.openxmlformats.org/officeDocument/2006/math">
                       <m:r>
@@ -4984,7 +7588,13 @@
                             <a:rPr lang="en-US" sz="1800" b="0" i="1" smtClean="0">
                               <a:latin typeface="Cambria Math" panose="02040503050406030204" pitchFamily="18" charset="0"/>
                             </a:rPr>
-                            <m:t>𝐶𝑜𝑟𝑟𝑒𝑐𝑡</m:t>
+                            <m:t>𝑐</m:t>
+                          </m:r>
+                          <m:r>
+                            <a:rPr lang="en-US" sz="1800" b="0" i="1" smtClean="0">
+                              <a:latin typeface="Cambria Math" panose="02040503050406030204" pitchFamily="18" charset="0"/>
+                            </a:rPr>
+                            <m:t>𝑜𝑟𝑟𝑒𝑐𝑡</m:t>
                           </m:r>
                           <m:r>
                             <a:rPr lang="en-US" sz="1800" b="0" i="1" smtClean="0">
@@ -4996,7 +7606,13 @@
                             <a:rPr lang="en-US" sz="1800" b="0" i="1" smtClean="0">
                               <a:latin typeface="Cambria Math" panose="02040503050406030204" pitchFamily="18" charset="0"/>
                             </a:rPr>
-                            <m:t>𝐶𝑙𝑎𝑠𝑠</m:t>
+                            <m:t>𝑐</m:t>
+                          </m:r>
+                          <m:r>
+                            <a:rPr lang="en-US" sz="1800" b="0" i="1" smtClean="0">
+                              <a:latin typeface="Cambria Math" panose="02040503050406030204" pitchFamily="18" charset="0"/>
+                            </a:rPr>
+                            <m:t>𝑙𝑎𝑠𝑠</m:t>
                           </m:r>
                           <m:r>
                             <a:rPr lang="en-US" sz="1800" b="0" i="1" smtClean="0">
@@ -5008,7 +7624,13 @@
                             <a:rPr lang="en-US" sz="1800" b="0" i="1" smtClean="0">
                               <a:latin typeface="Cambria Math" panose="02040503050406030204" pitchFamily="18" charset="0"/>
                             </a:rPr>
-                            <m:t>𝑃𝑟𝑒𝑑𝑖𝑐𝑡𝑖𝑜𝑛𝑠</m:t>
+                            <m:t>𝑝</m:t>
+                          </m:r>
+                          <m:r>
+                            <a:rPr lang="en-US" sz="1800" b="0" i="1" smtClean="0">
+                              <a:latin typeface="Cambria Math" panose="02040503050406030204" pitchFamily="18" charset="0"/>
+                            </a:rPr>
+                            <m:t>𝑟𝑒𝑑𝑖𝑐𝑡𝑖𝑜𝑛𝑠</m:t>
                           </m:r>
                           <m:r>
                             <a:rPr lang="en-US" sz="1800" b="0" i="1" smtClean="0">
@@ -5032,7 +7654,13 @@
                             <a:rPr lang="en-US" sz="1800" b="0" i="1" smtClean="0">
                               <a:latin typeface="Cambria Math" panose="02040503050406030204" pitchFamily="18" charset="0"/>
                             </a:rPr>
-                            <m:t>𝐶𝑙𝑎𝑠𝑠</m:t>
+                            <m:t>𝑐</m:t>
+                          </m:r>
+                          <m:r>
+                            <a:rPr lang="en-US" sz="1800" b="0" i="1" smtClean="0">
+                              <a:latin typeface="Cambria Math" panose="02040503050406030204" pitchFamily="18" charset="0"/>
+                            </a:rPr>
+                            <m:t>𝑙𝑎𝑠𝑠</m:t>
                           </m:r>
                           <m:r>
                             <a:rPr lang="en-US" sz="1800" b="0" i="1" smtClean="0">
@@ -5077,7 +7705,13 @@
                             <a:rPr lang="en-US" sz="1800" b="0" i="1" smtClean="0">
                               <a:latin typeface="Cambria Math" panose="02040503050406030204" pitchFamily="18" charset="0"/>
                             </a:rPr>
-                            <m:t>𝐶𝑙𝑎𝑠𝑠</m:t>
+                            <m:t>𝑐</m:t>
+                          </m:r>
+                          <m:r>
+                            <a:rPr lang="en-US" sz="1800" b="0" i="1" smtClean="0">
+                              <a:latin typeface="Cambria Math" panose="02040503050406030204" pitchFamily="18" charset="0"/>
+                            </a:rPr>
+                            <m:t>𝑙𝑎𝑠𝑠</m:t>
                           </m:r>
                           <m:r>
                             <a:rPr lang="en-US" sz="1800" b="0" i="1" smtClean="0">
@@ -5120,7 +7754,13 @@
                             <a:rPr lang="en-US" sz="1800" b="0" i="1" smtClean="0">
                               <a:latin typeface="Cambria Math" panose="02040503050406030204" pitchFamily="18" charset="0"/>
                             </a:rPr>
-                            <m:t>𝐷𝑎𝑡𝑎</m:t>
+                            <m:t>𝑑</m:t>
+                          </m:r>
+                          <m:r>
+                            <a:rPr lang="en-US" sz="1800" b="0" i="1" smtClean="0">
+                              <a:latin typeface="Cambria Math" panose="02040503050406030204" pitchFamily="18" charset="0"/>
+                            </a:rPr>
+                            <m:t>𝑎𝑡𝑎</m:t>
                           </m:r>
                           <m:r>
                             <a:rPr lang="en-US" sz="1800" b="0" i="1" smtClean="0">
@@ -5132,7 +7772,13 @@
                             <a:rPr lang="en-US" sz="1800" b="0" i="1" smtClean="0">
                               <a:latin typeface="Cambria Math" panose="02040503050406030204" pitchFamily="18" charset="0"/>
                             </a:rPr>
-                            <m:t>𝑃𝑜𝑖𝑛𝑡𝑠</m:t>
+                            <m:t>𝑝</m:t>
+                          </m:r>
+                          <m:r>
+                            <a:rPr lang="en-US" sz="1800" b="0" i="1" smtClean="0">
+                              <a:latin typeface="Cambria Math" panose="02040503050406030204" pitchFamily="18" charset="0"/>
+                            </a:rPr>
+                            <m:t>𝑜𝑖𝑛𝑡𝑠</m:t>
                           </m:r>
                         </m:den>
                       </m:f>
@@ -5161,14 +7807,14 @@
             </p:nvSpPr>
             <p:spPr>
               <a:xfrm>
-                <a:off x="2036427" y="4334919"/>
+                <a:off x="3048699" y="1825625"/>
                 <a:ext cx="6094602" cy="665760"/>
               </a:xfrm>
               <a:prstGeom prst="rect">
                 <a:avLst/>
               </a:prstGeom>
               <a:blipFill>
-                <a:blip r:embed="rId3"/>
+                <a:blip r:embed="rId2"/>
                 <a:stretch>
                   <a:fillRect/>
                 </a:stretch>
@@ -5189,14 +7835,498 @@
           </p:sp>
         </mc:Fallback>
       </mc:AlternateContent>
+      <p:sp>
+        <p:nvSpPr>
+          <p:cNvPr id="12" name="Content Placeholder 2">
+            <a:extLst>
+              <a:ext uri="{FF2B5EF4-FFF2-40B4-BE49-F238E27FC236}">
+                <a16:creationId xmlns:a16="http://schemas.microsoft.com/office/drawing/2014/main" id="{D8001832-EDD6-46AD-741C-47E4EFB96547}"/>
+              </a:ext>
+            </a:extLst>
+          </p:cNvPr>
+          <p:cNvSpPr txBox="1">
+            <a:spLocks/>
+          </p:cNvSpPr>
+          <p:nvPr/>
+        </p:nvSpPr>
+        <p:spPr>
+          <a:xfrm>
+            <a:off x="838200" y="4225253"/>
+            <a:ext cx="4019026" cy="1959146"/>
+          </a:xfrm>
+          <a:prstGeom prst="rect">
+            <a:avLst/>
+          </a:prstGeom>
+        </p:spPr>
+        <p:style>
+          <a:lnRef idx="2">
+            <a:schemeClr val="accent5"/>
+          </a:lnRef>
+          <a:fillRef idx="1">
+            <a:schemeClr val="lt1"/>
+          </a:fillRef>
+          <a:effectRef idx="0">
+            <a:schemeClr val="accent5"/>
+          </a:effectRef>
+          <a:fontRef idx="minor">
+            <a:schemeClr val="dk1"/>
+          </a:fontRef>
+        </p:style>
+        <p:txBody>
+          <a:bodyPr vert="horz" lIns="91440" tIns="45720" rIns="91440" bIns="45720" rtlCol="0">
+            <a:normAutofit/>
+          </a:bodyPr>
+          <a:lstStyle>
+            <a:lvl1pPr marL="228600" indent="-228600" algn="l" defTabSz="914400" rtl="0" eaLnBrk="1" latinLnBrk="0" hangingPunct="1">
+              <a:lnSpc>
+                <a:spcPct val="90000"/>
+              </a:lnSpc>
+              <a:spcBef>
+                <a:spcPts val="1000"/>
+              </a:spcBef>
+              <a:buFont typeface="Arial" panose="020B0604020202020204" pitchFamily="34" charset="0"/>
+              <a:buChar char="•"/>
+              <a:defRPr sz="2800" kern="1200">
+                <a:solidFill>
+                  <a:schemeClr val="tx1"/>
+                </a:solidFill>
+                <a:latin typeface="+mn-lt"/>
+                <a:ea typeface="+mn-ea"/>
+                <a:cs typeface="+mn-cs"/>
+              </a:defRPr>
+            </a:lvl1pPr>
+            <a:lvl2pPr marL="685800" indent="-228600" algn="l" defTabSz="914400" rtl="0" eaLnBrk="1" latinLnBrk="0" hangingPunct="1">
+              <a:lnSpc>
+                <a:spcPct val="90000"/>
+              </a:lnSpc>
+              <a:spcBef>
+                <a:spcPts val="500"/>
+              </a:spcBef>
+              <a:buFont typeface="Arial" panose="020B0604020202020204" pitchFamily="34" charset="0"/>
+              <a:buChar char="•"/>
+              <a:defRPr sz="2400" kern="1200">
+                <a:solidFill>
+                  <a:schemeClr val="tx1"/>
+                </a:solidFill>
+                <a:latin typeface="+mn-lt"/>
+                <a:ea typeface="+mn-ea"/>
+                <a:cs typeface="+mn-cs"/>
+              </a:defRPr>
+            </a:lvl2pPr>
+            <a:lvl3pPr marL="1143000" indent="-228600" algn="l" defTabSz="914400" rtl="0" eaLnBrk="1" latinLnBrk="0" hangingPunct="1">
+              <a:lnSpc>
+                <a:spcPct val="90000"/>
+              </a:lnSpc>
+              <a:spcBef>
+                <a:spcPts val="500"/>
+              </a:spcBef>
+              <a:buFont typeface="Arial" panose="020B0604020202020204" pitchFamily="34" charset="0"/>
+              <a:buChar char="•"/>
+              <a:defRPr sz="2000" kern="1200">
+                <a:solidFill>
+                  <a:schemeClr val="tx1"/>
+                </a:solidFill>
+                <a:latin typeface="+mn-lt"/>
+                <a:ea typeface="+mn-ea"/>
+                <a:cs typeface="+mn-cs"/>
+              </a:defRPr>
+            </a:lvl3pPr>
+            <a:lvl4pPr marL="1600200" indent="-228600" algn="l" defTabSz="914400" rtl="0" eaLnBrk="1" latinLnBrk="0" hangingPunct="1">
+              <a:lnSpc>
+                <a:spcPct val="90000"/>
+              </a:lnSpc>
+              <a:spcBef>
+                <a:spcPts val="500"/>
+              </a:spcBef>
+              <a:buFont typeface="Arial" panose="020B0604020202020204" pitchFamily="34" charset="0"/>
+              <a:buChar char="•"/>
+              <a:defRPr sz="1800" kern="1200">
+                <a:solidFill>
+                  <a:schemeClr val="tx1"/>
+                </a:solidFill>
+                <a:latin typeface="+mn-lt"/>
+                <a:ea typeface="+mn-ea"/>
+                <a:cs typeface="+mn-cs"/>
+              </a:defRPr>
+            </a:lvl4pPr>
+            <a:lvl5pPr marL="2057400" indent="-228600" algn="l" defTabSz="914400" rtl="0" eaLnBrk="1" latinLnBrk="0" hangingPunct="1">
+              <a:lnSpc>
+                <a:spcPct val="90000"/>
+              </a:lnSpc>
+              <a:spcBef>
+                <a:spcPts val="500"/>
+              </a:spcBef>
+              <a:buFont typeface="Arial" panose="020B0604020202020204" pitchFamily="34" charset="0"/>
+              <a:buChar char="•"/>
+              <a:defRPr sz="1800" kern="1200">
+                <a:solidFill>
+                  <a:schemeClr val="tx1"/>
+                </a:solidFill>
+                <a:latin typeface="+mn-lt"/>
+                <a:ea typeface="+mn-ea"/>
+                <a:cs typeface="+mn-cs"/>
+              </a:defRPr>
+            </a:lvl5pPr>
+            <a:lvl6pPr marL="2514600" indent="-228600" algn="l" defTabSz="914400" rtl="0" eaLnBrk="1" latinLnBrk="0" hangingPunct="1">
+              <a:lnSpc>
+                <a:spcPct val="90000"/>
+              </a:lnSpc>
+              <a:spcBef>
+                <a:spcPts val="500"/>
+              </a:spcBef>
+              <a:buFont typeface="Arial" panose="020B0604020202020204" pitchFamily="34" charset="0"/>
+              <a:buChar char="•"/>
+              <a:defRPr sz="1800" kern="1200">
+                <a:solidFill>
+                  <a:schemeClr val="tx1"/>
+                </a:solidFill>
+                <a:latin typeface="+mn-lt"/>
+                <a:ea typeface="+mn-ea"/>
+                <a:cs typeface="+mn-cs"/>
+              </a:defRPr>
+            </a:lvl6pPr>
+            <a:lvl7pPr marL="2971800" indent="-228600" algn="l" defTabSz="914400" rtl="0" eaLnBrk="1" latinLnBrk="0" hangingPunct="1">
+              <a:lnSpc>
+                <a:spcPct val="90000"/>
+              </a:lnSpc>
+              <a:spcBef>
+                <a:spcPts val="500"/>
+              </a:spcBef>
+              <a:buFont typeface="Arial" panose="020B0604020202020204" pitchFamily="34" charset="0"/>
+              <a:buChar char="•"/>
+              <a:defRPr sz="1800" kern="1200">
+                <a:solidFill>
+                  <a:schemeClr val="tx1"/>
+                </a:solidFill>
+                <a:latin typeface="+mn-lt"/>
+                <a:ea typeface="+mn-ea"/>
+                <a:cs typeface="+mn-cs"/>
+              </a:defRPr>
+            </a:lvl7pPr>
+            <a:lvl8pPr marL="3429000" indent="-228600" algn="l" defTabSz="914400" rtl="0" eaLnBrk="1" latinLnBrk="0" hangingPunct="1">
+              <a:lnSpc>
+                <a:spcPct val="90000"/>
+              </a:lnSpc>
+              <a:spcBef>
+                <a:spcPts val="500"/>
+              </a:spcBef>
+              <a:buFont typeface="Arial" panose="020B0604020202020204" pitchFamily="34" charset="0"/>
+              <a:buChar char="•"/>
+              <a:defRPr sz="1800" kern="1200">
+                <a:solidFill>
+                  <a:schemeClr val="tx1"/>
+                </a:solidFill>
+                <a:latin typeface="+mn-lt"/>
+                <a:ea typeface="+mn-ea"/>
+                <a:cs typeface="+mn-cs"/>
+              </a:defRPr>
+            </a:lvl8pPr>
+            <a:lvl9pPr marL="3886200" indent="-228600" algn="l" defTabSz="914400" rtl="0" eaLnBrk="1" latinLnBrk="0" hangingPunct="1">
+              <a:lnSpc>
+                <a:spcPct val="90000"/>
+              </a:lnSpc>
+              <a:spcBef>
+                <a:spcPts val="500"/>
+              </a:spcBef>
+              <a:buFont typeface="Arial" panose="020B0604020202020204" pitchFamily="34" charset="0"/>
+              <a:buChar char="•"/>
+              <a:defRPr sz="1800" kern="1200">
+                <a:solidFill>
+                  <a:schemeClr val="tx1"/>
+                </a:solidFill>
+                <a:latin typeface="+mn-lt"/>
+                <a:ea typeface="+mn-ea"/>
+                <a:cs typeface="+mn-cs"/>
+              </a:defRPr>
+            </a:lvl9pPr>
+          </a:lstStyle>
+          <a:p>
+            <a:r>
+              <a:rPr lang="en-US" dirty="0"/>
+              <a:t>Ex: Balanced Data</a:t>
+            </a:r>
+          </a:p>
+        </p:txBody>
+      </p:sp>
+      <p:sp>
+        <p:nvSpPr>
+          <p:cNvPr id="13" name="Content Placeholder 2">
+            <a:extLst>
+              <a:ext uri="{FF2B5EF4-FFF2-40B4-BE49-F238E27FC236}">
+                <a16:creationId xmlns:a16="http://schemas.microsoft.com/office/drawing/2014/main" id="{4520B609-67E1-14E0-8A3F-FFD559FECC9A}"/>
+              </a:ext>
+            </a:extLst>
+          </p:cNvPr>
+          <p:cNvSpPr txBox="1">
+            <a:spLocks/>
+          </p:cNvSpPr>
+          <p:nvPr/>
+        </p:nvSpPr>
+        <p:spPr>
+          <a:xfrm>
+            <a:off x="7334776" y="4225253"/>
+            <a:ext cx="4019026" cy="1959146"/>
+          </a:xfrm>
+          <a:prstGeom prst="rect">
+            <a:avLst/>
+          </a:prstGeom>
+        </p:spPr>
+        <p:style>
+          <a:lnRef idx="2">
+            <a:schemeClr val="accent5"/>
+          </a:lnRef>
+          <a:fillRef idx="1">
+            <a:schemeClr val="lt1"/>
+          </a:fillRef>
+          <a:effectRef idx="0">
+            <a:schemeClr val="accent5"/>
+          </a:effectRef>
+          <a:fontRef idx="minor">
+            <a:schemeClr val="dk1"/>
+          </a:fontRef>
+        </p:style>
+        <p:txBody>
+          <a:bodyPr vert="horz" lIns="91440" tIns="45720" rIns="91440" bIns="45720" rtlCol="0">
+            <a:normAutofit/>
+          </a:bodyPr>
+          <a:lstStyle>
+            <a:lvl1pPr marL="228600" indent="-228600" algn="l" defTabSz="914400" rtl="0" eaLnBrk="1" latinLnBrk="0" hangingPunct="1">
+              <a:lnSpc>
+                <a:spcPct val="90000"/>
+              </a:lnSpc>
+              <a:spcBef>
+                <a:spcPts val="1000"/>
+              </a:spcBef>
+              <a:buFont typeface="Arial" panose="020B0604020202020204" pitchFamily="34" charset="0"/>
+              <a:buChar char="•"/>
+              <a:defRPr sz="2800" kern="1200">
+                <a:solidFill>
+                  <a:schemeClr val="tx1"/>
+                </a:solidFill>
+                <a:latin typeface="+mn-lt"/>
+                <a:ea typeface="+mn-ea"/>
+                <a:cs typeface="+mn-cs"/>
+              </a:defRPr>
+            </a:lvl1pPr>
+            <a:lvl2pPr marL="685800" indent="-228600" algn="l" defTabSz="914400" rtl="0" eaLnBrk="1" latinLnBrk="0" hangingPunct="1">
+              <a:lnSpc>
+                <a:spcPct val="90000"/>
+              </a:lnSpc>
+              <a:spcBef>
+                <a:spcPts val="500"/>
+              </a:spcBef>
+              <a:buFont typeface="Arial" panose="020B0604020202020204" pitchFamily="34" charset="0"/>
+              <a:buChar char="•"/>
+              <a:defRPr sz="2400" kern="1200">
+                <a:solidFill>
+                  <a:schemeClr val="tx1"/>
+                </a:solidFill>
+                <a:latin typeface="+mn-lt"/>
+                <a:ea typeface="+mn-ea"/>
+                <a:cs typeface="+mn-cs"/>
+              </a:defRPr>
+            </a:lvl2pPr>
+            <a:lvl3pPr marL="1143000" indent="-228600" algn="l" defTabSz="914400" rtl="0" eaLnBrk="1" latinLnBrk="0" hangingPunct="1">
+              <a:lnSpc>
+                <a:spcPct val="90000"/>
+              </a:lnSpc>
+              <a:spcBef>
+                <a:spcPts val="500"/>
+              </a:spcBef>
+              <a:buFont typeface="Arial" panose="020B0604020202020204" pitchFamily="34" charset="0"/>
+              <a:buChar char="•"/>
+              <a:defRPr sz="2000" kern="1200">
+                <a:solidFill>
+                  <a:schemeClr val="tx1"/>
+                </a:solidFill>
+                <a:latin typeface="+mn-lt"/>
+                <a:ea typeface="+mn-ea"/>
+                <a:cs typeface="+mn-cs"/>
+              </a:defRPr>
+            </a:lvl3pPr>
+            <a:lvl4pPr marL="1600200" indent="-228600" algn="l" defTabSz="914400" rtl="0" eaLnBrk="1" latinLnBrk="0" hangingPunct="1">
+              <a:lnSpc>
+                <a:spcPct val="90000"/>
+              </a:lnSpc>
+              <a:spcBef>
+                <a:spcPts val="500"/>
+              </a:spcBef>
+              <a:buFont typeface="Arial" panose="020B0604020202020204" pitchFamily="34" charset="0"/>
+              <a:buChar char="•"/>
+              <a:defRPr sz="1800" kern="1200">
+                <a:solidFill>
+                  <a:schemeClr val="tx1"/>
+                </a:solidFill>
+                <a:latin typeface="+mn-lt"/>
+                <a:ea typeface="+mn-ea"/>
+                <a:cs typeface="+mn-cs"/>
+              </a:defRPr>
+            </a:lvl4pPr>
+            <a:lvl5pPr marL="2057400" indent="-228600" algn="l" defTabSz="914400" rtl="0" eaLnBrk="1" latinLnBrk="0" hangingPunct="1">
+              <a:lnSpc>
+                <a:spcPct val="90000"/>
+              </a:lnSpc>
+              <a:spcBef>
+                <a:spcPts val="500"/>
+              </a:spcBef>
+              <a:buFont typeface="Arial" panose="020B0604020202020204" pitchFamily="34" charset="0"/>
+              <a:buChar char="•"/>
+              <a:defRPr sz="1800" kern="1200">
+                <a:solidFill>
+                  <a:schemeClr val="tx1"/>
+                </a:solidFill>
+                <a:latin typeface="+mn-lt"/>
+                <a:ea typeface="+mn-ea"/>
+                <a:cs typeface="+mn-cs"/>
+              </a:defRPr>
+            </a:lvl5pPr>
+            <a:lvl6pPr marL="2514600" indent="-228600" algn="l" defTabSz="914400" rtl="0" eaLnBrk="1" latinLnBrk="0" hangingPunct="1">
+              <a:lnSpc>
+                <a:spcPct val="90000"/>
+              </a:lnSpc>
+              <a:spcBef>
+                <a:spcPts val="500"/>
+              </a:spcBef>
+              <a:buFont typeface="Arial" panose="020B0604020202020204" pitchFamily="34" charset="0"/>
+              <a:buChar char="•"/>
+              <a:defRPr sz="1800" kern="1200">
+                <a:solidFill>
+                  <a:schemeClr val="tx1"/>
+                </a:solidFill>
+                <a:latin typeface="+mn-lt"/>
+                <a:ea typeface="+mn-ea"/>
+                <a:cs typeface="+mn-cs"/>
+              </a:defRPr>
+            </a:lvl6pPr>
+            <a:lvl7pPr marL="2971800" indent="-228600" algn="l" defTabSz="914400" rtl="0" eaLnBrk="1" latinLnBrk="0" hangingPunct="1">
+              <a:lnSpc>
+                <a:spcPct val="90000"/>
+              </a:lnSpc>
+              <a:spcBef>
+                <a:spcPts val="500"/>
+              </a:spcBef>
+              <a:buFont typeface="Arial" panose="020B0604020202020204" pitchFamily="34" charset="0"/>
+              <a:buChar char="•"/>
+              <a:defRPr sz="1800" kern="1200">
+                <a:solidFill>
+                  <a:schemeClr val="tx1"/>
+                </a:solidFill>
+                <a:latin typeface="+mn-lt"/>
+                <a:ea typeface="+mn-ea"/>
+                <a:cs typeface="+mn-cs"/>
+              </a:defRPr>
+            </a:lvl7pPr>
+            <a:lvl8pPr marL="3429000" indent="-228600" algn="l" defTabSz="914400" rtl="0" eaLnBrk="1" latinLnBrk="0" hangingPunct="1">
+              <a:lnSpc>
+                <a:spcPct val="90000"/>
+              </a:lnSpc>
+              <a:spcBef>
+                <a:spcPts val="500"/>
+              </a:spcBef>
+              <a:buFont typeface="Arial" panose="020B0604020202020204" pitchFamily="34" charset="0"/>
+              <a:buChar char="•"/>
+              <a:defRPr sz="1800" kern="1200">
+                <a:solidFill>
+                  <a:schemeClr val="tx1"/>
+                </a:solidFill>
+                <a:latin typeface="+mn-lt"/>
+                <a:ea typeface="+mn-ea"/>
+                <a:cs typeface="+mn-cs"/>
+              </a:defRPr>
+            </a:lvl8pPr>
+            <a:lvl9pPr marL="3886200" indent="-228600" algn="l" defTabSz="914400" rtl="0" eaLnBrk="1" latinLnBrk="0" hangingPunct="1">
+              <a:lnSpc>
+                <a:spcPct val="90000"/>
+              </a:lnSpc>
+              <a:spcBef>
+                <a:spcPts val="500"/>
+              </a:spcBef>
+              <a:buFont typeface="Arial" panose="020B0604020202020204" pitchFamily="34" charset="0"/>
+              <a:buChar char="•"/>
+              <a:defRPr sz="1800" kern="1200">
+                <a:solidFill>
+                  <a:schemeClr val="tx1"/>
+                </a:solidFill>
+                <a:latin typeface="+mn-lt"/>
+                <a:ea typeface="+mn-ea"/>
+                <a:cs typeface="+mn-cs"/>
+              </a:defRPr>
+            </a:lvl9pPr>
+          </a:lstStyle>
+          <a:p>
+            <a:r>
+              <a:rPr lang="en-US" dirty="0"/>
+              <a:t>Ex: Imbalanced Data</a:t>
+            </a:r>
+          </a:p>
+        </p:txBody>
+      </p:sp>
+    </p:spTree>
+    <p:extLst>
+      <p:ext uri="{BB962C8B-B14F-4D97-AF65-F5344CB8AC3E}">
+        <p14:creationId xmlns:p14="http://schemas.microsoft.com/office/powerpoint/2010/main" val="3241345493"/>
+      </p:ext>
+    </p:extLst>
+  </p:cSld>
+  <p:clrMapOvr>
+    <a:masterClrMapping/>
+  </p:clrMapOvr>
+</p:sld>
+</file>
+
+<file path=ppt/slides/slide6.xml><?xml version="1.0" encoding="utf-8"?>
+<p:sld xmlns:a="http://schemas.openxmlformats.org/drawingml/2006/main" xmlns:r="http://schemas.openxmlformats.org/officeDocument/2006/relationships" xmlns:p="http://schemas.openxmlformats.org/presentationml/2006/main">
+  <p:cSld>
+    <p:spTree>
+      <p:nvGrpSpPr>
+        <p:cNvPr id="1" name=""/>
+        <p:cNvGrpSpPr/>
+        <p:nvPr/>
+      </p:nvGrpSpPr>
+      <p:grpSpPr>
+        <a:xfrm>
+          <a:off x="0" y="0"/>
+          <a:ext cx="0" cy="0"/>
+          <a:chOff x="0" y="0"/>
+          <a:chExt cx="0" cy="0"/>
+        </a:xfrm>
+      </p:grpSpPr>
+      <p:sp>
+        <p:nvSpPr>
+          <p:cNvPr id="2" name="Title 1">
+            <a:extLst>
+              <a:ext uri="{FF2B5EF4-FFF2-40B4-BE49-F238E27FC236}">
+                <a16:creationId xmlns:a16="http://schemas.microsoft.com/office/drawing/2014/main" id="{3D125364-4385-6331-2E0E-02C1915293E0}"/>
+              </a:ext>
+            </a:extLst>
+          </p:cNvPr>
+          <p:cNvSpPr>
+            <a:spLocks noGrp="1"/>
+          </p:cNvSpPr>
+          <p:nvPr>
+            <p:ph type="title"/>
+          </p:nvPr>
+        </p:nvSpPr>
+        <p:spPr/>
+        <p:txBody>
+          <a:bodyPr/>
+          <a:lstStyle/>
+          <a:p>
+            <a:r>
+              <a:rPr lang="en-US" dirty="0"/>
+              <a:t>Understanding Success</a:t>
+            </a:r>
+          </a:p>
+        </p:txBody>
+      </p:sp>
       <mc:AlternateContent xmlns:mc="http://schemas.openxmlformats.org/markup-compatibility/2006">
         <mc:Choice xmlns:a14="http://schemas.microsoft.com/office/drawing/2010/main" Requires="a14">
           <p:sp>
             <p:nvSpPr>
-              <p:cNvPr id="9" name="TextBox 8">
+              <p:cNvPr id="7" name="TextBox 6">
                 <a:extLst>
                   <a:ext uri="{FF2B5EF4-FFF2-40B4-BE49-F238E27FC236}">
-                    <a16:creationId xmlns:a16="http://schemas.microsoft.com/office/drawing/2014/main" id="{B29ABD4C-3B77-B5C9-0DC5-B371E4EC40B2}"/>
+                    <a16:creationId xmlns:a16="http://schemas.microsoft.com/office/drawing/2014/main" id="{E644D50E-30AC-B0ED-E9EC-DE126F5DF01D}"/>
                   </a:ext>
                 </a:extLst>
               </p:cNvPr>
@@ -5205,8 +8335,8 @@
             </p:nvSpPr>
             <p:spPr>
               <a:xfrm>
-                <a:off x="2036427" y="5401027"/>
-                <a:ext cx="7725562" cy="665760"/>
+                <a:off x="2016154" y="1825625"/>
+                <a:ext cx="8159692" cy="665760"/>
               </a:xfrm>
               <a:prstGeom prst="rect">
                 <a:avLst/>
@@ -5223,20 +8353,38 @@
                 <a14:m>
                   <m:oMathPara xmlns:m="http://schemas.openxmlformats.org/officeDocument/2006/math">
                     <m:oMathParaPr>
-                      <m:jc m:val="left"/>
+                      <m:jc m:val="center"/>
                     </m:oMathParaPr>
                     <m:oMath xmlns:m="http://schemas.openxmlformats.org/officeDocument/2006/math">
                       <m:r>
                         <a:rPr lang="en-US" sz="1800" b="0" i="1" smtClean="0">
                           <a:latin typeface="Cambria Math" panose="02040503050406030204" pitchFamily="18" charset="0"/>
                         </a:rPr>
-                        <m:t>𝑃𝑟𝑒𝑐𝑖𝑠𝑖𝑜𝑛</m:t>
+                        <m:t>𝐹𝑎𝑙𝑠𝑒</m:t>
                       </m:r>
                       <m:r>
                         <a:rPr lang="en-US" sz="1800" b="0" i="1" smtClean="0">
                           <a:latin typeface="Cambria Math" panose="02040503050406030204" pitchFamily="18" charset="0"/>
                         </a:rPr>
                         <m:t> </m:t>
+                      </m:r>
+                      <m:r>
+                        <a:rPr lang="en-US" sz="1800" b="0" i="1" smtClean="0">
+                          <a:latin typeface="Cambria Math" panose="02040503050406030204" pitchFamily="18" charset="0"/>
+                        </a:rPr>
+                        <m:t>𝑃𝑜𝑠𝑖𝑡𝑖𝑣𝑒</m:t>
+                      </m:r>
+                      <m:r>
+                        <a:rPr lang="en-US" sz="1800" b="0" i="1" smtClean="0">
+                          <a:latin typeface="Cambria Math" panose="02040503050406030204" pitchFamily="18" charset="0"/>
+                        </a:rPr>
+                        <m:t> </m:t>
+                      </m:r>
+                      <m:r>
+                        <a:rPr lang="en-US" sz="1800" b="0" i="1" smtClean="0">
+                          <a:latin typeface="Cambria Math" panose="02040503050406030204" pitchFamily="18" charset="0"/>
+                        </a:rPr>
+                        <m:t>𝑅𝑎𝑡𝑒</m:t>
                       </m:r>
                       <m:r>
                         <a:rPr lang="en-US" sz="1800" b="0" i="1" smtClean="0">
@@ -5300,7 +8448,13 @@
                             <a:rPr lang="en-US" sz="1800" b="0" i="1" smtClean="0">
                               <a:latin typeface="Cambria Math" panose="02040503050406030204" pitchFamily="18" charset="0"/>
                             </a:rPr>
-                            <m:t>𝐶𝑜𝑟𝑟𝑒𝑐𝑡</m:t>
+                            <m:t>𝑖𝑛𝑐</m:t>
+                          </m:r>
+                          <m:r>
+                            <a:rPr lang="en-US" sz="1800" b="0" i="1" smtClean="0">
+                              <a:latin typeface="Cambria Math" panose="02040503050406030204" pitchFamily="18" charset="0"/>
+                            </a:rPr>
+                            <m:t>𝑜𝑟𝑟𝑒𝑐𝑡</m:t>
                           </m:r>
                           <m:r>
                             <a:rPr lang="en-US" sz="1800" b="0" i="1" smtClean="0">
@@ -5312,7 +8466,13 @@
                             <a:rPr lang="en-US" sz="1800" b="0" i="1" smtClean="0">
                               <a:latin typeface="Cambria Math" panose="02040503050406030204" pitchFamily="18" charset="0"/>
                             </a:rPr>
-                            <m:t>𝐶𝑙𝑎𝑠𝑠</m:t>
+                            <m:t>𝑐</m:t>
+                          </m:r>
+                          <m:r>
+                            <a:rPr lang="en-US" sz="1800" b="0" i="1" smtClean="0">
+                              <a:latin typeface="Cambria Math" panose="02040503050406030204" pitchFamily="18" charset="0"/>
+                            </a:rPr>
+                            <m:t>𝑙𝑎𝑠𝑠</m:t>
                           </m:r>
                           <m:r>
                             <a:rPr lang="en-US" sz="1800" b="0" i="1" smtClean="0">
@@ -5324,7 +8484,13 @@
                             <a:rPr lang="en-US" sz="1800" b="0" i="1" smtClean="0">
                               <a:latin typeface="Cambria Math" panose="02040503050406030204" pitchFamily="18" charset="0"/>
                             </a:rPr>
-                            <m:t>𝑃𝑟𝑒𝑑𝑖𝑐𝑡𝑖𝑜𝑛𝑠</m:t>
+                            <m:t>𝑝</m:t>
+                          </m:r>
+                          <m:r>
+                            <a:rPr lang="en-US" sz="1800" b="0" i="1" smtClean="0">
+                              <a:latin typeface="Cambria Math" panose="02040503050406030204" pitchFamily="18" charset="0"/>
+                            </a:rPr>
+                            <m:t>𝑟𝑒𝑑𝑖𝑐𝑡𝑖𝑜𝑛𝑠</m:t>
                           </m:r>
                           <m:r>
                             <a:rPr lang="en-US" sz="1800" b="0" i="1" smtClean="0">
@@ -5348,7 +8514,13 @@
                             <a:rPr lang="en-US" sz="1800" b="0" i="1" smtClean="0">
                               <a:latin typeface="Cambria Math" panose="02040503050406030204" pitchFamily="18" charset="0"/>
                             </a:rPr>
-                            <m:t>𝐶𝑙𝑎𝑠𝑠</m:t>
+                            <m:t>𝑐</m:t>
+                          </m:r>
+                          <m:r>
+                            <a:rPr lang="en-US" sz="1800" b="0" i="1" smtClean="0">
+                              <a:latin typeface="Cambria Math" panose="02040503050406030204" pitchFamily="18" charset="0"/>
+                            </a:rPr>
+                            <m:t>𝑙𝑎𝑠𝑠</m:t>
                           </m:r>
                           <m:r>
                             <a:rPr lang="en-US" sz="1800" b="0" i="1" smtClean="0">
@@ -5393,7 +8565,19 @@
                             <a:rPr lang="en-US" sz="1800" b="0" i="1" smtClean="0">
                               <a:latin typeface="Cambria Math" panose="02040503050406030204" pitchFamily="18" charset="0"/>
                             </a:rPr>
-                            <m:t>𝐶𝑙𝑎𝑠𝑠</m:t>
+                            <m:t>𝑛𝑜𝑛</m:t>
+                          </m:r>
+                          <m:r>
+                            <a:rPr lang="en-US" sz="1800" b="0" i="1" smtClean="0">
+                              <a:latin typeface="Cambria Math" panose="02040503050406030204" pitchFamily="18" charset="0"/>
+                            </a:rPr>
+                            <m:t> </m:t>
+                          </m:r>
+                          <m:r>
+                            <a:rPr lang="en-US" sz="1800" b="0" i="1" smtClean="0">
+                              <a:latin typeface="Cambria Math" panose="02040503050406030204" pitchFamily="18" charset="0"/>
+                            </a:rPr>
+                            <m:t>𝑐𝑙𝑎𝑠𝑠</m:t>
                           </m:r>
                           <m:r>
                             <a:rPr lang="en-US" sz="1800" b="0" i="1" smtClean="0">
@@ -5436,6 +8620,818 @@
                             <a:rPr lang="en-US" sz="1800" b="0" i="1" smtClean="0">
                               <a:latin typeface="Cambria Math" panose="02040503050406030204" pitchFamily="18" charset="0"/>
                             </a:rPr>
+                            <m:t>𝑑</m:t>
+                          </m:r>
+                          <m:r>
+                            <a:rPr lang="en-US" sz="1800" b="0" i="1" smtClean="0">
+                              <a:latin typeface="Cambria Math" panose="02040503050406030204" pitchFamily="18" charset="0"/>
+                            </a:rPr>
+                            <m:t>𝑎𝑡𝑎</m:t>
+                          </m:r>
+                          <m:r>
+                            <a:rPr lang="en-US" sz="1800" b="0" i="1" smtClean="0">
+                              <a:latin typeface="Cambria Math" panose="02040503050406030204" pitchFamily="18" charset="0"/>
+                            </a:rPr>
+                            <m:t> </m:t>
+                          </m:r>
+                          <m:r>
+                            <a:rPr lang="en-US" sz="1800" b="0" i="1" smtClean="0">
+                              <a:latin typeface="Cambria Math" panose="02040503050406030204" pitchFamily="18" charset="0"/>
+                            </a:rPr>
+                            <m:t>𝑝</m:t>
+                          </m:r>
+                          <m:r>
+                            <a:rPr lang="en-US" sz="1800" b="0" i="1" smtClean="0">
+                              <a:latin typeface="Cambria Math" panose="02040503050406030204" pitchFamily="18" charset="0"/>
+                            </a:rPr>
+                            <m:t>𝑜𝑖𝑛𝑡𝑠</m:t>
+                          </m:r>
+                        </m:den>
+                      </m:f>
+                    </m:oMath>
+                  </m:oMathPara>
+                </a14:m>
+                <a:endParaRPr lang="en-US" dirty="0"/>
+              </a:p>
+            </p:txBody>
+          </p:sp>
+        </mc:Choice>
+        <mc:Fallback>
+          <p:sp>
+            <p:nvSpPr>
+              <p:cNvPr id="7" name="TextBox 6">
+                <a:extLst>
+                  <a:ext uri="{FF2B5EF4-FFF2-40B4-BE49-F238E27FC236}">
+                    <a16:creationId xmlns:a16="http://schemas.microsoft.com/office/drawing/2014/main" id="{E644D50E-30AC-B0ED-E9EC-DE126F5DF01D}"/>
+                  </a:ext>
+                </a:extLst>
+              </p:cNvPr>
+              <p:cNvSpPr txBox="1">
+                <a:spLocks noRot="1" noChangeAspect="1" noMove="1" noResize="1" noEditPoints="1" noAdjustHandles="1" noChangeArrowheads="1" noChangeShapeType="1" noTextEdit="1"/>
+              </p:cNvSpPr>
+              <p:nvPr/>
+            </p:nvSpPr>
+            <p:spPr>
+              <a:xfrm>
+                <a:off x="2016154" y="1825625"/>
+                <a:ext cx="8159692" cy="665760"/>
+              </a:xfrm>
+              <a:prstGeom prst="rect">
+                <a:avLst/>
+              </a:prstGeom>
+              <a:blipFill>
+                <a:blip r:embed="rId2"/>
+                <a:stretch>
+                  <a:fillRect/>
+                </a:stretch>
+              </a:blipFill>
+            </p:spPr>
+            <p:txBody>
+              <a:bodyPr/>
+              <a:lstStyle/>
+              <a:p>
+                <a:r>
+                  <a:rPr lang="en-US">
+                    <a:noFill/>
+                  </a:rPr>
+                  <a:t> </a:t>
+                </a:r>
+              </a:p>
+            </p:txBody>
+          </p:sp>
+        </mc:Fallback>
+      </mc:AlternateContent>
+      <p:sp>
+        <p:nvSpPr>
+          <p:cNvPr id="6" name="Content Placeholder 2">
+            <a:extLst>
+              <a:ext uri="{FF2B5EF4-FFF2-40B4-BE49-F238E27FC236}">
+                <a16:creationId xmlns:a16="http://schemas.microsoft.com/office/drawing/2014/main" id="{233505AC-4E33-AF80-55DE-A7A465EBE4B6}"/>
+              </a:ext>
+            </a:extLst>
+          </p:cNvPr>
+          <p:cNvSpPr txBox="1">
+            <a:spLocks/>
+          </p:cNvSpPr>
+          <p:nvPr/>
+        </p:nvSpPr>
+        <p:spPr>
+          <a:xfrm>
+            <a:off x="838200" y="4225253"/>
+            <a:ext cx="4019026" cy="1959146"/>
+          </a:xfrm>
+          <a:prstGeom prst="rect">
+            <a:avLst/>
+          </a:prstGeom>
+        </p:spPr>
+        <p:style>
+          <a:lnRef idx="2">
+            <a:schemeClr val="accent5"/>
+          </a:lnRef>
+          <a:fillRef idx="1">
+            <a:schemeClr val="lt1"/>
+          </a:fillRef>
+          <a:effectRef idx="0">
+            <a:schemeClr val="accent5"/>
+          </a:effectRef>
+          <a:fontRef idx="minor">
+            <a:schemeClr val="dk1"/>
+          </a:fontRef>
+        </p:style>
+        <p:txBody>
+          <a:bodyPr vert="horz" lIns="91440" tIns="45720" rIns="91440" bIns="45720" rtlCol="0">
+            <a:normAutofit/>
+          </a:bodyPr>
+          <a:lstStyle>
+            <a:lvl1pPr marL="228600" indent="-228600" algn="l" defTabSz="914400" rtl="0" eaLnBrk="1" latinLnBrk="0" hangingPunct="1">
+              <a:lnSpc>
+                <a:spcPct val="90000"/>
+              </a:lnSpc>
+              <a:spcBef>
+                <a:spcPts val="1000"/>
+              </a:spcBef>
+              <a:buFont typeface="Arial" panose="020B0604020202020204" pitchFamily="34" charset="0"/>
+              <a:buChar char="•"/>
+              <a:defRPr sz="2800" kern="1200">
+                <a:solidFill>
+                  <a:schemeClr val="tx1"/>
+                </a:solidFill>
+                <a:latin typeface="+mn-lt"/>
+                <a:ea typeface="+mn-ea"/>
+                <a:cs typeface="+mn-cs"/>
+              </a:defRPr>
+            </a:lvl1pPr>
+            <a:lvl2pPr marL="685800" indent="-228600" algn="l" defTabSz="914400" rtl="0" eaLnBrk="1" latinLnBrk="0" hangingPunct="1">
+              <a:lnSpc>
+                <a:spcPct val="90000"/>
+              </a:lnSpc>
+              <a:spcBef>
+                <a:spcPts val="500"/>
+              </a:spcBef>
+              <a:buFont typeface="Arial" panose="020B0604020202020204" pitchFamily="34" charset="0"/>
+              <a:buChar char="•"/>
+              <a:defRPr sz="2400" kern="1200">
+                <a:solidFill>
+                  <a:schemeClr val="tx1"/>
+                </a:solidFill>
+                <a:latin typeface="+mn-lt"/>
+                <a:ea typeface="+mn-ea"/>
+                <a:cs typeface="+mn-cs"/>
+              </a:defRPr>
+            </a:lvl2pPr>
+            <a:lvl3pPr marL="1143000" indent="-228600" algn="l" defTabSz="914400" rtl="0" eaLnBrk="1" latinLnBrk="0" hangingPunct="1">
+              <a:lnSpc>
+                <a:spcPct val="90000"/>
+              </a:lnSpc>
+              <a:spcBef>
+                <a:spcPts val="500"/>
+              </a:spcBef>
+              <a:buFont typeface="Arial" panose="020B0604020202020204" pitchFamily="34" charset="0"/>
+              <a:buChar char="•"/>
+              <a:defRPr sz="2000" kern="1200">
+                <a:solidFill>
+                  <a:schemeClr val="tx1"/>
+                </a:solidFill>
+                <a:latin typeface="+mn-lt"/>
+                <a:ea typeface="+mn-ea"/>
+                <a:cs typeface="+mn-cs"/>
+              </a:defRPr>
+            </a:lvl3pPr>
+            <a:lvl4pPr marL="1600200" indent="-228600" algn="l" defTabSz="914400" rtl="0" eaLnBrk="1" latinLnBrk="0" hangingPunct="1">
+              <a:lnSpc>
+                <a:spcPct val="90000"/>
+              </a:lnSpc>
+              <a:spcBef>
+                <a:spcPts val="500"/>
+              </a:spcBef>
+              <a:buFont typeface="Arial" panose="020B0604020202020204" pitchFamily="34" charset="0"/>
+              <a:buChar char="•"/>
+              <a:defRPr sz="1800" kern="1200">
+                <a:solidFill>
+                  <a:schemeClr val="tx1"/>
+                </a:solidFill>
+                <a:latin typeface="+mn-lt"/>
+                <a:ea typeface="+mn-ea"/>
+                <a:cs typeface="+mn-cs"/>
+              </a:defRPr>
+            </a:lvl4pPr>
+            <a:lvl5pPr marL="2057400" indent="-228600" algn="l" defTabSz="914400" rtl="0" eaLnBrk="1" latinLnBrk="0" hangingPunct="1">
+              <a:lnSpc>
+                <a:spcPct val="90000"/>
+              </a:lnSpc>
+              <a:spcBef>
+                <a:spcPts val="500"/>
+              </a:spcBef>
+              <a:buFont typeface="Arial" panose="020B0604020202020204" pitchFamily="34" charset="0"/>
+              <a:buChar char="•"/>
+              <a:defRPr sz="1800" kern="1200">
+                <a:solidFill>
+                  <a:schemeClr val="tx1"/>
+                </a:solidFill>
+                <a:latin typeface="+mn-lt"/>
+                <a:ea typeface="+mn-ea"/>
+                <a:cs typeface="+mn-cs"/>
+              </a:defRPr>
+            </a:lvl5pPr>
+            <a:lvl6pPr marL="2514600" indent="-228600" algn="l" defTabSz="914400" rtl="0" eaLnBrk="1" latinLnBrk="0" hangingPunct="1">
+              <a:lnSpc>
+                <a:spcPct val="90000"/>
+              </a:lnSpc>
+              <a:spcBef>
+                <a:spcPts val="500"/>
+              </a:spcBef>
+              <a:buFont typeface="Arial" panose="020B0604020202020204" pitchFamily="34" charset="0"/>
+              <a:buChar char="•"/>
+              <a:defRPr sz="1800" kern="1200">
+                <a:solidFill>
+                  <a:schemeClr val="tx1"/>
+                </a:solidFill>
+                <a:latin typeface="+mn-lt"/>
+                <a:ea typeface="+mn-ea"/>
+                <a:cs typeface="+mn-cs"/>
+              </a:defRPr>
+            </a:lvl6pPr>
+            <a:lvl7pPr marL="2971800" indent="-228600" algn="l" defTabSz="914400" rtl="0" eaLnBrk="1" latinLnBrk="0" hangingPunct="1">
+              <a:lnSpc>
+                <a:spcPct val="90000"/>
+              </a:lnSpc>
+              <a:spcBef>
+                <a:spcPts val="500"/>
+              </a:spcBef>
+              <a:buFont typeface="Arial" panose="020B0604020202020204" pitchFamily="34" charset="0"/>
+              <a:buChar char="•"/>
+              <a:defRPr sz="1800" kern="1200">
+                <a:solidFill>
+                  <a:schemeClr val="tx1"/>
+                </a:solidFill>
+                <a:latin typeface="+mn-lt"/>
+                <a:ea typeface="+mn-ea"/>
+                <a:cs typeface="+mn-cs"/>
+              </a:defRPr>
+            </a:lvl7pPr>
+            <a:lvl8pPr marL="3429000" indent="-228600" algn="l" defTabSz="914400" rtl="0" eaLnBrk="1" latinLnBrk="0" hangingPunct="1">
+              <a:lnSpc>
+                <a:spcPct val="90000"/>
+              </a:lnSpc>
+              <a:spcBef>
+                <a:spcPts val="500"/>
+              </a:spcBef>
+              <a:buFont typeface="Arial" panose="020B0604020202020204" pitchFamily="34" charset="0"/>
+              <a:buChar char="•"/>
+              <a:defRPr sz="1800" kern="1200">
+                <a:solidFill>
+                  <a:schemeClr val="tx1"/>
+                </a:solidFill>
+                <a:latin typeface="+mn-lt"/>
+                <a:ea typeface="+mn-ea"/>
+                <a:cs typeface="+mn-cs"/>
+              </a:defRPr>
+            </a:lvl8pPr>
+            <a:lvl9pPr marL="3886200" indent="-228600" algn="l" defTabSz="914400" rtl="0" eaLnBrk="1" latinLnBrk="0" hangingPunct="1">
+              <a:lnSpc>
+                <a:spcPct val="90000"/>
+              </a:lnSpc>
+              <a:spcBef>
+                <a:spcPts val="500"/>
+              </a:spcBef>
+              <a:buFont typeface="Arial" panose="020B0604020202020204" pitchFamily="34" charset="0"/>
+              <a:buChar char="•"/>
+              <a:defRPr sz="1800" kern="1200">
+                <a:solidFill>
+                  <a:schemeClr val="tx1"/>
+                </a:solidFill>
+                <a:latin typeface="+mn-lt"/>
+                <a:ea typeface="+mn-ea"/>
+                <a:cs typeface="+mn-cs"/>
+              </a:defRPr>
+            </a:lvl9pPr>
+          </a:lstStyle>
+          <a:p>
+            <a:r>
+              <a:rPr lang="en-US" dirty="0"/>
+              <a:t>Ex: Balanced Data</a:t>
+            </a:r>
+          </a:p>
+        </p:txBody>
+      </p:sp>
+      <p:sp>
+        <p:nvSpPr>
+          <p:cNvPr id="8" name="Content Placeholder 2">
+            <a:extLst>
+              <a:ext uri="{FF2B5EF4-FFF2-40B4-BE49-F238E27FC236}">
+                <a16:creationId xmlns:a16="http://schemas.microsoft.com/office/drawing/2014/main" id="{842DDEAA-090D-4B29-C17E-35ADF1309507}"/>
+              </a:ext>
+            </a:extLst>
+          </p:cNvPr>
+          <p:cNvSpPr txBox="1">
+            <a:spLocks/>
+          </p:cNvSpPr>
+          <p:nvPr/>
+        </p:nvSpPr>
+        <p:spPr>
+          <a:xfrm>
+            <a:off x="7334776" y="4225253"/>
+            <a:ext cx="4019026" cy="1959146"/>
+          </a:xfrm>
+          <a:prstGeom prst="rect">
+            <a:avLst/>
+          </a:prstGeom>
+        </p:spPr>
+        <p:style>
+          <a:lnRef idx="2">
+            <a:schemeClr val="accent5"/>
+          </a:lnRef>
+          <a:fillRef idx="1">
+            <a:schemeClr val="lt1"/>
+          </a:fillRef>
+          <a:effectRef idx="0">
+            <a:schemeClr val="accent5"/>
+          </a:effectRef>
+          <a:fontRef idx="minor">
+            <a:schemeClr val="dk1"/>
+          </a:fontRef>
+        </p:style>
+        <p:txBody>
+          <a:bodyPr vert="horz" lIns="91440" tIns="45720" rIns="91440" bIns="45720" rtlCol="0">
+            <a:normAutofit/>
+          </a:bodyPr>
+          <a:lstStyle>
+            <a:lvl1pPr marL="228600" indent="-228600" algn="l" defTabSz="914400" rtl="0" eaLnBrk="1" latinLnBrk="0" hangingPunct="1">
+              <a:lnSpc>
+                <a:spcPct val="90000"/>
+              </a:lnSpc>
+              <a:spcBef>
+                <a:spcPts val="1000"/>
+              </a:spcBef>
+              <a:buFont typeface="Arial" panose="020B0604020202020204" pitchFamily="34" charset="0"/>
+              <a:buChar char="•"/>
+              <a:defRPr sz="2800" kern="1200">
+                <a:solidFill>
+                  <a:schemeClr val="tx1"/>
+                </a:solidFill>
+                <a:latin typeface="+mn-lt"/>
+                <a:ea typeface="+mn-ea"/>
+                <a:cs typeface="+mn-cs"/>
+              </a:defRPr>
+            </a:lvl1pPr>
+            <a:lvl2pPr marL="685800" indent="-228600" algn="l" defTabSz="914400" rtl="0" eaLnBrk="1" latinLnBrk="0" hangingPunct="1">
+              <a:lnSpc>
+                <a:spcPct val="90000"/>
+              </a:lnSpc>
+              <a:spcBef>
+                <a:spcPts val="500"/>
+              </a:spcBef>
+              <a:buFont typeface="Arial" panose="020B0604020202020204" pitchFamily="34" charset="0"/>
+              <a:buChar char="•"/>
+              <a:defRPr sz="2400" kern="1200">
+                <a:solidFill>
+                  <a:schemeClr val="tx1"/>
+                </a:solidFill>
+                <a:latin typeface="+mn-lt"/>
+                <a:ea typeface="+mn-ea"/>
+                <a:cs typeface="+mn-cs"/>
+              </a:defRPr>
+            </a:lvl2pPr>
+            <a:lvl3pPr marL="1143000" indent="-228600" algn="l" defTabSz="914400" rtl="0" eaLnBrk="1" latinLnBrk="0" hangingPunct="1">
+              <a:lnSpc>
+                <a:spcPct val="90000"/>
+              </a:lnSpc>
+              <a:spcBef>
+                <a:spcPts val="500"/>
+              </a:spcBef>
+              <a:buFont typeface="Arial" panose="020B0604020202020204" pitchFamily="34" charset="0"/>
+              <a:buChar char="•"/>
+              <a:defRPr sz="2000" kern="1200">
+                <a:solidFill>
+                  <a:schemeClr val="tx1"/>
+                </a:solidFill>
+                <a:latin typeface="+mn-lt"/>
+                <a:ea typeface="+mn-ea"/>
+                <a:cs typeface="+mn-cs"/>
+              </a:defRPr>
+            </a:lvl3pPr>
+            <a:lvl4pPr marL="1600200" indent="-228600" algn="l" defTabSz="914400" rtl="0" eaLnBrk="1" latinLnBrk="0" hangingPunct="1">
+              <a:lnSpc>
+                <a:spcPct val="90000"/>
+              </a:lnSpc>
+              <a:spcBef>
+                <a:spcPts val="500"/>
+              </a:spcBef>
+              <a:buFont typeface="Arial" panose="020B0604020202020204" pitchFamily="34" charset="0"/>
+              <a:buChar char="•"/>
+              <a:defRPr sz="1800" kern="1200">
+                <a:solidFill>
+                  <a:schemeClr val="tx1"/>
+                </a:solidFill>
+                <a:latin typeface="+mn-lt"/>
+                <a:ea typeface="+mn-ea"/>
+                <a:cs typeface="+mn-cs"/>
+              </a:defRPr>
+            </a:lvl4pPr>
+            <a:lvl5pPr marL="2057400" indent="-228600" algn="l" defTabSz="914400" rtl="0" eaLnBrk="1" latinLnBrk="0" hangingPunct="1">
+              <a:lnSpc>
+                <a:spcPct val="90000"/>
+              </a:lnSpc>
+              <a:spcBef>
+                <a:spcPts val="500"/>
+              </a:spcBef>
+              <a:buFont typeface="Arial" panose="020B0604020202020204" pitchFamily="34" charset="0"/>
+              <a:buChar char="•"/>
+              <a:defRPr sz="1800" kern="1200">
+                <a:solidFill>
+                  <a:schemeClr val="tx1"/>
+                </a:solidFill>
+                <a:latin typeface="+mn-lt"/>
+                <a:ea typeface="+mn-ea"/>
+                <a:cs typeface="+mn-cs"/>
+              </a:defRPr>
+            </a:lvl5pPr>
+            <a:lvl6pPr marL="2514600" indent="-228600" algn="l" defTabSz="914400" rtl="0" eaLnBrk="1" latinLnBrk="0" hangingPunct="1">
+              <a:lnSpc>
+                <a:spcPct val="90000"/>
+              </a:lnSpc>
+              <a:spcBef>
+                <a:spcPts val="500"/>
+              </a:spcBef>
+              <a:buFont typeface="Arial" panose="020B0604020202020204" pitchFamily="34" charset="0"/>
+              <a:buChar char="•"/>
+              <a:defRPr sz="1800" kern="1200">
+                <a:solidFill>
+                  <a:schemeClr val="tx1"/>
+                </a:solidFill>
+                <a:latin typeface="+mn-lt"/>
+                <a:ea typeface="+mn-ea"/>
+                <a:cs typeface="+mn-cs"/>
+              </a:defRPr>
+            </a:lvl6pPr>
+            <a:lvl7pPr marL="2971800" indent="-228600" algn="l" defTabSz="914400" rtl="0" eaLnBrk="1" latinLnBrk="0" hangingPunct="1">
+              <a:lnSpc>
+                <a:spcPct val="90000"/>
+              </a:lnSpc>
+              <a:spcBef>
+                <a:spcPts val="500"/>
+              </a:spcBef>
+              <a:buFont typeface="Arial" panose="020B0604020202020204" pitchFamily="34" charset="0"/>
+              <a:buChar char="•"/>
+              <a:defRPr sz="1800" kern="1200">
+                <a:solidFill>
+                  <a:schemeClr val="tx1"/>
+                </a:solidFill>
+                <a:latin typeface="+mn-lt"/>
+                <a:ea typeface="+mn-ea"/>
+                <a:cs typeface="+mn-cs"/>
+              </a:defRPr>
+            </a:lvl7pPr>
+            <a:lvl8pPr marL="3429000" indent="-228600" algn="l" defTabSz="914400" rtl="0" eaLnBrk="1" latinLnBrk="0" hangingPunct="1">
+              <a:lnSpc>
+                <a:spcPct val="90000"/>
+              </a:lnSpc>
+              <a:spcBef>
+                <a:spcPts val="500"/>
+              </a:spcBef>
+              <a:buFont typeface="Arial" panose="020B0604020202020204" pitchFamily="34" charset="0"/>
+              <a:buChar char="•"/>
+              <a:defRPr sz="1800" kern="1200">
+                <a:solidFill>
+                  <a:schemeClr val="tx1"/>
+                </a:solidFill>
+                <a:latin typeface="+mn-lt"/>
+                <a:ea typeface="+mn-ea"/>
+                <a:cs typeface="+mn-cs"/>
+              </a:defRPr>
+            </a:lvl8pPr>
+            <a:lvl9pPr marL="3886200" indent="-228600" algn="l" defTabSz="914400" rtl="0" eaLnBrk="1" latinLnBrk="0" hangingPunct="1">
+              <a:lnSpc>
+                <a:spcPct val="90000"/>
+              </a:lnSpc>
+              <a:spcBef>
+                <a:spcPts val="500"/>
+              </a:spcBef>
+              <a:buFont typeface="Arial" panose="020B0604020202020204" pitchFamily="34" charset="0"/>
+              <a:buChar char="•"/>
+              <a:defRPr sz="1800" kern="1200">
+                <a:solidFill>
+                  <a:schemeClr val="tx1"/>
+                </a:solidFill>
+                <a:latin typeface="+mn-lt"/>
+                <a:ea typeface="+mn-ea"/>
+                <a:cs typeface="+mn-cs"/>
+              </a:defRPr>
+            </a:lvl9pPr>
+          </a:lstStyle>
+          <a:p>
+            <a:r>
+              <a:rPr lang="en-US" dirty="0"/>
+              <a:t>Ex: Imbalanced Data</a:t>
+            </a:r>
+          </a:p>
+        </p:txBody>
+      </p:sp>
+    </p:spTree>
+    <p:extLst>
+      <p:ext uri="{BB962C8B-B14F-4D97-AF65-F5344CB8AC3E}">
+        <p14:creationId xmlns:p14="http://schemas.microsoft.com/office/powerpoint/2010/main" val="3273390317"/>
+      </p:ext>
+    </p:extLst>
+  </p:cSld>
+  <p:clrMapOvr>
+    <a:masterClrMapping/>
+  </p:clrMapOvr>
+</p:sld>
+</file>
+
+<file path=ppt/slides/slide7.xml><?xml version="1.0" encoding="utf-8"?>
+<p:sld xmlns:a="http://schemas.openxmlformats.org/drawingml/2006/main" xmlns:r="http://schemas.openxmlformats.org/officeDocument/2006/relationships" xmlns:p="http://schemas.openxmlformats.org/presentationml/2006/main">
+  <p:cSld>
+    <p:spTree>
+      <p:nvGrpSpPr>
+        <p:cNvPr id="1" name=""/>
+        <p:cNvGrpSpPr/>
+        <p:nvPr/>
+      </p:nvGrpSpPr>
+      <p:grpSpPr>
+        <a:xfrm>
+          <a:off x="0" y="0"/>
+          <a:ext cx="0" cy="0"/>
+          <a:chOff x="0" y="0"/>
+          <a:chExt cx="0" cy="0"/>
+        </a:xfrm>
+      </p:grpSpPr>
+      <p:sp>
+        <p:nvSpPr>
+          <p:cNvPr id="2" name="Title 1">
+            <a:extLst>
+              <a:ext uri="{FF2B5EF4-FFF2-40B4-BE49-F238E27FC236}">
+                <a16:creationId xmlns:a16="http://schemas.microsoft.com/office/drawing/2014/main" id="{3D125364-4385-6331-2E0E-02C1915293E0}"/>
+              </a:ext>
+            </a:extLst>
+          </p:cNvPr>
+          <p:cNvSpPr>
+            <a:spLocks noGrp="1"/>
+          </p:cNvSpPr>
+          <p:nvPr>
+            <p:ph type="title"/>
+          </p:nvPr>
+        </p:nvSpPr>
+        <p:spPr/>
+        <p:txBody>
+          <a:bodyPr/>
+          <a:lstStyle/>
+          <a:p>
+            <a:r>
+              <a:rPr lang="en-US" dirty="0"/>
+              <a:t>Understanding Success</a:t>
+            </a:r>
+          </a:p>
+        </p:txBody>
+      </p:sp>
+      <mc:AlternateContent xmlns:mc="http://schemas.openxmlformats.org/markup-compatibility/2006">
+        <mc:Choice xmlns:a14="http://schemas.microsoft.com/office/drawing/2010/main" Requires="a14">
+          <p:sp>
+            <p:nvSpPr>
+              <p:cNvPr id="9" name="TextBox 8">
+                <a:extLst>
+                  <a:ext uri="{FF2B5EF4-FFF2-40B4-BE49-F238E27FC236}">
+                    <a16:creationId xmlns:a16="http://schemas.microsoft.com/office/drawing/2014/main" id="{B29ABD4C-3B77-B5C9-0DC5-B371E4EC40B2}"/>
+                  </a:ext>
+                </a:extLst>
+              </p:cNvPr>
+              <p:cNvSpPr txBox="1"/>
+              <p:nvPr/>
+            </p:nvSpPr>
+            <p:spPr>
+              <a:xfrm>
+                <a:off x="2233219" y="1825625"/>
+                <a:ext cx="7725562" cy="665760"/>
+              </a:xfrm>
+              <a:prstGeom prst="rect">
+                <a:avLst/>
+              </a:prstGeom>
+              <a:noFill/>
+            </p:spPr>
+            <p:txBody>
+              <a:bodyPr wrap="square">
+                <a:spAutoFit/>
+              </a:bodyPr>
+              <a:lstStyle/>
+              <a:p>
+                <a:pPr/>
+                <a14:m>
+                  <m:oMathPara xmlns:m="http://schemas.openxmlformats.org/officeDocument/2006/math">
+                    <m:oMathParaPr>
+                      <m:jc m:val="center"/>
+                    </m:oMathParaPr>
+                    <m:oMath xmlns:m="http://schemas.openxmlformats.org/officeDocument/2006/math">
+                      <m:r>
+                        <a:rPr lang="en-US" sz="1800" b="0" i="1" smtClean="0">
+                          <a:latin typeface="Cambria Math" panose="02040503050406030204" pitchFamily="18" charset="0"/>
+                        </a:rPr>
+                        <m:t>𝑃𝑟𝑒𝑐𝑖𝑠𝑖𝑜𝑛</m:t>
+                      </m:r>
+                      <m:r>
+                        <a:rPr lang="en-US" sz="1800" b="0" i="1" smtClean="0">
+                          <a:latin typeface="Cambria Math" panose="02040503050406030204" pitchFamily="18" charset="0"/>
+                        </a:rPr>
+                        <m:t> </m:t>
+                      </m:r>
+                      <m:r>
+                        <a:rPr lang="en-US" sz="1800" b="0" i="1" smtClean="0">
+                          <a:latin typeface="Cambria Math" panose="02040503050406030204" pitchFamily="18" charset="0"/>
+                        </a:rPr>
+                        <m:t>𝑓𝑜𝑟</m:t>
+                      </m:r>
+                      <m:r>
+                        <a:rPr lang="en-US" sz="1800" b="0" i="1" smtClean="0">
+                          <a:latin typeface="Cambria Math" panose="02040503050406030204" pitchFamily="18" charset="0"/>
+                        </a:rPr>
+                        <m:t> </m:t>
+                      </m:r>
+                      <m:sSub>
+                        <m:sSubPr>
+                          <m:ctrlPr>
+                            <a:rPr lang="en-US" sz="1800" b="0" i="1" smtClean="0">
+                              <a:latin typeface="Cambria Math" panose="02040503050406030204" pitchFamily="18" charset="0"/>
+                            </a:rPr>
+                          </m:ctrlPr>
+                        </m:sSubPr>
+                        <m:e>
+                          <m:r>
+                            <a:rPr lang="en-US" sz="1800" b="0" i="1" smtClean="0">
+                              <a:latin typeface="Cambria Math" panose="02040503050406030204" pitchFamily="18" charset="0"/>
+                            </a:rPr>
+                            <m:t>𝐶</m:t>
+                          </m:r>
+                        </m:e>
+                        <m:sub>
+                          <m:r>
+                            <a:rPr lang="en-US" sz="1800" b="0" i="1" smtClean="0">
+                              <a:latin typeface="Cambria Math" panose="02040503050406030204" pitchFamily="18" charset="0"/>
+                            </a:rPr>
+                            <m:t>𝑖</m:t>
+                          </m:r>
+                        </m:sub>
+                      </m:sSub>
+                      <m:r>
+                        <a:rPr lang="en-US" sz="1800" b="0" i="1" smtClean="0">
+                          <a:latin typeface="Cambria Math" panose="02040503050406030204" pitchFamily="18" charset="0"/>
+                        </a:rPr>
+                        <m:t>=</m:t>
+                      </m:r>
+                      <m:f>
+                        <m:fPr>
+                          <m:ctrlPr>
+                            <a:rPr lang="en-US" sz="1800" b="0" i="1" smtClean="0">
+                              <a:latin typeface="Cambria Math" panose="02040503050406030204" pitchFamily="18" charset="0"/>
+                            </a:rPr>
+                          </m:ctrlPr>
+                        </m:fPr>
+                        <m:num>
+                          <m:r>
+                            <a:rPr lang="en-US" sz="1800" b="0" i="1" smtClean="0">
+                              <a:latin typeface="Cambria Math" panose="02040503050406030204" pitchFamily="18" charset="0"/>
+                            </a:rPr>
+                            <m:t># </m:t>
+                          </m:r>
+                          <m:r>
+                            <a:rPr lang="en-US" sz="1800" b="0" i="1" smtClean="0">
+                              <a:latin typeface="Cambria Math" panose="02040503050406030204" pitchFamily="18" charset="0"/>
+                            </a:rPr>
+                            <m:t>𝐶𝑜𝑟𝑟𝑒𝑐𝑡</m:t>
+                          </m:r>
+                          <m:r>
+                            <a:rPr lang="en-US" sz="1800" b="0" i="1" smtClean="0">
+                              <a:latin typeface="Cambria Math" panose="02040503050406030204" pitchFamily="18" charset="0"/>
+                            </a:rPr>
+                            <m:t> </m:t>
+                          </m:r>
+                          <m:r>
+                            <a:rPr lang="en-US" sz="1800" b="0" i="1" smtClean="0">
+                              <a:latin typeface="Cambria Math" panose="02040503050406030204" pitchFamily="18" charset="0"/>
+                            </a:rPr>
+                            <m:t>𝐶𝑙𝑎𝑠𝑠</m:t>
+                          </m:r>
+                          <m:r>
+                            <a:rPr lang="en-US" sz="1800" b="0" i="1" smtClean="0">
+                              <a:latin typeface="Cambria Math" panose="02040503050406030204" pitchFamily="18" charset="0"/>
+                            </a:rPr>
+                            <m:t> </m:t>
+                          </m:r>
+                          <m:r>
+                            <a:rPr lang="en-US" sz="1800" b="0" i="1" smtClean="0">
+                              <a:latin typeface="Cambria Math" panose="02040503050406030204" pitchFamily="18" charset="0"/>
+                            </a:rPr>
+                            <m:t>𝑃𝑟𝑒𝑑𝑖𝑐𝑡𝑖𝑜𝑛𝑠</m:t>
+                          </m:r>
+                          <m:r>
+                            <a:rPr lang="en-US" sz="1800" b="0" i="1" smtClean="0">
+                              <a:latin typeface="Cambria Math" panose="02040503050406030204" pitchFamily="18" charset="0"/>
+                            </a:rPr>
+                            <m:t> </m:t>
+                          </m:r>
+                          <m:r>
+                            <a:rPr lang="en-US" sz="1800" b="0" i="1" smtClean="0">
+                              <a:latin typeface="Cambria Math" panose="02040503050406030204" pitchFamily="18" charset="0"/>
+                            </a:rPr>
+                            <m:t>𝑓𝑜𝑟</m:t>
+                          </m:r>
+                          <m:r>
+                            <a:rPr lang="en-US" sz="1800" b="0" i="1" smtClean="0">
+                              <a:latin typeface="Cambria Math" panose="02040503050406030204" pitchFamily="18" charset="0"/>
+                            </a:rPr>
+                            <m:t> </m:t>
+                          </m:r>
+                          <m:r>
+                            <a:rPr lang="en-US" sz="1800" b="0" i="1" smtClean="0">
+                              <a:latin typeface="Cambria Math" panose="02040503050406030204" pitchFamily="18" charset="0"/>
+                            </a:rPr>
+                            <m:t>𝐶𝑙𝑎𝑠𝑠</m:t>
+                          </m:r>
+                          <m:r>
+                            <a:rPr lang="en-US" sz="1800" b="0" i="1" smtClean="0">
+                              <a:latin typeface="Cambria Math" panose="02040503050406030204" pitchFamily="18" charset="0"/>
+                            </a:rPr>
+                            <m:t> </m:t>
+                          </m:r>
+                          <m:sSub>
+                            <m:sSubPr>
+                              <m:ctrlPr>
+                                <a:rPr lang="en-US" sz="1800" b="0" i="1" smtClean="0">
+                                  <a:latin typeface="Cambria Math" panose="02040503050406030204" pitchFamily="18" charset="0"/>
+                                </a:rPr>
+                              </m:ctrlPr>
+                            </m:sSubPr>
+                            <m:e>
+                              <m:r>
+                                <a:rPr lang="en-US" sz="1800" b="0" i="1" smtClean="0">
+                                  <a:latin typeface="Cambria Math" panose="02040503050406030204" pitchFamily="18" charset="0"/>
+                                </a:rPr>
+                                <m:t>𝐶</m:t>
+                              </m:r>
+                            </m:e>
+                            <m:sub>
+                              <m:r>
+                                <a:rPr lang="en-US" sz="1800" b="0" i="1" smtClean="0">
+                                  <a:latin typeface="Cambria Math" panose="02040503050406030204" pitchFamily="18" charset="0"/>
+                                </a:rPr>
+                                <m:t>𝑖</m:t>
+                              </m:r>
+                            </m:sub>
+                          </m:sSub>
+                        </m:num>
+                        <m:den>
+                          <m:r>
+                            <a:rPr lang="en-US" sz="1800" b="0" i="1" smtClean="0">
+                              <a:latin typeface="Cambria Math" panose="02040503050406030204" pitchFamily="18" charset="0"/>
+                            </a:rPr>
+                            <m:t># </m:t>
+                          </m:r>
+                          <m:r>
+                            <a:rPr lang="en-US" sz="1800" b="0" i="1" smtClean="0">
+                              <a:latin typeface="Cambria Math" panose="02040503050406030204" pitchFamily="18" charset="0"/>
+                            </a:rPr>
+                            <m:t>𝐶𝑙𝑎𝑠𝑠</m:t>
+                          </m:r>
+                          <m:r>
+                            <a:rPr lang="en-US" sz="1800" b="0" i="1" smtClean="0">
+                              <a:latin typeface="Cambria Math" panose="02040503050406030204" pitchFamily="18" charset="0"/>
+                            </a:rPr>
+                            <m:t> </m:t>
+                          </m:r>
+                          <m:sSub>
+                            <m:sSubPr>
+                              <m:ctrlPr>
+                                <a:rPr lang="en-US" sz="1800" b="0" i="1" smtClean="0">
+                                  <a:latin typeface="Cambria Math" panose="02040503050406030204" pitchFamily="18" charset="0"/>
+                                </a:rPr>
+                              </m:ctrlPr>
+                            </m:sSubPr>
+                            <m:e>
+                              <m:r>
+                                <a:rPr lang="en-US" sz="1800" b="0" i="1" smtClean="0">
+                                  <a:latin typeface="Cambria Math" panose="02040503050406030204" pitchFamily="18" charset="0"/>
+                                </a:rPr>
+                                <m:t>𝐶</m:t>
+                              </m:r>
+                            </m:e>
+                            <m:sub>
+                              <m:r>
+                                <a:rPr lang="en-US" sz="1800" b="0" i="1" smtClean="0">
+                                  <a:latin typeface="Cambria Math" panose="02040503050406030204" pitchFamily="18" charset="0"/>
+                                </a:rPr>
+                                <m:t>𝑖</m:t>
+                              </m:r>
+                            </m:sub>
+                          </m:sSub>
+                          <m:r>
+                            <a:rPr lang="en-US" sz="1800" b="0" i="1" smtClean="0">
+                              <a:latin typeface="Cambria Math" panose="02040503050406030204" pitchFamily="18" charset="0"/>
+                            </a:rPr>
+                            <m:t> </m:t>
+                          </m:r>
+                          <m:r>
+                            <a:rPr lang="en-US" sz="1800" b="0" i="1" smtClean="0">
+                              <a:latin typeface="Cambria Math" panose="02040503050406030204" pitchFamily="18" charset="0"/>
+                            </a:rPr>
                             <m:t>𝑃𝑟𝑒𝑑𝑖𝑐𝑡𝑖𝑜𝑛𝑠</m:t>
                           </m:r>
                         </m:den>
@@ -5465,14 +9461,14 @@
             </p:nvSpPr>
             <p:spPr>
               <a:xfrm>
-                <a:off x="2036427" y="5401027"/>
+                <a:off x="2233219" y="1825625"/>
                 <a:ext cx="7725562" cy="665760"/>
               </a:xfrm>
               <a:prstGeom prst="rect">
                 <a:avLst/>
               </a:prstGeom>
               <a:blipFill>
-                <a:blip r:embed="rId4"/>
+                <a:blip r:embed="rId2"/>
                 <a:stretch>
                   <a:fillRect/>
                 </a:stretch>
@@ -5493,10 +9489,436 @@
           </p:sp>
         </mc:Fallback>
       </mc:AlternateContent>
+      <p:sp>
+        <p:nvSpPr>
+          <p:cNvPr id="4" name="Content Placeholder 2">
+            <a:extLst>
+              <a:ext uri="{FF2B5EF4-FFF2-40B4-BE49-F238E27FC236}">
+                <a16:creationId xmlns:a16="http://schemas.microsoft.com/office/drawing/2014/main" id="{481A5329-54CD-C0DB-4845-5149572E47C3}"/>
+              </a:ext>
+            </a:extLst>
+          </p:cNvPr>
+          <p:cNvSpPr txBox="1">
+            <a:spLocks/>
+          </p:cNvSpPr>
+          <p:nvPr/>
+        </p:nvSpPr>
+        <p:spPr>
+          <a:xfrm>
+            <a:off x="838200" y="4225253"/>
+            <a:ext cx="4019026" cy="1959146"/>
+          </a:xfrm>
+          <a:prstGeom prst="rect">
+            <a:avLst/>
+          </a:prstGeom>
+        </p:spPr>
+        <p:style>
+          <a:lnRef idx="2">
+            <a:schemeClr val="accent5"/>
+          </a:lnRef>
+          <a:fillRef idx="1">
+            <a:schemeClr val="lt1"/>
+          </a:fillRef>
+          <a:effectRef idx="0">
+            <a:schemeClr val="accent5"/>
+          </a:effectRef>
+          <a:fontRef idx="minor">
+            <a:schemeClr val="dk1"/>
+          </a:fontRef>
+        </p:style>
+        <p:txBody>
+          <a:bodyPr vert="horz" lIns="91440" tIns="45720" rIns="91440" bIns="45720" rtlCol="0">
+            <a:normAutofit/>
+          </a:bodyPr>
+          <a:lstStyle>
+            <a:lvl1pPr marL="228600" indent="-228600" algn="l" defTabSz="914400" rtl="0" eaLnBrk="1" latinLnBrk="0" hangingPunct="1">
+              <a:lnSpc>
+                <a:spcPct val="90000"/>
+              </a:lnSpc>
+              <a:spcBef>
+                <a:spcPts val="1000"/>
+              </a:spcBef>
+              <a:buFont typeface="Arial" panose="020B0604020202020204" pitchFamily="34" charset="0"/>
+              <a:buChar char="•"/>
+              <a:defRPr sz="2800" kern="1200">
+                <a:solidFill>
+                  <a:schemeClr val="tx1"/>
+                </a:solidFill>
+                <a:latin typeface="+mn-lt"/>
+                <a:ea typeface="+mn-ea"/>
+                <a:cs typeface="+mn-cs"/>
+              </a:defRPr>
+            </a:lvl1pPr>
+            <a:lvl2pPr marL="685800" indent="-228600" algn="l" defTabSz="914400" rtl="0" eaLnBrk="1" latinLnBrk="0" hangingPunct="1">
+              <a:lnSpc>
+                <a:spcPct val="90000"/>
+              </a:lnSpc>
+              <a:spcBef>
+                <a:spcPts val="500"/>
+              </a:spcBef>
+              <a:buFont typeface="Arial" panose="020B0604020202020204" pitchFamily="34" charset="0"/>
+              <a:buChar char="•"/>
+              <a:defRPr sz="2400" kern="1200">
+                <a:solidFill>
+                  <a:schemeClr val="tx1"/>
+                </a:solidFill>
+                <a:latin typeface="+mn-lt"/>
+                <a:ea typeface="+mn-ea"/>
+                <a:cs typeface="+mn-cs"/>
+              </a:defRPr>
+            </a:lvl2pPr>
+            <a:lvl3pPr marL="1143000" indent="-228600" algn="l" defTabSz="914400" rtl="0" eaLnBrk="1" latinLnBrk="0" hangingPunct="1">
+              <a:lnSpc>
+                <a:spcPct val="90000"/>
+              </a:lnSpc>
+              <a:spcBef>
+                <a:spcPts val="500"/>
+              </a:spcBef>
+              <a:buFont typeface="Arial" panose="020B0604020202020204" pitchFamily="34" charset="0"/>
+              <a:buChar char="•"/>
+              <a:defRPr sz="2000" kern="1200">
+                <a:solidFill>
+                  <a:schemeClr val="tx1"/>
+                </a:solidFill>
+                <a:latin typeface="+mn-lt"/>
+                <a:ea typeface="+mn-ea"/>
+                <a:cs typeface="+mn-cs"/>
+              </a:defRPr>
+            </a:lvl3pPr>
+            <a:lvl4pPr marL="1600200" indent="-228600" algn="l" defTabSz="914400" rtl="0" eaLnBrk="1" latinLnBrk="0" hangingPunct="1">
+              <a:lnSpc>
+                <a:spcPct val="90000"/>
+              </a:lnSpc>
+              <a:spcBef>
+                <a:spcPts val="500"/>
+              </a:spcBef>
+              <a:buFont typeface="Arial" panose="020B0604020202020204" pitchFamily="34" charset="0"/>
+              <a:buChar char="•"/>
+              <a:defRPr sz="1800" kern="1200">
+                <a:solidFill>
+                  <a:schemeClr val="tx1"/>
+                </a:solidFill>
+                <a:latin typeface="+mn-lt"/>
+                <a:ea typeface="+mn-ea"/>
+                <a:cs typeface="+mn-cs"/>
+              </a:defRPr>
+            </a:lvl4pPr>
+            <a:lvl5pPr marL="2057400" indent="-228600" algn="l" defTabSz="914400" rtl="0" eaLnBrk="1" latinLnBrk="0" hangingPunct="1">
+              <a:lnSpc>
+                <a:spcPct val="90000"/>
+              </a:lnSpc>
+              <a:spcBef>
+                <a:spcPts val="500"/>
+              </a:spcBef>
+              <a:buFont typeface="Arial" panose="020B0604020202020204" pitchFamily="34" charset="0"/>
+              <a:buChar char="•"/>
+              <a:defRPr sz="1800" kern="1200">
+                <a:solidFill>
+                  <a:schemeClr val="tx1"/>
+                </a:solidFill>
+                <a:latin typeface="+mn-lt"/>
+                <a:ea typeface="+mn-ea"/>
+                <a:cs typeface="+mn-cs"/>
+              </a:defRPr>
+            </a:lvl5pPr>
+            <a:lvl6pPr marL="2514600" indent="-228600" algn="l" defTabSz="914400" rtl="0" eaLnBrk="1" latinLnBrk="0" hangingPunct="1">
+              <a:lnSpc>
+                <a:spcPct val="90000"/>
+              </a:lnSpc>
+              <a:spcBef>
+                <a:spcPts val="500"/>
+              </a:spcBef>
+              <a:buFont typeface="Arial" panose="020B0604020202020204" pitchFamily="34" charset="0"/>
+              <a:buChar char="•"/>
+              <a:defRPr sz="1800" kern="1200">
+                <a:solidFill>
+                  <a:schemeClr val="tx1"/>
+                </a:solidFill>
+                <a:latin typeface="+mn-lt"/>
+                <a:ea typeface="+mn-ea"/>
+                <a:cs typeface="+mn-cs"/>
+              </a:defRPr>
+            </a:lvl6pPr>
+            <a:lvl7pPr marL="2971800" indent="-228600" algn="l" defTabSz="914400" rtl="0" eaLnBrk="1" latinLnBrk="0" hangingPunct="1">
+              <a:lnSpc>
+                <a:spcPct val="90000"/>
+              </a:lnSpc>
+              <a:spcBef>
+                <a:spcPts val="500"/>
+              </a:spcBef>
+              <a:buFont typeface="Arial" panose="020B0604020202020204" pitchFamily="34" charset="0"/>
+              <a:buChar char="•"/>
+              <a:defRPr sz="1800" kern="1200">
+                <a:solidFill>
+                  <a:schemeClr val="tx1"/>
+                </a:solidFill>
+                <a:latin typeface="+mn-lt"/>
+                <a:ea typeface="+mn-ea"/>
+                <a:cs typeface="+mn-cs"/>
+              </a:defRPr>
+            </a:lvl7pPr>
+            <a:lvl8pPr marL="3429000" indent="-228600" algn="l" defTabSz="914400" rtl="0" eaLnBrk="1" latinLnBrk="0" hangingPunct="1">
+              <a:lnSpc>
+                <a:spcPct val="90000"/>
+              </a:lnSpc>
+              <a:spcBef>
+                <a:spcPts val="500"/>
+              </a:spcBef>
+              <a:buFont typeface="Arial" panose="020B0604020202020204" pitchFamily="34" charset="0"/>
+              <a:buChar char="•"/>
+              <a:defRPr sz="1800" kern="1200">
+                <a:solidFill>
+                  <a:schemeClr val="tx1"/>
+                </a:solidFill>
+                <a:latin typeface="+mn-lt"/>
+                <a:ea typeface="+mn-ea"/>
+                <a:cs typeface="+mn-cs"/>
+              </a:defRPr>
+            </a:lvl8pPr>
+            <a:lvl9pPr marL="3886200" indent="-228600" algn="l" defTabSz="914400" rtl="0" eaLnBrk="1" latinLnBrk="0" hangingPunct="1">
+              <a:lnSpc>
+                <a:spcPct val="90000"/>
+              </a:lnSpc>
+              <a:spcBef>
+                <a:spcPts val="500"/>
+              </a:spcBef>
+              <a:buFont typeface="Arial" panose="020B0604020202020204" pitchFamily="34" charset="0"/>
+              <a:buChar char="•"/>
+              <a:defRPr sz="1800" kern="1200">
+                <a:solidFill>
+                  <a:schemeClr val="tx1"/>
+                </a:solidFill>
+                <a:latin typeface="+mn-lt"/>
+                <a:ea typeface="+mn-ea"/>
+                <a:cs typeface="+mn-cs"/>
+              </a:defRPr>
+            </a:lvl9pPr>
+          </a:lstStyle>
+          <a:p>
+            <a:r>
+              <a:rPr lang="en-US" dirty="0"/>
+              <a:t>Ex: Balanced Data</a:t>
+            </a:r>
+          </a:p>
+        </p:txBody>
+      </p:sp>
+      <p:sp>
+        <p:nvSpPr>
+          <p:cNvPr id="6" name="Content Placeholder 2">
+            <a:extLst>
+              <a:ext uri="{FF2B5EF4-FFF2-40B4-BE49-F238E27FC236}">
+                <a16:creationId xmlns:a16="http://schemas.microsoft.com/office/drawing/2014/main" id="{DFB373DA-FF69-1F71-C69D-0A42C80B80CE}"/>
+              </a:ext>
+            </a:extLst>
+          </p:cNvPr>
+          <p:cNvSpPr txBox="1">
+            <a:spLocks/>
+          </p:cNvSpPr>
+          <p:nvPr/>
+        </p:nvSpPr>
+        <p:spPr>
+          <a:xfrm>
+            <a:off x="7334776" y="4225253"/>
+            <a:ext cx="4019026" cy="1959146"/>
+          </a:xfrm>
+          <a:prstGeom prst="rect">
+            <a:avLst/>
+          </a:prstGeom>
+        </p:spPr>
+        <p:style>
+          <a:lnRef idx="2">
+            <a:schemeClr val="accent5"/>
+          </a:lnRef>
+          <a:fillRef idx="1">
+            <a:schemeClr val="lt1"/>
+          </a:fillRef>
+          <a:effectRef idx="0">
+            <a:schemeClr val="accent5"/>
+          </a:effectRef>
+          <a:fontRef idx="minor">
+            <a:schemeClr val="dk1"/>
+          </a:fontRef>
+        </p:style>
+        <p:txBody>
+          <a:bodyPr vert="horz" lIns="91440" tIns="45720" rIns="91440" bIns="45720" rtlCol="0">
+            <a:normAutofit/>
+          </a:bodyPr>
+          <a:lstStyle>
+            <a:lvl1pPr marL="228600" indent="-228600" algn="l" defTabSz="914400" rtl="0" eaLnBrk="1" latinLnBrk="0" hangingPunct="1">
+              <a:lnSpc>
+                <a:spcPct val="90000"/>
+              </a:lnSpc>
+              <a:spcBef>
+                <a:spcPts val="1000"/>
+              </a:spcBef>
+              <a:buFont typeface="Arial" panose="020B0604020202020204" pitchFamily="34" charset="0"/>
+              <a:buChar char="•"/>
+              <a:defRPr sz="2800" kern="1200">
+                <a:solidFill>
+                  <a:schemeClr val="tx1"/>
+                </a:solidFill>
+                <a:latin typeface="+mn-lt"/>
+                <a:ea typeface="+mn-ea"/>
+                <a:cs typeface="+mn-cs"/>
+              </a:defRPr>
+            </a:lvl1pPr>
+            <a:lvl2pPr marL="685800" indent="-228600" algn="l" defTabSz="914400" rtl="0" eaLnBrk="1" latinLnBrk="0" hangingPunct="1">
+              <a:lnSpc>
+                <a:spcPct val="90000"/>
+              </a:lnSpc>
+              <a:spcBef>
+                <a:spcPts val="500"/>
+              </a:spcBef>
+              <a:buFont typeface="Arial" panose="020B0604020202020204" pitchFamily="34" charset="0"/>
+              <a:buChar char="•"/>
+              <a:defRPr sz="2400" kern="1200">
+                <a:solidFill>
+                  <a:schemeClr val="tx1"/>
+                </a:solidFill>
+                <a:latin typeface="+mn-lt"/>
+                <a:ea typeface="+mn-ea"/>
+                <a:cs typeface="+mn-cs"/>
+              </a:defRPr>
+            </a:lvl2pPr>
+            <a:lvl3pPr marL="1143000" indent="-228600" algn="l" defTabSz="914400" rtl="0" eaLnBrk="1" latinLnBrk="0" hangingPunct="1">
+              <a:lnSpc>
+                <a:spcPct val="90000"/>
+              </a:lnSpc>
+              <a:spcBef>
+                <a:spcPts val="500"/>
+              </a:spcBef>
+              <a:buFont typeface="Arial" panose="020B0604020202020204" pitchFamily="34" charset="0"/>
+              <a:buChar char="•"/>
+              <a:defRPr sz="2000" kern="1200">
+                <a:solidFill>
+                  <a:schemeClr val="tx1"/>
+                </a:solidFill>
+                <a:latin typeface="+mn-lt"/>
+                <a:ea typeface="+mn-ea"/>
+                <a:cs typeface="+mn-cs"/>
+              </a:defRPr>
+            </a:lvl3pPr>
+            <a:lvl4pPr marL="1600200" indent="-228600" algn="l" defTabSz="914400" rtl="0" eaLnBrk="1" latinLnBrk="0" hangingPunct="1">
+              <a:lnSpc>
+                <a:spcPct val="90000"/>
+              </a:lnSpc>
+              <a:spcBef>
+                <a:spcPts val="500"/>
+              </a:spcBef>
+              <a:buFont typeface="Arial" panose="020B0604020202020204" pitchFamily="34" charset="0"/>
+              <a:buChar char="•"/>
+              <a:defRPr sz="1800" kern="1200">
+                <a:solidFill>
+                  <a:schemeClr val="tx1"/>
+                </a:solidFill>
+                <a:latin typeface="+mn-lt"/>
+                <a:ea typeface="+mn-ea"/>
+                <a:cs typeface="+mn-cs"/>
+              </a:defRPr>
+            </a:lvl4pPr>
+            <a:lvl5pPr marL="2057400" indent="-228600" algn="l" defTabSz="914400" rtl="0" eaLnBrk="1" latinLnBrk="0" hangingPunct="1">
+              <a:lnSpc>
+                <a:spcPct val="90000"/>
+              </a:lnSpc>
+              <a:spcBef>
+                <a:spcPts val="500"/>
+              </a:spcBef>
+              <a:buFont typeface="Arial" panose="020B0604020202020204" pitchFamily="34" charset="0"/>
+              <a:buChar char="•"/>
+              <a:defRPr sz="1800" kern="1200">
+                <a:solidFill>
+                  <a:schemeClr val="tx1"/>
+                </a:solidFill>
+                <a:latin typeface="+mn-lt"/>
+                <a:ea typeface="+mn-ea"/>
+                <a:cs typeface="+mn-cs"/>
+              </a:defRPr>
+            </a:lvl5pPr>
+            <a:lvl6pPr marL="2514600" indent="-228600" algn="l" defTabSz="914400" rtl="0" eaLnBrk="1" latinLnBrk="0" hangingPunct="1">
+              <a:lnSpc>
+                <a:spcPct val="90000"/>
+              </a:lnSpc>
+              <a:spcBef>
+                <a:spcPts val="500"/>
+              </a:spcBef>
+              <a:buFont typeface="Arial" panose="020B0604020202020204" pitchFamily="34" charset="0"/>
+              <a:buChar char="•"/>
+              <a:defRPr sz="1800" kern="1200">
+                <a:solidFill>
+                  <a:schemeClr val="tx1"/>
+                </a:solidFill>
+                <a:latin typeface="+mn-lt"/>
+                <a:ea typeface="+mn-ea"/>
+                <a:cs typeface="+mn-cs"/>
+              </a:defRPr>
+            </a:lvl6pPr>
+            <a:lvl7pPr marL="2971800" indent="-228600" algn="l" defTabSz="914400" rtl="0" eaLnBrk="1" latinLnBrk="0" hangingPunct="1">
+              <a:lnSpc>
+                <a:spcPct val="90000"/>
+              </a:lnSpc>
+              <a:spcBef>
+                <a:spcPts val="500"/>
+              </a:spcBef>
+              <a:buFont typeface="Arial" panose="020B0604020202020204" pitchFamily="34" charset="0"/>
+              <a:buChar char="•"/>
+              <a:defRPr sz="1800" kern="1200">
+                <a:solidFill>
+                  <a:schemeClr val="tx1"/>
+                </a:solidFill>
+                <a:latin typeface="+mn-lt"/>
+                <a:ea typeface="+mn-ea"/>
+                <a:cs typeface="+mn-cs"/>
+              </a:defRPr>
+            </a:lvl7pPr>
+            <a:lvl8pPr marL="3429000" indent="-228600" algn="l" defTabSz="914400" rtl="0" eaLnBrk="1" latinLnBrk="0" hangingPunct="1">
+              <a:lnSpc>
+                <a:spcPct val="90000"/>
+              </a:lnSpc>
+              <a:spcBef>
+                <a:spcPts val="500"/>
+              </a:spcBef>
+              <a:buFont typeface="Arial" panose="020B0604020202020204" pitchFamily="34" charset="0"/>
+              <a:buChar char="•"/>
+              <a:defRPr sz="1800" kern="1200">
+                <a:solidFill>
+                  <a:schemeClr val="tx1"/>
+                </a:solidFill>
+                <a:latin typeface="+mn-lt"/>
+                <a:ea typeface="+mn-ea"/>
+                <a:cs typeface="+mn-cs"/>
+              </a:defRPr>
+            </a:lvl8pPr>
+            <a:lvl9pPr marL="3886200" indent="-228600" algn="l" defTabSz="914400" rtl="0" eaLnBrk="1" latinLnBrk="0" hangingPunct="1">
+              <a:lnSpc>
+                <a:spcPct val="90000"/>
+              </a:lnSpc>
+              <a:spcBef>
+                <a:spcPts val="500"/>
+              </a:spcBef>
+              <a:buFont typeface="Arial" panose="020B0604020202020204" pitchFamily="34" charset="0"/>
+              <a:buChar char="•"/>
+              <a:defRPr sz="1800" kern="1200">
+                <a:solidFill>
+                  <a:schemeClr val="tx1"/>
+                </a:solidFill>
+                <a:latin typeface="+mn-lt"/>
+                <a:ea typeface="+mn-ea"/>
+                <a:cs typeface="+mn-cs"/>
+              </a:defRPr>
+            </a:lvl9pPr>
+          </a:lstStyle>
+          <a:p>
+            <a:r>
+              <a:rPr lang="en-US" dirty="0"/>
+              <a:t>Ex: Imbalanced Data</a:t>
+            </a:r>
+          </a:p>
+        </p:txBody>
+      </p:sp>
     </p:spTree>
     <p:extLst>
       <p:ext uri="{BB962C8B-B14F-4D97-AF65-F5344CB8AC3E}">
-        <p14:creationId xmlns:p14="http://schemas.microsoft.com/office/powerpoint/2010/main" val="2081715045"/>
+        <p14:creationId xmlns:p14="http://schemas.microsoft.com/office/powerpoint/2010/main" val="2586127569"/>
       </p:ext>
     </p:extLst>
   </p:cSld>
@@ -5506,7 +9928,7 @@
 </p:sld>
 </file>
 
-<file path=ppt/slides/slide4.xml><?xml version="1.0" encoding="utf-8"?>
+<file path=ppt/slides/slide8.xml><?xml version="1.0" encoding="utf-8"?>
 <p:sld xmlns:a="http://schemas.openxmlformats.org/drawingml/2006/main" xmlns:r="http://schemas.openxmlformats.org/officeDocument/2006/relationships" xmlns:p="http://schemas.openxmlformats.org/presentationml/2006/main">
   <p:cSld>
     <p:spTree>
@@ -6386,7 +10808,7 @@
 </p:sld>
 </file>
 
-<file path=ppt/slides/slide5.xml><?xml version="1.0" encoding="utf-8"?>
+<file path=ppt/slides/slide9.xml><?xml version="1.0" encoding="utf-8"?>
 <p:sld xmlns:a="http://schemas.openxmlformats.org/drawingml/2006/main" xmlns:r="http://schemas.openxmlformats.org/officeDocument/2006/relationships" xmlns:p="http://schemas.openxmlformats.org/presentationml/2006/main">
   <p:cSld>
     <p:spTree>
@@ -6461,172 +10883,6 @@
     <p:extLst>
       <p:ext uri="{BB962C8B-B14F-4D97-AF65-F5344CB8AC3E}">
         <p14:creationId xmlns:p14="http://schemas.microsoft.com/office/powerpoint/2010/main" val="1274289020"/>
-      </p:ext>
-    </p:extLst>
-  </p:cSld>
-  <p:clrMapOvr>
-    <a:masterClrMapping/>
-  </p:clrMapOvr>
-</p:sld>
-</file>
-
-<file path=ppt/slides/slide6.xml><?xml version="1.0" encoding="utf-8"?>
-<p:sld xmlns:a="http://schemas.openxmlformats.org/drawingml/2006/main" xmlns:r="http://schemas.openxmlformats.org/officeDocument/2006/relationships" xmlns:p="http://schemas.openxmlformats.org/presentationml/2006/main">
-  <p:cSld>
-    <p:spTree>
-      <p:nvGrpSpPr>
-        <p:cNvPr id="1" name=""/>
-        <p:cNvGrpSpPr/>
-        <p:nvPr/>
-      </p:nvGrpSpPr>
-      <p:grpSpPr>
-        <a:xfrm>
-          <a:off x="0" y="0"/>
-          <a:ext cx="0" cy="0"/>
-          <a:chOff x="0" y="0"/>
-          <a:chExt cx="0" cy="0"/>
-        </a:xfrm>
-      </p:grpSpPr>
-      <p:sp>
-        <p:nvSpPr>
-          <p:cNvPr id="2" name="Title 1">
-            <a:extLst>
-              <a:ext uri="{FF2B5EF4-FFF2-40B4-BE49-F238E27FC236}">
-                <a16:creationId xmlns:a16="http://schemas.microsoft.com/office/drawing/2014/main" id="{C84B770B-7928-4294-938C-54F566403029}"/>
-              </a:ext>
-            </a:extLst>
-          </p:cNvPr>
-          <p:cNvSpPr>
-            <a:spLocks noGrp="1"/>
-          </p:cNvSpPr>
-          <p:nvPr>
-            <p:ph type="title"/>
-          </p:nvPr>
-        </p:nvSpPr>
-        <p:spPr/>
-        <p:txBody>
-          <a:bodyPr/>
-          <a:lstStyle/>
-          <a:p>
-            <a:r>
-              <a:rPr lang="en-US" dirty="0"/>
-              <a:t>Entropy Metric</a:t>
-            </a:r>
-          </a:p>
-        </p:txBody>
-      </p:sp>
-      <p:sp>
-        <p:nvSpPr>
-          <p:cNvPr id="3" name="Content Placeholder 2">
-            <a:extLst>
-              <a:ext uri="{FF2B5EF4-FFF2-40B4-BE49-F238E27FC236}">
-                <a16:creationId xmlns:a16="http://schemas.microsoft.com/office/drawing/2014/main" id="{369D591D-FB53-0999-0AC9-06E05CE59713}"/>
-              </a:ext>
-            </a:extLst>
-          </p:cNvPr>
-          <p:cNvSpPr>
-            <a:spLocks noGrp="1"/>
-          </p:cNvSpPr>
-          <p:nvPr>
-            <p:ph idx="1"/>
-          </p:nvPr>
-        </p:nvSpPr>
-        <p:spPr/>
-        <p:txBody>
-          <a:bodyPr/>
-          <a:lstStyle/>
-          <a:p>
-            <a:endParaRPr lang="en-US"/>
-          </a:p>
-        </p:txBody>
-      </p:sp>
-    </p:spTree>
-    <p:extLst>
-      <p:ext uri="{BB962C8B-B14F-4D97-AF65-F5344CB8AC3E}">
-        <p14:creationId xmlns:p14="http://schemas.microsoft.com/office/powerpoint/2010/main" val="1680382787"/>
-      </p:ext>
-    </p:extLst>
-  </p:cSld>
-  <p:clrMapOvr>
-    <a:masterClrMapping/>
-  </p:clrMapOvr>
-</p:sld>
-</file>
-
-<file path=ppt/slides/slide7.xml><?xml version="1.0" encoding="utf-8"?>
-<p:sld xmlns:a="http://schemas.openxmlformats.org/drawingml/2006/main" xmlns:r="http://schemas.openxmlformats.org/officeDocument/2006/relationships" xmlns:p="http://schemas.openxmlformats.org/presentationml/2006/main">
-  <p:cSld>
-    <p:spTree>
-      <p:nvGrpSpPr>
-        <p:cNvPr id="1" name=""/>
-        <p:cNvGrpSpPr/>
-        <p:nvPr/>
-      </p:nvGrpSpPr>
-      <p:grpSpPr>
-        <a:xfrm>
-          <a:off x="0" y="0"/>
-          <a:ext cx="0" cy="0"/>
-          <a:chOff x="0" y="0"/>
-          <a:chExt cx="0" cy="0"/>
-        </a:xfrm>
-      </p:grpSpPr>
-      <p:sp>
-        <p:nvSpPr>
-          <p:cNvPr id="2" name="Title 1">
-            <a:extLst>
-              <a:ext uri="{FF2B5EF4-FFF2-40B4-BE49-F238E27FC236}">
-                <a16:creationId xmlns:a16="http://schemas.microsoft.com/office/drawing/2014/main" id="{4F1261DB-738A-7255-D20B-EBC43962B8AC}"/>
-              </a:ext>
-            </a:extLst>
-          </p:cNvPr>
-          <p:cNvSpPr>
-            <a:spLocks noGrp="1"/>
-          </p:cNvSpPr>
-          <p:nvPr>
-            <p:ph type="title"/>
-          </p:nvPr>
-        </p:nvSpPr>
-        <p:spPr/>
-        <p:txBody>
-          <a:bodyPr/>
-          <a:lstStyle/>
-          <a:p>
-            <a:r>
-              <a:rPr lang="en-US" dirty="0"/>
-              <a:t>Gini Metric</a:t>
-            </a:r>
-          </a:p>
-        </p:txBody>
-      </p:sp>
-      <p:sp>
-        <p:nvSpPr>
-          <p:cNvPr id="3" name="Content Placeholder 2">
-            <a:extLst>
-              <a:ext uri="{FF2B5EF4-FFF2-40B4-BE49-F238E27FC236}">
-                <a16:creationId xmlns:a16="http://schemas.microsoft.com/office/drawing/2014/main" id="{1902F06A-DBBA-FAC1-6F16-EDA8BADAA57F}"/>
-              </a:ext>
-            </a:extLst>
-          </p:cNvPr>
-          <p:cNvSpPr>
-            <a:spLocks noGrp="1"/>
-          </p:cNvSpPr>
-          <p:nvPr>
-            <p:ph idx="1"/>
-          </p:nvPr>
-        </p:nvSpPr>
-        <p:spPr/>
-        <p:txBody>
-          <a:bodyPr/>
-          <a:lstStyle/>
-          <a:p>
-            <a:endParaRPr lang="en-US"/>
-          </a:p>
-        </p:txBody>
-      </p:sp>
-    </p:spTree>
-    <p:extLst>
-      <p:ext uri="{BB962C8B-B14F-4D97-AF65-F5344CB8AC3E}">
-        <p14:creationId xmlns:p14="http://schemas.microsoft.com/office/powerpoint/2010/main" val="1156644528"/>
       </p:ext>
     </p:extLst>
   </p:cSld>

--- a/DecisionTrees/DecisionTrees.pptx
+++ b/DecisionTrees/DecisionTrees.pptx
@@ -10,12 +10,15 @@
     <p:sldId id="259" r:id="rId4"/>
     <p:sldId id="266" r:id="rId5"/>
     <p:sldId id="263" r:id="rId6"/>
-    <p:sldId id="265" r:id="rId7"/>
-    <p:sldId id="264" r:id="rId8"/>
-    <p:sldId id="258" r:id="rId9"/>
-    <p:sldId id="260" r:id="rId10"/>
-    <p:sldId id="261" r:id="rId11"/>
-    <p:sldId id="262" r:id="rId12"/>
+    <p:sldId id="267" r:id="rId7"/>
+    <p:sldId id="265" r:id="rId8"/>
+    <p:sldId id="268" r:id="rId9"/>
+    <p:sldId id="264" r:id="rId10"/>
+    <p:sldId id="269" r:id="rId11"/>
+    <p:sldId id="258" r:id="rId12"/>
+    <p:sldId id="260" r:id="rId13"/>
+    <p:sldId id="261" r:id="rId14"/>
+    <p:sldId id="262" r:id="rId15"/>
   </p:sldIdLst>
   <p:sldSz cx="12192000" cy="6858000"/>
   <p:notesSz cx="6858000" cy="9144000"/>
@@ -269,7 +272,7 @@
           <a:p>
             <a:fld id="{7E292AB8-5F8F-4402-9592-F9413DCC0C16}" type="datetimeFigureOut">
               <a:rPr lang="en-US" smtClean="0"/>
-              <a:t>7/3/2023</a:t>
+              <a:t>7/4/2023</a:t>
             </a:fld>
             <a:endParaRPr lang="en-US"/>
           </a:p>
@@ -467,7 +470,7 @@
           <a:p>
             <a:fld id="{7E292AB8-5F8F-4402-9592-F9413DCC0C16}" type="datetimeFigureOut">
               <a:rPr lang="en-US" smtClean="0"/>
-              <a:t>7/3/2023</a:t>
+              <a:t>7/4/2023</a:t>
             </a:fld>
             <a:endParaRPr lang="en-US"/>
           </a:p>
@@ -675,7 +678,7 @@
           <a:p>
             <a:fld id="{7E292AB8-5F8F-4402-9592-F9413DCC0C16}" type="datetimeFigureOut">
               <a:rPr lang="en-US" smtClean="0"/>
-              <a:t>7/3/2023</a:t>
+              <a:t>7/4/2023</a:t>
             </a:fld>
             <a:endParaRPr lang="en-US"/>
           </a:p>
@@ -873,7 +876,7 @@
           <a:p>
             <a:fld id="{7E292AB8-5F8F-4402-9592-F9413DCC0C16}" type="datetimeFigureOut">
               <a:rPr lang="en-US" smtClean="0"/>
-              <a:t>7/3/2023</a:t>
+              <a:t>7/4/2023</a:t>
             </a:fld>
             <a:endParaRPr lang="en-US"/>
           </a:p>
@@ -1148,7 +1151,7 @@
           <a:p>
             <a:fld id="{7E292AB8-5F8F-4402-9592-F9413DCC0C16}" type="datetimeFigureOut">
               <a:rPr lang="en-US" smtClean="0"/>
-              <a:t>7/3/2023</a:t>
+              <a:t>7/4/2023</a:t>
             </a:fld>
             <a:endParaRPr lang="en-US"/>
           </a:p>
@@ -1413,7 +1416,7 @@
           <a:p>
             <a:fld id="{7E292AB8-5F8F-4402-9592-F9413DCC0C16}" type="datetimeFigureOut">
               <a:rPr lang="en-US" smtClean="0"/>
-              <a:t>7/3/2023</a:t>
+              <a:t>7/4/2023</a:t>
             </a:fld>
             <a:endParaRPr lang="en-US"/>
           </a:p>
@@ -1825,7 +1828,7 @@
           <a:p>
             <a:fld id="{7E292AB8-5F8F-4402-9592-F9413DCC0C16}" type="datetimeFigureOut">
               <a:rPr lang="en-US" smtClean="0"/>
-              <a:t>7/3/2023</a:t>
+              <a:t>7/4/2023</a:t>
             </a:fld>
             <a:endParaRPr lang="en-US"/>
           </a:p>
@@ -1966,7 +1969,7 @@
           <a:p>
             <a:fld id="{7E292AB8-5F8F-4402-9592-F9413DCC0C16}" type="datetimeFigureOut">
               <a:rPr lang="en-US" smtClean="0"/>
-              <a:t>7/3/2023</a:t>
+              <a:t>7/4/2023</a:t>
             </a:fld>
             <a:endParaRPr lang="en-US"/>
           </a:p>
@@ -2079,7 +2082,7 @@
           <a:p>
             <a:fld id="{7E292AB8-5F8F-4402-9592-F9413DCC0C16}" type="datetimeFigureOut">
               <a:rPr lang="en-US" smtClean="0"/>
-              <a:t>7/3/2023</a:t>
+              <a:t>7/4/2023</a:t>
             </a:fld>
             <a:endParaRPr lang="en-US"/>
           </a:p>
@@ -2390,7 +2393,7 @@
           <a:p>
             <a:fld id="{7E292AB8-5F8F-4402-9592-F9413DCC0C16}" type="datetimeFigureOut">
               <a:rPr lang="en-US" smtClean="0"/>
-              <a:t>7/3/2023</a:t>
+              <a:t>7/4/2023</a:t>
             </a:fld>
             <a:endParaRPr lang="en-US"/>
           </a:p>
@@ -2678,7 +2681,7 @@
           <a:p>
             <a:fld id="{7E292AB8-5F8F-4402-9592-F9413DCC0C16}" type="datetimeFigureOut">
               <a:rPr lang="en-US" smtClean="0"/>
-              <a:t>7/3/2023</a:t>
+              <a:t>7/4/2023</a:t>
             </a:fld>
             <a:endParaRPr lang="en-US"/>
           </a:p>
@@ -2919,7 +2922,7 @@
           <a:p>
             <a:fld id="{7E292AB8-5F8F-4402-9592-F9413DCC0C16}" type="datetimeFigureOut">
               <a:rPr lang="en-US" smtClean="0"/>
-              <a:t>7/3/2023</a:t>
+              <a:t>7/4/2023</a:t>
             </a:fld>
             <a:endParaRPr lang="en-US"/>
           </a:p>
@@ -3424,6 +3427,1758 @@
           <p:cNvPr id="2" name="Title 1">
             <a:extLst>
               <a:ext uri="{FF2B5EF4-FFF2-40B4-BE49-F238E27FC236}">
+                <a16:creationId xmlns:a16="http://schemas.microsoft.com/office/drawing/2014/main" id="{3D125364-4385-6331-2E0E-02C1915293E0}"/>
+              </a:ext>
+            </a:extLst>
+          </p:cNvPr>
+          <p:cNvSpPr>
+            <a:spLocks noGrp="1"/>
+          </p:cNvSpPr>
+          <p:nvPr>
+            <p:ph type="title"/>
+          </p:nvPr>
+        </p:nvSpPr>
+        <p:spPr/>
+        <p:txBody>
+          <a:bodyPr/>
+          <a:lstStyle/>
+          <a:p>
+            <a:r>
+              <a:rPr lang="en-US" dirty="0"/>
+              <a:t>Understanding Success</a:t>
+            </a:r>
+          </a:p>
+        </p:txBody>
+      </p:sp>
+      <mc:AlternateContent xmlns:mc="http://schemas.openxmlformats.org/markup-compatibility/2006">
+        <mc:Choice xmlns:a14="http://schemas.microsoft.com/office/drawing/2010/main" Requires="a14">
+          <p:sp>
+            <p:nvSpPr>
+              <p:cNvPr id="9" name="TextBox 8">
+                <a:extLst>
+                  <a:ext uri="{FF2B5EF4-FFF2-40B4-BE49-F238E27FC236}">
+                    <a16:creationId xmlns:a16="http://schemas.microsoft.com/office/drawing/2014/main" id="{B29ABD4C-3B77-B5C9-0DC5-B371E4EC40B2}"/>
+                  </a:ext>
+                </a:extLst>
+              </p:cNvPr>
+              <p:cNvSpPr txBox="1"/>
+              <p:nvPr/>
+            </p:nvSpPr>
+            <p:spPr>
+              <a:xfrm>
+                <a:off x="2233219" y="1825625"/>
+                <a:ext cx="7725562" cy="665760"/>
+              </a:xfrm>
+              <a:prstGeom prst="rect">
+                <a:avLst/>
+              </a:prstGeom>
+              <a:noFill/>
+            </p:spPr>
+            <p:txBody>
+              <a:bodyPr wrap="square">
+                <a:spAutoFit/>
+              </a:bodyPr>
+              <a:lstStyle/>
+              <a:p>
+                <a:pPr/>
+                <a14:m>
+                  <m:oMathPara xmlns:m="http://schemas.openxmlformats.org/officeDocument/2006/math">
+                    <m:oMathParaPr>
+                      <m:jc m:val="center"/>
+                    </m:oMathParaPr>
+                    <m:oMath xmlns:m="http://schemas.openxmlformats.org/officeDocument/2006/math">
+                      <m:r>
+                        <a:rPr lang="en-US" sz="1800" b="0" i="1" smtClean="0">
+                          <a:latin typeface="Cambria Math" panose="02040503050406030204" pitchFamily="18" charset="0"/>
+                        </a:rPr>
+                        <m:t>𝑃𝑟𝑒𝑐𝑖𝑠𝑖𝑜𝑛</m:t>
+                      </m:r>
+                      <m:r>
+                        <a:rPr lang="en-US" sz="1800" b="0" i="1" smtClean="0">
+                          <a:latin typeface="Cambria Math" panose="02040503050406030204" pitchFamily="18" charset="0"/>
+                        </a:rPr>
+                        <m:t> </m:t>
+                      </m:r>
+                      <m:r>
+                        <a:rPr lang="en-US" sz="1800" b="0" i="1" smtClean="0">
+                          <a:latin typeface="Cambria Math" panose="02040503050406030204" pitchFamily="18" charset="0"/>
+                        </a:rPr>
+                        <m:t>𝑓𝑜𝑟</m:t>
+                      </m:r>
+                      <m:r>
+                        <a:rPr lang="en-US" sz="1800" b="0" i="1" smtClean="0">
+                          <a:latin typeface="Cambria Math" panose="02040503050406030204" pitchFamily="18" charset="0"/>
+                        </a:rPr>
+                        <m:t> </m:t>
+                      </m:r>
+                      <m:sSub>
+                        <m:sSubPr>
+                          <m:ctrlPr>
+                            <a:rPr lang="en-US" sz="1800" b="0" i="1" smtClean="0">
+                              <a:latin typeface="Cambria Math" panose="02040503050406030204" pitchFamily="18" charset="0"/>
+                            </a:rPr>
+                          </m:ctrlPr>
+                        </m:sSubPr>
+                        <m:e>
+                          <m:r>
+                            <a:rPr lang="en-US" sz="1800" b="0" i="1" smtClean="0">
+                              <a:latin typeface="Cambria Math" panose="02040503050406030204" pitchFamily="18" charset="0"/>
+                            </a:rPr>
+                            <m:t>𝐶</m:t>
+                          </m:r>
+                        </m:e>
+                        <m:sub>
+                          <m:r>
+                            <a:rPr lang="en-US" sz="1800" b="0" i="1" smtClean="0">
+                              <a:latin typeface="Cambria Math" panose="02040503050406030204" pitchFamily="18" charset="0"/>
+                            </a:rPr>
+                            <m:t>𝑖</m:t>
+                          </m:r>
+                        </m:sub>
+                      </m:sSub>
+                      <m:r>
+                        <a:rPr lang="en-US" sz="1800" b="0" i="1" smtClean="0">
+                          <a:latin typeface="Cambria Math" panose="02040503050406030204" pitchFamily="18" charset="0"/>
+                        </a:rPr>
+                        <m:t>=</m:t>
+                      </m:r>
+                      <m:f>
+                        <m:fPr>
+                          <m:ctrlPr>
+                            <a:rPr lang="en-US" sz="1800" b="0" i="1" smtClean="0">
+                              <a:latin typeface="Cambria Math" panose="02040503050406030204" pitchFamily="18" charset="0"/>
+                            </a:rPr>
+                          </m:ctrlPr>
+                        </m:fPr>
+                        <m:num>
+                          <m:r>
+                            <a:rPr lang="en-US" sz="1800" b="0" i="1" smtClean="0">
+                              <a:latin typeface="Cambria Math" panose="02040503050406030204" pitchFamily="18" charset="0"/>
+                            </a:rPr>
+                            <m:t># </m:t>
+                          </m:r>
+                          <m:r>
+                            <a:rPr lang="en-US" sz="1800" b="0" i="1" smtClean="0">
+                              <a:latin typeface="Cambria Math" panose="02040503050406030204" pitchFamily="18" charset="0"/>
+                            </a:rPr>
+                            <m:t>𝐶𝑜𝑟𝑟𝑒𝑐𝑡</m:t>
+                          </m:r>
+                          <m:r>
+                            <a:rPr lang="en-US" sz="1800" b="0" i="1" smtClean="0">
+                              <a:latin typeface="Cambria Math" panose="02040503050406030204" pitchFamily="18" charset="0"/>
+                            </a:rPr>
+                            <m:t> </m:t>
+                          </m:r>
+                          <m:r>
+                            <a:rPr lang="en-US" sz="1800" b="0" i="1" smtClean="0">
+                              <a:latin typeface="Cambria Math" panose="02040503050406030204" pitchFamily="18" charset="0"/>
+                            </a:rPr>
+                            <m:t>𝐶𝑙𝑎𝑠𝑠</m:t>
+                          </m:r>
+                          <m:r>
+                            <a:rPr lang="en-US" sz="1800" b="0" i="1" smtClean="0">
+                              <a:latin typeface="Cambria Math" panose="02040503050406030204" pitchFamily="18" charset="0"/>
+                            </a:rPr>
+                            <m:t> </m:t>
+                          </m:r>
+                          <m:r>
+                            <a:rPr lang="en-US" sz="1800" b="0" i="1" smtClean="0">
+                              <a:latin typeface="Cambria Math" panose="02040503050406030204" pitchFamily="18" charset="0"/>
+                            </a:rPr>
+                            <m:t>𝑃𝑟𝑒𝑑𝑖𝑐𝑡𝑖𝑜𝑛𝑠</m:t>
+                          </m:r>
+                          <m:r>
+                            <a:rPr lang="en-US" sz="1800" b="0" i="1" smtClean="0">
+                              <a:latin typeface="Cambria Math" panose="02040503050406030204" pitchFamily="18" charset="0"/>
+                            </a:rPr>
+                            <m:t> </m:t>
+                          </m:r>
+                          <m:r>
+                            <a:rPr lang="en-US" sz="1800" b="0" i="1" smtClean="0">
+                              <a:latin typeface="Cambria Math" panose="02040503050406030204" pitchFamily="18" charset="0"/>
+                            </a:rPr>
+                            <m:t>𝑓𝑜𝑟</m:t>
+                          </m:r>
+                          <m:r>
+                            <a:rPr lang="en-US" sz="1800" b="0" i="1" smtClean="0">
+                              <a:latin typeface="Cambria Math" panose="02040503050406030204" pitchFamily="18" charset="0"/>
+                            </a:rPr>
+                            <m:t> </m:t>
+                          </m:r>
+                          <m:r>
+                            <a:rPr lang="en-US" sz="1800" b="0" i="1" smtClean="0">
+                              <a:latin typeface="Cambria Math" panose="02040503050406030204" pitchFamily="18" charset="0"/>
+                            </a:rPr>
+                            <m:t>𝐶𝑙𝑎𝑠𝑠</m:t>
+                          </m:r>
+                          <m:r>
+                            <a:rPr lang="en-US" sz="1800" b="0" i="1" smtClean="0">
+                              <a:latin typeface="Cambria Math" panose="02040503050406030204" pitchFamily="18" charset="0"/>
+                            </a:rPr>
+                            <m:t> </m:t>
+                          </m:r>
+                          <m:sSub>
+                            <m:sSubPr>
+                              <m:ctrlPr>
+                                <a:rPr lang="en-US" sz="1800" b="0" i="1" smtClean="0">
+                                  <a:latin typeface="Cambria Math" panose="02040503050406030204" pitchFamily="18" charset="0"/>
+                                </a:rPr>
+                              </m:ctrlPr>
+                            </m:sSubPr>
+                            <m:e>
+                              <m:r>
+                                <a:rPr lang="en-US" sz="1800" b="0" i="1" smtClean="0">
+                                  <a:latin typeface="Cambria Math" panose="02040503050406030204" pitchFamily="18" charset="0"/>
+                                </a:rPr>
+                                <m:t>𝐶</m:t>
+                              </m:r>
+                            </m:e>
+                            <m:sub>
+                              <m:r>
+                                <a:rPr lang="en-US" sz="1800" b="0" i="1" smtClean="0">
+                                  <a:latin typeface="Cambria Math" panose="02040503050406030204" pitchFamily="18" charset="0"/>
+                                </a:rPr>
+                                <m:t>𝑖</m:t>
+                              </m:r>
+                            </m:sub>
+                          </m:sSub>
+                        </m:num>
+                        <m:den>
+                          <m:r>
+                            <a:rPr lang="en-US" sz="1800" b="0" i="1" smtClean="0">
+                              <a:latin typeface="Cambria Math" panose="02040503050406030204" pitchFamily="18" charset="0"/>
+                            </a:rPr>
+                            <m:t># </m:t>
+                          </m:r>
+                          <m:r>
+                            <a:rPr lang="en-US" sz="1800" b="0" i="1" smtClean="0">
+                              <a:latin typeface="Cambria Math" panose="02040503050406030204" pitchFamily="18" charset="0"/>
+                            </a:rPr>
+                            <m:t>𝐶𝑙𝑎𝑠𝑠</m:t>
+                          </m:r>
+                          <m:r>
+                            <a:rPr lang="en-US" sz="1800" b="0" i="1" smtClean="0">
+                              <a:latin typeface="Cambria Math" panose="02040503050406030204" pitchFamily="18" charset="0"/>
+                            </a:rPr>
+                            <m:t> </m:t>
+                          </m:r>
+                          <m:sSub>
+                            <m:sSubPr>
+                              <m:ctrlPr>
+                                <a:rPr lang="en-US" sz="1800" b="0" i="1" smtClean="0">
+                                  <a:latin typeface="Cambria Math" panose="02040503050406030204" pitchFamily="18" charset="0"/>
+                                </a:rPr>
+                              </m:ctrlPr>
+                            </m:sSubPr>
+                            <m:e>
+                              <m:r>
+                                <a:rPr lang="en-US" sz="1800" b="0" i="1" smtClean="0">
+                                  <a:latin typeface="Cambria Math" panose="02040503050406030204" pitchFamily="18" charset="0"/>
+                                </a:rPr>
+                                <m:t>𝐶</m:t>
+                              </m:r>
+                            </m:e>
+                            <m:sub>
+                              <m:r>
+                                <a:rPr lang="en-US" sz="1800" b="0" i="1" smtClean="0">
+                                  <a:latin typeface="Cambria Math" panose="02040503050406030204" pitchFamily="18" charset="0"/>
+                                </a:rPr>
+                                <m:t>𝑖</m:t>
+                              </m:r>
+                            </m:sub>
+                          </m:sSub>
+                          <m:r>
+                            <a:rPr lang="en-US" sz="1800" b="0" i="1" smtClean="0">
+                              <a:latin typeface="Cambria Math" panose="02040503050406030204" pitchFamily="18" charset="0"/>
+                            </a:rPr>
+                            <m:t> </m:t>
+                          </m:r>
+                          <m:r>
+                            <a:rPr lang="en-US" sz="1800" b="0" i="1" smtClean="0">
+                              <a:latin typeface="Cambria Math" panose="02040503050406030204" pitchFamily="18" charset="0"/>
+                            </a:rPr>
+                            <m:t>𝑃𝑟𝑒𝑑𝑖𝑐𝑡𝑖𝑜𝑛𝑠</m:t>
+                          </m:r>
+                        </m:den>
+                      </m:f>
+                    </m:oMath>
+                  </m:oMathPara>
+                </a14:m>
+                <a:endParaRPr lang="en-US" dirty="0"/>
+              </a:p>
+            </p:txBody>
+          </p:sp>
+        </mc:Choice>
+        <mc:Fallback>
+          <p:sp>
+            <p:nvSpPr>
+              <p:cNvPr id="9" name="TextBox 8">
+                <a:extLst>
+                  <a:ext uri="{FF2B5EF4-FFF2-40B4-BE49-F238E27FC236}">
+                    <a16:creationId xmlns:a16="http://schemas.microsoft.com/office/drawing/2014/main" id="{B29ABD4C-3B77-B5C9-0DC5-B371E4EC40B2}"/>
+                  </a:ext>
+                </a:extLst>
+              </p:cNvPr>
+              <p:cNvSpPr txBox="1">
+                <a:spLocks noRot="1" noChangeAspect="1" noMove="1" noResize="1" noEditPoints="1" noAdjustHandles="1" noChangeArrowheads="1" noChangeShapeType="1" noTextEdit="1"/>
+              </p:cNvSpPr>
+              <p:nvPr/>
+            </p:nvSpPr>
+            <p:spPr>
+              <a:xfrm>
+                <a:off x="2233219" y="1825625"/>
+                <a:ext cx="7725562" cy="665760"/>
+              </a:xfrm>
+              <a:prstGeom prst="rect">
+                <a:avLst/>
+              </a:prstGeom>
+              <a:blipFill>
+                <a:blip r:embed="rId2"/>
+                <a:stretch>
+                  <a:fillRect/>
+                </a:stretch>
+              </a:blipFill>
+            </p:spPr>
+            <p:txBody>
+              <a:bodyPr/>
+              <a:lstStyle/>
+              <a:p>
+                <a:r>
+                  <a:rPr lang="en-US">
+                    <a:noFill/>
+                  </a:rPr>
+                  <a:t> </a:t>
+                </a:r>
+              </a:p>
+            </p:txBody>
+          </p:sp>
+        </mc:Fallback>
+      </mc:AlternateContent>
+      <p:sp>
+        <p:nvSpPr>
+          <p:cNvPr id="4" name="Content Placeholder 2">
+            <a:extLst>
+              <a:ext uri="{FF2B5EF4-FFF2-40B4-BE49-F238E27FC236}">
+                <a16:creationId xmlns:a16="http://schemas.microsoft.com/office/drawing/2014/main" id="{481A5329-54CD-C0DB-4845-5149572E47C3}"/>
+              </a:ext>
+            </a:extLst>
+          </p:cNvPr>
+          <p:cNvSpPr txBox="1">
+            <a:spLocks/>
+          </p:cNvSpPr>
+          <p:nvPr/>
+        </p:nvSpPr>
+        <p:spPr>
+          <a:xfrm>
+            <a:off x="838200" y="4225253"/>
+            <a:ext cx="4019026" cy="1959146"/>
+          </a:xfrm>
+          <a:prstGeom prst="rect">
+            <a:avLst/>
+          </a:prstGeom>
+        </p:spPr>
+        <p:style>
+          <a:lnRef idx="2">
+            <a:schemeClr val="accent5"/>
+          </a:lnRef>
+          <a:fillRef idx="1">
+            <a:schemeClr val="lt1"/>
+          </a:fillRef>
+          <a:effectRef idx="0">
+            <a:schemeClr val="accent5"/>
+          </a:effectRef>
+          <a:fontRef idx="minor">
+            <a:schemeClr val="dk1"/>
+          </a:fontRef>
+        </p:style>
+        <p:txBody>
+          <a:bodyPr vert="horz" lIns="91440" tIns="45720" rIns="91440" bIns="45720" rtlCol="0">
+            <a:normAutofit/>
+          </a:bodyPr>
+          <a:lstStyle>
+            <a:lvl1pPr marL="228600" indent="-228600" algn="l" defTabSz="914400" rtl="0" eaLnBrk="1" latinLnBrk="0" hangingPunct="1">
+              <a:lnSpc>
+                <a:spcPct val="90000"/>
+              </a:lnSpc>
+              <a:spcBef>
+                <a:spcPts val="1000"/>
+              </a:spcBef>
+              <a:buFont typeface="Arial" panose="020B0604020202020204" pitchFamily="34" charset="0"/>
+              <a:buChar char="•"/>
+              <a:defRPr sz="2800" kern="1200">
+                <a:solidFill>
+                  <a:schemeClr val="tx1"/>
+                </a:solidFill>
+                <a:latin typeface="+mn-lt"/>
+                <a:ea typeface="+mn-ea"/>
+                <a:cs typeface="+mn-cs"/>
+              </a:defRPr>
+            </a:lvl1pPr>
+            <a:lvl2pPr marL="685800" indent="-228600" algn="l" defTabSz="914400" rtl="0" eaLnBrk="1" latinLnBrk="0" hangingPunct="1">
+              <a:lnSpc>
+                <a:spcPct val="90000"/>
+              </a:lnSpc>
+              <a:spcBef>
+                <a:spcPts val="500"/>
+              </a:spcBef>
+              <a:buFont typeface="Arial" panose="020B0604020202020204" pitchFamily="34" charset="0"/>
+              <a:buChar char="•"/>
+              <a:defRPr sz="2400" kern="1200">
+                <a:solidFill>
+                  <a:schemeClr val="tx1"/>
+                </a:solidFill>
+                <a:latin typeface="+mn-lt"/>
+                <a:ea typeface="+mn-ea"/>
+                <a:cs typeface="+mn-cs"/>
+              </a:defRPr>
+            </a:lvl2pPr>
+            <a:lvl3pPr marL="1143000" indent="-228600" algn="l" defTabSz="914400" rtl="0" eaLnBrk="1" latinLnBrk="0" hangingPunct="1">
+              <a:lnSpc>
+                <a:spcPct val="90000"/>
+              </a:lnSpc>
+              <a:spcBef>
+                <a:spcPts val="500"/>
+              </a:spcBef>
+              <a:buFont typeface="Arial" panose="020B0604020202020204" pitchFamily="34" charset="0"/>
+              <a:buChar char="•"/>
+              <a:defRPr sz="2000" kern="1200">
+                <a:solidFill>
+                  <a:schemeClr val="tx1"/>
+                </a:solidFill>
+                <a:latin typeface="+mn-lt"/>
+                <a:ea typeface="+mn-ea"/>
+                <a:cs typeface="+mn-cs"/>
+              </a:defRPr>
+            </a:lvl3pPr>
+            <a:lvl4pPr marL="1600200" indent="-228600" algn="l" defTabSz="914400" rtl="0" eaLnBrk="1" latinLnBrk="0" hangingPunct="1">
+              <a:lnSpc>
+                <a:spcPct val="90000"/>
+              </a:lnSpc>
+              <a:spcBef>
+                <a:spcPts val="500"/>
+              </a:spcBef>
+              <a:buFont typeface="Arial" panose="020B0604020202020204" pitchFamily="34" charset="0"/>
+              <a:buChar char="•"/>
+              <a:defRPr sz="1800" kern="1200">
+                <a:solidFill>
+                  <a:schemeClr val="tx1"/>
+                </a:solidFill>
+                <a:latin typeface="+mn-lt"/>
+                <a:ea typeface="+mn-ea"/>
+                <a:cs typeface="+mn-cs"/>
+              </a:defRPr>
+            </a:lvl4pPr>
+            <a:lvl5pPr marL="2057400" indent="-228600" algn="l" defTabSz="914400" rtl="0" eaLnBrk="1" latinLnBrk="0" hangingPunct="1">
+              <a:lnSpc>
+                <a:spcPct val="90000"/>
+              </a:lnSpc>
+              <a:spcBef>
+                <a:spcPts val="500"/>
+              </a:spcBef>
+              <a:buFont typeface="Arial" panose="020B0604020202020204" pitchFamily="34" charset="0"/>
+              <a:buChar char="•"/>
+              <a:defRPr sz="1800" kern="1200">
+                <a:solidFill>
+                  <a:schemeClr val="tx1"/>
+                </a:solidFill>
+                <a:latin typeface="+mn-lt"/>
+                <a:ea typeface="+mn-ea"/>
+                <a:cs typeface="+mn-cs"/>
+              </a:defRPr>
+            </a:lvl5pPr>
+            <a:lvl6pPr marL="2514600" indent="-228600" algn="l" defTabSz="914400" rtl="0" eaLnBrk="1" latinLnBrk="0" hangingPunct="1">
+              <a:lnSpc>
+                <a:spcPct val="90000"/>
+              </a:lnSpc>
+              <a:spcBef>
+                <a:spcPts val="500"/>
+              </a:spcBef>
+              <a:buFont typeface="Arial" panose="020B0604020202020204" pitchFamily="34" charset="0"/>
+              <a:buChar char="•"/>
+              <a:defRPr sz="1800" kern="1200">
+                <a:solidFill>
+                  <a:schemeClr val="tx1"/>
+                </a:solidFill>
+                <a:latin typeface="+mn-lt"/>
+                <a:ea typeface="+mn-ea"/>
+                <a:cs typeface="+mn-cs"/>
+              </a:defRPr>
+            </a:lvl6pPr>
+            <a:lvl7pPr marL="2971800" indent="-228600" algn="l" defTabSz="914400" rtl="0" eaLnBrk="1" latinLnBrk="0" hangingPunct="1">
+              <a:lnSpc>
+                <a:spcPct val="90000"/>
+              </a:lnSpc>
+              <a:spcBef>
+                <a:spcPts val="500"/>
+              </a:spcBef>
+              <a:buFont typeface="Arial" panose="020B0604020202020204" pitchFamily="34" charset="0"/>
+              <a:buChar char="•"/>
+              <a:defRPr sz="1800" kern="1200">
+                <a:solidFill>
+                  <a:schemeClr val="tx1"/>
+                </a:solidFill>
+                <a:latin typeface="+mn-lt"/>
+                <a:ea typeface="+mn-ea"/>
+                <a:cs typeface="+mn-cs"/>
+              </a:defRPr>
+            </a:lvl7pPr>
+            <a:lvl8pPr marL="3429000" indent="-228600" algn="l" defTabSz="914400" rtl="0" eaLnBrk="1" latinLnBrk="0" hangingPunct="1">
+              <a:lnSpc>
+                <a:spcPct val="90000"/>
+              </a:lnSpc>
+              <a:spcBef>
+                <a:spcPts val="500"/>
+              </a:spcBef>
+              <a:buFont typeface="Arial" panose="020B0604020202020204" pitchFamily="34" charset="0"/>
+              <a:buChar char="•"/>
+              <a:defRPr sz="1800" kern="1200">
+                <a:solidFill>
+                  <a:schemeClr val="tx1"/>
+                </a:solidFill>
+                <a:latin typeface="+mn-lt"/>
+                <a:ea typeface="+mn-ea"/>
+                <a:cs typeface="+mn-cs"/>
+              </a:defRPr>
+            </a:lvl8pPr>
+            <a:lvl9pPr marL="3886200" indent="-228600" algn="l" defTabSz="914400" rtl="0" eaLnBrk="1" latinLnBrk="0" hangingPunct="1">
+              <a:lnSpc>
+                <a:spcPct val="90000"/>
+              </a:lnSpc>
+              <a:spcBef>
+                <a:spcPts val="500"/>
+              </a:spcBef>
+              <a:buFont typeface="Arial" panose="020B0604020202020204" pitchFamily="34" charset="0"/>
+              <a:buChar char="•"/>
+              <a:defRPr sz="1800" kern="1200">
+                <a:solidFill>
+                  <a:schemeClr val="tx1"/>
+                </a:solidFill>
+                <a:latin typeface="+mn-lt"/>
+                <a:ea typeface="+mn-ea"/>
+                <a:cs typeface="+mn-cs"/>
+              </a:defRPr>
+            </a:lvl9pPr>
+          </a:lstStyle>
+          <a:p>
+            <a:r>
+              <a:rPr lang="en-US" dirty="0"/>
+              <a:t>Ex: Balanced Data</a:t>
+            </a:r>
+          </a:p>
+        </p:txBody>
+      </p:sp>
+      <p:sp>
+        <p:nvSpPr>
+          <p:cNvPr id="6" name="Content Placeholder 2">
+            <a:extLst>
+              <a:ext uri="{FF2B5EF4-FFF2-40B4-BE49-F238E27FC236}">
+                <a16:creationId xmlns:a16="http://schemas.microsoft.com/office/drawing/2014/main" id="{DFB373DA-FF69-1F71-C69D-0A42C80B80CE}"/>
+              </a:ext>
+            </a:extLst>
+          </p:cNvPr>
+          <p:cNvSpPr txBox="1">
+            <a:spLocks/>
+          </p:cNvSpPr>
+          <p:nvPr/>
+        </p:nvSpPr>
+        <p:spPr>
+          <a:xfrm>
+            <a:off x="7334776" y="4225253"/>
+            <a:ext cx="4019026" cy="1959146"/>
+          </a:xfrm>
+          <a:prstGeom prst="rect">
+            <a:avLst/>
+          </a:prstGeom>
+        </p:spPr>
+        <p:style>
+          <a:lnRef idx="2">
+            <a:schemeClr val="accent5"/>
+          </a:lnRef>
+          <a:fillRef idx="1">
+            <a:schemeClr val="lt1"/>
+          </a:fillRef>
+          <a:effectRef idx="0">
+            <a:schemeClr val="accent5"/>
+          </a:effectRef>
+          <a:fontRef idx="minor">
+            <a:schemeClr val="dk1"/>
+          </a:fontRef>
+        </p:style>
+        <p:txBody>
+          <a:bodyPr vert="horz" lIns="91440" tIns="45720" rIns="91440" bIns="45720" rtlCol="0">
+            <a:normAutofit/>
+          </a:bodyPr>
+          <a:lstStyle>
+            <a:lvl1pPr marL="228600" indent="-228600" algn="l" defTabSz="914400" rtl="0" eaLnBrk="1" latinLnBrk="0" hangingPunct="1">
+              <a:lnSpc>
+                <a:spcPct val="90000"/>
+              </a:lnSpc>
+              <a:spcBef>
+                <a:spcPts val="1000"/>
+              </a:spcBef>
+              <a:buFont typeface="Arial" panose="020B0604020202020204" pitchFamily="34" charset="0"/>
+              <a:buChar char="•"/>
+              <a:defRPr sz="2800" kern="1200">
+                <a:solidFill>
+                  <a:schemeClr val="tx1"/>
+                </a:solidFill>
+                <a:latin typeface="+mn-lt"/>
+                <a:ea typeface="+mn-ea"/>
+                <a:cs typeface="+mn-cs"/>
+              </a:defRPr>
+            </a:lvl1pPr>
+            <a:lvl2pPr marL="685800" indent="-228600" algn="l" defTabSz="914400" rtl="0" eaLnBrk="1" latinLnBrk="0" hangingPunct="1">
+              <a:lnSpc>
+                <a:spcPct val="90000"/>
+              </a:lnSpc>
+              <a:spcBef>
+                <a:spcPts val="500"/>
+              </a:spcBef>
+              <a:buFont typeface="Arial" panose="020B0604020202020204" pitchFamily="34" charset="0"/>
+              <a:buChar char="•"/>
+              <a:defRPr sz="2400" kern="1200">
+                <a:solidFill>
+                  <a:schemeClr val="tx1"/>
+                </a:solidFill>
+                <a:latin typeface="+mn-lt"/>
+                <a:ea typeface="+mn-ea"/>
+                <a:cs typeface="+mn-cs"/>
+              </a:defRPr>
+            </a:lvl2pPr>
+            <a:lvl3pPr marL="1143000" indent="-228600" algn="l" defTabSz="914400" rtl="0" eaLnBrk="1" latinLnBrk="0" hangingPunct="1">
+              <a:lnSpc>
+                <a:spcPct val="90000"/>
+              </a:lnSpc>
+              <a:spcBef>
+                <a:spcPts val="500"/>
+              </a:spcBef>
+              <a:buFont typeface="Arial" panose="020B0604020202020204" pitchFamily="34" charset="0"/>
+              <a:buChar char="•"/>
+              <a:defRPr sz="2000" kern="1200">
+                <a:solidFill>
+                  <a:schemeClr val="tx1"/>
+                </a:solidFill>
+                <a:latin typeface="+mn-lt"/>
+                <a:ea typeface="+mn-ea"/>
+                <a:cs typeface="+mn-cs"/>
+              </a:defRPr>
+            </a:lvl3pPr>
+            <a:lvl4pPr marL="1600200" indent="-228600" algn="l" defTabSz="914400" rtl="0" eaLnBrk="1" latinLnBrk="0" hangingPunct="1">
+              <a:lnSpc>
+                <a:spcPct val="90000"/>
+              </a:lnSpc>
+              <a:spcBef>
+                <a:spcPts val="500"/>
+              </a:spcBef>
+              <a:buFont typeface="Arial" panose="020B0604020202020204" pitchFamily="34" charset="0"/>
+              <a:buChar char="•"/>
+              <a:defRPr sz="1800" kern="1200">
+                <a:solidFill>
+                  <a:schemeClr val="tx1"/>
+                </a:solidFill>
+                <a:latin typeface="+mn-lt"/>
+                <a:ea typeface="+mn-ea"/>
+                <a:cs typeface="+mn-cs"/>
+              </a:defRPr>
+            </a:lvl4pPr>
+            <a:lvl5pPr marL="2057400" indent="-228600" algn="l" defTabSz="914400" rtl="0" eaLnBrk="1" latinLnBrk="0" hangingPunct="1">
+              <a:lnSpc>
+                <a:spcPct val="90000"/>
+              </a:lnSpc>
+              <a:spcBef>
+                <a:spcPts val="500"/>
+              </a:spcBef>
+              <a:buFont typeface="Arial" panose="020B0604020202020204" pitchFamily="34" charset="0"/>
+              <a:buChar char="•"/>
+              <a:defRPr sz="1800" kern="1200">
+                <a:solidFill>
+                  <a:schemeClr val="tx1"/>
+                </a:solidFill>
+                <a:latin typeface="+mn-lt"/>
+                <a:ea typeface="+mn-ea"/>
+                <a:cs typeface="+mn-cs"/>
+              </a:defRPr>
+            </a:lvl5pPr>
+            <a:lvl6pPr marL="2514600" indent="-228600" algn="l" defTabSz="914400" rtl="0" eaLnBrk="1" latinLnBrk="0" hangingPunct="1">
+              <a:lnSpc>
+                <a:spcPct val="90000"/>
+              </a:lnSpc>
+              <a:spcBef>
+                <a:spcPts val="500"/>
+              </a:spcBef>
+              <a:buFont typeface="Arial" panose="020B0604020202020204" pitchFamily="34" charset="0"/>
+              <a:buChar char="•"/>
+              <a:defRPr sz="1800" kern="1200">
+                <a:solidFill>
+                  <a:schemeClr val="tx1"/>
+                </a:solidFill>
+                <a:latin typeface="+mn-lt"/>
+                <a:ea typeface="+mn-ea"/>
+                <a:cs typeface="+mn-cs"/>
+              </a:defRPr>
+            </a:lvl6pPr>
+            <a:lvl7pPr marL="2971800" indent="-228600" algn="l" defTabSz="914400" rtl="0" eaLnBrk="1" latinLnBrk="0" hangingPunct="1">
+              <a:lnSpc>
+                <a:spcPct val="90000"/>
+              </a:lnSpc>
+              <a:spcBef>
+                <a:spcPts val="500"/>
+              </a:spcBef>
+              <a:buFont typeface="Arial" panose="020B0604020202020204" pitchFamily="34" charset="0"/>
+              <a:buChar char="•"/>
+              <a:defRPr sz="1800" kern="1200">
+                <a:solidFill>
+                  <a:schemeClr val="tx1"/>
+                </a:solidFill>
+                <a:latin typeface="+mn-lt"/>
+                <a:ea typeface="+mn-ea"/>
+                <a:cs typeface="+mn-cs"/>
+              </a:defRPr>
+            </a:lvl7pPr>
+            <a:lvl8pPr marL="3429000" indent="-228600" algn="l" defTabSz="914400" rtl="0" eaLnBrk="1" latinLnBrk="0" hangingPunct="1">
+              <a:lnSpc>
+                <a:spcPct val="90000"/>
+              </a:lnSpc>
+              <a:spcBef>
+                <a:spcPts val="500"/>
+              </a:spcBef>
+              <a:buFont typeface="Arial" panose="020B0604020202020204" pitchFamily="34" charset="0"/>
+              <a:buChar char="•"/>
+              <a:defRPr sz="1800" kern="1200">
+                <a:solidFill>
+                  <a:schemeClr val="tx1"/>
+                </a:solidFill>
+                <a:latin typeface="+mn-lt"/>
+                <a:ea typeface="+mn-ea"/>
+                <a:cs typeface="+mn-cs"/>
+              </a:defRPr>
+            </a:lvl8pPr>
+            <a:lvl9pPr marL="3886200" indent="-228600" algn="l" defTabSz="914400" rtl="0" eaLnBrk="1" latinLnBrk="0" hangingPunct="1">
+              <a:lnSpc>
+                <a:spcPct val="90000"/>
+              </a:lnSpc>
+              <a:spcBef>
+                <a:spcPts val="500"/>
+              </a:spcBef>
+              <a:buFont typeface="Arial" panose="020B0604020202020204" pitchFamily="34" charset="0"/>
+              <a:buChar char="•"/>
+              <a:defRPr sz="1800" kern="1200">
+                <a:solidFill>
+                  <a:schemeClr val="tx1"/>
+                </a:solidFill>
+                <a:latin typeface="+mn-lt"/>
+                <a:ea typeface="+mn-ea"/>
+                <a:cs typeface="+mn-cs"/>
+              </a:defRPr>
+            </a:lvl9pPr>
+          </a:lstStyle>
+          <a:p>
+            <a:r>
+              <a:rPr lang="en-US" dirty="0"/>
+              <a:t>Ex: Imbalanced Data</a:t>
+            </a:r>
+          </a:p>
+        </p:txBody>
+      </p:sp>
+    </p:spTree>
+    <p:extLst>
+      <p:ext uri="{BB962C8B-B14F-4D97-AF65-F5344CB8AC3E}">
+        <p14:creationId xmlns:p14="http://schemas.microsoft.com/office/powerpoint/2010/main" val="2693419376"/>
+      </p:ext>
+    </p:extLst>
+  </p:cSld>
+  <p:clrMapOvr>
+    <a:masterClrMapping/>
+  </p:clrMapOvr>
+</p:sld>
+</file>
+
+<file path=ppt/slides/slide11.xml><?xml version="1.0" encoding="utf-8"?>
+<p:sld xmlns:a="http://schemas.openxmlformats.org/drawingml/2006/main" xmlns:r="http://schemas.openxmlformats.org/officeDocument/2006/relationships" xmlns:p="http://schemas.openxmlformats.org/presentationml/2006/main">
+  <p:cSld>
+    <p:spTree>
+      <p:nvGrpSpPr>
+        <p:cNvPr id="1" name=""/>
+        <p:cNvGrpSpPr/>
+        <p:nvPr/>
+      </p:nvGrpSpPr>
+      <p:grpSpPr>
+        <a:xfrm>
+          <a:off x="0" y="0"/>
+          <a:ext cx="0" cy="0"/>
+          <a:chOff x="0" y="0"/>
+          <a:chExt cx="0" cy="0"/>
+        </a:xfrm>
+      </p:grpSpPr>
+      <p:sp>
+        <p:nvSpPr>
+          <p:cNvPr id="2" name="Title 1">
+            <a:extLst>
+              <a:ext uri="{FF2B5EF4-FFF2-40B4-BE49-F238E27FC236}">
+                <a16:creationId xmlns:a16="http://schemas.microsoft.com/office/drawing/2014/main" id="{192D8086-4787-1459-456D-6E66571842E3}"/>
+              </a:ext>
+            </a:extLst>
+          </p:cNvPr>
+          <p:cNvSpPr>
+            <a:spLocks noGrp="1"/>
+          </p:cNvSpPr>
+          <p:nvPr>
+            <p:ph type="title"/>
+          </p:nvPr>
+        </p:nvSpPr>
+        <p:spPr/>
+        <p:txBody>
+          <a:bodyPr/>
+          <a:lstStyle/>
+          <a:p>
+            <a:r>
+              <a:rPr lang="en-US" dirty="0"/>
+              <a:t>Decision Tree</a:t>
+            </a:r>
+          </a:p>
+        </p:txBody>
+      </p:sp>
+      <p:sp>
+        <p:nvSpPr>
+          <p:cNvPr id="5" name="Content Placeholder 4">
+            <a:extLst>
+              <a:ext uri="{FF2B5EF4-FFF2-40B4-BE49-F238E27FC236}">
+                <a16:creationId xmlns:a16="http://schemas.microsoft.com/office/drawing/2014/main" id="{B6551173-A73A-CB52-A954-90FC88F23E27}"/>
+              </a:ext>
+            </a:extLst>
+          </p:cNvPr>
+          <p:cNvSpPr>
+            <a:spLocks noGrp="1"/>
+          </p:cNvSpPr>
+          <p:nvPr>
+            <p:ph idx="1"/>
+          </p:nvPr>
+        </p:nvSpPr>
+        <p:spPr/>
+        <p:txBody>
+          <a:bodyPr/>
+          <a:lstStyle/>
+          <a:p>
+            <a:r>
+              <a:rPr lang="en-AU" dirty="0"/>
+              <a:t>What is Decision Tree:</a:t>
+            </a:r>
+          </a:p>
+          <a:p>
+            <a:pPr lvl="1"/>
+            <a:r>
+              <a:rPr lang="en-AU" dirty="0"/>
+              <a:t>Supervised ML algorithm</a:t>
+            </a:r>
+          </a:p>
+          <a:p>
+            <a:pPr lvl="1"/>
+            <a:r>
+              <a:rPr lang="en-AU" dirty="0"/>
+              <a:t>Tree structure</a:t>
+            </a:r>
+          </a:p>
+          <a:p>
+            <a:pPr lvl="1"/>
+            <a:r>
+              <a:rPr lang="en-AU" dirty="0"/>
+              <a:t> It have root, internal and terminal nodes</a:t>
+            </a:r>
+          </a:p>
+          <a:p>
+            <a:pPr lvl="1"/>
+            <a:r>
+              <a:rPr lang="en-AU" dirty="0"/>
+              <a:t>Construction:</a:t>
+            </a:r>
+          </a:p>
+          <a:p>
+            <a:pPr lvl="2"/>
+            <a:r>
+              <a:rPr lang="en-AU" dirty="0"/>
+              <a:t>Recursively splitting train data set into subsets</a:t>
+            </a:r>
+          </a:p>
+          <a:p>
+            <a:pPr marL="914400" lvl="2" indent="0">
+              <a:buNone/>
+            </a:pPr>
+            <a:r>
+              <a:rPr lang="en-AU" dirty="0"/>
+              <a:t>     based on the values of the attributes until</a:t>
+            </a:r>
+          </a:p>
+          <a:p>
+            <a:pPr marL="914400" lvl="2" indent="0">
+              <a:buNone/>
+            </a:pPr>
+            <a:r>
+              <a:rPr lang="en-AU" dirty="0"/>
+              <a:t>     a stopping criterion is met</a:t>
+            </a:r>
+          </a:p>
+          <a:p>
+            <a:pPr lvl="2"/>
+            <a:r>
+              <a:rPr lang="en-AU" dirty="0"/>
+              <a:t>Stopping criterion:</a:t>
+            </a:r>
+          </a:p>
+          <a:p>
+            <a:pPr lvl="3"/>
+            <a:r>
+              <a:rPr lang="en-AU" dirty="0"/>
+              <a:t>Maximum depth of the tree</a:t>
+            </a:r>
+          </a:p>
+          <a:p>
+            <a:pPr lvl="3"/>
+            <a:r>
+              <a:rPr lang="en-AU" dirty="0"/>
+              <a:t>Minimum number of samples required to split a node</a:t>
+            </a:r>
+          </a:p>
+        </p:txBody>
+      </p:sp>
+      <p:grpSp>
+        <p:nvGrpSpPr>
+          <p:cNvPr id="3" name="Group 2">
+            <a:extLst>
+              <a:ext uri="{FF2B5EF4-FFF2-40B4-BE49-F238E27FC236}">
+                <a16:creationId xmlns:a16="http://schemas.microsoft.com/office/drawing/2014/main" id="{E876497F-78F8-8A32-326F-578487D54BE3}"/>
+              </a:ext>
+            </a:extLst>
+          </p:cNvPr>
+          <p:cNvGrpSpPr/>
+          <p:nvPr/>
+        </p:nvGrpSpPr>
+        <p:grpSpPr>
+          <a:xfrm>
+            <a:off x="7211332" y="322340"/>
+            <a:ext cx="3894818" cy="6213320"/>
+            <a:chOff x="6287550" y="242604"/>
+            <a:chExt cx="4008832" cy="6395204"/>
+          </a:xfrm>
+        </p:grpSpPr>
+        <p:sp>
+          <p:nvSpPr>
+            <p:cNvPr id="4" name="Oval 3">
+              <a:extLst>
+                <a:ext uri="{FF2B5EF4-FFF2-40B4-BE49-F238E27FC236}">
+                  <a16:creationId xmlns:a16="http://schemas.microsoft.com/office/drawing/2014/main" id="{413B9216-00C1-4BF5-06A6-32EA17997C54}"/>
+                </a:ext>
+              </a:extLst>
+            </p:cNvPr>
+            <p:cNvSpPr/>
+            <p:nvPr/>
+          </p:nvSpPr>
+          <p:spPr>
+            <a:xfrm>
+              <a:off x="7214533" y="618381"/>
+              <a:ext cx="1350627" cy="1249960"/>
+            </a:xfrm>
+            <a:prstGeom prst="ellipse">
+              <a:avLst/>
+            </a:prstGeom>
+          </p:spPr>
+          <p:style>
+            <a:lnRef idx="2">
+              <a:schemeClr val="accent1">
+                <a:shade val="15000"/>
+              </a:schemeClr>
+            </a:lnRef>
+            <a:fillRef idx="1">
+              <a:schemeClr val="accent1"/>
+            </a:fillRef>
+            <a:effectRef idx="0">
+              <a:schemeClr val="accent1"/>
+            </a:effectRef>
+            <a:fontRef idx="minor">
+              <a:schemeClr val="lt1"/>
+            </a:fontRef>
+          </p:style>
+          <p:txBody>
+            <a:bodyPr rtlCol="0" anchor="ctr"/>
+            <a:lstStyle/>
+            <a:p>
+              <a:pPr algn="ctr"/>
+              <a:r>
+                <a:rPr lang="en-US" dirty="0"/>
+                <a:t>Sunny?</a:t>
+              </a:r>
+            </a:p>
+          </p:txBody>
+        </p:sp>
+        <p:cxnSp>
+          <p:nvCxnSpPr>
+            <p:cNvPr id="6" name="Straight Arrow Connector 5">
+              <a:extLst>
+                <a:ext uri="{FF2B5EF4-FFF2-40B4-BE49-F238E27FC236}">
+                  <a16:creationId xmlns:a16="http://schemas.microsoft.com/office/drawing/2014/main" id="{C8B74276-07CE-D41C-0237-792824E8219B}"/>
+                </a:ext>
+              </a:extLst>
+            </p:cNvPr>
+            <p:cNvCxnSpPr>
+              <a:cxnSpLocks/>
+              <a:stCxn id="4" idx="4"/>
+            </p:cNvCxnSpPr>
+            <p:nvPr/>
+          </p:nvCxnSpPr>
+          <p:spPr>
+            <a:xfrm flipH="1">
+              <a:off x="6962863" y="1868341"/>
+              <a:ext cx="926984" cy="922789"/>
+            </a:xfrm>
+            <a:prstGeom prst="straightConnector1">
+              <a:avLst/>
+            </a:prstGeom>
+            <a:ln>
+              <a:tailEnd type="triangle"/>
+            </a:ln>
+          </p:spPr>
+          <p:style>
+            <a:lnRef idx="1">
+              <a:schemeClr val="accent1"/>
+            </a:lnRef>
+            <a:fillRef idx="0">
+              <a:schemeClr val="accent1"/>
+            </a:fillRef>
+            <a:effectRef idx="0">
+              <a:schemeClr val="accent1"/>
+            </a:effectRef>
+            <a:fontRef idx="minor">
+              <a:schemeClr val="tx1"/>
+            </a:fontRef>
+          </p:style>
+        </p:cxnSp>
+        <p:cxnSp>
+          <p:nvCxnSpPr>
+            <p:cNvPr id="7" name="Straight Arrow Connector 6">
+              <a:extLst>
+                <a:ext uri="{FF2B5EF4-FFF2-40B4-BE49-F238E27FC236}">
+                  <a16:creationId xmlns:a16="http://schemas.microsoft.com/office/drawing/2014/main" id="{89927F93-B2EF-F5EF-9DB8-FE58AF54EB4F}"/>
+                </a:ext>
+              </a:extLst>
+            </p:cNvPr>
+            <p:cNvCxnSpPr>
+              <a:cxnSpLocks/>
+              <a:stCxn id="4" idx="4"/>
+            </p:cNvCxnSpPr>
+            <p:nvPr/>
+          </p:nvCxnSpPr>
+          <p:spPr>
+            <a:xfrm>
+              <a:off x="7889847" y="1868341"/>
+              <a:ext cx="843093" cy="922789"/>
+            </a:xfrm>
+            <a:prstGeom prst="straightConnector1">
+              <a:avLst/>
+            </a:prstGeom>
+            <a:ln>
+              <a:tailEnd type="triangle"/>
+            </a:ln>
+          </p:spPr>
+          <p:style>
+            <a:lnRef idx="1">
+              <a:schemeClr val="accent1"/>
+            </a:lnRef>
+            <a:fillRef idx="0">
+              <a:schemeClr val="accent1"/>
+            </a:fillRef>
+            <a:effectRef idx="0">
+              <a:schemeClr val="accent1"/>
+            </a:effectRef>
+            <a:fontRef idx="minor">
+              <a:schemeClr val="tx1"/>
+            </a:fontRef>
+          </p:style>
+        </p:cxnSp>
+        <p:sp>
+          <p:nvSpPr>
+            <p:cNvPr id="10" name="TextBox 9">
+              <a:extLst>
+                <a:ext uri="{FF2B5EF4-FFF2-40B4-BE49-F238E27FC236}">
+                  <a16:creationId xmlns:a16="http://schemas.microsoft.com/office/drawing/2014/main" id="{C97386FD-A153-80F4-14CD-BD045CDF76A7}"/>
+                </a:ext>
+              </a:extLst>
+            </p:cNvPr>
+            <p:cNvSpPr txBox="1"/>
+            <p:nvPr/>
+          </p:nvSpPr>
+          <p:spPr>
+            <a:xfrm>
+              <a:off x="6940837" y="2086347"/>
+              <a:ext cx="485519" cy="369332"/>
+            </a:xfrm>
+            <a:prstGeom prst="rect">
+              <a:avLst/>
+            </a:prstGeom>
+            <a:noFill/>
+          </p:spPr>
+          <p:txBody>
+            <a:bodyPr wrap="none" rtlCol="0">
+              <a:spAutoFit/>
+            </a:bodyPr>
+            <a:lstStyle/>
+            <a:p>
+              <a:r>
+                <a:rPr lang="en-US" dirty="0"/>
+                <a:t>Yes</a:t>
+              </a:r>
+            </a:p>
+          </p:txBody>
+        </p:sp>
+        <p:sp>
+          <p:nvSpPr>
+            <p:cNvPr id="11" name="TextBox 10">
+              <a:extLst>
+                <a:ext uri="{FF2B5EF4-FFF2-40B4-BE49-F238E27FC236}">
+                  <a16:creationId xmlns:a16="http://schemas.microsoft.com/office/drawing/2014/main" id="{FD361A44-8B92-41BF-3738-0D173084D20D}"/>
+                </a:ext>
+              </a:extLst>
+            </p:cNvPr>
+            <p:cNvSpPr txBox="1"/>
+            <p:nvPr/>
+          </p:nvSpPr>
+          <p:spPr>
+            <a:xfrm>
+              <a:off x="8490181" y="2086347"/>
+              <a:ext cx="455574" cy="369332"/>
+            </a:xfrm>
+            <a:prstGeom prst="rect">
+              <a:avLst/>
+            </a:prstGeom>
+            <a:noFill/>
+          </p:spPr>
+          <p:txBody>
+            <a:bodyPr wrap="none" rtlCol="0">
+              <a:spAutoFit/>
+            </a:bodyPr>
+            <a:lstStyle/>
+            <a:p>
+              <a:r>
+                <a:rPr lang="en-US" dirty="0"/>
+                <a:t>No</a:t>
+              </a:r>
+            </a:p>
+          </p:txBody>
+        </p:sp>
+        <p:sp>
+          <p:nvSpPr>
+            <p:cNvPr id="12" name="Oval 11">
+              <a:extLst>
+                <a:ext uri="{FF2B5EF4-FFF2-40B4-BE49-F238E27FC236}">
+                  <a16:creationId xmlns:a16="http://schemas.microsoft.com/office/drawing/2014/main" id="{8E1917C3-FB6B-E7E7-4CBC-1BE7F5575A1E}"/>
+                </a:ext>
+              </a:extLst>
+            </p:cNvPr>
+            <p:cNvSpPr/>
+            <p:nvPr/>
+          </p:nvSpPr>
+          <p:spPr>
+            <a:xfrm>
+              <a:off x="8057626" y="2804020"/>
+              <a:ext cx="1350627" cy="1249960"/>
+            </a:xfrm>
+            <a:prstGeom prst="ellipse">
+              <a:avLst/>
+            </a:prstGeom>
+          </p:spPr>
+          <p:style>
+            <a:lnRef idx="2">
+              <a:schemeClr val="accent1">
+                <a:shade val="15000"/>
+              </a:schemeClr>
+            </a:lnRef>
+            <a:fillRef idx="1">
+              <a:schemeClr val="accent1"/>
+            </a:fillRef>
+            <a:effectRef idx="0">
+              <a:schemeClr val="accent1"/>
+            </a:effectRef>
+            <a:fontRef idx="minor">
+              <a:schemeClr val="lt1"/>
+            </a:fontRef>
+          </p:style>
+          <p:txBody>
+            <a:bodyPr rtlCol="0" anchor="ctr"/>
+            <a:lstStyle/>
+            <a:p>
+              <a:pPr algn="ctr"/>
+              <a:r>
+                <a:rPr lang="en-US" dirty="0"/>
+                <a:t>Rainy?</a:t>
+              </a:r>
+            </a:p>
+          </p:txBody>
+        </p:sp>
+        <p:cxnSp>
+          <p:nvCxnSpPr>
+            <p:cNvPr id="13" name="Straight Arrow Connector 12">
+              <a:extLst>
+                <a:ext uri="{FF2B5EF4-FFF2-40B4-BE49-F238E27FC236}">
+                  <a16:creationId xmlns:a16="http://schemas.microsoft.com/office/drawing/2014/main" id="{F64FA0D8-4568-D129-94A2-14C34ADDDE6B}"/>
+                </a:ext>
+              </a:extLst>
+            </p:cNvPr>
+            <p:cNvCxnSpPr/>
+            <p:nvPr/>
+          </p:nvCxnSpPr>
+          <p:spPr>
+            <a:xfrm flipH="1">
+              <a:off x="7807060" y="4053980"/>
+              <a:ext cx="926984" cy="922789"/>
+            </a:xfrm>
+            <a:prstGeom prst="straightConnector1">
+              <a:avLst/>
+            </a:prstGeom>
+            <a:ln>
+              <a:tailEnd type="triangle"/>
+            </a:ln>
+          </p:spPr>
+          <p:style>
+            <a:lnRef idx="1">
+              <a:schemeClr val="accent1"/>
+            </a:lnRef>
+            <a:fillRef idx="0">
+              <a:schemeClr val="accent1"/>
+            </a:fillRef>
+            <a:effectRef idx="0">
+              <a:schemeClr val="accent1"/>
+            </a:effectRef>
+            <a:fontRef idx="minor">
+              <a:schemeClr val="tx1"/>
+            </a:fontRef>
+          </p:style>
+        </p:cxnSp>
+        <p:sp>
+          <p:nvSpPr>
+            <p:cNvPr id="14" name="TextBox 13">
+              <a:extLst>
+                <a:ext uri="{FF2B5EF4-FFF2-40B4-BE49-F238E27FC236}">
+                  <a16:creationId xmlns:a16="http://schemas.microsoft.com/office/drawing/2014/main" id="{DDD51714-3221-D97C-A02A-A23496FD7D07}"/>
+                </a:ext>
+              </a:extLst>
+            </p:cNvPr>
+            <p:cNvSpPr txBox="1"/>
+            <p:nvPr/>
+          </p:nvSpPr>
+          <p:spPr>
+            <a:xfrm>
+              <a:off x="7889846" y="4082836"/>
+              <a:ext cx="485519" cy="369332"/>
+            </a:xfrm>
+            <a:prstGeom prst="rect">
+              <a:avLst/>
+            </a:prstGeom>
+            <a:noFill/>
+          </p:spPr>
+          <p:txBody>
+            <a:bodyPr wrap="none" rtlCol="0">
+              <a:spAutoFit/>
+            </a:bodyPr>
+            <a:lstStyle/>
+            <a:p>
+              <a:r>
+                <a:rPr lang="en-US" dirty="0"/>
+                <a:t>Yes</a:t>
+              </a:r>
+            </a:p>
+          </p:txBody>
+        </p:sp>
+        <p:cxnSp>
+          <p:nvCxnSpPr>
+            <p:cNvPr id="15" name="Straight Arrow Connector 14">
+              <a:extLst>
+                <a:ext uri="{FF2B5EF4-FFF2-40B4-BE49-F238E27FC236}">
+                  <a16:creationId xmlns:a16="http://schemas.microsoft.com/office/drawing/2014/main" id="{D3EA4DD5-7BE8-BDDE-40DC-7B5729CF0B95}"/>
+                </a:ext>
+              </a:extLst>
+            </p:cNvPr>
+            <p:cNvCxnSpPr>
+              <a:cxnSpLocks/>
+            </p:cNvCxnSpPr>
+            <p:nvPr/>
+          </p:nvCxnSpPr>
+          <p:spPr>
+            <a:xfrm>
+              <a:off x="8716684" y="3990774"/>
+              <a:ext cx="843093" cy="922789"/>
+            </a:xfrm>
+            <a:prstGeom prst="straightConnector1">
+              <a:avLst/>
+            </a:prstGeom>
+            <a:ln>
+              <a:tailEnd type="triangle"/>
+            </a:ln>
+          </p:spPr>
+          <p:style>
+            <a:lnRef idx="1">
+              <a:schemeClr val="accent1"/>
+            </a:lnRef>
+            <a:fillRef idx="0">
+              <a:schemeClr val="accent1"/>
+            </a:fillRef>
+            <a:effectRef idx="0">
+              <a:schemeClr val="accent1"/>
+            </a:effectRef>
+            <a:fontRef idx="minor">
+              <a:schemeClr val="tx1"/>
+            </a:fontRef>
+          </p:style>
+        </p:cxnSp>
+        <p:sp>
+          <p:nvSpPr>
+            <p:cNvPr id="16" name="TextBox 15">
+              <a:extLst>
+                <a:ext uri="{FF2B5EF4-FFF2-40B4-BE49-F238E27FC236}">
+                  <a16:creationId xmlns:a16="http://schemas.microsoft.com/office/drawing/2014/main" id="{8429B965-74F4-134C-9E0E-A1E3ABB11A45}"/>
+                </a:ext>
+              </a:extLst>
+            </p:cNvPr>
+            <p:cNvSpPr txBox="1"/>
+            <p:nvPr/>
+          </p:nvSpPr>
+          <p:spPr>
+            <a:xfrm>
+              <a:off x="9317016" y="4208780"/>
+              <a:ext cx="455574" cy="369332"/>
+            </a:xfrm>
+            <a:prstGeom prst="rect">
+              <a:avLst/>
+            </a:prstGeom>
+            <a:noFill/>
+          </p:spPr>
+          <p:txBody>
+            <a:bodyPr wrap="none" rtlCol="0">
+              <a:spAutoFit/>
+            </a:bodyPr>
+            <a:lstStyle/>
+            <a:p>
+              <a:r>
+                <a:rPr lang="en-US" dirty="0"/>
+                <a:t>No</a:t>
+              </a:r>
+            </a:p>
+          </p:txBody>
+        </p:sp>
+        <p:sp>
+          <p:nvSpPr>
+            <p:cNvPr id="18" name="Oval 17">
+              <a:extLst>
+                <a:ext uri="{FF2B5EF4-FFF2-40B4-BE49-F238E27FC236}">
+                  <a16:creationId xmlns:a16="http://schemas.microsoft.com/office/drawing/2014/main" id="{2E12593E-62BB-AEAB-7E16-B8A92DE6B379}"/>
+                </a:ext>
+              </a:extLst>
+            </p:cNvPr>
+            <p:cNvSpPr/>
+            <p:nvPr/>
+          </p:nvSpPr>
+          <p:spPr>
+            <a:xfrm>
+              <a:off x="6287550" y="2791130"/>
+              <a:ext cx="1350627" cy="1249960"/>
+            </a:xfrm>
+            <a:prstGeom prst="ellipse">
+              <a:avLst/>
+            </a:prstGeom>
+            <a:solidFill>
+              <a:schemeClr val="accent2"/>
+            </a:solidFill>
+          </p:spPr>
+          <p:style>
+            <a:lnRef idx="2">
+              <a:schemeClr val="accent1">
+                <a:shade val="15000"/>
+              </a:schemeClr>
+            </a:lnRef>
+            <a:fillRef idx="1">
+              <a:schemeClr val="accent1"/>
+            </a:fillRef>
+            <a:effectRef idx="0">
+              <a:schemeClr val="accent1"/>
+            </a:effectRef>
+            <a:fontRef idx="minor">
+              <a:schemeClr val="lt1"/>
+            </a:fontRef>
+          </p:style>
+          <p:txBody>
+            <a:bodyPr rtlCol="0" anchor="ctr"/>
+            <a:lstStyle/>
+            <a:p>
+              <a:pPr algn="ctr"/>
+              <a:r>
+                <a:rPr lang="en-US" dirty="0"/>
+                <a:t>Ice Cream</a:t>
+              </a:r>
+            </a:p>
+          </p:txBody>
+        </p:sp>
+        <p:sp>
+          <p:nvSpPr>
+            <p:cNvPr id="19" name="Oval 18">
+              <a:extLst>
+                <a:ext uri="{FF2B5EF4-FFF2-40B4-BE49-F238E27FC236}">
+                  <a16:creationId xmlns:a16="http://schemas.microsoft.com/office/drawing/2014/main" id="{3C277521-CF21-9DBB-33F8-1D3AC12CDEDB}"/>
+                </a:ext>
+              </a:extLst>
+            </p:cNvPr>
+            <p:cNvSpPr/>
+            <p:nvPr/>
+          </p:nvSpPr>
+          <p:spPr>
+            <a:xfrm>
+              <a:off x="7183596" y="4976769"/>
+              <a:ext cx="1350627" cy="1249960"/>
+            </a:xfrm>
+            <a:prstGeom prst="ellipse">
+              <a:avLst/>
+            </a:prstGeom>
+            <a:solidFill>
+              <a:schemeClr val="accent2"/>
+            </a:solidFill>
+          </p:spPr>
+          <p:style>
+            <a:lnRef idx="2">
+              <a:schemeClr val="accent1">
+                <a:shade val="15000"/>
+              </a:schemeClr>
+            </a:lnRef>
+            <a:fillRef idx="1">
+              <a:schemeClr val="accent1"/>
+            </a:fillRef>
+            <a:effectRef idx="0">
+              <a:schemeClr val="accent1"/>
+            </a:effectRef>
+            <a:fontRef idx="minor">
+              <a:schemeClr val="lt1"/>
+            </a:fontRef>
+          </p:style>
+          <p:txBody>
+            <a:bodyPr rtlCol="0" anchor="ctr"/>
+            <a:lstStyle/>
+            <a:p>
+              <a:pPr algn="ctr"/>
+              <a:r>
+                <a:rPr lang="en-US" dirty="0" err="1"/>
+                <a:t>Bajji</a:t>
+              </a:r>
+              <a:endParaRPr lang="en-US" dirty="0"/>
+            </a:p>
+          </p:txBody>
+        </p:sp>
+        <p:sp>
+          <p:nvSpPr>
+            <p:cNvPr id="20" name="Oval 19">
+              <a:extLst>
+                <a:ext uri="{FF2B5EF4-FFF2-40B4-BE49-F238E27FC236}">
+                  <a16:creationId xmlns:a16="http://schemas.microsoft.com/office/drawing/2014/main" id="{A7C428C6-AB59-E290-E95A-310C63863744}"/>
+                </a:ext>
+              </a:extLst>
+            </p:cNvPr>
+            <p:cNvSpPr/>
+            <p:nvPr/>
+          </p:nvSpPr>
+          <p:spPr>
+            <a:xfrm>
+              <a:off x="8945755" y="4913563"/>
+              <a:ext cx="1350627" cy="1249960"/>
+            </a:xfrm>
+            <a:prstGeom prst="ellipse">
+              <a:avLst/>
+            </a:prstGeom>
+            <a:solidFill>
+              <a:schemeClr val="accent2"/>
+            </a:solidFill>
+          </p:spPr>
+          <p:style>
+            <a:lnRef idx="2">
+              <a:schemeClr val="accent1">
+                <a:shade val="15000"/>
+              </a:schemeClr>
+            </a:lnRef>
+            <a:fillRef idx="1">
+              <a:schemeClr val="accent1"/>
+            </a:fillRef>
+            <a:effectRef idx="0">
+              <a:schemeClr val="accent1"/>
+            </a:effectRef>
+            <a:fontRef idx="minor">
+              <a:schemeClr val="lt1"/>
+            </a:fontRef>
+          </p:style>
+          <p:txBody>
+            <a:bodyPr rtlCol="0" anchor="ctr"/>
+            <a:lstStyle/>
+            <a:p>
+              <a:pPr algn="ctr"/>
+              <a:r>
+                <a:rPr lang="en-US" dirty="0"/>
+                <a:t>Tea</a:t>
+              </a:r>
+            </a:p>
+          </p:txBody>
+        </p:sp>
+        <p:sp>
+          <p:nvSpPr>
+            <p:cNvPr id="21" name="TextBox 20">
+              <a:extLst>
+                <a:ext uri="{FF2B5EF4-FFF2-40B4-BE49-F238E27FC236}">
+                  <a16:creationId xmlns:a16="http://schemas.microsoft.com/office/drawing/2014/main" id="{94D825B0-F275-0F56-726F-F4A042F342B1}"/>
+                </a:ext>
+              </a:extLst>
+            </p:cNvPr>
+            <p:cNvSpPr txBox="1"/>
+            <p:nvPr/>
+          </p:nvSpPr>
+          <p:spPr>
+            <a:xfrm>
+              <a:off x="7296542" y="242604"/>
+              <a:ext cx="1186607" cy="369332"/>
+            </a:xfrm>
+            <a:prstGeom prst="rect">
+              <a:avLst/>
+            </a:prstGeom>
+            <a:noFill/>
+          </p:spPr>
+          <p:txBody>
+            <a:bodyPr wrap="none" rtlCol="0">
+              <a:spAutoFit/>
+            </a:bodyPr>
+            <a:lstStyle/>
+            <a:p>
+              <a:r>
+                <a:rPr lang="en-US" dirty="0"/>
+                <a:t>Root Node</a:t>
+              </a:r>
+            </a:p>
+          </p:txBody>
+        </p:sp>
+        <p:sp>
+          <p:nvSpPr>
+            <p:cNvPr id="22" name="TextBox 21">
+              <a:extLst>
+                <a:ext uri="{FF2B5EF4-FFF2-40B4-BE49-F238E27FC236}">
+                  <a16:creationId xmlns:a16="http://schemas.microsoft.com/office/drawing/2014/main" id="{EAF840FB-AFE1-EC4E-166F-A3481068D24B}"/>
+                </a:ext>
+              </a:extLst>
+            </p:cNvPr>
+            <p:cNvSpPr txBox="1"/>
+            <p:nvPr/>
+          </p:nvSpPr>
+          <p:spPr>
+            <a:xfrm>
+              <a:off x="6328967" y="3961377"/>
+              <a:ext cx="1138711" cy="369332"/>
+            </a:xfrm>
+            <a:prstGeom prst="rect">
+              <a:avLst/>
+            </a:prstGeom>
+            <a:noFill/>
+          </p:spPr>
+          <p:txBody>
+            <a:bodyPr wrap="none" rtlCol="0">
+              <a:spAutoFit/>
+            </a:bodyPr>
+            <a:lstStyle/>
+            <a:p>
+              <a:r>
+                <a:rPr lang="en-US" dirty="0"/>
+                <a:t>Leaf Node</a:t>
+              </a:r>
+            </a:p>
+          </p:txBody>
+        </p:sp>
+        <p:sp>
+          <p:nvSpPr>
+            <p:cNvPr id="23" name="TextBox 22">
+              <a:extLst>
+                <a:ext uri="{FF2B5EF4-FFF2-40B4-BE49-F238E27FC236}">
+                  <a16:creationId xmlns:a16="http://schemas.microsoft.com/office/drawing/2014/main" id="{A38BCD8E-CF41-BC15-073A-F5B16DCA6394}"/>
+                </a:ext>
+              </a:extLst>
+            </p:cNvPr>
+            <p:cNvSpPr txBox="1"/>
+            <p:nvPr/>
+          </p:nvSpPr>
+          <p:spPr>
+            <a:xfrm>
+              <a:off x="7068822" y="6268476"/>
+              <a:ext cx="1138711" cy="369332"/>
+            </a:xfrm>
+            <a:prstGeom prst="rect">
+              <a:avLst/>
+            </a:prstGeom>
+            <a:noFill/>
+          </p:spPr>
+          <p:txBody>
+            <a:bodyPr wrap="none" rtlCol="0">
+              <a:spAutoFit/>
+            </a:bodyPr>
+            <a:lstStyle/>
+            <a:p>
+              <a:r>
+                <a:rPr lang="en-US" dirty="0"/>
+                <a:t>Leaf Node</a:t>
+              </a:r>
+            </a:p>
+          </p:txBody>
+        </p:sp>
+        <p:sp>
+          <p:nvSpPr>
+            <p:cNvPr id="24" name="TextBox 23">
+              <a:extLst>
+                <a:ext uri="{FF2B5EF4-FFF2-40B4-BE49-F238E27FC236}">
+                  <a16:creationId xmlns:a16="http://schemas.microsoft.com/office/drawing/2014/main" id="{E52AA769-8BC8-E39E-081D-B7D2A2EA2827}"/>
+                </a:ext>
+              </a:extLst>
+            </p:cNvPr>
+            <p:cNvSpPr txBox="1"/>
+            <p:nvPr/>
+          </p:nvSpPr>
+          <p:spPr>
+            <a:xfrm>
+              <a:off x="9157670" y="6228755"/>
+              <a:ext cx="1138710" cy="369332"/>
+            </a:xfrm>
+            <a:prstGeom prst="rect">
+              <a:avLst/>
+            </a:prstGeom>
+            <a:noFill/>
+          </p:spPr>
+          <p:txBody>
+            <a:bodyPr wrap="none" rtlCol="0">
+              <a:spAutoFit/>
+            </a:bodyPr>
+            <a:lstStyle/>
+            <a:p>
+              <a:r>
+                <a:rPr lang="en-US" dirty="0"/>
+                <a:t>Leaf Node</a:t>
+              </a:r>
+            </a:p>
+          </p:txBody>
+        </p:sp>
+      </p:grpSp>
+    </p:spTree>
+    <p:extLst>
+      <p:ext uri="{BB962C8B-B14F-4D97-AF65-F5344CB8AC3E}">
+        <p14:creationId xmlns:p14="http://schemas.microsoft.com/office/powerpoint/2010/main" val="1221890830"/>
+      </p:ext>
+    </p:extLst>
+  </p:cSld>
+  <p:clrMapOvr>
+    <a:masterClrMapping/>
+  </p:clrMapOvr>
+</p:sld>
+</file>
+
+<file path=ppt/slides/slide12.xml><?xml version="1.0" encoding="utf-8"?>
+<p:sld xmlns:a="http://schemas.openxmlformats.org/drawingml/2006/main" xmlns:r="http://schemas.openxmlformats.org/officeDocument/2006/relationships" xmlns:p="http://schemas.openxmlformats.org/presentationml/2006/main">
+  <p:cSld>
+    <p:spTree>
+      <p:nvGrpSpPr>
+        <p:cNvPr id="1" name=""/>
+        <p:cNvGrpSpPr/>
+        <p:nvPr/>
+      </p:nvGrpSpPr>
+      <p:grpSpPr>
+        <a:xfrm>
+          <a:off x="0" y="0"/>
+          <a:ext cx="0" cy="0"/>
+          <a:chOff x="0" y="0"/>
+          <a:chExt cx="0" cy="0"/>
+        </a:xfrm>
+      </p:grpSpPr>
+      <p:sp>
+        <p:nvSpPr>
+          <p:cNvPr id="2" name="Title 1">
+            <a:extLst>
+              <a:ext uri="{FF2B5EF4-FFF2-40B4-BE49-F238E27FC236}">
+                <a16:creationId xmlns:a16="http://schemas.microsoft.com/office/drawing/2014/main" id="{8E5880B9-3062-A96C-307C-4559348E1CAC}"/>
+              </a:ext>
+            </a:extLst>
+          </p:cNvPr>
+          <p:cNvSpPr>
+            <a:spLocks noGrp="1"/>
+          </p:cNvSpPr>
+          <p:nvPr>
+            <p:ph type="title"/>
+          </p:nvPr>
+        </p:nvSpPr>
+        <p:spPr/>
+        <p:txBody>
+          <a:bodyPr/>
+          <a:lstStyle/>
+          <a:p>
+            <a:r>
+              <a:rPr lang="en-US"/>
+              <a:t>Misclassification Metric</a:t>
+            </a:r>
+            <a:endParaRPr lang="en-US" dirty="0"/>
+          </a:p>
+        </p:txBody>
+      </p:sp>
+      <p:sp>
+        <p:nvSpPr>
+          <p:cNvPr id="3" name="Content Placeholder 2">
+            <a:extLst>
+              <a:ext uri="{FF2B5EF4-FFF2-40B4-BE49-F238E27FC236}">
+                <a16:creationId xmlns:a16="http://schemas.microsoft.com/office/drawing/2014/main" id="{D240EB75-D57C-BDBA-67D8-83BC08B6FD9A}"/>
+              </a:ext>
+            </a:extLst>
+          </p:cNvPr>
+          <p:cNvSpPr>
+            <a:spLocks noGrp="1"/>
+          </p:cNvSpPr>
+          <p:nvPr>
+            <p:ph idx="1"/>
+          </p:nvPr>
+        </p:nvSpPr>
+        <p:spPr/>
+        <p:txBody>
+          <a:bodyPr/>
+          <a:lstStyle/>
+          <a:p>
+            <a:endParaRPr lang="en-US"/>
+          </a:p>
+        </p:txBody>
+      </p:sp>
+    </p:spTree>
+    <p:extLst>
+      <p:ext uri="{BB962C8B-B14F-4D97-AF65-F5344CB8AC3E}">
+        <p14:creationId xmlns:p14="http://schemas.microsoft.com/office/powerpoint/2010/main" val="1274289020"/>
+      </p:ext>
+    </p:extLst>
+  </p:cSld>
+  <p:clrMapOvr>
+    <a:masterClrMapping/>
+  </p:clrMapOvr>
+</p:sld>
+</file>
+
+<file path=ppt/slides/slide13.xml><?xml version="1.0" encoding="utf-8"?>
+<p:sld xmlns:a="http://schemas.openxmlformats.org/drawingml/2006/main" xmlns:r="http://schemas.openxmlformats.org/officeDocument/2006/relationships" xmlns:p="http://schemas.openxmlformats.org/presentationml/2006/main">
+  <p:cSld>
+    <p:spTree>
+      <p:nvGrpSpPr>
+        <p:cNvPr id="1" name=""/>
+        <p:cNvGrpSpPr/>
+        <p:nvPr/>
+      </p:nvGrpSpPr>
+      <p:grpSpPr>
+        <a:xfrm>
+          <a:off x="0" y="0"/>
+          <a:ext cx="0" cy="0"/>
+          <a:chOff x="0" y="0"/>
+          <a:chExt cx="0" cy="0"/>
+        </a:xfrm>
+      </p:grpSpPr>
+      <p:sp>
+        <p:nvSpPr>
+          <p:cNvPr id="2" name="Title 1">
+            <a:extLst>
+              <a:ext uri="{FF2B5EF4-FFF2-40B4-BE49-F238E27FC236}">
                 <a16:creationId xmlns:a16="http://schemas.microsoft.com/office/drawing/2014/main" id="{C84B770B-7928-4294-938C-54F566403029}"/>
               </a:ext>
             </a:extLst>
@@ -3485,7 +5240,7 @@
 </p:sld>
 </file>
 
-<file path=ppt/slides/slide11.xml><?xml version="1.0" encoding="utf-8"?>
+<file path=ppt/slides/slide14.xml><?xml version="1.0" encoding="utf-8"?>
 <p:sld xmlns:a="http://schemas.openxmlformats.org/drawingml/2006/main" xmlns:r="http://schemas.openxmlformats.org/officeDocument/2006/relationships" xmlns:p="http://schemas.openxmlformats.org/presentationml/2006/main">
   <p:cSld>
     <p:spTree>
@@ -3613,8 +5368,8 @@
           </a:p>
         </p:txBody>
       </p:sp>
-      <mc:AlternateContent xmlns:mc="http://schemas.openxmlformats.org/markup-compatibility/2006">
-        <mc:Choice xmlns:a14="http://schemas.microsoft.com/office/drawing/2010/main" Requires="a14">
+      <mc:AlternateContent xmlns:mc="http://schemas.openxmlformats.org/markup-compatibility/2006" xmlns:a14="http://schemas.microsoft.com/office/drawing/2010/main">
+        <mc:Choice Requires="a14">
           <p:sp>
             <p:nvSpPr>
               <p:cNvPr id="3" name="Content Placeholder 2">
@@ -3961,7 +5716,7 @@
             </p:txBody>
           </p:sp>
         </mc:Choice>
-        <mc:Fallback>
+        <mc:Fallback xmlns="">
           <p:sp>
             <p:nvSpPr>
               <p:cNvPr id="3" name="Content Placeholder 2">
@@ -4885,8 +6640,8 @@
           </a:p>
         </p:txBody>
       </p:sp>
-      <mc:AlternateContent xmlns:mc="http://schemas.openxmlformats.org/markup-compatibility/2006">
-        <mc:Choice xmlns:a14="http://schemas.microsoft.com/office/drawing/2010/main" Requires="a14">
+      <mc:AlternateContent xmlns:mc="http://schemas.openxmlformats.org/markup-compatibility/2006" xmlns:a14="http://schemas.microsoft.com/office/drawing/2010/main">
+        <mc:Choice Requires="a14">
           <p:sp>
             <p:nvSpPr>
               <p:cNvPr id="5" name="TextBox 4">
@@ -4971,13 +6726,7 @@
                             <a:rPr lang="en-US" sz="1800" b="0" i="1" smtClean="0">
                               <a:latin typeface="Cambria Math" panose="02040503050406030204" pitchFamily="18" charset="0"/>
                             </a:rPr>
-                            <m:t>𝑝</m:t>
-                          </m:r>
-                          <m:r>
-                            <a:rPr lang="en-US" sz="1800" b="0" i="1" smtClean="0">
-                              <a:latin typeface="Cambria Math" panose="02040503050406030204" pitchFamily="18" charset="0"/>
-                            </a:rPr>
-                            <m:t>𝑟𝑒𝑑𝑖𝑐𝑡𝑖𝑜𝑛𝑠</m:t>
+                            <m:t>𝑝𝑟𝑒𝑑𝑖𝑐𝑡𝑖𝑜𝑛𝑠</m:t>
                           </m:r>
                         </m:num>
                         <m:den>
@@ -4991,13 +6740,7 @@
                             <a:rPr lang="en-US" sz="1800" b="0" i="1" smtClean="0">
                               <a:latin typeface="Cambria Math" panose="02040503050406030204" pitchFamily="18" charset="0"/>
                             </a:rPr>
-                            <m:t>𝑑</m:t>
-                          </m:r>
-                          <m:r>
-                            <a:rPr lang="en-US" sz="1800" b="0" i="1" smtClean="0">
-                              <a:latin typeface="Cambria Math" panose="02040503050406030204" pitchFamily="18" charset="0"/>
-                            </a:rPr>
-                            <m:t>𝑎𝑡𝑎</m:t>
+                            <m:t>𝑑𝑎𝑡𝑎</m:t>
                           </m:r>
                           <m:r>
                             <a:rPr lang="en-US" sz="1800" b="0" i="1" smtClean="0">
@@ -5009,13 +6752,7 @@
                             <a:rPr lang="en-US" sz="1800" b="0" i="1" smtClean="0">
                               <a:latin typeface="Cambria Math" panose="02040503050406030204" pitchFamily="18" charset="0"/>
                             </a:rPr>
-                            <m:t>𝑝</m:t>
-                          </m:r>
-                          <m:r>
-                            <a:rPr lang="en-US" sz="1800" b="0" i="1" smtClean="0">
-                              <a:latin typeface="Cambria Math" panose="02040503050406030204" pitchFamily="18" charset="0"/>
-                            </a:rPr>
-                            <m:t>𝑜𝑖𝑛𝑡𝑠</m:t>
+                            <m:t>𝑝𝑜𝑖𝑛𝑡𝑠</m:t>
                           </m:r>
                         </m:den>
                       </m:f>
@@ -5027,7 +6764,7 @@
             </p:txBody>
           </p:sp>
         </mc:Choice>
-        <mc:Fallback>
+        <mc:Fallback xmlns="">
           <p:sp>
             <p:nvSpPr>
               <p:cNvPr id="5" name="TextBox 4">
@@ -5287,7 +7024,7 @@
             </a:pPr>
             <a:r>
               <a:rPr lang="en-US" dirty="0"/>
-              <a:t>Balanced Data: Equal quantity of dogs, cats, and birds</a:t>
+              <a:t>Balanced Data: Nearly equal quantity of dogs, cats, and birds</a:t>
             </a:r>
           </a:p>
         </p:txBody>
@@ -5628,8 +7365,8 @@
           </a:graphicData>
         </a:graphic>
       </p:graphicFrame>
-      <mc:AlternateContent xmlns:mc="http://schemas.openxmlformats.org/markup-compatibility/2006">
-        <mc:Choice xmlns:a14="http://schemas.microsoft.com/office/drawing/2010/main" Requires="a14">
+      <mc:AlternateContent xmlns:mc="http://schemas.openxmlformats.org/markup-compatibility/2006" xmlns:a14="http://schemas.microsoft.com/office/drawing/2010/main">
+        <mc:Choice Requires="a14">
           <p:sp>
             <p:nvSpPr>
               <p:cNvPr id="11" name="Content Placeholder 2">
@@ -5900,7 +7637,7 @@
             </p:txBody>
           </p:sp>
         </mc:Choice>
-        <mc:Fallback>
+        <mc:Fallback xmlns="">
           <p:sp>
             <p:nvSpPr>
               <p:cNvPr id="11" name="Content Placeholder 2">
@@ -6044,8 +7781,8 @@
           </a:p>
         </p:txBody>
       </p:sp>
-      <mc:AlternateContent xmlns:mc="http://schemas.openxmlformats.org/markup-compatibility/2006">
-        <mc:Choice xmlns:a14="http://schemas.microsoft.com/office/drawing/2010/main" Requires="a14">
+      <mc:AlternateContent xmlns:mc="http://schemas.openxmlformats.org/markup-compatibility/2006" xmlns:a14="http://schemas.microsoft.com/office/drawing/2010/main">
+        <mc:Choice Requires="a14">
           <p:sp>
             <p:nvSpPr>
               <p:cNvPr id="5" name="TextBox 4">
@@ -6168,7 +7905,7 @@
             </p:txBody>
           </p:sp>
         </mc:Choice>
-        <mc:Fallback>
+        <mc:Fallback xmlns="">
           <p:sp>
             <p:nvSpPr>
               <p:cNvPr id="5" name="TextBox 4">
@@ -6428,7 +8165,7 @@
             </a:pPr>
             <a:r>
               <a:rPr lang="en-US" dirty="0"/>
-              <a:t>Unbalanced Data: more dogs in comparison to cats or birds</a:t>
+              <a:t>Unbalanced Data: More dogs in comparison to cats or birds</a:t>
             </a:r>
           </a:p>
         </p:txBody>
@@ -6769,8 +8506,8 @@
           </a:graphicData>
         </a:graphic>
       </p:graphicFrame>
-      <mc:AlternateContent xmlns:mc="http://schemas.openxmlformats.org/markup-compatibility/2006">
-        <mc:Choice xmlns:a14="http://schemas.microsoft.com/office/drawing/2010/main" Requires="a14">
+      <mc:AlternateContent xmlns:mc="http://schemas.openxmlformats.org/markup-compatibility/2006" xmlns:a14="http://schemas.microsoft.com/office/drawing/2010/main">
+        <mc:Choice Requires="a14">
           <p:sp>
             <p:nvSpPr>
               <p:cNvPr id="11" name="Content Placeholder 2">
@@ -7041,55 +8778,7 @@
                             <a:rPr lang="en-US" sz="1800" b="0" i="1" dirty="0" smtClean="0">
                               <a:latin typeface="Cambria Math" panose="02040503050406030204" pitchFamily="18" charset="0"/>
                             </a:rPr>
-                            <m:t>76+</m:t>
-                          </m:r>
-                          <m:r>
-                            <a:rPr lang="en-US" sz="1800" b="0" i="1" dirty="0" smtClean="0">
-                              <a:latin typeface="Cambria Math" panose="02040503050406030204" pitchFamily="18" charset="0"/>
-                            </a:rPr>
-                            <m:t>180</m:t>
-                          </m:r>
-                          <m:r>
-                            <a:rPr lang="en-US" sz="1800" b="0" i="1" dirty="0" smtClean="0">
-                              <a:latin typeface="Cambria Math" panose="02040503050406030204" pitchFamily="18" charset="0"/>
-                            </a:rPr>
-                            <m:t>+</m:t>
-                          </m:r>
-                          <m:r>
-                            <a:rPr lang="en-US" sz="1800" b="0" i="1" dirty="0" smtClean="0">
-                              <a:latin typeface="Cambria Math" panose="02040503050406030204" pitchFamily="18" charset="0"/>
-                            </a:rPr>
-                            <m:t>25</m:t>
-                          </m:r>
-                          <m:r>
-                            <a:rPr lang="en-US" sz="1800" b="0" i="1" dirty="0" smtClean="0">
-                              <a:latin typeface="Cambria Math" panose="02040503050406030204" pitchFamily="18" charset="0"/>
-                            </a:rPr>
-                            <m:t>+</m:t>
-                          </m:r>
-                          <m:r>
-                            <a:rPr lang="en-US" sz="1800" b="0" i="1" dirty="0" smtClean="0">
-                              <a:latin typeface="Cambria Math" panose="02040503050406030204" pitchFamily="18" charset="0"/>
-                            </a:rPr>
-                            <m:t>2</m:t>
-                          </m:r>
-                          <m:r>
-                            <a:rPr lang="en-US" sz="1800" b="0" i="1" dirty="0" smtClean="0">
-                              <a:latin typeface="Cambria Math" panose="02040503050406030204" pitchFamily="18" charset="0"/>
-                            </a:rPr>
-                            <m:t>0+12+11+27+3+</m:t>
-                          </m:r>
-                          <m:r>
-                            <a:rPr lang="en-US" sz="1800" b="0" i="1" dirty="0" smtClean="0">
-                              <a:latin typeface="Cambria Math" panose="02040503050406030204" pitchFamily="18" charset="0"/>
-                            </a:rPr>
-                            <m:t>1</m:t>
-                          </m:r>
-                          <m:r>
-                            <a:rPr lang="en-US" sz="1800" b="0" i="1" dirty="0" smtClean="0">
-                              <a:latin typeface="Cambria Math" panose="02040503050406030204" pitchFamily="18" charset="0"/>
-                            </a:rPr>
-                            <m:t>6</m:t>
+                            <m:t>76+180+25+20+12+11+27+3+16</m:t>
                           </m:r>
                         </m:den>
                       </m:f>
@@ -7097,31 +8786,7 @@
                         <a:rPr lang="en-US" sz="1800" b="0" i="1" dirty="0" smtClean="0">
                           <a:latin typeface="Cambria Math" panose="02040503050406030204" pitchFamily="18" charset="0"/>
                         </a:rPr>
-                        <m:t>=7</m:t>
-                      </m:r>
-                      <m:r>
-                        <a:rPr lang="en-US" sz="1800" b="0" i="1" dirty="0" smtClean="0">
-                          <a:latin typeface="Cambria Math" panose="02040503050406030204" pitchFamily="18" charset="0"/>
-                        </a:rPr>
-                        <m:t>5</m:t>
-                      </m:r>
-                      <m:r>
-                        <a:rPr lang="en-US" sz="1800" b="0" i="1" dirty="0" smtClean="0">
-                          <a:latin typeface="Cambria Math" panose="02040503050406030204" pitchFamily="18" charset="0"/>
-                        </a:rPr>
-                        <m:t>.</m:t>
-                      </m:r>
-                      <m:r>
-                        <a:rPr lang="en-US" sz="1800" b="0" i="1" dirty="0" smtClean="0">
-                          <a:latin typeface="Cambria Math" panose="02040503050406030204" pitchFamily="18" charset="0"/>
-                        </a:rPr>
-                        <m:t>95</m:t>
-                      </m:r>
-                      <m:r>
-                        <a:rPr lang="en-US" sz="1800" b="0" i="1" dirty="0" smtClean="0">
-                          <a:latin typeface="Cambria Math" panose="02040503050406030204" pitchFamily="18" charset="0"/>
-                        </a:rPr>
-                        <m:t>%</m:t>
+                        <m:t>=75.95%</m:t>
                       </m:r>
                     </m:oMath>
                   </m:oMathPara>
@@ -7131,7 +8796,7 @@
             </p:txBody>
           </p:sp>
         </mc:Choice>
-        <mc:Fallback>
+        <mc:Fallback xmlns="">
           <p:sp>
             <p:nvSpPr>
               <p:cNvPr id="11" name="Content Placeholder 2">
@@ -7477,8 +9142,8 @@
           </a:p>
         </p:txBody>
       </p:sp>
-      <mc:AlternateContent xmlns:mc="http://schemas.openxmlformats.org/markup-compatibility/2006">
-        <mc:Choice xmlns:a14="http://schemas.microsoft.com/office/drawing/2010/main" Requires="a14">
+      <mc:AlternateContent xmlns:mc="http://schemas.openxmlformats.org/markup-compatibility/2006" xmlns:a14="http://schemas.microsoft.com/office/drawing/2010/main">
+        <mc:Choice Requires="a14">
           <p:sp>
             <p:nvSpPr>
               <p:cNvPr id="7" name="TextBox 6">
@@ -7588,13 +9253,7 @@
                             <a:rPr lang="en-US" sz="1800" b="0" i="1" smtClean="0">
                               <a:latin typeface="Cambria Math" panose="02040503050406030204" pitchFamily="18" charset="0"/>
                             </a:rPr>
-                            <m:t>𝑐</m:t>
-                          </m:r>
-                          <m:r>
-                            <a:rPr lang="en-US" sz="1800" b="0" i="1" smtClean="0">
-                              <a:latin typeface="Cambria Math" panose="02040503050406030204" pitchFamily="18" charset="0"/>
-                            </a:rPr>
-                            <m:t>𝑜𝑟𝑟𝑒𝑐𝑡</m:t>
+                            <m:t>𝑐𝑜𝑟𝑟𝑒𝑐𝑡</m:t>
                           </m:r>
                           <m:r>
                             <a:rPr lang="en-US" sz="1800" b="0" i="1" smtClean="0">
@@ -7606,13 +9265,7 @@
                             <a:rPr lang="en-US" sz="1800" b="0" i="1" smtClean="0">
                               <a:latin typeface="Cambria Math" panose="02040503050406030204" pitchFamily="18" charset="0"/>
                             </a:rPr>
-                            <m:t>𝑐</m:t>
-                          </m:r>
-                          <m:r>
-                            <a:rPr lang="en-US" sz="1800" b="0" i="1" smtClean="0">
-                              <a:latin typeface="Cambria Math" panose="02040503050406030204" pitchFamily="18" charset="0"/>
-                            </a:rPr>
-                            <m:t>𝑙𝑎𝑠𝑠</m:t>
+                            <m:t>𝑐𝑙𝑎𝑠𝑠</m:t>
                           </m:r>
                           <m:r>
                             <a:rPr lang="en-US" sz="1800" b="0" i="1" smtClean="0">
@@ -7624,13 +9277,7 @@
                             <a:rPr lang="en-US" sz="1800" b="0" i="1" smtClean="0">
                               <a:latin typeface="Cambria Math" panose="02040503050406030204" pitchFamily="18" charset="0"/>
                             </a:rPr>
-                            <m:t>𝑝</m:t>
-                          </m:r>
-                          <m:r>
-                            <a:rPr lang="en-US" sz="1800" b="0" i="1" smtClean="0">
-                              <a:latin typeface="Cambria Math" panose="02040503050406030204" pitchFamily="18" charset="0"/>
-                            </a:rPr>
-                            <m:t>𝑟𝑒𝑑𝑖𝑐𝑡𝑖𝑜𝑛𝑠</m:t>
+                            <m:t>𝑝𝑟𝑒𝑑𝑖𝑐𝑡𝑖𝑜𝑛𝑠</m:t>
                           </m:r>
                           <m:r>
                             <a:rPr lang="en-US" sz="1800" b="0" i="1" smtClean="0">
@@ -7654,13 +9301,7 @@
                             <a:rPr lang="en-US" sz="1800" b="0" i="1" smtClean="0">
                               <a:latin typeface="Cambria Math" panose="02040503050406030204" pitchFamily="18" charset="0"/>
                             </a:rPr>
-                            <m:t>𝑐</m:t>
-                          </m:r>
-                          <m:r>
-                            <a:rPr lang="en-US" sz="1800" b="0" i="1" smtClean="0">
-                              <a:latin typeface="Cambria Math" panose="02040503050406030204" pitchFamily="18" charset="0"/>
-                            </a:rPr>
-                            <m:t>𝑙𝑎𝑠𝑠</m:t>
+                            <m:t>𝑐𝑙𝑎𝑠𝑠</m:t>
                           </m:r>
                           <m:r>
                             <a:rPr lang="en-US" sz="1800" b="0" i="1" smtClean="0">
@@ -7705,13 +9346,7 @@
                             <a:rPr lang="en-US" sz="1800" b="0" i="1" smtClean="0">
                               <a:latin typeface="Cambria Math" panose="02040503050406030204" pitchFamily="18" charset="0"/>
                             </a:rPr>
-                            <m:t>𝑐</m:t>
-                          </m:r>
-                          <m:r>
-                            <a:rPr lang="en-US" sz="1800" b="0" i="1" smtClean="0">
-                              <a:latin typeface="Cambria Math" panose="02040503050406030204" pitchFamily="18" charset="0"/>
-                            </a:rPr>
-                            <m:t>𝑙𝑎𝑠𝑠</m:t>
+                            <m:t>𝑐𝑙𝑎𝑠𝑠</m:t>
                           </m:r>
                           <m:r>
                             <a:rPr lang="en-US" sz="1800" b="0" i="1" smtClean="0">
@@ -7754,13 +9389,7 @@
                             <a:rPr lang="en-US" sz="1800" b="0" i="1" smtClean="0">
                               <a:latin typeface="Cambria Math" panose="02040503050406030204" pitchFamily="18" charset="0"/>
                             </a:rPr>
-                            <m:t>𝑑</m:t>
-                          </m:r>
-                          <m:r>
-                            <a:rPr lang="en-US" sz="1800" b="0" i="1" smtClean="0">
-                              <a:latin typeface="Cambria Math" panose="02040503050406030204" pitchFamily="18" charset="0"/>
-                            </a:rPr>
-                            <m:t>𝑎𝑡𝑎</m:t>
+                            <m:t>𝑑𝑎𝑡𝑎</m:t>
                           </m:r>
                           <m:r>
                             <a:rPr lang="en-US" sz="1800" b="0" i="1" smtClean="0">
@@ -7772,13 +9401,7 @@
                             <a:rPr lang="en-US" sz="1800" b="0" i="1" smtClean="0">
                               <a:latin typeface="Cambria Math" panose="02040503050406030204" pitchFamily="18" charset="0"/>
                             </a:rPr>
-                            <m:t>𝑝</m:t>
-                          </m:r>
-                          <m:r>
-                            <a:rPr lang="en-US" sz="1800" b="0" i="1" smtClean="0">
-                              <a:latin typeface="Cambria Math" panose="02040503050406030204" pitchFamily="18" charset="0"/>
-                            </a:rPr>
-                            <m:t>𝑜𝑖𝑛𝑡𝑠</m:t>
+                            <m:t>𝑝𝑜𝑖𝑛𝑡𝑠</m:t>
                           </m:r>
                         </m:den>
                       </m:f>
@@ -7790,7 +9413,7 @@
             </p:txBody>
           </p:sp>
         </mc:Choice>
-        <mc:Fallback>
+        <mc:Fallback xmlns="">
           <p:sp>
             <p:nvSpPr>
               <p:cNvPr id="7" name="TextBox 6">
@@ -7837,10 +9460,10 @@
       </mc:AlternateContent>
       <p:sp>
         <p:nvSpPr>
-          <p:cNvPr id="12" name="Content Placeholder 2">
+          <p:cNvPr id="4" name="Content Placeholder 2">
             <a:extLst>
               <a:ext uri="{FF2B5EF4-FFF2-40B4-BE49-F238E27FC236}">
-                <a16:creationId xmlns:a16="http://schemas.microsoft.com/office/drawing/2014/main" id="{D8001832-EDD6-46AD-741C-47E4EFB96547}"/>
+                <a16:creationId xmlns:a16="http://schemas.microsoft.com/office/drawing/2014/main" id="{E2E1F2FC-D6BB-E739-5996-DE282D5009B5}"/>
               </a:ext>
             </a:extLst>
           </p:cNvPr>
@@ -7851,12 +9474,16 @@
         </p:nvSpPr>
         <p:spPr>
           <a:xfrm>
-            <a:off x="838200" y="4225253"/>
-            <a:ext cx="4019026" cy="1959146"/>
+            <a:off x="838199" y="6096967"/>
+            <a:ext cx="2691003" cy="431177"/>
           </a:xfrm>
           <a:prstGeom prst="rect">
             <a:avLst/>
           </a:prstGeom>
+          <a:noFill/>
+          <a:ln>
+            <a:noFill/>
+          </a:ln>
         </p:spPr>
         <p:style>
           <a:lnRef idx="2">
@@ -7874,7 +9501,7 @@
         </p:style>
         <p:txBody>
           <a:bodyPr vert="horz" lIns="91440" tIns="45720" rIns="91440" bIns="45720" rtlCol="0">
-            <a:normAutofit/>
+            <a:normAutofit fontScale="55000" lnSpcReduction="20000"/>
           </a:bodyPr>
           <a:lstStyle>
             <a:lvl1pPr marL="228600" indent="-228600" algn="l" defTabSz="914400" rtl="0" eaLnBrk="1" latinLnBrk="0" hangingPunct="1">
@@ -8041,19 +9668,1954 @@
             </a:lvl9pPr>
           </a:lstStyle>
           <a:p>
+            <a:pPr marL="0" indent="0">
+              <a:buNone/>
+            </a:pPr>
             <a:r>
               <a:rPr lang="en-US" dirty="0"/>
-              <a:t>Ex: Balanced Data</a:t>
+              <a:t>Balanced Data: Nearly equal quantity of dogs, cats, and birds</a:t>
+            </a:r>
+          </a:p>
+        </p:txBody>
+      </p:sp>
+      <p:graphicFrame>
+        <p:nvGraphicFramePr>
+          <p:cNvPr id="5" name="Table 10">
+            <a:extLst>
+              <a:ext uri="{FF2B5EF4-FFF2-40B4-BE49-F238E27FC236}">
+                <a16:creationId xmlns:a16="http://schemas.microsoft.com/office/drawing/2014/main" id="{C04EFBBC-ED7E-F8D0-7316-C3A5C60C0368}"/>
+              </a:ext>
+            </a:extLst>
+          </p:cNvPr>
+          <p:cNvGraphicFramePr>
+            <a:graphicFrameLocks noGrp="1"/>
+          </p:cNvGraphicFramePr>
+          <p:nvPr>
+            <p:extLst>
+              <p:ext uri="{D42A27DB-BD31-4B8C-83A1-F6EECF244321}">
+                <p14:modId xmlns:p14="http://schemas.microsoft.com/office/powerpoint/2010/main" val="3005306349"/>
+              </p:ext>
+            </p:extLst>
+          </p:nvPr>
+        </p:nvGraphicFramePr>
+        <p:xfrm>
+          <a:off x="838198" y="3921583"/>
+          <a:ext cx="2691004" cy="2124504"/>
+        </p:xfrm>
+        <a:graphic>
+          <a:graphicData uri="http://schemas.openxmlformats.org/drawingml/2006/table">
+            <a:tbl>
+              <a:tblPr firstRow="1" bandRow="1">
+                <a:tableStyleId>{5C22544A-7EE6-4342-B048-85BDC9FD1C3A}</a:tableStyleId>
+              </a:tblPr>
+              <a:tblGrid>
+                <a:gridCol w="672751">
+                  <a:extLst>
+                    <a:ext uri="{9D8B030D-6E8A-4147-A177-3AD203B41FA5}">
+                      <a16:colId xmlns:a16="http://schemas.microsoft.com/office/drawing/2014/main" val="3779047369"/>
+                    </a:ext>
+                  </a:extLst>
+                </a:gridCol>
+                <a:gridCol w="672751">
+                  <a:extLst>
+                    <a:ext uri="{9D8B030D-6E8A-4147-A177-3AD203B41FA5}">
+                      <a16:colId xmlns:a16="http://schemas.microsoft.com/office/drawing/2014/main" val="2587912599"/>
+                    </a:ext>
+                  </a:extLst>
+                </a:gridCol>
+                <a:gridCol w="672751">
+                  <a:extLst>
+                    <a:ext uri="{9D8B030D-6E8A-4147-A177-3AD203B41FA5}">
+                      <a16:colId xmlns:a16="http://schemas.microsoft.com/office/drawing/2014/main" val="617498338"/>
+                    </a:ext>
+                  </a:extLst>
+                </a:gridCol>
+                <a:gridCol w="672751">
+                  <a:extLst>
+                    <a:ext uri="{9D8B030D-6E8A-4147-A177-3AD203B41FA5}">
+                      <a16:colId xmlns:a16="http://schemas.microsoft.com/office/drawing/2014/main" val="1361611942"/>
+                    </a:ext>
+                  </a:extLst>
+                </a:gridCol>
+              </a:tblGrid>
+              <a:tr h="517477">
+                <a:tc>
+                  <a:txBody>
+                    <a:bodyPr/>
+                    <a:lstStyle/>
+                    <a:p>
+                      <a:pPr algn="ctr"/>
+                      <a:endParaRPr lang="en-US" sz="1500" b="1" dirty="0">
+                        <a:solidFill>
+                          <a:schemeClr val="bg1"/>
+                        </a:solidFill>
+                      </a:endParaRPr>
+                    </a:p>
+                  </a:txBody>
+                  <a:tcPr marL="73925" marR="73925" marT="36963" marB="36963">
+                    <a:solidFill>
+                      <a:srgbClr val="4472C4"/>
+                    </a:solidFill>
+                  </a:tcPr>
+                </a:tc>
+                <a:tc>
+                  <a:txBody>
+                    <a:bodyPr/>
+                    <a:lstStyle/>
+                    <a:p>
+                      <a:pPr algn="ctr"/>
+                      <a:r>
+                        <a:rPr lang="en-US" sz="1500" dirty="0"/>
+                        <a:t>Model Cat</a:t>
+                      </a:r>
+                    </a:p>
+                  </a:txBody>
+                  <a:tcPr marL="73925" marR="73925" marT="36963" marB="36963"/>
+                </a:tc>
+                <a:tc>
+                  <a:txBody>
+                    <a:bodyPr/>
+                    <a:lstStyle/>
+                    <a:p>
+                      <a:pPr algn="ctr"/>
+                      <a:r>
+                        <a:rPr lang="en-US" sz="1500" dirty="0"/>
+                        <a:t>Model Dog</a:t>
+                      </a:r>
+                    </a:p>
+                  </a:txBody>
+                  <a:tcPr marL="73925" marR="73925" marT="36963" marB="36963"/>
+                </a:tc>
+                <a:tc>
+                  <a:txBody>
+                    <a:bodyPr/>
+                    <a:lstStyle/>
+                    <a:p>
+                      <a:pPr algn="ctr"/>
+                      <a:r>
+                        <a:rPr lang="en-US" sz="1500" dirty="0"/>
+                        <a:t>Model Bird</a:t>
+                      </a:r>
+                    </a:p>
+                  </a:txBody>
+                  <a:tcPr marL="73925" marR="73925" marT="36963" marB="36963"/>
+                </a:tc>
+                <a:extLst>
+                  <a:ext uri="{0D108BD9-81ED-4DB2-BD59-A6C34878D82A}">
+                    <a16:rowId xmlns:a16="http://schemas.microsoft.com/office/drawing/2014/main" val="2688480762"/>
+                  </a:ext>
+                </a:extLst>
+              </a:tr>
+              <a:tr h="517477">
+                <a:tc>
+                  <a:txBody>
+                    <a:bodyPr/>
+                    <a:lstStyle/>
+                    <a:p>
+                      <a:pPr algn="ctr"/>
+                      <a:r>
+                        <a:rPr lang="en-US" sz="1500" b="1" dirty="0">
+                          <a:solidFill>
+                            <a:schemeClr val="bg1"/>
+                          </a:solidFill>
+                        </a:rPr>
+                        <a:t>Data Cat</a:t>
+                      </a:r>
+                    </a:p>
+                  </a:txBody>
+                  <a:tcPr marL="73925" marR="73925" marT="36963" marB="36963">
+                    <a:solidFill>
+                      <a:srgbClr val="4472C4"/>
+                    </a:solidFill>
+                  </a:tcPr>
+                </a:tc>
+                <a:tc>
+                  <a:txBody>
+                    <a:bodyPr/>
+                    <a:lstStyle/>
+                    <a:p>
+                      <a:r>
+                        <a:rPr lang="en-US" sz="1500" dirty="0"/>
+                        <a:t>76</a:t>
+                      </a:r>
+                    </a:p>
+                  </a:txBody>
+                  <a:tcPr marL="73925" marR="73925" marT="36963" marB="36963"/>
+                </a:tc>
+                <a:tc>
+                  <a:txBody>
+                    <a:bodyPr/>
+                    <a:lstStyle/>
+                    <a:p>
+                      <a:r>
+                        <a:rPr lang="en-US" sz="1500" dirty="0"/>
+                        <a:t>10</a:t>
+                      </a:r>
+                    </a:p>
+                  </a:txBody>
+                  <a:tcPr marL="73925" marR="73925" marT="36963" marB="36963"/>
+                </a:tc>
+                <a:tc>
+                  <a:txBody>
+                    <a:bodyPr/>
+                    <a:lstStyle/>
+                    <a:p>
+                      <a:r>
+                        <a:rPr lang="en-US" sz="1500" dirty="0"/>
+                        <a:t>12</a:t>
+                      </a:r>
+                    </a:p>
+                  </a:txBody>
+                  <a:tcPr marL="73925" marR="73925" marT="36963" marB="36963"/>
+                </a:tc>
+                <a:extLst>
+                  <a:ext uri="{0D108BD9-81ED-4DB2-BD59-A6C34878D82A}">
+                    <a16:rowId xmlns:a16="http://schemas.microsoft.com/office/drawing/2014/main" val="1617891110"/>
+                  </a:ext>
+                </a:extLst>
+              </a:tr>
+              <a:tr h="517477">
+                <a:tc>
+                  <a:txBody>
+                    <a:bodyPr/>
+                    <a:lstStyle/>
+                    <a:p>
+                      <a:pPr algn="ctr"/>
+                      <a:r>
+                        <a:rPr lang="en-US" sz="1500" b="1" dirty="0">
+                          <a:solidFill>
+                            <a:schemeClr val="bg1"/>
+                          </a:solidFill>
+                        </a:rPr>
+                        <a:t>Data Dog</a:t>
+                      </a:r>
+                    </a:p>
+                  </a:txBody>
+                  <a:tcPr marL="73925" marR="73925" marT="36963" marB="36963">
+                    <a:solidFill>
+                      <a:srgbClr val="4472C4"/>
+                    </a:solidFill>
+                  </a:tcPr>
+                </a:tc>
+                <a:tc>
+                  <a:txBody>
+                    <a:bodyPr/>
+                    <a:lstStyle/>
+                    <a:p>
+                      <a:r>
+                        <a:rPr lang="en-US" sz="1500" dirty="0"/>
+                        <a:t>27</a:t>
+                      </a:r>
+                    </a:p>
+                  </a:txBody>
+                  <a:tcPr marL="73925" marR="73925" marT="36963" marB="36963"/>
+                </a:tc>
+                <a:tc>
+                  <a:txBody>
+                    <a:bodyPr/>
+                    <a:lstStyle/>
+                    <a:p>
+                      <a:r>
+                        <a:rPr lang="en-US" sz="1500" dirty="0"/>
+                        <a:t>69</a:t>
+                      </a:r>
+                    </a:p>
+                  </a:txBody>
+                  <a:tcPr marL="73925" marR="73925" marT="36963" marB="36963"/>
+                </a:tc>
+                <a:tc>
+                  <a:txBody>
+                    <a:bodyPr/>
+                    <a:lstStyle/>
+                    <a:p>
+                      <a:r>
+                        <a:rPr lang="en-US" sz="1500" dirty="0"/>
+                        <a:t>11</a:t>
+                      </a:r>
+                    </a:p>
+                  </a:txBody>
+                  <a:tcPr marL="73925" marR="73925" marT="36963" marB="36963"/>
+                </a:tc>
+                <a:extLst>
+                  <a:ext uri="{0D108BD9-81ED-4DB2-BD59-A6C34878D82A}">
+                    <a16:rowId xmlns:a16="http://schemas.microsoft.com/office/drawing/2014/main" val="842711822"/>
+                  </a:ext>
+                </a:extLst>
+              </a:tr>
+              <a:tr h="517477">
+                <a:tc>
+                  <a:txBody>
+                    <a:bodyPr/>
+                    <a:lstStyle/>
+                    <a:p>
+                      <a:pPr algn="ctr"/>
+                      <a:r>
+                        <a:rPr lang="en-US" sz="1500" b="1" dirty="0">
+                          <a:solidFill>
+                            <a:schemeClr val="bg1"/>
+                          </a:solidFill>
+                        </a:rPr>
+                        <a:t>Data Bird</a:t>
+                      </a:r>
+                    </a:p>
+                  </a:txBody>
+                  <a:tcPr marL="73925" marR="73925" marT="36963" marB="36963">
+                    <a:solidFill>
+                      <a:srgbClr val="4472C4"/>
+                    </a:solidFill>
+                  </a:tcPr>
+                </a:tc>
+                <a:tc>
+                  <a:txBody>
+                    <a:bodyPr/>
+                    <a:lstStyle/>
+                    <a:p>
+                      <a:r>
+                        <a:rPr lang="en-US" sz="1500" dirty="0"/>
+                        <a:t>6</a:t>
+                      </a:r>
+                    </a:p>
+                  </a:txBody>
+                  <a:tcPr marL="73925" marR="73925" marT="36963" marB="36963"/>
+                </a:tc>
+                <a:tc>
+                  <a:txBody>
+                    <a:bodyPr/>
+                    <a:lstStyle/>
+                    <a:p>
+                      <a:r>
+                        <a:rPr lang="en-US" sz="1500" dirty="0"/>
+                        <a:t>3</a:t>
+                      </a:r>
+                    </a:p>
+                  </a:txBody>
+                  <a:tcPr marL="73925" marR="73925" marT="36963" marB="36963"/>
+                </a:tc>
+                <a:tc>
+                  <a:txBody>
+                    <a:bodyPr/>
+                    <a:lstStyle/>
+                    <a:p>
+                      <a:r>
+                        <a:rPr lang="en-US" sz="1500" dirty="0"/>
+                        <a:t>81</a:t>
+                      </a:r>
+                    </a:p>
+                  </a:txBody>
+                  <a:tcPr marL="73925" marR="73925" marT="36963" marB="36963"/>
+                </a:tc>
+                <a:extLst>
+                  <a:ext uri="{0D108BD9-81ED-4DB2-BD59-A6C34878D82A}">
+                    <a16:rowId xmlns:a16="http://schemas.microsoft.com/office/drawing/2014/main" val="1343416302"/>
+                  </a:ext>
+                </a:extLst>
+              </a:tr>
+            </a:tbl>
+          </a:graphicData>
+        </a:graphic>
+      </p:graphicFrame>
+      <mc:AlternateContent xmlns:mc="http://schemas.openxmlformats.org/markup-compatibility/2006">
+        <mc:Choice xmlns:a14="http://schemas.microsoft.com/office/drawing/2010/main" Requires="a14">
+          <p:sp>
+            <p:nvSpPr>
+              <p:cNvPr id="6" name="Content Placeholder 2">
+                <a:extLst>
+                  <a:ext uri="{FF2B5EF4-FFF2-40B4-BE49-F238E27FC236}">
+                    <a16:creationId xmlns:a16="http://schemas.microsoft.com/office/drawing/2014/main" id="{1AFC14F2-A6BC-4858-3281-486C0C3AB194}"/>
+                  </a:ext>
+                </a:extLst>
+              </p:cNvPr>
+              <p:cNvSpPr txBox="1">
+                <a:spLocks/>
+              </p:cNvSpPr>
+              <p:nvPr/>
+            </p:nvSpPr>
+            <p:spPr>
+              <a:xfrm>
+                <a:off x="3880373" y="3358319"/>
+                <a:ext cx="6790423" cy="2661379"/>
+              </a:xfrm>
+              <a:prstGeom prst="rect">
+                <a:avLst/>
+              </a:prstGeom>
+              <a:noFill/>
+              <a:ln>
+                <a:noFill/>
+              </a:ln>
+            </p:spPr>
+            <p:style>
+              <a:lnRef idx="2">
+                <a:schemeClr val="accent5"/>
+              </a:lnRef>
+              <a:fillRef idx="1">
+                <a:schemeClr val="lt1"/>
+              </a:fillRef>
+              <a:effectRef idx="0">
+                <a:schemeClr val="accent5"/>
+              </a:effectRef>
+              <a:fontRef idx="minor">
+                <a:schemeClr val="dk1"/>
+              </a:fontRef>
+            </p:style>
+            <p:txBody>
+              <a:bodyPr vert="horz" lIns="91440" tIns="45720" rIns="91440" bIns="45720" rtlCol="0">
+                <a:noAutofit/>
+              </a:bodyPr>
+              <a:lstStyle>
+                <a:lvl1pPr marL="228600" indent="-228600" algn="l" defTabSz="914400" rtl="0" eaLnBrk="1" latinLnBrk="0" hangingPunct="1">
+                  <a:lnSpc>
+                    <a:spcPct val="90000"/>
+                  </a:lnSpc>
+                  <a:spcBef>
+                    <a:spcPts val="1000"/>
+                  </a:spcBef>
+                  <a:buFont typeface="Arial" panose="020B0604020202020204" pitchFamily="34" charset="0"/>
+                  <a:buChar char="•"/>
+                  <a:defRPr sz="2800" kern="1200">
+                    <a:solidFill>
+                      <a:schemeClr val="tx1"/>
+                    </a:solidFill>
+                    <a:latin typeface="+mn-lt"/>
+                    <a:ea typeface="+mn-ea"/>
+                    <a:cs typeface="+mn-cs"/>
+                  </a:defRPr>
+                </a:lvl1pPr>
+                <a:lvl2pPr marL="685800" indent="-228600" algn="l" defTabSz="914400" rtl="0" eaLnBrk="1" latinLnBrk="0" hangingPunct="1">
+                  <a:lnSpc>
+                    <a:spcPct val="90000"/>
+                  </a:lnSpc>
+                  <a:spcBef>
+                    <a:spcPts val="500"/>
+                  </a:spcBef>
+                  <a:buFont typeface="Arial" panose="020B0604020202020204" pitchFamily="34" charset="0"/>
+                  <a:buChar char="•"/>
+                  <a:defRPr sz="2400" kern="1200">
+                    <a:solidFill>
+                      <a:schemeClr val="tx1"/>
+                    </a:solidFill>
+                    <a:latin typeface="+mn-lt"/>
+                    <a:ea typeface="+mn-ea"/>
+                    <a:cs typeface="+mn-cs"/>
+                  </a:defRPr>
+                </a:lvl2pPr>
+                <a:lvl3pPr marL="1143000" indent="-228600" algn="l" defTabSz="914400" rtl="0" eaLnBrk="1" latinLnBrk="0" hangingPunct="1">
+                  <a:lnSpc>
+                    <a:spcPct val="90000"/>
+                  </a:lnSpc>
+                  <a:spcBef>
+                    <a:spcPts val="500"/>
+                  </a:spcBef>
+                  <a:buFont typeface="Arial" panose="020B0604020202020204" pitchFamily="34" charset="0"/>
+                  <a:buChar char="•"/>
+                  <a:defRPr sz="2000" kern="1200">
+                    <a:solidFill>
+                      <a:schemeClr val="tx1"/>
+                    </a:solidFill>
+                    <a:latin typeface="+mn-lt"/>
+                    <a:ea typeface="+mn-ea"/>
+                    <a:cs typeface="+mn-cs"/>
+                  </a:defRPr>
+                </a:lvl3pPr>
+                <a:lvl4pPr marL="1600200" indent="-228600" algn="l" defTabSz="914400" rtl="0" eaLnBrk="1" latinLnBrk="0" hangingPunct="1">
+                  <a:lnSpc>
+                    <a:spcPct val="90000"/>
+                  </a:lnSpc>
+                  <a:spcBef>
+                    <a:spcPts val="500"/>
+                  </a:spcBef>
+                  <a:buFont typeface="Arial" panose="020B0604020202020204" pitchFamily="34" charset="0"/>
+                  <a:buChar char="•"/>
+                  <a:defRPr sz="1800" kern="1200">
+                    <a:solidFill>
+                      <a:schemeClr val="tx1"/>
+                    </a:solidFill>
+                    <a:latin typeface="+mn-lt"/>
+                    <a:ea typeface="+mn-ea"/>
+                    <a:cs typeface="+mn-cs"/>
+                  </a:defRPr>
+                </a:lvl4pPr>
+                <a:lvl5pPr marL="2057400" indent="-228600" algn="l" defTabSz="914400" rtl="0" eaLnBrk="1" latinLnBrk="0" hangingPunct="1">
+                  <a:lnSpc>
+                    <a:spcPct val="90000"/>
+                  </a:lnSpc>
+                  <a:spcBef>
+                    <a:spcPts val="500"/>
+                  </a:spcBef>
+                  <a:buFont typeface="Arial" panose="020B0604020202020204" pitchFamily="34" charset="0"/>
+                  <a:buChar char="•"/>
+                  <a:defRPr sz="1800" kern="1200">
+                    <a:solidFill>
+                      <a:schemeClr val="tx1"/>
+                    </a:solidFill>
+                    <a:latin typeface="+mn-lt"/>
+                    <a:ea typeface="+mn-ea"/>
+                    <a:cs typeface="+mn-cs"/>
+                  </a:defRPr>
+                </a:lvl5pPr>
+                <a:lvl6pPr marL="2514600" indent="-228600" algn="l" defTabSz="914400" rtl="0" eaLnBrk="1" latinLnBrk="0" hangingPunct="1">
+                  <a:lnSpc>
+                    <a:spcPct val="90000"/>
+                  </a:lnSpc>
+                  <a:spcBef>
+                    <a:spcPts val="500"/>
+                  </a:spcBef>
+                  <a:buFont typeface="Arial" panose="020B0604020202020204" pitchFamily="34" charset="0"/>
+                  <a:buChar char="•"/>
+                  <a:defRPr sz="1800" kern="1200">
+                    <a:solidFill>
+                      <a:schemeClr val="tx1"/>
+                    </a:solidFill>
+                    <a:latin typeface="+mn-lt"/>
+                    <a:ea typeface="+mn-ea"/>
+                    <a:cs typeface="+mn-cs"/>
+                  </a:defRPr>
+                </a:lvl6pPr>
+                <a:lvl7pPr marL="2971800" indent="-228600" algn="l" defTabSz="914400" rtl="0" eaLnBrk="1" latinLnBrk="0" hangingPunct="1">
+                  <a:lnSpc>
+                    <a:spcPct val="90000"/>
+                  </a:lnSpc>
+                  <a:spcBef>
+                    <a:spcPts val="500"/>
+                  </a:spcBef>
+                  <a:buFont typeface="Arial" panose="020B0604020202020204" pitchFamily="34" charset="0"/>
+                  <a:buChar char="•"/>
+                  <a:defRPr sz="1800" kern="1200">
+                    <a:solidFill>
+                      <a:schemeClr val="tx1"/>
+                    </a:solidFill>
+                    <a:latin typeface="+mn-lt"/>
+                    <a:ea typeface="+mn-ea"/>
+                    <a:cs typeface="+mn-cs"/>
+                  </a:defRPr>
+                </a:lvl7pPr>
+                <a:lvl8pPr marL="3429000" indent="-228600" algn="l" defTabSz="914400" rtl="0" eaLnBrk="1" latinLnBrk="0" hangingPunct="1">
+                  <a:lnSpc>
+                    <a:spcPct val="90000"/>
+                  </a:lnSpc>
+                  <a:spcBef>
+                    <a:spcPts val="500"/>
+                  </a:spcBef>
+                  <a:buFont typeface="Arial" panose="020B0604020202020204" pitchFamily="34" charset="0"/>
+                  <a:buChar char="•"/>
+                  <a:defRPr sz="1800" kern="1200">
+                    <a:solidFill>
+                      <a:schemeClr val="tx1"/>
+                    </a:solidFill>
+                    <a:latin typeface="+mn-lt"/>
+                    <a:ea typeface="+mn-ea"/>
+                    <a:cs typeface="+mn-cs"/>
+                  </a:defRPr>
+                </a:lvl8pPr>
+                <a:lvl9pPr marL="3886200" indent="-228600" algn="l" defTabSz="914400" rtl="0" eaLnBrk="1" latinLnBrk="0" hangingPunct="1">
+                  <a:lnSpc>
+                    <a:spcPct val="90000"/>
+                  </a:lnSpc>
+                  <a:spcBef>
+                    <a:spcPts val="500"/>
+                  </a:spcBef>
+                  <a:buFont typeface="Arial" panose="020B0604020202020204" pitchFamily="34" charset="0"/>
+                  <a:buChar char="•"/>
+                  <a:defRPr sz="1800" kern="1200">
+                    <a:solidFill>
+                      <a:schemeClr val="tx1"/>
+                    </a:solidFill>
+                    <a:latin typeface="+mn-lt"/>
+                    <a:ea typeface="+mn-ea"/>
+                    <a:cs typeface="+mn-cs"/>
+                  </a:defRPr>
+                </a:lvl9pPr>
+              </a:lstStyle>
+              <a:p>
+                <a:pPr marL="0" indent="0" algn="ctr">
+                  <a:lnSpc>
+                    <a:spcPct val="150000"/>
+                  </a:lnSpc>
+                  <a:buNone/>
+                </a:pPr>
+                <a14:m>
+                  <m:oMathPara xmlns:m="http://schemas.openxmlformats.org/officeDocument/2006/math">
+                    <m:oMathParaPr>
+                      <m:jc m:val="centerGroup"/>
+                    </m:oMathParaPr>
+                    <m:oMath xmlns:m="http://schemas.openxmlformats.org/officeDocument/2006/math">
+                      <m:r>
+                        <a:rPr lang="en-US" sz="1800" b="0" i="1" dirty="0" smtClean="0">
+                          <a:latin typeface="Cambria Math" panose="02040503050406030204" pitchFamily="18" charset="0"/>
+                        </a:rPr>
+                        <m:t>𝑅𝑒𝑐𝑎𝑙</m:t>
+                      </m:r>
+                      <m:sSub>
+                        <m:sSubPr>
+                          <m:ctrlPr>
+                            <a:rPr lang="en-US" sz="1800" b="0" i="1" dirty="0" smtClean="0">
+                              <a:latin typeface="Cambria Math" panose="02040503050406030204" pitchFamily="18" charset="0"/>
+                            </a:rPr>
+                          </m:ctrlPr>
+                        </m:sSubPr>
+                        <m:e>
+                          <m:r>
+                            <a:rPr lang="en-US" sz="1800" b="0" i="1" dirty="0" smtClean="0">
+                              <a:latin typeface="Cambria Math" panose="02040503050406030204" pitchFamily="18" charset="0"/>
+                            </a:rPr>
+                            <m:t>𝑙</m:t>
+                          </m:r>
+                        </m:e>
+                        <m:sub>
+                          <m:r>
+                            <a:rPr lang="en-US" sz="1800" b="0" i="1" dirty="0" smtClean="0">
+                              <a:latin typeface="Cambria Math" panose="02040503050406030204" pitchFamily="18" charset="0"/>
+                            </a:rPr>
+                            <m:t>𝐶𝑎𝑡</m:t>
+                          </m:r>
+                        </m:sub>
+                      </m:sSub>
+                      <m:r>
+                        <a:rPr lang="en-US" sz="1800" i="1" dirty="0" smtClean="0">
+                          <a:latin typeface="Cambria Math" panose="02040503050406030204" pitchFamily="18" charset="0"/>
+                        </a:rPr>
+                        <m:t> =</m:t>
+                      </m:r>
+                      <m:f>
+                        <m:fPr>
+                          <m:ctrlPr>
+                            <a:rPr lang="en-US" sz="1800" b="0" i="1" dirty="0" smtClean="0">
+                              <a:latin typeface="Cambria Math" panose="02040503050406030204" pitchFamily="18" charset="0"/>
+                            </a:rPr>
+                          </m:ctrlPr>
+                        </m:fPr>
+                        <m:num>
+                          <m:r>
+                            <a:rPr lang="en-US" sz="1800" i="1" dirty="0" smtClean="0">
+                              <a:latin typeface="Cambria Math" panose="02040503050406030204" pitchFamily="18" charset="0"/>
+                            </a:rPr>
+                            <m:t>76</m:t>
+                          </m:r>
+                        </m:num>
+                        <m:den>
+                          <m:r>
+                            <a:rPr lang="en-US" sz="1800" b="0" i="1" dirty="0" smtClean="0">
+                              <a:latin typeface="Cambria Math" panose="02040503050406030204" pitchFamily="18" charset="0"/>
+                            </a:rPr>
+                            <m:t>76+10+12</m:t>
+                          </m:r>
+                        </m:den>
+                      </m:f>
+                      <m:r>
+                        <a:rPr lang="en-US" sz="1800" b="0" i="1" dirty="0" smtClean="0">
+                          <a:latin typeface="Cambria Math" panose="02040503050406030204" pitchFamily="18" charset="0"/>
+                        </a:rPr>
+                        <m:t>=7</m:t>
+                      </m:r>
+                      <m:r>
+                        <a:rPr lang="en-US" sz="1800" b="0" i="1" dirty="0" smtClean="0">
+                          <a:latin typeface="Cambria Math" panose="02040503050406030204" pitchFamily="18" charset="0"/>
+                        </a:rPr>
+                        <m:t>7</m:t>
+                      </m:r>
+                      <m:r>
+                        <a:rPr lang="en-US" sz="1800" b="0" i="1" dirty="0" smtClean="0">
+                          <a:latin typeface="Cambria Math" panose="02040503050406030204" pitchFamily="18" charset="0"/>
+                        </a:rPr>
+                        <m:t>.</m:t>
+                      </m:r>
+                      <m:r>
+                        <a:rPr lang="en-US" sz="1800" b="0" i="1" dirty="0" smtClean="0">
+                          <a:latin typeface="Cambria Math" panose="02040503050406030204" pitchFamily="18" charset="0"/>
+                        </a:rPr>
+                        <m:t>55</m:t>
+                      </m:r>
+                      <m:r>
+                        <a:rPr lang="en-US" sz="1800" b="0" i="1" dirty="0" smtClean="0">
+                          <a:latin typeface="Cambria Math" panose="02040503050406030204" pitchFamily="18" charset="0"/>
+                        </a:rPr>
+                        <m:t>%</m:t>
+                      </m:r>
+                    </m:oMath>
+                  </m:oMathPara>
+                </a14:m>
+                <a:endParaRPr lang="en-US" sz="1800" b="0" dirty="0"/>
+              </a:p>
+              <a:p>
+                <a:pPr marL="0" indent="0" algn="ctr">
+                  <a:lnSpc>
+                    <a:spcPct val="150000"/>
+                  </a:lnSpc>
+                  <a:buNone/>
+                </a:pPr>
+                <a14:m>
+                  <m:oMathPara xmlns:m="http://schemas.openxmlformats.org/officeDocument/2006/math">
+                    <m:oMathParaPr>
+                      <m:jc m:val="centerGroup"/>
+                    </m:oMathParaPr>
+                    <m:oMath xmlns:m="http://schemas.openxmlformats.org/officeDocument/2006/math">
+                      <m:r>
+                        <a:rPr lang="en-US" sz="1800" i="1">
+                          <a:latin typeface="Cambria Math" panose="02040503050406030204" pitchFamily="18" charset="0"/>
+                        </a:rPr>
+                        <m:t>𝑅𝑒𝑐𝑎𝑙</m:t>
+                      </m:r>
+                      <m:sSub>
+                        <m:sSubPr>
+                          <m:ctrlPr>
+                            <a:rPr lang="en-US" sz="1800" i="1">
+                              <a:latin typeface="Cambria Math" panose="02040503050406030204" pitchFamily="18" charset="0"/>
+                            </a:rPr>
+                          </m:ctrlPr>
+                        </m:sSubPr>
+                        <m:e>
+                          <m:r>
+                            <a:rPr lang="en-US" sz="1800" i="1">
+                              <a:latin typeface="Cambria Math" panose="02040503050406030204" pitchFamily="18" charset="0"/>
+                            </a:rPr>
+                            <m:t>𝑙</m:t>
+                          </m:r>
+                        </m:e>
+                        <m:sub>
+                          <m:r>
+                            <a:rPr lang="en-US" sz="1800" i="1">
+                              <a:latin typeface="Cambria Math" panose="02040503050406030204" pitchFamily="18" charset="0"/>
+                            </a:rPr>
+                            <m:t>𝐷𝑜𝑔</m:t>
+                          </m:r>
+                        </m:sub>
+                      </m:sSub>
+                      <m:r>
+                        <a:rPr lang="en-US" sz="1800" i="1">
+                          <a:latin typeface="Cambria Math" panose="02040503050406030204" pitchFamily="18" charset="0"/>
+                        </a:rPr>
+                        <m:t>=</m:t>
+                      </m:r>
+                      <m:f>
+                        <m:fPr>
+                          <m:ctrlPr>
+                            <a:rPr lang="en-US" sz="1800" i="1">
+                              <a:latin typeface="Cambria Math" panose="02040503050406030204" pitchFamily="18" charset="0"/>
+                            </a:rPr>
+                          </m:ctrlPr>
+                        </m:fPr>
+                        <m:num>
+                          <m:r>
+                            <a:rPr lang="en-US" sz="1800" i="1">
+                              <a:latin typeface="Cambria Math" panose="02040503050406030204" pitchFamily="18" charset="0"/>
+                            </a:rPr>
+                            <m:t>69</m:t>
+                          </m:r>
+                        </m:num>
+                        <m:den>
+                          <m:r>
+                            <a:rPr lang="en-US" sz="1800" i="1">
+                              <a:latin typeface="Cambria Math" panose="02040503050406030204" pitchFamily="18" charset="0"/>
+                            </a:rPr>
+                            <m:t>27+69+11</m:t>
+                          </m:r>
+                        </m:den>
+                      </m:f>
+                      <m:r>
+                        <a:rPr lang="en-US" sz="1800" i="1">
+                          <a:latin typeface="Cambria Math" panose="02040503050406030204" pitchFamily="18" charset="0"/>
+                        </a:rPr>
+                        <m:t>=64.48%</m:t>
+                      </m:r>
+                    </m:oMath>
+                  </m:oMathPara>
+                </a14:m>
+                <a:endParaRPr lang="en-US" sz="1800" b="0" dirty="0"/>
+              </a:p>
+              <a:p>
+                <a:pPr marL="0" indent="0" algn="ctr">
+                  <a:lnSpc>
+                    <a:spcPct val="150000"/>
+                  </a:lnSpc>
+                  <a:buNone/>
+                </a:pPr>
+                <a14:m>
+                  <m:oMathPara xmlns:m="http://schemas.openxmlformats.org/officeDocument/2006/math">
+                    <m:oMathParaPr>
+                      <m:jc m:val="centerGroup"/>
+                    </m:oMathParaPr>
+                    <m:oMath xmlns:m="http://schemas.openxmlformats.org/officeDocument/2006/math">
+                      <m:r>
+                        <a:rPr lang="en-US" sz="1800" b="0" i="1" smtClean="0">
+                          <a:latin typeface="Cambria Math" panose="02040503050406030204" pitchFamily="18" charset="0"/>
+                        </a:rPr>
+                        <m:t>𝑅𝑒𝑐𝑎𝑙</m:t>
+                      </m:r>
+                      <m:sSub>
+                        <m:sSubPr>
+                          <m:ctrlPr>
+                            <a:rPr lang="en-US" sz="1800" b="0" i="1" smtClean="0">
+                              <a:latin typeface="Cambria Math" panose="02040503050406030204" pitchFamily="18" charset="0"/>
+                            </a:rPr>
+                          </m:ctrlPr>
+                        </m:sSubPr>
+                        <m:e>
+                          <m:r>
+                            <a:rPr lang="en-US" sz="1800" b="0" i="1" smtClean="0">
+                              <a:latin typeface="Cambria Math" panose="02040503050406030204" pitchFamily="18" charset="0"/>
+                            </a:rPr>
+                            <m:t>𝑙</m:t>
+                          </m:r>
+                        </m:e>
+                        <m:sub>
+                          <m:r>
+                            <a:rPr lang="en-US" sz="1800" b="0" i="1" smtClean="0">
+                              <a:latin typeface="Cambria Math" panose="02040503050406030204" pitchFamily="18" charset="0"/>
+                            </a:rPr>
+                            <m:t>𝐵𝑖𝑟𝑑</m:t>
+                          </m:r>
+                        </m:sub>
+                      </m:sSub>
+                      <m:r>
+                        <a:rPr lang="en-US" sz="1800" b="0" i="1" smtClean="0">
+                          <a:latin typeface="Cambria Math" panose="02040503050406030204" pitchFamily="18" charset="0"/>
+                        </a:rPr>
+                        <m:t>=</m:t>
+                      </m:r>
+                      <m:f>
+                        <m:fPr>
+                          <m:ctrlPr>
+                            <a:rPr lang="en-US" sz="1800" b="0" i="1" smtClean="0">
+                              <a:latin typeface="Cambria Math" panose="02040503050406030204" pitchFamily="18" charset="0"/>
+                            </a:rPr>
+                          </m:ctrlPr>
+                        </m:fPr>
+                        <m:num>
+                          <m:r>
+                            <a:rPr lang="en-US" sz="1800" b="0" i="1" smtClean="0">
+                              <a:latin typeface="Cambria Math" panose="02040503050406030204" pitchFamily="18" charset="0"/>
+                            </a:rPr>
+                            <m:t>81</m:t>
+                          </m:r>
+                        </m:num>
+                        <m:den>
+                          <m:r>
+                            <a:rPr lang="en-US" sz="1800" b="0" i="1" smtClean="0">
+                              <a:latin typeface="Cambria Math" panose="02040503050406030204" pitchFamily="18" charset="0"/>
+                            </a:rPr>
+                            <m:t>81+6+3</m:t>
+                          </m:r>
+                        </m:den>
+                      </m:f>
+                      <m:r>
+                        <a:rPr lang="en-US" sz="1800" b="0" i="1" smtClean="0">
+                          <a:latin typeface="Cambria Math" panose="02040503050406030204" pitchFamily="18" charset="0"/>
+                        </a:rPr>
+                        <m:t>=90.00%</m:t>
+                      </m:r>
+                    </m:oMath>
+                  </m:oMathPara>
+                </a14:m>
+                <a:endParaRPr lang="en-US" sz="1800" b="0" dirty="0"/>
+              </a:p>
+            </p:txBody>
+          </p:sp>
+        </mc:Choice>
+        <mc:Fallback>
+          <p:sp>
+            <p:nvSpPr>
+              <p:cNvPr id="6" name="Content Placeholder 2">
+                <a:extLst>
+                  <a:ext uri="{FF2B5EF4-FFF2-40B4-BE49-F238E27FC236}">
+                    <a16:creationId xmlns:a16="http://schemas.microsoft.com/office/drawing/2014/main" id="{1AFC14F2-A6BC-4858-3281-486C0C3AB194}"/>
+                  </a:ext>
+                </a:extLst>
+              </p:cNvPr>
+              <p:cNvSpPr txBox="1">
+                <a:spLocks noRot="1" noChangeAspect="1" noMove="1" noResize="1" noEditPoints="1" noAdjustHandles="1" noChangeArrowheads="1" noChangeShapeType="1" noTextEdit="1"/>
+              </p:cNvSpPr>
+              <p:nvPr/>
+            </p:nvSpPr>
+            <p:spPr>
+              <a:xfrm>
+                <a:off x="3880373" y="3358319"/>
+                <a:ext cx="6790423" cy="2661379"/>
+              </a:xfrm>
+              <a:prstGeom prst="rect">
+                <a:avLst/>
+              </a:prstGeom>
+              <a:blipFill>
+                <a:blip r:embed="rId3"/>
+                <a:stretch>
+                  <a:fillRect/>
+                </a:stretch>
+              </a:blipFill>
+              <a:ln>
+                <a:noFill/>
+              </a:ln>
+            </p:spPr>
+            <p:txBody>
+              <a:bodyPr/>
+              <a:lstStyle/>
+              <a:p>
+                <a:r>
+                  <a:rPr lang="en-US">
+                    <a:noFill/>
+                  </a:rPr>
+                  <a:t> </a:t>
+                </a:r>
+              </a:p>
+            </p:txBody>
+          </p:sp>
+        </mc:Fallback>
+      </mc:AlternateContent>
+    </p:spTree>
+    <p:extLst>
+      <p:ext uri="{BB962C8B-B14F-4D97-AF65-F5344CB8AC3E}">
+        <p14:creationId xmlns:p14="http://schemas.microsoft.com/office/powerpoint/2010/main" val="3241345493"/>
+      </p:ext>
+    </p:extLst>
+  </p:cSld>
+  <p:clrMapOvr>
+    <a:masterClrMapping/>
+  </p:clrMapOvr>
+</p:sld>
+</file>
+
+<file path=ppt/slides/slide6.xml><?xml version="1.0" encoding="utf-8"?>
+<p:sld xmlns:a="http://schemas.openxmlformats.org/drawingml/2006/main" xmlns:r="http://schemas.openxmlformats.org/officeDocument/2006/relationships" xmlns:p="http://schemas.openxmlformats.org/presentationml/2006/main">
+  <p:cSld>
+    <p:spTree>
+      <p:nvGrpSpPr>
+        <p:cNvPr id="1" name=""/>
+        <p:cNvGrpSpPr/>
+        <p:nvPr/>
+      </p:nvGrpSpPr>
+      <p:grpSpPr>
+        <a:xfrm>
+          <a:off x="0" y="0"/>
+          <a:ext cx="0" cy="0"/>
+          <a:chOff x="0" y="0"/>
+          <a:chExt cx="0" cy="0"/>
+        </a:xfrm>
+      </p:grpSpPr>
+      <mc:AlternateContent xmlns:mc="http://schemas.openxmlformats.org/markup-compatibility/2006">
+        <mc:Choice xmlns:a14="http://schemas.microsoft.com/office/drawing/2010/main" Requires="a14">
+          <p:sp>
+            <p:nvSpPr>
+              <p:cNvPr id="6" name="Content Placeholder 2">
+                <a:extLst>
+                  <a:ext uri="{FF2B5EF4-FFF2-40B4-BE49-F238E27FC236}">
+                    <a16:creationId xmlns:a16="http://schemas.microsoft.com/office/drawing/2014/main" id="{1AFC14F2-A6BC-4858-3281-486C0C3AB194}"/>
+                  </a:ext>
+                </a:extLst>
+              </p:cNvPr>
+              <p:cNvSpPr txBox="1">
+                <a:spLocks/>
+              </p:cNvSpPr>
+              <p:nvPr/>
+            </p:nvSpPr>
+            <p:spPr>
+              <a:xfrm>
+                <a:off x="3905540" y="3356746"/>
+                <a:ext cx="6790423" cy="2661379"/>
+              </a:xfrm>
+              <a:prstGeom prst="rect">
+                <a:avLst/>
+              </a:prstGeom>
+              <a:noFill/>
+              <a:ln>
+                <a:noFill/>
+              </a:ln>
+            </p:spPr>
+            <p:style>
+              <a:lnRef idx="2">
+                <a:schemeClr val="accent5"/>
+              </a:lnRef>
+              <a:fillRef idx="1">
+                <a:schemeClr val="lt1"/>
+              </a:fillRef>
+              <a:effectRef idx="0">
+                <a:schemeClr val="accent5"/>
+              </a:effectRef>
+              <a:fontRef idx="minor">
+                <a:schemeClr val="dk1"/>
+              </a:fontRef>
+            </p:style>
+            <p:txBody>
+              <a:bodyPr vert="horz" lIns="91440" tIns="45720" rIns="91440" bIns="45720" rtlCol="0">
+                <a:noAutofit/>
+              </a:bodyPr>
+              <a:lstStyle>
+                <a:lvl1pPr marL="228600" indent="-228600" algn="l" defTabSz="914400" rtl="0" eaLnBrk="1" latinLnBrk="0" hangingPunct="1">
+                  <a:lnSpc>
+                    <a:spcPct val="90000"/>
+                  </a:lnSpc>
+                  <a:spcBef>
+                    <a:spcPts val="1000"/>
+                  </a:spcBef>
+                  <a:buFont typeface="Arial" panose="020B0604020202020204" pitchFamily="34" charset="0"/>
+                  <a:buChar char="•"/>
+                  <a:defRPr sz="2800" kern="1200">
+                    <a:solidFill>
+                      <a:schemeClr val="tx1"/>
+                    </a:solidFill>
+                    <a:latin typeface="+mn-lt"/>
+                    <a:ea typeface="+mn-ea"/>
+                    <a:cs typeface="+mn-cs"/>
+                  </a:defRPr>
+                </a:lvl1pPr>
+                <a:lvl2pPr marL="685800" indent="-228600" algn="l" defTabSz="914400" rtl="0" eaLnBrk="1" latinLnBrk="0" hangingPunct="1">
+                  <a:lnSpc>
+                    <a:spcPct val="90000"/>
+                  </a:lnSpc>
+                  <a:spcBef>
+                    <a:spcPts val="500"/>
+                  </a:spcBef>
+                  <a:buFont typeface="Arial" panose="020B0604020202020204" pitchFamily="34" charset="0"/>
+                  <a:buChar char="•"/>
+                  <a:defRPr sz="2400" kern="1200">
+                    <a:solidFill>
+                      <a:schemeClr val="tx1"/>
+                    </a:solidFill>
+                    <a:latin typeface="+mn-lt"/>
+                    <a:ea typeface="+mn-ea"/>
+                    <a:cs typeface="+mn-cs"/>
+                  </a:defRPr>
+                </a:lvl2pPr>
+                <a:lvl3pPr marL="1143000" indent="-228600" algn="l" defTabSz="914400" rtl="0" eaLnBrk="1" latinLnBrk="0" hangingPunct="1">
+                  <a:lnSpc>
+                    <a:spcPct val="90000"/>
+                  </a:lnSpc>
+                  <a:spcBef>
+                    <a:spcPts val="500"/>
+                  </a:spcBef>
+                  <a:buFont typeface="Arial" panose="020B0604020202020204" pitchFamily="34" charset="0"/>
+                  <a:buChar char="•"/>
+                  <a:defRPr sz="2000" kern="1200">
+                    <a:solidFill>
+                      <a:schemeClr val="tx1"/>
+                    </a:solidFill>
+                    <a:latin typeface="+mn-lt"/>
+                    <a:ea typeface="+mn-ea"/>
+                    <a:cs typeface="+mn-cs"/>
+                  </a:defRPr>
+                </a:lvl3pPr>
+                <a:lvl4pPr marL="1600200" indent="-228600" algn="l" defTabSz="914400" rtl="0" eaLnBrk="1" latinLnBrk="0" hangingPunct="1">
+                  <a:lnSpc>
+                    <a:spcPct val="90000"/>
+                  </a:lnSpc>
+                  <a:spcBef>
+                    <a:spcPts val="500"/>
+                  </a:spcBef>
+                  <a:buFont typeface="Arial" panose="020B0604020202020204" pitchFamily="34" charset="0"/>
+                  <a:buChar char="•"/>
+                  <a:defRPr sz="1800" kern="1200">
+                    <a:solidFill>
+                      <a:schemeClr val="tx1"/>
+                    </a:solidFill>
+                    <a:latin typeface="+mn-lt"/>
+                    <a:ea typeface="+mn-ea"/>
+                    <a:cs typeface="+mn-cs"/>
+                  </a:defRPr>
+                </a:lvl4pPr>
+                <a:lvl5pPr marL="2057400" indent="-228600" algn="l" defTabSz="914400" rtl="0" eaLnBrk="1" latinLnBrk="0" hangingPunct="1">
+                  <a:lnSpc>
+                    <a:spcPct val="90000"/>
+                  </a:lnSpc>
+                  <a:spcBef>
+                    <a:spcPts val="500"/>
+                  </a:spcBef>
+                  <a:buFont typeface="Arial" panose="020B0604020202020204" pitchFamily="34" charset="0"/>
+                  <a:buChar char="•"/>
+                  <a:defRPr sz="1800" kern="1200">
+                    <a:solidFill>
+                      <a:schemeClr val="tx1"/>
+                    </a:solidFill>
+                    <a:latin typeface="+mn-lt"/>
+                    <a:ea typeface="+mn-ea"/>
+                    <a:cs typeface="+mn-cs"/>
+                  </a:defRPr>
+                </a:lvl5pPr>
+                <a:lvl6pPr marL="2514600" indent="-228600" algn="l" defTabSz="914400" rtl="0" eaLnBrk="1" latinLnBrk="0" hangingPunct="1">
+                  <a:lnSpc>
+                    <a:spcPct val="90000"/>
+                  </a:lnSpc>
+                  <a:spcBef>
+                    <a:spcPts val="500"/>
+                  </a:spcBef>
+                  <a:buFont typeface="Arial" panose="020B0604020202020204" pitchFamily="34" charset="0"/>
+                  <a:buChar char="•"/>
+                  <a:defRPr sz="1800" kern="1200">
+                    <a:solidFill>
+                      <a:schemeClr val="tx1"/>
+                    </a:solidFill>
+                    <a:latin typeface="+mn-lt"/>
+                    <a:ea typeface="+mn-ea"/>
+                    <a:cs typeface="+mn-cs"/>
+                  </a:defRPr>
+                </a:lvl6pPr>
+                <a:lvl7pPr marL="2971800" indent="-228600" algn="l" defTabSz="914400" rtl="0" eaLnBrk="1" latinLnBrk="0" hangingPunct="1">
+                  <a:lnSpc>
+                    <a:spcPct val="90000"/>
+                  </a:lnSpc>
+                  <a:spcBef>
+                    <a:spcPts val="500"/>
+                  </a:spcBef>
+                  <a:buFont typeface="Arial" panose="020B0604020202020204" pitchFamily="34" charset="0"/>
+                  <a:buChar char="•"/>
+                  <a:defRPr sz="1800" kern="1200">
+                    <a:solidFill>
+                      <a:schemeClr val="tx1"/>
+                    </a:solidFill>
+                    <a:latin typeface="+mn-lt"/>
+                    <a:ea typeface="+mn-ea"/>
+                    <a:cs typeface="+mn-cs"/>
+                  </a:defRPr>
+                </a:lvl7pPr>
+                <a:lvl8pPr marL="3429000" indent="-228600" algn="l" defTabSz="914400" rtl="0" eaLnBrk="1" latinLnBrk="0" hangingPunct="1">
+                  <a:lnSpc>
+                    <a:spcPct val="90000"/>
+                  </a:lnSpc>
+                  <a:spcBef>
+                    <a:spcPts val="500"/>
+                  </a:spcBef>
+                  <a:buFont typeface="Arial" panose="020B0604020202020204" pitchFamily="34" charset="0"/>
+                  <a:buChar char="•"/>
+                  <a:defRPr sz="1800" kern="1200">
+                    <a:solidFill>
+                      <a:schemeClr val="tx1"/>
+                    </a:solidFill>
+                    <a:latin typeface="+mn-lt"/>
+                    <a:ea typeface="+mn-ea"/>
+                    <a:cs typeface="+mn-cs"/>
+                  </a:defRPr>
+                </a:lvl8pPr>
+                <a:lvl9pPr marL="3886200" indent="-228600" algn="l" defTabSz="914400" rtl="0" eaLnBrk="1" latinLnBrk="0" hangingPunct="1">
+                  <a:lnSpc>
+                    <a:spcPct val="90000"/>
+                  </a:lnSpc>
+                  <a:spcBef>
+                    <a:spcPts val="500"/>
+                  </a:spcBef>
+                  <a:buFont typeface="Arial" panose="020B0604020202020204" pitchFamily="34" charset="0"/>
+                  <a:buChar char="•"/>
+                  <a:defRPr sz="1800" kern="1200">
+                    <a:solidFill>
+                      <a:schemeClr val="tx1"/>
+                    </a:solidFill>
+                    <a:latin typeface="+mn-lt"/>
+                    <a:ea typeface="+mn-ea"/>
+                    <a:cs typeface="+mn-cs"/>
+                  </a:defRPr>
+                </a:lvl9pPr>
+              </a:lstStyle>
+              <a:p>
+                <a:pPr marL="0" indent="0" algn="ctr">
+                  <a:lnSpc>
+                    <a:spcPct val="150000"/>
+                  </a:lnSpc>
+                  <a:buNone/>
+                </a:pPr>
+                <a14:m>
+                  <m:oMathPara xmlns:m="http://schemas.openxmlformats.org/officeDocument/2006/math">
+                    <m:oMathParaPr>
+                      <m:jc m:val="centerGroup"/>
+                    </m:oMathParaPr>
+                    <m:oMath xmlns:m="http://schemas.openxmlformats.org/officeDocument/2006/math">
+                      <m:r>
+                        <a:rPr lang="en-US" sz="1800" b="0" i="1" dirty="0" smtClean="0">
+                          <a:latin typeface="Cambria Math" panose="02040503050406030204" pitchFamily="18" charset="0"/>
+                        </a:rPr>
+                        <m:t>𝑅𝑒𝑐𝑎𝑙</m:t>
+                      </m:r>
+                      <m:sSub>
+                        <m:sSubPr>
+                          <m:ctrlPr>
+                            <a:rPr lang="en-US" sz="1800" b="0" i="1" dirty="0" smtClean="0">
+                              <a:latin typeface="Cambria Math" panose="02040503050406030204" pitchFamily="18" charset="0"/>
+                            </a:rPr>
+                          </m:ctrlPr>
+                        </m:sSubPr>
+                        <m:e>
+                          <m:r>
+                            <a:rPr lang="en-US" sz="1800" b="0" i="1" dirty="0" smtClean="0">
+                              <a:latin typeface="Cambria Math" panose="02040503050406030204" pitchFamily="18" charset="0"/>
+                            </a:rPr>
+                            <m:t>𝑙</m:t>
+                          </m:r>
+                        </m:e>
+                        <m:sub>
+                          <m:r>
+                            <a:rPr lang="en-US" sz="1800" b="0" i="1" dirty="0" smtClean="0">
+                              <a:latin typeface="Cambria Math" panose="02040503050406030204" pitchFamily="18" charset="0"/>
+                            </a:rPr>
+                            <m:t>𝐶𝑎𝑡</m:t>
+                          </m:r>
+                        </m:sub>
+                      </m:sSub>
+                      <m:r>
+                        <a:rPr lang="en-US" sz="1800" i="1" dirty="0" smtClean="0">
+                          <a:latin typeface="Cambria Math" panose="02040503050406030204" pitchFamily="18" charset="0"/>
+                        </a:rPr>
+                        <m:t> =</m:t>
+                      </m:r>
+                      <m:f>
+                        <m:fPr>
+                          <m:ctrlPr>
+                            <a:rPr lang="en-US" sz="1800" b="0" i="1" dirty="0" smtClean="0">
+                              <a:latin typeface="Cambria Math" panose="02040503050406030204" pitchFamily="18" charset="0"/>
+                            </a:rPr>
+                          </m:ctrlPr>
+                        </m:fPr>
+                        <m:num>
+                          <m:r>
+                            <a:rPr lang="en-US" sz="1800" i="1" dirty="0" smtClean="0">
+                              <a:latin typeface="Cambria Math" panose="02040503050406030204" pitchFamily="18" charset="0"/>
+                            </a:rPr>
+                            <m:t>76</m:t>
+                          </m:r>
+                        </m:num>
+                        <m:den>
+                          <m:r>
+                            <a:rPr lang="en-US" sz="1800" b="0" i="1" dirty="0" smtClean="0">
+                              <a:latin typeface="Cambria Math" panose="02040503050406030204" pitchFamily="18" charset="0"/>
+                            </a:rPr>
+                            <m:t>76+</m:t>
+                          </m:r>
+                          <m:r>
+                            <a:rPr lang="en-US" sz="1800" b="0" i="1" dirty="0" smtClean="0">
+                              <a:latin typeface="Cambria Math" panose="02040503050406030204" pitchFamily="18" charset="0"/>
+                            </a:rPr>
+                            <m:t>2</m:t>
+                          </m:r>
+                          <m:r>
+                            <a:rPr lang="en-US" sz="1800" b="0" i="1" dirty="0" smtClean="0">
+                              <a:latin typeface="Cambria Math" panose="02040503050406030204" pitchFamily="18" charset="0"/>
+                            </a:rPr>
+                            <m:t>0+12</m:t>
+                          </m:r>
+                        </m:den>
+                      </m:f>
+                      <m:r>
+                        <a:rPr lang="en-US" sz="1800" b="0" i="1" dirty="0" smtClean="0">
+                          <a:latin typeface="Cambria Math" panose="02040503050406030204" pitchFamily="18" charset="0"/>
+                        </a:rPr>
+                        <m:t>=7</m:t>
+                      </m:r>
+                      <m:r>
+                        <a:rPr lang="en-US" sz="1800" b="0" i="1" dirty="0" smtClean="0">
+                          <a:latin typeface="Cambria Math" panose="02040503050406030204" pitchFamily="18" charset="0"/>
+                        </a:rPr>
+                        <m:t>0</m:t>
+                      </m:r>
+                      <m:r>
+                        <a:rPr lang="en-US" sz="1800" b="0" i="1" dirty="0" smtClean="0">
+                          <a:latin typeface="Cambria Math" panose="02040503050406030204" pitchFamily="18" charset="0"/>
+                        </a:rPr>
+                        <m:t>.</m:t>
+                      </m:r>
+                      <m:r>
+                        <a:rPr lang="en-US" sz="1800" b="0" i="1" dirty="0" smtClean="0">
+                          <a:latin typeface="Cambria Math" panose="02040503050406030204" pitchFamily="18" charset="0"/>
+                        </a:rPr>
+                        <m:t>37</m:t>
+                      </m:r>
+                      <m:r>
+                        <a:rPr lang="en-US" sz="1800" b="0" i="1" dirty="0" smtClean="0">
+                          <a:latin typeface="Cambria Math" panose="02040503050406030204" pitchFamily="18" charset="0"/>
+                        </a:rPr>
+                        <m:t>%</m:t>
+                      </m:r>
+                    </m:oMath>
+                  </m:oMathPara>
+                </a14:m>
+                <a:endParaRPr lang="en-US" sz="1800" b="0" dirty="0"/>
+              </a:p>
+              <a:p>
+                <a:pPr marL="0" indent="0" algn="ctr">
+                  <a:lnSpc>
+                    <a:spcPct val="150000"/>
+                  </a:lnSpc>
+                  <a:buNone/>
+                </a:pPr>
+                <a14:m>
+                  <m:oMathPara xmlns:m="http://schemas.openxmlformats.org/officeDocument/2006/math">
+                    <m:oMathParaPr>
+                      <m:jc m:val="centerGroup"/>
+                    </m:oMathParaPr>
+                    <m:oMath xmlns:m="http://schemas.openxmlformats.org/officeDocument/2006/math">
+                      <m:r>
+                        <a:rPr lang="en-US" sz="1800" i="1">
+                          <a:latin typeface="Cambria Math" panose="02040503050406030204" pitchFamily="18" charset="0"/>
+                        </a:rPr>
+                        <m:t>𝑅𝑒𝑐𝑎𝑙</m:t>
+                      </m:r>
+                      <m:sSub>
+                        <m:sSubPr>
+                          <m:ctrlPr>
+                            <a:rPr lang="en-US" sz="1800" i="1">
+                              <a:latin typeface="Cambria Math" panose="02040503050406030204" pitchFamily="18" charset="0"/>
+                            </a:rPr>
+                          </m:ctrlPr>
+                        </m:sSubPr>
+                        <m:e>
+                          <m:r>
+                            <a:rPr lang="en-US" sz="1800" i="1">
+                              <a:latin typeface="Cambria Math" panose="02040503050406030204" pitchFamily="18" charset="0"/>
+                            </a:rPr>
+                            <m:t>𝑙</m:t>
+                          </m:r>
+                        </m:e>
+                        <m:sub>
+                          <m:r>
+                            <a:rPr lang="en-US" sz="1800" i="1">
+                              <a:latin typeface="Cambria Math" panose="02040503050406030204" pitchFamily="18" charset="0"/>
+                            </a:rPr>
+                            <m:t>𝐷𝑜𝑔</m:t>
+                          </m:r>
+                        </m:sub>
+                      </m:sSub>
+                      <m:r>
+                        <a:rPr lang="en-US" sz="1800" i="1">
+                          <a:latin typeface="Cambria Math" panose="02040503050406030204" pitchFamily="18" charset="0"/>
+                        </a:rPr>
+                        <m:t>=</m:t>
+                      </m:r>
+                      <m:f>
+                        <m:fPr>
+                          <m:ctrlPr>
+                            <a:rPr lang="en-US" sz="1800" i="1">
+                              <a:latin typeface="Cambria Math" panose="02040503050406030204" pitchFamily="18" charset="0"/>
+                            </a:rPr>
+                          </m:ctrlPr>
+                        </m:fPr>
+                        <m:num>
+                          <m:r>
+                            <a:rPr lang="en-US" sz="1800" b="0" i="1" smtClean="0">
+                              <a:latin typeface="Cambria Math" panose="02040503050406030204" pitchFamily="18" charset="0"/>
+                            </a:rPr>
+                            <m:t>180</m:t>
+                          </m:r>
+                        </m:num>
+                        <m:den>
+                          <m:r>
+                            <a:rPr lang="en-US" sz="1800" i="1">
+                              <a:latin typeface="Cambria Math" panose="02040503050406030204" pitchFamily="18" charset="0"/>
+                            </a:rPr>
+                            <m:t>27+</m:t>
+                          </m:r>
+                          <m:r>
+                            <a:rPr lang="en-US" sz="1800" b="0" i="1" smtClean="0">
+                              <a:latin typeface="Cambria Math" panose="02040503050406030204" pitchFamily="18" charset="0"/>
+                            </a:rPr>
+                            <m:t>180</m:t>
+                          </m:r>
+                          <m:r>
+                            <a:rPr lang="en-US" sz="1800" i="1">
+                              <a:latin typeface="Cambria Math" panose="02040503050406030204" pitchFamily="18" charset="0"/>
+                            </a:rPr>
+                            <m:t>+11</m:t>
+                          </m:r>
+                        </m:den>
+                      </m:f>
+                      <m:r>
+                        <a:rPr lang="en-US" sz="1800" i="1">
+                          <a:latin typeface="Cambria Math" panose="02040503050406030204" pitchFamily="18" charset="0"/>
+                        </a:rPr>
+                        <m:t>=</m:t>
+                      </m:r>
+                      <m:r>
+                        <a:rPr lang="en-US" sz="1800" b="0" i="1" smtClean="0">
+                          <a:latin typeface="Cambria Math" panose="02040503050406030204" pitchFamily="18" charset="0"/>
+                        </a:rPr>
+                        <m:t>82</m:t>
+                      </m:r>
+                      <m:r>
+                        <a:rPr lang="en-US" sz="1800" i="1">
+                          <a:latin typeface="Cambria Math" panose="02040503050406030204" pitchFamily="18" charset="0"/>
+                        </a:rPr>
+                        <m:t>.</m:t>
+                      </m:r>
+                      <m:r>
+                        <a:rPr lang="en-US" sz="1800" b="0" i="1" smtClean="0">
+                          <a:latin typeface="Cambria Math" panose="02040503050406030204" pitchFamily="18" charset="0"/>
+                        </a:rPr>
+                        <m:t>56</m:t>
+                      </m:r>
+                      <m:r>
+                        <a:rPr lang="en-US" sz="1800" i="1">
+                          <a:latin typeface="Cambria Math" panose="02040503050406030204" pitchFamily="18" charset="0"/>
+                        </a:rPr>
+                        <m:t>%</m:t>
+                      </m:r>
+                    </m:oMath>
+                  </m:oMathPara>
+                </a14:m>
+                <a:endParaRPr lang="en-US" sz="1800" b="0" dirty="0"/>
+              </a:p>
+              <a:p>
+                <a:pPr marL="0" indent="0" algn="ctr">
+                  <a:lnSpc>
+                    <a:spcPct val="150000"/>
+                  </a:lnSpc>
+                  <a:buNone/>
+                </a:pPr>
+                <a14:m>
+                  <m:oMathPara xmlns:m="http://schemas.openxmlformats.org/officeDocument/2006/math">
+                    <m:oMathParaPr>
+                      <m:jc m:val="centerGroup"/>
+                    </m:oMathParaPr>
+                    <m:oMath xmlns:m="http://schemas.openxmlformats.org/officeDocument/2006/math">
+                      <m:r>
+                        <a:rPr lang="en-US" sz="1800" b="0" i="1" smtClean="0">
+                          <a:latin typeface="Cambria Math" panose="02040503050406030204" pitchFamily="18" charset="0"/>
+                        </a:rPr>
+                        <m:t>𝑅𝑒𝑐𝑎𝑙</m:t>
+                      </m:r>
+                      <m:sSub>
+                        <m:sSubPr>
+                          <m:ctrlPr>
+                            <a:rPr lang="en-US" sz="1800" b="0" i="1" smtClean="0">
+                              <a:latin typeface="Cambria Math" panose="02040503050406030204" pitchFamily="18" charset="0"/>
+                            </a:rPr>
+                          </m:ctrlPr>
+                        </m:sSubPr>
+                        <m:e>
+                          <m:r>
+                            <a:rPr lang="en-US" sz="1800" b="0" i="1" smtClean="0">
+                              <a:latin typeface="Cambria Math" panose="02040503050406030204" pitchFamily="18" charset="0"/>
+                            </a:rPr>
+                            <m:t>𝑙</m:t>
+                          </m:r>
+                        </m:e>
+                        <m:sub>
+                          <m:r>
+                            <a:rPr lang="en-US" sz="1800" b="0" i="1" smtClean="0">
+                              <a:latin typeface="Cambria Math" panose="02040503050406030204" pitchFamily="18" charset="0"/>
+                            </a:rPr>
+                            <m:t>𝐵𝑖𝑟𝑑</m:t>
+                          </m:r>
+                        </m:sub>
+                      </m:sSub>
+                      <m:r>
+                        <a:rPr lang="en-US" sz="1800" b="0" i="1" smtClean="0">
+                          <a:latin typeface="Cambria Math" panose="02040503050406030204" pitchFamily="18" charset="0"/>
+                        </a:rPr>
+                        <m:t>=</m:t>
+                      </m:r>
+                      <m:f>
+                        <m:fPr>
+                          <m:ctrlPr>
+                            <a:rPr lang="en-US" sz="1800" b="0" i="1" smtClean="0">
+                              <a:latin typeface="Cambria Math" panose="02040503050406030204" pitchFamily="18" charset="0"/>
+                            </a:rPr>
+                          </m:ctrlPr>
+                        </m:fPr>
+                        <m:num>
+                          <m:r>
+                            <a:rPr lang="en-US" sz="1800" b="0" i="1" smtClean="0">
+                              <a:latin typeface="Cambria Math" panose="02040503050406030204" pitchFamily="18" charset="0"/>
+                            </a:rPr>
+                            <m:t>25</m:t>
+                          </m:r>
+                        </m:num>
+                        <m:den>
+                          <m:r>
+                            <a:rPr lang="en-US" sz="1800" b="0" i="1" smtClean="0">
+                              <a:latin typeface="Cambria Math" panose="02040503050406030204" pitchFamily="18" charset="0"/>
+                            </a:rPr>
+                            <m:t>16</m:t>
+                          </m:r>
+                          <m:r>
+                            <a:rPr lang="en-US" sz="1800" b="0" i="1" smtClean="0">
+                              <a:latin typeface="Cambria Math" panose="02040503050406030204" pitchFamily="18" charset="0"/>
+                            </a:rPr>
+                            <m:t>+</m:t>
+                          </m:r>
+                          <m:r>
+                            <a:rPr lang="en-US" sz="1800" b="0" i="1" smtClean="0">
+                              <a:latin typeface="Cambria Math" panose="02040503050406030204" pitchFamily="18" charset="0"/>
+                            </a:rPr>
+                            <m:t>3</m:t>
+                          </m:r>
+                          <m:r>
+                            <a:rPr lang="en-US" sz="1800" b="0" i="1" smtClean="0">
+                              <a:latin typeface="Cambria Math" panose="02040503050406030204" pitchFamily="18" charset="0"/>
+                            </a:rPr>
+                            <m:t>+</m:t>
+                          </m:r>
+                          <m:r>
+                            <a:rPr lang="en-US" sz="1800" b="0" i="1" smtClean="0">
+                              <a:latin typeface="Cambria Math" panose="02040503050406030204" pitchFamily="18" charset="0"/>
+                            </a:rPr>
+                            <m:t>25</m:t>
+                          </m:r>
+                        </m:den>
+                      </m:f>
+                      <m:r>
+                        <a:rPr lang="en-US" sz="1800" b="0" i="1" smtClean="0">
+                          <a:latin typeface="Cambria Math" panose="02040503050406030204" pitchFamily="18" charset="0"/>
+                        </a:rPr>
+                        <m:t>=</m:t>
+                      </m:r>
+                      <m:r>
+                        <a:rPr lang="en-US" sz="1800" b="0" i="1" smtClean="0">
+                          <a:latin typeface="Cambria Math" panose="02040503050406030204" pitchFamily="18" charset="0"/>
+                        </a:rPr>
+                        <m:t>56</m:t>
+                      </m:r>
+                      <m:r>
+                        <a:rPr lang="en-US" sz="1800" b="0" i="1" smtClean="0">
+                          <a:latin typeface="Cambria Math" panose="02040503050406030204" pitchFamily="18" charset="0"/>
+                        </a:rPr>
+                        <m:t>.</m:t>
+                      </m:r>
+                      <m:r>
+                        <a:rPr lang="en-US" sz="1800" b="0" i="1" smtClean="0">
+                          <a:latin typeface="Cambria Math" panose="02040503050406030204" pitchFamily="18" charset="0"/>
+                        </a:rPr>
+                        <m:t>81</m:t>
+                      </m:r>
+                      <m:r>
+                        <a:rPr lang="en-US" sz="1800" b="0" i="1" smtClean="0">
+                          <a:latin typeface="Cambria Math" panose="02040503050406030204" pitchFamily="18" charset="0"/>
+                        </a:rPr>
+                        <m:t>%</m:t>
+                      </m:r>
+                    </m:oMath>
+                  </m:oMathPara>
+                </a14:m>
+                <a:endParaRPr lang="en-US" sz="1800" b="0" dirty="0"/>
+              </a:p>
+            </p:txBody>
+          </p:sp>
+        </mc:Choice>
+        <mc:Fallback>
+          <p:sp>
+            <p:nvSpPr>
+              <p:cNvPr id="6" name="Content Placeholder 2">
+                <a:extLst>
+                  <a:ext uri="{FF2B5EF4-FFF2-40B4-BE49-F238E27FC236}">
+                    <a16:creationId xmlns:a16="http://schemas.microsoft.com/office/drawing/2014/main" id="{1AFC14F2-A6BC-4858-3281-486C0C3AB194}"/>
+                  </a:ext>
+                </a:extLst>
+              </p:cNvPr>
+              <p:cNvSpPr txBox="1">
+                <a:spLocks noRot="1" noChangeAspect="1" noMove="1" noResize="1" noEditPoints="1" noAdjustHandles="1" noChangeArrowheads="1" noChangeShapeType="1" noTextEdit="1"/>
+              </p:cNvSpPr>
+              <p:nvPr/>
+            </p:nvSpPr>
+            <p:spPr>
+              <a:xfrm>
+                <a:off x="3905540" y="3356746"/>
+                <a:ext cx="6790423" cy="2661379"/>
+              </a:xfrm>
+              <a:prstGeom prst="rect">
+                <a:avLst/>
+              </a:prstGeom>
+              <a:blipFill>
+                <a:blip r:embed="rId2"/>
+                <a:stretch>
+                  <a:fillRect/>
+                </a:stretch>
+              </a:blipFill>
+              <a:ln>
+                <a:noFill/>
+              </a:ln>
+            </p:spPr>
+            <p:txBody>
+              <a:bodyPr/>
+              <a:lstStyle/>
+              <a:p>
+                <a:r>
+                  <a:rPr lang="en-US">
+                    <a:noFill/>
+                  </a:rPr>
+                  <a:t> </a:t>
+                </a:r>
+              </a:p>
+            </p:txBody>
+          </p:sp>
+        </mc:Fallback>
+      </mc:AlternateContent>
+      <p:sp>
+        <p:nvSpPr>
+          <p:cNvPr id="2" name="Title 1">
+            <a:extLst>
+              <a:ext uri="{FF2B5EF4-FFF2-40B4-BE49-F238E27FC236}">
+                <a16:creationId xmlns:a16="http://schemas.microsoft.com/office/drawing/2014/main" id="{3D125364-4385-6331-2E0E-02C1915293E0}"/>
+              </a:ext>
+            </a:extLst>
+          </p:cNvPr>
+          <p:cNvSpPr>
+            <a:spLocks noGrp="1"/>
+          </p:cNvSpPr>
+          <p:nvPr>
+            <p:ph type="title"/>
+          </p:nvPr>
+        </p:nvSpPr>
+        <p:spPr/>
+        <p:txBody>
+          <a:bodyPr/>
+          <a:lstStyle/>
+          <a:p>
+            <a:r>
+              <a:rPr lang="en-US" dirty="0"/>
+              <a:t>Understanding Success</a:t>
             </a:r>
           </a:p>
         </p:txBody>
       </p:sp>
       <p:sp>
         <p:nvSpPr>
-          <p:cNvPr id="13" name="Content Placeholder 2">
+          <p:cNvPr id="3" name="Content Placeholder 2">
             <a:extLst>
               <a:ext uri="{FF2B5EF4-FFF2-40B4-BE49-F238E27FC236}">
-                <a16:creationId xmlns:a16="http://schemas.microsoft.com/office/drawing/2014/main" id="{4520B609-67E1-14E0-8A3F-FFD559FECC9A}"/>
+                <a16:creationId xmlns:a16="http://schemas.microsoft.com/office/drawing/2014/main" id="{D45CFC62-A670-21F7-0A1B-08F4DCC6C8DE}"/>
+              </a:ext>
+            </a:extLst>
+          </p:cNvPr>
+          <p:cNvSpPr>
+            <a:spLocks noGrp="1"/>
+          </p:cNvSpPr>
+          <p:nvPr>
+            <p:ph idx="1"/>
+          </p:nvPr>
+        </p:nvSpPr>
+        <p:spPr>
+          <a:xfrm>
+            <a:off x="838200" y="2812889"/>
+            <a:ext cx="10515600" cy="545430"/>
+          </a:xfrm>
+        </p:spPr>
+        <p:txBody>
+          <a:bodyPr>
+            <a:normAutofit/>
+          </a:bodyPr>
+          <a:lstStyle/>
+          <a:p>
+            <a:pPr marL="0" indent="0" algn="ctr">
+              <a:buNone/>
+            </a:pPr>
+            <a:r>
+              <a:rPr lang="en-US" sz="2000" dirty="0"/>
+              <a:t>Other names: True Positive Rate (TPR), Sensitivity</a:t>
+            </a:r>
+          </a:p>
+        </p:txBody>
+      </p:sp>
+      <mc:AlternateContent xmlns:mc="http://schemas.openxmlformats.org/markup-compatibility/2006">
+        <mc:Choice xmlns:a14="http://schemas.microsoft.com/office/drawing/2010/main" Requires="a14">
+          <p:sp>
+            <p:nvSpPr>
+              <p:cNvPr id="7" name="TextBox 6">
+                <a:extLst>
+                  <a:ext uri="{FF2B5EF4-FFF2-40B4-BE49-F238E27FC236}">
+                    <a16:creationId xmlns:a16="http://schemas.microsoft.com/office/drawing/2014/main" id="{E644D50E-30AC-B0ED-E9EC-DE126F5DF01D}"/>
+                  </a:ext>
+                </a:extLst>
+              </p:cNvPr>
+              <p:cNvSpPr txBox="1"/>
+              <p:nvPr/>
+            </p:nvSpPr>
+            <p:spPr>
+              <a:xfrm>
+                <a:off x="3048699" y="1825625"/>
+                <a:ext cx="6094602" cy="665760"/>
+              </a:xfrm>
+              <a:prstGeom prst="rect">
+                <a:avLst/>
+              </a:prstGeom>
+              <a:noFill/>
+            </p:spPr>
+            <p:txBody>
+              <a:bodyPr wrap="square">
+                <a:spAutoFit/>
+              </a:bodyPr>
+              <a:lstStyle/>
+              <a:p>
+                <a:pPr/>
+                <a14:m>
+                  <m:oMathPara xmlns:m="http://schemas.openxmlformats.org/officeDocument/2006/math">
+                    <m:oMathParaPr>
+                      <m:jc m:val="center"/>
+                    </m:oMathParaPr>
+                    <m:oMath xmlns:m="http://schemas.openxmlformats.org/officeDocument/2006/math">
+                      <m:r>
+                        <a:rPr lang="en-US" sz="1800" b="0" i="1" smtClean="0">
+                          <a:latin typeface="Cambria Math" panose="02040503050406030204" pitchFamily="18" charset="0"/>
+                        </a:rPr>
+                        <m:t>𝑅𝑒𝑐𝑎𝑙𝑙</m:t>
+                      </m:r>
+                      <m:r>
+                        <a:rPr lang="en-US" sz="1800" b="0" i="1" smtClean="0">
+                          <a:latin typeface="Cambria Math" panose="02040503050406030204" pitchFamily="18" charset="0"/>
+                        </a:rPr>
+                        <m:t> </m:t>
+                      </m:r>
+                      <m:r>
+                        <a:rPr lang="en-US" sz="1800" b="0" i="1" smtClean="0">
+                          <a:latin typeface="Cambria Math" panose="02040503050406030204" pitchFamily="18" charset="0"/>
+                        </a:rPr>
+                        <m:t>𝑓𝑜𝑟</m:t>
+                      </m:r>
+                      <m:r>
+                        <a:rPr lang="en-US" sz="1800" b="0" i="1" smtClean="0">
+                          <a:latin typeface="Cambria Math" panose="02040503050406030204" pitchFamily="18" charset="0"/>
+                        </a:rPr>
+                        <m:t> </m:t>
+                      </m:r>
+                      <m:sSub>
+                        <m:sSubPr>
+                          <m:ctrlPr>
+                            <a:rPr lang="en-US" sz="1800" b="0" i="1" smtClean="0">
+                              <a:latin typeface="Cambria Math" panose="02040503050406030204" pitchFamily="18" charset="0"/>
+                            </a:rPr>
+                          </m:ctrlPr>
+                        </m:sSubPr>
+                        <m:e>
+                          <m:r>
+                            <a:rPr lang="en-US" sz="1800" b="0" i="1" smtClean="0">
+                              <a:latin typeface="Cambria Math" panose="02040503050406030204" pitchFamily="18" charset="0"/>
+                            </a:rPr>
+                            <m:t>𝐶</m:t>
+                          </m:r>
+                        </m:e>
+                        <m:sub>
+                          <m:r>
+                            <a:rPr lang="en-US" sz="1800" b="0" i="1" smtClean="0">
+                              <a:latin typeface="Cambria Math" panose="02040503050406030204" pitchFamily="18" charset="0"/>
+                            </a:rPr>
+                            <m:t>𝑖</m:t>
+                          </m:r>
+                        </m:sub>
+                      </m:sSub>
+                      <m:r>
+                        <a:rPr lang="en-US" sz="1800" b="0" i="1" smtClean="0">
+                          <a:latin typeface="Cambria Math" panose="02040503050406030204" pitchFamily="18" charset="0"/>
+                        </a:rPr>
+                        <m:t>=</m:t>
+                      </m:r>
+                      <m:f>
+                        <m:fPr>
+                          <m:ctrlPr>
+                            <a:rPr lang="en-US" sz="1800" b="0" i="1" smtClean="0">
+                              <a:latin typeface="Cambria Math" panose="02040503050406030204" pitchFamily="18" charset="0"/>
+                            </a:rPr>
+                          </m:ctrlPr>
+                        </m:fPr>
+                        <m:num>
+                          <m:r>
+                            <a:rPr lang="en-US" sz="1800" b="0" i="1" smtClean="0">
+                              <a:latin typeface="Cambria Math" panose="02040503050406030204" pitchFamily="18" charset="0"/>
+                            </a:rPr>
+                            <m:t># </m:t>
+                          </m:r>
+                          <m:r>
+                            <a:rPr lang="en-US" sz="1800" b="0" i="1" smtClean="0">
+                              <a:latin typeface="Cambria Math" panose="02040503050406030204" pitchFamily="18" charset="0"/>
+                            </a:rPr>
+                            <m:t>𝑐𝑜𝑟𝑟𝑒𝑐𝑡</m:t>
+                          </m:r>
+                          <m:r>
+                            <a:rPr lang="en-US" sz="1800" b="0" i="1" smtClean="0">
+                              <a:latin typeface="Cambria Math" panose="02040503050406030204" pitchFamily="18" charset="0"/>
+                            </a:rPr>
+                            <m:t> </m:t>
+                          </m:r>
+                          <m:r>
+                            <a:rPr lang="en-US" sz="1800" b="0" i="1" smtClean="0">
+                              <a:latin typeface="Cambria Math" panose="02040503050406030204" pitchFamily="18" charset="0"/>
+                            </a:rPr>
+                            <m:t>𝑐𝑙𝑎𝑠𝑠</m:t>
+                          </m:r>
+                          <m:r>
+                            <a:rPr lang="en-US" sz="1800" b="0" i="1" smtClean="0">
+                              <a:latin typeface="Cambria Math" panose="02040503050406030204" pitchFamily="18" charset="0"/>
+                            </a:rPr>
+                            <m:t> </m:t>
+                          </m:r>
+                          <m:r>
+                            <a:rPr lang="en-US" sz="1800" b="0" i="1" smtClean="0">
+                              <a:latin typeface="Cambria Math" panose="02040503050406030204" pitchFamily="18" charset="0"/>
+                            </a:rPr>
+                            <m:t>𝑝𝑟𝑒𝑑𝑖𝑐𝑡𝑖𝑜𝑛𝑠</m:t>
+                          </m:r>
+                          <m:r>
+                            <a:rPr lang="en-US" sz="1800" b="0" i="1" smtClean="0">
+                              <a:latin typeface="Cambria Math" panose="02040503050406030204" pitchFamily="18" charset="0"/>
+                            </a:rPr>
+                            <m:t> </m:t>
+                          </m:r>
+                          <m:r>
+                            <a:rPr lang="en-US" sz="1800" b="0" i="1" smtClean="0">
+                              <a:latin typeface="Cambria Math" panose="02040503050406030204" pitchFamily="18" charset="0"/>
+                            </a:rPr>
+                            <m:t>𝑓𝑜𝑟</m:t>
+                          </m:r>
+                          <m:r>
+                            <a:rPr lang="en-US" sz="1800" b="0" i="1" smtClean="0">
+                              <a:latin typeface="Cambria Math" panose="02040503050406030204" pitchFamily="18" charset="0"/>
+                            </a:rPr>
+                            <m:t> </m:t>
+                          </m:r>
+                          <m:r>
+                            <a:rPr lang="en-US" sz="1800" b="0" i="1" smtClean="0">
+                              <a:latin typeface="Cambria Math" panose="02040503050406030204" pitchFamily="18" charset="0"/>
+                            </a:rPr>
+                            <m:t>𝑐𝑙𝑎𝑠𝑠</m:t>
+                          </m:r>
+                          <m:r>
+                            <a:rPr lang="en-US" sz="1800" b="0" i="1" smtClean="0">
+                              <a:latin typeface="Cambria Math" panose="02040503050406030204" pitchFamily="18" charset="0"/>
+                            </a:rPr>
+                            <m:t> </m:t>
+                          </m:r>
+                          <m:sSub>
+                            <m:sSubPr>
+                              <m:ctrlPr>
+                                <a:rPr lang="en-US" sz="1800" b="0" i="1" smtClean="0">
+                                  <a:latin typeface="Cambria Math" panose="02040503050406030204" pitchFamily="18" charset="0"/>
+                                </a:rPr>
+                              </m:ctrlPr>
+                            </m:sSubPr>
+                            <m:e>
+                              <m:r>
+                                <a:rPr lang="en-US" sz="1800" b="0" i="1" smtClean="0">
+                                  <a:latin typeface="Cambria Math" panose="02040503050406030204" pitchFamily="18" charset="0"/>
+                                </a:rPr>
+                                <m:t>𝐶</m:t>
+                              </m:r>
+                            </m:e>
+                            <m:sub>
+                              <m:r>
+                                <a:rPr lang="en-US" sz="1800" b="0" i="1" smtClean="0">
+                                  <a:latin typeface="Cambria Math" panose="02040503050406030204" pitchFamily="18" charset="0"/>
+                                </a:rPr>
+                                <m:t>𝑖</m:t>
+                              </m:r>
+                            </m:sub>
+                          </m:sSub>
+                        </m:num>
+                        <m:den>
+                          <m:r>
+                            <a:rPr lang="en-US" sz="1800" b="0" i="1" smtClean="0">
+                              <a:latin typeface="Cambria Math" panose="02040503050406030204" pitchFamily="18" charset="0"/>
+                            </a:rPr>
+                            <m:t># </m:t>
+                          </m:r>
+                          <m:r>
+                            <a:rPr lang="en-US" sz="1800" b="0" i="1" smtClean="0">
+                              <a:latin typeface="Cambria Math" panose="02040503050406030204" pitchFamily="18" charset="0"/>
+                            </a:rPr>
+                            <m:t>𝑐𝑙𝑎𝑠𝑠</m:t>
+                          </m:r>
+                          <m:r>
+                            <a:rPr lang="en-US" sz="1800" b="0" i="1" smtClean="0">
+                              <a:latin typeface="Cambria Math" panose="02040503050406030204" pitchFamily="18" charset="0"/>
+                            </a:rPr>
+                            <m:t> </m:t>
+                          </m:r>
+                          <m:sSub>
+                            <m:sSubPr>
+                              <m:ctrlPr>
+                                <a:rPr lang="en-US" sz="1800" b="0" i="1" smtClean="0">
+                                  <a:latin typeface="Cambria Math" panose="02040503050406030204" pitchFamily="18" charset="0"/>
+                                </a:rPr>
+                              </m:ctrlPr>
+                            </m:sSubPr>
+                            <m:e>
+                              <m:r>
+                                <a:rPr lang="en-US" sz="1800" b="0" i="1" smtClean="0">
+                                  <a:latin typeface="Cambria Math" panose="02040503050406030204" pitchFamily="18" charset="0"/>
+                                </a:rPr>
+                                <m:t>𝐶</m:t>
+                              </m:r>
+                            </m:e>
+                            <m:sub>
+                              <m:r>
+                                <a:rPr lang="en-US" sz="1800" b="0" i="1" smtClean="0">
+                                  <a:latin typeface="Cambria Math" panose="02040503050406030204" pitchFamily="18" charset="0"/>
+                                </a:rPr>
+                                <m:t>𝑖</m:t>
+                              </m:r>
+                            </m:sub>
+                          </m:sSub>
+                          <m:r>
+                            <a:rPr lang="en-US" sz="1800" b="0" i="1" smtClean="0">
+                              <a:latin typeface="Cambria Math" panose="02040503050406030204" pitchFamily="18" charset="0"/>
+                            </a:rPr>
+                            <m:t> </m:t>
+                          </m:r>
+                          <m:r>
+                            <a:rPr lang="en-US" sz="1800" b="0" i="1" smtClean="0">
+                              <a:latin typeface="Cambria Math" panose="02040503050406030204" pitchFamily="18" charset="0"/>
+                            </a:rPr>
+                            <m:t>𝑑𝑎𝑡𝑎</m:t>
+                          </m:r>
+                          <m:r>
+                            <a:rPr lang="en-US" sz="1800" b="0" i="1" smtClean="0">
+                              <a:latin typeface="Cambria Math" panose="02040503050406030204" pitchFamily="18" charset="0"/>
+                            </a:rPr>
+                            <m:t> </m:t>
+                          </m:r>
+                          <m:r>
+                            <a:rPr lang="en-US" sz="1800" b="0" i="1" smtClean="0">
+                              <a:latin typeface="Cambria Math" panose="02040503050406030204" pitchFamily="18" charset="0"/>
+                            </a:rPr>
+                            <m:t>𝑝𝑜𝑖𝑛𝑡𝑠</m:t>
+                          </m:r>
+                        </m:den>
+                      </m:f>
+                    </m:oMath>
+                  </m:oMathPara>
+                </a14:m>
+                <a:endParaRPr lang="en-US" dirty="0"/>
+              </a:p>
+            </p:txBody>
+          </p:sp>
+        </mc:Choice>
+        <mc:Fallback>
+          <p:sp>
+            <p:nvSpPr>
+              <p:cNvPr id="7" name="TextBox 6">
+                <a:extLst>
+                  <a:ext uri="{FF2B5EF4-FFF2-40B4-BE49-F238E27FC236}">
+                    <a16:creationId xmlns:a16="http://schemas.microsoft.com/office/drawing/2014/main" id="{E644D50E-30AC-B0ED-E9EC-DE126F5DF01D}"/>
+                  </a:ext>
+                </a:extLst>
+              </p:cNvPr>
+              <p:cNvSpPr txBox="1">
+                <a:spLocks noRot="1" noChangeAspect="1" noMove="1" noResize="1" noEditPoints="1" noAdjustHandles="1" noChangeArrowheads="1" noChangeShapeType="1" noTextEdit="1"/>
+              </p:cNvSpPr>
+              <p:nvPr/>
+            </p:nvSpPr>
+            <p:spPr>
+              <a:xfrm>
+                <a:off x="3048699" y="1825625"/>
+                <a:ext cx="6094602" cy="665760"/>
+              </a:xfrm>
+              <a:prstGeom prst="rect">
+                <a:avLst/>
+              </a:prstGeom>
+              <a:blipFill>
+                <a:blip r:embed="rId3"/>
+                <a:stretch>
+                  <a:fillRect/>
+                </a:stretch>
+              </a:blipFill>
+            </p:spPr>
+            <p:txBody>
+              <a:bodyPr/>
+              <a:lstStyle/>
+              <a:p>
+                <a:r>
+                  <a:rPr lang="en-US">
+                    <a:noFill/>
+                  </a:rPr>
+                  <a:t> </a:t>
+                </a:r>
+              </a:p>
+            </p:txBody>
+          </p:sp>
+        </mc:Fallback>
+      </mc:AlternateContent>
+      <p:sp>
+        <p:nvSpPr>
+          <p:cNvPr id="8" name="Content Placeholder 2">
+            <a:extLst>
+              <a:ext uri="{FF2B5EF4-FFF2-40B4-BE49-F238E27FC236}">
+                <a16:creationId xmlns:a16="http://schemas.microsoft.com/office/drawing/2014/main" id="{1ACE73D8-CA01-F52D-CEAD-E58F2D15B720}"/>
               </a:ext>
             </a:extLst>
           </p:cNvPr>
@@ -8064,12 +11626,16 @@
         </p:nvSpPr>
         <p:spPr>
           <a:xfrm>
-            <a:off x="7334776" y="4225253"/>
-            <a:ext cx="4019026" cy="1959146"/>
+            <a:off x="838199" y="6096967"/>
+            <a:ext cx="2691003" cy="431177"/>
           </a:xfrm>
           <a:prstGeom prst="rect">
             <a:avLst/>
           </a:prstGeom>
+          <a:noFill/>
+          <a:ln>
+            <a:noFill/>
+          </a:ln>
         </p:spPr>
         <p:style>
           <a:lnRef idx="2">
@@ -8087,7 +11653,7 @@
         </p:style>
         <p:txBody>
           <a:bodyPr vert="horz" lIns="91440" tIns="45720" rIns="91440" bIns="45720" rtlCol="0">
-            <a:normAutofit/>
+            <a:normAutofit fontScale="55000" lnSpcReduction="20000"/>
           </a:bodyPr>
           <a:lstStyle>
             <a:lvl1pPr marL="228600" indent="-228600" algn="l" defTabSz="914400" rtl="0" eaLnBrk="1" latinLnBrk="0" hangingPunct="1">
@@ -8254,459 +11820,358 @@
             </a:lvl9pPr>
           </a:lstStyle>
           <a:p>
+            <a:pPr marL="0" indent="0">
+              <a:buNone/>
+            </a:pPr>
             <a:r>
               <a:rPr lang="en-US" dirty="0"/>
-              <a:t>Ex: Imbalanced Data</a:t>
+              <a:t>Unbalanced Data: More dogs in comparison to cats or birds</a:t>
             </a:r>
           </a:p>
         </p:txBody>
       </p:sp>
-    </p:spTree>
-    <p:extLst>
-      <p:ext uri="{BB962C8B-B14F-4D97-AF65-F5344CB8AC3E}">
-        <p14:creationId xmlns:p14="http://schemas.microsoft.com/office/powerpoint/2010/main" val="3241345493"/>
-      </p:ext>
-    </p:extLst>
-  </p:cSld>
-  <p:clrMapOvr>
-    <a:masterClrMapping/>
-  </p:clrMapOvr>
-</p:sld>
-</file>
-
-<file path=ppt/slides/slide6.xml><?xml version="1.0" encoding="utf-8"?>
-<p:sld xmlns:a="http://schemas.openxmlformats.org/drawingml/2006/main" xmlns:r="http://schemas.openxmlformats.org/officeDocument/2006/relationships" xmlns:p="http://schemas.openxmlformats.org/presentationml/2006/main">
-  <p:cSld>
-    <p:spTree>
-      <p:nvGrpSpPr>
-        <p:cNvPr id="1" name=""/>
-        <p:cNvGrpSpPr/>
-        <p:nvPr/>
-      </p:nvGrpSpPr>
-      <p:grpSpPr>
-        <a:xfrm>
-          <a:off x="0" y="0"/>
-          <a:ext cx="0" cy="0"/>
-          <a:chOff x="0" y="0"/>
-          <a:chExt cx="0" cy="0"/>
-        </a:xfrm>
-      </p:grpSpPr>
-      <p:sp>
-        <p:nvSpPr>
-          <p:cNvPr id="2" name="Title 1">
+      <p:graphicFrame>
+        <p:nvGraphicFramePr>
+          <p:cNvPr id="9" name="Table 10">
             <a:extLst>
               <a:ext uri="{FF2B5EF4-FFF2-40B4-BE49-F238E27FC236}">
-                <a16:creationId xmlns:a16="http://schemas.microsoft.com/office/drawing/2014/main" id="{3D125364-4385-6331-2E0E-02C1915293E0}"/>
+                <a16:creationId xmlns:a16="http://schemas.microsoft.com/office/drawing/2014/main" id="{C43AA608-26D8-521F-1D49-10FC8EFC66D6}"/>
               </a:ext>
             </a:extLst>
           </p:cNvPr>
-          <p:cNvSpPr>
-            <a:spLocks noGrp="1"/>
-          </p:cNvSpPr>
+          <p:cNvGraphicFramePr>
+            <a:graphicFrameLocks noGrp="1"/>
+          </p:cNvGraphicFramePr>
           <p:nvPr>
-            <p:ph type="title"/>
+            <p:extLst>
+              <p:ext uri="{D42A27DB-BD31-4B8C-83A1-F6EECF244321}">
+                <p14:modId xmlns:p14="http://schemas.microsoft.com/office/powerpoint/2010/main" val="1383060407"/>
+              </p:ext>
+            </p:extLst>
           </p:nvPr>
-        </p:nvSpPr>
-        <p:spPr/>
-        <p:txBody>
-          <a:bodyPr/>
-          <a:lstStyle/>
-          <a:p>
-            <a:r>
-              <a:rPr lang="en-US" dirty="0"/>
-              <a:t>Understanding Success</a:t>
-            </a:r>
-          </a:p>
-        </p:txBody>
-      </p:sp>
-      <mc:AlternateContent xmlns:mc="http://schemas.openxmlformats.org/markup-compatibility/2006">
-        <mc:Choice xmlns:a14="http://schemas.microsoft.com/office/drawing/2010/main" Requires="a14">
-          <p:sp>
-            <p:nvSpPr>
-              <p:cNvPr id="7" name="TextBox 6">
+        </p:nvGraphicFramePr>
+        <p:xfrm>
+          <a:off x="838198" y="3921583"/>
+          <a:ext cx="2691004" cy="2124504"/>
+        </p:xfrm>
+        <a:graphic>
+          <a:graphicData uri="http://schemas.openxmlformats.org/drawingml/2006/table">
+            <a:tbl>
+              <a:tblPr firstRow="1" bandRow="1">
+                <a:tableStyleId>{5C22544A-7EE6-4342-B048-85BDC9FD1C3A}</a:tableStyleId>
+              </a:tblPr>
+              <a:tblGrid>
+                <a:gridCol w="672751">
+                  <a:extLst>
+                    <a:ext uri="{9D8B030D-6E8A-4147-A177-3AD203B41FA5}">
+                      <a16:colId xmlns:a16="http://schemas.microsoft.com/office/drawing/2014/main" val="3779047369"/>
+                    </a:ext>
+                  </a:extLst>
+                </a:gridCol>
+                <a:gridCol w="672751">
+                  <a:extLst>
+                    <a:ext uri="{9D8B030D-6E8A-4147-A177-3AD203B41FA5}">
+                      <a16:colId xmlns:a16="http://schemas.microsoft.com/office/drawing/2014/main" val="2587912599"/>
+                    </a:ext>
+                  </a:extLst>
+                </a:gridCol>
+                <a:gridCol w="672751">
+                  <a:extLst>
+                    <a:ext uri="{9D8B030D-6E8A-4147-A177-3AD203B41FA5}">
+                      <a16:colId xmlns:a16="http://schemas.microsoft.com/office/drawing/2014/main" val="617498338"/>
+                    </a:ext>
+                  </a:extLst>
+                </a:gridCol>
+                <a:gridCol w="672751">
+                  <a:extLst>
+                    <a:ext uri="{9D8B030D-6E8A-4147-A177-3AD203B41FA5}">
+                      <a16:colId xmlns:a16="http://schemas.microsoft.com/office/drawing/2014/main" val="1361611942"/>
+                    </a:ext>
+                  </a:extLst>
+                </a:gridCol>
+              </a:tblGrid>
+              <a:tr h="517477">
+                <a:tc>
+                  <a:txBody>
+                    <a:bodyPr/>
+                    <a:lstStyle/>
+                    <a:p>
+                      <a:pPr algn="ctr"/>
+                      <a:endParaRPr lang="en-US" sz="1500" b="1" dirty="0">
+                        <a:solidFill>
+                          <a:schemeClr val="bg1"/>
+                        </a:solidFill>
+                      </a:endParaRPr>
+                    </a:p>
+                  </a:txBody>
+                  <a:tcPr marL="73925" marR="73925" marT="36963" marB="36963">
+                    <a:solidFill>
+                      <a:srgbClr val="4472C4"/>
+                    </a:solidFill>
+                  </a:tcPr>
+                </a:tc>
+                <a:tc>
+                  <a:txBody>
+                    <a:bodyPr/>
+                    <a:lstStyle/>
+                    <a:p>
+                      <a:pPr algn="ctr"/>
+                      <a:r>
+                        <a:rPr lang="en-US" sz="1500" dirty="0"/>
+                        <a:t>Model Cat</a:t>
+                      </a:r>
+                    </a:p>
+                  </a:txBody>
+                  <a:tcPr marL="73925" marR="73925" marT="36963" marB="36963"/>
+                </a:tc>
+                <a:tc>
+                  <a:txBody>
+                    <a:bodyPr/>
+                    <a:lstStyle/>
+                    <a:p>
+                      <a:pPr algn="ctr"/>
+                      <a:r>
+                        <a:rPr lang="en-US" sz="1500" dirty="0"/>
+                        <a:t>Model Dog</a:t>
+                      </a:r>
+                    </a:p>
+                  </a:txBody>
+                  <a:tcPr marL="73925" marR="73925" marT="36963" marB="36963"/>
+                </a:tc>
+                <a:tc>
+                  <a:txBody>
+                    <a:bodyPr/>
+                    <a:lstStyle/>
+                    <a:p>
+                      <a:pPr algn="ctr"/>
+                      <a:r>
+                        <a:rPr lang="en-US" sz="1500" dirty="0"/>
+                        <a:t>Model Bird</a:t>
+                      </a:r>
+                    </a:p>
+                  </a:txBody>
+                  <a:tcPr marL="73925" marR="73925" marT="36963" marB="36963"/>
+                </a:tc>
                 <a:extLst>
-                  <a:ext uri="{FF2B5EF4-FFF2-40B4-BE49-F238E27FC236}">
-                    <a16:creationId xmlns:a16="http://schemas.microsoft.com/office/drawing/2014/main" id="{E644D50E-30AC-B0ED-E9EC-DE126F5DF01D}"/>
+                  <a:ext uri="{0D108BD9-81ED-4DB2-BD59-A6C34878D82A}">
+                    <a16:rowId xmlns:a16="http://schemas.microsoft.com/office/drawing/2014/main" val="2688480762"/>
                   </a:ext>
                 </a:extLst>
-              </p:cNvPr>
-              <p:cNvSpPr txBox="1"/>
-              <p:nvPr/>
-            </p:nvSpPr>
-            <p:spPr>
-              <a:xfrm>
-                <a:off x="2016154" y="1825625"/>
-                <a:ext cx="8159692" cy="665760"/>
-              </a:xfrm>
-              <a:prstGeom prst="rect">
-                <a:avLst/>
-              </a:prstGeom>
-              <a:noFill/>
-            </p:spPr>
-            <p:txBody>
-              <a:bodyPr wrap="square">
-                <a:spAutoFit/>
-              </a:bodyPr>
-              <a:lstStyle/>
-              <a:p>
-                <a:pPr/>
-                <a14:m>
-                  <m:oMathPara xmlns:m="http://schemas.openxmlformats.org/officeDocument/2006/math">
-                    <m:oMathParaPr>
-                      <m:jc m:val="center"/>
-                    </m:oMathParaPr>
-                    <m:oMath xmlns:m="http://schemas.openxmlformats.org/officeDocument/2006/math">
-                      <m:r>
-                        <a:rPr lang="en-US" sz="1800" b="0" i="1" smtClean="0">
-                          <a:latin typeface="Cambria Math" panose="02040503050406030204" pitchFamily="18" charset="0"/>
+              </a:tr>
+              <a:tr h="517477">
+                <a:tc>
+                  <a:txBody>
+                    <a:bodyPr/>
+                    <a:lstStyle/>
+                    <a:p>
+                      <a:pPr algn="ctr"/>
+                      <a:r>
+                        <a:rPr lang="en-US" sz="1500" b="1" dirty="0">
+                          <a:solidFill>
+                            <a:schemeClr val="bg1"/>
+                          </a:solidFill>
                         </a:rPr>
-                        <m:t>𝐹𝑎𝑙𝑠𝑒</m:t>
-                      </m:r>
-                      <m:r>
-                        <a:rPr lang="en-US" sz="1800" b="0" i="1" smtClean="0">
-                          <a:latin typeface="Cambria Math" panose="02040503050406030204" pitchFamily="18" charset="0"/>
-                        </a:rPr>
-                        <m:t> </m:t>
-                      </m:r>
-                      <m:r>
-                        <a:rPr lang="en-US" sz="1800" b="0" i="1" smtClean="0">
-                          <a:latin typeface="Cambria Math" panose="02040503050406030204" pitchFamily="18" charset="0"/>
-                        </a:rPr>
-                        <m:t>𝑃𝑜𝑠𝑖𝑡𝑖𝑣𝑒</m:t>
-                      </m:r>
-                      <m:r>
-                        <a:rPr lang="en-US" sz="1800" b="0" i="1" smtClean="0">
-                          <a:latin typeface="Cambria Math" panose="02040503050406030204" pitchFamily="18" charset="0"/>
-                        </a:rPr>
-                        <m:t> </m:t>
-                      </m:r>
-                      <m:r>
-                        <a:rPr lang="en-US" sz="1800" b="0" i="1" smtClean="0">
-                          <a:latin typeface="Cambria Math" panose="02040503050406030204" pitchFamily="18" charset="0"/>
-                        </a:rPr>
-                        <m:t>𝑅𝑎𝑡𝑒</m:t>
-                      </m:r>
-                      <m:r>
-                        <a:rPr lang="en-US" sz="1800" b="0" i="1" smtClean="0">
-                          <a:latin typeface="Cambria Math" panose="02040503050406030204" pitchFamily="18" charset="0"/>
-                        </a:rPr>
-                        <m:t>𝑓𝑜𝑟</m:t>
-                      </m:r>
-                      <m:r>
-                        <a:rPr lang="en-US" sz="1800" b="0" i="1" smtClean="0">
-                          <a:latin typeface="Cambria Math" panose="02040503050406030204" pitchFamily="18" charset="0"/>
-                        </a:rPr>
-                        <m:t> </m:t>
-                      </m:r>
-                      <m:sSub>
-                        <m:sSubPr>
-                          <m:ctrlPr>
-                            <a:rPr lang="en-US" sz="1800" b="0" i="1" smtClean="0">
-                              <a:latin typeface="Cambria Math" panose="02040503050406030204" pitchFamily="18" charset="0"/>
-                            </a:rPr>
-                          </m:ctrlPr>
-                        </m:sSubPr>
-                        <m:e>
-                          <m:r>
-                            <a:rPr lang="en-US" sz="1800" b="0" i="1" smtClean="0">
-                              <a:latin typeface="Cambria Math" panose="02040503050406030204" pitchFamily="18" charset="0"/>
-                            </a:rPr>
-                            <m:t>𝐶</m:t>
-                          </m:r>
-                        </m:e>
-                        <m:sub>
-                          <m:r>
-                            <a:rPr lang="en-US" sz="1800" b="0" i="1" smtClean="0">
-                              <a:latin typeface="Cambria Math" panose="02040503050406030204" pitchFamily="18" charset="0"/>
-                            </a:rPr>
-                            <m:t>𝑖</m:t>
-                          </m:r>
-                        </m:sub>
-                      </m:sSub>
-                      <m:r>
-                        <a:rPr lang="en-US" sz="1800" b="0" i="1" smtClean="0">
-                          <a:latin typeface="Cambria Math" panose="02040503050406030204" pitchFamily="18" charset="0"/>
-                        </a:rPr>
-                        <m:t>=</m:t>
-                      </m:r>
-                      <m:f>
-                        <m:fPr>
-                          <m:ctrlPr>
-                            <a:rPr lang="en-US" sz="1800" b="0" i="1" smtClean="0">
-                              <a:latin typeface="Cambria Math" panose="02040503050406030204" pitchFamily="18" charset="0"/>
-                            </a:rPr>
-                          </m:ctrlPr>
-                        </m:fPr>
-                        <m:num>
-                          <m:r>
-                            <a:rPr lang="en-US" sz="1800" b="0" i="1" smtClean="0">
-                              <a:latin typeface="Cambria Math" panose="02040503050406030204" pitchFamily="18" charset="0"/>
-                            </a:rPr>
-                            <m:t># </m:t>
-                          </m:r>
-                          <m:r>
-                            <a:rPr lang="en-US" sz="1800" b="0" i="1" smtClean="0">
-                              <a:latin typeface="Cambria Math" panose="02040503050406030204" pitchFamily="18" charset="0"/>
-                            </a:rPr>
-                            <m:t>𝑖𝑛𝑐</m:t>
-                          </m:r>
-                          <m:r>
-                            <a:rPr lang="en-US" sz="1800" b="0" i="1" smtClean="0">
-                              <a:latin typeface="Cambria Math" panose="02040503050406030204" pitchFamily="18" charset="0"/>
-                            </a:rPr>
-                            <m:t>𝑜𝑟𝑟𝑒𝑐𝑡</m:t>
-                          </m:r>
-                          <m:r>
-                            <a:rPr lang="en-US" sz="1800" b="0" i="1" smtClean="0">
-                              <a:latin typeface="Cambria Math" panose="02040503050406030204" pitchFamily="18" charset="0"/>
-                            </a:rPr>
-                            <m:t> </m:t>
-                          </m:r>
-                          <m:r>
-                            <a:rPr lang="en-US" sz="1800" b="0" i="1" smtClean="0">
-                              <a:latin typeface="Cambria Math" panose="02040503050406030204" pitchFamily="18" charset="0"/>
-                            </a:rPr>
-                            <m:t>𝑐</m:t>
-                          </m:r>
-                          <m:r>
-                            <a:rPr lang="en-US" sz="1800" b="0" i="1" smtClean="0">
-                              <a:latin typeface="Cambria Math" panose="02040503050406030204" pitchFamily="18" charset="0"/>
-                            </a:rPr>
-                            <m:t>𝑙𝑎𝑠𝑠</m:t>
-                          </m:r>
-                          <m:r>
-                            <a:rPr lang="en-US" sz="1800" b="0" i="1" smtClean="0">
-                              <a:latin typeface="Cambria Math" panose="02040503050406030204" pitchFamily="18" charset="0"/>
-                            </a:rPr>
-                            <m:t> </m:t>
-                          </m:r>
-                          <m:r>
-                            <a:rPr lang="en-US" sz="1800" b="0" i="1" smtClean="0">
-                              <a:latin typeface="Cambria Math" panose="02040503050406030204" pitchFamily="18" charset="0"/>
-                            </a:rPr>
-                            <m:t>𝑝</m:t>
-                          </m:r>
-                          <m:r>
-                            <a:rPr lang="en-US" sz="1800" b="0" i="1" smtClean="0">
-                              <a:latin typeface="Cambria Math" panose="02040503050406030204" pitchFamily="18" charset="0"/>
-                            </a:rPr>
-                            <m:t>𝑟𝑒𝑑𝑖𝑐𝑡𝑖𝑜𝑛𝑠</m:t>
-                          </m:r>
-                          <m:r>
-                            <a:rPr lang="en-US" sz="1800" b="0" i="1" smtClean="0">
-                              <a:latin typeface="Cambria Math" panose="02040503050406030204" pitchFamily="18" charset="0"/>
-                            </a:rPr>
-                            <m:t> </m:t>
-                          </m:r>
-                          <m:r>
-                            <a:rPr lang="en-US" sz="1800" b="0" i="1" smtClean="0">
-                              <a:latin typeface="Cambria Math" panose="02040503050406030204" pitchFamily="18" charset="0"/>
-                            </a:rPr>
-                            <m:t>𝑓𝑜𝑟</m:t>
-                          </m:r>
-                          <m:r>
-                            <a:rPr lang="en-US" sz="1800" b="0" i="1" smtClean="0">
-                              <a:latin typeface="Cambria Math" panose="02040503050406030204" pitchFamily="18" charset="0"/>
-                            </a:rPr>
-                            <m:t> </m:t>
-                          </m:r>
-                          <m:r>
-                            <a:rPr lang="en-US" sz="1800" b="0" i="1" smtClean="0">
-                              <a:latin typeface="Cambria Math" panose="02040503050406030204" pitchFamily="18" charset="0"/>
-                            </a:rPr>
-                            <m:t>𝑐</m:t>
-                          </m:r>
-                          <m:r>
-                            <a:rPr lang="en-US" sz="1800" b="0" i="1" smtClean="0">
-                              <a:latin typeface="Cambria Math" panose="02040503050406030204" pitchFamily="18" charset="0"/>
-                            </a:rPr>
-                            <m:t>𝑙𝑎𝑠𝑠</m:t>
-                          </m:r>
-                          <m:r>
-                            <a:rPr lang="en-US" sz="1800" b="0" i="1" smtClean="0">
-                              <a:latin typeface="Cambria Math" panose="02040503050406030204" pitchFamily="18" charset="0"/>
-                            </a:rPr>
-                            <m:t> </m:t>
-                          </m:r>
-                          <m:sSub>
-                            <m:sSubPr>
-                              <m:ctrlPr>
-                                <a:rPr lang="en-US" sz="1800" b="0" i="1" smtClean="0">
-                                  <a:latin typeface="Cambria Math" panose="02040503050406030204" pitchFamily="18" charset="0"/>
-                                </a:rPr>
-                              </m:ctrlPr>
-                            </m:sSubPr>
-                            <m:e>
-                              <m:r>
-                                <a:rPr lang="en-US" sz="1800" b="0" i="1" smtClean="0">
-                                  <a:latin typeface="Cambria Math" panose="02040503050406030204" pitchFamily="18" charset="0"/>
-                                </a:rPr>
-                                <m:t>𝐶</m:t>
-                              </m:r>
-                            </m:e>
-                            <m:sub>
-                              <m:r>
-                                <a:rPr lang="en-US" sz="1800" b="0" i="1" smtClean="0">
-                                  <a:latin typeface="Cambria Math" panose="02040503050406030204" pitchFamily="18" charset="0"/>
-                                </a:rPr>
-                                <m:t>𝑖</m:t>
-                              </m:r>
-                            </m:sub>
-                          </m:sSub>
-                        </m:num>
-                        <m:den>
-                          <m:r>
-                            <a:rPr lang="en-US" sz="1800" b="0" i="1" smtClean="0">
-                              <a:latin typeface="Cambria Math" panose="02040503050406030204" pitchFamily="18" charset="0"/>
-                            </a:rPr>
-                            <m:t># </m:t>
-                          </m:r>
-                          <m:r>
-                            <a:rPr lang="en-US" sz="1800" b="0" i="1" smtClean="0">
-                              <a:latin typeface="Cambria Math" panose="02040503050406030204" pitchFamily="18" charset="0"/>
-                            </a:rPr>
-                            <m:t>𝑛𝑜𝑛</m:t>
-                          </m:r>
-                          <m:r>
-                            <a:rPr lang="en-US" sz="1800" b="0" i="1" smtClean="0">
-                              <a:latin typeface="Cambria Math" panose="02040503050406030204" pitchFamily="18" charset="0"/>
-                            </a:rPr>
-                            <m:t> </m:t>
-                          </m:r>
-                          <m:r>
-                            <a:rPr lang="en-US" sz="1800" b="0" i="1" smtClean="0">
-                              <a:latin typeface="Cambria Math" panose="02040503050406030204" pitchFamily="18" charset="0"/>
-                            </a:rPr>
-                            <m:t>𝑐𝑙𝑎𝑠𝑠</m:t>
-                          </m:r>
-                          <m:r>
-                            <a:rPr lang="en-US" sz="1800" b="0" i="1" smtClean="0">
-                              <a:latin typeface="Cambria Math" panose="02040503050406030204" pitchFamily="18" charset="0"/>
-                            </a:rPr>
-                            <m:t> </m:t>
-                          </m:r>
-                          <m:sSub>
-                            <m:sSubPr>
-                              <m:ctrlPr>
-                                <a:rPr lang="en-US" sz="1800" b="0" i="1" smtClean="0">
-                                  <a:latin typeface="Cambria Math" panose="02040503050406030204" pitchFamily="18" charset="0"/>
-                                </a:rPr>
-                              </m:ctrlPr>
-                            </m:sSubPr>
-                            <m:e>
-                              <m:r>
-                                <a:rPr lang="en-US" sz="1800" b="0" i="1" smtClean="0">
-                                  <a:latin typeface="Cambria Math" panose="02040503050406030204" pitchFamily="18" charset="0"/>
-                                </a:rPr>
-                                <m:t>𝐶</m:t>
-                              </m:r>
-                            </m:e>
-                            <m:sub>
-                              <m:r>
-                                <a:rPr lang="en-US" sz="1800" b="0" i="1" smtClean="0">
-                                  <a:latin typeface="Cambria Math" panose="02040503050406030204" pitchFamily="18" charset="0"/>
-                                </a:rPr>
-                                <m:t>𝑖</m:t>
-                              </m:r>
-                            </m:sub>
-                          </m:sSub>
-                          <m:r>
-                            <a:rPr lang="en-US" sz="1800" b="0" i="1" smtClean="0">
-                              <a:latin typeface="Cambria Math" panose="02040503050406030204" pitchFamily="18" charset="0"/>
-                            </a:rPr>
-                            <m:t> </m:t>
-                          </m:r>
-                          <m:r>
-                            <a:rPr lang="en-US" sz="1800" b="0" i="1" smtClean="0">
-                              <a:latin typeface="Cambria Math" panose="02040503050406030204" pitchFamily="18" charset="0"/>
-                            </a:rPr>
-                            <m:t>𝑑</m:t>
-                          </m:r>
-                          <m:r>
-                            <a:rPr lang="en-US" sz="1800" b="0" i="1" smtClean="0">
-                              <a:latin typeface="Cambria Math" panose="02040503050406030204" pitchFamily="18" charset="0"/>
-                            </a:rPr>
-                            <m:t>𝑎𝑡𝑎</m:t>
-                          </m:r>
-                          <m:r>
-                            <a:rPr lang="en-US" sz="1800" b="0" i="1" smtClean="0">
-                              <a:latin typeface="Cambria Math" panose="02040503050406030204" pitchFamily="18" charset="0"/>
-                            </a:rPr>
-                            <m:t> </m:t>
-                          </m:r>
-                          <m:r>
-                            <a:rPr lang="en-US" sz="1800" b="0" i="1" smtClean="0">
-                              <a:latin typeface="Cambria Math" panose="02040503050406030204" pitchFamily="18" charset="0"/>
-                            </a:rPr>
-                            <m:t>𝑝</m:t>
-                          </m:r>
-                          <m:r>
-                            <a:rPr lang="en-US" sz="1800" b="0" i="1" smtClean="0">
-                              <a:latin typeface="Cambria Math" panose="02040503050406030204" pitchFamily="18" charset="0"/>
-                            </a:rPr>
-                            <m:t>𝑜𝑖𝑛𝑡𝑠</m:t>
-                          </m:r>
-                        </m:den>
-                      </m:f>
-                    </m:oMath>
-                  </m:oMathPara>
-                </a14:m>
-                <a:endParaRPr lang="en-US" dirty="0"/>
-              </a:p>
-            </p:txBody>
-          </p:sp>
-        </mc:Choice>
-        <mc:Fallback>
-          <p:sp>
-            <p:nvSpPr>
-              <p:cNvPr id="7" name="TextBox 6">
+                        <a:t>Data Cat</a:t>
+                      </a:r>
+                    </a:p>
+                  </a:txBody>
+                  <a:tcPr marL="73925" marR="73925" marT="36963" marB="36963">
+                    <a:solidFill>
+                      <a:srgbClr val="4472C4"/>
+                    </a:solidFill>
+                  </a:tcPr>
+                </a:tc>
+                <a:tc>
+                  <a:txBody>
+                    <a:bodyPr/>
+                    <a:lstStyle/>
+                    <a:p>
+                      <a:r>
+                        <a:rPr lang="en-US" sz="1500" dirty="0"/>
+                        <a:t>76</a:t>
+                      </a:r>
+                    </a:p>
+                  </a:txBody>
+                  <a:tcPr marL="73925" marR="73925" marT="36963" marB="36963"/>
+                </a:tc>
+                <a:tc>
+                  <a:txBody>
+                    <a:bodyPr/>
+                    <a:lstStyle/>
+                    <a:p>
+                      <a:r>
+                        <a:rPr lang="en-US" sz="1500" dirty="0"/>
+                        <a:t>20</a:t>
+                      </a:r>
+                    </a:p>
+                  </a:txBody>
+                  <a:tcPr marL="73925" marR="73925" marT="36963" marB="36963"/>
+                </a:tc>
+                <a:tc>
+                  <a:txBody>
+                    <a:bodyPr/>
+                    <a:lstStyle/>
+                    <a:p>
+                      <a:r>
+                        <a:rPr lang="en-US" sz="1500" dirty="0"/>
+                        <a:t>12</a:t>
+                      </a:r>
+                    </a:p>
+                  </a:txBody>
+                  <a:tcPr marL="73925" marR="73925" marT="36963" marB="36963"/>
+                </a:tc>
                 <a:extLst>
-                  <a:ext uri="{FF2B5EF4-FFF2-40B4-BE49-F238E27FC236}">
-                    <a16:creationId xmlns:a16="http://schemas.microsoft.com/office/drawing/2014/main" id="{E644D50E-30AC-B0ED-E9EC-DE126F5DF01D}"/>
+                  <a:ext uri="{0D108BD9-81ED-4DB2-BD59-A6C34878D82A}">
+                    <a16:rowId xmlns:a16="http://schemas.microsoft.com/office/drawing/2014/main" val="1617891110"/>
                   </a:ext>
                 </a:extLst>
-              </p:cNvPr>
-              <p:cNvSpPr txBox="1">
-                <a:spLocks noRot="1" noChangeAspect="1" noMove="1" noResize="1" noEditPoints="1" noAdjustHandles="1" noChangeArrowheads="1" noChangeShapeType="1" noTextEdit="1"/>
-              </p:cNvSpPr>
-              <p:nvPr/>
-            </p:nvSpPr>
-            <p:spPr>
-              <a:xfrm>
-                <a:off x="2016154" y="1825625"/>
-                <a:ext cx="8159692" cy="665760"/>
-              </a:xfrm>
-              <a:prstGeom prst="rect">
-                <a:avLst/>
-              </a:prstGeom>
-              <a:blipFill>
-                <a:blip r:embed="rId2"/>
-                <a:stretch>
-                  <a:fillRect/>
-                </a:stretch>
-              </a:blipFill>
-            </p:spPr>
-            <p:txBody>
-              <a:bodyPr/>
-              <a:lstStyle/>
-              <a:p>
-                <a:r>
-                  <a:rPr lang="en-US">
-                    <a:noFill/>
-                  </a:rPr>
-                  <a:t> </a:t>
-                </a:r>
-              </a:p>
-            </p:txBody>
-          </p:sp>
-        </mc:Fallback>
-      </mc:AlternateContent>
+              </a:tr>
+              <a:tr h="517477">
+                <a:tc>
+                  <a:txBody>
+                    <a:bodyPr/>
+                    <a:lstStyle/>
+                    <a:p>
+                      <a:pPr algn="ctr"/>
+                      <a:r>
+                        <a:rPr lang="en-US" sz="1500" b="1" dirty="0">
+                          <a:solidFill>
+                            <a:schemeClr val="bg1"/>
+                          </a:solidFill>
+                        </a:rPr>
+                        <a:t>Data Dog</a:t>
+                      </a:r>
+                    </a:p>
+                  </a:txBody>
+                  <a:tcPr marL="73925" marR="73925" marT="36963" marB="36963">
+                    <a:solidFill>
+                      <a:srgbClr val="4472C4"/>
+                    </a:solidFill>
+                  </a:tcPr>
+                </a:tc>
+                <a:tc>
+                  <a:txBody>
+                    <a:bodyPr/>
+                    <a:lstStyle/>
+                    <a:p>
+                      <a:r>
+                        <a:rPr lang="en-US" sz="1500" dirty="0"/>
+                        <a:t>27</a:t>
+                      </a:r>
+                    </a:p>
+                  </a:txBody>
+                  <a:tcPr marL="73925" marR="73925" marT="36963" marB="36963"/>
+                </a:tc>
+                <a:tc>
+                  <a:txBody>
+                    <a:bodyPr/>
+                    <a:lstStyle/>
+                    <a:p>
+                      <a:r>
+                        <a:rPr lang="en-US" sz="1500" dirty="0"/>
+                        <a:t>180</a:t>
+                      </a:r>
+                    </a:p>
+                  </a:txBody>
+                  <a:tcPr marL="73925" marR="73925" marT="36963" marB="36963"/>
+                </a:tc>
+                <a:tc>
+                  <a:txBody>
+                    <a:bodyPr/>
+                    <a:lstStyle/>
+                    <a:p>
+                      <a:r>
+                        <a:rPr lang="en-US" sz="1500" dirty="0"/>
+                        <a:t>11</a:t>
+                      </a:r>
+                    </a:p>
+                  </a:txBody>
+                  <a:tcPr marL="73925" marR="73925" marT="36963" marB="36963"/>
+                </a:tc>
+                <a:extLst>
+                  <a:ext uri="{0D108BD9-81ED-4DB2-BD59-A6C34878D82A}">
+                    <a16:rowId xmlns:a16="http://schemas.microsoft.com/office/drawing/2014/main" val="842711822"/>
+                  </a:ext>
+                </a:extLst>
+              </a:tr>
+              <a:tr h="517477">
+                <a:tc>
+                  <a:txBody>
+                    <a:bodyPr/>
+                    <a:lstStyle/>
+                    <a:p>
+                      <a:pPr algn="ctr"/>
+                      <a:r>
+                        <a:rPr lang="en-US" sz="1500" b="1" dirty="0">
+                          <a:solidFill>
+                            <a:schemeClr val="bg1"/>
+                          </a:solidFill>
+                        </a:rPr>
+                        <a:t>Data Bird</a:t>
+                      </a:r>
+                    </a:p>
+                  </a:txBody>
+                  <a:tcPr marL="73925" marR="73925" marT="36963" marB="36963">
+                    <a:solidFill>
+                      <a:srgbClr val="4472C4"/>
+                    </a:solidFill>
+                  </a:tcPr>
+                </a:tc>
+                <a:tc>
+                  <a:txBody>
+                    <a:bodyPr/>
+                    <a:lstStyle/>
+                    <a:p>
+                      <a:r>
+                        <a:rPr lang="en-US" sz="1500" dirty="0"/>
+                        <a:t>16</a:t>
+                      </a:r>
+                    </a:p>
+                  </a:txBody>
+                  <a:tcPr marL="73925" marR="73925" marT="36963" marB="36963"/>
+                </a:tc>
+                <a:tc>
+                  <a:txBody>
+                    <a:bodyPr/>
+                    <a:lstStyle/>
+                    <a:p>
+                      <a:r>
+                        <a:rPr lang="en-US" sz="1500" dirty="0"/>
+                        <a:t>3</a:t>
+                      </a:r>
+                    </a:p>
+                  </a:txBody>
+                  <a:tcPr marL="73925" marR="73925" marT="36963" marB="36963"/>
+                </a:tc>
+                <a:tc>
+                  <a:txBody>
+                    <a:bodyPr/>
+                    <a:lstStyle/>
+                    <a:p>
+                      <a:r>
+                        <a:rPr lang="en-US" sz="1500" dirty="0"/>
+                        <a:t>25</a:t>
+                      </a:r>
+                    </a:p>
+                  </a:txBody>
+                  <a:tcPr marL="73925" marR="73925" marT="36963" marB="36963"/>
+                </a:tc>
+                <a:extLst>
+                  <a:ext uri="{0D108BD9-81ED-4DB2-BD59-A6C34878D82A}">
+                    <a16:rowId xmlns:a16="http://schemas.microsoft.com/office/drawing/2014/main" val="1343416302"/>
+                  </a:ext>
+                </a:extLst>
+              </a:tr>
+            </a:tbl>
+          </a:graphicData>
+        </a:graphic>
+      </p:graphicFrame>
       <p:sp>
         <p:nvSpPr>
-          <p:cNvPr id="6" name="Content Placeholder 2">
+          <p:cNvPr id="10" name="Content Placeholder 2">
             <a:extLst>
               <a:ext uri="{FF2B5EF4-FFF2-40B4-BE49-F238E27FC236}">
-                <a16:creationId xmlns:a16="http://schemas.microsoft.com/office/drawing/2014/main" id="{233505AC-4E33-AF80-55DE-A7A465EBE4B6}"/>
+                <a16:creationId xmlns:a16="http://schemas.microsoft.com/office/drawing/2014/main" id="{803E182C-3DAD-7A2E-EFFC-55FF3C2DC654}"/>
               </a:ext>
             </a:extLst>
           </p:cNvPr>
@@ -8717,30 +12182,16 @@
         </p:nvSpPr>
         <p:spPr>
           <a:xfrm>
-            <a:off x="838200" y="4225253"/>
-            <a:ext cx="4019026" cy="1959146"/>
+            <a:off x="3655037" y="5877122"/>
+            <a:ext cx="7958970" cy="870866"/>
           </a:xfrm>
           <a:prstGeom prst="rect">
             <a:avLst/>
           </a:prstGeom>
         </p:spPr>
-        <p:style>
-          <a:lnRef idx="2">
-            <a:schemeClr val="accent5"/>
-          </a:lnRef>
-          <a:fillRef idx="1">
-            <a:schemeClr val="lt1"/>
-          </a:fillRef>
-          <a:effectRef idx="0">
-            <a:schemeClr val="accent5"/>
-          </a:effectRef>
-          <a:fontRef idx="minor">
-            <a:schemeClr val="dk1"/>
-          </a:fontRef>
-        </p:style>
         <p:txBody>
           <a:bodyPr vert="horz" lIns="91440" tIns="45720" rIns="91440" bIns="45720" rtlCol="0">
-            <a:normAutofit/>
+            <a:noAutofit/>
           </a:bodyPr>
           <a:lstStyle>
             <a:lvl1pPr marL="228600" indent="-228600" algn="l" defTabSz="914400" rtl="0" eaLnBrk="1" latinLnBrk="0" hangingPunct="1">
@@ -8907,19 +12358,432 @@
             </a:lvl9pPr>
           </a:lstStyle>
           <a:p>
+            <a:pPr marL="0" indent="0">
+              <a:buNone/>
+            </a:pPr>
             <a:r>
-              <a:rPr lang="en-US" dirty="0"/>
-              <a:t>Ex: Balanced Data</a:t>
+              <a:rPr lang="en-US" sz="1800" dirty="0"/>
+              <a:t>Clearly this model performs poorly on the identification of “Birds” relative to the previous scenario and the metric “Recall” captures this. </a:t>
             </a:r>
           </a:p>
         </p:txBody>
       </p:sp>
+    </p:spTree>
+    <p:extLst>
+      <p:ext uri="{BB962C8B-B14F-4D97-AF65-F5344CB8AC3E}">
+        <p14:creationId xmlns:p14="http://schemas.microsoft.com/office/powerpoint/2010/main" val="1519358463"/>
+      </p:ext>
+    </p:extLst>
+  </p:cSld>
+  <p:clrMapOvr>
+    <a:masterClrMapping/>
+  </p:clrMapOvr>
+</p:sld>
+</file>
+
+<file path=ppt/slides/slide7.xml><?xml version="1.0" encoding="utf-8"?>
+<p:sld xmlns:a="http://schemas.openxmlformats.org/drawingml/2006/main" xmlns:r="http://schemas.openxmlformats.org/officeDocument/2006/relationships" xmlns:p="http://schemas.openxmlformats.org/presentationml/2006/main">
+  <p:cSld>
+    <p:spTree>
+      <p:nvGrpSpPr>
+        <p:cNvPr id="1" name=""/>
+        <p:cNvGrpSpPr/>
+        <p:nvPr/>
+      </p:nvGrpSpPr>
+      <p:grpSpPr>
+        <a:xfrm>
+          <a:off x="0" y="0"/>
+          <a:ext cx="0" cy="0"/>
+          <a:chOff x="0" y="0"/>
+          <a:chExt cx="0" cy="0"/>
+        </a:xfrm>
+      </p:grpSpPr>
       <p:sp>
         <p:nvSpPr>
-          <p:cNvPr id="8" name="Content Placeholder 2">
+          <p:cNvPr id="2" name="Title 1">
             <a:extLst>
               <a:ext uri="{FF2B5EF4-FFF2-40B4-BE49-F238E27FC236}">
-                <a16:creationId xmlns:a16="http://schemas.microsoft.com/office/drawing/2014/main" id="{842DDEAA-090D-4B29-C17E-35ADF1309507}"/>
+                <a16:creationId xmlns:a16="http://schemas.microsoft.com/office/drawing/2014/main" id="{3D125364-4385-6331-2E0E-02C1915293E0}"/>
+              </a:ext>
+            </a:extLst>
+          </p:cNvPr>
+          <p:cNvSpPr>
+            <a:spLocks noGrp="1"/>
+          </p:cNvSpPr>
+          <p:nvPr>
+            <p:ph type="title"/>
+          </p:nvPr>
+        </p:nvSpPr>
+        <p:spPr/>
+        <p:txBody>
+          <a:bodyPr/>
+          <a:lstStyle/>
+          <a:p>
+            <a:r>
+              <a:rPr lang="en-US" dirty="0"/>
+              <a:t>Understanding Success</a:t>
+            </a:r>
+          </a:p>
+        </p:txBody>
+      </p:sp>
+      <mc:AlternateContent xmlns:mc="http://schemas.openxmlformats.org/markup-compatibility/2006">
+        <mc:Choice xmlns:a14="http://schemas.microsoft.com/office/drawing/2010/main" Requires="a14">
+          <p:sp>
+            <p:nvSpPr>
+              <p:cNvPr id="7" name="TextBox 6">
+                <a:extLst>
+                  <a:ext uri="{FF2B5EF4-FFF2-40B4-BE49-F238E27FC236}">
+                    <a16:creationId xmlns:a16="http://schemas.microsoft.com/office/drawing/2014/main" id="{E644D50E-30AC-B0ED-E9EC-DE126F5DF01D}"/>
+                  </a:ext>
+                </a:extLst>
+              </p:cNvPr>
+              <p:cNvSpPr txBox="1"/>
+              <p:nvPr/>
+            </p:nvSpPr>
+            <p:spPr>
+              <a:xfrm>
+                <a:off x="2016154" y="1825625"/>
+                <a:ext cx="8159692" cy="665760"/>
+              </a:xfrm>
+              <a:prstGeom prst="rect">
+                <a:avLst/>
+              </a:prstGeom>
+              <a:noFill/>
+            </p:spPr>
+            <p:txBody>
+              <a:bodyPr wrap="square">
+                <a:spAutoFit/>
+              </a:bodyPr>
+              <a:lstStyle/>
+              <a:p>
+                <a:pPr/>
+                <a14:m>
+                  <m:oMathPara xmlns:m="http://schemas.openxmlformats.org/officeDocument/2006/math">
+                    <m:oMathParaPr>
+                      <m:jc m:val="center"/>
+                    </m:oMathParaPr>
+                    <m:oMath xmlns:m="http://schemas.openxmlformats.org/officeDocument/2006/math">
+                      <m:r>
+                        <a:rPr lang="en-US" sz="1800" b="0" i="1" smtClean="0">
+                          <a:latin typeface="Cambria Math" panose="02040503050406030204" pitchFamily="18" charset="0"/>
+                        </a:rPr>
+                        <m:t>𝐹𝑎𝑙𝑠𝑒</m:t>
+                      </m:r>
+                      <m:r>
+                        <a:rPr lang="en-US" sz="1800" b="0" i="1" smtClean="0">
+                          <a:latin typeface="Cambria Math" panose="02040503050406030204" pitchFamily="18" charset="0"/>
+                        </a:rPr>
+                        <m:t> </m:t>
+                      </m:r>
+                      <m:r>
+                        <a:rPr lang="en-US" sz="1800" b="0" i="1" smtClean="0">
+                          <a:latin typeface="Cambria Math" panose="02040503050406030204" pitchFamily="18" charset="0"/>
+                        </a:rPr>
+                        <m:t>𝑃𝑜𝑠𝑖𝑡𝑖𝑣𝑒</m:t>
+                      </m:r>
+                      <m:r>
+                        <a:rPr lang="en-US" sz="1800" b="0" i="1" smtClean="0">
+                          <a:latin typeface="Cambria Math" panose="02040503050406030204" pitchFamily="18" charset="0"/>
+                        </a:rPr>
+                        <m:t> </m:t>
+                      </m:r>
+                      <m:r>
+                        <a:rPr lang="en-US" sz="1800" b="0" i="1" smtClean="0">
+                          <a:latin typeface="Cambria Math" panose="02040503050406030204" pitchFamily="18" charset="0"/>
+                        </a:rPr>
+                        <m:t>𝑅𝑎𝑡𝑒</m:t>
+                      </m:r>
+                      <m:r>
+                        <a:rPr lang="en-US" sz="1800" b="0" i="1" smtClean="0">
+                          <a:latin typeface="Cambria Math" panose="02040503050406030204" pitchFamily="18" charset="0"/>
+                        </a:rPr>
+                        <m:t> </m:t>
+                      </m:r>
+                      <m:r>
+                        <a:rPr lang="en-US" sz="1800" b="0" i="1" smtClean="0">
+                          <a:latin typeface="Cambria Math" panose="02040503050406030204" pitchFamily="18" charset="0"/>
+                        </a:rPr>
+                        <m:t>𝑓𝑜𝑟</m:t>
+                      </m:r>
+                      <m:r>
+                        <a:rPr lang="en-US" sz="1800" b="0" i="1" smtClean="0">
+                          <a:latin typeface="Cambria Math" panose="02040503050406030204" pitchFamily="18" charset="0"/>
+                        </a:rPr>
+                        <m:t> </m:t>
+                      </m:r>
+                      <m:sSub>
+                        <m:sSubPr>
+                          <m:ctrlPr>
+                            <a:rPr lang="en-US" sz="1800" b="0" i="1" smtClean="0">
+                              <a:latin typeface="Cambria Math" panose="02040503050406030204" pitchFamily="18" charset="0"/>
+                            </a:rPr>
+                          </m:ctrlPr>
+                        </m:sSubPr>
+                        <m:e>
+                          <m:r>
+                            <a:rPr lang="en-US" sz="1800" b="0" i="1" smtClean="0">
+                              <a:latin typeface="Cambria Math" panose="02040503050406030204" pitchFamily="18" charset="0"/>
+                            </a:rPr>
+                            <m:t>𝐶</m:t>
+                          </m:r>
+                        </m:e>
+                        <m:sub>
+                          <m:r>
+                            <a:rPr lang="en-US" sz="1800" b="0" i="1" smtClean="0">
+                              <a:latin typeface="Cambria Math" panose="02040503050406030204" pitchFamily="18" charset="0"/>
+                            </a:rPr>
+                            <m:t>𝑖</m:t>
+                          </m:r>
+                        </m:sub>
+                      </m:sSub>
+                      <m:r>
+                        <a:rPr lang="en-US" sz="1800" b="0" i="1" smtClean="0">
+                          <a:latin typeface="Cambria Math" panose="02040503050406030204" pitchFamily="18" charset="0"/>
+                        </a:rPr>
+                        <m:t>=</m:t>
+                      </m:r>
+                      <m:f>
+                        <m:fPr>
+                          <m:ctrlPr>
+                            <a:rPr lang="en-US" sz="1800" b="0" i="1" smtClean="0">
+                              <a:latin typeface="Cambria Math" panose="02040503050406030204" pitchFamily="18" charset="0"/>
+                            </a:rPr>
+                          </m:ctrlPr>
+                        </m:fPr>
+                        <m:num>
+                          <m:r>
+                            <a:rPr lang="en-US" sz="1800" b="0" i="1" smtClean="0">
+                              <a:latin typeface="Cambria Math" panose="02040503050406030204" pitchFamily="18" charset="0"/>
+                            </a:rPr>
+                            <m:t># </m:t>
+                          </m:r>
+                          <m:r>
+                            <a:rPr lang="en-US" sz="1800" b="0" i="1" smtClean="0">
+                              <a:latin typeface="Cambria Math" panose="02040503050406030204" pitchFamily="18" charset="0"/>
+                            </a:rPr>
+                            <m:t>𝑖𝑛𝑐𝑜𝑟𝑟𝑒𝑐𝑡</m:t>
+                          </m:r>
+                          <m:r>
+                            <a:rPr lang="en-US" sz="1800" b="0" i="1" smtClean="0">
+                              <a:latin typeface="Cambria Math" panose="02040503050406030204" pitchFamily="18" charset="0"/>
+                            </a:rPr>
+                            <m:t> </m:t>
+                          </m:r>
+                          <m:r>
+                            <a:rPr lang="en-US" sz="1800" b="0" i="1" smtClean="0">
+                              <a:latin typeface="Cambria Math" panose="02040503050406030204" pitchFamily="18" charset="0"/>
+                            </a:rPr>
+                            <m:t>𝑐𝑙𝑎𝑠𝑠</m:t>
+                          </m:r>
+                          <m:r>
+                            <a:rPr lang="en-US" sz="1800" b="0" i="1" smtClean="0">
+                              <a:latin typeface="Cambria Math" panose="02040503050406030204" pitchFamily="18" charset="0"/>
+                            </a:rPr>
+                            <m:t> </m:t>
+                          </m:r>
+                          <m:r>
+                            <a:rPr lang="en-US" sz="1800" b="0" i="1" smtClean="0">
+                              <a:latin typeface="Cambria Math" panose="02040503050406030204" pitchFamily="18" charset="0"/>
+                            </a:rPr>
+                            <m:t>𝑝𝑟𝑒𝑑𝑖𝑐𝑡𝑖𝑜𝑛𝑠</m:t>
+                          </m:r>
+                          <m:r>
+                            <a:rPr lang="en-US" sz="1800" b="0" i="1" smtClean="0">
+                              <a:latin typeface="Cambria Math" panose="02040503050406030204" pitchFamily="18" charset="0"/>
+                            </a:rPr>
+                            <m:t> </m:t>
+                          </m:r>
+                          <m:r>
+                            <a:rPr lang="en-US" sz="1800" b="0" i="1" smtClean="0">
+                              <a:latin typeface="Cambria Math" panose="02040503050406030204" pitchFamily="18" charset="0"/>
+                            </a:rPr>
+                            <m:t>𝑓𝑜𝑟</m:t>
+                          </m:r>
+                          <m:r>
+                            <a:rPr lang="en-US" sz="1800" b="0" i="1" smtClean="0">
+                              <a:latin typeface="Cambria Math" panose="02040503050406030204" pitchFamily="18" charset="0"/>
+                            </a:rPr>
+                            <m:t> </m:t>
+                          </m:r>
+                          <m:r>
+                            <a:rPr lang="en-US" sz="1800" b="0" i="1" smtClean="0">
+                              <a:latin typeface="Cambria Math" panose="02040503050406030204" pitchFamily="18" charset="0"/>
+                            </a:rPr>
+                            <m:t>𝑐𝑙𝑎𝑠𝑠</m:t>
+                          </m:r>
+                          <m:r>
+                            <a:rPr lang="en-US" sz="1800" b="0" i="1" smtClean="0">
+                              <a:latin typeface="Cambria Math" panose="02040503050406030204" pitchFamily="18" charset="0"/>
+                            </a:rPr>
+                            <m:t> </m:t>
+                          </m:r>
+                          <m:sSub>
+                            <m:sSubPr>
+                              <m:ctrlPr>
+                                <a:rPr lang="en-US" sz="1800" b="0" i="1" smtClean="0">
+                                  <a:latin typeface="Cambria Math" panose="02040503050406030204" pitchFamily="18" charset="0"/>
+                                </a:rPr>
+                              </m:ctrlPr>
+                            </m:sSubPr>
+                            <m:e>
+                              <m:r>
+                                <a:rPr lang="en-US" sz="1800" b="0" i="1" smtClean="0">
+                                  <a:latin typeface="Cambria Math" panose="02040503050406030204" pitchFamily="18" charset="0"/>
+                                </a:rPr>
+                                <m:t>𝐶</m:t>
+                              </m:r>
+                            </m:e>
+                            <m:sub>
+                              <m:r>
+                                <a:rPr lang="en-US" sz="1800" b="0" i="1" smtClean="0">
+                                  <a:latin typeface="Cambria Math" panose="02040503050406030204" pitchFamily="18" charset="0"/>
+                                </a:rPr>
+                                <m:t>𝑖</m:t>
+                              </m:r>
+                            </m:sub>
+                          </m:sSub>
+                        </m:num>
+                        <m:den>
+                          <m:r>
+                            <a:rPr lang="en-US" sz="1800" b="0" i="1" smtClean="0">
+                              <a:latin typeface="Cambria Math" panose="02040503050406030204" pitchFamily="18" charset="0"/>
+                            </a:rPr>
+                            <m:t># </m:t>
+                          </m:r>
+                          <m:r>
+                            <a:rPr lang="en-US" sz="1800" b="0" i="1" smtClean="0">
+                              <a:latin typeface="Cambria Math" panose="02040503050406030204" pitchFamily="18" charset="0"/>
+                            </a:rPr>
+                            <m:t>𝑛𝑜𝑛</m:t>
+                          </m:r>
+                          <m:r>
+                            <a:rPr lang="en-US" sz="1800" b="0" i="1" smtClean="0">
+                              <a:latin typeface="Cambria Math" panose="02040503050406030204" pitchFamily="18" charset="0"/>
+                            </a:rPr>
+                            <m:t> </m:t>
+                          </m:r>
+                          <m:r>
+                            <a:rPr lang="en-US" sz="1800" b="0" i="1" smtClean="0">
+                              <a:latin typeface="Cambria Math" panose="02040503050406030204" pitchFamily="18" charset="0"/>
+                            </a:rPr>
+                            <m:t>𝑐𝑙𝑎𝑠𝑠</m:t>
+                          </m:r>
+                          <m:r>
+                            <a:rPr lang="en-US" sz="1800" b="0" i="1" smtClean="0">
+                              <a:latin typeface="Cambria Math" panose="02040503050406030204" pitchFamily="18" charset="0"/>
+                            </a:rPr>
+                            <m:t> </m:t>
+                          </m:r>
+                          <m:sSub>
+                            <m:sSubPr>
+                              <m:ctrlPr>
+                                <a:rPr lang="en-US" sz="1800" b="0" i="1" smtClean="0">
+                                  <a:latin typeface="Cambria Math" panose="02040503050406030204" pitchFamily="18" charset="0"/>
+                                </a:rPr>
+                              </m:ctrlPr>
+                            </m:sSubPr>
+                            <m:e>
+                              <m:r>
+                                <a:rPr lang="en-US" sz="1800" b="0" i="1" smtClean="0">
+                                  <a:latin typeface="Cambria Math" panose="02040503050406030204" pitchFamily="18" charset="0"/>
+                                </a:rPr>
+                                <m:t>𝐶</m:t>
+                              </m:r>
+                            </m:e>
+                            <m:sub>
+                              <m:r>
+                                <a:rPr lang="en-US" sz="1800" b="0" i="1" smtClean="0">
+                                  <a:latin typeface="Cambria Math" panose="02040503050406030204" pitchFamily="18" charset="0"/>
+                                </a:rPr>
+                                <m:t>𝑖</m:t>
+                              </m:r>
+                            </m:sub>
+                          </m:sSub>
+                          <m:r>
+                            <a:rPr lang="en-US" sz="1800" b="0" i="1" smtClean="0">
+                              <a:latin typeface="Cambria Math" panose="02040503050406030204" pitchFamily="18" charset="0"/>
+                            </a:rPr>
+                            <m:t> </m:t>
+                          </m:r>
+                          <m:r>
+                            <a:rPr lang="en-US" sz="1800" b="0" i="1" smtClean="0">
+                              <a:latin typeface="Cambria Math" panose="02040503050406030204" pitchFamily="18" charset="0"/>
+                            </a:rPr>
+                            <m:t>𝑑𝑎𝑡𝑎</m:t>
+                          </m:r>
+                          <m:r>
+                            <a:rPr lang="en-US" sz="1800" b="0" i="1" smtClean="0">
+                              <a:latin typeface="Cambria Math" panose="02040503050406030204" pitchFamily="18" charset="0"/>
+                            </a:rPr>
+                            <m:t> </m:t>
+                          </m:r>
+                          <m:r>
+                            <a:rPr lang="en-US" sz="1800" b="0" i="1" smtClean="0">
+                              <a:latin typeface="Cambria Math" panose="02040503050406030204" pitchFamily="18" charset="0"/>
+                            </a:rPr>
+                            <m:t>𝑝𝑜𝑖𝑛𝑡𝑠</m:t>
+                          </m:r>
+                        </m:den>
+                      </m:f>
+                    </m:oMath>
+                  </m:oMathPara>
+                </a14:m>
+                <a:endParaRPr lang="en-US" dirty="0"/>
+              </a:p>
+            </p:txBody>
+          </p:sp>
+        </mc:Choice>
+        <mc:Fallback>
+          <p:sp>
+            <p:nvSpPr>
+              <p:cNvPr id="7" name="TextBox 6">
+                <a:extLst>
+                  <a:ext uri="{FF2B5EF4-FFF2-40B4-BE49-F238E27FC236}">
+                    <a16:creationId xmlns:a16="http://schemas.microsoft.com/office/drawing/2014/main" id="{E644D50E-30AC-B0ED-E9EC-DE126F5DF01D}"/>
+                  </a:ext>
+                </a:extLst>
+              </p:cNvPr>
+              <p:cNvSpPr txBox="1">
+                <a:spLocks noRot="1" noChangeAspect="1" noMove="1" noResize="1" noEditPoints="1" noAdjustHandles="1" noChangeArrowheads="1" noChangeShapeType="1" noTextEdit="1"/>
+              </p:cNvSpPr>
+              <p:nvPr/>
+            </p:nvSpPr>
+            <p:spPr>
+              <a:xfrm>
+                <a:off x="2016154" y="1825625"/>
+                <a:ext cx="8159692" cy="665760"/>
+              </a:xfrm>
+              <a:prstGeom prst="rect">
+                <a:avLst/>
+              </a:prstGeom>
+              <a:blipFill>
+                <a:blip r:embed="rId2"/>
+                <a:stretch>
+                  <a:fillRect/>
+                </a:stretch>
+              </a:blipFill>
+            </p:spPr>
+            <p:txBody>
+              <a:bodyPr/>
+              <a:lstStyle/>
+              <a:p>
+                <a:r>
+                  <a:rPr lang="en-US">
+                    <a:noFill/>
+                  </a:rPr>
+                  <a:t> </a:t>
+                </a:r>
+              </a:p>
+            </p:txBody>
+          </p:sp>
+        </mc:Fallback>
+      </mc:AlternateContent>
+      <p:sp>
+        <p:nvSpPr>
+          <p:cNvPr id="3" name="Content Placeholder 2">
+            <a:extLst>
+              <a:ext uri="{FF2B5EF4-FFF2-40B4-BE49-F238E27FC236}">
+                <a16:creationId xmlns:a16="http://schemas.microsoft.com/office/drawing/2014/main" id="{87808785-0E66-BE7E-E437-D7B0D92E4ED0}"/>
               </a:ext>
             </a:extLst>
           </p:cNvPr>
@@ -8930,12 +12794,16 @@
         </p:nvSpPr>
         <p:spPr>
           <a:xfrm>
-            <a:off x="7334776" y="4225253"/>
-            <a:ext cx="4019026" cy="1959146"/>
+            <a:off x="838199" y="6096967"/>
+            <a:ext cx="2691003" cy="431177"/>
           </a:xfrm>
           <a:prstGeom prst="rect">
             <a:avLst/>
           </a:prstGeom>
+          <a:noFill/>
+          <a:ln>
+            <a:noFill/>
+          </a:ln>
         </p:spPr>
         <p:style>
           <a:lnRef idx="2">
@@ -8953,7 +12821,7 @@
         </p:style>
         <p:txBody>
           <a:bodyPr vert="horz" lIns="91440" tIns="45720" rIns="91440" bIns="45720" rtlCol="0">
-            <a:normAutofit/>
+            <a:normAutofit fontScale="55000" lnSpcReduction="20000"/>
           </a:bodyPr>
           <a:lstStyle>
             <a:lvl1pPr marL="228600" indent="-228600" algn="l" defTabSz="914400" rtl="0" eaLnBrk="1" latinLnBrk="0" hangingPunct="1">
@@ -9120,13 +12988,1018 @@
             </a:lvl9pPr>
           </a:lstStyle>
           <a:p>
+            <a:pPr marL="0" indent="0">
+              <a:buNone/>
+            </a:pPr>
             <a:r>
               <a:rPr lang="en-US" dirty="0"/>
-              <a:t>Ex: Imbalanced Data</a:t>
+              <a:t>Balanced Data: Nearly equal quantity of dogs, cats, and birds</a:t>
             </a:r>
           </a:p>
         </p:txBody>
       </p:sp>
+      <p:graphicFrame>
+        <p:nvGraphicFramePr>
+          <p:cNvPr id="4" name="Table 10">
+            <a:extLst>
+              <a:ext uri="{FF2B5EF4-FFF2-40B4-BE49-F238E27FC236}">
+                <a16:creationId xmlns:a16="http://schemas.microsoft.com/office/drawing/2014/main" id="{291C64F9-0B8A-D106-366D-31B50BA8C3D2}"/>
+              </a:ext>
+            </a:extLst>
+          </p:cNvPr>
+          <p:cNvGraphicFramePr>
+            <a:graphicFrameLocks noGrp="1"/>
+          </p:cNvGraphicFramePr>
+          <p:nvPr>
+            <p:extLst>
+              <p:ext uri="{D42A27DB-BD31-4B8C-83A1-F6EECF244321}">
+                <p14:modId xmlns:p14="http://schemas.microsoft.com/office/powerpoint/2010/main" val="4251050893"/>
+              </p:ext>
+            </p:extLst>
+          </p:nvPr>
+        </p:nvGraphicFramePr>
+        <p:xfrm>
+          <a:off x="838198" y="3921583"/>
+          <a:ext cx="2691004" cy="2124504"/>
+        </p:xfrm>
+        <a:graphic>
+          <a:graphicData uri="http://schemas.openxmlformats.org/drawingml/2006/table">
+            <a:tbl>
+              <a:tblPr firstRow="1" bandRow="1">
+                <a:tableStyleId>{5C22544A-7EE6-4342-B048-85BDC9FD1C3A}</a:tableStyleId>
+              </a:tblPr>
+              <a:tblGrid>
+                <a:gridCol w="672751">
+                  <a:extLst>
+                    <a:ext uri="{9D8B030D-6E8A-4147-A177-3AD203B41FA5}">
+                      <a16:colId xmlns:a16="http://schemas.microsoft.com/office/drawing/2014/main" val="3779047369"/>
+                    </a:ext>
+                  </a:extLst>
+                </a:gridCol>
+                <a:gridCol w="672751">
+                  <a:extLst>
+                    <a:ext uri="{9D8B030D-6E8A-4147-A177-3AD203B41FA5}">
+                      <a16:colId xmlns:a16="http://schemas.microsoft.com/office/drawing/2014/main" val="2587912599"/>
+                    </a:ext>
+                  </a:extLst>
+                </a:gridCol>
+                <a:gridCol w="672751">
+                  <a:extLst>
+                    <a:ext uri="{9D8B030D-6E8A-4147-A177-3AD203B41FA5}">
+                      <a16:colId xmlns:a16="http://schemas.microsoft.com/office/drawing/2014/main" val="617498338"/>
+                    </a:ext>
+                  </a:extLst>
+                </a:gridCol>
+                <a:gridCol w="672751">
+                  <a:extLst>
+                    <a:ext uri="{9D8B030D-6E8A-4147-A177-3AD203B41FA5}">
+                      <a16:colId xmlns:a16="http://schemas.microsoft.com/office/drawing/2014/main" val="1361611942"/>
+                    </a:ext>
+                  </a:extLst>
+                </a:gridCol>
+              </a:tblGrid>
+              <a:tr h="517477">
+                <a:tc>
+                  <a:txBody>
+                    <a:bodyPr/>
+                    <a:lstStyle/>
+                    <a:p>
+                      <a:pPr algn="ctr"/>
+                      <a:endParaRPr lang="en-US" sz="1500" b="1" dirty="0">
+                        <a:solidFill>
+                          <a:schemeClr val="bg1"/>
+                        </a:solidFill>
+                      </a:endParaRPr>
+                    </a:p>
+                  </a:txBody>
+                  <a:tcPr marL="73925" marR="73925" marT="36963" marB="36963">
+                    <a:solidFill>
+                      <a:srgbClr val="4472C4"/>
+                    </a:solidFill>
+                  </a:tcPr>
+                </a:tc>
+                <a:tc>
+                  <a:txBody>
+                    <a:bodyPr/>
+                    <a:lstStyle/>
+                    <a:p>
+                      <a:pPr algn="ctr"/>
+                      <a:r>
+                        <a:rPr lang="en-US" sz="1500" dirty="0"/>
+                        <a:t>Model Cat</a:t>
+                      </a:r>
+                    </a:p>
+                  </a:txBody>
+                  <a:tcPr marL="73925" marR="73925" marT="36963" marB="36963"/>
+                </a:tc>
+                <a:tc>
+                  <a:txBody>
+                    <a:bodyPr/>
+                    <a:lstStyle/>
+                    <a:p>
+                      <a:pPr algn="ctr"/>
+                      <a:r>
+                        <a:rPr lang="en-US" sz="1500" dirty="0"/>
+                        <a:t>Model Dog</a:t>
+                      </a:r>
+                    </a:p>
+                  </a:txBody>
+                  <a:tcPr marL="73925" marR="73925" marT="36963" marB="36963"/>
+                </a:tc>
+                <a:tc>
+                  <a:txBody>
+                    <a:bodyPr/>
+                    <a:lstStyle/>
+                    <a:p>
+                      <a:pPr algn="ctr"/>
+                      <a:r>
+                        <a:rPr lang="en-US" sz="1500" dirty="0"/>
+                        <a:t>Model Bird</a:t>
+                      </a:r>
+                    </a:p>
+                  </a:txBody>
+                  <a:tcPr marL="73925" marR="73925" marT="36963" marB="36963"/>
+                </a:tc>
+                <a:extLst>
+                  <a:ext uri="{0D108BD9-81ED-4DB2-BD59-A6C34878D82A}">
+                    <a16:rowId xmlns:a16="http://schemas.microsoft.com/office/drawing/2014/main" val="2688480762"/>
+                  </a:ext>
+                </a:extLst>
+              </a:tr>
+              <a:tr h="517477">
+                <a:tc>
+                  <a:txBody>
+                    <a:bodyPr/>
+                    <a:lstStyle/>
+                    <a:p>
+                      <a:pPr algn="ctr"/>
+                      <a:r>
+                        <a:rPr lang="en-US" sz="1500" b="1" dirty="0">
+                          <a:solidFill>
+                            <a:schemeClr val="bg1"/>
+                          </a:solidFill>
+                        </a:rPr>
+                        <a:t>Data Cat</a:t>
+                      </a:r>
+                    </a:p>
+                  </a:txBody>
+                  <a:tcPr marL="73925" marR="73925" marT="36963" marB="36963">
+                    <a:solidFill>
+                      <a:srgbClr val="4472C4"/>
+                    </a:solidFill>
+                  </a:tcPr>
+                </a:tc>
+                <a:tc>
+                  <a:txBody>
+                    <a:bodyPr/>
+                    <a:lstStyle/>
+                    <a:p>
+                      <a:r>
+                        <a:rPr lang="en-US" sz="1500" dirty="0"/>
+                        <a:t>76</a:t>
+                      </a:r>
+                    </a:p>
+                  </a:txBody>
+                  <a:tcPr marL="73925" marR="73925" marT="36963" marB="36963"/>
+                </a:tc>
+                <a:tc>
+                  <a:txBody>
+                    <a:bodyPr/>
+                    <a:lstStyle/>
+                    <a:p>
+                      <a:r>
+                        <a:rPr lang="en-US" sz="1500" dirty="0"/>
+                        <a:t>10</a:t>
+                      </a:r>
+                    </a:p>
+                  </a:txBody>
+                  <a:tcPr marL="73925" marR="73925" marT="36963" marB="36963"/>
+                </a:tc>
+                <a:tc>
+                  <a:txBody>
+                    <a:bodyPr/>
+                    <a:lstStyle/>
+                    <a:p>
+                      <a:r>
+                        <a:rPr lang="en-US" sz="1500" dirty="0"/>
+                        <a:t>12</a:t>
+                      </a:r>
+                    </a:p>
+                  </a:txBody>
+                  <a:tcPr marL="73925" marR="73925" marT="36963" marB="36963"/>
+                </a:tc>
+                <a:extLst>
+                  <a:ext uri="{0D108BD9-81ED-4DB2-BD59-A6C34878D82A}">
+                    <a16:rowId xmlns:a16="http://schemas.microsoft.com/office/drawing/2014/main" val="1617891110"/>
+                  </a:ext>
+                </a:extLst>
+              </a:tr>
+              <a:tr h="517477">
+                <a:tc>
+                  <a:txBody>
+                    <a:bodyPr/>
+                    <a:lstStyle/>
+                    <a:p>
+                      <a:pPr algn="ctr"/>
+                      <a:r>
+                        <a:rPr lang="en-US" sz="1500" b="1" dirty="0">
+                          <a:solidFill>
+                            <a:schemeClr val="bg1"/>
+                          </a:solidFill>
+                        </a:rPr>
+                        <a:t>Data Dog</a:t>
+                      </a:r>
+                    </a:p>
+                  </a:txBody>
+                  <a:tcPr marL="73925" marR="73925" marT="36963" marB="36963">
+                    <a:solidFill>
+                      <a:srgbClr val="4472C4"/>
+                    </a:solidFill>
+                  </a:tcPr>
+                </a:tc>
+                <a:tc>
+                  <a:txBody>
+                    <a:bodyPr/>
+                    <a:lstStyle/>
+                    <a:p>
+                      <a:r>
+                        <a:rPr lang="en-US" sz="1500" dirty="0"/>
+                        <a:t>27</a:t>
+                      </a:r>
+                    </a:p>
+                  </a:txBody>
+                  <a:tcPr marL="73925" marR="73925" marT="36963" marB="36963"/>
+                </a:tc>
+                <a:tc>
+                  <a:txBody>
+                    <a:bodyPr/>
+                    <a:lstStyle/>
+                    <a:p>
+                      <a:r>
+                        <a:rPr lang="en-US" sz="1500" dirty="0"/>
+                        <a:t>69</a:t>
+                      </a:r>
+                    </a:p>
+                  </a:txBody>
+                  <a:tcPr marL="73925" marR="73925" marT="36963" marB="36963"/>
+                </a:tc>
+                <a:tc>
+                  <a:txBody>
+                    <a:bodyPr/>
+                    <a:lstStyle/>
+                    <a:p>
+                      <a:r>
+                        <a:rPr lang="en-US" sz="1500" dirty="0"/>
+                        <a:t>11</a:t>
+                      </a:r>
+                    </a:p>
+                  </a:txBody>
+                  <a:tcPr marL="73925" marR="73925" marT="36963" marB="36963"/>
+                </a:tc>
+                <a:extLst>
+                  <a:ext uri="{0D108BD9-81ED-4DB2-BD59-A6C34878D82A}">
+                    <a16:rowId xmlns:a16="http://schemas.microsoft.com/office/drawing/2014/main" val="842711822"/>
+                  </a:ext>
+                </a:extLst>
+              </a:tr>
+              <a:tr h="517477">
+                <a:tc>
+                  <a:txBody>
+                    <a:bodyPr/>
+                    <a:lstStyle/>
+                    <a:p>
+                      <a:pPr algn="ctr"/>
+                      <a:r>
+                        <a:rPr lang="en-US" sz="1500" b="1" dirty="0">
+                          <a:solidFill>
+                            <a:schemeClr val="bg1"/>
+                          </a:solidFill>
+                        </a:rPr>
+                        <a:t>Data Bird</a:t>
+                      </a:r>
+                    </a:p>
+                  </a:txBody>
+                  <a:tcPr marL="73925" marR="73925" marT="36963" marB="36963">
+                    <a:solidFill>
+                      <a:srgbClr val="4472C4"/>
+                    </a:solidFill>
+                  </a:tcPr>
+                </a:tc>
+                <a:tc>
+                  <a:txBody>
+                    <a:bodyPr/>
+                    <a:lstStyle/>
+                    <a:p>
+                      <a:r>
+                        <a:rPr lang="en-US" sz="1500" dirty="0"/>
+                        <a:t>6</a:t>
+                      </a:r>
+                    </a:p>
+                  </a:txBody>
+                  <a:tcPr marL="73925" marR="73925" marT="36963" marB="36963"/>
+                </a:tc>
+                <a:tc>
+                  <a:txBody>
+                    <a:bodyPr/>
+                    <a:lstStyle/>
+                    <a:p>
+                      <a:r>
+                        <a:rPr lang="en-US" sz="1500" dirty="0"/>
+                        <a:t>3</a:t>
+                      </a:r>
+                    </a:p>
+                  </a:txBody>
+                  <a:tcPr marL="73925" marR="73925" marT="36963" marB="36963"/>
+                </a:tc>
+                <a:tc>
+                  <a:txBody>
+                    <a:bodyPr/>
+                    <a:lstStyle/>
+                    <a:p>
+                      <a:r>
+                        <a:rPr lang="en-US" sz="1500" dirty="0"/>
+                        <a:t>81</a:t>
+                      </a:r>
+                    </a:p>
+                  </a:txBody>
+                  <a:tcPr marL="73925" marR="73925" marT="36963" marB="36963"/>
+                </a:tc>
+                <a:extLst>
+                  <a:ext uri="{0D108BD9-81ED-4DB2-BD59-A6C34878D82A}">
+                    <a16:rowId xmlns:a16="http://schemas.microsoft.com/office/drawing/2014/main" val="1343416302"/>
+                  </a:ext>
+                </a:extLst>
+              </a:tr>
+            </a:tbl>
+          </a:graphicData>
+        </a:graphic>
+      </p:graphicFrame>
+      <p:sp>
+        <p:nvSpPr>
+          <p:cNvPr id="5" name="Content Placeholder 2">
+            <a:extLst>
+              <a:ext uri="{FF2B5EF4-FFF2-40B4-BE49-F238E27FC236}">
+                <a16:creationId xmlns:a16="http://schemas.microsoft.com/office/drawing/2014/main" id="{51403659-E5F4-AE85-ADF7-433DEA42AFA6}"/>
+              </a:ext>
+            </a:extLst>
+          </p:cNvPr>
+          <p:cNvSpPr>
+            <a:spLocks noGrp="1"/>
+          </p:cNvSpPr>
+          <p:nvPr>
+            <p:ph idx="1"/>
+          </p:nvPr>
+        </p:nvSpPr>
+        <p:spPr>
+          <a:xfrm>
+            <a:off x="838200" y="2812889"/>
+            <a:ext cx="10515600" cy="545430"/>
+          </a:xfrm>
+        </p:spPr>
+        <p:txBody>
+          <a:bodyPr>
+            <a:normAutofit/>
+          </a:bodyPr>
+          <a:lstStyle/>
+          <a:p>
+            <a:pPr marL="0" indent="0" algn="ctr">
+              <a:buNone/>
+            </a:pPr>
+            <a:r>
+              <a:rPr lang="en-US" sz="2000" dirty="0"/>
+              <a:t>Acronym: FPR</a:t>
+            </a:r>
+          </a:p>
+        </p:txBody>
+      </p:sp>
+      <mc:AlternateContent xmlns:mc="http://schemas.openxmlformats.org/markup-compatibility/2006">
+        <mc:Choice xmlns:a14="http://schemas.microsoft.com/office/drawing/2010/main" Requires="a14">
+          <p:sp>
+            <p:nvSpPr>
+              <p:cNvPr id="9" name="Content Placeholder 2">
+                <a:extLst>
+                  <a:ext uri="{FF2B5EF4-FFF2-40B4-BE49-F238E27FC236}">
+                    <a16:creationId xmlns:a16="http://schemas.microsoft.com/office/drawing/2014/main" id="{CDED5E9B-40DA-6624-F34A-1649C2A6B119}"/>
+                  </a:ext>
+                </a:extLst>
+              </p:cNvPr>
+              <p:cNvSpPr txBox="1">
+                <a:spLocks/>
+              </p:cNvSpPr>
+              <p:nvPr/>
+            </p:nvSpPr>
+            <p:spPr>
+              <a:xfrm>
+                <a:off x="3905540" y="3356746"/>
+                <a:ext cx="6790423" cy="2661379"/>
+              </a:xfrm>
+              <a:prstGeom prst="rect">
+                <a:avLst/>
+              </a:prstGeom>
+              <a:noFill/>
+              <a:ln>
+                <a:noFill/>
+              </a:ln>
+            </p:spPr>
+            <p:style>
+              <a:lnRef idx="2">
+                <a:schemeClr val="accent5"/>
+              </a:lnRef>
+              <a:fillRef idx="1">
+                <a:schemeClr val="lt1"/>
+              </a:fillRef>
+              <a:effectRef idx="0">
+                <a:schemeClr val="accent5"/>
+              </a:effectRef>
+              <a:fontRef idx="minor">
+                <a:schemeClr val="dk1"/>
+              </a:fontRef>
+            </p:style>
+            <p:txBody>
+              <a:bodyPr vert="horz" lIns="91440" tIns="45720" rIns="91440" bIns="45720" rtlCol="0">
+                <a:noAutofit/>
+              </a:bodyPr>
+              <a:lstStyle>
+                <a:lvl1pPr marL="228600" indent="-228600" algn="l" defTabSz="914400" rtl="0" eaLnBrk="1" latinLnBrk="0" hangingPunct="1">
+                  <a:lnSpc>
+                    <a:spcPct val="90000"/>
+                  </a:lnSpc>
+                  <a:spcBef>
+                    <a:spcPts val="1000"/>
+                  </a:spcBef>
+                  <a:buFont typeface="Arial" panose="020B0604020202020204" pitchFamily="34" charset="0"/>
+                  <a:buChar char="•"/>
+                  <a:defRPr sz="2800" kern="1200">
+                    <a:solidFill>
+                      <a:schemeClr val="tx1"/>
+                    </a:solidFill>
+                    <a:latin typeface="+mn-lt"/>
+                    <a:ea typeface="+mn-ea"/>
+                    <a:cs typeface="+mn-cs"/>
+                  </a:defRPr>
+                </a:lvl1pPr>
+                <a:lvl2pPr marL="685800" indent="-228600" algn="l" defTabSz="914400" rtl="0" eaLnBrk="1" latinLnBrk="0" hangingPunct="1">
+                  <a:lnSpc>
+                    <a:spcPct val="90000"/>
+                  </a:lnSpc>
+                  <a:spcBef>
+                    <a:spcPts val="500"/>
+                  </a:spcBef>
+                  <a:buFont typeface="Arial" panose="020B0604020202020204" pitchFamily="34" charset="0"/>
+                  <a:buChar char="•"/>
+                  <a:defRPr sz="2400" kern="1200">
+                    <a:solidFill>
+                      <a:schemeClr val="tx1"/>
+                    </a:solidFill>
+                    <a:latin typeface="+mn-lt"/>
+                    <a:ea typeface="+mn-ea"/>
+                    <a:cs typeface="+mn-cs"/>
+                  </a:defRPr>
+                </a:lvl2pPr>
+                <a:lvl3pPr marL="1143000" indent="-228600" algn="l" defTabSz="914400" rtl="0" eaLnBrk="1" latinLnBrk="0" hangingPunct="1">
+                  <a:lnSpc>
+                    <a:spcPct val="90000"/>
+                  </a:lnSpc>
+                  <a:spcBef>
+                    <a:spcPts val="500"/>
+                  </a:spcBef>
+                  <a:buFont typeface="Arial" panose="020B0604020202020204" pitchFamily="34" charset="0"/>
+                  <a:buChar char="•"/>
+                  <a:defRPr sz="2000" kern="1200">
+                    <a:solidFill>
+                      <a:schemeClr val="tx1"/>
+                    </a:solidFill>
+                    <a:latin typeface="+mn-lt"/>
+                    <a:ea typeface="+mn-ea"/>
+                    <a:cs typeface="+mn-cs"/>
+                  </a:defRPr>
+                </a:lvl3pPr>
+                <a:lvl4pPr marL="1600200" indent="-228600" algn="l" defTabSz="914400" rtl="0" eaLnBrk="1" latinLnBrk="0" hangingPunct="1">
+                  <a:lnSpc>
+                    <a:spcPct val="90000"/>
+                  </a:lnSpc>
+                  <a:spcBef>
+                    <a:spcPts val="500"/>
+                  </a:spcBef>
+                  <a:buFont typeface="Arial" panose="020B0604020202020204" pitchFamily="34" charset="0"/>
+                  <a:buChar char="•"/>
+                  <a:defRPr sz="1800" kern="1200">
+                    <a:solidFill>
+                      <a:schemeClr val="tx1"/>
+                    </a:solidFill>
+                    <a:latin typeface="+mn-lt"/>
+                    <a:ea typeface="+mn-ea"/>
+                    <a:cs typeface="+mn-cs"/>
+                  </a:defRPr>
+                </a:lvl4pPr>
+                <a:lvl5pPr marL="2057400" indent="-228600" algn="l" defTabSz="914400" rtl="0" eaLnBrk="1" latinLnBrk="0" hangingPunct="1">
+                  <a:lnSpc>
+                    <a:spcPct val="90000"/>
+                  </a:lnSpc>
+                  <a:spcBef>
+                    <a:spcPts val="500"/>
+                  </a:spcBef>
+                  <a:buFont typeface="Arial" panose="020B0604020202020204" pitchFamily="34" charset="0"/>
+                  <a:buChar char="•"/>
+                  <a:defRPr sz="1800" kern="1200">
+                    <a:solidFill>
+                      <a:schemeClr val="tx1"/>
+                    </a:solidFill>
+                    <a:latin typeface="+mn-lt"/>
+                    <a:ea typeface="+mn-ea"/>
+                    <a:cs typeface="+mn-cs"/>
+                  </a:defRPr>
+                </a:lvl5pPr>
+                <a:lvl6pPr marL="2514600" indent="-228600" algn="l" defTabSz="914400" rtl="0" eaLnBrk="1" latinLnBrk="0" hangingPunct="1">
+                  <a:lnSpc>
+                    <a:spcPct val="90000"/>
+                  </a:lnSpc>
+                  <a:spcBef>
+                    <a:spcPts val="500"/>
+                  </a:spcBef>
+                  <a:buFont typeface="Arial" panose="020B0604020202020204" pitchFamily="34" charset="0"/>
+                  <a:buChar char="•"/>
+                  <a:defRPr sz="1800" kern="1200">
+                    <a:solidFill>
+                      <a:schemeClr val="tx1"/>
+                    </a:solidFill>
+                    <a:latin typeface="+mn-lt"/>
+                    <a:ea typeface="+mn-ea"/>
+                    <a:cs typeface="+mn-cs"/>
+                  </a:defRPr>
+                </a:lvl6pPr>
+                <a:lvl7pPr marL="2971800" indent="-228600" algn="l" defTabSz="914400" rtl="0" eaLnBrk="1" latinLnBrk="0" hangingPunct="1">
+                  <a:lnSpc>
+                    <a:spcPct val="90000"/>
+                  </a:lnSpc>
+                  <a:spcBef>
+                    <a:spcPts val="500"/>
+                  </a:spcBef>
+                  <a:buFont typeface="Arial" panose="020B0604020202020204" pitchFamily="34" charset="0"/>
+                  <a:buChar char="•"/>
+                  <a:defRPr sz="1800" kern="1200">
+                    <a:solidFill>
+                      <a:schemeClr val="tx1"/>
+                    </a:solidFill>
+                    <a:latin typeface="+mn-lt"/>
+                    <a:ea typeface="+mn-ea"/>
+                    <a:cs typeface="+mn-cs"/>
+                  </a:defRPr>
+                </a:lvl7pPr>
+                <a:lvl8pPr marL="3429000" indent="-228600" algn="l" defTabSz="914400" rtl="0" eaLnBrk="1" latinLnBrk="0" hangingPunct="1">
+                  <a:lnSpc>
+                    <a:spcPct val="90000"/>
+                  </a:lnSpc>
+                  <a:spcBef>
+                    <a:spcPts val="500"/>
+                  </a:spcBef>
+                  <a:buFont typeface="Arial" panose="020B0604020202020204" pitchFamily="34" charset="0"/>
+                  <a:buChar char="•"/>
+                  <a:defRPr sz="1800" kern="1200">
+                    <a:solidFill>
+                      <a:schemeClr val="tx1"/>
+                    </a:solidFill>
+                    <a:latin typeface="+mn-lt"/>
+                    <a:ea typeface="+mn-ea"/>
+                    <a:cs typeface="+mn-cs"/>
+                  </a:defRPr>
+                </a:lvl8pPr>
+                <a:lvl9pPr marL="3886200" indent="-228600" algn="l" defTabSz="914400" rtl="0" eaLnBrk="1" latinLnBrk="0" hangingPunct="1">
+                  <a:lnSpc>
+                    <a:spcPct val="90000"/>
+                  </a:lnSpc>
+                  <a:spcBef>
+                    <a:spcPts val="500"/>
+                  </a:spcBef>
+                  <a:buFont typeface="Arial" panose="020B0604020202020204" pitchFamily="34" charset="0"/>
+                  <a:buChar char="•"/>
+                  <a:defRPr sz="1800" kern="1200">
+                    <a:solidFill>
+                      <a:schemeClr val="tx1"/>
+                    </a:solidFill>
+                    <a:latin typeface="+mn-lt"/>
+                    <a:ea typeface="+mn-ea"/>
+                    <a:cs typeface="+mn-cs"/>
+                  </a:defRPr>
+                </a:lvl9pPr>
+              </a:lstStyle>
+              <a:p>
+                <a:pPr marL="0" indent="0" algn="ctr">
+                  <a:lnSpc>
+                    <a:spcPct val="150000"/>
+                  </a:lnSpc>
+                  <a:buNone/>
+                </a:pPr>
+                <a14:m>
+                  <m:oMathPara xmlns:m="http://schemas.openxmlformats.org/officeDocument/2006/math">
+                    <m:oMathParaPr>
+                      <m:jc m:val="centerGroup"/>
+                    </m:oMathParaPr>
+                    <m:oMath xmlns:m="http://schemas.openxmlformats.org/officeDocument/2006/math">
+                      <m:r>
+                        <a:rPr lang="en-US" sz="1800" b="0" i="1" dirty="0" smtClean="0">
+                          <a:latin typeface="Cambria Math" panose="02040503050406030204" pitchFamily="18" charset="0"/>
+                        </a:rPr>
+                        <m:t>𝐹𝑃</m:t>
+                      </m:r>
+                      <m:sSub>
+                        <m:sSubPr>
+                          <m:ctrlPr>
+                            <a:rPr lang="en-US" sz="1800" b="0" i="1" dirty="0" smtClean="0">
+                              <a:latin typeface="Cambria Math" panose="02040503050406030204" pitchFamily="18" charset="0"/>
+                            </a:rPr>
+                          </m:ctrlPr>
+                        </m:sSubPr>
+                        <m:e>
+                          <m:r>
+                            <a:rPr lang="en-US" sz="1800" b="0" i="1" dirty="0" smtClean="0">
+                              <a:latin typeface="Cambria Math" panose="02040503050406030204" pitchFamily="18" charset="0"/>
+                            </a:rPr>
+                            <m:t>𝑅</m:t>
+                          </m:r>
+                        </m:e>
+                        <m:sub>
+                          <m:r>
+                            <a:rPr lang="en-US" sz="1800" b="0" i="1" dirty="0" smtClean="0">
+                              <a:latin typeface="Cambria Math" panose="02040503050406030204" pitchFamily="18" charset="0"/>
+                            </a:rPr>
+                            <m:t>𝐶𝑎𝑡</m:t>
+                          </m:r>
+                        </m:sub>
+                      </m:sSub>
+                      <m:r>
+                        <a:rPr lang="en-US" sz="1800" i="1" dirty="0" smtClean="0">
+                          <a:latin typeface="Cambria Math" panose="02040503050406030204" pitchFamily="18" charset="0"/>
+                        </a:rPr>
+                        <m:t> =</m:t>
+                      </m:r>
+                      <m:f>
+                        <m:fPr>
+                          <m:ctrlPr>
+                            <a:rPr lang="en-US" sz="1800" b="0" i="1" dirty="0" smtClean="0">
+                              <a:latin typeface="Cambria Math" panose="02040503050406030204" pitchFamily="18" charset="0"/>
+                            </a:rPr>
+                          </m:ctrlPr>
+                        </m:fPr>
+                        <m:num>
+                          <m:r>
+                            <a:rPr lang="en-US" sz="1800" b="0" i="1" dirty="0" smtClean="0">
+                              <a:latin typeface="Cambria Math" panose="02040503050406030204" pitchFamily="18" charset="0"/>
+                            </a:rPr>
+                            <m:t>27</m:t>
+                          </m:r>
+                          <m:r>
+                            <a:rPr lang="en-US" sz="1800" b="0" i="1" dirty="0" smtClean="0">
+                              <a:latin typeface="Cambria Math" panose="02040503050406030204" pitchFamily="18" charset="0"/>
+                            </a:rPr>
+                            <m:t>+6</m:t>
+                          </m:r>
+                        </m:num>
+                        <m:den>
+                          <m:r>
+                            <a:rPr lang="en-US" sz="1800" b="0" i="1" dirty="0" smtClean="0">
+                              <a:latin typeface="Cambria Math" panose="02040503050406030204" pitchFamily="18" charset="0"/>
+                            </a:rPr>
+                            <m:t>2</m:t>
+                          </m:r>
+                          <m:r>
+                            <a:rPr lang="en-US" sz="1800" b="0" i="1" dirty="0" smtClean="0">
+                              <a:latin typeface="Cambria Math" panose="02040503050406030204" pitchFamily="18" charset="0"/>
+                            </a:rPr>
+                            <m:t>7+</m:t>
+                          </m:r>
+                          <m:r>
+                            <a:rPr lang="en-US" sz="1800" b="0" i="1" dirty="0" smtClean="0">
+                              <a:latin typeface="Cambria Math" panose="02040503050406030204" pitchFamily="18" charset="0"/>
+                            </a:rPr>
+                            <m:t>69</m:t>
+                          </m:r>
+                          <m:r>
+                            <a:rPr lang="en-US" sz="1800" b="0" i="1" dirty="0" smtClean="0">
+                              <a:latin typeface="Cambria Math" panose="02040503050406030204" pitchFamily="18" charset="0"/>
+                            </a:rPr>
+                            <m:t>+1</m:t>
+                          </m:r>
+                          <m:r>
+                            <a:rPr lang="en-US" sz="1800" b="0" i="1" dirty="0" smtClean="0">
+                              <a:latin typeface="Cambria Math" panose="02040503050406030204" pitchFamily="18" charset="0"/>
+                            </a:rPr>
+                            <m:t>1+6+3+81</m:t>
+                          </m:r>
+                        </m:den>
+                      </m:f>
+                      <m:r>
+                        <a:rPr lang="en-US" sz="1800" b="0" i="1" dirty="0" smtClean="0">
+                          <a:latin typeface="Cambria Math" panose="02040503050406030204" pitchFamily="18" charset="0"/>
+                        </a:rPr>
+                        <m:t>=</m:t>
+                      </m:r>
+                      <m:r>
+                        <a:rPr lang="en-US" sz="1800" b="0" i="1" dirty="0" smtClean="0">
+                          <a:latin typeface="Cambria Math" panose="02040503050406030204" pitchFamily="18" charset="0"/>
+                        </a:rPr>
+                        <m:t>16</m:t>
+                      </m:r>
+                      <m:r>
+                        <a:rPr lang="en-US" sz="1800" b="0" i="1" dirty="0" smtClean="0">
+                          <a:latin typeface="Cambria Math" panose="02040503050406030204" pitchFamily="18" charset="0"/>
+                        </a:rPr>
+                        <m:t>.</m:t>
+                      </m:r>
+                      <m:r>
+                        <a:rPr lang="en-US" sz="1800" b="0" i="1" dirty="0" smtClean="0">
+                          <a:latin typeface="Cambria Math" panose="02040503050406030204" pitchFamily="18" charset="0"/>
+                        </a:rPr>
+                        <m:t>75</m:t>
+                      </m:r>
+                      <m:r>
+                        <a:rPr lang="en-US" sz="1800" b="0" i="1" dirty="0" smtClean="0">
+                          <a:latin typeface="Cambria Math" panose="02040503050406030204" pitchFamily="18" charset="0"/>
+                        </a:rPr>
+                        <m:t>%</m:t>
+                      </m:r>
+                    </m:oMath>
+                  </m:oMathPara>
+                </a14:m>
+                <a:endParaRPr lang="en-US" sz="1800" b="0" dirty="0"/>
+              </a:p>
+              <a:p>
+                <a:pPr marL="0" indent="0" algn="ctr">
+                  <a:lnSpc>
+                    <a:spcPct val="150000"/>
+                  </a:lnSpc>
+                  <a:buNone/>
+                </a:pPr>
+                <a14:m>
+                  <m:oMathPara xmlns:m="http://schemas.openxmlformats.org/officeDocument/2006/math">
+                    <m:oMathParaPr>
+                      <m:jc m:val="centerGroup"/>
+                    </m:oMathParaPr>
+                    <m:oMath xmlns:m="http://schemas.openxmlformats.org/officeDocument/2006/math">
+                      <m:sSub>
+                        <m:sSubPr>
+                          <m:ctrlPr>
+                            <a:rPr lang="en-US" sz="1800" i="1">
+                              <a:latin typeface="Cambria Math" panose="02040503050406030204" pitchFamily="18" charset="0"/>
+                            </a:rPr>
+                          </m:ctrlPr>
+                        </m:sSubPr>
+                        <m:e>
+                          <m:r>
+                            <a:rPr lang="en-US" sz="1800" b="0" i="1" smtClean="0">
+                              <a:latin typeface="Cambria Math" panose="02040503050406030204" pitchFamily="18" charset="0"/>
+                            </a:rPr>
+                            <m:t>𝐹𝑃𝑅</m:t>
+                          </m:r>
+                        </m:e>
+                        <m:sub>
+                          <m:r>
+                            <a:rPr lang="en-US" sz="1800" i="1">
+                              <a:latin typeface="Cambria Math" panose="02040503050406030204" pitchFamily="18" charset="0"/>
+                            </a:rPr>
+                            <m:t>𝐷𝑜𝑔</m:t>
+                          </m:r>
+                        </m:sub>
+                      </m:sSub>
+                      <m:r>
+                        <a:rPr lang="en-US" sz="1800" i="1">
+                          <a:latin typeface="Cambria Math" panose="02040503050406030204" pitchFamily="18" charset="0"/>
+                        </a:rPr>
+                        <m:t>=</m:t>
+                      </m:r>
+                      <m:f>
+                        <m:fPr>
+                          <m:ctrlPr>
+                            <a:rPr lang="en-US" sz="1800" i="1">
+                              <a:latin typeface="Cambria Math" panose="02040503050406030204" pitchFamily="18" charset="0"/>
+                            </a:rPr>
+                          </m:ctrlPr>
+                        </m:fPr>
+                        <m:num>
+                          <m:r>
+                            <a:rPr lang="en-US" sz="1800" b="0" i="1" smtClean="0">
+                              <a:latin typeface="Cambria Math" panose="02040503050406030204" pitchFamily="18" charset="0"/>
+                            </a:rPr>
+                            <m:t>10+3</m:t>
+                          </m:r>
+                        </m:num>
+                        <m:den>
+                          <m:r>
+                            <a:rPr lang="en-US" sz="1800" i="1" smtClean="0">
+                              <a:latin typeface="Cambria Math" panose="02040503050406030204" pitchFamily="18" charset="0"/>
+                            </a:rPr>
+                            <m:t>7</m:t>
+                          </m:r>
+                          <m:r>
+                            <a:rPr lang="en-US" sz="1800" b="0" i="1" smtClean="0">
+                              <a:latin typeface="Cambria Math" panose="02040503050406030204" pitchFamily="18" charset="0"/>
+                            </a:rPr>
+                            <m:t>6+10+12+6+3+81</m:t>
+                          </m:r>
+                        </m:den>
+                      </m:f>
+                      <m:r>
+                        <a:rPr lang="en-US" sz="1800" i="1">
+                          <a:latin typeface="Cambria Math" panose="02040503050406030204" pitchFamily="18" charset="0"/>
+                        </a:rPr>
+                        <m:t>=</m:t>
+                      </m:r>
+                      <m:r>
+                        <a:rPr lang="en-US" sz="1800" b="0" i="1" smtClean="0">
+                          <a:latin typeface="Cambria Math" panose="02040503050406030204" pitchFamily="18" charset="0"/>
+                        </a:rPr>
+                        <m:t>6</m:t>
+                      </m:r>
+                      <m:r>
+                        <a:rPr lang="en-US" sz="1800" i="1">
+                          <a:latin typeface="Cambria Math" panose="02040503050406030204" pitchFamily="18" charset="0"/>
+                        </a:rPr>
+                        <m:t>.</m:t>
+                      </m:r>
+                      <m:r>
+                        <a:rPr lang="en-US" sz="1800" b="0" i="1" smtClean="0">
+                          <a:latin typeface="Cambria Math" panose="02040503050406030204" pitchFamily="18" charset="0"/>
+                        </a:rPr>
+                        <m:t>91</m:t>
+                      </m:r>
+                      <m:r>
+                        <a:rPr lang="en-US" sz="1800" i="1">
+                          <a:latin typeface="Cambria Math" panose="02040503050406030204" pitchFamily="18" charset="0"/>
+                        </a:rPr>
+                        <m:t>%</m:t>
+                      </m:r>
+                    </m:oMath>
+                  </m:oMathPara>
+                </a14:m>
+                <a:endParaRPr lang="en-US" sz="1800" b="0" dirty="0"/>
+              </a:p>
+              <a:p>
+                <a:pPr marL="0" indent="0" algn="ctr">
+                  <a:lnSpc>
+                    <a:spcPct val="150000"/>
+                  </a:lnSpc>
+                  <a:buNone/>
+                </a:pPr>
+                <a14:m>
+                  <m:oMathPara xmlns:m="http://schemas.openxmlformats.org/officeDocument/2006/math">
+                    <m:oMathParaPr>
+                      <m:jc m:val="centerGroup"/>
+                    </m:oMathParaPr>
+                    <m:oMath xmlns:m="http://schemas.openxmlformats.org/officeDocument/2006/math">
+                      <m:r>
+                        <a:rPr lang="en-US" sz="1800" b="0" i="1" smtClean="0">
+                          <a:latin typeface="Cambria Math" panose="02040503050406030204" pitchFamily="18" charset="0"/>
+                        </a:rPr>
+                        <m:t>𝐹𝑃</m:t>
+                      </m:r>
+                      <m:sSub>
+                        <m:sSubPr>
+                          <m:ctrlPr>
+                            <a:rPr lang="en-US" sz="1800" b="0" i="1" smtClean="0">
+                              <a:latin typeface="Cambria Math" panose="02040503050406030204" pitchFamily="18" charset="0"/>
+                            </a:rPr>
+                          </m:ctrlPr>
+                        </m:sSubPr>
+                        <m:e>
+                          <m:r>
+                            <a:rPr lang="en-US" sz="1800" b="0" i="1" smtClean="0">
+                              <a:latin typeface="Cambria Math" panose="02040503050406030204" pitchFamily="18" charset="0"/>
+                            </a:rPr>
+                            <m:t>𝑅</m:t>
+                          </m:r>
+                        </m:e>
+                        <m:sub>
+                          <m:r>
+                            <a:rPr lang="en-US" sz="1800" b="0" i="1" smtClean="0">
+                              <a:latin typeface="Cambria Math" panose="02040503050406030204" pitchFamily="18" charset="0"/>
+                            </a:rPr>
+                            <m:t>𝐵𝑖𝑟𝑑</m:t>
+                          </m:r>
+                        </m:sub>
+                      </m:sSub>
+                      <m:r>
+                        <a:rPr lang="en-US" sz="1800" b="0" i="1" smtClean="0">
+                          <a:latin typeface="Cambria Math" panose="02040503050406030204" pitchFamily="18" charset="0"/>
+                        </a:rPr>
+                        <m:t>=</m:t>
+                      </m:r>
+                      <m:f>
+                        <m:fPr>
+                          <m:ctrlPr>
+                            <a:rPr lang="en-US" sz="1800" b="0" i="1" smtClean="0">
+                              <a:latin typeface="Cambria Math" panose="02040503050406030204" pitchFamily="18" charset="0"/>
+                            </a:rPr>
+                          </m:ctrlPr>
+                        </m:fPr>
+                        <m:num>
+                          <m:r>
+                            <a:rPr lang="en-US" sz="1800" b="0" i="1" smtClean="0">
+                              <a:latin typeface="Cambria Math" panose="02040503050406030204" pitchFamily="18" charset="0"/>
+                            </a:rPr>
+                            <m:t>11+12</m:t>
+                          </m:r>
+                        </m:num>
+                        <m:den>
+                          <m:r>
+                            <a:rPr lang="en-US" sz="1800" i="1">
+                              <a:latin typeface="Cambria Math" panose="02040503050406030204" pitchFamily="18" charset="0"/>
+                            </a:rPr>
+                            <m:t>76+10+12</m:t>
+                          </m:r>
+                          <m:r>
+                            <a:rPr lang="en-US" sz="1800" b="0" i="1" smtClean="0">
+                              <a:latin typeface="Cambria Math" panose="02040503050406030204" pitchFamily="18" charset="0"/>
+                            </a:rPr>
+                            <m:t>+27+69+11</m:t>
+                          </m:r>
+                        </m:den>
+                      </m:f>
+                      <m:r>
+                        <a:rPr lang="en-US" sz="1800" b="0" i="1" smtClean="0">
+                          <a:latin typeface="Cambria Math" panose="02040503050406030204" pitchFamily="18" charset="0"/>
+                        </a:rPr>
+                        <m:t>=</m:t>
+                      </m:r>
+                      <m:r>
+                        <a:rPr lang="en-US" sz="1800" b="0" i="1" smtClean="0">
+                          <a:latin typeface="Cambria Math" panose="02040503050406030204" pitchFamily="18" charset="0"/>
+                        </a:rPr>
+                        <m:t>11</m:t>
+                      </m:r>
+                      <m:r>
+                        <a:rPr lang="en-US" sz="1800" b="0" i="1" smtClean="0">
+                          <a:latin typeface="Cambria Math" panose="02040503050406030204" pitchFamily="18" charset="0"/>
+                        </a:rPr>
+                        <m:t>.</m:t>
+                      </m:r>
+                      <m:r>
+                        <a:rPr lang="en-US" sz="1800" b="0" i="1" smtClean="0">
+                          <a:latin typeface="Cambria Math" panose="02040503050406030204" pitchFamily="18" charset="0"/>
+                        </a:rPr>
+                        <m:t>21</m:t>
+                      </m:r>
+                      <m:r>
+                        <a:rPr lang="en-US" sz="1800" b="0" i="1" smtClean="0">
+                          <a:latin typeface="Cambria Math" panose="02040503050406030204" pitchFamily="18" charset="0"/>
+                        </a:rPr>
+                        <m:t>%</m:t>
+                      </m:r>
+                    </m:oMath>
+                  </m:oMathPara>
+                </a14:m>
+                <a:endParaRPr lang="en-US" sz="1800" b="0" dirty="0"/>
+              </a:p>
+            </p:txBody>
+          </p:sp>
+        </mc:Choice>
+        <mc:Fallback>
+          <p:sp>
+            <p:nvSpPr>
+              <p:cNvPr id="9" name="Content Placeholder 2">
+                <a:extLst>
+                  <a:ext uri="{FF2B5EF4-FFF2-40B4-BE49-F238E27FC236}">
+                    <a16:creationId xmlns:a16="http://schemas.microsoft.com/office/drawing/2014/main" id="{CDED5E9B-40DA-6624-F34A-1649C2A6B119}"/>
+                  </a:ext>
+                </a:extLst>
+              </p:cNvPr>
+              <p:cNvSpPr txBox="1">
+                <a:spLocks noRot="1" noChangeAspect="1" noMove="1" noResize="1" noEditPoints="1" noAdjustHandles="1" noChangeArrowheads="1" noChangeShapeType="1" noTextEdit="1"/>
+              </p:cNvSpPr>
+              <p:nvPr/>
+            </p:nvSpPr>
+            <p:spPr>
+              <a:xfrm>
+                <a:off x="3905540" y="3356746"/>
+                <a:ext cx="6790423" cy="2661379"/>
+              </a:xfrm>
+              <a:prstGeom prst="rect">
+                <a:avLst/>
+              </a:prstGeom>
+              <a:blipFill>
+                <a:blip r:embed="rId3"/>
+                <a:stretch>
+                  <a:fillRect/>
+                </a:stretch>
+              </a:blipFill>
+              <a:ln>
+                <a:noFill/>
+              </a:ln>
+            </p:spPr>
+            <p:txBody>
+              <a:bodyPr/>
+              <a:lstStyle/>
+              <a:p>
+                <a:r>
+                  <a:rPr lang="en-US">
+                    <a:noFill/>
+                  </a:rPr>
+                  <a:t> </a:t>
+                </a:r>
+              </a:p>
+            </p:txBody>
+          </p:sp>
+        </mc:Fallback>
+      </mc:AlternateContent>
     </p:spTree>
     <p:extLst>
       <p:ext uri="{BB962C8B-B14F-4D97-AF65-F5344CB8AC3E}">
@@ -9140,7 +14013,7 @@
 </p:sld>
 </file>
 
-<file path=ppt/slides/slide7.xml><?xml version="1.0" encoding="utf-8"?>
+<file path=ppt/slides/slide8.xml><?xml version="1.0" encoding="utf-8"?>
 <p:sld xmlns:a="http://schemas.openxmlformats.org/drawingml/2006/main" xmlns:r="http://schemas.openxmlformats.org/officeDocument/2006/relationships" xmlns:p="http://schemas.openxmlformats.org/presentationml/2006/main">
   <p:cSld>
     <p:spTree>
@@ -9187,6 +14060,1698 @@
       </p:sp>
       <mc:AlternateContent xmlns:mc="http://schemas.openxmlformats.org/markup-compatibility/2006">
         <mc:Choice xmlns:a14="http://schemas.microsoft.com/office/drawing/2010/main" Requires="a14">
+          <p:sp>
+            <p:nvSpPr>
+              <p:cNvPr id="7" name="TextBox 6">
+                <a:extLst>
+                  <a:ext uri="{FF2B5EF4-FFF2-40B4-BE49-F238E27FC236}">
+                    <a16:creationId xmlns:a16="http://schemas.microsoft.com/office/drawing/2014/main" id="{E644D50E-30AC-B0ED-E9EC-DE126F5DF01D}"/>
+                  </a:ext>
+                </a:extLst>
+              </p:cNvPr>
+              <p:cNvSpPr txBox="1"/>
+              <p:nvPr/>
+            </p:nvSpPr>
+            <p:spPr>
+              <a:xfrm>
+                <a:off x="2016154" y="1825625"/>
+                <a:ext cx="8159692" cy="665760"/>
+              </a:xfrm>
+              <a:prstGeom prst="rect">
+                <a:avLst/>
+              </a:prstGeom>
+              <a:noFill/>
+            </p:spPr>
+            <p:txBody>
+              <a:bodyPr wrap="square">
+                <a:spAutoFit/>
+              </a:bodyPr>
+              <a:lstStyle/>
+              <a:p>
+                <a:pPr/>
+                <a14:m>
+                  <m:oMathPara xmlns:m="http://schemas.openxmlformats.org/officeDocument/2006/math">
+                    <m:oMathParaPr>
+                      <m:jc m:val="center"/>
+                    </m:oMathParaPr>
+                    <m:oMath xmlns:m="http://schemas.openxmlformats.org/officeDocument/2006/math">
+                      <m:r>
+                        <a:rPr lang="en-US" sz="1800" b="0" i="1" smtClean="0">
+                          <a:latin typeface="Cambria Math" panose="02040503050406030204" pitchFamily="18" charset="0"/>
+                        </a:rPr>
+                        <m:t>𝐹𝑎𝑙𝑠𝑒</m:t>
+                      </m:r>
+                      <m:r>
+                        <a:rPr lang="en-US" sz="1800" b="0" i="1" smtClean="0">
+                          <a:latin typeface="Cambria Math" panose="02040503050406030204" pitchFamily="18" charset="0"/>
+                        </a:rPr>
+                        <m:t> </m:t>
+                      </m:r>
+                      <m:r>
+                        <a:rPr lang="en-US" sz="1800" b="0" i="1" smtClean="0">
+                          <a:latin typeface="Cambria Math" panose="02040503050406030204" pitchFamily="18" charset="0"/>
+                        </a:rPr>
+                        <m:t>𝑃𝑜𝑠𝑖𝑡𝑖𝑣𝑒</m:t>
+                      </m:r>
+                      <m:r>
+                        <a:rPr lang="en-US" sz="1800" b="0" i="1" smtClean="0">
+                          <a:latin typeface="Cambria Math" panose="02040503050406030204" pitchFamily="18" charset="0"/>
+                        </a:rPr>
+                        <m:t> </m:t>
+                      </m:r>
+                      <m:r>
+                        <a:rPr lang="en-US" sz="1800" b="0" i="1" smtClean="0">
+                          <a:latin typeface="Cambria Math" panose="02040503050406030204" pitchFamily="18" charset="0"/>
+                        </a:rPr>
+                        <m:t>𝑅𝑎𝑡𝑒</m:t>
+                      </m:r>
+                      <m:r>
+                        <a:rPr lang="en-US" sz="1800" b="0" i="1" smtClean="0">
+                          <a:latin typeface="Cambria Math" panose="02040503050406030204" pitchFamily="18" charset="0"/>
+                        </a:rPr>
+                        <m:t> </m:t>
+                      </m:r>
+                      <m:r>
+                        <a:rPr lang="en-US" sz="1800" b="0" i="1" smtClean="0">
+                          <a:latin typeface="Cambria Math" panose="02040503050406030204" pitchFamily="18" charset="0"/>
+                        </a:rPr>
+                        <m:t>𝑓𝑜𝑟</m:t>
+                      </m:r>
+                      <m:r>
+                        <a:rPr lang="en-US" sz="1800" b="0" i="1" smtClean="0">
+                          <a:latin typeface="Cambria Math" panose="02040503050406030204" pitchFamily="18" charset="0"/>
+                        </a:rPr>
+                        <m:t> </m:t>
+                      </m:r>
+                      <m:sSub>
+                        <m:sSubPr>
+                          <m:ctrlPr>
+                            <a:rPr lang="en-US" sz="1800" b="0" i="1" smtClean="0">
+                              <a:latin typeface="Cambria Math" panose="02040503050406030204" pitchFamily="18" charset="0"/>
+                            </a:rPr>
+                          </m:ctrlPr>
+                        </m:sSubPr>
+                        <m:e>
+                          <m:r>
+                            <a:rPr lang="en-US" sz="1800" b="0" i="1" smtClean="0">
+                              <a:latin typeface="Cambria Math" panose="02040503050406030204" pitchFamily="18" charset="0"/>
+                            </a:rPr>
+                            <m:t>𝐶</m:t>
+                          </m:r>
+                        </m:e>
+                        <m:sub>
+                          <m:r>
+                            <a:rPr lang="en-US" sz="1800" b="0" i="1" smtClean="0">
+                              <a:latin typeface="Cambria Math" panose="02040503050406030204" pitchFamily="18" charset="0"/>
+                            </a:rPr>
+                            <m:t>𝑖</m:t>
+                          </m:r>
+                        </m:sub>
+                      </m:sSub>
+                      <m:r>
+                        <a:rPr lang="en-US" sz="1800" b="0" i="1" smtClean="0">
+                          <a:latin typeface="Cambria Math" panose="02040503050406030204" pitchFamily="18" charset="0"/>
+                        </a:rPr>
+                        <m:t>=</m:t>
+                      </m:r>
+                      <m:f>
+                        <m:fPr>
+                          <m:ctrlPr>
+                            <a:rPr lang="en-US" sz="1800" b="0" i="1" smtClean="0">
+                              <a:latin typeface="Cambria Math" panose="02040503050406030204" pitchFamily="18" charset="0"/>
+                            </a:rPr>
+                          </m:ctrlPr>
+                        </m:fPr>
+                        <m:num>
+                          <m:r>
+                            <a:rPr lang="en-US" sz="1800" b="0" i="1" smtClean="0">
+                              <a:latin typeface="Cambria Math" panose="02040503050406030204" pitchFamily="18" charset="0"/>
+                            </a:rPr>
+                            <m:t># </m:t>
+                          </m:r>
+                          <m:r>
+                            <a:rPr lang="en-US" sz="1800" b="0" i="1" smtClean="0">
+                              <a:latin typeface="Cambria Math" panose="02040503050406030204" pitchFamily="18" charset="0"/>
+                            </a:rPr>
+                            <m:t>𝑖𝑛𝑐𝑜𝑟𝑟𝑒𝑐𝑡</m:t>
+                          </m:r>
+                          <m:r>
+                            <a:rPr lang="en-US" sz="1800" b="0" i="1" smtClean="0">
+                              <a:latin typeface="Cambria Math" panose="02040503050406030204" pitchFamily="18" charset="0"/>
+                            </a:rPr>
+                            <m:t> </m:t>
+                          </m:r>
+                          <m:r>
+                            <a:rPr lang="en-US" sz="1800" b="0" i="1" smtClean="0">
+                              <a:latin typeface="Cambria Math" panose="02040503050406030204" pitchFamily="18" charset="0"/>
+                            </a:rPr>
+                            <m:t>𝑐𝑙𝑎𝑠𝑠</m:t>
+                          </m:r>
+                          <m:r>
+                            <a:rPr lang="en-US" sz="1800" b="0" i="1" smtClean="0">
+                              <a:latin typeface="Cambria Math" panose="02040503050406030204" pitchFamily="18" charset="0"/>
+                            </a:rPr>
+                            <m:t> </m:t>
+                          </m:r>
+                          <m:r>
+                            <a:rPr lang="en-US" sz="1800" b="0" i="1" smtClean="0">
+                              <a:latin typeface="Cambria Math" panose="02040503050406030204" pitchFamily="18" charset="0"/>
+                            </a:rPr>
+                            <m:t>𝑝𝑟𝑒𝑑𝑖𝑐𝑡𝑖𝑜𝑛𝑠</m:t>
+                          </m:r>
+                          <m:r>
+                            <a:rPr lang="en-US" sz="1800" b="0" i="1" smtClean="0">
+                              <a:latin typeface="Cambria Math" panose="02040503050406030204" pitchFamily="18" charset="0"/>
+                            </a:rPr>
+                            <m:t> </m:t>
+                          </m:r>
+                          <m:r>
+                            <a:rPr lang="en-US" sz="1800" b="0" i="1" smtClean="0">
+                              <a:latin typeface="Cambria Math" panose="02040503050406030204" pitchFamily="18" charset="0"/>
+                            </a:rPr>
+                            <m:t>𝑓𝑜𝑟</m:t>
+                          </m:r>
+                          <m:r>
+                            <a:rPr lang="en-US" sz="1800" b="0" i="1" smtClean="0">
+                              <a:latin typeface="Cambria Math" panose="02040503050406030204" pitchFamily="18" charset="0"/>
+                            </a:rPr>
+                            <m:t> </m:t>
+                          </m:r>
+                          <m:r>
+                            <a:rPr lang="en-US" sz="1800" b="0" i="1" smtClean="0">
+                              <a:latin typeface="Cambria Math" panose="02040503050406030204" pitchFamily="18" charset="0"/>
+                            </a:rPr>
+                            <m:t>𝑐𝑙𝑎𝑠𝑠</m:t>
+                          </m:r>
+                          <m:r>
+                            <a:rPr lang="en-US" sz="1800" b="0" i="1" smtClean="0">
+                              <a:latin typeface="Cambria Math" panose="02040503050406030204" pitchFamily="18" charset="0"/>
+                            </a:rPr>
+                            <m:t> </m:t>
+                          </m:r>
+                          <m:sSub>
+                            <m:sSubPr>
+                              <m:ctrlPr>
+                                <a:rPr lang="en-US" sz="1800" b="0" i="1" smtClean="0">
+                                  <a:latin typeface="Cambria Math" panose="02040503050406030204" pitchFamily="18" charset="0"/>
+                                </a:rPr>
+                              </m:ctrlPr>
+                            </m:sSubPr>
+                            <m:e>
+                              <m:r>
+                                <a:rPr lang="en-US" sz="1800" b="0" i="1" smtClean="0">
+                                  <a:latin typeface="Cambria Math" panose="02040503050406030204" pitchFamily="18" charset="0"/>
+                                </a:rPr>
+                                <m:t>𝐶</m:t>
+                              </m:r>
+                            </m:e>
+                            <m:sub>
+                              <m:r>
+                                <a:rPr lang="en-US" sz="1800" b="0" i="1" smtClean="0">
+                                  <a:latin typeface="Cambria Math" panose="02040503050406030204" pitchFamily="18" charset="0"/>
+                                </a:rPr>
+                                <m:t>𝑖</m:t>
+                              </m:r>
+                            </m:sub>
+                          </m:sSub>
+                        </m:num>
+                        <m:den>
+                          <m:r>
+                            <a:rPr lang="en-US" sz="1800" b="0" i="1" smtClean="0">
+                              <a:latin typeface="Cambria Math" panose="02040503050406030204" pitchFamily="18" charset="0"/>
+                            </a:rPr>
+                            <m:t># </m:t>
+                          </m:r>
+                          <m:r>
+                            <a:rPr lang="en-US" sz="1800" b="0" i="1" smtClean="0">
+                              <a:latin typeface="Cambria Math" panose="02040503050406030204" pitchFamily="18" charset="0"/>
+                            </a:rPr>
+                            <m:t>𝑛𝑜𝑛</m:t>
+                          </m:r>
+                          <m:r>
+                            <a:rPr lang="en-US" sz="1800" b="0" i="1" smtClean="0">
+                              <a:latin typeface="Cambria Math" panose="02040503050406030204" pitchFamily="18" charset="0"/>
+                            </a:rPr>
+                            <m:t> </m:t>
+                          </m:r>
+                          <m:r>
+                            <a:rPr lang="en-US" sz="1800" b="0" i="1" smtClean="0">
+                              <a:latin typeface="Cambria Math" panose="02040503050406030204" pitchFamily="18" charset="0"/>
+                            </a:rPr>
+                            <m:t>𝑐𝑙𝑎𝑠𝑠</m:t>
+                          </m:r>
+                          <m:r>
+                            <a:rPr lang="en-US" sz="1800" b="0" i="1" smtClean="0">
+                              <a:latin typeface="Cambria Math" panose="02040503050406030204" pitchFamily="18" charset="0"/>
+                            </a:rPr>
+                            <m:t> </m:t>
+                          </m:r>
+                          <m:sSub>
+                            <m:sSubPr>
+                              <m:ctrlPr>
+                                <a:rPr lang="en-US" sz="1800" b="0" i="1" smtClean="0">
+                                  <a:latin typeface="Cambria Math" panose="02040503050406030204" pitchFamily="18" charset="0"/>
+                                </a:rPr>
+                              </m:ctrlPr>
+                            </m:sSubPr>
+                            <m:e>
+                              <m:r>
+                                <a:rPr lang="en-US" sz="1800" b="0" i="1" smtClean="0">
+                                  <a:latin typeface="Cambria Math" panose="02040503050406030204" pitchFamily="18" charset="0"/>
+                                </a:rPr>
+                                <m:t>𝐶</m:t>
+                              </m:r>
+                            </m:e>
+                            <m:sub>
+                              <m:r>
+                                <a:rPr lang="en-US" sz="1800" b="0" i="1" smtClean="0">
+                                  <a:latin typeface="Cambria Math" panose="02040503050406030204" pitchFamily="18" charset="0"/>
+                                </a:rPr>
+                                <m:t>𝑖</m:t>
+                              </m:r>
+                            </m:sub>
+                          </m:sSub>
+                          <m:r>
+                            <a:rPr lang="en-US" sz="1800" b="0" i="1" smtClean="0">
+                              <a:latin typeface="Cambria Math" panose="02040503050406030204" pitchFamily="18" charset="0"/>
+                            </a:rPr>
+                            <m:t> </m:t>
+                          </m:r>
+                          <m:r>
+                            <a:rPr lang="en-US" sz="1800" b="0" i="1" smtClean="0">
+                              <a:latin typeface="Cambria Math" panose="02040503050406030204" pitchFamily="18" charset="0"/>
+                            </a:rPr>
+                            <m:t>𝑑𝑎𝑡𝑎</m:t>
+                          </m:r>
+                          <m:r>
+                            <a:rPr lang="en-US" sz="1800" b="0" i="1" smtClean="0">
+                              <a:latin typeface="Cambria Math" panose="02040503050406030204" pitchFamily="18" charset="0"/>
+                            </a:rPr>
+                            <m:t> </m:t>
+                          </m:r>
+                          <m:r>
+                            <a:rPr lang="en-US" sz="1800" b="0" i="1" smtClean="0">
+                              <a:latin typeface="Cambria Math" panose="02040503050406030204" pitchFamily="18" charset="0"/>
+                            </a:rPr>
+                            <m:t>𝑝𝑜𝑖𝑛𝑡𝑠</m:t>
+                          </m:r>
+                        </m:den>
+                      </m:f>
+                    </m:oMath>
+                  </m:oMathPara>
+                </a14:m>
+                <a:endParaRPr lang="en-US" dirty="0"/>
+              </a:p>
+            </p:txBody>
+          </p:sp>
+        </mc:Choice>
+        <mc:Fallback>
+          <p:sp>
+            <p:nvSpPr>
+              <p:cNvPr id="7" name="TextBox 6">
+                <a:extLst>
+                  <a:ext uri="{FF2B5EF4-FFF2-40B4-BE49-F238E27FC236}">
+                    <a16:creationId xmlns:a16="http://schemas.microsoft.com/office/drawing/2014/main" id="{E644D50E-30AC-B0ED-E9EC-DE126F5DF01D}"/>
+                  </a:ext>
+                </a:extLst>
+              </p:cNvPr>
+              <p:cNvSpPr txBox="1">
+                <a:spLocks noRot="1" noChangeAspect="1" noMove="1" noResize="1" noEditPoints="1" noAdjustHandles="1" noChangeArrowheads="1" noChangeShapeType="1" noTextEdit="1"/>
+              </p:cNvSpPr>
+              <p:nvPr/>
+            </p:nvSpPr>
+            <p:spPr>
+              <a:xfrm>
+                <a:off x="2016154" y="1825625"/>
+                <a:ext cx="8159692" cy="665760"/>
+              </a:xfrm>
+              <a:prstGeom prst="rect">
+                <a:avLst/>
+              </a:prstGeom>
+              <a:blipFill>
+                <a:blip r:embed="rId2"/>
+                <a:stretch>
+                  <a:fillRect/>
+                </a:stretch>
+              </a:blipFill>
+            </p:spPr>
+            <p:txBody>
+              <a:bodyPr/>
+              <a:lstStyle/>
+              <a:p>
+                <a:r>
+                  <a:rPr lang="en-US">
+                    <a:noFill/>
+                  </a:rPr>
+                  <a:t> </a:t>
+                </a:r>
+              </a:p>
+            </p:txBody>
+          </p:sp>
+        </mc:Fallback>
+      </mc:AlternateContent>
+      <p:sp>
+        <p:nvSpPr>
+          <p:cNvPr id="5" name="Content Placeholder 2">
+            <a:extLst>
+              <a:ext uri="{FF2B5EF4-FFF2-40B4-BE49-F238E27FC236}">
+                <a16:creationId xmlns:a16="http://schemas.microsoft.com/office/drawing/2014/main" id="{51403659-E5F4-AE85-ADF7-433DEA42AFA6}"/>
+              </a:ext>
+            </a:extLst>
+          </p:cNvPr>
+          <p:cNvSpPr>
+            <a:spLocks noGrp="1"/>
+          </p:cNvSpPr>
+          <p:nvPr>
+            <p:ph idx="1"/>
+          </p:nvPr>
+        </p:nvSpPr>
+        <p:spPr>
+          <a:xfrm>
+            <a:off x="838200" y="2812889"/>
+            <a:ext cx="10515600" cy="545430"/>
+          </a:xfrm>
+        </p:spPr>
+        <p:txBody>
+          <a:bodyPr>
+            <a:normAutofit/>
+          </a:bodyPr>
+          <a:lstStyle/>
+          <a:p>
+            <a:pPr marL="0" indent="0" algn="ctr">
+              <a:buNone/>
+            </a:pPr>
+            <a:r>
+              <a:rPr lang="en-US" sz="2000" dirty="0"/>
+              <a:t>Acronym: FPR</a:t>
+            </a:r>
+          </a:p>
+        </p:txBody>
+      </p:sp>
+      <mc:AlternateContent xmlns:mc="http://schemas.openxmlformats.org/markup-compatibility/2006">
+        <mc:Choice xmlns:a14="http://schemas.microsoft.com/office/drawing/2010/main" Requires="a14">
+          <p:sp>
+            <p:nvSpPr>
+              <p:cNvPr id="9" name="Content Placeholder 2">
+                <a:extLst>
+                  <a:ext uri="{FF2B5EF4-FFF2-40B4-BE49-F238E27FC236}">
+                    <a16:creationId xmlns:a16="http://schemas.microsoft.com/office/drawing/2014/main" id="{CDED5E9B-40DA-6624-F34A-1649C2A6B119}"/>
+                  </a:ext>
+                </a:extLst>
+              </p:cNvPr>
+              <p:cNvSpPr txBox="1">
+                <a:spLocks/>
+              </p:cNvSpPr>
+              <p:nvPr/>
+            </p:nvSpPr>
+            <p:spPr>
+              <a:xfrm>
+                <a:off x="3905540" y="3356746"/>
+                <a:ext cx="6790423" cy="2661379"/>
+              </a:xfrm>
+              <a:prstGeom prst="rect">
+                <a:avLst/>
+              </a:prstGeom>
+              <a:noFill/>
+              <a:ln>
+                <a:noFill/>
+              </a:ln>
+            </p:spPr>
+            <p:style>
+              <a:lnRef idx="2">
+                <a:schemeClr val="accent5"/>
+              </a:lnRef>
+              <a:fillRef idx="1">
+                <a:schemeClr val="lt1"/>
+              </a:fillRef>
+              <a:effectRef idx="0">
+                <a:schemeClr val="accent5"/>
+              </a:effectRef>
+              <a:fontRef idx="minor">
+                <a:schemeClr val="dk1"/>
+              </a:fontRef>
+            </p:style>
+            <p:txBody>
+              <a:bodyPr vert="horz" lIns="91440" tIns="45720" rIns="91440" bIns="45720" rtlCol="0">
+                <a:noAutofit/>
+              </a:bodyPr>
+              <a:lstStyle>
+                <a:lvl1pPr marL="228600" indent="-228600" algn="l" defTabSz="914400" rtl="0" eaLnBrk="1" latinLnBrk="0" hangingPunct="1">
+                  <a:lnSpc>
+                    <a:spcPct val="90000"/>
+                  </a:lnSpc>
+                  <a:spcBef>
+                    <a:spcPts val="1000"/>
+                  </a:spcBef>
+                  <a:buFont typeface="Arial" panose="020B0604020202020204" pitchFamily="34" charset="0"/>
+                  <a:buChar char="•"/>
+                  <a:defRPr sz="2800" kern="1200">
+                    <a:solidFill>
+                      <a:schemeClr val="tx1"/>
+                    </a:solidFill>
+                    <a:latin typeface="+mn-lt"/>
+                    <a:ea typeface="+mn-ea"/>
+                    <a:cs typeface="+mn-cs"/>
+                  </a:defRPr>
+                </a:lvl1pPr>
+                <a:lvl2pPr marL="685800" indent="-228600" algn="l" defTabSz="914400" rtl="0" eaLnBrk="1" latinLnBrk="0" hangingPunct="1">
+                  <a:lnSpc>
+                    <a:spcPct val="90000"/>
+                  </a:lnSpc>
+                  <a:spcBef>
+                    <a:spcPts val="500"/>
+                  </a:spcBef>
+                  <a:buFont typeface="Arial" panose="020B0604020202020204" pitchFamily="34" charset="0"/>
+                  <a:buChar char="•"/>
+                  <a:defRPr sz="2400" kern="1200">
+                    <a:solidFill>
+                      <a:schemeClr val="tx1"/>
+                    </a:solidFill>
+                    <a:latin typeface="+mn-lt"/>
+                    <a:ea typeface="+mn-ea"/>
+                    <a:cs typeface="+mn-cs"/>
+                  </a:defRPr>
+                </a:lvl2pPr>
+                <a:lvl3pPr marL="1143000" indent="-228600" algn="l" defTabSz="914400" rtl="0" eaLnBrk="1" latinLnBrk="0" hangingPunct="1">
+                  <a:lnSpc>
+                    <a:spcPct val="90000"/>
+                  </a:lnSpc>
+                  <a:spcBef>
+                    <a:spcPts val="500"/>
+                  </a:spcBef>
+                  <a:buFont typeface="Arial" panose="020B0604020202020204" pitchFamily="34" charset="0"/>
+                  <a:buChar char="•"/>
+                  <a:defRPr sz="2000" kern="1200">
+                    <a:solidFill>
+                      <a:schemeClr val="tx1"/>
+                    </a:solidFill>
+                    <a:latin typeface="+mn-lt"/>
+                    <a:ea typeface="+mn-ea"/>
+                    <a:cs typeface="+mn-cs"/>
+                  </a:defRPr>
+                </a:lvl3pPr>
+                <a:lvl4pPr marL="1600200" indent="-228600" algn="l" defTabSz="914400" rtl="0" eaLnBrk="1" latinLnBrk="0" hangingPunct="1">
+                  <a:lnSpc>
+                    <a:spcPct val="90000"/>
+                  </a:lnSpc>
+                  <a:spcBef>
+                    <a:spcPts val="500"/>
+                  </a:spcBef>
+                  <a:buFont typeface="Arial" panose="020B0604020202020204" pitchFamily="34" charset="0"/>
+                  <a:buChar char="•"/>
+                  <a:defRPr sz="1800" kern="1200">
+                    <a:solidFill>
+                      <a:schemeClr val="tx1"/>
+                    </a:solidFill>
+                    <a:latin typeface="+mn-lt"/>
+                    <a:ea typeface="+mn-ea"/>
+                    <a:cs typeface="+mn-cs"/>
+                  </a:defRPr>
+                </a:lvl4pPr>
+                <a:lvl5pPr marL="2057400" indent="-228600" algn="l" defTabSz="914400" rtl="0" eaLnBrk="1" latinLnBrk="0" hangingPunct="1">
+                  <a:lnSpc>
+                    <a:spcPct val="90000"/>
+                  </a:lnSpc>
+                  <a:spcBef>
+                    <a:spcPts val="500"/>
+                  </a:spcBef>
+                  <a:buFont typeface="Arial" panose="020B0604020202020204" pitchFamily="34" charset="0"/>
+                  <a:buChar char="•"/>
+                  <a:defRPr sz="1800" kern="1200">
+                    <a:solidFill>
+                      <a:schemeClr val="tx1"/>
+                    </a:solidFill>
+                    <a:latin typeface="+mn-lt"/>
+                    <a:ea typeface="+mn-ea"/>
+                    <a:cs typeface="+mn-cs"/>
+                  </a:defRPr>
+                </a:lvl5pPr>
+                <a:lvl6pPr marL="2514600" indent="-228600" algn="l" defTabSz="914400" rtl="0" eaLnBrk="1" latinLnBrk="0" hangingPunct="1">
+                  <a:lnSpc>
+                    <a:spcPct val="90000"/>
+                  </a:lnSpc>
+                  <a:spcBef>
+                    <a:spcPts val="500"/>
+                  </a:spcBef>
+                  <a:buFont typeface="Arial" panose="020B0604020202020204" pitchFamily="34" charset="0"/>
+                  <a:buChar char="•"/>
+                  <a:defRPr sz="1800" kern="1200">
+                    <a:solidFill>
+                      <a:schemeClr val="tx1"/>
+                    </a:solidFill>
+                    <a:latin typeface="+mn-lt"/>
+                    <a:ea typeface="+mn-ea"/>
+                    <a:cs typeface="+mn-cs"/>
+                  </a:defRPr>
+                </a:lvl6pPr>
+                <a:lvl7pPr marL="2971800" indent="-228600" algn="l" defTabSz="914400" rtl="0" eaLnBrk="1" latinLnBrk="0" hangingPunct="1">
+                  <a:lnSpc>
+                    <a:spcPct val="90000"/>
+                  </a:lnSpc>
+                  <a:spcBef>
+                    <a:spcPts val="500"/>
+                  </a:spcBef>
+                  <a:buFont typeface="Arial" panose="020B0604020202020204" pitchFamily="34" charset="0"/>
+                  <a:buChar char="•"/>
+                  <a:defRPr sz="1800" kern="1200">
+                    <a:solidFill>
+                      <a:schemeClr val="tx1"/>
+                    </a:solidFill>
+                    <a:latin typeface="+mn-lt"/>
+                    <a:ea typeface="+mn-ea"/>
+                    <a:cs typeface="+mn-cs"/>
+                  </a:defRPr>
+                </a:lvl7pPr>
+                <a:lvl8pPr marL="3429000" indent="-228600" algn="l" defTabSz="914400" rtl="0" eaLnBrk="1" latinLnBrk="0" hangingPunct="1">
+                  <a:lnSpc>
+                    <a:spcPct val="90000"/>
+                  </a:lnSpc>
+                  <a:spcBef>
+                    <a:spcPts val="500"/>
+                  </a:spcBef>
+                  <a:buFont typeface="Arial" panose="020B0604020202020204" pitchFamily="34" charset="0"/>
+                  <a:buChar char="•"/>
+                  <a:defRPr sz="1800" kern="1200">
+                    <a:solidFill>
+                      <a:schemeClr val="tx1"/>
+                    </a:solidFill>
+                    <a:latin typeface="+mn-lt"/>
+                    <a:ea typeface="+mn-ea"/>
+                    <a:cs typeface="+mn-cs"/>
+                  </a:defRPr>
+                </a:lvl8pPr>
+                <a:lvl9pPr marL="3886200" indent="-228600" algn="l" defTabSz="914400" rtl="0" eaLnBrk="1" latinLnBrk="0" hangingPunct="1">
+                  <a:lnSpc>
+                    <a:spcPct val="90000"/>
+                  </a:lnSpc>
+                  <a:spcBef>
+                    <a:spcPts val="500"/>
+                  </a:spcBef>
+                  <a:buFont typeface="Arial" panose="020B0604020202020204" pitchFamily="34" charset="0"/>
+                  <a:buChar char="•"/>
+                  <a:defRPr sz="1800" kern="1200">
+                    <a:solidFill>
+                      <a:schemeClr val="tx1"/>
+                    </a:solidFill>
+                    <a:latin typeface="+mn-lt"/>
+                    <a:ea typeface="+mn-ea"/>
+                    <a:cs typeface="+mn-cs"/>
+                  </a:defRPr>
+                </a:lvl9pPr>
+              </a:lstStyle>
+              <a:p>
+                <a:pPr marL="0" indent="0" algn="ctr">
+                  <a:lnSpc>
+                    <a:spcPct val="150000"/>
+                  </a:lnSpc>
+                  <a:buNone/>
+                </a:pPr>
+                <a14:m>
+                  <m:oMathPara xmlns:m="http://schemas.openxmlformats.org/officeDocument/2006/math">
+                    <m:oMathParaPr>
+                      <m:jc m:val="centerGroup"/>
+                    </m:oMathParaPr>
+                    <m:oMath xmlns:m="http://schemas.openxmlformats.org/officeDocument/2006/math">
+                      <m:r>
+                        <a:rPr lang="en-US" sz="1800" b="0" i="1" dirty="0" smtClean="0">
+                          <a:latin typeface="Cambria Math" panose="02040503050406030204" pitchFamily="18" charset="0"/>
+                        </a:rPr>
+                        <m:t>𝐹𝑃</m:t>
+                      </m:r>
+                      <m:sSub>
+                        <m:sSubPr>
+                          <m:ctrlPr>
+                            <a:rPr lang="en-US" sz="1800" b="0" i="1" dirty="0" smtClean="0">
+                              <a:latin typeface="Cambria Math" panose="02040503050406030204" pitchFamily="18" charset="0"/>
+                            </a:rPr>
+                          </m:ctrlPr>
+                        </m:sSubPr>
+                        <m:e>
+                          <m:r>
+                            <a:rPr lang="en-US" sz="1800" b="0" i="1" dirty="0" smtClean="0">
+                              <a:latin typeface="Cambria Math" panose="02040503050406030204" pitchFamily="18" charset="0"/>
+                            </a:rPr>
+                            <m:t>𝑅</m:t>
+                          </m:r>
+                        </m:e>
+                        <m:sub>
+                          <m:r>
+                            <a:rPr lang="en-US" sz="1800" b="0" i="1" dirty="0" smtClean="0">
+                              <a:latin typeface="Cambria Math" panose="02040503050406030204" pitchFamily="18" charset="0"/>
+                            </a:rPr>
+                            <m:t>𝐶𝑎𝑡</m:t>
+                          </m:r>
+                        </m:sub>
+                      </m:sSub>
+                      <m:r>
+                        <a:rPr lang="en-US" sz="1800" i="1" dirty="0" smtClean="0">
+                          <a:latin typeface="Cambria Math" panose="02040503050406030204" pitchFamily="18" charset="0"/>
+                        </a:rPr>
+                        <m:t> =</m:t>
+                      </m:r>
+                      <m:f>
+                        <m:fPr>
+                          <m:ctrlPr>
+                            <a:rPr lang="en-US" sz="1800" b="0" i="1" dirty="0" smtClean="0">
+                              <a:latin typeface="Cambria Math" panose="02040503050406030204" pitchFamily="18" charset="0"/>
+                            </a:rPr>
+                          </m:ctrlPr>
+                        </m:fPr>
+                        <m:num>
+                          <m:r>
+                            <a:rPr lang="en-US" sz="1800" b="0" i="1" dirty="0" smtClean="0">
+                              <a:latin typeface="Cambria Math" panose="02040503050406030204" pitchFamily="18" charset="0"/>
+                            </a:rPr>
+                            <m:t>27+</m:t>
+                          </m:r>
+                          <m:r>
+                            <a:rPr lang="en-US" sz="1800" b="0" i="1" dirty="0" smtClean="0">
+                              <a:latin typeface="Cambria Math" panose="02040503050406030204" pitchFamily="18" charset="0"/>
+                            </a:rPr>
+                            <m:t>1</m:t>
+                          </m:r>
+                          <m:r>
+                            <a:rPr lang="en-US" sz="1800" b="0" i="1" dirty="0" smtClean="0">
+                              <a:latin typeface="Cambria Math" panose="02040503050406030204" pitchFamily="18" charset="0"/>
+                            </a:rPr>
+                            <m:t>6</m:t>
+                          </m:r>
+                        </m:num>
+                        <m:den>
+                          <m:r>
+                            <a:rPr lang="en-US" sz="1800" b="0" i="1" dirty="0" smtClean="0">
+                              <a:latin typeface="Cambria Math" panose="02040503050406030204" pitchFamily="18" charset="0"/>
+                            </a:rPr>
+                            <m:t>27+</m:t>
+                          </m:r>
+                          <m:r>
+                            <a:rPr lang="en-US" sz="1800" b="0" i="1" dirty="0" smtClean="0">
+                              <a:latin typeface="Cambria Math" panose="02040503050406030204" pitchFamily="18" charset="0"/>
+                            </a:rPr>
+                            <m:t>180</m:t>
+                          </m:r>
+                          <m:r>
+                            <a:rPr lang="en-US" sz="1800" b="0" i="1" dirty="0" smtClean="0">
+                              <a:latin typeface="Cambria Math" panose="02040503050406030204" pitchFamily="18" charset="0"/>
+                            </a:rPr>
+                            <m:t>+11+</m:t>
+                          </m:r>
+                          <m:r>
+                            <a:rPr lang="en-US" sz="1800" b="0" i="1" dirty="0" smtClean="0">
+                              <a:latin typeface="Cambria Math" panose="02040503050406030204" pitchFamily="18" charset="0"/>
+                            </a:rPr>
+                            <m:t>1</m:t>
+                          </m:r>
+                          <m:r>
+                            <a:rPr lang="en-US" sz="1800" b="0" i="1" dirty="0" smtClean="0">
+                              <a:latin typeface="Cambria Math" panose="02040503050406030204" pitchFamily="18" charset="0"/>
+                            </a:rPr>
+                            <m:t>6+3+</m:t>
+                          </m:r>
+                          <m:r>
+                            <a:rPr lang="en-US" sz="1800" b="0" i="1" dirty="0" smtClean="0">
+                              <a:latin typeface="Cambria Math" panose="02040503050406030204" pitchFamily="18" charset="0"/>
+                            </a:rPr>
+                            <m:t>27</m:t>
+                          </m:r>
+                        </m:den>
+                      </m:f>
+                      <m:r>
+                        <a:rPr lang="en-US" sz="1800" b="0" i="1" dirty="0" smtClean="0">
+                          <a:latin typeface="Cambria Math" panose="02040503050406030204" pitchFamily="18" charset="0"/>
+                        </a:rPr>
+                        <m:t>=16.</m:t>
+                      </m:r>
+                      <m:r>
+                        <a:rPr lang="en-US" sz="1800" b="0" i="1" dirty="0" smtClean="0">
+                          <a:latin typeface="Cambria Math" panose="02040503050406030204" pitchFamily="18" charset="0"/>
+                        </a:rPr>
+                        <m:t>41</m:t>
+                      </m:r>
+                      <m:r>
+                        <a:rPr lang="en-US" sz="1800" b="0" i="1" dirty="0" smtClean="0">
+                          <a:latin typeface="Cambria Math" panose="02040503050406030204" pitchFamily="18" charset="0"/>
+                        </a:rPr>
+                        <m:t>%</m:t>
+                      </m:r>
+                    </m:oMath>
+                  </m:oMathPara>
+                </a14:m>
+                <a:endParaRPr lang="en-US" sz="1800" b="0" dirty="0"/>
+              </a:p>
+              <a:p>
+                <a:pPr marL="0" indent="0" algn="ctr">
+                  <a:lnSpc>
+                    <a:spcPct val="150000"/>
+                  </a:lnSpc>
+                  <a:buNone/>
+                </a:pPr>
+                <a14:m>
+                  <m:oMathPara xmlns:m="http://schemas.openxmlformats.org/officeDocument/2006/math">
+                    <m:oMathParaPr>
+                      <m:jc m:val="centerGroup"/>
+                    </m:oMathParaPr>
+                    <m:oMath xmlns:m="http://schemas.openxmlformats.org/officeDocument/2006/math">
+                      <m:sSub>
+                        <m:sSubPr>
+                          <m:ctrlPr>
+                            <a:rPr lang="en-US" sz="1800" i="1">
+                              <a:latin typeface="Cambria Math" panose="02040503050406030204" pitchFamily="18" charset="0"/>
+                            </a:rPr>
+                          </m:ctrlPr>
+                        </m:sSubPr>
+                        <m:e>
+                          <m:r>
+                            <a:rPr lang="en-US" sz="1800" b="0" i="1" smtClean="0">
+                              <a:latin typeface="Cambria Math" panose="02040503050406030204" pitchFamily="18" charset="0"/>
+                            </a:rPr>
+                            <m:t>𝐹𝑃𝑅</m:t>
+                          </m:r>
+                        </m:e>
+                        <m:sub>
+                          <m:r>
+                            <a:rPr lang="en-US" sz="1800" i="1">
+                              <a:latin typeface="Cambria Math" panose="02040503050406030204" pitchFamily="18" charset="0"/>
+                            </a:rPr>
+                            <m:t>𝐷𝑜𝑔</m:t>
+                          </m:r>
+                        </m:sub>
+                      </m:sSub>
+                      <m:r>
+                        <a:rPr lang="en-US" sz="1800" i="1">
+                          <a:latin typeface="Cambria Math" panose="02040503050406030204" pitchFamily="18" charset="0"/>
+                        </a:rPr>
+                        <m:t>=</m:t>
+                      </m:r>
+                      <m:f>
+                        <m:fPr>
+                          <m:ctrlPr>
+                            <a:rPr lang="en-US" sz="1800" i="1">
+                              <a:latin typeface="Cambria Math" panose="02040503050406030204" pitchFamily="18" charset="0"/>
+                            </a:rPr>
+                          </m:ctrlPr>
+                        </m:fPr>
+                        <m:num>
+                          <m:r>
+                            <a:rPr lang="en-US" sz="1800" b="0" i="1" smtClean="0">
+                              <a:latin typeface="Cambria Math" panose="02040503050406030204" pitchFamily="18" charset="0"/>
+                            </a:rPr>
+                            <m:t>2</m:t>
+                          </m:r>
+                          <m:r>
+                            <a:rPr lang="en-US" sz="1800" b="0" i="1" smtClean="0">
+                              <a:latin typeface="Cambria Math" panose="02040503050406030204" pitchFamily="18" charset="0"/>
+                            </a:rPr>
+                            <m:t>0+3</m:t>
+                          </m:r>
+                        </m:num>
+                        <m:den>
+                          <m:r>
+                            <a:rPr lang="en-US" sz="1800" i="1" smtClean="0">
+                              <a:latin typeface="Cambria Math" panose="02040503050406030204" pitchFamily="18" charset="0"/>
+                            </a:rPr>
+                            <m:t>7</m:t>
+                          </m:r>
+                          <m:r>
+                            <a:rPr lang="en-US" sz="1800" b="0" i="1" smtClean="0">
+                              <a:latin typeface="Cambria Math" panose="02040503050406030204" pitchFamily="18" charset="0"/>
+                            </a:rPr>
+                            <m:t>6+</m:t>
+                          </m:r>
+                          <m:r>
+                            <a:rPr lang="en-US" sz="1800" b="0" i="1" smtClean="0">
+                              <a:latin typeface="Cambria Math" panose="02040503050406030204" pitchFamily="18" charset="0"/>
+                            </a:rPr>
+                            <m:t>2</m:t>
+                          </m:r>
+                          <m:r>
+                            <a:rPr lang="en-US" sz="1800" b="0" i="1" smtClean="0">
+                              <a:latin typeface="Cambria Math" panose="02040503050406030204" pitchFamily="18" charset="0"/>
+                            </a:rPr>
+                            <m:t>0+12+</m:t>
+                          </m:r>
+                          <m:r>
+                            <a:rPr lang="en-US" sz="1800" b="0" i="1" smtClean="0">
+                              <a:latin typeface="Cambria Math" panose="02040503050406030204" pitchFamily="18" charset="0"/>
+                            </a:rPr>
+                            <m:t>1</m:t>
+                          </m:r>
+                          <m:r>
+                            <a:rPr lang="en-US" sz="1800" b="0" i="1" smtClean="0">
+                              <a:latin typeface="Cambria Math" panose="02040503050406030204" pitchFamily="18" charset="0"/>
+                            </a:rPr>
+                            <m:t>6+3+</m:t>
+                          </m:r>
+                          <m:r>
+                            <a:rPr lang="en-US" sz="1800" b="0" i="1" smtClean="0">
+                              <a:latin typeface="Cambria Math" panose="02040503050406030204" pitchFamily="18" charset="0"/>
+                            </a:rPr>
+                            <m:t>25</m:t>
+                          </m:r>
+                        </m:den>
+                      </m:f>
+                      <m:r>
+                        <a:rPr lang="en-US" sz="1800" i="1">
+                          <a:latin typeface="Cambria Math" panose="02040503050406030204" pitchFamily="18" charset="0"/>
+                        </a:rPr>
+                        <m:t>=</m:t>
+                      </m:r>
+                      <m:r>
+                        <a:rPr lang="en-US" sz="1800" b="0" i="1" smtClean="0">
+                          <a:latin typeface="Cambria Math" panose="02040503050406030204" pitchFamily="18" charset="0"/>
+                        </a:rPr>
+                        <m:t>15</m:t>
+                      </m:r>
+                      <m:r>
+                        <a:rPr lang="en-US" sz="1800" i="1">
+                          <a:latin typeface="Cambria Math" panose="02040503050406030204" pitchFamily="18" charset="0"/>
+                        </a:rPr>
+                        <m:t>.</m:t>
+                      </m:r>
+                      <m:r>
+                        <a:rPr lang="en-US" sz="1800" b="0" i="1" smtClean="0">
+                          <a:latin typeface="Cambria Math" panose="02040503050406030204" pitchFamily="18" charset="0"/>
+                        </a:rPr>
+                        <m:t>13</m:t>
+                      </m:r>
+                      <m:r>
+                        <a:rPr lang="en-US" sz="1800" i="1">
+                          <a:latin typeface="Cambria Math" panose="02040503050406030204" pitchFamily="18" charset="0"/>
+                        </a:rPr>
+                        <m:t>%</m:t>
+                      </m:r>
+                    </m:oMath>
+                  </m:oMathPara>
+                </a14:m>
+                <a:endParaRPr lang="en-US" sz="1800" b="0" dirty="0"/>
+              </a:p>
+              <a:p>
+                <a:pPr marL="0" indent="0" algn="ctr">
+                  <a:lnSpc>
+                    <a:spcPct val="150000"/>
+                  </a:lnSpc>
+                  <a:buNone/>
+                </a:pPr>
+                <a14:m>
+                  <m:oMathPara xmlns:m="http://schemas.openxmlformats.org/officeDocument/2006/math">
+                    <m:oMathParaPr>
+                      <m:jc m:val="centerGroup"/>
+                    </m:oMathParaPr>
+                    <m:oMath xmlns:m="http://schemas.openxmlformats.org/officeDocument/2006/math">
+                      <m:r>
+                        <a:rPr lang="en-US" sz="1800" b="0" i="1" smtClean="0">
+                          <a:latin typeface="Cambria Math" panose="02040503050406030204" pitchFamily="18" charset="0"/>
+                        </a:rPr>
+                        <m:t>𝐹𝑃</m:t>
+                      </m:r>
+                      <m:sSub>
+                        <m:sSubPr>
+                          <m:ctrlPr>
+                            <a:rPr lang="en-US" sz="1800" b="0" i="1" smtClean="0">
+                              <a:latin typeface="Cambria Math" panose="02040503050406030204" pitchFamily="18" charset="0"/>
+                            </a:rPr>
+                          </m:ctrlPr>
+                        </m:sSubPr>
+                        <m:e>
+                          <m:r>
+                            <a:rPr lang="en-US" sz="1800" b="0" i="1" smtClean="0">
+                              <a:latin typeface="Cambria Math" panose="02040503050406030204" pitchFamily="18" charset="0"/>
+                            </a:rPr>
+                            <m:t>𝑅</m:t>
+                          </m:r>
+                        </m:e>
+                        <m:sub>
+                          <m:r>
+                            <a:rPr lang="en-US" sz="1800" b="0" i="1" smtClean="0">
+                              <a:latin typeface="Cambria Math" panose="02040503050406030204" pitchFamily="18" charset="0"/>
+                            </a:rPr>
+                            <m:t>𝐵𝑖𝑟𝑑</m:t>
+                          </m:r>
+                        </m:sub>
+                      </m:sSub>
+                      <m:r>
+                        <a:rPr lang="en-US" sz="1800" b="0" i="1" smtClean="0">
+                          <a:latin typeface="Cambria Math" panose="02040503050406030204" pitchFamily="18" charset="0"/>
+                        </a:rPr>
+                        <m:t>=</m:t>
+                      </m:r>
+                      <m:f>
+                        <m:fPr>
+                          <m:ctrlPr>
+                            <a:rPr lang="en-US" sz="1800" b="0" i="1" smtClean="0">
+                              <a:latin typeface="Cambria Math" panose="02040503050406030204" pitchFamily="18" charset="0"/>
+                            </a:rPr>
+                          </m:ctrlPr>
+                        </m:fPr>
+                        <m:num>
+                          <m:r>
+                            <a:rPr lang="en-US" sz="1800" b="0" i="1" smtClean="0">
+                              <a:latin typeface="Cambria Math" panose="02040503050406030204" pitchFamily="18" charset="0"/>
+                            </a:rPr>
+                            <m:t>11+12</m:t>
+                          </m:r>
+                        </m:num>
+                        <m:den>
+                          <m:r>
+                            <a:rPr lang="en-US" sz="1800" i="1">
+                              <a:latin typeface="Cambria Math" panose="02040503050406030204" pitchFamily="18" charset="0"/>
+                            </a:rPr>
+                            <m:t>76+</m:t>
+                          </m:r>
+                          <m:r>
+                            <a:rPr lang="en-US" sz="1800" b="0" i="1" smtClean="0">
+                              <a:latin typeface="Cambria Math" panose="02040503050406030204" pitchFamily="18" charset="0"/>
+                            </a:rPr>
+                            <m:t>2</m:t>
+                          </m:r>
+                          <m:r>
+                            <a:rPr lang="en-US" sz="1800" i="1">
+                              <a:latin typeface="Cambria Math" panose="02040503050406030204" pitchFamily="18" charset="0"/>
+                            </a:rPr>
+                            <m:t>0+12</m:t>
+                          </m:r>
+                          <m:r>
+                            <a:rPr lang="en-US" sz="1800" b="0" i="1" smtClean="0">
+                              <a:latin typeface="Cambria Math" panose="02040503050406030204" pitchFamily="18" charset="0"/>
+                            </a:rPr>
+                            <m:t>+27+</m:t>
+                          </m:r>
+                          <m:r>
+                            <a:rPr lang="en-US" sz="1800" b="0" i="1" smtClean="0">
+                              <a:latin typeface="Cambria Math" panose="02040503050406030204" pitchFamily="18" charset="0"/>
+                            </a:rPr>
+                            <m:t>180</m:t>
+                          </m:r>
+                          <m:r>
+                            <a:rPr lang="en-US" sz="1800" b="0" i="1" smtClean="0">
+                              <a:latin typeface="Cambria Math" panose="02040503050406030204" pitchFamily="18" charset="0"/>
+                            </a:rPr>
+                            <m:t>+11</m:t>
+                          </m:r>
+                        </m:den>
+                      </m:f>
+                      <m:r>
+                        <a:rPr lang="en-US" sz="1800" b="0" i="1" smtClean="0">
+                          <a:latin typeface="Cambria Math" panose="02040503050406030204" pitchFamily="18" charset="0"/>
+                        </a:rPr>
+                        <m:t>=</m:t>
+                      </m:r>
+                      <m:r>
+                        <a:rPr lang="en-US" sz="1800" b="0" i="1" smtClean="0">
+                          <a:latin typeface="Cambria Math" panose="02040503050406030204" pitchFamily="18" charset="0"/>
+                        </a:rPr>
+                        <m:t>7</m:t>
+                      </m:r>
+                      <m:r>
+                        <a:rPr lang="en-US" sz="1800" b="0" i="1" smtClean="0">
+                          <a:latin typeface="Cambria Math" panose="02040503050406030204" pitchFamily="18" charset="0"/>
+                        </a:rPr>
+                        <m:t>.</m:t>
+                      </m:r>
+                      <m:r>
+                        <a:rPr lang="en-US" sz="1800" b="0" i="1" smtClean="0">
+                          <a:latin typeface="Cambria Math" panose="02040503050406030204" pitchFamily="18" charset="0"/>
+                        </a:rPr>
+                        <m:t>05</m:t>
+                      </m:r>
+                      <m:r>
+                        <a:rPr lang="en-US" sz="1800" b="0" i="1" smtClean="0">
+                          <a:latin typeface="Cambria Math" panose="02040503050406030204" pitchFamily="18" charset="0"/>
+                        </a:rPr>
+                        <m:t>%</m:t>
+                      </m:r>
+                    </m:oMath>
+                  </m:oMathPara>
+                </a14:m>
+                <a:endParaRPr lang="en-US" sz="1800" b="0" dirty="0"/>
+              </a:p>
+            </p:txBody>
+          </p:sp>
+        </mc:Choice>
+        <mc:Fallback>
+          <p:sp>
+            <p:nvSpPr>
+              <p:cNvPr id="9" name="Content Placeholder 2">
+                <a:extLst>
+                  <a:ext uri="{FF2B5EF4-FFF2-40B4-BE49-F238E27FC236}">
+                    <a16:creationId xmlns:a16="http://schemas.microsoft.com/office/drawing/2014/main" id="{CDED5E9B-40DA-6624-F34A-1649C2A6B119}"/>
+                  </a:ext>
+                </a:extLst>
+              </p:cNvPr>
+              <p:cNvSpPr txBox="1">
+                <a:spLocks noRot="1" noChangeAspect="1" noMove="1" noResize="1" noEditPoints="1" noAdjustHandles="1" noChangeArrowheads="1" noChangeShapeType="1" noTextEdit="1"/>
+              </p:cNvSpPr>
+              <p:nvPr/>
+            </p:nvSpPr>
+            <p:spPr>
+              <a:xfrm>
+                <a:off x="3905540" y="3356746"/>
+                <a:ext cx="6790423" cy="2661379"/>
+              </a:xfrm>
+              <a:prstGeom prst="rect">
+                <a:avLst/>
+              </a:prstGeom>
+              <a:blipFill>
+                <a:blip r:embed="rId3"/>
+                <a:stretch>
+                  <a:fillRect/>
+                </a:stretch>
+              </a:blipFill>
+              <a:ln>
+                <a:noFill/>
+              </a:ln>
+            </p:spPr>
+            <p:txBody>
+              <a:bodyPr/>
+              <a:lstStyle/>
+              <a:p>
+                <a:r>
+                  <a:rPr lang="en-US">
+                    <a:noFill/>
+                  </a:rPr>
+                  <a:t> </a:t>
+                </a:r>
+              </a:p>
+            </p:txBody>
+          </p:sp>
+        </mc:Fallback>
+      </mc:AlternateContent>
+      <p:sp>
+        <p:nvSpPr>
+          <p:cNvPr id="6" name="Content Placeholder 2">
+            <a:extLst>
+              <a:ext uri="{FF2B5EF4-FFF2-40B4-BE49-F238E27FC236}">
+                <a16:creationId xmlns:a16="http://schemas.microsoft.com/office/drawing/2014/main" id="{0AC182DF-1DAF-6F32-3D8A-A8A4FB4F6DE0}"/>
+              </a:ext>
+            </a:extLst>
+          </p:cNvPr>
+          <p:cNvSpPr txBox="1">
+            <a:spLocks/>
+          </p:cNvSpPr>
+          <p:nvPr/>
+        </p:nvSpPr>
+        <p:spPr>
+          <a:xfrm>
+            <a:off x="838199" y="6096967"/>
+            <a:ext cx="2691003" cy="431177"/>
+          </a:xfrm>
+          <a:prstGeom prst="rect">
+            <a:avLst/>
+          </a:prstGeom>
+          <a:noFill/>
+          <a:ln>
+            <a:noFill/>
+          </a:ln>
+        </p:spPr>
+        <p:style>
+          <a:lnRef idx="2">
+            <a:schemeClr val="accent5"/>
+          </a:lnRef>
+          <a:fillRef idx="1">
+            <a:schemeClr val="lt1"/>
+          </a:fillRef>
+          <a:effectRef idx="0">
+            <a:schemeClr val="accent5"/>
+          </a:effectRef>
+          <a:fontRef idx="minor">
+            <a:schemeClr val="dk1"/>
+          </a:fontRef>
+        </p:style>
+        <p:txBody>
+          <a:bodyPr vert="horz" lIns="91440" tIns="45720" rIns="91440" bIns="45720" rtlCol="0">
+            <a:normAutofit fontScale="55000" lnSpcReduction="20000"/>
+          </a:bodyPr>
+          <a:lstStyle>
+            <a:lvl1pPr marL="228600" indent="-228600" algn="l" defTabSz="914400" rtl="0" eaLnBrk="1" latinLnBrk="0" hangingPunct="1">
+              <a:lnSpc>
+                <a:spcPct val="90000"/>
+              </a:lnSpc>
+              <a:spcBef>
+                <a:spcPts val="1000"/>
+              </a:spcBef>
+              <a:buFont typeface="Arial" panose="020B0604020202020204" pitchFamily="34" charset="0"/>
+              <a:buChar char="•"/>
+              <a:defRPr sz="2800" kern="1200">
+                <a:solidFill>
+                  <a:schemeClr val="tx1"/>
+                </a:solidFill>
+                <a:latin typeface="+mn-lt"/>
+                <a:ea typeface="+mn-ea"/>
+                <a:cs typeface="+mn-cs"/>
+              </a:defRPr>
+            </a:lvl1pPr>
+            <a:lvl2pPr marL="685800" indent="-228600" algn="l" defTabSz="914400" rtl="0" eaLnBrk="1" latinLnBrk="0" hangingPunct="1">
+              <a:lnSpc>
+                <a:spcPct val="90000"/>
+              </a:lnSpc>
+              <a:spcBef>
+                <a:spcPts val="500"/>
+              </a:spcBef>
+              <a:buFont typeface="Arial" panose="020B0604020202020204" pitchFamily="34" charset="0"/>
+              <a:buChar char="•"/>
+              <a:defRPr sz="2400" kern="1200">
+                <a:solidFill>
+                  <a:schemeClr val="tx1"/>
+                </a:solidFill>
+                <a:latin typeface="+mn-lt"/>
+                <a:ea typeface="+mn-ea"/>
+                <a:cs typeface="+mn-cs"/>
+              </a:defRPr>
+            </a:lvl2pPr>
+            <a:lvl3pPr marL="1143000" indent="-228600" algn="l" defTabSz="914400" rtl="0" eaLnBrk="1" latinLnBrk="0" hangingPunct="1">
+              <a:lnSpc>
+                <a:spcPct val="90000"/>
+              </a:lnSpc>
+              <a:spcBef>
+                <a:spcPts val="500"/>
+              </a:spcBef>
+              <a:buFont typeface="Arial" panose="020B0604020202020204" pitchFamily="34" charset="0"/>
+              <a:buChar char="•"/>
+              <a:defRPr sz="2000" kern="1200">
+                <a:solidFill>
+                  <a:schemeClr val="tx1"/>
+                </a:solidFill>
+                <a:latin typeface="+mn-lt"/>
+                <a:ea typeface="+mn-ea"/>
+                <a:cs typeface="+mn-cs"/>
+              </a:defRPr>
+            </a:lvl3pPr>
+            <a:lvl4pPr marL="1600200" indent="-228600" algn="l" defTabSz="914400" rtl="0" eaLnBrk="1" latinLnBrk="0" hangingPunct="1">
+              <a:lnSpc>
+                <a:spcPct val="90000"/>
+              </a:lnSpc>
+              <a:spcBef>
+                <a:spcPts val="500"/>
+              </a:spcBef>
+              <a:buFont typeface="Arial" panose="020B0604020202020204" pitchFamily="34" charset="0"/>
+              <a:buChar char="•"/>
+              <a:defRPr sz="1800" kern="1200">
+                <a:solidFill>
+                  <a:schemeClr val="tx1"/>
+                </a:solidFill>
+                <a:latin typeface="+mn-lt"/>
+                <a:ea typeface="+mn-ea"/>
+                <a:cs typeface="+mn-cs"/>
+              </a:defRPr>
+            </a:lvl4pPr>
+            <a:lvl5pPr marL="2057400" indent="-228600" algn="l" defTabSz="914400" rtl="0" eaLnBrk="1" latinLnBrk="0" hangingPunct="1">
+              <a:lnSpc>
+                <a:spcPct val="90000"/>
+              </a:lnSpc>
+              <a:spcBef>
+                <a:spcPts val="500"/>
+              </a:spcBef>
+              <a:buFont typeface="Arial" panose="020B0604020202020204" pitchFamily="34" charset="0"/>
+              <a:buChar char="•"/>
+              <a:defRPr sz="1800" kern="1200">
+                <a:solidFill>
+                  <a:schemeClr val="tx1"/>
+                </a:solidFill>
+                <a:latin typeface="+mn-lt"/>
+                <a:ea typeface="+mn-ea"/>
+                <a:cs typeface="+mn-cs"/>
+              </a:defRPr>
+            </a:lvl5pPr>
+            <a:lvl6pPr marL="2514600" indent="-228600" algn="l" defTabSz="914400" rtl="0" eaLnBrk="1" latinLnBrk="0" hangingPunct="1">
+              <a:lnSpc>
+                <a:spcPct val="90000"/>
+              </a:lnSpc>
+              <a:spcBef>
+                <a:spcPts val="500"/>
+              </a:spcBef>
+              <a:buFont typeface="Arial" panose="020B0604020202020204" pitchFamily="34" charset="0"/>
+              <a:buChar char="•"/>
+              <a:defRPr sz="1800" kern="1200">
+                <a:solidFill>
+                  <a:schemeClr val="tx1"/>
+                </a:solidFill>
+                <a:latin typeface="+mn-lt"/>
+                <a:ea typeface="+mn-ea"/>
+                <a:cs typeface="+mn-cs"/>
+              </a:defRPr>
+            </a:lvl6pPr>
+            <a:lvl7pPr marL="2971800" indent="-228600" algn="l" defTabSz="914400" rtl="0" eaLnBrk="1" latinLnBrk="0" hangingPunct="1">
+              <a:lnSpc>
+                <a:spcPct val="90000"/>
+              </a:lnSpc>
+              <a:spcBef>
+                <a:spcPts val="500"/>
+              </a:spcBef>
+              <a:buFont typeface="Arial" panose="020B0604020202020204" pitchFamily="34" charset="0"/>
+              <a:buChar char="•"/>
+              <a:defRPr sz="1800" kern="1200">
+                <a:solidFill>
+                  <a:schemeClr val="tx1"/>
+                </a:solidFill>
+                <a:latin typeface="+mn-lt"/>
+                <a:ea typeface="+mn-ea"/>
+                <a:cs typeface="+mn-cs"/>
+              </a:defRPr>
+            </a:lvl7pPr>
+            <a:lvl8pPr marL="3429000" indent="-228600" algn="l" defTabSz="914400" rtl="0" eaLnBrk="1" latinLnBrk="0" hangingPunct="1">
+              <a:lnSpc>
+                <a:spcPct val="90000"/>
+              </a:lnSpc>
+              <a:spcBef>
+                <a:spcPts val="500"/>
+              </a:spcBef>
+              <a:buFont typeface="Arial" panose="020B0604020202020204" pitchFamily="34" charset="0"/>
+              <a:buChar char="•"/>
+              <a:defRPr sz="1800" kern="1200">
+                <a:solidFill>
+                  <a:schemeClr val="tx1"/>
+                </a:solidFill>
+                <a:latin typeface="+mn-lt"/>
+                <a:ea typeface="+mn-ea"/>
+                <a:cs typeface="+mn-cs"/>
+              </a:defRPr>
+            </a:lvl8pPr>
+            <a:lvl9pPr marL="3886200" indent="-228600" algn="l" defTabSz="914400" rtl="0" eaLnBrk="1" latinLnBrk="0" hangingPunct="1">
+              <a:lnSpc>
+                <a:spcPct val="90000"/>
+              </a:lnSpc>
+              <a:spcBef>
+                <a:spcPts val="500"/>
+              </a:spcBef>
+              <a:buFont typeface="Arial" panose="020B0604020202020204" pitchFamily="34" charset="0"/>
+              <a:buChar char="•"/>
+              <a:defRPr sz="1800" kern="1200">
+                <a:solidFill>
+                  <a:schemeClr val="tx1"/>
+                </a:solidFill>
+                <a:latin typeface="+mn-lt"/>
+                <a:ea typeface="+mn-ea"/>
+                <a:cs typeface="+mn-cs"/>
+              </a:defRPr>
+            </a:lvl9pPr>
+          </a:lstStyle>
+          <a:p>
+            <a:pPr marL="0" indent="0">
+              <a:buNone/>
+            </a:pPr>
+            <a:r>
+              <a:rPr lang="en-US" dirty="0"/>
+              <a:t>Unbalanced Data: More dogs in comparison to cats or birds</a:t>
+            </a:r>
+          </a:p>
+        </p:txBody>
+      </p:sp>
+      <p:graphicFrame>
+        <p:nvGraphicFramePr>
+          <p:cNvPr id="8" name="Table 10">
+            <a:extLst>
+              <a:ext uri="{FF2B5EF4-FFF2-40B4-BE49-F238E27FC236}">
+                <a16:creationId xmlns:a16="http://schemas.microsoft.com/office/drawing/2014/main" id="{AC88225A-B823-992D-512E-12168505B207}"/>
+              </a:ext>
+            </a:extLst>
+          </p:cNvPr>
+          <p:cNvGraphicFramePr>
+            <a:graphicFrameLocks noGrp="1"/>
+          </p:cNvGraphicFramePr>
+          <p:nvPr>
+            <p:extLst>
+              <p:ext uri="{D42A27DB-BD31-4B8C-83A1-F6EECF244321}">
+                <p14:modId xmlns:p14="http://schemas.microsoft.com/office/powerpoint/2010/main" val="1398569339"/>
+              </p:ext>
+            </p:extLst>
+          </p:nvPr>
+        </p:nvGraphicFramePr>
+        <p:xfrm>
+          <a:off x="838198" y="3921583"/>
+          <a:ext cx="2691004" cy="2124504"/>
+        </p:xfrm>
+        <a:graphic>
+          <a:graphicData uri="http://schemas.openxmlformats.org/drawingml/2006/table">
+            <a:tbl>
+              <a:tblPr firstRow="1" bandRow="1">
+                <a:tableStyleId>{5C22544A-7EE6-4342-B048-85BDC9FD1C3A}</a:tableStyleId>
+              </a:tblPr>
+              <a:tblGrid>
+                <a:gridCol w="672751">
+                  <a:extLst>
+                    <a:ext uri="{9D8B030D-6E8A-4147-A177-3AD203B41FA5}">
+                      <a16:colId xmlns:a16="http://schemas.microsoft.com/office/drawing/2014/main" val="3779047369"/>
+                    </a:ext>
+                  </a:extLst>
+                </a:gridCol>
+                <a:gridCol w="672751">
+                  <a:extLst>
+                    <a:ext uri="{9D8B030D-6E8A-4147-A177-3AD203B41FA5}">
+                      <a16:colId xmlns:a16="http://schemas.microsoft.com/office/drawing/2014/main" val="2587912599"/>
+                    </a:ext>
+                  </a:extLst>
+                </a:gridCol>
+                <a:gridCol w="672751">
+                  <a:extLst>
+                    <a:ext uri="{9D8B030D-6E8A-4147-A177-3AD203B41FA5}">
+                      <a16:colId xmlns:a16="http://schemas.microsoft.com/office/drawing/2014/main" val="617498338"/>
+                    </a:ext>
+                  </a:extLst>
+                </a:gridCol>
+                <a:gridCol w="672751">
+                  <a:extLst>
+                    <a:ext uri="{9D8B030D-6E8A-4147-A177-3AD203B41FA5}">
+                      <a16:colId xmlns:a16="http://schemas.microsoft.com/office/drawing/2014/main" val="1361611942"/>
+                    </a:ext>
+                  </a:extLst>
+                </a:gridCol>
+              </a:tblGrid>
+              <a:tr h="517477">
+                <a:tc>
+                  <a:txBody>
+                    <a:bodyPr/>
+                    <a:lstStyle/>
+                    <a:p>
+                      <a:pPr algn="ctr"/>
+                      <a:endParaRPr lang="en-US" sz="1500" b="1" dirty="0">
+                        <a:solidFill>
+                          <a:schemeClr val="bg1"/>
+                        </a:solidFill>
+                      </a:endParaRPr>
+                    </a:p>
+                  </a:txBody>
+                  <a:tcPr marL="73925" marR="73925" marT="36963" marB="36963">
+                    <a:solidFill>
+                      <a:srgbClr val="4472C4"/>
+                    </a:solidFill>
+                  </a:tcPr>
+                </a:tc>
+                <a:tc>
+                  <a:txBody>
+                    <a:bodyPr/>
+                    <a:lstStyle/>
+                    <a:p>
+                      <a:pPr algn="ctr"/>
+                      <a:r>
+                        <a:rPr lang="en-US" sz="1500" dirty="0"/>
+                        <a:t>Model Cat</a:t>
+                      </a:r>
+                    </a:p>
+                  </a:txBody>
+                  <a:tcPr marL="73925" marR="73925" marT="36963" marB="36963"/>
+                </a:tc>
+                <a:tc>
+                  <a:txBody>
+                    <a:bodyPr/>
+                    <a:lstStyle/>
+                    <a:p>
+                      <a:pPr algn="ctr"/>
+                      <a:r>
+                        <a:rPr lang="en-US" sz="1500" dirty="0"/>
+                        <a:t>Model Dog</a:t>
+                      </a:r>
+                    </a:p>
+                  </a:txBody>
+                  <a:tcPr marL="73925" marR="73925" marT="36963" marB="36963"/>
+                </a:tc>
+                <a:tc>
+                  <a:txBody>
+                    <a:bodyPr/>
+                    <a:lstStyle/>
+                    <a:p>
+                      <a:pPr algn="ctr"/>
+                      <a:r>
+                        <a:rPr lang="en-US" sz="1500" dirty="0"/>
+                        <a:t>Model Bird</a:t>
+                      </a:r>
+                    </a:p>
+                  </a:txBody>
+                  <a:tcPr marL="73925" marR="73925" marT="36963" marB="36963"/>
+                </a:tc>
+                <a:extLst>
+                  <a:ext uri="{0D108BD9-81ED-4DB2-BD59-A6C34878D82A}">
+                    <a16:rowId xmlns:a16="http://schemas.microsoft.com/office/drawing/2014/main" val="2688480762"/>
+                  </a:ext>
+                </a:extLst>
+              </a:tr>
+              <a:tr h="517477">
+                <a:tc>
+                  <a:txBody>
+                    <a:bodyPr/>
+                    <a:lstStyle/>
+                    <a:p>
+                      <a:pPr algn="ctr"/>
+                      <a:r>
+                        <a:rPr lang="en-US" sz="1500" b="1" dirty="0">
+                          <a:solidFill>
+                            <a:schemeClr val="bg1"/>
+                          </a:solidFill>
+                        </a:rPr>
+                        <a:t>Data Cat</a:t>
+                      </a:r>
+                    </a:p>
+                  </a:txBody>
+                  <a:tcPr marL="73925" marR="73925" marT="36963" marB="36963">
+                    <a:solidFill>
+                      <a:srgbClr val="4472C4"/>
+                    </a:solidFill>
+                  </a:tcPr>
+                </a:tc>
+                <a:tc>
+                  <a:txBody>
+                    <a:bodyPr/>
+                    <a:lstStyle/>
+                    <a:p>
+                      <a:r>
+                        <a:rPr lang="en-US" sz="1500" dirty="0"/>
+                        <a:t>76</a:t>
+                      </a:r>
+                    </a:p>
+                  </a:txBody>
+                  <a:tcPr marL="73925" marR="73925" marT="36963" marB="36963"/>
+                </a:tc>
+                <a:tc>
+                  <a:txBody>
+                    <a:bodyPr/>
+                    <a:lstStyle/>
+                    <a:p>
+                      <a:r>
+                        <a:rPr lang="en-US" sz="1500" dirty="0"/>
+                        <a:t>20</a:t>
+                      </a:r>
+                    </a:p>
+                  </a:txBody>
+                  <a:tcPr marL="73925" marR="73925" marT="36963" marB="36963"/>
+                </a:tc>
+                <a:tc>
+                  <a:txBody>
+                    <a:bodyPr/>
+                    <a:lstStyle/>
+                    <a:p>
+                      <a:r>
+                        <a:rPr lang="en-US" sz="1500" dirty="0"/>
+                        <a:t>12</a:t>
+                      </a:r>
+                    </a:p>
+                  </a:txBody>
+                  <a:tcPr marL="73925" marR="73925" marT="36963" marB="36963"/>
+                </a:tc>
+                <a:extLst>
+                  <a:ext uri="{0D108BD9-81ED-4DB2-BD59-A6C34878D82A}">
+                    <a16:rowId xmlns:a16="http://schemas.microsoft.com/office/drawing/2014/main" val="1617891110"/>
+                  </a:ext>
+                </a:extLst>
+              </a:tr>
+              <a:tr h="517477">
+                <a:tc>
+                  <a:txBody>
+                    <a:bodyPr/>
+                    <a:lstStyle/>
+                    <a:p>
+                      <a:pPr algn="ctr"/>
+                      <a:r>
+                        <a:rPr lang="en-US" sz="1500" b="1" dirty="0">
+                          <a:solidFill>
+                            <a:schemeClr val="bg1"/>
+                          </a:solidFill>
+                        </a:rPr>
+                        <a:t>Data Dog</a:t>
+                      </a:r>
+                    </a:p>
+                  </a:txBody>
+                  <a:tcPr marL="73925" marR="73925" marT="36963" marB="36963">
+                    <a:solidFill>
+                      <a:srgbClr val="4472C4"/>
+                    </a:solidFill>
+                  </a:tcPr>
+                </a:tc>
+                <a:tc>
+                  <a:txBody>
+                    <a:bodyPr/>
+                    <a:lstStyle/>
+                    <a:p>
+                      <a:r>
+                        <a:rPr lang="en-US" sz="1500" dirty="0"/>
+                        <a:t>27</a:t>
+                      </a:r>
+                    </a:p>
+                  </a:txBody>
+                  <a:tcPr marL="73925" marR="73925" marT="36963" marB="36963"/>
+                </a:tc>
+                <a:tc>
+                  <a:txBody>
+                    <a:bodyPr/>
+                    <a:lstStyle/>
+                    <a:p>
+                      <a:r>
+                        <a:rPr lang="en-US" sz="1500" dirty="0"/>
+                        <a:t>180</a:t>
+                      </a:r>
+                    </a:p>
+                  </a:txBody>
+                  <a:tcPr marL="73925" marR="73925" marT="36963" marB="36963"/>
+                </a:tc>
+                <a:tc>
+                  <a:txBody>
+                    <a:bodyPr/>
+                    <a:lstStyle/>
+                    <a:p>
+                      <a:r>
+                        <a:rPr lang="en-US" sz="1500" dirty="0"/>
+                        <a:t>11</a:t>
+                      </a:r>
+                    </a:p>
+                  </a:txBody>
+                  <a:tcPr marL="73925" marR="73925" marT="36963" marB="36963"/>
+                </a:tc>
+                <a:extLst>
+                  <a:ext uri="{0D108BD9-81ED-4DB2-BD59-A6C34878D82A}">
+                    <a16:rowId xmlns:a16="http://schemas.microsoft.com/office/drawing/2014/main" val="842711822"/>
+                  </a:ext>
+                </a:extLst>
+              </a:tr>
+              <a:tr h="517477">
+                <a:tc>
+                  <a:txBody>
+                    <a:bodyPr/>
+                    <a:lstStyle/>
+                    <a:p>
+                      <a:pPr algn="ctr"/>
+                      <a:r>
+                        <a:rPr lang="en-US" sz="1500" b="1" dirty="0">
+                          <a:solidFill>
+                            <a:schemeClr val="bg1"/>
+                          </a:solidFill>
+                        </a:rPr>
+                        <a:t>Data Bird</a:t>
+                      </a:r>
+                    </a:p>
+                  </a:txBody>
+                  <a:tcPr marL="73925" marR="73925" marT="36963" marB="36963">
+                    <a:solidFill>
+                      <a:srgbClr val="4472C4"/>
+                    </a:solidFill>
+                  </a:tcPr>
+                </a:tc>
+                <a:tc>
+                  <a:txBody>
+                    <a:bodyPr/>
+                    <a:lstStyle/>
+                    <a:p>
+                      <a:r>
+                        <a:rPr lang="en-US" sz="1500" dirty="0"/>
+                        <a:t>16</a:t>
+                      </a:r>
+                    </a:p>
+                  </a:txBody>
+                  <a:tcPr marL="73925" marR="73925" marT="36963" marB="36963"/>
+                </a:tc>
+                <a:tc>
+                  <a:txBody>
+                    <a:bodyPr/>
+                    <a:lstStyle/>
+                    <a:p>
+                      <a:r>
+                        <a:rPr lang="en-US" sz="1500" dirty="0"/>
+                        <a:t>3</a:t>
+                      </a:r>
+                    </a:p>
+                  </a:txBody>
+                  <a:tcPr marL="73925" marR="73925" marT="36963" marB="36963"/>
+                </a:tc>
+                <a:tc>
+                  <a:txBody>
+                    <a:bodyPr/>
+                    <a:lstStyle/>
+                    <a:p>
+                      <a:r>
+                        <a:rPr lang="en-US" sz="1500" dirty="0"/>
+                        <a:t>25</a:t>
+                      </a:r>
+                    </a:p>
+                  </a:txBody>
+                  <a:tcPr marL="73925" marR="73925" marT="36963" marB="36963"/>
+                </a:tc>
+                <a:extLst>
+                  <a:ext uri="{0D108BD9-81ED-4DB2-BD59-A6C34878D82A}">
+                    <a16:rowId xmlns:a16="http://schemas.microsoft.com/office/drawing/2014/main" val="1343416302"/>
+                  </a:ext>
+                </a:extLst>
+              </a:tr>
+            </a:tbl>
+          </a:graphicData>
+        </a:graphic>
+      </p:graphicFrame>
+    </p:spTree>
+    <p:extLst>
+      <p:ext uri="{BB962C8B-B14F-4D97-AF65-F5344CB8AC3E}">
+        <p14:creationId xmlns:p14="http://schemas.microsoft.com/office/powerpoint/2010/main" val="841985349"/>
+      </p:ext>
+    </p:extLst>
+  </p:cSld>
+  <p:clrMapOvr>
+    <a:masterClrMapping/>
+  </p:clrMapOvr>
+</p:sld>
+</file>
+
+<file path=ppt/slides/slide9.xml><?xml version="1.0" encoding="utf-8"?>
+<p:sld xmlns:a="http://schemas.openxmlformats.org/drawingml/2006/main" xmlns:r="http://schemas.openxmlformats.org/officeDocument/2006/relationships" xmlns:p="http://schemas.openxmlformats.org/presentationml/2006/main">
+  <p:cSld>
+    <p:spTree>
+      <p:nvGrpSpPr>
+        <p:cNvPr id="1" name=""/>
+        <p:cNvGrpSpPr/>
+        <p:nvPr/>
+      </p:nvGrpSpPr>
+      <p:grpSpPr>
+        <a:xfrm>
+          <a:off x="0" y="0"/>
+          <a:ext cx="0" cy="0"/>
+          <a:chOff x="0" y="0"/>
+          <a:chExt cx="0" cy="0"/>
+        </a:xfrm>
+      </p:grpSpPr>
+      <p:sp>
+        <p:nvSpPr>
+          <p:cNvPr id="2" name="Title 1">
+            <a:extLst>
+              <a:ext uri="{FF2B5EF4-FFF2-40B4-BE49-F238E27FC236}">
+                <a16:creationId xmlns:a16="http://schemas.microsoft.com/office/drawing/2014/main" id="{3D125364-4385-6331-2E0E-02C1915293E0}"/>
+              </a:ext>
+            </a:extLst>
+          </p:cNvPr>
+          <p:cNvSpPr>
+            <a:spLocks noGrp="1"/>
+          </p:cNvSpPr>
+          <p:nvPr>
+            <p:ph type="title"/>
+          </p:nvPr>
+        </p:nvSpPr>
+        <p:spPr/>
+        <p:txBody>
+          <a:bodyPr/>
+          <a:lstStyle/>
+          <a:p>
+            <a:r>
+              <a:rPr lang="en-US" dirty="0"/>
+              <a:t>Understanding Success</a:t>
+            </a:r>
+          </a:p>
+        </p:txBody>
+      </p:sp>
+      <mc:AlternateContent xmlns:mc="http://schemas.openxmlformats.org/markup-compatibility/2006" xmlns:a14="http://schemas.microsoft.com/office/drawing/2010/main">
+        <mc:Choice Requires="a14">
           <p:sp>
             <p:nvSpPr>
               <p:cNvPr id="9" name="TextBox 8">
@@ -9444,7 +16009,7 @@
             </p:txBody>
           </p:sp>
         </mc:Choice>
-        <mc:Fallback>
+        <mc:Fallback xmlns="">
           <p:sp>
             <p:nvSpPr>
               <p:cNvPr id="9" name="TextBox 8">
@@ -9928,970 +16493,6 @@
 </p:sld>
 </file>
 
-<file path=ppt/slides/slide8.xml><?xml version="1.0" encoding="utf-8"?>
-<p:sld xmlns:a="http://schemas.openxmlformats.org/drawingml/2006/main" xmlns:r="http://schemas.openxmlformats.org/officeDocument/2006/relationships" xmlns:p="http://schemas.openxmlformats.org/presentationml/2006/main">
-  <p:cSld>
-    <p:spTree>
-      <p:nvGrpSpPr>
-        <p:cNvPr id="1" name=""/>
-        <p:cNvGrpSpPr/>
-        <p:nvPr/>
-      </p:nvGrpSpPr>
-      <p:grpSpPr>
-        <a:xfrm>
-          <a:off x="0" y="0"/>
-          <a:ext cx="0" cy="0"/>
-          <a:chOff x="0" y="0"/>
-          <a:chExt cx="0" cy="0"/>
-        </a:xfrm>
-      </p:grpSpPr>
-      <p:sp>
-        <p:nvSpPr>
-          <p:cNvPr id="2" name="Title 1">
-            <a:extLst>
-              <a:ext uri="{FF2B5EF4-FFF2-40B4-BE49-F238E27FC236}">
-                <a16:creationId xmlns:a16="http://schemas.microsoft.com/office/drawing/2014/main" id="{192D8086-4787-1459-456D-6E66571842E3}"/>
-              </a:ext>
-            </a:extLst>
-          </p:cNvPr>
-          <p:cNvSpPr>
-            <a:spLocks noGrp="1"/>
-          </p:cNvSpPr>
-          <p:nvPr>
-            <p:ph type="title"/>
-          </p:nvPr>
-        </p:nvSpPr>
-        <p:spPr/>
-        <p:txBody>
-          <a:bodyPr/>
-          <a:lstStyle/>
-          <a:p>
-            <a:r>
-              <a:rPr lang="en-US" dirty="0"/>
-              <a:t>Decision Tree</a:t>
-            </a:r>
-          </a:p>
-        </p:txBody>
-      </p:sp>
-      <p:sp>
-        <p:nvSpPr>
-          <p:cNvPr id="5" name="Content Placeholder 4">
-            <a:extLst>
-              <a:ext uri="{FF2B5EF4-FFF2-40B4-BE49-F238E27FC236}">
-                <a16:creationId xmlns:a16="http://schemas.microsoft.com/office/drawing/2014/main" id="{B6551173-A73A-CB52-A954-90FC88F23E27}"/>
-              </a:ext>
-            </a:extLst>
-          </p:cNvPr>
-          <p:cNvSpPr>
-            <a:spLocks noGrp="1"/>
-          </p:cNvSpPr>
-          <p:nvPr>
-            <p:ph idx="1"/>
-          </p:nvPr>
-        </p:nvSpPr>
-        <p:spPr/>
-        <p:txBody>
-          <a:bodyPr/>
-          <a:lstStyle/>
-          <a:p>
-            <a:r>
-              <a:rPr lang="en-AU" dirty="0"/>
-              <a:t>What is Decision Tree:</a:t>
-            </a:r>
-          </a:p>
-          <a:p>
-            <a:pPr lvl="1"/>
-            <a:r>
-              <a:rPr lang="en-AU" dirty="0"/>
-              <a:t>Supervised ML algorithm</a:t>
-            </a:r>
-          </a:p>
-          <a:p>
-            <a:pPr lvl="1"/>
-            <a:r>
-              <a:rPr lang="en-AU" dirty="0"/>
-              <a:t>Tree structure</a:t>
-            </a:r>
-          </a:p>
-          <a:p>
-            <a:pPr lvl="1"/>
-            <a:r>
-              <a:rPr lang="en-AU" dirty="0"/>
-              <a:t> It have root, internal and terminal nodes</a:t>
-            </a:r>
-          </a:p>
-          <a:p>
-            <a:pPr lvl="1"/>
-            <a:r>
-              <a:rPr lang="en-AU" dirty="0"/>
-              <a:t>Construction:</a:t>
-            </a:r>
-          </a:p>
-          <a:p>
-            <a:pPr lvl="2"/>
-            <a:r>
-              <a:rPr lang="en-AU" dirty="0"/>
-              <a:t>Recursively splitting train data set into subsets</a:t>
-            </a:r>
-          </a:p>
-          <a:p>
-            <a:pPr marL="914400" lvl="2" indent="0">
-              <a:buNone/>
-            </a:pPr>
-            <a:r>
-              <a:rPr lang="en-AU" dirty="0"/>
-              <a:t>     based on the values of the attributes until</a:t>
-            </a:r>
-          </a:p>
-          <a:p>
-            <a:pPr marL="914400" lvl="2" indent="0">
-              <a:buNone/>
-            </a:pPr>
-            <a:r>
-              <a:rPr lang="en-AU" dirty="0"/>
-              <a:t>     a stopping criterion is met</a:t>
-            </a:r>
-          </a:p>
-          <a:p>
-            <a:pPr lvl="2"/>
-            <a:r>
-              <a:rPr lang="en-AU" dirty="0"/>
-              <a:t>Stopping criterion:</a:t>
-            </a:r>
-          </a:p>
-          <a:p>
-            <a:pPr lvl="3"/>
-            <a:r>
-              <a:rPr lang="en-AU" dirty="0"/>
-              <a:t>Maximum depth of the tree</a:t>
-            </a:r>
-          </a:p>
-          <a:p>
-            <a:pPr lvl="3"/>
-            <a:r>
-              <a:rPr lang="en-AU" dirty="0"/>
-              <a:t>Minimum number of samples required to split a node</a:t>
-            </a:r>
-          </a:p>
-        </p:txBody>
-      </p:sp>
-      <p:grpSp>
-        <p:nvGrpSpPr>
-          <p:cNvPr id="3" name="Group 2">
-            <a:extLst>
-              <a:ext uri="{FF2B5EF4-FFF2-40B4-BE49-F238E27FC236}">
-                <a16:creationId xmlns:a16="http://schemas.microsoft.com/office/drawing/2014/main" id="{E876497F-78F8-8A32-326F-578487D54BE3}"/>
-              </a:ext>
-            </a:extLst>
-          </p:cNvPr>
-          <p:cNvGrpSpPr/>
-          <p:nvPr/>
-        </p:nvGrpSpPr>
-        <p:grpSpPr>
-          <a:xfrm>
-            <a:off x="7211332" y="322340"/>
-            <a:ext cx="3894818" cy="6213320"/>
-            <a:chOff x="6287550" y="242604"/>
-            <a:chExt cx="4008832" cy="6395204"/>
-          </a:xfrm>
-        </p:grpSpPr>
-        <p:sp>
-          <p:nvSpPr>
-            <p:cNvPr id="4" name="Oval 3">
-              <a:extLst>
-                <a:ext uri="{FF2B5EF4-FFF2-40B4-BE49-F238E27FC236}">
-                  <a16:creationId xmlns:a16="http://schemas.microsoft.com/office/drawing/2014/main" id="{413B9216-00C1-4BF5-06A6-32EA17997C54}"/>
-                </a:ext>
-              </a:extLst>
-            </p:cNvPr>
-            <p:cNvSpPr/>
-            <p:nvPr/>
-          </p:nvSpPr>
-          <p:spPr>
-            <a:xfrm>
-              <a:off x="7214533" y="618381"/>
-              <a:ext cx="1350627" cy="1249960"/>
-            </a:xfrm>
-            <a:prstGeom prst="ellipse">
-              <a:avLst/>
-            </a:prstGeom>
-          </p:spPr>
-          <p:style>
-            <a:lnRef idx="2">
-              <a:schemeClr val="accent1">
-                <a:shade val="15000"/>
-              </a:schemeClr>
-            </a:lnRef>
-            <a:fillRef idx="1">
-              <a:schemeClr val="accent1"/>
-            </a:fillRef>
-            <a:effectRef idx="0">
-              <a:schemeClr val="accent1"/>
-            </a:effectRef>
-            <a:fontRef idx="minor">
-              <a:schemeClr val="lt1"/>
-            </a:fontRef>
-          </p:style>
-          <p:txBody>
-            <a:bodyPr rtlCol="0" anchor="ctr"/>
-            <a:lstStyle/>
-            <a:p>
-              <a:pPr algn="ctr"/>
-              <a:r>
-                <a:rPr lang="en-US" dirty="0"/>
-                <a:t>Sunny?</a:t>
-              </a:r>
-            </a:p>
-          </p:txBody>
-        </p:sp>
-        <p:cxnSp>
-          <p:nvCxnSpPr>
-            <p:cNvPr id="6" name="Straight Arrow Connector 5">
-              <a:extLst>
-                <a:ext uri="{FF2B5EF4-FFF2-40B4-BE49-F238E27FC236}">
-                  <a16:creationId xmlns:a16="http://schemas.microsoft.com/office/drawing/2014/main" id="{C8B74276-07CE-D41C-0237-792824E8219B}"/>
-                </a:ext>
-              </a:extLst>
-            </p:cNvPr>
-            <p:cNvCxnSpPr>
-              <a:cxnSpLocks/>
-              <a:stCxn id="4" idx="4"/>
-            </p:cNvCxnSpPr>
-            <p:nvPr/>
-          </p:nvCxnSpPr>
-          <p:spPr>
-            <a:xfrm flipH="1">
-              <a:off x="6962863" y="1868341"/>
-              <a:ext cx="926984" cy="922789"/>
-            </a:xfrm>
-            <a:prstGeom prst="straightConnector1">
-              <a:avLst/>
-            </a:prstGeom>
-            <a:ln>
-              <a:tailEnd type="triangle"/>
-            </a:ln>
-          </p:spPr>
-          <p:style>
-            <a:lnRef idx="1">
-              <a:schemeClr val="accent1"/>
-            </a:lnRef>
-            <a:fillRef idx="0">
-              <a:schemeClr val="accent1"/>
-            </a:fillRef>
-            <a:effectRef idx="0">
-              <a:schemeClr val="accent1"/>
-            </a:effectRef>
-            <a:fontRef idx="minor">
-              <a:schemeClr val="tx1"/>
-            </a:fontRef>
-          </p:style>
-        </p:cxnSp>
-        <p:cxnSp>
-          <p:nvCxnSpPr>
-            <p:cNvPr id="7" name="Straight Arrow Connector 6">
-              <a:extLst>
-                <a:ext uri="{FF2B5EF4-FFF2-40B4-BE49-F238E27FC236}">
-                  <a16:creationId xmlns:a16="http://schemas.microsoft.com/office/drawing/2014/main" id="{89927F93-B2EF-F5EF-9DB8-FE58AF54EB4F}"/>
-                </a:ext>
-              </a:extLst>
-            </p:cNvPr>
-            <p:cNvCxnSpPr>
-              <a:cxnSpLocks/>
-              <a:stCxn id="4" idx="4"/>
-            </p:cNvCxnSpPr>
-            <p:nvPr/>
-          </p:nvCxnSpPr>
-          <p:spPr>
-            <a:xfrm>
-              <a:off x="7889847" y="1868341"/>
-              <a:ext cx="843093" cy="922789"/>
-            </a:xfrm>
-            <a:prstGeom prst="straightConnector1">
-              <a:avLst/>
-            </a:prstGeom>
-            <a:ln>
-              <a:tailEnd type="triangle"/>
-            </a:ln>
-          </p:spPr>
-          <p:style>
-            <a:lnRef idx="1">
-              <a:schemeClr val="accent1"/>
-            </a:lnRef>
-            <a:fillRef idx="0">
-              <a:schemeClr val="accent1"/>
-            </a:fillRef>
-            <a:effectRef idx="0">
-              <a:schemeClr val="accent1"/>
-            </a:effectRef>
-            <a:fontRef idx="minor">
-              <a:schemeClr val="tx1"/>
-            </a:fontRef>
-          </p:style>
-        </p:cxnSp>
-        <p:sp>
-          <p:nvSpPr>
-            <p:cNvPr id="10" name="TextBox 9">
-              <a:extLst>
-                <a:ext uri="{FF2B5EF4-FFF2-40B4-BE49-F238E27FC236}">
-                  <a16:creationId xmlns:a16="http://schemas.microsoft.com/office/drawing/2014/main" id="{C97386FD-A153-80F4-14CD-BD045CDF76A7}"/>
-                </a:ext>
-              </a:extLst>
-            </p:cNvPr>
-            <p:cNvSpPr txBox="1"/>
-            <p:nvPr/>
-          </p:nvSpPr>
-          <p:spPr>
-            <a:xfrm>
-              <a:off x="6940837" y="2086347"/>
-              <a:ext cx="485519" cy="369332"/>
-            </a:xfrm>
-            <a:prstGeom prst="rect">
-              <a:avLst/>
-            </a:prstGeom>
-            <a:noFill/>
-          </p:spPr>
-          <p:txBody>
-            <a:bodyPr wrap="none" rtlCol="0">
-              <a:spAutoFit/>
-            </a:bodyPr>
-            <a:lstStyle/>
-            <a:p>
-              <a:r>
-                <a:rPr lang="en-US" dirty="0"/>
-                <a:t>Yes</a:t>
-              </a:r>
-            </a:p>
-          </p:txBody>
-        </p:sp>
-        <p:sp>
-          <p:nvSpPr>
-            <p:cNvPr id="11" name="TextBox 10">
-              <a:extLst>
-                <a:ext uri="{FF2B5EF4-FFF2-40B4-BE49-F238E27FC236}">
-                  <a16:creationId xmlns:a16="http://schemas.microsoft.com/office/drawing/2014/main" id="{FD361A44-8B92-41BF-3738-0D173084D20D}"/>
-                </a:ext>
-              </a:extLst>
-            </p:cNvPr>
-            <p:cNvSpPr txBox="1"/>
-            <p:nvPr/>
-          </p:nvSpPr>
-          <p:spPr>
-            <a:xfrm>
-              <a:off x="8490181" y="2086347"/>
-              <a:ext cx="455574" cy="369332"/>
-            </a:xfrm>
-            <a:prstGeom prst="rect">
-              <a:avLst/>
-            </a:prstGeom>
-            <a:noFill/>
-          </p:spPr>
-          <p:txBody>
-            <a:bodyPr wrap="none" rtlCol="0">
-              <a:spAutoFit/>
-            </a:bodyPr>
-            <a:lstStyle/>
-            <a:p>
-              <a:r>
-                <a:rPr lang="en-US" dirty="0"/>
-                <a:t>No</a:t>
-              </a:r>
-            </a:p>
-          </p:txBody>
-        </p:sp>
-        <p:sp>
-          <p:nvSpPr>
-            <p:cNvPr id="12" name="Oval 11">
-              <a:extLst>
-                <a:ext uri="{FF2B5EF4-FFF2-40B4-BE49-F238E27FC236}">
-                  <a16:creationId xmlns:a16="http://schemas.microsoft.com/office/drawing/2014/main" id="{8E1917C3-FB6B-E7E7-4CBC-1BE7F5575A1E}"/>
-                </a:ext>
-              </a:extLst>
-            </p:cNvPr>
-            <p:cNvSpPr/>
-            <p:nvPr/>
-          </p:nvSpPr>
-          <p:spPr>
-            <a:xfrm>
-              <a:off x="8057626" y="2804020"/>
-              <a:ext cx="1350627" cy="1249960"/>
-            </a:xfrm>
-            <a:prstGeom prst="ellipse">
-              <a:avLst/>
-            </a:prstGeom>
-          </p:spPr>
-          <p:style>
-            <a:lnRef idx="2">
-              <a:schemeClr val="accent1">
-                <a:shade val="15000"/>
-              </a:schemeClr>
-            </a:lnRef>
-            <a:fillRef idx="1">
-              <a:schemeClr val="accent1"/>
-            </a:fillRef>
-            <a:effectRef idx="0">
-              <a:schemeClr val="accent1"/>
-            </a:effectRef>
-            <a:fontRef idx="minor">
-              <a:schemeClr val="lt1"/>
-            </a:fontRef>
-          </p:style>
-          <p:txBody>
-            <a:bodyPr rtlCol="0" anchor="ctr"/>
-            <a:lstStyle/>
-            <a:p>
-              <a:pPr algn="ctr"/>
-              <a:r>
-                <a:rPr lang="en-US" dirty="0"/>
-                <a:t>Rainy?</a:t>
-              </a:r>
-            </a:p>
-          </p:txBody>
-        </p:sp>
-        <p:cxnSp>
-          <p:nvCxnSpPr>
-            <p:cNvPr id="13" name="Straight Arrow Connector 12">
-              <a:extLst>
-                <a:ext uri="{FF2B5EF4-FFF2-40B4-BE49-F238E27FC236}">
-                  <a16:creationId xmlns:a16="http://schemas.microsoft.com/office/drawing/2014/main" id="{F64FA0D8-4568-D129-94A2-14C34ADDDE6B}"/>
-                </a:ext>
-              </a:extLst>
-            </p:cNvPr>
-            <p:cNvCxnSpPr/>
-            <p:nvPr/>
-          </p:nvCxnSpPr>
-          <p:spPr>
-            <a:xfrm flipH="1">
-              <a:off x="7807060" y="4053980"/>
-              <a:ext cx="926984" cy="922789"/>
-            </a:xfrm>
-            <a:prstGeom prst="straightConnector1">
-              <a:avLst/>
-            </a:prstGeom>
-            <a:ln>
-              <a:tailEnd type="triangle"/>
-            </a:ln>
-          </p:spPr>
-          <p:style>
-            <a:lnRef idx="1">
-              <a:schemeClr val="accent1"/>
-            </a:lnRef>
-            <a:fillRef idx="0">
-              <a:schemeClr val="accent1"/>
-            </a:fillRef>
-            <a:effectRef idx="0">
-              <a:schemeClr val="accent1"/>
-            </a:effectRef>
-            <a:fontRef idx="minor">
-              <a:schemeClr val="tx1"/>
-            </a:fontRef>
-          </p:style>
-        </p:cxnSp>
-        <p:sp>
-          <p:nvSpPr>
-            <p:cNvPr id="14" name="TextBox 13">
-              <a:extLst>
-                <a:ext uri="{FF2B5EF4-FFF2-40B4-BE49-F238E27FC236}">
-                  <a16:creationId xmlns:a16="http://schemas.microsoft.com/office/drawing/2014/main" id="{DDD51714-3221-D97C-A02A-A23496FD7D07}"/>
-                </a:ext>
-              </a:extLst>
-            </p:cNvPr>
-            <p:cNvSpPr txBox="1"/>
-            <p:nvPr/>
-          </p:nvSpPr>
-          <p:spPr>
-            <a:xfrm>
-              <a:off x="7889846" y="4082836"/>
-              <a:ext cx="485519" cy="369332"/>
-            </a:xfrm>
-            <a:prstGeom prst="rect">
-              <a:avLst/>
-            </a:prstGeom>
-            <a:noFill/>
-          </p:spPr>
-          <p:txBody>
-            <a:bodyPr wrap="none" rtlCol="0">
-              <a:spAutoFit/>
-            </a:bodyPr>
-            <a:lstStyle/>
-            <a:p>
-              <a:r>
-                <a:rPr lang="en-US" dirty="0"/>
-                <a:t>Yes</a:t>
-              </a:r>
-            </a:p>
-          </p:txBody>
-        </p:sp>
-        <p:cxnSp>
-          <p:nvCxnSpPr>
-            <p:cNvPr id="15" name="Straight Arrow Connector 14">
-              <a:extLst>
-                <a:ext uri="{FF2B5EF4-FFF2-40B4-BE49-F238E27FC236}">
-                  <a16:creationId xmlns:a16="http://schemas.microsoft.com/office/drawing/2014/main" id="{D3EA4DD5-7BE8-BDDE-40DC-7B5729CF0B95}"/>
-                </a:ext>
-              </a:extLst>
-            </p:cNvPr>
-            <p:cNvCxnSpPr>
-              <a:cxnSpLocks/>
-            </p:cNvCxnSpPr>
-            <p:nvPr/>
-          </p:nvCxnSpPr>
-          <p:spPr>
-            <a:xfrm>
-              <a:off x="8716684" y="3990774"/>
-              <a:ext cx="843093" cy="922789"/>
-            </a:xfrm>
-            <a:prstGeom prst="straightConnector1">
-              <a:avLst/>
-            </a:prstGeom>
-            <a:ln>
-              <a:tailEnd type="triangle"/>
-            </a:ln>
-          </p:spPr>
-          <p:style>
-            <a:lnRef idx="1">
-              <a:schemeClr val="accent1"/>
-            </a:lnRef>
-            <a:fillRef idx="0">
-              <a:schemeClr val="accent1"/>
-            </a:fillRef>
-            <a:effectRef idx="0">
-              <a:schemeClr val="accent1"/>
-            </a:effectRef>
-            <a:fontRef idx="minor">
-              <a:schemeClr val="tx1"/>
-            </a:fontRef>
-          </p:style>
-        </p:cxnSp>
-        <p:sp>
-          <p:nvSpPr>
-            <p:cNvPr id="16" name="TextBox 15">
-              <a:extLst>
-                <a:ext uri="{FF2B5EF4-FFF2-40B4-BE49-F238E27FC236}">
-                  <a16:creationId xmlns:a16="http://schemas.microsoft.com/office/drawing/2014/main" id="{8429B965-74F4-134C-9E0E-A1E3ABB11A45}"/>
-                </a:ext>
-              </a:extLst>
-            </p:cNvPr>
-            <p:cNvSpPr txBox="1"/>
-            <p:nvPr/>
-          </p:nvSpPr>
-          <p:spPr>
-            <a:xfrm>
-              <a:off x="9317016" y="4208780"/>
-              <a:ext cx="455574" cy="369332"/>
-            </a:xfrm>
-            <a:prstGeom prst="rect">
-              <a:avLst/>
-            </a:prstGeom>
-            <a:noFill/>
-          </p:spPr>
-          <p:txBody>
-            <a:bodyPr wrap="none" rtlCol="0">
-              <a:spAutoFit/>
-            </a:bodyPr>
-            <a:lstStyle/>
-            <a:p>
-              <a:r>
-                <a:rPr lang="en-US" dirty="0"/>
-                <a:t>No</a:t>
-              </a:r>
-            </a:p>
-          </p:txBody>
-        </p:sp>
-        <p:sp>
-          <p:nvSpPr>
-            <p:cNvPr id="18" name="Oval 17">
-              <a:extLst>
-                <a:ext uri="{FF2B5EF4-FFF2-40B4-BE49-F238E27FC236}">
-                  <a16:creationId xmlns:a16="http://schemas.microsoft.com/office/drawing/2014/main" id="{2E12593E-62BB-AEAB-7E16-B8A92DE6B379}"/>
-                </a:ext>
-              </a:extLst>
-            </p:cNvPr>
-            <p:cNvSpPr/>
-            <p:nvPr/>
-          </p:nvSpPr>
-          <p:spPr>
-            <a:xfrm>
-              <a:off x="6287550" y="2791130"/>
-              <a:ext cx="1350627" cy="1249960"/>
-            </a:xfrm>
-            <a:prstGeom prst="ellipse">
-              <a:avLst/>
-            </a:prstGeom>
-            <a:solidFill>
-              <a:schemeClr val="accent2"/>
-            </a:solidFill>
-          </p:spPr>
-          <p:style>
-            <a:lnRef idx="2">
-              <a:schemeClr val="accent1">
-                <a:shade val="15000"/>
-              </a:schemeClr>
-            </a:lnRef>
-            <a:fillRef idx="1">
-              <a:schemeClr val="accent1"/>
-            </a:fillRef>
-            <a:effectRef idx="0">
-              <a:schemeClr val="accent1"/>
-            </a:effectRef>
-            <a:fontRef idx="minor">
-              <a:schemeClr val="lt1"/>
-            </a:fontRef>
-          </p:style>
-          <p:txBody>
-            <a:bodyPr rtlCol="0" anchor="ctr"/>
-            <a:lstStyle/>
-            <a:p>
-              <a:pPr algn="ctr"/>
-              <a:r>
-                <a:rPr lang="en-US" dirty="0"/>
-                <a:t>Ice Cream</a:t>
-              </a:r>
-            </a:p>
-          </p:txBody>
-        </p:sp>
-        <p:sp>
-          <p:nvSpPr>
-            <p:cNvPr id="19" name="Oval 18">
-              <a:extLst>
-                <a:ext uri="{FF2B5EF4-FFF2-40B4-BE49-F238E27FC236}">
-                  <a16:creationId xmlns:a16="http://schemas.microsoft.com/office/drawing/2014/main" id="{3C277521-CF21-9DBB-33F8-1D3AC12CDEDB}"/>
-                </a:ext>
-              </a:extLst>
-            </p:cNvPr>
-            <p:cNvSpPr/>
-            <p:nvPr/>
-          </p:nvSpPr>
-          <p:spPr>
-            <a:xfrm>
-              <a:off x="7183596" y="4976769"/>
-              <a:ext cx="1350627" cy="1249960"/>
-            </a:xfrm>
-            <a:prstGeom prst="ellipse">
-              <a:avLst/>
-            </a:prstGeom>
-            <a:solidFill>
-              <a:schemeClr val="accent2"/>
-            </a:solidFill>
-          </p:spPr>
-          <p:style>
-            <a:lnRef idx="2">
-              <a:schemeClr val="accent1">
-                <a:shade val="15000"/>
-              </a:schemeClr>
-            </a:lnRef>
-            <a:fillRef idx="1">
-              <a:schemeClr val="accent1"/>
-            </a:fillRef>
-            <a:effectRef idx="0">
-              <a:schemeClr val="accent1"/>
-            </a:effectRef>
-            <a:fontRef idx="minor">
-              <a:schemeClr val="lt1"/>
-            </a:fontRef>
-          </p:style>
-          <p:txBody>
-            <a:bodyPr rtlCol="0" anchor="ctr"/>
-            <a:lstStyle/>
-            <a:p>
-              <a:pPr algn="ctr"/>
-              <a:r>
-                <a:rPr lang="en-US" dirty="0" err="1"/>
-                <a:t>Bajji</a:t>
-              </a:r>
-              <a:endParaRPr lang="en-US" dirty="0"/>
-            </a:p>
-          </p:txBody>
-        </p:sp>
-        <p:sp>
-          <p:nvSpPr>
-            <p:cNvPr id="20" name="Oval 19">
-              <a:extLst>
-                <a:ext uri="{FF2B5EF4-FFF2-40B4-BE49-F238E27FC236}">
-                  <a16:creationId xmlns:a16="http://schemas.microsoft.com/office/drawing/2014/main" id="{A7C428C6-AB59-E290-E95A-310C63863744}"/>
-                </a:ext>
-              </a:extLst>
-            </p:cNvPr>
-            <p:cNvSpPr/>
-            <p:nvPr/>
-          </p:nvSpPr>
-          <p:spPr>
-            <a:xfrm>
-              <a:off x="8945755" y="4913563"/>
-              <a:ext cx="1350627" cy="1249960"/>
-            </a:xfrm>
-            <a:prstGeom prst="ellipse">
-              <a:avLst/>
-            </a:prstGeom>
-            <a:solidFill>
-              <a:schemeClr val="accent2"/>
-            </a:solidFill>
-          </p:spPr>
-          <p:style>
-            <a:lnRef idx="2">
-              <a:schemeClr val="accent1">
-                <a:shade val="15000"/>
-              </a:schemeClr>
-            </a:lnRef>
-            <a:fillRef idx="1">
-              <a:schemeClr val="accent1"/>
-            </a:fillRef>
-            <a:effectRef idx="0">
-              <a:schemeClr val="accent1"/>
-            </a:effectRef>
-            <a:fontRef idx="minor">
-              <a:schemeClr val="lt1"/>
-            </a:fontRef>
-          </p:style>
-          <p:txBody>
-            <a:bodyPr rtlCol="0" anchor="ctr"/>
-            <a:lstStyle/>
-            <a:p>
-              <a:pPr algn="ctr"/>
-              <a:r>
-                <a:rPr lang="en-US" dirty="0"/>
-                <a:t>Tea</a:t>
-              </a:r>
-            </a:p>
-          </p:txBody>
-        </p:sp>
-        <p:sp>
-          <p:nvSpPr>
-            <p:cNvPr id="21" name="TextBox 20">
-              <a:extLst>
-                <a:ext uri="{FF2B5EF4-FFF2-40B4-BE49-F238E27FC236}">
-                  <a16:creationId xmlns:a16="http://schemas.microsoft.com/office/drawing/2014/main" id="{94D825B0-F275-0F56-726F-F4A042F342B1}"/>
-                </a:ext>
-              </a:extLst>
-            </p:cNvPr>
-            <p:cNvSpPr txBox="1"/>
-            <p:nvPr/>
-          </p:nvSpPr>
-          <p:spPr>
-            <a:xfrm>
-              <a:off x="7296542" y="242604"/>
-              <a:ext cx="1186607" cy="369332"/>
-            </a:xfrm>
-            <a:prstGeom prst="rect">
-              <a:avLst/>
-            </a:prstGeom>
-            <a:noFill/>
-          </p:spPr>
-          <p:txBody>
-            <a:bodyPr wrap="none" rtlCol="0">
-              <a:spAutoFit/>
-            </a:bodyPr>
-            <a:lstStyle/>
-            <a:p>
-              <a:r>
-                <a:rPr lang="en-US" dirty="0"/>
-                <a:t>Root Node</a:t>
-              </a:r>
-            </a:p>
-          </p:txBody>
-        </p:sp>
-        <p:sp>
-          <p:nvSpPr>
-            <p:cNvPr id="22" name="TextBox 21">
-              <a:extLst>
-                <a:ext uri="{FF2B5EF4-FFF2-40B4-BE49-F238E27FC236}">
-                  <a16:creationId xmlns:a16="http://schemas.microsoft.com/office/drawing/2014/main" id="{EAF840FB-AFE1-EC4E-166F-A3481068D24B}"/>
-                </a:ext>
-              </a:extLst>
-            </p:cNvPr>
-            <p:cNvSpPr txBox="1"/>
-            <p:nvPr/>
-          </p:nvSpPr>
-          <p:spPr>
-            <a:xfrm>
-              <a:off x="6328967" y="3961377"/>
-              <a:ext cx="1138711" cy="369332"/>
-            </a:xfrm>
-            <a:prstGeom prst="rect">
-              <a:avLst/>
-            </a:prstGeom>
-            <a:noFill/>
-          </p:spPr>
-          <p:txBody>
-            <a:bodyPr wrap="none" rtlCol="0">
-              <a:spAutoFit/>
-            </a:bodyPr>
-            <a:lstStyle/>
-            <a:p>
-              <a:r>
-                <a:rPr lang="en-US" dirty="0"/>
-                <a:t>Leaf Node</a:t>
-              </a:r>
-            </a:p>
-          </p:txBody>
-        </p:sp>
-        <p:sp>
-          <p:nvSpPr>
-            <p:cNvPr id="23" name="TextBox 22">
-              <a:extLst>
-                <a:ext uri="{FF2B5EF4-FFF2-40B4-BE49-F238E27FC236}">
-                  <a16:creationId xmlns:a16="http://schemas.microsoft.com/office/drawing/2014/main" id="{A38BCD8E-CF41-BC15-073A-F5B16DCA6394}"/>
-                </a:ext>
-              </a:extLst>
-            </p:cNvPr>
-            <p:cNvSpPr txBox="1"/>
-            <p:nvPr/>
-          </p:nvSpPr>
-          <p:spPr>
-            <a:xfrm>
-              <a:off x="7068822" y="6268476"/>
-              <a:ext cx="1138711" cy="369332"/>
-            </a:xfrm>
-            <a:prstGeom prst="rect">
-              <a:avLst/>
-            </a:prstGeom>
-            <a:noFill/>
-          </p:spPr>
-          <p:txBody>
-            <a:bodyPr wrap="none" rtlCol="0">
-              <a:spAutoFit/>
-            </a:bodyPr>
-            <a:lstStyle/>
-            <a:p>
-              <a:r>
-                <a:rPr lang="en-US" dirty="0"/>
-                <a:t>Leaf Node</a:t>
-              </a:r>
-            </a:p>
-          </p:txBody>
-        </p:sp>
-        <p:sp>
-          <p:nvSpPr>
-            <p:cNvPr id="24" name="TextBox 23">
-              <a:extLst>
-                <a:ext uri="{FF2B5EF4-FFF2-40B4-BE49-F238E27FC236}">
-                  <a16:creationId xmlns:a16="http://schemas.microsoft.com/office/drawing/2014/main" id="{E52AA769-8BC8-E39E-081D-B7D2A2EA2827}"/>
-                </a:ext>
-              </a:extLst>
-            </p:cNvPr>
-            <p:cNvSpPr txBox="1"/>
-            <p:nvPr/>
-          </p:nvSpPr>
-          <p:spPr>
-            <a:xfrm>
-              <a:off x="9157670" y="6228755"/>
-              <a:ext cx="1138710" cy="369332"/>
-            </a:xfrm>
-            <a:prstGeom prst="rect">
-              <a:avLst/>
-            </a:prstGeom>
-            <a:noFill/>
-          </p:spPr>
-          <p:txBody>
-            <a:bodyPr wrap="none" rtlCol="0">
-              <a:spAutoFit/>
-            </a:bodyPr>
-            <a:lstStyle/>
-            <a:p>
-              <a:r>
-                <a:rPr lang="en-US" dirty="0"/>
-                <a:t>Leaf Node</a:t>
-              </a:r>
-            </a:p>
-          </p:txBody>
-        </p:sp>
-      </p:grpSp>
-    </p:spTree>
-    <p:extLst>
-      <p:ext uri="{BB962C8B-B14F-4D97-AF65-F5344CB8AC3E}">
-        <p14:creationId xmlns:p14="http://schemas.microsoft.com/office/powerpoint/2010/main" val="1221890830"/>
-      </p:ext>
-    </p:extLst>
-  </p:cSld>
-  <p:clrMapOvr>
-    <a:masterClrMapping/>
-  </p:clrMapOvr>
-</p:sld>
-</file>
-
-<file path=ppt/slides/slide9.xml><?xml version="1.0" encoding="utf-8"?>
-<p:sld xmlns:a="http://schemas.openxmlformats.org/drawingml/2006/main" xmlns:r="http://schemas.openxmlformats.org/officeDocument/2006/relationships" xmlns:p="http://schemas.openxmlformats.org/presentationml/2006/main">
-  <p:cSld>
-    <p:spTree>
-      <p:nvGrpSpPr>
-        <p:cNvPr id="1" name=""/>
-        <p:cNvGrpSpPr/>
-        <p:nvPr/>
-      </p:nvGrpSpPr>
-      <p:grpSpPr>
-        <a:xfrm>
-          <a:off x="0" y="0"/>
-          <a:ext cx="0" cy="0"/>
-          <a:chOff x="0" y="0"/>
-          <a:chExt cx="0" cy="0"/>
-        </a:xfrm>
-      </p:grpSpPr>
-      <p:sp>
-        <p:nvSpPr>
-          <p:cNvPr id="2" name="Title 1">
-            <a:extLst>
-              <a:ext uri="{FF2B5EF4-FFF2-40B4-BE49-F238E27FC236}">
-                <a16:creationId xmlns:a16="http://schemas.microsoft.com/office/drawing/2014/main" id="{8E5880B9-3062-A96C-307C-4559348E1CAC}"/>
-              </a:ext>
-            </a:extLst>
-          </p:cNvPr>
-          <p:cNvSpPr>
-            <a:spLocks noGrp="1"/>
-          </p:cNvSpPr>
-          <p:nvPr>
-            <p:ph type="title"/>
-          </p:nvPr>
-        </p:nvSpPr>
-        <p:spPr/>
-        <p:txBody>
-          <a:bodyPr/>
-          <a:lstStyle/>
-          <a:p>
-            <a:r>
-              <a:rPr lang="en-US"/>
-              <a:t>Misclassification Metric</a:t>
-            </a:r>
-            <a:endParaRPr lang="en-US" dirty="0"/>
-          </a:p>
-        </p:txBody>
-      </p:sp>
-      <p:sp>
-        <p:nvSpPr>
-          <p:cNvPr id="3" name="Content Placeholder 2">
-            <a:extLst>
-              <a:ext uri="{FF2B5EF4-FFF2-40B4-BE49-F238E27FC236}">
-                <a16:creationId xmlns:a16="http://schemas.microsoft.com/office/drawing/2014/main" id="{D240EB75-D57C-BDBA-67D8-83BC08B6FD9A}"/>
-              </a:ext>
-            </a:extLst>
-          </p:cNvPr>
-          <p:cNvSpPr>
-            <a:spLocks noGrp="1"/>
-          </p:cNvSpPr>
-          <p:nvPr>
-            <p:ph idx="1"/>
-          </p:nvPr>
-        </p:nvSpPr>
-        <p:spPr/>
-        <p:txBody>
-          <a:bodyPr/>
-          <a:lstStyle/>
-          <a:p>
-            <a:endParaRPr lang="en-US"/>
-          </a:p>
-        </p:txBody>
-      </p:sp>
-    </p:spTree>
-    <p:extLst>
-      <p:ext uri="{BB962C8B-B14F-4D97-AF65-F5344CB8AC3E}">
-        <p14:creationId xmlns:p14="http://schemas.microsoft.com/office/powerpoint/2010/main" val="1274289020"/>
-      </p:ext>
-    </p:extLst>
-  </p:cSld>
-  <p:clrMapOvr>
-    <a:masterClrMapping/>
-  </p:clrMapOvr>
-</p:sld>
-</file>
-
 <file path=ppt/theme/theme1.xml><?xml version="1.0" encoding="utf-8"?>
 <a:theme xmlns:a="http://schemas.openxmlformats.org/drawingml/2006/main" name="Office Theme">
   <a:themeElements>

--- a/DecisionTrees/DecisionTrees.pptx
+++ b/DecisionTrees/DecisionTrees.pptx
@@ -272,7 +272,7 @@
           <a:p>
             <a:fld id="{7E292AB8-5F8F-4402-9592-F9413DCC0C16}" type="datetimeFigureOut">
               <a:rPr lang="en-US" smtClean="0"/>
-              <a:t>7/4/2023</a:t>
+              <a:t>7/5/2023</a:t>
             </a:fld>
             <a:endParaRPr lang="en-US"/>
           </a:p>
@@ -470,7 +470,7 @@
           <a:p>
             <a:fld id="{7E292AB8-5F8F-4402-9592-F9413DCC0C16}" type="datetimeFigureOut">
               <a:rPr lang="en-US" smtClean="0"/>
-              <a:t>7/4/2023</a:t>
+              <a:t>7/5/2023</a:t>
             </a:fld>
             <a:endParaRPr lang="en-US"/>
           </a:p>
@@ -678,7 +678,7 @@
           <a:p>
             <a:fld id="{7E292AB8-5F8F-4402-9592-F9413DCC0C16}" type="datetimeFigureOut">
               <a:rPr lang="en-US" smtClean="0"/>
-              <a:t>7/4/2023</a:t>
+              <a:t>7/5/2023</a:t>
             </a:fld>
             <a:endParaRPr lang="en-US"/>
           </a:p>
@@ -876,7 +876,7 @@
           <a:p>
             <a:fld id="{7E292AB8-5F8F-4402-9592-F9413DCC0C16}" type="datetimeFigureOut">
               <a:rPr lang="en-US" smtClean="0"/>
-              <a:t>7/4/2023</a:t>
+              <a:t>7/5/2023</a:t>
             </a:fld>
             <a:endParaRPr lang="en-US"/>
           </a:p>
@@ -1151,7 +1151,7 @@
           <a:p>
             <a:fld id="{7E292AB8-5F8F-4402-9592-F9413DCC0C16}" type="datetimeFigureOut">
               <a:rPr lang="en-US" smtClean="0"/>
-              <a:t>7/4/2023</a:t>
+              <a:t>7/5/2023</a:t>
             </a:fld>
             <a:endParaRPr lang="en-US"/>
           </a:p>
@@ -1416,7 +1416,7 @@
           <a:p>
             <a:fld id="{7E292AB8-5F8F-4402-9592-F9413DCC0C16}" type="datetimeFigureOut">
               <a:rPr lang="en-US" smtClean="0"/>
-              <a:t>7/4/2023</a:t>
+              <a:t>7/5/2023</a:t>
             </a:fld>
             <a:endParaRPr lang="en-US"/>
           </a:p>
@@ -1828,7 +1828,7 @@
           <a:p>
             <a:fld id="{7E292AB8-5F8F-4402-9592-F9413DCC0C16}" type="datetimeFigureOut">
               <a:rPr lang="en-US" smtClean="0"/>
-              <a:t>7/4/2023</a:t>
+              <a:t>7/5/2023</a:t>
             </a:fld>
             <a:endParaRPr lang="en-US"/>
           </a:p>
@@ -1969,7 +1969,7 @@
           <a:p>
             <a:fld id="{7E292AB8-5F8F-4402-9592-F9413DCC0C16}" type="datetimeFigureOut">
               <a:rPr lang="en-US" smtClean="0"/>
-              <a:t>7/4/2023</a:t>
+              <a:t>7/5/2023</a:t>
             </a:fld>
             <a:endParaRPr lang="en-US"/>
           </a:p>
@@ -2082,7 +2082,7 @@
           <a:p>
             <a:fld id="{7E292AB8-5F8F-4402-9592-F9413DCC0C16}" type="datetimeFigureOut">
               <a:rPr lang="en-US" smtClean="0"/>
-              <a:t>7/4/2023</a:t>
+              <a:t>7/5/2023</a:t>
             </a:fld>
             <a:endParaRPr lang="en-US"/>
           </a:p>
@@ -2393,7 +2393,7 @@
           <a:p>
             <a:fld id="{7E292AB8-5F8F-4402-9592-F9413DCC0C16}" type="datetimeFigureOut">
               <a:rPr lang="en-US" smtClean="0"/>
-              <a:t>7/4/2023</a:t>
+              <a:t>7/5/2023</a:t>
             </a:fld>
             <a:endParaRPr lang="en-US"/>
           </a:p>
@@ -2681,7 +2681,7 @@
           <a:p>
             <a:fld id="{7E292AB8-5F8F-4402-9592-F9413DCC0C16}" type="datetimeFigureOut">
               <a:rPr lang="en-US" smtClean="0"/>
-              <a:t>7/4/2023</a:t>
+              <a:t>7/5/2023</a:t>
             </a:fld>
             <a:endParaRPr lang="en-US"/>
           </a:p>
@@ -2922,7 +2922,7 @@
           <a:p>
             <a:fld id="{7E292AB8-5F8F-4402-9592-F9413DCC0C16}" type="datetimeFigureOut">
               <a:rPr lang="en-US" smtClean="0"/>
-              <a:t>7/4/2023</a:t>
+              <a:t>7/5/2023</a:t>
             </a:fld>
             <a:endParaRPr lang="en-US"/>
           </a:p>
@@ -3367,31 +3367,6 @@
           </a:p>
         </p:txBody>
       </p:sp>
-      <p:sp>
-        <p:nvSpPr>
-          <p:cNvPr id="3" name="Subtitle 2">
-            <a:extLst>
-              <a:ext uri="{FF2B5EF4-FFF2-40B4-BE49-F238E27FC236}">
-                <a16:creationId xmlns:a16="http://schemas.microsoft.com/office/drawing/2014/main" id="{7729F8B8-870D-9802-021D-E1FD5607346C}"/>
-              </a:ext>
-            </a:extLst>
-          </p:cNvPr>
-          <p:cNvSpPr>
-            <a:spLocks noGrp="1"/>
-          </p:cNvSpPr>
-          <p:nvPr>
-            <p:ph type="subTitle" idx="1"/>
-          </p:nvPr>
-        </p:nvSpPr>
-        <p:spPr/>
-        <p:txBody>
-          <a:bodyPr/>
-          <a:lstStyle/>
-          <a:p>
-            <a:endParaRPr lang="en-US"/>
-          </a:p>
-        </p:txBody>
-      </p:sp>
     </p:spTree>
     <p:extLst>
       <p:ext uri="{BB962C8B-B14F-4D97-AF65-F5344CB8AC3E}">
@@ -3450,8 +3425,8 @@
           </a:p>
         </p:txBody>
       </p:sp>
-      <mc:AlternateContent xmlns:mc="http://schemas.openxmlformats.org/markup-compatibility/2006">
-        <mc:Choice xmlns:a14="http://schemas.microsoft.com/office/drawing/2010/main" Requires="a14">
+      <mc:AlternateContent xmlns:mc="http://schemas.openxmlformats.org/markup-compatibility/2006" xmlns:a14="http://schemas.microsoft.com/office/drawing/2010/main">
+        <mc:Choice Requires="a14">
           <p:sp>
             <p:nvSpPr>
               <p:cNvPr id="9" name="TextBox 8">
@@ -3709,7 +3684,7 @@
             </p:txBody>
           </p:sp>
         </mc:Choice>
-        <mc:Fallback>
+        <mc:Fallback xmlns="">
           <p:sp>
             <p:nvSpPr>
               <p:cNvPr id="9" name="TextBox 8">
@@ -3756,10 +3731,10 @@
       </mc:AlternateContent>
       <p:sp>
         <p:nvSpPr>
-          <p:cNvPr id="4" name="Content Placeholder 2">
+          <p:cNvPr id="3" name="Content Placeholder 2">
             <a:extLst>
               <a:ext uri="{FF2B5EF4-FFF2-40B4-BE49-F238E27FC236}">
-                <a16:creationId xmlns:a16="http://schemas.microsoft.com/office/drawing/2014/main" id="{481A5329-54CD-C0DB-4845-5149572E47C3}"/>
+                <a16:creationId xmlns:a16="http://schemas.microsoft.com/office/drawing/2014/main" id="{BA480F88-B039-25C0-D223-15880DE4DDB6}"/>
               </a:ext>
             </a:extLst>
           </p:cNvPr>
@@ -3770,12 +3745,16 @@
         </p:nvSpPr>
         <p:spPr>
           <a:xfrm>
-            <a:off x="838200" y="4225253"/>
-            <a:ext cx="4019026" cy="1959146"/>
+            <a:off x="838199" y="6096967"/>
+            <a:ext cx="2691003" cy="431177"/>
           </a:xfrm>
           <a:prstGeom prst="rect">
             <a:avLst/>
           </a:prstGeom>
+          <a:noFill/>
+          <a:ln>
+            <a:noFill/>
+          </a:ln>
         </p:spPr>
         <p:style>
           <a:lnRef idx="2">
@@ -3793,7 +3772,7 @@
         </p:style>
         <p:txBody>
           <a:bodyPr vert="horz" lIns="91440" tIns="45720" rIns="91440" bIns="45720" rtlCol="0">
-            <a:normAutofit/>
+            <a:normAutofit fontScale="55000" lnSpcReduction="20000"/>
           </a:bodyPr>
           <a:lstStyle>
             <a:lvl1pPr marL="228600" indent="-228600" algn="l" defTabSz="914400" rtl="0" eaLnBrk="1" latinLnBrk="0" hangingPunct="1">
@@ -3960,226 +3939,926 @@
             </a:lvl9pPr>
           </a:lstStyle>
           <a:p>
+            <a:pPr marL="0" indent="0">
+              <a:buNone/>
+            </a:pPr>
             <a:r>
               <a:rPr lang="en-US" dirty="0"/>
-              <a:t>Ex: Balanced Data</a:t>
+              <a:t>Unbalanced Data: More dogs in comparison to cats or birds</a:t>
             </a:r>
           </a:p>
         </p:txBody>
       </p:sp>
-      <p:sp>
-        <p:nvSpPr>
-          <p:cNvPr id="6" name="Content Placeholder 2">
+      <p:graphicFrame>
+        <p:nvGraphicFramePr>
+          <p:cNvPr id="5" name="Table 10">
             <a:extLst>
               <a:ext uri="{FF2B5EF4-FFF2-40B4-BE49-F238E27FC236}">
-                <a16:creationId xmlns:a16="http://schemas.microsoft.com/office/drawing/2014/main" id="{DFB373DA-FF69-1F71-C69D-0A42C80B80CE}"/>
+                <a16:creationId xmlns:a16="http://schemas.microsoft.com/office/drawing/2014/main" id="{D1AD9EB1-79DA-06A4-95E1-1934AA3B9EC3}"/>
               </a:ext>
             </a:extLst>
           </p:cNvPr>
-          <p:cNvSpPr txBox="1">
-            <a:spLocks/>
-          </p:cNvSpPr>
-          <p:nvPr/>
-        </p:nvSpPr>
-        <p:spPr>
-          <a:xfrm>
-            <a:off x="7334776" y="4225253"/>
-            <a:ext cx="4019026" cy="1959146"/>
-          </a:xfrm>
-          <a:prstGeom prst="rect">
-            <a:avLst/>
-          </a:prstGeom>
-        </p:spPr>
-        <p:style>
-          <a:lnRef idx="2">
-            <a:schemeClr val="accent5"/>
-          </a:lnRef>
-          <a:fillRef idx="1">
-            <a:schemeClr val="lt1"/>
-          </a:fillRef>
-          <a:effectRef idx="0">
-            <a:schemeClr val="accent5"/>
-          </a:effectRef>
-          <a:fontRef idx="minor">
-            <a:schemeClr val="dk1"/>
-          </a:fontRef>
-        </p:style>
-        <p:txBody>
-          <a:bodyPr vert="horz" lIns="91440" tIns="45720" rIns="91440" bIns="45720" rtlCol="0">
-            <a:normAutofit/>
-          </a:bodyPr>
-          <a:lstStyle>
-            <a:lvl1pPr marL="228600" indent="-228600" algn="l" defTabSz="914400" rtl="0" eaLnBrk="1" latinLnBrk="0" hangingPunct="1">
-              <a:lnSpc>
-                <a:spcPct val="90000"/>
-              </a:lnSpc>
-              <a:spcBef>
-                <a:spcPts val="1000"/>
-              </a:spcBef>
-              <a:buFont typeface="Arial" panose="020B0604020202020204" pitchFamily="34" charset="0"/>
-              <a:buChar char="•"/>
-              <a:defRPr sz="2800" kern="1200">
-                <a:solidFill>
-                  <a:schemeClr val="tx1"/>
-                </a:solidFill>
-                <a:latin typeface="+mn-lt"/>
-                <a:ea typeface="+mn-ea"/>
-                <a:cs typeface="+mn-cs"/>
-              </a:defRPr>
-            </a:lvl1pPr>
-            <a:lvl2pPr marL="685800" indent="-228600" algn="l" defTabSz="914400" rtl="0" eaLnBrk="1" latinLnBrk="0" hangingPunct="1">
-              <a:lnSpc>
-                <a:spcPct val="90000"/>
-              </a:lnSpc>
-              <a:spcBef>
-                <a:spcPts val="500"/>
-              </a:spcBef>
-              <a:buFont typeface="Arial" panose="020B0604020202020204" pitchFamily="34" charset="0"/>
-              <a:buChar char="•"/>
-              <a:defRPr sz="2400" kern="1200">
-                <a:solidFill>
-                  <a:schemeClr val="tx1"/>
-                </a:solidFill>
-                <a:latin typeface="+mn-lt"/>
-                <a:ea typeface="+mn-ea"/>
-                <a:cs typeface="+mn-cs"/>
-              </a:defRPr>
-            </a:lvl2pPr>
-            <a:lvl3pPr marL="1143000" indent="-228600" algn="l" defTabSz="914400" rtl="0" eaLnBrk="1" latinLnBrk="0" hangingPunct="1">
-              <a:lnSpc>
-                <a:spcPct val="90000"/>
-              </a:lnSpc>
-              <a:spcBef>
-                <a:spcPts val="500"/>
-              </a:spcBef>
-              <a:buFont typeface="Arial" panose="020B0604020202020204" pitchFamily="34" charset="0"/>
-              <a:buChar char="•"/>
-              <a:defRPr sz="2000" kern="1200">
-                <a:solidFill>
-                  <a:schemeClr val="tx1"/>
-                </a:solidFill>
-                <a:latin typeface="+mn-lt"/>
-                <a:ea typeface="+mn-ea"/>
-                <a:cs typeface="+mn-cs"/>
-              </a:defRPr>
-            </a:lvl3pPr>
-            <a:lvl4pPr marL="1600200" indent="-228600" algn="l" defTabSz="914400" rtl="0" eaLnBrk="1" latinLnBrk="0" hangingPunct="1">
-              <a:lnSpc>
-                <a:spcPct val="90000"/>
-              </a:lnSpc>
-              <a:spcBef>
-                <a:spcPts val="500"/>
-              </a:spcBef>
-              <a:buFont typeface="Arial" panose="020B0604020202020204" pitchFamily="34" charset="0"/>
-              <a:buChar char="•"/>
-              <a:defRPr sz="1800" kern="1200">
-                <a:solidFill>
-                  <a:schemeClr val="tx1"/>
-                </a:solidFill>
-                <a:latin typeface="+mn-lt"/>
-                <a:ea typeface="+mn-ea"/>
-                <a:cs typeface="+mn-cs"/>
-              </a:defRPr>
-            </a:lvl4pPr>
-            <a:lvl5pPr marL="2057400" indent="-228600" algn="l" defTabSz="914400" rtl="0" eaLnBrk="1" latinLnBrk="0" hangingPunct="1">
-              <a:lnSpc>
-                <a:spcPct val="90000"/>
-              </a:lnSpc>
-              <a:spcBef>
-                <a:spcPts val="500"/>
-              </a:spcBef>
-              <a:buFont typeface="Arial" panose="020B0604020202020204" pitchFamily="34" charset="0"/>
-              <a:buChar char="•"/>
-              <a:defRPr sz="1800" kern="1200">
-                <a:solidFill>
-                  <a:schemeClr val="tx1"/>
-                </a:solidFill>
-                <a:latin typeface="+mn-lt"/>
-                <a:ea typeface="+mn-ea"/>
-                <a:cs typeface="+mn-cs"/>
-              </a:defRPr>
-            </a:lvl5pPr>
-            <a:lvl6pPr marL="2514600" indent="-228600" algn="l" defTabSz="914400" rtl="0" eaLnBrk="1" latinLnBrk="0" hangingPunct="1">
-              <a:lnSpc>
-                <a:spcPct val="90000"/>
-              </a:lnSpc>
-              <a:spcBef>
-                <a:spcPts val="500"/>
-              </a:spcBef>
-              <a:buFont typeface="Arial" panose="020B0604020202020204" pitchFamily="34" charset="0"/>
-              <a:buChar char="•"/>
-              <a:defRPr sz="1800" kern="1200">
-                <a:solidFill>
-                  <a:schemeClr val="tx1"/>
-                </a:solidFill>
-                <a:latin typeface="+mn-lt"/>
-                <a:ea typeface="+mn-ea"/>
-                <a:cs typeface="+mn-cs"/>
-              </a:defRPr>
-            </a:lvl6pPr>
-            <a:lvl7pPr marL="2971800" indent="-228600" algn="l" defTabSz="914400" rtl="0" eaLnBrk="1" latinLnBrk="0" hangingPunct="1">
-              <a:lnSpc>
-                <a:spcPct val="90000"/>
-              </a:lnSpc>
-              <a:spcBef>
-                <a:spcPts val="500"/>
-              </a:spcBef>
-              <a:buFont typeface="Arial" panose="020B0604020202020204" pitchFamily="34" charset="0"/>
-              <a:buChar char="•"/>
-              <a:defRPr sz="1800" kern="1200">
-                <a:solidFill>
-                  <a:schemeClr val="tx1"/>
-                </a:solidFill>
-                <a:latin typeface="+mn-lt"/>
-                <a:ea typeface="+mn-ea"/>
-                <a:cs typeface="+mn-cs"/>
-              </a:defRPr>
-            </a:lvl7pPr>
-            <a:lvl8pPr marL="3429000" indent="-228600" algn="l" defTabSz="914400" rtl="0" eaLnBrk="1" latinLnBrk="0" hangingPunct="1">
-              <a:lnSpc>
-                <a:spcPct val="90000"/>
-              </a:lnSpc>
-              <a:spcBef>
-                <a:spcPts val="500"/>
-              </a:spcBef>
-              <a:buFont typeface="Arial" panose="020B0604020202020204" pitchFamily="34" charset="0"/>
-              <a:buChar char="•"/>
-              <a:defRPr sz="1800" kern="1200">
-                <a:solidFill>
-                  <a:schemeClr val="tx1"/>
-                </a:solidFill>
-                <a:latin typeface="+mn-lt"/>
-                <a:ea typeface="+mn-ea"/>
-                <a:cs typeface="+mn-cs"/>
-              </a:defRPr>
-            </a:lvl8pPr>
-            <a:lvl9pPr marL="3886200" indent="-228600" algn="l" defTabSz="914400" rtl="0" eaLnBrk="1" latinLnBrk="0" hangingPunct="1">
-              <a:lnSpc>
-                <a:spcPct val="90000"/>
-              </a:lnSpc>
-              <a:spcBef>
-                <a:spcPts val="500"/>
-              </a:spcBef>
-              <a:buFont typeface="Arial" panose="020B0604020202020204" pitchFamily="34" charset="0"/>
-              <a:buChar char="•"/>
-              <a:defRPr sz="1800" kern="1200">
-                <a:solidFill>
-                  <a:schemeClr val="tx1"/>
-                </a:solidFill>
-                <a:latin typeface="+mn-lt"/>
-                <a:ea typeface="+mn-ea"/>
-                <a:cs typeface="+mn-cs"/>
-              </a:defRPr>
-            </a:lvl9pPr>
-          </a:lstStyle>
-          <a:p>
-            <a:r>
-              <a:rPr lang="en-US" dirty="0"/>
-              <a:t>Ex: Imbalanced Data</a:t>
-            </a:r>
-          </a:p>
-        </p:txBody>
-      </p:sp>
+          <p:cNvGraphicFramePr>
+            <a:graphicFrameLocks noGrp="1"/>
+          </p:cNvGraphicFramePr>
+          <p:nvPr>
+            <p:extLst>
+              <p:ext uri="{D42A27DB-BD31-4B8C-83A1-F6EECF244321}">
+                <p14:modId xmlns:p14="http://schemas.microsoft.com/office/powerpoint/2010/main" val="171563460"/>
+              </p:ext>
+            </p:extLst>
+          </p:nvPr>
+        </p:nvGraphicFramePr>
+        <p:xfrm>
+          <a:off x="838198" y="3921583"/>
+          <a:ext cx="2691004" cy="2124504"/>
+        </p:xfrm>
+        <a:graphic>
+          <a:graphicData uri="http://schemas.openxmlformats.org/drawingml/2006/table">
+            <a:tbl>
+              <a:tblPr firstRow="1" bandRow="1">
+                <a:tableStyleId>{5C22544A-7EE6-4342-B048-85BDC9FD1C3A}</a:tableStyleId>
+              </a:tblPr>
+              <a:tblGrid>
+                <a:gridCol w="672751">
+                  <a:extLst>
+                    <a:ext uri="{9D8B030D-6E8A-4147-A177-3AD203B41FA5}">
+                      <a16:colId xmlns:a16="http://schemas.microsoft.com/office/drawing/2014/main" val="3779047369"/>
+                    </a:ext>
+                  </a:extLst>
+                </a:gridCol>
+                <a:gridCol w="672751">
+                  <a:extLst>
+                    <a:ext uri="{9D8B030D-6E8A-4147-A177-3AD203B41FA5}">
+                      <a16:colId xmlns:a16="http://schemas.microsoft.com/office/drawing/2014/main" val="2587912599"/>
+                    </a:ext>
+                  </a:extLst>
+                </a:gridCol>
+                <a:gridCol w="672751">
+                  <a:extLst>
+                    <a:ext uri="{9D8B030D-6E8A-4147-A177-3AD203B41FA5}">
+                      <a16:colId xmlns:a16="http://schemas.microsoft.com/office/drawing/2014/main" val="617498338"/>
+                    </a:ext>
+                  </a:extLst>
+                </a:gridCol>
+                <a:gridCol w="672751">
+                  <a:extLst>
+                    <a:ext uri="{9D8B030D-6E8A-4147-A177-3AD203B41FA5}">
+                      <a16:colId xmlns:a16="http://schemas.microsoft.com/office/drawing/2014/main" val="1361611942"/>
+                    </a:ext>
+                  </a:extLst>
+                </a:gridCol>
+              </a:tblGrid>
+              <a:tr h="517477">
+                <a:tc>
+                  <a:txBody>
+                    <a:bodyPr/>
+                    <a:lstStyle/>
+                    <a:p>
+                      <a:pPr algn="ctr"/>
+                      <a:endParaRPr lang="en-US" sz="1500" b="1" dirty="0">
+                        <a:solidFill>
+                          <a:schemeClr val="bg1"/>
+                        </a:solidFill>
+                      </a:endParaRPr>
+                    </a:p>
+                  </a:txBody>
+                  <a:tcPr marL="73925" marR="73925" marT="36963" marB="36963">
+                    <a:solidFill>
+                      <a:srgbClr val="4472C4"/>
+                    </a:solidFill>
+                  </a:tcPr>
+                </a:tc>
+                <a:tc>
+                  <a:txBody>
+                    <a:bodyPr/>
+                    <a:lstStyle/>
+                    <a:p>
+                      <a:pPr algn="ctr"/>
+                      <a:r>
+                        <a:rPr lang="en-US" sz="1500" dirty="0"/>
+                        <a:t>Model Cat</a:t>
+                      </a:r>
+                    </a:p>
+                  </a:txBody>
+                  <a:tcPr marL="73925" marR="73925" marT="36963" marB="36963"/>
+                </a:tc>
+                <a:tc>
+                  <a:txBody>
+                    <a:bodyPr/>
+                    <a:lstStyle/>
+                    <a:p>
+                      <a:pPr algn="ctr"/>
+                      <a:r>
+                        <a:rPr lang="en-US" sz="1500" dirty="0"/>
+                        <a:t>Model Dog</a:t>
+                      </a:r>
+                    </a:p>
+                  </a:txBody>
+                  <a:tcPr marL="73925" marR="73925" marT="36963" marB="36963"/>
+                </a:tc>
+                <a:tc>
+                  <a:txBody>
+                    <a:bodyPr/>
+                    <a:lstStyle/>
+                    <a:p>
+                      <a:pPr algn="ctr"/>
+                      <a:r>
+                        <a:rPr lang="en-US" sz="1500" dirty="0"/>
+                        <a:t>Model Bird</a:t>
+                      </a:r>
+                    </a:p>
+                  </a:txBody>
+                  <a:tcPr marL="73925" marR="73925" marT="36963" marB="36963"/>
+                </a:tc>
+                <a:extLst>
+                  <a:ext uri="{0D108BD9-81ED-4DB2-BD59-A6C34878D82A}">
+                    <a16:rowId xmlns:a16="http://schemas.microsoft.com/office/drawing/2014/main" val="2688480762"/>
+                  </a:ext>
+                </a:extLst>
+              </a:tr>
+              <a:tr h="517477">
+                <a:tc>
+                  <a:txBody>
+                    <a:bodyPr/>
+                    <a:lstStyle/>
+                    <a:p>
+                      <a:pPr algn="ctr"/>
+                      <a:r>
+                        <a:rPr lang="en-US" sz="1500" b="1" dirty="0">
+                          <a:solidFill>
+                            <a:schemeClr val="bg1"/>
+                          </a:solidFill>
+                        </a:rPr>
+                        <a:t>Data Cat</a:t>
+                      </a:r>
+                    </a:p>
+                  </a:txBody>
+                  <a:tcPr marL="73925" marR="73925" marT="36963" marB="36963">
+                    <a:solidFill>
+                      <a:srgbClr val="4472C4"/>
+                    </a:solidFill>
+                  </a:tcPr>
+                </a:tc>
+                <a:tc>
+                  <a:txBody>
+                    <a:bodyPr/>
+                    <a:lstStyle/>
+                    <a:p>
+                      <a:r>
+                        <a:rPr lang="en-US" sz="1500" dirty="0"/>
+                        <a:t>76</a:t>
+                      </a:r>
+                    </a:p>
+                  </a:txBody>
+                  <a:tcPr marL="73925" marR="73925" marT="36963" marB="36963"/>
+                </a:tc>
+                <a:tc>
+                  <a:txBody>
+                    <a:bodyPr/>
+                    <a:lstStyle/>
+                    <a:p>
+                      <a:r>
+                        <a:rPr lang="en-US" sz="1500" dirty="0"/>
+                        <a:t>20</a:t>
+                      </a:r>
+                    </a:p>
+                  </a:txBody>
+                  <a:tcPr marL="73925" marR="73925" marT="36963" marB="36963"/>
+                </a:tc>
+                <a:tc>
+                  <a:txBody>
+                    <a:bodyPr/>
+                    <a:lstStyle/>
+                    <a:p>
+                      <a:r>
+                        <a:rPr lang="en-US" sz="1500" dirty="0"/>
+                        <a:t>12</a:t>
+                      </a:r>
+                    </a:p>
+                  </a:txBody>
+                  <a:tcPr marL="73925" marR="73925" marT="36963" marB="36963"/>
+                </a:tc>
+                <a:extLst>
+                  <a:ext uri="{0D108BD9-81ED-4DB2-BD59-A6C34878D82A}">
+                    <a16:rowId xmlns:a16="http://schemas.microsoft.com/office/drawing/2014/main" val="1617891110"/>
+                  </a:ext>
+                </a:extLst>
+              </a:tr>
+              <a:tr h="517477">
+                <a:tc>
+                  <a:txBody>
+                    <a:bodyPr/>
+                    <a:lstStyle/>
+                    <a:p>
+                      <a:pPr algn="ctr"/>
+                      <a:r>
+                        <a:rPr lang="en-US" sz="1500" b="1" dirty="0">
+                          <a:solidFill>
+                            <a:schemeClr val="bg1"/>
+                          </a:solidFill>
+                        </a:rPr>
+                        <a:t>Data Dog</a:t>
+                      </a:r>
+                    </a:p>
+                  </a:txBody>
+                  <a:tcPr marL="73925" marR="73925" marT="36963" marB="36963">
+                    <a:solidFill>
+                      <a:srgbClr val="4472C4"/>
+                    </a:solidFill>
+                  </a:tcPr>
+                </a:tc>
+                <a:tc>
+                  <a:txBody>
+                    <a:bodyPr/>
+                    <a:lstStyle/>
+                    <a:p>
+                      <a:r>
+                        <a:rPr lang="en-US" sz="1500" dirty="0"/>
+                        <a:t>27</a:t>
+                      </a:r>
+                    </a:p>
+                  </a:txBody>
+                  <a:tcPr marL="73925" marR="73925" marT="36963" marB="36963"/>
+                </a:tc>
+                <a:tc>
+                  <a:txBody>
+                    <a:bodyPr/>
+                    <a:lstStyle/>
+                    <a:p>
+                      <a:r>
+                        <a:rPr lang="en-US" sz="1500" dirty="0"/>
+                        <a:t>180</a:t>
+                      </a:r>
+                    </a:p>
+                  </a:txBody>
+                  <a:tcPr marL="73925" marR="73925" marT="36963" marB="36963"/>
+                </a:tc>
+                <a:tc>
+                  <a:txBody>
+                    <a:bodyPr/>
+                    <a:lstStyle/>
+                    <a:p>
+                      <a:r>
+                        <a:rPr lang="en-US" sz="1500" dirty="0"/>
+                        <a:t>11</a:t>
+                      </a:r>
+                    </a:p>
+                  </a:txBody>
+                  <a:tcPr marL="73925" marR="73925" marT="36963" marB="36963"/>
+                </a:tc>
+                <a:extLst>
+                  <a:ext uri="{0D108BD9-81ED-4DB2-BD59-A6C34878D82A}">
+                    <a16:rowId xmlns:a16="http://schemas.microsoft.com/office/drawing/2014/main" val="842711822"/>
+                  </a:ext>
+                </a:extLst>
+              </a:tr>
+              <a:tr h="517477">
+                <a:tc>
+                  <a:txBody>
+                    <a:bodyPr/>
+                    <a:lstStyle/>
+                    <a:p>
+                      <a:pPr algn="ctr"/>
+                      <a:r>
+                        <a:rPr lang="en-US" sz="1500" b="1" dirty="0">
+                          <a:solidFill>
+                            <a:schemeClr val="bg1"/>
+                          </a:solidFill>
+                        </a:rPr>
+                        <a:t>Data Bird</a:t>
+                      </a:r>
+                    </a:p>
+                  </a:txBody>
+                  <a:tcPr marL="73925" marR="73925" marT="36963" marB="36963">
+                    <a:solidFill>
+                      <a:srgbClr val="4472C4"/>
+                    </a:solidFill>
+                  </a:tcPr>
+                </a:tc>
+                <a:tc>
+                  <a:txBody>
+                    <a:bodyPr/>
+                    <a:lstStyle/>
+                    <a:p>
+                      <a:r>
+                        <a:rPr lang="en-US" sz="1500" dirty="0"/>
+                        <a:t>16</a:t>
+                      </a:r>
+                    </a:p>
+                  </a:txBody>
+                  <a:tcPr marL="73925" marR="73925" marT="36963" marB="36963"/>
+                </a:tc>
+                <a:tc>
+                  <a:txBody>
+                    <a:bodyPr/>
+                    <a:lstStyle/>
+                    <a:p>
+                      <a:r>
+                        <a:rPr lang="en-US" sz="1500" dirty="0"/>
+                        <a:t>3</a:t>
+                      </a:r>
+                    </a:p>
+                  </a:txBody>
+                  <a:tcPr marL="73925" marR="73925" marT="36963" marB="36963"/>
+                </a:tc>
+                <a:tc>
+                  <a:txBody>
+                    <a:bodyPr/>
+                    <a:lstStyle/>
+                    <a:p>
+                      <a:r>
+                        <a:rPr lang="en-US" sz="1500" dirty="0"/>
+                        <a:t>25</a:t>
+                      </a:r>
+                    </a:p>
+                  </a:txBody>
+                  <a:tcPr marL="73925" marR="73925" marT="36963" marB="36963"/>
+                </a:tc>
+                <a:extLst>
+                  <a:ext uri="{0D108BD9-81ED-4DB2-BD59-A6C34878D82A}">
+                    <a16:rowId xmlns:a16="http://schemas.microsoft.com/office/drawing/2014/main" val="1343416302"/>
+                  </a:ext>
+                </a:extLst>
+              </a:tr>
+            </a:tbl>
+          </a:graphicData>
+        </a:graphic>
+      </p:graphicFrame>
+      <mc:AlternateContent xmlns:mc="http://schemas.openxmlformats.org/markup-compatibility/2006">
+        <mc:Choice xmlns:a14="http://schemas.microsoft.com/office/drawing/2010/main" Requires="a14">
+          <p:sp>
+            <p:nvSpPr>
+              <p:cNvPr id="7" name="Content Placeholder 2">
+                <a:extLst>
+                  <a:ext uri="{FF2B5EF4-FFF2-40B4-BE49-F238E27FC236}">
+                    <a16:creationId xmlns:a16="http://schemas.microsoft.com/office/drawing/2014/main" id="{D1D096CE-A263-2C72-AB73-D9F9E8D98767}"/>
+                  </a:ext>
+                </a:extLst>
+              </p:cNvPr>
+              <p:cNvSpPr txBox="1">
+                <a:spLocks/>
+              </p:cNvSpPr>
+              <p:nvPr/>
+            </p:nvSpPr>
+            <p:spPr>
+              <a:xfrm>
+                <a:off x="3905540" y="3356746"/>
+                <a:ext cx="6790423" cy="2661379"/>
+              </a:xfrm>
+              <a:prstGeom prst="rect">
+                <a:avLst/>
+              </a:prstGeom>
+              <a:noFill/>
+              <a:ln>
+                <a:noFill/>
+              </a:ln>
+            </p:spPr>
+            <p:style>
+              <a:lnRef idx="2">
+                <a:schemeClr val="accent5"/>
+              </a:lnRef>
+              <a:fillRef idx="1">
+                <a:schemeClr val="lt1"/>
+              </a:fillRef>
+              <a:effectRef idx="0">
+                <a:schemeClr val="accent5"/>
+              </a:effectRef>
+              <a:fontRef idx="minor">
+                <a:schemeClr val="dk1"/>
+              </a:fontRef>
+            </p:style>
+            <p:txBody>
+              <a:bodyPr vert="horz" lIns="91440" tIns="45720" rIns="91440" bIns="45720" rtlCol="0">
+                <a:noAutofit/>
+              </a:bodyPr>
+              <a:lstStyle>
+                <a:lvl1pPr marL="228600" indent="-228600" algn="l" defTabSz="914400" rtl="0" eaLnBrk="1" latinLnBrk="0" hangingPunct="1">
+                  <a:lnSpc>
+                    <a:spcPct val="90000"/>
+                  </a:lnSpc>
+                  <a:spcBef>
+                    <a:spcPts val="1000"/>
+                  </a:spcBef>
+                  <a:buFont typeface="Arial" panose="020B0604020202020204" pitchFamily="34" charset="0"/>
+                  <a:buChar char="•"/>
+                  <a:defRPr sz="2800" kern="1200">
+                    <a:solidFill>
+                      <a:schemeClr val="tx1"/>
+                    </a:solidFill>
+                    <a:latin typeface="+mn-lt"/>
+                    <a:ea typeface="+mn-ea"/>
+                    <a:cs typeface="+mn-cs"/>
+                  </a:defRPr>
+                </a:lvl1pPr>
+                <a:lvl2pPr marL="685800" indent="-228600" algn="l" defTabSz="914400" rtl="0" eaLnBrk="1" latinLnBrk="0" hangingPunct="1">
+                  <a:lnSpc>
+                    <a:spcPct val="90000"/>
+                  </a:lnSpc>
+                  <a:spcBef>
+                    <a:spcPts val="500"/>
+                  </a:spcBef>
+                  <a:buFont typeface="Arial" panose="020B0604020202020204" pitchFamily="34" charset="0"/>
+                  <a:buChar char="•"/>
+                  <a:defRPr sz="2400" kern="1200">
+                    <a:solidFill>
+                      <a:schemeClr val="tx1"/>
+                    </a:solidFill>
+                    <a:latin typeface="+mn-lt"/>
+                    <a:ea typeface="+mn-ea"/>
+                    <a:cs typeface="+mn-cs"/>
+                  </a:defRPr>
+                </a:lvl2pPr>
+                <a:lvl3pPr marL="1143000" indent="-228600" algn="l" defTabSz="914400" rtl="0" eaLnBrk="1" latinLnBrk="0" hangingPunct="1">
+                  <a:lnSpc>
+                    <a:spcPct val="90000"/>
+                  </a:lnSpc>
+                  <a:spcBef>
+                    <a:spcPts val="500"/>
+                  </a:spcBef>
+                  <a:buFont typeface="Arial" panose="020B0604020202020204" pitchFamily="34" charset="0"/>
+                  <a:buChar char="•"/>
+                  <a:defRPr sz="2000" kern="1200">
+                    <a:solidFill>
+                      <a:schemeClr val="tx1"/>
+                    </a:solidFill>
+                    <a:latin typeface="+mn-lt"/>
+                    <a:ea typeface="+mn-ea"/>
+                    <a:cs typeface="+mn-cs"/>
+                  </a:defRPr>
+                </a:lvl3pPr>
+                <a:lvl4pPr marL="1600200" indent="-228600" algn="l" defTabSz="914400" rtl="0" eaLnBrk="1" latinLnBrk="0" hangingPunct="1">
+                  <a:lnSpc>
+                    <a:spcPct val="90000"/>
+                  </a:lnSpc>
+                  <a:spcBef>
+                    <a:spcPts val="500"/>
+                  </a:spcBef>
+                  <a:buFont typeface="Arial" panose="020B0604020202020204" pitchFamily="34" charset="0"/>
+                  <a:buChar char="•"/>
+                  <a:defRPr sz="1800" kern="1200">
+                    <a:solidFill>
+                      <a:schemeClr val="tx1"/>
+                    </a:solidFill>
+                    <a:latin typeface="+mn-lt"/>
+                    <a:ea typeface="+mn-ea"/>
+                    <a:cs typeface="+mn-cs"/>
+                  </a:defRPr>
+                </a:lvl4pPr>
+                <a:lvl5pPr marL="2057400" indent="-228600" algn="l" defTabSz="914400" rtl="0" eaLnBrk="1" latinLnBrk="0" hangingPunct="1">
+                  <a:lnSpc>
+                    <a:spcPct val="90000"/>
+                  </a:lnSpc>
+                  <a:spcBef>
+                    <a:spcPts val="500"/>
+                  </a:spcBef>
+                  <a:buFont typeface="Arial" panose="020B0604020202020204" pitchFamily="34" charset="0"/>
+                  <a:buChar char="•"/>
+                  <a:defRPr sz="1800" kern="1200">
+                    <a:solidFill>
+                      <a:schemeClr val="tx1"/>
+                    </a:solidFill>
+                    <a:latin typeface="+mn-lt"/>
+                    <a:ea typeface="+mn-ea"/>
+                    <a:cs typeface="+mn-cs"/>
+                  </a:defRPr>
+                </a:lvl5pPr>
+                <a:lvl6pPr marL="2514600" indent="-228600" algn="l" defTabSz="914400" rtl="0" eaLnBrk="1" latinLnBrk="0" hangingPunct="1">
+                  <a:lnSpc>
+                    <a:spcPct val="90000"/>
+                  </a:lnSpc>
+                  <a:spcBef>
+                    <a:spcPts val="500"/>
+                  </a:spcBef>
+                  <a:buFont typeface="Arial" panose="020B0604020202020204" pitchFamily="34" charset="0"/>
+                  <a:buChar char="•"/>
+                  <a:defRPr sz="1800" kern="1200">
+                    <a:solidFill>
+                      <a:schemeClr val="tx1"/>
+                    </a:solidFill>
+                    <a:latin typeface="+mn-lt"/>
+                    <a:ea typeface="+mn-ea"/>
+                    <a:cs typeface="+mn-cs"/>
+                  </a:defRPr>
+                </a:lvl6pPr>
+                <a:lvl7pPr marL="2971800" indent="-228600" algn="l" defTabSz="914400" rtl="0" eaLnBrk="1" latinLnBrk="0" hangingPunct="1">
+                  <a:lnSpc>
+                    <a:spcPct val="90000"/>
+                  </a:lnSpc>
+                  <a:spcBef>
+                    <a:spcPts val="500"/>
+                  </a:spcBef>
+                  <a:buFont typeface="Arial" panose="020B0604020202020204" pitchFamily="34" charset="0"/>
+                  <a:buChar char="•"/>
+                  <a:defRPr sz="1800" kern="1200">
+                    <a:solidFill>
+                      <a:schemeClr val="tx1"/>
+                    </a:solidFill>
+                    <a:latin typeface="+mn-lt"/>
+                    <a:ea typeface="+mn-ea"/>
+                    <a:cs typeface="+mn-cs"/>
+                  </a:defRPr>
+                </a:lvl7pPr>
+                <a:lvl8pPr marL="3429000" indent="-228600" algn="l" defTabSz="914400" rtl="0" eaLnBrk="1" latinLnBrk="0" hangingPunct="1">
+                  <a:lnSpc>
+                    <a:spcPct val="90000"/>
+                  </a:lnSpc>
+                  <a:spcBef>
+                    <a:spcPts val="500"/>
+                  </a:spcBef>
+                  <a:buFont typeface="Arial" panose="020B0604020202020204" pitchFamily="34" charset="0"/>
+                  <a:buChar char="•"/>
+                  <a:defRPr sz="1800" kern="1200">
+                    <a:solidFill>
+                      <a:schemeClr val="tx1"/>
+                    </a:solidFill>
+                    <a:latin typeface="+mn-lt"/>
+                    <a:ea typeface="+mn-ea"/>
+                    <a:cs typeface="+mn-cs"/>
+                  </a:defRPr>
+                </a:lvl8pPr>
+                <a:lvl9pPr marL="3886200" indent="-228600" algn="l" defTabSz="914400" rtl="0" eaLnBrk="1" latinLnBrk="0" hangingPunct="1">
+                  <a:lnSpc>
+                    <a:spcPct val="90000"/>
+                  </a:lnSpc>
+                  <a:spcBef>
+                    <a:spcPts val="500"/>
+                  </a:spcBef>
+                  <a:buFont typeface="Arial" panose="020B0604020202020204" pitchFamily="34" charset="0"/>
+                  <a:buChar char="•"/>
+                  <a:defRPr sz="1800" kern="1200">
+                    <a:solidFill>
+                      <a:schemeClr val="tx1"/>
+                    </a:solidFill>
+                    <a:latin typeface="+mn-lt"/>
+                    <a:ea typeface="+mn-ea"/>
+                    <a:cs typeface="+mn-cs"/>
+                  </a:defRPr>
+                </a:lvl9pPr>
+              </a:lstStyle>
+              <a:p>
+                <a:pPr marL="0" indent="0" algn="ctr">
+                  <a:lnSpc>
+                    <a:spcPct val="150000"/>
+                  </a:lnSpc>
+                  <a:buNone/>
+                </a:pPr>
+                <a14:m>
+                  <m:oMathPara xmlns:m="http://schemas.openxmlformats.org/officeDocument/2006/math">
+                    <m:oMathParaPr>
+                      <m:jc m:val="centerGroup"/>
+                    </m:oMathParaPr>
+                    <m:oMath xmlns:m="http://schemas.openxmlformats.org/officeDocument/2006/math">
+                      <m:r>
+                        <a:rPr lang="en-AU" sz="1800" b="0" i="1" dirty="0" smtClean="0">
+                          <a:latin typeface="Cambria Math" panose="02040503050406030204" pitchFamily="18" charset="0"/>
+                        </a:rPr>
+                        <m:t>𝑃𝑟𝑒𝑐𝑖𝑠𝑖𝑜</m:t>
+                      </m:r>
+                      <m:sSub>
+                        <m:sSubPr>
+                          <m:ctrlPr>
+                            <a:rPr lang="en-AU" sz="1800" b="0" i="1" dirty="0" smtClean="0">
+                              <a:latin typeface="Cambria Math" panose="02040503050406030204" pitchFamily="18" charset="0"/>
+                            </a:rPr>
+                          </m:ctrlPr>
+                        </m:sSubPr>
+                        <m:e>
+                          <m:r>
+                            <a:rPr lang="en-AU" sz="1800" b="0" i="1" dirty="0" smtClean="0">
+                              <a:latin typeface="Cambria Math" panose="02040503050406030204" pitchFamily="18" charset="0"/>
+                            </a:rPr>
+                            <m:t>𝑛</m:t>
+                          </m:r>
+                        </m:e>
+                        <m:sub>
+                          <m:r>
+                            <a:rPr lang="en-AU" sz="1800" b="0" i="1" dirty="0" smtClean="0">
+                              <a:latin typeface="Cambria Math" panose="02040503050406030204" pitchFamily="18" charset="0"/>
+                            </a:rPr>
+                            <m:t>𝐶𝑎𝑡</m:t>
+                          </m:r>
+                        </m:sub>
+                      </m:sSub>
+                      <m:r>
+                        <a:rPr lang="en-US" sz="1800" i="1" dirty="0" smtClean="0">
+                          <a:latin typeface="Cambria Math" panose="02040503050406030204" pitchFamily="18" charset="0"/>
+                        </a:rPr>
+                        <m:t> =</m:t>
+                      </m:r>
+                      <m:f>
+                        <m:fPr>
+                          <m:ctrlPr>
+                            <a:rPr lang="en-US" sz="1800" b="0" i="1" dirty="0" smtClean="0">
+                              <a:latin typeface="Cambria Math" panose="02040503050406030204" pitchFamily="18" charset="0"/>
+                            </a:rPr>
+                          </m:ctrlPr>
+                        </m:fPr>
+                        <m:num>
+                          <m:r>
+                            <a:rPr lang="en-AU" sz="1800" b="0" i="1" dirty="0" smtClean="0">
+                              <a:latin typeface="Cambria Math" panose="02040503050406030204" pitchFamily="18" charset="0"/>
+                            </a:rPr>
+                            <m:t>76</m:t>
+                          </m:r>
+                        </m:num>
+                        <m:den>
+                          <m:r>
+                            <a:rPr lang="en-AU" sz="1800" b="0" i="1" dirty="0" smtClean="0">
+                              <a:latin typeface="Cambria Math" panose="02040503050406030204" pitchFamily="18" charset="0"/>
+                            </a:rPr>
+                            <m:t>76+27+16</m:t>
+                          </m:r>
+                        </m:den>
+                      </m:f>
+                      <m:r>
+                        <a:rPr lang="en-US" sz="1800" b="0" i="1" dirty="0" smtClean="0">
+                          <a:latin typeface="Cambria Math" panose="02040503050406030204" pitchFamily="18" charset="0"/>
+                        </a:rPr>
+                        <m:t>=</m:t>
+                      </m:r>
+                      <m:r>
+                        <a:rPr lang="en-AU" sz="1800" b="0" i="1" dirty="0" smtClean="0">
+                          <a:latin typeface="Cambria Math" panose="02040503050406030204" pitchFamily="18" charset="0"/>
+                        </a:rPr>
+                        <m:t>63.86</m:t>
+                      </m:r>
+                      <m:r>
+                        <a:rPr lang="en-US" sz="1800" b="0" i="1" dirty="0" smtClean="0">
+                          <a:latin typeface="Cambria Math" panose="02040503050406030204" pitchFamily="18" charset="0"/>
+                        </a:rPr>
+                        <m:t>%</m:t>
+                      </m:r>
+                    </m:oMath>
+                  </m:oMathPara>
+                </a14:m>
+                <a:endParaRPr lang="en-US" sz="1800" b="0" dirty="0"/>
+              </a:p>
+              <a:p>
+                <a:pPr marL="0" indent="0" algn="ctr">
+                  <a:lnSpc>
+                    <a:spcPct val="150000"/>
+                  </a:lnSpc>
+                  <a:buNone/>
+                </a:pPr>
+                <a14:m>
+                  <m:oMathPara xmlns:m="http://schemas.openxmlformats.org/officeDocument/2006/math">
+                    <m:oMathParaPr>
+                      <m:jc m:val="centerGroup"/>
+                    </m:oMathParaPr>
+                    <m:oMath xmlns:m="http://schemas.openxmlformats.org/officeDocument/2006/math">
+                      <m:sSub>
+                        <m:sSubPr>
+                          <m:ctrlPr>
+                            <a:rPr lang="en-US" sz="1800" i="1">
+                              <a:latin typeface="Cambria Math" panose="02040503050406030204" pitchFamily="18" charset="0"/>
+                            </a:rPr>
+                          </m:ctrlPr>
+                        </m:sSubPr>
+                        <m:e>
+                          <m:r>
+                            <a:rPr lang="en-AU" sz="1800" b="0" i="1" smtClean="0">
+                              <a:latin typeface="Cambria Math" panose="02040503050406030204" pitchFamily="18" charset="0"/>
+                            </a:rPr>
+                            <m:t>𝑃𝑟𝑒𝑐𝑖𝑠𝑖𝑜𝑛</m:t>
+                          </m:r>
+                        </m:e>
+                        <m:sub>
+                          <m:r>
+                            <a:rPr lang="en-US" sz="1800" i="1">
+                              <a:latin typeface="Cambria Math" panose="02040503050406030204" pitchFamily="18" charset="0"/>
+                            </a:rPr>
+                            <m:t>𝐷𝑜𝑔</m:t>
+                          </m:r>
+                        </m:sub>
+                      </m:sSub>
+                      <m:r>
+                        <a:rPr lang="en-US" sz="1800" i="1">
+                          <a:latin typeface="Cambria Math" panose="02040503050406030204" pitchFamily="18" charset="0"/>
+                        </a:rPr>
+                        <m:t>=</m:t>
+                      </m:r>
+                      <m:f>
+                        <m:fPr>
+                          <m:ctrlPr>
+                            <a:rPr lang="en-US" sz="1800" i="1">
+                              <a:latin typeface="Cambria Math" panose="02040503050406030204" pitchFamily="18" charset="0"/>
+                            </a:rPr>
+                          </m:ctrlPr>
+                        </m:fPr>
+                        <m:num>
+                          <m:r>
+                            <a:rPr lang="en-AU" sz="1800" b="0" i="1" smtClean="0">
+                              <a:latin typeface="Cambria Math" panose="02040503050406030204" pitchFamily="18" charset="0"/>
+                            </a:rPr>
+                            <m:t>180</m:t>
+                          </m:r>
+                        </m:num>
+                        <m:den>
+                          <m:r>
+                            <a:rPr lang="en-AU" sz="1800" b="0" i="1" smtClean="0">
+                              <a:latin typeface="Cambria Math" panose="02040503050406030204" pitchFamily="18" charset="0"/>
+                            </a:rPr>
+                            <m:t>180+20+3</m:t>
+                          </m:r>
+                        </m:den>
+                      </m:f>
+                      <m:r>
+                        <a:rPr lang="en-US" sz="1800" i="1">
+                          <a:latin typeface="Cambria Math" panose="02040503050406030204" pitchFamily="18" charset="0"/>
+                        </a:rPr>
+                        <m:t>=</m:t>
+                      </m:r>
+                      <m:r>
+                        <a:rPr lang="en-AU" sz="1800" b="0" i="1" smtClean="0">
+                          <a:latin typeface="Cambria Math" panose="02040503050406030204" pitchFamily="18" charset="0"/>
+                        </a:rPr>
+                        <m:t>88</m:t>
+                      </m:r>
+                      <m:r>
+                        <a:rPr lang="en-US" sz="1800" i="1">
+                          <a:latin typeface="Cambria Math" panose="02040503050406030204" pitchFamily="18" charset="0"/>
+                        </a:rPr>
+                        <m:t>.</m:t>
+                      </m:r>
+                      <m:r>
+                        <a:rPr lang="en-AU" sz="1800" b="0" i="1" smtClean="0">
+                          <a:latin typeface="Cambria Math" panose="02040503050406030204" pitchFamily="18" charset="0"/>
+                        </a:rPr>
+                        <m:t>66</m:t>
+                      </m:r>
+                      <m:r>
+                        <a:rPr lang="en-US" sz="1800" i="1">
+                          <a:latin typeface="Cambria Math" panose="02040503050406030204" pitchFamily="18" charset="0"/>
+                        </a:rPr>
+                        <m:t>%</m:t>
+                      </m:r>
+                    </m:oMath>
+                  </m:oMathPara>
+                </a14:m>
+                <a:endParaRPr lang="en-US" sz="1800" b="0" dirty="0"/>
+              </a:p>
+              <a:p>
+                <a:pPr marL="0" indent="0" algn="ctr">
+                  <a:lnSpc>
+                    <a:spcPct val="150000"/>
+                  </a:lnSpc>
+                  <a:buNone/>
+                </a:pPr>
+                <a14:m>
+                  <m:oMathPara xmlns:m="http://schemas.openxmlformats.org/officeDocument/2006/math">
+                    <m:oMathParaPr>
+                      <m:jc m:val="centerGroup"/>
+                    </m:oMathParaPr>
+                    <m:oMath xmlns:m="http://schemas.openxmlformats.org/officeDocument/2006/math">
+                      <m:r>
+                        <a:rPr lang="en-AU" sz="1800" b="0" i="1" smtClean="0">
+                          <a:latin typeface="Cambria Math" panose="02040503050406030204" pitchFamily="18" charset="0"/>
+                        </a:rPr>
+                        <m:t>𝑃𝑟𝑒𝑐𝑖𝑠𝑖𝑜</m:t>
+                      </m:r>
+                      <m:sSub>
+                        <m:sSubPr>
+                          <m:ctrlPr>
+                            <a:rPr lang="en-AU" sz="1800" b="0" i="1" smtClean="0">
+                              <a:latin typeface="Cambria Math" panose="02040503050406030204" pitchFamily="18" charset="0"/>
+                            </a:rPr>
+                          </m:ctrlPr>
+                        </m:sSubPr>
+                        <m:e>
+                          <m:r>
+                            <a:rPr lang="en-AU" sz="1800" b="0" i="1" smtClean="0">
+                              <a:latin typeface="Cambria Math" panose="02040503050406030204" pitchFamily="18" charset="0"/>
+                            </a:rPr>
+                            <m:t>𝑛</m:t>
+                          </m:r>
+                        </m:e>
+                        <m:sub>
+                          <m:r>
+                            <a:rPr lang="en-AU" sz="1800" b="0" i="1" smtClean="0">
+                              <a:latin typeface="Cambria Math" panose="02040503050406030204" pitchFamily="18" charset="0"/>
+                            </a:rPr>
+                            <m:t>𝐵𝑖𝑟𝑑</m:t>
+                          </m:r>
+                        </m:sub>
+                      </m:sSub>
+                      <m:r>
+                        <a:rPr lang="en-US" sz="1800" b="0" i="1" smtClean="0">
+                          <a:latin typeface="Cambria Math" panose="02040503050406030204" pitchFamily="18" charset="0"/>
+                        </a:rPr>
+                        <m:t>=</m:t>
+                      </m:r>
+                      <m:f>
+                        <m:fPr>
+                          <m:ctrlPr>
+                            <a:rPr lang="en-US" sz="1800" b="0" i="1" smtClean="0">
+                              <a:latin typeface="Cambria Math" panose="02040503050406030204" pitchFamily="18" charset="0"/>
+                            </a:rPr>
+                          </m:ctrlPr>
+                        </m:fPr>
+                        <m:num>
+                          <m:r>
+                            <a:rPr lang="en-AU" sz="1800" b="0" i="1" smtClean="0">
+                              <a:latin typeface="Cambria Math" panose="02040503050406030204" pitchFamily="18" charset="0"/>
+                            </a:rPr>
+                            <m:t>25</m:t>
+                          </m:r>
+                        </m:num>
+                        <m:den>
+                          <m:r>
+                            <a:rPr lang="en-AU" sz="1800" b="0" i="1" smtClean="0">
+                              <a:latin typeface="Cambria Math" panose="02040503050406030204" pitchFamily="18" charset="0"/>
+                            </a:rPr>
+                            <m:t>12+11+25</m:t>
+                          </m:r>
+                        </m:den>
+                      </m:f>
+                      <m:r>
+                        <a:rPr lang="en-US" sz="1800" b="0" i="1" smtClean="0">
+                          <a:latin typeface="Cambria Math" panose="02040503050406030204" pitchFamily="18" charset="0"/>
+                        </a:rPr>
+                        <m:t>=</m:t>
+                      </m:r>
+                      <m:r>
+                        <a:rPr lang="en-AU" sz="1800" b="0" i="1" smtClean="0">
+                          <a:latin typeface="Cambria Math" panose="02040503050406030204" pitchFamily="18" charset="0"/>
+                        </a:rPr>
+                        <m:t>52</m:t>
+                      </m:r>
+                      <m:r>
+                        <a:rPr lang="en-US" sz="1800" b="0" i="1" smtClean="0">
+                          <a:latin typeface="Cambria Math" panose="02040503050406030204" pitchFamily="18" charset="0"/>
+                        </a:rPr>
+                        <m:t>.</m:t>
+                      </m:r>
+                      <m:r>
+                        <a:rPr lang="en-AU" sz="1800" b="0" i="1" smtClean="0">
+                          <a:latin typeface="Cambria Math" panose="02040503050406030204" pitchFamily="18" charset="0"/>
+                        </a:rPr>
+                        <m:t>08</m:t>
+                      </m:r>
+                      <m:r>
+                        <a:rPr lang="en-US" sz="1800" b="0" i="1" smtClean="0">
+                          <a:latin typeface="Cambria Math" panose="02040503050406030204" pitchFamily="18" charset="0"/>
+                        </a:rPr>
+                        <m:t>%</m:t>
+                      </m:r>
+                    </m:oMath>
+                  </m:oMathPara>
+                </a14:m>
+                <a:endParaRPr lang="en-US" sz="1800" b="0" dirty="0"/>
+              </a:p>
+            </p:txBody>
+          </p:sp>
+        </mc:Choice>
+        <mc:Fallback>
+          <p:sp>
+            <p:nvSpPr>
+              <p:cNvPr id="7" name="Content Placeholder 2">
+                <a:extLst>
+                  <a:ext uri="{FF2B5EF4-FFF2-40B4-BE49-F238E27FC236}">
+                    <a16:creationId xmlns:a16="http://schemas.microsoft.com/office/drawing/2014/main" id="{D1D096CE-A263-2C72-AB73-D9F9E8D98767}"/>
+                  </a:ext>
+                </a:extLst>
+              </p:cNvPr>
+              <p:cNvSpPr txBox="1">
+                <a:spLocks noRot="1" noChangeAspect="1" noMove="1" noResize="1" noEditPoints="1" noAdjustHandles="1" noChangeArrowheads="1" noChangeShapeType="1" noTextEdit="1"/>
+              </p:cNvSpPr>
+              <p:nvPr/>
+            </p:nvSpPr>
+            <p:spPr>
+              <a:xfrm>
+                <a:off x="3905540" y="3356746"/>
+                <a:ext cx="6790423" cy="2661379"/>
+              </a:xfrm>
+              <a:prstGeom prst="rect">
+                <a:avLst/>
+              </a:prstGeom>
+              <a:blipFill>
+                <a:blip r:embed="rId3"/>
+                <a:stretch>
+                  <a:fillRect/>
+                </a:stretch>
+              </a:blipFill>
+              <a:ln>
+                <a:noFill/>
+              </a:ln>
+            </p:spPr>
+            <p:txBody>
+              <a:bodyPr/>
+              <a:lstStyle/>
+              <a:p>
+                <a:r>
+                  <a:rPr lang="en-AU">
+                    <a:noFill/>
+                  </a:rPr>
+                  <a:t> </a:t>
+                </a:r>
+              </a:p>
+            </p:txBody>
+          </p:sp>
+        </mc:Fallback>
+      </mc:AlternateContent>
     </p:spTree>
     <p:extLst>
       <p:ext uri="{BB962C8B-B14F-4D97-AF65-F5344CB8AC3E}">
@@ -10014,8 +10693,8 @@
           </a:graphicData>
         </a:graphic>
       </p:graphicFrame>
-      <mc:AlternateContent xmlns:mc="http://schemas.openxmlformats.org/markup-compatibility/2006">
-        <mc:Choice xmlns:a14="http://schemas.microsoft.com/office/drawing/2010/main" Requires="a14">
+      <mc:AlternateContent xmlns:mc="http://schemas.openxmlformats.org/markup-compatibility/2006" xmlns:a14="http://schemas.microsoft.com/office/drawing/2010/main">
+        <mc:Choice Requires="a14">
           <p:sp>
             <p:nvSpPr>
               <p:cNvPr id="6" name="Content Placeholder 2">
@@ -10304,31 +10983,7 @@
                         <a:rPr lang="en-US" sz="1800" b="0" i="1" dirty="0" smtClean="0">
                           <a:latin typeface="Cambria Math" panose="02040503050406030204" pitchFamily="18" charset="0"/>
                         </a:rPr>
-                        <m:t>=7</m:t>
-                      </m:r>
-                      <m:r>
-                        <a:rPr lang="en-US" sz="1800" b="0" i="1" dirty="0" smtClean="0">
-                          <a:latin typeface="Cambria Math" panose="02040503050406030204" pitchFamily="18" charset="0"/>
-                        </a:rPr>
-                        <m:t>7</m:t>
-                      </m:r>
-                      <m:r>
-                        <a:rPr lang="en-US" sz="1800" b="0" i="1" dirty="0" smtClean="0">
-                          <a:latin typeface="Cambria Math" panose="02040503050406030204" pitchFamily="18" charset="0"/>
-                        </a:rPr>
-                        <m:t>.</m:t>
-                      </m:r>
-                      <m:r>
-                        <a:rPr lang="en-US" sz="1800" b="0" i="1" dirty="0" smtClean="0">
-                          <a:latin typeface="Cambria Math" panose="02040503050406030204" pitchFamily="18" charset="0"/>
-                        </a:rPr>
-                        <m:t>55</m:t>
-                      </m:r>
-                      <m:r>
-                        <a:rPr lang="en-US" sz="1800" b="0" i="1" dirty="0" smtClean="0">
-                          <a:latin typeface="Cambria Math" panose="02040503050406030204" pitchFamily="18" charset="0"/>
-                        </a:rPr>
-                        <m:t>%</m:t>
+                        <m:t>=77.55%</m:t>
                       </m:r>
                     </m:oMath>
                   </m:oMathPara>
@@ -10510,7 +11165,7 @@
             </p:txBody>
           </p:sp>
         </mc:Choice>
-        <mc:Fallback>
+        <mc:Fallback xmlns="">
           <p:sp>
             <p:nvSpPr>
               <p:cNvPr id="6" name="Content Placeholder 2">
@@ -10588,8 +11243,8 @@
           <a:chExt cx="0" cy="0"/>
         </a:xfrm>
       </p:grpSpPr>
-      <mc:AlternateContent xmlns:mc="http://schemas.openxmlformats.org/markup-compatibility/2006">
-        <mc:Choice xmlns:a14="http://schemas.microsoft.com/office/drawing/2010/main" Requires="a14">
+      <mc:AlternateContent xmlns:mc="http://schemas.openxmlformats.org/markup-compatibility/2006" xmlns:a14="http://schemas.microsoft.com/office/drawing/2010/main">
+        <mc:Choice Requires="a14">
           <p:sp>
             <p:nvSpPr>
               <p:cNvPr id="6" name="Content Placeholder 2">
@@ -10870,19 +11525,7 @@
                             <a:rPr lang="en-US" sz="1800" b="0" i="1" dirty="0" smtClean="0">
                               <a:latin typeface="Cambria Math" panose="02040503050406030204" pitchFamily="18" charset="0"/>
                             </a:rPr>
-                            <m:t>76+</m:t>
-                          </m:r>
-                          <m:r>
-                            <a:rPr lang="en-US" sz="1800" b="0" i="1" dirty="0" smtClean="0">
-                              <a:latin typeface="Cambria Math" panose="02040503050406030204" pitchFamily="18" charset="0"/>
-                            </a:rPr>
-                            <m:t>2</m:t>
-                          </m:r>
-                          <m:r>
-                            <a:rPr lang="en-US" sz="1800" b="0" i="1" dirty="0" smtClean="0">
-                              <a:latin typeface="Cambria Math" panose="02040503050406030204" pitchFamily="18" charset="0"/>
-                            </a:rPr>
-                            <m:t>0+12</m:t>
+                            <m:t>76+20+12</m:t>
                           </m:r>
                         </m:den>
                       </m:f>
@@ -10890,31 +11533,7 @@
                         <a:rPr lang="en-US" sz="1800" b="0" i="1" dirty="0" smtClean="0">
                           <a:latin typeface="Cambria Math" panose="02040503050406030204" pitchFamily="18" charset="0"/>
                         </a:rPr>
-                        <m:t>=7</m:t>
-                      </m:r>
-                      <m:r>
-                        <a:rPr lang="en-US" sz="1800" b="0" i="1" dirty="0" smtClean="0">
-                          <a:latin typeface="Cambria Math" panose="02040503050406030204" pitchFamily="18" charset="0"/>
-                        </a:rPr>
-                        <m:t>0</m:t>
-                      </m:r>
-                      <m:r>
-                        <a:rPr lang="en-US" sz="1800" b="0" i="1" dirty="0" smtClean="0">
-                          <a:latin typeface="Cambria Math" panose="02040503050406030204" pitchFamily="18" charset="0"/>
-                        </a:rPr>
-                        <m:t>.</m:t>
-                      </m:r>
-                      <m:r>
-                        <a:rPr lang="en-US" sz="1800" b="0" i="1" dirty="0" smtClean="0">
-                          <a:latin typeface="Cambria Math" panose="02040503050406030204" pitchFamily="18" charset="0"/>
-                        </a:rPr>
-                        <m:t>37</m:t>
-                      </m:r>
-                      <m:r>
-                        <a:rPr lang="en-US" sz="1800" b="0" i="1" dirty="0" smtClean="0">
-                          <a:latin typeface="Cambria Math" panose="02040503050406030204" pitchFamily="18" charset="0"/>
-                        </a:rPr>
-                        <m:t>%</m:t>
+                        <m:t>=70.37%</m:t>
                       </m:r>
                     </m:oMath>
                   </m:oMathPara>
@@ -11114,31 +11733,7 @@
                             <a:rPr lang="en-US" sz="1800" b="0" i="1" smtClean="0">
                               <a:latin typeface="Cambria Math" panose="02040503050406030204" pitchFamily="18" charset="0"/>
                             </a:rPr>
-                            <m:t>16</m:t>
-                          </m:r>
-                          <m:r>
-                            <a:rPr lang="en-US" sz="1800" b="0" i="1" smtClean="0">
-                              <a:latin typeface="Cambria Math" panose="02040503050406030204" pitchFamily="18" charset="0"/>
-                            </a:rPr>
-                            <m:t>+</m:t>
-                          </m:r>
-                          <m:r>
-                            <a:rPr lang="en-US" sz="1800" b="0" i="1" smtClean="0">
-                              <a:latin typeface="Cambria Math" panose="02040503050406030204" pitchFamily="18" charset="0"/>
-                            </a:rPr>
-                            <m:t>3</m:t>
-                          </m:r>
-                          <m:r>
-                            <a:rPr lang="en-US" sz="1800" b="0" i="1" smtClean="0">
-                              <a:latin typeface="Cambria Math" panose="02040503050406030204" pitchFamily="18" charset="0"/>
-                            </a:rPr>
-                            <m:t>+</m:t>
-                          </m:r>
-                          <m:r>
-                            <a:rPr lang="en-US" sz="1800" b="0" i="1" smtClean="0">
-                              <a:latin typeface="Cambria Math" panose="02040503050406030204" pitchFamily="18" charset="0"/>
-                            </a:rPr>
-                            <m:t>25</m:t>
+                            <m:t>16+3+25</m:t>
                           </m:r>
                         </m:den>
                       </m:f>
@@ -11146,31 +11741,7 @@
                         <a:rPr lang="en-US" sz="1800" b="0" i="1" smtClean="0">
                           <a:latin typeface="Cambria Math" panose="02040503050406030204" pitchFamily="18" charset="0"/>
                         </a:rPr>
-                        <m:t>=</m:t>
-                      </m:r>
-                      <m:r>
-                        <a:rPr lang="en-US" sz="1800" b="0" i="1" smtClean="0">
-                          <a:latin typeface="Cambria Math" panose="02040503050406030204" pitchFamily="18" charset="0"/>
-                        </a:rPr>
-                        <m:t>56</m:t>
-                      </m:r>
-                      <m:r>
-                        <a:rPr lang="en-US" sz="1800" b="0" i="1" smtClean="0">
-                          <a:latin typeface="Cambria Math" panose="02040503050406030204" pitchFamily="18" charset="0"/>
-                        </a:rPr>
-                        <m:t>.</m:t>
-                      </m:r>
-                      <m:r>
-                        <a:rPr lang="en-US" sz="1800" b="0" i="1" smtClean="0">
-                          <a:latin typeface="Cambria Math" panose="02040503050406030204" pitchFamily="18" charset="0"/>
-                        </a:rPr>
-                        <m:t>81</m:t>
-                      </m:r>
-                      <m:r>
-                        <a:rPr lang="en-US" sz="1800" b="0" i="1" smtClean="0">
-                          <a:latin typeface="Cambria Math" panose="02040503050406030204" pitchFamily="18" charset="0"/>
-                        </a:rPr>
-                        <m:t>%</m:t>
+                        <m:t>=56.81%</m:t>
                       </m:r>
                     </m:oMath>
                   </m:oMathPara>
@@ -11180,7 +11751,7 @@
             </p:txBody>
           </p:sp>
         </mc:Choice>
-        <mc:Fallback>
+        <mc:Fallback xmlns="">
           <p:sp>
             <p:nvSpPr>
               <p:cNvPr id="6" name="Content Placeholder 2">
@@ -11294,8 +11865,8 @@
           </a:p>
         </p:txBody>
       </p:sp>
-      <mc:AlternateContent xmlns:mc="http://schemas.openxmlformats.org/markup-compatibility/2006">
-        <mc:Choice xmlns:a14="http://schemas.microsoft.com/office/drawing/2010/main" Requires="a14">
+      <mc:AlternateContent xmlns:mc="http://schemas.openxmlformats.org/markup-compatibility/2006" xmlns:a14="http://schemas.microsoft.com/office/drawing/2010/main">
+        <mc:Choice Requires="a14">
           <p:sp>
             <p:nvSpPr>
               <p:cNvPr id="7" name="TextBox 6">
@@ -11565,7 +12136,7 @@
             </p:txBody>
           </p:sp>
         </mc:Choice>
-        <mc:Fallback>
+        <mc:Fallback xmlns="">
           <p:sp>
             <p:nvSpPr>
               <p:cNvPr id="7" name="TextBox 6">
@@ -12426,8 +12997,8 @@
           </a:p>
         </p:txBody>
       </p:sp>
-      <mc:AlternateContent xmlns:mc="http://schemas.openxmlformats.org/markup-compatibility/2006">
-        <mc:Choice xmlns:a14="http://schemas.microsoft.com/office/drawing/2010/main" Requires="a14">
+      <mc:AlternateContent xmlns:mc="http://schemas.openxmlformats.org/markup-compatibility/2006" xmlns:a14="http://schemas.microsoft.com/office/drawing/2010/main">
+        <mc:Choice Requires="a14">
           <p:sp>
             <p:nvSpPr>
               <p:cNvPr id="7" name="TextBox 6">
@@ -12733,7 +13304,7 @@
             </p:txBody>
           </p:sp>
         </mc:Choice>
-        <mc:Fallback>
+        <mc:Fallback xmlns="">
           <p:sp>
             <p:nvSpPr>
               <p:cNvPr id="7" name="TextBox 6">
@@ -13372,8 +13943,8 @@
           </a:p>
         </p:txBody>
       </p:sp>
-      <mc:AlternateContent xmlns:mc="http://schemas.openxmlformats.org/markup-compatibility/2006">
-        <mc:Choice xmlns:a14="http://schemas.microsoft.com/office/drawing/2010/main" Requires="a14">
+      <mc:AlternateContent xmlns:mc="http://schemas.openxmlformats.org/markup-compatibility/2006" xmlns:a14="http://schemas.microsoft.com/office/drawing/2010/main">
+        <mc:Choice Requires="a14">
           <p:sp>
             <p:nvSpPr>
               <p:cNvPr id="9" name="Content Placeholder 2">
@@ -13646,13 +14217,7 @@
                             <a:rPr lang="en-US" sz="1800" b="0" i="1" dirty="0" smtClean="0">
                               <a:latin typeface="Cambria Math" panose="02040503050406030204" pitchFamily="18" charset="0"/>
                             </a:rPr>
-                            <m:t>27</m:t>
-                          </m:r>
-                          <m:r>
-                            <a:rPr lang="en-US" sz="1800" b="0" i="1" dirty="0" smtClean="0">
-                              <a:latin typeface="Cambria Math" panose="02040503050406030204" pitchFamily="18" charset="0"/>
-                            </a:rPr>
-                            <m:t>+6</m:t>
+                            <m:t>27+6</m:t>
                           </m:r>
                         </m:num>
                         <m:den>
@@ -13660,31 +14225,7 @@
                             <a:rPr lang="en-US" sz="1800" b="0" i="1" dirty="0" smtClean="0">
                               <a:latin typeface="Cambria Math" panose="02040503050406030204" pitchFamily="18" charset="0"/>
                             </a:rPr>
-                            <m:t>2</m:t>
-                          </m:r>
-                          <m:r>
-                            <a:rPr lang="en-US" sz="1800" b="0" i="1" dirty="0" smtClean="0">
-                              <a:latin typeface="Cambria Math" panose="02040503050406030204" pitchFamily="18" charset="0"/>
-                            </a:rPr>
-                            <m:t>7+</m:t>
-                          </m:r>
-                          <m:r>
-                            <a:rPr lang="en-US" sz="1800" b="0" i="1" dirty="0" smtClean="0">
-                              <a:latin typeface="Cambria Math" panose="02040503050406030204" pitchFamily="18" charset="0"/>
-                            </a:rPr>
-                            <m:t>69</m:t>
-                          </m:r>
-                          <m:r>
-                            <a:rPr lang="en-US" sz="1800" b="0" i="1" dirty="0" smtClean="0">
-                              <a:latin typeface="Cambria Math" panose="02040503050406030204" pitchFamily="18" charset="0"/>
-                            </a:rPr>
-                            <m:t>+1</m:t>
-                          </m:r>
-                          <m:r>
-                            <a:rPr lang="en-US" sz="1800" b="0" i="1" dirty="0" smtClean="0">
-                              <a:latin typeface="Cambria Math" panose="02040503050406030204" pitchFamily="18" charset="0"/>
-                            </a:rPr>
-                            <m:t>1+6+3+81</m:t>
+                            <m:t>27+69+11+6+3+81</m:t>
                           </m:r>
                         </m:den>
                       </m:f>
@@ -13692,31 +14233,7 @@
                         <a:rPr lang="en-US" sz="1800" b="0" i="1" dirty="0" smtClean="0">
                           <a:latin typeface="Cambria Math" panose="02040503050406030204" pitchFamily="18" charset="0"/>
                         </a:rPr>
-                        <m:t>=</m:t>
-                      </m:r>
-                      <m:r>
-                        <a:rPr lang="en-US" sz="1800" b="0" i="1" dirty="0" smtClean="0">
-                          <a:latin typeface="Cambria Math" panose="02040503050406030204" pitchFamily="18" charset="0"/>
-                        </a:rPr>
-                        <m:t>16</m:t>
-                      </m:r>
-                      <m:r>
-                        <a:rPr lang="en-US" sz="1800" b="0" i="1" dirty="0" smtClean="0">
-                          <a:latin typeface="Cambria Math" panose="02040503050406030204" pitchFamily="18" charset="0"/>
-                        </a:rPr>
-                        <m:t>.</m:t>
-                      </m:r>
-                      <m:r>
-                        <a:rPr lang="en-US" sz="1800" b="0" i="1" dirty="0" smtClean="0">
-                          <a:latin typeface="Cambria Math" panose="02040503050406030204" pitchFamily="18" charset="0"/>
-                        </a:rPr>
-                        <m:t>75</m:t>
-                      </m:r>
-                      <m:r>
-                        <a:rPr lang="en-US" sz="1800" b="0" i="1" dirty="0" smtClean="0">
-                          <a:latin typeface="Cambria Math" panose="02040503050406030204" pitchFamily="18" charset="0"/>
-                        </a:rPr>
-                        <m:t>%</m:t>
+                        <m:t>=16.75%</m:t>
                       </m:r>
                     </m:oMath>
                   </m:oMathPara>
@@ -13918,31 +14435,7 @@
                         <a:rPr lang="en-US" sz="1800" b="0" i="1" smtClean="0">
                           <a:latin typeface="Cambria Math" panose="02040503050406030204" pitchFamily="18" charset="0"/>
                         </a:rPr>
-                        <m:t>=</m:t>
-                      </m:r>
-                      <m:r>
-                        <a:rPr lang="en-US" sz="1800" b="0" i="1" smtClean="0">
-                          <a:latin typeface="Cambria Math" panose="02040503050406030204" pitchFamily="18" charset="0"/>
-                        </a:rPr>
-                        <m:t>11</m:t>
-                      </m:r>
-                      <m:r>
-                        <a:rPr lang="en-US" sz="1800" b="0" i="1" smtClean="0">
-                          <a:latin typeface="Cambria Math" panose="02040503050406030204" pitchFamily="18" charset="0"/>
-                        </a:rPr>
-                        <m:t>.</m:t>
-                      </m:r>
-                      <m:r>
-                        <a:rPr lang="en-US" sz="1800" b="0" i="1" smtClean="0">
-                          <a:latin typeface="Cambria Math" panose="02040503050406030204" pitchFamily="18" charset="0"/>
-                        </a:rPr>
-                        <m:t>21</m:t>
-                      </m:r>
-                      <m:r>
-                        <a:rPr lang="en-US" sz="1800" b="0" i="1" smtClean="0">
-                          <a:latin typeface="Cambria Math" panose="02040503050406030204" pitchFamily="18" charset="0"/>
-                        </a:rPr>
-                        <m:t>%</m:t>
+                        <m:t>=11.21%</m:t>
                       </m:r>
                     </m:oMath>
                   </m:oMathPara>
@@ -13952,7 +14445,7 @@
             </p:txBody>
           </p:sp>
         </mc:Choice>
-        <mc:Fallback>
+        <mc:Fallback xmlns="">
           <p:sp>
             <p:nvSpPr>
               <p:cNvPr id="9" name="Content Placeholder 2">
@@ -14058,8 +14551,8 @@
           </a:p>
         </p:txBody>
       </p:sp>
-      <mc:AlternateContent xmlns:mc="http://schemas.openxmlformats.org/markup-compatibility/2006">
-        <mc:Choice xmlns:a14="http://schemas.microsoft.com/office/drawing/2010/main" Requires="a14">
+      <mc:AlternateContent xmlns:mc="http://schemas.openxmlformats.org/markup-compatibility/2006" xmlns:a14="http://schemas.microsoft.com/office/drawing/2010/main">
+        <mc:Choice Requires="a14">
           <p:sp>
             <p:nvSpPr>
               <p:cNvPr id="7" name="TextBox 6">
@@ -14365,7 +14858,7 @@
             </p:txBody>
           </p:sp>
         </mc:Choice>
-        <mc:Fallback>
+        <mc:Fallback xmlns="">
           <p:sp>
             <p:nvSpPr>
               <p:cNvPr id="7" name="TextBox 6">
@@ -14448,8 +14941,8 @@
           </a:p>
         </p:txBody>
       </p:sp>
-      <mc:AlternateContent xmlns:mc="http://schemas.openxmlformats.org/markup-compatibility/2006">
-        <mc:Choice xmlns:a14="http://schemas.microsoft.com/office/drawing/2010/main" Requires="a14">
+      <mc:AlternateContent xmlns:mc="http://schemas.openxmlformats.org/markup-compatibility/2006" xmlns:a14="http://schemas.microsoft.com/office/drawing/2010/main">
+        <mc:Choice Requires="a14">
           <p:sp>
             <p:nvSpPr>
               <p:cNvPr id="9" name="Content Placeholder 2">
@@ -14722,19 +15215,7 @@
                             <a:rPr lang="en-US" sz="1800" b="0" i="1" dirty="0" smtClean="0">
                               <a:latin typeface="Cambria Math" panose="02040503050406030204" pitchFamily="18" charset="0"/>
                             </a:rPr>
-                            <m:t>27+</m:t>
-                          </m:r>
-                          <m:r>
-                            <a:rPr lang="en-US" sz="1800" b="0" i="1" dirty="0" smtClean="0">
-                              <a:latin typeface="Cambria Math" panose="02040503050406030204" pitchFamily="18" charset="0"/>
-                            </a:rPr>
-                            <m:t>1</m:t>
-                          </m:r>
-                          <m:r>
-                            <a:rPr lang="en-US" sz="1800" b="0" i="1" dirty="0" smtClean="0">
-                              <a:latin typeface="Cambria Math" panose="02040503050406030204" pitchFamily="18" charset="0"/>
-                            </a:rPr>
-                            <m:t>6</m:t>
+                            <m:t>27+16</m:t>
                           </m:r>
                         </m:num>
                         <m:den>
@@ -14742,37 +15223,7 @@
                             <a:rPr lang="en-US" sz="1800" b="0" i="1" dirty="0" smtClean="0">
                               <a:latin typeface="Cambria Math" panose="02040503050406030204" pitchFamily="18" charset="0"/>
                             </a:rPr>
-                            <m:t>27+</m:t>
-                          </m:r>
-                          <m:r>
-                            <a:rPr lang="en-US" sz="1800" b="0" i="1" dirty="0" smtClean="0">
-                              <a:latin typeface="Cambria Math" panose="02040503050406030204" pitchFamily="18" charset="0"/>
-                            </a:rPr>
-                            <m:t>180</m:t>
-                          </m:r>
-                          <m:r>
-                            <a:rPr lang="en-US" sz="1800" b="0" i="1" dirty="0" smtClean="0">
-                              <a:latin typeface="Cambria Math" panose="02040503050406030204" pitchFamily="18" charset="0"/>
-                            </a:rPr>
-                            <m:t>+11+</m:t>
-                          </m:r>
-                          <m:r>
-                            <a:rPr lang="en-US" sz="1800" b="0" i="1" dirty="0" smtClean="0">
-                              <a:latin typeface="Cambria Math" panose="02040503050406030204" pitchFamily="18" charset="0"/>
-                            </a:rPr>
-                            <m:t>1</m:t>
-                          </m:r>
-                          <m:r>
-                            <a:rPr lang="en-US" sz="1800" b="0" i="1" dirty="0" smtClean="0">
-                              <a:latin typeface="Cambria Math" panose="02040503050406030204" pitchFamily="18" charset="0"/>
-                            </a:rPr>
-                            <m:t>6+3+</m:t>
-                          </m:r>
-                          <m:r>
-                            <a:rPr lang="en-US" sz="1800" b="0" i="1" dirty="0" smtClean="0">
-                              <a:latin typeface="Cambria Math" panose="02040503050406030204" pitchFamily="18" charset="0"/>
-                            </a:rPr>
-                            <m:t>27</m:t>
+                            <m:t>27+180+11+16+3+27</m:t>
                           </m:r>
                         </m:den>
                       </m:f>
@@ -14780,19 +15231,7 @@
                         <a:rPr lang="en-US" sz="1800" b="0" i="1" dirty="0" smtClean="0">
                           <a:latin typeface="Cambria Math" panose="02040503050406030204" pitchFamily="18" charset="0"/>
                         </a:rPr>
-                        <m:t>=16.</m:t>
-                      </m:r>
-                      <m:r>
-                        <a:rPr lang="en-US" sz="1800" b="0" i="1" dirty="0" smtClean="0">
-                          <a:latin typeface="Cambria Math" panose="02040503050406030204" pitchFamily="18" charset="0"/>
-                        </a:rPr>
-                        <m:t>41</m:t>
-                      </m:r>
-                      <m:r>
-                        <a:rPr lang="en-US" sz="1800" b="0" i="1" dirty="0" smtClean="0">
-                          <a:latin typeface="Cambria Math" panose="02040503050406030204" pitchFamily="18" charset="0"/>
-                        </a:rPr>
-                        <m:t>%</m:t>
+                        <m:t>=16.41%</m:t>
                       </m:r>
                     </m:oMath>
                   </m:oMathPara>
@@ -14856,13 +15295,7 @@
                             <a:rPr lang="en-US" sz="1800" b="0" i="1" smtClean="0">
                               <a:latin typeface="Cambria Math" panose="02040503050406030204" pitchFamily="18" charset="0"/>
                             </a:rPr>
-                            <m:t>2</m:t>
-                          </m:r>
-                          <m:r>
-                            <a:rPr lang="en-US" sz="1800" b="0" i="1" smtClean="0">
-                              <a:latin typeface="Cambria Math" panose="02040503050406030204" pitchFamily="18" charset="0"/>
-                            </a:rPr>
-                            <m:t>0+3</m:t>
+                            <m:t>20+3</m:t>
                           </m:r>
                         </m:num>
                         <m:den>
@@ -14876,37 +15309,7 @@
                             <a:rPr lang="en-US" sz="1800" b="0" i="1" smtClean="0">
                               <a:latin typeface="Cambria Math" panose="02040503050406030204" pitchFamily="18" charset="0"/>
                             </a:rPr>
-                            <m:t>6+</m:t>
-                          </m:r>
-                          <m:r>
-                            <a:rPr lang="en-US" sz="1800" b="0" i="1" smtClean="0">
-                              <a:latin typeface="Cambria Math" panose="02040503050406030204" pitchFamily="18" charset="0"/>
-                            </a:rPr>
-                            <m:t>2</m:t>
-                          </m:r>
-                          <m:r>
-                            <a:rPr lang="en-US" sz="1800" b="0" i="1" smtClean="0">
-                              <a:latin typeface="Cambria Math" panose="02040503050406030204" pitchFamily="18" charset="0"/>
-                            </a:rPr>
-                            <m:t>0+12+</m:t>
-                          </m:r>
-                          <m:r>
-                            <a:rPr lang="en-US" sz="1800" b="0" i="1" smtClean="0">
-                              <a:latin typeface="Cambria Math" panose="02040503050406030204" pitchFamily="18" charset="0"/>
-                            </a:rPr>
-                            <m:t>1</m:t>
-                          </m:r>
-                          <m:r>
-                            <a:rPr lang="en-US" sz="1800" b="0" i="1" smtClean="0">
-                              <a:latin typeface="Cambria Math" panose="02040503050406030204" pitchFamily="18" charset="0"/>
-                            </a:rPr>
-                            <m:t>6+3+</m:t>
-                          </m:r>
-                          <m:r>
-                            <a:rPr lang="en-US" sz="1800" b="0" i="1" smtClean="0">
-                              <a:latin typeface="Cambria Math" panose="02040503050406030204" pitchFamily="18" charset="0"/>
-                            </a:rPr>
-                            <m:t>25</m:t>
+                            <m:t>6+20+12+16+3+25</m:t>
                           </m:r>
                         </m:den>
                       </m:f>
@@ -15034,19 +15437,7 @@
                             <a:rPr lang="en-US" sz="1800" b="0" i="1" smtClean="0">
                               <a:latin typeface="Cambria Math" panose="02040503050406030204" pitchFamily="18" charset="0"/>
                             </a:rPr>
-                            <m:t>+27+</m:t>
-                          </m:r>
-                          <m:r>
-                            <a:rPr lang="en-US" sz="1800" b="0" i="1" smtClean="0">
-                              <a:latin typeface="Cambria Math" panose="02040503050406030204" pitchFamily="18" charset="0"/>
-                            </a:rPr>
-                            <m:t>180</m:t>
-                          </m:r>
-                          <m:r>
-                            <a:rPr lang="en-US" sz="1800" b="0" i="1" smtClean="0">
-                              <a:latin typeface="Cambria Math" panose="02040503050406030204" pitchFamily="18" charset="0"/>
-                            </a:rPr>
-                            <m:t>+11</m:t>
+                            <m:t>+27+180+11</m:t>
                           </m:r>
                         </m:den>
                       </m:f>
@@ -15054,31 +15445,7 @@
                         <a:rPr lang="en-US" sz="1800" b="0" i="1" smtClean="0">
                           <a:latin typeface="Cambria Math" panose="02040503050406030204" pitchFamily="18" charset="0"/>
                         </a:rPr>
-                        <m:t>=</m:t>
-                      </m:r>
-                      <m:r>
-                        <a:rPr lang="en-US" sz="1800" b="0" i="1" smtClean="0">
-                          <a:latin typeface="Cambria Math" panose="02040503050406030204" pitchFamily="18" charset="0"/>
-                        </a:rPr>
-                        <m:t>7</m:t>
-                      </m:r>
-                      <m:r>
-                        <a:rPr lang="en-US" sz="1800" b="0" i="1" smtClean="0">
-                          <a:latin typeface="Cambria Math" panose="02040503050406030204" pitchFamily="18" charset="0"/>
-                        </a:rPr>
-                        <m:t>.</m:t>
-                      </m:r>
-                      <m:r>
-                        <a:rPr lang="en-US" sz="1800" b="0" i="1" smtClean="0">
-                          <a:latin typeface="Cambria Math" panose="02040503050406030204" pitchFamily="18" charset="0"/>
-                        </a:rPr>
-                        <m:t>05</m:t>
-                      </m:r>
-                      <m:r>
-                        <a:rPr lang="en-US" sz="1800" b="0" i="1" smtClean="0">
-                          <a:latin typeface="Cambria Math" panose="02040503050406030204" pitchFamily="18" charset="0"/>
-                        </a:rPr>
-                        <m:t>%</m:t>
+                        <m:t>=7.05%</m:t>
                       </m:r>
                     </m:oMath>
                   </m:oMathPara>
@@ -15088,7 +15455,7 @@
             </p:txBody>
           </p:sp>
         </mc:Choice>
-        <mc:Fallback>
+        <mc:Fallback xmlns="">
           <p:sp>
             <p:nvSpPr>
               <p:cNvPr id="9" name="Content Placeholder 2">
@@ -16056,10 +16423,10 @@
       </mc:AlternateContent>
       <p:sp>
         <p:nvSpPr>
-          <p:cNvPr id="4" name="Content Placeholder 2">
+          <p:cNvPr id="3" name="Content Placeholder 2">
             <a:extLst>
               <a:ext uri="{FF2B5EF4-FFF2-40B4-BE49-F238E27FC236}">
-                <a16:creationId xmlns:a16="http://schemas.microsoft.com/office/drawing/2014/main" id="{481A5329-54CD-C0DB-4845-5149572E47C3}"/>
+                <a16:creationId xmlns:a16="http://schemas.microsoft.com/office/drawing/2014/main" id="{B446FAAB-3915-7B5C-4BFB-022FB35DAE33}"/>
               </a:ext>
             </a:extLst>
           </p:cNvPr>
@@ -16070,12 +16437,16 @@
         </p:nvSpPr>
         <p:spPr>
           <a:xfrm>
-            <a:off x="838200" y="4225253"/>
-            <a:ext cx="4019026" cy="1959146"/>
+            <a:off x="838199" y="6096967"/>
+            <a:ext cx="2691003" cy="431177"/>
           </a:xfrm>
           <a:prstGeom prst="rect">
             <a:avLst/>
           </a:prstGeom>
+          <a:noFill/>
+          <a:ln>
+            <a:noFill/>
+          </a:ln>
         </p:spPr>
         <p:style>
           <a:lnRef idx="2">
@@ -16093,7 +16464,7 @@
         </p:style>
         <p:txBody>
           <a:bodyPr vert="horz" lIns="91440" tIns="45720" rIns="91440" bIns="45720" rtlCol="0">
-            <a:normAutofit/>
+            <a:normAutofit fontScale="55000" lnSpcReduction="20000"/>
           </a:bodyPr>
           <a:lstStyle>
             <a:lvl1pPr marL="228600" indent="-228600" algn="l" defTabSz="914400" rtl="0" eaLnBrk="1" latinLnBrk="0" hangingPunct="1">
@@ -16260,226 +16631,944 @@
             </a:lvl9pPr>
           </a:lstStyle>
           <a:p>
+            <a:pPr marL="0" indent="0">
+              <a:buNone/>
+            </a:pPr>
             <a:r>
               <a:rPr lang="en-US" dirty="0"/>
-              <a:t>Ex: Balanced Data</a:t>
+              <a:t>Balanced Data: Nearly equal quantity of dogs, cats, and birds</a:t>
             </a:r>
           </a:p>
         </p:txBody>
       </p:sp>
-      <p:sp>
-        <p:nvSpPr>
-          <p:cNvPr id="6" name="Content Placeholder 2">
+      <p:graphicFrame>
+        <p:nvGraphicFramePr>
+          <p:cNvPr id="5" name="Table 10">
             <a:extLst>
               <a:ext uri="{FF2B5EF4-FFF2-40B4-BE49-F238E27FC236}">
-                <a16:creationId xmlns:a16="http://schemas.microsoft.com/office/drawing/2014/main" id="{DFB373DA-FF69-1F71-C69D-0A42C80B80CE}"/>
+                <a16:creationId xmlns:a16="http://schemas.microsoft.com/office/drawing/2014/main" id="{85D84FA7-B1B6-9C41-4304-5134E6266AA6}"/>
               </a:ext>
             </a:extLst>
           </p:cNvPr>
-          <p:cNvSpPr txBox="1">
-            <a:spLocks/>
-          </p:cNvSpPr>
-          <p:nvPr/>
-        </p:nvSpPr>
-        <p:spPr>
-          <a:xfrm>
-            <a:off x="7334776" y="4225253"/>
-            <a:ext cx="4019026" cy="1959146"/>
-          </a:xfrm>
-          <a:prstGeom prst="rect">
-            <a:avLst/>
-          </a:prstGeom>
-        </p:spPr>
-        <p:style>
-          <a:lnRef idx="2">
-            <a:schemeClr val="accent5"/>
-          </a:lnRef>
-          <a:fillRef idx="1">
-            <a:schemeClr val="lt1"/>
-          </a:fillRef>
-          <a:effectRef idx="0">
-            <a:schemeClr val="accent5"/>
-          </a:effectRef>
-          <a:fontRef idx="minor">
-            <a:schemeClr val="dk1"/>
-          </a:fontRef>
-        </p:style>
-        <p:txBody>
-          <a:bodyPr vert="horz" lIns="91440" tIns="45720" rIns="91440" bIns="45720" rtlCol="0">
-            <a:normAutofit/>
-          </a:bodyPr>
-          <a:lstStyle>
-            <a:lvl1pPr marL="228600" indent="-228600" algn="l" defTabSz="914400" rtl="0" eaLnBrk="1" latinLnBrk="0" hangingPunct="1">
-              <a:lnSpc>
-                <a:spcPct val="90000"/>
-              </a:lnSpc>
-              <a:spcBef>
-                <a:spcPts val="1000"/>
-              </a:spcBef>
-              <a:buFont typeface="Arial" panose="020B0604020202020204" pitchFamily="34" charset="0"/>
-              <a:buChar char="•"/>
-              <a:defRPr sz="2800" kern="1200">
-                <a:solidFill>
-                  <a:schemeClr val="tx1"/>
-                </a:solidFill>
-                <a:latin typeface="+mn-lt"/>
-                <a:ea typeface="+mn-ea"/>
-                <a:cs typeface="+mn-cs"/>
-              </a:defRPr>
-            </a:lvl1pPr>
-            <a:lvl2pPr marL="685800" indent="-228600" algn="l" defTabSz="914400" rtl="0" eaLnBrk="1" latinLnBrk="0" hangingPunct="1">
-              <a:lnSpc>
-                <a:spcPct val="90000"/>
-              </a:lnSpc>
-              <a:spcBef>
-                <a:spcPts val="500"/>
-              </a:spcBef>
-              <a:buFont typeface="Arial" panose="020B0604020202020204" pitchFamily="34" charset="0"/>
-              <a:buChar char="•"/>
-              <a:defRPr sz="2400" kern="1200">
-                <a:solidFill>
-                  <a:schemeClr val="tx1"/>
-                </a:solidFill>
-                <a:latin typeface="+mn-lt"/>
-                <a:ea typeface="+mn-ea"/>
-                <a:cs typeface="+mn-cs"/>
-              </a:defRPr>
-            </a:lvl2pPr>
-            <a:lvl3pPr marL="1143000" indent="-228600" algn="l" defTabSz="914400" rtl="0" eaLnBrk="1" latinLnBrk="0" hangingPunct="1">
-              <a:lnSpc>
-                <a:spcPct val="90000"/>
-              </a:lnSpc>
-              <a:spcBef>
-                <a:spcPts val="500"/>
-              </a:spcBef>
-              <a:buFont typeface="Arial" panose="020B0604020202020204" pitchFamily="34" charset="0"/>
-              <a:buChar char="•"/>
-              <a:defRPr sz="2000" kern="1200">
-                <a:solidFill>
-                  <a:schemeClr val="tx1"/>
-                </a:solidFill>
-                <a:latin typeface="+mn-lt"/>
-                <a:ea typeface="+mn-ea"/>
-                <a:cs typeface="+mn-cs"/>
-              </a:defRPr>
-            </a:lvl3pPr>
-            <a:lvl4pPr marL="1600200" indent="-228600" algn="l" defTabSz="914400" rtl="0" eaLnBrk="1" latinLnBrk="0" hangingPunct="1">
-              <a:lnSpc>
-                <a:spcPct val="90000"/>
-              </a:lnSpc>
-              <a:spcBef>
-                <a:spcPts val="500"/>
-              </a:spcBef>
-              <a:buFont typeface="Arial" panose="020B0604020202020204" pitchFamily="34" charset="0"/>
-              <a:buChar char="•"/>
-              <a:defRPr sz="1800" kern="1200">
-                <a:solidFill>
-                  <a:schemeClr val="tx1"/>
-                </a:solidFill>
-                <a:latin typeface="+mn-lt"/>
-                <a:ea typeface="+mn-ea"/>
-                <a:cs typeface="+mn-cs"/>
-              </a:defRPr>
-            </a:lvl4pPr>
-            <a:lvl5pPr marL="2057400" indent="-228600" algn="l" defTabSz="914400" rtl="0" eaLnBrk="1" latinLnBrk="0" hangingPunct="1">
-              <a:lnSpc>
-                <a:spcPct val="90000"/>
-              </a:lnSpc>
-              <a:spcBef>
-                <a:spcPts val="500"/>
-              </a:spcBef>
-              <a:buFont typeface="Arial" panose="020B0604020202020204" pitchFamily="34" charset="0"/>
-              <a:buChar char="•"/>
-              <a:defRPr sz="1800" kern="1200">
-                <a:solidFill>
-                  <a:schemeClr val="tx1"/>
-                </a:solidFill>
-                <a:latin typeface="+mn-lt"/>
-                <a:ea typeface="+mn-ea"/>
-                <a:cs typeface="+mn-cs"/>
-              </a:defRPr>
-            </a:lvl5pPr>
-            <a:lvl6pPr marL="2514600" indent="-228600" algn="l" defTabSz="914400" rtl="0" eaLnBrk="1" latinLnBrk="0" hangingPunct="1">
-              <a:lnSpc>
-                <a:spcPct val="90000"/>
-              </a:lnSpc>
-              <a:spcBef>
-                <a:spcPts val="500"/>
-              </a:spcBef>
-              <a:buFont typeface="Arial" panose="020B0604020202020204" pitchFamily="34" charset="0"/>
-              <a:buChar char="•"/>
-              <a:defRPr sz="1800" kern="1200">
-                <a:solidFill>
-                  <a:schemeClr val="tx1"/>
-                </a:solidFill>
-                <a:latin typeface="+mn-lt"/>
-                <a:ea typeface="+mn-ea"/>
-                <a:cs typeface="+mn-cs"/>
-              </a:defRPr>
-            </a:lvl6pPr>
-            <a:lvl7pPr marL="2971800" indent="-228600" algn="l" defTabSz="914400" rtl="0" eaLnBrk="1" latinLnBrk="0" hangingPunct="1">
-              <a:lnSpc>
-                <a:spcPct val="90000"/>
-              </a:lnSpc>
-              <a:spcBef>
-                <a:spcPts val="500"/>
-              </a:spcBef>
-              <a:buFont typeface="Arial" panose="020B0604020202020204" pitchFamily="34" charset="0"/>
-              <a:buChar char="•"/>
-              <a:defRPr sz="1800" kern="1200">
-                <a:solidFill>
-                  <a:schemeClr val="tx1"/>
-                </a:solidFill>
-                <a:latin typeface="+mn-lt"/>
-                <a:ea typeface="+mn-ea"/>
-                <a:cs typeface="+mn-cs"/>
-              </a:defRPr>
-            </a:lvl7pPr>
-            <a:lvl8pPr marL="3429000" indent="-228600" algn="l" defTabSz="914400" rtl="0" eaLnBrk="1" latinLnBrk="0" hangingPunct="1">
-              <a:lnSpc>
-                <a:spcPct val="90000"/>
-              </a:lnSpc>
-              <a:spcBef>
-                <a:spcPts val="500"/>
-              </a:spcBef>
-              <a:buFont typeface="Arial" panose="020B0604020202020204" pitchFamily="34" charset="0"/>
-              <a:buChar char="•"/>
-              <a:defRPr sz="1800" kern="1200">
-                <a:solidFill>
-                  <a:schemeClr val="tx1"/>
-                </a:solidFill>
-                <a:latin typeface="+mn-lt"/>
-                <a:ea typeface="+mn-ea"/>
-                <a:cs typeface="+mn-cs"/>
-              </a:defRPr>
-            </a:lvl8pPr>
-            <a:lvl9pPr marL="3886200" indent="-228600" algn="l" defTabSz="914400" rtl="0" eaLnBrk="1" latinLnBrk="0" hangingPunct="1">
-              <a:lnSpc>
-                <a:spcPct val="90000"/>
-              </a:lnSpc>
-              <a:spcBef>
-                <a:spcPts val="500"/>
-              </a:spcBef>
-              <a:buFont typeface="Arial" panose="020B0604020202020204" pitchFamily="34" charset="0"/>
-              <a:buChar char="•"/>
-              <a:defRPr sz="1800" kern="1200">
-                <a:solidFill>
-                  <a:schemeClr val="tx1"/>
-                </a:solidFill>
-                <a:latin typeface="+mn-lt"/>
-                <a:ea typeface="+mn-ea"/>
-                <a:cs typeface="+mn-cs"/>
-              </a:defRPr>
-            </a:lvl9pPr>
-          </a:lstStyle>
-          <a:p>
-            <a:r>
-              <a:rPr lang="en-US" dirty="0"/>
-              <a:t>Ex: Imbalanced Data</a:t>
-            </a:r>
-          </a:p>
-        </p:txBody>
-      </p:sp>
+          <p:cNvGraphicFramePr>
+            <a:graphicFrameLocks noGrp="1"/>
+          </p:cNvGraphicFramePr>
+          <p:nvPr>
+            <p:extLst>
+              <p:ext uri="{D42A27DB-BD31-4B8C-83A1-F6EECF244321}">
+                <p14:modId xmlns:p14="http://schemas.microsoft.com/office/powerpoint/2010/main" val="3802771662"/>
+              </p:ext>
+            </p:extLst>
+          </p:nvPr>
+        </p:nvGraphicFramePr>
+        <p:xfrm>
+          <a:off x="838198" y="3921583"/>
+          <a:ext cx="2691004" cy="2124504"/>
+        </p:xfrm>
+        <a:graphic>
+          <a:graphicData uri="http://schemas.openxmlformats.org/drawingml/2006/table">
+            <a:tbl>
+              <a:tblPr firstRow="1" bandRow="1">
+                <a:tableStyleId>{5C22544A-7EE6-4342-B048-85BDC9FD1C3A}</a:tableStyleId>
+              </a:tblPr>
+              <a:tblGrid>
+                <a:gridCol w="672751">
+                  <a:extLst>
+                    <a:ext uri="{9D8B030D-6E8A-4147-A177-3AD203B41FA5}">
+                      <a16:colId xmlns:a16="http://schemas.microsoft.com/office/drawing/2014/main" val="3779047369"/>
+                    </a:ext>
+                  </a:extLst>
+                </a:gridCol>
+                <a:gridCol w="672751">
+                  <a:extLst>
+                    <a:ext uri="{9D8B030D-6E8A-4147-A177-3AD203B41FA5}">
+                      <a16:colId xmlns:a16="http://schemas.microsoft.com/office/drawing/2014/main" val="2587912599"/>
+                    </a:ext>
+                  </a:extLst>
+                </a:gridCol>
+                <a:gridCol w="672751">
+                  <a:extLst>
+                    <a:ext uri="{9D8B030D-6E8A-4147-A177-3AD203B41FA5}">
+                      <a16:colId xmlns:a16="http://schemas.microsoft.com/office/drawing/2014/main" val="617498338"/>
+                    </a:ext>
+                  </a:extLst>
+                </a:gridCol>
+                <a:gridCol w="672751">
+                  <a:extLst>
+                    <a:ext uri="{9D8B030D-6E8A-4147-A177-3AD203B41FA5}">
+                      <a16:colId xmlns:a16="http://schemas.microsoft.com/office/drawing/2014/main" val="1361611942"/>
+                    </a:ext>
+                  </a:extLst>
+                </a:gridCol>
+              </a:tblGrid>
+              <a:tr h="517477">
+                <a:tc>
+                  <a:txBody>
+                    <a:bodyPr/>
+                    <a:lstStyle/>
+                    <a:p>
+                      <a:pPr algn="ctr"/>
+                      <a:endParaRPr lang="en-US" sz="1500" b="1" dirty="0">
+                        <a:solidFill>
+                          <a:schemeClr val="bg1"/>
+                        </a:solidFill>
+                      </a:endParaRPr>
+                    </a:p>
+                  </a:txBody>
+                  <a:tcPr marL="73925" marR="73925" marT="36963" marB="36963">
+                    <a:solidFill>
+                      <a:srgbClr val="4472C4"/>
+                    </a:solidFill>
+                  </a:tcPr>
+                </a:tc>
+                <a:tc>
+                  <a:txBody>
+                    <a:bodyPr/>
+                    <a:lstStyle/>
+                    <a:p>
+                      <a:pPr algn="ctr"/>
+                      <a:r>
+                        <a:rPr lang="en-US" sz="1500" dirty="0"/>
+                        <a:t>Model Cat</a:t>
+                      </a:r>
+                    </a:p>
+                  </a:txBody>
+                  <a:tcPr marL="73925" marR="73925" marT="36963" marB="36963"/>
+                </a:tc>
+                <a:tc>
+                  <a:txBody>
+                    <a:bodyPr/>
+                    <a:lstStyle/>
+                    <a:p>
+                      <a:pPr algn="ctr"/>
+                      <a:r>
+                        <a:rPr lang="en-US" sz="1500" dirty="0"/>
+                        <a:t>Model Dog</a:t>
+                      </a:r>
+                    </a:p>
+                  </a:txBody>
+                  <a:tcPr marL="73925" marR="73925" marT="36963" marB="36963"/>
+                </a:tc>
+                <a:tc>
+                  <a:txBody>
+                    <a:bodyPr/>
+                    <a:lstStyle/>
+                    <a:p>
+                      <a:pPr algn="ctr"/>
+                      <a:r>
+                        <a:rPr lang="en-US" sz="1500" dirty="0"/>
+                        <a:t>Model Bird</a:t>
+                      </a:r>
+                    </a:p>
+                  </a:txBody>
+                  <a:tcPr marL="73925" marR="73925" marT="36963" marB="36963"/>
+                </a:tc>
+                <a:extLst>
+                  <a:ext uri="{0D108BD9-81ED-4DB2-BD59-A6C34878D82A}">
+                    <a16:rowId xmlns:a16="http://schemas.microsoft.com/office/drawing/2014/main" val="2688480762"/>
+                  </a:ext>
+                </a:extLst>
+              </a:tr>
+              <a:tr h="517477">
+                <a:tc>
+                  <a:txBody>
+                    <a:bodyPr/>
+                    <a:lstStyle/>
+                    <a:p>
+                      <a:pPr algn="ctr"/>
+                      <a:r>
+                        <a:rPr lang="en-US" sz="1500" b="1" dirty="0">
+                          <a:solidFill>
+                            <a:schemeClr val="bg1"/>
+                          </a:solidFill>
+                        </a:rPr>
+                        <a:t>Data Cat</a:t>
+                      </a:r>
+                    </a:p>
+                  </a:txBody>
+                  <a:tcPr marL="73925" marR="73925" marT="36963" marB="36963">
+                    <a:solidFill>
+                      <a:srgbClr val="4472C4"/>
+                    </a:solidFill>
+                  </a:tcPr>
+                </a:tc>
+                <a:tc>
+                  <a:txBody>
+                    <a:bodyPr/>
+                    <a:lstStyle/>
+                    <a:p>
+                      <a:r>
+                        <a:rPr lang="en-US" sz="1500" dirty="0"/>
+                        <a:t>76</a:t>
+                      </a:r>
+                    </a:p>
+                  </a:txBody>
+                  <a:tcPr marL="73925" marR="73925" marT="36963" marB="36963"/>
+                </a:tc>
+                <a:tc>
+                  <a:txBody>
+                    <a:bodyPr/>
+                    <a:lstStyle/>
+                    <a:p>
+                      <a:r>
+                        <a:rPr lang="en-US" sz="1500" dirty="0"/>
+                        <a:t>10</a:t>
+                      </a:r>
+                    </a:p>
+                  </a:txBody>
+                  <a:tcPr marL="73925" marR="73925" marT="36963" marB="36963"/>
+                </a:tc>
+                <a:tc>
+                  <a:txBody>
+                    <a:bodyPr/>
+                    <a:lstStyle/>
+                    <a:p>
+                      <a:r>
+                        <a:rPr lang="en-US" sz="1500" dirty="0"/>
+                        <a:t>12</a:t>
+                      </a:r>
+                    </a:p>
+                  </a:txBody>
+                  <a:tcPr marL="73925" marR="73925" marT="36963" marB="36963"/>
+                </a:tc>
+                <a:extLst>
+                  <a:ext uri="{0D108BD9-81ED-4DB2-BD59-A6C34878D82A}">
+                    <a16:rowId xmlns:a16="http://schemas.microsoft.com/office/drawing/2014/main" val="1617891110"/>
+                  </a:ext>
+                </a:extLst>
+              </a:tr>
+              <a:tr h="517477">
+                <a:tc>
+                  <a:txBody>
+                    <a:bodyPr/>
+                    <a:lstStyle/>
+                    <a:p>
+                      <a:pPr algn="ctr"/>
+                      <a:r>
+                        <a:rPr lang="en-US" sz="1500" b="1" dirty="0">
+                          <a:solidFill>
+                            <a:schemeClr val="bg1"/>
+                          </a:solidFill>
+                        </a:rPr>
+                        <a:t>Data Dog</a:t>
+                      </a:r>
+                    </a:p>
+                  </a:txBody>
+                  <a:tcPr marL="73925" marR="73925" marT="36963" marB="36963">
+                    <a:solidFill>
+                      <a:srgbClr val="4472C4"/>
+                    </a:solidFill>
+                  </a:tcPr>
+                </a:tc>
+                <a:tc>
+                  <a:txBody>
+                    <a:bodyPr/>
+                    <a:lstStyle/>
+                    <a:p>
+                      <a:r>
+                        <a:rPr lang="en-US" sz="1500" dirty="0"/>
+                        <a:t>27</a:t>
+                      </a:r>
+                    </a:p>
+                  </a:txBody>
+                  <a:tcPr marL="73925" marR="73925" marT="36963" marB="36963"/>
+                </a:tc>
+                <a:tc>
+                  <a:txBody>
+                    <a:bodyPr/>
+                    <a:lstStyle/>
+                    <a:p>
+                      <a:r>
+                        <a:rPr lang="en-US" sz="1500" dirty="0"/>
+                        <a:t>69</a:t>
+                      </a:r>
+                    </a:p>
+                  </a:txBody>
+                  <a:tcPr marL="73925" marR="73925" marT="36963" marB="36963"/>
+                </a:tc>
+                <a:tc>
+                  <a:txBody>
+                    <a:bodyPr/>
+                    <a:lstStyle/>
+                    <a:p>
+                      <a:r>
+                        <a:rPr lang="en-US" sz="1500" dirty="0"/>
+                        <a:t>11</a:t>
+                      </a:r>
+                    </a:p>
+                  </a:txBody>
+                  <a:tcPr marL="73925" marR="73925" marT="36963" marB="36963"/>
+                </a:tc>
+                <a:extLst>
+                  <a:ext uri="{0D108BD9-81ED-4DB2-BD59-A6C34878D82A}">
+                    <a16:rowId xmlns:a16="http://schemas.microsoft.com/office/drawing/2014/main" val="842711822"/>
+                  </a:ext>
+                </a:extLst>
+              </a:tr>
+              <a:tr h="517477">
+                <a:tc>
+                  <a:txBody>
+                    <a:bodyPr/>
+                    <a:lstStyle/>
+                    <a:p>
+                      <a:pPr algn="ctr"/>
+                      <a:r>
+                        <a:rPr lang="en-US" sz="1500" b="1" dirty="0">
+                          <a:solidFill>
+                            <a:schemeClr val="bg1"/>
+                          </a:solidFill>
+                        </a:rPr>
+                        <a:t>Data Bird</a:t>
+                      </a:r>
+                    </a:p>
+                  </a:txBody>
+                  <a:tcPr marL="73925" marR="73925" marT="36963" marB="36963">
+                    <a:solidFill>
+                      <a:srgbClr val="4472C4"/>
+                    </a:solidFill>
+                  </a:tcPr>
+                </a:tc>
+                <a:tc>
+                  <a:txBody>
+                    <a:bodyPr/>
+                    <a:lstStyle/>
+                    <a:p>
+                      <a:r>
+                        <a:rPr lang="en-US" sz="1500" dirty="0"/>
+                        <a:t>6</a:t>
+                      </a:r>
+                    </a:p>
+                  </a:txBody>
+                  <a:tcPr marL="73925" marR="73925" marT="36963" marB="36963"/>
+                </a:tc>
+                <a:tc>
+                  <a:txBody>
+                    <a:bodyPr/>
+                    <a:lstStyle/>
+                    <a:p>
+                      <a:r>
+                        <a:rPr lang="en-US" sz="1500" dirty="0"/>
+                        <a:t>3</a:t>
+                      </a:r>
+                    </a:p>
+                  </a:txBody>
+                  <a:tcPr marL="73925" marR="73925" marT="36963" marB="36963"/>
+                </a:tc>
+                <a:tc>
+                  <a:txBody>
+                    <a:bodyPr/>
+                    <a:lstStyle/>
+                    <a:p>
+                      <a:r>
+                        <a:rPr lang="en-US" sz="1500" dirty="0"/>
+                        <a:t>81</a:t>
+                      </a:r>
+                    </a:p>
+                  </a:txBody>
+                  <a:tcPr marL="73925" marR="73925" marT="36963" marB="36963"/>
+                </a:tc>
+                <a:extLst>
+                  <a:ext uri="{0D108BD9-81ED-4DB2-BD59-A6C34878D82A}">
+                    <a16:rowId xmlns:a16="http://schemas.microsoft.com/office/drawing/2014/main" val="1343416302"/>
+                  </a:ext>
+                </a:extLst>
+              </a:tr>
+            </a:tbl>
+          </a:graphicData>
+        </a:graphic>
+      </p:graphicFrame>
+      <mc:AlternateContent xmlns:mc="http://schemas.openxmlformats.org/markup-compatibility/2006">
+        <mc:Choice xmlns:a14="http://schemas.microsoft.com/office/drawing/2010/main" Requires="a14">
+          <p:sp>
+            <p:nvSpPr>
+              <p:cNvPr id="7" name="Content Placeholder 2">
+                <a:extLst>
+                  <a:ext uri="{FF2B5EF4-FFF2-40B4-BE49-F238E27FC236}">
+                    <a16:creationId xmlns:a16="http://schemas.microsoft.com/office/drawing/2014/main" id="{361941BC-03DD-752F-2C25-192F11BC7C51}"/>
+                  </a:ext>
+                </a:extLst>
+              </p:cNvPr>
+              <p:cNvSpPr txBox="1">
+                <a:spLocks/>
+              </p:cNvSpPr>
+              <p:nvPr/>
+            </p:nvSpPr>
+            <p:spPr>
+              <a:xfrm>
+                <a:off x="3905540" y="3356746"/>
+                <a:ext cx="6790423" cy="2661379"/>
+              </a:xfrm>
+              <a:prstGeom prst="rect">
+                <a:avLst/>
+              </a:prstGeom>
+              <a:noFill/>
+              <a:ln>
+                <a:noFill/>
+              </a:ln>
+            </p:spPr>
+            <p:style>
+              <a:lnRef idx="2">
+                <a:schemeClr val="accent5"/>
+              </a:lnRef>
+              <a:fillRef idx="1">
+                <a:schemeClr val="lt1"/>
+              </a:fillRef>
+              <a:effectRef idx="0">
+                <a:schemeClr val="accent5"/>
+              </a:effectRef>
+              <a:fontRef idx="minor">
+                <a:schemeClr val="dk1"/>
+              </a:fontRef>
+            </p:style>
+            <p:txBody>
+              <a:bodyPr vert="horz" lIns="91440" tIns="45720" rIns="91440" bIns="45720" rtlCol="0">
+                <a:noAutofit/>
+              </a:bodyPr>
+              <a:lstStyle>
+                <a:lvl1pPr marL="228600" indent="-228600" algn="l" defTabSz="914400" rtl="0" eaLnBrk="1" latinLnBrk="0" hangingPunct="1">
+                  <a:lnSpc>
+                    <a:spcPct val="90000"/>
+                  </a:lnSpc>
+                  <a:spcBef>
+                    <a:spcPts val="1000"/>
+                  </a:spcBef>
+                  <a:buFont typeface="Arial" panose="020B0604020202020204" pitchFamily="34" charset="0"/>
+                  <a:buChar char="•"/>
+                  <a:defRPr sz="2800" kern="1200">
+                    <a:solidFill>
+                      <a:schemeClr val="tx1"/>
+                    </a:solidFill>
+                    <a:latin typeface="+mn-lt"/>
+                    <a:ea typeface="+mn-ea"/>
+                    <a:cs typeface="+mn-cs"/>
+                  </a:defRPr>
+                </a:lvl1pPr>
+                <a:lvl2pPr marL="685800" indent="-228600" algn="l" defTabSz="914400" rtl="0" eaLnBrk="1" latinLnBrk="0" hangingPunct="1">
+                  <a:lnSpc>
+                    <a:spcPct val="90000"/>
+                  </a:lnSpc>
+                  <a:spcBef>
+                    <a:spcPts val="500"/>
+                  </a:spcBef>
+                  <a:buFont typeface="Arial" panose="020B0604020202020204" pitchFamily="34" charset="0"/>
+                  <a:buChar char="•"/>
+                  <a:defRPr sz="2400" kern="1200">
+                    <a:solidFill>
+                      <a:schemeClr val="tx1"/>
+                    </a:solidFill>
+                    <a:latin typeface="+mn-lt"/>
+                    <a:ea typeface="+mn-ea"/>
+                    <a:cs typeface="+mn-cs"/>
+                  </a:defRPr>
+                </a:lvl2pPr>
+                <a:lvl3pPr marL="1143000" indent="-228600" algn="l" defTabSz="914400" rtl="0" eaLnBrk="1" latinLnBrk="0" hangingPunct="1">
+                  <a:lnSpc>
+                    <a:spcPct val="90000"/>
+                  </a:lnSpc>
+                  <a:spcBef>
+                    <a:spcPts val="500"/>
+                  </a:spcBef>
+                  <a:buFont typeface="Arial" panose="020B0604020202020204" pitchFamily="34" charset="0"/>
+                  <a:buChar char="•"/>
+                  <a:defRPr sz="2000" kern="1200">
+                    <a:solidFill>
+                      <a:schemeClr val="tx1"/>
+                    </a:solidFill>
+                    <a:latin typeface="+mn-lt"/>
+                    <a:ea typeface="+mn-ea"/>
+                    <a:cs typeface="+mn-cs"/>
+                  </a:defRPr>
+                </a:lvl3pPr>
+                <a:lvl4pPr marL="1600200" indent="-228600" algn="l" defTabSz="914400" rtl="0" eaLnBrk="1" latinLnBrk="0" hangingPunct="1">
+                  <a:lnSpc>
+                    <a:spcPct val="90000"/>
+                  </a:lnSpc>
+                  <a:spcBef>
+                    <a:spcPts val="500"/>
+                  </a:spcBef>
+                  <a:buFont typeface="Arial" panose="020B0604020202020204" pitchFamily="34" charset="0"/>
+                  <a:buChar char="•"/>
+                  <a:defRPr sz="1800" kern="1200">
+                    <a:solidFill>
+                      <a:schemeClr val="tx1"/>
+                    </a:solidFill>
+                    <a:latin typeface="+mn-lt"/>
+                    <a:ea typeface="+mn-ea"/>
+                    <a:cs typeface="+mn-cs"/>
+                  </a:defRPr>
+                </a:lvl4pPr>
+                <a:lvl5pPr marL="2057400" indent="-228600" algn="l" defTabSz="914400" rtl="0" eaLnBrk="1" latinLnBrk="0" hangingPunct="1">
+                  <a:lnSpc>
+                    <a:spcPct val="90000"/>
+                  </a:lnSpc>
+                  <a:spcBef>
+                    <a:spcPts val="500"/>
+                  </a:spcBef>
+                  <a:buFont typeface="Arial" panose="020B0604020202020204" pitchFamily="34" charset="0"/>
+                  <a:buChar char="•"/>
+                  <a:defRPr sz="1800" kern="1200">
+                    <a:solidFill>
+                      <a:schemeClr val="tx1"/>
+                    </a:solidFill>
+                    <a:latin typeface="+mn-lt"/>
+                    <a:ea typeface="+mn-ea"/>
+                    <a:cs typeface="+mn-cs"/>
+                  </a:defRPr>
+                </a:lvl5pPr>
+                <a:lvl6pPr marL="2514600" indent="-228600" algn="l" defTabSz="914400" rtl="0" eaLnBrk="1" latinLnBrk="0" hangingPunct="1">
+                  <a:lnSpc>
+                    <a:spcPct val="90000"/>
+                  </a:lnSpc>
+                  <a:spcBef>
+                    <a:spcPts val="500"/>
+                  </a:spcBef>
+                  <a:buFont typeface="Arial" panose="020B0604020202020204" pitchFamily="34" charset="0"/>
+                  <a:buChar char="•"/>
+                  <a:defRPr sz="1800" kern="1200">
+                    <a:solidFill>
+                      <a:schemeClr val="tx1"/>
+                    </a:solidFill>
+                    <a:latin typeface="+mn-lt"/>
+                    <a:ea typeface="+mn-ea"/>
+                    <a:cs typeface="+mn-cs"/>
+                  </a:defRPr>
+                </a:lvl6pPr>
+                <a:lvl7pPr marL="2971800" indent="-228600" algn="l" defTabSz="914400" rtl="0" eaLnBrk="1" latinLnBrk="0" hangingPunct="1">
+                  <a:lnSpc>
+                    <a:spcPct val="90000"/>
+                  </a:lnSpc>
+                  <a:spcBef>
+                    <a:spcPts val="500"/>
+                  </a:spcBef>
+                  <a:buFont typeface="Arial" panose="020B0604020202020204" pitchFamily="34" charset="0"/>
+                  <a:buChar char="•"/>
+                  <a:defRPr sz="1800" kern="1200">
+                    <a:solidFill>
+                      <a:schemeClr val="tx1"/>
+                    </a:solidFill>
+                    <a:latin typeface="+mn-lt"/>
+                    <a:ea typeface="+mn-ea"/>
+                    <a:cs typeface="+mn-cs"/>
+                  </a:defRPr>
+                </a:lvl7pPr>
+                <a:lvl8pPr marL="3429000" indent="-228600" algn="l" defTabSz="914400" rtl="0" eaLnBrk="1" latinLnBrk="0" hangingPunct="1">
+                  <a:lnSpc>
+                    <a:spcPct val="90000"/>
+                  </a:lnSpc>
+                  <a:spcBef>
+                    <a:spcPts val="500"/>
+                  </a:spcBef>
+                  <a:buFont typeface="Arial" panose="020B0604020202020204" pitchFamily="34" charset="0"/>
+                  <a:buChar char="•"/>
+                  <a:defRPr sz="1800" kern="1200">
+                    <a:solidFill>
+                      <a:schemeClr val="tx1"/>
+                    </a:solidFill>
+                    <a:latin typeface="+mn-lt"/>
+                    <a:ea typeface="+mn-ea"/>
+                    <a:cs typeface="+mn-cs"/>
+                  </a:defRPr>
+                </a:lvl8pPr>
+                <a:lvl9pPr marL="3886200" indent="-228600" algn="l" defTabSz="914400" rtl="0" eaLnBrk="1" latinLnBrk="0" hangingPunct="1">
+                  <a:lnSpc>
+                    <a:spcPct val="90000"/>
+                  </a:lnSpc>
+                  <a:spcBef>
+                    <a:spcPts val="500"/>
+                  </a:spcBef>
+                  <a:buFont typeface="Arial" panose="020B0604020202020204" pitchFamily="34" charset="0"/>
+                  <a:buChar char="•"/>
+                  <a:defRPr sz="1800" kern="1200">
+                    <a:solidFill>
+                      <a:schemeClr val="tx1"/>
+                    </a:solidFill>
+                    <a:latin typeface="+mn-lt"/>
+                    <a:ea typeface="+mn-ea"/>
+                    <a:cs typeface="+mn-cs"/>
+                  </a:defRPr>
+                </a:lvl9pPr>
+              </a:lstStyle>
+              <a:p>
+                <a:pPr marL="0" indent="0" algn="ctr">
+                  <a:lnSpc>
+                    <a:spcPct val="150000"/>
+                  </a:lnSpc>
+                  <a:buNone/>
+                </a:pPr>
+                <a14:m>
+                  <m:oMathPara xmlns:m="http://schemas.openxmlformats.org/officeDocument/2006/math">
+                    <m:oMathParaPr>
+                      <m:jc m:val="centerGroup"/>
+                    </m:oMathParaPr>
+                    <m:oMath xmlns:m="http://schemas.openxmlformats.org/officeDocument/2006/math">
+                      <m:r>
+                        <a:rPr lang="en-AU" sz="1800" b="0" i="1" dirty="0" smtClean="0">
+                          <a:latin typeface="Cambria Math" panose="02040503050406030204" pitchFamily="18" charset="0"/>
+                        </a:rPr>
+                        <m:t>𝑃𝑟𝑒𝑐𝑖𝑠𝑖𝑜</m:t>
+                      </m:r>
+                      <m:sSub>
+                        <m:sSubPr>
+                          <m:ctrlPr>
+                            <a:rPr lang="en-AU" sz="1800" b="0" i="1" dirty="0" smtClean="0">
+                              <a:latin typeface="Cambria Math" panose="02040503050406030204" pitchFamily="18" charset="0"/>
+                            </a:rPr>
+                          </m:ctrlPr>
+                        </m:sSubPr>
+                        <m:e>
+                          <m:r>
+                            <a:rPr lang="en-AU" sz="1800" b="0" i="1" dirty="0" smtClean="0">
+                              <a:latin typeface="Cambria Math" panose="02040503050406030204" pitchFamily="18" charset="0"/>
+                            </a:rPr>
+                            <m:t>𝑛</m:t>
+                          </m:r>
+                        </m:e>
+                        <m:sub>
+                          <m:r>
+                            <a:rPr lang="en-AU" sz="1800" b="0" i="1" dirty="0" smtClean="0">
+                              <a:latin typeface="Cambria Math" panose="02040503050406030204" pitchFamily="18" charset="0"/>
+                            </a:rPr>
+                            <m:t>𝐶𝑎𝑡</m:t>
+                          </m:r>
+                        </m:sub>
+                      </m:sSub>
+                      <m:r>
+                        <a:rPr lang="en-US" sz="1800" i="1" dirty="0" smtClean="0">
+                          <a:latin typeface="Cambria Math" panose="02040503050406030204" pitchFamily="18" charset="0"/>
+                        </a:rPr>
+                        <m:t> =</m:t>
+                      </m:r>
+                      <m:f>
+                        <m:fPr>
+                          <m:ctrlPr>
+                            <a:rPr lang="en-US" sz="1800" b="0" i="1" dirty="0" smtClean="0">
+                              <a:latin typeface="Cambria Math" panose="02040503050406030204" pitchFamily="18" charset="0"/>
+                            </a:rPr>
+                          </m:ctrlPr>
+                        </m:fPr>
+                        <m:num>
+                          <m:r>
+                            <a:rPr lang="en-AU" sz="1800" b="0" i="1" dirty="0" smtClean="0">
+                              <a:latin typeface="Cambria Math" panose="02040503050406030204" pitchFamily="18" charset="0"/>
+                            </a:rPr>
+                            <m:t>76</m:t>
+                          </m:r>
+                        </m:num>
+                        <m:den>
+                          <m:r>
+                            <a:rPr lang="en-AU" sz="1800" b="0" i="1" dirty="0" smtClean="0">
+                              <a:latin typeface="Cambria Math" panose="02040503050406030204" pitchFamily="18" charset="0"/>
+                            </a:rPr>
+                            <m:t>76+27+6</m:t>
+                          </m:r>
+                        </m:den>
+                      </m:f>
+                      <m:r>
+                        <a:rPr lang="en-US" sz="1800" b="0" i="1" dirty="0" smtClean="0">
+                          <a:latin typeface="Cambria Math" panose="02040503050406030204" pitchFamily="18" charset="0"/>
+                        </a:rPr>
+                        <m:t>=</m:t>
+                      </m:r>
+                      <m:r>
+                        <a:rPr lang="en-AU" sz="1800" b="0" i="1" dirty="0" smtClean="0">
+                          <a:latin typeface="Cambria Math" panose="02040503050406030204" pitchFamily="18" charset="0"/>
+                        </a:rPr>
+                        <m:t>69.</m:t>
+                      </m:r>
+                      <m:r>
+                        <a:rPr lang="en-US" sz="1800" b="0" i="1" dirty="0" smtClean="0">
+                          <a:latin typeface="Cambria Math" panose="02040503050406030204" pitchFamily="18" charset="0"/>
+                        </a:rPr>
+                        <m:t>7</m:t>
+                      </m:r>
+                      <m:r>
+                        <a:rPr lang="en-AU" sz="1800" b="0" i="1" dirty="0" smtClean="0">
+                          <a:latin typeface="Cambria Math" panose="02040503050406030204" pitchFamily="18" charset="0"/>
+                        </a:rPr>
+                        <m:t>2</m:t>
+                      </m:r>
+                      <m:r>
+                        <a:rPr lang="en-US" sz="1800" b="0" i="1" dirty="0" smtClean="0">
+                          <a:latin typeface="Cambria Math" panose="02040503050406030204" pitchFamily="18" charset="0"/>
+                        </a:rPr>
+                        <m:t>%</m:t>
+                      </m:r>
+                    </m:oMath>
+                  </m:oMathPara>
+                </a14:m>
+                <a:endParaRPr lang="en-US" sz="1800" b="0" dirty="0"/>
+              </a:p>
+              <a:p>
+                <a:pPr marL="0" indent="0" algn="ctr">
+                  <a:lnSpc>
+                    <a:spcPct val="150000"/>
+                  </a:lnSpc>
+                  <a:buNone/>
+                </a:pPr>
+                <a14:m>
+                  <m:oMathPara xmlns:m="http://schemas.openxmlformats.org/officeDocument/2006/math">
+                    <m:oMathParaPr>
+                      <m:jc m:val="centerGroup"/>
+                    </m:oMathParaPr>
+                    <m:oMath xmlns:m="http://schemas.openxmlformats.org/officeDocument/2006/math">
+                      <m:sSub>
+                        <m:sSubPr>
+                          <m:ctrlPr>
+                            <a:rPr lang="en-US" sz="1800" i="1">
+                              <a:latin typeface="Cambria Math" panose="02040503050406030204" pitchFamily="18" charset="0"/>
+                            </a:rPr>
+                          </m:ctrlPr>
+                        </m:sSubPr>
+                        <m:e>
+                          <m:r>
+                            <a:rPr lang="en-AU" sz="1800" b="0" i="1" smtClean="0">
+                              <a:latin typeface="Cambria Math" panose="02040503050406030204" pitchFamily="18" charset="0"/>
+                            </a:rPr>
+                            <m:t>𝑃𝑟𝑒𝑐𝑖𝑠𝑖𝑜𝑛</m:t>
+                          </m:r>
+                        </m:e>
+                        <m:sub>
+                          <m:r>
+                            <a:rPr lang="en-US" sz="1800" i="1">
+                              <a:latin typeface="Cambria Math" panose="02040503050406030204" pitchFamily="18" charset="0"/>
+                            </a:rPr>
+                            <m:t>𝐷𝑜𝑔</m:t>
+                          </m:r>
+                        </m:sub>
+                      </m:sSub>
+                      <m:r>
+                        <a:rPr lang="en-US" sz="1800" i="1">
+                          <a:latin typeface="Cambria Math" panose="02040503050406030204" pitchFamily="18" charset="0"/>
+                        </a:rPr>
+                        <m:t>=</m:t>
+                      </m:r>
+                      <m:f>
+                        <m:fPr>
+                          <m:ctrlPr>
+                            <a:rPr lang="en-US" sz="1800" i="1">
+                              <a:latin typeface="Cambria Math" panose="02040503050406030204" pitchFamily="18" charset="0"/>
+                            </a:rPr>
+                          </m:ctrlPr>
+                        </m:fPr>
+                        <m:num>
+                          <m:r>
+                            <a:rPr lang="en-AU" sz="1800" b="0" i="1" smtClean="0">
+                              <a:latin typeface="Cambria Math" panose="02040503050406030204" pitchFamily="18" charset="0"/>
+                            </a:rPr>
+                            <m:t>69</m:t>
+                          </m:r>
+                        </m:num>
+                        <m:den>
+                          <m:r>
+                            <a:rPr lang="en-AU" sz="1800" b="0" i="1" smtClean="0">
+                              <a:latin typeface="Cambria Math" panose="02040503050406030204" pitchFamily="18" charset="0"/>
+                            </a:rPr>
+                            <m:t>10+69+3</m:t>
+                          </m:r>
+                        </m:den>
+                      </m:f>
+                      <m:r>
+                        <a:rPr lang="en-US" sz="1800" i="1">
+                          <a:latin typeface="Cambria Math" panose="02040503050406030204" pitchFamily="18" charset="0"/>
+                        </a:rPr>
+                        <m:t>=</m:t>
+                      </m:r>
+                      <m:r>
+                        <a:rPr lang="en-AU" sz="1800" b="0" i="1" smtClean="0">
+                          <a:latin typeface="Cambria Math" panose="02040503050406030204" pitchFamily="18" charset="0"/>
+                        </a:rPr>
+                        <m:t>84</m:t>
+                      </m:r>
+                      <m:r>
+                        <a:rPr lang="en-US" sz="1800" i="1">
+                          <a:latin typeface="Cambria Math" panose="02040503050406030204" pitchFamily="18" charset="0"/>
+                        </a:rPr>
+                        <m:t>.</m:t>
+                      </m:r>
+                      <m:r>
+                        <a:rPr lang="en-US" sz="1800" b="0" i="1" smtClean="0">
+                          <a:latin typeface="Cambria Math" panose="02040503050406030204" pitchFamily="18" charset="0"/>
+                        </a:rPr>
+                        <m:t>1</m:t>
+                      </m:r>
+                      <m:r>
+                        <a:rPr lang="en-AU" sz="1800" b="0" i="1" smtClean="0">
+                          <a:latin typeface="Cambria Math" panose="02040503050406030204" pitchFamily="18" charset="0"/>
+                        </a:rPr>
+                        <m:t>4</m:t>
+                      </m:r>
+                      <m:r>
+                        <a:rPr lang="en-US" sz="1800" i="1">
+                          <a:latin typeface="Cambria Math" panose="02040503050406030204" pitchFamily="18" charset="0"/>
+                        </a:rPr>
+                        <m:t>%</m:t>
+                      </m:r>
+                    </m:oMath>
+                  </m:oMathPara>
+                </a14:m>
+                <a:endParaRPr lang="en-US" sz="1800" b="0" dirty="0"/>
+              </a:p>
+              <a:p>
+                <a:pPr marL="0" indent="0" algn="ctr">
+                  <a:lnSpc>
+                    <a:spcPct val="150000"/>
+                  </a:lnSpc>
+                  <a:buNone/>
+                </a:pPr>
+                <a14:m>
+                  <m:oMathPara xmlns:m="http://schemas.openxmlformats.org/officeDocument/2006/math">
+                    <m:oMathParaPr>
+                      <m:jc m:val="centerGroup"/>
+                    </m:oMathParaPr>
+                    <m:oMath xmlns:m="http://schemas.openxmlformats.org/officeDocument/2006/math">
+                      <m:r>
+                        <a:rPr lang="en-AU" sz="1800" b="0" i="1" smtClean="0">
+                          <a:latin typeface="Cambria Math" panose="02040503050406030204" pitchFamily="18" charset="0"/>
+                        </a:rPr>
+                        <m:t>𝑃𝑟𝑒𝑐𝑖𝑠𝑖𝑜</m:t>
+                      </m:r>
+                      <m:sSub>
+                        <m:sSubPr>
+                          <m:ctrlPr>
+                            <a:rPr lang="en-AU" sz="1800" b="0" i="1" smtClean="0">
+                              <a:latin typeface="Cambria Math" panose="02040503050406030204" pitchFamily="18" charset="0"/>
+                            </a:rPr>
+                          </m:ctrlPr>
+                        </m:sSubPr>
+                        <m:e>
+                          <m:r>
+                            <a:rPr lang="en-AU" sz="1800" b="0" i="1" smtClean="0">
+                              <a:latin typeface="Cambria Math" panose="02040503050406030204" pitchFamily="18" charset="0"/>
+                            </a:rPr>
+                            <m:t>𝑛</m:t>
+                          </m:r>
+                        </m:e>
+                        <m:sub>
+                          <m:r>
+                            <a:rPr lang="en-AU" sz="1800" b="0" i="1" smtClean="0">
+                              <a:latin typeface="Cambria Math" panose="02040503050406030204" pitchFamily="18" charset="0"/>
+                            </a:rPr>
+                            <m:t>𝐵𝑖𝑟𝑑</m:t>
+                          </m:r>
+                        </m:sub>
+                      </m:sSub>
+                      <m:r>
+                        <a:rPr lang="en-US" sz="1800" b="0" i="1" smtClean="0">
+                          <a:latin typeface="Cambria Math" panose="02040503050406030204" pitchFamily="18" charset="0"/>
+                        </a:rPr>
+                        <m:t>=</m:t>
+                      </m:r>
+                      <m:f>
+                        <m:fPr>
+                          <m:ctrlPr>
+                            <a:rPr lang="en-US" sz="1800" b="0" i="1" smtClean="0">
+                              <a:latin typeface="Cambria Math" panose="02040503050406030204" pitchFamily="18" charset="0"/>
+                            </a:rPr>
+                          </m:ctrlPr>
+                        </m:fPr>
+                        <m:num>
+                          <m:r>
+                            <a:rPr lang="en-AU" sz="1800" b="0" i="1" smtClean="0">
+                              <a:latin typeface="Cambria Math" panose="02040503050406030204" pitchFamily="18" charset="0"/>
+                            </a:rPr>
+                            <m:t>81</m:t>
+                          </m:r>
+                        </m:num>
+                        <m:den>
+                          <m:r>
+                            <a:rPr lang="en-AU" sz="1800" b="0" i="1" smtClean="0">
+                              <a:latin typeface="Cambria Math" panose="02040503050406030204" pitchFamily="18" charset="0"/>
+                            </a:rPr>
+                            <m:t>12+11+81</m:t>
+                          </m:r>
+                        </m:den>
+                      </m:f>
+                      <m:r>
+                        <a:rPr lang="en-US" sz="1800" b="0" i="1" smtClean="0">
+                          <a:latin typeface="Cambria Math" panose="02040503050406030204" pitchFamily="18" charset="0"/>
+                        </a:rPr>
+                        <m:t>=</m:t>
+                      </m:r>
+                      <m:r>
+                        <a:rPr lang="en-AU" sz="1800" b="0" i="1" smtClean="0">
+                          <a:latin typeface="Cambria Math" panose="02040503050406030204" pitchFamily="18" charset="0"/>
+                        </a:rPr>
+                        <m:t>77</m:t>
+                      </m:r>
+                      <m:r>
+                        <a:rPr lang="en-US" sz="1800" b="0" i="1" smtClean="0">
+                          <a:latin typeface="Cambria Math" panose="02040503050406030204" pitchFamily="18" charset="0"/>
+                        </a:rPr>
+                        <m:t>.</m:t>
+                      </m:r>
+                      <m:r>
+                        <a:rPr lang="en-AU" sz="1800" b="0" i="1" smtClean="0">
+                          <a:latin typeface="Cambria Math" panose="02040503050406030204" pitchFamily="18" charset="0"/>
+                        </a:rPr>
+                        <m:t>88</m:t>
+                      </m:r>
+                      <m:r>
+                        <a:rPr lang="en-US" sz="1800" b="0" i="1" smtClean="0">
+                          <a:latin typeface="Cambria Math" panose="02040503050406030204" pitchFamily="18" charset="0"/>
+                        </a:rPr>
+                        <m:t>%</m:t>
+                      </m:r>
+                    </m:oMath>
+                  </m:oMathPara>
+                </a14:m>
+                <a:endParaRPr lang="en-US" sz="1800" b="0" dirty="0"/>
+              </a:p>
+            </p:txBody>
+          </p:sp>
+        </mc:Choice>
+        <mc:Fallback>
+          <p:sp>
+            <p:nvSpPr>
+              <p:cNvPr id="7" name="Content Placeholder 2">
+                <a:extLst>
+                  <a:ext uri="{FF2B5EF4-FFF2-40B4-BE49-F238E27FC236}">
+                    <a16:creationId xmlns:a16="http://schemas.microsoft.com/office/drawing/2014/main" id="{361941BC-03DD-752F-2C25-192F11BC7C51}"/>
+                  </a:ext>
+                </a:extLst>
+              </p:cNvPr>
+              <p:cNvSpPr txBox="1">
+                <a:spLocks noRot="1" noChangeAspect="1" noMove="1" noResize="1" noEditPoints="1" noAdjustHandles="1" noChangeArrowheads="1" noChangeShapeType="1" noTextEdit="1"/>
+              </p:cNvSpPr>
+              <p:nvPr/>
+            </p:nvSpPr>
+            <p:spPr>
+              <a:xfrm>
+                <a:off x="3905540" y="3356746"/>
+                <a:ext cx="6790423" cy="2661379"/>
+              </a:xfrm>
+              <a:prstGeom prst="rect">
+                <a:avLst/>
+              </a:prstGeom>
+              <a:blipFill>
+                <a:blip r:embed="rId3"/>
+                <a:stretch>
+                  <a:fillRect/>
+                </a:stretch>
+              </a:blipFill>
+              <a:ln>
+                <a:noFill/>
+              </a:ln>
+            </p:spPr>
+            <p:txBody>
+              <a:bodyPr/>
+              <a:lstStyle/>
+              <a:p>
+                <a:r>
+                  <a:rPr lang="en-AU">
+                    <a:noFill/>
+                  </a:rPr>
+                  <a:t> </a:t>
+                </a:r>
+              </a:p>
+            </p:txBody>
+          </p:sp>
+        </mc:Fallback>
+      </mc:AlternateContent>
     </p:spTree>
     <p:extLst>
       <p:ext uri="{BB962C8B-B14F-4D97-AF65-F5344CB8AC3E}">

--- a/DecisionTrees/DecisionTrees.pptx
+++ b/DecisionTrees/DecisionTrees.pptx
@@ -9,27 +9,25 @@
     <p:sldId id="276" r:id="rId3"/>
     <p:sldId id="277" r:id="rId4"/>
     <p:sldId id="280" r:id="rId5"/>
-    <p:sldId id="281" r:id="rId6"/>
-    <p:sldId id="282" r:id="rId7"/>
-    <p:sldId id="273" r:id="rId8"/>
-    <p:sldId id="257" r:id="rId9"/>
-    <p:sldId id="275" r:id="rId10"/>
-    <p:sldId id="270" r:id="rId11"/>
-    <p:sldId id="259" r:id="rId12"/>
-    <p:sldId id="266" r:id="rId13"/>
-    <p:sldId id="263" r:id="rId14"/>
-    <p:sldId id="267" r:id="rId15"/>
-    <p:sldId id="265" r:id="rId16"/>
-    <p:sldId id="271" r:id="rId17"/>
-    <p:sldId id="264" r:id="rId18"/>
-    <p:sldId id="272" r:id="rId19"/>
-    <p:sldId id="274" r:id="rId20"/>
-    <p:sldId id="258" r:id="rId21"/>
-    <p:sldId id="260" r:id="rId22"/>
-    <p:sldId id="261" r:id="rId23"/>
-    <p:sldId id="262" r:id="rId24"/>
-    <p:sldId id="278" r:id="rId25"/>
-    <p:sldId id="279" r:id="rId26"/>
+    <p:sldId id="273" r:id="rId6"/>
+    <p:sldId id="257" r:id="rId7"/>
+    <p:sldId id="275" r:id="rId8"/>
+    <p:sldId id="270" r:id="rId9"/>
+    <p:sldId id="259" r:id="rId10"/>
+    <p:sldId id="266" r:id="rId11"/>
+    <p:sldId id="263" r:id="rId12"/>
+    <p:sldId id="267" r:id="rId13"/>
+    <p:sldId id="265" r:id="rId14"/>
+    <p:sldId id="271" r:id="rId15"/>
+    <p:sldId id="264" r:id="rId16"/>
+    <p:sldId id="272" r:id="rId17"/>
+    <p:sldId id="274" r:id="rId18"/>
+    <p:sldId id="258" r:id="rId19"/>
+    <p:sldId id="260" r:id="rId20"/>
+    <p:sldId id="261" r:id="rId21"/>
+    <p:sldId id="262" r:id="rId22"/>
+    <p:sldId id="278" r:id="rId23"/>
+    <p:sldId id="279" r:id="rId24"/>
   </p:sldIdLst>
   <p:sldSz cx="12192000" cy="6858000"/>
   <p:notesSz cx="6858000" cy="9144000"/>
@@ -887,7 +885,7 @@
 <dgm:dataModel xmlns:dgm="http://schemas.openxmlformats.org/drawingml/2006/diagram" xmlns:a="http://schemas.openxmlformats.org/drawingml/2006/main">
   <dgm:ptLst>
     <dgm:pt modelId="{05ECE2E8-C662-4C02-811F-1419773231D2}" type="doc">
-      <dgm:prSet loTypeId="urn:microsoft.com/office/officeart/2008/layout/HorizontalMultiLevelHierarchy" loCatId="hierarchy" qsTypeId="urn:microsoft.com/office/officeart/2005/8/quickstyle/simple1" qsCatId="simple" csTypeId="urn:microsoft.com/office/officeart/2005/8/colors/accent1_2" csCatId="accent1" phldr="1"/>
+      <dgm:prSet loTypeId="urn:microsoft.com/office/officeart/2008/layout/HalfCircleOrganizationChart" loCatId="hierarchy" qsTypeId="urn:microsoft.com/office/officeart/2005/8/quickstyle/simple1" qsCatId="simple" csTypeId="urn:microsoft.com/office/officeart/2005/8/colors/accent1_2" csCatId="accent1" phldr="1"/>
       <dgm:spPr/>
       <dgm:t>
         <a:bodyPr/>
@@ -898,14 +896,14 @@
       </dgm:t>
     </dgm:pt>
     <dgm:pt modelId="{0DD3B60F-7283-4FB1-8A89-0580BFF5059D}">
-      <dgm:prSet phldrT="[Text]"/>
+      <dgm:prSet phldrT="[Text]" custT="1"/>
       <dgm:spPr/>
       <dgm:t>
         <a:bodyPr/>
         <a:lstStyle/>
         <a:p>
           <a:r>
-            <a:rPr lang="en-AU" dirty="0"/>
+            <a:rPr lang="en-AU" sz="2400" dirty="0"/>
             <a:t>Machine Learning</a:t>
           </a:r>
         </a:p>
@@ -918,7 +916,7 @@
         <a:bodyPr/>
         <a:lstStyle/>
         <a:p>
-          <a:endParaRPr lang="en-AU"/>
+          <a:endParaRPr lang="en-AU" sz="1100"/>
         </a:p>
       </dgm:t>
     </dgm:pt>
@@ -929,19 +927,19 @@
         <a:bodyPr/>
         <a:lstStyle/>
         <a:p>
-          <a:endParaRPr lang="en-AU"/>
+          <a:endParaRPr lang="en-AU" sz="1100"/>
         </a:p>
       </dgm:t>
     </dgm:pt>
     <dgm:pt modelId="{D91A506C-0D74-422D-9C72-3A408974BC63}">
-      <dgm:prSet phldrT="[Text]"/>
+      <dgm:prSet phldrT="[Text]" custT="1"/>
       <dgm:spPr/>
       <dgm:t>
         <a:bodyPr/>
         <a:lstStyle/>
         <a:p>
           <a:r>
-            <a:rPr lang="en-AU" dirty="0"/>
+            <a:rPr lang="en-AU" sz="2400" dirty="0"/>
             <a:t>Supervised Learning</a:t>
           </a:r>
         </a:p>
@@ -954,7 +952,7 @@
         <a:bodyPr/>
         <a:lstStyle/>
         <a:p>
-          <a:endParaRPr lang="en-AU"/>
+          <a:endParaRPr lang="en-AU" sz="1100"/>
         </a:p>
       </dgm:t>
     </dgm:pt>
@@ -965,19 +963,19 @@
         <a:bodyPr/>
         <a:lstStyle/>
         <a:p>
-          <a:endParaRPr lang="en-AU"/>
+          <a:endParaRPr lang="en-AU" sz="1100"/>
         </a:p>
       </dgm:t>
     </dgm:pt>
     <dgm:pt modelId="{5B62232E-D73F-457B-99BE-718E55D8FE2F}">
-      <dgm:prSet phldrT="[Text]"/>
+      <dgm:prSet phldrT="[Text]" custT="1"/>
       <dgm:spPr/>
       <dgm:t>
         <a:bodyPr/>
         <a:lstStyle/>
         <a:p>
           <a:r>
-            <a:rPr lang="en-AU" dirty="0"/>
+            <a:rPr lang="en-AU" sz="2400" dirty="0"/>
             <a:t>Unsupervised Learning</a:t>
           </a:r>
         </a:p>
@@ -990,7 +988,7 @@
         <a:bodyPr/>
         <a:lstStyle/>
         <a:p>
-          <a:endParaRPr lang="en-AU"/>
+          <a:endParaRPr lang="en-AU" sz="1100"/>
         </a:p>
       </dgm:t>
     </dgm:pt>
@@ -1001,19 +999,19 @@
         <a:bodyPr/>
         <a:lstStyle/>
         <a:p>
-          <a:endParaRPr lang="en-AU"/>
+          <a:endParaRPr lang="en-AU" sz="1100"/>
         </a:p>
       </dgm:t>
     </dgm:pt>
     <dgm:pt modelId="{69533F02-E40F-4F6C-8794-F27EF4A1E01A}">
-      <dgm:prSet phldrT="[Text]"/>
+      <dgm:prSet phldrT="[Text]" custT="1"/>
       <dgm:spPr/>
       <dgm:t>
         <a:bodyPr/>
         <a:lstStyle/>
         <a:p>
           <a:r>
-            <a:rPr lang="en-AU" dirty="0"/>
+            <a:rPr lang="en-AU" sz="2400" dirty="0"/>
             <a:t>Reinforcement Learning</a:t>
           </a:r>
         </a:p>
@@ -1026,7 +1024,7 @@
         <a:bodyPr/>
         <a:lstStyle/>
         <a:p>
-          <a:endParaRPr lang="en-AU"/>
+          <a:endParaRPr lang="en-AU" sz="1100"/>
         </a:p>
       </dgm:t>
     </dgm:pt>
@@ -1037,145 +1035,248 @@
         <a:bodyPr/>
         <a:lstStyle/>
         <a:p>
-          <a:endParaRPr lang="en-AU"/>
+          <a:endParaRPr lang="en-AU" sz="1100"/>
         </a:p>
       </dgm:t>
     </dgm:pt>
-    <dgm:pt modelId="{06EB88E0-2086-4D2C-9A88-794FA7BA0C33}" type="pres">
+    <dgm:pt modelId="{5992844B-7DCC-4529-8C8A-65CE78951AF3}" type="pres">
       <dgm:prSet presAssocID="{05ECE2E8-C662-4C02-811F-1419773231D2}" presName="Name0" presStyleCnt="0">
         <dgm:presLayoutVars>
+          <dgm:orgChart val="1"/>
           <dgm:chPref val="1"/>
           <dgm:dir/>
           <dgm:animOne val="branch"/>
           <dgm:animLvl val="lvl"/>
-          <dgm:resizeHandles val="exact"/>
+          <dgm:resizeHandles/>
         </dgm:presLayoutVars>
       </dgm:prSet>
       <dgm:spPr/>
     </dgm:pt>
-    <dgm:pt modelId="{A42A26BE-67A3-4BA9-9D89-DEB0D7065667}" type="pres">
-      <dgm:prSet presAssocID="{0DD3B60F-7283-4FB1-8A89-0580BFF5059D}" presName="root1" presStyleCnt="0"/>
+    <dgm:pt modelId="{F8DE8FCD-ABA1-4CFB-80C4-54453C70955D}" type="pres">
+      <dgm:prSet presAssocID="{0DD3B60F-7283-4FB1-8A89-0580BFF5059D}" presName="hierRoot1" presStyleCnt="0">
+        <dgm:presLayoutVars>
+          <dgm:hierBranch val="init"/>
+        </dgm:presLayoutVars>
+      </dgm:prSet>
       <dgm:spPr/>
     </dgm:pt>
-    <dgm:pt modelId="{ECFD5BFD-69AA-4871-A5CA-D0795830B097}" type="pres">
-      <dgm:prSet presAssocID="{0DD3B60F-7283-4FB1-8A89-0580BFF5059D}" presName="LevelOneTextNode" presStyleLbl="node0" presStyleIdx="0" presStyleCnt="1" custAng="5400000" custLinFactX="-100000" custLinFactNeighborX="-124871" custLinFactNeighborY="241">
+    <dgm:pt modelId="{3ABCE26A-ED6D-4E1A-8DBB-CBEFF6E24EE3}" type="pres">
+      <dgm:prSet presAssocID="{0DD3B60F-7283-4FB1-8A89-0580BFF5059D}" presName="rootComposite1" presStyleCnt="0"/>
+      <dgm:spPr/>
+    </dgm:pt>
+    <dgm:pt modelId="{48E3F802-D729-4765-A310-E03AAAA9280B}" type="pres">
+      <dgm:prSet presAssocID="{0DD3B60F-7283-4FB1-8A89-0580BFF5059D}" presName="rootText1" presStyleLbl="alignAcc1" presStyleIdx="0" presStyleCnt="0">
         <dgm:presLayoutVars>
           <dgm:chPref val="3"/>
         </dgm:presLayoutVars>
       </dgm:prSet>
       <dgm:spPr/>
     </dgm:pt>
-    <dgm:pt modelId="{57BB67D4-F4BA-4EB4-8C4F-5DAF0E740463}" type="pres">
-      <dgm:prSet presAssocID="{0DD3B60F-7283-4FB1-8A89-0580BFF5059D}" presName="level2hierChild" presStyleCnt="0"/>
+    <dgm:pt modelId="{AE9B1D64-B9AD-48C2-97D9-90852472219C}" type="pres">
+      <dgm:prSet presAssocID="{0DD3B60F-7283-4FB1-8A89-0580BFF5059D}" presName="topArc1" presStyleLbl="parChTrans1D1" presStyleIdx="0" presStyleCnt="8"/>
       <dgm:spPr/>
     </dgm:pt>
-    <dgm:pt modelId="{70FC2EB2-ED6A-4EDC-9F04-E6793AE73C94}" type="pres">
-      <dgm:prSet presAssocID="{92D96538-1F7D-446D-8776-6CA8D4CD8032}" presName="conn2-1" presStyleLbl="parChTrans1D2" presStyleIdx="0" presStyleCnt="3"/>
+    <dgm:pt modelId="{6F835D7A-6787-42D7-8DCC-866E2B9CC390}" type="pres">
+      <dgm:prSet presAssocID="{0DD3B60F-7283-4FB1-8A89-0580BFF5059D}" presName="bottomArc1" presStyleLbl="parChTrans1D1" presStyleIdx="1" presStyleCnt="8"/>
       <dgm:spPr/>
     </dgm:pt>
-    <dgm:pt modelId="{A30B5542-9D47-4C93-8AAE-2262123AF64B}" type="pres">
-      <dgm:prSet presAssocID="{92D96538-1F7D-446D-8776-6CA8D4CD8032}" presName="connTx" presStyleLbl="parChTrans1D2" presStyleIdx="0" presStyleCnt="3"/>
+    <dgm:pt modelId="{F0AF405E-3520-48B2-9FD2-F89E1649A754}" type="pres">
+      <dgm:prSet presAssocID="{0DD3B60F-7283-4FB1-8A89-0580BFF5059D}" presName="topConnNode1" presStyleLbl="node1" presStyleIdx="0" presStyleCnt="0"/>
       <dgm:spPr/>
     </dgm:pt>
-    <dgm:pt modelId="{D26630F2-0CE6-4F74-9E65-45DE37232B54}" type="pres">
-      <dgm:prSet presAssocID="{D91A506C-0D74-422D-9C72-3A408974BC63}" presName="root2" presStyleCnt="0"/>
+    <dgm:pt modelId="{C044E718-35E4-4839-BD8A-DD1A32440F64}" type="pres">
+      <dgm:prSet presAssocID="{0DD3B60F-7283-4FB1-8A89-0580BFF5059D}" presName="hierChild2" presStyleCnt="0"/>
       <dgm:spPr/>
     </dgm:pt>
-    <dgm:pt modelId="{7586306C-AF20-4FE3-AD30-6DA47DA352CA}" type="pres">
-      <dgm:prSet presAssocID="{D91A506C-0D74-422D-9C72-3A408974BC63}" presName="LevelTwoTextNode" presStyleLbl="node2" presStyleIdx="0" presStyleCnt="3">
+    <dgm:pt modelId="{1B50497C-2968-403B-B758-0F5D0A9F6BA4}" type="pres">
+      <dgm:prSet presAssocID="{92D96538-1F7D-446D-8776-6CA8D4CD8032}" presName="Name28" presStyleLbl="parChTrans1D2" presStyleIdx="0" presStyleCnt="3"/>
+      <dgm:spPr/>
+    </dgm:pt>
+    <dgm:pt modelId="{F1495125-11A0-4CC4-A83F-F6934BE7BA4D}" type="pres">
+      <dgm:prSet presAssocID="{D91A506C-0D74-422D-9C72-3A408974BC63}" presName="hierRoot2" presStyleCnt="0">
+        <dgm:presLayoutVars>
+          <dgm:hierBranch val="init"/>
+        </dgm:presLayoutVars>
+      </dgm:prSet>
+      <dgm:spPr/>
+    </dgm:pt>
+    <dgm:pt modelId="{64B663B7-A559-4E53-9926-81EFC573F184}" type="pres">
+      <dgm:prSet presAssocID="{D91A506C-0D74-422D-9C72-3A408974BC63}" presName="rootComposite2" presStyleCnt="0"/>
+      <dgm:spPr/>
+    </dgm:pt>
+    <dgm:pt modelId="{3D2DEE87-0CF9-428A-BCB3-C0D44940B05C}" type="pres">
+      <dgm:prSet presAssocID="{D91A506C-0D74-422D-9C72-3A408974BC63}" presName="rootText2" presStyleLbl="alignAcc1" presStyleIdx="0" presStyleCnt="0">
         <dgm:presLayoutVars>
           <dgm:chPref val="3"/>
         </dgm:presLayoutVars>
       </dgm:prSet>
       <dgm:spPr/>
     </dgm:pt>
-    <dgm:pt modelId="{27FC7C3F-1956-4B93-A491-5A3C40814EFF}" type="pres">
-      <dgm:prSet presAssocID="{D91A506C-0D74-422D-9C72-3A408974BC63}" presName="level3hierChild" presStyleCnt="0"/>
+    <dgm:pt modelId="{92A7F271-6905-4BF1-9161-B29AEC091F54}" type="pres">
+      <dgm:prSet presAssocID="{D91A506C-0D74-422D-9C72-3A408974BC63}" presName="topArc2" presStyleLbl="parChTrans1D1" presStyleIdx="2" presStyleCnt="8"/>
       <dgm:spPr/>
     </dgm:pt>
-    <dgm:pt modelId="{1F85019B-02C4-433C-934A-1CDB006EDD9A}" type="pres">
-      <dgm:prSet presAssocID="{9C8C4A70-8264-4B04-8CEC-F5E6A35FA358}" presName="conn2-1" presStyleLbl="parChTrans1D2" presStyleIdx="1" presStyleCnt="3"/>
+    <dgm:pt modelId="{D475A9BE-C839-47B4-A433-CF6012E355A6}" type="pres">
+      <dgm:prSet presAssocID="{D91A506C-0D74-422D-9C72-3A408974BC63}" presName="bottomArc2" presStyleLbl="parChTrans1D1" presStyleIdx="3" presStyleCnt="8"/>
       <dgm:spPr/>
     </dgm:pt>
-    <dgm:pt modelId="{BEC46C62-8933-43F7-97FB-DEF357F0758F}" type="pres">
-      <dgm:prSet presAssocID="{9C8C4A70-8264-4B04-8CEC-F5E6A35FA358}" presName="connTx" presStyleLbl="parChTrans1D2" presStyleIdx="1" presStyleCnt="3"/>
+    <dgm:pt modelId="{1BDFA892-6B16-47BC-AB0F-20FD8B641911}" type="pres">
+      <dgm:prSet presAssocID="{D91A506C-0D74-422D-9C72-3A408974BC63}" presName="topConnNode2" presStyleLbl="node2" presStyleIdx="0" presStyleCnt="0"/>
       <dgm:spPr/>
     </dgm:pt>
-    <dgm:pt modelId="{31FC9390-E243-4D70-BC80-6FDF1C991C18}" type="pres">
-      <dgm:prSet presAssocID="{5B62232E-D73F-457B-99BE-718E55D8FE2F}" presName="root2" presStyleCnt="0"/>
+    <dgm:pt modelId="{FB2385AE-0B9B-4F44-B805-08A2C02ACCE0}" type="pres">
+      <dgm:prSet presAssocID="{D91A506C-0D74-422D-9C72-3A408974BC63}" presName="hierChild4" presStyleCnt="0"/>
       <dgm:spPr/>
     </dgm:pt>
-    <dgm:pt modelId="{3777A9DA-78CA-4F64-8A8B-CB7837171927}" type="pres">
-      <dgm:prSet presAssocID="{5B62232E-D73F-457B-99BE-718E55D8FE2F}" presName="LevelTwoTextNode" presStyleLbl="node2" presStyleIdx="1" presStyleCnt="3">
+    <dgm:pt modelId="{C435FD65-6818-439F-9E0C-25870A24B43D}" type="pres">
+      <dgm:prSet presAssocID="{D91A506C-0D74-422D-9C72-3A408974BC63}" presName="hierChild5" presStyleCnt="0"/>
+      <dgm:spPr/>
+    </dgm:pt>
+    <dgm:pt modelId="{1868C3D2-587E-499B-8F45-E0DD96A576FA}" type="pres">
+      <dgm:prSet presAssocID="{9C8C4A70-8264-4B04-8CEC-F5E6A35FA358}" presName="Name28" presStyleLbl="parChTrans1D2" presStyleIdx="1" presStyleCnt="3"/>
+      <dgm:spPr/>
+    </dgm:pt>
+    <dgm:pt modelId="{A35419ED-B14E-41F9-8798-9908E565224C}" type="pres">
+      <dgm:prSet presAssocID="{5B62232E-D73F-457B-99BE-718E55D8FE2F}" presName="hierRoot2" presStyleCnt="0">
+        <dgm:presLayoutVars>
+          <dgm:hierBranch val="init"/>
+        </dgm:presLayoutVars>
+      </dgm:prSet>
+      <dgm:spPr/>
+    </dgm:pt>
+    <dgm:pt modelId="{95E0B634-9728-45F7-81C6-E0777F30EFF8}" type="pres">
+      <dgm:prSet presAssocID="{5B62232E-D73F-457B-99BE-718E55D8FE2F}" presName="rootComposite2" presStyleCnt="0"/>
+      <dgm:spPr/>
+    </dgm:pt>
+    <dgm:pt modelId="{FFBD7AE5-E231-4596-A180-0A13DE3FD084}" type="pres">
+      <dgm:prSet presAssocID="{5B62232E-D73F-457B-99BE-718E55D8FE2F}" presName="rootText2" presStyleLbl="alignAcc1" presStyleIdx="0" presStyleCnt="0">
         <dgm:presLayoutVars>
           <dgm:chPref val="3"/>
         </dgm:presLayoutVars>
       </dgm:prSet>
       <dgm:spPr/>
     </dgm:pt>
-    <dgm:pt modelId="{721EAEAB-DB11-41AE-94F0-E45962880323}" type="pres">
-      <dgm:prSet presAssocID="{5B62232E-D73F-457B-99BE-718E55D8FE2F}" presName="level3hierChild" presStyleCnt="0"/>
+    <dgm:pt modelId="{A80C04B5-364F-406C-92D2-269675C72AF5}" type="pres">
+      <dgm:prSet presAssocID="{5B62232E-D73F-457B-99BE-718E55D8FE2F}" presName="topArc2" presStyleLbl="parChTrans1D1" presStyleIdx="4" presStyleCnt="8"/>
       <dgm:spPr/>
     </dgm:pt>
-    <dgm:pt modelId="{6010F15C-5CDE-4D42-B4BF-834951AAF3FA}" type="pres">
-      <dgm:prSet presAssocID="{DD62D2AC-260F-4743-BAB4-8376B09654FD}" presName="conn2-1" presStyleLbl="parChTrans1D2" presStyleIdx="2" presStyleCnt="3"/>
+    <dgm:pt modelId="{025E6360-CAD4-4D48-A923-03E578C54067}" type="pres">
+      <dgm:prSet presAssocID="{5B62232E-D73F-457B-99BE-718E55D8FE2F}" presName="bottomArc2" presStyleLbl="parChTrans1D1" presStyleIdx="5" presStyleCnt="8"/>
       <dgm:spPr/>
     </dgm:pt>
-    <dgm:pt modelId="{B3833D8D-B13D-47FA-8AD9-52DEC5B2EBF0}" type="pres">
-      <dgm:prSet presAssocID="{DD62D2AC-260F-4743-BAB4-8376B09654FD}" presName="connTx" presStyleLbl="parChTrans1D2" presStyleIdx="2" presStyleCnt="3"/>
+    <dgm:pt modelId="{96E1DEAE-9C2E-484D-8E30-29F0B99BD6C9}" type="pres">
+      <dgm:prSet presAssocID="{5B62232E-D73F-457B-99BE-718E55D8FE2F}" presName="topConnNode2" presStyleLbl="node2" presStyleIdx="0" presStyleCnt="0"/>
       <dgm:spPr/>
     </dgm:pt>
-    <dgm:pt modelId="{0244A796-5244-40B5-8309-D74427A901DD}" type="pres">
-      <dgm:prSet presAssocID="{69533F02-E40F-4F6C-8794-F27EF4A1E01A}" presName="root2" presStyleCnt="0"/>
+    <dgm:pt modelId="{F688FF38-14C6-44EA-927A-94469E231008}" type="pres">
+      <dgm:prSet presAssocID="{5B62232E-D73F-457B-99BE-718E55D8FE2F}" presName="hierChild4" presStyleCnt="0"/>
       <dgm:spPr/>
     </dgm:pt>
-    <dgm:pt modelId="{B873E2A0-A0BE-41B2-9D58-F669996EBEF7}" type="pres">
-      <dgm:prSet presAssocID="{69533F02-E40F-4F6C-8794-F27EF4A1E01A}" presName="LevelTwoTextNode" presStyleLbl="node2" presStyleIdx="2" presStyleCnt="3">
+    <dgm:pt modelId="{17A7791A-5127-4378-8D32-9449AB7A2273}" type="pres">
+      <dgm:prSet presAssocID="{5B62232E-D73F-457B-99BE-718E55D8FE2F}" presName="hierChild5" presStyleCnt="0"/>
+      <dgm:spPr/>
+    </dgm:pt>
+    <dgm:pt modelId="{82B28556-699E-4F8C-A919-0E5897ABC3B5}" type="pres">
+      <dgm:prSet presAssocID="{DD62D2AC-260F-4743-BAB4-8376B09654FD}" presName="Name28" presStyleLbl="parChTrans1D2" presStyleIdx="2" presStyleCnt="3"/>
+      <dgm:spPr/>
+    </dgm:pt>
+    <dgm:pt modelId="{B195C9F7-EE64-40EC-86E1-B2ABBCE1F28E}" type="pres">
+      <dgm:prSet presAssocID="{69533F02-E40F-4F6C-8794-F27EF4A1E01A}" presName="hierRoot2" presStyleCnt="0">
+        <dgm:presLayoutVars>
+          <dgm:hierBranch val="init"/>
+        </dgm:presLayoutVars>
+      </dgm:prSet>
+      <dgm:spPr/>
+    </dgm:pt>
+    <dgm:pt modelId="{DA6EC803-281A-4989-9938-7309A37D8110}" type="pres">
+      <dgm:prSet presAssocID="{69533F02-E40F-4F6C-8794-F27EF4A1E01A}" presName="rootComposite2" presStyleCnt="0"/>
+      <dgm:spPr/>
+    </dgm:pt>
+    <dgm:pt modelId="{AACAEF7C-67AB-41B2-A0E8-D8A094A65FD4}" type="pres">
+      <dgm:prSet presAssocID="{69533F02-E40F-4F6C-8794-F27EF4A1E01A}" presName="rootText2" presStyleLbl="alignAcc1" presStyleIdx="0" presStyleCnt="0">
         <dgm:presLayoutVars>
           <dgm:chPref val="3"/>
         </dgm:presLayoutVars>
       </dgm:prSet>
       <dgm:spPr/>
     </dgm:pt>
-    <dgm:pt modelId="{018074B4-E777-4064-BD0B-E3FF8652FD01}" type="pres">
-      <dgm:prSet presAssocID="{69533F02-E40F-4F6C-8794-F27EF4A1E01A}" presName="level3hierChild" presStyleCnt="0"/>
+    <dgm:pt modelId="{A1E59654-E384-483A-B0EF-0FC778994E79}" type="pres">
+      <dgm:prSet presAssocID="{69533F02-E40F-4F6C-8794-F27EF4A1E01A}" presName="topArc2" presStyleLbl="parChTrans1D1" presStyleIdx="6" presStyleCnt="8"/>
+      <dgm:spPr/>
+    </dgm:pt>
+    <dgm:pt modelId="{6C7171CF-DB5C-4A39-B665-18BFD445FBAF}" type="pres">
+      <dgm:prSet presAssocID="{69533F02-E40F-4F6C-8794-F27EF4A1E01A}" presName="bottomArc2" presStyleLbl="parChTrans1D1" presStyleIdx="7" presStyleCnt="8"/>
+      <dgm:spPr/>
+    </dgm:pt>
+    <dgm:pt modelId="{3D03E96C-BDF9-49D6-974C-CF16AFE3A6C8}" type="pres">
+      <dgm:prSet presAssocID="{69533F02-E40F-4F6C-8794-F27EF4A1E01A}" presName="topConnNode2" presStyleLbl="node2" presStyleIdx="0" presStyleCnt="0"/>
+      <dgm:spPr/>
+    </dgm:pt>
+    <dgm:pt modelId="{9B51F088-5E11-48F3-B036-791BA2D50BC1}" type="pres">
+      <dgm:prSet presAssocID="{69533F02-E40F-4F6C-8794-F27EF4A1E01A}" presName="hierChild4" presStyleCnt="0"/>
+      <dgm:spPr/>
+    </dgm:pt>
+    <dgm:pt modelId="{22EB88FC-BC7F-4CD8-8155-CF3F38ED8131}" type="pres">
+      <dgm:prSet presAssocID="{69533F02-E40F-4F6C-8794-F27EF4A1E01A}" presName="hierChild5" presStyleCnt="0"/>
+      <dgm:spPr/>
+    </dgm:pt>
+    <dgm:pt modelId="{6A845E5B-B16B-45DD-9044-FE6F93A25653}" type="pres">
+      <dgm:prSet presAssocID="{0DD3B60F-7283-4FB1-8A89-0580BFF5059D}" presName="hierChild3" presStyleCnt="0"/>
       <dgm:spPr/>
     </dgm:pt>
   </dgm:ptLst>
   <dgm:cxnLst>
+    <dgm:cxn modelId="{2998CC15-592E-48AF-B2AB-94D57B5FEAEA}" type="presOf" srcId="{69533F02-E40F-4F6C-8794-F27EF4A1E01A}" destId="{3D03E96C-BDF9-49D6-974C-CF16AFE3A6C8}" srcOrd="1" destOrd="0" presId="urn:microsoft.com/office/officeart/2008/layout/HalfCircleOrganizationChart"/>
     <dgm:cxn modelId="{99697E33-07B8-48FD-9991-FB9A781F4CDB}" srcId="{0DD3B60F-7283-4FB1-8A89-0580BFF5059D}" destId="{69533F02-E40F-4F6C-8794-F27EF4A1E01A}" srcOrd="2" destOrd="0" parTransId="{DD62D2AC-260F-4743-BAB4-8376B09654FD}" sibTransId="{FAB34884-B3C9-4C59-BCF1-F9AC7DAEB07A}"/>
-    <dgm:cxn modelId="{92348B36-D080-4F86-9FF9-2465652C82AF}" type="presOf" srcId="{69533F02-E40F-4F6C-8794-F27EF4A1E01A}" destId="{B873E2A0-A0BE-41B2-9D58-F669996EBEF7}" srcOrd="0" destOrd="0" presId="urn:microsoft.com/office/officeart/2008/layout/HorizontalMultiLevelHierarchy"/>
+    <dgm:cxn modelId="{FA3B5334-FD35-4642-B342-398B22E925B1}" type="presOf" srcId="{92D96538-1F7D-446D-8776-6CA8D4CD8032}" destId="{1B50497C-2968-403B-B758-0F5D0A9F6BA4}" srcOrd="0" destOrd="0" presId="urn:microsoft.com/office/officeart/2008/layout/HalfCircleOrganizationChart"/>
+    <dgm:cxn modelId="{5952D836-1046-426C-9AC7-F748E5C758F6}" type="presOf" srcId="{5B62232E-D73F-457B-99BE-718E55D8FE2F}" destId="{96E1DEAE-9C2E-484D-8E30-29F0B99BD6C9}" srcOrd="1" destOrd="0" presId="urn:microsoft.com/office/officeart/2008/layout/HalfCircleOrganizationChart"/>
     <dgm:cxn modelId="{1D86BF3B-0902-4A50-AD8C-C97F143E7BBD}" srcId="{05ECE2E8-C662-4C02-811F-1419773231D2}" destId="{0DD3B60F-7283-4FB1-8A89-0580BFF5059D}" srcOrd="0" destOrd="0" parTransId="{6C5B42CF-05BB-49FF-824A-3A756B86A6FB}" sibTransId="{5C578BE7-3C56-4B86-8F04-F27A9CAC6D7D}"/>
-    <dgm:cxn modelId="{6CDD0E64-8D22-4BE9-B6FA-362BDEF07F80}" type="presOf" srcId="{9C8C4A70-8264-4B04-8CEC-F5E6A35FA358}" destId="{BEC46C62-8933-43F7-97FB-DEF357F0758F}" srcOrd="1" destOrd="0" presId="urn:microsoft.com/office/officeart/2008/layout/HorizontalMultiLevelHierarchy"/>
-    <dgm:cxn modelId="{35251C74-3794-485F-8019-60F15D81A1F8}" type="presOf" srcId="{92D96538-1F7D-446D-8776-6CA8D4CD8032}" destId="{70FC2EB2-ED6A-4EDC-9F04-E6793AE73C94}" srcOrd="0" destOrd="0" presId="urn:microsoft.com/office/officeart/2008/layout/HorizontalMultiLevelHierarchy"/>
-    <dgm:cxn modelId="{74492354-26BD-4234-8D98-270FE1EE7C91}" type="presOf" srcId="{DD62D2AC-260F-4743-BAB4-8376B09654FD}" destId="{6010F15C-5CDE-4D42-B4BF-834951AAF3FA}" srcOrd="0" destOrd="0" presId="urn:microsoft.com/office/officeart/2008/layout/HorizontalMultiLevelHierarchy"/>
-    <dgm:cxn modelId="{E4A71998-F996-4932-A7EF-353C30D3EC4C}" type="presOf" srcId="{0DD3B60F-7283-4FB1-8A89-0580BFF5059D}" destId="{ECFD5BFD-69AA-4871-A5CA-D0795830B097}" srcOrd="0" destOrd="0" presId="urn:microsoft.com/office/officeart/2008/layout/HorizontalMultiLevelHierarchy"/>
-    <dgm:cxn modelId="{1863AAA6-8F30-42B5-A9F5-21FB32326B27}" type="presOf" srcId="{92D96538-1F7D-446D-8776-6CA8D4CD8032}" destId="{A30B5542-9D47-4C93-8AAE-2262123AF64B}" srcOrd="1" destOrd="0" presId="urn:microsoft.com/office/officeart/2008/layout/HorizontalMultiLevelHierarchy"/>
+    <dgm:cxn modelId="{22185840-AB66-409F-9CCD-E9898DECBD63}" type="presOf" srcId="{D91A506C-0D74-422D-9C72-3A408974BC63}" destId="{3D2DEE87-0CF9-428A-BCB3-C0D44940B05C}" srcOrd="0" destOrd="0" presId="urn:microsoft.com/office/officeart/2008/layout/HalfCircleOrganizationChart"/>
+    <dgm:cxn modelId="{90CD7C90-BE00-427B-B47E-64F5836E486C}" type="presOf" srcId="{DD62D2AC-260F-4743-BAB4-8376B09654FD}" destId="{82B28556-699E-4F8C-A919-0E5897ABC3B5}" srcOrd="0" destOrd="0" presId="urn:microsoft.com/office/officeart/2008/layout/HalfCircleOrganizationChart"/>
+    <dgm:cxn modelId="{78E9E29B-00C2-4162-99B0-FBC3BB8F7CA1}" type="presOf" srcId="{9C8C4A70-8264-4B04-8CEC-F5E6A35FA358}" destId="{1868C3D2-587E-499B-8F45-E0DD96A576FA}" srcOrd="0" destOrd="0" presId="urn:microsoft.com/office/officeart/2008/layout/HalfCircleOrganizationChart"/>
     <dgm:cxn modelId="{EFA38EA9-E4B9-480B-A8E1-642250E6E367}" srcId="{0DD3B60F-7283-4FB1-8A89-0580BFF5059D}" destId="{D91A506C-0D74-422D-9C72-3A408974BC63}" srcOrd="0" destOrd="0" parTransId="{92D96538-1F7D-446D-8776-6CA8D4CD8032}" sibTransId="{53AAC91E-4D92-486E-A2F1-B51D96891609}"/>
-    <dgm:cxn modelId="{612EF0AC-0AEE-4208-83D2-38A6C1B0DFC2}" type="presOf" srcId="{DD62D2AC-260F-4743-BAB4-8376B09654FD}" destId="{B3833D8D-B13D-47FA-8AD9-52DEC5B2EBF0}" srcOrd="1" destOrd="0" presId="urn:microsoft.com/office/officeart/2008/layout/HorizontalMultiLevelHierarchy"/>
-    <dgm:cxn modelId="{2B22AFC2-C92C-4494-94C7-B713DCDFCB29}" type="presOf" srcId="{5B62232E-D73F-457B-99BE-718E55D8FE2F}" destId="{3777A9DA-78CA-4F64-8A8B-CB7837171927}" srcOrd="0" destOrd="0" presId="urn:microsoft.com/office/officeart/2008/layout/HorizontalMultiLevelHierarchy"/>
-    <dgm:cxn modelId="{795578C7-AEA7-4E60-A5A5-F63BD70D5C3B}" type="presOf" srcId="{05ECE2E8-C662-4C02-811F-1419773231D2}" destId="{06EB88E0-2086-4D2C-9A88-794FA7BA0C33}" srcOrd="0" destOrd="0" presId="urn:microsoft.com/office/officeart/2008/layout/HorizontalMultiLevelHierarchy"/>
-    <dgm:cxn modelId="{13760DC8-8C57-4620-99BE-4100F1A58B10}" type="presOf" srcId="{D91A506C-0D74-422D-9C72-3A408974BC63}" destId="{7586306C-AF20-4FE3-AD30-6DA47DA352CA}" srcOrd="0" destOrd="0" presId="urn:microsoft.com/office/officeart/2008/layout/HorizontalMultiLevelHierarchy"/>
+    <dgm:cxn modelId="{940A8BB8-581D-4C4D-8678-8080B7A97324}" type="presOf" srcId="{D91A506C-0D74-422D-9C72-3A408974BC63}" destId="{1BDFA892-6B16-47BC-AB0F-20FD8B641911}" srcOrd="1" destOrd="0" presId="urn:microsoft.com/office/officeart/2008/layout/HalfCircleOrganizationChart"/>
+    <dgm:cxn modelId="{382B38C4-3F6C-4A00-AC6E-AFE2D3F14E99}" type="presOf" srcId="{69533F02-E40F-4F6C-8794-F27EF4A1E01A}" destId="{AACAEF7C-67AB-41B2-A0E8-D8A094A65FD4}" srcOrd="0" destOrd="0" presId="urn:microsoft.com/office/officeart/2008/layout/HalfCircleOrganizationChart"/>
+    <dgm:cxn modelId="{623C4BC8-038C-4E73-8F1B-23A29437F716}" type="presOf" srcId="{0DD3B60F-7283-4FB1-8A89-0580BFF5059D}" destId="{48E3F802-D729-4765-A310-E03AAAA9280B}" srcOrd="0" destOrd="0" presId="urn:microsoft.com/office/officeart/2008/layout/HalfCircleOrganizationChart"/>
+    <dgm:cxn modelId="{9A615ACC-0048-47F8-B4E4-255196D681CB}" type="presOf" srcId="{5B62232E-D73F-457B-99BE-718E55D8FE2F}" destId="{FFBD7AE5-E231-4596-A180-0A13DE3FD084}" srcOrd="0" destOrd="0" presId="urn:microsoft.com/office/officeart/2008/layout/HalfCircleOrganizationChart"/>
+    <dgm:cxn modelId="{AC9A73D1-CDF7-4F00-A053-3482CA5922BF}" type="presOf" srcId="{05ECE2E8-C662-4C02-811F-1419773231D2}" destId="{5992844B-7DCC-4529-8C8A-65CE78951AF3}" srcOrd="0" destOrd="0" presId="urn:microsoft.com/office/officeart/2008/layout/HalfCircleOrganizationChart"/>
     <dgm:cxn modelId="{DA76A0D3-D770-423B-A762-DDEBB2DC14E1}" srcId="{0DD3B60F-7283-4FB1-8A89-0580BFF5059D}" destId="{5B62232E-D73F-457B-99BE-718E55D8FE2F}" srcOrd="1" destOrd="0" parTransId="{9C8C4A70-8264-4B04-8CEC-F5E6A35FA358}" sibTransId="{8888518F-5BD3-4379-90B8-CB8476FA5774}"/>
-    <dgm:cxn modelId="{EF93B3F7-B4B2-4EA6-9024-824D33D88028}" type="presOf" srcId="{9C8C4A70-8264-4B04-8CEC-F5E6A35FA358}" destId="{1F85019B-02C4-433C-934A-1CDB006EDD9A}" srcOrd="0" destOrd="0" presId="urn:microsoft.com/office/officeart/2008/layout/HorizontalMultiLevelHierarchy"/>
-    <dgm:cxn modelId="{05B007C0-61FD-46C6-8363-B7C9FB1493C9}" type="presParOf" srcId="{06EB88E0-2086-4D2C-9A88-794FA7BA0C33}" destId="{A42A26BE-67A3-4BA9-9D89-DEB0D7065667}" srcOrd="0" destOrd="0" presId="urn:microsoft.com/office/officeart/2008/layout/HorizontalMultiLevelHierarchy"/>
-    <dgm:cxn modelId="{88E9E8B9-7B1E-4DAD-9BD3-350726285D94}" type="presParOf" srcId="{A42A26BE-67A3-4BA9-9D89-DEB0D7065667}" destId="{ECFD5BFD-69AA-4871-A5CA-D0795830B097}" srcOrd="0" destOrd="0" presId="urn:microsoft.com/office/officeart/2008/layout/HorizontalMultiLevelHierarchy"/>
-    <dgm:cxn modelId="{8F758BE4-7A32-46D8-92C2-07B6CEB8EAA9}" type="presParOf" srcId="{A42A26BE-67A3-4BA9-9D89-DEB0D7065667}" destId="{57BB67D4-F4BA-4EB4-8C4F-5DAF0E740463}" srcOrd="1" destOrd="0" presId="urn:microsoft.com/office/officeart/2008/layout/HorizontalMultiLevelHierarchy"/>
-    <dgm:cxn modelId="{706C6B91-EFF5-46FF-9183-6E4BA400388F}" type="presParOf" srcId="{57BB67D4-F4BA-4EB4-8C4F-5DAF0E740463}" destId="{70FC2EB2-ED6A-4EDC-9F04-E6793AE73C94}" srcOrd="0" destOrd="0" presId="urn:microsoft.com/office/officeart/2008/layout/HorizontalMultiLevelHierarchy"/>
-    <dgm:cxn modelId="{82C1DEB4-D4B0-4B34-B0E8-E10C4B82CEBF}" type="presParOf" srcId="{70FC2EB2-ED6A-4EDC-9F04-E6793AE73C94}" destId="{A30B5542-9D47-4C93-8AAE-2262123AF64B}" srcOrd="0" destOrd="0" presId="urn:microsoft.com/office/officeart/2008/layout/HorizontalMultiLevelHierarchy"/>
-    <dgm:cxn modelId="{E685EA19-4AA0-4B5B-8499-C447CC8CCCF9}" type="presParOf" srcId="{57BB67D4-F4BA-4EB4-8C4F-5DAF0E740463}" destId="{D26630F2-0CE6-4F74-9E65-45DE37232B54}" srcOrd="1" destOrd="0" presId="urn:microsoft.com/office/officeart/2008/layout/HorizontalMultiLevelHierarchy"/>
-    <dgm:cxn modelId="{32BF65D0-4E1D-4810-9345-D43223B305EB}" type="presParOf" srcId="{D26630F2-0CE6-4F74-9E65-45DE37232B54}" destId="{7586306C-AF20-4FE3-AD30-6DA47DA352CA}" srcOrd="0" destOrd="0" presId="urn:microsoft.com/office/officeart/2008/layout/HorizontalMultiLevelHierarchy"/>
-    <dgm:cxn modelId="{4C130D6F-B4A1-4CAA-8E36-4441BC29D5A5}" type="presParOf" srcId="{D26630F2-0CE6-4F74-9E65-45DE37232B54}" destId="{27FC7C3F-1956-4B93-A491-5A3C40814EFF}" srcOrd="1" destOrd="0" presId="urn:microsoft.com/office/officeart/2008/layout/HorizontalMultiLevelHierarchy"/>
-    <dgm:cxn modelId="{7AC0B2CE-2500-47D7-A8C3-4E05F0C2A767}" type="presParOf" srcId="{57BB67D4-F4BA-4EB4-8C4F-5DAF0E740463}" destId="{1F85019B-02C4-433C-934A-1CDB006EDD9A}" srcOrd="2" destOrd="0" presId="urn:microsoft.com/office/officeart/2008/layout/HorizontalMultiLevelHierarchy"/>
-    <dgm:cxn modelId="{BBB2C5C3-13A4-4962-8CB2-3BE312859FC4}" type="presParOf" srcId="{1F85019B-02C4-433C-934A-1CDB006EDD9A}" destId="{BEC46C62-8933-43F7-97FB-DEF357F0758F}" srcOrd="0" destOrd="0" presId="urn:microsoft.com/office/officeart/2008/layout/HorizontalMultiLevelHierarchy"/>
-    <dgm:cxn modelId="{3F032F78-CBA4-4AB2-B240-5285B0E37296}" type="presParOf" srcId="{57BB67D4-F4BA-4EB4-8C4F-5DAF0E740463}" destId="{31FC9390-E243-4D70-BC80-6FDF1C991C18}" srcOrd="3" destOrd="0" presId="urn:microsoft.com/office/officeart/2008/layout/HorizontalMultiLevelHierarchy"/>
-    <dgm:cxn modelId="{83F0E9A6-4672-4382-9AF4-F149C1FBE3C8}" type="presParOf" srcId="{31FC9390-E243-4D70-BC80-6FDF1C991C18}" destId="{3777A9DA-78CA-4F64-8A8B-CB7837171927}" srcOrd="0" destOrd="0" presId="urn:microsoft.com/office/officeart/2008/layout/HorizontalMultiLevelHierarchy"/>
-    <dgm:cxn modelId="{5AE019F7-D9D2-43AF-B0D0-EE815576C991}" type="presParOf" srcId="{31FC9390-E243-4D70-BC80-6FDF1C991C18}" destId="{721EAEAB-DB11-41AE-94F0-E45962880323}" srcOrd="1" destOrd="0" presId="urn:microsoft.com/office/officeart/2008/layout/HorizontalMultiLevelHierarchy"/>
-    <dgm:cxn modelId="{20A1F7DB-6B46-447C-8302-CDAB87FF1E9F}" type="presParOf" srcId="{57BB67D4-F4BA-4EB4-8C4F-5DAF0E740463}" destId="{6010F15C-5CDE-4D42-B4BF-834951AAF3FA}" srcOrd="4" destOrd="0" presId="urn:microsoft.com/office/officeart/2008/layout/HorizontalMultiLevelHierarchy"/>
-    <dgm:cxn modelId="{9AD6548C-DF04-4D2C-9AE9-49BDAA5F78B4}" type="presParOf" srcId="{6010F15C-5CDE-4D42-B4BF-834951AAF3FA}" destId="{B3833D8D-B13D-47FA-8AD9-52DEC5B2EBF0}" srcOrd="0" destOrd="0" presId="urn:microsoft.com/office/officeart/2008/layout/HorizontalMultiLevelHierarchy"/>
-    <dgm:cxn modelId="{74801F41-888C-40E3-AE81-ECB29335CB16}" type="presParOf" srcId="{57BB67D4-F4BA-4EB4-8C4F-5DAF0E740463}" destId="{0244A796-5244-40B5-8309-D74427A901DD}" srcOrd="5" destOrd="0" presId="urn:microsoft.com/office/officeart/2008/layout/HorizontalMultiLevelHierarchy"/>
-    <dgm:cxn modelId="{FC8401F0-7EF5-4521-83C6-49BA3FEC9156}" type="presParOf" srcId="{0244A796-5244-40B5-8309-D74427A901DD}" destId="{B873E2A0-A0BE-41B2-9D58-F669996EBEF7}" srcOrd="0" destOrd="0" presId="urn:microsoft.com/office/officeart/2008/layout/HorizontalMultiLevelHierarchy"/>
-    <dgm:cxn modelId="{BB4349B2-3E98-4134-BF29-478B407BE3D8}" type="presParOf" srcId="{0244A796-5244-40B5-8309-D74427A901DD}" destId="{018074B4-E777-4064-BD0B-E3FF8652FD01}" srcOrd="1" destOrd="0" presId="urn:microsoft.com/office/officeart/2008/layout/HorizontalMultiLevelHierarchy"/>
+    <dgm:cxn modelId="{34CE28D7-B9F2-41F2-A2A6-30D3021E33E5}" type="presOf" srcId="{0DD3B60F-7283-4FB1-8A89-0580BFF5059D}" destId="{F0AF405E-3520-48B2-9FD2-F89E1649A754}" srcOrd="1" destOrd="0" presId="urn:microsoft.com/office/officeart/2008/layout/HalfCircleOrganizationChart"/>
+    <dgm:cxn modelId="{68A70C41-E99E-48E0-8D00-E7B2A909E0C0}" type="presParOf" srcId="{5992844B-7DCC-4529-8C8A-65CE78951AF3}" destId="{F8DE8FCD-ABA1-4CFB-80C4-54453C70955D}" srcOrd="0" destOrd="0" presId="urn:microsoft.com/office/officeart/2008/layout/HalfCircleOrganizationChart"/>
+    <dgm:cxn modelId="{A689D197-9299-4E2A-8C78-694FEA4F0A11}" type="presParOf" srcId="{F8DE8FCD-ABA1-4CFB-80C4-54453C70955D}" destId="{3ABCE26A-ED6D-4E1A-8DBB-CBEFF6E24EE3}" srcOrd="0" destOrd="0" presId="urn:microsoft.com/office/officeart/2008/layout/HalfCircleOrganizationChart"/>
+    <dgm:cxn modelId="{5AEE2A97-1CA8-4481-AC7B-FDCD42440E6E}" type="presParOf" srcId="{3ABCE26A-ED6D-4E1A-8DBB-CBEFF6E24EE3}" destId="{48E3F802-D729-4765-A310-E03AAAA9280B}" srcOrd="0" destOrd="0" presId="urn:microsoft.com/office/officeart/2008/layout/HalfCircleOrganizationChart"/>
+    <dgm:cxn modelId="{12F64C9A-42C6-46F4-B28A-05336F6F1ED9}" type="presParOf" srcId="{3ABCE26A-ED6D-4E1A-8DBB-CBEFF6E24EE3}" destId="{AE9B1D64-B9AD-48C2-97D9-90852472219C}" srcOrd="1" destOrd="0" presId="urn:microsoft.com/office/officeart/2008/layout/HalfCircleOrganizationChart"/>
+    <dgm:cxn modelId="{E784B5D6-C474-46A3-A031-FD1400D8D6D2}" type="presParOf" srcId="{3ABCE26A-ED6D-4E1A-8DBB-CBEFF6E24EE3}" destId="{6F835D7A-6787-42D7-8DCC-866E2B9CC390}" srcOrd="2" destOrd="0" presId="urn:microsoft.com/office/officeart/2008/layout/HalfCircleOrganizationChart"/>
+    <dgm:cxn modelId="{35C4F438-AD28-419B-AF07-4EE355413BC5}" type="presParOf" srcId="{3ABCE26A-ED6D-4E1A-8DBB-CBEFF6E24EE3}" destId="{F0AF405E-3520-48B2-9FD2-F89E1649A754}" srcOrd="3" destOrd="0" presId="urn:microsoft.com/office/officeart/2008/layout/HalfCircleOrganizationChart"/>
+    <dgm:cxn modelId="{377ED48D-550C-4B89-AE52-859CDE57C185}" type="presParOf" srcId="{F8DE8FCD-ABA1-4CFB-80C4-54453C70955D}" destId="{C044E718-35E4-4839-BD8A-DD1A32440F64}" srcOrd="1" destOrd="0" presId="urn:microsoft.com/office/officeart/2008/layout/HalfCircleOrganizationChart"/>
+    <dgm:cxn modelId="{D6596B9D-9FB2-431A-AD7E-B20B6A60967D}" type="presParOf" srcId="{C044E718-35E4-4839-BD8A-DD1A32440F64}" destId="{1B50497C-2968-403B-B758-0F5D0A9F6BA4}" srcOrd="0" destOrd="0" presId="urn:microsoft.com/office/officeart/2008/layout/HalfCircleOrganizationChart"/>
+    <dgm:cxn modelId="{0261094B-8340-4745-94BA-C609A5EDA11A}" type="presParOf" srcId="{C044E718-35E4-4839-BD8A-DD1A32440F64}" destId="{F1495125-11A0-4CC4-A83F-F6934BE7BA4D}" srcOrd="1" destOrd="0" presId="urn:microsoft.com/office/officeart/2008/layout/HalfCircleOrganizationChart"/>
+    <dgm:cxn modelId="{371886D9-F07A-41C5-A35D-D33B84894DCC}" type="presParOf" srcId="{F1495125-11A0-4CC4-A83F-F6934BE7BA4D}" destId="{64B663B7-A559-4E53-9926-81EFC573F184}" srcOrd="0" destOrd="0" presId="urn:microsoft.com/office/officeart/2008/layout/HalfCircleOrganizationChart"/>
+    <dgm:cxn modelId="{4547B100-4F87-4010-9699-1BA3A077CD51}" type="presParOf" srcId="{64B663B7-A559-4E53-9926-81EFC573F184}" destId="{3D2DEE87-0CF9-428A-BCB3-C0D44940B05C}" srcOrd="0" destOrd="0" presId="urn:microsoft.com/office/officeart/2008/layout/HalfCircleOrganizationChart"/>
+    <dgm:cxn modelId="{CC832C74-3728-4467-B573-48FFE8DCDDF2}" type="presParOf" srcId="{64B663B7-A559-4E53-9926-81EFC573F184}" destId="{92A7F271-6905-4BF1-9161-B29AEC091F54}" srcOrd="1" destOrd="0" presId="urn:microsoft.com/office/officeart/2008/layout/HalfCircleOrganizationChart"/>
+    <dgm:cxn modelId="{01F7CEA3-AE91-4EF8-AA70-511E838BB216}" type="presParOf" srcId="{64B663B7-A559-4E53-9926-81EFC573F184}" destId="{D475A9BE-C839-47B4-A433-CF6012E355A6}" srcOrd="2" destOrd="0" presId="urn:microsoft.com/office/officeart/2008/layout/HalfCircleOrganizationChart"/>
+    <dgm:cxn modelId="{8A35A788-0258-4AA2-8D17-92A3D9C3AFCE}" type="presParOf" srcId="{64B663B7-A559-4E53-9926-81EFC573F184}" destId="{1BDFA892-6B16-47BC-AB0F-20FD8B641911}" srcOrd="3" destOrd="0" presId="urn:microsoft.com/office/officeart/2008/layout/HalfCircleOrganizationChart"/>
+    <dgm:cxn modelId="{9731D725-545D-4E17-AA85-D931BB94245E}" type="presParOf" srcId="{F1495125-11A0-4CC4-A83F-F6934BE7BA4D}" destId="{FB2385AE-0B9B-4F44-B805-08A2C02ACCE0}" srcOrd="1" destOrd="0" presId="urn:microsoft.com/office/officeart/2008/layout/HalfCircleOrganizationChart"/>
+    <dgm:cxn modelId="{1847F3F6-058E-43F3-9CE2-04B919EC154E}" type="presParOf" srcId="{F1495125-11A0-4CC4-A83F-F6934BE7BA4D}" destId="{C435FD65-6818-439F-9E0C-25870A24B43D}" srcOrd="2" destOrd="0" presId="urn:microsoft.com/office/officeart/2008/layout/HalfCircleOrganizationChart"/>
+    <dgm:cxn modelId="{E961E192-8BA3-4B02-948D-AB80518B30BD}" type="presParOf" srcId="{C044E718-35E4-4839-BD8A-DD1A32440F64}" destId="{1868C3D2-587E-499B-8F45-E0DD96A576FA}" srcOrd="2" destOrd="0" presId="urn:microsoft.com/office/officeart/2008/layout/HalfCircleOrganizationChart"/>
+    <dgm:cxn modelId="{6E0B4502-9555-49F8-AA69-44DC50BE87C3}" type="presParOf" srcId="{C044E718-35E4-4839-BD8A-DD1A32440F64}" destId="{A35419ED-B14E-41F9-8798-9908E565224C}" srcOrd="3" destOrd="0" presId="urn:microsoft.com/office/officeart/2008/layout/HalfCircleOrganizationChart"/>
+    <dgm:cxn modelId="{25AB2B5C-F6F3-4A96-95EF-AC3D255A4DE3}" type="presParOf" srcId="{A35419ED-B14E-41F9-8798-9908E565224C}" destId="{95E0B634-9728-45F7-81C6-E0777F30EFF8}" srcOrd="0" destOrd="0" presId="urn:microsoft.com/office/officeart/2008/layout/HalfCircleOrganizationChart"/>
+    <dgm:cxn modelId="{A6873D58-F184-4D81-9516-78FC3027E617}" type="presParOf" srcId="{95E0B634-9728-45F7-81C6-E0777F30EFF8}" destId="{FFBD7AE5-E231-4596-A180-0A13DE3FD084}" srcOrd="0" destOrd="0" presId="urn:microsoft.com/office/officeart/2008/layout/HalfCircleOrganizationChart"/>
+    <dgm:cxn modelId="{A24DFFF6-1E1D-40E1-B9F2-335C92F26839}" type="presParOf" srcId="{95E0B634-9728-45F7-81C6-E0777F30EFF8}" destId="{A80C04B5-364F-406C-92D2-269675C72AF5}" srcOrd="1" destOrd="0" presId="urn:microsoft.com/office/officeart/2008/layout/HalfCircleOrganizationChart"/>
+    <dgm:cxn modelId="{8024C595-A54A-4540-9684-F614CF064B9E}" type="presParOf" srcId="{95E0B634-9728-45F7-81C6-E0777F30EFF8}" destId="{025E6360-CAD4-4D48-A923-03E578C54067}" srcOrd="2" destOrd="0" presId="urn:microsoft.com/office/officeart/2008/layout/HalfCircleOrganizationChart"/>
+    <dgm:cxn modelId="{A19B9743-37EF-46B7-BAD8-D1C4A7763D71}" type="presParOf" srcId="{95E0B634-9728-45F7-81C6-E0777F30EFF8}" destId="{96E1DEAE-9C2E-484D-8E30-29F0B99BD6C9}" srcOrd="3" destOrd="0" presId="urn:microsoft.com/office/officeart/2008/layout/HalfCircleOrganizationChart"/>
+    <dgm:cxn modelId="{740F5757-430E-4D02-ADA9-9496C9395A94}" type="presParOf" srcId="{A35419ED-B14E-41F9-8798-9908E565224C}" destId="{F688FF38-14C6-44EA-927A-94469E231008}" srcOrd="1" destOrd="0" presId="urn:microsoft.com/office/officeart/2008/layout/HalfCircleOrganizationChart"/>
+    <dgm:cxn modelId="{E77F5441-F463-409E-8390-C311BDE9C6E0}" type="presParOf" srcId="{A35419ED-B14E-41F9-8798-9908E565224C}" destId="{17A7791A-5127-4378-8D32-9449AB7A2273}" srcOrd="2" destOrd="0" presId="urn:microsoft.com/office/officeart/2008/layout/HalfCircleOrganizationChart"/>
+    <dgm:cxn modelId="{CD1F1E11-61F4-41F3-91AF-A7D184E62AEE}" type="presParOf" srcId="{C044E718-35E4-4839-BD8A-DD1A32440F64}" destId="{82B28556-699E-4F8C-A919-0E5897ABC3B5}" srcOrd="4" destOrd="0" presId="urn:microsoft.com/office/officeart/2008/layout/HalfCircleOrganizationChart"/>
+    <dgm:cxn modelId="{F6BABC47-1CC3-4046-ADC7-E19628C5B7FE}" type="presParOf" srcId="{C044E718-35E4-4839-BD8A-DD1A32440F64}" destId="{B195C9F7-EE64-40EC-86E1-B2ABBCE1F28E}" srcOrd="5" destOrd="0" presId="urn:microsoft.com/office/officeart/2008/layout/HalfCircleOrganizationChart"/>
+    <dgm:cxn modelId="{8681A871-C2C1-46B8-8E08-320068A06B1B}" type="presParOf" srcId="{B195C9F7-EE64-40EC-86E1-B2ABBCE1F28E}" destId="{DA6EC803-281A-4989-9938-7309A37D8110}" srcOrd="0" destOrd="0" presId="urn:microsoft.com/office/officeart/2008/layout/HalfCircleOrganizationChart"/>
+    <dgm:cxn modelId="{4C63EA45-E3A1-4E90-9289-03EBF6958B77}" type="presParOf" srcId="{DA6EC803-281A-4989-9938-7309A37D8110}" destId="{AACAEF7C-67AB-41B2-A0E8-D8A094A65FD4}" srcOrd="0" destOrd="0" presId="urn:microsoft.com/office/officeart/2008/layout/HalfCircleOrganizationChart"/>
+    <dgm:cxn modelId="{3FF54FBA-1314-434D-A9CC-C3789FF641D4}" type="presParOf" srcId="{DA6EC803-281A-4989-9938-7309A37D8110}" destId="{A1E59654-E384-483A-B0EF-0FC778994E79}" srcOrd="1" destOrd="0" presId="urn:microsoft.com/office/officeart/2008/layout/HalfCircleOrganizationChart"/>
+    <dgm:cxn modelId="{B71EDAC0-4DC7-41E0-81ED-9580D80B466D}" type="presParOf" srcId="{DA6EC803-281A-4989-9938-7309A37D8110}" destId="{6C7171CF-DB5C-4A39-B665-18BFD445FBAF}" srcOrd="2" destOrd="0" presId="urn:microsoft.com/office/officeart/2008/layout/HalfCircleOrganizationChart"/>
+    <dgm:cxn modelId="{475DFAA7-DBEA-4647-9A75-FB4DF32647BF}" type="presParOf" srcId="{DA6EC803-281A-4989-9938-7309A37D8110}" destId="{3D03E96C-BDF9-49D6-974C-CF16AFE3A6C8}" srcOrd="3" destOrd="0" presId="urn:microsoft.com/office/officeart/2008/layout/HalfCircleOrganizationChart"/>
+    <dgm:cxn modelId="{CB75BCC4-B57A-46B1-B6DD-6AF3824AFAFC}" type="presParOf" srcId="{B195C9F7-EE64-40EC-86E1-B2ABBCE1F28E}" destId="{9B51F088-5E11-48F3-B036-791BA2D50BC1}" srcOrd="1" destOrd="0" presId="urn:microsoft.com/office/officeart/2008/layout/HalfCircleOrganizationChart"/>
+    <dgm:cxn modelId="{DD1D281F-3A17-40BE-AE61-273A5090096E}" type="presParOf" srcId="{B195C9F7-EE64-40EC-86E1-B2ABBCE1F28E}" destId="{22EB88FC-BC7F-4CD8-8155-CF3F38ED8131}" srcOrd="2" destOrd="0" presId="urn:microsoft.com/office/officeart/2008/layout/HalfCircleOrganizationChart"/>
+    <dgm:cxn modelId="{746FCF7A-0C67-4C1D-BAB4-56CB1A436179}" type="presParOf" srcId="{F8DE8FCD-ABA1-4CFB-80C4-54453C70955D}" destId="{6A845E5B-B16B-45DD-9044-FE6F93A25653}" srcOrd="2" destOrd="0" presId="urn:microsoft.com/office/officeart/2008/layout/HalfCircleOrganizationChart"/>
   </dgm:cxnLst>
   <dgm:bg/>
   <dgm:whole/>
@@ -1195,15 +1296,15 @@
       <dsp:cNvGrpSpPr/>
     </dsp:nvGrpSpPr>
     <dsp:grpSpPr/>
-    <dsp:sp modelId="{6010F15C-5CDE-4D42-B4BF-834951AAF3FA}">
+    <dsp:sp modelId="{82B28556-699E-4F8C-A919-0E5897ABC3B5}">
       <dsp:nvSpPr>
         <dsp:cNvPr id="0" name=""/>
         <dsp:cNvSpPr/>
       </dsp:nvSpPr>
       <dsp:spPr>
         <a:xfrm>
-          <a:off x="2797619" y="2288016"/>
-          <a:ext cx="2513374" cy="1070619"/>
+          <a:off x="4402168" y="1396602"/>
+          <a:ext cx="3114566" cy="540544"/>
         </a:xfrm>
         <a:custGeom>
           <a:avLst/>
@@ -1217,13 +1318,13 @@
                 <a:pt x="0" y="0"/>
               </a:moveTo>
               <a:lnTo>
-                <a:pt x="1256687" y="0"/>
+                <a:pt x="0" y="270272"/>
               </a:lnTo>
               <a:lnTo>
-                <a:pt x="1256687" y="1070619"/>
+                <a:pt x="3114566" y="270272"/>
               </a:lnTo>
               <a:lnTo>
-                <a:pt x="2513374" y="1070619"/>
+                <a:pt x="3114566" y="540544"/>
               </a:lnTo>
             </a:path>
           </a:pathLst>
@@ -1256,41 +1357,16 @@
         </a:effectRef>
         <a:fontRef idx="minor"/>
       </dsp:style>
-      <dsp:txBody>
-        <a:bodyPr spcFirstLastPara="0" vert="horz" wrap="square" lIns="12700" tIns="0" rIns="12700" bIns="0" numCol="1" spcCol="1270" anchor="ctr" anchorCtr="0">
-          <a:noAutofit/>
-        </a:bodyPr>
-        <a:lstStyle/>
-        <a:p>
-          <a:pPr marL="0" lvl="0" indent="0" algn="ctr" defTabSz="400050">
-            <a:lnSpc>
-              <a:spcPct val="90000"/>
-            </a:lnSpc>
-            <a:spcBef>
-              <a:spcPct val="0"/>
-            </a:spcBef>
-            <a:spcAft>
-              <a:spcPct val="35000"/>
-            </a:spcAft>
-            <a:buNone/>
-          </a:pPr>
-          <a:endParaRPr lang="en-AU" sz="900" kern="1200"/>
-        </a:p>
-      </dsp:txBody>
-      <dsp:txXfrm>
-        <a:off x="3986008" y="2755028"/>
-        <a:ext cx="136594" cy="136594"/>
-      </dsp:txXfrm>
     </dsp:sp>
-    <dsp:sp modelId="{1F85019B-02C4-433C-934A-1CDB006EDD9A}">
+    <dsp:sp modelId="{1868C3D2-587E-499B-8F45-E0DD96A576FA}">
       <dsp:nvSpPr>
         <dsp:cNvPr id="0" name=""/>
         <dsp:cNvSpPr/>
       </dsp:nvSpPr>
       <dsp:spPr>
         <a:xfrm>
-          <a:off x="2797619" y="2231321"/>
-          <a:ext cx="2513374" cy="91440"/>
+          <a:off x="4356448" y="1396602"/>
+          <a:ext cx="91440" cy="540544"/>
         </a:xfrm>
         <a:custGeom>
           <a:avLst/>
@@ -1301,16 +1377,10 @@
           <a:pathLst>
             <a:path>
               <a:moveTo>
-                <a:pt x="0" y="56695"/>
+                <a:pt x="45720" y="0"/>
               </a:moveTo>
               <a:lnTo>
-                <a:pt x="1256687" y="56695"/>
-              </a:lnTo>
-              <a:lnTo>
-                <a:pt x="1256687" y="45720"/>
-              </a:lnTo>
-              <a:lnTo>
-                <a:pt x="2513374" y="45720"/>
+                <a:pt x="45720" y="540544"/>
               </a:lnTo>
             </a:path>
           </a:pathLst>
@@ -1343,41 +1413,16 @@
         </a:effectRef>
         <a:fontRef idx="minor"/>
       </dsp:style>
-      <dsp:txBody>
-        <a:bodyPr spcFirstLastPara="0" vert="horz" wrap="square" lIns="12700" tIns="0" rIns="12700" bIns="0" numCol="1" spcCol="1270" anchor="ctr" anchorCtr="0">
-          <a:noAutofit/>
-        </a:bodyPr>
-        <a:lstStyle/>
-        <a:p>
-          <a:pPr marL="0" lvl="0" indent="0" algn="ctr" defTabSz="400050">
-            <a:lnSpc>
-              <a:spcPct val="90000"/>
-            </a:lnSpc>
-            <a:spcBef>
-              <a:spcPct val="0"/>
-            </a:spcBef>
-            <a:spcAft>
-              <a:spcPct val="35000"/>
-            </a:spcAft>
-            <a:buNone/>
-          </a:pPr>
-          <a:endParaRPr lang="en-AU" sz="900" kern="1200"/>
-        </a:p>
-      </dsp:txBody>
-      <dsp:txXfrm>
-        <a:off x="3991471" y="2214206"/>
-        <a:ext cx="125669" cy="125669"/>
-      </dsp:txXfrm>
     </dsp:sp>
-    <dsp:sp modelId="{70FC2EB2-ED6A-4EDC-9F04-E6793AE73C94}">
+    <dsp:sp modelId="{1B50497C-2968-403B-B758-0F5D0A9F6BA4}">
       <dsp:nvSpPr>
         <dsp:cNvPr id="0" name=""/>
         <dsp:cNvSpPr/>
       </dsp:nvSpPr>
       <dsp:spPr>
         <a:xfrm>
-          <a:off x="2797619" y="1195446"/>
-          <a:ext cx="2513374" cy="1092569"/>
+          <a:off x="1287601" y="1396602"/>
+          <a:ext cx="3114566" cy="540544"/>
         </a:xfrm>
         <a:custGeom>
           <a:avLst/>
@@ -1388,16 +1433,16 @@
           <a:pathLst>
             <a:path>
               <a:moveTo>
-                <a:pt x="0" y="1092569"/>
+                <a:pt x="3114566" y="0"/>
               </a:moveTo>
               <a:lnTo>
-                <a:pt x="1256687" y="1092569"/>
+                <a:pt x="3114566" y="270272"/>
               </a:lnTo>
               <a:lnTo>
-                <a:pt x="1256687" y="0"/>
+                <a:pt x="0" y="270272"/>
               </a:lnTo>
               <a:lnTo>
-                <a:pt x="2513374" y="0"/>
+                <a:pt x="0" y="540544"/>
               </a:lnTo>
             </a:path>
           </a:pathLst>
@@ -1430,56 +1475,28 @@
         </a:effectRef>
         <a:fontRef idx="minor"/>
       </dsp:style>
-      <dsp:txBody>
-        <a:bodyPr spcFirstLastPara="0" vert="horz" wrap="square" lIns="12700" tIns="0" rIns="12700" bIns="0" numCol="1" spcCol="1270" anchor="ctr" anchorCtr="0">
-          <a:noAutofit/>
-        </a:bodyPr>
-        <a:lstStyle/>
-        <a:p>
-          <a:pPr marL="0" lvl="0" indent="0" algn="ctr" defTabSz="400050">
-            <a:lnSpc>
-              <a:spcPct val="90000"/>
-            </a:lnSpc>
-            <a:spcBef>
-              <a:spcPct val="0"/>
-            </a:spcBef>
-            <a:spcAft>
-              <a:spcPct val="35000"/>
-            </a:spcAft>
-            <a:buNone/>
-          </a:pPr>
-          <a:endParaRPr lang="en-AU" sz="900" kern="1200"/>
-        </a:p>
-      </dsp:txBody>
-      <dsp:txXfrm>
-        <a:off x="3985791" y="1673217"/>
-        <a:ext cx="137028" cy="137028"/>
-      </dsp:txXfrm>
     </dsp:sp>
-    <dsp:sp modelId="{ECFD5BFD-69AA-4871-A5CA-D0795830B097}">
+    <dsp:sp modelId="{AE9B1D64-B9AD-48C2-97D9-90852472219C}">
       <dsp:nvSpPr>
         <dsp:cNvPr id="0" name=""/>
         <dsp:cNvSpPr/>
       </dsp:nvSpPr>
       <dsp:spPr>
         <a:xfrm>
-          <a:off x="87940" y="1855378"/>
-          <a:ext cx="4554082" cy="865275"/>
+          <a:off x="3758662" y="109591"/>
+          <a:ext cx="1287010" cy="1287010"/>
         </a:xfrm>
-        <a:prstGeom prst="rect">
-          <a:avLst/>
+        <a:prstGeom prst="arc">
+          <a:avLst>
+            <a:gd name="adj1" fmla="val 13200000"/>
+            <a:gd name="adj2" fmla="val 19200000"/>
+          </a:avLst>
         </a:prstGeom>
-        <a:solidFill>
-          <a:schemeClr val="accent1">
-            <a:hueOff val="0"/>
-            <a:satOff val="0"/>
-            <a:lumOff val="0"/>
-            <a:alphaOff val="0"/>
-          </a:schemeClr>
-        </a:solidFill>
+        <a:noFill/>
         <a:ln w="12700" cap="flat" cmpd="sng" algn="ctr">
           <a:solidFill>
-            <a:schemeClr val="lt1">
+            <a:schemeClr val="accent1">
+              <a:shade val="60000"/>
               <a:hueOff val="0"/>
               <a:satOff val="0"/>
               <a:lumOff val="0"/>
@@ -1495,69 +1512,36 @@
         <a:lnRef idx="2">
           <a:scrgbClr r="0" g="0" b="0"/>
         </a:lnRef>
-        <a:fillRef idx="1">
+        <a:fillRef idx="0">
           <a:scrgbClr r="0" g="0" b="0"/>
         </a:fillRef>
         <a:effectRef idx="0">
           <a:scrgbClr r="0" g="0" b="0"/>
         </a:effectRef>
-        <a:fontRef idx="minor">
-          <a:schemeClr val="lt1"/>
-        </a:fontRef>
+        <a:fontRef idx="minor"/>
       </dsp:style>
-      <dsp:txBody>
-        <a:bodyPr spcFirstLastPara="0" vert="horz" wrap="square" lIns="30480" tIns="30480" rIns="30480" bIns="30480" numCol="1" spcCol="1270" anchor="ctr" anchorCtr="0">
-          <a:noAutofit/>
-        </a:bodyPr>
-        <a:lstStyle/>
-        <a:p>
-          <a:pPr marL="0" lvl="0" indent="0" algn="ctr" defTabSz="2133600">
-            <a:lnSpc>
-              <a:spcPct val="90000"/>
-            </a:lnSpc>
-            <a:spcBef>
-              <a:spcPct val="0"/>
-            </a:spcBef>
-            <a:spcAft>
-              <a:spcPct val="35000"/>
-            </a:spcAft>
-            <a:buNone/>
-          </a:pPr>
-          <a:r>
-            <a:rPr lang="en-AU" sz="4800" kern="1200" dirty="0"/>
-            <a:t>Machine Learning</a:t>
-          </a:r>
-        </a:p>
-      </dsp:txBody>
-      <dsp:txXfrm>
-        <a:off x="87940" y="1855378"/>
-        <a:ext cx="4554082" cy="865275"/>
-      </dsp:txXfrm>
     </dsp:sp>
-    <dsp:sp modelId="{7586306C-AF20-4FE3-AD30-6DA47DA352CA}">
+    <dsp:sp modelId="{6F835D7A-6787-42D7-8DCC-866E2B9CC390}">
       <dsp:nvSpPr>
         <dsp:cNvPr id="0" name=""/>
         <dsp:cNvSpPr/>
       </dsp:nvSpPr>
       <dsp:spPr>
         <a:xfrm>
-          <a:off x="5310993" y="762808"/>
-          <a:ext cx="2838103" cy="865275"/>
+          <a:off x="3758662" y="109591"/>
+          <a:ext cx="1287010" cy="1287010"/>
         </a:xfrm>
-        <a:prstGeom prst="rect">
-          <a:avLst/>
+        <a:prstGeom prst="arc">
+          <a:avLst>
+            <a:gd name="adj1" fmla="val 2400000"/>
+            <a:gd name="adj2" fmla="val 8400000"/>
+          </a:avLst>
         </a:prstGeom>
-        <a:solidFill>
-          <a:schemeClr val="accent1">
-            <a:hueOff val="0"/>
-            <a:satOff val="0"/>
-            <a:lumOff val="0"/>
-            <a:alphaOff val="0"/>
-          </a:schemeClr>
-        </a:solidFill>
+        <a:noFill/>
         <a:ln w="12700" cap="flat" cmpd="sng" algn="ctr">
           <a:solidFill>
-            <a:schemeClr val="lt1">
+            <a:schemeClr val="accent1">
+              <a:shade val="60000"/>
               <a:hueOff val="0"/>
               <a:satOff val="0"/>
               <a:lumOff val="0"/>
@@ -1573,23 +1557,56 @@
         <a:lnRef idx="2">
           <a:scrgbClr r="0" g="0" b="0"/>
         </a:lnRef>
+        <a:fillRef idx="0">
+          <a:scrgbClr r="0" g="0" b="0"/>
+        </a:fillRef>
+        <a:effectRef idx="0">
+          <a:scrgbClr r="0" g="0" b="0"/>
+        </a:effectRef>
+        <a:fontRef idx="minor"/>
+      </dsp:style>
+    </dsp:sp>
+    <dsp:sp modelId="{48E3F802-D729-4765-A310-E03AAAA9280B}">
+      <dsp:nvSpPr>
+        <dsp:cNvPr id="0" name=""/>
+        <dsp:cNvSpPr/>
+      </dsp:nvSpPr>
+      <dsp:spPr>
+        <a:xfrm>
+          <a:off x="3115157" y="341253"/>
+          <a:ext cx="2574021" cy="823686"/>
+        </a:xfrm>
+        <a:prstGeom prst="rect">
+          <a:avLst/>
+        </a:prstGeom>
+        <a:noFill/>
+        <a:ln w="12700" cap="flat" cmpd="sng" algn="ctr">
+          <a:noFill/>
+          <a:prstDash val="solid"/>
+          <a:miter lim="800000"/>
+        </a:ln>
+        <a:effectLst/>
+        <a:sp3d/>
+      </dsp:spPr>
+      <dsp:style>
+        <a:lnRef idx="2">
+          <a:scrgbClr r="0" g="0" b="0"/>
+        </a:lnRef>
         <a:fillRef idx="1">
           <a:scrgbClr r="0" g="0" b="0"/>
         </a:fillRef>
         <a:effectRef idx="0">
           <a:scrgbClr r="0" g="0" b="0"/>
         </a:effectRef>
-        <a:fontRef idx="minor">
-          <a:schemeClr val="lt1"/>
-        </a:fontRef>
+        <a:fontRef idx="minor"/>
       </dsp:style>
       <dsp:txBody>
-        <a:bodyPr spcFirstLastPara="0" vert="horz" wrap="square" lIns="18415" tIns="18415" rIns="18415" bIns="18415" numCol="1" spcCol="1270" anchor="ctr" anchorCtr="0">
+        <a:bodyPr spcFirstLastPara="0" vert="horz" wrap="square" lIns="15240" tIns="15240" rIns="15240" bIns="15240" numCol="1" spcCol="1270" anchor="ctr" anchorCtr="0">
           <a:noAutofit/>
         </a:bodyPr>
         <a:lstStyle/>
         <a:p>
-          <a:pPr marL="0" lvl="0" indent="0" algn="ctr" defTabSz="1289050">
+          <a:pPr marL="0" lvl="0" indent="0" algn="ctr" defTabSz="1066800">
             <a:lnSpc>
               <a:spcPct val="90000"/>
             </a:lnSpc>
@@ -1602,40 +1619,37 @@
             <a:buNone/>
           </a:pPr>
           <a:r>
-            <a:rPr lang="en-AU" sz="2900" kern="1200" dirty="0"/>
-            <a:t>Supervised Learning</a:t>
+            <a:rPr lang="en-AU" sz="2400" kern="1200" dirty="0"/>
+            <a:t>Machine Learning</a:t>
           </a:r>
         </a:p>
       </dsp:txBody>
       <dsp:txXfrm>
-        <a:off x="5310993" y="762808"/>
-        <a:ext cx="2838103" cy="865275"/>
+        <a:off x="3115157" y="341253"/>
+        <a:ext cx="2574021" cy="823686"/>
       </dsp:txXfrm>
     </dsp:sp>
-    <dsp:sp modelId="{3777A9DA-78CA-4F64-8A8B-CB7837171927}">
+    <dsp:sp modelId="{92A7F271-6905-4BF1-9161-B29AEC091F54}">
       <dsp:nvSpPr>
         <dsp:cNvPr id="0" name=""/>
         <dsp:cNvSpPr/>
       </dsp:nvSpPr>
       <dsp:spPr>
         <a:xfrm>
-          <a:off x="5310993" y="1844403"/>
-          <a:ext cx="2838103" cy="865275"/>
+          <a:off x="644096" y="1937147"/>
+          <a:ext cx="1287010" cy="1287010"/>
         </a:xfrm>
-        <a:prstGeom prst="rect">
-          <a:avLst/>
+        <a:prstGeom prst="arc">
+          <a:avLst>
+            <a:gd name="adj1" fmla="val 13200000"/>
+            <a:gd name="adj2" fmla="val 19200000"/>
+          </a:avLst>
         </a:prstGeom>
-        <a:solidFill>
-          <a:schemeClr val="accent1">
-            <a:hueOff val="0"/>
-            <a:satOff val="0"/>
-            <a:lumOff val="0"/>
-            <a:alphaOff val="0"/>
-          </a:schemeClr>
-        </a:solidFill>
+        <a:noFill/>
         <a:ln w="12700" cap="flat" cmpd="sng" algn="ctr">
           <a:solidFill>
-            <a:schemeClr val="lt1">
+            <a:schemeClr val="accent1">
+              <a:shade val="60000"/>
               <a:hueOff val="0"/>
               <a:satOff val="0"/>
               <a:lumOff val="0"/>
@@ -1651,69 +1665,36 @@
         <a:lnRef idx="2">
           <a:scrgbClr r="0" g="0" b="0"/>
         </a:lnRef>
-        <a:fillRef idx="1">
+        <a:fillRef idx="0">
           <a:scrgbClr r="0" g="0" b="0"/>
         </a:fillRef>
         <a:effectRef idx="0">
           <a:scrgbClr r="0" g="0" b="0"/>
         </a:effectRef>
-        <a:fontRef idx="minor">
-          <a:schemeClr val="lt1"/>
-        </a:fontRef>
+        <a:fontRef idx="minor"/>
       </dsp:style>
-      <dsp:txBody>
-        <a:bodyPr spcFirstLastPara="0" vert="horz" wrap="square" lIns="18415" tIns="18415" rIns="18415" bIns="18415" numCol="1" spcCol="1270" anchor="ctr" anchorCtr="0">
-          <a:noAutofit/>
-        </a:bodyPr>
-        <a:lstStyle/>
-        <a:p>
-          <a:pPr marL="0" lvl="0" indent="0" algn="ctr" defTabSz="1289050">
-            <a:lnSpc>
-              <a:spcPct val="90000"/>
-            </a:lnSpc>
-            <a:spcBef>
-              <a:spcPct val="0"/>
-            </a:spcBef>
-            <a:spcAft>
-              <a:spcPct val="35000"/>
-            </a:spcAft>
-            <a:buNone/>
-          </a:pPr>
-          <a:r>
-            <a:rPr lang="en-AU" sz="2900" kern="1200" dirty="0"/>
-            <a:t>Unsupervised Learning</a:t>
-          </a:r>
-        </a:p>
-      </dsp:txBody>
-      <dsp:txXfrm>
-        <a:off x="5310993" y="1844403"/>
-        <a:ext cx="2838103" cy="865275"/>
-      </dsp:txXfrm>
     </dsp:sp>
-    <dsp:sp modelId="{B873E2A0-A0BE-41B2-9D58-F669996EBEF7}">
+    <dsp:sp modelId="{D475A9BE-C839-47B4-A433-CF6012E355A6}">
       <dsp:nvSpPr>
         <dsp:cNvPr id="0" name=""/>
         <dsp:cNvSpPr/>
       </dsp:nvSpPr>
       <dsp:spPr>
         <a:xfrm>
-          <a:off x="5310993" y="2925997"/>
-          <a:ext cx="2838103" cy="865275"/>
+          <a:off x="644096" y="1937147"/>
+          <a:ext cx="1287010" cy="1287010"/>
         </a:xfrm>
-        <a:prstGeom prst="rect">
-          <a:avLst/>
+        <a:prstGeom prst="arc">
+          <a:avLst>
+            <a:gd name="adj1" fmla="val 2400000"/>
+            <a:gd name="adj2" fmla="val 8400000"/>
+          </a:avLst>
         </a:prstGeom>
-        <a:solidFill>
-          <a:schemeClr val="accent1">
-            <a:hueOff val="0"/>
-            <a:satOff val="0"/>
-            <a:lumOff val="0"/>
-            <a:alphaOff val="0"/>
-          </a:schemeClr>
-        </a:solidFill>
+        <a:noFill/>
         <a:ln w="12700" cap="flat" cmpd="sng" algn="ctr">
           <a:solidFill>
-            <a:schemeClr val="lt1">
+            <a:schemeClr val="accent1">
+              <a:shade val="60000"/>
               <a:hueOff val="0"/>
               <a:satOff val="0"/>
               <a:lumOff val="0"/>
@@ -1729,23 +1710,56 @@
         <a:lnRef idx="2">
           <a:scrgbClr r="0" g="0" b="0"/>
         </a:lnRef>
+        <a:fillRef idx="0">
+          <a:scrgbClr r="0" g="0" b="0"/>
+        </a:fillRef>
+        <a:effectRef idx="0">
+          <a:scrgbClr r="0" g="0" b="0"/>
+        </a:effectRef>
+        <a:fontRef idx="minor"/>
+      </dsp:style>
+    </dsp:sp>
+    <dsp:sp modelId="{3D2DEE87-0CF9-428A-BCB3-C0D44940B05C}">
+      <dsp:nvSpPr>
+        <dsp:cNvPr id="0" name=""/>
+        <dsp:cNvSpPr/>
+      </dsp:nvSpPr>
+      <dsp:spPr>
+        <a:xfrm>
+          <a:off x="591" y="2168809"/>
+          <a:ext cx="2574021" cy="823686"/>
+        </a:xfrm>
+        <a:prstGeom prst="rect">
+          <a:avLst/>
+        </a:prstGeom>
+        <a:noFill/>
+        <a:ln w="12700" cap="flat" cmpd="sng" algn="ctr">
+          <a:noFill/>
+          <a:prstDash val="solid"/>
+          <a:miter lim="800000"/>
+        </a:ln>
+        <a:effectLst/>
+        <a:sp3d/>
+      </dsp:spPr>
+      <dsp:style>
+        <a:lnRef idx="2">
+          <a:scrgbClr r="0" g="0" b="0"/>
+        </a:lnRef>
         <a:fillRef idx="1">
           <a:scrgbClr r="0" g="0" b="0"/>
         </a:fillRef>
         <a:effectRef idx="0">
           <a:scrgbClr r="0" g="0" b="0"/>
         </a:effectRef>
-        <a:fontRef idx="minor">
-          <a:schemeClr val="lt1"/>
-        </a:fontRef>
+        <a:fontRef idx="minor"/>
       </dsp:style>
       <dsp:txBody>
-        <a:bodyPr spcFirstLastPara="0" vert="horz" wrap="square" lIns="18415" tIns="18415" rIns="18415" bIns="18415" numCol="1" spcCol="1270" anchor="ctr" anchorCtr="0">
+        <a:bodyPr spcFirstLastPara="0" vert="horz" wrap="square" lIns="15240" tIns="15240" rIns="15240" bIns="15240" numCol="1" spcCol="1270" anchor="ctr" anchorCtr="0">
           <a:noAutofit/>
         </a:bodyPr>
         <a:lstStyle/>
         <a:p>
-          <a:pPr marL="0" lvl="0" indent="0" algn="ctr" defTabSz="1289050">
+          <a:pPr marL="0" lvl="0" indent="0" algn="ctr" defTabSz="1066800">
             <a:lnSpc>
               <a:spcPct val="90000"/>
             </a:lnSpc>
@@ -1758,14 +1772,320 @@
             <a:buNone/>
           </a:pPr>
           <a:r>
-            <a:rPr lang="en-AU" sz="2900" kern="1200" dirty="0"/>
+            <a:rPr lang="en-AU" sz="2400" kern="1200" dirty="0"/>
+            <a:t>Supervised Learning</a:t>
+          </a:r>
+        </a:p>
+      </dsp:txBody>
+      <dsp:txXfrm>
+        <a:off x="591" y="2168809"/>
+        <a:ext cx="2574021" cy="823686"/>
+      </dsp:txXfrm>
+    </dsp:sp>
+    <dsp:sp modelId="{A80C04B5-364F-406C-92D2-269675C72AF5}">
+      <dsp:nvSpPr>
+        <dsp:cNvPr id="0" name=""/>
+        <dsp:cNvSpPr/>
+      </dsp:nvSpPr>
+      <dsp:spPr>
+        <a:xfrm>
+          <a:off x="3758662" y="1937147"/>
+          <a:ext cx="1287010" cy="1287010"/>
+        </a:xfrm>
+        <a:prstGeom prst="arc">
+          <a:avLst>
+            <a:gd name="adj1" fmla="val 13200000"/>
+            <a:gd name="adj2" fmla="val 19200000"/>
+          </a:avLst>
+        </a:prstGeom>
+        <a:noFill/>
+        <a:ln w="12700" cap="flat" cmpd="sng" algn="ctr">
+          <a:solidFill>
+            <a:schemeClr val="accent1">
+              <a:shade val="60000"/>
+              <a:hueOff val="0"/>
+              <a:satOff val="0"/>
+              <a:lumOff val="0"/>
+              <a:alphaOff val="0"/>
+            </a:schemeClr>
+          </a:solidFill>
+          <a:prstDash val="solid"/>
+          <a:miter lim="800000"/>
+        </a:ln>
+        <a:effectLst/>
+      </dsp:spPr>
+      <dsp:style>
+        <a:lnRef idx="2">
+          <a:scrgbClr r="0" g="0" b="0"/>
+        </a:lnRef>
+        <a:fillRef idx="0">
+          <a:scrgbClr r="0" g="0" b="0"/>
+        </a:fillRef>
+        <a:effectRef idx="0">
+          <a:scrgbClr r="0" g="0" b="0"/>
+        </a:effectRef>
+        <a:fontRef idx="minor"/>
+      </dsp:style>
+    </dsp:sp>
+    <dsp:sp modelId="{025E6360-CAD4-4D48-A923-03E578C54067}">
+      <dsp:nvSpPr>
+        <dsp:cNvPr id="0" name=""/>
+        <dsp:cNvSpPr/>
+      </dsp:nvSpPr>
+      <dsp:spPr>
+        <a:xfrm>
+          <a:off x="3758662" y="1937147"/>
+          <a:ext cx="1287010" cy="1287010"/>
+        </a:xfrm>
+        <a:prstGeom prst="arc">
+          <a:avLst>
+            <a:gd name="adj1" fmla="val 2400000"/>
+            <a:gd name="adj2" fmla="val 8400000"/>
+          </a:avLst>
+        </a:prstGeom>
+        <a:noFill/>
+        <a:ln w="12700" cap="flat" cmpd="sng" algn="ctr">
+          <a:solidFill>
+            <a:schemeClr val="accent1">
+              <a:shade val="60000"/>
+              <a:hueOff val="0"/>
+              <a:satOff val="0"/>
+              <a:lumOff val="0"/>
+              <a:alphaOff val="0"/>
+            </a:schemeClr>
+          </a:solidFill>
+          <a:prstDash val="solid"/>
+          <a:miter lim="800000"/>
+        </a:ln>
+        <a:effectLst/>
+      </dsp:spPr>
+      <dsp:style>
+        <a:lnRef idx="2">
+          <a:scrgbClr r="0" g="0" b="0"/>
+        </a:lnRef>
+        <a:fillRef idx="0">
+          <a:scrgbClr r="0" g="0" b="0"/>
+        </a:fillRef>
+        <a:effectRef idx="0">
+          <a:scrgbClr r="0" g="0" b="0"/>
+        </a:effectRef>
+        <a:fontRef idx="minor"/>
+      </dsp:style>
+    </dsp:sp>
+    <dsp:sp modelId="{FFBD7AE5-E231-4596-A180-0A13DE3FD084}">
+      <dsp:nvSpPr>
+        <dsp:cNvPr id="0" name=""/>
+        <dsp:cNvSpPr/>
+      </dsp:nvSpPr>
+      <dsp:spPr>
+        <a:xfrm>
+          <a:off x="3115157" y="2168809"/>
+          <a:ext cx="2574021" cy="823686"/>
+        </a:xfrm>
+        <a:prstGeom prst="rect">
+          <a:avLst/>
+        </a:prstGeom>
+        <a:noFill/>
+        <a:ln w="12700" cap="flat" cmpd="sng" algn="ctr">
+          <a:noFill/>
+          <a:prstDash val="solid"/>
+          <a:miter lim="800000"/>
+        </a:ln>
+        <a:effectLst/>
+        <a:sp3d/>
+      </dsp:spPr>
+      <dsp:style>
+        <a:lnRef idx="2">
+          <a:scrgbClr r="0" g="0" b="0"/>
+        </a:lnRef>
+        <a:fillRef idx="1">
+          <a:scrgbClr r="0" g="0" b="0"/>
+        </a:fillRef>
+        <a:effectRef idx="0">
+          <a:scrgbClr r="0" g="0" b="0"/>
+        </a:effectRef>
+        <a:fontRef idx="minor"/>
+      </dsp:style>
+      <dsp:txBody>
+        <a:bodyPr spcFirstLastPara="0" vert="horz" wrap="square" lIns="15240" tIns="15240" rIns="15240" bIns="15240" numCol="1" spcCol="1270" anchor="ctr" anchorCtr="0">
+          <a:noAutofit/>
+        </a:bodyPr>
+        <a:lstStyle/>
+        <a:p>
+          <a:pPr marL="0" lvl="0" indent="0" algn="ctr" defTabSz="1066800">
+            <a:lnSpc>
+              <a:spcPct val="90000"/>
+            </a:lnSpc>
+            <a:spcBef>
+              <a:spcPct val="0"/>
+            </a:spcBef>
+            <a:spcAft>
+              <a:spcPct val="35000"/>
+            </a:spcAft>
+            <a:buNone/>
+          </a:pPr>
+          <a:r>
+            <a:rPr lang="en-AU" sz="2400" kern="1200" dirty="0"/>
+            <a:t>Unsupervised Learning</a:t>
+          </a:r>
+        </a:p>
+      </dsp:txBody>
+      <dsp:txXfrm>
+        <a:off x="3115157" y="2168809"/>
+        <a:ext cx="2574021" cy="823686"/>
+      </dsp:txXfrm>
+    </dsp:sp>
+    <dsp:sp modelId="{A1E59654-E384-483A-B0EF-0FC778994E79}">
+      <dsp:nvSpPr>
+        <dsp:cNvPr id="0" name=""/>
+        <dsp:cNvSpPr/>
+      </dsp:nvSpPr>
+      <dsp:spPr>
+        <a:xfrm>
+          <a:off x="6873228" y="1937147"/>
+          <a:ext cx="1287010" cy="1287010"/>
+        </a:xfrm>
+        <a:prstGeom prst="arc">
+          <a:avLst>
+            <a:gd name="adj1" fmla="val 13200000"/>
+            <a:gd name="adj2" fmla="val 19200000"/>
+          </a:avLst>
+        </a:prstGeom>
+        <a:noFill/>
+        <a:ln w="12700" cap="flat" cmpd="sng" algn="ctr">
+          <a:solidFill>
+            <a:schemeClr val="accent1">
+              <a:shade val="60000"/>
+              <a:hueOff val="0"/>
+              <a:satOff val="0"/>
+              <a:lumOff val="0"/>
+              <a:alphaOff val="0"/>
+            </a:schemeClr>
+          </a:solidFill>
+          <a:prstDash val="solid"/>
+          <a:miter lim="800000"/>
+        </a:ln>
+        <a:effectLst/>
+      </dsp:spPr>
+      <dsp:style>
+        <a:lnRef idx="2">
+          <a:scrgbClr r="0" g="0" b="0"/>
+        </a:lnRef>
+        <a:fillRef idx="0">
+          <a:scrgbClr r="0" g="0" b="0"/>
+        </a:fillRef>
+        <a:effectRef idx="0">
+          <a:scrgbClr r="0" g="0" b="0"/>
+        </a:effectRef>
+        <a:fontRef idx="minor"/>
+      </dsp:style>
+    </dsp:sp>
+    <dsp:sp modelId="{6C7171CF-DB5C-4A39-B665-18BFD445FBAF}">
+      <dsp:nvSpPr>
+        <dsp:cNvPr id="0" name=""/>
+        <dsp:cNvSpPr/>
+      </dsp:nvSpPr>
+      <dsp:spPr>
+        <a:xfrm>
+          <a:off x="6873228" y="1937147"/>
+          <a:ext cx="1287010" cy="1287010"/>
+        </a:xfrm>
+        <a:prstGeom prst="arc">
+          <a:avLst>
+            <a:gd name="adj1" fmla="val 2400000"/>
+            <a:gd name="adj2" fmla="val 8400000"/>
+          </a:avLst>
+        </a:prstGeom>
+        <a:noFill/>
+        <a:ln w="12700" cap="flat" cmpd="sng" algn="ctr">
+          <a:solidFill>
+            <a:schemeClr val="accent1">
+              <a:shade val="60000"/>
+              <a:hueOff val="0"/>
+              <a:satOff val="0"/>
+              <a:lumOff val="0"/>
+              <a:alphaOff val="0"/>
+            </a:schemeClr>
+          </a:solidFill>
+          <a:prstDash val="solid"/>
+          <a:miter lim="800000"/>
+        </a:ln>
+        <a:effectLst/>
+      </dsp:spPr>
+      <dsp:style>
+        <a:lnRef idx="2">
+          <a:scrgbClr r="0" g="0" b="0"/>
+        </a:lnRef>
+        <a:fillRef idx="0">
+          <a:scrgbClr r="0" g="0" b="0"/>
+        </a:fillRef>
+        <a:effectRef idx="0">
+          <a:scrgbClr r="0" g="0" b="0"/>
+        </a:effectRef>
+        <a:fontRef idx="minor"/>
+      </dsp:style>
+    </dsp:sp>
+    <dsp:sp modelId="{AACAEF7C-67AB-41B2-A0E8-D8A094A65FD4}">
+      <dsp:nvSpPr>
+        <dsp:cNvPr id="0" name=""/>
+        <dsp:cNvSpPr/>
+      </dsp:nvSpPr>
+      <dsp:spPr>
+        <a:xfrm>
+          <a:off x="6229723" y="2168809"/>
+          <a:ext cx="2574021" cy="823686"/>
+        </a:xfrm>
+        <a:prstGeom prst="rect">
+          <a:avLst/>
+        </a:prstGeom>
+        <a:noFill/>
+        <a:ln w="12700" cap="flat" cmpd="sng" algn="ctr">
+          <a:noFill/>
+          <a:prstDash val="solid"/>
+          <a:miter lim="800000"/>
+        </a:ln>
+        <a:effectLst/>
+        <a:sp3d/>
+      </dsp:spPr>
+      <dsp:style>
+        <a:lnRef idx="2">
+          <a:scrgbClr r="0" g="0" b="0"/>
+        </a:lnRef>
+        <a:fillRef idx="1">
+          <a:scrgbClr r="0" g="0" b="0"/>
+        </a:fillRef>
+        <a:effectRef idx="0">
+          <a:scrgbClr r="0" g="0" b="0"/>
+        </a:effectRef>
+        <a:fontRef idx="minor"/>
+      </dsp:style>
+      <dsp:txBody>
+        <a:bodyPr spcFirstLastPara="0" vert="horz" wrap="square" lIns="15240" tIns="15240" rIns="15240" bIns="15240" numCol="1" spcCol="1270" anchor="ctr" anchorCtr="0">
+          <a:noAutofit/>
+        </a:bodyPr>
+        <a:lstStyle/>
+        <a:p>
+          <a:pPr marL="0" lvl="0" indent="0" algn="ctr" defTabSz="1066800">
+            <a:lnSpc>
+              <a:spcPct val="90000"/>
+            </a:lnSpc>
+            <a:spcBef>
+              <a:spcPct val="0"/>
+            </a:spcBef>
+            <a:spcAft>
+              <a:spcPct val="35000"/>
+            </a:spcAft>
+            <a:buNone/>
+          </a:pPr>
+          <a:r>
+            <a:rPr lang="en-AU" sz="2400" kern="1200" dirty="0"/>
             <a:t>Reinforcement Learning</a:t>
           </a:r>
         </a:p>
       </dsp:txBody>
       <dsp:txXfrm>
-        <a:off x="5310993" y="2925997"/>
-        <a:ext cx="2838103" cy="865275"/>
+        <a:off x="6229723" y="2168809"/>
+        <a:ext cx="2574021" cy="823686"/>
       </dsp:txXfrm>
     </dsp:sp>
   </dsp:spTree>
@@ -1773,11 +2093,11 @@
 </file>
 
 <file path=ppt/diagrams/layout1.xml><?xml version="1.0" encoding="utf-8"?>
-<dgm:layoutDef xmlns:dgm="http://schemas.openxmlformats.org/drawingml/2006/diagram" xmlns:a="http://schemas.openxmlformats.org/drawingml/2006/main" uniqueId="urn:microsoft.com/office/officeart/2008/layout/HorizontalMultiLevelHierarchy">
+<dgm:layoutDef xmlns:dgm="http://schemas.openxmlformats.org/drawingml/2006/diagram" xmlns:a="http://schemas.openxmlformats.org/drawingml/2006/main" uniqueId="urn:microsoft.com/office/officeart/2008/layout/HalfCircleOrganizationChart">
   <dgm:title val=""/>
   <dgm:desc val=""/>
   <dgm:catLst>
-    <dgm:cat type="hierarchy" pri="4600"/>
+    <dgm:cat type="hierarchy" pri="1500"/>
   </dgm:catLst>
   <dgm:sampData>
     <dgm:dataModel>
@@ -1786,7 +2106,7 @@
         <dgm:pt modelId="1">
           <dgm:prSet phldr="1"/>
         </dgm:pt>
-        <dgm:pt modelId="11">
+        <dgm:pt modelId="11" type="asst">
           <dgm:prSet phldr="1"/>
         </dgm:pt>
         <dgm:pt modelId="12">
@@ -1795,12 +2115,16 @@
         <dgm:pt modelId="13">
           <dgm:prSet phldr="1"/>
         </dgm:pt>
+        <dgm:pt modelId="14">
+          <dgm:prSet phldr="1"/>
+        </dgm:pt>
       </dgm:ptLst>
       <dgm:cxnLst>
         <dgm:cxn modelId="2" srcId="0" destId="1" srcOrd="0" destOrd="0"/>
-        <dgm:cxn modelId="3" srcId="1" destId="11" srcOrd="0" destOrd="0"/>
-        <dgm:cxn modelId="4" srcId="1" destId="12" srcOrd="1" destOrd="0"/>
-        <dgm:cxn modelId="5" srcId="1" destId="13" srcOrd="2" destOrd="0"/>
+        <dgm:cxn modelId="15" srcId="1" destId="11" srcOrd="0" destOrd="0"/>
+        <dgm:cxn modelId="16" srcId="1" destId="12" srcOrd="1" destOrd="0"/>
+        <dgm:cxn modelId="17" srcId="1" destId="13" srcOrd="2" destOrd="0"/>
+        <dgm:cxn modelId="18" srcId="1" destId="14" srcOrd="2" destOrd="0"/>
       </dgm:cxnLst>
       <dgm:bg/>
       <dgm:whole/>
@@ -1836,7 +2160,7 @@
         <dgm:pt modelId="1">
           <dgm:prSet phldr="1"/>
         </dgm:pt>
-        <dgm:pt modelId="11">
+        <dgm:pt modelId="11" type="asst">
           <dgm:prSet phldr="1"/>
         </dgm:pt>
         <dgm:pt modelId="12">
@@ -1845,12 +2169,16 @@
         <dgm:pt modelId="13">
           <dgm:prSet phldr="1"/>
         </dgm:pt>
+        <dgm:pt modelId="14">
+          <dgm:prSet phldr="1"/>
+        </dgm:pt>
       </dgm:ptLst>
       <dgm:cxnLst>
         <dgm:cxn modelId="2" srcId="0" destId="1" srcOrd="0" destOrd="0"/>
-        <dgm:cxn modelId="3" srcId="1" destId="11" srcOrd="0" destOrd="0"/>
-        <dgm:cxn modelId="4" srcId="1" destId="12" srcOrd="1" destOrd="0"/>
-        <dgm:cxn modelId="5" srcId="1" destId="13" srcOrd="2" destOrd="0"/>
+        <dgm:cxn modelId="15" srcId="1" destId="11" srcOrd="0" destOrd="0"/>
+        <dgm:cxn modelId="16" srcId="1" destId="12" srcOrd="1" destOrd="0"/>
+        <dgm:cxn modelId="17" srcId="1" destId="13" srcOrd="2" destOrd="0"/>
+        <dgm:cxn modelId="18" srcId="1" destId="14" srcOrd="2" destOrd="0"/>
       </dgm:cxnLst>
       <dgm:bg/>
       <dgm:whole/>
@@ -1858,23 +2186,22 @@
   </dgm:clrData>
   <dgm:layoutNode name="Name0">
     <dgm:varLst>
+      <dgm:orgChart val="1"/>
       <dgm:chPref val="1"/>
       <dgm:dir/>
       <dgm:animOne val="branch"/>
       <dgm:animLvl val="lvl"/>
-      <dgm:resizeHandles val="exact"/>
+      <dgm:resizeHandles/>
     </dgm:varLst>
     <dgm:choose name="Name1">
       <dgm:if name="Name2" func="var" arg="dir" op="equ" val="norm">
         <dgm:alg type="hierChild">
-          <dgm:param type="linDir" val="fromT"/>
-          <dgm:param type="chAlign" val="l"/>
+          <dgm:param type="linDir" val="fromL"/>
         </dgm:alg>
       </dgm:if>
       <dgm:else name="Name3">
         <dgm:alg type="hierChild">
-          <dgm:param type="linDir" val="fromT"/>
-          <dgm:param type="chAlign" val="r"/>
+          <dgm:param type="linDir" val="fromR"/>
         </dgm:alg>
       </dgm:else>
     </dgm:choose>
@@ -1883,82 +2210,811 @@
     </dgm:shape>
     <dgm:presOf/>
     <dgm:constrLst>
-      <dgm:constr type="h" for="des" forName="LevelOneTextNode" refType="h"/>
-      <dgm:constr type="w" for="des" forName="LevelOneTextNode" refType="h" refFor="des" refForName="LevelOneTextNode" fact="0.19"/>
-      <dgm:constr type="h" for="des" forName="LevelTwoTextNode" refType="w" refFor="des" refForName="LevelOneTextNode"/>
-      <dgm:constr type="w" for="des" forName="LevelTwoTextNode" refType="h" refFor="des" refForName="LevelTwoTextNode" fact="3.28"/>
-      <dgm:constr type="sibSp" refType="h" refFor="des" refForName="LevelTwoTextNode" op="equ" fact="0.25"/>
-      <dgm:constr type="sibSp" for="des" forName="level2hierChild" refType="h" refFor="des" refForName="LevelTwoTextNode" op="equ" fact="0.25"/>
-      <dgm:constr type="sibSp" for="des" forName="level3hierChild" refType="h" refFor="des" refForName="LevelTwoTextNode" op="equ" fact="0.25"/>
-      <dgm:constr type="sp" for="des" forName="root1" refType="w" refFor="des" refForName="LevelTwoTextNode" fact="0.2"/>
-      <dgm:constr type="sp" for="des" forName="root2" refType="sp" refFor="des" refForName="root1" op="equ"/>
-      <dgm:constr type="primFontSz" for="des" forName="LevelOneTextNode" op="equ" val="65"/>
-      <dgm:constr type="primFontSz" for="des" forName="LevelTwoTextNode" op="equ" val="65"/>
-      <dgm:constr type="primFontSz" for="des" forName="LevelTwoTextNode" refType="primFontSz" refFor="des" refForName="LevelOneTextNode" op="lte"/>
-      <dgm:constr type="primFontSz" for="des" forName="connTx" op="equ" val="50"/>
-      <dgm:constr type="primFontSz" for="des" forName="connTx" refType="primFontSz" refFor="des" refForName="LevelOneTextNode" op="lte" fact="0.78"/>
+      <dgm:constr type="w" for="des" forName="rootComposite1" refType="w" fact="10"/>
+      <dgm:constr type="h" for="des" forName="rootComposite1" refType="w" refFor="des" refForName="rootComposite1" fact="0.5"/>
+      <dgm:constr type="w" for="des" forName="rootComposite2" refType="w" fact="10"/>
+      <dgm:constr type="h" for="des" forName="rootComposite2" refType="w" refFor="des" refForName="rootComposite1" fact="0.5"/>
+      <dgm:constr type="w" for="des" forName="rootComposite3" refType="w" fact="10"/>
+      <dgm:constr type="h" for="des" forName="rootComposite3" refType="w" refFor="des" refForName="rootComposite1" fact="0.5"/>
+      <dgm:constr type="primFontSz" for="des" ptType="node" op="equ"/>
+      <dgm:constr type="sp" for="des" op="equ"/>
+      <dgm:constr type="sp" for="des" forName="hierRoot1" refType="w" refFor="des" refForName="rootComposite1" fact="0.21"/>
+      <dgm:constr type="sp" for="des" forName="hierRoot2" refType="sp" refFor="des" refForName="hierRoot1"/>
+      <dgm:constr type="sp" for="des" forName="hierRoot3" refType="sp" refFor="des" refForName="hierRoot1"/>
+      <dgm:constr type="sibSp" refType="w" refFor="des" refForName="rootComposite1" fact="0.21"/>
+      <dgm:constr type="sibSp" for="des" forName="hierChild2" refType="sibSp"/>
+      <dgm:constr type="sibSp" for="des" forName="hierChild3" refType="sibSp"/>
+      <dgm:constr type="sibSp" for="des" forName="hierChild4" refType="sibSp"/>
+      <dgm:constr type="sibSp" for="des" forName="hierChild5" refType="sibSp"/>
+      <dgm:constr type="sibSp" for="des" forName="hierChild6" refType="sibSp"/>
+      <dgm:constr type="sibSp" for="des" forName="hierChild7" refType="sibSp"/>
+      <dgm:constr type="secSibSp" refType="w" refFor="des" refForName="rootComposite1" fact="0.21"/>
+      <dgm:constr type="secSibSp" for="des" forName="hierChild2" refType="secSibSp"/>
+      <dgm:constr type="secSibSp" for="des" forName="hierChild3" refType="secSibSp"/>
+      <dgm:constr type="secSibSp" for="des" forName="hierChild4" refType="secSibSp"/>
+      <dgm:constr type="secSibSp" for="des" forName="hierChild5" refType="secSibSp"/>
+      <dgm:constr type="secSibSp" for="des" forName="hierChild6" refType="secSibSp"/>
+      <dgm:constr type="secSibSp" for="des" forName="hierChild7" refType="secSibSp"/>
     </dgm:constrLst>
     <dgm:forEach name="Name4" axis="ch">
       <dgm:forEach name="Name5" axis="self" ptType="node">
-        <dgm:layoutNode name="root1">
+        <dgm:layoutNode name="hierRoot1">
+          <dgm:varLst>
+            <dgm:hierBranch val="init"/>
+          </dgm:varLst>
           <dgm:choose name="Name6">
-            <dgm:if name="Name7" func="var" arg="dir" op="equ" val="norm">
+            <dgm:if name="Name7" func="var" arg="hierBranch" op="equ" val="l">
               <dgm:alg type="hierRoot">
-                <dgm:param type="hierAlign" val="lCtrCh"/>
+                <dgm:param type="hierAlign" val="tR"/>
               </dgm:alg>
+              <dgm:constrLst>
+                <dgm:constr type="alignOff" val="0.65"/>
+              </dgm:constrLst>
             </dgm:if>
-            <dgm:else name="Name8">
+            <dgm:if name="Name8" func="var" arg="hierBranch" op="equ" val="r">
               <dgm:alg type="hierRoot">
-                <dgm:param type="hierAlign" val="rCtrCh"/>
+                <dgm:param type="hierAlign" val="tL"/>
               </dgm:alg>
+              <dgm:constrLst>
+                <dgm:constr type="alignOff" val="0.65"/>
+              </dgm:constrLst>
+            </dgm:if>
+            <dgm:if name="Name9" func="var" arg="hierBranch" op="equ" val="hang">
+              <dgm:alg type="hierRoot"/>
+              <dgm:constrLst>
+                <dgm:constr type="alignOff" val="0.65"/>
+              </dgm:constrLst>
+            </dgm:if>
+            <dgm:else name="Name10">
+              <dgm:alg type="hierRoot"/>
+              <dgm:constrLst>
+                <dgm:constr type="alignOff"/>
+                <dgm:constr type="bendDist" for="des" ptType="parTrans" refType="sp" fact="0.5"/>
+              </dgm:constrLst>
             </dgm:else>
           </dgm:choose>
           <dgm:shape xmlns:r="http://schemas.openxmlformats.org/officeDocument/2006/relationships" r:blip="">
             <dgm:adjLst/>
           </dgm:shape>
           <dgm:presOf/>
-          <dgm:layoutNode name="LevelOneTextNode" styleLbl="node0">
-            <dgm:varLst>
-              <dgm:chPref val="3"/>
-            </dgm:varLst>
-            <dgm:alg type="tx">
-              <dgm:param type="autoTxRot" val="grav"/>
-            </dgm:alg>
-            <dgm:choose name="Name9">
-              <dgm:if name="Name10" func="var" arg="dir" op="equ" val="norm">
-                <dgm:shape xmlns:r="http://schemas.openxmlformats.org/officeDocument/2006/relationships" rot="270" type="rect" r:blip="">
-                  <dgm:adjLst/>
-                </dgm:shape>
+          <dgm:layoutNode name="rootComposite1">
+            <dgm:alg type="composite"/>
+            <dgm:shape xmlns:r="http://schemas.openxmlformats.org/officeDocument/2006/relationships" r:blip="">
+              <dgm:adjLst/>
+            </dgm:shape>
+            <dgm:presOf axis="self" ptType="node" cnt="1"/>
+            <dgm:choose name="Name11">
+              <dgm:if name="Name12" func="var" arg="hierBranch" op="equ" val="init">
+                <dgm:constrLst>
+                  <dgm:constr type="l" for="ch" forName="rootText1"/>
+                  <dgm:constr type="t" for="ch" forName="rootText1" refType="h" fact="0.18"/>
+                  <dgm:constr type="w" for="ch" forName="rootText1" refType="w"/>
+                  <dgm:constr type="h" for="ch" forName="rootText1" refType="h" fact="0.64"/>
+                  <dgm:constr type="l" for="ch" forName="topArc1" refType="w" fact="0.25"/>
+                  <dgm:constr type="t" for="ch" forName="topArc1"/>
+                  <dgm:constr type="w" for="ch" forName="topArc1" refType="h" refFor="ch" refForName="topArc1"/>
+                  <dgm:constr type="h" for="ch" forName="topArc1" refType="h"/>
+                  <dgm:constr type="l" for="ch" forName="bottomArc1" refType="w" fact="0.25"/>
+                  <dgm:constr type="t" for="ch" forName="bottomArc1"/>
+                  <dgm:constr type="w" for="ch" forName="bottomArc1" refType="h" refFor="ch" refForName="bottomArc1"/>
+                  <dgm:constr type="h" for="ch" forName="bottomArc1" refType="h"/>
+                  <dgm:constr type="ctrX" for="ch" forName="topConnNode1" refType="w" fact="0.5"/>
+                  <dgm:constr type="t" for="ch" forName="topConnNode1"/>
+                  <dgm:constr type="w" for="ch" forName="topConnNode1" refType="h" fact="0.76"/>
+                  <dgm:constr type="b" for="ch" forName="topConnNode1" refType="t" refFor="ch" refForName="rootText1"/>
+                </dgm:constrLst>
               </dgm:if>
-              <dgm:else name="Name11">
-                <dgm:shape xmlns:r="http://schemas.openxmlformats.org/officeDocument/2006/relationships" rot="90" type="rect" r:blip="">
-                  <dgm:adjLst/>
-                </dgm:shape>
+              <dgm:if name="Name13" func="var" arg="hierBranch" op="equ" val="l">
+                <dgm:constrLst>
+                  <dgm:constr type="l" for="ch" forName="rootText1"/>
+                  <dgm:constr type="t" for="ch" forName="rootText1" refType="h" fact="0.18"/>
+                  <dgm:constr type="w" for="ch" forName="rootText1" refType="w"/>
+                  <dgm:constr type="h" for="ch" forName="rootText1" refType="h" fact="0.64"/>
+                  <dgm:constr type="l" for="ch" forName="topArc1" refType="w" fact="0.25"/>
+                  <dgm:constr type="t" for="ch" forName="topArc1"/>
+                  <dgm:constr type="w" for="ch" forName="topArc1" refType="h" refFor="ch" refForName="topArc1"/>
+                  <dgm:constr type="h" for="ch" forName="topArc1" refType="h"/>
+                  <dgm:constr type="l" for="ch" forName="bottomArc1" refType="w" fact="0.25"/>
+                  <dgm:constr type="t" for="ch" forName="bottomArc1"/>
+                  <dgm:constr type="w" for="ch" forName="bottomArc1" refType="h" refFor="ch" refForName="bottomArc1"/>
+                  <dgm:constr type="h" for="ch" forName="bottomArc1" refType="h"/>
+                  <dgm:constr type="ctrX" for="ch" forName="topConnNode1" refType="w" fact="0.5"/>
+                  <dgm:constr type="t" for="ch" forName="topConnNode1"/>
+                  <dgm:constr type="w" for="ch" forName="topConnNode1" refType="h" fact="0.76"/>
+                  <dgm:constr type="b" for="ch" forName="topConnNode1" refType="t" refFor="ch" refForName="rootText1"/>
+                </dgm:constrLst>
+              </dgm:if>
+              <dgm:if name="Name14" func="var" arg="hierBranch" op="equ" val="r">
+                <dgm:constrLst>
+                  <dgm:constr type="l" for="ch" forName="rootText1"/>
+                  <dgm:constr type="t" for="ch" forName="rootText1" refType="h" fact="0.18"/>
+                  <dgm:constr type="w" for="ch" forName="rootText1" refType="w"/>
+                  <dgm:constr type="h" for="ch" forName="rootText1" refType="h" fact="0.64"/>
+                  <dgm:constr type="l" for="ch" forName="topArc1" refType="w" fact="0.25"/>
+                  <dgm:constr type="t" for="ch" forName="topArc1"/>
+                  <dgm:constr type="w" for="ch" forName="topArc1" refType="h" refFor="ch" refForName="topArc1"/>
+                  <dgm:constr type="h" for="ch" forName="topArc1" refType="h"/>
+                  <dgm:constr type="l" for="ch" forName="bottomArc1" refType="w" fact="0.25"/>
+                  <dgm:constr type="t" for="ch" forName="bottomArc1"/>
+                  <dgm:constr type="w" for="ch" forName="bottomArc1" refType="h" refFor="ch" refForName="bottomArc1"/>
+                  <dgm:constr type="h" for="ch" forName="bottomArc1" refType="h"/>
+                  <dgm:constr type="ctrX" for="ch" forName="topConnNode1" refType="w" fact="0.5"/>
+                  <dgm:constr type="t" for="ch" forName="topConnNode1"/>
+                  <dgm:constr type="w" for="ch" forName="topConnNode1" refType="h" fact="0.76"/>
+                  <dgm:constr type="b" for="ch" forName="topConnNode1" refType="t" refFor="ch" refForName="rootText1"/>
+                </dgm:constrLst>
+              </dgm:if>
+              <dgm:else name="Name15">
+                <dgm:constrLst>
+                  <dgm:constr type="l" for="ch" forName="rootText1"/>
+                  <dgm:constr type="t" for="ch" forName="rootText1" refType="h" fact="0.18"/>
+                  <dgm:constr type="w" for="ch" forName="rootText1" refType="w"/>
+                  <dgm:constr type="h" for="ch" forName="rootText1" refType="h" fact="0.64"/>
+                  <dgm:constr type="l" for="ch" forName="topArc1" refType="w" fact="0.25"/>
+                  <dgm:constr type="t" for="ch" forName="topArc1"/>
+                  <dgm:constr type="w" for="ch" forName="topArc1" refType="h" refFor="ch" refForName="topArc1"/>
+                  <dgm:constr type="h" for="ch" forName="topArc1" refType="h"/>
+                  <dgm:constr type="l" for="ch" forName="bottomArc1" refType="w" fact="0.25"/>
+                  <dgm:constr type="t" for="ch" forName="bottomArc1"/>
+                  <dgm:constr type="w" for="ch" forName="bottomArc1" refType="h" refFor="ch" refForName="bottomArc1"/>
+                  <dgm:constr type="h" for="ch" forName="bottomArc1" refType="h"/>
+                  <dgm:constr type="ctrX" for="ch" forName="topConnNode1" refType="w" fact="0.5"/>
+                  <dgm:constr type="t" for="ch" forName="topConnNode1"/>
+                  <dgm:constr type="w" for="ch" forName="topConnNode1" refType="h" fact="0.76"/>
+                  <dgm:constr type="b" for="ch" forName="topConnNode1" refType="t" refFor="ch" refForName="rootText1"/>
+                </dgm:constrLst>
               </dgm:else>
             </dgm:choose>
-            <dgm:presOf axis="self"/>
-            <dgm:constrLst>
-              <dgm:constr type="tMarg" refType="primFontSz" fact="0.05"/>
-              <dgm:constr type="bMarg" refType="primFontSz" fact="0.05"/>
-              <dgm:constr type="lMarg" refType="primFontSz" fact="0.05"/>
-              <dgm:constr type="rMarg" refType="primFontSz" fact="0.05"/>
-            </dgm:constrLst>
-            <dgm:ruleLst>
-              <dgm:rule type="primFontSz" val="2" fact="NaN" max="NaN"/>
-            </dgm:ruleLst>
+            <dgm:layoutNode name="rootText1" styleLbl="alignAcc1">
+              <dgm:varLst>
+                <dgm:chPref val="3"/>
+              </dgm:varLst>
+              <dgm:alg type="tx"/>
+              <dgm:shape xmlns:r="http://schemas.openxmlformats.org/officeDocument/2006/relationships" type="rect" r:blip="" hideGeom="1">
+                <dgm:adjLst/>
+              </dgm:shape>
+              <dgm:presOf axis="self" ptType="node" cnt="1"/>
+              <dgm:constrLst>
+                <dgm:constr type="primFontSz" val="65"/>
+                <dgm:constr type="lMarg" refType="primFontSz" fact="0.05"/>
+                <dgm:constr type="rMarg" refType="primFontSz" fact="0.05"/>
+                <dgm:constr type="tMarg" refType="primFontSz" fact="0.05"/>
+                <dgm:constr type="bMarg" refType="primFontSz" fact="0.05"/>
+              </dgm:constrLst>
+              <dgm:ruleLst>
+                <dgm:rule type="primFontSz" val="5" fact="NaN" max="NaN"/>
+              </dgm:ruleLst>
+            </dgm:layoutNode>
+            <dgm:layoutNode name="topArc1" styleLbl="parChTrans1D1" moveWith="rootText1">
+              <dgm:alg type="sp"/>
+              <dgm:shape xmlns:r="http://schemas.openxmlformats.org/officeDocument/2006/relationships" type="arc" r:blip="" zOrderOff="-2">
+                <dgm:adjLst>
+                  <dgm:adj idx="1" val="-140"/>
+                  <dgm:adj idx="2" val="-40"/>
+                </dgm:adjLst>
+              </dgm:shape>
+              <dgm:presOf/>
+            </dgm:layoutNode>
+            <dgm:layoutNode name="bottomArc1" styleLbl="parChTrans1D1" moveWith="rootText1">
+              <dgm:alg type="sp"/>
+              <dgm:shape xmlns:r="http://schemas.openxmlformats.org/officeDocument/2006/relationships" type="arc" r:blip="" zOrderOff="-2">
+                <dgm:adjLst>
+                  <dgm:adj idx="1" val="40"/>
+                  <dgm:adj idx="2" val="140"/>
+                </dgm:adjLst>
+              </dgm:shape>
+              <dgm:presOf/>
+            </dgm:layoutNode>
+            <dgm:layoutNode name="topConnNode1" moveWith="rootText1">
+              <dgm:alg type="sp"/>
+              <dgm:shape xmlns:r="http://schemas.openxmlformats.org/officeDocument/2006/relationships" type="rect" r:blip="" hideGeom="1">
+                <dgm:adjLst/>
+              </dgm:shape>
+              <dgm:presOf axis="self" ptType="node" cnt="1"/>
+            </dgm:layoutNode>
           </dgm:layoutNode>
-          <dgm:layoutNode name="level2hierChild">
-            <dgm:choose name="Name12">
-              <dgm:if name="Name13" func="var" arg="dir" op="equ" val="norm">
+          <dgm:layoutNode name="hierChild2">
+            <dgm:choose name="Name16">
+              <dgm:if name="Name17" func="var" arg="hierBranch" op="equ" val="l">
                 <dgm:alg type="hierChild">
+                  <dgm:param type="chAlign" val="r"/>
                   <dgm:param type="linDir" val="fromT"/>
-                  <dgm:param type="chAlign" val="l"/>
                 </dgm:alg>
               </dgm:if>
-              <dgm:else name="Name14">
+              <dgm:if name="Name18" func="var" arg="hierBranch" op="equ" val="r">
                 <dgm:alg type="hierChild">
+                  <dgm:param type="chAlign" val="l"/>
                   <dgm:param type="linDir" val="fromT"/>
-                  <dgm:param type="chAlign" val="r"/>
+                </dgm:alg>
+              </dgm:if>
+              <dgm:if name="Name19" func="var" arg="hierBranch" op="equ" val="hang">
+                <dgm:choose name="Name20">
+                  <dgm:if name="Name21" func="var" arg="dir" op="equ" val="norm">
+                    <dgm:alg type="hierChild">
+                      <dgm:param type="chAlign" val="l"/>
+                      <dgm:param type="linDir" val="fromL"/>
+                      <dgm:param type="secChAlign" val="t"/>
+                      <dgm:param type="secLinDir" val="fromT"/>
+                    </dgm:alg>
+                  </dgm:if>
+                  <dgm:else name="Name22">
+                    <dgm:alg type="hierChild">
+                      <dgm:param type="chAlign" val="l"/>
+                      <dgm:param type="linDir" val="fromR"/>
+                      <dgm:param type="secChAlign" val="t"/>
+                      <dgm:param type="secLinDir" val="fromT"/>
+                    </dgm:alg>
+                  </dgm:else>
+                </dgm:choose>
+              </dgm:if>
+              <dgm:else name="Name23">
+                <dgm:choose name="Name24">
+                  <dgm:if name="Name25" func="var" arg="dir" op="equ" val="norm">
+                    <dgm:alg type="hierChild"/>
+                  </dgm:if>
+                  <dgm:else name="Name26">
+                    <dgm:alg type="hierChild">
+                      <dgm:param type="linDir" val="fromR"/>
+                    </dgm:alg>
+                  </dgm:else>
+                </dgm:choose>
+              </dgm:else>
+            </dgm:choose>
+            <dgm:shape xmlns:r="http://schemas.openxmlformats.org/officeDocument/2006/relationships" r:blip="">
+              <dgm:adjLst/>
+            </dgm:shape>
+            <dgm:presOf/>
+            <dgm:forEach name="rep2a" axis="ch" ptType="nonAsst">
+              <dgm:forEach name="Name27" axis="precedSib" ptType="parTrans" st="-1" cnt="1">
+                <dgm:layoutNode name="Name28">
+                  <dgm:choose name="Name29">
+                    <dgm:if name="Name30" func="var" arg="hierBranch" op="equ" val="std">
+                      <dgm:choose name="Name31">
+                        <dgm:if name="Name32" axis="self" func="depth" op="lte" val="2">
+                          <dgm:alg type="conn">
+                            <dgm:param type="connRout" val="bend"/>
+                            <dgm:param type="dim" val="1D"/>
+                            <dgm:param type="endSty" val="noArr"/>
+                            <dgm:param type="begPts" val="bCtr"/>
+                            <dgm:param type="endPts" val="tCtr"/>
+                            <dgm:param type="bendPt" val="end"/>
+                            <dgm:param type="srcNode" val="bottomArc1"/>
+                            <dgm:param type="dstNode" val="topArc2"/>
+                          </dgm:alg>
+                        </dgm:if>
+                        <dgm:if name="Name33" axis="par" ptType="asst" func="cnt" op="equ" val="1">
+                          <dgm:alg type="conn">
+                            <dgm:param type="connRout" val="bend"/>
+                            <dgm:param type="dim" val="1D"/>
+                            <dgm:param type="endSty" val="noArr"/>
+                            <dgm:param type="begPts" val="bCtr"/>
+                            <dgm:param type="endPts" val="tCtr"/>
+                            <dgm:param type="bendPt" val="end"/>
+                            <dgm:param type="srcNode" val="bottomArc3"/>
+                            <dgm:param type="dstNode" val="topArc2"/>
+                          </dgm:alg>
+                        </dgm:if>
+                        <dgm:else name="Name34">
+                          <dgm:alg type="conn">
+                            <dgm:param type="connRout" val="bend"/>
+                            <dgm:param type="dim" val="1D"/>
+                            <dgm:param type="endSty" val="noArr"/>
+                            <dgm:param type="begPts" val="bCtr"/>
+                            <dgm:param type="endPts" val="tCtr"/>
+                            <dgm:param type="bendPt" val="end"/>
+                            <dgm:param type="srcNode" val="bottomArc2"/>
+                            <dgm:param type="dstNode" val="topArc2"/>
+                          </dgm:alg>
+                        </dgm:else>
+                      </dgm:choose>
+                    </dgm:if>
+                    <dgm:if name="Name35" func="var" arg="hierBranch" op="equ" val="init">
+                      <dgm:choose name="Name36">
+                        <dgm:if name="Name37" axis="self" func="depth" op="lte" val="2">
+                          <dgm:choose name="Name38">
+                            <dgm:if name="Name39" axis="self" func="depth" op="lte" val="2">
+                              <dgm:alg type="conn">
+                                <dgm:param type="connRout" val="bend"/>
+                                <dgm:param type="dim" val="1D"/>
+                                <dgm:param type="endSty" val="noArr"/>
+                                <dgm:param type="begPts" val="bCtr"/>
+                                <dgm:param type="endPts" val="tCtr"/>
+                                <dgm:param type="bendPt" val="end"/>
+                                <dgm:param type="srcNode" val="bottomArc1"/>
+                                <dgm:param type="dstNode" val="topArc2"/>
+                              </dgm:alg>
+                            </dgm:if>
+                            <dgm:if name="Name40" axis="par" ptType="asst" func="cnt" op="equ" val="1">
+                              <dgm:alg type="conn">
+                                <dgm:param type="connRout" val="bend"/>
+                                <dgm:param type="dim" val="1D"/>
+                                <dgm:param type="endSty" val="noArr"/>
+                                <dgm:param type="begPts" val="bCtr"/>
+                                <dgm:param type="endPts" val="tCtr"/>
+                                <dgm:param type="bendPt" val="end"/>
+                                <dgm:param type="srcNode" val="bottomArc3"/>
+                                <dgm:param type="dstNode" val="topArc2"/>
+                              </dgm:alg>
+                            </dgm:if>
+                            <dgm:else name="Name41">
+                              <dgm:alg type="conn">
+                                <dgm:param type="connRout" val="bend"/>
+                                <dgm:param type="dim" val="1D"/>
+                                <dgm:param type="endSty" val="noArr"/>
+                                <dgm:param type="begPts" val="bCtr"/>
+                                <dgm:param type="endPts" val="tCtr"/>
+                                <dgm:param type="bendPt" val="end"/>
+                                <dgm:param type="srcNode" val="bottomArc2"/>
+                                <dgm:param type="dstNode" val="topArc2"/>
+                              </dgm:alg>
+                            </dgm:else>
+                          </dgm:choose>
+                        </dgm:if>
+                        <dgm:else name="Name42">
+                          <dgm:choose name="Name43">
+                            <dgm:if name="Name44" axis="par des" func="maxDepth" op="lte" val="1">
+                              <dgm:choose name="Name45">
+                                <dgm:if name="Name46" axis="self" func="depth" op="lte" val="2">
+                                  <dgm:alg type="conn">
+                                    <dgm:param type="connRout" val="bend"/>
+                                    <dgm:param type="dim" val="1D"/>
+                                    <dgm:param type="endSty" val="noArr"/>
+                                    <dgm:param type="begPts" val="bCtr"/>
+                                    <dgm:param type="endPts" val="bL bR"/>
+                                    <dgm:param type="srcNode" val="bottomArc1"/>
+                                    <dgm:param type="dstNode" val="topConnNode2"/>
+                                  </dgm:alg>
+                                </dgm:if>
+                                <dgm:if name="Name47" axis="par" ptType="asst" func="cnt" op="equ" val="1">
+                                  <dgm:alg type="conn">
+                                    <dgm:param type="connRout" val="bend"/>
+                                    <dgm:param type="dim" val="1D"/>
+                                    <dgm:param type="endSty" val="noArr"/>
+                                    <dgm:param type="begPts" val="bCtr"/>
+                                    <dgm:param type="endPts" val="bL bR"/>
+                                    <dgm:param type="srcNode" val="bottomArc3"/>
+                                    <dgm:param type="dstNode" val="topConnNode2"/>
+                                  </dgm:alg>
+                                </dgm:if>
+                                <dgm:else name="Name48">
+                                  <dgm:alg type="conn">
+                                    <dgm:param type="connRout" val="bend"/>
+                                    <dgm:param type="dim" val="1D"/>
+                                    <dgm:param type="endSty" val="noArr"/>
+                                    <dgm:param type="begPts" val="bCtr"/>
+                                    <dgm:param type="endPts" val="bL bR"/>
+                                    <dgm:param type="srcNode" val="bottomArc2"/>
+                                    <dgm:param type="dstNode" val="topConnNode2"/>
+                                  </dgm:alg>
+                                </dgm:else>
+                              </dgm:choose>
+                            </dgm:if>
+                            <dgm:else name="Name49">
+                              <dgm:choose name="Name50">
+                                <dgm:if name="Name51" axis="self" func="depth" op="lte" val="2">
+                                  <dgm:alg type="conn">
+                                    <dgm:param type="connRout" val="bend"/>
+                                    <dgm:param type="dim" val="1D"/>
+                                    <dgm:param type="endSty" val="noArr"/>
+                                    <dgm:param type="begPts" val="bCtr"/>
+                                    <dgm:param type="endPts" val="tCtr"/>
+                                    <dgm:param type="bendPt" val="end"/>
+                                    <dgm:param type="srcNode" val="bottomArc1"/>
+                                    <dgm:param type="dstNode" val="topArc2"/>
+                                  </dgm:alg>
+                                </dgm:if>
+                                <dgm:if name="Name52" axis="par" ptType="asst" func="cnt" op="equ" val="1">
+                                  <dgm:alg type="conn">
+                                    <dgm:param type="connRout" val="bend"/>
+                                    <dgm:param type="dim" val="1D"/>
+                                    <dgm:param type="endSty" val="noArr"/>
+                                    <dgm:param type="begPts" val="bCtr"/>
+                                    <dgm:param type="endPts" val="tCtr"/>
+                                    <dgm:param type="bendPt" val="end"/>
+                                    <dgm:param type="srcNode" val="bottomArc3"/>
+                                    <dgm:param type="dstNode" val="topArc2"/>
+                                  </dgm:alg>
+                                </dgm:if>
+                                <dgm:else name="Name53">
+                                  <dgm:alg type="conn">
+                                    <dgm:param type="connRout" val="bend"/>
+                                    <dgm:param type="dim" val="1D"/>
+                                    <dgm:param type="endSty" val="noArr"/>
+                                    <dgm:param type="begPts" val="bCtr"/>
+                                    <dgm:param type="endPts" val="tCtr"/>
+                                    <dgm:param type="bendPt" val="end"/>
+                                    <dgm:param type="srcNode" val="bottomArc2"/>
+                                    <dgm:param type="dstNode" val="topArc2"/>
+                                  </dgm:alg>
+                                </dgm:else>
+                              </dgm:choose>
+                            </dgm:else>
+                          </dgm:choose>
+                        </dgm:else>
+                      </dgm:choose>
+                    </dgm:if>
+                    <dgm:else name="Name54">
+                      <dgm:choose name="Name55">
+                        <dgm:if name="Name56" axis="self" func="depth" op="lte" val="2">
+                          <dgm:alg type="conn">
+                            <dgm:param type="connRout" val="bend"/>
+                            <dgm:param type="dim" val="1D"/>
+                            <dgm:param type="endSty" val="noArr"/>
+                            <dgm:param type="begPts" val="bCtr"/>
+                            <dgm:param type="endPts" val="bL bR"/>
+                            <dgm:param type="srcNode" val="bottomArc1"/>
+                            <dgm:param type="dstNode" val="topConnNode2"/>
+                          </dgm:alg>
+                        </dgm:if>
+                        <dgm:if name="Name57" axis="par" ptType="asst" func="cnt" op="equ" val="1">
+                          <dgm:alg type="conn">
+                            <dgm:param type="connRout" val="bend"/>
+                            <dgm:param type="dim" val="1D"/>
+                            <dgm:param type="endSty" val="noArr"/>
+                            <dgm:param type="begPts" val="bCtr"/>
+                            <dgm:param type="endPts" val="bL bR"/>
+                            <dgm:param type="srcNode" val="bottomArc3"/>
+                            <dgm:param type="dstNode" val="topConnNode2"/>
+                          </dgm:alg>
+                        </dgm:if>
+                        <dgm:else name="Name58">
+                          <dgm:alg type="conn">
+                            <dgm:param type="connRout" val="bend"/>
+                            <dgm:param type="dim" val="1D"/>
+                            <dgm:param type="endSty" val="noArr"/>
+                            <dgm:param type="begPts" val="bCtr"/>
+                            <dgm:param type="endPts" val="bL bR"/>
+                            <dgm:param type="srcNode" val="bottomArc2"/>
+                            <dgm:param type="dstNode" val="topConnNode2"/>
+                          </dgm:alg>
+                        </dgm:else>
+                      </dgm:choose>
+                    </dgm:else>
+                  </dgm:choose>
+                  <dgm:shape xmlns:r="http://schemas.openxmlformats.org/officeDocument/2006/relationships" type="conn" r:blip="" zOrderOff="-99999">
+                    <dgm:adjLst/>
+                  </dgm:shape>
+                  <dgm:presOf axis="self"/>
+                  <dgm:constrLst>
+                    <dgm:constr type="begPad"/>
+                    <dgm:constr type="endPad"/>
+                  </dgm:constrLst>
+                </dgm:layoutNode>
+              </dgm:forEach>
+              <dgm:layoutNode name="hierRoot2">
+                <dgm:varLst>
+                  <dgm:hierBranch val="init"/>
+                </dgm:varLst>
+                <dgm:choose name="Name59">
+                  <dgm:if name="Name60" func="var" arg="hierBranch" op="equ" val="l">
+                    <dgm:alg type="hierRoot">
+                      <dgm:param type="hierAlign" val="tR"/>
+                    </dgm:alg>
+                    <dgm:shape xmlns:r="http://schemas.openxmlformats.org/officeDocument/2006/relationships" r:blip="">
+                      <dgm:adjLst/>
+                    </dgm:shape>
+                    <dgm:presOf/>
+                    <dgm:constrLst>
+                      <dgm:constr type="alignOff" val="0.65"/>
+                    </dgm:constrLst>
+                  </dgm:if>
+                  <dgm:if name="Name61" func="var" arg="hierBranch" op="equ" val="r">
+                    <dgm:alg type="hierRoot">
+                      <dgm:param type="hierAlign" val="tL"/>
+                    </dgm:alg>
+                    <dgm:shape xmlns:r="http://schemas.openxmlformats.org/officeDocument/2006/relationships" r:blip="">
+                      <dgm:adjLst/>
+                    </dgm:shape>
+                    <dgm:presOf/>
+                    <dgm:constrLst>
+                      <dgm:constr type="alignOff" val="0.65"/>
+                    </dgm:constrLst>
+                  </dgm:if>
+                  <dgm:if name="Name62" func="var" arg="hierBranch" op="equ" val="std">
+                    <dgm:alg type="hierRoot"/>
+                    <dgm:shape xmlns:r="http://schemas.openxmlformats.org/officeDocument/2006/relationships" r:blip="">
+                      <dgm:adjLst/>
+                    </dgm:shape>
+                    <dgm:presOf/>
+                    <dgm:constrLst>
+                      <dgm:constr type="alignOff"/>
+                      <dgm:constr type="bendDist" for="des" ptType="parTrans" refType="sp" fact="0.5"/>
+                    </dgm:constrLst>
+                  </dgm:if>
+                  <dgm:if name="Name63" func="var" arg="hierBranch" op="equ" val="init">
+                    <dgm:choose name="Name64">
+                      <dgm:if name="Name65" axis="des" func="maxDepth" op="lte" val="1">
+                        <dgm:alg type="hierRoot">
+                          <dgm:param type="hierAlign" val="tL"/>
+                        </dgm:alg>
+                        <dgm:shape xmlns:r="http://schemas.openxmlformats.org/officeDocument/2006/relationships" r:blip="">
+                          <dgm:adjLst/>
+                        </dgm:shape>
+                        <dgm:presOf/>
+                        <dgm:constrLst>
+                          <dgm:constr type="alignOff" val="0.65"/>
+                        </dgm:constrLst>
+                      </dgm:if>
+                      <dgm:else name="Name66">
+                        <dgm:alg type="hierRoot"/>
+                        <dgm:shape xmlns:r="http://schemas.openxmlformats.org/officeDocument/2006/relationships" r:blip="">
+                          <dgm:adjLst/>
+                        </dgm:shape>
+                        <dgm:presOf/>
+                        <dgm:constrLst>
+                          <dgm:constr type="alignOff"/>
+                          <dgm:constr type="bendDist" for="des" ptType="parTrans" refType="sp" fact="0.5"/>
+                        </dgm:constrLst>
+                      </dgm:else>
+                    </dgm:choose>
+                  </dgm:if>
+                  <dgm:else name="Name67">
+                    <dgm:alg type="hierRoot"/>
+                    <dgm:shape xmlns:r="http://schemas.openxmlformats.org/officeDocument/2006/relationships" r:blip="">
+                      <dgm:adjLst/>
+                    </dgm:shape>
+                    <dgm:presOf/>
+                    <dgm:constrLst>
+                      <dgm:constr type="alignOff" val="0.65"/>
+                    </dgm:constrLst>
+                  </dgm:else>
+                </dgm:choose>
+                <dgm:layoutNode name="rootComposite2">
+                  <dgm:alg type="composite"/>
+                  <dgm:shape xmlns:r="http://schemas.openxmlformats.org/officeDocument/2006/relationships" r:blip="">
+                    <dgm:adjLst/>
+                  </dgm:shape>
+                  <dgm:presOf axis="self" ptType="node" cnt="1"/>
+                  <dgm:choose name="Name68">
+                    <dgm:if name="Name69" func="var" arg="hierBranch" op="equ" val="init">
+                      <dgm:constrLst>
+                        <dgm:constr type="l" for="ch" forName="rootText2"/>
+                        <dgm:constr type="t" for="ch" forName="rootText2" refType="h" fact="0.18"/>
+                        <dgm:constr type="w" for="ch" forName="rootText2" refType="w"/>
+                        <dgm:constr type="h" for="ch" forName="rootText2" refType="h" fact="0.64"/>
+                        <dgm:constr type="l" for="ch" forName="topArc2" refType="w" fact="0.25"/>
+                        <dgm:constr type="t" for="ch" forName="topArc2"/>
+                        <dgm:constr type="w" for="ch" forName="topArc2" refType="h" refFor="ch" refForName="topArc2"/>
+                        <dgm:constr type="h" for="ch" forName="topArc2" refType="h"/>
+                        <dgm:constr type="l" for="ch" forName="bottomArc2" refType="w" fact="0.25"/>
+                        <dgm:constr type="t" for="ch" forName="bottomArc2"/>
+                        <dgm:constr type="w" for="ch" forName="bottomArc2" refType="h" refFor="ch" refForName="bottomArc2"/>
+                        <dgm:constr type="h" for="ch" forName="bottomArc2" refType="h"/>
+                        <dgm:constr type="ctrX" for="ch" forName="topConnNode2" refType="w" fact="0.5"/>
+                        <dgm:constr type="t" for="ch" forName="topConnNode2"/>
+                        <dgm:constr type="w" for="ch" forName="topConnNode2" refType="h" fact="0.76"/>
+                        <dgm:constr type="b" for="ch" forName="topConnNode2" refType="t" refFor="ch" refForName="rootText2"/>
+                      </dgm:constrLst>
+                    </dgm:if>
+                    <dgm:if name="Name70" func="var" arg="hierBranch" op="equ" val="l">
+                      <dgm:constrLst>
+                        <dgm:constr type="l" for="ch" forName="rootText2"/>
+                        <dgm:constr type="t" for="ch" forName="rootText2" refType="h" fact="0.18"/>
+                        <dgm:constr type="w" for="ch" forName="rootText2" refType="w"/>
+                        <dgm:constr type="h" for="ch" forName="rootText2" refType="h" fact="0.64"/>
+                        <dgm:constr type="l" for="ch" forName="topArc2" refType="w" fact="0.25"/>
+                        <dgm:constr type="t" for="ch" forName="topArc2"/>
+                        <dgm:constr type="w" for="ch" forName="topArc2" refType="h" refFor="ch" refForName="topArc2"/>
+                        <dgm:constr type="h" for="ch" forName="topArc2" refType="h"/>
+                        <dgm:constr type="l" for="ch" forName="bottomArc2" refType="w" fact="0.25"/>
+                        <dgm:constr type="t" for="ch" forName="bottomArc2"/>
+                        <dgm:constr type="w" for="ch" forName="bottomArc2" refType="h" refFor="ch" refForName="bottomArc2"/>
+                        <dgm:constr type="h" for="ch" forName="bottomArc2" refType="h"/>
+                        <dgm:constr type="ctrX" for="ch" forName="topConnNode2" refType="w" fact="0.5"/>
+                        <dgm:constr type="t" for="ch" forName="topConnNode2"/>
+                        <dgm:constr type="w" for="ch" forName="topConnNode2" refType="h" fact="0.76"/>
+                        <dgm:constr type="b" for="ch" forName="topConnNode2" refType="t" refFor="ch" refForName="rootText2"/>
+                      </dgm:constrLst>
+                    </dgm:if>
+                    <dgm:if name="Name71" func="var" arg="hierBranch" op="equ" val="r">
+                      <dgm:constrLst>
+                        <dgm:constr type="l" for="ch" forName="rootText2"/>
+                        <dgm:constr type="t" for="ch" forName="rootText2" refType="h" fact="0.18"/>
+                        <dgm:constr type="w" for="ch" forName="rootText2" refType="w"/>
+                        <dgm:constr type="h" for="ch" forName="rootText2" refType="h" fact="0.64"/>
+                        <dgm:constr type="l" for="ch" forName="topArc2" refType="w" fact="0.25"/>
+                        <dgm:constr type="t" for="ch" forName="topArc2"/>
+                        <dgm:constr type="w" for="ch" forName="topArc2" refType="h" refFor="ch" refForName="topArc2"/>
+                        <dgm:constr type="h" for="ch" forName="topArc2" refType="h"/>
+                        <dgm:constr type="l" for="ch" forName="bottomArc2" refType="w" fact="0.25"/>
+                        <dgm:constr type="t" for="ch" forName="bottomArc2"/>
+                        <dgm:constr type="w" for="ch" forName="bottomArc2" refType="h" refFor="ch" refForName="bottomArc2"/>
+                        <dgm:constr type="h" for="ch" forName="bottomArc2" refType="h"/>
+                        <dgm:constr type="ctrX" for="ch" forName="topConnNode2" refType="w" fact="0.5"/>
+                        <dgm:constr type="t" for="ch" forName="topConnNode2"/>
+                        <dgm:constr type="w" for="ch" forName="topConnNode2" refType="h" fact="0.76"/>
+                        <dgm:constr type="b" for="ch" forName="topConnNode2" refType="t" refFor="ch" refForName="rootText2"/>
+                      </dgm:constrLst>
+                    </dgm:if>
+                    <dgm:else name="Name72">
+                      <dgm:constrLst>
+                        <dgm:constr type="l" for="ch" forName="rootText2"/>
+                        <dgm:constr type="t" for="ch" forName="rootText2" refType="h" fact="0.18"/>
+                        <dgm:constr type="w" for="ch" forName="rootText2" refType="w"/>
+                        <dgm:constr type="h" for="ch" forName="rootText2" refType="h" fact="0.64"/>
+                        <dgm:constr type="l" for="ch" forName="topArc2" refType="w" fact="0.25"/>
+                        <dgm:constr type="t" for="ch" forName="topArc2"/>
+                        <dgm:constr type="w" for="ch" forName="topArc2" refType="h" refFor="ch" refForName="topArc2"/>
+                        <dgm:constr type="h" for="ch" forName="topArc2" refType="h"/>
+                        <dgm:constr type="l" for="ch" forName="bottomArc2" refType="w" fact="0.25"/>
+                        <dgm:constr type="t" for="ch" forName="bottomArc2"/>
+                        <dgm:constr type="w" for="ch" forName="bottomArc2" refType="h" refFor="ch" refForName="bottomArc2"/>
+                        <dgm:constr type="h" for="ch" forName="bottomArc2" refType="h"/>
+                        <dgm:constr type="ctrX" for="ch" forName="topConnNode2" refType="w" fact="0.5"/>
+                        <dgm:constr type="t" for="ch" forName="topConnNode2"/>
+                        <dgm:constr type="w" for="ch" forName="topConnNode2" refType="h" fact="0.76"/>
+                        <dgm:constr type="b" for="ch" forName="topConnNode2" refType="t" refFor="ch" refForName="rootText2"/>
+                      </dgm:constrLst>
+                    </dgm:else>
+                  </dgm:choose>
+                  <dgm:layoutNode name="rootText2" styleLbl="alignAcc1">
+                    <dgm:varLst>
+                      <dgm:chPref val="3"/>
+                    </dgm:varLst>
+                    <dgm:alg type="tx"/>
+                    <dgm:shape xmlns:r="http://schemas.openxmlformats.org/officeDocument/2006/relationships" type="rect" r:blip="" hideGeom="1">
+                      <dgm:adjLst/>
+                    </dgm:shape>
+                    <dgm:presOf axis="self" ptType="node" cnt="1"/>
+                    <dgm:constrLst>
+                      <dgm:constr type="primFontSz" val="65"/>
+                      <dgm:constr type="lMarg" refType="primFontSz" fact="0.05"/>
+                      <dgm:constr type="rMarg" refType="primFontSz" fact="0.05"/>
+                      <dgm:constr type="tMarg" refType="primFontSz" fact="0.05"/>
+                      <dgm:constr type="bMarg" refType="primFontSz" fact="0.05"/>
+                    </dgm:constrLst>
+                    <dgm:ruleLst>
+                      <dgm:rule type="primFontSz" val="5" fact="NaN" max="NaN"/>
+                    </dgm:ruleLst>
+                  </dgm:layoutNode>
+                  <dgm:layoutNode name="topArc2" styleLbl="parChTrans1D1" moveWith="rootText2">
+                    <dgm:alg type="sp"/>
+                    <dgm:shape xmlns:r="http://schemas.openxmlformats.org/officeDocument/2006/relationships" type="arc" r:blip="" zOrderOff="-2">
+                      <dgm:adjLst>
+                        <dgm:adj idx="1" val="-140"/>
+                        <dgm:adj idx="2" val="-40"/>
+                      </dgm:adjLst>
+                    </dgm:shape>
+                    <dgm:presOf/>
+                  </dgm:layoutNode>
+                  <dgm:layoutNode name="bottomArc2" styleLbl="parChTrans1D1" moveWith="rootText2">
+                    <dgm:alg type="sp"/>
+                    <dgm:shape xmlns:r="http://schemas.openxmlformats.org/officeDocument/2006/relationships" type="arc" r:blip="" zOrderOff="-2">
+                      <dgm:adjLst>
+                        <dgm:adj idx="1" val="40"/>
+                        <dgm:adj idx="2" val="140"/>
+                      </dgm:adjLst>
+                    </dgm:shape>
+                    <dgm:presOf/>
+                  </dgm:layoutNode>
+                  <dgm:layoutNode name="topConnNode2" moveWith="rootText2">
+                    <dgm:alg type="sp"/>
+                    <dgm:shape xmlns:r="http://schemas.openxmlformats.org/officeDocument/2006/relationships" type="rect" r:blip="" hideGeom="1">
+                      <dgm:adjLst/>
+                    </dgm:shape>
+                    <dgm:presOf axis="self" ptType="node" cnt="1"/>
+                  </dgm:layoutNode>
+                </dgm:layoutNode>
+                <dgm:layoutNode name="hierChild4">
+                  <dgm:choose name="Name73">
+                    <dgm:if name="Name74" func="var" arg="hierBranch" op="equ" val="l">
+                      <dgm:alg type="hierChild">
+                        <dgm:param type="chAlign" val="r"/>
+                        <dgm:param type="linDir" val="fromT"/>
+                      </dgm:alg>
+                    </dgm:if>
+                    <dgm:if name="Name75" func="var" arg="hierBranch" op="equ" val="r">
+                      <dgm:alg type="hierChild">
+                        <dgm:param type="chAlign" val="l"/>
+                        <dgm:param type="linDir" val="fromT"/>
+                      </dgm:alg>
+                    </dgm:if>
+                    <dgm:if name="Name76" func="var" arg="hierBranch" op="equ" val="hang">
+                      <dgm:choose name="Name77">
+                        <dgm:if name="Name78" func="var" arg="dir" op="equ" val="norm">
+                          <dgm:alg type="hierChild">
+                            <dgm:param type="chAlign" val="l"/>
+                            <dgm:param type="linDir" val="fromL"/>
+                            <dgm:param type="secChAlign" val="t"/>
+                            <dgm:param type="secLinDir" val="fromT"/>
+                          </dgm:alg>
+                        </dgm:if>
+                        <dgm:else name="Name79">
+                          <dgm:alg type="hierChild">
+                            <dgm:param type="chAlign" val="l"/>
+                            <dgm:param type="linDir" val="fromR"/>
+                            <dgm:param type="secChAlign" val="t"/>
+                            <dgm:param type="secLinDir" val="fromT"/>
+                          </dgm:alg>
+                        </dgm:else>
+                      </dgm:choose>
+                    </dgm:if>
+                    <dgm:if name="Name80" func="var" arg="hierBranch" op="equ" val="std">
+                      <dgm:choose name="Name81">
+                        <dgm:if name="Name82" func="var" arg="dir" op="equ" val="norm">
+                          <dgm:alg type="hierChild"/>
+                        </dgm:if>
+                        <dgm:else name="Name83">
+                          <dgm:alg type="hierChild">
+                            <dgm:param type="linDir" val="fromR"/>
+                          </dgm:alg>
+                        </dgm:else>
+                      </dgm:choose>
+                    </dgm:if>
+                    <dgm:if name="Name84" func="var" arg="hierBranch" op="equ" val="init">
+                      <dgm:choose name="Name85">
+                        <dgm:if name="Name86" axis="des" func="maxDepth" op="lte" val="1">
+                          <dgm:alg type="hierChild">
+                            <dgm:param type="chAlign" val="l"/>
+                            <dgm:param type="linDir" val="fromT"/>
+                          </dgm:alg>
+                        </dgm:if>
+                        <dgm:else name="Name87">
+                          <dgm:choose name="Name88">
+                            <dgm:if name="Name89" func="var" arg="dir" op="equ" val="norm">
+                              <dgm:alg type="hierChild"/>
+                            </dgm:if>
+                            <dgm:else name="Name90">
+                              <dgm:alg type="hierChild">
+                                <dgm:param type="linDir" val="fromR"/>
+                              </dgm:alg>
+                            </dgm:else>
+                          </dgm:choose>
+                        </dgm:else>
+                      </dgm:choose>
+                    </dgm:if>
+                    <dgm:else name="Name91"/>
+                  </dgm:choose>
+                  <dgm:shape xmlns:r="http://schemas.openxmlformats.org/officeDocument/2006/relationships" r:blip="">
+                    <dgm:adjLst/>
+                  </dgm:shape>
+                  <dgm:presOf/>
+                  <dgm:forEach name="Name92" ref="rep2a"/>
+                </dgm:layoutNode>
+                <dgm:layoutNode name="hierChild5">
+                  <dgm:choose name="Name93">
+                    <dgm:if name="Name94" func="var" arg="dir" op="equ" val="norm">
+                      <dgm:alg type="hierChild">
+                        <dgm:param type="chAlign" val="l"/>
+                        <dgm:param type="linDir" val="fromL"/>
+                        <dgm:param type="secChAlign" val="t"/>
+                        <dgm:param type="secLinDir" val="fromT"/>
+                      </dgm:alg>
+                    </dgm:if>
+                    <dgm:else name="Name95">
+                      <dgm:alg type="hierChild">
+                        <dgm:param type="chAlign" val="l"/>
+                        <dgm:param type="linDir" val="fromR"/>
+                        <dgm:param type="secChAlign" val="t"/>
+                        <dgm:param type="secLinDir" val="fromT"/>
+                      </dgm:alg>
+                    </dgm:else>
+                  </dgm:choose>
+                  <dgm:shape xmlns:r="http://schemas.openxmlformats.org/officeDocument/2006/relationships" r:blip="">
+                    <dgm:adjLst/>
+                  </dgm:shape>
+                  <dgm:presOf/>
+                  <dgm:forEach name="Name96" ref="rep2b"/>
+                </dgm:layoutNode>
+              </dgm:layoutNode>
+            </dgm:forEach>
+          </dgm:layoutNode>
+          <dgm:layoutNode name="hierChild3">
+            <dgm:choose name="Name97">
+              <dgm:if name="Name98" func="var" arg="dir" op="equ" val="norm">
+                <dgm:alg type="hierChild">
+                  <dgm:param type="chAlign" val="l"/>
+                  <dgm:param type="linDir" val="fromL"/>
+                  <dgm:param type="secChAlign" val="t"/>
+                  <dgm:param type="secLinDir" val="fromT"/>
+                </dgm:alg>
+              </dgm:if>
+              <dgm:else name="Name99">
+                <dgm:alg type="hierChild">
+                  <dgm:param type="chAlign" val="l"/>
+                  <dgm:param type="linDir" val="fromR"/>
+                  <dgm:param type="secChAlign" val="t"/>
+                  <dgm:param type="secLinDir" val="fromT"/>
                 </dgm:alg>
               </dgm:else>
             </dgm:choose>
@@ -1966,26 +3022,41 @@
               <dgm:adjLst/>
             </dgm:shape>
             <dgm:presOf/>
-            <dgm:forEach name="repeat" axis="ch">
-              <dgm:forEach name="Name15" axis="self" ptType="parTrans" cnt="1">
-                <dgm:layoutNode name="conn2-1">
-                  <dgm:choose name="Name16">
-                    <dgm:if name="Name17" func="var" arg="dir" op="equ" val="norm">
+            <dgm:forEach name="rep2b" axis="ch" ptType="asst">
+              <dgm:forEach name="Name100" axis="precedSib" ptType="parTrans" st="-1" cnt="1">
+                <dgm:layoutNode name="Name101">
+                  <dgm:choose name="Name102">
+                    <dgm:if name="Name103" axis="self" func="depth" op="lte" val="2">
                       <dgm:alg type="conn">
+                        <dgm:param type="connRout" val="bend"/>
                         <dgm:param type="dim" val="1D"/>
-                        <dgm:param type="begPts" val="midR"/>
-                        <dgm:param type="endPts" val="midL"/>
                         <dgm:param type="endSty" val="noArr"/>
-                        <dgm:param type="connRout" val="bend"/>
+                        <dgm:param type="begPts" val="bCtr"/>
+                        <dgm:param type="endPts" val="bL bR"/>
+                        <dgm:param type="srcNode" val="bottomArc1"/>
+                        <dgm:param type="dstNode" val="topConnNode3"/>
                       </dgm:alg>
                     </dgm:if>
-                    <dgm:else name="Name18">
+                    <dgm:if name="Name104" axis="par" ptType="asst" func="cnt" op="equ" val="1">
                       <dgm:alg type="conn">
+                        <dgm:param type="connRout" val="bend"/>
                         <dgm:param type="dim" val="1D"/>
-                        <dgm:param type="begPts" val="midL"/>
-                        <dgm:param type="endPts" val="midR"/>
                         <dgm:param type="endSty" val="noArr"/>
+                        <dgm:param type="begPts" val="bCtr"/>
+                        <dgm:param type="endPts" val="bL bR"/>
+                        <dgm:param type="srcNode" val="bottomArc3"/>
+                        <dgm:param type="dstNode" val="topConnNode3"/>
+                      </dgm:alg>
+                    </dgm:if>
+                    <dgm:else name="Name105">
+                      <dgm:alg type="conn">
                         <dgm:param type="connRout" val="bend"/>
+                        <dgm:param type="dim" val="1D"/>
+                        <dgm:param type="endSty" val="noArr"/>
+                        <dgm:param type="begPts" val="bCtr"/>
+                        <dgm:param type="endPts" val="bL bR"/>
+                        <dgm:param type="srcNode" val="bottomArc2"/>
+                        <dgm:param type="dstNode" val="topConnNode3"/>
                       </dgm:alg>
                     </dgm:else>
                   </dgm:choose>
@@ -1994,49 +3065,309 @@
                   </dgm:shape>
                   <dgm:presOf axis="self"/>
                   <dgm:constrLst>
-                    <dgm:constr type="w" val="1"/>
-                    <dgm:constr type="h" val="5"/>
-                    <dgm:constr type="connDist"/>
                     <dgm:constr type="begPad"/>
                     <dgm:constr type="endPad"/>
-                    <dgm:constr type="userA" for="ch" refType="connDist"/>
                   </dgm:constrLst>
-                  <dgm:layoutNode name="connTx">
-                    <dgm:alg type="tx">
-                      <dgm:param type="autoTxRot" val="grav"/>
+                </dgm:layoutNode>
+              </dgm:forEach>
+              <dgm:layoutNode name="hierRoot3">
+                <dgm:varLst>
+                  <dgm:hierBranch val="init"/>
+                </dgm:varLst>
+                <dgm:choose name="Name106">
+                  <dgm:if name="Name107" func="var" arg="hierBranch" op="equ" val="l">
+                    <dgm:alg type="hierRoot">
+                      <dgm:param type="hierAlign" val="tR"/>
                     </dgm:alg>
+                    <dgm:shape xmlns:r="http://schemas.openxmlformats.org/officeDocument/2006/relationships" r:blip="">
+                      <dgm:adjLst/>
+                    </dgm:shape>
+                    <dgm:presOf/>
+                    <dgm:constrLst>
+                      <dgm:constr type="alignOff" val="0.65"/>
+                    </dgm:constrLst>
+                  </dgm:if>
+                  <dgm:if name="Name108" func="var" arg="hierBranch" op="equ" val="r">
+                    <dgm:alg type="hierRoot">
+                      <dgm:param type="hierAlign" val="tL"/>
+                    </dgm:alg>
+                    <dgm:shape xmlns:r="http://schemas.openxmlformats.org/officeDocument/2006/relationships" r:blip="">
+                      <dgm:adjLst/>
+                    </dgm:shape>
+                    <dgm:presOf/>
+                    <dgm:constrLst>
+                      <dgm:constr type="alignOff" val="0.65"/>
+                    </dgm:constrLst>
+                  </dgm:if>
+                  <dgm:if name="Name109" func="var" arg="hierBranch" op="equ" val="hang">
+                    <dgm:alg type="hierRoot"/>
+                    <dgm:shape xmlns:r="http://schemas.openxmlformats.org/officeDocument/2006/relationships" r:blip="">
+                      <dgm:adjLst/>
+                    </dgm:shape>
+                    <dgm:presOf/>
+                    <dgm:constrLst>
+                      <dgm:constr type="alignOff" val="0.65"/>
+                    </dgm:constrLst>
+                  </dgm:if>
+                  <dgm:if name="Name110" func="var" arg="hierBranch" op="equ" val="std">
+                    <dgm:alg type="hierRoot"/>
+                    <dgm:shape xmlns:r="http://schemas.openxmlformats.org/officeDocument/2006/relationships" r:blip="">
+                      <dgm:adjLst/>
+                    </dgm:shape>
+                    <dgm:presOf/>
+                    <dgm:constrLst>
+                      <dgm:constr type="alignOff"/>
+                      <dgm:constr type="bendDist" for="des" ptType="parTrans" refType="sp" fact="0.5"/>
+                    </dgm:constrLst>
+                  </dgm:if>
+                  <dgm:if name="Name111" func="var" arg="hierBranch" op="equ" val="init">
+                    <dgm:choose name="Name112">
+                      <dgm:if name="Name113" axis="des" func="maxDepth" op="lte" val="1">
+                        <dgm:alg type="hierRoot">
+                          <dgm:param type="hierAlign" val="tL"/>
+                        </dgm:alg>
+                        <dgm:shape xmlns:r="http://schemas.openxmlformats.org/officeDocument/2006/relationships" r:blip="">
+                          <dgm:adjLst/>
+                        </dgm:shape>
+                        <dgm:presOf/>
+                        <dgm:constrLst>
+                          <dgm:constr type="alignOff" val="0.65"/>
+                        </dgm:constrLst>
+                      </dgm:if>
+                      <dgm:else name="Name114">
+                        <dgm:alg type="hierRoot"/>
+                        <dgm:shape xmlns:r="http://schemas.openxmlformats.org/officeDocument/2006/relationships" r:blip="">
+                          <dgm:adjLst/>
+                        </dgm:shape>
+                        <dgm:presOf/>
+                        <dgm:constrLst>
+                          <dgm:constr type="alignOff"/>
+                          <dgm:constr type="bendDist" for="des" ptType="parTrans" refType="sp" fact="0.5"/>
+                        </dgm:constrLst>
+                      </dgm:else>
+                    </dgm:choose>
+                  </dgm:if>
+                  <dgm:else name="Name115"/>
+                </dgm:choose>
+                <dgm:layoutNode name="rootComposite3">
+                  <dgm:alg type="composite"/>
+                  <dgm:shape xmlns:r="http://schemas.openxmlformats.org/officeDocument/2006/relationships" r:blip="">
+                    <dgm:adjLst/>
+                  </dgm:shape>
+                  <dgm:presOf axis="self" ptType="node" cnt="1"/>
+                  <dgm:choose name="Name116">
+                    <dgm:if name="Name117" func="var" arg="hierBranch" op="equ" val="init">
+                      <dgm:constrLst>
+                        <dgm:constr type="l" for="ch" forName="rootText3"/>
+                        <dgm:constr type="t" for="ch" forName="rootText3" refType="h" fact="0.18"/>
+                        <dgm:constr type="w" for="ch" forName="rootText3" refType="w"/>
+                        <dgm:constr type="h" for="ch" forName="rootText3" refType="h" fact="0.64"/>
+                        <dgm:constr type="l" for="ch" forName="topArc3" refType="w" fact="0.25"/>
+                        <dgm:constr type="t" for="ch" forName="topArc3"/>
+                        <dgm:constr type="w" for="ch" forName="topArc3" refType="h" refFor="ch" refForName="topArc3"/>
+                        <dgm:constr type="h" for="ch" forName="topArc3" refType="h"/>
+                        <dgm:constr type="l" for="ch" forName="bottomArc3" refType="w" fact="0.25"/>
+                        <dgm:constr type="t" for="ch" forName="bottomArc3"/>
+                        <dgm:constr type="w" for="ch" forName="bottomArc3" refType="h" refFor="ch" refForName="bottomArc3"/>
+                        <dgm:constr type="h" for="ch" forName="bottomArc3" refType="h"/>
+                        <dgm:constr type="ctrX" for="ch" forName="topConnNode3" refType="w" fact="0.5"/>
+                        <dgm:constr type="t" for="ch" forName="topConnNode3"/>
+                        <dgm:constr type="w" for="ch" forName="topConnNode3" refType="h" fact="0.76"/>
+                        <dgm:constr type="b" for="ch" forName="topConnNode3" refType="t" refFor="ch" refForName="rootText3"/>
+                      </dgm:constrLst>
+                    </dgm:if>
+                    <dgm:if name="Name118" func="var" arg="hierBranch" op="equ" val="l">
+                      <dgm:constrLst>
+                        <dgm:constr type="l" for="ch" forName="rootText3"/>
+                        <dgm:constr type="t" for="ch" forName="rootText3" refType="h" fact="0.18"/>
+                        <dgm:constr type="w" for="ch" forName="rootText3" refType="w"/>
+                        <dgm:constr type="h" for="ch" forName="rootText3" refType="h" fact="0.64"/>
+                        <dgm:constr type="l" for="ch" forName="topArc3" refType="w" fact="0.25"/>
+                        <dgm:constr type="t" for="ch" forName="topArc3"/>
+                        <dgm:constr type="w" for="ch" forName="topArc3" refType="h" refFor="ch" refForName="topArc3"/>
+                        <dgm:constr type="h" for="ch" forName="topArc3" refType="h"/>
+                        <dgm:constr type="l" for="ch" forName="bottomArc3" refType="w" fact="0.25"/>
+                        <dgm:constr type="t" for="ch" forName="bottomArc3"/>
+                        <dgm:constr type="w" for="ch" forName="bottomArc3" refType="h" refFor="ch" refForName="bottomArc3"/>
+                        <dgm:constr type="h" for="ch" forName="bottomArc3" refType="h"/>
+                        <dgm:constr type="ctrX" for="ch" forName="topConnNode3" refType="w" fact="0.5"/>
+                        <dgm:constr type="t" for="ch" forName="topConnNode3"/>
+                        <dgm:constr type="w" for="ch" forName="topConnNode3" refType="h" fact="0.76"/>
+                        <dgm:constr type="b" for="ch" forName="topConnNode3" refType="t" refFor="ch" refForName="rootText3"/>
+                      </dgm:constrLst>
+                    </dgm:if>
+                    <dgm:if name="Name119" func="var" arg="hierBranch" op="equ" val="r">
+                      <dgm:constrLst>
+                        <dgm:constr type="l" for="ch" forName="rootText3"/>
+                        <dgm:constr type="t" for="ch" forName="rootText3" refType="h" fact="0.18"/>
+                        <dgm:constr type="w" for="ch" forName="rootText3" refType="w"/>
+                        <dgm:constr type="h" for="ch" forName="rootText3" refType="h" fact="0.64"/>
+                        <dgm:constr type="l" for="ch" forName="topArc3" refType="w" fact="0.25"/>
+                        <dgm:constr type="t" for="ch" forName="topArc3"/>
+                        <dgm:constr type="w" for="ch" forName="topArc3" refType="h" refFor="ch" refForName="topArc3"/>
+                        <dgm:constr type="h" for="ch" forName="topArc3" refType="h"/>
+                        <dgm:constr type="l" for="ch" forName="bottomArc3" refType="w" fact="0.25"/>
+                        <dgm:constr type="t" for="ch" forName="bottomArc3"/>
+                        <dgm:constr type="w" for="ch" forName="bottomArc3" refType="h" refFor="ch" refForName="bottomArc3"/>
+                        <dgm:constr type="h" for="ch" forName="bottomArc3" refType="h"/>
+                        <dgm:constr type="ctrX" for="ch" forName="topConnNode3" refType="w" fact="0.5"/>
+                        <dgm:constr type="t" for="ch" forName="topConnNode3"/>
+                        <dgm:constr type="w" for="ch" forName="topConnNode3" refType="h" fact="0.76"/>
+                        <dgm:constr type="b" for="ch" forName="topConnNode3" refType="t" refFor="ch" refForName="rootText3"/>
+                      </dgm:constrLst>
+                    </dgm:if>
+                    <dgm:else name="Name120">
+                      <dgm:constrLst>
+                        <dgm:constr type="l" for="ch" forName="rootText3"/>
+                        <dgm:constr type="t" for="ch" forName="rootText3" refType="h" fact="0.18"/>
+                        <dgm:constr type="w" for="ch" forName="rootText3" refType="w"/>
+                        <dgm:constr type="h" for="ch" forName="rootText3" refType="h" fact="0.64"/>
+                        <dgm:constr type="l" for="ch" forName="topArc3" refType="w" fact="0.25"/>
+                        <dgm:constr type="t" for="ch" forName="topArc3"/>
+                        <dgm:constr type="w" for="ch" forName="topArc3" refType="h" refFor="ch" refForName="topArc3"/>
+                        <dgm:constr type="h" for="ch" forName="topArc3" refType="h"/>
+                        <dgm:constr type="l" for="ch" forName="bottomArc3" refType="w" fact="0.25"/>
+                        <dgm:constr type="t" for="ch" forName="bottomArc3"/>
+                        <dgm:constr type="w" for="ch" forName="bottomArc3" refType="h" refFor="ch" refForName="bottomArc3"/>
+                        <dgm:constr type="h" for="ch" forName="bottomArc3" refType="h"/>
+                        <dgm:constr type="ctrX" for="ch" forName="topConnNode3" refType="w" fact="0.5"/>
+                        <dgm:constr type="t" for="ch" forName="topConnNode3"/>
+                        <dgm:constr type="w" for="ch" forName="topConnNode3" refType="h" fact="0.76"/>
+                        <dgm:constr type="b" for="ch" forName="topConnNode3" refType="t" refFor="ch" refForName="rootText3"/>
+                      </dgm:constrLst>
+                    </dgm:else>
+                  </dgm:choose>
+                  <dgm:layoutNode name="rootText3" styleLbl="alignAcc1">
+                    <dgm:varLst>
+                      <dgm:chPref val="3"/>
+                    </dgm:varLst>
+                    <dgm:alg type="tx"/>
                     <dgm:shape xmlns:r="http://schemas.openxmlformats.org/officeDocument/2006/relationships" type="rect" r:blip="" hideGeom="1">
                       <dgm:adjLst/>
                     </dgm:shape>
-                    <dgm:presOf axis="self"/>
+                    <dgm:presOf axis="self" ptType="node" cnt="1"/>
                     <dgm:constrLst>
-                      <dgm:constr type="userA"/>
-                      <dgm:constr type="w" refType="userA" fact="0.05"/>
-                      <dgm:constr type="h" refType="userA" fact="0.05"/>
-                      <dgm:constr type="lMarg" val="1"/>
-                      <dgm:constr type="rMarg" val="1"/>
-                      <dgm:constr type="tMarg"/>
-                      <dgm:constr type="bMarg"/>
+                      <dgm:constr type="primFontSz" val="65"/>
+                      <dgm:constr type="lMarg" refType="primFontSz" fact="0.05"/>
+                      <dgm:constr type="rMarg" refType="primFontSz" fact="0.05"/>
+                      <dgm:constr type="tMarg" refType="primFontSz" fact="0.05"/>
+                      <dgm:constr type="bMarg" refType="primFontSz" fact="0.05"/>
                     </dgm:constrLst>
                     <dgm:ruleLst>
-                      <dgm:rule type="h" val="NaN" fact="0.25" max="NaN"/>
-                      <dgm:rule type="w" val="NaN" fact="0.8" max="NaN"/>
                       <dgm:rule type="primFontSz" val="5" fact="NaN" max="NaN"/>
                     </dgm:ruleLst>
                   </dgm:layoutNode>
+                  <dgm:layoutNode name="topArc3" styleLbl="parChTrans1D1" moveWith="rootText3">
+                    <dgm:alg type="sp"/>
+                    <dgm:shape xmlns:r="http://schemas.openxmlformats.org/officeDocument/2006/relationships" type="arc" r:blip="" zOrderOff="-2">
+                      <dgm:adjLst>
+                        <dgm:adj idx="1" val="-140"/>
+                        <dgm:adj idx="2" val="-40"/>
+                      </dgm:adjLst>
+                    </dgm:shape>
+                    <dgm:presOf/>
+                  </dgm:layoutNode>
+                  <dgm:layoutNode name="bottomArc3" styleLbl="parChTrans1D1" moveWith="rootText3">
+                    <dgm:alg type="sp"/>
+                    <dgm:shape xmlns:r="http://schemas.openxmlformats.org/officeDocument/2006/relationships" type="arc" r:blip="" zOrderOff="-2">
+                      <dgm:adjLst>
+                        <dgm:adj idx="1" val="40"/>
+                        <dgm:adj idx="2" val="140"/>
+                      </dgm:adjLst>
+                    </dgm:shape>
+                    <dgm:presOf/>
+                  </dgm:layoutNode>
+                  <dgm:layoutNode name="topConnNode3" moveWith="rootText3">
+                    <dgm:alg type="sp"/>
+                    <dgm:shape xmlns:r="http://schemas.openxmlformats.org/officeDocument/2006/relationships" type="rect" r:blip="" hideGeom="1">
+                      <dgm:adjLst/>
+                    </dgm:shape>
+                    <dgm:presOf axis="self" ptType="node" cnt="1"/>
+                  </dgm:layoutNode>
                 </dgm:layoutNode>
-              </dgm:forEach>
-              <dgm:forEach name="Name19" axis="self" ptType="node">
-                <dgm:layoutNode name="root2">
-                  <dgm:choose name="Name20">
-                    <dgm:if name="Name21" func="var" arg="dir" op="equ" val="norm">
-                      <dgm:alg type="hierRoot">
-                        <dgm:param type="hierAlign" val="lCtrCh"/>
+                <dgm:layoutNode name="hierChild6">
+                  <dgm:choose name="Name121">
+                    <dgm:if name="Name122" func="var" arg="hierBranch" op="equ" val="l">
+                      <dgm:alg type="hierChild">
+                        <dgm:param type="chAlign" val="r"/>
+                        <dgm:param type="linDir" val="fromT"/>
                       </dgm:alg>
                     </dgm:if>
-                    <dgm:else name="Name22">
-                      <dgm:alg type="hierRoot">
-                        <dgm:param type="hierAlign" val="rCtrCh"/>
+                    <dgm:if name="Name123" func="var" arg="hierBranch" op="equ" val="r">
+                      <dgm:alg type="hierChild">
+                        <dgm:param type="chAlign" val="l"/>
+                        <dgm:param type="linDir" val="fromT"/>
+                      </dgm:alg>
+                    </dgm:if>
+                    <dgm:if name="Name124" func="var" arg="hierBranch" op="equ" val="hang">
+                      <dgm:choose name="Name125">
+                        <dgm:if name="Name126" func="var" arg="dir" op="equ" val="norm">
+                          <dgm:alg type="hierChild">
+                            <dgm:param type="chAlign" val="l"/>
+                            <dgm:param type="linDir" val="fromL"/>
+                            <dgm:param type="secChAlign" val="t"/>
+                            <dgm:param type="secLinDir" val="fromT"/>
+                          </dgm:alg>
+                        </dgm:if>
+                        <dgm:else name="Name127">
+                          <dgm:alg type="hierChild">
+                            <dgm:param type="chAlign" val="l"/>
+                            <dgm:param type="linDir" val="fromR"/>
+                            <dgm:param type="secChAlign" val="t"/>
+                            <dgm:param type="secLinDir" val="fromT"/>
+                          </dgm:alg>
+                        </dgm:else>
+                      </dgm:choose>
+                    </dgm:if>
+                    <dgm:if name="Name128" func="var" arg="hierBranch" op="equ" val="std">
+                      <dgm:choose name="Name129">
+                        <dgm:if name="Name130" func="var" arg="dir" op="equ" val="norm">
+                          <dgm:alg type="hierChild"/>
+                        </dgm:if>
+                        <dgm:else name="Name131">
+                          <dgm:alg type="hierChild">
+                            <dgm:param type="linDir" val="fromR"/>
+                          </dgm:alg>
+                        </dgm:else>
+                      </dgm:choose>
+                    </dgm:if>
+                    <dgm:if name="Name132" func="var" arg="hierBranch" op="equ" val="init">
+                      <dgm:choose name="Name133">
+                        <dgm:if name="Name134" axis="des" func="maxDepth" op="lte" val="1">
+                          <dgm:alg type="hierChild">
+                            <dgm:param type="chAlign" val="l"/>
+                            <dgm:param type="linDir" val="fromT"/>
+                          </dgm:alg>
+                        </dgm:if>
+                        <dgm:else name="Name135">
+                          <dgm:alg type="hierChild"/>
+                        </dgm:else>
+                      </dgm:choose>
+                    </dgm:if>
+                    <dgm:else name="Name136"/>
+                  </dgm:choose>
+                  <dgm:shape xmlns:r="http://schemas.openxmlformats.org/officeDocument/2006/relationships" r:blip="">
+                    <dgm:adjLst/>
+                  </dgm:shape>
+                  <dgm:presOf/>
+                  <dgm:forEach name="Name137" ref="rep2a"/>
+                </dgm:layoutNode>
+                <dgm:layoutNode name="hierChild7">
+                  <dgm:choose name="Name138">
+                    <dgm:if name="Name139" func="var" arg="dir" op="equ" val="norm">
+                      <dgm:alg type="hierChild">
+                        <dgm:param type="chAlign" val="l"/>
+                        <dgm:param type="linDir" val="fromL"/>
+                        <dgm:param type="secChAlign" val="t"/>
+                        <dgm:param type="secLinDir" val="fromT"/>
+                      </dgm:alg>
+                    </dgm:if>
+                    <dgm:else name="Name140">
+                      <dgm:alg type="hierChild">
+                        <dgm:param type="chAlign" val="l"/>
+                        <dgm:param type="linDir" val="fromR"/>
+                        <dgm:param type="secChAlign" val="t"/>
+                        <dgm:param type="secLinDir" val="fromT"/>
                       </dgm:alg>
                     </dgm:else>
                   </dgm:choose>
@@ -2044,48 +3375,9 @@
                     <dgm:adjLst/>
                   </dgm:shape>
                   <dgm:presOf/>
-                  <dgm:layoutNode name="LevelTwoTextNode">
-                    <dgm:varLst>
-                      <dgm:chPref val="3"/>
-                    </dgm:varLst>
-                    <dgm:alg type="tx"/>
-                    <dgm:shape xmlns:r="http://schemas.openxmlformats.org/officeDocument/2006/relationships" type="rect" r:blip="">
-                      <dgm:adjLst/>
-                    </dgm:shape>
-                    <dgm:presOf axis="self"/>
-                    <dgm:constrLst>
-                      <dgm:constr type="tMarg" refType="primFontSz" fact="0.05"/>
-                      <dgm:constr type="bMarg" refType="primFontSz" fact="0.05"/>
-                      <dgm:constr type="lMarg" refType="primFontSz" fact="0.05"/>
-                      <dgm:constr type="rMarg" refType="primFontSz" fact="0.05"/>
-                    </dgm:constrLst>
-                    <dgm:ruleLst>
-                      <dgm:rule type="primFontSz" val="2" fact="NaN" max="NaN"/>
-                    </dgm:ruleLst>
-                  </dgm:layoutNode>
-                  <dgm:layoutNode name="level3hierChild">
-                    <dgm:choose name="Name23">
-                      <dgm:if name="Name24" func="var" arg="dir" op="equ" val="norm">
-                        <dgm:alg type="hierChild">
-                          <dgm:param type="linDir" val="fromT"/>
-                          <dgm:param type="chAlign" val="l"/>
-                        </dgm:alg>
-                      </dgm:if>
-                      <dgm:else name="Name25">
-                        <dgm:alg type="hierChild">
-                          <dgm:param type="linDir" val="fromT"/>
-                          <dgm:param type="chAlign" val="r"/>
-                        </dgm:alg>
-                      </dgm:else>
-                    </dgm:choose>
-                    <dgm:shape xmlns:r="http://schemas.openxmlformats.org/officeDocument/2006/relationships" r:blip="">
-                      <dgm:adjLst/>
-                    </dgm:shape>
-                    <dgm:presOf/>
-                    <dgm:forEach name="Name26" ref="repeat"/>
-                  </dgm:layoutNode>
+                  <dgm:forEach name="Name141" ref="rep2b"/>
                 </dgm:layoutNode>
-              </dgm:forEach>
+              </dgm:layoutNode>
             </dgm:forEach>
           </dgm:layoutNode>
         </dgm:layoutNode>
@@ -6403,1233 +7695,6 @@
       </p:grpSpPr>
       <p:sp>
         <p:nvSpPr>
-          <p:cNvPr id="4" name="Title 3">
-            <a:extLst>
-              <a:ext uri="{FF2B5EF4-FFF2-40B4-BE49-F238E27FC236}">
-                <a16:creationId xmlns:a16="http://schemas.microsoft.com/office/drawing/2014/main" id="{6706C110-85EE-BC3E-E61F-5D2DB6FD03CD}"/>
-              </a:ext>
-            </a:extLst>
-          </p:cNvPr>
-          <p:cNvSpPr>
-            <a:spLocks noGrp="1"/>
-          </p:cNvSpPr>
-          <p:nvPr>
-            <p:ph type="title"/>
-          </p:nvPr>
-        </p:nvSpPr>
-        <p:spPr/>
-        <p:txBody>
-          <a:bodyPr/>
-          <a:lstStyle/>
-          <a:p>
-            <a:r>
-              <a:rPr lang="en-US" dirty="0"/>
-              <a:t>What does Success Look Like?</a:t>
-            </a:r>
-          </a:p>
-        </p:txBody>
-      </p:sp>
-      <p:sp>
-        <p:nvSpPr>
-          <p:cNvPr id="5" name="Text Placeholder 4">
-            <a:extLst>
-              <a:ext uri="{FF2B5EF4-FFF2-40B4-BE49-F238E27FC236}">
-                <a16:creationId xmlns:a16="http://schemas.microsoft.com/office/drawing/2014/main" id="{352EA2D5-D286-5E7E-AA69-5DD45283A05A}"/>
-              </a:ext>
-            </a:extLst>
-          </p:cNvPr>
-          <p:cNvSpPr>
-            <a:spLocks noGrp="1"/>
-          </p:cNvSpPr>
-          <p:nvPr>
-            <p:ph type="body" idx="1"/>
-          </p:nvPr>
-        </p:nvSpPr>
-        <p:spPr/>
-        <p:txBody>
-          <a:bodyPr/>
-          <a:lstStyle/>
-          <a:p>
-            <a:r>
-              <a:rPr lang="en-US" dirty="0"/>
-              <a:t>Effectiveness of a classification system is measured by using a supervised approach of testing the model with an unseen prelabeled dataset</a:t>
-            </a:r>
-          </a:p>
-        </p:txBody>
-      </p:sp>
-    </p:spTree>
-    <p:extLst>
-      <p:ext uri="{BB962C8B-B14F-4D97-AF65-F5344CB8AC3E}">
-        <p14:creationId xmlns:p14="http://schemas.microsoft.com/office/powerpoint/2010/main" val="4081961582"/>
-      </p:ext>
-    </p:extLst>
-  </p:cSld>
-  <p:clrMapOvr>
-    <a:masterClrMapping/>
-  </p:clrMapOvr>
-</p:sld>
-</file>
-
-<file path=ppt/slides/slide11.xml><?xml version="1.0" encoding="utf-8"?>
-<p:sld xmlns:a="http://schemas.openxmlformats.org/drawingml/2006/main" xmlns:r="http://schemas.openxmlformats.org/officeDocument/2006/relationships" xmlns:p="http://schemas.openxmlformats.org/presentationml/2006/main">
-  <p:cSld>
-    <p:spTree>
-      <p:nvGrpSpPr>
-        <p:cNvPr id="1" name=""/>
-        <p:cNvGrpSpPr/>
-        <p:nvPr/>
-      </p:nvGrpSpPr>
-      <p:grpSpPr>
-        <a:xfrm>
-          <a:off x="0" y="0"/>
-          <a:ext cx="0" cy="0"/>
-          <a:chOff x="0" y="0"/>
-          <a:chExt cx="0" cy="0"/>
-        </a:xfrm>
-      </p:grpSpPr>
-      <p:sp>
-        <p:nvSpPr>
-          <p:cNvPr id="2" name="Title 1">
-            <a:extLst>
-              <a:ext uri="{FF2B5EF4-FFF2-40B4-BE49-F238E27FC236}">
-                <a16:creationId xmlns:a16="http://schemas.microsoft.com/office/drawing/2014/main" id="{3D125364-4385-6331-2E0E-02C1915293E0}"/>
-              </a:ext>
-            </a:extLst>
-          </p:cNvPr>
-          <p:cNvSpPr>
-            <a:spLocks noGrp="1"/>
-          </p:cNvSpPr>
-          <p:nvPr>
-            <p:ph type="title"/>
-          </p:nvPr>
-        </p:nvSpPr>
-        <p:spPr/>
-        <p:txBody>
-          <a:bodyPr/>
-          <a:lstStyle/>
-          <a:p>
-            <a:r>
-              <a:rPr lang="en-US" dirty="0"/>
-              <a:t>Accuracy</a:t>
-            </a:r>
-          </a:p>
-        </p:txBody>
-      </p:sp>
-      <p:sp>
-        <p:nvSpPr>
-          <p:cNvPr id="3" name="Content Placeholder 2">
-            <a:extLst>
-              <a:ext uri="{FF2B5EF4-FFF2-40B4-BE49-F238E27FC236}">
-                <a16:creationId xmlns:a16="http://schemas.microsoft.com/office/drawing/2014/main" id="{D45CFC62-A670-21F7-0A1B-08F4DCC6C8DE}"/>
-              </a:ext>
-            </a:extLst>
-          </p:cNvPr>
-          <p:cNvSpPr>
-            <a:spLocks noGrp="1"/>
-          </p:cNvSpPr>
-          <p:nvPr>
-            <p:ph idx="1"/>
-          </p:nvPr>
-        </p:nvSpPr>
-        <p:spPr>
-          <a:xfrm>
-            <a:off x="838200" y="1690688"/>
-            <a:ext cx="10515600" cy="1294220"/>
-          </a:xfrm>
-        </p:spPr>
-        <p:txBody>
-          <a:bodyPr>
-            <a:normAutofit/>
-          </a:bodyPr>
-          <a:lstStyle/>
-          <a:p>
-            <a:pPr marL="0" indent="0">
-              <a:buNone/>
-            </a:pPr>
-            <a:r>
-              <a:rPr lang="en-US" dirty="0"/>
-              <a:t>Accuracy measures the overall effectiveness of the classification model (classifier). It answers the question, “How many datapoints did the model classify correctly?”</a:t>
-            </a:r>
-          </a:p>
-        </p:txBody>
-      </p:sp>
-      <mc:AlternateContent xmlns:mc="http://schemas.openxmlformats.org/markup-compatibility/2006" xmlns:a14="http://schemas.microsoft.com/office/drawing/2010/main">
-        <mc:Choice Requires="a14">
-          <p:sp>
-            <p:nvSpPr>
-              <p:cNvPr id="5" name="TextBox 4">
-                <a:extLst>
-                  <a:ext uri="{FF2B5EF4-FFF2-40B4-BE49-F238E27FC236}">
-                    <a16:creationId xmlns:a16="http://schemas.microsoft.com/office/drawing/2014/main" id="{3ECB4C24-4F98-E772-A8BC-A22E9F7D878E}"/>
-                  </a:ext>
-                </a:extLst>
-              </p:cNvPr>
-              <p:cNvSpPr txBox="1"/>
-              <p:nvPr/>
-            </p:nvSpPr>
-            <p:spPr>
-              <a:xfrm>
-                <a:off x="4295394" y="3553145"/>
-                <a:ext cx="6094602" cy="664926"/>
-              </a:xfrm>
-              <a:prstGeom prst="rect">
-                <a:avLst/>
-              </a:prstGeom>
-              <a:noFill/>
-            </p:spPr>
-            <p:txBody>
-              <a:bodyPr wrap="square">
-                <a:spAutoFit/>
-              </a:bodyPr>
-              <a:lstStyle/>
-              <a:p>
-                <a:pPr algn="ctr"/>
-                <a14:m>
-                  <m:oMathPara xmlns:m="http://schemas.openxmlformats.org/officeDocument/2006/math">
-                    <m:oMathParaPr>
-                      <m:jc m:val="center"/>
-                    </m:oMathParaPr>
-                    <m:oMath xmlns:m="http://schemas.openxmlformats.org/officeDocument/2006/math">
-                      <m:r>
-                        <a:rPr lang="en-US" sz="1800" b="0" i="1" smtClean="0">
-                          <a:latin typeface="Cambria Math" panose="02040503050406030204" pitchFamily="18" charset="0"/>
-                        </a:rPr>
-                        <m:t>𝐴𝑐𝑐𝑢𝑟𝑎𝑐𝑦</m:t>
-                      </m:r>
-                      <m:r>
-                        <a:rPr lang="en-US" sz="1800" b="0" i="1" smtClean="0">
-                          <a:latin typeface="Cambria Math" panose="02040503050406030204" pitchFamily="18" charset="0"/>
-                        </a:rPr>
-                        <m:t>=</m:t>
-                      </m:r>
-                      <m:f>
-                        <m:fPr>
-                          <m:ctrlPr>
-                            <a:rPr lang="en-US" sz="1800" b="0" i="1" smtClean="0">
-                              <a:latin typeface="Cambria Math" panose="02040503050406030204" pitchFamily="18" charset="0"/>
-                            </a:rPr>
-                          </m:ctrlPr>
-                        </m:fPr>
-                        <m:num>
-                          <m:r>
-                            <a:rPr lang="en-US" sz="1800" i="1">
-                              <a:latin typeface="Cambria Math" panose="02040503050406030204" pitchFamily="18" charset="0"/>
-                            </a:rPr>
-                            <m:t># </m:t>
-                          </m:r>
-                          <m:r>
-                            <a:rPr lang="en-US" sz="1800" b="0" i="1" smtClean="0">
-                              <a:latin typeface="Cambria Math" panose="02040503050406030204" pitchFamily="18" charset="0"/>
-                            </a:rPr>
-                            <m:t>𝑐</m:t>
-                          </m:r>
-                          <m:r>
-                            <a:rPr lang="en-US" sz="1800" i="1">
-                              <a:latin typeface="Cambria Math" panose="02040503050406030204" pitchFamily="18" charset="0"/>
-                            </a:rPr>
-                            <m:t>𝑜𝑟𝑟𝑒𝑐𝑡</m:t>
-                          </m:r>
-                          <m:r>
-                            <a:rPr lang="en-US" sz="1800" b="0" i="1" smtClean="0">
-                              <a:latin typeface="Cambria Math" panose="02040503050406030204" pitchFamily="18" charset="0"/>
-                            </a:rPr>
-                            <m:t> </m:t>
-                          </m:r>
-                          <m:r>
-                            <a:rPr lang="en-US" sz="1800" b="0" i="1" smtClean="0">
-                              <a:latin typeface="Cambria Math" panose="02040503050406030204" pitchFamily="18" charset="0"/>
-                            </a:rPr>
-                            <m:t>𝑝𝑟𝑒𝑑𝑖𝑐𝑡𝑖𝑜𝑛𝑠</m:t>
-                          </m:r>
-                        </m:num>
-                        <m:den>
-                          <m:r>
-                            <a:rPr lang="en-US" sz="1800" b="0" i="1" smtClean="0">
-                              <a:latin typeface="Cambria Math" panose="02040503050406030204" pitchFamily="18" charset="0"/>
-                            </a:rPr>
-                            <m:t># </m:t>
-                          </m:r>
-                          <m:r>
-                            <a:rPr lang="en-US" sz="1800" b="0" i="1" smtClean="0">
-                              <a:latin typeface="Cambria Math" panose="02040503050406030204" pitchFamily="18" charset="0"/>
-                            </a:rPr>
-                            <m:t>𝑑𝑎𝑡𝑎</m:t>
-                          </m:r>
-                          <m:r>
-                            <a:rPr lang="en-US" sz="1800" b="0" i="1" smtClean="0">
-                              <a:latin typeface="Cambria Math" panose="02040503050406030204" pitchFamily="18" charset="0"/>
-                            </a:rPr>
-                            <m:t> </m:t>
-                          </m:r>
-                          <m:r>
-                            <a:rPr lang="en-US" sz="1800" b="0" i="1" smtClean="0">
-                              <a:latin typeface="Cambria Math" panose="02040503050406030204" pitchFamily="18" charset="0"/>
-                            </a:rPr>
-                            <m:t>𝑝𝑜𝑖𝑛𝑡𝑠</m:t>
-                          </m:r>
-                        </m:den>
-                      </m:f>
-                    </m:oMath>
-                  </m:oMathPara>
-                </a14:m>
-                <a:endParaRPr lang="en-US" dirty="0"/>
-              </a:p>
-            </p:txBody>
-          </p:sp>
-        </mc:Choice>
-        <mc:Fallback xmlns="">
-          <p:sp>
-            <p:nvSpPr>
-              <p:cNvPr id="5" name="TextBox 4">
-                <a:extLst>
-                  <a:ext uri="{FF2B5EF4-FFF2-40B4-BE49-F238E27FC236}">
-                    <a16:creationId xmlns:a16="http://schemas.microsoft.com/office/drawing/2014/main" id="{3ECB4C24-4F98-E772-A8BC-A22E9F7D878E}"/>
-                  </a:ext>
-                </a:extLst>
-              </p:cNvPr>
-              <p:cNvSpPr txBox="1">
-                <a:spLocks noRot="1" noChangeAspect="1" noMove="1" noResize="1" noEditPoints="1" noAdjustHandles="1" noChangeArrowheads="1" noChangeShapeType="1" noTextEdit="1"/>
-              </p:cNvSpPr>
-              <p:nvPr/>
-            </p:nvSpPr>
-            <p:spPr>
-              <a:xfrm>
-                <a:off x="4295394" y="3553145"/>
-                <a:ext cx="6094602" cy="664926"/>
-              </a:xfrm>
-              <a:prstGeom prst="rect">
-                <a:avLst/>
-              </a:prstGeom>
-              <a:blipFill>
-                <a:blip r:embed="rId2"/>
-                <a:stretch>
-                  <a:fillRect/>
-                </a:stretch>
-              </a:blipFill>
-            </p:spPr>
-            <p:txBody>
-              <a:bodyPr/>
-              <a:lstStyle/>
-              <a:p>
-                <a:r>
-                  <a:rPr lang="en-US">
-                    <a:noFill/>
-                  </a:rPr>
-                  <a:t> </a:t>
-                </a:r>
-              </a:p>
-            </p:txBody>
-          </p:sp>
-        </mc:Fallback>
-      </mc:AlternateContent>
-      <p:sp>
-        <p:nvSpPr>
-          <p:cNvPr id="6" name="Content Placeholder 2">
-            <a:extLst>
-              <a:ext uri="{FF2B5EF4-FFF2-40B4-BE49-F238E27FC236}">
-                <a16:creationId xmlns:a16="http://schemas.microsoft.com/office/drawing/2014/main" id="{198A6352-4BA7-D626-BEBE-52290CBB7CA7}"/>
-              </a:ext>
-            </a:extLst>
-          </p:cNvPr>
-          <p:cNvSpPr txBox="1">
-            <a:spLocks/>
-          </p:cNvSpPr>
-          <p:nvPr/>
-        </p:nvSpPr>
-        <p:spPr>
-          <a:xfrm>
-            <a:off x="838199" y="6096967"/>
-            <a:ext cx="2691003" cy="431177"/>
-          </a:xfrm>
-          <a:prstGeom prst="rect">
-            <a:avLst/>
-          </a:prstGeom>
-          <a:noFill/>
-          <a:ln>
-            <a:noFill/>
-          </a:ln>
-        </p:spPr>
-        <p:style>
-          <a:lnRef idx="2">
-            <a:schemeClr val="accent5"/>
-          </a:lnRef>
-          <a:fillRef idx="1">
-            <a:schemeClr val="lt1"/>
-          </a:fillRef>
-          <a:effectRef idx="0">
-            <a:schemeClr val="accent5"/>
-          </a:effectRef>
-          <a:fontRef idx="minor">
-            <a:schemeClr val="dk1"/>
-          </a:fontRef>
-        </p:style>
-        <p:txBody>
-          <a:bodyPr vert="horz" lIns="91440" tIns="45720" rIns="91440" bIns="45720" rtlCol="0">
-            <a:normAutofit fontScale="55000" lnSpcReduction="20000"/>
-          </a:bodyPr>
-          <a:lstStyle>
-            <a:lvl1pPr marL="228600" indent="-228600" algn="l" defTabSz="914400" rtl="0" eaLnBrk="1" latinLnBrk="0" hangingPunct="1">
-              <a:lnSpc>
-                <a:spcPct val="90000"/>
-              </a:lnSpc>
-              <a:spcBef>
-                <a:spcPts val="1000"/>
-              </a:spcBef>
-              <a:buFont typeface="Arial" panose="020B0604020202020204" pitchFamily="34" charset="0"/>
-              <a:buChar char="•"/>
-              <a:defRPr sz="2800" kern="1200">
-                <a:solidFill>
-                  <a:schemeClr val="tx1"/>
-                </a:solidFill>
-                <a:latin typeface="+mn-lt"/>
-                <a:ea typeface="+mn-ea"/>
-                <a:cs typeface="+mn-cs"/>
-              </a:defRPr>
-            </a:lvl1pPr>
-            <a:lvl2pPr marL="685800" indent="-228600" algn="l" defTabSz="914400" rtl="0" eaLnBrk="1" latinLnBrk="0" hangingPunct="1">
-              <a:lnSpc>
-                <a:spcPct val="90000"/>
-              </a:lnSpc>
-              <a:spcBef>
-                <a:spcPts val="500"/>
-              </a:spcBef>
-              <a:buFont typeface="Arial" panose="020B0604020202020204" pitchFamily="34" charset="0"/>
-              <a:buChar char="•"/>
-              <a:defRPr sz="2400" kern="1200">
-                <a:solidFill>
-                  <a:schemeClr val="tx1"/>
-                </a:solidFill>
-                <a:latin typeface="+mn-lt"/>
-                <a:ea typeface="+mn-ea"/>
-                <a:cs typeface="+mn-cs"/>
-              </a:defRPr>
-            </a:lvl2pPr>
-            <a:lvl3pPr marL="1143000" indent="-228600" algn="l" defTabSz="914400" rtl="0" eaLnBrk="1" latinLnBrk="0" hangingPunct="1">
-              <a:lnSpc>
-                <a:spcPct val="90000"/>
-              </a:lnSpc>
-              <a:spcBef>
-                <a:spcPts val="500"/>
-              </a:spcBef>
-              <a:buFont typeface="Arial" panose="020B0604020202020204" pitchFamily="34" charset="0"/>
-              <a:buChar char="•"/>
-              <a:defRPr sz="2000" kern="1200">
-                <a:solidFill>
-                  <a:schemeClr val="tx1"/>
-                </a:solidFill>
-                <a:latin typeface="+mn-lt"/>
-                <a:ea typeface="+mn-ea"/>
-                <a:cs typeface="+mn-cs"/>
-              </a:defRPr>
-            </a:lvl3pPr>
-            <a:lvl4pPr marL="1600200" indent="-228600" algn="l" defTabSz="914400" rtl="0" eaLnBrk="1" latinLnBrk="0" hangingPunct="1">
-              <a:lnSpc>
-                <a:spcPct val="90000"/>
-              </a:lnSpc>
-              <a:spcBef>
-                <a:spcPts val="500"/>
-              </a:spcBef>
-              <a:buFont typeface="Arial" panose="020B0604020202020204" pitchFamily="34" charset="0"/>
-              <a:buChar char="•"/>
-              <a:defRPr sz="1800" kern="1200">
-                <a:solidFill>
-                  <a:schemeClr val="tx1"/>
-                </a:solidFill>
-                <a:latin typeface="+mn-lt"/>
-                <a:ea typeface="+mn-ea"/>
-                <a:cs typeface="+mn-cs"/>
-              </a:defRPr>
-            </a:lvl4pPr>
-            <a:lvl5pPr marL="2057400" indent="-228600" algn="l" defTabSz="914400" rtl="0" eaLnBrk="1" latinLnBrk="0" hangingPunct="1">
-              <a:lnSpc>
-                <a:spcPct val="90000"/>
-              </a:lnSpc>
-              <a:spcBef>
-                <a:spcPts val="500"/>
-              </a:spcBef>
-              <a:buFont typeface="Arial" panose="020B0604020202020204" pitchFamily="34" charset="0"/>
-              <a:buChar char="•"/>
-              <a:defRPr sz="1800" kern="1200">
-                <a:solidFill>
-                  <a:schemeClr val="tx1"/>
-                </a:solidFill>
-                <a:latin typeface="+mn-lt"/>
-                <a:ea typeface="+mn-ea"/>
-                <a:cs typeface="+mn-cs"/>
-              </a:defRPr>
-            </a:lvl5pPr>
-            <a:lvl6pPr marL="2514600" indent="-228600" algn="l" defTabSz="914400" rtl="0" eaLnBrk="1" latinLnBrk="0" hangingPunct="1">
-              <a:lnSpc>
-                <a:spcPct val="90000"/>
-              </a:lnSpc>
-              <a:spcBef>
-                <a:spcPts val="500"/>
-              </a:spcBef>
-              <a:buFont typeface="Arial" panose="020B0604020202020204" pitchFamily="34" charset="0"/>
-              <a:buChar char="•"/>
-              <a:defRPr sz="1800" kern="1200">
-                <a:solidFill>
-                  <a:schemeClr val="tx1"/>
-                </a:solidFill>
-                <a:latin typeface="+mn-lt"/>
-                <a:ea typeface="+mn-ea"/>
-                <a:cs typeface="+mn-cs"/>
-              </a:defRPr>
-            </a:lvl6pPr>
-            <a:lvl7pPr marL="2971800" indent="-228600" algn="l" defTabSz="914400" rtl="0" eaLnBrk="1" latinLnBrk="0" hangingPunct="1">
-              <a:lnSpc>
-                <a:spcPct val="90000"/>
-              </a:lnSpc>
-              <a:spcBef>
-                <a:spcPts val="500"/>
-              </a:spcBef>
-              <a:buFont typeface="Arial" panose="020B0604020202020204" pitchFamily="34" charset="0"/>
-              <a:buChar char="•"/>
-              <a:defRPr sz="1800" kern="1200">
-                <a:solidFill>
-                  <a:schemeClr val="tx1"/>
-                </a:solidFill>
-                <a:latin typeface="+mn-lt"/>
-                <a:ea typeface="+mn-ea"/>
-                <a:cs typeface="+mn-cs"/>
-              </a:defRPr>
-            </a:lvl7pPr>
-            <a:lvl8pPr marL="3429000" indent="-228600" algn="l" defTabSz="914400" rtl="0" eaLnBrk="1" latinLnBrk="0" hangingPunct="1">
-              <a:lnSpc>
-                <a:spcPct val="90000"/>
-              </a:lnSpc>
-              <a:spcBef>
-                <a:spcPts val="500"/>
-              </a:spcBef>
-              <a:buFont typeface="Arial" panose="020B0604020202020204" pitchFamily="34" charset="0"/>
-              <a:buChar char="•"/>
-              <a:defRPr sz="1800" kern="1200">
-                <a:solidFill>
-                  <a:schemeClr val="tx1"/>
-                </a:solidFill>
-                <a:latin typeface="+mn-lt"/>
-                <a:ea typeface="+mn-ea"/>
-                <a:cs typeface="+mn-cs"/>
-              </a:defRPr>
-            </a:lvl8pPr>
-            <a:lvl9pPr marL="3886200" indent="-228600" algn="l" defTabSz="914400" rtl="0" eaLnBrk="1" latinLnBrk="0" hangingPunct="1">
-              <a:lnSpc>
-                <a:spcPct val="90000"/>
-              </a:lnSpc>
-              <a:spcBef>
-                <a:spcPts val="500"/>
-              </a:spcBef>
-              <a:buFont typeface="Arial" panose="020B0604020202020204" pitchFamily="34" charset="0"/>
-              <a:buChar char="•"/>
-              <a:defRPr sz="1800" kern="1200">
-                <a:solidFill>
-                  <a:schemeClr val="tx1"/>
-                </a:solidFill>
-                <a:latin typeface="+mn-lt"/>
-                <a:ea typeface="+mn-ea"/>
-                <a:cs typeface="+mn-cs"/>
-              </a:defRPr>
-            </a:lvl9pPr>
-          </a:lstStyle>
-          <a:p>
-            <a:pPr marL="0" indent="0">
-              <a:buNone/>
-            </a:pPr>
-            <a:r>
-              <a:rPr lang="en-US" dirty="0"/>
-              <a:t>Balanced Data: Nearly equal quantity of dogs, cats, and birds</a:t>
-            </a:r>
-          </a:p>
-        </p:txBody>
-      </p:sp>
-      <p:graphicFrame>
-        <p:nvGraphicFramePr>
-          <p:cNvPr id="10" name="Table 10">
-            <a:extLst>
-              <a:ext uri="{FF2B5EF4-FFF2-40B4-BE49-F238E27FC236}">
-                <a16:creationId xmlns:a16="http://schemas.microsoft.com/office/drawing/2014/main" id="{75FF2FEA-5868-25FA-4A2F-CE9DAD0BFEFA}"/>
-              </a:ext>
-            </a:extLst>
-          </p:cNvPr>
-          <p:cNvGraphicFramePr>
-            <a:graphicFrameLocks noGrp="1"/>
-          </p:cNvGraphicFramePr>
-          <p:nvPr>
-            <p:extLst>
-              <p:ext uri="{D42A27DB-BD31-4B8C-83A1-F6EECF244321}">
-                <p14:modId xmlns:p14="http://schemas.microsoft.com/office/powerpoint/2010/main" val="3062787460"/>
-              </p:ext>
-            </p:extLst>
-          </p:nvPr>
-        </p:nvGraphicFramePr>
-        <p:xfrm>
-          <a:off x="838198" y="3921583"/>
-          <a:ext cx="2691004" cy="2124504"/>
-        </p:xfrm>
-        <a:graphic>
-          <a:graphicData uri="http://schemas.openxmlformats.org/drawingml/2006/table">
-            <a:tbl>
-              <a:tblPr firstRow="1" bandRow="1">
-                <a:tableStyleId>{5C22544A-7EE6-4342-B048-85BDC9FD1C3A}</a:tableStyleId>
-              </a:tblPr>
-              <a:tblGrid>
-                <a:gridCol w="672751">
-                  <a:extLst>
-                    <a:ext uri="{9D8B030D-6E8A-4147-A177-3AD203B41FA5}">
-                      <a16:colId xmlns:a16="http://schemas.microsoft.com/office/drawing/2014/main" val="3779047369"/>
-                    </a:ext>
-                  </a:extLst>
-                </a:gridCol>
-                <a:gridCol w="672751">
-                  <a:extLst>
-                    <a:ext uri="{9D8B030D-6E8A-4147-A177-3AD203B41FA5}">
-                      <a16:colId xmlns:a16="http://schemas.microsoft.com/office/drawing/2014/main" val="2587912599"/>
-                    </a:ext>
-                  </a:extLst>
-                </a:gridCol>
-                <a:gridCol w="672751">
-                  <a:extLst>
-                    <a:ext uri="{9D8B030D-6E8A-4147-A177-3AD203B41FA5}">
-                      <a16:colId xmlns:a16="http://schemas.microsoft.com/office/drawing/2014/main" val="617498338"/>
-                    </a:ext>
-                  </a:extLst>
-                </a:gridCol>
-                <a:gridCol w="672751">
-                  <a:extLst>
-                    <a:ext uri="{9D8B030D-6E8A-4147-A177-3AD203B41FA5}">
-                      <a16:colId xmlns:a16="http://schemas.microsoft.com/office/drawing/2014/main" val="1361611942"/>
-                    </a:ext>
-                  </a:extLst>
-                </a:gridCol>
-              </a:tblGrid>
-              <a:tr h="517477">
-                <a:tc>
-                  <a:txBody>
-                    <a:bodyPr/>
-                    <a:lstStyle/>
-                    <a:p>
-                      <a:pPr algn="ctr"/>
-                      <a:endParaRPr lang="en-US" sz="1500" b="1" dirty="0">
-                        <a:solidFill>
-                          <a:schemeClr val="bg1"/>
-                        </a:solidFill>
-                      </a:endParaRPr>
-                    </a:p>
-                  </a:txBody>
-                  <a:tcPr marL="73925" marR="73925" marT="36963" marB="36963">
-                    <a:solidFill>
-                      <a:srgbClr val="4472C4"/>
-                    </a:solidFill>
-                  </a:tcPr>
-                </a:tc>
-                <a:tc>
-                  <a:txBody>
-                    <a:bodyPr/>
-                    <a:lstStyle/>
-                    <a:p>
-                      <a:pPr algn="ctr"/>
-                      <a:r>
-                        <a:rPr lang="en-US" sz="1500" dirty="0"/>
-                        <a:t>Model Cat</a:t>
-                      </a:r>
-                    </a:p>
-                  </a:txBody>
-                  <a:tcPr marL="73925" marR="73925" marT="36963" marB="36963"/>
-                </a:tc>
-                <a:tc>
-                  <a:txBody>
-                    <a:bodyPr/>
-                    <a:lstStyle/>
-                    <a:p>
-                      <a:pPr algn="ctr"/>
-                      <a:r>
-                        <a:rPr lang="en-US" sz="1500" dirty="0"/>
-                        <a:t>Model Dog</a:t>
-                      </a:r>
-                    </a:p>
-                  </a:txBody>
-                  <a:tcPr marL="73925" marR="73925" marT="36963" marB="36963"/>
-                </a:tc>
-                <a:tc>
-                  <a:txBody>
-                    <a:bodyPr/>
-                    <a:lstStyle/>
-                    <a:p>
-                      <a:pPr algn="ctr"/>
-                      <a:r>
-                        <a:rPr lang="en-US" sz="1500" dirty="0"/>
-                        <a:t>Model Bird</a:t>
-                      </a:r>
-                    </a:p>
-                  </a:txBody>
-                  <a:tcPr marL="73925" marR="73925" marT="36963" marB="36963"/>
-                </a:tc>
-                <a:extLst>
-                  <a:ext uri="{0D108BD9-81ED-4DB2-BD59-A6C34878D82A}">
-                    <a16:rowId xmlns:a16="http://schemas.microsoft.com/office/drawing/2014/main" val="2688480762"/>
-                  </a:ext>
-                </a:extLst>
-              </a:tr>
-              <a:tr h="517477">
-                <a:tc>
-                  <a:txBody>
-                    <a:bodyPr/>
-                    <a:lstStyle/>
-                    <a:p>
-                      <a:pPr algn="ctr"/>
-                      <a:r>
-                        <a:rPr lang="en-US" sz="1500" b="1" dirty="0">
-                          <a:solidFill>
-                            <a:schemeClr val="bg1"/>
-                          </a:solidFill>
-                        </a:rPr>
-                        <a:t>Data Cat</a:t>
-                      </a:r>
-                    </a:p>
-                  </a:txBody>
-                  <a:tcPr marL="73925" marR="73925" marT="36963" marB="36963">
-                    <a:solidFill>
-                      <a:srgbClr val="4472C4"/>
-                    </a:solidFill>
-                  </a:tcPr>
-                </a:tc>
-                <a:tc>
-                  <a:txBody>
-                    <a:bodyPr/>
-                    <a:lstStyle/>
-                    <a:p>
-                      <a:r>
-                        <a:rPr lang="en-US" sz="1500" dirty="0"/>
-                        <a:t>76</a:t>
-                      </a:r>
-                    </a:p>
-                  </a:txBody>
-                  <a:tcPr marL="73925" marR="73925" marT="36963" marB="36963"/>
-                </a:tc>
-                <a:tc>
-                  <a:txBody>
-                    <a:bodyPr/>
-                    <a:lstStyle/>
-                    <a:p>
-                      <a:r>
-                        <a:rPr lang="en-US" sz="1500" dirty="0"/>
-                        <a:t>10</a:t>
-                      </a:r>
-                    </a:p>
-                  </a:txBody>
-                  <a:tcPr marL="73925" marR="73925" marT="36963" marB="36963"/>
-                </a:tc>
-                <a:tc>
-                  <a:txBody>
-                    <a:bodyPr/>
-                    <a:lstStyle/>
-                    <a:p>
-                      <a:r>
-                        <a:rPr lang="en-US" sz="1500" dirty="0"/>
-                        <a:t>12</a:t>
-                      </a:r>
-                    </a:p>
-                  </a:txBody>
-                  <a:tcPr marL="73925" marR="73925" marT="36963" marB="36963"/>
-                </a:tc>
-                <a:extLst>
-                  <a:ext uri="{0D108BD9-81ED-4DB2-BD59-A6C34878D82A}">
-                    <a16:rowId xmlns:a16="http://schemas.microsoft.com/office/drawing/2014/main" val="1617891110"/>
-                  </a:ext>
-                </a:extLst>
-              </a:tr>
-              <a:tr h="517477">
-                <a:tc>
-                  <a:txBody>
-                    <a:bodyPr/>
-                    <a:lstStyle/>
-                    <a:p>
-                      <a:pPr algn="ctr"/>
-                      <a:r>
-                        <a:rPr lang="en-US" sz="1500" b="1" dirty="0">
-                          <a:solidFill>
-                            <a:schemeClr val="bg1"/>
-                          </a:solidFill>
-                        </a:rPr>
-                        <a:t>Data Dog</a:t>
-                      </a:r>
-                    </a:p>
-                  </a:txBody>
-                  <a:tcPr marL="73925" marR="73925" marT="36963" marB="36963">
-                    <a:solidFill>
-                      <a:srgbClr val="4472C4"/>
-                    </a:solidFill>
-                  </a:tcPr>
-                </a:tc>
-                <a:tc>
-                  <a:txBody>
-                    <a:bodyPr/>
-                    <a:lstStyle/>
-                    <a:p>
-                      <a:r>
-                        <a:rPr lang="en-US" sz="1500" dirty="0"/>
-                        <a:t>27</a:t>
-                      </a:r>
-                    </a:p>
-                  </a:txBody>
-                  <a:tcPr marL="73925" marR="73925" marT="36963" marB="36963"/>
-                </a:tc>
-                <a:tc>
-                  <a:txBody>
-                    <a:bodyPr/>
-                    <a:lstStyle/>
-                    <a:p>
-                      <a:r>
-                        <a:rPr lang="en-US" sz="1500" dirty="0"/>
-                        <a:t>69</a:t>
-                      </a:r>
-                    </a:p>
-                  </a:txBody>
-                  <a:tcPr marL="73925" marR="73925" marT="36963" marB="36963"/>
-                </a:tc>
-                <a:tc>
-                  <a:txBody>
-                    <a:bodyPr/>
-                    <a:lstStyle/>
-                    <a:p>
-                      <a:r>
-                        <a:rPr lang="en-US" sz="1500" dirty="0"/>
-                        <a:t>11</a:t>
-                      </a:r>
-                    </a:p>
-                  </a:txBody>
-                  <a:tcPr marL="73925" marR="73925" marT="36963" marB="36963"/>
-                </a:tc>
-                <a:extLst>
-                  <a:ext uri="{0D108BD9-81ED-4DB2-BD59-A6C34878D82A}">
-                    <a16:rowId xmlns:a16="http://schemas.microsoft.com/office/drawing/2014/main" val="842711822"/>
-                  </a:ext>
-                </a:extLst>
-              </a:tr>
-              <a:tr h="517477">
-                <a:tc>
-                  <a:txBody>
-                    <a:bodyPr/>
-                    <a:lstStyle/>
-                    <a:p>
-                      <a:pPr algn="ctr"/>
-                      <a:r>
-                        <a:rPr lang="en-US" sz="1500" b="1" dirty="0">
-                          <a:solidFill>
-                            <a:schemeClr val="bg1"/>
-                          </a:solidFill>
-                        </a:rPr>
-                        <a:t>Data Bird</a:t>
-                      </a:r>
-                    </a:p>
-                  </a:txBody>
-                  <a:tcPr marL="73925" marR="73925" marT="36963" marB="36963">
-                    <a:solidFill>
-                      <a:srgbClr val="4472C4"/>
-                    </a:solidFill>
-                  </a:tcPr>
-                </a:tc>
-                <a:tc>
-                  <a:txBody>
-                    <a:bodyPr/>
-                    <a:lstStyle/>
-                    <a:p>
-                      <a:r>
-                        <a:rPr lang="en-US" sz="1500" dirty="0"/>
-                        <a:t>6</a:t>
-                      </a:r>
-                    </a:p>
-                  </a:txBody>
-                  <a:tcPr marL="73925" marR="73925" marT="36963" marB="36963"/>
-                </a:tc>
-                <a:tc>
-                  <a:txBody>
-                    <a:bodyPr/>
-                    <a:lstStyle/>
-                    <a:p>
-                      <a:r>
-                        <a:rPr lang="en-US" sz="1500" dirty="0"/>
-                        <a:t>3</a:t>
-                      </a:r>
-                    </a:p>
-                  </a:txBody>
-                  <a:tcPr marL="73925" marR="73925" marT="36963" marB="36963"/>
-                </a:tc>
-                <a:tc>
-                  <a:txBody>
-                    <a:bodyPr/>
-                    <a:lstStyle/>
-                    <a:p>
-                      <a:r>
-                        <a:rPr lang="en-US" sz="1500" dirty="0"/>
-                        <a:t>81</a:t>
-                      </a:r>
-                    </a:p>
-                  </a:txBody>
-                  <a:tcPr marL="73925" marR="73925" marT="36963" marB="36963"/>
-                </a:tc>
-                <a:extLst>
-                  <a:ext uri="{0D108BD9-81ED-4DB2-BD59-A6C34878D82A}">
-                    <a16:rowId xmlns:a16="http://schemas.microsoft.com/office/drawing/2014/main" val="1343416302"/>
-                  </a:ext>
-                </a:extLst>
-              </a:tr>
-            </a:tbl>
-          </a:graphicData>
-        </a:graphic>
-      </p:graphicFrame>
-      <mc:AlternateContent xmlns:mc="http://schemas.openxmlformats.org/markup-compatibility/2006" xmlns:a14="http://schemas.microsoft.com/office/drawing/2010/main">
-        <mc:Choice Requires="a14">
-          <p:sp>
-            <p:nvSpPr>
-              <p:cNvPr id="11" name="Content Placeholder 2">
-                <a:extLst>
-                  <a:ext uri="{FF2B5EF4-FFF2-40B4-BE49-F238E27FC236}">
-                    <a16:creationId xmlns:a16="http://schemas.microsoft.com/office/drawing/2014/main" id="{3B539280-2463-FE2C-647E-A409CBB087BB}"/>
-                  </a:ext>
-                </a:extLst>
-              </p:cNvPr>
-              <p:cNvSpPr txBox="1">
-                <a:spLocks/>
-              </p:cNvSpPr>
-              <p:nvPr/>
-            </p:nvSpPr>
-            <p:spPr>
-              <a:xfrm>
-                <a:off x="3947484" y="4651372"/>
-                <a:ext cx="6790423" cy="664926"/>
-              </a:xfrm>
-              <a:prstGeom prst="rect">
-                <a:avLst/>
-              </a:prstGeom>
-              <a:noFill/>
-              <a:ln>
-                <a:noFill/>
-              </a:ln>
-            </p:spPr>
-            <p:style>
-              <a:lnRef idx="2">
-                <a:schemeClr val="accent5"/>
-              </a:lnRef>
-              <a:fillRef idx="1">
-                <a:schemeClr val="lt1"/>
-              </a:fillRef>
-              <a:effectRef idx="0">
-                <a:schemeClr val="accent5"/>
-              </a:effectRef>
-              <a:fontRef idx="minor">
-                <a:schemeClr val="dk1"/>
-              </a:fontRef>
-            </p:style>
-            <p:txBody>
-              <a:bodyPr vert="horz" lIns="91440" tIns="45720" rIns="91440" bIns="45720" rtlCol="0">
-                <a:noAutofit/>
-              </a:bodyPr>
-              <a:lstStyle>
-                <a:lvl1pPr marL="228600" indent="-228600" algn="l" defTabSz="914400" rtl="0" eaLnBrk="1" latinLnBrk="0" hangingPunct="1">
-                  <a:lnSpc>
-                    <a:spcPct val="90000"/>
-                  </a:lnSpc>
-                  <a:spcBef>
-                    <a:spcPts val="1000"/>
-                  </a:spcBef>
-                  <a:buFont typeface="Arial" panose="020B0604020202020204" pitchFamily="34" charset="0"/>
-                  <a:buChar char="•"/>
-                  <a:defRPr sz="2800" kern="1200">
-                    <a:solidFill>
-                      <a:schemeClr val="tx1"/>
-                    </a:solidFill>
-                    <a:latin typeface="+mn-lt"/>
-                    <a:ea typeface="+mn-ea"/>
-                    <a:cs typeface="+mn-cs"/>
-                  </a:defRPr>
-                </a:lvl1pPr>
-                <a:lvl2pPr marL="685800" indent="-228600" algn="l" defTabSz="914400" rtl="0" eaLnBrk="1" latinLnBrk="0" hangingPunct="1">
-                  <a:lnSpc>
-                    <a:spcPct val="90000"/>
-                  </a:lnSpc>
-                  <a:spcBef>
-                    <a:spcPts val="500"/>
-                  </a:spcBef>
-                  <a:buFont typeface="Arial" panose="020B0604020202020204" pitchFamily="34" charset="0"/>
-                  <a:buChar char="•"/>
-                  <a:defRPr sz="2400" kern="1200">
-                    <a:solidFill>
-                      <a:schemeClr val="tx1"/>
-                    </a:solidFill>
-                    <a:latin typeface="+mn-lt"/>
-                    <a:ea typeface="+mn-ea"/>
-                    <a:cs typeface="+mn-cs"/>
-                  </a:defRPr>
-                </a:lvl2pPr>
-                <a:lvl3pPr marL="1143000" indent="-228600" algn="l" defTabSz="914400" rtl="0" eaLnBrk="1" latinLnBrk="0" hangingPunct="1">
-                  <a:lnSpc>
-                    <a:spcPct val="90000"/>
-                  </a:lnSpc>
-                  <a:spcBef>
-                    <a:spcPts val="500"/>
-                  </a:spcBef>
-                  <a:buFont typeface="Arial" panose="020B0604020202020204" pitchFamily="34" charset="0"/>
-                  <a:buChar char="•"/>
-                  <a:defRPr sz="2000" kern="1200">
-                    <a:solidFill>
-                      <a:schemeClr val="tx1"/>
-                    </a:solidFill>
-                    <a:latin typeface="+mn-lt"/>
-                    <a:ea typeface="+mn-ea"/>
-                    <a:cs typeface="+mn-cs"/>
-                  </a:defRPr>
-                </a:lvl3pPr>
-                <a:lvl4pPr marL="1600200" indent="-228600" algn="l" defTabSz="914400" rtl="0" eaLnBrk="1" latinLnBrk="0" hangingPunct="1">
-                  <a:lnSpc>
-                    <a:spcPct val="90000"/>
-                  </a:lnSpc>
-                  <a:spcBef>
-                    <a:spcPts val="500"/>
-                  </a:spcBef>
-                  <a:buFont typeface="Arial" panose="020B0604020202020204" pitchFamily="34" charset="0"/>
-                  <a:buChar char="•"/>
-                  <a:defRPr sz="1800" kern="1200">
-                    <a:solidFill>
-                      <a:schemeClr val="tx1"/>
-                    </a:solidFill>
-                    <a:latin typeface="+mn-lt"/>
-                    <a:ea typeface="+mn-ea"/>
-                    <a:cs typeface="+mn-cs"/>
-                  </a:defRPr>
-                </a:lvl4pPr>
-                <a:lvl5pPr marL="2057400" indent="-228600" algn="l" defTabSz="914400" rtl="0" eaLnBrk="1" latinLnBrk="0" hangingPunct="1">
-                  <a:lnSpc>
-                    <a:spcPct val="90000"/>
-                  </a:lnSpc>
-                  <a:spcBef>
-                    <a:spcPts val="500"/>
-                  </a:spcBef>
-                  <a:buFont typeface="Arial" panose="020B0604020202020204" pitchFamily="34" charset="0"/>
-                  <a:buChar char="•"/>
-                  <a:defRPr sz="1800" kern="1200">
-                    <a:solidFill>
-                      <a:schemeClr val="tx1"/>
-                    </a:solidFill>
-                    <a:latin typeface="+mn-lt"/>
-                    <a:ea typeface="+mn-ea"/>
-                    <a:cs typeface="+mn-cs"/>
-                  </a:defRPr>
-                </a:lvl5pPr>
-                <a:lvl6pPr marL="2514600" indent="-228600" algn="l" defTabSz="914400" rtl="0" eaLnBrk="1" latinLnBrk="0" hangingPunct="1">
-                  <a:lnSpc>
-                    <a:spcPct val="90000"/>
-                  </a:lnSpc>
-                  <a:spcBef>
-                    <a:spcPts val="500"/>
-                  </a:spcBef>
-                  <a:buFont typeface="Arial" panose="020B0604020202020204" pitchFamily="34" charset="0"/>
-                  <a:buChar char="•"/>
-                  <a:defRPr sz="1800" kern="1200">
-                    <a:solidFill>
-                      <a:schemeClr val="tx1"/>
-                    </a:solidFill>
-                    <a:latin typeface="+mn-lt"/>
-                    <a:ea typeface="+mn-ea"/>
-                    <a:cs typeface="+mn-cs"/>
-                  </a:defRPr>
-                </a:lvl6pPr>
-                <a:lvl7pPr marL="2971800" indent="-228600" algn="l" defTabSz="914400" rtl="0" eaLnBrk="1" latinLnBrk="0" hangingPunct="1">
-                  <a:lnSpc>
-                    <a:spcPct val="90000"/>
-                  </a:lnSpc>
-                  <a:spcBef>
-                    <a:spcPts val="500"/>
-                  </a:spcBef>
-                  <a:buFont typeface="Arial" panose="020B0604020202020204" pitchFamily="34" charset="0"/>
-                  <a:buChar char="•"/>
-                  <a:defRPr sz="1800" kern="1200">
-                    <a:solidFill>
-                      <a:schemeClr val="tx1"/>
-                    </a:solidFill>
-                    <a:latin typeface="+mn-lt"/>
-                    <a:ea typeface="+mn-ea"/>
-                    <a:cs typeface="+mn-cs"/>
-                  </a:defRPr>
-                </a:lvl7pPr>
-                <a:lvl8pPr marL="3429000" indent="-228600" algn="l" defTabSz="914400" rtl="0" eaLnBrk="1" latinLnBrk="0" hangingPunct="1">
-                  <a:lnSpc>
-                    <a:spcPct val="90000"/>
-                  </a:lnSpc>
-                  <a:spcBef>
-                    <a:spcPts val="500"/>
-                  </a:spcBef>
-                  <a:buFont typeface="Arial" panose="020B0604020202020204" pitchFamily="34" charset="0"/>
-                  <a:buChar char="•"/>
-                  <a:defRPr sz="1800" kern="1200">
-                    <a:solidFill>
-                      <a:schemeClr val="tx1"/>
-                    </a:solidFill>
-                    <a:latin typeface="+mn-lt"/>
-                    <a:ea typeface="+mn-ea"/>
-                    <a:cs typeface="+mn-cs"/>
-                  </a:defRPr>
-                </a:lvl8pPr>
-                <a:lvl9pPr marL="3886200" indent="-228600" algn="l" defTabSz="914400" rtl="0" eaLnBrk="1" latinLnBrk="0" hangingPunct="1">
-                  <a:lnSpc>
-                    <a:spcPct val="90000"/>
-                  </a:lnSpc>
-                  <a:spcBef>
-                    <a:spcPts val="500"/>
-                  </a:spcBef>
-                  <a:buFont typeface="Arial" panose="020B0604020202020204" pitchFamily="34" charset="0"/>
-                  <a:buChar char="•"/>
-                  <a:defRPr sz="1800" kern="1200">
-                    <a:solidFill>
-                      <a:schemeClr val="tx1"/>
-                    </a:solidFill>
-                    <a:latin typeface="+mn-lt"/>
-                    <a:ea typeface="+mn-ea"/>
-                    <a:cs typeface="+mn-cs"/>
-                  </a:defRPr>
-                </a:lvl9pPr>
-              </a:lstStyle>
-              <a:p>
-                <a:pPr marL="0" indent="0">
-                  <a:buNone/>
-                </a:pPr>
-                <a14:m>
-                  <m:oMathPara xmlns:m="http://schemas.openxmlformats.org/officeDocument/2006/math">
-                    <m:oMathParaPr>
-                      <m:jc m:val="centerGroup"/>
-                    </m:oMathParaPr>
-                    <m:oMath xmlns:m="http://schemas.openxmlformats.org/officeDocument/2006/math">
-                      <m:r>
-                        <a:rPr lang="en-US" sz="1800" i="1" dirty="0" smtClean="0">
-                          <a:latin typeface="Cambria Math" panose="02040503050406030204" pitchFamily="18" charset="0"/>
-                        </a:rPr>
-                        <m:t>𝐴𝑐𝑐𝑢𝑟𝑎𝑐𝑦</m:t>
-                      </m:r>
-                      <m:r>
-                        <a:rPr lang="en-US" sz="1800" i="1" dirty="0" smtClean="0">
-                          <a:latin typeface="Cambria Math" panose="02040503050406030204" pitchFamily="18" charset="0"/>
-                        </a:rPr>
-                        <m:t> =</m:t>
-                      </m:r>
-                      <m:f>
-                        <m:fPr>
-                          <m:ctrlPr>
-                            <a:rPr lang="en-US" sz="1800" b="0" i="1" dirty="0" smtClean="0">
-                              <a:latin typeface="Cambria Math" panose="02040503050406030204" pitchFamily="18" charset="0"/>
-                            </a:rPr>
-                          </m:ctrlPr>
-                        </m:fPr>
-                        <m:num>
-                          <m:r>
-                            <a:rPr lang="en-US" sz="1800" i="1" dirty="0" smtClean="0">
-                              <a:latin typeface="Cambria Math" panose="02040503050406030204" pitchFamily="18" charset="0"/>
-                            </a:rPr>
-                            <m:t>76+69+81</m:t>
-                          </m:r>
-                        </m:num>
-                        <m:den>
-                          <m:r>
-                            <a:rPr lang="en-US" sz="1800" b="0" i="1" dirty="0" smtClean="0">
-                              <a:latin typeface="Cambria Math" panose="02040503050406030204" pitchFamily="18" charset="0"/>
-                            </a:rPr>
-                            <m:t>76+69+81+10+12+11+27+3+6</m:t>
-                          </m:r>
-                        </m:den>
-                      </m:f>
-                      <m:r>
-                        <a:rPr lang="en-US" sz="1800" b="0" i="1" dirty="0" smtClean="0">
-                          <a:latin typeface="Cambria Math" panose="02040503050406030204" pitchFamily="18" charset="0"/>
-                        </a:rPr>
-                        <m:t>=76.66%</m:t>
-                      </m:r>
-                    </m:oMath>
-                  </m:oMathPara>
-                </a14:m>
-                <a:endParaRPr lang="en-US" sz="1800" dirty="0"/>
-              </a:p>
-            </p:txBody>
-          </p:sp>
-        </mc:Choice>
-        <mc:Fallback xmlns="">
-          <p:sp>
-            <p:nvSpPr>
-              <p:cNvPr id="11" name="Content Placeholder 2">
-                <a:extLst>
-                  <a:ext uri="{FF2B5EF4-FFF2-40B4-BE49-F238E27FC236}">
-                    <a16:creationId xmlns:a16="http://schemas.microsoft.com/office/drawing/2014/main" id="{3B539280-2463-FE2C-647E-A409CBB087BB}"/>
-                  </a:ext>
-                </a:extLst>
-              </p:cNvPr>
-              <p:cNvSpPr txBox="1">
-                <a:spLocks noRot="1" noChangeAspect="1" noMove="1" noResize="1" noEditPoints="1" noAdjustHandles="1" noChangeArrowheads="1" noChangeShapeType="1" noTextEdit="1"/>
-              </p:cNvSpPr>
-              <p:nvPr/>
-            </p:nvSpPr>
-            <p:spPr>
-              <a:xfrm>
-                <a:off x="3947484" y="4651372"/>
-                <a:ext cx="6790423" cy="664926"/>
-              </a:xfrm>
-              <a:prstGeom prst="rect">
-                <a:avLst/>
-              </a:prstGeom>
-              <a:blipFill>
-                <a:blip r:embed="rId3"/>
-                <a:stretch>
-                  <a:fillRect/>
-                </a:stretch>
-              </a:blipFill>
-              <a:ln>
-                <a:noFill/>
-              </a:ln>
-            </p:spPr>
-            <p:txBody>
-              <a:bodyPr/>
-              <a:lstStyle/>
-              <a:p>
-                <a:r>
-                  <a:rPr lang="en-US">
-                    <a:noFill/>
-                  </a:rPr>
-                  <a:t> </a:t>
-                </a:r>
-              </a:p>
-            </p:txBody>
-          </p:sp>
-        </mc:Fallback>
-      </mc:AlternateContent>
-    </p:spTree>
-    <p:extLst>
-      <p:ext uri="{BB962C8B-B14F-4D97-AF65-F5344CB8AC3E}">
-        <p14:creationId xmlns:p14="http://schemas.microsoft.com/office/powerpoint/2010/main" val="2081715045"/>
-      </p:ext>
-    </p:extLst>
-  </p:cSld>
-  <p:clrMapOvr>
-    <a:masterClrMapping/>
-  </p:clrMapOvr>
-</p:sld>
-</file>
-
-<file path=ppt/slides/slide12.xml><?xml version="1.0" encoding="utf-8"?>
-<p:sld xmlns:a="http://schemas.openxmlformats.org/drawingml/2006/main" xmlns:r="http://schemas.openxmlformats.org/officeDocument/2006/relationships" xmlns:p="http://schemas.openxmlformats.org/presentationml/2006/main">
-  <p:cSld>
-    <p:spTree>
-      <p:nvGrpSpPr>
-        <p:cNvPr id="1" name=""/>
-        <p:cNvGrpSpPr/>
-        <p:nvPr/>
-      </p:nvGrpSpPr>
-      <p:grpSpPr>
-        <a:xfrm>
-          <a:off x="0" y="0"/>
-          <a:ext cx="0" cy="0"/>
-          <a:chOff x="0" y="0"/>
-          <a:chExt cx="0" cy="0"/>
-        </a:xfrm>
-      </p:grpSpPr>
-      <p:sp>
-        <p:nvSpPr>
           <p:cNvPr id="2" name="Title 1">
             <a:extLst>
               <a:ext uri="{FF2B5EF4-FFF2-40B4-BE49-F238E27FC236}">
@@ -9137,7 +9202,7 @@
 </p:sld>
 </file>
 
-<file path=ppt/slides/slide13.xml><?xml version="1.0" encoding="utf-8"?>
+<file path=ppt/slides/slide11.xml><?xml version="1.0" encoding="utf-8"?>
 <p:sld xmlns:a="http://schemas.openxmlformats.org/drawingml/2006/main" xmlns:r="http://schemas.openxmlformats.org/officeDocument/2006/relationships" xmlns:p="http://schemas.openxmlformats.org/presentationml/2006/main">
   <p:cSld>
     <p:spTree>
@@ -10759,7 +10824,7 @@
 </p:sld>
 </file>
 
-<file path=ppt/slides/slide14.xml><?xml version="1.0" encoding="utf-8"?>
+<file path=ppt/slides/slide12.xml><?xml version="1.0" encoding="utf-8"?>
 <p:sld xmlns:a="http://schemas.openxmlformats.org/drawingml/2006/main" xmlns:r="http://schemas.openxmlformats.org/officeDocument/2006/relationships" xmlns:p="http://schemas.openxmlformats.org/presentationml/2006/main">
   <p:cSld>
     <p:spTree>
@@ -12619,7 +12684,7 @@
 </p:sld>
 </file>
 
-<file path=ppt/slides/slide15.xml><?xml version="1.0" encoding="utf-8"?>
+<file path=ppt/slides/slide13.xml><?xml version="1.0" encoding="utf-8"?>
 <p:sld xmlns:a="http://schemas.openxmlformats.org/drawingml/2006/main" xmlns:r="http://schemas.openxmlformats.org/officeDocument/2006/relationships" xmlns:p="http://schemas.openxmlformats.org/presentationml/2006/main">
   <p:cSld>
     <p:spTree>
@@ -14279,7 +14344,7 @@
 </p:sld>
 </file>
 
-<file path=ppt/slides/slide16.xml><?xml version="1.0" encoding="utf-8"?>
+<file path=ppt/slides/slide14.xml><?xml version="1.0" encoding="utf-8"?>
 <p:sld xmlns:a="http://schemas.openxmlformats.org/drawingml/2006/main" xmlns:r="http://schemas.openxmlformats.org/officeDocument/2006/relationships" xmlns:p="http://schemas.openxmlformats.org/presentationml/2006/main">
   <p:cSld>
     <p:spTree>
@@ -15924,7 +15989,7 @@
 </p:sld>
 </file>
 
-<file path=ppt/slides/slide17.xml><?xml version="1.0" encoding="utf-8"?>
+<file path=ppt/slides/slide15.xml><?xml version="1.0" encoding="utf-8"?>
 <p:sld xmlns:a="http://schemas.openxmlformats.org/drawingml/2006/main" xmlns:r="http://schemas.openxmlformats.org/officeDocument/2006/relationships" xmlns:p="http://schemas.openxmlformats.org/presentationml/2006/main">
   <p:cSld>
     <p:spTree>
@@ -17606,7 +17671,7 @@
 </p:sld>
 </file>
 
-<file path=ppt/slides/slide18.xml><?xml version="1.0" encoding="utf-8"?>
+<file path=ppt/slides/slide16.xml><?xml version="1.0" encoding="utf-8"?>
 <p:sld xmlns:a="http://schemas.openxmlformats.org/drawingml/2006/main" xmlns:r="http://schemas.openxmlformats.org/officeDocument/2006/relationships" xmlns:p="http://schemas.openxmlformats.org/presentationml/2006/main">
   <p:cSld>
     <p:spTree>
@@ -19270,7 +19335,7 @@
 </p:sld>
 </file>
 
-<file path=ppt/slides/slide19.xml><?xml version="1.0" encoding="utf-8"?>
+<file path=ppt/slides/slide17.xml><?xml version="1.0" encoding="utf-8"?>
 <p:sld xmlns:a="http://schemas.openxmlformats.org/drawingml/2006/main" xmlns:r="http://schemas.openxmlformats.org/officeDocument/2006/relationships" xmlns:p="http://schemas.openxmlformats.org/presentationml/2006/main">
   <p:cSld>
     <p:spTree>
@@ -19356,93 +19421,7 @@
 </p:sld>
 </file>
 
-<file path=ppt/slides/slide2.xml><?xml version="1.0" encoding="utf-8"?>
-<p:sld xmlns:a="http://schemas.openxmlformats.org/drawingml/2006/main" xmlns:r="http://schemas.openxmlformats.org/officeDocument/2006/relationships" xmlns:p="http://schemas.openxmlformats.org/presentationml/2006/main">
-  <p:cSld>
-    <p:spTree>
-      <p:nvGrpSpPr>
-        <p:cNvPr id="1" name=""/>
-        <p:cNvGrpSpPr/>
-        <p:nvPr/>
-      </p:nvGrpSpPr>
-      <p:grpSpPr>
-        <a:xfrm>
-          <a:off x="0" y="0"/>
-          <a:ext cx="0" cy="0"/>
-          <a:chOff x="0" y="0"/>
-          <a:chExt cx="0" cy="0"/>
-        </a:xfrm>
-      </p:grpSpPr>
-      <p:sp>
-        <p:nvSpPr>
-          <p:cNvPr id="6" name="Title 5">
-            <a:extLst>
-              <a:ext uri="{FF2B5EF4-FFF2-40B4-BE49-F238E27FC236}">
-                <a16:creationId xmlns:a16="http://schemas.microsoft.com/office/drawing/2014/main" id="{998CA92D-805D-D602-0784-A87A1FF57EC6}"/>
-              </a:ext>
-            </a:extLst>
-          </p:cNvPr>
-          <p:cNvSpPr>
-            <a:spLocks noGrp="1"/>
-          </p:cNvSpPr>
-          <p:nvPr>
-            <p:ph type="title"/>
-          </p:nvPr>
-        </p:nvSpPr>
-        <p:spPr/>
-        <p:txBody>
-          <a:bodyPr/>
-          <a:lstStyle/>
-          <a:p>
-            <a:r>
-              <a:rPr lang="en-AU" dirty="0"/>
-              <a:t>Machine Learning</a:t>
-            </a:r>
-          </a:p>
-        </p:txBody>
-      </p:sp>
-      <p:sp>
-        <p:nvSpPr>
-          <p:cNvPr id="7" name="Text Placeholder 6">
-            <a:extLst>
-              <a:ext uri="{FF2B5EF4-FFF2-40B4-BE49-F238E27FC236}">
-                <a16:creationId xmlns:a16="http://schemas.microsoft.com/office/drawing/2014/main" id="{6F74EEE4-31CE-6F9F-49E8-866488683C00}"/>
-              </a:ext>
-            </a:extLst>
-          </p:cNvPr>
-          <p:cNvSpPr>
-            <a:spLocks noGrp="1"/>
-          </p:cNvSpPr>
-          <p:nvPr>
-            <p:ph type="body" idx="1"/>
-          </p:nvPr>
-        </p:nvSpPr>
-        <p:spPr/>
-        <p:txBody>
-          <a:bodyPr/>
-          <a:lstStyle/>
-          <a:p>
-            <a:r>
-              <a:rPr lang="en-AU" dirty="0"/>
-              <a:t>It is a process by which machines automatically learn from experience or data to improve their performance on a specific task.</a:t>
-            </a:r>
-          </a:p>
-        </p:txBody>
-      </p:sp>
-    </p:spTree>
-    <p:extLst>
-      <p:ext uri="{BB962C8B-B14F-4D97-AF65-F5344CB8AC3E}">
-        <p14:creationId xmlns:p14="http://schemas.microsoft.com/office/powerpoint/2010/main" val="536164731"/>
-      </p:ext>
-    </p:extLst>
-  </p:cSld>
-  <p:clrMapOvr>
-    <a:masterClrMapping/>
-  </p:clrMapOvr>
-</p:sld>
-</file>
-
-<file path=ppt/slides/slide20.xml><?xml version="1.0" encoding="utf-8"?>
+<file path=ppt/slides/slide18.xml><?xml version="1.0" encoding="utf-8"?>
 <p:sld xmlns:a="http://schemas.openxmlformats.org/drawingml/2006/main" xmlns:r="http://schemas.openxmlformats.org/officeDocument/2006/relationships" xmlns:p="http://schemas.openxmlformats.org/presentationml/2006/main">
   <p:cSld>
     <p:spTree>
@@ -20285,7 +20264,7 @@
 </p:sld>
 </file>
 
-<file path=ppt/slides/slide21.xml><?xml version="1.0" encoding="utf-8"?>
+<file path=ppt/slides/slide19.xml><?xml version="1.0" encoding="utf-8"?>
 <p:sld xmlns:a="http://schemas.openxmlformats.org/drawingml/2006/main" xmlns:r="http://schemas.openxmlformats.org/officeDocument/2006/relationships" xmlns:p="http://schemas.openxmlformats.org/presentationml/2006/main">
   <p:cSld>
     <p:spTree>
@@ -20368,7 +20347,93 @@
 </p:sld>
 </file>
 
-<file path=ppt/slides/slide22.xml><?xml version="1.0" encoding="utf-8"?>
+<file path=ppt/slides/slide2.xml><?xml version="1.0" encoding="utf-8"?>
+<p:sld xmlns:a="http://schemas.openxmlformats.org/drawingml/2006/main" xmlns:r="http://schemas.openxmlformats.org/officeDocument/2006/relationships" xmlns:p="http://schemas.openxmlformats.org/presentationml/2006/main">
+  <p:cSld>
+    <p:spTree>
+      <p:nvGrpSpPr>
+        <p:cNvPr id="1" name=""/>
+        <p:cNvGrpSpPr/>
+        <p:nvPr/>
+      </p:nvGrpSpPr>
+      <p:grpSpPr>
+        <a:xfrm>
+          <a:off x="0" y="0"/>
+          <a:ext cx="0" cy="0"/>
+          <a:chOff x="0" y="0"/>
+          <a:chExt cx="0" cy="0"/>
+        </a:xfrm>
+      </p:grpSpPr>
+      <p:sp>
+        <p:nvSpPr>
+          <p:cNvPr id="6" name="Title 5">
+            <a:extLst>
+              <a:ext uri="{FF2B5EF4-FFF2-40B4-BE49-F238E27FC236}">
+                <a16:creationId xmlns:a16="http://schemas.microsoft.com/office/drawing/2014/main" id="{998CA92D-805D-D602-0784-A87A1FF57EC6}"/>
+              </a:ext>
+            </a:extLst>
+          </p:cNvPr>
+          <p:cNvSpPr>
+            <a:spLocks noGrp="1"/>
+          </p:cNvSpPr>
+          <p:nvPr>
+            <p:ph type="title"/>
+          </p:nvPr>
+        </p:nvSpPr>
+        <p:spPr/>
+        <p:txBody>
+          <a:bodyPr/>
+          <a:lstStyle/>
+          <a:p>
+            <a:r>
+              <a:rPr lang="en-AU" dirty="0"/>
+              <a:t>Machine Learning</a:t>
+            </a:r>
+          </a:p>
+        </p:txBody>
+      </p:sp>
+      <p:sp>
+        <p:nvSpPr>
+          <p:cNvPr id="7" name="Text Placeholder 6">
+            <a:extLst>
+              <a:ext uri="{FF2B5EF4-FFF2-40B4-BE49-F238E27FC236}">
+                <a16:creationId xmlns:a16="http://schemas.microsoft.com/office/drawing/2014/main" id="{6F74EEE4-31CE-6F9F-49E8-866488683C00}"/>
+              </a:ext>
+            </a:extLst>
+          </p:cNvPr>
+          <p:cNvSpPr>
+            <a:spLocks noGrp="1"/>
+          </p:cNvSpPr>
+          <p:nvPr>
+            <p:ph type="body" idx="1"/>
+          </p:nvPr>
+        </p:nvSpPr>
+        <p:spPr/>
+        <p:txBody>
+          <a:bodyPr/>
+          <a:lstStyle/>
+          <a:p>
+            <a:r>
+              <a:rPr lang="en-AU" dirty="0"/>
+              <a:t>It is a process by which machines automatically learns from experience or data to improve their performance on a specific task.</a:t>
+            </a:r>
+          </a:p>
+        </p:txBody>
+      </p:sp>
+    </p:spTree>
+    <p:extLst>
+      <p:ext uri="{BB962C8B-B14F-4D97-AF65-F5344CB8AC3E}">
+        <p14:creationId xmlns:p14="http://schemas.microsoft.com/office/powerpoint/2010/main" val="536164731"/>
+      </p:ext>
+    </p:extLst>
+  </p:cSld>
+  <p:clrMapOvr>
+    <a:masterClrMapping/>
+  </p:clrMapOvr>
+</p:sld>
+</file>
+
+<file path=ppt/slides/slide20.xml><?xml version="1.0" encoding="utf-8"?>
 <p:sld xmlns:a="http://schemas.openxmlformats.org/drawingml/2006/main" xmlns:r="http://schemas.openxmlformats.org/officeDocument/2006/relationships" xmlns:p="http://schemas.openxmlformats.org/presentationml/2006/main">
   <p:cSld>
     <p:spTree>
@@ -20451,7 +20516,7 @@
 </p:sld>
 </file>
 
-<file path=ppt/slides/slide23.xml><?xml version="1.0" encoding="utf-8"?>
+<file path=ppt/slides/slide21.xml><?xml version="1.0" encoding="utf-8"?>
 <p:sld xmlns:a="http://schemas.openxmlformats.org/drawingml/2006/main" xmlns:r="http://schemas.openxmlformats.org/officeDocument/2006/relationships" xmlns:p="http://schemas.openxmlformats.org/presentationml/2006/main">
   <p:cSld>
     <p:spTree>
@@ -20534,7 +20599,7 @@
 </p:sld>
 </file>
 
-<file path=ppt/slides/slide24.xml><?xml version="1.0" encoding="utf-8"?>
+<file path=ppt/slides/slide22.xml><?xml version="1.0" encoding="utf-8"?>
 <p:sld xmlns:a="http://schemas.openxmlformats.org/drawingml/2006/main" xmlns:r="http://schemas.openxmlformats.org/officeDocument/2006/relationships" xmlns:p="http://schemas.openxmlformats.org/presentationml/2006/main">
   <p:cSld>
     <p:spTree>
@@ -20617,7 +20682,7 @@
 </p:sld>
 </file>
 
-<file path=ppt/slides/slide25.xml><?xml version="1.0" encoding="utf-8"?>
+<file path=ppt/slides/slide23.xml><?xml version="1.0" encoding="utf-8"?>
 <p:sld xmlns:a="http://schemas.openxmlformats.org/drawingml/2006/main" xmlns:r="http://schemas.openxmlformats.org/officeDocument/2006/relationships" xmlns:p="http://schemas.openxmlformats.org/presentationml/2006/main">
   <p:cSld>
     <p:spTree>
@@ -20755,14 +20820,14 @@
           <p:nvPr>
             <p:extLst>
               <p:ext uri="{D42A27DB-BD31-4B8C-83A1-F6EECF244321}">
-                <p14:modId xmlns:p14="http://schemas.microsoft.com/office/powerpoint/2010/main" val="2871727155"/>
+                <p14:modId xmlns:p14="http://schemas.microsoft.com/office/powerpoint/2010/main" val="2935547865"/>
               </p:ext>
             </p:extLst>
           </p:nvPr>
         </p:nvGraphicFramePr>
         <p:xfrm>
-          <a:off x="1646273" y="1690688"/>
-          <a:ext cx="12027195" cy="4554082"/>
+          <a:off x="1693831" y="1576149"/>
+          <a:ext cx="8804336" cy="3333750"/>
         </p:xfrm>
         <a:graphic>
           <a:graphicData uri="http://schemas.openxmlformats.org/drawingml/2006/diagram">
@@ -20770,6 +20835,129 @@
           </a:graphicData>
         </a:graphic>
       </p:graphicFrame>
+      <p:sp>
+        <p:nvSpPr>
+          <p:cNvPr id="3" name="TextBox 2">
+            <a:extLst>
+              <a:ext uri="{FF2B5EF4-FFF2-40B4-BE49-F238E27FC236}">
+                <a16:creationId xmlns:a16="http://schemas.microsoft.com/office/drawing/2014/main" id="{F79B64A2-A59C-48B4-A1E8-BCA44FEFB515}"/>
+              </a:ext>
+            </a:extLst>
+          </p:cNvPr>
+          <p:cNvSpPr txBox="1"/>
+          <p:nvPr/>
+        </p:nvSpPr>
+        <p:spPr>
+          <a:xfrm>
+            <a:off x="940038" y="4852629"/>
+            <a:ext cx="3196127" cy="1754326"/>
+          </a:xfrm>
+          <a:prstGeom prst="rect">
+            <a:avLst/>
+          </a:prstGeom>
+          <a:noFill/>
+        </p:spPr>
+        <p:txBody>
+          <a:bodyPr wrap="square" rtlCol="0">
+            <a:spAutoFit/>
+          </a:bodyPr>
+          <a:lstStyle/>
+          <a:p>
+            <a:r>
+              <a:rPr lang="en-US" dirty="0"/>
+              <a:t>Learning from a pre-labeled dataset to predict on unseen but similar data.</a:t>
+            </a:r>
+          </a:p>
+          <a:p>
+            <a:r>
+              <a:rPr lang="en-US" i="1" dirty="0"/>
+              <a:t>Ex: housing price prediction based on home features, location, school rating, age.</a:t>
+            </a:r>
+          </a:p>
+        </p:txBody>
+      </p:sp>
+      <p:sp>
+        <p:nvSpPr>
+          <p:cNvPr id="5" name="TextBox 4">
+            <a:extLst>
+              <a:ext uri="{FF2B5EF4-FFF2-40B4-BE49-F238E27FC236}">
+                <a16:creationId xmlns:a16="http://schemas.microsoft.com/office/drawing/2014/main" id="{B77B9876-9A9C-2498-7905-B0BEA892FD86}"/>
+              </a:ext>
+            </a:extLst>
+          </p:cNvPr>
+          <p:cNvSpPr txBox="1"/>
+          <p:nvPr/>
+        </p:nvSpPr>
+        <p:spPr>
+          <a:xfrm>
+            <a:off x="4497935" y="4852629"/>
+            <a:ext cx="3196127" cy="1754326"/>
+          </a:xfrm>
+          <a:prstGeom prst="rect">
+            <a:avLst/>
+          </a:prstGeom>
+          <a:noFill/>
+        </p:spPr>
+        <p:txBody>
+          <a:bodyPr wrap="square" rtlCol="0">
+            <a:spAutoFit/>
+          </a:bodyPr>
+          <a:lstStyle/>
+          <a:p>
+            <a:r>
+              <a:rPr lang="en-US" dirty="0"/>
+              <a:t>Identifying structure and patterns within an unlabeled dataset.</a:t>
+            </a:r>
+          </a:p>
+          <a:p>
+            <a:r>
+              <a:rPr lang="en-US" i="1" dirty="0"/>
+              <a:t>Ex:  customer segmentation based on type and frequency of purchases made, demography.</a:t>
+            </a:r>
+          </a:p>
+        </p:txBody>
+      </p:sp>
+      <p:sp>
+        <p:nvSpPr>
+          <p:cNvPr id="6" name="TextBox 5">
+            <a:extLst>
+              <a:ext uri="{FF2B5EF4-FFF2-40B4-BE49-F238E27FC236}">
+                <a16:creationId xmlns:a16="http://schemas.microsoft.com/office/drawing/2014/main" id="{199F6CFE-22DE-E301-2355-5A2F614E980A}"/>
+              </a:ext>
+            </a:extLst>
+          </p:cNvPr>
+          <p:cNvSpPr txBox="1"/>
+          <p:nvPr/>
+        </p:nvSpPr>
+        <p:spPr>
+          <a:xfrm>
+            <a:off x="8313010" y="4991128"/>
+            <a:ext cx="3196127" cy="1754326"/>
+          </a:xfrm>
+          <a:prstGeom prst="rect">
+            <a:avLst/>
+          </a:prstGeom>
+          <a:noFill/>
+        </p:spPr>
+        <p:txBody>
+          <a:bodyPr wrap="square" rtlCol="0">
+            <a:spAutoFit/>
+          </a:bodyPr>
+          <a:lstStyle/>
+          <a:p>
+            <a:r>
+              <a:rPr lang="en-US" dirty="0"/>
+              <a:t>Learning via interaction with an environment using a penalty-reward feedback.</a:t>
+            </a:r>
+          </a:p>
+          <a:p>
+            <a:r>
+              <a:rPr lang="en-US" i="1" dirty="0"/>
+              <a:t>Ex: learning to play a game of chess by playing against a human.</a:t>
+            </a:r>
+          </a:p>
+        </p:txBody>
+      </p:sp>
     </p:spTree>
     <p:extLst>
       <p:ext uri="{BB962C8B-B14F-4D97-AF65-F5344CB8AC3E}">
@@ -20805,7 +20993,7 @@
           <p:cNvPr id="2" name="Title 1">
             <a:extLst>
               <a:ext uri="{FF2B5EF4-FFF2-40B4-BE49-F238E27FC236}">
-                <a16:creationId xmlns:a16="http://schemas.microsoft.com/office/drawing/2014/main" id="{9AD2A717-DA4A-B6AD-CACA-8BFF190AB2F2}"/>
+                <a16:creationId xmlns:a16="http://schemas.microsoft.com/office/drawing/2014/main" id="{675AC6EA-7812-5271-7BC1-2E2C428530C5}"/>
               </a:ext>
             </a:extLst>
           </p:cNvPr>
@@ -20822,8 +21010,8 @@
           <a:lstStyle/>
           <a:p>
             <a:r>
-              <a:rPr lang="en-AU" dirty="0"/>
-              <a:t>Supervised Learning</a:t>
+              <a:rPr lang="en-US" dirty="0"/>
+              <a:t>Two Types of Supervised Learning</a:t>
             </a:r>
           </a:p>
         </p:txBody>
@@ -20833,7 +21021,7 @@
           <p:cNvPr id="3" name="Content Placeholder 2">
             <a:extLst>
               <a:ext uri="{FF2B5EF4-FFF2-40B4-BE49-F238E27FC236}">
-                <a16:creationId xmlns:a16="http://schemas.microsoft.com/office/drawing/2014/main" id="{3A311E2B-BC5B-6674-6D68-8A45F57C784F}"/>
+                <a16:creationId xmlns:a16="http://schemas.microsoft.com/office/drawing/2014/main" id="{A0C451BF-4C84-406A-B3F1-F3BF2D28E697}"/>
               </a:ext>
             </a:extLst>
           </p:cNvPr>
@@ -20841,81 +21029,45 @@
             <a:spLocks noGrp="1"/>
           </p:cNvSpPr>
           <p:nvPr>
-            <p:ph idx="1"/>
+            <p:ph sz="half" idx="1"/>
           </p:nvPr>
         </p:nvSpPr>
         <p:spPr/>
         <p:txBody>
-          <a:bodyPr>
-            <a:normAutofit lnSpcReduction="10000"/>
-          </a:bodyPr>
+          <a:bodyPr/>
           <a:lstStyle/>
           <a:p>
             <a:r>
-              <a:rPr lang="en-AU" dirty="0"/>
-              <a:t>The algorithm learns from a </a:t>
-            </a:r>
-            <a:r>
-              <a:rPr lang="en-AU" dirty="0" err="1"/>
-              <a:t>labeled</a:t>
-            </a:r>
-            <a:r>
-              <a:rPr lang="en-AU" dirty="0"/>
-              <a:t> dataset where the input data is paired with the corresponding output labels.</a:t>
+              <a:rPr lang="en-US" dirty="0"/>
+              <a:t>Classification</a:t>
             </a:r>
           </a:p>
+        </p:txBody>
+      </p:sp>
+      <p:sp>
+        <p:nvSpPr>
+          <p:cNvPr id="4" name="Content Placeholder 3">
+            <a:extLst>
+              <a:ext uri="{FF2B5EF4-FFF2-40B4-BE49-F238E27FC236}">
+                <a16:creationId xmlns:a16="http://schemas.microsoft.com/office/drawing/2014/main" id="{B7B3FA06-D2EF-D947-C93D-738157615023}"/>
+              </a:ext>
+            </a:extLst>
+          </p:cNvPr>
+          <p:cNvSpPr>
+            <a:spLocks noGrp="1"/>
+          </p:cNvSpPr>
+          <p:nvPr>
+            <p:ph sz="half" idx="2"/>
+          </p:nvPr>
+        </p:nvSpPr>
+        <p:spPr/>
+        <p:txBody>
+          <a:bodyPr/>
+          <a:lstStyle/>
           <a:p>
             <a:r>
-              <a:rPr lang="en-AU" dirty="0"/>
-              <a:t>Supervised learning algorithms are trained using input-output pairs and learn to generalize from the provided examples.</a:t>
-            </a:r>
-          </a:p>
-          <a:p>
-            <a:r>
-              <a:rPr lang="en-AU" dirty="0"/>
-              <a:t>Example:</a:t>
-            </a:r>
-          </a:p>
-          <a:p>
-            <a:pPr lvl="1"/>
-            <a:r>
-              <a:rPr lang="en-AU" dirty="0"/>
-              <a:t>Dataset: House prices</a:t>
-            </a:r>
-          </a:p>
-          <a:p>
-            <a:pPr lvl="1"/>
-            <a:r>
-              <a:rPr lang="en-AU" dirty="0"/>
-              <a:t>Features:</a:t>
-            </a:r>
-          </a:p>
-          <a:p>
-            <a:pPr lvl="2"/>
-            <a:r>
-              <a:rPr lang="en-AU" dirty="0"/>
-              <a:t>Size</a:t>
-            </a:r>
-          </a:p>
-          <a:p>
-            <a:pPr lvl="2"/>
-            <a:r>
-              <a:rPr lang="en-AU" dirty="0"/>
-              <a:t>Location</a:t>
-            </a:r>
-          </a:p>
-          <a:p>
-            <a:pPr lvl="2"/>
-            <a:r>
-              <a:rPr lang="en-AU" dirty="0"/>
-              <a:t>Number of bedrooms</a:t>
-            </a:r>
-          </a:p>
-          <a:p>
-            <a:pPr lvl="1"/>
-            <a:r>
-              <a:rPr lang="en-AU" dirty="0"/>
-              <a:t>Prediction: The price of a new house based on its features</a:t>
+              <a:rPr lang="en-US" dirty="0"/>
+              <a:t>Regression</a:t>
             </a:r>
           </a:p>
         </p:txBody>
@@ -20923,7 +21075,7 @@
     </p:spTree>
     <p:extLst>
       <p:ext uri="{BB962C8B-B14F-4D97-AF65-F5344CB8AC3E}">
-        <p14:creationId xmlns:p14="http://schemas.microsoft.com/office/powerpoint/2010/main" val="1457917061"/>
+        <p14:creationId xmlns:p14="http://schemas.microsoft.com/office/powerpoint/2010/main" val="1924753104"/>
       </p:ext>
     </p:extLst>
   </p:cSld>
@@ -20934,246 +21086,6 @@
 </file>
 
 <file path=ppt/slides/slide5.xml><?xml version="1.0" encoding="utf-8"?>
-<p:sld xmlns:a="http://schemas.openxmlformats.org/drawingml/2006/main" xmlns:r="http://schemas.openxmlformats.org/officeDocument/2006/relationships" xmlns:p="http://schemas.openxmlformats.org/presentationml/2006/main">
-  <p:cSld>
-    <p:spTree>
-      <p:nvGrpSpPr>
-        <p:cNvPr id="1" name=""/>
-        <p:cNvGrpSpPr/>
-        <p:nvPr/>
-      </p:nvGrpSpPr>
-      <p:grpSpPr>
-        <a:xfrm>
-          <a:off x="0" y="0"/>
-          <a:ext cx="0" cy="0"/>
-          <a:chOff x="0" y="0"/>
-          <a:chExt cx="0" cy="0"/>
-        </a:xfrm>
-      </p:grpSpPr>
-      <p:sp>
-        <p:nvSpPr>
-          <p:cNvPr id="2" name="Title 1">
-            <a:extLst>
-              <a:ext uri="{FF2B5EF4-FFF2-40B4-BE49-F238E27FC236}">
-                <a16:creationId xmlns:a16="http://schemas.microsoft.com/office/drawing/2014/main" id="{524BEC2C-F9E3-437B-3167-15AFEB4141AC}"/>
-              </a:ext>
-            </a:extLst>
-          </p:cNvPr>
-          <p:cNvSpPr>
-            <a:spLocks noGrp="1"/>
-          </p:cNvSpPr>
-          <p:nvPr>
-            <p:ph type="title"/>
-          </p:nvPr>
-        </p:nvSpPr>
-        <p:spPr/>
-        <p:txBody>
-          <a:bodyPr/>
-          <a:lstStyle/>
-          <a:p>
-            <a:r>
-              <a:rPr lang="en-AU" dirty="0"/>
-              <a:t>Unsupervised Learning</a:t>
-            </a:r>
-          </a:p>
-        </p:txBody>
-      </p:sp>
-      <p:sp>
-        <p:nvSpPr>
-          <p:cNvPr id="3" name="Content Placeholder 2">
-            <a:extLst>
-              <a:ext uri="{FF2B5EF4-FFF2-40B4-BE49-F238E27FC236}">
-                <a16:creationId xmlns:a16="http://schemas.microsoft.com/office/drawing/2014/main" id="{B7D9B755-F192-68AF-16EF-F0BAE94D8E68}"/>
-              </a:ext>
-            </a:extLst>
-          </p:cNvPr>
-          <p:cNvSpPr>
-            <a:spLocks noGrp="1"/>
-          </p:cNvSpPr>
-          <p:nvPr>
-            <p:ph idx="1"/>
-          </p:nvPr>
-        </p:nvSpPr>
-        <p:spPr/>
-        <p:txBody>
-          <a:bodyPr>
-            <a:normAutofit/>
-          </a:bodyPr>
-          <a:lstStyle/>
-          <a:p>
-            <a:r>
-              <a:rPr lang="en-AU" dirty="0"/>
-              <a:t>Finding patterns, structures, and relationships in </a:t>
-            </a:r>
-            <a:r>
-              <a:rPr lang="en-AU" dirty="0" err="1"/>
-              <a:t>unlabeled</a:t>
-            </a:r>
-            <a:r>
-              <a:rPr lang="en-AU" dirty="0"/>
-              <a:t> data.</a:t>
-            </a:r>
-          </a:p>
-          <a:p>
-            <a:r>
-              <a:rPr lang="en-AU" dirty="0"/>
-              <a:t>Unlike supervised learning, there are no predefined output labels or correct answers provided.</a:t>
-            </a:r>
-          </a:p>
-          <a:p>
-            <a:r>
-              <a:rPr lang="en-AU" dirty="0"/>
-              <a:t>The algorithm learns to identify inherent patterns or groupings within the data.</a:t>
-            </a:r>
-          </a:p>
-          <a:p>
-            <a:r>
-              <a:rPr lang="en-AU" dirty="0"/>
-              <a:t>Example:</a:t>
-            </a:r>
-          </a:p>
-          <a:p>
-            <a:pPr lvl="1"/>
-            <a:r>
-              <a:rPr lang="en-AU" dirty="0"/>
-              <a:t>Dataset: Customer purchase	</a:t>
-            </a:r>
-          </a:p>
-          <a:p>
-            <a:pPr lvl="1"/>
-            <a:r>
-              <a:rPr lang="en-AU" dirty="0"/>
-              <a:t>Without prior knowledge of customer categories</a:t>
-            </a:r>
-          </a:p>
-          <a:p>
-            <a:pPr lvl="1"/>
-            <a:r>
-              <a:rPr lang="en-AU" dirty="0"/>
-              <a:t>Discover groups of similar purchasing patterns/segments</a:t>
-            </a:r>
-          </a:p>
-        </p:txBody>
-      </p:sp>
-    </p:spTree>
-    <p:extLst>
-      <p:ext uri="{BB962C8B-B14F-4D97-AF65-F5344CB8AC3E}">
-        <p14:creationId xmlns:p14="http://schemas.microsoft.com/office/powerpoint/2010/main" val="934455544"/>
-      </p:ext>
-    </p:extLst>
-  </p:cSld>
-  <p:clrMapOvr>
-    <a:masterClrMapping/>
-  </p:clrMapOvr>
-</p:sld>
-</file>
-
-<file path=ppt/slides/slide6.xml><?xml version="1.0" encoding="utf-8"?>
-<p:sld xmlns:a="http://schemas.openxmlformats.org/drawingml/2006/main" xmlns:r="http://schemas.openxmlformats.org/officeDocument/2006/relationships" xmlns:p="http://schemas.openxmlformats.org/presentationml/2006/main">
-  <p:cSld>
-    <p:spTree>
-      <p:nvGrpSpPr>
-        <p:cNvPr id="1" name=""/>
-        <p:cNvGrpSpPr/>
-        <p:nvPr/>
-      </p:nvGrpSpPr>
-      <p:grpSpPr>
-        <a:xfrm>
-          <a:off x="0" y="0"/>
-          <a:ext cx="0" cy="0"/>
-          <a:chOff x="0" y="0"/>
-          <a:chExt cx="0" cy="0"/>
-        </a:xfrm>
-      </p:grpSpPr>
-      <p:sp>
-        <p:nvSpPr>
-          <p:cNvPr id="2" name="Title 1">
-            <a:extLst>
-              <a:ext uri="{FF2B5EF4-FFF2-40B4-BE49-F238E27FC236}">
-                <a16:creationId xmlns:a16="http://schemas.microsoft.com/office/drawing/2014/main" id="{1F5F2933-943F-5303-FBA8-7F70BB73913F}"/>
-              </a:ext>
-            </a:extLst>
-          </p:cNvPr>
-          <p:cNvSpPr>
-            <a:spLocks noGrp="1"/>
-          </p:cNvSpPr>
-          <p:nvPr>
-            <p:ph type="title"/>
-          </p:nvPr>
-        </p:nvSpPr>
-        <p:spPr/>
-        <p:txBody>
-          <a:bodyPr/>
-          <a:lstStyle/>
-          <a:p>
-            <a:r>
-              <a:rPr lang="en-AU" dirty="0"/>
-              <a:t>Reinforcement Learning</a:t>
-            </a:r>
-          </a:p>
-        </p:txBody>
-      </p:sp>
-      <p:sp>
-        <p:nvSpPr>
-          <p:cNvPr id="3" name="Content Placeholder 2">
-            <a:extLst>
-              <a:ext uri="{FF2B5EF4-FFF2-40B4-BE49-F238E27FC236}">
-                <a16:creationId xmlns:a16="http://schemas.microsoft.com/office/drawing/2014/main" id="{C377AF9E-93EC-7502-EF9D-63B1C577AA64}"/>
-              </a:ext>
-            </a:extLst>
-          </p:cNvPr>
-          <p:cNvSpPr>
-            <a:spLocks noGrp="1"/>
-          </p:cNvSpPr>
-          <p:nvPr>
-            <p:ph idx="1"/>
-          </p:nvPr>
-        </p:nvSpPr>
-        <p:spPr/>
-        <p:txBody>
-          <a:bodyPr/>
-          <a:lstStyle/>
-          <a:p>
-            <a:r>
-              <a:rPr lang="en-AU" dirty="0"/>
-              <a:t>Training an agent to interact with an environment and learn from the consequences of its actions.</a:t>
-            </a:r>
-          </a:p>
-          <a:p>
-            <a:r>
-              <a:rPr lang="en-AU" dirty="0"/>
-              <a:t>The agent receives feedback in the form of rewards or penalties based on its actions, allowing it to learn optimal strategies that maximize cumulative rewards over time.</a:t>
-            </a:r>
-          </a:p>
-          <a:p>
-            <a:r>
-              <a:rPr lang="en-AU" dirty="0"/>
-              <a:t>Example: </a:t>
-            </a:r>
-          </a:p>
-          <a:p>
-            <a:pPr lvl="1"/>
-            <a:r>
-              <a:rPr lang="en-AU" dirty="0"/>
-              <a:t>Training an autonomous driving agent to learn how to navigate through traffic by receiving rewards for following traffic rules and penalties for collisions or traffic violations.</a:t>
-            </a:r>
-          </a:p>
-        </p:txBody>
-      </p:sp>
-    </p:spTree>
-    <p:extLst>
-      <p:ext uri="{BB962C8B-B14F-4D97-AF65-F5344CB8AC3E}">
-        <p14:creationId xmlns:p14="http://schemas.microsoft.com/office/powerpoint/2010/main" val="3483644386"/>
-      </p:ext>
-    </p:extLst>
-  </p:cSld>
-  <p:clrMapOvr>
-    <a:masterClrMapping/>
-  </p:clrMapOvr>
-</p:sld>
-</file>
-
-<file path=ppt/slides/slide7.xml><?xml version="1.0" encoding="utf-8"?>
 <p:sld xmlns:a="http://schemas.openxmlformats.org/drawingml/2006/main" xmlns:r="http://schemas.openxmlformats.org/officeDocument/2006/relationships" xmlns:p="http://schemas.openxmlformats.org/presentationml/2006/main">
   <p:cSld>
     <p:spTree>
@@ -21259,7 +21171,7 @@
 </p:sld>
 </file>
 
-<file path=ppt/slides/slide8.xml><?xml version="1.0" encoding="utf-8"?>
+<file path=ppt/slides/slide6.xml><?xml version="1.0" encoding="utf-8"?>
 <p:sld xmlns:a="http://schemas.openxmlformats.org/drawingml/2006/main" xmlns:r="http://schemas.openxmlformats.org/officeDocument/2006/relationships" xmlns:p="http://schemas.openxmlformats.org/presentationml/2006/main">
   <p:cSld>
     <p:spTree>
@@ -22493,7 +22405,7 @@
 </p:sld>
 </file>
 
-<file path=ppt/slides/slide9.xml><?xml version="1.0" encoding="utf-8"?>
+<file path=ppt/slides/slide7.xml><?xml version="1.0" encoding="utf-8"?>
 <p:sld xmlns:a="http://schemas.openxmlformats.org/drawingml/2006/main" xmlns:r="http://schemas.openxmlformats.org/officeDocument/2006/relationships" xmlns:p="http://schemas.openxmlformats.org/presentationml/2006/main">
   <p:cSld>
     <p:spTree>
@@ -22567,6 +22479,1233 @@
     <p:extLst>
       <p:ext uri="{BB962C8B-B14F-4D97-AF65-F5344CB8AC3E}">
         <p14:creationId xmlns:p14="http://schemas.microsoft.com/office/powerpoint/2010/main" val="1783916230"/>
+      </p:ext>
+    </p:extLst>
+  </p:cSld>
+  <p:clrMapOvr>
+    <a:masterClrMapping/>
+  </p:clrMapOvr>
+</p:sld>
+</file>
+
+<file path=ppt/slides/slide8.xml><?xml version="1.0" encoding="utf-8"?>
+<p:sld xmlns:a="http://schemas.openxmlformats.org/drawingml/2006/main" xmlns:r="http://schemas.openxmlformats.org/officeDocument/2006/relationships" xmlns:p="http://schemas.openxmlformats.org/presentationml/2006/main">
+  <p:cSld>
+    <p:spTree>
+      <p:nvGrpSpPr>
+        <p:cNvPr id="1" name=""/>
+        <p:cNvGrpSpPr/>
+        <p:nvPr/>
+      </p:nvGrpSpPr>
+      <p:grpSpPr>
+        <a:xfrm>
+          <a:off x="0" y="0"/>
+          <a:ext cx="0" cy="0"/>
+          <a:chOff x="0" y="0"/>
+          <a:chExt cx="0" cy="0"/>
+        </a:xfrm>
+      </p:grpSpPr>
+      <p:sp>
+        <p:nvSpPr>
+          <p:cNvPr id="4" name="Title 3">
+            <a:extLst>
+              <a:ext uri="{FF2B5EF4-FFF2-40B4-BE49-F238E27FC236}">
+                <a16:creationId xmlns:a16="http://schemas.microsoft.com/office/drawing/2014/main" id="{6706C110-85EE-BC3E-E61F-5D2DB6FD03CD}"/>
+              </a:ext>
+            </a:extLst>
+          </p:cNvPr>
+          <p:cNvSpPr>
+            <a:spLocks noGrp="1"/>
+          </p:cNvSpPr>
+          <p:nvPr>
+            <p:ph type="title"/>
+          </p:nvPr>
+        </p:nvSpPr>
+        <p:spPr/>
+        <p:txBody>
+          <a:bodyPr/>
+          <a:lstStyle/>
+          <a:p>
+            <a:r>
+              <a:rPr lang="en-US" dirty="0"/>
+              <a:t>What does Success Look Like?</a:t>
+            </a:r>
+          </a:p>
+        </p:txBody>
+      </p:sp>
+      <p:sp>
+        <p:nvSpPr>
+          <p:cNvPr id="5" name="Text Placeholder 4">
+            <a:extLst>
+              <a:ext uri="{FF2B5EF4-FFF2-40B4-BE49-F238E27FC236}">
+                <a16:creationId xmlns:a16="http://schemas.microsoft.com/office/drawing/2014/main" id="{352EA2D5-D286-5E7E-AA69-5DD45283A05A}"/>
+              </a:ext>
+            </a:extLst>
+          </p:cNvPr>
+          <p:cNvSpPr>
+            <a:spLocks noGrp="1"/>
+          </p:cNvSpPr>
+          <p:nvPr>
+            <p:ph type="body" idx="1"/>
+          </p:nvPr>
+        </p:nvSpPr>
+        <p:spPr/>
+        <p:txBody>
+          <a:bodyPr/>
+          <a:lstStyle/>
+          <a:p>
+            <a:r>
+              <a:rPr lang="en-US" dirty="0"/>
+              <a:t>Effectiveness of a classification system is measured by using a supervised approach of testing the model with an unseen prelabeled dataset</a:t>
+            </a:r>
+          </a:p>
+        </p:txBody>
+      </p:sp>
+    </p:spTree>
+    <p:extLst>
+      <p:ext uri="{BB962C8B-B14F-4D97-AF65-F5344CB8AC3E}">
+        <p14:creationId xmlns:p14="http://schemas.microsoft.com/office/powerpoint/2010/main" val="4081961582"/>
+      </p:ext>
+    </p:extLst>
+  </p:cSld>
+  <p:clrMapOvr>
+    <a:masterClrMapping/>
+  </p:clrMapOvr>
+</p:sld>
+</file>
+
+<file path=ppt/slides/slide9.xml><?xml version="1.0" encoding="utf-8"?>
+<p:sld xmlns:a="http://schemas.openxmlformats.org/drawingml/2006/main" xmlns:r="http://schemas.openxmlformats.org/officeDocument/2006/relationships" xmlns:p="http://schemas.openxmlformats.org/presentationml/2006/main">
+  <p:cSld>
+    <p:spTree>
+      <p:nvGrpSpPr>
+        <p:cNvPr id="1" name=""/>
+        <p:cNvGrpSpPr/>
+        <p:nvPr/>
+      </p:nvGrpSpPr>
+      <p:grpSpPr>
+        <a:xfrm>
+          <a:off x="0" y="0"/>
+          <a:ext cx="0" cy="0"/>
+          <a:chOff x="0" y="0"/>
+          <a:chExt cx="0" cy="0"/>
+        </a:xfrm>
+      </p:grpSpPr>
+      <p:sp>
+        <p:nvSpPr>
+          <p:cNvPr id="2" name="Title 1">
+            <a:extLst>
+              <a:ext uri="{FF2B5EF4-FFF2-40B4-BE49-F238E27FC236}">
+                <a16:creationId xmlns:a16="http://schemas.microsoft.com/office/drawing/2014/main" id="{3D125364-4385-6331-2E0E-02C1915293E0}"/>
+              </a:ext>
+            </a:extLst>
+          </p:cNvPr>
+          <p:cNvSpPr>
+            <a:spLocks noGrp="1"/>
+          </p:cNvSpPr>
+          <p:nvPr>
+            <p:ph type="title"/>
+          </p:nvPr>
+        </p:nvSpPr>
+        <p:spPr/>
+        <p:txBody>
+          <a:bodyPr/>
+          <a:lstStyle/>
+          <a:p>
+            <a:r>
+              <a:rPr lang="en-US" dirty="0"/>
+              <a:t>Accuracy</a:t>
+            </a:r>
+          </a:p>
+        </p:txBody>
+      </p:sp>
+      <p:sp>
+        <p:nvSpPr>
+          <p:cNvPr id="3" name="Content Placeholder 2">
+            <a:extLst>
+              <a:ext uri="{FF2B5EF4-FFF2-40B4-BE49-F238E27FC236}">
+                <a16:creationId xmlns:a16="http://schemas.microsoft.com/office/drawing/2014/main" id="{D45CFC62-A670-21F7-0A1B-08F4DCC6C8DE}"/>
+              </a:ext>
+            </a:extLst>
+          </p:cNvPr>
+          <p:cNvSpPr>
+            <a:spLocks noGrp="1"/>
+          </p:cNvSpPr>
+          <p:nvPr>
+            <p:ph idx="1"/>
+          </p:nvPr>
+        </p:nvSpPr>
+        <p:spPr>
+          <a:xfrm>
+            <a:off x="838200" y="1690688"/>
+            <a:ext cx="10515600" cy="1294220"/>
+          </a:xfrm>
+        </p:spPr>
+        <p:txBody>
+          <a:bodyPr>
+            <a:normAutofit/>
+          </a:bodyPr>
+          <a:lstStyle/>
+          <a:p>
+            <a:pPr marL="0" indent="0">
+              <a:buNone/>
+            </a:pPr>
+            <a:r>
+              <a:rPr lang="en-US" dirty="0"/>
+              <a:t>Accuracy measures the overall effectiveness of the classification model (classifier). It answers the question, “How many datapoints did the model classify correctly?”</a:t>
+            </a:r>
+          </a:p>
+        </p:txBody>
+      </p:sp>
+      <mc:AlternateContent xmlns:mc="http://schemas.openxmlformats.org/markup-compatibility/2006" xmlns:a14="http://schemas.microsoft.com/office/drawing/2010/main">
+        <mc:Choice Requires="a14">
+          <p:sp>
+            <p:nvSpPr>
+              <p:cNvPr id="5" name="TextBox 4">
+                <a:extLst>
+                  <a:ext uri="{FF2B5EF4-FFF2-40B4-BE49-F238E27FC236}">
+                    <a16:creationId xmlns:a16="http://schemas.microsoft.com/office/drawing/2014/main" id="{3ECB4C24-4F98-E772-A8BC-A22E9F7D878E}"/>
+                  </a:ext>
+                </a:extLst>
+              </p:cNvPr>
+              <p:cNvSpPr txBox="1"/>
+              <p:nvPr/>
+            </p:nvSpPr>
+            <p:spPr>
+              <a:xfrm>
+                <a:off x="4295394" y="3553145"/>
+                <a:ext cx="6094602" cy="664926"/>
+              </a:xfrm>
+              <a:prstGeom prst="rect">
+                <a:avLst/>
+              </a:prstGeom>
+              <a:noFill/>
+            </p:spPr>
+            <p:txBody>
+              <a:bodyPr wrap="square">
+                <a:spAutoFit/>
+              </a:bodyPr>
+              <a:lstStyle/>
+              <a:p>
+                <a:pPr algn="ctr"/>
+                <a14:m>
+                  <m:oMathPara xmlns:m="http://schemas.openxmlformats.org/officeDocument/2006/math">
+                    <m:oMathParaPr>
+                      <m:jc m:val="center"/>
+                    </m:oMathParaPr>
+                    <m:oMath xmlns:m="http://schemas.openxmlformats.org/officeDocument/2006/math">
+                      <m:r>
+                        <a:rPr lang="en-US" sz="1800" b="0" i="1" smtClean="0">
+                          <a:latin typeface="Cambria Math" panose="02040503050406030204" pitchFamily="18" charset="0"/>
+                        </a:rPr>
+                        <m:t>𝐴𝑐𝑐𝑢𝑟𝑎𝑐𝑦</m:t>
+                      </m:r>
+                      <m:r>
+                        <a:rPr lang="en-US" sz="1800" b="0" i="1" smtClean="0">
+                          <a:latin typeface="Cambria Math" panose="02040503050406030204" pitchFamily="18" charset="0"/>
+                        </a:rPr>
+                        <m:t>=</m:t>
+                      </m:r>
+                      <m:f>
+                        <m:fPr>
+                          <m:ctrlPr>
+                            <a:rPr lang="en-US" sz="1800" b="0" i="1" smtClean="0">
+                              <a:latin typeface="Cambria Math" panose="02040503050406030204" pitchFamily="18" charset="0"/>
+                            </a:rPr>
+                          </m:ctrlPr>
+                        </m:fPr>
+                        <m:num>
+                          <m:r>
+                            <a:rPr lang="en-US" sz="1800" i="1">
+                              <a:latin typeface="Cambria Math" panose="02040503050406030204" pitchFamily="18" charset="0"/>
+                            </a:rPr>
+                            <m:t># </m:t>
+                          </m:r>
+                          <m:r>
+                            <a:rPr lang="en-US" sz="1800" b="0" i="1" smtClean="0">
+                              <a:latin typeface="Cambria Math" panose="02040503050406030204" pitchFamily="18" charset="0"/>
+                            </a:rPr>
+                            <m:t>𝑐</m:t>
+                          </m:r>
+                          <m:r>
+                            <a:rPr lang="en-US" sz="1800" i="1">
+                              <a:latin typeface="Cambria Math" panose="02040503050406030204" pitchFamily="18" charset="0"/>
+                            </a:rPr>
+                            <m:t>𝑜𝑟𝑟𝑒𝑐𝑡</m:t>
+                          </m:r>
+                          <m:r>
+                            <a:rPr lang="en-US" sz="1800" b="0" i="1" smtClean="0">
+                              <a:latin typeface="Cambria Math" panose="02040503050406030204" pitchFamily="18" charset="0"/>
+                            </a:rPr>
+                            <m:t> </m:t>
+                          </m:r>
+                          <m:r>
+                            <a:rPr lang="en-US" sz="1800" b="0" i="1" smtClean="0">
+                              <a:latin typeface="Cambria Math" panose="02040503050406030204" pitchFamily="18" charset="0"/>
+                            </a:rPr>
+                            <m:t>𝑝𝑟𝑒𝑑𝑖𝑐𝑡𝑖𝑜𝑛𝑠</m:t>
+                          </m:r>
+                        </m:num>
+                        <m:den>
+                          <m:r>
+                            <a:rPr lang="en-US" sz="1800" b="0" i="1" smtClean="0">
+                              <a:latin typeface="Cambria Math" panose="02040503050406030204" pitchFamily="18" charset="0"/>
+                            </a:rPr>
+                            <m:t># </m:t>
+                          </m:r>
+                          <m:r>
+                            <a:rPr lang="en-US" sz="1800" b="0" i="1" smtClean="0">
+                              <a:latin typeface="Cambria Math" panose="02040503050406030204" pitchFamily="18" charset="0"/>
+                            </a:rPr>
+                            <m:t>𝑑𝑎𝑡𝑎</m:t>
+                          </m:r>
+                          <m:r>
+                            <a:rPr lang="en-US" sz="1800" b="0" i="1" smtClean="0">
+                              <a:latin typeface="Cambria Math" panose="02040503050406030204" pitchFamily="18" charset="0"/>
+                            </a:rPr>
+                            <m:t> </m:t>
+                          </m:r>
+                          <m:r>
+                            <a:rPr lang="en-US" sz="1800" b="0" i="1" smtClean="0">
+                              <a:latin typeface="Cambria Math" panose="02040503050406030204" pitchFamily="18" charset="0"/>
+                            </a:rPr>
+                            <m:t>𝑝𝑜𝑖𝑛𝑡𝑠</m:t>
+                          </m:r>
+                        </m:den>
+                      </m:f>
+                    </m:oMath>
+                  </m:oMathPara>
+                </a14:m>
+                <a:endParaRPr lang="en-US" dirty="0"/>
+              </a:p>
+            </p:txBody>
+          </p:sp>
+        </mc:Choice>
+        <mc:Fallback xmlns="">
+          <p:sp>
+            <p:nvSpPr>
+              <p:cNvPr id="5" name="TextBox 4">
+                <a:extLst>
+                  <a:ext uri="{FF2B5EF4-FFF2-40B4-BE49-F238E27FC236}">
+                    <a16:creationId xmlns:a16="http://schemas.microsoft.com/office/drawing/2014/main" id="{3ECB4C24-4F98-E772-A8BC-A22E9F7D878E}"/>
+                  </a:ext>
+                </a:extLst>
+              </p:cNvPr>
+              <p:cNvSpPr txBox="1">
+                <a:spLocks noRot="1" noChangeAspect="1" noMove="1" noResize="1" noEditPoints="1" noAdjustHandles="1" noChangeArrowheads="1" noChangeShapeType="1" noTextEdit="1"/>
+              </p:cNvSpPr>
+              <p:nvPr/>
+            </p:nvSpPr>
+            <p:spPr>
+              <a:xfrm>
+                <a:off x="4295394" y="3553145"/>
+                <a:ext cx="6094602" cy="664926"/>
+              </a:xfrm>
+              <a:prstGeom prst="rect">
+                <a:avLst/>
+              </a:prstGeom>
+              <a:blipFill>
+                <a:blip r:embed="rId2"/>
+                <a:stretch>
+                  <a:fillRect/>
+                </a:stretch>
+              </a:blipFill>
+            </p:spPr>
+            <p:txBody>
+              <a:bodyPr/>
+              <a:lstStyle/>
+              <a:p>
+                <a:r>
+                  <a:rPr lang="en-US">
+                    <a:noFill/>
+                  </a:rPr>
+                  <a:t> </a:t>
+                </a:r>
+              </a:p>
+            </p:txBody>
+          </p:sp>
+        </mc:Fallback>
+      </mc:AlternateContent>
+      <p:sp>
+        <p:nvSpPr>
+          <p:cNvPr id="6" name="Content Placeholder 2">
+            <a:extLst>
+              <a:ext uri="{FF2B5EF4-FFF2-40B4-BE49-F238E27FC236}">
+                <a16:creationId xmlns:a16="http://schemas.microsoft.com/office/drawing/2014/main" id="{198A6352-4BA7-D626-BEBE-52290CBB7CA7}"/>
+              </a:ext>
+            </a:extLst>
+          </p:cNvPr>
+          <p:cNvSpPr txBox="1">
+            <a:spLocks/>
+          </p:cNvSpPr>
+          <p:nvPr/>
+        </p:nvSpPr>
+        <p:spPr>
+          <a:xfrm>
+            <a:off x="838199" y="6096967"/>
+            <a:ext cx="2691003" cy="431177"/>
+          </a:xfrm>
+          <a:prstGeom prst="rect">
+            <a:avLst/>
+          </a:prstGeom>
+          <a:noFill/>
+          <a:ln>
+            <a:noFill/>
+          </a:ln>
+        </p:spPr>
+        <p:style>
+          <a:lnRef idx="2">
+            <a:schemeClr val="accent5"/>
+          </a:lnRef>
+          <a:fillRef idx="1">
+            <a:schemeClr val="lt1"/>
+          </a:fillRef>
+          <a:effectRef idx="0">
+            <a:schemeClr val="accent5"/>
+          </a:effectRef>
+          <a:fontRef idx="minor">
+            <a:schemeClr val="dk1"/>
+          </a:fontRef>
+        </p:style>
+        <p:txBody>
+          <a:bodyPr vert="horz" lIns="91440" tIns="45720" rIns="91440" bIns="45720" rtlCol="0">
+            <a:normAutofit fontScale="55000" lnSpcReduction="20000"/>
+          </a:bodyPr>
+          <a:lstStyle>
+            <a:lvl1pPr marL="228600" indent="-228600" algn="l" defTabSz="914400" rtl="0" eaLnBrk="1" latinLnBrk="0" hangingPunct="1">
+              <a:lnSpc>
+                <a:spcPct val="90000"/>
+              </a:lnSpc>
+              <a:spcBef>
+                <a:spcPts val="1000"/>
+              </a:spcBef>
+              <a:buFont typeface="Arial" panose="020B0604020202020204" pitchFamily="34" charset="0"/>
+              <a:buChar char="•"/>
+              <a:defRPr sz="2800" kern="1200">
+                <a:solidFill>
+                  <a:schemeClr val="tx1"/>
+                </a:solidFill>
+                <a:latin typeface="+mn-lt"/>
+                <a:ea typeface="+mn-ea"/>
+                <a:cs typeface="+mn-cs"/>
+              </a:defRPr>
+            </a:lvl1pPr>
+            <a:lvl2pPr marL="685800" indent="-228600" algn="l" defTabSz="914400" rtl="0" eaLnBrk="1" latinLnBrk="0" hangingPunct="1">
+              <a:lnSpc>
+                <a:spcPct val="90000"/>
+              </a:lnSpc>
+              <a:spcBef>
+                <a:spcPts val="500"/>
+              </a:spcBef>
+              <a:buFont typeface="Arial" panose="020B0604020202020204" pitchFamily="34" charset="0"/>
+              <a:buChar char="•"/>
+              <a:defRPr sz="2400" kern="1200">
+                <a:solidFill>
+                  <a:schemeClr val="tx1"/>
+                </a:solidFill>
+                <a:latin typeface="+mn-lt"/>
+                <a:ea typeface="+mn-ea"/>
+                <a:cs typeface="+mn-cs"/>
+              </a:defRPr>
+            </a:lvl2pPr>
+            <a:lvl3pPr marL="1143000" indent="-228600" algn="l" defTabSz="914400" rtl="0" eaLnBrk="1" latinLnBrk="0" hangingPunct="1">
+              <a:lnSpc>
+                <a:spcPct val="90000"/>
+              </a:lnSpc>
+              <a:spcBef>
+                <a:spcPts val="500"/>
+              </a:spcBef>
+              <a:buFont typeface="Arial" panose="020B0604020202020204" pitchFamily="34" charset="0"/>
+              <a:buChar char="•"/>
+              <a:defRPr sz="2000" kern="1200">
+                <a:solidFill>
+                  <a:schemeClr val="tx1"/>
+                </a:solidFill>
+                <a:latin typeface="+mn-lt"/>
+                <a:ea typeface="+mn-ea"/>
+                <a:cs typeface="+mn-cs"/>
+              </a:defRPr>
+            </a:lvl3pPr>
+            <a:lvl4pPr marL="1600200" indent="-228600" algn="l" defTabSz="914400" rtl="0" eaLnBrk="1" latinLnBrk="0" hangingPunct="1">
+              <a:lnSpc>
+                <a:spcPct val="90000"/>
+              </a:lnSpc>
+              <a:spcBef>
+                <a:spcPts val="500"/>
+              </a:spcBef>
+              <a:buFont typeface="Arial" panose="020B0604020202020204" pitchFamily="34" charset="0"/>
+              <a:buChar char="•"/>
+              <a:defRPr sz="1800" kern="1200">
+                <a:solidFill>
+                  <a:schemeClr val="tx1"/>
+                </a:solidFill>
+                <a:latin typeface="+mn-lt"/>
+                <a:ea typeface="+mn-ea"/>
+                <a:cs typeface="+mn-cs"/>
+              </a:defRPr>
+            </a:lvl4pPr>
+            <a:lvl5pPr marL="2057400" indent="-228600" algn="l" defTabSz="914400" rtl="0" eaLnBrk="1" latinLnBrk="0" hangingPunct="1">
+              <a:lnSpc>
+                <a:spcPct val="90000"/>
+              </a:lnSpc>
+              <a:spcBef>
+                <a:spcPts val="500"/>
+              </a:spcBef>
+              <a:buFont typeface="Arial" panose="020B0604020202020204" pitchFamily="34" charset="0"/>
+              <a:buChar char="•"/>
+              <a:defRPr sz="1800" kern="1200">
+                <a:solidFill>
+                  <a:schemeClr val="tx1"/>
+                </a:solidFill>
+                <a:latin typeface="+mn-lt"/>
+                <a:ea typeface="+mn-ea"/>
+                <a:cs typeface="+mn-cs"/>
+              </a:defRPr>
+            </a:lvl5pPr>
+            <a:lvl6pPr marL="2514600" indent="-228600" algn="l" defTabSz="914400" rtl="0" eaLnBrk="1" latinLnBrk="0" hangingPunct="1">
+              <a:lnSpc>
+                <a:spcPct val="90000"/>
+              </a:lnSpc>
+              <a:spcBef>
+                <a:spcPts val="500"/>
+              </a:spcBef>
+              <a:buFont typeface="Arial" panose="020B0604020202020204" pitchFamily="34" charset="0"/>
+              <a:buChar char="•"/>
+              <a:defRPr sz="1800" kern="1200">
+                <a:solidFill>
+                  <a:schemeClr val="tx1"/>
+                </a:solidFill>
+                <a:latin typeface="+mn-lt"/>
+                <a:ea typeface="+mn-ea"/>
+                <a:cs typeface="+mn-cs"/>
+              </a:defRPr>
+            </a:lvl6pPr>
+            <a:lvl7pPr marL="2971800" indent="-228600" algn="l" defTabSz="914400" rtl="0" eaLnBrk="1" latinLnBrk="0" hangingPunct="1">
+              <a:lnSpc>
+                <a:spcPct val="90000"/>
+              </a:lnSpc>
+              <a:spcBef>
+                <a:spcPts val="500"/>
+              </a:spcBef>
+              <a:buFont typeface="Arial" panose="020B0604020202020204" pitchFamily="34" charset="0"/>
+              <a:buChar char="•"/>
+              <a:defRPr sz="1800" kern="1200">
+                <a:solidFill>
+                  <a:schemeClr val="tx1"/>
+                </a:solidFill>
+                <a:latin typeface="+mn-lt"/>
+                <a:ea typeface="+mn-ea"/>
+                <a:cs typeface="+mn-cs"/>
+              </a:defRPr>
+            </a:lvl7pPr>
+            <a:lvl8pPr marL="3429000" indent="-228600" algn="l" defTabSz="914400" rtl="0" eaLnBrk="1" latinLnBrk="0" hangingPunct="1">
+              <a:lnSpc>
+                <a:spcPct val="90000"/>
+              </a:lnSpc>
+              <a:spcBef>
+                <a:spcPts val="500"/>
+              </a:spcBef>
+              <a:buFont typeface="Arial" panose="020B0604020202020204" pitchFamily="34" charset="0"/>
+              <a:buChar char="•"/>
+              <a:defRPr sz="1800" kern="1200">
+                <a:solidFill>
+                  <a:schemeClr val="tx1"/>
+                </a:solidFill>
+                <a:latin typeface="+mn-lt"/>
+                <a:ea typeface="+mn-ea"/>
+                <a:cs typeface="+mn-cs"/>
+              </a:defRPr>
+            </a:lvl8pPr>
+            <a:lvl9pPr marL="3886200" indent="-228600" algn="l" defTabSz="914400" rtl="0" eaLnBrk="1" latinLnBrk="0" hangingPunct="1">
+              <a:lnSpc>
+                <a:spcPct val="90000"/>
+              </a:lnSpc>
+              <a:spcBef>
+                <a:spcPts val="500"/>
+              </a:spcBef>
+              <a:buFont typeface="Arial" panose="020B0604020202020204" pitchFamily="34" charset="0"/>
+              <a:buChar char="•"/>
+              <a:defRPr sz="1800" kern="1200">
+                <a:solidFill>
+                  <a:schemeClr val="tx1"/>
+                </a:solidFill>
+                <a:latin typeface="+mn-lt"/>
+                <a:ea typeface="+mn-ea"/>
+                <a:cs typeface="+mn-cs"/>
+              </a:defRPr>
+            </a:lvl9pPr>
+          </a:lstStyle>
+          <a:p>
+            <a:pPr marL="0" indent="0">
+              <a:buNone/>
+            </a:pPr>
+            <a:r>
+              <a:rPr lang="en-US" dirty="0"/>
+              <a:t>Balanced Data: Nearly equal quantity of dogs, cats, and birds</a:t>
+            </a:r>
+          </a:p>
+        </p:txBody>
+      </p:sp>
+      <p:graphicFrame>
+        <p:nvGraphicFramePr>
+          <p:cNvPr id="10" name="Table 10">
+            <a:extLst>
+              <a:ext uri="{FF2B5EF4-FFF2-40B4-BE49-F238E27FC236}">
+                <a16:creationId xmlns:a16="http://schemas.microsoft.com/office/drawing/2014/main" id="{75FF2FEA-5868-25FA-4A2F-CE9DAD0BFEFA}"/>
+              </a:ext>
+            </a:extLst>
+          </p:cNvPr>
+          <p:cNvGraphicFramePr>
+            <a:graphicFrameLocks noGrp="1"/>
+          </p:cNvGraphicFramePr>
+          <p:nvPr>
+            <p:extLst>
+              <p:ext uri="{D42A27DB-BD31-4B8C-83A1-F6EECF244321}">
+                <p14:modId xmlns:p14="http://schemas.microsoft.com/office/powerpoint/2010/main" val="3062787460"/>
+              </p:ext>
+            </p:extLst>
+          </p:nvPr>
+        </p:nvGraphicFramePr>
+        <p:xfrm>
+          <a:off x="838198" y="3921583"/>
+          <a:ext cx="2691004" cy="2124504"/>
+        </p:xfrm>
+        <a:graphic>
+          <a:graphicData uri="http://schemas.openxmlformats.org/drawingml/2006/table">
+            <a:tbl>
+              <a:tblPr firstRow="1" bandRow="1">
+                <a:tableStyleId>{5C22544A-7EE6-4342-B048-85BDC9FD1C3A}</a:tableStyleId>
+              </a:tblPr>
+              <a:tblGrid>
+                <a:gridCol w="672751">
+                  <a:extLst>
+                    <a:ext uri="{9D8B030D-6E8A-4147-A177-3AD203B41FA5}">
+                      <a16:colId xmlns:a16="http://schemas.microsoft.com/office/drawing/2014/main" val="3779047369"/>
+                    </a:ext>
+                  </a:extLst>
+                </a:gridCol>
+                <a:gridCol w="672751">
+                  <a:extLst>
+                    <a:ext uri="{9D8B030D-6E8A-4147-A177-3AD203B41FA5}">
+                      <a16:colId xmlns:a16="http://schemas.microsoft.com/office/drawing/2014/main" val="2587912599"/>
+                    </a:ext>
+                  </a:extLst>
+                </a:gridCol>
+                <a:gridCol w="672751">
+                  <a:extLst>
+                    <a:ext uri="{9D8B030D-6E8A-4147-A177-3AD203B41FA5}">
+                      <a16:colId xmlns:a16="http://schemas.microsoft.com/office/drawing/2014/main" val="617498338"/>
+                    </a:ext>
+                  </a:extLst>
+                </a:gridCol>
+                <a:gridCol w="672751">
+                  <a:extLst>
+                    <a:ext uri="{9D8B030D-6E8A-4147-A177-3AD203B41FA5}">
+                      <a16:colId xmlns:a16="http://schemas.microsoft.com/office/drawing/2014/main" val="1361611942"/>
+                    </a:ext>
+                  </a:extLst>
+                </a:gridCol>
+              </a:tblGrid>
+              <a:tr h="517477">
+                <a:tc>
+                  <a:txBody>
+                    <a:bodyPr/>
+                    <a:lstStyle/>
+                    <a:p>
+                      <a:pPr algn="ctr"/>
+                      <a:endParaRPr lang="en-US" sz="1500" b="1" dirty="0">
+                        <a:solidFill>
+                          <a:schemeClr val="bg1"/>
+                        </a:solidFill>
+                      </a:endParaRPr>
+                    </a:p>
+                  </a:txBody>
+                  <a:tcPr marL="73925" marR="73925" marT="36963" marB="36963">
+                    <a:solidFill>
+                      <a:srgbClr val="4472C4"/>
+                    </a:solidFill>
+                  </a:tcPr>
+                </a:tc>
+                <a:tc>
+                  <a:txBody>
+                    <a:bodyPr/>
+                    <a:lstStyle/>
+                    <a:p>
+                      <a:pPr algn="ctr"/>
+                      <a:r>
+                        <a:rPr lang="en-US" sz="1500" dirty="0"/>
+                        <a:t>Model Cat</a:t>
+                      </a:r>
+                    </a:p>
+                  </a:txBody>
+                  <a:tcPr marL="73925" marR="73925" marT="36963" marB="36963"/>
+                </a:tc>
+                <a:tc>
+                  <a:txBody>
+                    <a:bodyPr/>
+                    <a:lstStyle/>
+                    <a:p>
+                      <a:pPr algn="ctr"/>
+                      <a:r>
+                        <a:rPr lang="en-US" sz="1500" dirty="0"/>
+                        <a:t>Model Dog</a:t>
+                      </a:r>
+                    </a:p>
+                  </a:txBody>
+                  <a:tcPr marL="73925" marR="73925" marT="36963" marB="36963"/>
+                </a:tc>
+                <a:tc>
+                  <a:txBody>
+                    <a:bodyPr/>
+                    <a:lstStyle/>
+                    <a:p>
+                      <a:pPr algn="ctr"/>
+                      <a:r>
+                        <a:rPr lang="en-US" sz="1500" dirty="0"/>
+                        <a:t>Model Bird</a:t>
+                      </a:r>
+                    </a:p>
+                  </a:txBody>
+                  <a:tcPr marL="73925" marR="73925" marT="36963" marB="36963"/>
+                </a:tc>
+                <a:extLst>
+                  <a:ext uri="{0D108BD9-81ED-4DB2-BD59-A6C34878D82A}">
+                    <a16:rowId xmlns:a16="http://schemas.microsoft.com/office/drawing/2014/main" val="2688480762"/>
+                  </a:ext>
+                </a:extLst>
+              </a:tr>
+              <a:tr h="517477">
+                <a:tc>
+                  <a:txBody>
+                    <a:bodyPr/>
+                    <a:lstStyle/>
+                    <a:p>
+                      <a:pPr algn="ctr"/>
+                      <a:r>
+                        <a:rPr lang="en-US" sz="1500" b="1" dirty="0">
+                          <a:solidFill>
+                            <a:schemeClr val="bg1"/>
+                          </a:solidFill>
+                        </a:rPr>
+                        <a:t>Data Cat</a:t>
+                      </a:r>
+                    </a:p>
+                  </a:txBody>
+                  <a:tcPr marL="73925" marR="73925" marT="36963" marB="36963">
+                    <a:solidFill>
+                      <a:srgbClr val="4472C4"/>
+                    </a:solidFill>
+                  </a:tcPr>
+                </a:tc>
+                <a:tc>
+                  <a:txBody>
+                    <a:bodyPr/>
+                    <a:lstStyle/>
+                    <a:p>
+                      <a:r>
+                        <a:rPr lang="en-US" sz="1500" dirty="0"/>
+                        <a:t>76</a:t>
+                      </a:r>
+                    </a:p>
+                  </a:txBody>
+                  <a:tcPr marL="73925" marR="73925" marT="36963" marB="36963"/>
+                </a:tc>
+                <a:tc>
+                  <a:txBody>
+                    <a:bodyPr/>
+                    <a:lstStyle/>
+                    <a:p>
+                      <a:r>
+                        <a:rPr lang="en-US" sz="1500" dirty="0"/>
+                        <a:t>10</a:t>
+                      </a:r>
+                    </a:p>
+                  </a:txBody>
+                  <a:tcPr marL="73925" marR="73925" marT="36963" marB="36963"/>
+                </a:tc>
+                <a:tc>
+                  <a:txBody>
+                    <a:bodyPr/>
+                    <a:lstStyle/>
+                    <a:p>
+                      <a:r>
+                        <a:rPr lang="en-US" sz="1500" dirty="0"/>
+                        <a:t>12</a:t>
+                      </a:r>
+                    </a:p>
+                  </a:txBody>
+                  <a:tcPr marL="73925" marR="73925" marT="36963" marB="36963"/>
+                </a:tc>
+                <a:extLst>
+                  <a:ext uri="{0D108BD9-81ED-4DB2-BD59-A6C34878D82A}">
+                    <a16:rowId xmlns:a16="http://schemas.microsoft.com/office/drawing/2014/main" val="1617891110"/>
+                  </a:ext>
+                </a:extLst>
+              </a:tr>
+              <a:tr h="517477">
+                <a:tc>
+                  <a:txBody>
+                    <a:bodyPr/>
+                    <a:lstStyle/>
+                    <a:p>
+                      <a:pPr algn="ctr"/>
+                      <a:r>
+                        <a:rPr lang="en-US" sz="1500" b="1" dirty="0">
+                          <a:solidFill>
+                            <a:schemeClr val="bg1"/>
+                          </a:solidFill>
+                        </a:rPr>
+                        <a:t>Data Dog</a:t>
+                      </a:r>
+                    </a:p>
+                  </a:txBody>
+                  <a:tcPr marL="73925" marR="73925" marT="36963" marB="36963">
+                    <a:solidFill>
+                      <a:srgbClr val="4472C4"/>
+                    </a:solidFill>
+                  </a:tcPr>
+                </a:tc>
+                <a:tc>
+                  <a:txBody>
+                    <a:bodyPr/>
+                    <a:lstStyle/>
+                    <a:p>
+                      <a:r>
+                        <a:rPr lang="en-US" sz="1500" dirty="0"/>
+                        <a:t>27</a:t>
+                      </a:r>
+                    </a:p>
+                  </a:txBody>
+                  <a:tcPr marL="73925" marR="73925" marT="36963" marB="36963"/>
+                </a:tc>
+                <a:tc>
+                  <a:txBody>
+                    <a:bodyPr/>
+                    <a:lstStyle/>
+                    <a:p>
+                      <a:r>
+                        <a:rPr lang="en-US" sz="1500" dirty="0"/>
+                        <a:t>69</a:t>
+                      </a:r>
+                    </a:p>
+                  </a:txBody>
+                  <a:tcPr marL="73925" marR="73925" marT="36963" marB="36963"/>
+                </a:tc>
+                <a:tc>
+                  <a:txBody>
+                    <a:bodyPr/>
+                    <a:lstStyle/>
+                    <a:p>
+                      <a:r>
+                        <a:rPr lang="en-US" sz="1500" dirty="0"/>
+                        <a:t>11</a:t>
+                      </a:r>
+                    </a:p>
+                  </a:txBody>
+                  <a:tcPr marL="73925" marR="73925" marT="36963" marB="36963"/>
+                </a:tc>
+                <a:extLst>
+                  <a:ext uri="{0D108BD9-81ED-4DB2-BD59-A6C34878D82A}">
+                    <a16:rowId xmlns:a16="http://schemas.microsoft.com/office/drawing/2014/main" val="842711822"/>
+                  </a:ext>
+                </a:extLst>
+              </a:tr>
+              <a:tr h="517477">
+                <a:tc>
+                  <a:txBody>
+                    <a:bodyPr/>
+                    <a:lstStyle/>
+                    <a:p>
+                      <a:pPr algn="ctr"/>
+                      <a:r>
+                        <a:rPr lang="en-US" sz="1500" b="1" dirty="0">
+                          <a:solidFill>
+                            <a:schemeClr val="bg1"/>
+                          </a:solidFill>
+                        </a:rPr>
+                        <a:t>Data Bird</a:t>
+                      </a:r>
+                    </a:p>
+                  </a:txBody>
+                  <a:tcPr marL="73925" marR="73925" marT="36963" marB="36963">
+                    <a:solidFill>
+                      <a:srgbClr val="4472C4"/>
+                    </a:solidFill>
+                  </a:tcPr>
+                </a:tc>
+                <a:tc>
+                  <a:txBody>
+                    <a:bodyPr/>
+                    <a:lstStyle/>
+                    <a:p>
+                      <a:r>
+                        <a:rPr lang="en-US" sz="1500" dirty="0"/>
+                        <a:t>6</a:t>
+                      </a:r>
+                    </a:p>
+                  </a:txBody>
+                  <a:tcPr marL="73925" marR="73925" marT="36963" marB="36963"/>
+                </a:tc>
+                <a:tc>
+                  <a:txBody>
+                    <a:bodyPr/>
+                    <a:lstStyle/>
+                    <a:p>
+                      <a:r>
+                        <a:rPr lang="en-US" sz="1500" dirty="0"/>
+                        <a:t>3</a:t>
+                      </a:r>
+                    </a:p>
+                  </a:txBody>
+                  <a:tcPr marL="73925" marR="73925" marT="36963" marB="36963"/>
+                </a:tc>
+                <a:tc>
+                  <a:txBody>
+                    <a:bodyPr/>
+                    <a:lstStyle/>
+                    <a:p>
+                      <a:r>
+                        <a:rPr lang="en-US" sz="1500" dirty="0"/>
+                        <a:t>81</a:t>
+                      </a:r>
+                    </a:p>
+                  </a:txBody>
+                  <a:tcPr marL="73925" marR="73925" marT="36963" marB="36963"/>
+                </a:tc>
+                <a:extLst>
+                  <a:ext uri="{0D108BD9-81ED-4DB2-BD59-A6C34878D82A}">
+                    <a16:rowId xmlns:a16="http://schemas.microsoft.com/office/drawing/2014/main" val="1343416302"/>
+                  </a:ext>
+                </a:extLst>
+              </a:tr>
+            </a:tbl>
+          </a:graphicData>
+        </a:graphic>
+      </p:graphicFrame>
+      <mc:AlternateContent xmlns:mc="http://schemas.openxmlformats.org/markup-compatibility/2006" xmlns:a14="http://schemas.microsoft.com/office/drawing/2010/main">
+        <mc:Choice Requires="a14">
+          <p:sp>
+            <p:nvSpPr>
+              <p:cNvPr id="11" name="Content Placeholder 2">
+                <a:extLst>
+                  <a:ext uri="{FF2B5EF4-FFF2-40B4-BE49-F238E27FC236}">
+                    <a16:creationId xmlns:a16="http://schemas.microsoft.com/office/drawing/2014/main" id="{3B539280-2463-FE2C-647E-A409CBB087BB}"/>
+                  </a:ext>
+                </a:extLst>
+              </p:cNvPr>
+              <p:cNvSpPr txBox="1">
+                <a:spLocks/>
+              </p:cNvSpPr>
+              <p:nvPr/>
+            </p:nvSpPr>
+            <p:spPr>
+              <a:xfrm>
+                <a:off x="3947484" y="4651372"/>
+                <a:ext cx="6790423" cy="664926"/>
+              </a:xfrm>
+              <a:prstGeom prst="rect">
+                <a:avLst/>
+              </a:prstGeom>
+              <a:noFill/>
+              <a:ln>
+                <a:noFill/>
+              </a:ln>
+            </p:spPr>
+            <p:style>
+              <a:lnRef idx="2">
+                <a:schemeClr val="accent5"/>
+              </a:lnRef>
+              <a:fillRef idx="1">
+                <a:schemeClr val="lt1"/>
+              </a:fillRef>
+              <a:effectRef idx="0">
+                <a:schemeClr val="accent5"/>
+              </a:effectRef>
+              <a:fontRef idx="minor">
+                <a:schemeClr val="dk1"/>
+              </a:fontRef>
+            </p:style>
+            <p:txBody>
+              <a:bodyPr vert="horz" lIns="91440" tIns="45720" rIns="91440" bIns="45720" rtlCol="0">
+                <a:noAutofit/>
+              </a:bodyPr>
+              <a:lstStyle>
+                <a:lvl1pPr marL="228600" indent="-228600" algn="l" defTabSz="914400" rtl="0" eaLnBrk="1" latinLnBrk="0" hangingPunct="1">
+                  <a:lnSpc>
+                    <a:spcPct val="90000"/>
+                  </a:lnSpc>
+                  <a:spcBef>
+                    <a:spcPts val="1000"/>
+                  </a:spcBef>
+                  <a:buFont typeface="Arial" panose="020B0604020202020204" pitchFamily="34" charset="0"/>
+                  <a:buChar char="•"/>
+                  <a:defRPr sz="2800" kern="1200">
+                    <a:solidFill>
+                      <a:schemeClr val="tx1"/>
+                    </a:solidFill>
+                    <a:latin typeface="+mn-lt"/>
+                    <a:ea typeface="+mn-ea"/>
+                    <a:cs typeface="+mn-cs"/>
+                  </a:defRPr>
+                </a:lvl1pPr>
+                <a:lvl2pPr marL="685800" indent="-228600" algn="l" defTabSz="914400" rtl="0" eaLnBrk="1" latinLnBrk="0" hangingPunct="1">
+                  <a:lnSpc>
+                    <a:spcPct val="90000"/>
+                  </a:lnSpc>
+                  <a:spcBef>
+                    <a:spcPts val="500"/>
+                  </a:spcBef>
+                  <a:buFont typeface="Arial" panose="020B0604020202020204" pitchFamily="34" charset="0"/>
+                  <a:buChar char="•"/>
+                  <a:defRPr sz="2400" kern="1200">
+                    <a:solidFill>
+                      <a:schemeClr val="tx1"/>
+                    </a:solidFill>
+                    <a:latin typeface="+mn-lt"/>
+                    <a:ea typeface="+mn-ea"/>
+                    <a:cs typeface="+mn-cs"/>
+                  </a:defRPr>
+                </a:lvl2pPr>
+                <a:lvl3pPr marL="1143000" indent="-228600" algn="l" defTabSz="914400" rtl="0" eaLnBrk="1" latinLnBrk="0" hangingPunct="1">
+                  <a:lnSpc>
+                    <a:spcPct val="90000"/>
+                  </a:lnSpc>
+                  <a:spcBef>
+                    <a:spcPts val="500"/>
+                  </a:spcBef>
+                  <a:buFont typeface="Arial" panose="020B0604020202020204" pitchFamily="34" charset="0"/>
+                  <a:buChar char="•"/>
+                  <a:defRPr sz="2000" kern="1200">
+                    <a:solidFill>
+                      <a:schemeClr val="tx1"/>
+                    </a:solidFill>
+                    <a:latin typeface="+mn-lt"/>
+                    <a:ea typeface="+mn-ea"/>
+                    <a:cs typeface="+mn-cs"/>
+                  </a:defRPr>
+                </a:lvl3pPr>
+                <a:lvl4pPr marL="1600200" indent="-228600" algn="l" defTabSz="914400" rtl="0" eaLnBrk="1" latinLnBrk="0" hangingPunct="1">
+                  <a:lnSpc>
+                    <a:spcPct val="90000"/>
+                  </a:lnSpc>
+                  <a:spcBef>
+                    <a:spcPts val="500"/>
+                  </a:spcBef>
+                  <a:buFont typeface="Arial" panose="020B0604020202020204" pitchFamily="34" charset="0"/>
+                  <a:buChar char="•"/>
+                  <a:defRPr sz="1800" kern="1200">
+                    <a:solidFill>
+                      <a:schemeClr val="tx1"/>
+                    </a:solidFill>
+                    <a:latin typeface="+mn-lt"/>
+                    <a:ea typeface="+mn-ea"/>
+                    <a:cs typeface="+mn-cs"/>
+                  </a:defRPr>
+                </a:lvl4pPr>
+                <a:lvl5pPr marL="2057400" indent="-228600" algn="l" defTabSz="914400" rtl="0" eaLnBrk="1" latinLnBrk="0" hangingPunct="1">
+                  <a:lnSpc>
+                    <a:spcPct val="90000"/>
+                  </a:lnSpc>
+                  <a:spcBef>
+                    <a:spcPts val="500"/>
+                  </a:spcBef>
+                  <a:buFont typeface="Arial" panose="020B0604020202020204" pitchFamily="34" charset="0"/>
+                  <a:buChar char="•"/>
+                  <a:defRPr sz="1800" kern="1200">
+                    <a:solidFill>
+                      <a:schemeClr val="tx1"/>
+                    </a:solidFill>
+                    <a:latin typeface="+mn-lt"/>
+                    <a:ea typeface="+mn-ea"/>
+                    <a:cs typeface="+mn-cs"/>
+                  </a:defRPr>
+                </a:lvl5pPr>
+                <a:lvl6pPr marL="2514600" indent="-228600" algn="l" defTabSz="914400" rtl="0" eaLnBrk="1" latinLnBrk="0" hangingPunct="1">
+                  <a:lnSpc>
+                    <a:spcPct val="90000"/>
+                  </a:lnSpc>
+                  <a:spcBef>
+                    <a:spcPts val="500"/>
+                  </a:spcBef>
+                  <a:buFont typeface="Arial" panose="020B0604020202020204" pitchFamily="34" charset="0"/>
+                  <a:buChar char="•"/>
+                  <a:defRPr sz="1800" kern="1200">
+                    <a:solidFill>
+                      <a:schemeClr val="tx1"/>
+                    </a:solidFill>
+                    <a:latin typeface="+mn-lt"/>
+                    <a:ea typeface="+mn-ea"/>
+                    <a:cs typeface="+mn-cs"/>
+                  </a:defRPr>
+                </a:lvl6pPr>
+                <a:lvl7pPr marL="2971800" indent="-228600" algn="l" defTabSz="914400" rtl="0" eaLnBrk="1" latinLnBrk="0" hangingPunct="1">
+                  <a:lnSpc>
+                    <a:spcPct val="90000"/>
+                  </a:lnSpc>
+                  <a:spcBef>
+                    <a:spcPts val="500"/>
+                  </a:spcBef>
+                  <a:buFont typeface="Arial" panose="020B0604020202020204" pitchFamily="34" charset="0"/>
+                  <a:buChar char="•"/>
+                  <a:defRPr sz="1800" kern="1200">
+                    <a:solidFill>
+                      <a:schemeClr val="tx1"/>
+                    </a:solidFill>
+                    <a:latin typeface="+mn-lt"/>
+                    <a:ea typeface="+mn-ea"/>
+                    <a:cs typeface="+mn-cs"/>
+                  </a:defRPr>
+                </a:lvl7pPr>
+                <a:lvl8pPr marL="3429000" indent="-228600" algn="l" defTabSz="914400" rtl="0" eaLnBrk="1" latinLnBrk="0" hangingPunct="1">
+                  <a:lnSpc>
+                    <a:spcPct val="90000"/>
+                  </a:lnSpc>
+                  <a:spcBef>
+                    <a:spcPts val="500"/>
+                  </a:spcBef>
+                  <a:buFont typeface="Arial" panose="020B0604020202020204" pitchFamily="34" charset="0"/>
+                  <a:buChar char="•"/>
+                  <a:defRPr sz="1800" kern="1200">
+                    <a:solidFill>
+                      <a:schemeClr val="tx1"/>
+                    </a:solidFill>
+                    <a:latin typeface="+mn-lt"/>
+                    <a:ea typeface="+mn-ea"/>
+                    <a:cs typeface="+mn-cs"/>
+                  </a:defRPr>
+                </a:lvl8pPr>
+                <a:lvl9pPr marL="3886200" indent="-228600" algn="l" defTabSz="914400" rtl="0" eaLnBrk="1" latinLnBrk="0" hangingPunct="1">
+                  <a:lnSpc>
+                    <a:spcPct val="90000"/>
+                  </a:lnSpc>
+                  <a:spcBef>
+                    <a:spcPts val="500"/>
+                  </a:spcBef>
+                  <a:buFont typeface="Arial" panose="020B0604020202020204" pitchFamily="34" charset="0"/>
+                  <a:buChar char="•"/>
+                  <a:defRPr sz="1800" kern="1200">
+                    <a:solidFill>
+                      <a:schemeClr val="tx1"/>
+                    </a:solidFill>
+                    <a:latin typeface="+mn-lt"/>
+                    <a:ea typeface="+mn-ea"/>
+                    <a:cs typeface="+mn-cs"/>
+                  </a:defRPr>
+                </a:lvl9pPr>
+              </a:lstStyle>
+              <a:p>
+                <a:pPr marL="0" indent="0">
+                  <a:buNone/>
+                </a:pPr>
+                <a14:m>
+                  <m:oMathPara xmlns:m="http://schemas.openxmlformats.org/officeDocument/2006/math">
+                    <m:oMathParaPr>
+                      <m:jc m:val="centerGroup"/>
+                    </m:oMathParaPr>
+                    <m:oMath xmlns:m="http://schemas.openxmlformats.org/officeDocument/2006/math">
+                      <m:r>
+                        <a:rPr lang="en-US" sz="1800" i="1" dirty="0" smtClean="0">
+                          <a:latin typeface="Cambria Math" panose="02040503050406030204" pitchFamily="18" charset="0"/>
+                        </a:rPr>
+                        <m:t>𝐴𝑐𝑐𝑢𝑟𝑎𝑐𝑦</m:t>
+                      </m:r>
+                      <m:r>
+                        <a:rPr lang="en-US" sz="1800" i="1" dirty="0" smtClean="0">
+                          <a:latin typeface="Cambria Math" panose="02040503050406030204" pitchFamily="18" charset="0"/>
+                        </a:rPr>
+                        <m:t> =</m:t>
+                      </m:r>
+                      <m:f>
+                        <m:fPr>
+                          <m:ctrlPr>
+                            <a:rPr lang="en-US" sz="1800" b="0" i="1" dirty="0" smtClean="0">
+                              <a:latin typeface="Cambria Math" panose="02040503050406030204" pitchFamily="18" charset="0"/>
+                            </a:rPr>
+                          </m:ctrlPr>
+                        </m:fPr>
+                        <m:num>
+                          <m:r>
+                            <a:rPr lang="en-US" sz="1800" i="1" dirty="0" smtClean="0">
+                              <a:latin typeface="Cambria Math" panose="02040503050406030204" pitchFamily="18" charset="0"/>
+                            </a:rPr>
+                            <m:t>76+69+81</m:t>
+                          </m:r>
+                        </m:num>
+                        <m:den>
+                          <m:r>
+                            <a:rPr lang="en-US" sz="1800" b="0" i="1" dirty="0" smtClean="0">
+                              <a:latin typeface="Cambria Math" panose="02040503050406030204" pitchFamily="18" charset="0"/>
+                            </a:rPr>
+                            <m:t>76+69+81+10+12+11+27+3+6</m:t>
+                          </m:r>
+                        </m:den>
+                      </m:f>
+                      <m:r>
+                        <a:rPr lang="en-US" sz="1800" b="0" i="1" dirty="0" smtClean="0">
+                          <a:latin typeface="Cambria Math" panose="02040503050406030204" pitchFamily="18" charset="0"/>
+                        </a:rPr>
+                        <m:t>=76.66%</m:t>
+                      </m:r>
+                    </m:oMath>
+                  </m:oMathPara>
+                </a14:m>
+                <a:endParaRPr lang="en-US" sz="1800" dirty="0"/>
+              </a:p>
+            </p:txBody>
+          </p:sp>
+        </mc:Choice>
+        <mc:Fallback xmlns="">
+          <p:sp>
+            <p:nvSpPr>
+              <p:cNvPr id="11" name="Content Placeholder 2">
+                <a:extLst>
+                  <a:ext uri="{FF2B5EF4-FFF2-40B4-BE49-F238E27FC236}">
+                    <a16:creationId xmlns:a16="http://schemas.microsoft.com/office/drawing/2014/main" id="{3B539280-2463-FE2C-647E-A409CBB087BB}"/>
+                  </a:ext>
+                </a:extLst>
+              </p:cNvPr>
+              <p:cNvSpPr txBox="1">
+                <a:spLocks noRot="1" noChangeAspect="1" noMove="1" noResize="1" noEditPoints="1" noAdjustHandles="1" noChangeArrowheads="1" noChangeShapeType="1" noTextEdit="1"/>
+              </p:cNvSpPr>
+              <p:nvPr/>
+            </p:nvSpPr>
+            <p:spPr>
+              <a:xfrm>
+                <a:off x="3947484" y="4651372"/>
+                <a:ext cx="6790423" cy="664926"/>
+              </a:xfrm>
+              <a:prstGeom prst="rect">
+                <a:avLst/>
+              </a:prstGeom>
+              <a:blipFill>
+                <a:blip r:embed="rId3"/>
+                <a:stretch>
+                  <a:fillRect/>
+                </a:stretch>
+              </a:blipFill>
+              <a:ln>
+                <a:noFill/>
+              </a:ln>
+            </p:spPr>
+            <p:txBody>
+              <a:bodyPr/>
+              <a:lstStyle/>
+              <a:p>
+                <a:r>
+                  <a:rPr lang="en-US">
+                    <a:noFill/>
+                  </a:rPr>
+                  <a:t> </a:t>
+                </a:r>
+              </a:p>
+            </p:txBody>
+          </p:sp>
+        </mc:Fallback>
+      </mc:AlternateContent>
+    </p:spTree>
+    <p:extLst>
+      <p:ext uri="{BB962C8B-B14F-4D97-AF65-F5344CB8AC3E}">
+        <p14:creationId xmlns:p14="http://schemas.microsoft.com/office/powerpoint/2010/main" val="2081715045"/>
       </p:ext>
     </p:extLst>
   </p:cSld>

--- a/DecisionTrees/DecisionTrees.pptx
+++ b/DecisionTrees/DecisionTrees.pptx
@@ -4568,7 +4568,7 @@
           <a:p>
             <a:fld id="{7E292AB8-5F8F-4402-9592-F9413DCC0C16}" type="datetimeFigureOut">
               <a:rPr lang="en-US" smtClean="0"/>
-              <a:t>7/6/2023</a:t>
+              <a:t>7/7/2023</a:t>
             </a:fld>
             <a:endParaRPr lang="en-US"/>
           </a:p>
@@ -4766,7 +4766,7 @@
           <a:p>
             <a:fld id="{7E292AB8-5F8F-4402-9592-F9413DCC0C16}" type="datetimeFigureOut">
               <a:rPr lang="en-US" smtClean="0"/>
-              <a:t>7/6/2023</a:t>
+              <a:t>7/7/2023</a:t>
             </a:fld>
             <a:endParaRPr lang="en-US"/>
           </a:p>
@@ -4974,7 +4974,7 @@
           <a:p>
             <a:fld id="{7E292AB8-5F8F-4402-9592-F9413DCC0C16}" type="datetimeFigureOut">
               <a:rPr lang="en-US" smtClean="0"/>
-              <a:t>7/6/2023</a:t>
+              <a:t>7/7/2023</a:t>
             </a:fld>
             <a:endParaRPr lang="en-US"/>
           </a:p>
@@ -5172,7 +5172,7 @@
           <a:p>
             <a:fld id="{7E292AB8-5F8F-4402-9592-F9413DCC0C16}" type="datetimeFigureOut">
               <a:rPr lang="en-US" smtClean="0"/>
-              <a:t>7/6/2023</a:t>
+              <a:t>7/7/2023</a:t>
             </a:fld>
             <a:endParaRPr lang="en-US"/>
           </a:p>
@@ -5447,7 +5447,7 @@
           <a:p>
             <a:fld id="{7E292AB8-5F8F-4402-9592-F9413DCC0C16}" type="datetimeFigureOut">
               <a:rPr lang="en-US" smtClean="0"/>
-              <a:t>7/6/2023</a:t>
+              <a:t>7/7/2023</a:t>
             </a:fld>
             <a:endParaRPr lang="en-US"/>
           </a:p>
@@ -5712,7 +5712,7 @@
           <a:p>
             <a:fld id="{7E292AB8-5F8F-4402-9592-F9413DCC0C16}" type="datetimeFigureOut">
               <a:rPr lang="en-US" smtClean="0"/>
-              <a:t>7/6/2023</a:t>
+              <a:t>7/7/2023</a:t>
             </a:fld>
             <a:endParaRPr lang="en-US"/>
           </a:p>
@@ -6124,7 +6124,7 @@
           <a:p>
             <a:fld id="{7E292AB8-5F8F-4402-9592-F9413DCC0C16}" type="datetimeFigureOut">
               <a:rPr lang="en-US" smtClean="0"/>
-              <a:t>7/6/2023</a:t>
+              <a:t>7/7/2023</a:t>
             </a:fld>
             <a:endParaRPr lang="en-US"/>
           </a:p>
@@ -6265,7 +6265,7 @@
           <a:p>
             <a:fld id="{7E292AB8-5F8F-4402-9592-F9413DCC0C16}" type="datetimeFigureOut">
               <a:rPr lang="en-US" smtClean="0"/>
-              <a:t>7/6/2023</a:t>
+              <a:t>7/7/2023</a:t>
             </a:fld>
             <a:endParaRPr lang="en-US"/>
           </a:p>
@@ -6378,7 +6378,7 @@
           <a:p>
             <a:fld id="{7E292AB8-5F8F-4402-9592-F9413DCC0C16}" type="datetimeFigureOut">
               <a:rPr lang="en-US" smtClean="0"/>
-              <a:t>7/6/2023</a:t>
+              <a:t>7/7/2023</a:t>
             </a:fld>
             <a:endParaRPr lang="en-US"/>
           </a:p>
@@ -6689,7 +6689,7 @@
           <a:p>
             <a:fld id="{7E292AB8-5F8F-4402-9592-F9413DCC0C16}" type="datetimeFigureOut">
               <a:rPr lang="en-US" smtClean="0"/>
-              <a:t>7/6/2023</a:t>
+              <a:t>7/7/2023</a:t>
             </a:fld>
             <a:endParaRPr lang="en-US"/>
           </a:p>
@@ -6977,7 +6977,7 @@
           <a:p>
             <a:fld id="{7E292AB8-5F8F-4402-9592-F9413DCC0C16}" type="datetimeFigureOut">
               <a:rPr lang="en-US" smtClean="0"/>
-              <a:t>7/6/2023</a:t>
+              <a:t>7/7/2023</a:t>
             </a:fld>
             <a:endParaRPr lang="en-US"/>
           </a:p>
@@ -7218,7 +7218,7 @@
           <a:p>
             <a:fld id="{7E292AB8-5F8F-4402-9592-F9413DCC0C16}" type="datetimeFigureOut">
               <a:rPr lang="en-US" smtClean="0"/>
-              <a:t>7/6/2023</a:t>
+              <a:t>7/7/2023</a:t>
             </a:fld>
             <a:endParaRPr lang="en-US"/>
           </a:p>
@@ -21034,13 +21034,52 @@
         </p:nvSpPr>
         <p:spPr/>
         <p:txBody>
-          <a:bodyPr/>
+          <a:bodyPr>
+            <a:normAutofit fontScale="92500" lnSpcReduction="10000"/>
+          </a:bodyPr>
           <a:lstStyle/>
           <a:p>
             <a:r>
               <a:rPr lang="en-US" dirty="0"/>
-              <a:t>Classification</a:t>
+              <a:t>Classification:</a:t>
             </a:r>
+          </a:p>
+          <a:p>
+            <a:pPr lvl="1"/>
+            <a:r>
+              <a:rPr lang="en-AU" dirty="0"/>
+              <a:t>The goal is to predict a categorical or discrete output variable based on input features. </a:t>
+            </a:r>
+          </a:p>
+          <a:p>
+            <a:pPr lvl="1"/>
+            <a:r>
+              <a:rPr lang="en-AU" dirty="0"/>
+              <a:t>The algorithm learns from a </a:t>
+            </a:r>
+            <a:r>
+              <a:rPr lang="en-AU" dirty="0" err="1"/>
+              <a:t>labeled</a:t>
+            </a:r>
+            <a:r>
+              <a:rPr lang="en-AU" dirty="0"/>
+              <a:t> dataset where each example is assigned a predefined class or category.</a:t>
+            </a:r>
+          </a:p>
+          <a:p>
+            <a:pPr lvl="1"/>
+            <a:r>
+              <a:rPr lang="en-AU" dirty="0"/>
+              <a:t>The model then uses this training data to classify new, unseen instances into one of the known classes.</a:t>
+            </a:r>
+          </a:p>
+          <a:p>
+            <a:pPr lvl="1"/>
+            <a:r>
+              <a:rPr lang="en-AU" dirty="0"/>
+              <a:t>Example: Email spam detection</a:t>
+            </a:r>
+            <a:endParaRPr lang="en-US" dirty="0"/>
           </a:p>
         </p:txBody>
       </p:sp>
@@ -21062,13 +21101,52 @@
         </p:nvSpPr>
         <p:spPr/>
         <p:txBody>
-          <a:bodyPr/>
+          <a:bodyPr>
+            <a:normAutofit fontScale="92500" lnSpcReduction="10000"/>
+          </a:bodyPr>
           <a:lstStyle/>
           <a:p>
             <a:r>
               <a:rPr lang="en-US" dirty="0"/>
-              <a:t>Regression</a:t>
+              <a:t>Regression:</a:t>
             </a:r>
+          </a:p>
+          <a:p>
+            <a:pPr lvl="1"/>
+            <a:r>
+              <a:rPr lang="en-AU" dirty="0"/>
+              <a:t>It involves predicting a continuous output variable based on input features.</a:t>
+            </a:r>
+          </a:p>
+          <a:p>
+            <a:pPr lvl="1"/>
+            <a:r>
+              <a:rPr lang="en-AU" dirty="0"/>
+              <a:t>The algorithm learns from </a:t>
+            </a:r>
+            <a:r>
+              <a:rPr lang="en-AU" dirty="0" err="1"/>
+              <a:t>labeled</a:t>
+            </a:r>
+            <a:r>
+              <a:rPr lang="en-AU" dirty="0"/>
+              <a:t> data, where each example has a corresponding continuous target value.</a:t>
+            </a:r>
+          </a:p>
+          <a:p>
+            <a:pPr lvl="1"/>
+            <a:r>
+              <a:rPr lang="en-AU" dirty="0"/>
+              <a:t>The model then uses this training data to estimate or predict numeric values for new inputs.</a:t>
+            </a:r>
+          </a:p>
+          <a:p>
+            <a:pPr lvl="1"/>
+            <a:r>
+              <a:rPr lang="en-AU" dirty="0"/>
+              <a:t>Example: Predicting house prices based on some factors (area, no. of. bedrooms, location…) </a:t>
+            </a:r>
+            <a:endParaRPr lang="en-US" dirty="0"/>
           </a:p>
         </p:txBody>
       </p:sp>

--- a/DecisionTrees/DecisionTrees.pptx
+++ b/DecisionTrees/DecisionTrees.pptx
@@ -27,9 +27,10 @@
     <p:sldId id="261" r:id="rId21"/>
     <p:sldId id="282" r:id="rId22"/>
     <p:sldId id="283" r:id="rId23"/>
-    <p:sldId id="262" r:id="rId24"/>
-    <p:sldId id="278" r:id="rId25"/>
-    <p:sldId id="279" r:id="rId26"/>
+    <p:sldId id="284" r:id="rId24"/>
+    <p:sldId id="262" r:id="rId25"/>
+    <p:sldId id="278" r:id="rId26"/>
+    <p:sldId id="279" r:id="rId27"/>
   </p:sldIdLst>
   <p:sldSz cx="12192000" cy="6858000"/>
   <p:notesSz cx="6858000" cy="9144000"/>
@@ -8555,7 +8556,7 @@
           <a:p>
             <a:fld id="{7E292AB8-5F8F-4402-9592-F9413DCC0C16}" type="datetimeFigureOut">
               <a:rPr lang="en-US" smtClean="0"/>
-              <a:t>7/8/2023</a:t>
+              <a:t>7/10/2023</a:t>
             </a:fld>
             <a:endParaRPr lang="en-US"/>
           </a:p>
@@ -8753,7 +8754,7 @@
           <a:p>
             <a:fld id="{7E292AB8-5F8F-4402-9592-F9413DCC0C16}" type="datetimeFigureOut">
               <a:rPr lang="en-US" smtClean="0"/>
-              <a:t>7/8/2023</a:t>
+              <a:t>7/10/2023</a:t>
             </a:fld>
             <a:endParaRPr lang="en-US"/>
           </a:p>
@@ -8961,7 +8962,7 @@
           <a:p>
             <a:fld id="{7E292AB8-5F8F-4402-9592-F9413DCC0C16}" type="datetimeFigureOut">
               <a:rPr lang="en-US" smtClean="0"/>
-              <a:t>7/8/2023</a:t>
+              <a:t>7/10/2023</a:t>
             </a:fld>
             <a:endParaRPr lang="en-US"/>
           </a:p>
@@ -9159,7 +9160,7 @@
           <a:p>
             <a:fld id="{7E292AB8-5F8F-4402-9592-F9413DCC0C16}" type="datetimeFigureOut">
               <a:rPr lang="en-US" smtClean="0"/>
-              <a:t>7/8/2023</a:t>
+              <a:t>7/10/2023</a:t>
             </a:fld>
             <a:endParaRPr lang="en-US"/>
           </a:p>
@@ -9434,7 +9435,7 @@
           <a:p>
             <a:fld id="{7E292AB8-5F8F-4402-9592-F9413DCC0C16}" type="datetimeFigureOut">
               <a:rPr lang="en-US" smtClean="0"/>
-              <a:t>7/8/2023</a:t>
+              <a:t>7/10/2023</a:t>
             </a:fld>
             <a:endParaRPr lang="en-US"/>
           </a:p>
@@ -9699,7 +9700,7 @@
           <a:p>
             <a:fld id="{7E292AB8-5F8F-4402-9592-F9413DCC0C16}" type="datetimeFigureOut">
               <a:rPr lang="en-US" smtClean="0"/>
-              <a:t>7/8/2023</a:t>
+              <a:t>7/10/2023</a:t>
             </a:fld>
             <a:endParaRPr lang="en-US"/>
           </a:p>
@@ -10111,7 +10112,7 @@
           <a:p>
             <a:fld id="{7E292AB8-5F8F-4402-9592-F9413DCC0C16}" type="datetimeFigureOut">
               <a:rPr lang="en-US" smtClean="0"/>
-              <a:t>7/8/2023</a:t>
+              <a:t>7/10/2023</a:t>
             </a:fld>
             <a:endParaRPr lang="en-US"/>
           </a:p>
@@ -10252,7 +10253,7 @@
           <a:p>
             <a:fld id="{7E292AB8-5F8F-4402-9592-F9413DCC0C16}" type="datetimeFigureOut">
               <a:rPr lang="en-US" smtClean="0"/>
-              <a:t>7/8/2023</a:t>
+              <a:t>7/10/2023</a:t>
             </a:fld>
             <a:endParaRPr lang="en-US"/>
           </a:p>
@@ -10365,7 +10366,7 @@
           <a:p>
             <a:fld id="{7E292AB8-5F8F-4402-9592-F9413DCC0C16}" type="datetimeFigureOut">
               <a:rPr lang="en-US" smtClean="0"/>
-              <a:t>7/8/2023</a:t>
+              <a:t>7/10/2023</a:t>
             </a:fld>
             <a:endParaRPr lang="en-US"/>
           </a:p>
@@ -10676,7 +10677,7 @@
           <a:p>
             <a:fld id="{7E292AB8-5F8F-4402-9592-F9413DCC0C16}" type="datetimeFigureOut">
               <a:rPr lang="en-US" smtClean="0"/>
-              <a:t>7/8/2023</a:t>
+              <a:t>7/10/2023</a:t>
             </a:fld>
             <a:endParaRPr lang="en-US"/>
           </a:p>
@@ -10964,7 +10965,7 @@
           <a:p>
             <a:fld id="{7E292AB8-5F8F-4402-9592-F9413DCC0C16}" type="datetimeFigureOut">
               <a:rPr lang="en-US" smtClean="0"/>
-              <a:t>7/8/2023</a:t>
+              <a:t>7/10/2023</a:t>
             </a:fld>
             <a:endParaRPr lang="en-US"/>
           </a:p>
@@ -11205,7 +11206,7 @@
           <a:p>
             <a:fld id="{7E292AB8-5F8F-4402-9592-F9413DCC0C16}" type="datetimeFigureOut">
               <a:rPr lang="en-US" smtClean="0"/>
-              <a:t>7/8/2023</a:t>
+              <a:t>7/10/2023</a:t>
             </a:fld>
             <a:endParaRPr lang="en-US"/>
           </a:p>
@@ -24475,8 +24476,8 @@
           </a:p>
         </p:txBody>
       </p:sp>
-      <mc:AlternateContent xmlns:mc="http://schemas.openxmlformats.org/markup-compatibility/2006">
-        <mc:Choice xmlns:a14="http://schemas.microsoft.com/office/drawing/2010/main" Requires="a14">
+      <mc:AlternateContent xmlns:mc="http://schemas.openxmlformats.org/markup-compatibility/2006" xmlns:a14="http://schemas.microsoft.com/office/drawing/2010/main">
+        <mc:Choice Requires="a14">
           <p:sp>
             <p:nvSpPr>
               <p:cNvPr id="3" name="Content Placeholder 2">
@@ -25132,7 +25133,7 @@
             </p:txBody>
           </p:sp>
         </mc:Choice>
-        <mc:Fallback>
+        <mc:Fallback xmlns="">
           <p:sp>
             <p:nvSpPr>
               <p:cNvPr id="3" name="Content Placeholder 2">
@@ -25241,8 +25242,8 @@
           </a:p>
         </p:txBody>
       </p:sp>
-      <mc:AlternateContent xmlns:mc="http://schemas.openxmlformats.org/markup-compatibility/2006">
-        <mc:Choice xmlns:a14="http://schemas.microsoft.com/office/drawing/2010/main" Requires="a14">
+      <mc:AlternateContent xmlns:mc="http://schemas.openxmlformats.org/markup-compatibility/2006" xmlns:a14="http://schemas.microsoft.com/office/drawing/2010/main">
+        <mc:Choice Requires="a14">
           <p:sp>
             <p:nvSpPr>
               <p:cNvPr id="3" name="Content Placeholder 2">
@@ -25458,7 +25459,7 @@
             </p:txBody>
           </p:sp>
         </mc:Choice>
-        <mc:Fallback>
+        <mc:Fallback xmlns="">
           <p:sp>
             <p:nvSpPr>
               <p:cNvPr id="3" name="Content Placeholder 2">
@@ -26092,8 +26093,8 @@
           </a:p>
         </p:txBody>
       </p:sp>
-      <mc:AlternateContent xmlns:mc="http://schemas.openxmlformats.org/markup-compatibility/2006">
-        <mc:Choice xmlns:a14="http://schemas.microsoft.com/office/drawing/2010/main" Requires="a14">
+      <mc:AlternateContent xmlns:mc="http://schemas.openxmlformats.org/markup-compatibility/2006" xmlns:a14="http://schemas.microsoft.com/office/drawing/2010/main">
+        <mc:Choice Requires="a14">
           <p:sp>
             <p:nvSpPr>
               <p:cNvPr id="26" name="TextBox 25">
@@ -26160,7 +26161,7 @@
             </p:txBody>
           </p:sp>
         </mc:Choice>
-        <mc:Fallback>
+        <mc:Fallback xmlns="">
           <p:sp>
             <p:nvSpPr>
               <p:cNvPr id="26" name="TextBox 25">
@@ -26205,8 +26206,8 @@
           </p:sp>
         </mc:Fallback>
       </mc:AlternateContent>
-      <mc:AlternateContent xmlns:mc="http://schemas.openxmlformats.org/markup-compatibility/2006">
-        <mc:Choice xmlns:a14="http://schemas.microsoft.com/office/drawing/2010/main" Requires="a14">
+      <mc:AlternateContent xmlns:mc="http://schemas.openxmlformats.org/markup-compatibility/2006" xmlns:a14="http://schemas.microsoft.com/office/drawing/2010/main">
+        <mc:Choice Requires="a14">
           <p:sp>
             <p:nvSpPr>
               <p:cNvPr id="27" name="TextBox 26">
@@ -26273,7 +26274,7 @@
             </p:txBody>
           </p:sp>
         </mc:Choice>
-        <mc:Fallback>
+        <mc:Fallback xmlns="">
           <p:sp>
             <p:nvSpPr>
               <p:cNvPr id="27" name="TextBox 26">
@@ -26318,8 +26319,8 @@
           </p:sp>
         </mc:Fallback>
       </mc:AlternateContent>
-      <mc:AlternateContent xmlns:mc="http://schemas.openxmlformats.org/markup-compatibility/2006">
-        <mc:Choice xmlns:a14="http://schemas.microsoft.com/office/drawing/2010/main" Requires="a14">
+      <mc:AlternateContent xmlns:mc="http://schemas.openxmlformats.org/markup-compatibility/2006" xmlns:a14="http://schemas.microsoft.com/office/drawing/2010/main">
+        <mc:Choice Requires="a14">
           <p:sp>
             <p:nvSpPr>
               <p:cNvPr id="28" name="TextBox 27">
@@ -26386,7 +26387,7 @@
             </p:txBody>
           </p:sp>
         </mc:Choice>
-        <mc:Fallback>
+        <mc:Fallback xmlns="">
           <p:sp>
             <p:nvSpPr>
               <p:cNvPr id="28" name="TextBox 27">
@@ -26987,8 +26988,8 @@
           </a:p>
         </p:txBody>
       </p:sp>
-      <mc:AlternateContent xmlns:mc="http://schemas.openxmlformats.org/markup-compatibility/2006">
-        <mc:Choice xmlns:a14="http://schemas.microsoft.com/office/drawing/2010/main" Requires="a14">
+      <mc:AlternateContent xmlns:mc="http://schemas.openxmlformats.org/markup-compatibility/2006" xmlns:a14="http://schemas.microsoft.com/office/drawing/2010/main">
+        <mc:Choice Requires="a14">
           <p:sp>
             <p:nvSpPr>
               <p:cNvPr id="43" name="TextBox 42">
@@ -27055,7 +27056,7 @@
             </p:txBody>
           </p:sp>
         </mc:Choice>
-        <mc:Fallback>
+        <mc:Fallback xmlns="">
           <p:sp>
             <p:nvSpPr>
               <p:cNvPr id="43" name="TextBox 42">
@@ -27100,8 +27101,8 @@
           </p:sp>
         </mc:Fallback>
       </mc:AlternateContent>
-      <mc:AlternateContent xmlns:mc="http://schemas.openxmlformats.org/markup-compatibility/2006">
-        <mc:Choice xmlns:a14="http://schemas.microsoft.com/office/drawing/2010/main" Requires="a14">
+      <mc:AlternateContent xmlns:mc="http://schemas.openxmlformats.org/markup-compatibility/2006" xmlns:a14="http://schemas.microsoft.com/office/drawing/2010/main">
+        <mc:Choice Requires="a14">
           <p:sp>
             <p:nvSpPr>
               <p:cNvPr id="44" name="TextBox 43">
@@ -27149,13 +27150,7 @@
                           <a:rPr lang="en-US" b="0" i="1" smtClean="0">
                             <a:latin typeface="Cambria Math" panose="02040503050406030204" pitchFamily="18" charset="0"/>
                           </a:rPr>
-                          <m:t>2</m:t>
-                        </m:r>
-                        <m:r>
-                          <a:rPr lang="en-US" b="0" i="1" smtClean="0">
-                            <a:latin typeface="Cambria Math" panose="02040503050406030204" pitchFamily="18" charset="0"/>
-                          </a:rPr>
-                          <m:t>5</m:t>
+                          <m:t>25</m:t>
                         </m:r>
                       </m:num>
                       <m:den>
@@ -27174,7 +27169,7 @@
             </p:txBody>
           </p:sp>
         </mc:Choice>
-        <mc:Fallback>
+        <mc:Fallback xmlns="">
           <p:sp>
             <p:nvSpPr>
               <p:cNvPr id="44" name="TextBox 43">
@@ -27219,8 +27214,8 @@
           </p:sp>
         </mc:Fallback>
       </mc:AlternateContent>
-      <mc:AlternateContent xmlns:mc="http://schemas.openxmlformats.org/markup-compatibility/2006">
-        <mc:Choice xmlns:a14="http://schemas.microsoft.com/office/drawing/2010/main" Requires="a14">
+      <mc:AlternateContent xmlns:mc="http://schemas.openxmlformats.org/markup-compatibility/2006" xmlns:a14="http://schemas.microsoft.com/office/drawing/2010/main">
+        <mc:Choice Requires="a14">
           <p:sp>
             <p:nvSpPr>
               <p:cNvPr id="45" name="TextBox 44">
@@ -27287,7 +27282,7 @@
             </p:txBody>
           </p:sp>
         </mc:Choice>
-        <mc:Fallback>
+        <mc:Fallback xmlns="">
           <p:sp>
             <p:nvSpPr>
               <p:cNvPr id="45" name="TextBox 44">
@@ -27577,8 +27572,8 @@
           </a:p>
         </p:txBody>
       </p:sp>
-      <mc:AlternateContent xmlns:mc="http://schemas.openxmlformats.org/markup-compatibility/2006">
-        <mc:Choice xmlns:a14="http://schemas.microsoft.com/office/drawing/2010/main" Requires="a14">
+      <mc:AlternateContent xmlns:mc="http://schemas.openxmlformats.org/markup-compatibility/2006" xmlns:a14="http://schemas.microsoft.com/office/drawing/2010/main">
+        <mc:Choice Requires="a14">
           <p:sp>
             <p:nvSpPr>
               <p:cNvPr id="3" name="Content Placeholder 2">
@@ -27794,7 +27789,7 @@
             </p:txBody>
           </p:sp>
         </mc:Choice>
-        <mc:Fallback>
+        <mc:Fallback xmlns="">
           <p:sp>
             <p:nvSpPr>
               <p:cNvPr id="3" name="Content Placeholder 2">
@@ -28428,8 +28423,8 @@
           </a:p>
         </p:txBody>
       </p:sp>
-      <mc:AlternateContent xmlns:mc="http://schemas.openxmlformats.org/markup-compatibility/2006">
-        <mc:Choice xmlns:a14="http://schemas.microsoft.com/office/drawing/2010/main" Requires="a14">
+      <mc:AlternateContent xmlns:mc="http://schemas.openxmlformats.org/markup-compatibility/2006" xmlns:a14="http://schemas.microsoft.com/office/drawing/2010/main">
+        <mc:Choice Requires="a14">
           <p:sp>
             <p:nvSpPr>
               <p:cNvPr id="26" name="TextBox 25">
@@ -28496,7 +28491,7 @@
             </p:txBody>
           </p:sp>
         </mc:Choice>
-        <mc:Fallback>
+        <mc:Fallback xmlns="">
           <p:sp>
             <p:nvSpPr>
               <p:cNvPr id="26" name="TextBox 25">
@@ -28541,8 +28536,8 @@
           </p:sp>
         </mc:Fallback>
       </mc:AlternateContent>
-      <mc:AlternateContent xmlns:mc="http://schemas.openxmlformats.org/markup-compatibility/2006">
-        <mc:Choice xmlns:a14="http://schemas.microsoft.com/office/drawing/2010/main" Requires="a14">
+      <mc:AlternateContent xmlns:mc="http://schemas.openxmlformats.org/markup-compatibility/2006" xmlns:a14="http://schemas.microsoft.com/office/drawing/2010/main">
+        <mc:Choice Requires="a14">
           <p:sp>
             <p:nvSpPr>
               <p:cNvPr id="27" name="TextBox 26">
@@ -28609,7 +28604,7 @@
             </p:txBody>
           </p:sp>
         </mc:Choice>
-        <mc:Fallback>
+        <mc:Fallback xmlns="">
           <p:sp>
             <p:nvSpPr>
               <p:cNvPr id="27" name="TextBox 26">
@@ -28654,8 +28649,8 @@
           </p:sp>
         </mc:Fallback>
       </mc:AlternateContent>
-      <mc:AlternateContent xmlns:mc="http://schemas.openxmlformats.org/markup-compatibility/2006">
-        <mc:Choice xmlns:a14="http://schemas.microsoft.com/office/drawing/2010/main" Requires="a14">
+      <mc:AlternateContent xmlns:mc="http://schemas.openxmlformats.org/markup-compatibility/2006" xmlns:a14="http://schemas.microsoft.com/office/drawing/2010/main">
+        <mc:Choice Requires="a14">
           <p:sp>
             <p:nvSpPr>
               <p:cNvPr id="28" name="TextBox 27">
@@ -28722,7 +28717,7 @@
             </p:txBody>
           </p:sp>
         </mc:Choice>
-        <mc:Fallback>
+        <mc:Fallback xmlns="">
           <p:sp>
             <p:nvSpPr>
               <p:cNvPr id="28" name="TextBox 27">
@@ -29323,8 +29318,8 @@
           </a:p>
         </p:txBody>
       </p:sp>
-      <mc:AlternateContent xmlns:mc="http://schemas.openxmlformats.org/markup-compatibility/2006">
-        <mc:Choice xmlns:a14="http://schemas.microsoft.com/office/drawing/2010/main" Requires="a14">
+      <mc:AlternateContent xmlns:mc="http://schemas.openxmlformats.org/markup-compatibility/2006" xmlns:a14="http://schemas.microsoft.com/office/drawing/2010/main">
+        <mc:Choice Requires="a14">
           <p:sp>
             <p:nvSpPr>
               <p:cNvPr id="43" name="TextBox 42">
@@ -29391,7 +29386,7 @@
             </p:txBody>
           </p:sp>
         </mc:Choice>
-        <mc:Fallback>
+        <mc:Fallback xmlns="">
           <p:sp>
             <p:nvSpPr>
               <p:cNvPr id="43" name="TextBox 42">
@@ -29436,8 +29431,8 @@
           </p:sp>
         </mc:Fallback>
       </mc:AlternateContent>
-      <mc:AlternateContent xmlns:mc="http://schemas.openxmlformats.org/markup-compatibility/2006">
-        <mc:Choice xmlns:a14="http://schemas.microsoft.com/office/drawing/2010/main" Requires="a14">
+      <mc:AlternateContent xmlns:mc="http://schemas.openxmlformats.org/markup-compatibility/2006" xmlns:a14="http://schemas.microsoft.com/office/drawing/2010/main">
+        <mc:Choice Requires="a14">
           <p:sp>
             <p:nvSpPr>
               <p:cNvPr id="44" name="TextBox 43">
@@ -29504,7 +29499,7 @@
             </p:txBody>
           </p:sp>
         </mc:Choice>
-        <mc:Fallback>
+        <mc:Fallback xmlns="">
           <p:sp>
             <p:nvSpPr>
               <p:cNvPr id="44" name="TextBox 43">
@@ -29549,8 +29544,8 @@
           </p:sp>
         </mc:Fallback>
       </mc:AlternateContent>
-      <mc:AlternateContent xmlns:mc="http://schemas.openxmlformats.org/markup-compatibility/2006">
-        <mc:Choice xmlns:a14="http://schemas.microsoft.com/office/drawing/2010/main" Requires="a14">
+      <mc:AlternateContent xmlns:mc="http://schemas.openxmlformats.org/markup-compatibility/2006" xmlns:a14="http://schemas.microsoft.com/office/drawing/2010/main">
+        <mc:Choice Requires="a14">
           <p:sp>
             <p:nvSpPr>
               <p:cNvPr id="45" name="TextBox 44">
@@ -29617,7 +29612,7 @@
             </p:txBody>
           </p:sp>
         </mc:Choice>
-        <mc:Fallback>
+        <mc:Fallback xmlns="">
           <p:sp>
             <p:nvSpPr>
               <p:cNvPr id="45" name="TextBox 44">
@@ -29877,6 +29872,652 @@
           <p:cNvPr id="2" name="Title 1">
             <a:extLst>
               <a:ext uri="{FF2B5EF4-FFF2-40B4-BE49-F238E27FC236}">
+                <a16:creationId xmlns:a16="http://schemas.microsoft.com/office/drawing/2014/main" id="{D7D84157-C6D0-2EA9-8E09-09A662918383}"/>
+              </a:ext>
+            </a:extLst>
+          </p:cNvPr>
+          <p:cNvSpPr>
+            <a:spLocks noGrp="1"/>
+          </p:cNvSpPr>
+          <p:nvPr>
+            <p:ph type="title"/>
+          </p:nvPr>
+        </p:nvSpPr>
+        <p:spPr/>
+        <p:txBody>
+          <a:bodyPr/>
+          <a:lstStyle/>
+          <a:p>
+            <a:r>
+              <a:rPr lang="en-AU" dirty="0"/>
+              <a:t>Entropy</a:t>
+            </a:r>
+          </a:p>
+        </p:txBody>
+      </p:sp>
+      <mc:AlternateContent xmlns:mc="http://schemas.openxmlformats.org/markup-compatibility/2006">
+        <mc:Choice xmlns:a14="http://schemas.microsoft.com/office/drawing/2010/main" Requires="a14">
+          <p:sp>
+            <p:nvSpPr>
+              <p:cNvPr id="3" name="Content Placeholder 2">
+                <a:extLst>
+                  <a:ext uri="{FF2B5EF4-FFF2-40B4-BE49-F238E27FC236}">
+                    <a16:creationId xmlns:a16="http://schemas.microsoft.com/office/drawing/2014/main" id="{53228F2A-4E22-DA45-3CDC-80B816A318D6}"/>
+                  </a:ext>
+                </a:extLst>
+              </p:cNvPr>
+              <p:cNvSpPr>
+                <a:spLocks noGrp="1"/>
+              </p:cNvSpPr>
+              <p:nvPr>
+                <p:ph idx="1"/>
+              </p:nvPr>
+            </p:nvSpPr>
+            <p:spPr/>
+            <p:txBody>
+              <a:bodyPr>
+                <a:normAutofit/>
+              </a:bodyPr>
+              <a:lstStyle/>
+              <a:p>
+                <a:r>
+                  <a:rPr lang="en-AU" sz="2400" dirty="0"/>
+                  <a:t>Entropy of a random variable X is the level of uncertainty inherent in the variables possible outcome.</a:t>
+                </a:r>
+              </a:p>
+              <a:p>
+                <a:r>
+                  <a:rPr lang="en-AU" sz="2400" dirty="0"/>
+                  <a:t>P(x) – Probability distribution and X is a random variable.</a:t>
+                </a:r>
+              </a:p>
+              <a:p>
+                <a:pPr marL="0" indent="0">
+                  <a:buNone/>
+                </a:pPr>
+                <a14:m>
+                  <m:oMathPara xmlns:m="http://schemas.openxmlformats.org/officeDocument/2006/math">
+                    <m:oMathParaPr>
+                      <m:jc m:val="centerGroup"/>
+                    </m:oMathParaPr>
+                    <m:oMath xmlns:m="http://schemas.openxmlformats.org/officeDocument/2006/math">
+                      <m:r>
+                        <a:rPr lang="en-AU" sz="2400" b="0" i="1" smtClean="0">
+                          <a:latin typeface="Cambria Math" panose="02040503050406030204" pitchFamily="18" charset="0"/>
+                        </a:rPr>
+                        <m:t>𝐸𝑛𝑡𝑟𝑜𝑝𝑦</m:t>
+                      </m:r>
+                      <m:r>
+                        <a:rPr lang="en-AU" sz="2400" b="0" i="1" smtClean="0">
+                          <a:latin typeface="Cambria Math" panose="02040503050406030204" pitchFamily="18" charset="0"/>
+                        </a:rPr>
+                        <m:t>=</m:t>
+                      </m:r>
+                      <m:r>
+                        <a:rPr lang="en-AU" sz="2400" b="0" i="1" smtClean="0">
+                          <a:latin typeface="Cambria Math" panose="02040503050406030204" pitchFamily="18" charset="0"/>
+                        </a:rPr>
+                        <m:t>𝐻</m:t>
+                      </m:r>
+                      <m:d>
+                        <m:dPr>
+                          <m:ctrlPr>
+                            <a:rPr lang="en-AU" sz="2400" b="0" i="1" smtClean="0">
+                              <a:latin typeface="Cambria Math" panose="02040503050406030204" pitchFamily="18" charset="0"/>
+                            </a:rPr>
+                          </m:ctrlPr>
+                        </m:dPr>
+                        <m:e>
+                          <m:r>
+                            <a:rPr lang="en-AU" sz="2400" b="0" i="1" smtClean="0">
+                              <a:latin typeface="Cambria Math" panose="02040503050406030204" pitchFamily="18" charset="0"/>
+                            </a:rPr>
+                            <m:t>𝑥</m:t>
+                          </m:r>
+                        </m:e>
+                      </m:d>
+                      <m:r>
+                        <a:rPr lang="en-AU" sz="2400" b="0" i="1" smtClean="0">
+                          <a:latin typeface="Cambria Math" panose="02040503050406030204" pitchFamily="18" charset="0"/>
+                        </a:rPr>
+                        <m:t>= </m:t>
+                      </m:r>
+                      <m:d>
+                        <m:dPr>
+                          <m:begChr m:val="{"/>
+                          <m:endChr m:val=""/>
+                          <m:ctrlPr>
+                            <a:rPr lang="en-AU" sz="2400" b="0" i="1" smtClean="0">
+                              <a:latin typeface="Cambria Math" panose="02040503050406030204" pitchFamily="18" charset="0"/>
+                            </a:rPr>
+                          </m:ctrlPr>
+                        </m:dPr>
+                        <m:e>
+                          <m:eqArr>
+                            <m:eqArrPr>
+                              <m:ctrlPr>
+                                <a:rPr lang="en-AU" sz="2400" b="0" i="1" smtClean="0">
+                                  <a:latin typeface="Cambria Math" panose="02040503050406030204" pitchFamily="18" charset="0"/>
+                                </a:rPr>
+                              </m:ctrlPr>
+                            </m:eqArrPr>
+                            <m:e>
+                              <m:r>
+                                <a:rPr lang="en-AU" sz="2400" b="0" i="1" smtClean="0">
+                                  <a:latin typeface="Cambria Math" panose="02040503050406030204" pitchFamily="18" charset="0"/>
+                                </a:rPr>
+                                <m:t>−</m:t>
+                              </m:r>
+                              <m:nary>
+                                <m:naryPr>
+                                  <m:limLoc m:val="undOvr"/>
+                                  <m:subHide m:val="on"/>
+                                  <m:supHide m:val="on"/>
+                                  <m:ctrlPr>
+                                    <a:rPr lang="en-AU" sz="2400" b="0" i="1" smtClean="0">
+                                      <a:latin typeface="Cambria Math" panose="02040503050406030204" pitchFamily="18" charset="0"/>
+                                    </a:rPr>
+                                  </m:ctrlPr>
+                                </m:naryPr>
+                                <m:sub/>
+                                <m:sup/>
+                                <m:e>
+                                  <m:r>
+                                    <a:rPr lang="en-AU" sz="2400" b="0" i="1" smtClean="0">
+                                      <a:latin typeface="Cambria Math" panose="02040503050406030204" pitchFamily="18" charset="0"/>
+                                    </a:rPr>
+                                    <m:t>𝑝</m:t>
+                                  </m:r>
+                                  <m:d>
+                                    <m:dPr>
+                                      <m:ctrlPr>
+                                        <a:rPr lang="en-AU" sz="2400" b="0" i="1" smtClean="0">
+                                          <a:latin typeface="Cambria Math" panose="02040503050406030204" pitchFamily="18" charset="0"/>
+                                        </a:rPr>
+                                      </m:ctrlPr>
+                                    </m:dPr>
+                                    <m:e>
+                                      <m:r>
+                                        <a:rPr lang="en-AU" sz="2400" b="0" i="1" smtClean="0">
+                                          <a:latin typeface="Cambria Math" panose="02040503050406030204" pitchFamily="18" charset="0"/>
+                                        </a:rPr>
+                                        <m:t>𝑥</m:t>
+                                      </m:r>
+                                    </m:e>
+                                  </m:d>
+                                  <m:r>
+                                    <a:rPr lang="en-AU" sz="2400" b="0" i="1" smtClean="0">
+                                      <a:latin typeface="Cambria Math" panose="02040503050406030204" pitchFamily="18" charset="0"/>
+                                    </a:rPr>
+                                    <m:t>.</m:t>
+                                  </m:r>
+                                  <m:func>
+                                    <m:funcPr>
+                                      <m:ctrlPr>
+                                        <a:rPr lang="en-AU" sz="2400" b="0" i="1" smtClean="0">
+                                          <a:latin typeface="Cambria Math" panose="02040503050406030204" pitchFamily="18" charset="0"/>
+                                        </a:rPr>
+                                      </m:ctrlPr>
+                                    </m:funcPr>
+                                    <m:fName>
+                                      <m:r>
+                                        <m:rPr>
+                                          <m:sty m:val="p"/>
+                                        </m:rPr>
+                                        <a:rPr lang="en-AU" sz="2400" b="0" i="0" smtClean="0">
+                                          <a:latin typeface="Cambria Math" panose="02040503050406030204" pitchFamily="18" charset="0"/>
+                                        </a:rPr>
+                                        <m:t>log</m:t>
+                                      </m:r>
+                                    </m:fName>
+                                    <m:e>
+                                      <m:d>
+                                        <m:dPr>
+                                          <m:ctrlPr>
+                                            <a:rPr lang="en-AU" sz="2400" b="0" i="1" smtClean="0">
+                                              <a:latin typeface="Cambria Math" panose="02040503050406030204" pitchFamily="18" charset="0"/>
+                                            </a:rPr>
+                                          </m:ctrlPr>
+                                        </m:dPr>
+                                        <m:e>
+                                          <m:r>
+                                            <a:rPr lang="en-AU" sz="2400" b="0" i="1" smtClean="0">
+                                              <a:latin typeface="Cambria Math" panose="02040503050406030204" pitchFamily="18" charset="0"/>
+                                            </a:rPr>
+                                            <m:t>𝑝</m:t>
+                                          </m:r>
+                                          <m:d>
+                                            <m:dPr>
+                                              <m:ctrlPr>
+                                                <a:rPr lang="en-AU" sz="2400" b="0" i="1" smtClean="0">
+                                                  <a:latin typeface="Cambria Math" panose="02040503050406030204" pitchFamily="18" charset="0"/>
+                                                </a:rPr>
+                                              </m:ctrlPr>
+                                            </m:dPr>
+                                            <m:e>
+                                              <m:r>
+                                                <a:rPr lang="en-AU" sz="2400" b="0" i="1" smtClean="0">
+                                                  <a:latin typeface="Cambria Math" panose="02040503050406030204" pitchFamily="18" charset="0"/>
+                                                </a:rPr>
+                                                <m:t>𝑥</m:t>
+                                              </m:r>
+                                            </m:e>
+                                          </m:d>
+                                        </m:e>
+                                      </m:d>
+                                    </m:e>
+                                  </m:func>
+                                  <m:r>
+                                    <a:rPr lang="en-AU" sz="2400" b="0" i="1" smtClean="0">
+                                      <a:latin typeface="Cambria Math" panose="02040503050406030204" pitchFamily="18" charset="0"/>
+                                    </a:rPr>
+                                    <m:t> , </m:t>
+                                  </m:r>
+                                  <m:r>
+                                    <a:rPr lang="en-AU" sz="2400" b="0" i="1" smtClean="0">
+                                      <a:latin typeface="Cambria Math" panose="02040503050406030204" pitchFamily="18" charset="0"/>
+                                    </a:rPr>
+                                    <m:t>𝑖𝑓</m:t>
+                                  </m:r>
+                                  <m:r>
+                                    <a:rPr lang="en-AU" sz="2400" b="0" i="1" smtClean="0">
+                                      <a:latin typeface="Cambria Math" panose="02040503050406030204" pitchFamily="18" charset="0"/>
+                                    </a:rPr>
+                                    <m:t> </m:t>
+                                  </m:r>
+                                  <m:r>
+                                    <a:rPr lang="en-AU" sz="2400" b="0" i="1" smtClean="0">
+                                      <a:latin typeface="Cambria Math" panose="02040503050406030204" pitchFamily="18" charset="0"/>
+                                    </a:rPr>
+                                    <m:t>𝑋</m:t>
+                                  </m:r>
+                                  <m:r>
+                                    <a:rPr lang="en-AU" sz="2400" b="0" i="1" smtClean="0">
+                                      <a:latin typeface="Cambria Math" panose="02040503050406030204" pitchFamily="18" charset="0"/>
+                                    </a:rPr>
+                                    <m:t> </m:t>
+                                  </m:r>
+                                  <m:r>
+                                    <a:rPr lang="en-AU" sz="2400" b="0" i="1" smtClean="0">
+                                      <a:latin typeface="Cambria Math" panose="02040503050406030204" pitchFamily="18" charset="0"/>
+                                    </a:rPr>
+                                    <m:t>𝑖𝑠</m:t>
+                                  </m:r>
+                                  <m:r>
+                                    <a:rPr lang="en-AU" sz="2400" b="0" i="1" smtClean="0">
+                                      <a:latin typeface="Cambria Math" panose="02040503050406030204" pitchFamily="18" charset="0"/>
+                                    </a:rPr>
+                                    <m:t> </m:t>
+                                  </m:r>
+                                  <m:r>
+                                    <a:rPr lang="en-AU" sz="2400" b="0" i="1" smtClean="0">
+                                      <a:latin typeface="Cambria Math" panose="02040503050406030204" pitchFamily="18" charset="0"/>
+                                    </a:rPr>
+                                    <m:t>𝑐𝑜𝑛𝑡𝑖𝑛𝑜𝑢𝑠</m:t>
+                                  </m:r>
+                                </m:e>
+                              </m:nary>
+                            </m:e>
+                            <m:e>
+                              <m:r>
+                                <a:rPr lang="en-AU" sz="2400" b="0" i="1" smtClean="0">
+                                  <a:latin typeface="Cambria Math" panose="02040503050406030204" pitchFamily="18" charset="0"/>
+                                </a:rPr>
+                                <m:t>−</m:t>
+                              </m:r>
+                              <m:nary>
+                                <m:naryPr>
+                                  <m:chr m:val="∑"/>
+                                  <m:supHide m:val="on"/>
+                                  <m:ctrlPr>
+                                    <a:rPr lang="en-AU" sz="2400" b="0" i="1" smtClean="0">
+                                      <a:latin typeface="Cambria Math" panose="02040503050406030204" pitchFamily="18" charset="0"/>
+                                    </a:rPr>
+                                  </m:ctrlPr>
+                                </m:naryPr>
+                                <m:sub>
+                                  <m:r>
+                                    <m:rPr>
+                                      <m:brk m:alnAt="7"/>
+                                    </m:rPr>
+                                    <a:rPr lang="en-AU" sz="2400" b="0" i="1" smtClean="0">
+                                      <a:latin typeface="Cambria Math" panose="02040503050406030204" pitchFamily="18" charset="0"/>
+                                    </a:rPr>
+                                    <m:t>𝑥</m:t>
+                                  </m:r>
+                                </m:sub>
+                                <m:sup/>
+                                <m:e>
+                                  <m:r>
+                                    <a:rPr lang="en-AU" sz="2400" b="0" i="1" smtClean="0">
+                                      <a:latin typeface="Cambria Math" panose="02040503050406030204" pitchFamily="18" charset="0"/>
+                                    </a:rPr>
+                                    <m:t>𝑝</m:t>
+                                  </m:r>
+                                  <m:d>
+                                    <m:dPr>
+                                      <m:ctrlPr>
+                                        <a:rPr lang="en-AU" sz="2400" b="0" i="1" smtClean="0">
+                                          <a:latin typeface="Cambria Math" panose="02040503050406030204" pitchFamily="18" charset="0"/>
+                                        </a:rPr>
+                                      </m:ctrlPr>
+                                    </m:dPr>
+                                    <m:e>
+                                      <m:r>
+                                        <a:rPr lang="en-AU" sz="2400" b="0" i="1" smtClean="0">
+                                          <a:latin typeface="Cambria Math" panose="02040503050406030204" pitchFamily="18" charset="0"/>
+                                        </a:rPr>
+                                        <m:t>𝑥</m:t>
+                                      </m:r>
+                                    </m:e>
+                                  </m:d>
+                                  <m:r>
+                                    <a:rPr lang="en-AU" sz="2400" b="0" i="1" smtClean="0">
+                                      <a:latin typeface="Cambria Math" panose="02040503050406030204" pitchFamily="18" charset="0"/>
+                                    </a:rPr>
+                                    <m:t>.</m:t>
+                                  </m:r>
+                                  <m:func>
+                                    <m:funcPr>
+                                      <m:ctrlPr>
+                                        <a:rPr lang="en-AU" sz="2400" b="0" i="1" smtClean="0">
+                                          <a:latin typeface="Cambria Math" panose="02040503050406030204" pitchFamily="18" charset="0"/>
+                                        </a:rPr>
+                                      </m:ctrlPr>
+                                    </m:funcPr>
+                                    <m:fName>
+                                      <m:r>
+                                        <m:rPr>
+                                          <m:sty m:val="p"/>
+                                        </m:rPr>
+                                        <a:rPr lang="en-AU" sz="2400" b="0" i="0" smtClean="0">
+                                          <a:latin typeface="Cambria Math" panose="02040503050406030204" pitchFamily="18" charset="0"/>
+                                        </a:rPr>
+                                        <m:t>log</m:t>
+                                      </m:r>
+                                    </m:fName>
+                                    <m:e>
+                                      <m:d>
+                                        <m:dPr>
+                                          <m:ctrlPr>
+                                            <a:rPr lang="en-AU" sz="2400" b="0" i="1" smtClean="0">
+                                              <a:latin typeface="Cambria Math" panose="02040503050406030204" pitchFamily="18" charset="0"/>
+                                            </a:rPr>
+                                          </m:ctrlPr>
+                                        </m:dPr>
+                                        <m:e>
+                                          <m:r>
+                                            <a:rPr lang="en-AU" sz="2400" b="0" i="1" smtClean="0">
+                                              <a:latin typeface="Cambria Math" panose="02040503050406030204" pitchFamily="18" charset="0"/>
+                                            </a:rPr>
+                                            <m:t>𝑝</m:t>
+                                          </m:r>
+                                          <m:d>
+                                            <m:dPr>
+                                              <m:ctrlPr>
+                                                <a:rPr lang="en-AU" sz="2400" b="0" i="1" smtClean="0">
+                                                  <a:latin typeface="Cambria Math" panose="02040503050406030204" pitchFamily="18" charset="0"/>
+                                                </a:rPr>
+                                              </m:ctrlPr>
+                                            </m:dPr>
+                                            <m:e>
+                                              <m:r>
+                                                <a:rPr lang="en-AU" sz="2400" b="0" i="1" smtClean="0">
+                                                  <a:latin typeface="Cambria Math" panose="02040503050406030204" pitchFamily="18" charset="0"/>
+                                                </a:rPr>
+                                                <m:t>𝑥</m:t>
+                                              </m:r>
+                                            </m:e>
+                                          </m:d>
+                                        </m:e>
+                                      </m:d>
+                                    </m:e>
+                                  </m:func>
+                                  <m:r>
+                                    <a:rPr lang="en-AU" sz="2400" b="0" i="1" smtClean="0">
+                                      <a:latin typeface="Cambria Math" panose="02040503050406030204" pitchFamily="18" charset="0"/>
+                                    </a:rPr>
+                                    <m:t>, </m:t>
+                                  </m:r>
+                                  <m:r>
+                                    <a:rPr lang="en-AU" sz="2400" b="0" i="1" smtClean="0">
+                                      <a:latin typeface="Cambria Math" panose="02040503050406030204" pitchFamily="18" charset="0"/>
+                                    </a:rPr>
+                                    <m:t>𝑖𝑓</m:t>
+                                  </m:r>
+                                  <m:r>
+                                    <a:rPr lang="en-AU" sz="2400" b="0" i="1" smtClean="0">
+                                      <a:latin typeface="Cambria Math" panose="02040503050406030204" pitchFamily="18" charset="0"/>
+                                    </a:rPr>
+                                    <m:t> </m:t>
+                                  </m:r>
+                                  <m:r>
+                                    <a:rPr lang="en-AU" sz="2400" b="0" i="1" smtClean="0">
+                                      <a:latin typeface="Cambria Math" panose="02040503050406030204" pitchFamily="18" charset="0"/>
+                                    </a:rPr>
+                                    <m:t>𝑋</m:t>
+                                  </m:r>
+                                  <m:r>
+                                    <a:rPr lang="en-AU" sz="2400" b="0" i="1" smtClean="0">
+                                      <a:latin typeface="Cambria Math" panose="02040503050406030204" pitchFamily="18" charset="0"/>
+                                    </a:rPr>
+                                    <m:t> </m:t>
+                                  </m:r>
+                                  <m:r>
+                                    <a:rPr lang="en-AU" sz="2400" b="0" i="1" smtClean="0">
+                                      <a:latin typeface="Cambria Math" panose="02040503050406030204" pitchFamily="18" charset="0"/>
+                                    </a:rPr>
+                                    <m:t>𝑖𝑠</m:t>
+                                  </m:r>
+                                  <m:r>
+                                    <a:rPr lang="en-AU" sz="2400" b="0" i="1" smtClean="0">
+                                      <a:latin typeface="Cambria Math" panose="02040503050406030204" pitchFamily="18" charset="0"/>
+                                    </a:rPr>
+                                    <m:t> </m:t>
+                                  </m:r>
+                                  <m:r>
+                                    <a:rPr lang="en-AU" sz="2400" b="0" i="1" smtClean="0">
+                                      <a:latin typeface="Cambria Math" panose="02040503050406030204" pitchFamily="18" charset="0"/>
+                                    </a:rPr>
+                                    <m:t>𝑑𝑖𝑠𝑐𝑟𝑒𝑡𝑒</m:t>
+                                  </m:r>
+                                </m:e>
+                              </m:nary>
+                            </m:e>
+                          </m:eqArr>
+                        </m:e>
+                      </m:d>
+                    </m:oMath>
+                  </m:oMathPara>
+                </a14:m>
+                <a:endParaRPr lang="en-AU" sz="2400" dirty="0"/>
+              </a:p>
+              <a:p>
+                <a:r>
+                  <a:rPr lang="en-AU" sz="2400" dirty="0"/>
+                  <a:t>Reason for –Ve sign: </a:t>
+                </a:r>
+                <a14:m>
+                  <m:oMath xmlns:m="http://schemas.openxmlformats.org/officeDocument/2006/math">
+                    <m:func>
+                      <m:funcPr>
+                        <m:ctrlPr>
+                          <a:rPr lang="en-AU" sz="2400" b="0" i="1" smtClean="0">
+                            <a:latin typeface="Cambria Math" panose="02040503050406030204" pitchFamily="18" charset="0"/>
+                          </a:rPr>
+                        </m:ctrlPr>
+                      </m:funcPr>
+                      <m:fName>
+                        <m:r>
+                          <m:rPr>
+                            <m:sty m:val="p"/>
+                          </m:rPr>
+                          <a:rPr lang="en-AU" sz="2400" b="0" i="0" smtClean="0">
+                            <a:latin typeface="Cambria Math" panose="02040503050406030204" pitchFamily="18" charset="0"/>
+                          </a:rPr>
+                          <m:t>log</m:t>
+                        </m:r>
+                      </m:fName>
+                      <m:e>
+                        <m:d>
+                          <m:dPr>
+                            <m:ctrlPr>
+                              <a:rPr lang="en-AU" sz="2400" b="0" i="1" smtClean="0">
+                                <a:latin typeface="Cambria Math" panose="02040503050406030204" pitchFamily="18" charset="0"/>
+                              </a:rPr>
+                            </m:ctrlPr>
+                          </m:dPr>
+                          <m:e>
+                            <m:r>
+                              <a:rPr lang="en-AU" sz="2400" b="0" i="1" smtClean="0">
+                                <a:latin typeface="Cambria Math" panose="02040503050406030204" pitchFamily="18" charset="0"/>
+                              </a:rPr>
+                              <m:t>𝑝</m:t>
+                            </m:r>
+                            <m:d>
+                              <m:dPr>
+                                <m:ctrlPr>
+                                  <a:rPr lang="en-AU" sz="2400" b="0" i="1" smtClean="0">
+                                    <a:latin typeface="Cambria Math" panose="02040503050406030204" pitchFamily="18" charset="0"/>
+                                  </a:rPr>
+                                </m:ctrlPr>
+                              </m:dPr>
+                              <m:e>
+                                <m:r>
+                                  <a:rPr lang="en-AU" sz="2400" b="0" i="1" smtClean="0">
+                                    <a:latin typeface="Cambria Math" panose="02040503050406030204" pitchFamily="18" charset="0"/>
+                                  </a:rPr>
+                                  <m:t>𝑥</m:t>
+                                </m:r>
+                              </m:e>
+                            </m:d>
+                          </m:e>
+                        </m:d>
+                      </m:e>
+                    </m:func>
+                    <m:r>
+                      <a:rPr lang="en-AU" sz="2400" b="0" i="1" smtClean="0">
+                        <a:latin typeface="Cambria Math" panose="02040503050406030204" pitchFamily="18" charset="0"/>
+                      </a:rPr>
+                      <m:t>&lt;0, ∀</m:t>
+                    </m:r>
+                    <m:r>
+                      <a:rPr lang="en-AU" sz="2400" b="0" i="1" smtClean="0">
+                        <a:latin typeface="Cambria Math" panose="02040503050406030204" pitchFamily="18" charset="0"/>
+                      </a:rPr>
+                      <m:t>𝑝</m:t>
+                    </m:r>
+                    <m:d>
+                      <m:dPr>
+                        <m:ctrlPr>
+                          <a:rPr lang="en-AU" sz="2400" b="0" i="1" smtClean="0">
+                            <a:latin typeface="Cambria Math" panose="02040503050406030204" pitchFamily="18" charset="0"/>
+                          </a:rPr>
+                        </m:ctrlPr>
+                      </m:dPr>
+                      <m:e>
+                        <m:r>
+                          <a:rPr lang="en-AU" sz="2400" b="0" i="1" smtClean="0">
+                            <a:latin typeface="Cambria Math" panose="02040503050406030204" pitchFamily="18" charset="0"/>
+                          </a:rPr>
+                          <m:t>𝑥</m:t>
+                        </m:r>
+                      </m:e>
+                    </m:d>
+                  </m:oMath>
+                </a14:m>
+                <a:endParaRPr lang="en-AU" sz="2400" dirty="0"/>
+              </a:p>
+              <a:p>
+                <a:r>
+                  <a:rPr lang="en-AU" sz="2400" dirty="0"/>
+                  <a:t> The greater the value of Entropy-H(x) , the greater the uncertainty for probability distribution and the smaller the value the less the uncertainty. </a:t>
+                </a:r>
+              </a:p>
+              <a:p>
+                <a:endParaRPr lang="en-AU" sz="2400" dirty="0"/>
+              </a:p>
+              <a:p>
+                <a:endParaRPr lang="en-AU" sz="2400" dirty="0"/>
+              </a:p>
+            </p:txBody>
+          </p:sp>
+        </mc:Choice>
+        <mc:Fallback>
+          <p:sp>
+            <p:nvSpPr>
+              <p:cNvPr id="3" name="Content Placeholder 2">
+                <a:extLst>
+                  <a:ext uri="{FF2B5EF4-FFF2-40B4-BE49-F238E27FC236}">
+                    <a16:creationId xmlns:a16="http://schemas.microsoft.com/office/drawing/2014/main" id="{53228F2A-4E22-DA45-3CDC-80B816A318D6}"/>
+                  </a:ext>
+                </a:extLst>
+              </p:cNvPr>
+              <p:cNvSpPr>
+                <a:spLocks noGrp="1" noRot="1" noChangeAspect="1" noMove="1" noResize="1" noEditPoints="1" noAdjustHandles="1" noChangeArrowheads="1" noChangeShapeType="1" noTextEdit="1"/>
+              </p:cNvSpPr>
+              <p:nvPr>
+                <p:ph idx="1"/>
+              </p:nvPr>
+            </p:nvSpPr>
+            <p:spPr>
+              <a:blipFill>
+                <a:blip r:embed="rId2"/>
+                <a:stretch>
+                  <a:fillRect l="-812" t="-1961" r="-1449" b="-1681"/>
+                </a:stretch>
+              </a:blipFill>
+            </p:spPr>
+            <p:txBody>
+              <a:bodyPr/>
+              <a:lstStyle/>
+              <a:p>
+                <a:r>
+                  <a:rPr lang="en-AU">
+                    <a:noFill/>
+                  </a:rPr>
+                  <a:t> </a:t>
+                </a:r>
+              </a:p>
+            </p:txBody>
+          </p:sp>
+        </mc:Fallback>
+      </mc:AlternateContent>
+    </p:spTree>
+    <p:extLst>
+      <p:ext uri="{BB962C8B-B14F-4D97-AF65-F5344CB8AC3E}">
+        <p14:creationId xmlns:p14="http://schemas.microsoft.com/office/powerpoint/2010/main" val="538365427"/>
+      </p:ext>
+    </p:extLst>
+  </p:cSld>
+  <p:clrMapOvr>
+    <a:masterClrMapping/>
+  </p:clrMapOvr>
+</p:sld>
+</file>
+
+<file path=ppt/slides/slide24.xml><?xml version="1.0" encoding="utf-8"?>
+<p:sld xmlns:a="http://schemas.openxmlformats.org/drawingml/2006/main" xmlns:r="http://schemas.openxmlformats.org/officeDocument/2006/relationships" xmlns:p="http://schemas.openxmlformats.org/presentationml/2006/main">
+  <p:cSld>
+    <p:spTree>
+      <p:nvGrpSpPr>
+        <p:cNvPr id="1" name=""/>
+        <p:cNvGrpSpPr/>
+        <p:nvPr/>
+      </p:nvGrpSpPr>
+      <p:grpSpPr>
+        <a:xfrm>
+          <a:off x="0" y="0"/>
+          <a:ext cx="0" cy="0"/>
+          <a:chOff x="0" y="0"/>
+          <a:chExt cx="0" cy="0"/>
+        </a:xfrm>
+      </p:grpSpPr>
+      <p:sp>
+        <p:nvSpPr>
+          <p:cNvPr id="2" name="Title 1">
+            <a:extLst>
+              <a:ext uri="{FF2B5EF4-FFF2-40B4-BE49-F238E27FC236}">
                 <a16:creationId xmlns:a16="http://schemas.microsoft.com/office/drawing/2014/main" id="{4F1261DB-738A-7255-D20B-EBC43962B8AC}"/>
               </a:ext>
             </a:extLst>
@@ -29895,36 +30536,725 @@
           <a:p>
             <a:r>
               <a:rPr lang="en-US" dirty="0"/>
-              <a:t>Entropy Loss</a:t>
+              <a:t>Cross Entropy Loss/Log Loss/Logistic Loss</a:t>
             </a:r>
           </a:p>
         </p:txBody>
       </p:sp>
-      <p:sp>
-        <p:nvSpPr>
-          <p:cNvPr id="3" name="Content Placeholder 2">
-            <a:extLst>
-              <a:ext uri="{FF2B5EF4-FFF2-40B4-BE49-F238E27FC236}">
-                <a16:creationId xmlns:a16="http://schemas.microsoft.com/office/drawing/2014/main" id="{1902F06A-DBBA-FAC1-6F16-EDA8BADAA57F}"/>
-              </a:ext>
-            </a:extLst>
-          </p:cNvPr>
-          <p:cNvSpPr>
-            <a:spLocks noGrp="1"/>
-          </p:cNvSpPr>
-          <p:nvPr>
-            <p:ph idx="1"/>
-          </p:nvPr>
-        </p:nvSpPr>
-        <p:spPr/>
-        <p:txBody>
-          <a:bodyPr/>
-          <a:lstStyle/>
-          <a:p>
-            <a:endParaRPr lang="en-US" dirty="0"/>
-          </a:p>
-        </p:txBody>
-      </p:sp>
+      <mc:AlternateContent xmlns:mc="http://schemas.openxmlformats.org/markup-compatibility/2006">
+        <mc:Choice xmlns:a14="http://schemas.microsoft.com/office/drawing/2010/main" Requires="a14">
+          <p:sp>
+            <p:nvSpPr>
+              <p:cNvPr id="3" name="Content Placeholder 2">
+                <a:extLst>
+                  <a:ext uri="{FF2B5EF4-FFF2-40B4-BE49-F238E27FC236}">
+                    <a16:creationId xmlns:a16="http://schemas.microsoft.com/office/drawing/2014/main" id="{1902F06A-DBBA-FAC1-6F16-EDA8BADAA57F}"/>
+                  </a:ext>
+                </a:extLst>
+              </p:cNvPr>
+              <p:cNvSpPr>
+                <a:spLocks noGrp="1"/>
+              </p:cNvSpPr>
+              <p:nvPr>
+                <p:ph idx="1"/>
+              </p:nvPr>
+            </p:nvSpPr>
+            <p:spPr/>
+            <p:txBody>
+              <a:bodyPr>
+                <a:normAutofit fontScale="92500" lnSpcReduction="20000"/>
+              </a:bodyPr>
+              <a:lstStyle/>
+              <a:p>
+                <a:r>
+                  <a:rPr lang="en-AU" dirty="0"/>
+                  <a:t>Each predicted class probability is compared to the actual class desired output 0 or 1 and a score/loss is calculated that penalizes the probability based on how far it is from the actual expected value.</a:t>
+                </a:r>
+              </a:p>
+              <a:p>
+                <a:r>
+                  <a:rPr lang="en-AU" dirty="0"/>
+                  <a:t>Cross-entropy loss is used when adjusting model weights during training. The aim is to minimize the loss, </a:t>
+                </a:r>
+                <a:r>
+                  <a:rPr lang="en-AU" dirty="0" err="1"/>
+                  <a:t>i.e</a:t>
+                </a:r>
+                <a:r>
+                  <a:rPr lang="en-AU" dirty="0"/>
+                  <a:t>, the smaller the loss the better the model. A perfect model has a cross-entropy loss of 0.</a:t>
+                </a:r>
+              </a:p>
+              <a:p>
+                <a:pPr marL="0" indent="0">
+                  <a:buNone/>
+                </a:pPr>
+                <a14:m>
+                  <m:oMathPara xmlns:m="http://schemas.openxmlformats.org/officeDocument/2006/math">
+                    <m:oMathParaPr>
+                      <m:jc m:val="centerGroup"/>
+                    </m:oMathParaPr>
+                    <m:oMath xmlns:m="http://schemas.openxmlformats.org/officeDocument/2006/math">
+                      <m:r>
+                        <a:rPr lang="en-AU" b="0" i="1" smtClean="0">
+                          <a:latin typeface="Cambria Math" panose="02040503050406030204" pitchFamily="18" charset="0"/>
+                        </a:rPr>
+                        <m:t>𝑆𝑜𝑓𝑡𝑚𝑎𝑥</m:t>
+                      </m:r>
+                      <m:r>
+                        <a:rPr lang="en-AU" b="0" i="1" smtClean="0">
+                          <a:latin typeface="Cambria Math" panose="02040503050406030204" pitchFamily="18" charset="0"/>
+                        </a:rPr>
+                        <m:t> </m:t>
+                      </m:r>
+                      <m:r>
+                        <a:rPr lang="en-AU" b="0" i="1" smtClean="0">
+                          <a:latin typeface="Cambria Math" panose="02040503050406030204" pitchFamily="18" charset="0"/>
+                        </a:rPr>
+                        <m:t>𝑝𝑟𝑜𝑏𝑎𝑏𝑖𝑙𝑖𝑡𝑦</m:t>
+                      </m:r>
+                      <m:r>
+                        <a:rPr lang="en-AU" b="0" i="1" smtClean="0">
+                          <a:latin typeface="Cambria Math" panose="02040503050406030204" pitchFamily="18" charset="0"/>
+                        </a:rPr>
+                        <m:t> </m:t>
+                      </m:r>
+                      <m:r>
+                        <a:rPr lang="en-AU" b="0" i="1" smtClean="0">
+                          <a:latin typeface="Cambria Math" panose="02040503050406030204" pitchFamily="18" charset="0"/>
+                        </a:rPr>
+                        <m:t>𝑆</m:t>
+                      </m:r>
+                      <m:d>
+                        <m:dPr>
+                          <m:ctrlPr>
+                            <a:rPr lang="en-AU" b="0" i="1" smtClean="0">
+                              <a:latin typeface="Cambria Math" panose="02040503050406030204" pitchFamily="18" charset="0"/>
+                            </a:rPr>
+                          </m:ctrlPr>
+                        </m:dPr>
+                        <m:e>
+                          <m:sSub>
+                            <m:sSubPr>
+                              <m:ctrlPr>
+                                <a:rPr lang="en-AU" b="0" i="1" smtClean="0">
+                                  <a:latin typeface="Cambria Math" panose="02040503050406030204" pitchFamily="18" charset="0"/>
+                                </a:rPr>
+                              </m:ctrlPr>
+                            </m:sSubPr>
+                            <m:e>
+                              <m:r>
+                                <a:rPr lang="en-AU" b="0" i="1" smtClean="0">
+                                  <a:latin typeface="Cambria Math" panose="02040503050406030204" pitchFamily="18" charset="0"/>
+                                </a:rPr>
+                                <m:t>𝑦</m:t>
+                              </m:r>
+                            </m:e>
+                            <m:sub>
+                              <m:r>
+                                <a:rPr lang="en-AU" b="0" i="1" smtClean="0">
+                                  <a:latin typeface="Cambria Math" panose="02040503050406030204" pitchFamily="18" charset="0"/>
+                                </a:rPr>
+                                <m:t>𝑖</m:t>
+                              </m:r>
+                            </m:sub>
+                          </m:sSub>
+                        </m:e>
+                      </m:d>
+                      <m:r>
+                        <a:rPr lang="en-AU" b="0" i="1" smtClean="0">
+                          <a:latin typeface="Cambria Math" panose="02040503050406030204" pitchFamily="18" charset="0"/>
+                        </a:rPr>
+                        <m:t>=</m:t>
+                      </m:r>
+                      <m:f>
+                        <m:fPr>
+                          <m:ctrlPr>
+                            <a:rPr lang="en-AU" b="0" i="1" smtClean="0">
+                              <a:latin typeface="Cambria Math" panose="02040503050406030204" pitchFamily="18" charset="0"/>
+                            </a:rPr>
+                          </m:ctrlPr>
+                        </m:fPr>
+                        <m:num>
+                          <m:func>
+                            <m:funcPr>
+                              <m:ctrlPr>
+                                <a:rPr lang="en-AU" b="0" i="1" smtClean="0">
+                                  <a:latin typeface="Cambria Math" panose="02040503050406030204" pitchFamily="18" charset="0"/>
+                                </a:rPr>
+                              </m:ctrlPr>
+                            </m:funcPr>
+                            <m:fName>
+                              <m:r>
+                                <m:rPr>
+                                  <m:sty m:val="p"/>
+                                </m:rPr>
+                                <a:rPr lang="en-AU" b="0" i="0" smtClean="0">
+                                  <a:latin typeface="Cambria Math" panose="02040503050406030204" pitchFamily="18" charset="0"/>
+                                </a:rPr>
+                                <m:t>exp</m:t>
+                              </m:r>
+                            </m:fName>
+                            <m:e>
+                              <m:d>
+                                <m:dPr>
+                                  <m:ctrlPr>
+                                    <a:rPr lang="en-AU" b="0" i="1" smtClean="0">
+                                      <a:latin typeface="Cambria Math" panose="02040503050406030204" pitchFamily="18" charset="0"/>
+                                    </a:rPr>
+                                  </m:ctrlPr>
+                                </m:dPr>
+                                <m:e>
+                                  <m:sSub>
+                                    <m:sSubPr>
+                                      <m:ctrlPr>
+                                        <a:rPr lang="en-AU" b="0" i="1" smtClean="0">
+                                          <a:latin typeface="Cambria Math" panose="02040503050406030204" pitchFamily="18" charset="0"/>
+                                        </a:rPr>
+                                      </m:ctrlPr>
+                                    </m:sSubPr>
+                                    <m:e>
+                                      <m:r>
+                                        <a:rPr lang="en-AU" b="0" i="1" smtClean="0">
+                                          <a:latin typeface="Cambria Math" panose="02040503050406030204" pitchFamily="18" charset="0"/>
+                                        </a:rPr>
+                                        <m:t>𝑦</m:t>
+                                      </m:r>
+                                    </m:e>
+                                    <m:sub>
+                                      <m:r>
+                                        <a:rPr lang="en-AU" b="0" i="1" smtClean="0">
+                                          <a:latin typeface="Cambria Math" panose="02040503050406030204" pitchFamily="18" charset="0"/>
+                                        </a:rPr>
+                                        <m:t>𝑖</m:t>
+                                      </m:r>
+                                    </m:sub>
+                                  </m:sSub>
+                                </m:e>
+                              </m:d>
+                            </m:e>
+                          </m:func>
+                        </m:num>
+                        <m:den>
+                          <m:nary>
+                            <m:naryPr>
+                              <m:chr m:val="∑"/>
+                              <m:ctrlPr>
+                                <a:rPr lang="en-AU" b="0" i="1" smtClean="0">
+                                  <a:latin typeface="Cambria Math" panose="02040503050406030204" pitchFamily="18" charset="0"/>
+                                </a:rPr>
+                              </m:ctrlPr>
+                            </m:naryPr>
+                            <m:sub>
+                              <m:r>
+                                <m:rPr>
+                                  <m:brk m:alnAt="23"/>
+                                </m:rPr>
+                                <a:rPr lang="en-AU" b="0" i="1" smtClean="0">
+                                  <a:latin typeface="Cambria Math" panose="02040503050406030204" pitchFamily="18" charset="0"/>
+                                </a:rPr>
+                                <m:t>𝑗</m:t>
+                              </m:r>
+                              <m:r>
+                                <a:rPr lang="en-AU" b="0" i="1" smtClean="0">
+                                  <a:latin typeface="Cambria Math" panose="02040503050406030204" pitchFamily="18" charset="0"/>
+                                </a:rPr>
+                                <m:t>=1</m:t>
+                              </m:r>
+                            </m:sub>
+                            <m:sup>
+                              <m:r>
+                                <a:rPr lang="en-AU" b="0" i="1" smtClean="0">
+                                  <a:latin typeface="Cambria Math" panose="02040503050406030204" pitchFamily="18" charset="0"/>
+                                </a:rPr>
+                                <m:t>𝑛</m:t>
+                              </m:r>
+                            </m:sup>
+                            <m:e>
+                              <m:r>
+                                <a:rPr lang="en-AU" b="0" i="1" smtClean="0">
+                                  <a:latin typeface="Cambria Math" panose="02040503050406030204" pitchFamily="18" charset="0"/>
+                                </a:rPr>
+                                <m:t> </m:t>
+                              </m:r>
+                              <m:func>
+                                <m:funcPr>
+                                  <m:ctrlPr>
+                                    <a:rPr lang="en-AU" b="0" i="1" smtClean="0">
+                                      <a:latin typeface="Cambria Math" panose="02040503050406030204" pitchFamily="18" charset="0"/>
+                                    </a:rPr>
+                                  </m:ctrlPr>
+                                </m:funcPr>
+                                <m:fName>
+                                  <m:r>
+                                    <m:rPr>
+                                      <m:sty m:val="p"/>
+                                    </m:rPr>
+                                    <a:rPr lang="en-AU" b="0" i="0" smtClean="0">
+                                      <a:latin typeface="Cambria Math" panose="02040503050406030204" pitchFamily="18" charset="0"/>
+                                    </a:rPr>
+                                    <m:t>exp</m:t>
+                                  </m:r>
+                                </m:fName>
+                                <m:e>
+                                  <m:d>
+                                    <m:dPr>
+                                      <m:ctrlPr>
+                                        <a:rPr lang="en-AU" b="0" i="1" smtClean="0">
+                                          <a:latin typeface="Cambria Math" panose="02040503050406030204" pitchFamily="18" charset="0"/>
+                                        </a:rPr>
+                                      </m:ctrlPr>
+                                    </m:dPr>
+                                    <m:e>
+                                      <m:sSub>
+                                        <m:sSubPr>
+                                          <m:ctrlPr>
+                                            <a:rPr lang="en-AU" b="0" i="1" smtClean="0">
+                                              <a:latin typeface="Cambria Math" panose="02040503050406030204" pitchFamily="18" charset="0"/>
+                                            </a:rPr>
+                                          </m:ctrlPr>
+                                        </m:sSubPr>
+                                        <m:e>
+                                          <m:r>
+                                            <a:rPr lang="en-AU" b="0" i="1" smtClean="0">
+                                              <a:latin typeface="Cambria Math" panose="02040503050406030204" pitchFamily="18" charset="0"/>
+                                            </a:rPr>
+                                            <m:t>𝑦</m:t>
+                                          </m:r>
+                                        </m:e>
+                                        <m:sub>
+                                          <m:r>
+                                            <a:rPr lang="en-AU" b="0" i="1" smtClean="0">
+                                              <a:latin typeface="Cambria Math" panose="02040503050406030204" pitchFamily="18" charset="0"/>
+                                            </a:rPr>
+                                            <m:t>𝑗</m:t>
+                                          </m:r>
+                                        </m:sub>
+                                      </m:sSub>
+                                    </m:e>
+                                  </m:d>
+                                </m:e>
+                              </m:func>
+                              <m:r>
+                                <a:rPr lang="en-AU" b="0" i="1" smtClean="0">
+                                  <a:latin typeface="Cambria Math" panose="02040503050406030204" pitchFamily="18" charset="0"/>
+                                </a:rPr>
+                                <m:t> </m:t>
+                              </m:r>
+                            </m:e>
+                          </m:nary>
+                        </m:den>
+                      </m:f>
+                    </m:oMath>
+                  </m:oMathPara>
+                </a14:m>
+                <a:endParaRPr lang="en-US" dirty="0"/>
+              </a:p>
+              <a:p>
+                <a:pPr marL="0" indent="0">
+                  <a:buNone/>
+                </a:pPr>
+                <a14:m>
+                  <m:oMathPara xmlns:m="http://schemas.openxmlformats.org/officeDocument/2006/math">
+                    <m:oMathParaPr>
+                      <m:jc m:val="centerGroup"/>
+                    </m:oMathParaPr>
+                    <m:oMath xmlns:m="http://schemas.openxmlformats.org/officeDocument/2006/math">
+                      <m:r>
+                        <a:rPr lang="en-AU" b="0" i="1" smtClean="0">
+                          <a:latin typeface="Cambria Math" panose="02040503050406030204" pitchFamily="18" charset="0"/>
+                        </a:rPr>
+                        <m:t>𝐶𝑟𝑜𝑠𝑠</m:t>
+                      </m:r>
+                      <m:r>
+                        <a:rPr lang="en-AU" b="0" i="1" smtClean="0">
+                          <a:latin typeface="Cambria Math" panose="02040503050406030204" pitchFamily="18" charset="0"/>
+                        </a:rPr>
+                        <m:t> </m:t>
+                      </m:r>
+                      <m:r>
+                        <a:rPr lang="en-AU" b="0" i="1" smtClean="0">
+                          <a:latin typeface="Cambria Math" panose="02040503050406030204" pitchFamily="18" charset="0"/>
+                        </a:rPr>
+                        <m:t>𝐸𝑛𝑡𝑟𝑜𝑝𝑦</m:t>
+                      </m:r>
+                      <m:r>
+                        <a:rPr lang="en-AU" b="0" i="1" smtClean="0">
+                          <a:latin typeface="Cambria Math" panose="02040503050406030204" pitchFamily="18" charset="0"/>
+                        </a:rPr>
+                        <m:t> </m:t>
+                      </m:r>
+                      <m:r>
+                        <a:rPr lang="en-AU" b="0" i="1" smtClean="0">
+                          <a:latin typeface="Cambria Math" panose="02040503050406030204" pitchFamily="18" charset="0"/>
+                        </a:rPr>
+                        <m:t>𝐿𝑜𝑠𝑠</m:t>
+                      </m:r>
+                      <m:d>
+                        <m:dPr>
+                          <m:ctrlPr>
+                            <a:rPr lang="en-AU" b="0" i="1" smtClean="0">
+                              <a:latin typeface="Cambria Math" panose="02040503050406030204" pitchFamily="18" charset="0"/>
+                            </a:rPr>
+                          </m:ctrlPr>
+                        </m:dPr>
+                        <m:e>
+                          <m:sSub>
+                            <m:sSubPr>
+                              <m:ctrlPr>
+                                <a:rPr lang="en-AU" b="0" i="1" smtClean="0">
+                                  <a:latin typeface="Cambria Math" panose="02040503050406030204" pitchFamily="18" charset="0"/>
+                                </a:rPr>
+                              </m:ctrlPr>
+                            </m:sSubPr>
+                            <m:e>
+                              <m:r>
+                                <a:rPr lang="en-AU" b="0" i="1" smtClean="0">
+                                  <a:latin typeface="Cambria Math" panose="02040503050406030204" pitchFamily="18" charset="0"/>
+                                </a:rPr>
+                                <m:t>𝐿</m:t>
+                              </m:r>
+                            </m:e>
+                            <m:sub>
+                              <m:r>
+                                <a:rPr lang="en-AU" b="0" i="1" smtClean="0">
+                                  <a:latin typeface="Cambria Math" panose="02040503050406030204" pitchFamily="18" charset="0"/>
+                                </a:rPr>
+                                <m:t>𝐶𝐸</m:t>
+                              </m:r>
+                            </m:sub>
+                          </m:sSub>
+                        </m:e>
+                      </m:d>
+                      <m:r>
+                        <a:rPr lang="en-AU" b="0" i="1" smtClean="0">
+                          <a:latin typeface="Cambria Math" panose="02040503050406030204" pitchFamily="18" charset="0"/>
+                        </a:rPr>
+                        <m:t>=− </m:t>
+                      </m:r>
+                      <m:nary>
+                        <m:naryPr>
+                          <m:chr m:val="∑"/>
+                          <m:ctrlPr>
+                            <a:rPr lang="en-AU" b="0" i="1" smtClean="0">
+                              <a:latin typeface="Cambria Math" panose="02040503050406030204" pitchFamily="18" charset="0"/>
+                            </a:rPr>
+                          </m:ctrlPr>
+                        </m:naryPr>
+                        <m:sub>
+                          <m:r>
+                            <m:rPr>
+                              <m:brk m:alnAt="23"/>
+                            </m:rPr>
+                            <a:rPr lang="en-AU" b="0" i="1" smtClean="0">
+                              <a:latin typeface="Cambria Math" panose="02040503050406030204" pitchFamily="18" charset="0"/>
+                            </a:rPr>
+                            <m:t>𝑖</m:t>
+                          </m:r>
+                          <m:r>
+                            <a:rPr lang="en-AU" b="0" i="1" smtClean="0">
+                              <a:latin typeface="Cambria Math" panose="02040503050406030204" pitchFamily="18" charset="0"/>
+                            </a:rPr>
+                            <m:t>=1</m:t>
+                          </m:r>
+                        </m:sub>
+                        <m:sup>
+                          <m:r>
+                            <a:rPr lang="en-AU" b="0" i="1" smtClean="0">
+                              <a:latin typeface="Cambria Math" panose="02040503050406030204" pitchFamily="18" charset="0"/>
+                            </a:rPr>
+                            <m:t>𝑛</m:t>
+                          </m:r>
+                        </m:sup>
+                        <m:e>
+                          <m:sSub>
+                            <m:sSubPr>
+                              <m:ctrlPr>
+                                <a:rPr lang="en-AU" b="0" i="1" smtClean="0">
+                                  <a:latin typeface="Cambria Math" panose="02040503050406030204" pitchFamily="18" charset="0"/>
+                                </a:rPr>
+                              </m:ctrlPr>
+                            </m:sSubPr>
+                            <m:e>
+                              <m:r>
+                                <a:rPr lang="en-AU" b="0" i="1" smtClean="0">
+                                  <a:latin typeface="Cambria Math" panose="02040503050406030204" pitchFamily="18" charset="0"/>
+                                </a:rPr>
+                                <m:t>𝑡</m:t>
+                              </m:r>
+                            </m:e>
+                            <m:sub>
+                              <m:r>
+                                <a:rPr lang="en-AU" b="0" i="1" smtClean="0">
+                                  <a:latin typeface="Cambria Math" panose="02040503050406030204" pitchFamily="18" charset="0"/>
+                                </a:rPr>
+                                <m:t>𝑖</m:t>
+                              </m:r>
+                            </m:sub>
+                          </m:sSub>
+                          <m:func>
+                            <m:funcPr>
+                              <m:ctrlPr>
+                                <a:rPr lang="en-AU" b="0" i="1" smtClean="0">
+                                  <a:latin typeface="Cambria Math" panose="02040503050406030204" pitchFamily="18" charset="0"/>
+                                </a:rPr>
+                              </m:ctrlPr>
+                            </m:funcPr>
+                            <m:fName>
+                              <m:r>
+                                <m:rPr>
+                                  <m:sty m:val="p"/>
+                                </m:rPr>
+                                <a:rPr lang="en-AU" b="0" i="0" smtClean="0">
+                                  <a:latin typeface="Cambria Math" panose="02040503050406030204" pitchFamily="18" charset="0"/>
+                                </a:rPr>
+                                <m:t>log</m:t>
+                              </m:r>
+                            </m:fName>
+                            <m:e>
+                              <m:d>
+                                <m:dPr>
+                                  <m:ctrlPr>
+                                    <a:rPr lang="en-AU" b="0" i="1" smtClean="0">
+                                      <a:latin typeface="Cambria Math" panose="02040503050406030204" pitchFamily="18" charset="0"/>
+                                    </a:rPr>
+                                  </m:ctrlPr>
+                                </m:dPr>
+                                <m:e>
+                                  <m:sSub>
+                                    <m:sSubPr>
+                                      <m:ctrlPr>
+                                        <a:rPr lang="en-AU" b="0" i="1" smtClean="0">
+                                          <a:latin typeface="Cambria Math" panose="02040503050406030204" pitchFamily="18" charset="0"/>
+                                        </a:rPr>
+                                      </m:ctrlPr>
+                                    </m:sSubPr>
+                                    <m:e>
+                                      <m:r>
+                                        <a:rPr lang="en-AU" b="0" i="1" smtClean="0">
+                                          <a:latin typeface="Cambria Math" panose="02040503050406030204" pitchFamily="18" charset="0"/>
+                                        </a:rPr>
+                                        <m:t>𝑝</m:t>
+                                      </m:r>
+                                    </m:e>
+                                    <m:sub>
+                                      <m:r>
+                                        <a:rPr lang="en-AU" b="0" i="1" smtClean="0">
+                                          <a:latin typeface="Cambria Math" panose="02040503050406030204" pitchFamily="18" charset="0"/>
+                                        </a:rPr>
+                                        <m:t>𝑖</m:t>
+                                      </m:r>
+                                    </m:sub>
+                                  </m:sSub>
+                                </m:e>
+                              </m:d>
+                            </m:e>
+                          </m:func>
+                          <m:r>
+                            <a:rPr lang="en-AU" b="0" i="1" smtClean="0">
+                              <a:latin typeface="Cambria Math" panose="02040503050406030204" pitchFamily="18" charset="0"/>
+                            </a:rPr>
+                            <m:t>, </m:t>
+                          </m:r>
+                          <m:r>
+                            <a:rPr lang="en-AU" b="0" i="1" smtClean="0">
+                              <a:latin typeface="Cambria Math" panose="02040503050406030204" pitchFamily="18" charset="0"/>
+                            </a:rPr>
+                            <m:t>𝑓𝑜𝑟</m:t>
+                          </m:r>
+                          <m:r>
+                            <a:rPr lang="en-AU" b="0" i="1" smtClean="0">
+                              <a:latin typeface="Cambria Math" panose="02040503050406030204" pitchFamily="18" charset="0"/>
+                            </a:rPr>
+                            <m:t> </m:t>
+                          </m:r>
+                          <m:r>
+                            <a:rPr lang="en-AU" b="0" i="1" smtClean="0">
+                              <a:latin typeface="Cambria Math" panose="02040503050406030204" pitchFamily="18" charset="0"/>
+                            </a:rPr>
+                            <m:t>𝑛</m:t>
+                          </m:r>
+                          <m:r>
+                            <a:rPr lang="en-AU" b="0" i="1" smtClean="0">
+                              <a:latin typeface="Cambria Math" panose="02040503050406030204" pitchFamily="18" charset="0"/>
+                            </a:rPr>
+                            <m:t> </m:t>
+                          </m:r>
+                          <m:r>
+                            <a:rPr lang="en-AU" b="0" i="1" smtClean="0">
+                              <a:latin typeface="Cambria Math" panose="02040503050406030204" pitchFamily="18" charset="0"/>
+                            </a:rPr>
+                            <m:t>𝑐𝑙𝑎𝑠𝑠𝑒𝑠</m:t>
+                          </m:r>
+                        </m:e>
+                      </m:nary>
+                      <m:r>
+                        <a:rPr lang="en-AU" b="0" i="1" smtClean="0">
+                          <a:latin typeface="Cambria Math" panose="02040503050406030204" pitchFamily="18" charset="0"/>
+                        </a:rPr>
+                        <m:t> </m:t>
+                      </m:r>
+                    </m:oMath>
+                  </m:oMathPara>
+                </a14:m>
+                <a:endParaRPr lang="en-US" dirty="0"/>
+              </a:p>
+              <a:p>
+                <a:r>
+                  <a:rPr lang="en-US" dirty="0"/>
+                  <a:t>Where </a:t>
+                </a:r>
+                <a14:m>
+                  <m:oMath xmlns:m="http://schemas.openxmlformats.org/officeDocument/2006/math">
+                    <m:sSub>
+                      <m:sSubPr>
+                        <m:ctrlPr>
+                          <a:rPr lang="en-AU" b="0" i="1" smtClean="0">
+                            <a:latin typeface="Cambria Math" panose="02040503050406030204" pitchFamily="18" charset="0"/>
+                          </a:rPr>
+                        </m:ctrlPr>
+                      </m:sSubPr>
+                      <m:e>
+                        <m:r>
+                          <a:rPr lang="en-AU" b="0" i="1" smtClean="0">
+                            <a:latin typeface="Cambria Math" panose="02040503050406030204" pitchFamily="18" charset="0"/>
+                          </a:rPr>
+                          <m:t>𝑡</m:t>
+                        </m:r>
+                      </m:e>
+                      <m:sub>
+                        <m:r>
+                          <a:rPr lang="en-AU" b="0" i="1" smtClean="0">
+                            <a:latin typeface="Cambria Math" panose="02040503050406030204" pitchFamily="18" charset="0"/>
+                          </a:rPr>
+                          <m:t>𝑖</m:t>
+                        </m:r>
+                      </m:sub>
+                    </m:sSub>
+                  </m:oMath>
+                </a14:m>
+                <a:r>
+                  <a:rPr lang="en-US" dirty="0"/>
+                  <a:t> - truth label, </a:t>
+                </a:r>
+                <a14:m>
+                  <m:oMath xmlns:m="http://schemas.openxmlformats.org/officeDocument/2006/math">
+                    <m:sSub>
+                      <m:sSubPr>
+                        <m:ctrlPr>
+                          <a:rPr lang="en-AU" b="0" i="1" smtClean="0">
+                            <a:latin typeface="Cambria Math" panose="02040503050406030204" pitchFamily="18" charset="0"/>
+                          </a:rPr>
+                        </m:ctrlPr>
+                      </m:sSubPr>
+                      <m:e>
+                        <m:r>
+                          <a:rPr lang="en-AU" b="0" i="1" smtClean="0">
+                            <a:latin typeface="Cambria Math" panose="02040503050406030204" pitchFamily="18" charset="0"/>
+                          </a:rPr>
+                          <m:t>𝑝</m:t>
+                        </m:r>
+                      </m:e>
+                      <m:sub>
+                        <m:r>
+                          <a:rPr lang="en-AU" b="0" i="1" smtClean="0">
+                            <a:latin typeface="Cambria Math" panose="02040503050406030204" pitchFamily="18" charset="0"/>
+                          </a:rPr>
+                          <m:t>𝑖</m:t>
+                        </m:r>
+                      </m:sub>
+                    </m:sSub>
+                  </m:oMath>
+                </a14:m>
+                <a:r>
+                  <a:rPr lang="en-US" dirty="0"/>
+                  <a:t> - </a:t>
+                </a:r>
+                <a:r>
+                  <a:rPr lang="en-US" dirty="0" err="1"/>
+                  <a:t>Softmax</a:t>
+                </a:r>
+                <a:r>
+                  <a:rPr lang="en-US" dirty="0"/>
+                  <a:t> probability for </a:t>
+                </a:r>
+                <a14:m>
+                  <m:oMath xmlns:m="http://schemas.openxmlformats.org/officeDocument/2006/math">
+                    <m:sSup>
+                      <m:sSupPr>
+                        <m:ctrlPr>
+                          <a:rPr lang="en-AU" b="0" i="1" smtClean="0">
+                            <a:latin typeface="Cambria Math" panose="02040503050406030204" pitchFamily="18" charset="0"/>
+                          </a:rPr>
+                        </m:ctrlPr>
+                      </m:sSupPr>
+                      <m:e>
+                        <m:r>
+                          <a:rPr lang="en-AU" b="0" i="1" smtClean="0">
+                            <a:latin typeface="Cambria Math" panose="02040503050406030204" pitchFamily="18" charset="0"/>
+                          </a:rPr>
+                          <m:t>𝑖</m:t>
+                        </m:r>
+                      </m:e>
+                      <m:sup>
+                        <m:r>
+                          <a:rPr lang="en-AU" b="0" i="1" smtClean="0">
+                            <a:latin typeface="Cambria Math" panose="02040503050406030204" pitchFamily="18" charset="0"/>
+                          </a:rPr>
+                          <m:t>𝑡h</m:t>
+                        </m:r>
+                      </m:sup>
+                    </m:sSup>
+                  </m:oMath>
+                </a14:m>
+                <a:r>
+                  <a:rPr lang="en-US" dirty="0"/>
+                  <a:t> class</a:t>
+                </a:r>
+              </a:p>
+            </p:txBody>
+          </p:sp>
+        </mc:Choice>
+        <mc:Fallback>
+          <p:sp>
+            <p:nvSpPr>
+              <p:cNvPr id="3" name="Content Placeholder 2">
+                <a:extLst>
+                  <a:ext uri="{FF2B5EF4-FFF2-40B4-BE49-F238E27FC236}">
+                    <a16:creationId xmlns:a16="http://schemas.microsoft.com/office/drawing/2014/main" id="{1902F06A-DBBA-FAC1-6F16-EDA8BADAA57F}"/>
+                  </a:ext>
+                </a:extLst>
+              </p:cNvPr>
+              <p:cNvSpPr>
+                <a:spLocks noGrp="1" noRot="1" noChangeAspect="1" noMove="1" noResize="1" noEditPoints="1" noAdjustHandles="1" noChangeArrowheads="1" noChangeShapeType="1" noTextEdit="1"/>
+              </p:cNvSpPr>
+              <p:nvPr>
+                <p:ph idx="1"/>
+              </p:nvPr>
+            </p:nvSpPr>
+            <p:spPr>
+              <a:blipFill>
+                <a:blip r:embed="rId2"/>
+                <a:stretch>
+                  <a:fillRect l="-928" t="-3501"/>
+                </a:stretch>
+              </a:blipFill>
+            </p:spPr>
+            <p:txBody>
+              <a:bodyPr/>
+              <a:lstStyle/>
+              <a:p>
+                <a:r>
+                  <a:rPr lang="en-AU">
+                    <a:noFill/>
+                  </a:rPr>
+                  <a:t> </a:t>
+                </a:r>
+              </a:p>
+            </p:txBody>
+          </p:sp>
+        </mc:Fallback>
+      </mc:AlternateContent>
     </p:spTree>
     <p:extLst>
       <p:ext uri="{BB962C8B-B14F-4D97-AF65-F5344CB8AC3E}">
@@ -29938,7 +31268,7 @@
 </p:sld>
 </file>
 
-<file path=ppt/slides/slide24.xml><?xml version="1.0" encoding="utf-8"?>
+<file path=ppt/slides/slide25.xml><?xml version="1.0" encoding="utf-8"?>
 <p:sld xmlns:a="http://schemas.openxmlformats.org/drawingml/2006/main" xmlns:r="http://schemas.openxmlformats.org/officeDocument/2006/relationships" xmlns:p="http://schemas.openxmlformats.org/presentationml/2006/main">
   <p:cSld>
     <p:spTree>
@@ -30021,7 +31351,7 @@
 </p:sld>
 </file>
 
-<file path=ppt/slides/slide25.xml><?xml version="1.0" encoding="utf-8"?>
+<file path=ppt/slides/slide26.xml><?xml version="1.0" encoding="utf-8"?>
 <p:sld xmlns:a="http://schemas.openxmlformats.org/drawingml/2006/main" xmlns:r="http://schemas.openxmlformats.org/officeDocument/2006/relationships" xmlns:p="http://schemas.openxmlformats.org/presentationml/2006/main">
   <p:cSld>
     <p:spTree>
@@ -30615,8 +31945,8 @@
           </a:p>
         </p:txBody>
       </p:sp>
-      <mc:AlternateContent xmlns:mc="http://schemas.openxmlformats.org/markup-compatibility/2006">
-        <mc:Choice xmlns:a14="http://schemas.microsoft.com/office/drawing/2010/main" Requires="a14">
+      <mc:AlternateContent xmlns:mc="http://schemas.openxmlformats.org/markup-compatibility/2006" xmlns:a14="http://schemas.microsoft.com/office/drawing/2010/main">
+        <mc:Choice Requires="a14">
           <p:sp>
             <p:nvSpPr>
               <p:cNvPr id="3" name="Content Placeholder 2">
@@ -30825,14 +32155,7 @@
                         <a:latin typeface="Cambria Math" panose="02040503050406030204" pitchFamily="18" charset="0"/>
                         <a:ea typeface="Cambria Math" panose="02040503050406030204" pitchFamily="18" charset="0"/>
                       </a:rPr>
-                      <m:t> ∀</m:t>
-                    </m:r>
-                    <m:r>
-                      <a:rPr lang="en-US" b="0" i="1" dirty="0" smtClean="0">
-                        <a:latin typeface="Cambria Math" panose="02040503050406030204" pitchFamily="18" charset="0"/>
-                        <a:ea typeface="Cambria Math" panose="02040503050406030204" pitchFamily="18" charset="0"/>
-                      </a:rPr>
-                      <m:t> </m:t>
+                      <m:t> ∀ </m:t>
                     </m:r>
                     <m:r>
                       <a:rPr lang="en-US" b="0" i="1" dirty="0" smtClean="0">
@@ -30980,7 +32303,7 @@
             </p:txBody>
           </p:sp>
         </mc:Choice>
-        <mc:Fallback>
+        <mc:Fallback xmlns="">
           <p:sp>
             <p:nvSpPr>
               <p:cNvPr id="3" name="Content Placeholder 2">

--- a/DecisionTrees/DecisionTrees.pptx
+++ b/DecisionTrees/DecisionTrees.pptx
@@ -26,11 +26,12 @@
     <p:sldId id="260" r:id="rId20"/>
     <p:sldId id="261" r:id="rId21"/>
     <p:sldId id="282" r:id="rId22"/>
-    <p:sldId id="283" r:id="rId23"/>
-    <p:sldId id="284" r:id="rId24"/>
-    <p:sldId id="262" r:id="rId25"/>
-    <p:sldId id="278" r:id="rId26"/>
-    <p:sldId id="279" r:id="rId27"/>
+    <p:sldId id="285" r:id="rId23"/>
+    <p:sldId id="283" r:id="rId24"/>
+    <p:sldId id="284" r:id="rId25"/>
+    <p:sldId id="262" r:id="rId26"/>
+    <p:sldId id="278" r:id="rId27"/>
+    <p:sldId id="279" r:id="rId28"/>
   </p:sldIdLst>
   <p:sldSz cx="12192000" cy="6858000"/>
   <p:notesSz cx="6858000" cy="9144000"/>
@@ -8556,7 +8557,7 @@
           <a:p>
             <a:fld id="{7E292AB8-5F8F-4402-9592-F9413DCC0C16}" type="datetimeFigureOut">
               <a:rPr lang="en-US" smtClean="0"/>
-              <a:t>7/10/2023</a:t>
+              <a:t>7/12/2023</a:t>
             </a:fld>
             <a:endParaRPr lang="en-US"/>
           </a:p>
@@ -8754,7 +8755,7 @@
           <a:p>
             <a:fld id="{7E292AB8-5F8F-4402-9592-F9413DCC0C16}" type="datetimeFigureOut">
               <a:rPr lang="en-US" smtClean="0"/>
-              <a:t>7/10/2023</a:t>
+              <a:t>7/12/2023</a:t>
             </a:fld>
             <a:endParaRPr lang="en-US"/>
           </a:p>
@@ -8962,7 +8963,7 @@
           <a:p>
             <a:fld id="{7E292AB8-5F8F-4402-9592-F9413DCC0C16}" type="datetimeFigureOut">
               <a:rPr lang="en-US" smtClean="0"/>
-              <a:t>7/10/2023</a:t>
+              <a:t>7/12/2023</a:t>
             </a:fld>
             <a:endParaRPr lang="en-US"/>
           </a:p>
@@ -9160,7 +9161,7 @@
           <a:p>
             <a:fld id="{7E292AB8-5F8F-4402-9592-F9413DCC0C16}" type="datetimeFigureOut">
               <a:rPr lang="en-US" smtClean="0"/>
-              <a:t>7/10/2023</a:t>
+              <a:t>7/12/2023</a:t>
             </a:fld>
             <a:endParaRPr lang="en-US"/>
           </a:p>
@@ -9435,7 +9436,7 @@
           <a:p>
             <a:fld id="{7E292AB8-5F8F-4402-9592-F9413DCC0C16}" type="datetimeFigureOut">
               <a:rPr lang="en-US" smtClean="0"/>
-              <a:t>7/10/2023</a:t>
+              <a:t>7/12/2023</a:t>
             </a:fld>
             <a:endParaRPr lang="en-US"/>
           </a:p>
@@ -9700,7 +9701,7 @@
           <a:p>
             <a:fld id="{7E292AB8-5F8F-4402-9592-F9413DCC0C16}" type="datetimeFigureOut">
               <a:rPr lang="en-US" smtClean="0"/>
-              <a:t>7/10/2023</a:t>
+              <a:t>7/12/2023</a:t>
             </a:fld>
             <a:endParaRPr lang="en-US"/>
           </a:p>
@@ -10112,7 +10113,7 @@
           <a:p>
             <a:fld id="{7E292AB8-5F8F-4402-9592-F9413DCC0C16}" type="datetimeFigureOut">
               <a:rPr lang="en-US" smtClean="0"/>
-              <a:t>7/10/2023</a:t>
+              <a:t>7/12/2023</a:t>
             </a:fld>
             <a:endParaRPr lang="en-US"/>
           </a:p>
@@ -10253,7 +10254,7 @@
           <a:p>
             <a:fld id="{7E292AB8-5F8F-4402-9592-F9413DCC0C16}" type="datetimeFigureOut">
               <a:rPr lang="en-US" smtClean="0"/>
-              <a:t>7/10/2023</a:t>
+              <a:t>7/12/2023</a:t>
             </a:fld>
             <a:endParaRPr lang="en-US"/>
           </a:p>
@@ -10366,7 +10367,7 @@
           <a:p>
             <a:fld id="{7E292AB8-5F8F-4402-9592-F9413DCC0C16}" type="datetimeFigureOut">
               <a:rPr lang="en-US" smtClean="0"/>
-              <a:t>7/10/2023</a:t>
+              <a:t>7/12/2023</a:t>
             </a:fld>
             <a:endParaRPr lang="en-US"/>
           </a:p>
@@ -10677,7 +10678,7 @@
           <a:p>
             <a:fld id="{7E292AB8-5F8F-4402-9592-F9413DCC0C16}" type="datetimeFigureOut">
               <a:rPr lang="en-US" smtClean="0"/>
-              <a:t>7/10/2023</a:t>
+              <a:t>7/12/2023</a:t>
             </a:fld>
             <a:endParaRPr lang="en-US"/>
           </a:p>
@@ -10965,7 +10966,7 @@
           <a:p>
             <a:fld id="{7E292AB8-5F8F-4402-9592-F9413DCC0C16}" type="datetimeFigureOut">
               <a:rPr lang="en-US" smtClean="0"/>
-              <a:t>7/10/2023</a:t>
+              <a:t>7/12/2023</a:t>
             </a:fld>
             <a:endParaRPr lang="en-US"/>
           </a:p>
@@ -11206,7 +11207,7 @@
           <a:p>
             <a:fld id="{7E292AB8-5F8F-4402-9592-F9413DCC0C16}" type="datetimeFigureOut">
               <a:rPr lang="en-US" smtClean="0"/>
-              <a:t>7/10/2023</a:t>
+              <a:t>7/12/2023</a:t>
             </a:fld>
             <a:endParaRPr lang="en-US"/>
           </a:p>
@@ -27542,6 +27543,2228 @@
           <p:cNvPr id="2" name="Title 1">
             <a:extLst>
               <a:ext uri="{FF2B5EF4-FFF2-40B4-BE49-F238E27FC236}">
+                <a16:creationId xmlns:a16="http://schemas.microsoft.com/office/drawing/2014/main" id="{38EE15E2-EFCE-286C-7DAA-D21755E3D404}"/>
+              </a:ext>
+            </a:extLst>
+          </p:cNvPr>
+          <p:cNvSpPr>
+            <a:spLocks noGrp="1"/>
+          </p:cNvSpPr>
+          <p:nvPr>
+            <p:ph type="title"/>
+          </p:nvPr>
+        </p:nvSpPr>
+        <p:spPr/>
+        <p:txBody>
+          <a:bodyPr/>
+          <a:lstStyle/>
+          <a:p>
+            <a:endParaRPr lang="en-US"/>
+          </a:p>
+        </p:txBody>
+      </p:sp>
+      <p:sp>
+        <p:nvSpPr>
+          <p:cNvPr id="4" name="Oval 3">
+            <a:extLst>
+              <a:ext uri="{FF2B5EF4-FFF2-40B4-BE49-F238E27FC236}">
+                <a16:creationId xmlns:a16="http://schemas.microsoft.com/office/drawing/2014/main" id="{AA92FE50-245A-5820-5CF0-0B57306ED493}"/>
+              </a:ext>
+            </a:extLst>
+          </p:cNvPr>
+          <p:cNvSpPr/>
+          <p:nvPr/>
+        </p:nvSpPr>
+        <p:spPr>
+          <a:xfrm>
+            <a:off x="3867325" y="2801923"/>
+            <a:ext cx="3674378" cy="1610686"/>
+          </a:xfrm>
+          <a:prstGeom prst="ellipse">
+            <a:avLst/>
+          </a:prstGeom>
+        </p:spPr>
+        <p:style>
+          <a:lnRef idx="2">
+            <a:schemeClr val="accent1">
+              <a:shade val="50000"/>
+            </a:schemeClr>
+          </a:lnRef>
+          <a:fillRef idx="1">
+            <a:schemeClr val="accent1"/>
+          </a:fillRef>
+          <a:effectRef idx="0">
+            <a:schemeClr val="accent1"/>
+          </a:effectRef>
+          <a:fontRef idx="minor">
+            <a:schemeClr val="lt1"/>
+          </a:fontRef>
+        </p:style>
+        <p:txBody>
+          <a:bodyPr rtlCol="0" anchor="ctr"/>
+          <a:lstStyle/>
+          <a:p>
+            <a:pPr algn="ctr"/>
+            <a:endParaRPr lang="en-US" dirty="0"/>
+          </a:p>
+        </p:txBody>
+      </p:sp>
+      <p:cxnSp>
+        <p:nvCxnSpPr>
+          <p:cNvPr id="6" name="Straight Connector 5">
+            <a:extLst>
+              <a:ext uri="{FF2B5EF4-FFF2-40B4-BE49-F238E27FC236}">
+                <a16:creationId xmlns:a16="http://schemas.microsoft.com/office/drawing/2014/main" id="{F2DB9599-7A0A-DC70-4D35-20F8DF8A21A4}"/>
+              </a:ext>
+            </a:extLst>
+          </p:cNvPr>
+          <p:cNvCxnSpPr>
+            <a:cxnSpLocks/>
+            <a:endCxn id="4" idx="3"/>
+          </p:cNvCxnSpPr>
+          <p:nvPr/>
+        </p:nvCxnSpPr>
+        <p:spPr>
+          <a:xfrm flipH="1">
+            <a:off x="4405425" y="2801923"/>
+            <a:ext cx="1299089" cy="1374806"/>
+          </a:xfrm>
+          <a:prstGeom prst="line">
+            <a:avLst/>
+          </a:prstGeom>
+        </p:spPr>
+        <p:style>
+          <a:lnRef idx="1">
+            <a:schemeClr val="accent2"/>
+          </a:lnRef>
+          <a:fillRef idx="0">
+            <a:schemeClr val="accent2"/>
+          </a:fillRef>
+          <a:effectRef idx="0">
+            <a:schemeClr val="accent2"/>
+          </a:effectRef>
+          <a:fontRef idx="minor">
+            <a:schemeClr val="tx1"/>
+          </a:fontRef>
+        </p:style>
+      </p:cxnSp>
+      <p:sp>
+        <p:nvSpPr>
+          <p:cNvPr id="7" name="TextBox 6">
+            <a:extLst>
+              <a:ext uri="{FF2B5EF4-FFF2-40B4-BE49-F238E27FC236}">
+                <a16:creationId xmlns:a16="http://schemas.microsoft.com/office/drawing/2014/main" id="{A7482257-C89D-3B85-5563-EFCBEDD4D77C}"/>
+              </a:ext>
+            </a:extLst>
+          </p:cNvPr>
+          <p:cNvSpPr txBox="1"/>
+          <p:nvPr/>
+        </p:nvSpPr>
+        <p:spPr>
+          <a:xfrm>
+            <a:off x="3719994" y="2973987"/>
+            <a:ext cx="1571456" cy="369332"/>
+          </a:xfrm>
+          <a:prstGeom prst="rect">
+            <a:avLst/>
+          </a:prstGeom>
+          <a:noFill/>
+        </p:spPr>
+        <p:txBody>
+          <a:bodyPr wrap="none" rtlCol="0">
+            <a:spAutoFit/>
+          </a:bodyPr>
+          <a:lstStyle/>
+          <a:p>
+            <a:r>
+              <a:rPr lang="en-US" dirty="0"/>
+              <a:t>20% Ice Cream</a:t>
+            </a:r>
+          </a:p>
+        </p:txBody>
+      </p:sp>
+      <p:sp>
+        <p:nvSpPr>
+          <p:cNvPr id="8" name="TextBox 7">
+            <a:extLst>
+              <a:ext uri="{FF2B5EF4-FFF2-40B4-BE49-F238E27FC236}">
+                <a16:creationId xmlns:a16="http://schemas.microsoft.com/office/drawing/2014/main" id="{9A50357D-195B-E3AA-67BA-D61D215D88A5}"/>
+              </a:ext>
+            </a:extLst>
+          </p:cNvPr>
+          <p:cNvSpPr txBox="1"/>
+          <p:nvPr/>
+        </p:nvSpPr>
+        <p:spPr>
+          <a:xfrm>
+            <a:off x="6096000" y="3598877"/>
+            <a:ext cx="1034257" cy="369332"/>
+          </a:xfrm>
+          <a:prstGeom prst="rect">
+            <a:avLst/>
+          </a:prstGeom>
+          <a:noFill/>
+        </p:spPr>
+        <p:txBody>
+          <a:bodyPr wrap="none" rtlCol="0">
+            <a:spAutoFit/>
+          </a:bodyPr>
+          <a:lstStyle/>
+          <a:p>
+            <a:r>
+              <a:rPr lang="en-US" dirty="0"/>
+              <a:t>75% </a:t>
+            </a:r>
+            <a:r>
+              <a:rPr lang="en-US" dirty="0" err="1"/>
+              <a:t>Bajji</a:t>
+            </a:r>
+            <a:endParaRPr lang="en-US" dirty="0"/>
+          </a:p>
+        </p:txBody>
+      </p:sp>
+      <p:sp>
+        <p:nvSpPr>
+          <p:cNvPr id="11" name="Freeform: Shape 10">
+            <a:extLst>
+              <a:ext uri="{FF2B5EF4-FFF2-40B4-BE49-F238E27FC236}">
+                <a16:creationId xmlns:a16="http://schemas.microsoft.com/office/drawing/2014/main" id="{377DF1B8-A5C6-BF2D-17F0-FD88DC3DC249}"/>
+              </a:ext>
+            </a:extLst>
+          </p:cNvPr>
+          <p:cNvSpPr/>
+          <p:nvPr/>
+        </p:nvSpPr>
+        <p:spPr>
+          <a:xfrm>
+            <a:off x="5144118" y="2801923"/>
+            <a:ext cx="736025" cy="1588658"/>
+          </a:xfrm>
+          <a:custGeom>
+            <a:avLst/>
+            <a:gdLst>
+              <a:gd name="connsiteX0" fmla="*/ 677842 w 736025"/>
+              <a:gd name="connsiteY0" fmla="*/ 0 h 1588658"/>
+              <a:gd name="connsiteX1" fmla="*/ 669453 w 736025"/>
+              <a:gd name="connsiteY1" fmla="*/ 813732 h 1588658"/>
+              <a:gd name="connsiteX2" fmla="*/ 6722 w 736025"/>
+              <a:gd name="connsiteY2" fmla="*/ 1551963 h 1588658"/>
+            </a:gdLst>
+            <a:ahLst/>
+            <a:cxnLst>
+              <a:cxn ang="0">
+                <a:pos x="connsiteX0" y="connsiteY0"/>
+              </a:cxn>
+              <a:cxn ang="0">
+                <a:pos x="connsiteX1" y="connsiteY1"/>
+              </a:cxn>
+              <a:cxn ang="0">
+                <a:pos x="connsiteX2" y="connsiteY2"/>
+              </a:cxn>
+            </a:cxnLst>
+            <a:rect l="l" t="t" r="r" b="b"/>
+            <a:pathLst>
+              <a:path w="736025" h="1588658">
+                <a:moveTo>
+                  <a:pt x="677842" y="0"/>
+                </a:moveTo>
+                <a:cubicBezTo>
+                  <a:pt x="729574" y="277536"/>
+                  <a:pt x="781306" y="555072"/>
+                  <a:pt x="669453" y="813732"/>
+                </a:cubicBezTo>
+                <a:cubicBezTo>
+                  <a:pt x="557600" y="1072392"/>
+                  <a:pt x="-71575" y="1753299"/>
+                  <a:pt x="6722" y="1551963"/>
+                </a:cubicBezTo>
+              </a:path>
+            </a:pathLst>
+          </a:custGeom>
+          <a:noFill/>
+        </p:spPr>
+        <p:style>
+          <a:lnRef idx="2">
+            <a:schemeClr val="accent1">
+              <a:shade val="50000"/>
+            </a:schemeClr>
+          </a:lnRef>
+          <a:fillRef idx="1">
+            <a:schemeClr val="accent1"/>
+          </a:fillRef>
+          <a:effectRef idx="0">
+            <a:schemeClr val="accent1"/>
+          </a:effectRef>
+          <a:fontRef idx="minor">
+            <a:schemeClr val="lt1"/>
+          </a:fontRef>
+        </p:style>
+        <p:txBody>
+          <a:bodyPr rtlCol="0" anchor="ctr"/>
+          <a:lstStyle/>
+          <a:p>
+            <a:pPr algn="ctr"/>
+            <a:endParaRPr lang="en-US"/>
+          </a:p>
+        </p:txBody>
+      </p:sp>
+      <p:sp>
+        <p:nvSpPr>
+          <p:cNvPr id="12" name="TextBox 11">
+            <a:extLst>
+              <a:ext uri="{FF2B5EF4-FFF2-40B4-BE49-F238E27FC236}">
+                <a16:creationId xmlns:a16="http://schemas.microsoft.com/office/drawing/2014/main" id="{292A4A18-74F0-D0FB-86CF-B5DBB5A242A4}"/>
+              </a:ext>
+            </a:extLst>
+          </p:cNvPr>
+          <p:cNvSpPr txBox="1"/>
+          <p:nvPr/>
+        </p:nvSpPr>
+        <p:spPr>
+          <a:xfrm rot="18953054">
+            <a:off x="4806947" y="3575358"/>
+            <a:ext cx="917239" cy="369332"/>
+          </a:xfrm>
+          <a:prstGeom prst="rect">
+            <a:avLst/>
+          </a:prstGeom>
+          <a:noFill/>
+        </p:spPr>
+        <p:txBody>
+          <a:bodyPr wrap="none" rtlCol="0">
+            <a:spAutoFit/>
+          </a:bodyPr>
+          <a:lstStyle/>
+          <a:p>
+            <a:r>
+              <a:rPr lang="en-US" dirty="0"/>
+              <a:t>5% </a:t>
+            </a:r>
+            <a:r>
+              <a:rPr lang="en-US" dirty="0" err="1"/>
+              <a:t>Bajji</a:t>
+            </a:r>
+            <a:endParaRPr lang="en-US" dirty="0"/>
+          </a:p>
+        </p:txBody>
+      </p:sp>
+      <p:sp>
+        <p:nvSpPr>
+          <p:cNvPr id="13" name="TextBox 12">
+            <a:extLst>
+              <a:ext uri="{FF2B5EF4-FFF2-40B4-BE49-F238E27FC236}">
+                <a16:creationId xmlns:a16="http://schemas.microsoft.com/office/drawing/2014/main" id="{4F96EAAA-D3AF-99D5-67C9-4EDC953EBF63}"/>
+              </a:ext>
+            </a:extLst>
+          </p:cNvPr>
+          <p:cNvSpPr txBox="1"/>
+          <p:nvPr/>
+        </p:nvSpPr>
+        <p:spPr>
+          <a:xfrm>
+            <a:off x="5311312" y="2789321"/>
+            <a:ext cx="540533" cy="369332"/>
+          </a:xfrm>
+          <a:prstGeom prst="rect">
+            <a:avLst/>
+          </a:prstGeom>
+          <a:noFill/>
+        </p:spPr>
+        <p:txBody>
+          <a:bodyPr wrap="none" rtlCol="0">
+            <a:spAutoFit/>
+          </a:bodyPr>
+          <a:lstStyle/>
+          <a:p>
+            <a:r>
+              <a:rPr lang="en-US" dirty="0"/>
+              <a:t>C_1</a:t>
+            </a:r>
+          </a:p>
+        </p:txBody>
+      </p:sp>
+      <p:sp>
+        <p:nvSpPr>
+          <p:cNvPr id="14" name="TextBox 13">
+            <a:extLst>
+              <a:ext uri="{FF2B5EF4-FFF2-40B4-BE49-F238E27FC236}">
+                <a16:creationId xmlns:a16="http://schemas.microsoft.com/office/drawing/2014/main" id="{72877A92-F08E-5D05-58EC-DBAC53E5343D}"/>
+              </a:ext>
+            </a:extLst>
+          </p:cNvPr>
+          <p:cNvSpPr txBox="1"/>
+          <p:nvPr/>
+        </p:nvSpPr>
+        <p:spPr>
+          <a:xfrm>
+            <a:off x="6096271" y="2889791"/>
+            <a:ext cx="540533" cy="369332"/>
+          </a:xfrm>
+          <a:prstGeom prst="rect">
+            <a:avLst/>
+          </a:prstGeom>
+          <a:noFill/>
+        </p:spPr>
+        <p:txBody>
+          <a:bodyPr wrap="none" rtlCol="0">
+            <a:spAutoFit/>
+          </a:bodyPr>
+          <a:lstStyle/>
+          <a:p>
+            <a:r>
+              <a:rPr lang="en-US" dirty="0"/>
+              <a:t>C_2</a:t>
+            </a:r>
+          </a:p>
+        </p:txBody>
+      </p:sp>
+      <mc:AlternateContent xmlns:mc="http://schemas.openxmlformats.org/markup-compatibility/2006">
+        <mc:Choice xmlns:a14="http://schemas.microsoft.com/office/drawing/2010/main" Requires="a14">
+          <p:sp>
+            <p:nvSpPr>
+              <p:cNvPr id="16" name="TextBox 15">
+                <a:extLst>
+                  <a:ext uri="{FF2B5EF4-FFF2-40B4-BE49-F238E27FC236}">
+                    <a16:creationId xmlns:a16="http://schemas.microsoft.com/office/drawing/2014/main" id="{28F7FD81-8765-3EF3-A226-A144B0E93A2A}"/>
+                  </a:ext>
+                </a:extLst>
+              </p:cNvPr>
+              <p:cNvSpPr txBox="1"/>
+              <p:nvPr/>
+            </p:nvSpPr>
+            <p:spPr>
+              <a:xfrm>
+                <a:off x="8070209" y="2030136"/>
+                <a:ext cx="3033203" cy="618374"/>
+              </a:xfrm>
+              <a:prstGeom prst="rect">
+                <a:avLst/>
+              </a:prstGeom>
+              <a:noFill/>
+            </p:spPr>
+            <p:txBody>
+              <a:bodyPr wrap="none" rtlCol="0">
+                <a:spAutoFit/>
+              </a:bodyPr>
+              <a:lstStyle/>
+              <a:p>
+                <a14:m>
+                  <m:oMathPara xmlns:m="http://schemas.openxmlformats.org/officeDocument/2006/math">
+                    <m:oMathParaPr>
+                      <m:jc m:val="centerGroup"/>
+                    </m:oMathParaPr>
+                    <m:oMath xmlns:m="http://schemas.openxmlformats.org/officeDocument/2006/math">
+                      <m:r>
+                        <a:rPr lang="en-US" i="1" dirty="0" smtClean="0">
+                          <a:latin typeface="Cambria Math" panose="02040503050406030204" pitchFamily="18" charset="0"/>
+                        </a:rPr>
+                        <m:t>0.</m:t>
+                      </m:r>
+                      <m:r>
+                        <a:rPr lang="en-US" b="0" i="1" dirty="0" smtClean="0">
+                          <a:latin typeface="Cambria Math" panose="02040503050406030204" pitchFamily="18" charset="0"/>
+                        </a:rPr>
+                        <m:t>25×</m:t>
+                      </m:r>
+                      <m:f>
+                        <m:fPr>
+                          <m:ctrlPr>
+                            <a:rPr lang="en-US" b="0" i="1" dirty="0" smtClean="0">
+                              <a:latin typeface="Cambria Math" panose="02040503050406030204" pitchFamily="18" charset="0"/>
+                            </a:rPr>
+                          </m:ctrlPr>
+                        </m:fPr>
+                        <m:num>
+                          <m:r>
+                            <a:rPr lang="en-US" b="0" i="1" dirty="0" smtClean="0">
+                              <a:latin typeface="Cambria Math" panose="02040503050406030204" pitchFamily="18" charset="0"/>
+                            </a:rPr>
+                            <m:t>5</m:t>
+                          </m:r>
+                        </m:num>
+                        <m:den>
+                          <m:r>
+                            <a:rPr lang="en-US" b="0" i="1" dirty="0" smtClean="0">
+                              <a:latin typeface="Cambria Math" panose="02040503050406030204" pitchFamily="18" charset="0"/>
+                            </a:rPr>
+                            <m:t>25</m:t>
+                          </m:r>
+                        </m:den>
+                      </m:f>
+                      <m:r>
+                        <a:rPr lang="en-US" b="0" i="1" dirty="0" smtClean="0">
+                          <a:latin typeface="Cambria Math" panose="02040503050406030204" pitchFamily="18" charset="0"/>
+                        </a:rPr>
+                        <m:t>+0.75×0=0.05</m:t>
+                      </m:r>
+                    </m:oMath>
+                  </m:oMathPara>
+                </a14:m>
+                <a:endParaRPr lang="en-US" dirty="0"/>
+              </a:p>
+            </p:txBody>
+          </p:sp>
+        </mc:Choice>
+        <mc:Fallback>
+          <p:sp>
+            <p:nvSpPr>
+              <p:cNvPr id="16" name="TextBox 15">
+                <a:extLst>
+                  <a:ext uri="{FF2B5EF4-FFF2-40B4-BE49-F238E27FC236}">
+                    <a16:creationId xmlns:a16="http://schemas.microsoft.com/office/drawing/2014/main" id="{28F7FD81-8765-3EF3-A226-A144B0E93A2A}"/>
+                  </a:ext>
+                </a:extLst>
+              </p:cNvPr>
+              <p:cNvSpPr txBox="1">
+                <a:spLocks noRot="1" noChangeAspect="1" noMove="1" noResize="1" noEditPoints="1" noAdjustHandles="1" noChangeArrowheads="1" noChangeShapeType="1" noTextEdit="1"/>
+              </p:cNvSpPr>
+              <p:nvPr/>
+            </p:nvSpPr>
+            <p:spPr>
+              <a:xfrm>
+                <a:off x="8070209" y="2030136"/>
+                <a:ext cx="3033203" cy="618374"/>
+              </a:xfrm>
+              <a:prstGeom prst="rect">
+                <a:avLst/>
+              </a:prstGeom>
+              <a:blipFill>
+                <a:blip r:embed="rId2"/>
+                <a:stretch>
+                  <a:fillRect/>
+                </a:stretch>
+              </a:blipFill>
+            </p:spPr>
+            <p:txBody>
+              <a:bodyPr/>
+              <a:lstStyle/>
+              <a:p>
+                <a:r>
+                  <a:rPr lang="en-US">
+                    <a:noFill/>
+                  </a:rPr>
+                  <a:t> </a:t>
+                </a:r>
+              </a:p>
+            </p:txBody>
+          </p:sp>
+        </mc:Fallback>
+      </mc:AlternateContent>
+      <p:sp>
+        <p:nvSpPr>
+          <p:cNvPr id="20" name="TextBox 19">
+            <a:extLst>
+              <a:ext uri="{FF2B5EF4-FFF2-40B4-BE49-F238E27FC236}">
+                <a16:creationId xmlns:a16="http://schemas.microsoft.com/office/drawing/2014/main" id="{6B16FBE7-26E7-7A14-381A-F2A19EE528F1}"/>
+              </a:ext>
+            </a:extLst>
+          </p:cNvPr>
+          <p:cNvSpPr txBox="1"/>
+          <p:nvPr/>
+        </p:nvSpPr>
+        <p:spPr>
+          <a:xfrm>
+            <a:off x="6569309" y="3196422"/>
+            <a:ext cx="1454437" cy="369332"/>
+          </a:xfrm>
+          <a:prstGeom prst="rect">
+            <a:avLst/>
+          </a:prstGeom>
+          <a:noFill/>
+        </p:spPr>
+        <p:txBody>
+          <a:bodyPr wrap="none" rtlCol="0">
+            <a:spAutoFit/>
+          </a:bodyPr>
+          <a:lstStyle/>
+          <a:p>
+            <a:r>
+              <a:rPr lang="en-US" dirty="0"/>
+              <a:t>0% Ice Cream</a:t>
+            </a:r>
+          </a:p>
+        </p:txBody>
+      </p:sp>
+      <mc:AlternateContent xmlns:mc="http://schemas.openxmlformats.org/markup-compatibility/2006">
+        <mc:Choice xmlns:a14="http://schemas.microsoft.com/office/drawing/2010/main" Requires="a14">
+          <p:sp>
+            <p:nvSpPr>
+              <p:cNvPr id="21" name="TextBox 20">
+                <a:extLst>
+                  <a:ext uri="{FF2B5EF4-FFF2-40B4-BE49-F238E27FC236}">
+                    <a16:creationId xmlns:a16="http://schemas.microsoft.com/office/drawing/2014/main" id="{C3AFDF20-00F6-630C-68ED-3FBBFDD96A6C}"/>
+                  </a:ext>
+                </a:extLst>
+              </p:cNvPr>
+              <p:cNvSpPr txBox="1"/>
+              <p:nvPr/>
+            </p:nvSpPr>
+            <p:spPr>
+              <a:xfrm>
+                <a:off x="1108881" y="2207493"/>
+                <a:ext cx="1305614" cy="646331"/>
+              </a:xfrm>
+              <a:prstGeom prst="rect">
+                <a:avLst/>
+              </a:prstGeom>
+              <a:noFill/>
+            </p:spPr>
+            <p:txBody>
+              <a:bodyPr wrap="none" rtlCol="0">
+                <a:spAutoFit/>
+              </a:bodyPr>
+              <a:lstStyle/>
+              <a:p>
+                <a14:m>
+                  <m:oMathPara xmlns:m="http://schemas.openxmlformats.org/officeDocument/2006/math">
+                    <m:oMathParaPr>
+                      <m:jc m:val="centerGroup"/>
+                    </m:oMathParaPr>
+                    <m:oMath xmlns:m="http://schemas.openxmlformats.org/officeDocument/2006/math">
+                      <m:sSub>
+                        <m:sSubPr>
+                          <m:ctrlPr>
+                            <a:rPr lang="en-US" b="0" i="1" smtClean="0">
+                              <a:latin typeface="Cambria Math" panose="02040503050406030204" pitchFamily="18" charset="0"/>
+                            </a:rPr>
+                          </m:ctrlPr>
+                        </m:sSubPr>
+                        <m:e>
+                          <m:r>
+                            <a:rPr lang="en-US" b="0" i="1" smtClean="0">
+                              <a:latin typeface="Cambria Math" panose="02040503050406030204" pitchFamily="18" charset="0"/>
+                            </a:rPr>
+                            <m:t>𝐶</m:t>
+                          </m:r>
+                        </m:e>
+                        <m:sub>
+                          <m:r>
+                            <a:rPr lang="en-US" b="0" i="1" smtClean="0">
+                              <a:latin typeface="Cambria Math" panose="02040503050406030204" pitchFamily="18" charset="0"/>
+                            </a:rPr>
+                            <m:t>1</m:t>
+                          </m:r>
+                        </m:sub>
+                      </m:sSub>
+                      <m:r>
+                        <a:rPr lang="en-US" b="0" i="1" smtClean="0">
+                          <a:latin typeface="Cambria Math" panose="02040503050406030204" pitchFamily="18" charset="0"/>
+                        </a:rPr>
+                        <m:t>= </m:t>
+                      </m:r>
+                      <m:r>
+                        <a:rPr lang="en-US" b="0" i="1" smtClean="0">
+                          <a:latin typeface="Cambria Math" panose="02040503050406030204" pitchFamily="18" charset="0"/>
+                        </a:rPr>
+                        <m:t>𝑝</m:t>
+                      </m:r>
+                    </m:oMath>
+                  </m:oMathPara>
+                </a14:m>
+                <a:endParaRPr lang="en-US" b="0" dirty="0"/>
+              </a:p>
+              <a:p>
+                <a14:m>
+                  <m:oMathPara xmlns:m="http://schemas.openxmlformats.org/officeDocument/2006/math">
+                    <m:oMathParaPr>
+                      <m:jc m:val="centerGroup"/>
+                    </m:oMathParaPr>
+                    <m:oMath xmlns:m="http://schemas.openxmlformats.org/officeDocument/2006/math">
+                      <m:sSub>
+                        <m:sSubPr>
+                          <m:ctrlPr>
+                            <a:rPr lang="en-US" b="0" i="1" smtClean="0">
+                              <a:latin typeface="Cambria Math" panose="02040503050406030204" pitchFamily="18" charset="0"/>
+                            </a:rPr>
+                          </m:ctrlPr>
+                        </m:sSubPr>
+                        <m:e>
+                          <m:r>
+                            <a:rPr lang="en-US" b="0" i="1" smtClean="0">
+                              <a:latin typeface="Cambria Math" panose="02040503050406030204" pitchFamily="18" charset="0"/>
+                            </a:rPr>
+                            <m:t>𝐶</m:t>
+                          </m:r>
+                        </m:e>
+                        <m:sub>
+                          <m:r>
+                            <a:rPr lang="en-US" b="0" i="1" smtClean="0">
+                              <a:latin typeface="Cambria Math" panose="02040503050406030204" pitchFamily="18" charset="0"/>
+                            </a:rPr>
+                            <m:t>2</m:t>
+                          </m:r>
+                        </m:sub>
+                      </m:sSub>
+                      <m:r>
+                        <a:rPr lang="en-US" b="0" i="1" smtClean="0">
+                          <a:latin typeface="Cambria Math" panose="02040503050406030204" pitchFamily="18" charset="0"/>
+                        </a:rPr>
+                        <m:t>=1−</m:t>
+                      </m:r>
+                      <m:r>
+                        <a:rPr lang="en-US" b="0" i="1" smtClean="0">
+                          <a:latin typeface="Cambria Math" panose="02040503050406030204" pitchFamily="18" charset="0"/>
+                        </a:rPr>
+                        <m:t>𝑝</m:t>
+                      </m:r>
+                    </m:oMath>
+                  </m:oMathPara>
+                </a14:m>
+                <a:endParaRPr lang="en-US" dirty="0"/>
+              </a:p>
+            </p:txBody>
+          </p:sp>
+        </mc:Choice>
+        <mc:Fallback>
+          <p:sp>
+            <p:nvSpPr>
+              <p:cNvPr id="21" name="TextBox 20">
+                <a:extLst>
+                  <a:ext uri="{FF2B5EF4-FFF2-40B4-BE49-F238E27FC236}">
+                    <a16:creationId xmlns:a16="http://schemas.microsoft.com/office/drawing/2014/main" id="{C3AFDF20-00F6-630C-68ED-3FBBFDD96A6C}"/>
+                  </a:ext>
+                </a:extLst>
+              </p:cNvPr>
+              <p:cNvSpPr txBox="1">
+                <a:spLocks noRot="1" noChangeAspect="1" noMove="1" noResize="1" noEditPoints="1" noAdjustHandles="1" noChangeArrowheads="1" noChangeShapeType="1" noTextEdit="1"/>
+              </p:cNvSpPr>
+              <p:nvPr/>
+            </p:nvSpPr>
+            <p:spPr>
+              <a:xfrm>
+                <a:off x="1108881" y="2207493"/>
+                <a:ext cx="1305614" cy="646331"/>
+              </a:xfrm>
+              <a:prstGeom prst="rect">
+                <a:avLst/>
+              </a:prstGeom>
+              <a:blipFill>
+                <a:blip r:embed="rId3"/>
+                <a:stretch>
+                  <a:fillRect b="-3774"/>
+                </a:stretch>
+              </a:blipFill>
+            </p:spPr>
+            <p:txBody>
+              <a:bodyPr/>
+              <a:lstStyle/>
+              <a:p>
+                <a:r>
+                  <a:rPr lang="en-US">
+                    <a:noFill/>
+                  </a:rPr>
+                  <a:t> </a:t>
+                </a:r>
+              </a:p>
+            </p:txBody>
+          </p:sp>
+        </mc:Fallback>
+      </mc:AlternateContent>
+      <mc:AlternateContent xmlns:mc="http://schemas.openxmlformats.org/markup-compatibility/2006">
+        <mc:Choice xmlns:a14="http://schemas.microsoft.com/office/drawing/2010/main" Requires="a14">
+          <p:sp>
+            <p:nvSpPr>
+              <p:cNvPr id="22" name="TextBox 21">
+                <a:extLst>
+                  <a:ext uri="{FF2B5EF4-FFF2-40B4-BE49-F238E27FC236}">
+                    <a16:creationId xmlns:a16="http://schemas.microsoft.com/office/drawing/2014/main" id="{92D0977F-F433-D4E9-677D-CD73743BB7E3}"/>
+                  </a:ext>
+                </a:extLst>
+              </p:cNvPr>
+              <p:cNvSpPr txBox="1"/>
+              <p:nvPr/>
+            </p:nvSpPr>
+            <p:spPr>
+              <a:xfrm>
+                <a:off x="3495480" y="4425211"/>
+                <a:ext cx="1388329" cy="646331"/>
+              </a:xfrm>
+              <a:prstGeom prst="rect">
+                <a:avLst/>
+              </a:prstGeom>
+              <a:noFill/>
+            </p:spPr>
+            <p:txBody>
+              <a:bodyPr wrap="none" rtlCol="0">
+                <a:spAutoFit/>
+              </a:bodyPr>
+              <a:lstStyle/>
+              <a:p>
+                <a14:m>
+                  <m:oMathPara xmlns:m="http://schemas.openxmlformats.org/officeDocument/2006/math">
+                    <m:oMathParaPr>
+                      <m:jc m:val="centerGroup"/>
+                    </m:oMathParaPr>
+                    <m:oMath xmlns:m="http://schemas.openxmlformats.org/officeDocument/2006/math">
+                      <m:sSub>
+                        <m:sSubPr>
+                          <m:ctrlPr>
+                            <a:rPr lang="en-US" b="0" i="1" smtClean="0">
+                              <a:latin typeface="Cambria Math" panose="02040503050406030204" pitchFamily="18" charset="0"/>
+                            </a:rPr>
+                          </m:ctrlPr>
+                        </m:sSubPr>
+                        <m:e>
+                          <m:r>
+                            <a:rPr lang="en-US" b="0" i="1" smtClean="0">
+                              <a:latin typeface="Cambria Math" panose="02040503050406030204" pitchFamily="18" charset="0"/>
+                            </a:rPr>
+                            <m:t>𝐶</m:t>
+                          </m:r>
+                        </m:e>
+                        <m:sub>
+                          <m:r>
+                            <a:rPr lang="en-US" b="0" i="1" smtClean="0">
+                              <a:latin typeface="Cambria Math" panose="02040503050406030204" pitchFamily="18" charset="0"/>
+                            </a:rPr>
+                            <m:t>𝑠</m:t>
+                          </m:r>
+                          <m:r>
+                            <a:rPr lang="en-US" b="0" i="1" smtClean="0">
+                              <a:latin typeface="Cambria Math" panose="02040503050406030204" pitchFamily="18" charset="0"/>
+                            </a:rPr>
+                            <m:t>1</m:t>
+                          </m:r>
+                        </m:sub>
+                      </m:sSub>
+                      <m:r>
+                        <a:rPr lang="en-US" b="0" i="1" smtClean="0">
+                          <a:latin typeface="Cambria Math" panose="02040503050406030204" pitchFamily="18" charset="0"/>
+                        </a:rPr>
+                        <m:t>=</m:t>
+                      </m:r>
+                      <m:r>
+                        <a:rPr lang="en-US" b="0" i="1" smtClean="0">
+                          <a:latin typeface="Cambria Math" panose="02040503050406030204" pitchFamily="18" charset="0"/>
+                        </a:rPr>
+                        <m:t>𝑞</m:t>
+                      </m:r>
+                    </m:oMath>
+                  </m:oMathPara>
+                </a14:m>
+                <a:endParaRPr lang="en-US" b="0" dirty="0"/>
+              </a:p>
+              <a:p>
+                <a14:m>
+                  <m:oMathPara xmlns:m="http://schemas.openxmlformats.org/officeDocument/2006/math">
+                    <m:oMathParaPr>
+                      <m:jc m:val="centerGroup"/>
+                    </m:oMathParaPr>
+                    <m:oMath xmlns:m="http://schemas.openxmlformats.org/officeDocument/2006/math">
+                      <m:sSub>
+                        <m:sSubPr>
+                          <m:ctrlPr>
+                            <a:rPr lang="en-US" b="0" i="1" smtClean="0">
+                              <a:latin typeface="Cambria Math" panose="02040503050406030204" pitchFamily="18" charset="0"/>
+                            </a:rPr>
+                          </m:ctrlPr>
+                        </m:sSubPr>
+                        <m:e>
+                          <m:r>
+                            <a:rPr lang="en-US" b="0" i="1" smtClean="0">
+                              <a:latin typeface="Cambria Math" panose="02040503050406030204" pitchFamily="18" charset="0"/>
+                            </a:rPr>
+                            <m:t>𝐶</m:t>
+                          </m:r>
+                        </m:e>
+                        <m:sub>
+                          <m:r>
+                            <a:rPr lang="en-US" b="0" i="1" smtClean="0">
+                              <a:latin typeface="Cambria Math" panose="02040503050406030204" pitchFamily="18" charset="0"/>
+                            </a:rPr>
+                            <m:t>𝑠</m:t>
+                          </m:r>
+                          <m:r>
+                            <a:rPr lang="en-US" b="0" i="1" smtClean="0">
+                              <a:latin typeface="Cambria Math" panose="02040503050406030204" pitchFamily="18" charset="0"/>
+                            </a:rPr>
+                            <m:t>2</m:t>
+                          </m:r>
+                        </m:sub>
+                      </m:sSub>
+                      <m:r>
+                        <a:rPr lang="en-US" b="0" i="1" smtClean="0">
+                          <a:latin typeface="Cambria Math" panose="02040503050406030204" pitchFamily="18" charset="0"/>
+                        </a:rPr>
+                        <m:t>=1−</m:t>
+                      </m:r>
+                      <m:r>
+                        <a:rPr lang="en-US" b="0" i="1" smtClean="0">
+                          <a:latin typeface="Cambria Math" panose="02040503050406030204" pitchFamily="18" charset="0"/>
+                        </a:rPr>
+                        <m:t>𝑞</m:t>
+                      </m:r>
+                    </m:oMath>
+                  </m:oMathPara>
+                </a14:m>
+                <a:endParaRPr lang="en-US" dirty="0"/>
+              </a:p>
+            </p:txBody>
+          </p:sp>
+        </mc:Choice>
+        <mc:Fallback>
+          <p:sp>
+            <p:nvSpPr>
+              <p:cNvPr id="22" name="TextBox 21">
+                <a:extLst>
+                  <a:ext uri="{FF2B5EF4-FFF2-40B4-BE49-F238E27FC236}">
+                    <a16:creationId xmlns:a16="http://schemas.microsoft.com/office/drawing/2014/main" id="{92D0977F-F433-D4E9-677D-CD73743BB7E3}"/>
+                  </a:ext>
+                </a:extLst>
+              </p:cNvPr>
+              <p:cNvSpPr txBox="1">
+                <a:spLocks noRot="1" noChangeAspect="1" noMove="1" noResize="1" noEditPoints="1" noAdjustHandles="1" noChangeArrowheads="1" noChangeShapeType="1" noTextEdit="1"/>
+              </p:cNvSpPr>
+              <p:nvPr/>
+            </p:nvSpPr>
+            <p:spPr>
+              <a:xfrm>
+                <a:off x="3495480" y="4425211"/>
+                <a:ext cx="1388329" cy="646331"/>
+              </a:xfrm>
+              <a:prstGeom prst="rect">
+                <a:avLst/>
+              </a:prstGeom>
+              <a:blipFill>
+                <a:blip r:embed="rId4"/>
+                <a:stretch>
+                  <a:fillRect b="-2830"/>
+                </a:stretch>
+              </a:blipFill>
+            </p:spPr>
+            <p:txBody>
+              <a:bodyPr/>
+              <a:lstStyle/>
+              <a:p>
+                <a:r>
+                  <a:rPr lang="en-US">
+                    <a:noFill/>
+                  </a:rPr>
+                  <a:t> </a:t>
+                </a:r>
+              </a:p>
+            </p:txBody>
+          </p:sp>
+        </mc:Fallback>
+      </mc:AlternateContent>
+      <mc:AlternateContent xmlns:mc="http://schemas.openxmlformats.org/markup-compatibility/2006">
+        <mc:Choice xmlns:a14="http://schemas.microsoft.com/office/drawing/2010/main" Requires="a14">
+          <p:sp>
+            <p:nvSpPr>
+              <p:cNvPr id="23" name="TextBox 22">
+                <a:extLst>
+                  <a:ext uri="{FF2B5EF4-FFF2-40B4-BE49-F238E27FC236}">
+                    <a16:creationId xmlns:a16="http://schemas.microsoft.com/office/drawing/2014/main" id="{DA50C9CF-6FE1-9909-C73D-6B318DF1740A}"/>
+                  </a:ext>
+                </a:extLst>
+              </p:cNvPr>
+              <p:cNvSpPr txBox="1"/>
+              <p:nvPr/>
+            </p:nvSpPr>
+            <p:spPr>
+              <a:xfrm>
+                <a:off x="6242806" y="4469865"/>
+                <a:ext cx="1362361" cy="646331"/>
+              </a:xfrm>
+              <a:prstGeom prst="rect">
+                <a:avLst/>
+              </a:prstGeom>
+              <a:noFill/>
+            </p:spPr>
+            <p:txBody>
+              <a:bodyPr wrap="none" rtlCol="0">
+                <a:spAutoFit/>
+              </a:bodyPr>
+              <a:lstStyle/>
+              <a:p>
+                <a14:m>
+                  <m:oMathPara xmlns:m="http://schemas.openxmlformats.org/officeDocument/2006/math">
+                    <m:oMathParaPr>
+                      <m:jc m:val="centerGroup"/>
+                    </m:oMathParaPr>
+                    <m:oMath xmlns:m="http://schemas.openxmlformats.org/officeDocument/2006/math">
+                      <m:sSub>
+                        <m:sSubPr>
+                          <m:ctrlPr>
+                            <a:rPr lang="en-US" b="0" i="1" smtClean="0">
+                              <a:latin typeface="Cambria Math" panose="02040503050406030204" pitchFamily="18" charset="0"/>
+                            </a:rPr>
+                          </m:ctrlPr>
+                        </m:sSubPr>
+                        <m:e>
+                          <m:r>
+                            <a:rPr lang="en-US" b="0" i="1" smtClean="0">
+                              <a:latin typeface="Cambria Math" panose="02040503050406030204" pitchFamily="18" charset="0"/>
+                            </a:rPr>
+                            <m:t>𝐶</m:t>
+                          </m:r>
+                        </m:e>
+                        <m:sub>
+                          <m:r>
+                            <a:rPr lang="en-US" b="0" i="1" smtClean="0">
+                              <a:latin typeface="Cambria Math" panose="02040503050406030204" pitchFamily="18" charset="0"/>
+                            </a:rPr>
+                            <m:t>𝑡</m:t>
+                          </m:r>
+                          <m:r>
+                            <a:rPr lang="en-US" b="0" i="1" smtClean="0">
+                              <a:latin typeface="Cambria Math" panose="02040503050406030204" pitchFamily="18" charset="0"/>
+                            </a:rPr>
+                            <m:t>1</m:t>
+                          </m:r>
+                        </m:sub>
+                      </m:sSub>
+                      <m:r>
+                        <a:rPr lang="en-US" b="0" i="1" smtClean="0">
+                          <a:latin typeface="Cambria Math" panose="02040503050406030204" pitchFamily="18" charset="0"/>
+                        </a:rPr>
+                        <m:t>=</m:t>
+                      </m:r>
+                      <m:r>
+                        <a:rPr lang="en-US" b="0" i="1" smtClean="0">
+                          <a:latin typeface="Cambria Math" panose="02040503050406030204" pitchFamily="18" charset="0"/>
+                        </a:rPr>
+                        <m:t>𝑟</m:t>
+                      </m:r>
+                    </m:oMath>
+                  </m:oMathPara>
+                </a14:m>
+                <a:endParaRPr lang="en-US" b="0" dirty="0"/>
+              </a:p>
+              <a:p>
+                <a14:m>
+                  <m:oMathPara xmlns:m="http://schemas.openxmlformats.org/officeDocument/2006/math">
+                    <m:oMathParaPr>
+                      <m:jc m:val="centerGroup"/>
+                    </m:oMathParaPr>
+                    <m:oMath xmlns:m="http://schemas.openxmlformats.org/officeDocument/2006/math">
+                      <m:sSub>
+                        <m:sSubPr>
+                          <m:ctrlPr>
+                            <a:rPr lang="en-US" b="0" i="1" smtClean="0">
+                              <a:latin typeface="Cambria Math" panose="02040503050406030204" pitchFamily="18" charset="0"/>
+                            </a:rPr>
+                          </m:ctrlPr>
+                        </m:sSubPr>
+                        <m:e>
+                          <m:r>
+                            <a:rPr lang="en-US" b="0" i="1" smtClean="0">
+                              <a:latin typeface="Cambria Math" panose="02040503050406030204" pitchFamily="18" charset="0"/>
+                            </a:rPr>
+                            <m:t>𝐶</m:t>
+                          </m:r>
+                        </m:e>
+                        <m:sub>
+                          <m:r>
+                            <a:rPr lang="en-US" b="0" i="1" smtClean="0">
+                              <a:latin typeface="Cambria Math" panose="02040503050406030204" pitchFamily="18" charset="0"/>
+                            </a:rPr>
+                            <m:t>𝑡</m:t>
+                          </m:r>
+                          <m:r>
+                            <a:rPr lang="en-US" b="0" i="1" smtClean="0">
+                              <a:latin typeface="Cambria Math" panose="02040503050406030204" pitchFamily="18" charset="0"/>
+                            </a:rPr>
+                            <m:t>2</m:t>
+                          </m:r>
+                        </m:sub>
+                      </m:sSub>
+                      <m:r>
+                        <a:rPr lang="en-US" b="0" i="1" smtClean="0">
+                          <a:latin typeface="Cambria Math" panose="02040503050406030204" pitchFamily="18" charset="0"/>
+                        </a:rPr>
+                        <m:t>=1−</m:t>
+                      </m:r>
+                      <m:r>
+                        <a:rPr lang="en-US" b="0" i="1" smtClean="0">
+                          <a:latin typeface="Cambria Math" panose="02040503050406030204" pitchFamily="18" charset="0"/>
+                        </a:rPr>
+                        <m:t>𝑟</m:t>
+                      </m:r>
+                    </m:oMath>
+                  </m:oMathPara>
+                </a14:m>
+                <a:endParaRPr lang="en-US" dirty="0"/>
+              </a:p>
+            </p:txBody>
+          </p:sp>
+        </mc:Choice>
+        <mc:Fallback>
+          <p:sp>
+            <p:nvSpPr>
+              <p:cNvPr id="23" name="TextBox 22">
+                <a:extLst>
+                  <a:ext uri="{FF2B5EF4-FFF2-40B4-BE49-F238E27FC236}">
+                    <a16:creationId xmlns:a16="http://schemas.microsoft.com/office/drawing/2014/main" id="{DA50C9CF-6FE1-9909-C73D-6B318DF1740A}"/>
+                  </a:ext>
+                </a:extLst>
+              </p:cNvPr>
+              <p:cNvSpPr txBox="1">
+                <a:spLocks noRot="1" noChangeAspect="1" noMove="1" noResize="1" noEditPoints="1" noAdjustHandles="1" noChangeArrowheads="1" noChangeShapeType="1" noTextEdit="1"/>
+              </p:cNvSpPr>
+              <p:nvPr/>
+            </p:nvSpPr>
+            <p:spPr>
+              <a:xfrm>
+                <a:off x="6242806" y="4469865"/>
+                <a:ext cx="1362361" cy="646331"/>
+              </a:xfrm>
+              <a:prstGeom prst="rect">
+                <a:avLst/>
+              </a:prstGeom>
+              <a:blipFill>
+                <a:blip r:embed="rId5"/>
+                <a:stretch>
+                  <a:fillRect/>
+                </a:stretch>
+              </a:blipFill>
+            </p:spPr>
+            <p:txBody>
+              <a:bodyPr/>
+              <a:lstStyle/>
+              <a:p>
+                <a:r>
+                  <a:rPr lang="en-US">
+                    <a:noFill/>
+                  </a:rPr>
+                  <a:t> </a:t>
+                </a:r>
+              </a:p>
+            </p:txBody>
+          </p:sp>
+        </mc:Fallback>
+      </mc:AlternateContent>
+      <mc:AlternateContent xmlns:mc="http://schemas.openxmlformats.org/markup-compatibility/2006">
+        <mc:Choice xmlns:a14="http://schemas.microsoft.com/office/drawing/2010/main" Requires="a14">
+          <p:sp>
+            <p:nvSpPr>
+              <p:cNvPr id="24" name="TextBox 23">
+                <a:extLst>
+                  <a:ext uri="{FF2B5EF4-FFF2-40B4-BE49-F238E27FC236}">
+                    <a16:creationId xmlns:a16="http://schemas.microsoft.com/office/drawing/2014/main" id="{BEFCA15E-7767-84A0-0FBC-DC1B9F346F8B}"/>
+                  </a:ext>
+                </a:extLst>
+              </p:cNvPr>
+              <p:cNvSpPr txBox="1"/>
+              <p:nvPr/>
+            </p:nvSpPr>
+            <p:spPr>
+              <a:xfrm>
+                <a:off x="4077050" y="5287964"/>
+                <a:ext cx="370935" cy="369332"/>
+              </a:xfrm>
+              <a:prstGeom prst="rect">
+                <a:avLst/>
+              </a:prstGeom>
+              <a:noFill/>
+            </p:spPr>
+            <p:txBody>
+              <a:bodyPr wrap="none" rtlCol="0">
+                <a:spAutoFit/>
+              </a:bodyPr>
+              <a:lstStyle/>
+              <a:p>
+                <a14:m>
+                  <m:oMathPara xmlns:m="http://schemas.openxmlformats.org/officeDocument/2006/math">
+                    <m:oMathParaPr>
+                      <m:jc m:val="centerGroup"/>
+                    </m:oMathParaPr>
+                    <m:oMath xmlns:m="http://schemas.openxmlformats.org/officeDocument/2006/math">
+                      <m:r>
+                        <a:rPr lang="en-US" i="1" dirty="0" smtClean="0">
+                          <a:latin typeface="Cambria Math" panose="02040503050406030204" pitchFamily="18" charset="0"/>
+                        </a:rPr>
+                        <m:t>𝑓</m:t>
+                      </m:r>
+                    </m:oMath>
+                  </m:oMathPara>
+                </a14:m>
+                <a:endParaRPr lang="en-US" dirty="0"/>
+              </a:p>
+            </p:txBody>
+          </p:sp>
+        </mc:Choice>
+        <mc:Fallback>
+          <p:sp>
+            <p:nvSpPr>
+              <p:cNvPr id="24" name="TextBox 23">
+                <a:extLst>
+                  <a:ext uri="{FF2B5EF4-FFF2-40B4-BE49-F238E27FC236}">
+                    <a16:creationId xmlns:a16="http://schemas.microsoft.com/office/drawing/2014/main" id="{BEFCA15E-7767-84A0-0FBC-DC1B9F346F8B}"/>
+                  </a:ext>
+                </a:extLst>
+              </p:cNvPr>
+              <p:cNvSpPr txBox="1">
+                <a:spLocks noRot="1" noChangeAspect="1" noMove="1" noResize="1" noEditPoints="1" noAdjustHandles="1" noChangeArrowheads="1" noChangeShapeType="1" noTextEdit="1"/>
+              </p:cNvSpPr>
+              <p:nvPr/>
+            </p:nvSpPr>
+            <p:spPr>
+              <a:xfrm>
+                <a:off x="4077050" y="5287964"/>
+                <a:ext cx="370935" cy="369332"/>
+              </a:xfrm>
+              <a:prstGeom prst="rect">
+                <a:avLst/>
+              </a:prstGeom>
+              <a:blipFill>
+                <a:blip r:embed="rId6"/>
+                <a:stretch>
+                  <a:fillRect b="-13115"/>
+                </a:stretch>
+              </a:blipFill>
+            </p:spPr>
+            <p:txBody>
+              <a:bodyPr/>
+              <a:lstStyle/>
+              <a:p>
+                <a:r>
+                  <a:rPr lang="en-US">
+                    <a:noFill/>
+                  </a:rPr>
+                  <a:t> </a:t>
+                </a:r>
+              </a:p>
+            </p:txBody>
+          </p:sp>
+        </mc:Fallback>
+      </mc:AlternateContent>
+      <mc:AlternateContent xmlns:mc="http://schemas.openxmlformats.org/markup-compatibility/2006">
+        <mc:Choice xmlns:a14="http://schemas.microsoft.com/office/drawing/2010/main" Requires="a14">
+          <p:sp>
+            <p:nvSpPr>
+              <p:cNvPr id="25" name="TextBox 24">
+                <a:extLst>
+                  <a:ext uri="{FF2B5EF4-FFF2-40B4-BE49-F238E27FC236}">
+                    <a16:creationId xmlns:a16="http://schemas.microsoft.com/office/drawing/2014/main" id="{033B8675-A299-8757-02B1-50B214C5B836}"/>
+                  </a:ext>
+                </a:extLst>
+              </p:cNvPr>
+              <p:cNvSpPr txBox="1"/>
+              <p:nvPr/>
+            </p:nvSpPr>
+            <p:spPr>
+              <a:xfrm>
+                <a:off x="6660076" y="5117521"/>
+                <a:ext cx="774892" cy="369332"/>
+              </a:xfrm>
+              <a:prstGeom prst="rect">
+                <a:avLst/>
+              </a:prstGeom>
+              <a:noFill/>
+            </p:spPr>
+            <p:txBody>
+              <a:bodyPr wrap="none" rtlCol="0">
+                <a:spAutoFit/>
+              </a:bodyPr>
+              <a:lstStyle/>
+              <a:p>
+                <a14:m>
+                  <m:oMathPara xmlns:m="http://schemas.openxmlformats.org/officeDocument/2006/math">
+                    <m:oMathParaPr>
+                      <m:jc m:val="centerGroup"/>
+                    </m:oMathParaPr>
+                    <m:oMath xmlns:m="http://schemas.openxmlformats.org/officeDocument/2006/math">
+                      <m:r>
+                        <a:rPr lang="en-US" b="0" i="1" dirty="0" smtClean="0">
+                          <a:latin typeface="Cambria Math" panose="02040503050406030204" pitchFamily="18" charset="0"/>
+                        </a:rPr>
+                        <m:t>1−</m:t>
+                      </m:r>
+                      <m:r>
+                        <a:rPr lang="en-US" i="1" dirty="0" smtClean="0">
+                          <a:latin typeface="Cambria Math" panose="02040503050406030204" pitchFamily="18" charset="0"/>
+                        </a:rPr>
+                        <m:t>𝑓</m:t>
+                      </m:r>
+                    </m:oMath>
+                  </m:oMathPara>
+                </a14:m>
+                <a:endParaRPr lang="en-US" dirty="0"/>
+              </a:p>
+            </p:txBody>
+          </p:sp>
+        </mc:Choice>
+        <mc:Fallback>
+          <p:sp>
+            <p:nvSpPr>
+              <p:cNvPr id="25" name="TextBox 24">
+                <a:extLst>
+                  <a:ext uri="{FF2B5EF4-FFF2-40B4-BE49-F238E27FC236}">
+                    <a16:creationId xmlns:a16="http://schemas.microsoft.com/office/drawing/2014/main" id="{033B8675-A299-8757-02B1-50B214C5B836}"/>
+                  </a:ext>
+                </a:extLst>
+              </p:cNvPr>
+              <p:cNvSpPr txBox="1">
+                <a:spLocks noRot="1" noChangeAspect="1" noMove="1" noResize="1" noEditPoints="1" noAdjustHandles="1" noChangeArrowheads="1" noChangeShapeType="1" noTextEdit="1"/>
+              </p:cNvSpPr>
+              <p:nvPr/>
+            </p:nvSpPr>
+            <p:spPr>
+              <a:xfrm>
+                <a:off x="6660076" y="5117521"/>
+                <a:ext cx="774892" cy="369332"/>
+              </a:xfrm>
+              <a:prstGeom prst="rect">
+                <a:avLst/>
+              </a:prstGeom>
+              <a:blipFill>
+                <a:blip r:embed="rId7"/>
+                <a:stretch>
+                  <a:fillRect b="-13115"/>
+                </a:stretch>
+              </a:blipFill>
+            </p:spPr>
+            <p:txBody>
+              <a:bodyPr/>
+              <a:lstStyle/>
+              <a:p>
+                <a:r>
+                  <a:rPr lang="en-US">
+                    <a:noFill/>
+                  </a:rPr>
+                  <a:t> </a:t>
+                </a:r>
+              </a:p>
+            </p:txBody>
+          </p:sp>
+        </mc:Fallback>
+      </mc:AlternateContent>
+      <mc:AlternateContent xmlns:mc="http://schemas.openxmlformats.org/markup-compatibility/2006">
+        <mc:Choice xmlns:a14="http://schemas.microsoft.com/office/drawing/2010/main" Requires="a14">
+          <p:sp>
+            <p:nvSpPr>
+              <p:cNvPr id="26" name="TextBox 25">
+                <a:extLst>
+                  <a:ext uri="{FF2B5EF4-FFF2-40B4-BE49-F238E27FC236}">
+                    <a16:creationId xmlns:a16="http://schemas.microsoft.com/office/drawing/2014/main" id="{F1B5A7C3-9AA8-5B9E-8D65-173AD7CC4767}"/>
+                  </a:ext>
+                </a:extLst>
+              </p:cNvPr>
+              <p:cNvSpPr txBox="1"/>
+              <p:nvPr/>
+            </p:nvSpPr>
+            <p:spPr>
+              <a:xfrm>
+                <a:off x="798472" y="2812673"/>
+                <a:ext cx="2615909" cy="710194"/>
+              </a:xfrm>
+              <a:prstGeom prst="rect">
+                <a:avLst/>
+              </a:prstGeom>
+              <a:noFill/>
+            </p:spPr>
+            <p:txBody>
+              <a:bodyPr wrap="none" rtlCol="0">
+                <a:spAutoFit/>
+              </a:bodyPr>
+              <a:lstStyle/>
+              <a:p>
+                <a14:m>
+                  <m:oMathPara xmlns:m="http://schemas.openxmlformats.org/officeDocument/2006/math">
+                    <m:oMathParaPr>
+                      <m:jc m:val="centerGroup"/>
+                    </m:oMathParaPr>
+                    <m:oMath xmlns:m="http://schemas.openxmlformats.org/officeDocument/2006/math">
+                      <m:sSub>
+                        <m:sSubPr>
+                          <m:ctrlPr>
+                            <a:rPr lang="en-US" b="0" i="1" smtClean="0">
+                              <a:latin typeface="Cambria Math" panose="02040503050406030204" pitchFamily="18" charset="0"/>
+                            </a:rPr>
+                          </m:ctrlPr>
+                        </m:sSubPr>
+                        <m:e>
+                          <m:r>
+                            <a:rPr lang="en-US" b="0" i="1" smtClean="0">
+                              <a:latin typeface="Cambria Math" panose="02040503050406030204" pitchFamily="18" charset="0"/>
+                            </a:rPr>
+                            <m:t>𝑃</m:t>
+                          </m:r>
+                        </m:e>
+                        <m:sub>
+                          <m:r>
+                            <a:rPr lang="en-US" b="0" i="1" smtClean="0">
+                              <a:latin typeface="Cambria Math" panose="02040503050406030204" pitchFamily="18" charset="0"/>
+                            </a:rPr>
+                            <m:t>𝐿</m:t>
+                          </m:r>
+                        </m:sub>
+                      </m:sSub>
+                      <m:r>
+                        <a:rPr lang="en-US" b="0" i="1" smtClean="0">
+                          <a:latin typeface="Cambria Math" panose="02040503050406030204" pitchFamily="18" charset="0"/>
+                        </a:rPr>
+                        <m:t>=</m:t>
+                      </m:r>
+                      <m:d>
+                        <m:dPr>
+                          <m:begChr m:val="{"/>
+                          <m:endChr m:val=""/>
+                          <m:ctrlPr>
+                            <a:rPr lang="en-US" b="0" i="1" smtClean="0">
+                              <a:latin typeface="Cambria Math" panose="02040503050406030204" pitchFamily="18" charset="0"/>
+                            </a:rPr>
+                          </m:ctrlPr>
+                        </m:dPr>
+                        <m:e>
+                          <m:eqArr>
+                            <m:eqArrPr>
+                              <m:ctrlPr>
+                                <a:rPr lang="en-US" b="0" i="1" smtClean="0">
+                                  <a:latin typeface="Cambria Math" panose="02040503050406030204" pitchFamily="18" charset="0"/>
+                                </a:rPr>
+                              </m:ctrlPr>
+                            </m:eqArrPr>
+                            <m:e>
+                              <m:r>
+                                <a:rPr lang="en-US" b="0" i="1" smtClean="0">
+                                  <a:latin typeface="Cambria Math" panose="02040503050406030204" pitchFamily="18" charset="0"/>
+                                </a:rPr>
+                                <m:t>𝑝</m:t>
+                              </m:r>
+                              <m:r>
+                                <a:rPr lang="en-US" b="0" i="1" smtClean="0">
+                                  <a:latin typeface="Cambria Math" panose="02040503050406030204" pitchFamily="18" charset="0"/>
+                                </a:rPr>
+                                <m:t> </m:t>
+                              </m:r>
+                              <m:r>
+                                <a:rPr lang="en-US" b="0" i="1" smtClean="0">
+                                  <a:latin typeface="Cambria Math" panose="02040503050406030204" pitchFamily="18" charset="0"/>
+                                </a:rPr>
+                                <m:t>𝑓𝑜𝑟</m:t>
+                              </m:r>
+                              <m:r>
+                                <a:rPr lang="en-US" b="0" i="1" smtClean="0">
+                                  <a:latin typeface="Cambria Math" panose="02040503050406030204" pitchFamily="18" charset="0"/>
+                                </a:rPr>
+                                <m:t>  </m:t>
+                              </m:r>
+                              <m:r>
+                                <a:rPr lang="en-US" b="0" i="1" smtClean="0">
+                                  <a:latin typeface="Cambria Math" panose="02040503050406030204" pitchFamily="18" charset="0"/>
+                                </a:rPr>
+                                <m:t>𝑝</m:t>
+                              </m:r>
+                              <m:r>
+                                <a:rPr lang="en-US" b="0" i="1" smtClean="0">
+                                  <a:latin typeface="Cambria Math" panose="02040503050406030204" pitchFamily="18" charset="0"/>
+                                </a:rPr>
+                                <m:t>&lt;0.5</m:t>
+                              </m:r>
+                            </m:e>
+                            <m:e>
+                              <m:r>
+                                <a:rPr lang="en-US" b="0" i="1" smtClean="0">
+                                  <a:latin typeface="Cambria Math" panose="02040503050406030204" pitchFamily="18" charset="0"/>
+                                </a:rPr>
+                                <m:t>1−</m:t>
+                              </m:r>
+                              <m:r>
+                                <a:rPr lang="en-US" b="0" i="1" smtClean="0">
+                                  <a:latin typeface="Cambria Math" panose="02040503050406030204" pitchFamily="18" charset="0"/>
+                                </a:rPr>
+                                <m:t>𝑝</m:t>
+                              </m:r>
+                              <m:r>
+                                <a:rPr lang="en-US" b="0" i="1" smtClean="0">
+                                  <a:latin typeface="Cambria Math" panose="02040503050406030204" pitchFamily="18" charset="0"/>
+                                </a:rPr>
+                                <m:t> </m:t>
+                              </m:r>
+                              <m:r>
+                                <a:rPr lang="en-US" b="0" i="1" smtClean="0">
+                                  <a:latin typeface="Cambria Math" panose="02040503050406030204" pitchFamily="18" charset="0"/>
+                                </a:rPr>
+                                <m:t>𝑓𝑜𝑟</m:t>
+                              </m:r>
+                              <m:r>
+                                <a:rPr lang="en-US" b="0" i="1" smtClean="0">
+                                  <a:latin typeface="Cambria Math" panose="02040503050406030204" pitchFamily="18" charset="0"/>
+                                </a:rPr>
+                                <m:t> </m:t>
+                              </m:r>
+                              <m:r>
+                                <a:rPr lang="en-US" b="0" i="1" smtClean="0">
+                                  <a:latin typeface="Cambria Math" panose="02040503050406030204" pitchFamily="18" charset="0"/>
+                                </a:rPr>
+                                <m:t>𝑝</m:t>
+                              </m:r>
+                              <m:r>
+                                <a:rPr lang="en-US" b="0" i="1" smtClean="0">
+                                  <a:latin typeface="Cambria Math" panose="02040503050406030204" pitchFamily="18" charset="0"/>
+                                </a:rPr>
+                                <m:t>≥0.5</m:t>
+                              </m:r>
+                            </m:e>
+                          </m:eqArr>
+                        </m:e>
+                      </m:d>
+                    </m:oMath>
+                  </m:oMathPara>
+                </a14:m>
+                <a:endParaRPr lang="en-US" dirty="0"/>
+              </a:p>
+            </p:txBody>
+          </p:sp>
+        </mc:Choice>
+        <mc:Fallback>
+          <p:sp>
+            <p:nvSpPr>
+              <p:cNvPr id="26" name="TextBox 25">
+                <a:extLst>
+                  <a:ext uri="{FF2B5EF4-FFF2-40B4-BE49-F238E27FC236}">
+                    <a16:creationId xmlns:a16="http://schemas.microsoft.com/office/drawing/2014/main" id="{F1B5A7C3-9AA8-5B9E-8D65-173AD7CC4767}"/>
+                  </a:ext>
+                </a:extLst>
+              </p:cNvPr>
+              <p:cNvSpPr txBox="1">
+                <a:spLocks noRot="1" noChangeAspect="1" noMove="1" noResize="1" noEditPoints="1" noAdjustHandles="1" noChangeArrowheads="1" noChangeShapeType="1" noTextEdit="1"/>
+              </p:cNvSpPr>
+              <p:nvPr/>
+            </p:nvSpPr>
+            <p:spPr>
+              <a:xfrm>
+                <a:off x="798472" y="2812673"/>
+                <a:ext cx="2615909" cy="710194"/>
+              </a:xfrm>
+              <a:prstGeom prst="rect">
+                <a:avLst/>
+              </a:prstGeom>
+              <a:blipFill>
+                <a:blip r:embed="rId8"/>
+                <a:stretch>
+                  <a:fillRect/>
+                </a:stretch>
+              </a:blipFill>
+            </p:spPr>
+            <p:txBody>
+              <a:bodyPr/>
+              <a:lstStyle/>
+              <a:p>
+                <a:r>
+                  <a:rPr lang="en-US">
+                    <a:noFill/>
+                  </a:rPr>
+                  <a:t> </a:t>
+                </a:r>
+              </a:p>
+            </p:txBody>
+          </p:sp>
+        </mc:Fallback>
+      </mc:AlternateContent>
+      <mc:AlternateContent xmlns:mc="http://schemas.openxmlformats.org/markup-compatibility/2006">
+        <mc:Choice xmlns:a14="http://schemas.microsoft.com/office/drawing/2010/main" Requires="a14">
+          <p:sp>
+            <p:nvSpPr>
+              <p:cNvPr id="27" name="TextBox 26">
+                <a:extLst>
+                  <a:ext uri="{FF2B5EF4-FFF2-40B4-BE49-F238E27FC236}">
+                    <a16:creationId xmlns:a16="http://schemas.microsoft.com/office/drawing/2014/main" id="{620639E5-75CD-2A06-40A0-BB7D66D97428}"/>
+                  </a:ext>
+                </a:extLst>
+              </p:cNvPr>
+              <p:cNvSpPr txBox="1"/>
+              <p:nvPr/>
+            </p:nvSpPr>
+            <p:spPr>
+              <a:xfrm>
+                <a:off x="3171841" y="5890188"/>
+                <a:ext cx="7113742" cy="710194"/>
+              </a:xfrm>
+              <a:prstGeom prst="rect">
+                <a:avLst/>
+              </a:prstGeom>
+              <a:noFill/>
+            </p:spPr>
+            <p:txBody>
+              <a:bodyPr wrap="none" rtlCol="0">
+                <a:spAutoFit/>
+              </a:bodyPr>
+              <a:lstStyle/>
+              <a:p>
+                <a14:m>
+                  <m:oMathPara xmlns:m="http://schemas.openxmlformats.org/officeDocument/2006/math">
+                    <m:oMathParaPr>
+                      <m:jc m:val="centerGroup"/>
+                    </m:oMathParaPr>
+                    <m:oMath xmlns:m="http://schemas.openxmlformats.org/officeDocument/2006/math">
+                      <m:sSub>
+                        <m:sSubPr>
+                          <m:ctrlPr>
+                            <a:rPr lang="en-US" b="0" i="1" smtClean="0">
+                              <a:latin typeface="Cambria Math" panose="02040503050406030204" pitchFamily="18" charset="0"/>
+                            </a:rPr>
+                          </m:ctrlPr>
+                        </m:sSubPr>
+                        <m:e>
+                          <m:r>
+                            <a:rPr lang="en-US" b="0" i="1" smtClean="0">
+                              <a:latin typeface="Cambria Math" panose="02040503050406030204" pitchFamily="18" charset="0"/>
+                            </a:rPr>
+                            <m:t>𝑓</m:t>
+                          </m:r>
+                          <m:r>
+                            <a:rPr lang="en-US" b="0" i="1" smtClean="0">
+                              <a:latin typeface="Cambria Math" panose="02040503050406030204" pitchFamily="18" charset="0"/>
+                            </a:rPr>
+                            <m:t>𝑆</m:t>
+                          </m:r>
+                        </m:e>
+                        <m:sub>
+                          <m:r>
+                            <a:rPr lang="en-US" b="0" i="1" smtClean="0">
+                              <a:latin typeface="Cambria Math" panose="02040503050406030204" pitchFamily="18" charset="0"/>
+                            </a:rPr>
+                            <m:t>𝐿</m:t>
+                          </m:r>
+                        </m:sub>
+                      </m:sSub>
+                      <m:r>
+                        <a:rPr lang="en-US" b="0" i="1" smtClean="0">
+                          <a:latin typeface="Cambria Math" panose="02040503050406030204" pitchFamily="18" charset="0"/>
+                        </a:rPr>
+                        <m:t>+</m:t>
+                      </m:r>
+                      <m:d>
+                        <m:dPr>
+                          <m:ctrlPr>
+                            <a:rPr lang="en-US" b="0" i="1" smtClean="0">
+                              <a:latin typeface="Cambria Math" panose="02040503050406030204" pitchFamily="18" charset="0"/>
+                            </a:rPr>
+                          </m:ctrlPr>
+                        </m:dPr>
+                        <m:e>
+                          <m:r>
+                            <a:rPr lang="en-US" b="0" i="1" smtClean="0">
+                              <a:latin typeface="Cambria Math" panose="02040503050406030204" pitchFamily="18" charset="0"/>
+                            </a:rPr>
+                            <m:t>1−</m:t>
+                          </m:r>
+                          <m:r>
+                            <a:rPr lang="en-US" b="0" i="1" smtClean="0">
+                              <a:latin typeface="Cambria Math" panose="02040503050406030204" pitchFamily="18" charset="0"/>
+                            </a:rPr>
+                            <m:t>𝑓</m:t>
+                          </m:r>
+                        </m:e>
+                      </m:d>
+                      <m:sSub>
+                        <m:sSubPr>
+                          <m:ctrlPr>
+                            <a:rPr lang="en-US" b="0" i="1" smtClean="0">
+                              <a:latin typeface="Cambria Math" panose="02040503050406030204" pitchFamily="18" charset="0"/>
+                            </a:rPr>
+                          </m:ctrlPr>
+                        </m:sSubPr>
+                        <m:e>
+                          <m:r>
+                            <a:rPr lang="en-US" b="0" i="1" smtClean="0">
+                              <a:latin typeface="Cambria Math" panose="02040503050406030204" pitchFamily="18" charset="0"/>
+                            </a:rPr>
+                            <m:t>𝑅</m:t>
+                          </m:r>
+                        </m:e>
+                        <m:sub>
+                          <m:r>
+                            <a:rPr lang="en-US" b="0" i="1" smtClean="0">
+                              <a:latin typeface="Cambria Math" panose="02040503050406030204" pitchFamily="18" charset="0"/>
+                            </a:rPr>
+                            <m:t>𝐿</m:t>
+                          </m:r>
+                        </m:sub>
+                      </m:sSub>
+                      <m:r>
+                        <a:rPr lang="en-US" b="0" i="1" smtClean="0">
+                          <a:latin typeface="Cambria Math" panose="02040503050406030204" pitchFamily="18" charset="0"/>
+                        </a:rPr>
+                        <m:t> =</m:t>
+                      </m:r>
+                      <m:r>
+                        <a:rPr lang="en-US" b="0" i="1" smtClean="0">
+                          <a:latin typeface="Cambria Math" panose="02040503050406030204" pitchFamily="18" charset="0"/>
+                        </a:rPr>
+                        <m:t>𝑓</m:t>
+                      </m:r>
+                      <m:d>
+                        <m:dPr>
+                          <m:begChr m:val="{"/>
+                          <m:endChr m:val=""/>
+                          <m:ctrlPr>
+                            <a:rPr lang="en-US" b="0" i="1" smtClean="0">
+                              <a:latin typeface="Cambria Math" panose="02040503050406030204" pitchFamily="18" charset="0"/>
+                            </a:rPr>
+                          </m:ctrlPr>
+                        </m:dPr>
+                        <m:e>
+                          <m:eqArr>
+                            <m:eqArrPr>
+                              <m:ctrlPr>
+                                <a:rPr lang="en-US" b="0" i="1" smtClean="0">
+                                  <a:latin typeface="Cambria Math" panose="02040503050406030204" pitchFamily="18" charset="0"/>
+                                </a:rPr>
+                              </m:ctrlPr>
+                            </m:eqArrPr>
+                            <m:e>
+                              <m:r>
+                                <a:rPr lang="en-US" b="0" i="1" smtClean="0">
+                                  <a:latin typeface="Cambria Math" panose="02040503050406030204" pitchFamily="18" charset="0"/>
+                                </a:rPr>
+                                <m:t>𝑞</m:t>
+                              </m:r>
+                              <m:r>
+                                <a:rPr lang="en-US" b="0" i="1" smtClean="0">
+                                  <a:latin typeface="Cambria Math" panose="02040503050406030204" pitchFamily="18" charset="0"/>
+                                </a:rPr>
+                                <m:t> </m:t>
+                              </m:r>
+                              <m:r>
+                                <a:rPr lang="en-US" b="0" i="1" smtClean="0">
+                                  <a:latin typeface="Cambria Math" panose="02040503050406030204" pitchFamily="18" charset="0"/>
+                                </a:rPr>
+                                <m:t>𝑓𝑜𝑟</m:t>
+                              </m:r>
+                              <m:r>
+                                <a:rPr lang="en-US" b="0" i="1" smtClean="0">
+                                  <a:latin typeface="Cambria Math" panose="02040503050406030204" pitchFamily="18" charset="0"/>
+                                </a:rPr>
+                                <m:t>  </m:t>
+                              </m:r>
+                              <m:r>
+                                <a:rPr lang="en-US" b="0" i="1" smtClean="0">
+                                  <a:latin typeface="Cambria Math" panose="02040503050406030204" pitchFamily="18" charset="0"/>
+                                </a:rPr>
+                                <m:t>𝑞</m:t>
+                              </m:r>
+                              <m:r>
+                                <a:rPr lang="en-US" b="0" i="1" smtClean="0">
+                                  <a:latin typeface="Cambria Math" panose="02040503050406030204" pitchFamily="18" charset="0"/>
+                                </a:rPr>
+                                <m:t>&lt;0.5</m:t>
+                              </m:r>
+                            </m:e>
+                            <m:e>
+                              <m:r>
+                                <a:rPr lang="en-US" b="0" i="1" smtClean="0">
+                                  <a:latin typeface="Cambria Math" panose="02040503050406030204" pitchFamily="18" charset="0"/>
+                                </a:rPr>
+                                <m:t>1−</m:t>
+                              </m:r>
+                              <m:r>
+                                <a:rPr lang="en-US" b="0" i="1" smtClean="0">
+                                  <a:latin typeface="Cambria Math" panose="02040503050406030204" pitchFamily="18" charset="0"/>
+                                </a:rPr>
+                                <m:t>𝑞</m:t>
+                              </m:r>
+                              <m:r>
+                                <a:rPr lang="en-US" b="0" i="1" smtClean="0">
+                                  <a:latin typeface="Cambria Math" panose="02040503050406030204" pitchFamily="18" charset="0"/>
+                                </a:rPr>
+                                <m:t> </m:t>
+                              </m:r>
+                              <m:r>
+                                <a:rPr lang="en-US" b="0" i="1" smtClean="0">
+                                  <a:latin typeface="Cambria Math" panose="02040503050406030204" pitchFamily="18" charset="0"/>
+                                </a:rPr>
+                                <m:t>𝑓𝑜𝑟</m:t>
+                              </m:r>
+                              <m:r>
+                                <a:rPr lang="en-US" b="0" i="1" smtClean="0">
+                                  <a:latin typeface="Cambria Math" panose="02040503050406030204" pitchFamily="18" charset="0"/>
+                                </a:rPr>
+                                <m:t> </m:t>
+                              </m:r>
+                              <m:r>
+                                <a:rPr lang="en-US" b="0" i="1" smtClean="0">
+                                  <a:latin typeface="Cambria Math" panose="02040503050406030204" pitchFamily="18" charset="0"/>
+                                </a:rPr>
+                                <m:t>𝑞</m:t>
+                              </m:r>
+                              <m:r>
+                                <a:rPr lang="en-US" b="0" i="1" smtClean="0">
+                                  <a:latin typeface="Cambria Math" panose="02040503050406030204" pitchFamily="18" charset="0"/>
+                                </a:rPr>
+                                <m:t>≥0.5</m:t>
+                              </m:r>
+                            </m:e>
+                          </m:eqArr>
+                        </m:e>
+                      </m:d>
+                      <m:r>
+                        <a:rPr lang="en-US" b="0" i="1" smtClean="0">
+                          <a:latin typeface="Cambria Math" panose="02040503050406030204" pitchFamily="18" charset="0"/>
+                        </a:rPr>
+                        <m:t>+</m:t>
+                      </m:r>
+                      <m:d>
+                        <m:dPr>
+                          <m:ctrlPr>
+                            <a:rPr lang="en-US" b="0" i="1" smtClean="0">
+                              <a:latin typeface="Cambria Math" panose="02040503050406030204" pitchFamily="18" charset="0"/>
+                            </a:rPr>
+                          </m:ctrlPr>
+                        </m:dPr>
+                        <m:e>
+                          <m:r>
+                            <a:rPr lang="en-US" b="0" i="1" smtClean="0">
+                              <a:latin typeface="Cambria Math" panose="02040503050406030204" pitchFamily="18" charset="0"/>
+                            </a:rPr>
+                            <m:t>1−</m:t>
+                          </m:r>
+                          <m:r>
+                            <a:rPr lang="en-US" b="0" i="1" smtClean="0">
+                              <a:latin typeface="Cambria Math" panose="02040503050406030204" pitchFamily="18" charset="0"/>
+                            </a:rPr>
+                            <m:t>𝑓</m:t>
+                          </m:r>
+                        </m:e>
+                      </m:d>
+                      <m:d>
+                        <m:dPr>
+                          <m:begChr m:val="{"/>
+                          <m:endChr m:val=""/>
+                          <m:ctrlPr>
+                            <a:rPr lang="en-US" i="1">
+                              <a:latin typeface="Cambria Math" panose="02040503050406030204" pitchFamily="18" charset="0"/>
+                            </a:rPr>
+                          </m:ctrlPr>
+                        </m:dPr>
+                        <m:e>
+                          <m:eqArr>
+                            <m:eqArrPr>
+                              <m:ctrlPr>
+                                <a:rPr lang="en-US" i="1">
+                                  <a:latin typeface="Cambria Math" panose="02040503050406030204" pitchFamily="18" charset="0"/>
+                                </a:rPr>
+                              </m:ctrlPr>
+                            </m:eqArrPr>
+                            <m:e>
+                              <m:r>
+                                <a:rPr lang="en-US" b="0" i="1" smtClean="0">
+                                  <a:latin typeface="Cambria Math" panose="02040503050406030204" pitchFamily="18" charset="0"/>
+                                </a:rPr>
+                                <m:t>𝑟</m:t>
+                              </m:r>
+                              <m:r>
+                                <a:rPr lang="en-US" i="1">
+                                  <a:latin typeface="Cambria Math" panose="02040503050406030204" pitchFamily="18" charset="0"/>
+                                </a:rPr>
+                                <m:t> </m:t>
+                              </m:r>
+                              <m:r>
+                                <a:rPr lang="en-US" i="1">
+                                  <a:latin typeface="Cambria Math" panose="02040503050406030204" pitchFamily="18" charset="0"/>
+                                </a:rPr>
+                                <m:t>𝑓𝑜𝑟</m:t>
+                              </m:r>
+                              <m:r>
+                                <a:rPr lang="en-US" i="1">
+                                  <a:latin typeface="Cambria Math" panose="02040503050406030204" pitchFamily="18" charset="0"/>
+                                </a:rPr>
+                                <m:t>  </m:t>
+                              </m:r>
+                              <m:r>
+                                <a:rPr lang="en-US" b="0" i="1" smtClean="0">
+                                  <a:latin typeface="Cambria Math" panose="02040503050406030204" pitchFamily="18" charset="0"/>
+                                </a:rPr>
+                                <m:t>𝑟</m:t>
+                              </m:r>
+                              <m:r>
+                                <a:rPr lang="en-US" i="1">
+                                  <a:latin typeface="Cambria Math" panose="02040503050406030204" pitchFamily="18" charset="0"/>
+                                </a:rPr>
+                                <m:t>&lt;0.5</m:t>
+                              </m:r>
+                            </m:e>
+                            <m:e>
+                              <m:r>
+                                <a:rPr lang="en-US" i="1">
+                                  <a:latin typeface="Cambria Math" panose="02040503050406030204" pitchFamily="18" charset="0"/>
+                                </a:rPr>
+                                <m:t>1−</m:t>
+                              </m:r>
+                              <m:r>
+                                <a:rPr lang="en-US" b="0" i="1" smtClean="0">
+                                  <a:latin typeface="Cambria Math" panose="02040503050406030204" pitchFamily="18" charset="0"/>
+                                </a:rPr>
+                                <m:t>𝑟</m:t>
+                              </m:r>
+                              <m:r>
+                                <a:rPr lang="en-US" i="1">
+                                  <a:latin typeface="Cambria Math" panose="02040503050406030204" pitchFamily="18" charset="0"/>
+                                </a:rPr>
+                                <m:t> </m:t>
+                              </m:r>
+                              <m:r>
+                                <a:rPr lang="en-US" i="1">
+                                  <a:latin typeface="Cambria Math" panose="02040503050406030204" pitchFamily="18" charset="0"/>
+                                </a:rPr>
+                                <m:t>𝑓𝑜𝑟</m:t>
+                              </m:r>
+                              <m:r>
+                                <a:rPr lang="en-US" i="1">
+                                  <a:latin typeface="Cambria Math" panose="02040503050406030204" pitchFamily="18" charset="0"/>
+                                </a:rPr>
+                                <m:t> </m:t>
+                              </m:r>
+                              <m:r>
+                                <a:rPr lang="en-US" b="0" i="1" smtClean="0">
+                                  <a:latin typeface="Cambria Math" panose="02040503050406030204" pitchFamily="18" charset="0"/>
+                                </a:rPr>
+                                <m:t>𝑟</m:t>
+                              </m:r>
+                              <m:r>
+                                <a:rPr lang="en-US" i="1">
+                                  <a:latin typeface="Cambria Math" panose="02040503050406030204" pitchFamily="18" charset="0"/>
+                                </a:rPr>
+                                <m:t>≥0.5</m:t>
+                              </m:r>
+                            </m:e>
+                          </m:eqArr>
+                        </m:e>
+                      </m:d>
+                    </m:oMath>
+                  </m:oMathPara>
+                </a14:m>
+                <a:endParaRPr lang="en-US" dirty="0"/>
+              </a:p>
+            </p:txBody>
+          </p:sp>
+        </mc:Choice>
+        <mc:Fallback>
+          <p:sp>
+            <p:nvSpPr>
+              <p:cNvPr id="27" name="TextBox 26">
+                <a:extLst>
+                  <a:ext uri="{FF2B5EF4-FFF2-40B4-BE49-F238E27FC236}">
+                    <a16:creationId xmlns:a16="http://schemas.microsoft.com/office/drawing/2014/main" id="{620639E5-75CD-2A06-40A0-BB7D66D97428}"/>
+                  </a:ext>
+                </a:extLst>
+              </p:cNvPr>
+              <p:cNvSpPr txBox="1">
+                <a:spLocks noRot="1" noChangeAspect="1" noMove="1" noResize="1" noEditPoints="1" noAdjustHandles="1" noChangeArrowheads="1" noChangeShapeType="1" noTextEdit="1"/>
+              </p:cNvSpPr>
+              <p:nvPr/>
+            </p:nvSpPr>
+            <p:spPr>
+              <a:xfrm>
+                <a:off x="3171841" y="5890188"/>
+                <a:ext cx="7113742" cy="710194"/>
+              </a:xfrm>
+              <a:prstGeom prst="rect">
+                <a:avLst/>
+              </a:prstGeom>
+              <a:blipFill>
+                <a:blip r:embed="rId9"/>
+                <a:stretch>
+                  <a:fillRect/>
+                </a:stretch>
+              </a:blipFill>
+            </p:spPr>
+            <p:txBody>
+              <a:bodyPr/>
+              <a:lstStyle/>
+              <a:p>
+                <a:r>
+                  <a:rPr lang="en-US">
+                    <a:noFill/>
+                  </a:rPr>
+                  <a:t> </a:t>
+                </a:r>
+              </a:p>
+            </p:txBody>
+          </p:sp>
+        </mc:Fallback>
+      </mc:AlternateContent>
+      <mc:AlternateContent xmlns:mc="http://schemas.openxmlformats.org/markup-compatibility/2006">
+        <mc:Choice xmlns:a14="http://schemas.microsoft.com/office/drawing/2010/main" Requires="a14">
+          <p:sp>
+            <p:nvSpPr>
+              <p:cNvPr id="28" name="TextBox 27">
+                <a:extLst>
+                  <a:ext uri="{FF2B5EF4-FFF2-40B4-BE49-F238E27FC236}">
+                    <a16:creationId xmlns:a16="http://schemas.microsoft.com/office/drawing/2014/main" id="{7999A3B9-CC65-86EA-3644-BB4EE6ED646A}"/>
+                  </a:ext>
+                </a:extLst>
+              </p:cNvPr>
+              <p:cNvSpPr txBox="1"/>
+              <p:nvPr/>
+            </p:nvSpPr>
+            <p:spPr>
+              <a:xfrm>
+                <a:off x="7605167" y="3744250"/>
+                <a:ext cx="3841501" cy="646331"/>
+              </a:xfrm>
+              <a:prstGeom prst="rect">
+                <a:avLst/>
+              </a:prstGeom>
+              <a:noFill/>
+            </p:spPr>
+            <p:txBody>
+              <a:bodyPr wrap="none" rtlCol="0">
+                <a:spAutoFit/>
+              </a:bodyPr>
+              <a:lstStyle/>
+              <a:p>
+                <a14:m>
+                  <m:oMathPara xmlns:m="http://schemas.openxmlformats.org/officeDocument/2006/math">
+                    <m:oMathParaPr>
+                      <m:jc m:val="centerGroup"/>
+                    </m:oMathParaPr>
+                    <m:oMath xmlns:m="http://schemas.openxmlformats.org/officeDocument/2006/math">
+                      <m:r>
+                        <a:rPr lang="en-US" b="0" i="1" smtClean="0">
+                          <a:latin typeface="Cambria Math" panose="02040503050406030204" pitchFamily="18" charset="0"/>
+                        </a:rPr>
+                        <m:t>𝑓𝑞</m:t>
+                      </m:r>
+                      <m:r>
+                        <a:rPr lang="en-US" b="0" i="1" smtClean="0">
+                          <a:latin typeface="Cambria Math" panose="02040503050406030204" pitchFamily="18" charset="0"/>
+                        </a:rPr>
+                        <m:t>+</m:t>
+                      </m:r>
+                      <m:d>
+                        <m:dPr>
+                          <m:ctrlPr>
+                            <a:rPr lang="en-US" b="0" i="1" smtClean="0">
+                              <a:latin typeface="Cambria Math" panose="02040503050406030204" pitchFamily="18" charset="0"/>
+                            </a:rPr>
+                          </m:ctrlPr>
+                        </m:dPr>
+                        <m:e>
+                          <m:r>
+                            <a:rPr lang="en-US" b="0" i="1" smtClean="0">
+                              <a:latin typeface="Cambria Math" panose="02040503050406030204" pitchFamily="18" charset="0"/>
+                            </a:rPr>
+                            <m:t>1−</m:t>
+                          </m:r>
+                          <m:r>
+                            <a:rPr lang="en-US" b="0" i="1" smtClean="0">
+                              <a:latin typeface="Cambria Math" panose="02040503050406030204" pitchFamily="18" charset="0"/>
+                            </a:rPr>
+                            <m:t>𝑓</m:t>
+                          </m:r>
+                        </m:e>
+                      </m:d>
+                      <m:r>
+                        <a:rPr lang="en-US" b="0" i="1" smtClean="0">
+                          <a:latin typeface="Cambria Math" panose="02040503050406030204" pitchFamily="18" charset="0"/>
+                        </a:rPr>
+                        <m:t>𝑟</m:t>
+                      </m:r>
+                      <m:r>
+                        <a:rPr lang="en-US" b="0" i="1" smtClean="0">
+                          <a:latin typeface="Cambria Math" panose="02040503050406030204" pitchFamily="18" charset="0"/>
+                        </a:rPr>
+                        <m:t>=</m:t>
+                      </m:r>
+                      <m:r>
+                        <a:rPr lang="en-US" b="0" i="1" smtClean="0">
+                          <a:latin typeface="Cambria Math" panose="02040503050406030204" pitchFamily="18" charset="0"/>
+                        </a:rPr>
+                        <m:t>𝑝</m:t>
+                      </m:r>
+                    </m:oMath>
+                  </m:oMathPara>
+                </a14:m>
+                <a:endParaRPr lang="en-US" b="0" dirty="0"/>
+              </a:p>
+              <a:p>
+                <a14:m>
+                  <m:oMathPara xmlns:m="http://schemas.openxmlformats.org/officeDocument/2006/math">
+                    <m:oMathParaPr>
+                      <m:jc m:val="centerGroup"/>
+                    </m:oMathParaPr>
+                    <m:oMath xmlns:m="http://schemas.openxmlformats.org/officeDocument/2006/math">
+                      <m:r>
+                        <a:rPr lang="en-US" b="0" i="1" smtClean="0">
+                          <a:latin typeface="Cambria Math" panose="02040503050406030204" pitchFamily="18" charset="0"/>
+                        </a:rPr>
+                        <m:t>𝑓</m:t>
+                      </m:r>
+                      <m:d>
+                        <m:dPr>
+                          <m:ctrlPr>
+                            <a:rPr lang="en-US" b="0" i="1" smtClean="0">
+                              <a:latin typeface="Cambria Math" panose="02040503050406030204" pitchFamily="18" charset="0"/>
+                            </a:rPr>
+                          </m:ctrlPr>
+                        </m:dPr>
+                        <m:e>
+                          <m:r>
+                            <a:rPr lang="en-US" b="0" i="1" smtClean="0">
+                              <a:latin typeface="Cambria Math" panose="02040503050406030204" pitchFamily="18" charset="0"/>
+                            </a:rPr>
+                            <m:t>1−</m:t>
+                          </m:r>
+                          <m:r>
+                            <a:rPr lang="en-US" b="0" i="1" smtClean="0">
+                              <a:latin typeface="Cambria Math" panose="02040503050406030204" pitchFamily="18" charset="0"/>
+                            </a:rPr>
+                            <m:t>𝑞</m:t>
+                          </m:r>
+                        </m:e>
+                      </m:d>
+                      <m:r>
+                        <a:rPr lang="en-US" b="0" i="1" smtClean="0">
+                          <a:latin typeface="Cambria Math" panose="02040503050406030204" pitchFamily="18" charset="0"/>
+                        </a:rPr>
+                        <m:t>+</m:t>
+                      </m:r>
+                      <m:d>
+                        <m:dPr>
+                          <m:ctrlPr>
+                            <a:rPr lang="en-US" b="0" i="1" smtClean="0">
+                              <a:latin typeface="Cambria Math" panose="02040503050406030204" pitchFamily="18" charset="0"/>
+                            </a:rPr>
+                          </m:ctrlPr>
+                        </m:dPr>
+                        <m:e>
+                          <m:r>
+                            <a:rPr lang="en-US" b="0" i="1" smtClean="0">
+                              <a:latin typeface="Cambria Math" panose="02040503050406030204" pitchFamily="18" charset="0"/>
+                            </a:rPr>
+                            <m:t>1−</m:t>
+                          </m:r>
+                          <m:r>
+                            <a:rPr lang="en-US" b="0" i="1" smtClean="0">
+                              <a:latin typeface="Cambria Math" panose="02040503050406030204" pitchFamily="18" charset="0"/>
+                            </a:rPr>
+                            <m:t>𝑓</m:t>
+                          </m:r>
+                        </m:e>
+                      </m:d>
+                      <m:d>
+                        <m:dPr>
+                          <m:ctrlPr>
+                            <a:rPr lang="en-US" b="0" i="1" smtClean="0">
+                              <a:latin typeface="Cambria Math" panose="02040503050406030204" pitchFamily="18" charset="0"/>
+                            </a:rPr>
+                          </m:ctrlPr>
+                        </m:dPr>
+                        <m:e>
+                          <m:r>
+                            <a:rPr lang="en-US" b="0" i="1" smtClean="0">
+                              <a:latin typeface="Cambria Math" panose="02040503050406030204" pitchFamily="18" charset="0"/>
+                            </a:rPr>
+                            <m:t>1−</m:t>
+                          </m:r>
+                          <m:r>
+                            <a:rPr lang="en-US" b="0" i="1" smtClean="0">
+                              <a:latin typeface="Cambria Math" panose="02040503050406030204" pitchFamily="18" charset="0"/>
+                            </a:rPr>
+                            <m:t>𝑟</m:t>
+                          </m:r>
+                        </m:e>
+                      </m:d>
+                      <m:r>
+                        <a:rPr lang="en-US" b="0" i="1" smtClean="0">
+                          <a:latin typeface="Cambria Math" panose="02040503050406030204" pitchFamily="18" charset="0"/>
+                        </a:rPr>
+                        <m:t>=(1−</m:t>
+                      </m:r>
+                      <m:r>
+                        <a:rPr lang="en-US" b="0" i="1" smtClean="0">
+                          <a:latin typeface="Cambria Math" panose="02040503050406030204" pitchFamily="18" charset="0"/>
+                        </a:rPr>
+                        <m:t>𝑝</m:t>
+                      </m:r>
+                      <m:r>
+                        <a:rPr lang="en-US" b="0" i="1" smtClean="0">
+                          <a:latin typeface="Cambria Math" panose="02040503050406030204" pitchFamily="18" charset="0"/>
+                        </a:rPr>
+                        <m:t>)</m:t>
+                      </m:r>
+                    </m:oMath>
+                  </m:oMathPara>
+                </a14:m>
+                <a:endParaRPr lang="en-US" dirty="0"/>
+              </a:p>
+            </p:txBody>
+          </p:sp>
+        </mc:Choice>
+        <mc:Fallback>
+          <p:sp>
+            <p:nvSpPr>
+              <p:cNvPr id="28" name="TextBox 27">
+                <a:extLst>
+                  <a:ext uri="{FF2B5EF4-FFF2-40B4-BE49-F238E27FC236}">
+                    <a16:creationId xmlns:a16="http://schemas.microsoft.com/office/drawing/2014/main" id="{7999A3B9-CC65-86EA-3644-BB4EE6ED646A}"/>
+                  </a:ext>
+                </a:extLst>
+              </p:cNvPr>
+              <p:cNvSpPr txBox="1">
+                <a:spLocks noRot="1" noChangeAspect="1" noMove="1" noResize="1" noEditPoints="1" noAdjustHandles="1" noChangeArrowheads="1" noChangeShapeType="1" noTextEdit="1"/>
+              </p:cNvSpPr>
+              <p:nvPr/>
+            </p:nvSpPr>
+            <p:spPr>
+              <a:xfrm>
+                <a:off x="7605167" y="3744250"/>
+                <a:ext cx="3841501" cy="646331"/>
+              </a:xfrm>
+              <a:prstGeom prst="rect">
+                <a:avLst/>
+              </a:prstGeom>
+              <a:blipFill>
+                <a:blip r:embed="rId10"/>
+                <a:stretch>
+                  <a:fillRect b="-7547"/>
+                </a:stretch>
+              </a:blipFill>
+            </p:spPr>
+            <p:txBody>
+              <a:bodyPr/>
+              <a:lstStyle/>
+              <a:p>
+                <a:r>
+                  <a:rPr lang="en-US">
+                    <a:noFill/>
+                  </a:rPr>
+                  <a:t> </a:t>
+                </a:r>
+              </a:p>
+            </p:txBody>
+          </p:sp>
+        </mc:Fallback>
+      </mc:AlternateContent>
+    </p:spTree>
+    <p:extLst>
+      <p:ext uri="{BB962C8B-B14F-4D97-AF65-F5344CB8AC3E}">
+        <p14:creationId xmlns:p14="http://schemas.microsoft.com/office/powerpoint/2010/main" val="458976005"/>
+      </p:ext>
+    </p:extLst>
+  </p:cSld>
+  <p:clrMapOvr>
+    <a:masterClrMapping/>
+  </p:clrMapOvr>
+</p:sld>
+</file>
+
+<file path=ppt/slides/slide23.xml><?xml version="1.0" encoding="utf-8"?>
+<p:sld xmlns:a="http://schemas.openxmlformats.org/drawingml/2006/main" xmlns:r="http://schemas.openxmlformats.org/officeDocument/2006/relationships" xmlns:p="http://schemas.openxmlformats.org/presentationml/2006/main">
+  <p:cSld>
+    <p:spTree>
+      <p:nvGrpSpPr>
+        <p:cNvPr id="1" name=""/>
+        <p:cNvGrpSpPr/>
+        <p:nvPr/>
+      </p:nvGrpSpPr>
+      <p:grpSpPr>
+        <a:xfrm>
+          <a:off x="0" y="0"/>
+          <a:ext cx="0" cy="0"/>
+          <a:chOff x="0" y="0"/>
+          <a:chExt cx="0" cy="0"/>
+        </a:xfrm>
+      </p:grpSpPr>
+      <p:sp>
+        <p:nvSpPr>
+          <p:cNvPr id="2" name="Title 1">
+            <a:extLst>
+              <a:ext uri="{FF2B5EF4-FFF2-40B4-BE49-F238E27FC236}">
                 <a16:creationId xmlns:a16="http://schemas.microsoft.com/office/drawing/2014/main" id="{575301D9-40F1-2CA2-D120-12BD23B2401C}"/>
               </a:ext>
             </a:extLst>
@@ -29850,7 +32073,7 @@
 </p:sld>
 </file>
 
-<file path=ppt/slides/slide23.xml><?xml version="1.0" encoding="utf-8"?>
+<file path=ppt/slides/slide24.xml><?xml version="1.0" encoding="utf-8"?>
 <p:sld xmlns:a="http://schemas.openxmlformats.org/drawingml/2006/main" xmlns:r="http://schemas.openxmlformats.org/officeDocument/2006/relationships" xmlns:p="http://schemas.openxmlformats.org/presentationml/2006/main">
   <p:cSld>
     <p:spTree>
@@ -29895,8 +32118,8 @@
           </a:p>
         </p:txBody>
       </p:sp>
-      <mc:AlternateContent xmlns:mc="http://schemas.openxmlformats.org/markup-compatibility/2006">
-        <mc:Choice xmlns:a14="http://schemas.microsoft.com/office/drawing/2010/main" Requires="a14">
+      <mc:AlternateContent xmlns:mc="http://schemas.openxmlformats.org/markup-compatibility/2006" xmlns:a14="http://schemas.microsoft.com/office/drawing/2010/main">
+        <mc:Choice Requires="a14">
           <p:sp>
             <p:nvSpPr>
               <p:cNvPr id="3" name="Content Placeholder 2">
@@ -30443,7 +32666,7 @@
             </p:txBody>
           </p:sp>
         </mc:Choice>
-        <mc:Fallback>
+        <mc:Fallback xmlns="">
           <p:sp>
             <p:nvSpPr>
               <p:cNvPr id="3" name="Content Placeholder 2">
@@ -30496,7 +32719,7 @@
 </p:sld>
 </file>
 
-<file path=ppt/slides/slide24.xml><?xml version="1.0" encoding="utf-8"?>
+<file path=ppt/slides/slide25.xml><?xml version="1.0" encoding="utf-8"?>
 <p:sld xmlns:a="http://schemas.openxmlformats.org/drawingml/2006/main" xmlns:r="http://schemas.openxmlformats.org/officeDocument/2006/relationships" xmlns:p="http://schemas.openxmlformats.org/presentationml/2006/main">
   <p:cSld>
     <p:spTree>
@@ -30541,8 +32764,8 @@
           </a:p>
         </p:txBody>
       </p:sp>
-      <mc:AlternateContent xmlns:mc="http://schemas.openxmlformats.org/markup-compatibility/2006">
-        <mc:Choice xmlns:a14="http://schemas.microsoft.com/office/drawing/2010/main" Requires="a14">
+      <mc:AlternateContent xmlns:mc="http://schemas.openxmlformats.org/markup-compatibility/2006" xmlns:a14="http://schemas.microsoft.com/office/drawing/2010/main">
+        <mc:Choice Requires="a14">
           <p:sp>
             <p:nvSpPr>
               <p:cNvPr id="3" name="Content Placeholder 2">
@@ -31215,7 +33438,7 @@
             </p:txBody>
           </p:sp>
         </mc:Choice>
-        <mc:Fallback>
+        <mc:Fallback xmlns="">
           <p:sp>
             <p:nvSpPr>
               <p:cNvPr id="3" name="Content Placeholder 2">
@@ -31268,7 +33491,7 @@
 </p:sld>
 </file>
 
-<file path=ppt/slides/slide25.xml><?xml version="1.0" encoding="utf-8"?>
+<file path=ppt/slides/slide26.xml><?xml version="1.0" encoding="utf-8"?>
 <p:sld xmlns:a="http://schemas.openxmlformats.org/drawingml/2006/main" xmlns:r="http://schemas.openxmlformats.org/officeDocument/2006/relationships" xmlns:p="http://schemas.openxmlformats.org/presentationml/2006/main">
   <p:cSld>
     <p:spTree>
@@ -31351,7 +33574,7 @@
 </p:sld>
 </file>
 
-<file path=ppt/slides/slide26.xml><?xml version="1.0" encoding="utf-8"?>
+<file path=ppt/slides/slide27.xml><?xml version="1.0" encoding="utf-8"?>
 <p:sld xmlns:a="http://schemas.openxmlformats.org/drawingml/2006/main" xmlns:r="http://schemas.openxmlformats.org/officeDocument/2006/relationships" xmlns:p="http://schemas.openxmlformats.org/presentationml/2006/main">
   <p:cSld>
     <p:spTree>

--- a/DecisionTrees/DecisionTrees.pptx
+++ b/DecisionTrees/DecisionTrees.pptx
@@ -8556,7 +8556,7 @@
           <a:p>
             <a:fld id="{7E292AB8-5F8F-4402-9592-F9413DCC0C16}" type="datetimeFigureOut">
               <a:rPr lang="en-US" smtClean="0"/>
-              <a:t>7/10/2023</a:t>
+              <a:t>7/13/2023</a:t>
             </a:fld>
             <a:endParaRPr lang="en-US"/>
           </a:p>
@@ -8754,7 +8754,7 @@
           <a:p>
             <a:fld id="{7E292AB8-5F8F-4402-9592-F9413DCC0C16}" type="datetimeFigureOut">
               <a:rPr lang="en-US" smtClean="0"/>
-              <a:t>7/10/2023</a:t>
+              <a:t>7/13/2023</a:t>
             </a:fld>
             <a:endParaRPr lang="en-US"/>
           </a:p>
@@ -8962,7 +8962,7 @@
           <a:p>
             <a:fld id="{7E292AB8-5F8F-4402-9592-F9413DCC0C16}" type="datetimeFigureOut">
               <a:rPr lang="en-US" smtClean="0"/>
-              <a:t>7/10/2023</a:t>
+              <a:t>7/13/2023</a:t>
             </a:fld>
             <a:endParaRPr lang="en-US"/>
           </a:p>
@@ -9160,7 +9160,7 @@
           <a:p>
             <a:fld id="{7E292AB8-5F8F-4402-9592-F9413DCC0C16}" type="datetimeFigureOut">
               <a:rPr lang="en-US" smtClean="0"/>
-              <a:t>7/10/2023</a:t>
+              <a:t>7/13/2023</a:t>
             </a:fld>
             <a:endParaRPr lang="en-US"/>
           </a:p>
@@ -9435,7 +9435,7 @@
           <a:p>
             <a:fld id="{7E292AB8-5F8F-4402-9592-F9413DCC0C16}" type="datetimeFigureOut">
               <a:rPr lang="en-US" smtClean="0"/>
-              <a:t>7/10/2023</a:t>
+              <a:t>7/13/2023</a:t>
             </a:fld>
             <a:endParaRPr lang="en-US"/>
           </a:p>
@@ -9700,7 +9700,7 @@
           <a:p>
             <a:fld id="{7E292AB8-5F8F-4402-9592-F9413DCC0C16}" type="datetimeFigureOut">
               <a:rPr lang="en-US" smtClean="0"/>
-              <a:t>7/10/2023</a:t>
+              <a:t>7/13/2023</a:t>
             </a:fld>
             <a:endParaRPr lang="en-US"/>
           </a:p>
@@ -10112,7 +10112,7 @@
           <a:p>
             <a:fld id="{7E292AB8-5F8F-4402-9592-F9413DCC0C16}" type="datetimeFigureOut">
               <a:rPr lang="en-US" smtClean="0"/>
-              <a:t>7/10/2023</a:t>
+              <a:t>7/13/2023</a:t>
             </a:fld>
             <a:endParaRPr lang="en-US"/>
           </a:p>
@@ -10253,7 +10253,7 @@
           <a:p>
             <a:fld id="{7E292AB8-5F8F-4402-9592-F9413DCC0C16}" type="datetimeFigureOut">
               <a:rPr lang="en-US" smtClean="0"/>
-              <a:t>7/10/2023</a:t>
+              <a:t>7/13/2023</a:t>
             </a:fld>
             <a:endParaRPr lang="en-US"/>
           </a:p>
@@ -10366,7 +10366,7 @@
           <a:p>
             <a:fld id="{7E292AB8-5F8F-4402-9592-F9413DCC0C16}" type="datetimeFigureOut">
               <a:rPr lang="en-US" smtClean="0"/>
-              <a:t>7/10/2023</a:t>
+              <a:t>7/13/2023</a:t>
             </a:fld>
             <a:endParaRPr lang="en-US"/>
           </a:p>
@@ -10677,7 +10677,7 @@
           <a:p>
             <a:fld id="{7E292AB8-5F8F-4402-9592-F9413DCC0C16}" type="datetimeFigureOut">
               <a:rPr lang="en-US" smtClean="0"/>
-              <a:t>7/10/2023</a:t>
+              <a:t>7/13/2023</a:t>
             </a:fld>
             <a:endParaRPr lang="en-US"/>
           </a:p>
@@ -10965,7 +10965,7 @@
           <a:p>
             <a:fld id="{7E292AB8-5F8F-4402-9592-F9413DCC0C16}" type="datetimeFigureOut">
               <a:rPr lang="en-US" smtClean="0"/>
-              <a:t>7/10/2023</a:t>
+              <a:t>7/13/2023</a:t>
             </a:fld>
             <a:endParaRPr lang="en-US"/>
           </a:p>
@@ -11206,7 +11206,7 @@
           <a:p>
             <a:fld id="{7E292AB8-5F8F-4402-9592-F9413DCC0C16}" type="datetimeFigureOut">
               <a:rPr lang="en-US" smtClean="0"/>
-              <a:t>7/10/2023</a:t>
+              <a:t>7/13/2023</a:t>
             </a:fld>
             <a:endParaRPr lang="en-US"/>
           </a:p>
@@ -24039,10 +24039,9 @@
             <a:p>
               <a:pPr algn="ctr"/>
               <a:r>
-                <a:rPr lang="en-US" dirty="0" err="1"/>
+                <a:rPr lang="en-US" dirty="0"/>
                 <a:t>Bajji</a:t>
               </a:r>
-              <a:endParaRPr lang="en-US" dirty="0"/>
             </a:p>
           </p:txBody>
         </p:sp>
@@ -25769,10 +25768,9 @@
             <a:p>
               <a:pPr algn="ctr"/>
               <a:r>
-                <a:rPr lang="en-US" dirty="0" err="1"/>
+                <a:rPr lang="en-US" dirty="0"/>
                 <a:t>Bajji</a:t>
               </a:r>
-              <a:endParaRPr lang="en-US" dirty="0"/>
             </a:p>
           </p:txBody>
         </p:sp>
@@ -26698,10 +26696,9 @@
             <a:p>
               <a:pPr algn="ctr"/>
               <a:r>
-                <a:rPr lang="en-US" dirty="0" err="1"/>
+                <a:rPr lang="en-US" dirty="0"/>
                 <a:t>Bajji</a:t>
               </a:r>
-              <a:endParaRPr lang="en-US" dirty="0"/>
             </a:p>
           </p:txBody>
         </p:sp>
@@ -28099,10 +28096,9 @@
             <a:p>
               <a:pPr algn="ctr"/>
               <a:r>
-                <a:rPr lang="en-US" dirty="0" err="1"/>
+                <a:rPr lang="en-US" dirty="0"/>
                 <a:t>Bajji</a:t>
               </a:r>
-              <a:endParaRPr lang="en-US" dirty="0"/>
             </a:p>
           </p:txBody>
         </p:sp>
@@ -28294,13 +28290,13 @@
           <a:p>
             <a:r>
               <a:rPr lang="en-US" dirty="0"/>
-              <a:t>#Ice Cream 60</a:t>
+              <a:t>#Ice Cream 80</a:t>
             </a:r>
           </a:p>
           <a:p>
             <a:r>
               <a:rPr lang="en-US" dirty="0"/>
-              <a:t>#Bajji 40</a:t>
+              <a:t>#Bajji 20</a:t>
             </a:r>
           </a:p>
         </p:txBody>
@@ -28352,13 +28348,13 @@
           <a:p>
             <a:r>
               <a:rPr lang="en-US" dirty="0"/>
-              <a:t>#Ice Cream 55</a:t>
+              <a:t>#Ice Cream 40</a:t>
             </a:r>
           </a:p>
           <a:p>
             <a:r>
               <a:rPr lang="en-US" dirty="0"/>
-              <a:t>#Bajji 6</a:t>
+              <a:t>#Bajji 5</a:t>
             </a:r>
           </a:p>
         </p:txBody>
@@ -28377,8 +28373,8 @@
         </p:nvSpPr>
         <p:spPr>
           <a:xfrm>
-            <a:off x="3226285" y="4607305"/>
-            <a:ext cx="1404744" cy="646331"/>
+            <a:off x="3109266" y="4607305"/>
+            <a:ext cx="1521763" cy="646331"/>
           </a:xfrm>
           <a:prstGeom prst="rect">
             <a:avLst/>
@@ -28411,20 +28407,20 @@
             <a:pPr algn="r"/>
             <a:r>
               <a:rPr lang="en-US" dirty="0"/>
-              <a:t>#Ice Cream 5</a:t>
+              <a:t>#Ice Cream 40</a:t>
             </a:r>
           </a:p>
           <a:p>
             <a:pPr algn="r"/>
             <a:r>
               <a:rPr lang="en-US" dirty="0"/>
-              <a:t>#Bajji 34</a:t>
+              <a:t>#Bajji 15</a:t>
             </a:r>
           </a:p>
         </p:txBody>
       </p:sp>
-      <mc:AlternateContent xmlns:mc="http://schemas.openxmlformats.org/markup-compatibility/2006" xmlns:a14="http://schemas.microsoft.com/office/drawing/2010/main">
-        <mc:Choice Requires="a14">
+      <mc:AlternateContent xmlns:mc="http://schemas.openxmlformats.org/markup-compatibility/2006">
+        <mc:Choice xmlns:a14="http://schemas.microsoft.com/office/drawing/2010/main" Requires="a14">
           <p:sp>
             <p:nvSpPr>
               <p:cNvPr id="26" name="TextBox 25">
@@ -28440,7 +28436,7 @@
             <p:spPr>
               <a:xfrm>
                 <a:off x="1089165" y="6337128"/>
-                <a:ext cx="1019831" cy="485774"/>
+                <a:ext cx="1019831" cy="489686"/>
               </a:xfrm>
               <a:prstGeom prst="rect">
                 <a:avLst/>
@@ -28469,18 +28465,18 @@
                       </m:fPr>
                       <m:num>
                         <m:r>
-                          <a:rPr lang="en-US" b="0" i="1" smtClean="0">
+                          <a:rPr lang="en-AU" b="0" i="1" smtClean="0">
                             <a:latin typeface="Cambria Math" panose="02040503050406030204" pitchFamily="18" charset="0"/>
                           </a:rPr>
-                          <m:t>6</m:t>
+                          <m:t>5</m:t>
                         </m:r>
                       </m:num>
                       <m:den>
                         <m:r>
-                          <a:rPr lang="en-US" b="0" i="1" smtClean="0">
+                          <a:rPr lang="en-AU" b="0" i="1" smtClean="0">
                             <a:latin typeface="Cambria Math" panose="02040503050406030204" pitchFamily="18" charset="0"/>
                           </a:rPr>
-                          <m:t>61</m:t>
+                          <m:t>45</m:t>
                         </m:r>
                       </m:den>
                     </m:f>
@@ -28491,7 +28487,7 @@
             </p:txBody>
           </p:sp>
         </mc:Choice>
-        <mc:Fallback xmlns="">
+        <mc:Fallback>
           <p:sp>
             <p:nvSpPr>
               <p:cNvPr id="26" name="TextBox 25">
@@ -28509,7 +28505,7 @@
             <p:spPr>
               <a:xfrm>
                 <a:off x="1089165" y="6337128"/>
-                <a:ext cx="1019831" cy="485774"/>
+                <a:ext cx="1019831" cy="489686"/>
               </a:xfrm>
               <a:prstGeom prst="rect">
                 <a:avLst/>
@@ -28517,7 +28513,7 @@
               <a:blipFill>
                 <a:blip r:embed="rId3"/>
                 <a:stretch>
-                  <a:fillRect l="-5389" b="-8861"/>
+                  <a:fillRect l="-5389" b="-7500"/>
                 </a:stretch>
               </a:blipFill>
             </p:spPr>
@@ -28526,7 +28522,7 @@
               <a:lstStyle/>
               <a:p>
                 <a:r>
-                  <a:rPr lang="en-US">
+                  <a:rPr lang="en-AU">
                     <a:noFill/>
                   </a:rPr>
                   <a:t> </a:t>
@@ -28536,8 +28532,8 @@
           </p:sp>
         </mc:Fallback>
       </mc:AlternateContent>
-      <mc:AlternateContent xmlns:mc="http://schemas.openxmlformats.org/markup-compatibility/2006" xmlns:a14="http://schemas.microsoft.com/office/drawing/2010/main">
-        <mc:Choice Requires="a14">
+      <mc:AlternateContent xmlns:mc="http://schemas.openxmlformats.org/markup-compatibility/2006">
+        <mc:Choice xmlns:a14="http://schemas.microsoft.com/office/drawing/2010/main" Requires="a14">
           <p:sp>
             <p:nvSpPr>
               <p:cNvPr id="27" name="TextBox 26">
@@ -28553,7 +28549,7 @@
             <p:spPr>
               <a:xfrm>
                 <a:off x="2706529" y="6335301"/>
-                <a:ext cx="1015021" cy="489429"/>
+                <a:ext cx="1019831" cy="489686"/>
               </a:xfrm>
               <a:prstGeom prst="rect">
                 <a:avLst/>
@@ -28582,18 +28578,18 @@
                       </m:fPr>
                       <m:num>
                         <m:r>
-                          <a:rPr lang="en-US" b="0" i="1" smtClean="0">
+                          <a:rPr lang="en-AU" b="0" i="1" smtClean="0">
                             <a:latin typeface="Cambria Math" panose="02040503050406030204" pitchFamily="18" charset="0"/>
                           </a:rPr>
-                          <m:t>5</m:t>
+                          <m:t>15</m:t>
                         </m:r>
                       </m:num>
                       <m:den>
                         <m:r>
-                          <a:rPr lang="en-US" b="0" i="1" smtClean="0">
+                          <a:rPr lang="en-AU" b="0" i="1" smtClean="0">
                             <a:latin typeface="Cambria Math" panose="02040503050406030204" pitchFamily="18" charset="0"/>
                           </a:rPr>
-                          <m:t>39</m:t>
+                          <m:t>55</m:t>
                         </m:r>
                       </m:den>
                     </m:f>
@@ -28604,7 +28600,7 @@
             </p:txBody>
           </p:sp>
         </mc:Choice>
-        <mc:Fallback xmlns="">
+        <mc:Fallback>
           <p:sp>
             <p:nvSpPr>
               <p:cNvPr id="27" name="TextBox 26">
@@ -28622,7 +28618,7 @@
             <p:spPr>
               <a:xfrm>
                 <a:off x="2706529" y="6335301"/>
-                <a:ext cx="1015021" cy="489429"/>
+                <a:ext cx="1019831" cy="489686"/>
               </a:xfrm>
               <a:prstGeom prst="rect">
                 <a:avLst/>
@@ -28630,7 +28626,7 @@
               <a:blipFill>
                 <a:blip r:embed="rId4"/>
                 <a:stretch>
-                  <a:fillRect l="-5422" b="-6173"/>
+                  <a:fillRect l="-5389" b="-6173"/>
                 </a:stretch>
               </a:blipFill>
             </p:spPr>
@@ -28639,7 +28635,7 @@
               <a:lstStyle/>
               <a:p>
                 <a:r>
-                  <a:rPr lang="en-US">
+                  <a:rPr lang="en-AU">
                     <a:noFill/>
                   </a:rPr>
                   <a:t> </a:t>
@@ -28649,8 +28645,8 @@
           </p:sp>
         </mc:Fallback>
       </mc:AlternateContent>
-      <mc:AlternateContent xmlns:mc="http://schemas.openxmlformats.org/markup-compatibility/2006" xmlns:a14="http://schemas.microsoft.com/office/drawing/2010/main">
-        <mc:Choice Requires="a14">
+      <mc:AlternateContent xmlns:mc="http://schemas.openxmlformats.org/markup-compatibility/2006">
+        <mc:Choice xmlns:a14="http://schemas.microsoft.com/office/drawing/2010/main" Requires="a14">
           <p:sp>
             <p:nvSpPr>
               <p:cNvPr id="28" name="TextBox 27">
@@ -28695,10 +28691,16 @@
                       </m:fPr>
                       <m:num>
                         <m:r>
+                          <a:rPr lang="en-AU" b="0" i="1" smtClean="0">
+                            <a:latin typeface="Cambria Math" panose="02040503050406030204" pitchFamily="18" charset="0"/>
+                          </a:rPr>
+                          <m:t>2</m:t>
+                        </m:r>
+                        <m:r>
                           <a:rPr lang="en-US" b="0" i="1" smtClean="0">
                             <a:latin typeface="Cambria Math" panose="02040503050406030204" pitchFamily="18" charset="0"/>
                           </a:rPr>
-                          <m:t>40</m:t>
+                          <m:t>0</m:t>
                         </m:r>
                       </m:num>
                       <m:den>
@@ -28717,7 +28719,7 @@
             </p:txBody>
           </p:sp>
         </mc:Choice>
-        <mc:Fallback xmlns="">
+        <mc:Fallback>
           <p:sp>
             <p:nvSpPr>
               <p:cNvPr id="28" name="TextBox 27">
@@ -28752,7 +28754,7 @@
               <a:lstStyle/>
               <a:p>
                 <a:r>
-                  <a:rPr lang="en-US">
+                  <a:rPr lang="en-AU">
                     <a:noFill/>
                   </a:rPr>
                   <a:t> </a:t>
@@ -29028,10 +29030,9 @@
             <a:p>
               <a:pPr algn="ctr"/>
               <a:r>
-                <a:rPr lang="en-US" dirty="0" err="1"/>
+                <a:rPr lang="en-US" dirty="0"/>
                 <a:t>Bajji</a:t>
               </a:r>
-              <a:endParaRPr lang="en-US" dirty="0"/>
             </a:p>
           </p:txBody>
         </p:sp>
@@ -29223,13 +29224,13 @@
           <a:p>
             <a:r>
               <a:rPr lang="en-US" dirty="0"/>
-              <a:t>#Ice Cream 60</a:t>
+              <a:t>#Ice Cream 80</a:t>
             </a:r>
           </a:p>
           <a:p>
             <a:r>
               <a:rPr lang="en-US" dirty="0"/>
-              <a:t>#Bajji 40</a:t>
+              <a:t>#Bajji 20</a:t>
             </a:r>
           </a:p>
         </p:txBody>
@@ -29270,7 +29271,7 @@
           <a:p>
             <a:r>
               <a:rPr lang="en-US" dirty="0"/>
-              <a:t>#Bajji 15</a:t>
+              <a:t>#Bajji 10</a:t>
             </a:r>
           </a:p>
         </p:txBody>
@@ -29306,20 +29307,20 @@
             <a:pPr algn="r"/>
             <a:r>
               <a:rPr lang="en-US" dirty="0"/>
-              <a:t>#Ice Cream 25</a:t>
+              <a:t>#Ice Cream 45</a:t>
             </a:r>
           </a:p>
           <a:p>
             <a:pPr algn="r"/>
             <a:r>
               <a:rPr lang="en-US" dirty="0"/>
-              <a:t>#Bajji 25</a:t>
+              <a:t>#Bajji 10</a:t>
             </a:r>
           </a:p>
         </p:txBody>
       </p:sp>
-      <mc:AlternateContent xmlns:mc="http://schemas.openxmlformats.org/markup-compatibility/2006" xmlns:a14="http://schemas.microsoft.com/office/drawing/2010/main">
-        <mc:Choice Requires="a14">
+      <mc:AlternateContent xmlns:mc="http://schemas.openxmlformats.org/markup-compatibility/2006">
+        <mc:Choice xmlns:a14="http://schemas.microsoft.com/office/drawing/2010/main" Requires="a14">
           <p:sp>
             <p:nvSpPr>
               <p:cNvPr id="43" name="TextBox 42">
@@ -29367,15 +29368,21 @@
                           <a:rPr lang="en-US" b="0" i="1" smtClean="0">
                             <a:latin typeface="Cambria Math" panose="02040503050406030204" pitchFamily="18" charset="0"/>
                           </a:rPr>
-                          <m:t>15</m:t>
+                          <m:t>1</m:t>
+                        </m:r>
+                        <m:r>
+                          <a:rPr lang="en-AU" b="0" i="1" smtClean="0">
+                            <a:latin typeface="Cambria Math" panose="02040503050406030204" pitchFamily="18" charset="0"/>
+                          </a:rPr>
+                          <m:t>0</m:t>
                         </m:r>
                       </m:num>
                       <m:den>
                         <m:r>
-                          <a:rPr lang="en-US" b="0" i="1" smtClean="0">
+                          <a:rPr lang="en-AU" b="0" i="1" smtClean="0">
                             <a:latin typeface="Cambria Math" panose="02040503050406030204" pitchFamily="18" charset="0"/>
                           </a:rPr>
-                          <m:t>50</m:t>
+                          <m:t>45</m:t>
                         </m:r>
                       </m:den>
                     </m:f>
@@ -29386,7 +29393,7 @@
             </p:txBody>
           </p:sp>
         </mc:Choice>
-        <mc:Fallback xmlns="">
+        <mc:Fallback>
           <p:sp>
             <p:nvSpPr>
               <p:cNvPr id="43" name="TextBox 42">
@@ -29421,7 +29428,7 @@
               <a:lstStyle/>
               <a:p>
                 <a:r>
-                  <a:rPr lang="en-US">
+                  <a:rPr lang="en-AU">
                     <a:noFill/>
                   </a:rPr>
                   <a:t> </a:t>
@@ -29431,8 +29438,8 @@
           </p:sp>
         </mc:Fallback>
       </mc:AlternateContent>
-      <mc:AlternateContent xmlns:mc="http://schemas.openxmlformats.org/markup-compatibility/2006" xmlns:a14="http://schemas.microsoft.com/office/drawing/2010/main">
-        <mc:Choice Requires="a14">
+      <mc:AlternateContent xmlns:mc="http://schemas.openxmlformats.org/markup-compatibility/2006">
+        <mc:Choice xmlns:a14="http://schemas.microsoft.com/office/drawing/2010/main" Requires="a14">
           <p:sp>
             <p:nvSpPr>
               <p:cNvPr id="44" name="TextBox 43">
@@ -29448,7 +29455,7 @@
             <p:spPr>
               <a:xfrm>
                 <a:off x="9619167" y="6335301"/>
-                <a:ext cx="1015021" cy="489429"/>
+                <a:ext cx="1019831" cy="485774"/>
               </a:xfrm>
               <a:prstGeom prst="rect">
                 <a:avLst/>
@@ -29477,10 +29484,10 @@
                       </m:fPr>
                       <m:num>
                         <m:r>
-                          <a:rPr lang="en-US" b="0" i="1" smtClean="0">
+                          <a:rPr lang="en-AU" b="0" i="1" smtClean="0">
                             <a:latin typeface="Cambria Math" panose="02040503050406030204" pitchFamily="18" charset="0"/>
                           </a:rPr>
-                          <m:t>25</m:t>
+                          <m:t>10</m:t>
                         </m:r>
                       </m:num>
                       <m:den>
@@ -29488,7 +29495,13 @@
                           <a:rPr lang="en-US" b="0" i="1" smtClean="0">
                             <a:latin typeface="Cambria Math" panose="02040503050406030204" pitchFamily="18" charset="0"/>
                           </a:rPr>
-                          <m:t>50</m:t>
+                          <m:t>5</m:t>
+                        </m:r>
+                        <m:r>
+                          <a:rPr lang="en-AU" b="0" i="1" smtClean="0">
+                            <a:latin typeface="Cambria Math" panose="02040503050406030204" pitchFamily="18" charset="0"/>
+                          </a:rPr>
+                          <m:t>5</m:t>
                         </m:r>
                       </m:den>
                     </m:f>
@@ -29499,7 +29512,7 @@
             </p:txBody>
           </p:sp>
         </mc:Choice>
-        <mc:Fallback xmlns="">
+        <mc:Fallback>
           <p:sp>
             <p:nvSpPr>
               <p:cNvPr id="44" name="TextBox 43">
@@ -29517,7 +29530,7 @@
             <p:spPr>
               <a:xfrm>
                 <a:off x="9619167" y="6335301"/>
-                <a:ext cx="1015021" cy="489429"/>
+                <a:ext cx="1019831" cy="485774"/>
               </a:xfrm>
               <a:prstGeom prst="rect">
                 <a:avLst/>
@@ -29525,7 +29538,7 @@
               <a:blipFill>
                 <a:blip r:embed="rId7"/>
                 <a:stretch>
-                  <a:fillRect l="-5422" b="-6173"/>
+                  <a:fillRect l="-5389" b="-7500"/>
                 </a:stretch>
               </a:blipFill>
             </p:spPr>
@@ -29534,7 +29547,7 @@
               <a:lstStyle/>
               <a:p>
                 <a:r>
-                  <a:rPr lang="en-US">
+                  <a:rPr lang="en-AU">
                     <a:noFill/>
                   </a:rPr>
                   <a:t> </a:t>
@@ -29544,8 +29557,8 @@
           </p:sp>
         </mc:Fallback>
       </mc:AlternateContent>
-      <mc:AlternateContent xmlns:mc="http://schemas.openxmlformats.org/markup-compatibility/2006" xmlns:a14="http://schemas.microsoft.com/office/drawing/2010/main">
-        <mc:Choice Requires="a14">
+      <mc:AlternateContent xmlns:mc="http://schemas.openxmlformats.org/markup-compatibility/2006">
+        <mc:Choice xmlns:a14="http://schemas.microsoft.com/office/drawing/2010/main" Requires="a14">
           <p:sp>
             <p:nvSpPr>
               <p:cNvPr id="45" name="TextBox 44">
@@ -29561,7 +29574,7 @@
             <p:spPr>
               <a:xfrm>
                 <a:off x="7394104" y="3176144"/>
-                <a:ext cx="1117614" cy="485774"/>
+                <a:ext cx="1117614" cy="485197"/>
               </a:xfrm>
               <a:prstGeom prst="rect">
                 <a:avLst/>
@@ -29590,10 +29603,10 @@
                       </m:fPr>
                       <m:num>
                         <m:r>
-                          <a:rPr lang="en-US" b="0" i="1" smtClean="0">
+                          <a:rPr lang="en-AU" b="0" i="1" smtClean="0">
                             <a:latin typeface="Cambria Math" panose="02040503050406030204" pitchFamily="18" charset="0"/>
                           </a:rPr>
-                          <m:t>40</m:t>
+                          <m:t>20</m:t>
                         </m:r>
                       </m:num>
                       <m:den>
@@ -29612,7 +29625,7 @@
             </p:txBody>
           </p:sp>
         </mc:Choice>
-        <mc:Fallback xmlns="">
+        <mc:Fallback>
           <p:sp>
             <p:nvSpPr>
               <p:cNvPr id="45" name="TextBox 44">
@@ -29630,7 +29643,7 @@
             <p:spPr>
               <a:xfrm>
                 <a:off x="7394104" y="3176144"/>
-                <a:ext cx="1117614" cy="485774"/>
+                <a:ext cx="1117614" cy="485197"/>
               </a:xfrm>
               <a:prstGeom prst="rect">
                 <a:avLst/>
@@ -29647,7 +29660,7 @@
               <a:lstStyle/>
               <a:p>
                 <a:r>
-                  <a:rPr lang="en-US">
+                  <a:rPr lang="en-AU">
                     <a:noFill/>
                   </a:rPr>
                   <a:t> </a:t>
@@ -29742,7 +29755,7 @@
             <a:pPr algn="ctr"/>
             <a:r>
               <a:rPr lang="en-US" dirty="0"/>
-              <a:t>0.226</a:t>
+              <a:t>0.2</a:t>
             </a:r>
           </a:p>
         </p:txBody>
@@ -29832,7 +29845,7 @@
             <a:pPr algn="ctr"/>
             <a:r>
               <a:rPr lang="en-US" dirty="0"/>
-              <a:t>0.8</a:t>
+              <a:t>0.2</a:t>
             </a:r>
           </a:p>
         </p:txBody>
@@ -29895,8 +29908,8 @@
           </a:p>
         </p:txBody>
       </p:sp>
-      <mc:AlternateContent xmlns:mc="http://schemas.openxmlformats.org/markup-compatibility/2006">
-        <mc:Choice xmlns:a14="http://schemas.microsoft.com/office/drawing/2010/main" Requires="a14">
+      <mc:AlternateContent xmlns:mc="http://schemas.openxmlformats.org/markup-compatibility/2006" xmlns:a14="http://schemas.microsoft.com/office/drawing/2010/main">
+        <mc:Choice Requires="a14">
           <p:sp>
             <p:nvSpPr>
               <p:cNvPr id="3" name="Content Placeholder 2">
@@ -30443,7 +30456,7 @@
             </p:txBody>
           </p:sp>
         </mc:Choice>
-        <mc:Fallback>
+        <mc:Fallback xmlns="">
           <p:sp>
             <p:nvSpPr>
               <p:cNvPr id="3" name="Content Placeholder 2">
@@ -30541,8 +30554,8 @@
           </a:p>
         </p:txBody>
       </p:sp>
-      <mc:AlternateContent xmlns:mc="http://schemas.openxmlformats.org/markup-compatibility/2006">
-        <mc:Choice xmlns:a14="http://schemas.microsoft.com/office/drawing/2010/main" Requires="a14">
+      <mc:AlternateContent xmlns:mc="http://schemas.openxmlformats.org/markup-compatibility/2006" xmlns:a14="http://schemas.microsoft.com/office/drawing/2010/main">
+        <mc:Choice Requires="a14">
           <p:sp>
             <p:nvSpPr>
               <p:cNvPr id="3" name="Content Placeholder 2">
@@ -31215,7 +31228,7 @@
             </p:txBody>
           </p:sp>
         </mc:Choice>
-        <mc:Fallback>
+        <mc:Fallback xmlns="">
           <p:sp>
             <p:nvSpPr>
               <p:cNvPr id="3" name="Content Placeholder 2">

--- a/DecisionTrees/DecisionTrees.pptx
+++ b/DecisionTrees/DecisionTrees.pptx
@@ -26,8 +26,8 @@
     <p:sldId id="260" r:id="rId20"/>
     <p:sldId id="261" r:id="rId21"/>
     <p:sldId id="282" r:id="rId22"/>
-    <p:sldId id="285" r:id="rId23"/>
-    <p:sldId id="283" r:id="rId24"/>
+    <p:sldId id="287" r:id="rId23"/>
+    <p:sldId id="288" r:id="rId24"/>
     <p:sldId id="284" r:id="rId25"/>
     <p:sldId id="262" r:id="rId26"/>
     <p:sldId id="278" r:id="rId27"/>
@@ -8557,7 +8557,7 @@
           <a:p>
             <a:fld id="{7E292AB8-5F8F-4402-9592-F9413DCC0C16}" type="datetimeFigureOut">
               <a:rPr lang="en-US" smtClean="0"/>
-              <a:t>7/12/2023</a:t>
+              <a:t>7/13/2023</a:t>
             </a:fld>
             <a:endParaRPr lang="en-US"/>
           </a:p>
@@ -8755,7 +8755,7 @@
           <a:p>
             <a:fld id="{7E292AB8-5F8F-4402-9592-F9413DCC0C16}" type="datetimeFigureOut">
               <a:rPr lang="en-US" smtClean="0"/>
-              <a:t>7/12/2023</a:t>
+              <a:t>7/13/2023</a:t>
             </a:fld>
             <a:endParaRPr lang="en-US"/>
           </a:p>
@@ -8963,7 +8963,7 @@
           <a:p>
             <a:fld id="{7E292AB8-5F8F-4402-9592-F9413DCC0C16}" type="datetimeFigureOut">
               <a:rPr lang="en-US" smtClean="0"/>
-              <a:t>7/12/2023</a:t>
+              <a:t>7/13/2023</a:t>
             </a:fld>
             <a:endParaRPr lang="en-US"/>
           </a:p>
@@ -9161,7 +9161,7 @@
           <a:p>
             <a:fld id="{7E292AB8-5F8F-4402-9592-F9413DCC0C16}" type="datetimeFigureOut">
               <a:rPr lang="en-US" smtClean="0"/>
-              <a:t>7/12/2023</a:t>
+              <a:t>7/13/2023</a:t>
             </a:fld>
             <a:endParaRPr lang="en-US"/>
           </a:p>
@@ -9436,7 +9436,7 @@
           <a:p>
             <a:fld id="{7E292AB8-5F8F-4402-9592-F9413DCC0C16}" type="datetimeFigureOut">
               <a:rPr lang="en-US" smtClean="0"/>
-              <a:t>7/12/2023</a:t>
+              <a:t>7/13/2023</a:t>
             </a:fld>
             <a:endParaRPr lang="en-US"/>
           </a:p>
@@ -9701,7 +9701,7 @@
           <a:p>
             <a:fld id="{7E292AB8-5F8F-4402-9592-F9413DCC0C16}" type="datetimeFigureOut">
               <a:rPr lang="en-US" smtClean="0"/>
-              <a:t>7/12/2023</a:t>
+              <a:t>7/13/2023</a:t>
             </a:fld>
             <a:endParaRPr lang="en-US"/>
           </a:p>
@@ -10113,7 +10113,7 @@
           <a:p>
             <a:fld id="{7E292AB8-5F8F-4402-9592-F9413DCC0C16}" type="datetimeFigureOut">
               <a:rPr lang="en-US" smtClean="0"/>
-              <a:t>7/12/2023</a:t>
+              <a:t>7/13/2023</a:t>
             </a:fld>
             <a:endParaRPr lang="en-US"/>
           </a:p>
@@ -10254,7 +10254,7 @@
           <a:p>
             <a:fld id="{7E292AB8-5F8F-4402-9592-F9413DCC0C16}" type="datetimeFigureOut">
               <a:rPr lang="en-US" smtClean="0"/>
-              <a:t>7/12/2023</a:t>
+              <a:t>7/13/2023</a:t>
             </a:fld>
             <a:endParaRPr lang="en-US"/>
           </a:p>
@@ -10367,7 +10367,7 @@
           <a:p>
             <a:fld id="{7E292AB8-5F8F-4402-9592-F9413DCC0C16}" type="datetimeFigureOut">
               <a:rPr lang="en-US" smtClean="0"/>
-              <a:t>7/12/2023</a:t>
+              <a:t>7/13/2023</a:t>
             </a:fld>
             <a:endParaRPr lang="en-US"/>
           </a:p>
@@ -10678,7 +10678,7 @@
           <a:p>
             <a:fld id="{7E292AB8-5F8F-4402-9592-F9413DCC0C16}" type="datetimeFigureOut">
               <a:rPr lang="en-US" smtClean="0"/>
-              <a:t>7/12/2023</a:t>
+              <a:t>7/13/2023</a:t>
             </a:fld>
             <a:endParaRPr lang="en-US"/>
           </a:p>
@@ -10966,7 +10966,7 @@
           <a:p>
             <a:fld id="{7E292AB8-5F8F-4402-9592-F9413DCC0C16}" type="datetimeFigureOut">
               <a:rPr lang="en-US" smtClean="0"/>
-              <a:t>7/12/2023</a:t>
+              <a:t>7/13/2023</a:t>
             </a:fld>
             <a:endParaRPr lang="en-US"/>
           </a:p>
@@ -11207,7 +11207,7 @@
           <a:p>
             <a:fld id="{7E292AB8-5F8F-4402-9592-F9413DCC0C16}" type="datetimeFigureOut">
               <a:rPr lang="en-US" smtClean="0"/>
-              <a:t>7/12/2023</a:t>
+              <a:t>7/13/2023</a:t>
             </a:fld>
             <a:endParaRPr lang="en-US"/>
           </a:p>
@@ -25224,7 +25224,12 @@
             <p:ph type="title"/>
           </p:nvPr>
         </p:nvSpPr>
-        <p:spPr/>
+        <p:spPr>
+          <a:xfrm>
+            <a:off x="838200" y="365125"/>
+            <a:ext cx="10515600" cy="1325563"/>
+          </a:xfrm>
+        </p:spPr>
         <p:txBody>
           <a:bodyPr/>
           <a:lstStyle/>
@@ -25506,10 +25511,10 @@
       </mc:AlternateContent>
       <p:grpSp>
         <p:nvGrpSpPr>
-          <p:cNvPr id="4" name="Group 3">
+          <p:cNvPr id="11" name="Group 10">
             <a:extLst>
               <a:ext uri="{FF2B5EF4-FFF2-40B4-BE49-F238E27FC236}">
-                <a16:creationId xmlns:a16="http://schemas.microsoft.com/office/drawing/2014/main" id="{0C41258E-74D1-F20E-FDCC-C6EB610950D8}"/>
+                <a16:creationId xmlns:a16="http://schemas.microsoft.com/office/drawing/2014/main" id="{37BB03F7-DCBF-2CD0-C5FE-504AE4F1BF87}"/>
               </a:ext>
             </a:extLst>
           </p:cNvPr>
@@ -25518,151 +25523,449 @@
         </p:nvGrpSpPr>
         <p:grpSpPr>
           <a:xfrm>
-            <a:off x="838200" y="2433163"/>
-            <a:ext cx="3031948" cy="3971836"/>
-            <a:chOff x="6287550" y="242604"/>
-            <a:chExt cx="3120703" cy="4088105"/>
+            <a:off x="7304480" y="2362678"/>
+            <a:ext cx="4670324" cy="4391566"/>
+            <a:chOff x="-39295" y="2433164"/>
+            <a:chExt cx="4670324" cy="4391566"/>
           </a:xfrm>
         </p:grpSpPr>
-        <p:sp>
-          <p:nvSpPr>
-            <p:cNvPr id="5" name="Oval 4">
+        <p:grpSp>
+          <p:nvGrpSpPr>
+            <p:cNvPr id="4" name="Group 3">
               <a:extLst>
                 <a:ext uri="{FF2B5EF4-FFF2-40B4-BE49-F238E27FC236}">
-                  <a16:creationId xmlns:a16="http://schemas.microsoft.com/office/drawing/2014/main" id="{58AD500D-7ADE-44AB-6400-7817F7E7BC2E}"/>
+                  <a16:creationId xmlns:a16="http://schemas.microsoft.com/office/drawing/2014/main" id="{0C41258E-74D1-F20E-FDCC-C6EB610950D8}"/>
                 </a:ext>
               </a:extLst>
             </p:cNvPr>
-            <p:cNvSpPr/>
+            <p:cNvGrpSpPr/>
             <p:nvPr/>
-          </p:nvSpPr>
-          <p:spPr>
+          </p:nvGrpSpPr>
+          <p:grpSpPr>
             <a:xfrm>
-              <a:off x="7214533" y="618381"/>
-              <a:ext cx="1350627" cy="1249960"/>
+              <a:off x="838200" y="2433164"/>
+              <a:ext cx="3031948" cy="3971835"/>
+              <a:chOff x="6287550" y="242605"/>
+              <a:chExt cx="3120703" cy="4088104"/>
             </a:xfrm>
-            <a:prstGeom prst="ellipse">
-              <a:avLst/>
-            </a:prstGeom>
-          </p:spPr>
-          <p:style>
-            <a:lnRef idx="2">
-              <a:schemeClr val="accent1">
-                <a:shade val="15000"/>
-              </a:schemeClr>
-            </a:lnRef>
-            <a:fillRef idx="1">
-              <a:schemeClr val="accent1"/>
-            </a:fillRef>
-            <a:effectRef idx="0">
-              <a:schemeClr val="accent1"/>
-            </a:effectRef>
-            <a:fontRef idx="minor">
-              <a:schemeClr val="lt1"/>
-            </a:fontRef>
-          </p:style>
-          <p:txBody>
-            <a:bodyPr rtlCol="0" anchor="ctr"/>
-            <a:lstStyle/>
-            <a:p>
-              <a:pPr algn="ctr"/>
-              <a:r>
-                <a:rPr lang="en-US" dirty="0"/>
-                <a:t>Sunny?</a:t>
-              </a:r>
-            </a:p>
-          </p:txBody>
-        </p:sp>
-        <p:cxnSp>
-          <p:nvCxnSpPr>
-            <p:cNvPr id="6" name="Straight Arrow Connector 5">
+          </p:grpSpPr>
+          <p:sp>
+            <p:nvSpPr>
+              <p:cNvPr id="5" name="Oval 4">
+                <a:extLst>
+                  <a:ext uri="{FF2B5EF4-FFF2-40B4-BE49-F238E27FC236}">
+                    <a16:creationId xmlns:a16="http://schemas.microsoft.com/office/drawing/2014/main" id="{58AD500D-7ADE-44AB-6400-7817F7E7BC2E}"/>
+                  </a:ext>
+                </a:extLst>
+              </p:cNvPr>
+              <p:cNvSpPr/>
+              <p:nvPr/>
+            </p:nvSpPr>
+            <p:spPr>
+              <a:xfrm>
+                <a:off x="7214533" y="618381"/>
+                <a:ext cx="1350627" cy="1249960"/>
+              </a:xfrm>
+              <a:prstGeom prst="ellipse">
+                <a:avLst/>
+              </a:prstGeom>
+            </p:spPr>
+            <p:style>
+              <a:lnRef idx="2">
+                <a:schemeClr val="accent1">
+                  <a:shade val="15000"/>
+                </a:schemeClr>
+              </a:lnRef>
+              <a:fillRef idx="1">
+                <a:schemeClr val="accent1"/>
+              </a:fillRef>
+              <a:effectRef idx="0">
+                <a:schemeClr val="accent1"/>
+              </a:effectRef>
+              <a:fontRef idx="minor">
+                <a:schemeClr val="lt1"/>
+              </a:fontRef>
+            </p:style>
+            <p:txBody>
+              <a:bodyPr rtlCol="0" anchor="ctr"/>
+              <a:lstStyle/>
+              <a:p>
+                <a:pPr algn="ctr"/>
+                <a:r>
+                  <a:rPr lang="en-US" dirty="0"/>
+                  <a:t>Sunny?</a:t>
+                </a:r>
+              </a:p>
+            </p:txBody>
+          </p:sp>
+          <p:cxnSp>
+            <p:nvCxnSpPr>
+              <p:cNvPr id="6" name="Straight Arrow Connector 5">
+                <a:extLst>
+                  <a:ext uri="{FF2B5EF4-FFF2-40B4-BE49-F238E27FC236}">
+                    <a16:creationId xmlns:a16="http://schemas.microsoft.com/office/drawing/2014/main" id="{FDF73690-89F7-2612-1177-CC19E87461AC}"/>
+                  </a:ext>
+                </a:extLst>
+              </p:cNvPr>
+              <p:cNvCxnSpPr>
+                <a:cxnSpLocks/>
+                <a:stCxn id="5" idx="4"/>
+              </p:cNvCxnSpPr>
+              <p:nvPr/>
+            </p:nvCxnSpPr>
+            <p:spPr>
+              <a:xfrm flipH="1">
+                <a:off x="6962863" y="1868341"/>
+                <a:ext cx="926984" cy="922789"/>
+              </a:xfrm>
+              <a:prstGeom prst="straightConnector1">
+                <a:avLst/>
+              </a:prstGeom>
+              <a:ln>
+                <a:tailEnd type="triangle"/>
+              </a:ln>
+            </p:spPr>
+            <p:style>
+              <a:lnRef idx="1">
+                <a:schemeClr val="accent1"/>
+              </a:lnRef>
+              <a:fillRef idx="0">
+                <a:schemeClr val="accent1"/>
+              </a:fillRef>
+              <a:effectRef idx="0">
+                <a:schemeClr val="accent1"/>
+              </a:effectRef>
+              <a:fontRef idx="minor">
+                <a:schemeClr val="tx1"/>
+              </a:fontRef>
+            </p:style>
+          </p:cxnSp>
+          <p:cxnSp>
+            <p:nvCxnSpPr>
+              <p:cNvPr id="7" name="Straight Arrow Connector 6">
+                <a:extLst>
+                  <a:ext uri="{FF2B5EF4-FFF2-40B4-BE49-F238E27FC236}">
+                    <a16:creationId xmlns:a16="http://schemas.microsoft.com/office/drawing/2014/main" id="{AEF229AC-DD6A-D949-7F0E-167D374B1825}"/>
+                  </a:ext>
+                </a:extLst>
+              </p:cNvPr>
+              <p:cNvCxnSpPr>
+                <a:cxnSpLocks/>
+                <a:stCxn id="5" idx="4"/>
+              </p:cNvCxnSpPr>
+              <p:nvPr/>
+            </p:nvCxnSpPr>
+            <p:spPr>
+              <a:xfrm>
+                <a:off x="7889847" y="1868341"/>
+                <a:ext cx="843093" cy="922789"/>
+              </a:xfrm>
+              <a:prstGeom prst="straightConnector1">
+                <a:avLst/>
+              </a:prstGeom>
+              <a:ln>
+                <a:tailEnd type="triangle"/>
+              </a:ln>
+            </p:spPr>
+            <p:style>
+              <a:lnRef idx="1">
+                <a:schemeClr val="accent1"/>
+              </a:lnRef>
+              <a:fillRef idx="0">
+                <a:schemeClr val="accent1"/>
+              </a:fillRef>
+              <a:effectRef idx="0">
+                <a:schemeClr val="accent1"/>
+              </a:effectRef>
+              <a:fontRef idx="minor">
+                <a:schemeClr val="tx1"/>
+              </a:fontRef>
+            </p:style>
+          </p:cxnSp>
+          <p:sp>
+            <p:nvSpPr>
+              <p:cNvPr id="8" name="TextBox 7">
+                <a:extLst>
+                  <a:ext uri="{FF2B5EF4-FFF2-40B4-BE49-F238E27FC236}">
+                    <a16:creationId xmlns:a16="http://schemas.microsoft.com/office/drawing/2014/main" id="{B4F67B17-B100-CD78-D5C3-E02837017CFA}"/>
+                  </a:ext>
+                </a:extLst>
+              </p:cNvPr>
+              <p:cNvSpPr txBox="1"/>
+              <p:nvPr/>
+            </p:nvSpPr>
+            <p:spPr>
+              <a:xfrm>
+                <a:off x="6940837" y="2086347"/>
+                <a:ext cx="485519" cy="369332"/>
+              </a:xfrm>
+              <a:prstGeom prst="rect">
+                <a:avLst/>
+              </a:prstGeom>
+              <a:noFill/>
+            </p:spPr>
+            <p:txBody>
+              <a:bodyPr wrap="none" rtlCol="0">
+                <a:spAutoFit/>
+              </a:bodyPr>
+              <a:lstStyle/>
+              <a:p>
+                <a:r>
+                  <a:rPr lang="en-US" dirty="0"/>
+                  <a:t>Yes</a:t>
+                </a:r>
+              </a:p>
+            </p:txBody>
+          </p:sp>
+          <p:sp>
+            <p:nvSpPr>
+              <p:cNvPr id="9" name="TextBox 8">
+                <a:extLst>
+                  <a:ext uri="{FF2B5EF4-FFF2-40B4-BE49-F238E27FC236}">
+                    <a16:creationId xmlns:a16="http://schemas.microsoft.com/office/drawing/2014/main" id="{36E1CF08-9851-39E9-03DA-0879DFF2C379}"/>
+                  </a:ext>
+                </a:extLst>
+              </p:cNvPr>
+              <p:cNvSpPr txBox="1"/>
+              <p:nvPr/>
+            </p:nvSpPr>
+            <p:spPr>
+              <a:xfrm>
+                <a:off x="8490181" y="2086347"/>
+                <a:ext cx="455574" cy="369332"/>
+              </a:xfrm>
+              <a:prstGeom prst="rect">
+                <a:avLst/>
+              </a:prstGeom>
+              <a:noFill/>
+            </p:spPr>
+            <p:txBody>
+              <a:bodyPr wrap="none" rtlCol="0">
+                <a:spAutoFit/>
+              </a:bodyPr>
+              <a:lstStyle/>
+              <a:p>
+                <a:r>
+                  <a:rPr lang="en-US" dirty="0"/>
+                  <a:t>No</a:t>
+                </a:r>
+              </a:p>
+            </p:txBody>
+          </p:sp>
+          <p:sp>
+            <p:nvSpPr>
+              <p:cNvPr id="10" name="Oval 9">
+                <a:extLst>
+                  <a:ext uri="{FF2B5EF4-FFF2-40B4-BE49-F238E27FC236}">
+                    <a16:creationId xmlns:a16="http://schemas.microsoft.com/office/drawing/2014/main" id="{90DA7A2A-B794-43C8-E640-5C7D170566B1}"/>
+                  </a:ext>
+                </a:extLst>
+              </p:cNvPr>
+              <p:cNvSpPr/>
+              <p:nvPr/>
+            </p:nvSpPr>
+            <p:spPr>
+              <a:xfrm>
+                <a:off x="8057626" y="2804020"/>
+                <a:ext cx="1350627" cy="1249960"/>
+              </a:xfrm>
+              <a:prstGeom prst="ellipse">
+                <a:avLst/>
+              </a:prstGeom>
+            </p:spPr>
+            <p:style>
+              <a:lnRef idx="2">
+                <a:schemeClr val="accent1">
+                  <a:shade val="15000"/>
+                </a:schemeClr>
+              </a:lnRef>
+              <a:fillRef idx="1">
+                <a:schemeClr val="accent1"/>
+              </a:fillRef>
+              <a:effectRef idx="0">
+                <a:schemeClr val="accent1"/>
+              </a:effectRef>
+              <a:fontRef idx="minor">
+                <a:schemeClr val="lt1"/>
+              </a:fontRef>
+            </p:style>
+            <p:txBody>
+              <a:bodyPr rtlCol="0" anchor="ctr"/>
+              <a:lstStyle/>
+              <a:p>
+                <a:pPr algn="ctr"/>
+                <a:r>
+                  <a:rPr lang="en-US" dirty="0" err="1"/>
+                  <a:t>Bajji</a:t>
+                </a:r>
+                <a:endParaRPr lang="en-US" dirty="0"/>
+              </a:p>
+            </p:txBody>
+          </p:sp>
+          <p:sp>
+            <p:nvSpPr>
+              <p:cNvPr id="15" name="Oval 14">
+                <a:extLst>
+                  <a:ext uri="{FF2B5EF4-FFF2-40B4-BE49-F238E27FC236}">
+                    <a16:creationId xmlns:a16="http://schemas.microsoft.com/office/drawing/2014/main" id="{42E68932-4231-7720-921F-79D709C06F46}"/>
+                  </a:ext>
+                </a:extLst>
+              </p:cNvPr>
+              <p:cNvSpPr/>
+              <p:nvPr/>
+            </p:nvSpPr>
+            <p:spPr>
+              <a:xfrm>
+                <a:off x="6287550" y="2791130"/>
+                <a:ext cx="1350627" cy="1249960"/>
+              </a:xfrm>
+              <a:prstGeom prst="ellipse">
+                <a:avLst/>
+              </a:prstGeom>
+              <a:solidFill>
+                <a:srgbClr val="4472C4"/>
+              </a:solidFill>
+            </p:spPr>
+            <p:style>
+              <a:lnRef idx="2">
+                <a:schemeClr val="accent1">
+                  <a:shade val="15000"/>
+                </a:schemeClr>
+              </a:lnRef>
+              <a:fillRef idx="1">
+                <a:schemeClr val="accent1"/>
+              </a:fillRef>
+              <a:effectRef idx="0">
+                <a:schemeClr val="accent1"/>
+              </a:effectRef>
+              <a:fontRef idx="minor">
+                <a:schemeClr val="lt1"/>
+              </a:fontRef>
+            </p:style>
+            <p:txBody>
+              <a:bodyPr rtlCol="0" anchor="ctr"/>
+              <a:lstStyle/>
+              <a:p>
+                <a:pPr algn="ctr"/>
+                <a:r>
+                  <a:rPr lang="en-US" dirty="0"/>
+                  <a:t>Ice Cream</a:t>
+                </a:r>
+              </a:p>
+            </p:txBody>
+          </p:sp>
+          <p:sp>
+            <p:nvSpPr>
+              <p:cNvPr id="18" name="TextBox 17">
+                <a:extLst>
+                  <a:ext uri="{FF2B5EF4-FFF2-40B4-BE49-F238E27FC236}">
+                    <a16:creationId xmlns:a16="http://schemas.microsoft.com/office/drawing/2014/main" id="{B1135A72-D1DE-DBF5-1F35-907CB217DAD5}"/>
+                  </a:ext>
+                </a:extLst>
+              </p:cNvPr>
+              <p:cNvSpPr txBox="1"/>
+              <p:nvPr/>
+            </p:nvSpPr>
+            <p:spPr>
+              <a:xfrm>
+                <a:off x="7296542" y="242605"/>
+                <a:ext cx="1186607" cy="369332"/>
+              </a:xfrm>
+              <a:prstGeom prst="rect">
+                <a:avLst/>
+              </a:prstGeom>
+              <a:noFill/>
+            </p:spPr>
+            <p:txBody>
+              <a:bodyPr wrap="none" rtlCol="0">
+                <a:spAutoFit/>
+              </a:bodyPr>
+              <a:lstStyle/>
+              <a:p>
+                <a:r>
+                  <a:rPr lang="en-US" dirty="0"/>
+                  <a:t>Root Node</a:t>
+                </a:r>
+              </a:p>
+            </p:txBody>
+          </p:sp>
+          <p:sp>
+            <p:nvSpPr>
+              <p:cNvPr id="19" name="TextBox 18">
+                <a:extLst>
+                  <a:ext uri="{FF2B5EF4-FFF2-40B4-BE49-F238E27FC236}">
+                    <a16:creationId xmlns:a16="http://schemas.microsoft.com/office/drawing/2014/main" id="{763EAAB7-E25A-AB7A-509B-1C494FCE725A}"/>
+                  </a:ext>
+                </a:extLst>
+              </p:cNvPr>
+              <p:cNvSpPr txBox="1"/>
+              <p:nvPr/>
+            </p:nvSpPr>
+            <p:spPr>
+              <a:xfrm>
+                <a:off x="6392901" y="3961377"/>
+                <a:ext cx="1138711" cy="369332"/>
+              </a:xfrm>
+              <a:prstGeom prst="rect">
+                <a:avLst/>
+              </a:prstGeom>
+              <a:noFill/>
+            </p:spPr>
+            <p:txBody>
+              <a:bodyPr wrap="none" rtlCol="0">
+                <a:spAutoFit/>
+              </a:bodyPr>
+              <a:lstStyle/>
+              <a:p>
+                <a:r>
+                  <a:rPr lang="en-US" dirty="0"/>
+                  <a:t>Leaf Node</a:t>
+                </a:r>
+              </a:p>
+            </p:txBody>
+          </p:sp>
+          <p:sp>
+            <p:nvSpPr>
+              <p:cNvPr id="22" name="TextBox 21">
+                <a:extLst>
+                  <a:ext uri="{FF2B5EF4-FFF2-40B4-BE49-F238E27FC236}">
+                    <a16:creationId xmlns:a16="http://schemas.microsoft.com/office/drawing/2014/main" id="{82FCD2D6-1576-8940-B4D5-2693BB8C2713}"/>
+                  </a:ext>
+                </a:extLst>
+              </p:cNvPr>
+              <p:cNvSpPr txBox="1"/>
+              <p:nvPr/>
+            </p:nvSpPr>
+            <p:spPr>
+              <a:xfrm>
+                <a:off x="8163584" y="3961377"/>
+                <a:ext cx="1138711" cy="369332"/>
+              </a:xfrm>
+              <a:prstGeom prst="rect">
+                <a:avLst/>
+              </a:prstGeom>
+              <a:noFill/>
+            </p:spPr>
+            <p:txBody>
+              <a:bodyPr wrap="none" rtlCol="0">
+                <a:spAutoFit/>
+              </a:bodyPr>
+              <a:lstStyle/>
+              <a:p>
+                <a:r>
+                  <a:rPr lang="en-US" dirty="0"/>
+                  <a:t>Leaf Node</a:t>
+                </a:r>
+              </a:p>
+            </p:txBody>
+          </p:sp>
+        </p:grpSp>
+        <p:sp>
+          <p:nvSpPr>
+            <p:cNvPr id="23" name="TextBox 22">
               <a:extLst>
                 <a:ext uri="{FF2B5EF4-FFF2-40B4-BE49-F238E27FC236}">
-                  <a16:creationId xmlns:a16="http://schemas.microsoft.com/office/drawing/2014/main" id="{FDF73690-89F7-2612-1177-CC19E87461AC}"/>
-                </a:ext>
-              </a:extLst>
-            </p:cNvPr>
-            <p:cNvCxnSpPr>
-              <a:cxnSpLocks/>
-              <a:stCxn id="5" idx="4"/>
-            </p:cNvCxnSpPr>
-            <p:nvPr/>
-          </p:nvCxnSpPr>
-          <p:spPr>
-            <a:xfrm flipH="1">
-              <a:off x="6962863" y="1868341"/>
-              <a:ext cx="926984" cy="922789"/>
-            </a:xfrm>
-            <a:prstGeom prst="straightConnector1">
-              <a:avLst/>
-            </a:prstGeom>
-            <a:ln>
-              <a:tailEnd type="triangle"/>
-            </a:ln>
-          </p:spPr>
-          <p:style>
-            <a:lnRef idx="1">
-              <a:schemeClr val="accent1"/>
-            </a:lnRef>
-            <a:fillRef idx="0">
-              <a:schemeClr val="accent1"/>
-            </a:fillRef>
-            <a:effectRef idx="0">
-              <a:schemeClr val="accent1"/>
-            </a:effectRef>
-            <a:fontRef idx="minor">
-              <a:schemeClr val="tx1"/>
-            </a:fontRef>
-          </p:style>
-        </p:cxnSp>
-        <p:cxnSp>
-          <p:nvCxnSpPr>
-            <p:cNvPr id="7" name="Straight Arrow Connector 6">
-              <a:extLst>
-                <a:ext uri="{FF2B5EF4-FFF2-40B4-BE49-F238E27FC236}">
-                  <a16:creationId xmlns:a16="http://schemas.microsoft.com/office/drawing/2014/main" id="{AEF229AC-DD6A-D949-7F0E-167D374B1825}"/>
-                </a:ext>
-              </a:extLst>
-            </p:cNvPr>
-            <p:cNvCxnSpPr>
-              <a:cxnSpLocks/>
-              <a:stCxn id="5" idx="4"/>
-            </p:cNvCxnSpPr>
-            <p:nvPr/>
-          </p:nvCxnSpPr>
-          <p:spPr>
-            <a:xfrm>
-              <a:off x="7889847" y="1868341"/>
-              <a:ext cx="843093" cy="922789"/>
-            </a:xfrm>
-            <a:prstGeom prst="straightConnector1">
-              <a:avLst/>
-            </a:prstGeom>
-            <a:ln>
-              <a:tailEnd type="triangle"/>
-            </a:ln>
-          </p:spPr>
-          <p:style>
-            <a:lnRef idx="1">
-              <a:schemeClr val="accent1"/>
-            </a:lnRef>
-            <a:fillRef idx="0">
-              <a:schemeClr val="accent1"/>
-            </a:fillRef>
-            <a:effectRef idx="0">
-              <a:schemeClr val="accent1"/>
-            </a:effectRef>
-            <a:fontRef idx="minor">
-              <a:schemeClr val="tx1"/>
-            </a:fontRef>
-          </p:style>
-        </p:cxnSp>
-        <p:sp>
-          <p:nvSpPr>
-            <p:cNvPr id="8" name="TextBox 7">
-              <a:extLst>
-                <a:ext uri="{FF2B5EF4-FFF2-40B4-BE49-F238E27FC236}">
-                  <a16:creationId xmlns:a16="http://schemas.microsoft.com/office/drawing/2014/main" id="{B4F67B17-B100-CD78-D5C3-E02837017CFA}"/>
+                  <a16:creationId xmlns:a16="http://schemas.microsoft.com/office/drawing/2014/main" id="{5443475A-F59C-71AE-CF0F-4D7FE847C8B1}"/>
                 </a:ext>
               </a:extLst>
             </p:cNvPr>
@@ -25671,8 +25974,8 @@
           </p:nvSpPr>
           <p:spPr>
             <a:xfrm>
-              <a:off x="6940837" y="2086347"/>
-              <a:ext cx="485519" cy="369332"/>
+              <a:off x="3109266" y="3036906"/>
+              <a:ext cx="1521763" cy="646331"/>
             </a:xfrm>
             <a:prstGeom prst="rect">
               <a:avLst/>
@@ -25687,17 +25990,23 @@
             <a:p>
               <a:r>
                 <a:rPr lang="en-US" dirty="0"/>
-                <a:t>Yes</a:t>
+                <a:t>#Ice Cream 60</a:t>
+              </a:r>
+            </a:p>
+            <a:p>
+              <a:r>
+                <a:rPr lang="en-US" dirty="0"/>
+                <a:t>#Bajji 40</a:t>
               </a:r>
             </a:p>
           </p:txBody>
         </p:sp>
         <p:sp>
           <p:nvSpPr>
-            <p:cNvPr id="9" name="TextBox 8">
+            <p:cNvPr id="24" name="TextBox 23">
               <a:extLst>
                 <a:ext uri="{FF2B5EF4-FFF2-40B4-BE49-F238E27FC236}">
-                  <a16:creationId xmlns:a16="http://schemas.microsoft.com/office/drawing/2014/main" id="{36E1CF08-9851-39E9-03DA-0879DFF2C379}"/>
+                  <a16:creationId xmlns:a16="http://schemas.microsoft.com/office/drawing/2014/main" id="{3CFAB474-B044-E580-64F1-36D5E0689026}"/>
                 </a:ext>
               </a:extLst>
             </p:cNvPr>
@@ -25706,14 +26015,31 @@
           </p:nvSpPr>
           <p:spPr>
             <a:xfrm>
-              <a:off x="8490181" y="2086347"/>
-              <a:ext cx="455574" cy="369332"/>
+              <a:off x="-39295" y="4607305"/>
+              <a:ext cx="1521763" cy="646331"/>
             </a:xfrm>
             <a:prstGeom prst="rect">
               <a:avLst/>
             </a:prstGeom>
             <a:noFill/>
+            <a:ln>
+              <a:noFill/>
+            </a:ln>
           </p:spPr>
+          <p:style>
+            <a:lnRef idx="2">
+              <a:schemeClr val="accent2"/>
+            </a:lnRef>
+            <a:fillRef idx="1">
+              <a:schemeClr val="lt1"/>
+            </a:fillRef>
+            <a:effectRef idx="0">
+              <a:schemeClr val="accent2"/>
+            </a:effectRef>
+            <a:fontRef idx="minor">
+              <a:schemeClr val="dk1"/>
+            </a:fontRef>
+          </p:style>
           <p:txBody>
             <a:bodyPr wrap="none" rtlCol="0">
               <a:spAutoFit/>
@@ -25722,119 +26048,23 @@
             <a:p>
               <a:r>
                 <a:rPr lang="en-US" dirty="0"/>
-                <a:t>No</a:t>
+                <a:t>#Ice Cream 55</a:t>
+              </a:r>
+            </a:p>
+            <a:p>
+              <a:r>
+                <a:rPr lang="en-US" dirty="0"/>
+                <a:t>#Bajji 6</a:t>
               </a:r>
             </a:p>
           </p:txBody>
         </p:sp>
         <p:sp>
           <p:nvSpPr>
-            <p:cNvPr id="10" name="Oval 9">
+            <p:cNvPr id="25" name="TextBox 24">
               <a:extLst>
                 <a:ext uri="{FF2B5EF4-FFF2-40B4-BE49-F238E27FC236}">
-                  <a16:creationId xmlns:a16="http://schemas.microsoft.com/office/drawing/2014/main" id="{90DA7A2A-B794-43C8-E640-5C7D170566B1}"/>
-                </a:ext>
-              </a:extLst>
-            </p:cNvPr>
-            <p:cNvSpPr/>
-            <p:nvPr/>
-          </p:nvSpPr>
-          <p:spPr>
-            <a:xfrm>
-              <a:off x="8057626" y="2804020"/>
-              <a:ext cx="1350627" cy="1249960"/>
-            </a:xfrm>
-            <a:prstGeom prst="ellipse">
-              <a:avLst/>
-            </a:prstGeom>
-          </p:spPr>
-          <p:style>
-            <a:lnRef idx="2">
-              <a:schemeClr val="accent1">
-                <a:shade val="15000"/>
-              </a:schemeClr>
-            </a:lnRef>
-            <a:fillRef idx="1">
-              <a:schemeClr val="accent1"/>
-            </a:fillRef>
-            <a:effectRef idx="0">
-              <a:schemeClr val="accent1"/>
-            </a:effectRef>
-            <a:fontRef idx="minor">
-              <a:schemeClr val="lt1"/>
-            </a:fontRef>
-          </p:style>
-          <p:txBody>
-            <a:bodyPr rtlCol="0" anchor="ctr"/>
-            <a:lstStyle/>
-            <a:p>
-              <a:pPr algn="ctr"/>
-              <a:r>
-                <a:rPr lang="en-US" dirty="0" err="1"/>
-                <a:t>Bajji</a:t>
-              </a:r>
-              <a:endParaRPr lang="en-US" dirty="0"/>
-            </a:p>
-          </p:txBody>
-        </p:sp>
-        <p:sp>
-          <p:nvSpPr>
-            <p:cNvPr id="15" name="Oval 14">
-              <a:extLst>
-                <a:ext uri="{FF2B5EF4-FFF2-40B4-BE49-F238E27FC236}">
-                  <a16:creationId xmlns:a16="http://schemas.microsoft.com/office/drawing/2014/main" id="{42E68932-4231-7720-921F-79D709C06F46}"/>
-                </a:ext>
-              </a:extLst>
-            </p:cNvPr>
-            <p:cNvSpPr/>
-            <p:nvPr/>
-          </p:nvSpPr>
-          <p:spPr>
-            <a:xfrm>
-              <a:off x="6287550" y="2791130"/>
-              <a:ext cx="1350627" cy="1249960"/>
-            </a:xfrm>
-            <a:prstGeom prst="ellipse">
-              <a:avLst/>
-            </a:prstGeom>
-            <a:solidFill>
-              <a:srgbClr val="4472C4"/>
-            </a:solidFill>
-          </p:spPr>
-          <p:style>
-            <a:lnRef idx="2">
-              <a:schemeClr val="accent1">
-                <a:shade val="15000"/>
-              </a:schemeClr>
-            </a:lnRef>
-            <a:fillRef idx="1">
-              <a:schemeClr val="accent1"/>
-            </a:fillRef>
-            <a:effectRef idx="0">
-              <a:schemeClr val="accent1"/>
-            </a:effectRef>
-            <a:fontRef idx="minor">
-              <a:schemeClr val="lt1"/>
-            </a:fontRef>
-          </p:style>
-          <p:txBody>
-            <a:bodyPr rtlCol="0" anchor="ctr"/>
-            <a:lstStyle/>
-            <a:p>
-              <a:pPr algn="ctr"/>
-              <a:r>
-                <a:rPr lang="en-US" dirty="0"/>
-                <a:t>Ice Cream</a:t>
-              </a:r>
-            </a:p>
-          </p:txBody>
-        </p:sp>
-        <p:sp>
-          <p:nvSpPr>
-            <p:cNvPr id="18" name="TextBox 17">
-              <a:extLst>
-                <a:ext uri="{FF2B5EF4-FFF2-40B4-BE49-F238E27FC236}">
-                  <a16:creationId xmlns:a16="http://schemas.microsoft.com/office/drawing/2014/main" id="{B1135A72-D1DE-DBF5-1F35-907CB217DAD5}"/>
+                  <a16:creationId xmlns:a16="http://schemas.microsoft.com/office/drawing/2014/main" id="{408297B6-0B2F-49F5-F9B2-6B2B567D1AD3}"/>
                 </a:ext>
               </a:extLst>
             </p:cNvPr>
@@ -25843,265 +26073,400 @@
           </p:nvSpPr>
           <p:spPr>
             <a:xfrm>
-              <a:off x="7296542" y="242604"/>
-              <a:ext cx="1186607" cy="369332"/>
+              <a:off x="3226285" y="4607305"/>
+              <a:ext cx="1404744" cy="646331"/>
             </a:xfrm>
             <a:prstGeom prst="rect">
               <a:avLst/>
             </a:prstGeom>
             <a:noFill/>
+            <a:ln>
+              <a:noFill/>
+            </a:ln>
           </p:spPr>
+          <p:style>
+            <a:lnRef idx="2">
+              <a:schemeClr val="accent2"/>
+            </a:lnRef>
+            <a:fillRef idx="1">
+              <a:schemeClr val="lt1"/>
+            </a:fillRef>
+            <a:effectRef idx="0">
+              <a:schemeClr val="accent2"/>
+            </a:effectRef>
+            <a:fontRef idx="minor">
+              <a:schemeClr val="dk1"/>
+            </a:fontRef>
+          </p:style>
           <p:txBody>
             <a:bodyPr wrap="none" rtlCol="0">
               <a:spAutoFit/>
             </a:bodyPr>
             <a:lstStyle/>
             <a:p>
+              <a:pPr algn="r"/>
               <a:r>
                 <a:rPr lang="en-US" dirty="0"/>
-                <a:t>Root Node</a:t>
+                <a:t>#Ice Cream 5</a:t>
+              </a:r>
+            </a:p>
+            <a:p>
+              <a:pPr algn="r"/>
+              <a:r>
+                <a:rPr lang="en-US" dirty="0"/>
+                <a:t>#Bajji 34</a:t>
               </a:r>
             </a:p>
           </p:txBody>
         </p:sp>
-        <p:sp>
-          <p:nvSpPr>
-            <p:cNvPr id="19" name="TextBox 18">
-              <a:extLst>
-                <a:ext uri="{FF2B5EF4-FFF2-40B4-BE49-F238E27FC236}">
-                  <a16:creationId xmlns:a16="http://schemas.microsoft.com/office/drawing/2014/main" id="{763EAAB7-E25A-AB7A-509B-1C494FCE725A}"/>
-                </a:ext>
-              </a:extLst>
-            </p:cNvPr>
-            <p:cNvSpPr txBox="1"/>
-            <p:nvPr/>
-          </p:nvSpPr>
-          <p:spPr>
-            <a:xfrm>
-              <a:off x="6328967" y="3961377"/>
-              <a:ext cx="1138711" cy="369332"/>
-            </a:xfrm>
-            <a:prstGeom prst="rect">
-              <a:avLst/>
-            </a:prstGeom>
-            <a:noFill/>
-          </p:spPr>
-          <p:txBody>
-            <a:bodyPr wrap="none" rtlCol="0">
-              <a:spAutoFit/>
-            </a:bodyPr>
-            <a:lstStyle/>
-            <a:p>
-              <a:r>
-                <a:rPr lang="en-US" dirty="0"/>
-                <a:t>Leaf Node</a:t>
-              </a:r>
-            </a:p>
-          </p:txBody>
-        </p:sp>
-        <p:sp>
-          <p:nvSpPr>
-            <p:cNvPr id="22" name="TextBox 21">
-              <a:extLst>
-                <a:ext uri="{FF2B5EF4-FFF2-40B4-BE49-F238E27FC236}">
-                  <a16:creationId xmlns:a16="http://schemas.microsoft.com/office/drawing/2014/main" id="{82FCD2D6-1576-8940-B4D5-2693BB8C2713}"/>
-                </a:ext>
-              </a:extLst>
-            </p:cNvPr>
-            <p:cNvSpPr txBox="1"/>
-            <p:nvPr/>
-          </p:nvSpPr>
-          <p:spPr>
-            <a:xfrm>
-              <a:off x="8163584" y="3961377"/>
-              <a:ext cx="1138711" cy="369332"/>
-            </a:xfrm>
-            <a:prstGeom prst="rect">
-              <a:avLst/>
-            </a:prstGeom>
-            <a:noFill/>
-          </p:spPr>
-          <p:txBody>
-            <a:bodyPr wrap="none" rtlCol="0">
-              <a:spAutoFit/>
-            </a:bodyPr>
-            <a:lstStyle/>
-            <a:p>
-              <a:r>
-                <a:rPr lang="en-US" dirty="0"/>
-                <a:t>Leaf Node</a:t>
-              </a:r>
-            </a:p>
-          </p:txBody>
-        </p:sp>
+        <mc:AlternateContent xmlns:mc="http://schemas.openxmlformats.org/markup-compatibility/2006" xmlns:a14="http://schemas.microsoft.com/office/drawing/2010/main">
+          <mc:Choice Requires="a14">
+            <p:sp>
+              <p:nvSpPr>
+                <p:cNvPr id="26" name="TextBox 25">
+                  <a:extLst>
+                    <a:ext uri="{FF2B5EF4-FFF2-40B4-BE49-F238E27FC236}">
+                      <a16:creationId xmlns:a16="http://schemas.microsoft.com/office/drawing/2014/main" id="{956D36F6-3F69-88C9-4DA2-C12BC2ACDE7E}"/>
+                    </a:ext>
+                  </a:extLst>
+                </p:cNvPr>
+                <p:cNvSpPr txBox="1"/>
+                <p:nvPr/>
+              </p:nvSpPr>
+              <p:spPr>
+                <a:xfrm>
+                  <a:off x="983802" y="6337128"/>
+                  <a:ext cx="1019831" cy="485774"/>
+                </a:xfrm>
+                <a:prstGeom prst="rect">
+                  <a:avLst/>
+                </a:prstGeom>
+                <a:noFill/>
+              </p:spPr>
+              <p:txBody>
+                <a:bodyPr wrap="none" rtlCol="0">
+                  <a:spAutoFit/>
+                </a:bodyPr>
+                <a:lstStyle/>
+                <a:p>
+                  <a:r>
+                    <a:rPr lang="en-US" dirty="0"/>
+                    <a:t>MCL = </a:t>
+                  </a:r>
+                  <a14:m>
+                    <m:oMath xmlns:m="http://schemas.openxmlformats.org/officeDocument/2006/math">
+                      <m:f>
+                        <m:fPr>
+                          <m:ctrlPr>
+                            <a:rPr lang="en-US" b="0" i="1" smtClean="0">
+                              <a:latin typeface="Cambria Math" panose="02040503050406030204" pitchFamily="18" charset="0"/>
+                            </a:rPr>
+                          </m:ctrlPr>
+                        </m:fPr>
+                        <m:num>
+                          <m:r>
+                            <a:rPr lang="en-US" b="0" i="1" smtClean="0">
+                              <a:latin typeface="Cambria Math" panose="02040503050406030204" pitchFamily="18" charset="0"/>
+                            </a:rPr>
+                            <m:t>6</m:t>
+                          </m:r>
+                        </m:num>
+                        <m:den>
+                          <m:r>
+                            <a:rPr lang="en-US" b="0" i="1" smtClean="0">
+                              <a:latin typeface="Cambria Math" panose="02040503050406030204" pitchFamily="18" charset="0"/>
+                            </a:rPr>
+                            <m:t>61</m:t>
+                          </m:r>
+                        </m:den>
+                      </m:f>
+                    </m:oMath>
+                  </a14:m>
+                  <a:endParaRPr lang="en-US" dirty="0"/>
+                </a:p>
+              </p:txBody>
+            </p:sp>
+          </mc:Choice>
+          <mc:Fallback xmlns="">
+            <p:sp>
+              <p:nvSpPr>
+                <p:cNvPr id="26" name="TextBox 25">
+                  <a:extLst>
+                    <a:ext uri="{FF2B5EF4-FFF2-40B4-BE49-F238E27FC236}">
+                      <a16:creationId xmlns:a16="http://schemas.microsoft.com/office/drawing/2014/main" id="{956D36F6-3F69-88C9-4DA2-C12BC2ACDE7E}"/>
+                    </a:ext>
+                  </a:extLst>
+                </p:cNvPr>
+                <p:cNvSpPr txBox="1">
+                  <a:spLocks noRot="1" noChangeAspect="1" noMove="1" noResize="1" noEditPoints="1" noAdjustHandles="1" noChangeArrowheads="1" noChangeShapeType="1" noTextEdit="1"/>
+                </p:cNvSpPr>
+                <p:nvPr/>
+              </p:nvSpPr>
+              <p:spPr>
+                <a:xfrm>
+                  <a:off x="983802" y="6337128"/>
+                  <a:ext cx="1019831" cy="485774"/>
+                </a:xfrm>
+                <a:prstGeom prst="rect">
+                  <a:avLst/>
+                </a:prstGeom>
+                <a:blipFill>
+                  <a:blip r:embed="rId3"/>
+                  <a:stretch>
+                    <a:fillRect l="-4790" b="-7500"/>
+                  </a:stretch>
+                </a:blipFill>
+              </p:spPr>
+              <p:txBody>
+                <a:bodyPr/>
+                <a:lstStyle/>
+                <a:p>
+                  <a:r>
+                    <a:rPr lang="en-US">
+                      <a:noFill/>
+                    </a:rPr>
+                    <a:t> </a:t>
+                  </a:r>
+                </a:p>
+              </p:txBody>
+            </p:sp>
+          </mc:Fallback>
+        </mc:AlternateContent>
+        <mc:AlternateContent xmlns:mc="http://schemas.openxmlformats.org/markup-compatibility/2006" xmlns:a14="http://schemas.microsoft.com/office/drawing/2010/main">
+          <mc:Choice Requires="a14">
+            <p:sp>
+              <p:nvSpPr>
+                <p:cNvPr id="27" name="TextBox 26">
+                  <a:extLst>
+                    <a:ext uri="{FF2B5EF4-FFF2-40B4-BE49-F238E27FC236}">
+                      <a16:creationId xmlns:a16="http://schemas.microsoft.com/office/drawing/2014/main" id="{8B50DBB1-62F0-BFC6-8322-F908671B06C6}"/>
+                    </a:ext>
+                  </a:extLst>
+                </p:cNvPr>
+                <p:cNvSpPr txBox="1"/>
+                <p:nvPr/>
+              </p:nvSpPr>
+              <p:spPr>
+                <a:xfrm>
+                  <a:off x="2706530" y="6335301"/>
+                  <a:ext cx="1015021" cy="489429"/>
+                </a:xfrm>
+                <a:prstGeom prst="rect">
+                  <a:avLst/>
+                </a:prstGeom>
+                <a:noFill/>
+              </p:spPr>
+              <p:txBody>
+                <a:bodyPr wrap="none" rtlCol="0">
+                  <a:spAutoFit/>
+                </a:bodyPr>
+                <a:lstStyle/>
+                <a:p>
+                  <a:r>
+                    <a:rPr lang="en-US" dirty="0"/>
+                    <a:t>MCL = </a:t>
+                  </a:r>
+                  <a14:m>
+                    <m:oMath xmlns:m="http://schemas.openxmlformats.org/officeDocument/2006/math">
+                      <m:f>
+                        <m:fPr>
+                          <m:ctrlPr>
+                            <a:rPr lang="en-US" b="0" i="1" smtClean="0">
+                              <a:latin typeface="Cambria Math" panose="02040503050406030204" pitchFamily="18" charset="0"/>
+                            </a:rPr>
+                          </m:ctrlPr>
+                        </m:fPr>
+                        <m:num>
+                          <m:r>
+                            <a:rPr lang="en-US" b="0" i="1" smtClean="0">
+                              <a:latin typeface="Cambria Math" panose="02040503050406030204" pitchFamily="18" charset="0"/>
+                            </a:rPr>
+                            <m:t>5</m:t>
+                          </m:r>
+                        </m:num>
+                        <m:den>
+                          <m:r>
+                            <a:rPr lang="en-US" b="0" i="1" smtClean="0">
+                              <a:latin typeface="Cambria Math" panose="02040503050406030204" pitchFamily="18" charset="0"/>
+                            </a:rPr>
+                            <m:t>39</m:t>
+                          </m:r>
+                        </m:den>
+                      </m:f>
+                    </m:oMath>
+                  </a14:m>
+                  <a:endParaRPr lang="en-US" dirty="0"/>
+                </a:p>
+              </p:txBody>
+            </p:sp>
+          </mc:Choice>
+          <mc:Fallback xmlns="">
+            <p:sp>
+              <p:nvSpPr>
+                <p:cNvPr id="27" name="TextBox 26">
+                  <a:extLst>
+                    <a:ext uri="{FF2B5EF4-FFF2-40B4-BE49-F238E27FC236}">
+                      <a16:creationId xmlns:a16="http://schemas.microsoft.com/office/drawing/2014/main" id="{8B50DBB1-62F0-BFC6-8322-F908671B06C6}"/>
+                    </a:ext>
+                  </a:extLst>
+                </p:cNvPr>
+                <p:cNvSpPr txBox="1">
+                  <a:spLocks noRot="1" noChangeAspect="1" noMove="1" noResize="1" noEditPoints="1" noAdjustHandles="1" noChangeArrowheads="1" noChangeShapeType="1" noTextEdit="1"/>
+                </p:cNvSpPr>
+                <p:nvPr/>
+              </p:nvSpPr>
+              <p:spPr>
+                <a:xfrm>
+                  <a:off x="2706530" y="6335301"/>
+                  <a:ext cx="1015021" cy="489429"/>
+                </a:xfrm>
+                <a:prstGeom prst="rect">
+                  <a:avLst/>
+                </a:prstGeom>
+                <a:blipFill>
+                  <a:blip r:embed="rId4"/>
+                  <a:stretch>
+                    <a:fillRect l="-5422" b="-7500"/>
+                  </a:stretch>
+                </a:blipFill>
+              </p:spPr>
+              <p:txBody>
+                <a:bodyPr/>
+                <a:lstStyle/>
+                <a:p>
+                  <a:r>
+                    <a:rPr lang="en-US">
+                      <a:noFill/>
+                    </a:rPr>
+                    <a:t> </a:t>
+                  </a:r>
+                </a:p>
+              </p:txBody>
+            </p:sp>
+          </mc:Fallback>
+        </mc:AlternateContent>
+        <mc:AlternateContent xmlns:mc="http://schemas.openxmlformats.org/markup-compatibility/2006" xmlns:a14="http://schemas.microsoft.com/office/drawing/2010/main">
+          <mc:Choice Requires="a14">
+            <p:sp>
+              <p:nvSpPr>
+                <p:cNvPr id="28" name="TextBox 27">
+                  <a:extLst>
+                    <a:ext uri="{FF2B5EF4-FFF2-40B4-BE49-F238E27FC236}">
+                      <a16:creationId xmlns:a16="http://schemas.microsoft.com/office/drawing/2014/main" id="{FAE898F9-4226-AD7E-7636-985731F0B5EE}"/>
+                    </a:ext>
+                  </a:extLst>
+                </p:cNvPr>
+                <p:cNvSpPr txBox="1"/>
+                <p:nvPr/>
+              </p:nvSpPr>
+              <p:spPr>
+                <a:xfrm>
+                  <a:off x="481466" y="3176144"/>
+                  <a:ext cx="1117614" cy="485774"/>
+                </a:xfrm>
+                <a:prstGeom prst="rect">
+                  <a:avLst/>
+                </a:prstGeom>
+                <a:noFill/>
+              </p:spPr>
+              <p:txBody>
+                <a:bodyPr wrap="none" rtlCol="0">
+                  <a:spAutoFit/>
+                </a:bodyPr>
+                <a:lstStyle/>
+                <a:p>
+                  <a:r>
+                    <a:rPr lang="en-US" dirty="0"/>
+                    <a:t>MCL = </a:t>
+                  </a:r>
+                  <a14:m>
+                    <m:oMath xmlns:m="http://schemas.openxmlformats.org/officeDocument/2006/math">
+                      <m:f>
+                        <m:fPr>
+                          <m:ctrlPr>
+                            <a:rPr lang="en-US" b="0" i="1" smtClean="0">
+                              <a:latin typeface="Cambria Math" panose="02040503050406030204" pitchFamily="18" charset="0"/>
+                            </a:rPr>
+                          </m:ctrlPr>
+                        </m:fPr>
+                        <m:num>
+                          <m:r>
+                            <a:rPr lang="en-US" b="0" i="1" smtClean="0">
+                              <a:latin typeface="Cambria Math" panose="02040503050406030204" pitchFamily="18" charset="0"/>
+                            </a:rPr>
+                            <m:t>40</m:t>
+                          </m:r>
+                        </m:num>
+                        <m:den>
+                          <m:r>
+                            <a:rPr lang="en-US" b="0" i="1" smtClean="0">
+                              <a:latin typeface="Cambria Math" panose="02040503050406030204" pitchFamily="18" charset="0"/>
+                            </a:rPr>
+                            <m:t>100</m:t>
+                          </m:r>
+                        </m:den>
+                      </m:f>
+                    </m:oMath>
+                  </a14:m>
+                  <a:endParaRPr lang="en-US" dirty="0"/>
+                </a:p>
+              </p:txBody>
+            </p:sp>
+          </mc:Choice>
+          <mc:Fallback xmlns="">
+            <p:sp>
+              <p:nvSpPr>
+                <p:cNvPr id="28" name="TextBox 27">
+                  <a:extLst>
+                    <a:ext uri="{FF2B5EF4-FFF2-40B4-BE49-F238E27FC236}">
+                      <a16:creationId xmlns:a16="http://schemas.microsoft.com/office/drawing/2014/main" id="{FAE898F9-4226-AD7E-7636-985731F0B5EE}"/>
+                    </a:ext>
+                  </a:extLst>
+                </p:cNvPr>
+                <p:cNvSpPr txBox="1">
+                  <a:spLocks noRot="1" noChangeAspect="1" noMove="1" noResize="1" noEditPoints="1" noAdjustHandles="1" noChangeArrowheads="1" noChangeShapeType="1" noTextEdit="1"/>
+                </p:cNvSpPr>
+                <p:nvPr/>
+              </p:nvSpPr>
+              <p:spPr>
+                <a:xfrm>
+                  <a:off x="481466" y="3176144"/>
+                  <a:ext cx="1117614" cy="485774"/>
+                </a:xfrm>
+                <a:prstGeom prst="rect">
+                  <a:avLst/>
+                </a:prstGeom>
+                <a:blipFill>
+                  <a:blip r:embed="rId5"/>
+                  <a:stretch>
+                    <a:fillRect l="-4918" b="-7500"/>
+                  </a:stretch>
+                </a:blipFill>
+              </p:spPr>
+              <p:txBody>
+                <a:bodyPr/>
+                <a:lstStyle/>
+                <a:p>
+                  <a:r>
+                    <a:rPr lang="en-US">
+                      <a:noFill/>
+                    </a:rPr>
+                    <a:t> </a:t>
+                  </a:r>
+                </a:p>
+              </p:txBody>
+            </p:sp>
+          </mc:Fallback>
+        </mc:AlternateContent>
       </p:grpSp>
-      <p:sp>
-        <p:nvSpPr>
-          <p:cNvPr id="23" name="TextBox 22">
-            <a:extLst>
-              <a:ext uri="{FF2B5EF4-FFF2-40B4-BE49-F238E27FC236}">
-                <a16:creationId xmlns:a16="http://schemas.microsoft.com/office/drawing/2014/main" id="{5443475A-F59C-71AE-CF0F-4D7FE847C8B1}"/>
-              </a:ext>
-            </a:extLst>
-          </p:cNvPr>
-          <p:cNvSpPr txBox="1"/>
-          <p:nvPr/>
-        </p:nvSpPr>
-        <p:spPr>
-          <a:xfrm>
-            <a:off x="3109266" y="3036906"/>
-            <a:ext cx="1521763" cy="646331"/>
-          </a:xfrm>
-          <a:prstGeom prst="rect">
-            <a:avLst/>
-          </a:prstGeom>
-          <a:noFill/>
-        </p:spPr>
-        <p:txBody>
-          <a:bodyPr wrap="none" rtlCol="0">
-            <a:spAutoFit/>
-          </a:bodyPr>
-          <a:lstStyle/>
-          <a:p>
-            <a:r>
-              <a:rPr lang="en-US" dirty="0"/>
-              <a:t>#Ice Cream 60</a:t>
-            </a:r>
-          </a:p>
-          <a:p>
-            <a:r>
-              <a:rPr lang="en-US" dirty="0"/>
-              <a:t>#Bajji 40</a:t>
-            </a:r>
-          </a:p>
-        </p:txBody>
-      </p:sp>
-      <p:sp>
-        <p:nvSpPr>
-          <p:cNvPr id="24" name="TextBox 23">
-            <a:extLst>
-              <a:ext uri="{FF2B5EF4-FFF2-40B4-BE49-F238E27FC236}">
-                <a16:creationId xmlns:a16="http://schemas.microsoft.com/office/drawing/2014/main" id="{3CFAB474-B044-E580-64F1-36D5E0689026}"/>
-              </a:ext>
-            </a:extLst>
-          </p:cNvPr>
-          <p:cNvSpPr txBox="1"/>
-          <p:nvPr/>
-        </p:nvSpPr>
-        <p:spPr>
-          <a:xfrm>
-            <a:off x="-39295" y="4607305"/>
-            <a:ext cx="1521763" cy="646331"/>
-          </a:xfrm>
-          <a:prstGeom prst="rect">
-            <a:avLst/>
-          </a:prstGeom>
-          <a:noFill/>
-          <a:ln>
-            <a:noFill/>
-          </a:ln>
-        </p:spPr>
-        <p:style>
-          <a:lnRef idx="2">
-            <a:schemeClr val="accent2"/>
-          </a:lnRef>
-          <a:fillRef idx="1">
-            <a:schemeClr val="lt1"/>
-          </a:fillRef>
-          <a:effectRef idx="0">
-            <a:schemeClr val="accent2"/>
-          </a:effectRef>
-          <a:fontRef idx="minor">
-            <a:schemeClr val="dk1"/>
-          </a:fontRef>
-        </p:style>
-        <p:txBody>
-          <a:bodyPr wrap="none" rtlCol="0">
-            <a:spAutoFit/>
-          </a:bodyPr>
-          <a:lstStyle/>
-          <a:p>
-            <a:r>
-              <a:rPr lang="en-US" dirty="0"/>
-              <a:t>#Ice Cream 55</a:t>
-            </a:r>
-          </a:p>
-          <a:p>
-            <a:r>
-              <a:rPr lang="en-US" dirty="0"/>
-              <a:t>#Bajji 6</a:t>
-            </a:r>
-          </a:p>
-        </p:txBody>
-      </p:sp>
-      <p:sp>
-        <p:nvSpPr>
-          <p:cNvPr id="25" name="TextBox 24">
-            <a:extLst>
-              <a:ext uri="{FF2B5EF4-FFF2-40B4-BE49-F238E27FC236}">
-                <a16:creationId xmlns:a16="http://schemas.microsoft.com/office/drawing/2014/main" id="{408297B6-0B2F-49F5-F9B2-6B2B567D1AD3}"/>
-              </a:ext>
-            </a:extLst>
-          </p:cNvPr>
-          <p:cNvSpPr txBox="1"/>
-          <p:nvPr/>
-        </p:nvSpPr>
-        <p:spPr>
-          <a:xfrm>
-            <a:off x="3226285" y="4607305"/>
-            <a:ext cx="1404744" cy="646331"/>
-          </a:xfrm>
-          <a:prstGeom prst="rect">
-            <a:avLst/>
-          </a:prstGeom>
-          <a:noFill/>
-          <a:ln>
-            <a:noFill/>
-          </a:ln>
-        </p:spPr>
-        <p:style>
-          <a:lnRef idx="2">
-            <a:schemeClr val="accent2"/>
-          </a:lnRef>
-          <a:fillRef idx="1">
-            <a:schemeClr val="lt1"/>
-          </a:fillRef>
-          <a:effectRef idx="0">
-            <a:schemeClr val="accent2"/>
-          </a:effectRef>
-          <a:fontRef idx="minor">
-            <a:schemeClr val="dk1"/>
-          </a:fontRef>
-        </p:style>
-        <p:txBody>
-          <a:bodyPr wrap="none" rtlCol="0">
-            <a:spAutoFit/>
-          </a:bodyPr>
-          <a:lstStyle/>
-          <a:p>
-            <a:pPr algn="r"/>
-            <a:r>
-              <a:rPr lang="en-US" dirty="0"/>
-              <a:t>#Ice Cream 5</a:t>
-            </a:r>
-          </a:p>
-          <a:p>
-            <a:pPr algn="r"/>
-            <a:r>
-              <a:rPr lang="en-US" dirty="0"/>
-              <a:t>#Bajji 34</a:t>
-            </a:r>
-          </a:p>
-        </p:txBody>
-      </p:sp>
       <mc:AlternateContent xmlns:mc="http://schemas.openxmlformats.org/markup-compatibility/2006" xmlns:a14="http://schemas.microsoft.com/office/drawing/2010/main">
         <mc:Choice Requires="a14">
           <p:sp>
             <p:nvSpPr>
-              <p:cNvPr id="26" name="TextBox 25">
+              <p:cNvPr id="47" name="TextBox 46">
                 <a:extLst>
                   <a:ext uri="{FF2B5EF4-FFF2-40B4-BE49-F238E27FC236}">
-                    <a16:creationId xmlns:a16="http://schemas.microsoft.com/office/drawing/2014/main" id="{956D36F6-3F69-88C9-4DA2-C12BC2ACDE7E}"/>
+                    <a16:creationId xmlns:a16="http://schemas.microsoft.com/office/drawing/2014/main" id="{09EAF5D6-C55D-40BE-C095-BA7B1A6ACB74}"/>
                   </a:ext>
                 </a:extLst>
               </p:cNvPr>
@@ -26110,8 +26475,8 @@
             </p:nvSpPr>
             <p:spPr>
               <a:xfrm>
-                <a:off x="1089165" y="6337128"/>
-                <a:ext cx="1019831" cy="485774"/>
+                <a:off x="838200" y="3191090"/>
+                <a:ext cx="6454037" cy="3295261"/>
               </a:xfrm>
               <a:prstGeom prst="rect">
                 <a:avLst/>
@@ -26119,45 +26484,430 @@
               <a:noFill/>
             </p:spPr>
             <p:txBody>
-              <a:bodyPr wrap="none" rtlCol="0">
+              <a:bodyPr wrap="square" rtlCol="0">
                 <a:spAutoFit/>
               </a:bodyPr>
               <a:lstStyle/>
               <a:p>
+                <a:pPr algn="ctr"/>
                 <a:r>
-                  <a:rPr lang="en-US" dirty="0"/>
-                  <a:t>MCL = </a:t>
+                  <a:rPr lang="en-US" sz="2800" dirty="0"/>
+                  <a:t>Total MCL Drop for the addition of the two new leaf nodes is given by:</a:t>
                 </a:r>
+              </a:p>
+              <a:p>
+                <a:pPr algn="ctr"/>
+                <a:endParaRPr lang="en-US" b="0" i="1" dirty="0">
+                  <a:latin typeface="Cambria Math" panose="02040503050406030204" pitchFamily="18" charset="0"/>
+                </a:endParaRPr>
+              </a:p>
+              <a:p>
+                <a:pPr algn="ctr"/>
                 <a14:m>
-                  <m:oMath xmlns:m="http://schemas.openxmlformats.org/officeDocument/2006/math">
-                    <m:f>
-                      <m:fPr>
-                        <m:ctrlPr>
-                          <a:rPr lang="en-US" b="0" i="1" smtClean="0">
-                            <a:latin typeface="Cambria Math" panose="02040503050406030204" pitchFamily="18" charset="0"/>
-                          </a:rPr>
-                        </m:ctrlPr>
-                      </m:fPr>
-                      <m:num>
-                        <m:r>
-                          <a:rPr lang="en-US" b="0" i="1" smtClean="0">
-                            <a:latin typeface="Cambria Math" panose="02040503050406030204" pitchFamily="18" charset="0"/>
-                          </a:rPr>
-                          <m:t>6</m:t>
-                        </m:r>
-                      </m:num>
-                      <m:den>
-                        <m:r>
-                          <a:rPr lang="en-US" b="0" i="1" smtClean="0">
-                            <a:latin typeface="Cambria Math" panose="02040503050406030204" pitchFamily="18" charset="0"/>
-                          </a:rPr>
-                          <m:t>61</m:t>
-                        </m:r>
-                      </m:den>
-                    </m:f>
-                  </m:oMath>
+                  <m:oMathPara xmlns:m="http://schemas.openxmlformats.org/officeDocument/2006/math">
+                    <m:oMathParaPr>
+                      <m:jc m:val="centerGroup"/>
+                    </m:oMathParaPr>
+                    <m:oMath xmlns:m="http://schemas.openxmlformats.org/officeDocument/2006/math">
+                      <m:r>
+                        <a:rPr lang="en-US" sz="2000" b="0" i="1" smtClean="0">
+                          <a:latin typeface="Cambria Math" panose="02040503050406030204" pitchFamily="18" charset="0"/>
+                        </a:rPr>
+                        <m:t>𝐶𝐸</m:t>
+                      </m:r>
+                      <m:sSub>
+                        <m:sSubPr>
+                          <m:ctrlPr>
+                            <a:rPr lang="en-US" sz="2000" b="0" i="1" smtClean="0">
+                              <a:latin typeface="Cambria Math" panose="02040503050406030204" pitchFamily="18" charset="0"/>
+                            </a:rPr>
+                          </m:ctrlPr>
+                        </m:sSubPr>
+                        <m:e>
+                          <m:r>
+                            <a:rPr lang="en-US" sz="2000" b="0" i="1" smtClean="0">
+                              <a:latin typeface="Cambria Math" panose="02040503050406030204" pitchFamily="18" charset="0"/>
+                            </a:rPr>
+                            <m:t>𝑅</m:t>
+                          </m:r>
+                        </m:e>
+                        <m:sub>
+                          <m:r>
+                            <a:rPr lang="en-US" sz="2000" b="0" i="1" smtClean="0">
+                              <a:latin typeface="Cambria Math" panose="02040503050406030204" pitchFamily="18" charset="0"/>
+                            </a:rPr>
+                            <m:t>𝑃𝑎𝑟𝑒𝑛𝑡</m:t>
+                          </m:r>
+                        </m:sub>
+                      </m:sSub>
+                      <m:r>
+                        <a:rPr lang="en-US" sz="2000" b="0" i="1" smtClean="0">
+                          <a:latin typeface="Cambria Math" panose="02040503050406030204" pitchFamily="18" charset="0"/>
+                        </a:rPr>
+                        <m:t>−</m:t>
+                      </m:r>
+                      <m:r>
+                        <a:rPr lang="en-US" sz="2000" b="0" i="1" smtClean="0">
+                          <a:latin typeface="Cambria Math" panose="02040503050406030204" pitchFamily="18" charset="0"/>
+                        </a:rPr>
+                        <m:t>𝑃𝑟𝑜𝑏𝑎𝑏𝑖𝑙𝑖𝑡𝑦</m:t>
+                      </m:r>
+                      <m:r>
+                        <a:rPr lang="en-US" sz="2000" b="0" i="1" smtClean="0">
+                          <a:latin typeface="Cambria Math" panose="02040503050406030204" pitchFamily="18" charset="0"/>
+                        </a:rPr>
+                        <m:t> </m:t>
+                      </m:r>
+                      <m:r>
+                        <a:rPr lang="en-US" sz="2000" b="0" i="1" smtClean="0">
+                          <a:latin typeface="Cambria Math" panose="02040503050406030204" pitchFamily="18" charset="0"/>
+                        </a:rPr>
+                        <m:t>𝑜𝑓</m:t>
+                      </m:r>
+                      <m:r>
+                        <a:rPr lang="en-US" sz="2000" b="0" i="1" smtClean="0">
+                          <a:latin typeface="Cambria Math" panose="02040503050406030204" pitchFamily="18" charset="0"/>
+                        </a:rPr>
+                        <m:t> </m:t>
+                      </m:r>
+                      <m:r>
+                        <a:rPr lang="en-US" sz="2000" b="0" i="1" smtClean="0">
+                          <a:latin typeface="Cambria Math" panose="02040503050406030204" pitchFamily="18" charset="0"/>
+                        </a:rPr>
+                        <m:t>𝐿𝑒𝑓𝑡</m:t>
+                      </m:r>
+                      <m:r>
+                        <a:rPr lang="en-US" sz="2000" b="0" i="1" smtClean="0">
+                          <a:latin typeface="Cambria Math" panose="02040503050406030204" pitchFamily="18" charset="0"/>
+                        </a:rPr>
+                        <m:t> </m:t>
+                      </m:r>
+                      <m:r>
+                        <a:rPr lang="en-US" sz="2000" b="0" i="1" smtClean="0">
+                          <a:latin typeface="Cambria Math" panose="02040503050406030204" pitchFamily="18" charset="0"/>
+                        </a:rPr>
+                        <m:t>𝐿𝑒𝑎𝑓</m:t>
+                      </m:r>
+                      <m:r>
+                        <a:rPr lang="en-US" sz="2000" b="0" i="1" smtClean="0">
+                          <a:latin typeface="Cambria Math" panose="02040503050406030204" pitchFamily="18" charset="0"/>
+                        </a:rPr>
+                        <m:t>×</m:t>
+                      </m:r>
+                      <m:r>
+                        <a:rPr lang="en-US" sz="2000" b="0" i="1" smtClean="0">
+                          <a:latin typeface="Cambria Math" panose="02040503050406030204" pitchFamily="18" charset="0"/>
+                        </a:rPr>
+                        <m:t>𝐶𝐸</m:t>
+                      </m:r>
+                      <m:sSub>
+                        <m:sSubPr>
+                          <m:ctrlPr>
+                            <a:rPr lang="en-US" sz="2000" b="0" i="1" smtClean="0">
+                              <a:latin typeface="Cambria Math" panose="02040503050406030204" pitchFamily="18" charset="0"/>
+                            </a:rPr>
+                          </m:ctrlPr>
+                        </m:sSubPr>
+                        <m:e>
+                          <m:r>
+                            <a:rPr lang="en-US" sz="2000" b="0" i="1" smtClean="0">
+                              <a:latin typeface="Cambria Math" panose="02040503050406030204" pitchFamily="18" charset="0"/>
+                            </a:rPr>
+                            <m:t>𝑅</m:t>
+                          </m:r>
+                        </m:e>
+                        <m:sub>
+                          <m:r>
+                            <a:rPr lang="en-US" sz="2000" b="0" i="1" smtClean="0">
+                              <a:latin typeface="Cambria Math" panose="02040503050406030204" pitchFamily="18" charset="0"/>
+                            </a:rPr>
+                            <m:t>𝐿𝑒𝑓𝑡</m:t>
+                          </m:r>
+                        </m:sub>
+                      </m:sSub>
+                      <m:r>
+                        <a:rPr lang="en-US" sz="2000" b="0" i="1" smtClean="0">
+                          <a:latin typeface="Cambria Math" panose="02040503050406030204" pitchFamily="18" charset="0"/>
+                        </a:rPr>
+                        <m:t>−</m:t>
+                      </m:r>
+                      <m:r>
+                        <a:rPr lang="en-US" sz="2000" b="0" i="1" smtClean="0">
+                          <a:latin typeface="Cambria Math" panose="02040503050406030204" pitchFamily="18" charset="0"/>
+                        </a:rPr>
+                        <m:t>𝑃𝑟𝑜𝑏𝑎𝑏𝑖𝑙𝑖𝑡𝑦</m:t>
+                      </m:r>
+                      <m:r>
+                        <a:rPr lang="en-US" sz="2000" b="0" i="1" smtClean="0">
+                          <a:latin typeface="Cambria Math" panose="02040503050406030204" pitchFamily="18" charset="0"/>
+                        </a:rPr>
+                        <m:t> </m:t>
+                      </m:r>
+                      <m:r>
+                        <a:rPr lang="en-US" sz="2000" b="0" i="1" smtClean="0">
+                          <a:latin typeface="Cambria Math" panose="02040503050406030204" pitchFamily="18" charset="0"/>
+                        </a:rPr>
+                        <m:t>𝑜𝑓</m:t>
+                      </m:r>
+                      <m:r>
+                        <a:rPr lang="en-US" sz="2000" b="0" i="1" smtClean="0">
+                          <a:latin typeface="Cambria Math" panose="02040503050406030204" pitchFamily="18" charset="0"/>
+                        </a:rPr>
+                        <m:t> </m:t>
+                      </m:r>
+                      <m:r>
+                        <a:rPr lang="en-US" sz="2000" b="0" i="1" smtClean="0">
+                          <a:latin typeface="Cambria Math" panose="02040503050406030204" pitchFamily="18" charset="0"/>
+                        </a:rPr>
+                        <m:t>𝑅𝑖𝑔h𝑡</m:t>
+                      </m:r>
+                      <m:r>
+                        <a:rPr lang="en-US" sz="2000" b="0" i="1" smtClean="0">
+                          <a:latin typeface="Cambria Math" panose="02040503050406030204" pitchFamily="18" charset="0"/>
+                        </a:rPr>
+                        <m:t> </m:t>
+                      </m:r>
+                      <m:r>
+                        <a:rPr lang="en-US" sz="2000" b="0" i="1" smtClean="0">
+                          <a:latin typeface="Cambria Math" panose="02040503050406030204" pitchFamily="18" charset="0"/>
+                        </a:rPr>
+                        <m:t>𝐿𝑒𝑎𝑓</m:t>
+                      </m:r>
+                      <m:r>
+                        <a:rPr lang="en-US" sz="2000" b="0" i="1" smtClean="0">
+                          <a:latin typeface="Cambria Math" panose="02040503050406030204" pitchFamily="18" charset="0"/>
+                        </a:rPr>
+                        <m:t>×</m:t>
+                      </m:r>
+                      <m:r>
+                        <a:rPr lang="en-US" sz="2000" b="0" i="1" smtClean="0">
+                          <a:latin typeface="Cambria Math" panose="02040503050406030204" pitchFamily="18" charset="0"/>
+                        </a:rPr>
+                        <m:t>𝐶𝐸</m:t>
+                      </m:r>
+                      <m:sSub>
+                        <m:sSubPr>
+                          <m:ctrlPr>
+                            <a:rPr lang="en-US" sz="2000" b="0" i="1" smtClean="0">
+                              <a:latin typeface="Cambria Math" panose="02040503050406030204" pitchFamily="18" charset="0"/>
+                            </a:rPr>
+                          </m:ctrlPr>
+                        </m:sSubPr>
+                        <m:e>
+                          <m:r>
+                            <a:rPr lang="en-US" sz="2000" b="0" i="1" smtClean="0">
+                              <a:latin typeface="Cambria Math" panose="02040503050406030204" pitchFamily="18" charset="0"/>
+                            </a:rPr>
+                            <m:t>𝑅</m:t>
+                          </m:r>
+                        </m:e>
+                        <m:sub>
+                          <m:r>
+                            <a:rPr lang="en-US" sz="2000" b="0" i="1" smtClean="0">
+                              <a:latin typeface="Cambria Math" panose="02040503050406030204" pitchFamily="18" charset="0"/>
+                            </a:rPr>
+                            <m:t>𝑅𝑖𝑔h𝑡</m:t>
+                          </m:r>
+                        </m:sub>
+                      </m:sSub>
+                    </m:oMath>
+                  </m:oMathPara>
                 </a14:m>
-                <a:endParaRPr lang="en-US" dirty="0"/>
+                <a:endParaRPr lang="en-US" sz="3200" dirty="0"/>
+              </a:p>
+              <a:p>
+                <a:pPr algn="ctr"/>
+                <a:endParaRPr lang="en-US" sz="2800" dirty="0"/>
+              </a:p>
+              <a:p>
+                <a:pPr algn="ctr"/>
+                <a14:m>
+                  <m:oMathPara xmlns:m="http://schemas.openxmlformats.org/officeDocument/2006/math">
+                    <m:oMathParaPr>
+                      <m:jc m:val="centerGroup"/>
+                    </m:oMathParaPr>
+                    <m:oMath xmlns:m="http://schemas.openxmlformats.org/officeDocument/2006/math">
+                      <m:f>
+                        <m:fPr>
+                          <m:ctrlPr>
+                            <a:rPr lang="en-US" sz="2800" b="0" i="1" smtClean="0">
+                              <a:latin typeface="Cambria Math" panose="02040503050406030204" pitchFamily="18" charset="0"/>
+                            </a:rPr>
+                          </m:ctrlPr>
+                        </m:fPr>
+                        <m:num>
+                          <m:r>
+                            <a:rPr lang="en-US" sz="2800" b="0" i="1" smtClean="0">
+                              <a:latin typeface="Cambria Math" panose="02040503050406030204" pitchFamily="18" charset="0"/>
+                            </a:rPr>
+                            <m:t>40</m:t>
+                          </m:r>
+                        </m:num>
+                        <m:den>
+                          <m:r>
+                            <a:rPr lang="en-US" sz="2800" b="0" i="1" smtClean="0">
+                              <a:latin typeface="Cambria Math" panose="02040503050406030204" pitchFamily="18" charset="0"/>
+                            </a:rPr>
+                            <m:t>100</m:t>
+                          </m:r>
+                        </m:den>
+                      </m:f>
+                      <m:r>
+                        <a:rPr lang="en-US" sz="2800" b="0" i="1" smtClean="0">
+                          <a:latin typeface="Cambria Math" panose="02040503050406030204" pitchFamily="18" charset="0"/>
+                        </a:rPr>
+                        <m:t>−</m:t>
+                      </m:r>
+                      <m:d>
+                        <m:dPr>
+                          <m:ctrlPr>
+                            <a:rPr lang="en-US" sz="2800" b="0" i="1" smtClean="0">
+                              <a:latin typeface="Cambria Math" panose="02040503050406030204" pitchFamily="18" charset="0"/>
+                            </a:rPr>
+                          </m:ctrlPr>
+                        </m:dPr>
+                        <m:e>
+                          <m:f>
+                            <m:fPr>
+                              <m:ctrlPr>
+                                <a:rPr lang="en-US" sz="2800" b="0" i="1" smtClean="0">
+                                  <a:latin typeface="Cambria Math" panose="02040503050406030204" pitchFamily="18" charset="0"/>
+                                </a:rPr>
+                              </m:ctrlPr>
+                            </m:fPr>
+                            <m:num>
+                              <m:r>
+                                <a:rPr lang="en-US" sz="2800" b="0" i="1" smtClean="0">
+                                  <a:latin typeface="Cambria Math" panose="02040503050406030204" pitchFamily="18" charset="0"/>
+                                </a:rPr>
+                                <m:t>61</m:t>
+                              </m:r>
+                            </m:num>
+                            <m:den>
+                              <m:r>
+                                <a:rPr lang="en-US" sz="2800" b="0" i="1" smtClean="0">
+                                  <a:latin typeface="Cambria Math" panose="02040503050406030204" pitchFamily="18" charset="0"/>
+                                </a:rPr>
+                                <m:t>100</m:t>
+                              </m:r>
+                            </m:den>
+                          </m:f>
+                          <m:r>
+                            <a:rPr lang="en-US" sz="2800" b="0" i="1" smtClean="0">
+                              <a:latin typeface="Cambria Math" panose="02040503050406030204" pitchFamily="18" charset="0"/>
+                            </a:rPr>
+                            <m:t>×</m:t>
+                          </m:r>
+                          <m:f>
+                            <m:fPr>
+                              <m:ctrlPr>
+                                <a:rPr lang="en-US" sz="2800" b="0" i="1" smtClean="0">
+                                  <a:latin typeface="Cambria Math" panose="02040503050406030204" pitchFamily="18" charset="0"/>
+                                </a:rPr>
+                              </m:ctrlPr>
+                            </m:fPr>
+                            <m:num>
+                              <m:r>
+                                <a:rPr lang="en-US" sz="2800" b="0" i="1" smtClean="0">
+                                  <a:latin typeface="Cambria Math" panose="02040503050406030204" pitchFamily="18" charset="0"/>
+                                </a:rPr>
+                                <m:t>6</m:t>
+                              </m:r>
+                            </m:num>
+                            <m:den>
+                              <m:r>
+                                <a:rPr lang="en-US" sz="2800" b="0" i="1" smtClean="0">
+                                  <a:latin typeface="Cambria Math" panose="02040503050406030204" pitchFamily="18" charset="0"/>
+                                </a:rPr>
+                                <m:t>61</m:t>
+                              </m:r>
+                            </m:den>
+                          </m:f>
+                        </m:e>
+                      </m:d>
+                      <m:r>
+                        <a:rPr lang="en-US" sz="2800" b="0" i="1" smtClean="0">
+                          <a:latin typeface="Cambria Math" panose="02040503050406030204" pitchFamily="18" charset="0"/>
+                        </a:rPr>
+                        <m:t>−</m:t>
+                      </m:r>
+                      <m:d>
+                        <m:dPr>
+                          <m:ctrlPr>
+                            <a:rPr lang="en-US" sz="2800" b="0" i="1" smtClean="0">
+                              <a:latin typeface="Cambria Math" panose="02040503050406030204" pitchFamily="18" charset="0"/>
+                            </a:rPr>
+                          </m:ctrlPr>
+                        </m:dPr>
+                        <m:e>
+                          <m:f>
+                            <m:fPr>
+                              <m:ctrlPr>
+                                <a:rPr lang="en-US" sz="2800" b="0" i="1" smtClean="0">
+                                  <a:latin typeface="Cambria Math" panose="02040503050406030204" pitchFamily="18" charset="0"/>
+                                </a:rPr>
+                              </m:ctrlPr>
+                            </m:fPr>
+                            <m:num>
+                              <m:r>
+                                <a:rPr lang="en-US" sz="2800" b="0" i="1" smtClean="0">
+                                  <a:latin typeface="Cambria Math" panose="02040503050406030204" pitchFamily="18" charset="0"/>
+                                </a:rPr>
+                                <m:t>39</m:t>
+                              </m:r>
+                            </m:num>
+                            <m:den>
+                              <m:r>
+                                <a:rPr lang="en-US" sz="2800" b="0" i="1" smtClean="0">
+                                  <a:latin typeface="Cambria Math" panose="02040503050406030204" pitchFamily="18" charset="0"/>
+                                </a:rPr>
+                                <m:t>100</m:t>
+                              </m:r>
+                            </m:den>
+                          </m:f>
+                          <m:r>
+                            <a:rPr lang="en-US" sz="2800" b="0" i="1" smtClean="0">
+                              <a:latin typeface="Cambria Math" panose="02040503050406030204" pitchFamily="18" charset="0"/>
+                            </a:rPr>
+                            <m:t>×</m:t>
+                          </m:r>
+                          <m:f>
+                            <m:fPr>
+                              <m:ctrlPr>
+                                <a:rPr lang="en-US" sz="2800" b="0" i="1" smtClean="0">
+                                  <a:latin typeface="Cambria Math" panose="02040503050406030204" pitchFamily="18" charset="0"/>
+                                </a:rPr>
+                              </m:ctrlPr>
+                            </m:fPr>
+                            <m:num>
+                              <m:r>
+                                <a:rPr lang="en-US" sz="2800" b="0" i="1" smtClean="0">
+                                  <a:latin typeface="Cambria Math" panose="02040503050406030204" pitchFamily="18" charset="0"/>
+                                </a:rPr>
+                                <m:t>5</m:t>
+                              </m:r>
+                            </m:num>
+                            <m:den>
+                              <m:r>
+                                <a:rPr lang="en-US" sz="2800" b="0" i="1" smtClean="0">
+                                  <a:latin typeface="Cambria Math" panose="02040503050406030204" pitchFamily="18" charset="0"/>
+                                </a:rPr>
+                                <m:t>39</m:t>
+                              </m:r>
+                            </m:den>
+                          </m:f>
+                        </m:e>
+                      </m:d>
+                      <m:r>
+                        <a:rPr lang="en-US" sz="2800" b="0" i="1" smtClean="0">
+                          <a:latin typeface="Cambria Math" panose="02040503050406030204" pitchFamily="18" charset="0"/>
+                        </a:rPr>
+                        <m:t>=0.29</m:t>
+                      </m:r>
+                    </m:oMath>
+                  </m:oMathPara>
+                </a14:m>
+                <a:endParaRPr lang="en-US" sz="2400" dirty="0"/>
               </a:p>
             </p:txBody>
           </p:sp>
@@ -26165,10 +26915,10 @@
         <mc:Fallback xmlns="">
           <p:sp>
             <p:nvSpPr>
-              <p:cNvPr id="26" name="TextBox 25">
+              <p:cNvPr id="47" name="TextBox 46">
                 <a:extLst>
                   <a:ext uri="{FF2B5EF4-FFF2-40B4-BE49-F238E27FC236}">
-                    <a16:creationId xmlns:a16="http://schemas.microsoft.com/office/drawing/2014/main" id="{956D36F6-3F69-88C9-4DA2-C12BC2ACDE7E}"/>
+                    <a16:creationId xmlns:a16="http://schemas.microsoft.com/office/drawing/2014/main" id="{09EAF5D6-C55D-40BE-C095-BA7B1A6ACB74}"/>
                   </a:ext>
                 </a:extLst>
               </p:cNvPr>
@@ -26179,16 +26929,16 @@
             </p:nvSpPr>
             <p:spPr>
               <a:xfrm>
-                <a:off x="1089165" y="6337128"/>
-                <a:ext cx="1019831" cy="485774"/>
+                <a:off x="838200" y="3191090"/>
+                <a:ext cx="6454037" cy="3295261"/>
               </a:xfrm>
               <a:prstGeom prst="rect">
                 <a:avLst/>
               </a:prstGeom>
               <a:blipFill>
-                <a:blip r:embed="rId3"/>
+                <a:blip r:embed="rId6"/>
                 <a:stretch>
-                  <a:fillRect l="-5389" b="-8861"/>
+                  <a:fillRect l="-1512" t="-1664" r="-1418"/>
                 </a:stretch>
               </a:blipFill>
             </p:spPr>
@@ -26207,1307 +26957,6 @@
           </p:sp>
         </mc:Fallback>
       </mc:AlternateContent>
-      <mc:AlternateContent xmlns:mc="http://schemas.openxmlformats.org/markup-compatibility/2006" xmlns:a14="http://schemas.microsoft.com/office/drawing/2010/main">
-        <mc:Choice Requires="a14">
-          <p:sp>
-            <p:nvSpPr>
-              <p:cNvPr id="27" name="TextBox 26">
-                <a:extLst>
-                  <a:ext uri="{FF2B5EF4-FFF2-40B4-BE49-F238E27FC236}">
-                    <a16:creationId xmlns:a16="http://schemas.microsoft.com/office/drawing/2014/main" id="{8B50DBB1-62F0-BFC6-8322-F908671B06C6}"/>
-                  </a:ext>
-                </a:extLst>
-              </p:cNvPr>
-              <p:cNvSpPr txBox="1"/>
-              <p:nvPr/>
-            </p:nvSpPr>
-            <p:spPr>
-              <a:xfrm>
-                <a:off x="2706529" y="6335301"/>
-                <a:ext cx="1015021" cy="489429"/>
-              </a:xfrm>
-              <a:prstGeom prst="rect">
-                <a:avLst/>
-              </a:prstGeom>
-              <a:noFill/>
-            </p:spPr>
-            <p:txBody>
-              <a:bodyPr wrap="none" rtlCol="0">
-                <a:spAutoFit/>
-              </a:bodyPr>
-              <a:lstStyle/>
-              <a:p>
-                <a:r>
-                  <a:rPr lang="en-US" dirty="0"/>
-                  <a:t>MCL = </a:t>
-                </a:r>
-                <a14:m>
-                  <m:oMath xmlns:m="http://schemas.openxmlformats.org/officeDocument/2006/math">
-                    <m:f>
-                      <m:fPr>
-                        <m:ctrlPr>
-                          <a:rPr lang="en-US" b="0" i="1" smtClean="0">
-                            <a:latin typeface="Cambria Math" panose="02040503050406030204" pitchFamily="18" charset="0"/>
-                          </a:rPr>
-                        </m:ctrlPr>
-                      </m:fPr>
-                      <m:num>
-                        <m:r>
-                          <a:rPr lang="en-US" b="0" i="1" smtClean="0">
-                            <a:latin typeface="Cambria Math" panose="02040503050406030204" pitchFamily="18" charset="0"/>
-                          </a:rPr>
-                          <m:t>5</m:t>
-                        </m:r>
-                      </m:num>
-                      <m:den>
-                        <m:r>
-                          <a:rPr lang="en-US" b="0" i="1" smtClean="0">
-                            <a:latin typeface="Cambria Math" panose="02040503050406030204" pitchFamily="18" charset="0"/>
-                          </a:rPr>
-                          <m:t>39</m:t>
-                        </m:r>
-                      </m:den>
-                    </m:f>
-                  </m:oMath>
-                </a14:m>
-                <a:endParaRPr lang="en-US" dirty="0"/>
-              </a:p>
-            </p:txBody>
-          </p:sp>
-        </mc:Choice>
-        <mc:Fallback xmlns="">
-          <p:sp>
-            <p:nvSpPr>
-              <p:cNvPr id="27" name="TextBox 26">
-                <a:extLst>
-                  <a:ext uri="{FF2B5EF4-FFF2-40B4-BE49-F238E27FC236}">
-                    <a16:creationId xmlns:a16="http://schemas.microsoft.com/office/drawing/2014/main" id="{8B50DBB1-62F0-BFC6-8322-F908671B06C6}"/>
-                  </a:ext>
-                </a:extLst>
-              </p:cNvPr>
-              <p:cNvSpPr txBox="1">
-                <a:spLocks noRot="1" noChangeAspect="1" noMove="1" noResize="1" noEditPoints="1" noAdjustHandles="1" noChangeArrowheads="1" noChangeShapeType="1" noTextEdit="1"/>
-              </p:cNvSpPr>
-              <p:nvPr/>
-            </p:nvSpPr>
-            <p:spPr>
-              <a:xfrm>
-                <a:off x="2706529" y="6335301"/>
-                <a:ext cx="1015021" cy="489429"/>
-              </a:xfrm>
-              <a:prstGeom prst="rect">
-                <a:avLst/>
-              </a:prstGeom>
-              <a:blipFill>
-                <a:blip r:embed="rId4"/>
-                <a:stretch>
-                  <a:fillRect l="-5422" b="-6173"/>
-                </a:stretch>
-              </a:blipFill>
-            </p:spPr>
-            <p:txBody>
-              <a:bodyPr/>
-              <a:lstStyle/>
-              <a:p>
-                <a:r>
-                  <a:rPr lang="en-US">
-                    <a:noFill/>
-                  </a:rPr>
-                  <a:t> </a:t>
-                </a:r>
-              </a:p>
-            </p:txBody>
-          </p:sp>
-        </mc:Fallback>
-      </mc:AlternateContent>
-      <mc:AlternateContent xmlns:mc="http://schemas.openxmlformats.org/markup-compatibility/2006" xmlns:a14="http://schemas.microsoft.com/office/drawing/2010/main">
-        <mc:Choice Requires="a14">
-          <p:sp>
-            <p:nvSpPr>
-              <p:cNvPr id="28" name="TextBox 27">
-                <a:extLst>
-                  <a:ext uri="{FF2B5EF4-FFF2-40B4-BE49-F238E27FC236}">
-                    <a16:creationId xmlns:a16="http://schemas.microsoft.com/office/drawing/2014/main" id="{FAE898F9-4226-AD7E-7636-985731F0B5EE}"/>
-                  </a:ext>
-                </a:extLst>
-              </p:cNvPr>
-              <p:cNvSpPr txBox="1"/>
-              <p:nvPr/>
-            </p:nvSpPr>
-            <p:spPr>
-              <a:xfrm>
-                <a:off x="481466" y="3176144"/>
-                <a:ext cx="1117614" cy="485774"/>
-              </a:xfrm>
-              <a:prstGeom prst="rect">
-                <a:avLst/>
-              </a:prstGeom>
-              <a:noFill/>
-            </p:spPr>
-            <p:txBody>
-              <a:bodyPr wrap="none" rtlCol="0">
-                <a:spAutoFit/>
-              </a:bodyPr>
-              <a:lstStyle/>
-              <a:p>
-                <a:r>
-                  <a:rPr lang="en-US" dirty="0"/>
-                  <a:t>MCL = </a:t>
-                </a:r>
-                <a14:m>
-                  <m:oMath xmlns:m="http://schemas.openxmlformats.org/officeDocument/2006/math">
-                    <m:f>
-                      <m:fPr>
-                        <m:ctrlPr>
-                          <a:rPr lang="en-US" b="0" i="1" smtClean="0">
-                            <a:latin typeface="Cambria Math" panose="02040503050406030204" pitchFamily="18" charset="0"/>
-                          </a:rPr>
-                        </m:ctrlPr>
-                      </m:fPr>
-                      <m:num>
-                        <m:r>
-                          <a:rPr lang="en-US" b="0" i="1" smtClean="0">
-                            <a:latin typeface="Cambria Math" panose="02040503050406030204" pitchFamily="18" charset="0"/>
-                          </a:rPr>
-                          <m:t>40</m:t>
-                        </m:r>
-                      </m:num>
-                      <m:den>
-                        <m:r>
-                          <a:rPr lang="en-US" b="0" i="1" smtClean="0">
-                            <a:latin typeface="Cambria Math" panose="02040503050406030204" pitchFamily="18" charset="0"/>
-                          </a:rPr>
-                          <m:t>100</m:t>
-                        </m:r>
-                      </m:den>
-                    </m:f>
-                  </m:oMath>
-                </a14:m>
-                <a:endParaRPr lang="en-US" dirty="0"/>
-              </a:p>
-            </p:txBody>
-          </p:sp>
-        </mc:Choice>
-        <mc:Fallback xmlns="">
-          <p:sp>
-            <p:nvSpPr>
-              <p:cNvPr id="28" name="TextBox 27">
-                <a:extLst>
-                  <a:ext uri="{FF2B5EF4-FFF2-40B4-BE49-F238E27FC236}">
-                    <a16:creationId xmlns:a16="http://schemas.microsoft.com/office/drawing/2014/main" id="{FAE898F9-4226-AD7E-7636-985731F0B5EE}"/>
-                  </a:ext>
-                </a:extLst>
-              </p:cNvPr>
-              <p:cNvSpPr txBox="1">
-                <a:spLocks noRot="1" noChangeAspect="1" noMove="1" noResize="1" noEditPoints="1" noAdjustHandles="1" noChangeArrowheads="1" noChangeShapeType="1" noTextEdit="1"/>
-              </p:cNvSpPr>
-              <p:nvPr/>
-            </p:nvSpPr>
-            <p:spPr>
-              <a:xfrm>
-                <a:off x="481466" y="3176144"/>
-                <a:ext cx="1117614" cy="485774"/>
-              </a:xfrm>
-              <a:prstGeom prst="rect">
-                <a:avLst/>
-              </a:prstGeom>
-              <a:blipFill>
-                <a:blip r:embed="rId5"/>
-                <a:stretch>
-                  <a:fillRect l="-4918" b="-7500"/>
-                </a:stretch>
-              </a:blipFill>
-            </p:spPr>
-            <p:txBody>
-              <a:bodyPr/>
-              <a:lstStyle/>
-              <a:p>
-                <a:r>
-                  <a:rPr lang="en-US">
-                    <a:noFill/>
-                  </a:rPr>
-                  <a:t> </a:t>
-                </a:r>
-              </a:p>
-            </p:txBody>
-          </p:sp>
-        </mc:Fallback>
-      </mc:AlternateContent>
-      <p:grpSp>
-        <p:nvGrpSpPr>
-          <p:cNvPr id="29" name="Group 28">
-            <a:extLst>
-              <a:ext uri="{FF2B5EF4-FFF2-40B4-BE49-F238E27FC236}">
-                <a16:creationId xmlns:a16="http://schemas.microsoft.com/office/drawing/2014/main" id="{D45E8348-993F-D7A8-D3A7-528FD4951D06}"/>
-              </a:ext>
-            </a:extLst>
-          </p:cNvPr>
-          <p:cNvGrpSpPr/>
-          <p:nvPr/>
-        </p:nvGrpSpPr>
-        <p:grpSpPr>
-          <a:xfrm>
-            <a:off x="7750838" y="2433163"/>
-            <a:ext cx="3031948" cy="3971836"/>
-            <a:chOff x="6287550" y="242604"/>
-            <a:chExt cx="3120703" cy="4088105"/>
-          </a:xfrm>
-        </p:grpSpPr>
-        <p:sp>
-          <p:nvSpPr>
-            <p:cNvPr id="30" name="Oval 29">
-              <a:extLst>
-                <a:ext uri="{FF2B5EF4-FFF2-40B4-BE49-F238E27FC236}">
-                  <a16:creationId xmlns:a16="http://schemas.microsoft.com/office/drawing/2014/main" id="{84155515-FDC0-2720-5235-BD176CCD8D31}"/>
-                </a:ext>
-              </a:extLst>
-            </p:cNvPr>
-            <p:cNvSpPr/>
-            <p:nvPr/>
-          </p:nvSpPr>
-          <p:spPr>
-            <a:xfrm>
-              <a:off x="7214533" y="618381"/>
-              <a:ext cx="1350627" cy="1249960"/>
-            </a:xfrm>
-            <a:prstGeom prst="ellipse">
-              <a:avLst/>
-            </a:prstGeom>
-          </p:spPr>
-          <p:style>
-            <a:lnRef idx="2">
-              <a:schemeClr val="accent1">
-                <a:shade val="15000"/>
-              </a:schemeClr>
-            </a:lnRef>
-            <a:fillRef idx="1">
-              <a:schemeClr val="accent1"/>
-            </a:fillRef>
-            <a:effectRef idx="0">
-              <a:schemeClr val="accent1"/>
-            </a:effectRef>
-            <a:fontRef idx="minor">
-              <a:schemeClr val="lt1"/>
-            </a:fontRef>
-          </p:style>
-          <p:txBody>
-            <a:bodyPr rtlCol="0" anchor="ctr"/>
-            <a:lstStyle/>
-            <a:p>
-              <a:pPr algn="ctr"/>
-              <a:r>
-                <a:rPr lang="en-US" dirty="0"/>
-                <a:t>Holiday?</a:t>
-              </a:r>
-            </a:p>
-          </p:txBody>
-        </p:sp>
-        <p:cxnSp>
-          <p:nvCxnSpPr>
-            <p:cNvPr id="31" name="Straight Arrow Connector 30">
-              <a:extLst>
-                <a:ext uri="{FF2B5EF4-FFF2-40B4-BE49-F238E27FC236}">
-                  <a16:creationId xmlns:a16="http://schemas.microsoft.com/office/drawing/2014/main" id="{289DD469-F55C-DA95-0FE1-26C41CC39105}"/>
-                </a:ext>
-              </a:extLst>
-            </p:cNvPr>
-            <p:cNvCxnSpPr>
-              <a:cxnSpLocks/>
-              <a:stCxn id="30" idx="4"/>
-            </p:cNvCxnSpPr>
-            <p:nvPr/>
-          </p:nvCxnSpPr>
-          <p:spPr>
-            <a:xfrm flipH="1">
-              <a:off x="6962863" y="1868341"/>
-              <a:ext cx="926984" cy="922789"/>
-            </a:xfrm>
-            <a:prstGeom prst="straightConnector1">
-              <a:avLst/>
-            </a:prstGeom>
-            <a:ln>
-              <a:tailEnd type="triangle"/>
-            </a:ln>
-          </p:spPr>
-          <p:style>
-            <a:lnRef idx="1">
-              <a:schemeClr val="accent1"/>
-            </a:lnRef>
-            <a:fillRef idx="0">
-              <a:schemeClr val="accent1"/>
-            </a:fillRef>
-            <a:effectRef idx="0">
-              <a:schemeClr val="accent1"/>
-            </a:effectRef>
-            <a:fontRef idx="minor">
-              <a:schemeClr val="tx1"/>
-            </a:fontRef>
-          </p:style>
-        </p:cxnSp>
-        <p:cxnSp>
-          <p:nvCxnSpPr>
-            <p:cNvPr id="32" name="Straight Arrow Connector 31">
-              <a:extLst>
-                <a:ext uri="{FF2B5EF4-FFF2-40B4-BE49-F238E27FC236}">
-                  <a16:creationId xmlns:a16="http://schemas.microsoft.com/office/drawing/2014/main" id="{73247E2E-B2B6-34B0-F17C-6287BAA2F37E}"/>
-                </a:ext>
-              </a:extLst>
-            </p:cNvPr>
-            <p:cNvCxnSpPr>
-              <a:cxnSpLocks/>
-              <a:stCxn id="30" idx="4"/>
-            </p:cNvCxnSpPr>
-            <p:nvPr/>
-          </p:nvCxnSpPr>
-          <p:spPr>
-            <a:xfrm>
-              <a:off x="7889847" y="1868341"/>
-              <a:ext cx="843093" cy="922789"/>
-            </a:xfrm>
-            <a:prstGeom prst="straightConnector1">
-              <a:avLst/>
-            </a:prstGeom>
-            <a:ln>
-              <a:tailEnd type="triangle"/>
-            </a:ln>
-          </p:spPr>
-          <p:style>
-            <a:lnRef idx="1">
-              <a:schemeClr val="accent1"/>
-            </a:lnRef>
-            <a:fillRef idx="0">
-              <a:schemeClr val="accent1"/>
-            </a:fillRef>
-            <a:effectRef idx="0">
-              <a:schemeClr val="accent1"/>
-            </a:effectRef>
-            <a:fontRef idx="minor">
-              <a:schemeClr val="tx1"/>
-            </a:fontRef>
-          </p:style>
-        </p:cxnSp>
-        <p:sp>
-          <p:nvSpPr>
-            <p:cNvPr id="33" name="TextBox 32">
-              <a:extLst>
-                <a:ext uri="{FF2B5EF4-FFF2-40B4-BE49-F238E27FC236}">
-                  <a16:creationId xmlns:a16="http://schemas.microsoft.com/office/drawing/2014/main" id="{CF1009FE-36D7-36D9-E3A9-05BAFF929E9E}"/>
-                </a:ext>
-              </a:extLst>
-            </p:cNvPr>
-            <p:cNvSpPr txBox="1"/>
-            <p:nvPr/>
-          </p:nvSpPr>
-          <p:spPr>
-            <a:xfrm>
-              <a:off x="6940837" y="2086347"/>
-              <a:ext cx="485519" cy="369332"/>
-            </a:xfrm>
-            <a:prstGeom prst="rect">
-              <a:avLst/>
-            </a:prstGeom>
-            <a:noFill/>
-          </p:spPr>
-          <p:txBody>
-            <a:bodyPr wrap="none" rtlCol="0">
-              <a:spAutoFit/>
-            </a:bodyPr>
-            <a:lstStyle/>
-            <a:p>
-              <a:r>
-                <a:rPr lang="en-US" dirty="0"/>
-                <a:t>Yes</a:t>
-              </a:r>
-            </a:p>
-          </p:txBody>
-        </p:sp>
-        <p:sp>
-          <p:nvSpPr>
-            <p:cNvPr id="34" name="TextBox 33">
-              <a:extLst>
-                <a:ext uri="{FF2B5EF4-FFF2-40B4-BE49-F238E27FC236}">
-                  <a16:creationId xmlns:a16="http://schemas.microsoft.com/office/drawing/2014/main" id="{48073763-1424-AB7A-E72F-FECD5F19E3D7}"/>
-                </a:ext>
-              </a:extLst>
-            </p:cNvPr>
-            <p:cNvSpPr txBox="1"/>
-            <p:nvPr/>
-          </p:nvSpPr>
-          <p:spPr>
-            <a:xfrm>
-              <a:off x="8490181" y="2086347"/>
-              <a:ext cx="455574" cy="369332"/>
-            </a:xfrm>
-            <a:prstGeom prst="rect">
-              <a:avLst/>
-            </a:prstGeom>
-            <a:noFill/>
-          </p:spPr>
-          <p:txBody>
-            <a:bodyPr wrap="none" rtlCol="0">
-              <a:spAutoFit/>
-            </a:bodyPr>
-            <a:lstStyle/>
-            <a:p>
-              <a:r>
-                <a:rPr lang="en-US" dirty="0"/>
-                <a:t>No</a:t>
-              </a:r>
-            </a:p>
-          </p:txBody>
-        </p:sp>
-        <p:sp>
-          <p:nvSpPr>
-            <p:cNvPr id="35" name="Oval 34">
-              <a:extLst>
-                <a:ext uri="{FF2B5EF4-FFF2-40B4-BE49-F238E27FC236}">
-                  <a16:creationId xmlns:a16="http://schemas.microsoft.com/office/drawing/2014/main" id="{F28A6C95-752D-5656-B2FD-82A97AB173AD}"/>
-                </a:ext>
-              </a:extLst>
-            </p:cNvPr>
-            <p:cNvSpPr/>
-            <p:nvPr/>
-          </p:nvSpPr>
-          <p:spPr>
-            <a:xfrm>
-              <a:off x="8057626" y="2804020"/>
-              <a:ext cx="1350627" cy="1249960"/>
-            </a:xfrm>
-            <a:prstGeom prst="ellipse">
-              <a:avLst/>
-            </a:prstGeom>
-          </p:spPr>
-          <p:style>
-            <a:lnRef idx="2">
-              <a:schemeClr val="accent1">
-                <a:shade val="15000"/>
-              </a:schemeClr>
-            </a:lnRef>
-            <a:fillRef idx="1">
-              <a:schemeClr val="accent1"/>
-            </a:fillRef>
-            <a:effectRef idx="0">
-              <a:schemeClr val="accent1"/>
-            </a:effectRef>
-            <a:fontRef idx="minor">
-              <a:schemeClr val="lt1"/>
-            </a:fontRef>
-          </p:style>
-          <p:txBody>
-            <a:bodyPr rtlCol="0" anchor="ctr"/>
-            <a:lstStyle/>
-            <a:p>
-              <a:pPr algn="ctr"/>
-              <a:r>
-                <a:rPr lang="en-US" dirty="0" err="1"/>
-                <a:t>Bajji</a:t>
-              </a:r>
-              <a:endParaRPr lang="en-US" dirty="0"/>
-            </a:p>
-          </p:txBody>
-        </p:sp>
-        <p:sp>
-          <p:nvSpPr>
-            <p:cNvPr id="36" name="Oval 35">
-              <a:extLst>
-                <a:ext uri="{FF2B5EF4-FFF2-40B4-BE49-F238E27FC236}">
-                  <a16:creationId xmlns:a16="http://schemas.microsoft.com/office/drawing/2014/main" id="{98230F52-E715-C2A2-28E2-A486A6913340}"/>
-                </a:ext>
-              </a:extLst>
-            </p:cNvPr>
-            <p:cNvSpPr/>
-            <p:nvPr/>
-          </p:nvSpPr>
-          <p:spPr>
-            <a:xfrm>
-              <a:off x="6287550" y="2791130"/>
-              <a:ext cx="1350627" cy="1249960"/>
-            </a:xfrm>
-            <a:prstGeom prst="ellipse">
-              <a:avLst/>
-            </a:prstGeom>
-            <a:solidFill>
-              <a:srgbClr val="4472C4"/>
-            </a:solidFill>
-          </p:spPr>
-          <p:style>
-            <a:lnRef idx="2">
-              <a:schemeClr val="accent1">
-                <a:shade val="15000"/>
-              </a:schemeClr>
-            </a:lnRef>
-            <a:fillRef idx="1">
-              <a:schemeClr val="accent1"/>
-            </a:fillRef>
-            <a:effectRef idx="0">
-              <a:schemeClr val="accent1"/>
-            </a:effectRef>
-            <a:fontRef idx="minor">
-              <a:schemeClr val="lt1"/>
-            </a:fontRef>
-          </p:style>
-          <p:txBody>
-            <a:bodyPr rtlCol="0" anchor="ctr"/>
-            <a:lstStyle/>
-            <a:p>
-              <a:pPr algn="ctr"/>
-              <a:r>
-                <a:rPr lang="en-US" dirty="0"/>
-                <a:t>Ice Cream</a:t>
-              </a:r>
-            </a:p>
-          </p:txBody>
-        </p:sp>
-        <p:sp>
-          <p:nvSpPr>
-            <p:cNvPr id="37" name="TextBox 36">
-              <a:extLst>
-                <a:ext uri="{FF2B5EF4-FFF2-40B4-BE49-F238E27FC236}">
-                  <a16:creationId xmlns:a16="http://schemas.microsoft.com/office/drawing/2014/main" id="{E47B6AEA-C3B5-233E-BF2A-31702305A2A2}"/>
-                </a:ext>
-              </a:extLst>
-            </p:cNvPr>
-            <p:cNvSpPr txBox="1"/>
-            <p:nvPr/>
-          </p:nvSpPr>
-          <p:spPr>
-            <a:xfrm>
-              <a:off x="7296542" y="242604"/>
-              <a:ext cx="1186607" cy="369332"/>
-            </a:xfrm>
-            <a:prstGeom prst="rect">
-              <a:avLst/>
-            </a:prstGeom>
-            <a:noFill/>
-          </p:spPr>
-          <p:txBody>
-            <a:bodyPr wrap="none" rtlCol="0">
-              <a:spAutoFit/>
-            </a:bodyPr>
-            <a:lstStyle/>
-            <a:p>
-              <a:r>
-                <a:rPr lang="en-US" dirty="0"/>
-                <a:t>Root Node</a:t>
-              </a:r>
-            </a:p>
-          </p:txBody>
-        </p:sp>
-        <p:sp>
-          <p:nvSpPr>
-            <p:cNvPr id="38" name="TextBox 37">
-              <a:extLst>
-                <a:ext uri="{FF2B5EF4-FFF2-40B4-BE49-F238E27FC236}">
-                  <a16:creationId xmlns:a16="http://schemas.microsoft.com/office/drawing/2014/main" id="{200CC094-5B88-559D-48B6-72CD618593ED}"/>
-                </a:ext>
-              </a:extLst>
-            </p:cNvPr>
-            <p:cNvSpPr txBox="1"/>
-            <p:nvPr/>
-          </p:nvSpPr>
-          <p:spPr>
-            <a:xfrm>
-              <a:off x="6328967" y="3961377"/>
-              <a:ext cx="1138711" cy="369332"/>
-            </a:xfrm>
-            <a:prstGeom prst="rect">
-              <a:avLst/>
-            </a:prstGeom>
-            <a:noFill/>
-          </p:spPr>
-          <p:txBody>
-            <a:bodyPr wrap="none" rtlCol="0">
-              <a:spAutoFit/>
-            </a:bodyPr>
-            <a:lstStyle/>
-            <a:p>
-              <a:r>
-                <a:rPr lang="en-US" dirty="0"/>
-                <a:t>Leaf Node</a:t>
-              </a:r>
-            </a:p>
-          </p:txBody>
-        </p:sp>
-        <p:sp>
-          <p:nvSpPr>
-            <p:cNvPr id="39" name="TextBox 38">
-              <a:extLst>
-                <a:ext uri="{FF2B5EF4-FFF2-40B4-BE49-F238E27FC236}">
-                  <a16:creationId xmlns:a16="http://schemas.microsoft.com/office/drawing/2014/main" id="{B862949B-92FE-373B-EACC-9CCEDAF9547D}"/>
-                </a:ext>
-              </a:extLst>
-            </p:cNvPr>
-            <p:cNvSpPr txBox="1"/>
-            <p:nvPr/>
-          </p:nvSpPr>
-          <p:spPr>
-            <a:xfrm>
-              <a:off x="8163584" y="3961377"/>
-              <a:ext cx="1138711" cy="369332"/>
-            </a:xfrm>
-            <a:prstGeom prst="rect">
-              <a:avLst/>
-            </a:prstGeom>
-            <a:noFill/>
-          </p:spPr>
-          <p:txBody>
-            <a:bodyPr wrap="none" rtlCol="0">
-              <a:spAutoFit/>
-            </a:bodyPr>
-            <a:lstStyle/>
-            <a:p>
-              <a:r>
-                <a:rPr lang="en-US" dirty="0"/>
-                <a:t>Leaf Node</a:t>
-              </a:r>
-            </a:p>
-          </p:txBody>
-        </p:sp>
-      </p:grpSp>
-      <p:sp>
-        <p:nvSpPr>
-          <p:cNvPr id="40" name="TextBox 39">
-            <a:extLst>
-              <a:ext uri="{FF2B5EF4-FFF2-40B4-BE49-F238E27FC236}">
-                <a16:creationId xmlns:a16="http://schemas.microsoft.com/office/drawing/2014/main" id="{AEB5DC5E-258B-9A5B-2816-E98ABF5C870B}"/>
-              </a:ext>
-            </a:extLst>
-          </p:cNvPr>
-          <p:cNvSpPr txBox="1"/>
-          <p:nvPr/>
-        </p:nvSpPr>
-        <p:spPr>
-          <a:xfrm>
-            <a:off x="10021904" y="3036906"/>
-            <a:ext cx="1521763" cy="646331"/>
-          </a:xfrm>
-          <a:prstGeom prst="rect">
-            <a:avLst/>
-          </a:prstGeom>
-          <a:noFill/>
-        </p:spPr>
-        <p:txBody>
-          <a:bodyPr wrap="none" rtlCol="0">
-            <a:spAutoFit/>
-          </a:bodyPr>
-          <a:lstStyle/>
-          <a:p>
-            <a:r>
-              <a:rPr lang="en-US" dirty="0"/>
-              <a:t>#Ice Cream 60</a:t>
-            </a:r>
-          </a:p>
-          <a:p>
-            <a:r>
-              <a:rPr lang="en-US" dirty="0"/>
-              <a:t>#Bajji 40</a:t>
-            </a:r>
-          </a:p>
-        </p:txBody>
-      </p:sp>
-      <p:sp>
-        <p:nvSpPr>
-          <p:cNvPr id="41" name="TextBox 40">
-            <a:extLst>
-              <a:ext uri="{FF2B5EF4-FFF2-40B4-BE49-F238E27FC236}">
-                <a16:creationId xmlns:a16="http://schemas.microsoft.com/office/drawing/2014/main" id="{69B286DE-8DD1-0098-469F-6743F02ED02F}"/>
-              </a:ext>
-            </a:extLst>
-          </p:cNvPr>
-          <p:cNvSpPr txBox="1"/>
-          <p:nvPr/>
-        </p:nvSpPr>
-        <p:spPr>
-          <a:xfrm>
-            <a:off x="6920410" y="4607305"/>
-            <a:ext cx="1521763" cy="646331"/>
-          </a:xfrm>
-          <a:prstGeom prst="rect">
-            <a:avLst/>
-          </a:prstGeom>
-          <a:noFill/>
-        </p:spPr>
-        <p:txBody>
-          <a:bodyPr wrap="none" rtlCol="0">
-            <a:spAutoFit/>
-          </a:bodyPr>
-          <a:lstStyle/>
-          <a:p>
-            <a:r>
-              <a:rPr lang="en-US" dirty="0"/>
-              <a:t>#Ice Cream 35</a:t>
-            </a:r>
-          </a:p>
-          <a:p>
-            <a:r>
-              <a:rPr lang="en-US" dirty="0"/>
-              <a:t>#Bajji 15</a:t>
-            </a:r>
-          </a:p>
-        </p:txBody>
-      </p:sp>
-      <p:sp>
-        <p:nvSpPr>
-          <p:cNvPr id="42" name="TextBox 41">
-            <a:extLst>
-              <a:ext uri="{FF2B5EF4-FFF2-40B4-BE49-F238E27FC236}">
-                <a16:creationId xmlns:a16="http://schemas.microsoft.com/office/drawing/2014/main" id="{38EA5852-23D6-1864-34C4-AD92478ED447}"/>
-              </a:ext>
-            </a:extLst>
-          </p:cNvPr>
-          <p:cNvSpPr txBox="1"/>
-          <p:nvPr/>
-        </p:nvSpPr>
-        <p:spPr>
-          <a:xfrm>
-            <a:off x="10116231" y="4607305"/>
-            <a:ext cx="1521763" cy="646331"/>
-          </a:xfrm>
-          <a:prstGeom prst="rect">
-            <a:avLst/>
-          </a:prstGeom>
-          <a:noFill/>
-        </p:spPr>
-        <p:txBody>
-          <a:bodyPr wrap="none" rtlCol="0">
-            <a:spAutoFit/>
-          </a:bodyPr>
-          <a:lstStyle/>
-          <a:p>
-            <a:pPr algn="r"/>
-            <a:r>
-              <a:rPr lang="en-US" dirty="0"/>
-              <a:t>#Ice Cream 25</a:t>
-            </a:r>
-          </a:p>
-          <a:p>
-            <a:pPr algn="r"/>
-            <a:r>
-              <a:rPr lang="en-US" dirty="0"/>
-              <a:t>#Bajji 25</a:t>
-            </a:r>
-          </a:p>
-        </p:txBody>
-      </p:sp>
-      <mc:AlternateContent xmlns:mc="http://schemas.openxmlformats.org/markup-compatibility/2006" xmlns:a14="http://schemas.microsoft.com/office/drawing/2010/main">
-        <mc:Choice Requires="a14">
-          <p:sp>
-            <p:nvSpPr>
-              <p:cNvPr id="43" name="TextBox 42">
-                <a:extLst>
-                  <a:ext uri="{FF2B5EF4-FFF2-40B4-BE49-F238E27FC236}">
-                    <a16:creationId xmlns:a16="http://schemas.microsoft.com/office/drawing/2014/main" id="{32433729-1DA1-F08F-46E4-12E2D22A9128}"/>
-                  </a:ext>
-                </a:extLst>
-              </p:cNvPr>
-              <p:cNvSpPr txBox="1"/>
-              <p:nvPr/>
-            </p:nvSpPr>
-            <p:spPr>
-              <a:xfrm>
-                <a:off x="7897029" y="6337128"/>
-                <a:ext cx="1019831" cy="485774"/>
-              </a:xfrm>
-              <a:prstGeom prst="rect">
-                <a:avLst/>
-              </a:prstGeom>
-              <a:noFill/>
-            </p:spPr>
-            <p:txBody>
-              <a:bodyPr wrap="none" rtlCol="0">
-                <a:spAutoFit/>
-              </a:bodyPr>
-              <a:lstStyle/>
-              <a:p>
-                <a:r>
-                  <a:rPr lang="en-US" dirty="0"/>
-                  <a:t>MCL = </a:t>
-                </a:r>
-                <a14:m>
-                  <m:oMath xmlns:m="http://schemas.openxmlformats.org/officeDocument/2006/math">
-                    <m:f>
-                      <m:fPr>
-                        <m:ctrlPr>
-                          <a:rPr lang="en-US" b="0" i="1" smtClean="0">
-                            <a:latin typeface="Cambria Math" panose="02040503050406030204" pitchFamily="18" charset="0"/>
-                          </a:rPr>
-                        </m:ctrlPr>
-                      </m:fPr>
-                      <m:num>
-                        <m:r>
-                          <a:rPr lang="en-US" b="0" i="1" smtClean="0">
-                            <a:latin typeface="Cambria Math" panose="02040503050406030204" pitchFamily="18" charset="0"/>
-                          </a:rPr>
-                          <m:t>15</m:t>
-                        </m:r>
-                      </m:num>
-                      <m:den>
-                        <m:r>
-                          <a:rPr lang="en-US" b="0" i="1" smtClean="0">
-                            <a:latin typeface="Cambria Math" panose="02040503050406030204" pitchFamily="18" charset="0"/>
-                          </a:rPr>
-                          <m:t>50</m:t>
-                        </m:r>
-                      </m:den>
-                    </m:f>
-                  </m:oMath>
-                </a14:m>
-                <a:endParaRPr lang="en-US" dirty="0"/>
-              </a:p>
-            </p:txBody>
-          </p:sp>
-        </mc:Choice>
-        <mc:Fallback xmlns="">
-          <p:sp>
-            <p:nvSpPr>
-              <p:cNvPr id="43" name="TextBox 42">
-                <a:extLst>
-                  <a:ext uri="{FF2B5EF4-FFF2-40B4-BE49-F238E27FC236}">
-                    <a16:creationId xmlns:a16="http://schemas.microsoft.com/office/drawing/2014/main" id="{32433729-1DA1-F08F-46E4-12E2D22A9128}"/>
-                  </a:ext>
-                </a:extLst>
-              </p:cNvPr>
-              <p:cNvSpPr txBox="1">
-                <a:spLocks noRot="1" noChangeAspect="1" noMove="1" noResize="1" noEditPoints="1" noAdjustHandles="1" noChangeArrowheads="1" noChangeShapeType="1" noTextEdit="1"/>
-              </p:cNvSpPr>
-              <p:nvPr/>
-            </p:nvSpPr>
-            <p:spPr>
-              <a:xfrm>
-                <a:off x="7897029" y="6337128"/>
-                <a:ext cx="1019831" cy="485774"/>
-              </a:xfrm>
-              <a:prstGeom prst="rect">
-                <a:avLst/>
-              </a:prstGeom>
-              <a:blipFill>
-                <a:blip r:embed="rId6"/>
-                <a:stretch>
-                  <a:fillRect l="-4762" b="-8861"/>
-                </a:stretch>
-              </a:blipFill>
-            </p:spPr>
-            <p:txBody>
-              <a:bodyPr/>
-              <a:lstStyle/>
-              <a:p>
-                <a:r>
-                  <a:rPr lang="en-US">
-                    <a:noFill/>
-                  </a:rPr>
-                  <a:t> </a:t>
-                </a:r>
-              </a:p>
-            </p:txBody>
-          </p:sp>
-        </mc:Fallback>
-      </mc:AlternateContent>
-      <mc:AlternateContent xmlns:mc="http://schemas.openxmlformats.org/markup-compatibility/2006" xmlns:a14="http://schemas.microsoft.com/office/drawing/2010/main">
-        <mc:Choice Requires="a14">
-          <p:sp>
-            <p:nvSpPr>
-              <p:cNvPr id="44" name="TextBox 43">
-                <a:extLst>
-                  <a:ext uri="{FF2B5EF4-FFF2-40B4-BE49-F238E27FC236}">
-                    <a16:creationId xmlns:a16="http://schemas.microsoft.com/office/drawing/2014/main" id="{1EB8F219-0DAB-12E9-B3F5-18892EB1C547}"/>
-                  </a:ext>
-                </a:extLst>
-              </p:cNvPr>
-              <p:cNvSpPr txBox="1"/>
-              <p:nvPr/>
-            </p:nvSpPr>
-            <p:spPr>
-              <a:xfrm>
-                <a:off x="9619167" y="6335301"/>
-                <a:ext cx="1015021" cy="489429"/>
-              </a:xfrm>
-              <a:prstGeom prst="rect">
-                <a:avLst/>
-              </a:prstGeom>
-              <a:noFill/>
-            </p:spPr>
-            <p:txBody>
-              <a:bodyPr wrap="none" rtlCol="0">
-                <a:spAutoFit/>
-              </a:bodyPr>
-              <a:lstStyle/>
-              <a:p>
-                <a:r>
-                  <a:rPr lang="en-US" dirty="0"/>
-                  <a:t>MCL = </a:t>
-                </a:r>
-                <a14:m>
-                  <m:oMath xmlns:m="http://schemas.openxmlformats.org/officeDocument/2006/math">
-                    <m:f>
-                      <m:fPr>
-                        <m:ctrlPr>
-                          <a:rPr lang="en-US" b="0" i="1" smtClean="0">
-                            <a:latin typeface="Cambria Math" panose="02040503050406030204" pitchFamily="18" charset="0"/>
-                          </a:rPr>
-                        </m:ctrlPr>
-                      </m:fPr>
-                      <m:num>
-                        <m:r>
-                          <a:rPr lang="en-US" b="0" i="1" smtClean="0">
-                            <a:latin typeface="Cambria Math" panose="02040503050406030204" pitchFamily="18" charset="0"/>
-                          </a:rPr>
-                          <m:t>25</m:t>
-                        </m:r>
-                      </m:num>
-                      <m:den>
-                        <m:r>
-                          <a:rPr lang="en-US" b="0" i="1" smtClean="0">
-                            <a:latin typeface="Cambria Math" panose="02040503050406030204" pitchFamily="18" charset="0"/>
-                          </a:rPr>
-                          <m:t>50</m:t>
-                        </m:r>
-                      </m:den>
-                    </m:f>
-                  </m:oMath>
-                </a14:m>
-                <a:endParaRPr lang="en-US" dirty="0"/>
-              </a:p>
-            </p:txBody>
-          </p:sp>
-        </mc:Choice>
-        <mc:Fallback xmlns="">
-          <p:sp>
-            <p:nvSpPr>
-              <p:cNvPr id="44" name="TextBox 43">
-                <a:extLst>
-                  <a:ext uri="{FF2B5EF4-FFF2-40B4-BE49-F238E27FC236}">
-                    <a16:creationId xmlns:a16="http://schemas.microsoft.com/office/drawing/2014/main" id="{1EB8F219-0DAB-12E9-B3F5-18892EB1C547}"/>
-                  </a:ext>
-                </a:extLst>
-              </p:cNvPr>
-              <p:cNvSpPr txBox="1">
-                <a:spLocks noRot="1" noChangeAspect="1" noMove="1" noResize="1" noEditPoints="1" noAdjustHandles="1" noChangeArrowheads="1" noChangeShapeType="1" noTextEdit="1"/>
-              </p:cNvSpPr>
-              <p:nvPr/>
-            </p:nvSpPr>
-            <p:spPr>
-              <a:xfrm>
-                <a:off x="9619167" y="6335301"/>
-                <a:ext cx="1015021" cy="489429"/>
-              </a:xfrm>
-              <a:prstGeom prst="rect">
-                <a:avLst/>
-              </a:prstGeom>
-              <a:blipFill>
-                <a:blip r:embed="rId7"/>
-                <a:stretch>
-                  <a:fillRect l="-5422" b="-6173"/>
-                </a:stretch>
-              </a:blipFill>
-            </p:spPr>
-            <p:txBody>
-              <a:bodyPr/>
-              <a:lstStyle/>
-              <a:p>
-                <a:r>
-                  <a:rPr lang="en-US">
-                    <a:noFill/>
-                  </a:rPr>
-                  <a:t> </a:t>
-                </a:r>
-              </a:p>
-            </p:txBody>
-          </p:sp>
-        </mc:Fallback>
-      </mc:AlternateContent>
-      <mc:AlternateContent xmlns:mc="http://schemas.openxmlformats.org/markup-compatibility/2006" xmlns:a14="http://schemas.microsoft.com/office/drawing/2010/main">
-        <mc:Choice Requires="a14">
-          <p:sp>
-            <p:nvSpPr>
-              <p:cNvPr id="45" name="TextBox 44">
-                <a:extLst>
-                  <a:ext uri="{FF2B5EF4-FFF2-40B4-BE49-F238E27FC236}">
-                    <a16:creationId xmlns:a16="http://schemas.microsoft.com/office/drawing/2014/main" id="{256A487B-546C-60FF-B8FD-9F9E76290BAB}"/>
-                  </a:ext>
-                </a:extLst>
-              </p:cNvPr>
-              <p:cNvSpPr txBox="1"/>
-              <p:nvPr/>
-            </p:nvSpPr>
-            <p:spPr>
-              <a:xfrm>
-                <a:off x="7394104" y="3176144"/>
-                <a:ext cx="1117614" cy="485774"/>
-              </a:xfrm>
-              <a:prstGeom prst="rect">
-                <a:avLst/>
-              </a:prstGeom>
-              <a:noFill/>
-            </p:spPr>
-            <p:txBody>
-              <a:bodyPr wrap="none" rtlCol="0">
-                <a:spAutoFit/>
-              </a:bodyPr>
-              <a:lstStyle/>
-              <a:p>
-                <a:r>
-                  <a:rPr lang="en-US" dirty="0"/>
-                  <a:t>MCL = </a:t>
-                </a:r>
-                <a14:m>
-                  <m:oMath xmlns:m="http://schemas.openxmlformats.org/officeDocument/2006/math">
-                    <m:f>
-                      <m:fPr>
-                        <m:ctrlPr>
-                          <a:rPr lang="en-US" b="0" i="1" smtClean="0">
-                            <a:latin typeface="Cambria Math" panose="02040503050406030204" pitchFamily="18" charset="0"/>
-                          </a:rPr>
-                        </m:ctrlPr>
-                      </m:fPr>
-                      <m:num>
-                        <m:r>
-                          <a:rPr lang="en-US" b="0" i="1" smtClean="0">
-                            <a:latin typeface="Cambria Math" panose="02040503050406030204" pitchFamily="18" charset="0"/>
-                          </a:rPr>
-                          <m:t>40</m:t>
-                        </m:r>
-                      </m:num>
-                      <m:den>
-                        <m:r>
-                          <a:rPr lang="en-US" b="0" i="1" smtClean="0">
-                            <a:latin typeface="Cambria Math" panose="02040503050406030204" pitchFamily="18" charset="0"/>
-                          </a:rPr>
-                          <m:t>100</m:t>
-                        </m:r>
-                      </m:den>
-                    </m:f>
-                  </m:oMath>
-                </a14:m>
-                <a:endParaRPr lang="en-US" dirty="0"/>
-              </a:p>
-            </p:txBody>
-          </p:sp>
-        </mc:Choice>
-        <mc:Fallback xmlns="">
-          <p:sp>
-            <p:nvSpPr>
-              <p:cNvPr id="45" name="TextBox 44">
-                <a:extLst>
-                  <a:ext uri="{FF2B5EF4-FFF2-40B4-BE49-F238E27FC236}">
-                    <a16:creationId xmlns:a16="http://schemas.microsoft.com/office/drawing/2014/main" id="{256A487B-546C-60FF-B8FD-9F9E76290BAB}"/>
-                  </a:ext>
-                </a:extLst>
-              </p:cNvPr>
-              <p:cNvSpPr txBox="1">
-                <a:spLocks noRot="1" noChangeAspect="1" noMove="1" noResize="1" noEditPoints="1" noAdjustHandles="1" noChangeArrowheads="1" noChangeShapeType="1" noTextEdit="1"/>
-              </p:cNvSpPr>
-              <p:nvPr/>
-            </p:nvSpPr>
-            <p:spPr>
-              <a:xfrm>
-                <a:off x="7394104" y="3176144"/>
-                <a:ext cx="1117614" cy="485774"/>
-              </a:xfrm>
-              <a:prstGeom prst="rect">
-                <a:avLst/>
-              </a:prstGeom>
-              <a:blipFill>
-                <a:blip r:embed="rId8"/>
-                <a:stretch>
-                  <a:fillRect l="-4918" b="-7500"/>
-                </a:stretch>
-              </a:blipFill>
-            </p:spPr>
-            <p:txBody>
-              <a:bodyPr/>
-              <a:lstStyle/>
-              <a:p>
-                <a:r>
-                  <a:rPr lang="en-US">
-                    <a:noFill/>
-                  </a:rPr>
-                  <a:t> </a:t>
-                </a:r>
-              </a:p>
-            </p:txBody>
-          </p:sp>
-        </mc:Fallback>
-      </mc:AlternateContent>
-      <p:sp>
-        <p:nvSpPr>
-          <p:cNvPr id="46" name="Right Brace 45">
-            <a:extLst>
-              <a:ext uri="{FF2B5EF4-FFF2-40B4-BE49-F238E27FC236}">
-                <a16:creationId xmlns:a16="http://schemas.microsoft.com/office/drawing/2014/main" id="{3DF0DC52-60AB-D346-0978-3C324E83FD37}"/>
-              </a:ext>
-            </a:extLst>
-          </p:cNvPr>
-          <p:cNvSpPr/>
-          <p:nvPr/>
-        </p:nvSpPr>
-        <p:spPr>
-          <a:xfrm>
-            <a:off x="4442665" y="2724523"/>
-            <a:ext cx="329044" cy="4133477"/>
-          </a:xfrm>
-          <a:prstGeom prst="rightBrace">
-            <a:avLst>
-              <a:gd name="adj1" fmla="val 33828"/>
-              <a:gd name="adj2" fmla="val 19760"/>
-            </a:avLst>
-          </a:prstGeom>
-        </p:spPr>
-        <p:style>
-          <a:lnRef idx="1">
-            <a:schemeClr val="accent1"/>
-          </a:lnRef>
-          <a:fillRef idx="0">
-            <a:schemeClr val="accent1"/>
-          </a:fillRef>
-          <a:effectRef idx="0">
-            <a:schemeClr val="accent1"/>
-          </a:effectRef>
-          <a:fontRef idx="minor">
-            <a:schemeClr val="tx1"/>
-          </a:fontRef>
-        </p:style>
-        <p:txBody>
-          <a:bodyPr rtlCol="0" anchor="ctr"/>
-          <a:lstStyle/>
-          <a:p>
-            <a:pPr algn="ctr"/>
-            <a:endParaRPr lang="en-US"/>
-          </a:p>
-        </p:txBody>
-      </p:sp>
-      <p:sp>
-        <p:nvSpPr>
-          <p:cNvPr id="47" name="TextBox 46">
-            <a:extLst>
-              <a:ext uri="{FF2B5EF4-FFF2-40B4-BE49-F238E27FC236}">
-                <a16:creationId xmlns:a16="http://schemas.microsoft.com/office/drawing/2014/main" id="{09EAF5D6-C55D-40BE-C095-BA7B1A6ACB74}"/>
-              </a:ext>
-            </a:extLst>
-          </p:cNvPr>
-          <p:cNvSpPr txBox="1"/>
-          <p:nvPr/>
-        </p:nvSpPr>
-        <p:spPr>
-          <a:xfrm>
-            <a:off x="4798595" y="3202353"/>
-            <a:ext cx="1107098" cy="646331"/>
-          </a:xfrm>
-          <a:prstGeom prst="rect">
-            <a:avLst/>
-          </a:prstGeom>
-          <a:noFill/>
-        </p:spPr>
-        <p:txBody>
-          <a:bodyPr wrap="none" rtlCol="0">
-            <a:spAutoFit/>
-          </a:bodyPr>
-          <a:lstStyle/>
-          <a:p>
-            <a:pPr algn="ctr"/>
-            <a:r>
-              <a:rPr lang="en-US" dirty="0"/>
-              <a:t>Total MCL</a:t>
-            </a:r>
-          </a:p>
-          <a:p>
-            <a:pPr algn="ctr"/>
-            <a:r>
-              <a:rPr lang="en-US" dirty="0"/>
-              <a:t>0.226</a:t>
-            </a:r>
-          </a:p>
-        </p:txBody>
-      </p:sp>
-      <p:sp>
-        <p:nvSpPr>
-          <p:cNvPr id="48" name="Right Brace 47">
-            <a:extLst>
-              <a:ext uri="{FF2B5EF4-FFF2-40B4-BE49-F238E27FC236}">
-                <a16:creationId xmlns:a16="http://schemas.microsoft.com/office/drawing/2014/main" id="{C7B96FAD-E7BD-C9E5-5317-B5EC2820627B}"/>
-              </a:ext>
-            </a:extLst>
-          </p:cNvPr>
-          <p:cNvSpPr/>
-          <p:nvPr/>
-        </p:nvSpPr>
-        <p:spPr>
-          <a:xfrm flipH="1">
-            <a:off x="6563288" y="2724522"/>
-            <a:ext cx="329044" cy="4133477"/>
-          </a:xfrm>
-          <a:prstGeom prst="rightBrace">
-            <a:avLst>
-              <a:gd name="adj1" fmla="val 44026"/>
-              <a:gd name="adj2" fmla="val 72528"/>
-            </a:avLst>
-          </a:prstGeom>
-        </p:spPr>
-        <p:style>
-          <a:lnRef idx="1">
-            <a:schemeClr val="accent1"/>
-          </a:lnRef>
-          <a:fillRef idx="0">
-            <a:schemeClr val="accent1"/>
-          </a:fillRef>
-          <a:effectRef idx="0">
-            <a:schemeClr val="accent1"/>
-          </a:effectRef>
-          <a:fontRef idx="minor">
-            <a:schemeClr val="tx1"/>
-          </a:fontRef>
-        </p:style>
-        <p:txBody>
-          <a:bodyPr rtlCol="0" anchor="ctr"/>
-          <a:lstStyle/>
-          <a:p>
-            <a:pPr algn="ctr"/>
-            <a:endParaRPr lang="en-US"/>
-          </a:p>
-        </p:txBody>
-      </p:sp>
-      <p:sp>
-        <p:nvSpPr>
-          <p:cNvPr id="49" name="TextBox 48">
-            <a:extLst>
-              <a:ext uri="{FF2B5EF4-FFF2-40B4-BE49-F238E27FC236}">
-                <a16:creationId xmlns:a16="http://schemas.microsoft.com/office/drawing/2014/main" id="{8BD64874-4F48-CD81-6188-17236835A441}"/>
-              </a:ext>
-            </a:extLst>
-          </p:cNvPr>
-          <p:cNvSpPr txBox="1"/>
-          <p:nvPr/>
-        </p:nvSpPr>
-        <p:spPr>
-          <a:xfrm>
-            <a:off x="5492824" y="5399840"/>
-            <a:ext cx="1107098" cy="646331"/>
-          </a:xfrm>
-          <a:prstGeom prst="rect">
-            <a:avLst/>
-          </a:prstGeom>
-          <a:noFill/>
-        </p:spPr>
-        <p:txBody>
-          <a:bodyPr wrap="none" rtlCol="0">
-            <a:spAutoFit/>
-          </a:bodyPr>
-          <a:lstStyle/>
-          <a:p>
-            <a:pPr algn="ctr"/>
-            <a:r>
-              <a:rPr lang="en-US" dirty="0"/>
-              <a:t>Total MCL</a:t>
-            </a:r>
-          </a:p>
-          <a:p>
-            <a:pPr algn="ctr"/>
-            <a:r>
-              <a:rPr lang="en-US" dirty="0"/>
-              <a:t>0.8</a:t>
-            </a:r>
-          </a:p>
-        </p:txBody>
-      </p:sp>
     </p:spTree>
     <p:extLst>
       <p:ext uri="{BB962C8B-B14F-4D97-AF65-F5344CB8AC3E}">
@@ -27543,2228 +26992,6 @@
           <p:cNvPr id="2" name="Title 1">
             <a:extLst>
               <a:ext uri="{FF2B5EF4-FFF2-40B4-BE49-F238E27FC236}">
-                <a16:creationId xmlns:a16="http://schemas.microsoft.com/office/drawing/2014/main" id="{38EE15E2-EFCE-286C-7DAA-D21755E3D404}"/>
-              </a:ext>
-            </a:extLst>
-          </p:cNvPr>
-          <p:cNvSpPr>
-            <a:spLocks noGrp="1"/>
-          </p:cNvSpPr>
-          <p:nvPr>
-            <p:ph type="title"/>
-          </p:nvPr>
-        </p:nvSpPr>
-        <p:spPr/>
-        <p:txBody>
-          <a:bodyPr/>
-          <a:lstStyle/>
-          <a:p>
-            <a:endParaRPr lang="en-US"/>
-          </a:p>
-        </p:txBody>
-      </p:sp>
-      <p:sp>
-        <p:nvSpPr>
-          <p:cNvPr id="4" name="Oval 3">
-            <a:extLst>
-              <a:ext uri="{FF2B5EF4-FFF2-40B4-BE49-F238E27FC236}">
-                <a16:creationId xmlns:a16="http://schemas.microsoft.com/office/drawing/2014/main" id="{AA92FE50-245A-5820-5CF0-0B57306ED493}"/>
-              </a:ext>
-            </a:extLst>
-          </p:cNvPr>
-          <p:cNvSpPr/>
-          <p:nvPr/>
-        </p:nvSpPr>
-        <p:spPr>
-          <a:xfrm>
-            <a:off x="3867325" y="2801923"/>
-            <a:ext cx="3674378" cy="1610686"/>
-          </a:xfrm>
-          <a:prstGeom prst="ellipse">
-            <a:avLst/>
-          </a:prstGeom>
-        </p:spPr>
-        <p:style>
-          <a:lnRef idx="2">
-            <a:schemeClr val="accent1">
-              <a:shade val="50000"/>
-            </a:schemeClr>
-          </a:lnRef>
-          <a:fillRef idx="1">
-            <a:schemeClr val="accent1"/>
-          </a:fillRef>
-          <a:effectRef idx="0">
-            <a:schemeClr val="accent1"/>
-          </a:effectRef>
-          <a:fontRef idx="minor">
-            <a:schemeClr val="lt1"/>
-          </a:fontRef>
-        </p:style>
-        <p:txBody>
-          <a:bodyPr rtlCol="0" anchor="ctr"/>
-          <a:lstStyle/>
-          <a:p>
-            <a:pPr algn="ctr"/>
-            <a:endParaRPr lang="en-US" dirty="0"/>
-          </a:p>
-        </p:txBody>
-      </p:sp>
-      <p:cxnSp>
-        <p:nvCxnSpPr>
-          <p:cNvPr id="6" name="Straight Connector 5">
-            <a:extLst>
-              <a:ext uri="{FF2B5EF4-FFF2-40B4-BE49-F238E27FC236}">
-                <a16:creationId xmlns:a16="http://schemas.microsoft.com/office/drawing/2014/main" id="{F2DB9599-7A0A-DC70-4D35-20F8DF8A21A4}"/>
-              </a:ext>
-            </a:extLst>
-          </p:cNvPr>
-          <p:cNvCxnSpPr>
-            <a:cxnSpLocks/>
-            <a:endCxn id="4" idx="3"/>
-          </p:cNvCxnSpPr>
-          <p:nvPr/>
-        </p:nvCxnSpPr>
-        <p:spPr>
-          <a:xfrm flipH="1">
-            <a:off x="4405425" y="2801923"/>
-            <a:ext cx="1299089" cy="1374806"/>
-          </a:xfrm>
-          <a:prstGeom prst="line">
-            <a:avLst/>
-          </a:prstGeom>
-        </p:spPr>
-        <p:style>
-          <a:lnRef idx="1">
-            <a:schemeClr val="accent2"/>
-          </a:lnRef>
-          <a:fillRef idx="0">
-            <a:schemeClr val="accent2"/>
-          </a:fillRef>
-          <a:effectRef idx="0">
-            <a:schemeClr val="accent2"/>
-          </a:effectRef>
-          <a:fontRef idx="minor">
-            <a:schemeClr val="tx1"/>
-          </a:fontRef>
-        </p:style>
-      </p:cxnSp>
-      <p:sp>
-        <p:nvSpPr>
-          <p:cNvPr id="7" name="TextBox 6">
-            <a:extLst>
-              <a:ext uri="{FF2B5EF4-FFF2-40B4-BE49-F238E27FC236}">
-                <a16:creationId xmlns:a16="http://schemas.microsoft.com/office/drawing/2014/main" id="{A7482257-C89D-3B85-5563-EFCBEDD4D77C}"/>
-              </a:ext>
-            </a:extLst>
-          </p:cNvPr>
-          <p:cNvSpPr txBox="1"/>
-          <p:nvPr/>
-        </p:nvSpPr>
-        <p:spPr>
-          <a:xfrm>
-            <a:off x="3719994" y="2973987"/>
-            <a:ext cx="1571456" cy="369332"/>
-          </a:xfrm>
-          <a:prstGeom prst="rect">
-            <a:avLst/>
-          </a:prstGeom>
-          <a:noFill/>
-        </p:spPr>
-        <p:txBody>
-          <a:bodyPr wrap="none" rtlCol="0">
-            <a:spAutoFit/>
-          </a:bodyPr>
-          <a:lstStyle/>
-          <a:p>
-            <a:r>
-              <a:rPr lang="en-US" dirty="0"/>
-              <a:t>20% Ice Cream</a:t>
-            </a:r>
-          </a:p>
-        </p:txBody>
-      </p:sp>
-      <p:sp>
-        <p:nvSpPr>
-          <p:cNvPr id="8" name="TextBox 7">
-            <a:extLst>
-              <a:ext uri="{FF2B5EF4-FFF2-40B4-BE49-F238E27FC236}">
-                <a16:creationId xmlns:a16="http://schemas.microsoft.com/office/drawing/2014/main" id="{9A50357D-195B-E3AA-67BA-D61D215D88A5}"/>
-              </a:ext>
-            </a:extLst>
-          </p:cNvPr>
-          <p:cNvSpPr txBox="1"/>
-          <p:nvPr/>
-        </p:nvSpPr>
-        <p:spPr>
-          <a:xfrm>
-            <a:off x="6096000" y="3598877"/>
-            <a:ext cx="1034257" cy="369332"/>
-          </a:xfrm>
-          <a:prstGeom prst="rect">
-            <a:avLst/>
-          </a:prstGeom>
-          <a:noFill/>
-        </p:spPr>
-        <p:txBody>
-          <a:bodyPr wrap="none" rtlCol="0">
-            <a:spAutoFit/>
-          </a:bodyPr>
-          <a:lstStyle/>
-          <a:p>
-            <a:r>
-              <a:rPr lang="en-US" dirty="0"/>
-              <a:t>75% </a:t>
-            </a:r>
-            <a:r>
-              <a:rPr lang="en-US" dirty="0" err="1"/>
-              <a:t>Bajji</a:t>
-            </a:r>
-            <a:endParaRPr lang="en-US" dirty="0"/>
-          </a:p>
-        </p:txBody>
-      </p:sp>
-      <p:sp>
-        <p:nvSpPr>
-          <p:cNvPr id="11" name="Freeform: Shape 10">
-            <a:extLst>
-              <a:ext uri="{FF2B5EF4-FFF2-40B4-BE49-F238E27FC236}">
-                <a16:creationId xmlns:a16="http://schemas.microsoft.com/office/drawing/2014/main" id="{377DF1B8-A5C6-BF2D-17F0-FD88DC3DC249}"/>
-              </a:ext>
-            </a:extLst>
-          </p:cNvPr>
-          <p:cNvSpPr/>
-          <p:nvPr/>
-        </p:nvSpPr>
-        <p:spPr>
-          <a:xfrm>
-            <a:off x="5144118" y="2801923"/>
-            <a:ext cx="736025" cy="1588658"/>
-          </a:xfrm>
-          <a:custGeom>
-            <a:avLst/>
-            <a:gdLst>
-              <a:gd name="connsiteX0" fmla="*/ 677842 w 736025"/>
-              <a:gd name="connsiteY0" fmla="*/ 0 h 1588658"/>
-              <a:gd name="connsiteX1" fmla="*/ 669453 w 736025"/>
-              <a:gd name="connsiteY1" fmla="*/ 813732 h 1588658"/>
-              <a:gd name="connsiteX2" fmla="*/ 6722 w 736025"/>
-              <a:gd name="connsiteY2" fmla="*/ 1551963 h 1588658"/>
-            </a:gdLst>
-            <a:ahLst/>
-            <a:cxnLst>
-              <a:cxn ang="0">
-                <a:pos x="connsiteX0" y="connsiteY0"/>
-              </a:cxn>
-              <a:cxn ang="0">
-                <a:pos x="connsiteX1" y="connsiteY1"/>
-              </a:cxn>
-              <a:cxn ang="0">
-                <a:pos x="connsiteX2" y="connsiteY2"/>
-              </a:cxn>
-            </a:cxnLst>
-            <a:rect l="l" t="t" r="r" b="b"/>
-            <a:pathLst>
-              <a:path w="736025" h="1588658">
-                <a:moveTo>
-                  <a:pt x="677842" y="0"/>
-                </a:moveTo>
-                <a:cubicBezTo>
-                  <a:pt x="729574" y="277536"/>
-                  <a:pt x="781306" y="555072"/>
-                  <a:pt x="669453" y="813732"/>
-                </a:cubicBezTo>
-                <a:cubicBezTo>
-                  <a:pt x="557600" y="1072392"/>
-                  <a:pt x="-71575" y="1753299"/>
-                  <a:pt x="6722" y="1551963"/>
-                </a:cubicBezTo>
-              </a:path>
-            </a:pathLst>
-          </a:custGeom>
-          <a:noFill/>
-        </p:spPr>
-        <p:style>
-          <a:lnRef idx="2">
-            <a:schemeClr val="accent1">
-              <a:shade val="50000"/>
-            </a:schemeClr>
-          </a:lnRef>
-          <a:fillRef idx="1">
-            <a:schemeClr val="accent1"/>
-          </a:fillRef>
-          <a:effectRef idx="0">
-            <a:schemeClr val="accent1"/>
-          </a:effectRef>
-          <a:fontRef idx="minor">
-            <a:schemeClr val="lt1"/>
-          </a:fontRef>
-        </p:style>
-        <p:txBody>
-          <a:bodyPr rtlCol="0" anchor="ctr"/>
-          <a:lstStyle/>
-          <a:p>
-            <a:pPr algn="ctr"/>
-            <a:endParaRPr lang="en-US"/>
-          </a:p>
-        </p:txBody>
-      </p:sp>
-      <p:sp>
-        <p:nvSpPr>
-          <p:cNvPr id="12" name="TextBox 11">
-            <a:extLst>
-              <a:ext uri="{FF2B5EF4-FFF2-40B4-BE49-F238E27FC236}">
-                <a16:creationId xmlns:a16="http://schemas.microsoft.com/office/drawing/2014/main" id="{292A4A18-74F0-D0FB-86CF-B5DBB5A242A4}"/>
-              </a:ext>
-            </a:extLst>
-          </p:cNvPr>
-          <p:cNvSpPr txBox="1"/>
-          <p:nvPr/>
-        </p:nvSpPr>
-        <p:spPr>
-          <a:xfrm rot="18953054">
-            <a:off x="4806947" y="3575358"/>
-            <a:ext cx="917239" cy="369332"/>
-          </a:xfrm>
-          <a:prstGeom prst="rect">
-            <a:avLst/>
-          </a:prstGeom>
-          <a:noFill/>
-        </p:spPr>
-        <p:txBody>
-          <a:bodyPr wrap="none" rtlCol="0">
-            <a:spAutoFit/>
-          </a:bodyPr>
-          <a:lstStyle/>
-          <a:p>
-            <a:r>
-              <a:rPr lang="en-US" dirty="0"/>
-              <a:t>5% </a:t>
-            </a:r>
-            <a:r>
-              <a:rPr lang="en-US" dirty="0" err="1"/>
-              <a:t>Bajji</a:t>
-            </a:r>
-            <a:endParaRPr lang="en-US" dirty="0"/>
-          </a:p>
-        </p:txBody>
-      </p:sp>
-      <p:sp>
-        <p:nvSpPr>
-          <p:cNvPr id="13" name="TextBox 12">
-            <a:extLst>
-              <a:ext uri="{FF2B5EF4-FFF2-40B4-BE49-F238E27FC236}">
-                <a16:creationId xmlns:a16="http://schemas.microsoft.com/office/drawing/2014/main" id="{4F96EAAA-D3AF-99D5-67C9-4EDC953EBF63}"/>
-              </a:ext>
-            </a:extLst>
-          </p:cNvPr>
-          <p:cNvSpPr txBox="1"/>
-          <p:nvPr/>
-        </p:nvSpPr>
-        <p:spPr>
-          <a:xfrm>
-            <a:off x="5311312" y="2789321"/>
-            <a:ext cx="540533" cy="369332"/>
-          </a:xfrm>
-          <a:prstGeom prst="rect">
-            <a:avLst/>
-          </a:prstGeom>
-          <a:noFill/>
-        </p:spPr>
-        <p:txBody>
-          <a:bodyPr wrap="none" rtlCol="0">
-            <a:spAutoFit/>
-          </a:bodyPr>
-          <a:lstStyle/>
-          <a:p>
-            <a:r>
-              <a:rPr lang="en-US" dirty="0"/>
-              <a:t>C_1</a:t>
-            </a:r>
-          </a:p>
-        </p:txBody>
-      </p:sp>
-      <p:sp>
-        <p:nvSpPr>
-          <p:cNvPr id="14" name="TextBox 13">
-            <a:extLst>
-              <a:ext uri="{FF2B5EF4-FFF2-40B4-BE49-F238E27FC236}">
-                <a16:creationId xmlns:a16="http://schemas.microsoft.com/office/drawing/2014/main" id="{72877A92-F08E-5D05-58EC-DBAC53E5343D}"/>
-              </a:ext>
-            </a:extLst>
-          </p:cNvPr>
-          <p:cNvSpPr txBox="1"/>
-          <p:nvPr/>
-        </p:nvSpPr>
-        <p:spPr>
-          <a:xfrm>
-            <a:off x="6096271" y="2889791"/>
-            <a:ext cx="540533" cy="369332"/>
-          </a:xfrm>
-          <a:prstGeom prst="rect">
-            <a:avLst/>
-          </a:prstGeom>
-          <a:noFill/>
-        </p:spPr>
-        <p:txBody>
-          <a:bodyPr wrap="none" rtlCol="0">
-            <a:spAutoFit/>
-          </a:bodyPr>
-          <a:lstStyle/>
-          <a:p>
-            <a:r>
-              <a:rPr lang="en-US" dirty="0"/>
-              <a:t>C_2</a:t>
-            </a:r>
-          </a:p>
-        </p:txBody>
-      </p:sp>
-      <mc:AlternateContent xmlns:mc="http://schemas.openxmlformats.org/markup-compatibility/2006">
-        <mc:Choice xmlns:a14="http://schemas.microsoft.com/office/drawing/2010/main" Requires="a14">
-          <p:sp>
-            <p:nvSpPr>
-              <p:cNvPr id="16" name="TextBox 15">
-                <a:extLst>
-                  <a:ext uri="{FF2B5EF4-FFF2-40B4-BE49-F238E27FC236}">
-                    <a16:creationId xmlns:a16="http://schemas.microsoft.com/office/drawing/2014/main" id="{28F7FD81-8765-3EF3-A226-A144B0E93A2A}"/>
-                  </a:ext>
-                </a:extLst>
-              </p:cNvPr>
-              <p:cNvSpPr txBox="1"/>
-              <p:nvPr/>
-            </p:nvSpPr>
-            <p:spPr>
-              <a:xfrm>
-                <a:off x="8070209" y="2030136"/>
-                <a:ext cx="3033203" cy="618374"/>
-              </a:xfrm>
-              <a:prstGeom prst="rect">
-                <a:avLst/>
-              </a:prstGeom>
-              <a:noFill/>
-            </p:spPr>
-            <p:txBody>
-              <a:bodyPr wrap="none" rtlCol="0">
-                <a:spAutoFit/>
-              </a:bodyPr>
-              <a:lstStyle/>
-              <a:p>
-                <a14:m>
-                  <m:oMathPara xmlns:m="http://schemas.openxmlformats.org/officeDocument/2006/math">
-                    <m:oMathParaPr>
-                      <m:jc m:val="centerGroup"/>
-                    </m:oMathParaPr>
-                    <m:oMath xmlns:m="http://schemas.openxmlformats.org/officeDocument/2006/math">
-                      <m:r>
-                        <a:rPr lang="en-US" i="1" dirty="0" smtClean="0">
-                          <a:latin typeface="Cambria Math" panose="02040503050406030204" pitchFamily="18" charset="0"/>
-                        </a:rPr>
-                        <m:t>0.</m:t>
-                      </m:r>
-                      <m:r>
-                        <a:rPr lang="en-US" b="0" i="1" dirty="0" smtClean="0">
-                          <a:latin typeface="Cambria Math" panose="02040503050406030204" pitchFamily="18" charset="0"/>
-                        </a:rPr>
-                        <m:t>25×</m:t>
-                      </m:r>
-                      <m:f>
-                        <m:fPr>
-                          <m:ctrlPr>
-                            <a:rPr lang="en-US" b="0" i="1" dirty="0" smtClean="0">
-                              <a:latin typeface="Cambria Math" panose="02040503050406030204" pitchFamily="18" charset="0"/>
-                            </a:rPr>
-                          </m:ctrlPr>
-                        </m:fPr>
-                        <m:num>
-                          <m:r>
-                            <a:rPr lang="en-US" b="0" i="1" dirty="0" smtClean="0">
-                              <a:latin typeface="Cambria Math" panose="02040503050406030204" pitchFamily="18" charset="0"/>
-                            </a:rPr>
-                            <m:t>5</m:t>
-                          </m:r>
-                        </m:num>
-                        <m:den>
-                          <m:r>
-                            <a:rPr lang="en-US" b="0" i="1" dirty="0" smtClean="0">
-                              <a:latin typeface="Cambria Math" panose="02040503050406030204" pitchFamily="18" charset="0"/>
-                            </a:rPr>
-                            <m:t>25</m:t>
-                          </m:r>
-                        </m:den>
-                      </m:f>
-                      <m:r>
-                        <a:rPr lang="en-US" b="0" i="1" dirty="0" smtClean="0">
-                          <a:latin typeface="Cambria Math" panose="02040503050406030204" pitchFamily="18" charset="0"/>
-                        </a:rPr>
-                        <m:t>+0.75×0=0.05</m:t>
-                      </m:r>
-                    </m:oMath>
-                  </m:oMathPara>
-                </a14:m>
-                <a:endParaRPr lang="en-US" dirty="0"/>
-              </a:p>
-            </p:txBody>
-          </p:sp>
-        </mc:Choice>
-        <mc:Fallback>
-          <p:sp>
-            <p:nvSpPr>
-              <p:cNvPr id="16" name="TextBox 15">
-                <a:extLst>
-                  <a:ext uri="{FF2B5EF4-FFF2-40B4-BE49-F238E27FC236}">
-                    <a16:creationId xmlns:a16="http://schemas.microsoft.com/office/drawing/2014/main" id="{28F7FD81-8765-3EF3-A226-A144B0E93A2A}"/>
-                  </a:ext>
-                </a:extLst>
-              </p:cNvPr>
-              <p:cNvSpPr txBox="1">
-                <a:spLocks noRot="1" noChangeAspect="1" noMove="1" noResize="1" noEditPoints="1" noAdjustHandles="1" noChangeArrowheads="1" noChangeShapeType="1" noTextEdit="1"/>
-              </p:cNvSpPr>
-              <p:nvPr/>
-            </p:nvSpPr>
-            <p:spPr>
-              <a:xfrm>
-                <a:off x="8070209" y="2030136"/>
-                <a:ext cx="3033203" cy="618374"/>
-              </a:xfrm>
-              <a:prstGeom prst="rect">
-                <a:avLst/>
-              </a:prstGeom>
-              <a:blipFill>
-                <a:blip r:embed="rId2"/>
-                <a:stretch>
-                  <a:fillRect/>
-                </a:stretch>
-              </a:blipFill>
-            </p:spPr>
-            <p:txBody>
-              <a:bodyPr/>
-              <a:lstStyle/>
-              <a:p>
-                <a:r>
-                  <a:rPr lang="en-US">
-                    <a:noFill/>
-                  </a:rPr>
-                  <a:t> </a:t>
-                </a:r>
-              </a:p>
-            </p:txBody>
-          </p:sp>
-        </mc:Fallback>
-      </mc:AlternateContent>
-      <p:sp>
-        <p:nvSpPr>
-          <p:cNvPr id="20" name="TextBox 19">
-            <a:extLst>
-              <a:ext uri="{FF2B5EF4-FFF2-40B4-BE49-F238E27FC236}">
-                <a16:creationId xmlns:a16="http://schemas.microsoft.com/office/drawing/2014/main" id="{6B16FBE7-26E7-7A14-381A-F2A19EE528F1}"/>
-              </a:ext>
-            </a:extLst>
-          </p:cNvPr>
-          <p:cNvSpPr txBox="1"/>
-          <p:nvPr/>
-        </p:nvSpPr>
-        <p:spPr>
-          <a:xfrm>
-            <a:off x="6569309" y="3196422"/>
-            <a:ext cx="1454437" cy="369332"/>
-          </a:xfrm>
-          <a:prstGeom prst="rect">
-            <a:avLst/>
-          </a:prstGeom>
-          <a:noFill/>
-        </p:spPr>
-        <p:txBody>
-          <a:bodyPr wrap="none" rtlCol="0">
-            <a:spAutoFit/>
-          </a:bodyPr>
-          <a:lstStyle/>
-          <a:p>
-            <a:r>
-              <a:rPr lang="en-US" dirty="0"/>
-              <a:t>0% Ice Cream</a:t>
-            </a:r>
-          </a:p>
-        </p:txBody>
-      </p:sp>
-      <mc:AlternateContent xmlns:mc="http://schemas.openxmlformats.org/markup-compatibility/2006">
-        <mc:Choice xmlns:a14="http://schemas.microsoft.com/office/drawing/2010/main" Requires="a14">
-          <p:sp>
-            <p:nvSpPr>
-              <p:cNvPr id="21" name="TextBox 20">
-                <a:extLst>
-                  <a:ext uri="{FF2B5EF4-FFF2-40B4-BE49-F238E27FC236}">
-                    <a16:creationId xmlns:a16="http://schemas.microsoft.com/office/drawing/2014/main" id="{C3AFDF20-00F6-630C-68ED-3FBBFDD96A6C}"/>
-                  </a:ext>
-                </a:extLst>
-              </p:cNvPr>
-              <p:cNvSpPr txBox="1"/>
-              <p:nvPr/>
-            </p:nvSpPr>
-            <p:spPr>
-              <a:xfrm>
-                <a:off x="1108881" y="2207493"/>
-                <a:ext cx="1305614" cy="646331"/>
-              </a:xfrm>
-              <a:prstGeom prst="rect">
-                <a:avLst/>
-              </a:prstGeom>
-              <a:noFill/>
-            </p:spPr>
-            <p:txBody>
-              <a:bodyPr wrap="none" rtlCol="0">
-                <a:spAutoFit/>
-              </a:bodyPr>
-              <a:lstStyle/>
-              <a:p>
-                <a14:m>
-                  <m:oMathPara xmlns:m="http://schemas.openxmlformats.org/officeDocument/2006/math">
-                    <m:oMathParaPr>
-                      <m:jc m:val="centerGroup"/>
-                    </m:oMathParaPr>
-                    <m:oMath xmlns:m="http://schemas.openxmlformats.org/officeDocument/2006/math">
-                      <m:sSub>
-                        <m:sSubPr>
-                          <m:ctrlPr>
-                            <a:rPr lang="en-US" b="0" i="1" smtClean="0">
-                              <a:latin typeface="Cambria Math" panose="02040503050406030204" pitchFamily="18" charset="0"/>
-                            </a:rPr>
-                          </m:ctrlPr>
-                        </m:sSubPr>
-                        <m:e>
-                          <m:r>
-                            <a:rPr lang="en-US" b="0" i="1" smtClean="0">
-                              <a:latin typeface="Cambria Math" panose="02040503050406030204" pitchFamily="18" charset="0"/>
-                            </a:rPr>
-                            <m:t>𝐶</m:t>
-                          </m:r>
-                        </m:e>
-                        <m:sub>
-                          <m:r>
-                            <a:rPr lang="en-US" b="0" i="1" smtClean="0">
-                              <a:latin typeface="Cambria Math" panose="02040503050406030204" pitchFamily="18" charset="0"/>
-                            </a:rPr>
-                            <m:t>1</m:t>
-                          </m:r>
-                        </m:sub>
-                      </m:sSub>
-                      <m:r>
-                        <a:rPr lang="en-US" b="0" i="1" smtClean="0">
-                          <a:latin typeface="Cambria Math" panose="02040503050406030204" pitchFamily="18" charset="0"/>
-                        </a:rPr>
-                        <m:t>= </m:t>
-                      </m:r>
-                      <m:r>
-                        <a:rPr lang="en-US" b="0" i="1" smtClean="0">
-                          <a:latin typeface="Cambria Math" panose="02040503050406030204" pitchFamily="18" charset="0"/>
-                        </a:rPr>
-                        <m:t>𝑝</m:t>
-                      </m:r>
-                    </m:oMath>
-                  </m:oMathPara>
-                </a14:m>
-                <a:endParaRPr lang="en-US" b="0" dirty="0"/>
-              </a:p>
-              <a:p>
-                <a14:m>
-                  <m:oMathPara xmlns:m="http://schemas.openxmlformats.org/officeDocument/2006/math">
-                    <m:oMathParaPr>
-                      <m:jc m:val="centerGroup"/>
-                    </m:oMathParaPr>
-                    <m:oMath xmlns:m="http://schemas.openxmlformats.org/officeDocument/2006/math">
-                      <m:sSub>
-                        <m:sSubPr>
-                          <m:ctrlPr>
-                            <a:rPr lang="en-US" b="0" i="1" smtClean="0">
-                              <a:latin typeface="Cambria Math" panose="02040503050406030204" pitchFamily="18" charset="0"/>
-                            </a:rPr>
-                          </m:ctrlPr>
-                        </m:sSubPr>
-                        <m:e>
-                          <m:r>
-                            <a:rPr lang="en-US" b="0" i="1" smtClean="0">
-                              <a:latin typeface="Cambria Math" panose="02040503050406030204" pitchFamily="18" charset="0"/>
-                            </a:rPr>
-                            <m:t>𝐶</m:t>
-                          </m:r>
-                        </m:e>
-                        <m:sub>
-                          <m:r>
-                            <a:rPr lang="en-US" b="0" i="1" smtClean="0">
-                              <a:latin typeface="Cambria Math" panose="02040503050406030204" pitchFamily="18" charset="0"/>
-                            </a:rPr>
-                            <m:t>2</m:t>
-                          </m:r>
-                        </m:sub>
-                      </m:sSub>
-                      <m:r>
-                        <a:rPr lang="en-US" b="0" i="1" smtClean="0">
-                          <a:latin typeface="Cambria Math" panose="02040503050406030204" pitchFamily="18" charset="0"/>
-                        </a:rPr>
-                        <m:t>=1−</m:t>
-                      </m:r>
-                      <m:r>
-                        <a:rPr lang="en-US" b="0" i="1" smtClean="0">
-                          <a:latin typeface="Cambria Math" panose="02040503050406030204" pitchFamily="18" charset="0"/>
-                        </a:rPr>
-                        <m:t>𝑝</m:t>
-                      </m:r>
-                    </m:oMath>
-                  </m:oMathPara>
-                </a14:m>
-                <a:endParaRPr lang="en-US" dirty="0"/>
-              </a:p>
-            </p:txBody>
-          </p:sp>
-        </mc:Choice>
-        <mc:Fallback>
-          <p:sp>
-            <p:nvSpPr>
-              <p:cNvPr id="21" name="TextBox 20">
-                <a:extLst>
-                  <a:ext uri="{FF2B5EF4-FFF2-40B4-BE49-F238E27FC236}">
-                    <a16:creationId xmlns:a16="http://schemas.microsoft.com/office/drawing/2014/main" id="{C3AFDF20-00F6-630C-68ED-3FBBFDD96A6C}"/>
-                  </a:ext>
-                </a:extLst>
-              </p:cNvPr>
-              <p:cNvSpPr txBox="1">
-                <a:spLocks noRot="1" noChangeAspect="1" noMove="1" noResize="1" noEditPoints="1" noAdjustHandles="1" noChangeArrowheads="1" noChangeShapeType="1" noTextEdit="1"/>
-              </p:cNvSpPr>
-              <p:nvPr/>
-            </p:nvSpPr>
-            <p:spPr>
-              <a:xfrm>
-                <a:off x="1108881" y="2207493"/>
-                <a:ext cx="1305614" cy="646331"/>
-              </a:xfrm>
-              <a:prstGeom prst="rect">
-                <a:avLst/>
-              </a:prstGeom>
-              <a:blipFill>
-                <a:blip r:embed="rId3"/>
-                <a:stretch>
-                  <a:fillRect b="-3774"/>
-                </a:stretch>
-              </a:blipFill>
-            </p:spPr>
-            <p:txBody>
-              <a:bodyPr/>
-              <a:lstStyle/>
-              <a:p>
-                <a:r>
-                  <a:rPr lang="en-US">
-                    <a:noFill/>
-                  </a:rPr>
-                  <a:t> </a:t>
-                </a:r>
-              </a:p>
-            </p:txBody>
-          </p:sp>
-        </mc:Fallback>
-      </mc:AlternateContent>
-      <mc:AlternateContent xmlns:mc="http://schemas.openxmlformats.org/markup-compatibility/2006">
-        <mc:Choice xmlns:a14="http://schemas.microsoft.com/office/drawing/2010/main" Requires="a14">
-          <p:sp>
-            <p:nvSpPr>
-              <p:cNvPr id="22" name="TextBox 21">
-                <a:extLst>
-                  <a:ext uri="{FF2B5EF4-FFF2-40B4-BE49-F238E27FC236}">
-                    <a16:creationId xmlns:a16="http://schemas.microsoft.com/office/drawing/2014/main" id="{92D0977F-F433-D4E9-677D-CD73743BB7E3}"/>
-                  </a:ext>
-                </a:extLst>
-              </p:cNvPr>
-              <p:cNvSpPr txBox="1"/>
-              <p:nvPr/>
-            </p:nvSpPr>
-            <p:spPr>
-              <a:xfrm>
-                <a:off x="3495480" y="4425211"/>
-                <a:ext cx="1388329" cy="646331"/>
-              </a:xfrm>
-              <a:prstGeom prst="rect">
-                <a:avLst/>
-              </a:prstGeom>
-              <a:noFill/>
-            </p:spPr>
-            <p:txBody>
-              <a:bodyPr wrap="none" rtlCol="0">
-                <a:spAutoFit/>
-              </a:bodyPr>
-              <a:lstStyle/>
-              <a:p>
-                <a14:m>
-                  <m:oMathPara xmlns:m="http://schemas.openxmlformats.org/officeDocument/2006/math">
-                    <m:oMathParaPr>
-                      <m:jc m:val="centerGroup"/>
-                    </m:oMathParaPr>
-                    <m:oMath xmlns:m="http://schemas.openxmlformats.org/officeDocument/2006/math">
-                      <m:sSub>
-                        <m:sSubPr>
-                          <m:ctrlPr>
-                            <a:rPr lang="en-US" b="0" i="1" smtClean="0">
-                              <a:latin typeface="Cambria Math" panose="02040503050406030204" pitchFamily="18" charset="0"/>
-                            </a:rPr>
-                          </m:ctrlPr>
-                        </m:sSubPr>
-                        <m:e>
-                          <m:r>
-                            <a:rPr lang="en-US" b="0" i="1" smtClean="0">
-                              <a:latin typeface="Cambria Math" panose="02040503050406030204" pitchFamily="18" charset="0"/>
-                            </a:rPr>
-                            <m:t>𝐶</m:t>
-                          </m:r>
-                        </m:e>
-                        <m:sub>
-                          <m:r>
-                            <a:rPr lang="en-US" b="0" i="1" smtClean="0">
-                              <a:latin typeface="Cambria Math" panose="02040503050406030204" pitchFamily="18" charset="0"/>
-                            </a:rPr>
-                            <m:t>𝑠</m:t>
-                          </m:r>
-                          <m:r>
-                            <a:rPr lang="en-US" b="0" i="1" smtClean="0">
-                              <a:latin typeface="Cambria Math" panose="02040503050406030204" pitchFamily="18" charset="0"/>
-                            </a:rPr>
-                            <m:t>1</m:t>
-                          </m:r>
-                        </m:sub>
-                      </m:sSub>
-                      <m:r>
-                        <a:rPr lang="en-US" b="0" i="1" smtClean="0">
-                          <a:latin typeface="Cambria Math" panose="02040503050406030204" pitchFamily="18" charset="0"/>
-                        </a:rPr>
-                        <m:t>=</m:t>
-                      </m:r>
-                      <m:r>
-                        <a:rPr lang="en-US" b="0" i="1" smtClean="0">
-                          <a:latin typeface="Cambria Math" panose="02040503050406030204" pitchFamily="18" charset="0"/>
-                        </a:rPr>
-                        <m:t>𝑞</m:t>
-                      </m:r>
-                    </m:oMath>
-                  </m:oMathPara>
-                </a14:m>
-                <a:endParaRPr lang="en-US" b="0" dirty="0"/>
-              </a:p>
-              <a:p>
-                <a14:m>
-                  <m:oMathPara xmlns:m="http://schemas.openxmlformats.org/officeDocument/2006/math">
-                    <m:oMathParaPr>
-                      <m:jc m:val="centerGroup"/>
-                    </m:oMathParaPr>
-                    <m:oMath xmlns:m="http://schemas.openxmlformats.org/officeDocument/2006/math">
-                      <m:sSub>
-                        <m:sSubPr>
-                          <m:ctrlPr>
-                            <a:rPr lang="en-US" b="0" i="1" smtClean="0">
-                              <a:latin typeface="Cambria Math" panose="02040503050406030204" pitchFamily="18" charset="0"/>
-                            </a:rPr>
-                          </m:ctrlPr>
-                        </m:sSubPr>
-                        <m:e>
-                          <m:r>
-                            <a:rPr lang="en-US" b="0" i="1" smtClean="0">
-                              <a:latin typeface="Cambria Math" panose="02040503050406030204" pitchFamily="18" charset="0"/>
-                            </a:rPr>
-                            <m:t>𝐶</m:t>
-                          </m:r>
-                        </m:e>
-                        <m:sub>
-                          <m:r>
-                            <a:rPr lang="en-US" b="0" i="1" smtClean="0">
-                              <a:latin typeface="Cambria Math" panose="02040503050406030204" pitchFamily="18" charset="0"/>
-                            </a:rPr>
-                            <m:t>𝑠</m:t>
-                          </m:r>
-                          <m:r>
-                            <a:rPr lang="en-US" b="0" i="1" smtClean="0">
-                              <a:latin typeface="Cambria Math" panose="02040503050406030204" pitchFamily="18" charset="0"/>
-                            </a:rPr>
-                            <m:t>2</m:t>
-                          </m:r>
-                        </m:sub>
-                      </m:sSub>
-                      <m:r>
-                        <a:rPr lang="en-US" b="0" i="1" smtClean="0">
-                          <a:latin typeface="Cambria Math" panose="02040503050406030204" pitchFamily="18" charset="0"/>
-                        </a:rPr>
-                        <m:t>=1−</m:t>
-                      </m:r>
-                      <m:r>
-                        <a:rPr lang="en-US" b="0" i="1" smtClean="0">
-                          <a:latin typeface="Cambria Math" panose="02040503050406030204" pitchFamily="18" charset="0"/>
-                        </a:rPr>
-                        <m:t>𝑞</m:t>
-                      </m:r>
-                    </m:oMath>
-                  </m:oMathPara>
-                </a14:m>
-                <a:endParaRPr lang="en-US" dirty="0"/>
-              </a:p>
-            </p:txBody>
-          </p:sp>
-        </mc:Choice>
-        <mc:Fallback>
-          <p:sp>
-            <p:nvSpPr>
-              <p:cNvPr id="22" name="TextBox 21">
-                <a:extLst>
-                  <a:ext uri="{FF2B5EF4-FFF2-40B4-BE49-F238E27FC236}">
-                    <a16:creationId xmlns:a16="http://schemas.microsoft.com/office/drawing/2014/main" id="{92D0977F-F433-D4E9-677D-CD73743BB7E3}"/>
-                  </a:ext>
-                </a:extLst>
-              </p:cNvPr>
-              <p:cNvSpPr txBox="1">
-                <a:spLocks noRot="1" noChangeAspect="1" noMove="1" noResize="1" noEditPoints="1" noAdjustHandles="1" noChangeArrowheads="1" noChangeShapeType="1" noTextEdit="1"/>
-              </p:cNvSpPr>
-              <p:nvPr/>
-            </p:nvSpPr>
-            <p:spPr>
-              <a:xfrm>
-                <a:off x="3495480" y="4425211"/>
-                <a:ext cx="1388329" cy="646331"/>
-              </a:xfrm>
-              <a:prstGeom prst="rect">
-                <a:avLst/>
-              </a:prstGeom>
-              <a:blipFill>
-                <a:blip r:embed="rId4"/>
-                <a:stretch>
-                  <a:fillRect b="-2830"/>
-                </a:stretch>
-              </a:blipFill>
-            </p:spPr>
-            <p:txBody>
-              <a:bodyPr/>
-              <a:lstStyle/>
-              <a:p>
-                <a:r>
-                  <a:rPr lang="en-US">
-                    <a:noFill/>
-                  </a:rPr>
-                  <a:t> </a:t>
-                </a:r>
-              </a:p>
-            </p:txBody>
-          </p:sp>
-        </mc:Fallback>
-      </mc:AlternateContent>
-      <mc:AlternateContent xmlns:mc="http://schemas.openxmlformats.org/markup-compatibility/2006">
-        <mc:Choice xmlns:a14="http://schemas.microsoft.com/office/drawing/2010/main" Requires="a14">
-          <p:sp>
-            <p:nvSpPr>
-              <p:cNvPr id="23" name="TextBox 22">
-                <a:extLst>
-                  <a:ext uri="{FF2B5EF4-FFF2-40B4-BE49-F238E27FC236}">
-                    <a16:creationId xmlns:a16="http://schemas.microsoft.com/office/drawing/2014/main" id="{DA50C9CF-6FE1-9909-C73D-6B318DF1740A}"/>
-                  </a:ext>
-                </a:extLst>
-              </p:cNvPr>
-              <p:cNvSpPr txBox="1"/>
-              <p:nvPr/>
-            </p:nvSpPr>
-            <p:spPr>
-              <a:xfrm>
-                <a:off x="6242806" y="4469865"/>
-                <a:ext cx="1362361" cy="646331"/>
-              </a:xfrm>
-              <a:prstGeom prst="rect">
-                <a:avLst/>
-              </a:prstGeom>
-              <a:noFill/>
-            </p:spPr>
-            <p:txBody>
-              <a:bodyPr wrap="none" rtlCol="0">
-                <a:spAutoFit/>
-              </a:bodyPr>
-              <a:lstStyle/>
-              <a:p>
-                <a14:m>
-                  <m:oMathPara xmlns:m="http://schemas.openxmlformats.org/officeDocument/2006/math">
-                    <m:oMathParaPr>
-                      <m:jc m:val="centerGroup"/>
-                    </m:oMathParaPr>
-                    <m:oMath xmlns:m="http://schemas.openxmlformats.org/officeDocument/2006/math">
-                      <m:sSub>
-                        <m:sSubPr>
-                          <m:ctrlPr>
-                            <a:rPr lang="en-US" b="0" i="1" smtClean="0">
-                              <a:latin typeface="Cambria Math" panose="02040503050406030204" pitchFamily="18" charset="0"/>
-                            </a:rPr>
-                          </m:ctrlPr>
-                        </m:sSubPr>
-                        <m:e>
-                          <m:r>
-                            <a:rPr lang="en-US" b="0" i="1" smtClean="0">
-                              <a:latin typeface="Cambria Math" panose="02040503050406030204" pitchFamily="18" charset="0"/>
-                            </a:rPr>
-                            <m:t>𝐶</m:t>
-                          </m:r>
-                        </m:e>
-                        <m:sub>
-                          <m:r>
-                            <a:rPr lang="en-US" b="0" i="1" smtClean="0">
-                              <a:latin typeface="Cambria Math" panose="02040503050406030204" pitchFamily="18" charset="0"/>
-                            </a:rPr>
-                            <m:t>𝑡</m:t>
-                          </m:r>
-                          <m:r>
-                            <a:rPr lang="en-US" b="0" i="1" smtClean="0">
-                              <a:latin typeface="Cambria Math" panose="02040503050406030204" pitchFamily="18" charset="0"/>
-                            </a:rPr>
-                            <m:t>1</m:t>
-                          </m:r>
-                        </m:sub>
-                      </m:sSub>
-                      <m:r>
-                        <a:rPr lang="en-US" b="0" i="1" smtClean="0">
-                          <a:latin typeface="Cambria Math" panose="02040503050406030204" pitchFamily="18" charset="0"/>
-                        </a:rPr>
-                        <m:t>=</m:t>
-                      </m:r>
-                      <m:r>
-                        <a:rPr lang="en-US" b="0" i="1" smtClean="0">
-                          <a:latin typeface="Cambria Math" panose="02040503050406030204" pitchFamily="18" charset="0"/>
-                        </a:rPr>
-                        <m:t>𝑟</m:t>
-                      </m:r>
-                    </m:oMath>
-                  </m:oMathPara>
-                </a14:m>
-                <a:endParaRPr lang="en-US" b="0" dirty="0"/>
-              </a:p>
-              <a:p>
-                <a14:m>
-                  <m:oMathPara xmlns:m="http://schemas.openxmlformats.org/officeDocument/2006/math">
-                    <m:oMathParaPr>
-                      <m:jc m:val="centerGroup"/>
-                    </m:oMathParaPr>
-                    <m:oMath xmlns:m="http://schemas.openxmlformats.org/officeDocument/2006/math">
-                      <m:sSub>
-                        <m:sSubPr>
-                          <m:ctrlPr>
-                            <a:rPr lang="en-US" b="0" i="1" smtClean="0">
-                              <a:latin typeface="Cambria Math" panose="02040503050406030204" pitchFamily="18" charset="0"/>
-                            </a:rPr>
-                          </m:ctrlPr>
-                        </m:sSubPr>
-                        <m:e>
-                          <m:r>
-                            <a:rPr lang="en-US" b="0" i="1" smtClean="0">
-                              <a:latin typeface="Cambria Math" panose="02040503050406030204" pitchFamily="18" charset="0"/>
-                            </a:rPr>
-                            <m:t>𝐶</m:t>
-                          </m:r>
-                        </m:e>
-                        <m:sub>
-                          <m:r>
-                            <a:rPr lang="en-US" b="0" i="1" smtClean="0">
-                              <a:latin typeface="Cambria Math" panose="02040503050406030204" pitchFamily="18" charset="0"/>
-                            </a:rPr>
-                            <m:t>𝑡</m:t>
-                          </m:r>
-                          <m:r>
-                            <a:rPr lang="en-US" b="0" i="1" smtClean="0">
-                              <a:latin typeface="Cambria Math" panose="02040503050406030204" pitchFamily="18" charset="0"/>
-                            </a:rPr>
-                            <m:t>2</m:t>
-                          </m:r>
-                        </m:sub>
-                      </m:sSub>
-                      <m:r>
-                        <a:rPr lang="en-US" b="0" i="1" smtClean="0">
-                          <a:latin typeface="Cambria Math" panose="02040503050406030204" pitchFamily="18" charset="0"/>
-                        </a:rPr>
-                        <m:t>=1−</m:t>
-                      </m:r>
-                      <m:r>
-                        <a:rPr lang="en-US" b="0" i="1" smtClean="0">
-                          <a:latin typeface="Cambria Math" panose="02040503050406030204" pitchFamily="18" charset="0"/>
-                        </a:rPr>
-                        <m:t>𝑟</m:t>
-                      </m:r>
-                    </m:oMath>
-                  </m:oMathPara>
-                </a14:m>
-                <a:endParaRPr lang="en-US" dirty="0"/>
-              </a:p>
-            </p:txBody>
-          </p:sp>
-        </mc:Choice>
-        <mc:Fallback>
-          <p:sp>
-            <p:nvSpPr>
-              <p:cNvPr id="23" name="TextBox 22">
-                <a:extLst>
-                  <a:ext uri="{FF2B5EF4-FFF2-40B4-BE49-F238E27FC236}">
-                    <a16:creationId xmlns:a16="http://schemas.microsoft.com/office/drawing/2014/main" id="{DA50C9CF-6FE1-9909-C73D-6B318DF1740A}"/>
-                  </a:ext>
-                </a:extLst>
-              </p:cNvPr>
-              <p:cNvSpPr txBox="1">
-                <a:spLocks noRot="1" noChangeAspect="1" noMove="1" noResize="1" noEditPoints="1" noAdjustHandles="1" noChangeArrowheads="1" noChangeShapeType="1" noTextEdit="1"/>
-              </p:cNvSpPr>
-              <p:nvPr/>
-            </p:nvSpPr>
-            <p:spPr>
-              <a:xfrm>
-                <a:off x="6242806" y="4469865"/>
-                <a:ext cx="1362361" cy="646331"/>
-              </a:xfrm>
-              <a:prstGeom prst="rect">
-                <a:avLst/>
-              </a:prstGeom>
-              <a:blipFill>
-                <a:blip r:embed="rId5"/>
-                <a:stretch>
-                  <a:fillRect/>
-                </a:stretch>
-              </a:blipFill>
-            </p:spPr>
-            <p:txBody>
-              <a:bodyPr/>
-              <a:lstStyle/>
-              <a:p>
-                <a:r>
-                  <a:rPr lang="en-US">
-                    <a:noFill/>
-                  </a:rPr>
-                  <a:t> </a:t>
-                </a:r>
-              </a:p>
-            </p:txBody>
-          </p:sp>
-        </mc:Fallback>
-      </mc:AlternateContent>
-      <mc:AlternateContent xmlns:mc="http://schemas.openxmlformats.org/markup-compatibility/2006">
-        <mc:Choice xmlns:a14="http://schemas.microsoft.com/office/drawing/2010/main" Requires="a14">
-          <p:sp>
-            <p:nvSpPr>
-              <p:cNvPr id="24" name="TextBox 23">
-                <a:extLst>
-                  <a:ext uri="{FF2B5EF4-FFF2-40B4-BE49-F238E27FC236}">
-                    <a16:creationId xmlns:a16="http://schemas.microsoft.com/office/drawing/2014/main" id="{BEFCA15E-7767-84A0-0FBC-DC1B9F346F8B}"/>
-                  </a:ext>
-                </a:extLst>
-              </p:cNvPr>
-              <p:cNvSpPr txBox="1"/>
-              <p:nvPr/>
-            </p:nvSpPr>
-            <p:spPr>
-              <a:xfrm>
-                <a:off x="4077050" y="5287964"/>
-                <a:ext cx="370935" cy="369332"/>
-              </a:xfrm>
-              <a:prstGeom prst="rect">
-                <a:avLst/>
-              </a:prstGeom>
-              <a:noFill/>
-            </p:spPr>
-            <p:txBody>
-              <a:bodyPr wrap="none" rtlCol="0">
-                <a:spAutoFit/>
-              </a:bodyPr>
-              <a:lstStyle/>
-              <a:p>
-                <a14:m>
-                  <m:oMathPara xmlns:m="http://schemas.openxmlformats.org/officeDocument/2006/math">
-                    <m:oMathParaPr>
-                      <m:jc m:val="centerGroup"/>
-                    </m:oMathParaPr>
-                    <m:oMath xmlns:m="http://schemas.openxmlformats.org/officeDocument/2006/math">
-                      <m:r>
-                        <a:rPr lang="en-US" i="1" dirty="0" smtClean="0">
-                          <a:latin typeface="Cambria Math" panose="02040503050406030204" pitchFamily="18" charset="0"/>
-                        </a:rPr>
-                        <m:t>𝑓</m:t>
-                      </m:r>
-                    </m:oMath>
-                  </m:oMathPara>
-                </a14:m>
-                <a:endParaRPr lang="en-US" dirty="0"/>
-              </a:p>
-            </p:txBody>
-          </p:sp>
-        </mc:Choice>
-        <mc:Fallback>
-          <p:sp>
-            <p:nvSpPr>
-              <p:cNvPr id="24" name="TextBox 23">
-                <a:extLst>
-                  <a:ext uri="{FF2B5EF4-FFF2-40B4-BE49-F238E27FC236}">
-                    <a16:creationId xmlns:a16="http://schemas.microsoft.com/office/drawing/2014/main" id="{BEFCA15E-7767-84A0-0FBC-DC1B9F346F8B}"/>
-                  </a:ext>
-                </a:extLst>
-              </p:cNvPr>
-              <p:cNvSpPr txBox="1">
-                <a:spLocks noRot="1" noChangeAspect="1" noMove="1" noResize="1" noEditPoints="1" noAdjustHandles="1" noChangeArrowheads="1" noChangeShapeType="1" noTextEdit="1"/>
-              </p:cNvSpPr>
-              <p:nvPr/>
-            </p:nvSpPr>
-            <p:spPr>
-              <a:xfrm>
-                <a:off x="4077050" y="5287964"/>
-                <a:ext cx="370935" cy="369332"/>
-              </a:xfrm>
-              <a:prstGeom prst="rect">
-                <a:avLst/>
-              </a:prstGeom>
-              <a:blipFill>
-                <a:blip r:embed="rId6"/>
-                <a:stretch>
-                  <a:fillRect b="-13115"/>
-                </a:stretch>
-              </a:blipFill>
-            </p:spPr>
-            <p:txBody>
-              <a:bodyPr/>
-              <a:lstStyle/>
-              <a:p>
-                <a:r>
-                  <a:rPr lang="en-US">
-                    <a:noFill/>
-                  </a:rPr>
-                  <a:t> </a:t>
-                </a:r>
-              </a:p>
-            </p:txBody>
-          </p:sp>
-        </mc:Fallback>
-      </mc:AlternateContent>
-      <mc:AlternateContent xmlns:mc="http://schemas.openxmlformats.org/markup-compatibility/2006">
-        <mc:Choice xmlns:a14="http://schemas.microsoft.com/office/drawing/2010/main" Requires="a14">
-          <p:sp>
-            <p:nvSpPr>
-              <p:cNvPr id="25" name="TextBox 24">
-                <a:extLst>
-                  <a:ext uri="{FF2B5EF4-FFF2-40B4-BE49-F238E27FC236}">
-                    <a16:creationId xmlns:a16="http://schemas.microsoft.com/office/drawing/2014/main" id="{033B8675-A299-8757-02B1-50B214C5B836}"/>
-                  </a:ext>
-                </a:extLst>
-              </p:cNvPr>
-              <p:cNvSpPr txBox="1"/>
-              <p:nvPr/>
-            </p:nvSpPr>
-            <p:spPr>
-              <a:xfrm>
-                <a:off x="6660076" y="5117521"/>
-                <a:ext cx="774892" cy="369332"/>
-              </a:xfrm>
-              <a:prstGeom prst="rect">
-                <a:avLst/>
-              </a:prstGeom>
-              <a:noFill/>
-            </p:spPr>
-            <p:txBody>
-              <a:bodyPr wrap="none" rtlCol="0">
-                <a:spAutoFit/>
-              </a:bodyPr>
-              <a:lstStyle/>
-              <a:p>
-                <a14:m>
-                  <m:oMathPara xmlns:m="http://schemas.openxmlformats.org/officeDocument/2006/math">
-                    <m:oMathParaPr>
-                      <m:jc m:val="centerGroup"/>
-                    </m:oMathParaPr>
-                    <m:oMath xmlns:m="http://schemas.openxmlformats.org/officeDocument/2006/math">
-                      <m:r>
-                        <a:rPr lang="en-US" b="0" i="1" dirty="0" smtClean="0">
-                          <a:latin typeface="Cambria Math" panose="02040503050406030204" pitchFamily="18" charset="0"/>
-                        </a:rPr>
-                        <m:t>1−</m:t>
-                      </m:r>
-                      <m:r>
-                        <a:rPr lang="en-US" i="1" dirty="0" smtClean="0">
-                          <a:latin typeface="Cambria Math" panose="02040503050406030204" pitchFamily="18" charset="0"/>
-                        </a:rPr>
-                        <m:t>𝑓</m:t>
-                      </m:r>
-                    </m:oMath>
-                  </m:oMathPara>
-                </a14:m>
-                <a:endParaRPr lang="en-US" dirty="0"/>
-              </a:p>
-            </p:txBody>
-          </p:sp>
-        </mc:Choice>
-        <mc:Fallback>
-          <p:sp>
-            <p:nvSpPr>
-              <p:cNvPr id="25" name="TextBox 24">
-                <a:extLst>
-                  <a:ext uri="{FF2B5EF4-FFF2-40B4-BE49-F238E27FC236}">
-                    <a16:creationId xmlns:a16="http://schemas.microsoft.com/office/drawing/2014/main" id="{033B8675-A299-8757-02B1-50B214C5B836}"/>
-                  </a:ext>
-                </a:extLst>
-              </p:cNvPr>
-              <p:cNvSpPr txBox="1">
-                <a:spLocks noRot="1" noChangeAspect="1" noMove="1" noResize="1" noEditPoints="1" noAdjustHandles="1" noChangeArrowheads="1" noChangeShapeType="1" noTextEdit="1"/>
-              </p:cNvSpPr>
-              <p:nvPr/>
-            </p:nvSpPr>
-            <p:spPr>
-              <a:xfrm>
-                <a:off x="6660076" y="5117521"/>
-                <a:ext cx="774892" cy="369332"/>
-              </a:xfrm>
-              <a:prstGeom prst="rect">
-                <a:avLst/>
-              </a:prstGeom>
-              <a:blipFill>
-                <a:blip r:embed="rId7"/>
-                <a:stretch>
-                  <a:fillRect b="-13115"/>
-                </a:stretch>
-              </a:blipFill>
-            </p:spPr>
-            <p:txBody>
-              <a:bodyPr/>
-              <a:lstStyle/>
-              <a:p>
-                <a:r>
-                  <a:rPr lang="en-US">
-                    <a:noFill/>
-                  </a:rPr>
-                  <a:t> </a:t>
-                </a:r>
-              </a:p>
-            </p:txBody>
-          </p:sp>
-        </mc:Fallback>
-      </mc:AlternateContent>
-      <mc:AlternateContent xmlns:mc="http://schemas.openxmlformats.org/markup-compatibility/2006">
-        <mc:Choice xmlns:a14="http://schemas.microsoft.com/office/drawing/2010/main" Requires="a14">
-          <p:sp>
-            <p:nvSpPr>
-              <p:cNvPr id="26" name="TextBox 25">
-                <a:extLst>
-                  <a:ext uri="{FF2B5EF4-FFF2-40B4-BE49-F238E27FC236}">
-                    <a16:creationId xmlns:a16="http://schemas.microsoft.com/office/drawing/2014/main" id="{F1B5A7C3-9AA8-5B9E-8D65-173AD7CC4767}"/>
-                  </a:ext>
-                </a:extLst>
-              </p:cNvPr>
-              <p:cNvSpPr txBox="1"/>
-              <p:nvPr/>
-            </p:nvSpPr>
-            <p:spPr>
-              <a:xfrm>
-                <a:off x="798472" y="2812673"/>
-                <a:ext cx="2615909" cy="710194"/>
-              </a:xfrm>
-              <a:prstGeom prst="rect">
-                <a:avLst/>
-              </a:prstGeom>
-              <a:noFill/>
-            </p:spPr>
-            <p:txBody>
-              <a:bodyPr wrap="none" rtlCol="0">
-                <a:spAutoFit/>
-              </a:bodyPr>
-              <a:lstStyle/>
-              <a:p>
-                <a14:m>
-                  <m:oMathPara xmlns:m="http://schemas.openxmlformats.org/officeDocument/2006/math">
-                    <m:oMathParaPr>
-                      <m:jc m:val="centerGroup"/>
-                    </m:oMathParaPr>
-                    <m:oMath xmlns:m="http://schemas.openxmlformats.org/officeDocument/2006/math">
-                      <m:sSub>
-                        <m:sSubPr>
-                          <m:ctrlPr>
-                            <a:rPr lang="en-US" b="0" i="1" smtClean="0">
-                              <a:latin typeface="Cambria Math" panose="02040503050406030204" pitchFamily="18" charset="0"/>
-                            </a:rPr>
-                          </m:ctrlPr>
-                        </m:sSubPr>
-                        <m:e>
-                          <m:r>
-                            <a:rPr lang="en-US" b="0" i="1" smtClean="0">
-                              <a:latin typeface="Cambria Math" panose="02040503050406030204" pitchFamily="18" charset="0"/>
-                            </a:rPr>
-                            <m:t>𝑃</m:t>
-                          </m:r>
-                        </m:e>
-                        <m:sub>
-                          <m:r>
-                            <a:rPr lang="en-US" b="0" i="1" smtClean="0">
-                              <a:latin typeface="Cambria Math" panose="02040503050406030204" pitchFamily="18" charset="0"/>
-                            </a:rPr>
-                            <m:t>𝐿</m:t>
-                          </m:r>
-                        </m:sub>
-                      </m:sSub>
-                      <m:r>
-                        <a:rPr lang="en-US" b="0" i="1" smtClean="0">
-                          <a:latin typeface="Cambria Math" panose="02040503050406030204" pitchFamily="18" charset="0"/>
-                        </a:rPr>
-                        <m:t>=</m:t>
-                      </m:r>
-                      <m:d>
-                        <m:dPr>
-                          <m:begChr m:val="{"/>
-                          <m:endChr m:val=""/>
-                          <m:ctrlPr>
-                            <a:rPr lang="en-US" b="0" i="1" smtClean="0">
-                              <a:latin typeface="Cambria Math" panose="02040503050406030204" pitchFamily="18" charset="0"/>
-                            </a:rPr>
-                          </m:ctrlPr>
-                        </m:dPr>
-                        <m:e>
-                          <m:eqArr>
-                            <m:eqArrPr>
-                              <m:ctrlPr>
-                                <a:rPr lang="en-US" b="0" i="1" smtClean="0">
-                                  <a:latin typeface="Cambria Math" panose="02040503050406030204" pitchFamily="18" charset="0"/>
-                                </a:rPr>
-                              </m:ctrlPr>
-                            </m:eqArrPr>
-                            <m:e>
-                              <m:r>
-                                <a:rPr lang="en-US" b="0" i="1" smtClean="0">
-                                  <a:latin typeface="Cambria Math" panose="02040503050406030204" pitchFamily="18" charset="0"/>
-                                </a:rPr>
-                                <m:t>𝑝</m:t>
-                              </m:r>
-                              <m:r>
-                                <a:rPr lang="en-US" b="0" i="1" smtClean="0">
-                                  <a:latin typeface="Cambria Math" panose="02040503050406030204" pitchFamily="18" charset="0"/>
-                                </a:rPr>
-                                <m:t> </m:t>
-                              </m:r>
-                              <m:r>
-                                <a:rPr lang="en-US" b="0" i="1" smtClean="0">
-                                  <a:latin typeface="Cambria Math" panose="02040503050406030204" pitchFamily="18" charset="0"/>
-                                </a:rPr>
-                                <m:t>𝑓𝑜𝑟</m:t>
-                              </m:r>
-                              <m:r>
-                                <a:rPr lang="en-US" b="0" i="1" smtClean="0">
-                                  <a:latin typeface="Cambria Math" panose="02040503050406030204" pitchFamily="18" charset="0"/>
-                                </a:rPr>
-                                <m:t>  </m:t>
-                              </m:r>
-                              <m:r>
-                                <a:rPr lang="en-US" b="0" i="1" smtClean="0">
-                                  <a:latin typeface="Cambria Math" panose="02040503050406030204" pitchFamily="18" charset="0"/>
-                                </a:rPr>
-                                <m:t>𝑝</m:t>
-                              </m:r>
-                              <m:r>
-                                <a:rPr lang="en-US" b="0" i="1" smtClean="0">
-                                  <a:latin typeface="Cambria Math" panose="02040503050406030204" pitchFamily="18" charset="0"/>
-                                </a:rPr>
-                                <m:t>&lt;0.5</m:t>
-                              </m:r>
-                            </m:e>
-                            <m:e>
-                              <m:r>
-                                <a:rPr lang="en-US" b="0" i="1" smtClean="0">
-                                  <a:latin typeface="Cambria Math" panose="02040503050406030204" pitchFamily="18" charset="0"/>
-                                </a:rPr>
-                                <m:t>1−</m:t>
-                              </m:r>
-                              <m:r>
-                                <a:rPr lang="en-US" b="0" i="1" smtClean="0">
-                                  <a:latin typeface="Cambria Math" panose="02040503050406030204" pitchFamily="18" charset="0"/>
-                                </a:rPr>
-                                <m:t>𝑝</m:t>
-                              </m:r>
-                              <m:r>
-                                <a:rPr lang="en-US" b="0" i="1" smtClean="0">
-                                  <a:latin typeface="Cambria Math" panose="02040503050406030204" pitchFamily="18" charset="0"/>
-                                </a:rPr>
-                                <m:t> </m:t>
-                              </m:r>
-                              <m:r>
-                                <a:rPr lang="en-US" b="0" i="1" smtClean="0">
-                                  <a:latin typeface="Cambria Math" panose="02040503050406030204" pitchFamily="18" charset="0"/>
-                                </a:rPr>
-                                <m:t>𝑓𝑜𝑟</m:t>
-                              </m:r>
-                              <m:r>
-                                <a:rPr lang="en-US" b="0" i="1" smtClean="0">
-                                  <a:latin typeface="Cambria Math" panose="02040503050406030204" pitchFamily="18" charset="0"/>
-                                </a:rPr>
-                                <m:t> </m:t>
-                              </m:r>
-                              <m:r>
-                                <a:rPr lang="en-US" b="0" i="1" smtClean="0">
-                                  <a:latin typeface="Cambria Math" panose="02040503050406030204" pitchFamily="18" charset="0"/>
-                                </a:rPr>
-                                <m:t>𝑝</m:t>
-                              </m:r>
-                              <m:r>
-                                <a:rPr lang="en-US" b="0" i="1" smtClean="0">
-                                  <a:latin typeface="Cambria Math" panose="02040503050406030204" pitchFamily="18" charset="0"/>
-                                </a:rPr>
-                                <m:t>≥0.5</m:t>
-                              </m:r>
-                            </m:e>
-                          </m:eqArr>
-                        </m:e>
-                      </m:d>
-                    </m:oMath>
-                  </m:oMathPara>
-                </a14:m>
-                <a:endParaRPr lang="en-US" dirty="0"/>
-              </a:p>
-            </p:txBody>
-          </p:sp>
-        </mc:Choice>
-        <mc:Fallback>
-          <p:sp>
-            <p:nvSpPr>
-              <p:cNvPr id="26" name="TextBox 25">
-                <a:extLst>
-                  <a:ext uri="{FF2B5EF4-FFF2-40B4-BE49-F238E27FC236}">
-                    <a16:creationId xmlns:a16="http://schemas.microsoft.com/office/drawing/2014/main" id="{F1B5A7C3-9AA8-5B9E-8D65-173AD7CC4767}"/>
-                  </a:ext>
-                </a:extLst>
-              </p:cNvPr>
-              <p:cNvSpPr txBox="1">
-                <a:spLocks noRot="1" noChangeAspect="1" noMove="1" noResize="1" noEditPoints="1" noAdjustHandles="1" noChangeArrowheads="1" noChangeShapeType="1" noTextEdit="1"/>
-              </p:cNvSpPr>
-              <p:nvPr/>
-            </p:nvSpPr>
-            <p:spPr>
-              <a:xfrm>
-                <a:off x="798472" y="2812673"/>
-                <a:ext cx="2615909" cy="710194"/>
-              </a:xfrm>
-              <a:prstGeom prst="rect">
-                <a:avLst/>
-              </a:prstGeom>
-              <a:blipFill>
-                <a:blip r:embed="rId8"/>
-                <a:stretch>
-                  <a:fillRect/>
-                </a:stretch>
-              </a:blipFill>
-            </p:spPr>
-            <p:txBody>
-              <a:bodyPr/>
-              <a:lstStyle/>
-              <a:p>
-                <a:r>
-                  <a:rPr lang="en-US">
-                    <a:noFill/>
-                  </a:rPr>
-                  <a:t> </a:t>
-                </a:r>
-              </a:p>
-            </p:txBody>
-          </p:sp>
-        </mc:Fallback>
-      </mc:AlternateContent>
-      <mc:AlternateContent xmlns:mc="http://schemas.openxmlformats.org/markup-compatibility/2006">
-        <mc:Choice xmlns:a14="http://schemas.microsoft.com/office/drawing/2010/main" Requires="a14">
-          <p:sp>
-            <p:nvSpPr>
-              <p:cNvPr id="27" name="TextBox 26">
-                <a:extLst>
-                  <a:ext uri="{FF2B5EF4-FFF2-40B4-BE49-F238E27FC236}">
-                    <a16:creationId xmlns:a16="http://schemas.microsoft.com/office/drawing/2014/main" id="{620639E5-75CD-2A06-40A0-BB7D66D97428}"/>
-                  </a:ext>
-                </a:extLst>
-              </p:cNvPr>
-              <p:cNvSpPr txBox="1"/>
-              <p:nvPr/>
-            </p:nvSpPr>
-            <p:spPr>
-              <a:xfrm>
-                <a:off x="3171841" y="5890188"/>
-                <a:ext cx="7113742" cy="710194"/>
-              </a:xfrm>
-              <a:prstGeom prst="rect">
-                <a:avLst/>
-              </a:prstGeom>
-              <a:noFill/>
-            </p:spPr>
-            <p:txBody>
-              <a:bodyPr wrap="none" rtlCol="0">
-                <a:spAutoFit/>
-              </a:bodyPr>
-              <a:lstStyle/>
-              <a:p>
-                <a14:m>
-                  <m:oMathPara xmlns:m="http://schemas.openxmlformats.org/officeDocument/2006/math">
-                    <m:oMathParaPr>
-                      <m:jc m:val="centerGroup"/>
-                    </m:oMathParaPr>
-                    <m:oMath xmlns:m="http://schemas.openxmlformats.org/officeDocument/2006/math">
-                      <m:sSub>
-                        <m:sSubPr>
-                          <m:ctrlPr>
-                            <a:rPr lang="en-US" b="0" i="1" smtClean="0">
-                              <a:latin typeface="Cambria Math" panose="02040503050406030204" pitchFamily="18" charset="0"/>
-                            </a:rPr>
-                          </m:ctrlPr>
-                        </m:sSubPr>
-                        <m:e>
-                          <m:r>
-                            <a:rPr lang="en-US" b="0" i="1" smtClean="0">
-                              <a:latin typeface="Cambria Math" panose="02040503050406030204" pitchFamily="18" charset="0"/>
-                            </a:rPr>
-                            <m:t>𝑓</m:t>
-                          </m:r>
-                          <m:r>
-                            <a:rPr lang="en-US" b="0" i="1" smtClean="0">
-                              <a:latin typeface="Cambria Math" panose="02040503050406030204" pitchFamily="18" charset="0"/>
-                            </a:rPr>
-                            <m:t>𝑆</m:t>
-                          </m:r>
-                        </m:e>
-                        <m:sub>
-                          <m:r>
-                            <a:rPr lang="en-US" b="0" i="1" smtClean="0">
-                              <a:latin typeface="Cambria Math" panose="02040503050406030204" pitchFamily="18" charset="0"/>
-                            </a:rPr>
-                            <m:t>𝐿</m:t>
-                          </m:r>
-                        </m:sub>
-                      </m:sSub>
-                      <m:r>
-                        <a:rPr lang="en-US" b="0" i="1" smtClean="0">
-                          <a:latin typeface="Cambria Math" panose="02040503050406030204" pitchFamily="18" charset="0"/>
-                        </a:rPr>
-                        <m:t>+</m:t>
-                      </m:r>
-                      <m:d>
-                        <m:dPr>
-                          <m:ctrlPr>
-                            <a:rPr lang="en-US" b="0" i="1" smtClean="0">
-                              <a:latin typeface="Cambria Math" panose="02040503050406030204" pitchFamily="18" charset="0"/>
-                            </a:rPr>
-                          </m:ctrlPr>
-                        </m:dPr>
-                        <m:e>
-                          <m:r>
-                            <a:rPr lang="en-US" b="0" i="1" smtClean="0">
-                              <a:latin typeface="Cambria Math" panose="02040503050406030204" pitchFamily="18" charset="0"/>
-                            </a:rPr>
-                            <m:t>1−</m:t>
-                          </m:r>
-                          <m:r>
-                            <a:rPr lang="en-US" b="0" i="1" smtClean="0">
-                              <a:latin typeface="Cambria Math" panose="02040503050406030204" pitchFamily="18" charset="0"/>
-                            </a:rPr>
-                            <m:t>𝑓</m:t>
-                          </m:r>
-                        </m:e>
-                      </m:d>
-                      <m:sSub>
-                        <m:sSubPr>
-                          <m:ctrlPr>
-                            <a:rPr lang="en-US" b="0" i="1" smtClean="0">
-                              <a:latin typeface="Cambria Math" panose="02040503050406030204" pitchFamily="18" charset="0"/>
-                            </a:rPr>
-                          </m:ctrlPr>
-                        </m:sSubPr>
-                        <m:e>
-                          <m:r>
-                            <a:rPr lang="en-US" b="0" i="1" smtClean="0">
-                              <a:latin typeface="Cambria Math" panose="02040503050406030204" pitchFamily="18" charset="0"/>
-                            </a:rPr>
-                            <m:t>𝑅</m:t>
-                          </m:r>
-                        </m:e>
-                        <m:sub>
-                          <m:r>
-                            <a:rPr lang="en-US" b="0" i="1" smtClean="0">
-                              <a:latin typeface="Cambria Math" panose="02040503050406030204" pitchFamily="18" charset="0"/>
-                            </a:rPr>
-                            <m:t>𝐿</m:t>
-                          </m:r>
-                        </m:sub>
-                      </m:sSub>
-                      <m:r>
-                        <a:rPr lang="en-US" b="0" i="1" smtClean="0">
-                          <a:latin typeface="Cambria Math" panose="02040503050406030204" pitchFamily="18" charset="0"/>
-                        </a:rPr>
-                        <m:t> =</m:t>
-                      </m:r>
-                      <m:r>
-                        <a:rPr lang="en-US" b="0" i="1" smtClean="0">
-                          <a:latin typeface="Cambria Math" panose="02040503050406030204" pitchFamily="18" charset="0"/>
-                        </a:rPr>
-                        <m:t>𝑓</m:t>
-                      </m:r>
-                      <m:d>
-                        <m:dPr>
-                          <m:begChr m:val="{"/>
-                          <m:endChr m:val=""/>
-                          <m:ctrlPr>
-                            <a:rPr lang="en-US" b="0" i="1" smtClean="0">
-                              <a:latin typeface="Cambria Math" panose="02040503050406030204" pitchFamily="18" charset="0"/>
-                            </a:rPr>
-                          </m:ctrlPr>
-                        </m:dPr>
-                        <m:e>
-                          <m:eqArr>
-                            <m:eqArrPr>
-                              <m:ctrlPr>
-                                <a:rPr lang="en-US" b="0" i="1" smtClean="0">
-                                  <a:latin typeface="Cambria Math" panose="02040503050406030204" pitchFamily="18" charset="0"/>
-                                </a:rPr>
-                              </m:ctrlPr>
-                            </m:eqArrPr>
-                            <m:e>
-                              <m:r>
-                                <a:rPr lang="en-US" b="0" i="1" smtClean="0">
-                                  <a:latin typeface="Cambria Math" panose="02040503050406030204" pitchFamily="18" charset="0"/>
-                                </a:rPr>
-                                <m:t>𝑞</m:t>
-                              </m:r>
-                              <m:r>
-                                <a:rPr lang="en-US" b="0" i="1" smtClean="0">
-                                  <a:latin typeface="Cambria Math" panose="02040503050406030204" pitchFamily="18" charset="0"/>
-                                </a:rPr>
-                                <m:t> </m:t>
-                              </m:r>
-                              <m:r>
-                                <a:rPr lang="en-US" b="0" i="1" smtClean="0">
-                                  <a:latin typeface="Cambria Math" panose="02040503050406030204" pitchFamily="18" charset="0"/>
-                                </a:rPr>
-                                <m:t>𝑓𝑜𝑟</m:t>
-                              </m:r>
-                              <m:r>
-                                <a:rPr lang="en-US" b="0" i="1" smtClean="0">
-                                  <a:latin typeface="Cambria Math" panose="02040503050406030204" pitchFamily="18" charset="0"/>
-                                </a:rPr>
-                                <m:t>  </m:t>
-                              </m:r>
-                              <m:r>
-                                <a:rPr lang="en-US" b="0" i="1" smtClean="0">
-                                  <a:latin typeface="Cambria Math" panose="02040503050406030204" pitchFamily="18" charset="0"/>
-                                </a:rPr>
-                                <m:t>𝑞</m:t>
-                              </m:r>
-                              <m:r>
-                                <a:rPr lang="en-US" b="0" i="1" smtClean="0">
-                                  <a:latin typeface="Cambria Math" panose="02040503050406030204" pitchFamily="18" charset="0"/>
-                                </a:rPr>
-                                <m:t>&lt;0.5</m:t>
-                              </m:r>
-                            </m:e>
-                            <m:e>
-                              <m:r>
-                                <a:rPr lang="en-US" b="0" i="1" smtClean="0">
-                                  <a:latin typeface="Cambria Math" panose="02040503050406030204" pitchFamily="18" charset="0"/>
-                                </a:rPr>
-                                <m:t>1−</m:t>
-                              </m:r>
-                              <m:r>
-                                <a:rPr lang="en-US" b="0" i="1" smtClean="0">
-                                  <a:latin typeface="Cambria Math" panose="02040503050406030204" pitchFamily="18" charset="0"/>
-                                </a:rPr>
-                                <m:t>𝑞</m:t>
-                              </m:r>
-                              <m:r>
-                                <a:rPr lang="en-US" b="0" i="1" smtClean="0">
-                                  <a:latin typeface="Cambria Math" panose="02040503050406030204" pitchFamily="18" charset="0"/>
-                                </a:rPr>
-                                <m:t> </m:t>
-                              </m:r>
-                              <m:r>
-                                <a:rPr lang="en-US" b="0" i="1" smtClean="0">
-                                  <a:latin typeface="Cambria Math" panose="02040503050406030204" pitchFamily="18" charset="0"/>
-                                </a:rPr>
-                                <m:t>𝑓𝑜𝑟</m:t>
-                              </m:r>
-                              <m:r>
-                                <a:rPr lang="en-US" b="0" i="1" smtClean="0">
-                                  <a:latin typeface="Cambria Math" panose="02040503050406030204" pitchFamily="18" charset="0"/>
-                                </a:rPr>
-                                <m:t> </m:t>
-                              </m:r>
-                              <m:r>
-                                <a:rPr lang="en-US" b="0" i="1" smtClean="0">
-                                  <a:latin typeface="Cambria Math" panose="02040503050406030204" pitchFamily="18" charset="0"/>
-                                </a:rPr>
-                                <m:t>𝑞</m:t>
-                              </m:r>
-                              <m:r>
-                                <a:rPr lang="en-US" b="0" i="1" smtClean="0">
-                                  <a:latin typeface="Cambria Math" panose="02040503050406030204" pitchFamily="18" charset="0"/>
-                                </a:rPr>
-                                <m:t>≥0.5</m:t>
-                              </m:r>
-                            </m:e>
-                          </m:eqArr>
-                        </m:e>
-                      </m:d>
-                      <m:r>
-                        <a:rPr lang="en-US" b="0" i="1" smtClean="0">
-                          <a:latin typeface="Cambria Math" panose="02040503050406030204" pitchFamily="18" charset="0"/>
-                        </a:rPr>
-                        <m:t>+</m:t>
-                      </m:r>
-                      <m:d>
-                        <m:dPr>
-                          <m:ctrlPr>
-                            <a:rPr lang="en-US" b="0" i="1" smtClean="0">
-                              <a:latin typeface="Cambria Math" panose="02040503050406030204" pitchFamily="18" charset="0"/>
-                            </a:rPr>
-                          </m:ctrlPr>
-                        </m:dPr>
-                        <m:e>
-                          <m:r>
-                            <a:rPr lang="en-US" b="0" i="1" smtClean="0">
-                              <a:latin typeface="Cambria Math" panose="02040503050406030204" pitchFamily="18" charset="0"/>
-                            </a:rPr>
-                            <m:t>1−</m:t>
-                          </m:r>
-                          <m:r>
-                            <a:rPr lang="en-US" b="0" i="1" smtClean="0">
-                              <a:latin typeface="Cambria Math" panose="02040503050406030204" pitchFamily="18" charset="0"/>
-                            </a:rPr>
-                            <m:t>𝑓</m:t>
-                          </m:r>
-                        </m:e>
-                      </m:d>
-                      <m:d>
-                        <m:dPr>
-                          <m:begChr m:val="{"/>
-                          <m:endChr m:val=""/>
-                          <m:ctrlPr>
-                            <a:rPr lang="en-US" i="1">
-                              <a:latin typeface="Cambria Math" panose="02040503050406030204" pitchFamily="18" charset="0"/>
-                            </a:rPr>
-                          </m:ctrlPr>
-                        </m:dPr>
-                        <m:e>
-                          <m:eqArr>
-                            <m:eqArrPr>
-                              <m:ctrlPr>
-                                <a:rPr lang="en-US" i="1">
-                                  <a:latin typeface="Cambria Math" panose="02040503050406030204" pitchFamily="18" charset="0"/>
-                                </a:rPr>
-                              </m:ctrlPr>
-                            </m:eqArrPr>
-                            <m:e>
-                              <m:r>
-                                <a:rPr lang="en-US" b="0" i="1" smtClean="0">
-                                  <a:latin typeface="Cambria Math" panose="02040503050406030204" pitchFamily="18" charset="0"/>
-                                </a:rPr>
-                                <m:t>𝑟</m:t>
-                              </m:r>
-                              <m:r>
-                                <a:rPr lang="en-US" i="1">
-                                  <a:latin typeface="Cambria Math" panose="02040503050406030204" pitchFamily="18" charset="0"/>
-                                </a:rPr>
-                                <m:t> </m:t>
-                              </m:r>
-                              <m:r>
-                                <a:rPr lang="en-US" i="1">
-                                  <a:latin typeface="Cambria Math" panose="02040503050406030204" pitchFamily="18" charset="0"/>
-                                </a:rPr>
-                                <m:t>𝑓𝑜𝑟</m:t>
-                              </m:r>
-                              <m:r>
-                                <a:rPr lang="en-US" i="1">
-                                  <a:latin typeface="Cambria Math" panose="02040503050406030204" pitchFamily="18" charset="0"/>
-                                </a:rPr>
-                                <m:t>  </m:t>
-                              </m:r>
-                              <m:r>
-                                <a:rPr lang="en-US" b="0" i="1" smtClean="0">
-                                  <a:latin typeface="Cambria Math" panose="02040503050406030204" pitchFamily="18" charset="0"/>
-                                </a:rPr>
-                                <m:t>𝑟</m:t>
-                              </m:r>
-                              <m:r>
-                                <a:rPr lang="en-US" i="1">
-                                  <a:latin typeface="Cambria Math" panose="02040503050406030204" pitchFamily="18" charset="0"/>
-                                </a:rPr>
-                                <m:t>&lt;0.5</m:t>
-                              </m:r>
-                            </m:e>
-                            <m:e>
-                              <m:r>
-                                <a:rPr lang="en-US" i="1">
-                                  <a:latin typeface="Cambria Math" panose="02040503050406030204" pitchFamily="18" charset="0"/>
-                                </a:rPr>
-                                <m:t>1−</m:t>
-                              </m:r>
-                              <m:r>
-                                <a:rPr lang="en-US" b="0" i="1" smtClean="0">
-                                  <a:latin typeface="Cambria Math" panose="02040503050406030204" pitchFamily="18" charset="0"/>
-                                </a:rPr>
-                                <m:t>𝑟</m:t>
-                              </m:r>
-                              <m:r>
-                                <a:rPr lang="en-US" i="1">
-                                  <a:latin typeface="Cambria Math" panose="02040503050406030204" pitchFamily="18" charset="0"/>
-                                </a:rPr>
-                                <m:t> </m:t>
-                              </m:r>
-                              <m:r>
-                                <a:rPr lang="en-US" i="1">
-                                  <a:latin typeface="Cambria Math" panose="02040503050406030204" pitchFamily="18" charset="0"/>
-                                </a:rPr>
-                                <m:t>𝑓𝑜𝑟</m:t>
-                              </m:r>
-                              <m:r>
-                                <a:rPr lang="en-US" i="1">
-                                  <a:latin typeface="Cambria Math" panose="02040503050406030204" pitchFamily="18" charset="0"/>
-                                </a:rPr>
-                                <m:t> </m:t>
-                              </m:r>
-                              <m:r>
-                                <a:rPr lang="en-US" b="0" i="1" smtClean="0">
-                                  <a:latin typeface="Cambria Math" panose="02040503050406030204" pitchFamily="18" charset="0"/>
-                                </a:rPr>
-                                <m:t>𝑟</m:t>
-                              </m:r>
-                              <m:r>
-                                <a:rPr lang="en-US" i="1">
-                                  <a:latin typeface="Cambria Math" panose="02040503050406030204" pitchFamily="18" charset="0"/>
-                                </a:rPr>
-                                <m:t>≥0.5</m:t>
-                              </m:r>
-                            </m:e>
-                          </m:eqArr>
-                        </m:e>
-                      </m:d>
-                    </m:oMath>
-                  </m:oMathPara>
-                </a14:m>
-                <a:endParaRPr lang="en-US" dirty="0"/>
-              </a:p>
-            </p:txBody>
-          </p:sp>
-        </mc:Choice>
-        <mc:Fallback>
-          <p:sp>
-            <p:nvSpPr>
-              <p:cNvPr id="27" name="TextBox 26">
-                <a:extLst>
-                  <a:ext uri="{FF2B5EF4-FFF2-40B4-BE49-F238E27FC236}">
-                    <a16:creationId xmlns:a16="http://schemas.microsoft.com/office/drawing/2014/main" id="{620639E5-75CD-2A06-40A0-BB7D66D97428}"/>
-                  </a:ext>
-                </a:extLst>
-              </p:cNvPr>
-              <p:cNvSpPr txBox="1">
-                <a:spLocks noRot="1" noChangeAspect="1" noMove="1" noResize="1" noEditPoints="1" noAdjustHandles="1" noChangeArrowheads="1" noChangeShapeType="1" noTextEdit="1"/>
-              </p:cNvSpPr>
-              <p:nvPr/>
-            </p:nvSpPr>
-            <p:spPr>
-              <a:xfrm>
-                <a:off x="3171841" y="5890188"/>
-                <a:ext cx="7113742" cy="710194"/>
-              </a:xfrm>
-              <a:prstGeom prst="rect">
-                <a:avLst/>
-              </a:prstGeom>
-              <a:blipFill>
-                <a:blip r:embed="rId9"/>
-                <a:stretch>
-                  <a:fillRect/>
-                </a:stretch>
-              </a:blipFill>
-            </p:spPr>
-            <p:txBody>
-              <a:bodyPr/>
-              <a:lstStyle/>
-              <a:p>
-                <a:r>
-                  <a:rPr lang="en-US">
-                    <a:noFill/>
-                  </a:rPr>
-                  <a:t> </a:t>
-                </a:r>
-              </a:p>
-            </p:txBody>
-          </p:sp>
-        </mc:Fallback>
-      </mc:AlternateContent>
-      <mc:AlternateContent xmlns:mc="http://schemas.openxmlformats.org/markup-compatibility/2006">
-        <mc:Choice xmlns:a14="http://schemas.microsoft.com/office/drawing/2010/main" Requires="a14">
-          <p:sp>
-            <p:nvSpPr>
-              <p:cNvPr id="28" name="TextBox 27">
-                <a:extLst>
-                  <a:ext uri="{FF2B5EF4-FFF2-40B4-BE49-F238E27FC236}">
-                    <a16:creationId xmlns:a16="http://schemas.microsoft.com/office/drawing/2014/main" id="{7999A3B9-CC65-86EA-3644-BB4EE6ED646A}"/>
-                  </a:ext>
-                </a:extLst>
-              </p:cNvPr>
-              <p:cNvSpPr txBox="1"/>
-              <p:nvPr/>
-            </p:nvSpPr>
-            <p:spPr>
-              <a:xfrm>
-                <a:off x="7605167" y="3744250"/>
-                <a:ext cx="3841501" cy="646331"/>
-              </a:xfrm>
-              <a:prstGeom prst="rect">
-                <a:avLst/>
-              </a:prstGeom>
-              <a:noFill/>
-            </p:spPr>
-            <p:txBody>
-              <a:bodyPr wrap="none" rtlCol="0">
-                <a:spAutoFit/>
-              </a:bodyPr>
-              <a:lstStyle/>
-              <a:p>
-                <a14:m>
-                  <m:oMathPara xmlns:m="http://schemas.openxmlformats.org/officeDocument/2006/math">
-                    <m:oMathParaPr>
-                      <m:jc m:val="centerGroup"/>
-                    </m:oMathParaPr>
-                    <m:oMath xmlns:m="http://schemas.openxmlformats.org/officeDocument/2006/math">
-                      <m:r>
-                        <a:rPr lang="en-US" b="0" i="1" smtClean="0">
-                          <a:latin typeface="Cambria Math" panose="02040503050406030204" pitchFamily="18" charset="0"/>
-                        </a:rPr>
-                        <m:t>𝑓𝑞</m:t>
-                      </m:r>
-                      <m:r>
-                        <a:rPr lang="en-US" b="0" i="1" smtClean="0">
-                          <a:latin typeface="Cambria Math" panose="02040503050406030204" pitchFamily="18" charset="0"/>
-                        </a:rPr>
-                        <m:t>+</m:t>
-                      </m:r>
-                      <m:d>
-                        <m:dPr>
-                          <m:ctrlPr>
-                            <a:rPr lang="en-US" b="0" i="1" smtClean="0">
-                              <a:latin typeface="Cambria Math" panose="02040503050406030204" pitchFamily="18" charset="0"/>
-                            </a:rPr>
-                          </m:ctrlPr>
-                        </m:dPr>
-                        <m:e>
-                          <m:r>
-                            <a:rPr lang="en-US" b="0" i="1" smtClean="0">
-                              <a:latin typeface="Cambria Math" panose="02040503050406030204" pitchFamily="18" charset="0"/>
-                            </a:rPr>
-                            <m:t>1−</m:t>
-                          </m:r>
-                          <m:r>
-                            <a:rPr lang="en-US" b="0" i="1" smtClean="0">
-                              <a:latin typeface="Cambria Math" panose="02040503050406030204" pitchFamily="18" charset="0"/>
-                            </a:rPr>
-                            <m:t>𝑓</m:t>
-                          </m:r>
-                        </m:e>
-                      </m:d>
-                      <m:r>
-                        <a:rPr lang="en-US" b="0" i="1" smtClean="0">
-                          <a:latin typeface="Cambria Math" panose="02040503050406030204" pitchFamily="18" charset="0"/>
-                        </a:rPr>
-                        <m:t>𝑟</m:t>
-                      </m:r>
-                      <m:r>
-                        <a:rPr lang="en-US" b="0" i="1" smtClean="0">
-                          <a:latin typeface="Cambria Math" panose="02040503050406030204" pitchFamily="18" charset="0"/>
-                        </a:rPr>
-                        <m:t>=</m:t>
-                      </m:r>
-                      <m:r>
-                        <a:rPr lang="en-US" b="0" i="1" smtClean="0">
-                          <a:latin typeface="Cambria Math" panose="02040503050406030204" pitchFamily="18" charset="0"/>
-                        </a:rPr>
-                        <m:t>𝑝</m:t>
-                      </m:r>
-                    </m:oMath>
-                  </m:oMathPara>
-                </a14:m>
-                <a:endParaRPr lang="en-US" b="0" dirty="0"/>
-              </a:p>
-              <a:p>
-                <a14:m>
-                  <m:oMathPara xmlns:m="http://schemas.openxmlformats.org/officeDocument/2006/math">
-                    <m:oMathParaPr>
-                      <m:jc m:val="centerGroup"/>
-                    </m:oMathParaPr>
-                    <m:oMath xmlns:m="http://schemas.openxmlformats.org/officeDocument/2006/math">
-                      <m:r>
-                        <a:rPr lang="en-US" b="0" i="1" smtClean="0">
-                          <a:latin typeface="Cambria Math" panose="02040503050406030204" pitchFamily="18" charset="0"/>
-                        </a:rPr>
-                        <m:t>𝑓</m:t>
-                      </m:r>
-                      <m:d>
-                        <m:dPr>
-                          <m:ctrlPr>
-                            <a:rPr lang="en-US" b="0" i="1" smtClean="0">
-                              <a:latin typeface="Cambria Math" panose="02040503050406030204" pitchFamily="18" charset="0"/>
-                            </a:rPr>
-                          </m:ctrlPr>
-                        </m:dPr>
-                        <m:e>
-                          <m:r>
-                            <a:rPr lang="en-US" b="0" i="1" smtClean="0">
-                              <a:latin typeface="Cambria Math" panose="02040503050406030204" pitchFamily="18" charset="0"/>
-                            </a:rPr>
-                            <m:t>1−</m:t>
-                          </m:r>
-                          <m:r>
-                            <a:rPr lang="en-US" b="0" i="1" smtClean="0">
-                              <a:latin typeface="Cambria Math" panose="02040503050406030204" pitchFamily="18" charset="0"/>
-                            </a:rPr>
-                            <m:t>𝑞</m:t>
-                          </m:r>
-                        </m:e>
-                      </m:d>
-                      <m:r>
-                        <a:rPr lang="en-US" b="0" i="1" smtClean="0">
-                          <a:latin typeface="Cambria Math" panose="02040503050406030204" pitchFamily="18" charset="0"/>
-                        </a:rPr>
-                        <m:t>+</m:t>
-                      </m:r>
-                      <m:d>
-                        <m:dPr>
-                          <m:ctrlPr>
-                            <a:rPr lang="en-US" b="0" i="1" smtClean="0">
-                              <a:latin typeface="Cambria Math" panose="02040503050406030204" pitchFamily="18" charset="0"/>
-                            </a:rPr>
-                          </m:ctrlPr>
-                        </m:dPr>
-                        <m:e>
-                          <m:r>
-                            <a:rPr lang="en-US" b="0" i="1" smtClean="0">
-                              <a:latin typeface="Cambria Math" panose="02040503050406030204" pitchFamily="18" charset="0"/>
-                            </a:rPr>
-                            <m:t>1−</m:t>
-                          </m:r>
-                          <m:r>
-                            <a:rPr lang="en-US" b="0" i="1" smtClean="0">
-                              <a:latin typeface="Cambria Math" panose="02040503050406030204" pitchFamily="18" charset="0"/>
-                            </a:rPr>
-                            <m:t>𝑓</m:t>
-                          </m:r>
-                        </m:e>
-                      </m:d>
-                      <m:d>
-                        <m:dPr>
-                          <m:ctrlPr>
-                            <a:rPr lang="en-US" b="0" i="1" smtClean="0">
-                              <a:latin typeface="Cambria Math" panose="02040503050406030204" pitchFamily="18" charset="0"/>
-                            </a:rPr>
-                          </m:ctrlPr>
-                        </m:dPr>
-                        <m:e>
-                          <m:r>
-                            <a:rPr lang="en-US" b="0" i="1" smtClean="0">
-                              <a:latin typeface="Cambria Math" panose="02040503050406030204" pitchFamily="18" charset="0"/>
-                            </a:rPr>
-                            <m:t>1−</m:t>
-                          </m:r>
-                          <m:r>
-                            <a:rPr lang="en-US" b="0" i="1" smtClean="0">
-                              <a:latin typeface="Cambria Math" panose="02040503050406030204" pitchFamily="18" charset="0"/>
-                            </a:rPr>
-                            <m:t>𝑟</m:t>
-                          </m:r>
-                        </m:e>
-                      </m:d>
-                      <m:r>
-                        <a:rPr lang="en-US" b="0" i="1" smtClean="0">
-                          <a:latin typeface="Cambria Math" panose="02040503050406030204" pitchFamily="18" charset="0"/>
-                        </a:rPr>
-                        <m:t>=(1−</m:t>
-                      </m:r>
-                      <m:r>
-                        <a:rPr lang="en-US" b="0" i="1" smtClean="0">
-                          <a:latin typeface="Cambria Math" panose="02040503050406030204" pitchFamily="18" charset="0"/>
-                        </a:rPr>
-                        <m:t>𝑝</m:t>
-                      </m:r>
-                      <m:r>
-                        <a:rPr lang="en-US" b="0" i="1" smtClean="0">
-                          <a:latin typeface="Cambria Math" panose="02040503050406030204" pitchFamily="18" charset="0"/>
-                        </a:rPr>
-                        <m:t>)</m:t>
-                      </m:r>
-                    </m:oMath>
-                  </m:oMathPara>
-                </a14:m>
-                <a:endParaRPr lang="en-US" dirty="0"/>
-              </a:p>
-            </p:txBody>
-          </p:sp>
-        </mc:Choice>
-        <mc:Fallback>
-          <p:sp>
-            <p:nvSpPr>
-              <p:cNvPr id="28" name="TextBox 27">
-                <a:extLst>
-                  <a:ext uri="{FF2B5EF4-FFF2-40B4-BE49-F238E27FC236}">
-                    <a16:creationId xmlns:a16="http://schemas.microsoft.com/office/drawing/2014/main" id="{7999A3B9-CC65-86EA-3644-BB4EE6ED646A}"/>
-                  </a:ext>
-                </a:extLst>
-              </p:cNvPr>
-              <p:cNvSpPr txBox="1">
-                <a:spLocks noRot="1" noChangeAspect="1" noMove="1" noResize="1" noEditPoints="1" noAdjustHandles="1" noChangeArrowheads="1" noChangeShapeType="1" noTextEdit="1"/>
-              </p:cNvSpPr>
-              <p:nvPr/>
-            </p:nvSpPr>
-            <p:spPr>
-              <a:xfrm>
-                <a:off x="7605167" y="3744250"/>
-                <a:ext cx="3841501" cy="646331"/>
-              </a:xfrm>
-              <a:prstGeom prst="rect">
-                <a:avLst/>
-              </a:prstGeom>
-              <a:blipFill>
-                <a:blip r:embed="rId10"/>
-                <a:stretch>
-                  <a:fillRect b="-7547"/>
-                </a:stretch>
-              </a:blipFill>
-            </p:spPr>
-            <p:txBody>
-              <a:bodyPr/>
-              <a:lstStyle/>
-              <a:p>
-                <a:r>
-                  <a:rPr lang="en-US">
-                    <a:noFill/>
-                  </a:rPr>
-                  <a:t> </a:t>
-                </a:r>
-              </a:p>
-            </p:txBody>
-          </p:sp>
-        </mc:Fallback>
-      </mc:AlternateContent>
-    </p:spTree>
-    <p:extLst>
-      <p:ext uri="{BB962C8B-B14F-4D97-AF65-F5344CB8AC3E}">
-        <p14:creationId xmlns:p14="http://schemas.microsoft.com/office/powerpoint/2010/main" val="458976005"/>
-      </p:ext>
-    </p:extLst>
-  </p:cSld>
-  <p:clrMapOvr>
-    <a:masterClrMapping/>
-  </p:clrMapOvr>
-</p:sld>
-</file>
-
-<file path=ppt/slides/slide23.xml><?xml version="1.0" encoding="utf-8"?>
-<p:sld xmlns:a="http://schemas.openxmlformats.org/drawingml/2006/main" xmlns:r="http://schemas.openxmlformats.org/officeDocument/2006/relationships" xmlns:p="http://schemas.openxmlformats.org/presentationml/2006/main">
-  <p:cSld>
-    <p:spTree>
-      <p:nvGrpSpPr>
-        <p:cNvPr id="1" name=""/>
-        <p:cNvGrpSpPr/>
-        <p:nvPr/>
-      </p:nvGrpSpPr>
-      <p:grpSpPr>
-        <a:xfrm>
-          <a:off x="0" y="0"/>
-          <a:ext cx="0" cy="0"/>
-          <a:chOff x="0" y="0"/>
-          <a:chExt cx="0" cy="0"/>
-        </a:xfrm>
-      </p:grpSpPr>
-      <p:sp>
-        <p:nvSpPr>
-          <p:cNvPr id="2" name="Title 1">
-            <a:extLst>
-              <a:ext uri="{FF2B5EF4-FFF2-40B4-BE49-F238E27FC236}">
                 <a16:creationId xmlns:a16="http://schemas.microsoft.com/office/drawing/2014/main" id="{575301D9-40F1-2CA2-D120-12BD23B2401C}"/>
               </a:ext>
             </a:extLst>
@@ -29776,7 +27003,12 @@
             <p:ph type="title"/>
           </p:nvPr>
         </p:nvSpPr>
-        <p:spPr/>
+        <p:spPr>
+          <a:xfrm>
+            <a:off x="838200" y="365125"/>
+            <a:ext cx="10515600" cy="1325563"/>
+          </a:xfrm>
+        </p:spPr>
         <p:txBody>
           <a:bodyPr/>
           <a:lstStyle/>
@@ -29790,7 +27022,7 @@
             </a:br>
             <a:r>
               <a:rPr lang="en-US" dirty="0"/>
-              <a:t>Classification Error Rate – Not Sensitive</a:t>
+              <a:t>Classification Error Rate – Insensitive Example</a:t>
             </a:r>
           </a:p>
         </p:txBody>
@@ -30058,10 +27290,10 @@
       </mc:AlternateContent>
       <p:grpSp>
         <p:nvGrpSpPr>
-          <p:cNvPr id="4" name="Group 3">
+          <p:cNvPr id="11" name="Group 10">
             <a:extLst>
               <a:ext uri="{FF2B5EF4-FFF2-40B4-BE49-F238E27FC236}">
-                <a16:creationId xmlns:a16="http://schemas.microsoft.com/office/drawing/2014/main" id="{0C41258E-74D1-F20E-FDCC-C6EB610950D8}"/>
+                <a16:creationId xmlns:a16="http://schemas.microsoft.com/office/drawing/2014/main" id="{37BB03F7-DCBF-2CD0-C5FE-504AE4F1BF87}"/>
               </a:ext>
             </a:extLst>
           </p:cNvPr>
@@ -30070,151 +27302,449 @@
         </p:nvGrpSpPr>
         <p:grpSpPr>
           <a:xfrm>
-            <a:off x="838200" y="2433163"/>
-            <a:ext cx="3031948" cy="3971836"/>
-            <a:chOff x="6287550" y="242604"/>
-            <a:chExt cx="3120703" cy="4088105"/>
+            <a:off x="7304480" y="2362678"/>
+            <a:ext cx="4670324" cy="4393650"/>
+            <a:chOff x="-39295" y="2433164"/>
+            <a:chExt cx="4670324" cy="4393650"/>
           </a:xfrm>
         </p:grpSpPr>
-        <p:sp>
-          <p:nvSpPr>
-            <p:cNvPr id="5" name="Oval 4">
+        <p:grpSp>
+          <p:nvGrpSpPr>
+            <p:cNvPr id="4" name="Group 3">
               <a:extLst>
                 <a:ext uri="{FF2B5EF4-FFF2-40B4-BE49-F238E27FC236}">
-                  <a16:creationId xmlns:a16="http://schemas.microsoft.com/office/drawing/2014/main" id="{58AD500D-7ADE-44AB-6400-7817F7E7BC2E}"/>
+                  <a16:creationId xmlns:a16="http://schemas.microsoft.com/office/drawing/2014/main" id="{0C41258E-74D1-F20E-FDCC-C6EB610950D8}"/>
                 </a:ext>
               </a:extLst>
             </p:cNvPr>
-            <p:cNvSpPr/>
+            <p:cNvGrpSpPr/>
             <p:nvPr/>
-          </p:nvSpPr>
-          <p:spPr>
+          </p:nvGrpSpPr>
+          <p:grpSpPr>
             <a:xfrm>
-              <a:off x="7214533" y="618381"/>
-              <a:ext cx="1350627" cy="1249960"/>
+              <a:off x="838200" y="2433164"/>
+              <a:ext cx="3031948" cy="3971835"/>
+              <a:chOff x="6287550" y="242605"/>
+              <a:chExt cx="3120703" cy="4088104"/>
             </a:xfrm>
-            <a:prstGeom prst="ellipse">
-              <a:avLst/>
-            </a:prstGeom>
-          </p:spPr>
-          <p:style>
-            <a:lnRef idx="2">
-              <a:schemeClr val="accent1">
-                <a:shade val="15000"/>
-              </a:schemeClr>
-            </a:lnRef>
-            <a:fillRef idx="1">
-              <a:schemeClr val="accent1"/>
-            </a:fillRef>
-            <a:effectRef idx="0">
-              <a:schemeClr val="accent1"/>
-            </a:effectRef>
-            <a:fontRef idx="minor">
-              <a:schemeClr val="lt1"/>
-            </a:fontRef>
-          </p:style>
-          <p:txBody>
-            <a:bodyPr rtlCol="0" anchor="ctr"/>
-            <a:lstStyle/>
-            <a:p>
-              <a:pPr algn="ctr"/>
-              <a:r>
-                <a:rPr lang="en-US" dirty="0"/>
-                <a:t>Sunny?</a:t>
-              </a:r>
-            </a:p>
-          </p:txBody>
-        </p:sp>
-        <p:cxnSp>
-          <p:nvCxnSpPr>
-            <p:cNvPr id="6" name="Straight Arrow Connector 5">
+          </p:grpSpPr>
+          <p:sp>
+            <p:nvSpPr>
+              <p:cNvPr id="5" name="Oval 4">
+                <a:extLst>
+                  <a:ext uri="{FF2B5EF4-FFF2-40B4-BE49-F238E27FC236}">
+                    <a16:creationId xmlns:a16="http://schemas.microsoft.com/office/drawing/2014/main" id="{58AD500D-7ADE-44AB-6400-7817F7E7BC2E}"/>
+                  </a:ext>
+                </a:extLst>
+              </p:cNvPr>
+              <p:cNvSpPr/>
+              <p:nvPr/>
+            </p:nvSpPr>
+            <p:spPr>
+              <a:xfrm>
+                <a:off x="7214533" y="618381"/>
+                <a:ext cx="1350627" cy="1249960"/>
+              </a:xfrm>
+              <a:prstGeom prst="ellipse">
+                <a:avLst/>
+              </a:prstGeom>
+            </p:spPr>
+            <p:style>
+              <a:lnRef idx="2">
+                <a:schemeClr val="accent1">
+                  <a:shade val="15000"/>
+                </a:schemeClr>
+              </a:lnRef>
+              <a:fillRef idx="1">
+                <a:schemeClr val="accent1"/>
+              </a:fillRef>
+              <a:effectRef idx="0">
+                <a:schemeClr val="accent1"/>
+              </a:effectRef>
+              <a:fontRef idx="minor">
+                <a:schemeClr val="lt1"/>
+              </a:fontRef>
+            </p:style>
+            <p:txBody>
+              <a:bodyPr rtlCol="0" anchor="ctr"/>
+              <a:lstStyle/>
+              <a:p>
+                <a:pPr algn="ctr"/>
+                <a:r>
+                  <a:rPr lang="en-US" dirty="0"/>
+                  <a:t>Sunny?</a:t>
+                </a:r>
+              </a:p>
+            </p:txBody>
+          </p:sp>
+          <p:cxnSp>
+            <p:nvCxnSpPr>
+              <p:cNvPr id="6" name="Straight Arrow Connector 5">
+                <a:extLst>
+                  <a:ext uri="{FF2B5EF4-FFF2-40B4-BE49-F238E27FC236}">
+                    <a16:creationId xmlns:a16="http://schemas.microsoft.com/office/drawing/2014/main" id="{FDF73690-89F7-2612-1177-CC19E87461AC}"/>
+                  </a:ext>
+                </a:extLst>
+              </p:cNvPr>
+              <p:cNvCxnSpPr>
+                <a:cxnSpLocks/>
+                <a:stCxn id="5" idx="4"/>
+              </p:cNvCxnSpPr>
+              <p:nvPr/>
+            </p:nvCxnSpPr>
+            <p:spPr>
+              <a:xfrm flipH="1">
+                <a:off x="6962863" y="1868341"/>
+                <a:ext cx="926984" cy="922789"/>
+              </a:xfrm>
+              <a:prstGeom prst="straightConnector1">
+                <a:avLst/>
+              </a:prstGeom>
+              <a:ln>
+                <a:tailEnd type="triangle"/>
+              </a:ln>
+            </p:spPr>
+            <p:style>
+              <a:lnRef idx="1">
+                <a:schemeClr val="accent1"/>
+              </a:lnRef>
+              <a:fillRef idx="0">
+                <a:schemeClr val="accent1"/>
+              </a:fillRef>
+              <a:effectRef idx="0">
+                <a:schemeClr val="accent1"/>
+              </a:effectRef>
+              <a:fontRef idx="minor">
+                <a:schemeClr val="tx1"/>
+              </a:fontRef>
+            </p:style>
+          </p:cxnSp>
+          <p:cxnSp>
+            <p:nvCxnSpPr>
+              <p:cNvPr id="7" name="Straight Arrow Connector 6">
+                <a:extLst>
+                  <a:ext uri="{FF2B5EF4-FFF2-40B4-BE49-F238E27FC236}">
+                    <a16:creationId xmlns:a16="http://schemas.microsoft.com/office/drawing/2014/main" id="{AEF229AC-DD6A-D949-7F0E-167D374B1825}"/>
+                  </a:ext>
+                </a:extLst>
+              </p:cNvPr>
+              <p:cNvCxnSpPr>
+                <a:cxnSpLocks/>
+                <a:stCxn id="5" idx="4"/>
+              </p:cNvCxnSpPr>
+              <p:nvPr/>
+            </p:nvCxnSpPr>
+            <p:spPr>
+              <a:xfrm>
+                <a:off x="7889847" y="1868341"/>
+                <a:ext cx="843093" cy="922789"/>
+              </a:xfrm>
+              <a:prstGeom prst="straightConnector1">
+                <a:avLst/>
+              </a:prstGeom>
+              <a:ln>
+                <a:tailEnd type="triangle"/>
+              </a:ln>
+            </p:spPr>
+            <p:style>
+              <a:lnRef idx="1">
+                <a:schemeClr val="accent1"/>
+              </a:lnRef>
+              <a:fillRef idx="0">
+                <a:schemeClr val="accent1"/>
+              </a:fillRef>
+              <a:effectRef idx="0">
+                <a:schemeClr val="accent1"/>
+              </a:effectRef>
+              <a:fontRef idx="minor">
+                <a:schemeClr val="tx1"/>
+              </a:fontRef>
+            </p:style>
+          </p:cxnSp>
+          <p:sp>
+            <p:nvSpPr>
+              <p:cNvPr id="8" name="TextBox 7">
+                <a:extLst>
+                  <a:ext uri="{FF2B5EF4-FFF2-40B4-BE49-F238E27FC236}">
+                    <a16:creationId xmlns:a16="http://schemas.microsoft.com/office/drawing/2014/main" id="{B4F67B17-B100-CD78-D5C3-E02837017CFA}"/>
+                  </a:ext>
+                </a:extLst>
+              </p:cNvPr>
+              <p:cNvSpPr txBox="1"/>
+              <p:nvPr/>
+            </p:nvSpPr>
+            <p:spPr>
+              <a:xfrm>
+                <a:off x="6940837" y="2086347"/>
+                <a:ext cx="485519" cy="369332"/>
+              </a:xfrm>
+              <a:prstGeom prst="rect">
+                <a:avLst/>
+              </a:prstGeom>
+              <a:noFill/>
+            </p:spPr>
+            <p:txBody>
+              <a:bodyPr wrap="none" rtlCol="0">
+                <a:spAutoFit/>
+              </a:bodyPr>
+              <a:lstStyle/>
+              <a:p>
+                <a:r>
+                  <a:rPr lang="en-US" dirty="0"/>
+                  <a:t>Yes</a:t>
+                </a:r>
+              </a:p>
+            </p:txBody>
+          </p:sp>
+          <p:sp>
+            <p:nvSpPr>
+              <p:cNvPr id="9" name="TextBox 8">
+                <a:extLst>
+                  <a:ext uri="{FF2B5EF4-FFF2-40B4-BE49-F238E27FC236}">
+                    <a16:creationId xmlns:a16="http://schemas.microsoft.com/office/drawing/2014/main" id="{36E1CF08-9851-39E9-03DA-0879DFF2C379}"/>
+                  </a:ext>
+                </a:extLst>
+              </p:cNvPr>
+              <p:cNvSpPr txBox="1"/>
+              <p:nvPr/>
+            </p:nvSpPr>
+            <p:spPr>
+              <a:xfrm>
+                <a:off x="8490181" y="2086347"/>
+                <a:ext cx="455574" cy="369332"/>
+              </a:xfrm>
+              <a:prstGeom prst="rect">
+                <a:avLst/>
+              </a:prstGeom>
+              <a:noFill/>
+            </p:spPr>
+            <p:txBody>
+              <a:bodyPr wrap="none" rtlCol="0">
+                <a:spAutoFit/>
+              </a:bodyPr>
+              <a:lstStyle/>
+              <a:p>
+                <a:r>
+                  <a:rPr lang="en-US" dirty="0"/>
+                  <a:t>No</a:t>
+                </a:r>
+              </a:p>
+            </p:txBody>
+          </p:sp>
+          <p:sp>
+            <p:nvSpPr>
+              <p:cNvPr id="10" name="Oval 9">
+                <a:extLst>
+                  <a:ext uri="{FF2B5EF4-FFF2-40B4-BE49-F238E27FC236}">
+                    <a16:creationId xmlns:a16="http://schemas.microsoft.com/office/drawing/2014/main" id="{90DA7A2A-B794-43C8-E640-5C7D170566B1}"/>
+                  </a:ext>
+                </a:extLst>
+              </p:cNvPr>
+              <p:cNvSpPr/>
+              <p:nvPr/>
+            </p:nvSpPr>
+            <p:spPr>
+              <a:xfrm>
+                <a:off x="8057626" y="2804020"/>
+                <a:ext cx="1350627" cy="1249960"/>
+              </a:xfrm>
+              <a:prstGeom prst="ellipse">
+                <a:avLst/>
+              </a:prstGeom>
+            </p:spPr>
+            <p:style>
+              <a:lnRef idx="2">
+                <a:schemeClr val="accent1">
+                  <a:shade val="15000"/>
+                </a:schemeClr>
+              </a:lnRef>
+              <a:fillRef idx="1">
+                <a:schemeClr val="accent1"/>
+              </a:fillRef>
+              <a:effectRef idx="0">
+                <a:schemeClr val="accent1"/>
+              </a:effectRef>
+              <a:fontRef idx="minor">
+                <a:schemeClr val="lt1"/>
+              </a:fontRef>
+            </p:style>
+            <p:txBody>
+              <a:bodyPr rtlCol="0" anchor="ctr"/>
+              <a:lstStyle/>
+              <a:p>
+                <a:pPr algn="ctr"/>
+                <a:r>
+                  <a:rPr lang="en-US" dirty="0" err="1"/>
+                  <a:t>Bajji</a:t>
+                </a:r>
+                <a:endParaRPr lang="en-US" dirty="0"/>
+              </a:p>
+            </p:txBody>
+          </p:sp>
+          <p:sp>
+            <p:nvSpPr>
+              <p:cNvPr id="15" name="Oval 14">
+                <a:extLst>
+                  <a:ext uri="{FF2B5EF4-FFF2-40B4-BE49-F238E27FC236}">
+                    <a16:creationId xmlns:a16="http://schemas.microsoft.com/office/drawing/2014/main" id="{42E68932-4231-7720-921F-79D709C06F46}"/>
+                  </a:ext>
+                </a:extLst>
+              </p:cNvPr>
+              <p:cNvSpPr/>
+              <p:nvPr/>
+            </p:nvSpPr>
+            <p:spPr>
+              <a:xfrm>
+                <a:off x="6287550" y="2791130"/>
+                <a:ext cx="1350627" cy="1249960"/>
+              </a:xfrm>
+              <a:prstGeom prst="ellipse">
+                <a:avLst/>
+              </a:prstGeom>
+              <a:solidFill>
+                <a:srgbClr val="4472C4"/>
+              </a:solidFill>
+            </p:spPr>
+            <p:style>
+              <a:lnRef idx="2">
+                <a:schemeClr val="accent1">
+                  <a:shade val="15000"/>
+                </a:schemeClr>
+              </a:lnRef>
+              <a:fillRef idx="1">
+                <a:schemeClr val="accent1"/>
+              </a:fillRef>
+              <a:effectRef idx="0">
+                <a:schemeClr val="accent1"/>
+              </a:effectRef>
+              <a:fontRef idx="minor">
+                <a:schemeClr val="lt1"/>
+              </a:fontRef>
+            </p:style>
+            <p:txBody>
+              <a:bodyPr rtlCol="0" anchor="ctr"/>
+              <a:lstStyle/>
+              <a:p>
+                <a:pPr algn="ctr"/>
+                <a:r>
+                  <a:rPr lang="en-US" dirty="0"/>
+                  <a:t>Ice Cream</a:t>
+                </a:r>
+              </a:p>
+            </p:txBody>
+          </p:sp>
+          <p:sp>
+            <p:nvSpPr>
+              <p:cNvPr id="18" name="TextBox 17">
+                <a:extLst>
+                  <a:ext uri="{FF2B5EF4-FFF2-40B4-BE49-F238E27FC236}">
+                    <a16:creationId xmlns:a16="http://schemas.microsoft.com/office/drawing/2014/main" id="{B1135A72-D1DE-DBF5-1F35-907CB217DAD5}"/>
+                  </a:ext>
+                </a:extLst>
+              </p:cNvPr>
+              <p:cNvSpPr txBox="1"/>
+              <p:nvPr/>
+            </p:nvSpPr>
+            <p:spPr>
+              <a:xfrm>
+                <a:off x="7296542" y="242605"/>
+                <a:ext cx="1186607" cy="369332"/>
+              </a:xfrm>
+              <a:prstGeom prst="rect">
+                <a:avLst/>
+              </a:prstGeom>
+              <a:noFill/>
+            </p:spPr>
+            <p:txBody>
+              <a:bodyPr wrap="none" rtlCol="0">
+                <a:spAutoFit/>
+              </a:bodyPr>
+              <a:lstStyle/>
+              <a:p>
+                <a:r>
+                  <a:rPr lang="en-US" dirty="0"/>
+                  <a:t>Root Node</a:t>
+                </a:r>
+              </a:p>
+            </p:txBody>
+          </p:sp>
+          <p:sp>
+            <p:nvSpPr>
+              <p:cNvPr id="19" name="TextBox 18">
+                <a:extLst>
+                  <a:ext uri="{FF2B5EF4-FFF2-40B4-BE49-F238E27FC236}">
+                    <a16:creationId xmlns:a16="http://schemas.microsoft.com/office/drawing/2014/main" id="{763EAAB7-E25A-AB7A-509B-1C494FCE725A}"/>
+                  </a:ext>
+                </a:extLst>
+              </p:cNvPr>
+              <p:cNvSpPr txBox="1"/>
+              <p:nvPr/>
+            </p:nvSpPr>
+            <p:spPr>
+              <a:xfrm>
+                <a:off x="6392901" y="3961377"/>
+                <a:ext cx="1138711" cy="369332"/>
+              </a:xfrm>
+              <a:prstGeom prst="rect">
+                <a:avLst/>
+              </a:prstGeom>
+              <a:noFill/>
+            </p:spPr>
+            <p:txBody>
+              <a:bodyPr wrap="none" rtlCol="0">
+                <a:spAutoFit/>
+              </a:bodyPr>
+              <a:lstStyle/>
+              <a:p>
+                <a:r>
+                  <a:rPr lang="en-US" dirty="0"/>
+                  <a:t>Leaf Node</a:t>
+                </a:r>
+              </a:p>
+            </p:txBody>
+          </p:sp>
+          <p:sp>
+            <p:nvSpPr>
+              <p:cNvPr id="22" name="TextBox 21">
+                <a:extLst>
+                  <a:ext uri="{FF2B5EF4-FFF2-40B4-BE49-F238E27FC236}">
+                    <a16:creationId xmlns:a16="http://schemas.microsoft.com/office/drawing/2014/main" id="{82FCD2D6-1576-8940-B4D5-2693BB8C2713}"/>
+                  </a:ext>
+                </a:extLst>
+              </p:cNvPr>
+              <p:cNvSpPr txBox="1"/>
+              <p:nvPr/>
+            </p:nvSpPr>
+            <p:spPr>
+              <a:xfrm>
+                <a:off x="8163584" y="3961377"/>
+                <a:ext cx="1138711" cy="369332"/>
+              </a:xfrm>
+              <a:prstGeom prst="rect">
+                <a:avLst/>
+              </a:prstGeom>
+              <a:noFill/>
+            </p:spPr>
+            <p:txBody>
+              <a:bodyPr wrap="none" rtlCol="0">
+                <a:spAutoFit/>
+              </a:bodyPr>
+              <a:lstStyle/>
+              <a:p>
+                <a:r>
+                  <a:rPr lang="en-US" dirty="0"/>
+                  <a:t>Leaf Node</a:t>
+                </a:r>
+              </a:p>
+            </p:txBody>
+          </p:sp>
+        </p:grpSp>
+        <p:sp>
+          <p:nvSpPr>
+            <p:cNvPr id="23" name="TextBox 22">
               <a:extLst>
                 <a:ext uri="{FF2B5EF4-FFF2-40B4-BE49-F238E27FC236}">
-                  <a16:creationId xmlns:a16="http://schemas.microsoft.com/office/drawing/2014/main" id="{FDF73690-89F7-2612-1177-CC19E87461AC}"/>
-                </a:ext>
-              </a:extLst>
-            </p:cNvPr>
-            <p:cNvCxnSpPr>
-              <a:cxnSpLocks/>
-              <a:stCxn id="5" idx="4"/>
-            </p:cNvCxnSpPr>
-            <p:nvPr/>
-          </p:nvCxnSpPr>
-          <p:spPr>
-            <a:xfrm flipH="1">
-              <a:off x="6962863" y="1868341"/>
-              <a:ext cx="926984" cy="922789"/>
-            </a:xfrm>
-            <a:prstGeom prst="straightConnector1">
-              <a:avLst/>
-            </a:prstGeom>
-            <a:ln>
-              <a:tailEnd type="triangle"/>
-            </a:ln>
-          </p:spPr>
-          <p:style>
-            <a:lnRef idx="1">
-              <a:schemeClr val="accent1"/>
-            </a:lnRef>
-            <a:fillRef idx="0">
-              <a:schemeClr val="accent1"/>
-            </a:fillRef>
-            <a:effectRef idx="0">
-              <a:schemeClr val="accent1"/>
-            </a:effectRef>
-            <a:fontRef idx="minor">
-              <a:schemeClr val="tx1"/>
-            </a:fontRef>
-          </p:style>
-        </p:cxnSp>
-        <p:cxnSp>
-          <p:nvCxnSpPr>
-            <p:cNvPr id="7" name="Straight Arrow Connector 6">
-              <a:extLst>
-                <a:ext uri="{FF2B5EF4-FFF2-40B4-BE49-F238E27FC236}">
-                  <a16:creationId xmlns:a16="http://schemas.microsoft.com/office/drawing/2014/main" id="{AEF229AC-DD6A-D949-7F0E-167D374B1825}"/>
-                </a:ext>
-              </a:extLst>
-            </p:cNvPr>
-            <p:cNvCxnSpPr>
-              <a:cxnSpLocks/>
-              <a:stCxn id="5" idx="4"/>
-            </p:cNvCxnSpPr>
-            <p:nvPr/>
-          </p:nvCxnSpPr>
-          <p:spPr>
-            <a:xfrm>
-              <a:off x="7889847" y="1868341"/>
-              <a:ext cx="843093" cy="922789"/>
-            </a:xfrm>
-            <a:prstGeom prst="straightConnector1">
-              <a:avLst/>
-            </a:prstGeom>
-            <a:ln>
-              <a:tailEnd type="triangle"/>
-            </a:ln>
-          </p:spPr>
-          <p:style>
-            <a:lnRef idx="1">
-              <a:schemeClr val="accent1"/>
-            </a:lnRef>
-            <a:fillRef idx="0">
-              <a:schemeClr val="accent1"/>
-            </a:fillRef>
-            <a:effectRef idx="0">
-              <a:schemeClr val="accent1"/>
-            </a:effectRef>
-            <a:fontRef idx="minor">
-              <a:schemeClr val="tx1"/>
-            </a:fontRef>
-          </p:style>
-        </p:cxnSp>
-        <p:sp>
-          <p:nvSpPr>
-            <p:cNvPr id="8" name="TextBox 7">
-              <a:extLst>
-                <a:ext uri="{FF2B5EF4-FFF2-40B4-BE49-F238E27FC236}">
-                  <a16:creationId xmlns:a16="http://schemas.microsoft.com/office/drawing/2014/main" id="{B4F67B17-B100-CD78-D5C3-E02837017CFA}"/>
+                  <a16:creationId xmlns:a16="http://schemas.microsoft.com/office/drawing/2014/main" id="{5443475A-F59C-71AE-CF0F-4D7FE847C8B1}"/>
                 </a:ext>
               </a:extLst>
             </p:cNvPr>
@@ -30223,8 +27753,8 @@
           </p:nvSpPr>
           <p:spPr>
             <a:xfrm>
-              <a:off x="6940837" y="2086347"/>
-              <a:ext cx="485519" cy="369332"/>
+              <a:off x="3109266" y="3036906"/>
+              <a:ext cx="1521763" cy="646331"/>
             </a:xfrm>
             <a:prstGeom prst="rect">
               <a:avLst/>
@@ -30239,17 +27769,23 @@
             <a:p>
               <a:r>
                 <a:rPr lang="en-US" dirty="0"/>
-                <a:t>Yes</a:t>
+                <a:t>#Ice Cream 60</a:t>
+              </a:r>
+            </a:p>
+            <a:p>
+              <a:r>
+                <a:rPr lang="en-US" dirty="0"/>
+                <a:t>#Bajji 40</a:t>
               </a:r>
             </a:p>
           </p:txBody>
         </p:sp>
         <p:sp>
           <p:nvSpPr>
-            <p:cNvPr id="9" name="TextBox 8">
+            <p:cNvPr id="24" name="TextBox 23">
               <a:extLst>
                 <a:ext uri="{FF2B5EF4-FFF2-40B4-BE49-F238E27FC236}">
-                  <a16:creationId xmlns:a16="http://schemas.microsoft.com/office/drawing/2014/main" id="{36E1CF08-9851-39E9-03DA-0879DFF2C379}"/>
+                  <a16:creationId xmlns:a16="http://schemas.microsoft.com/office/drawing/2014/main" id="{3CFAB474-B044-E580-64F1-36D5E0689026}"/>
                 </a:ext>
               </a:extLst>
             </p:cNvPr>
@@ -30258,14 +27794,31 @@
           </p:nvSpPr>
           <p:spPr>
             <a:xfrm>
-              <a:off x="8490181" y="2086347"/>
-              <a:ext cx="455574" cy="369332"/>
+              <a:off x="-39295" y="4607305"/>
+              <a:ext cx="1521763" cy="646331"/>
             </a:xfrm>
             <a:prstGeom prst="rect">
               <a:avLst/>
             </a:prstGeom>
             <a:noFill/>
+            <a:ln>
+              <a:noFill/>
+            </a:ln>
           </p:spPr>
+          <p:style>
+            <a:lnRef idx="2">
+              <a:schemeClr val="accent2"/>
+            </a:lnRef>
+            <a:fillRef idx="1">
+              <a:schemeClr val="lt1"/>
+            </a:fillRef>
+            <a:effectRef idx="0">
+              <a:schemeClr val="accent2"/>
+            </a:effectRef>
+            <a:fontRef idx="minor">
+              <a:schemeClr val="dk1"/>
+            </a:fontRef>
+          </p:style>
           <p:txBody>
             <a:bodyPr wrap="none" rtlCol="0">
               <a:spAutoFit/>
@@ -30274,119 +27827,23 @@
             <a:p>
               <a:r>
                 <a:rPr lang="en-US" dirty="0"/>
-                <a:t>No</a:t>
+                <a:t>#Ice Cream 30</a:t>
+              </a:r>
+            </a:p>
+            <a:p>
+              <a:r>
+                <a:rPr lang="en-US" dirty="0"/>
+                <a:t>#Bajji 10</a:t>
               </a:r>
             </a:p>
           </p:txBody>
         </p:sp>
         <p:sp>
           <p:nvSpPr>
-            <p:cNvPr id="10" name="Oval 9">
+            <p:cNvPr id="25" name="TextBox 24">
               <a:extLst>
                 <a:ext uri="{FF2B5EF4-FFF2-40B4-BE49-F238E27FC236}">
-                  <a16:creationId xmlns:a16="http://schemas.microsoft.com/office/drawing/2014/main" id="{90DA7A2A-B794-43C8-E640-5C7D170566B1}"/>
-                </a:ext>
-              </a:extLst>
-            </p:cNvPr>
-            <p:cNvSpPr/>
-            <p:nvPr/>
-          </p:nvSpPr>
-          <p:spPr>
-            <a:xfrm>
-              <a:off x="8057626" y="2804020"/>
-              <a:ext cx="1350627" cy="1249960"/>
-            </a:xfrm>
-            <a:prstGeom prst="ellipse">
-              <a:avLst/>
-            </a:prstGeom>
-          </p:spPr>
-          <p:style>
-            <a:lnRef idx="2">
-              <a:schemeClr val="accent1">
-                <a:shade val="15000"/>
-              </a:schemeClr>
-            </a:lnRef>
-            <a:fillRef idx="1">
-              <a:schemeClr val="accent1"/>
-            </a:fillRef>
-            <a:effectRef idx="0">
-              <a:schemeClr val="accent1"/>
-            </a:effectRef>
-            <a:fontRef idx="minor">
-              <a:schemeClr val="lt1"/>
-            </a:fontRef>
-          </p:style>
-          <p:txBody>
-            <a:bodyPr rtlCol="0" anchor="ctr"/>
-            <a:lstStyle/>
-            <a:p>
-              <a:pPr algn="ctr"/>
-              <a:r>
-                <a:rPr lang="en-US" dirty="0" err="1"/>
-                <a:t>Bajji</a:t>
-              </a:r>
-              <a:endParaRPr lang="en-US" dirty="0"/>
-            </a:p>
-          </p:txBody>
-        </p:sp>
-        <p:sp>
-          <p:nvSpPr>
-            <p:cNvPr id="15" name="Oval 14">
-              <a:extLst>
-                <a:ext uri="{FF2B5EF4-FFF2-40B4-BE49-F238E27FC236}">
-                  <a16:creationId xmlns:a16="http://schemas.microsoft.com/office/drawing/2014/main" id="{42E68932-4231-7720-921F-79D709C06F46}"/>
-                </a:ext>
-              </a:extLst>
-            </p:cNvPr>
-            <p:cNvSpPr/>
-            <p:nvPr/>
-          </p:nvSpPr>
-          <p:spPr>
-            <a:xfrm>
-              <a:off x="6287550" y="2791130"/>
-              <a:ext cx="1350627" cy="1249960"/>
-            </a:xfrm>
-            <a:prstGeom prst="ellipse">
-              <a:avLst/>
-            </a:prstGeom>
-            <a:solidFill>
-              <a:srgbClr val="4472C4"/>
-            </a:solidFill>
-          </p:spPr>
-          <p:style>
-            <a:lnRef idx="2">
-              <a:schemeClr val="accent1">
-                <a:shade val="15000"/>
-              </a:schemeClr>
-            </a:lnRef>
-            <a:fillRef idx="1">
-              <a:schemeClr val="accent1"/>
-            </a:fillRef>
-            <a:effectRef idx="0">
-              <a:schemeClr val="accent1"/>
-            </a:effectRef>
-            <a:fontRef idx="minor">
-              <a:schemeClr val="lt1"/>
-            </a:fontRef>
-          </p:style>
-          <p:txBody>
-            <a:bodyPr rtlCol="0" anchor="ctr"/>
-            <a:lstStyle/>
-            <a:p>
-              <a:pPr algn="ctr"/>
-              <a:r>
-                <a:rPr lang="en-US" dirty="0"/>
-                <a:t>Ice Cream</a:t>
-              </a:r>
-            </a:p>
-          </p:txBody>
-        </p:sp>
-        <p:sp>
-          <p:nvSpPr>
-            <p:cNvPr id="18" name="TextBox 17">
-              <a:extLst>
-                <a:ext uri="{FF2B5EF4-FFF2-40B4-BE49-F238E27FC236}">
-                  <a16:creationId xmlns:a16="http://schemas.microsoft.com/office/drawing/2014/main" id="{B1135A72-D1DE-DBF5-1F35-907CB217DAD5}"/>
+                  <a16:creationId xmlns:a16="http://schemas.microsoft.com/office/drawing/2014/main" id="{408297B6-0B2F-49F5-F9B2-6B2B567D1AD3}"/>
                 </a:ext>
               </a:extLst>
             </p:cNvPr>
@@ -30395,265 +27852,400 @@
           </p:nvSpPr>
           <p:spPr>
             <a:xfrm>
-              <a:off x="7296542" y="242604"/>
-              <a:ext cx="1186607" cy="369332"/>
+              <a:off x="3109266" y="4607305"/>
+              <a:ext cx="1521763" cy="646331"/>
             </a:xfrm>
             <a:prstGeom prst="rect">
               <a:avLst/>
             </a:prstGeom>
             <a:noFill/>
+            <a:ln>
+              <a:noFill/>
+            </a:ln>
           </p:spPr>
+          <p:style>
+            <a:lnRef idx="2">
+              <a:schemeClr val="accent2"/>
+            </a:lnRef>
+            <a:fillRef idx="1">
+              <a:schemeClr val="lt1"/>
+            </a:fillRef>
+            <a:effectRef idx="0">
+              <a:schemeClr val="accent2"/>
+            </a:effectRef>
+            <a:fontRef idx="minor">
+              <a:schemeClr val="dk1"/>
+            </a:fontRef>
+          </p:style>
           <p:txBody>
             <a:bodyPr wrap="none" rtlCol="0">
               <a:spAutoFit/>
             </a:bodyPr>
             <a:lstStyle/>
             <a:p>
+              <a:pPr algn="r"/>
               <a:r>
                 <a:rPr lang="en-US" dirty="0"/>
-                <a:t>Root Node</a:t>
+                <a:t>#Ice Cream 30</a:t>
+              </a:r>
+            </a:p>
+            <a:p>
+              <a:pPr algn="r"/>
+              <a:r>
+                <a:rPr lang="en-US" dirty="0"/>
+                <a:t>#Bajji 30 </a:t>
               </a:r>
             </a:p>
           </p:txBody>
         </p:sp>
-        <p:sp>
-          <p:nvSpPr>
-            <p:cNvPr id="19" name="TextBox 18">
-              <a:extLst>
-                <a:ext uri="{FF2B5EF4-FFF2-40B4-BE49-F238E27FC236}">
-                  <a16:creationId xmlns:a16="http://schemas.microsoft.com/office/drawing/2014/main" id="{763EAAB7-E25A-AB7A-509B-1C494FCE725A}"/>
-                </a:ext>
-              </a:extLst>
-            </p:cNvPr>
-            <p:cNvSpPr txBox="1"/>
-            <p:nvPr/>
-          </p:nvSpPr>
-          <p:spPr>
-            <a:xfrm>
-              <a:off x="6328967" y="3961377"/>
-              <a:ext cx="1138711" cy="369332"/>
-            </a:xfrm>
-            <a:prstGeom prst="rect">
-              <a:avLst/>
-            </a:prstGeom>
-            <a:noFill/>
-          </p:spPr>
-          <p:txBody>
-            <a:bodyPr wrap="none" rtlCol="0">
-              <a:spAutoFit/>
-            </a:bodyPr>
-            <a:lstStyle/>
-            <a:p>
-              <a:r>
-                <a:rPr lang="en-US" dirty="0"/>
-                <a:t>Leaf Node</a:t>
-              </a:r>
-            </a:p>
-          </p:txBody>
-        </p:sp>
-        <p:sp>
-          <p:nvSpPr>
-            <p:cNvPr id="22" name="TextBox 21">
-              <a:extLst>
-                <a:ext uri="{FF2B5EF4-FFF2-40B4-BE49-F238E27FC236}">
-                  <a16:creationId xmlns:a16="http://schemas.microsoft.com/office/drawing/2014/main" id="{82FCD2D6-1576-8940-B4D5-2693BB8C2713}"/>
-                </a:ext>
-              </a:extLst>
-            </p:cNvPr>
-            <p:cNvSpPr txBox="1"/>
-            <p:nvPr/>
-          </p:nvSpPr>
-          <p:spPr>
-            <a:xfrm>
-              <a:off x="8163584" y="3961377"/>
-              <a:ext cx="1138711" cy="369332"/>
-            </a:xfrm>
-            <a:prstGeom prst="rect">
-              <a:avLst/>
-            </a:prstGeom>
-            <a:noFill/>
-          </p:spPr>
-          <p:txBody>
-            <a:bodyPr wrap="none" rtlCol="0">
-              <a:spAutoFit/>
-            </a:bodyPr>
-            <a:lstStyle/>
-            <a:p>
-              <a:r>
-                <a:rPr lang="en-US" dirty="0"/>
-                <a:t>Leaf Node</a:t>
-              </a:r>
-            </a:p>
-          </p:txBody>
-        </p:sp>
+        <mc:AlternateContent xmlns:mc="http://schemas.openxmlformats.org/markup-compatibility/2006" xmlns:a14="http://schemas.microsoft.com/office/drawing/2010/main">
+          <mc:Choice Requires="a14">
+            <p:sp>
+              <p:nvSpPr>
+                <p:cNvPr id="26" name="TextBox 25">
+                  <a:extLst>
+                    <a:ext uri="{FF2B5EF4-FFF2-40B4-BE49-F238E27FC236}">
+                      <a16:creationId xmlns:a16="http://schemas.microsoft.com/office/drawing/2014/main" id="{956D36F6-3F69-88C9-4DA2-C12BC2ACDE7E}"/>
+                    </a:ext>
+                  </a:extLst>
+                </p:cNvPr>
+                <p:cNvSpPr txBox="1"/>
+                <p:nvPr/>
+              </p:nvSpPr>
+              <p:spPr>
+                <a:xfrm>
+                  <a:off x="983802" y="6337128"/>
+                  <a:ext cx="1019831" cy="489686"/>
+                </a:xfrm>
+                <a:prstGeom prst="rect">
+                  <a:avLst/>
+                </a:prstGeom>
+                <a:noFill/>
+              </p:spPr>
+              <p:txBody>
+                <a:bodyPr wrap="none" rtlCol="0">
+                  <a:spAutoFit/>
+                </a:bodyPr>
+                <a:lstStyle/>
+                <a:p>
+                  <a:r>
+                    <a:rPr lang="en-US" dirty="0"/>
+                    <a:t>MCL = </a:t>
+                  </a:r>
+                  <a14:m>
+                    <m:oMath xmlns:m="http://schemas.openxmlformats.org/officeDocument/2006/math">
+                      <m:f>
+                        <m:fPr>
+                          <m:ctrlPr>
+                            <a:rPr lang="en-US" b="0" i="1" smtClean="0">
+                              <a:latin typeface="Cambria Math" panose="02040503050406030204" pitchFamily="18" charset="0"/>
+                            </a:rPr>
+                          </m:ctrlPr>
+                        </m:fPr>
+                        <m:num>
+                          <m:r>
+                            <a:rPr lang="en-US" b="0" i="1" smtClean="0">
+                              <a:latin typeface="Cambria Math" panose="02040503050406030204" pitchFamily="18" charset="0"/>
+                            </a:rPr>
+                            <m:t>15</m:t>
+                          </m:r>
+                        </m:num>
+                        <m:den>
+                          <m:r>
+                            <a:rPr lang="en-US" b="0" i="1" smtClean="0">
+                              <a:latin typeface="Cambria Math" panose="02040503050406030204" pitchFamily="18" charset="0"/>
+                            </a:rPr>
+                            <m:t>50</m:t>
+                          </m:r>
+                        </m:den>
+                      </m:f>
+                    </m:oMath>
+                  </a14:m>
+                  <a:endParaRPr lang="en-US" dirty="0"/>
+                </a:p>
+              </p:txBody>
+            </p:sp>
+          </mc:Choice>
+          <mc:Fallback xmlns="">
+            <p:sp>
+              <p:nvSpPr>
+                <p:cNvPr id="26" name="TextBox 25">
+                  <a:extLst>
+                    <a:ext uri="{FF2B5EF4-FFF2-40B4-BE49-F238E27FC236}">
+                      <a16:creationId xmlns:a16="http://schemas.microsoft.com/office/drawing/2014/main" id="{956D36F6-3F69-88C9-4DA2-C12BC2ACDE7E}"/>
+                    </a:ext>
+                  </a:extLst>
+                </p:cNvPr>
+                <p:cNvSpPr txBox="1">
+                  <a:spLocks noRot="1" noChangeAspect="1" noMove="1" noResize="1" noEditPoints="1" noAdjustHandles="1" noChangeArrowheads="1" noChangeShapeType="1" noTextEdit="1"/>
+                </p:cNvSpPr>
+                <p:nvPr/>
+              </p:nvSpPr>
+              <p:spPr>
+                <a:xfrm>
+                  <a:off x="983802" y="6337128"/>
+                  <a:ext cx="1019831" cy="489686"/>
+                </a:xfrm>
+                <a:prstGeom prst="rect">
+                  <a:avLst/>
+                </a:prstGeom>
+                <a:blipFill>
+                  <a:blip r:embed="rId3"/>
+                  <a:stretch>
+                    <a:fillRect l="-4790" b="-7500"/>
+                  </a:stretch>
+                </a:blipFill>
+              </p:spPr>
+              <p:txBody>
+                <a:bodyPr/>
+                <a:lstStyle/>
+                <a:p>
+                  <a:r>
+                    <a:rPr lang="en-US">
+                      <a:noFill/>
+                    </a:rPr>
+                    <a:t> </a:t>
+                  </a:r>
+                </a:p>
+              </p:txBody>
+            </p:sp>
+          </mc:Fallback>
+        </mc:AlternateContent>
+        <mc:AlternateContent xmlns:mc="http://schemas.openxmlformats.org/markup-compatibility/2006" xmlns:a14="http://schemas.microsoft.com/office/drawing/2010/main">
+          <mc:Choice Requires="a14">
+            <p:sp>
+              <p:nvSpPr>
+                <p:cNvPr id="27" name="TextBox 26">
+                  <a:extLst>
+                    <a:ext uri="{FF2B5EF4-FFF2-40B4-BE49-F238E27FC236}">
+                      <a16:creationId xmlns:a16="http://schemas.microsoft.com/office/drawing/2014/main" id="{8B50DBB1-62F0-BFC6-8322-F908671B06C6}"/>
+                    </a:ext>
+                  </a:extLst>
+                </p:cNvPr>
+                <p:cNvSpPr txBox="1"/>
+                <p:nvPr/>
+              </p:nvSpPr>
+              <p:spPr>
+                <a:xfrm>
+                  <a:off x="2706530" y="6335301"/>
+                  <a:ext cx="1015021" cy="489429"/>
+                </a:xfrm>
+                <a:prstGeom prst="rect">
+                  <a:avLst/>
+                </a:prstGeom>
+                <a:noFill/>
+              </p:spPr>
+              <p:txBody>
+                <a:bodyPr wrap="none" rtlCol="0">
+                  <a:spAutoFit/>
+                </a:bodyPr>
+                <a:lstStyle/>
+                <a:p>
+                  <a:r>
+                    <a:rPr lang="en-US" dirty="0"/>
+                    <a:t>MCL = </a:t>
+                  </a:r>
+                  <a14:m>
+                    <m:oMath xmlns:m="http://schemas.openxmlformats.org/officeDocument/2006/math">
+                      <m:f>
+                        <m:fPr>
+                          <m:ctrlPr>
+                            <a:rPr lang="en-US" b="0" i="1" smtClean="0">
+                              <a:latin typeface="Cambria Math" panose="02040503050406030204" pitchFamily="18" charset="0"/>
+                            </a:rPr>
+                          </m:ctrlPr>
+                        </m:fPr>
+                        <m:num>
+                          <m:r>
+                            <a:rPr lang="en-US" b="0" i="1" smtClean="0">
+                              <a:latin typeface="Cambria Math" panose="02040503050406030204" pitchFamily="18" charset="0"/>
+                            </a:rPr>
+                            <m:t>25</m:t>
+                          </m:r>
+                        </m:num>
+                        <m:den>
+                          <m:r>
+                            <a:rPr lang="en-US" b="0" i="1" smtClean="0">
+                              <a:latin typeface="Cambria Math" panose="02040503050406030204" pitchFamily="18" charset="0"/>
+                            </a:rPr>
+                            <m:t>50</m:t>
+                          </m:r>
+                        </m:den>
+                      </m:f>
+                    </m:oMath>
+                  </a14:m>
+                  <a:endParaRPr lang="en-US" dirty="0"/>
+                </a:p>
+              </p:txBody>
+            </p:sp>
+          </mc:Choice>
+          <mc:Fallback xmlns="">
+            <p:sp>
+              <p:nvSpPr>
+                <p:cNvPr id="27" name="TextBox 26">
+                  <a:extLst>
+                    <a:ext uri="{FF2B5EF4-FFF2-40B4-BE49-F238E27FC236}">
+                      <a16:creationId xmlns:a16="http://schemas.microsoft.com/office/drawing/2014/main" id="{8B50DBB1-62F0-BFC6-8322-F908671B06C6}"/>
+                    </a:ext>
+                  </a:extLst>
+                </p:cNvPr>
+                <p:cNvSpPr txBox="1">
+                  <a:spLocks noRot="1" noChangeAspect="1" noMove="1" noResize="1" noEditPoints="1" noAdjustHandles="1" noChangeArrowheads="1" noChangeShapeType="1" noTextEdit="1"/>
+                </p:cNvSpPr>
+                <p:nvPr/>
+              </p:nvSpPr>
+              <p:spPr>
+                <a:xfrm>
+                  <a:off x="2706530" y="6335301"/>
+                  <a:ext cx="1015021" cy="489429"/>
+                </a:xfrm>
+                <a:prstGeom prst="rect">
+                  <a:avLst/>
+                </a:prstGeom>
+                <a:blipFill>
+                  <a:blip r:embed="rId4"/>
+                  <a:stretch>
+                    <a:fillRect l="-5422" b="-7500"/>
+                  </a:stretch>
+                </a:blipFill>
+              </p:spPr>
+              <p:txBody>
+                <a:bodyPr/>
+                <a:lstStyle/>
+                <a:p>
+                  <a:r>
+                    <a:rPr lang="en-US">
+                      <a:noFill/>
+                    </a:rPr>
+                    <a:t> </a:t>
+                  </a:r>
+                </a:p>
+              </p:txBody>
+            </p:sp>
+          </mc:Fallback>
+        </mc:AlternateContent>
+        <mc:AlternateContent xmlns:mc="http://schemas.openxmlformats.org/markup-compatibility/2006" xmlns:a14="http://schemas.microsoft.com/office/drawing/2010/main">
+          <mc:Choice Requires="a14">
+            <p:sp>
+              <p:nvSpPr>
+                <p:cNvPr id="28" name="TextBox 27">
+                  <a:extLst>
+                    <a:ext uri="{FF2B5EF4-FFF2-40B4-BE49-F238E27FC236}">
+                      <a16:creationId xmlns:a16="http://schemas.microsoft.com/office/drawing/2014/main" id="{FAE898F9-4226-AD7E-7636-985731F0B5EE}"/>
+                    </a:ext>
+                  </a:extLst>
+                </p:cNvPr>
+                <p:cNvSpPr txBox="1"/>
+                <p:nvPr/>
+              </p:nvSpPr>
+              <p:spPr>
+                <a:xfrm>
+                  <a:off x="481466" y="3176144"/>
+                  <a:ext cx="1117614" cy="485774"/>
+                </a:xfrm>
+                <a:prstGeom prst="rect">
+                  <a:avLst/>
+                </a:prstGeom>
+                <a:noFill/>
+              </p:spPr>
+              <p:txBody>
+                <a:bodyPr wrap="none" rtlCol="0">
+                  <a:spAutoFit/>
+                </a:bodyPr>
+                <a:lstStyle/>
+                <a:p>
+                  <a:r>
+                    <a:rPr lang="en-US" dirty="0"/>
+                    <a:t>MCL = </a:t>
+                  </a:r>
+                  <a14:m>
+                    <m:oMath xmlns:m="http://schemas.openxmlformats.org/officeDocument/2006/math">
+                      <m:f>
+                        <m:fPr>
+                          <m:ctrlPr>
+                            <a:rPr lang="en-US" b="0" i="1" smtClean="0">
+                              <a:latin typeface="Cambria Math" panose="02040503050406030204" pitchFamily="18" charset="0"/>
+                            </a:rPr>
+                          </m:ctrlPr>
+                        </m:fPr>
+                        <m:num>
+                          <m:r>
+                            <a:rPr lang="en-US" b="0" i="1" smtClean="0">
+                              <a:latin typeface="Cambria Math" panose="02040503050406030204" pitchFamily="18" charset="0"/>
+                            </a:rPr>
+                            <m:t>40</m:t>
+                          </m:r>
+                        </m:num>
+                        <m:den>
+                          <m:r>
+                            <a:rPr lang="en-US" b="0" i="1" smtClean="0">
+                              <a:latin typeface="Cambria Math" panose="02040503050406030204" pitchFamily="18" charset="0"/>
+                            </a:rPr>
+                            <m:t>100</m:t>
+                          </m:r>
+                        </m:den>
+                      </m:f>
+                    </m:oMath>
+                  </a14:m>
+                  <a:endParaRPr lang="en-US" dirty="0"/>
+                </a:p>
+              </p:txBody>
+            </p:sp>
+          </mc:Choice>
+          <mc:Fallback xmlns="">
+            <p:sp>
+              <p:nvSpPr>
+                <p:cNvPr id="28" name="TextBox 27">
+                  <a:extLst>
+                    <a:ext uri="{FF2B5EF4-FFF2-40B4-BE49-F238E27FC236}">
+                      <a16:creationId xmlns:a16="http://schemas.microsoft.com/office/drawing/2014/main" id="{FAE898F9-4226-AD7E-7636-985731F0B5EE}"/>
+                    </a:ext>
+                  </a:extLst>
+                </p:cNvPr>
+                <p:cNvSpPr txBox="1">
+                  <a:spLocks noRot="1" noChangeAspect="1" noMove="1" noResize="1" noEditPoints="1" noAdjustHandles="1" noChangeArrowheads="1" noChangeShapeType="1" noTextEdit="1"/>
+                </p:cNvSpPr>
+                <p:nvPr/>
+              </p:nvSpPr>
+              <p:spPr>
+                <a:xfrm>
+                  <a:off x="481466" y="3176144"/>
+                  <a:ext cx="1117614" cy="485774"/>
+                </a:xfrm>
+                <a:prstGeom prst="rect">
+                  <a:avLst/>
+                </a:prstGeom>
+                <a:blipFill>
+                  <a:blip r:embed="rId5"/>
+                  <a:stretch>
+                    <a:fillRect l="-4918" b="-7500"/>
+                  </a:stretch>
+                </a:blipFill>
+              </p:spPr>
+              <p:txBody>
+                <a:bodyPr/>
+                <a:lstStyle/>
+                <a:p>
+                  <a:r>
+                    <a:rPr lang="en-US">
+                      <a:noFill/>
+                    </a:rPr>
+                    <a:t> </a:t>
+                  </a:r>
+                </a:p>
+              </p:txBody>
+            </p:sp>
+          </mc:Fallback>
+        </mc:AlternateContent>
       </p:grpSp>
-      <p:sp>
-        <p:nvSpPr>
-          <p:cNvPr id="23" name="TextBox 22">
-            <a:extLst>
-              <a:ext uri="{FF2B5EF4-FFF2-40B4-BE49-F238E27FC236}">
-                <a16:creationId xmlns:a16="http://schemas.microsoft.com/office/drawing/2014/main" id="{5443475A-F59C-71AE-CF0F-4D7FE847C8B1}"/>
-              </a:ext>
-            </a:extLst>
-          </p:cNvPr>
-          <p:cNvSpPr txBox="1"/>
-          <p:nvPr/>
-        </p:nvSpPr>
-        <p:spPr>
-          <a:xfrm>
-            <a:off x="3109266" y="3036906"/>
-            <a:ext cx="1521763" cy="646331"/>
-          </a:xfrm>
-          <a:prstGeom prst="rect">
-            <a:avLst/>
-          </a:prstGeom>
-          <a:noFill/>
-        </p:spPr>
-        <p:txBody>
-          <a:bodyPr wrap="none" rtlCol="0">
-            <a:spAutoFit/>
-          </a:bodyPr>
-          <a:lstStyle/>
-          <a:p>
-            <a:r>
-              <a:rPr lang="en-US" dirty="0"/>
-              <a:t>#Ice Cream 60</a:t>
-            </a:r>
-          </a:p>
-          <a:p>
-            <a:r>
-              <a:rPr lang="en-US" dirty="0"/>
-              <a:t>#Bajji 40</a:t>
-            </a:r>
-          </a:p>
-        </p:txBody>
-      </p:sp>
-      <p:sp>
-        <p:nvSpPr>
-          <p:cNvPr id="24" name="TextBox 23">
-            <a:extLst>
-              <a:ext uri="{FF2B5EF4-FFF2-40B4-BE49-F238E27FC236}">
-                <a16:creationId xmlns:a16="http://schemas.microsoft.com/office/drawing/2014/main" id="{3CFAB474-B044-E580-64F1-36D5E0689026}"/>
-              </a:ext>
-            </a:extLst>
-          </p:cNvPr>
-          <p:cNvSpPr txBox="1"/>
-          <p:nvPr/>
-        </p:nvSpPr>
-        <p:spPr>
-          <a:xfrm>
-            <a:off x="-39295" y="4607305"/>
-            <a:ext cx="1521763" cy="646331"/>
-          </a:xfrm>
-          <a:prstGeom prst="rect">
-            <a:avLst/>
-          </a:prstGeom>
-          <a:noFill/>
-          <a:ln>
-            <a:noFill/>
-          </a:ln>
-        </p:spPr>
-        <p:style>
-          <a:lnRef idx="2">
-            <a:schemeClr val="accent2"/>
-          </a:lnRef>
-          <a:fillRef idx="1">
-            <a:schemeClr val="lt1"/>
-          </a:fillRef>
-          <a:effectRef idx="0">
-            <a:schemeClr val="accent2"/>
-          </a:effectRef>
-          <a:fontRef idx="minor">
-            <a:schemeClr val="dk1"/>
-          </a:fontRef>
-        </p:style>
-        <p:txBody>
-          <a:bodyPr wrap="none" rtlCol="0">
-            <a:spAutoFit/>
-          </a:bodyPr>
-          <a:lstStyle/>
-          <a:p>
-            <a:r>
-              <a:rPr lang="en-US" dirty="0"/>
-              <a:t>#Ice Cream 55</a:t>
-            </a:r>
-          </a:p>
-          <a:p>
-            <a:r>
-              <a:rPr lang="en-US" dirty="0"/>
-              <a:t>#Bajji 6</a:t>
-            </a:r>
-          </a:p>
-        </p:txBody>
-      </p:sp>
-      <p:sp>
-        <p:nvSpPr>
-          <p:cNvPr id="25" name="TextBox 24">
-            <a:extLst>
-              <a:ext uri="{FF2B5EF4-FFF2-40B4-BE49-F238E27FC236}">
-                <a16:creationId xmlns:a16="http://schemas.microsoft.com/office/drawing/2014/main" id="{408297B6-0B2F-49F5-F9B2-6B2B567D1AD3}"/>
-              </a:ext>
-            </a:extLst>
-          </p:cNvPr>
-          <p:cNvSpPr txBox="1"/>
-          <p:nvPr/>
-        </p:nvSpPr>
-        <p:spPr>
-          <a:xfrm>
-            <a:off x="3226285" y="4607305"/>
-            <a:ext cx="1404744" cy="646331"/>
-          </a:xfrm>
-          <a:prstGeom prst="rect">
-            <a:avLst/>
-          </a:prstGeom>
-          <a:noFill/>
-          <a:ln>
-            <a:noFill/>
-          </a:ln>
-        </p:spPr>
-        <p:style>
-          <a:lnRef idx="2">
-            <a:schemeClr val="accent2"/>
-          </a:lnRef>
-          <a:fillRef idx="1">
-            <a:schemeClr val="lt1"/>
-          </a:fillRef>
-          <a:effectRef idx="0">
-            <a:schemeClr val="accent2"/>
-          </a:effectRef>
-          <a:fontRef idx="minor">
-            <a:schemeClr val="dk1"/>
-          </a:fontRef>
-        </p:style>
-        <p:txBody>
-          <a:bodyPr wrap="none" rtlCol="0">
-            <a:spAutoFit/>
-          </a:bodyPr>
-          <a:lstStyle/>
-          <a:p>
-            <a:pPr algn="r"/>
-            <a:r>
-              <a:rPr lang="en-US" dirty="0"/>
-              <a:t>#Ice Cream 5</a:t>
-            </a:r>
-          </a:p>
-          <a:p>
-            <a:pPr algn="r"/>
-            <a:r>
-              <a:rPr lang="en-US" dirty="0"/>
-              <a:t>#Bajji 34</a:t>
-            </a:r>
-          </a:p>
-        </p:txBody>
-      </p:sp>
       <mc:AlternateContent xmlns:mc="http://schemas.openxmlformats.org/markup-compatibility/2006" xmlns:a14="http://schemas.microsoft.com/office/drawing/2010/main">
         <mc:Choice Requires="a14">
           <p:sp>
             <p:nvSpPr>
-              <p:cNvPr id="26" name="TextBox 25">
+              <p:cNvPr id="47" name="TextBox 46">
                 <a:extLst>
                   <a:ext uri="{FF2B5EF4-FFF2-40B4-BE49-F238E27FC236}">
-                    <a16:creationId xmlns:a16="http://schemas.microsoft.com/office/drawing/2014/main" id="{956D36F6-3F69-88C9-4DA2-C12BC2ACDE7E}"/>
+                    <a16:creationId xmlns:a16="http://schemas.microsoft.com/office/drawing/2014/main" id="{09EAF5D6-C55D-40BE-C095-BA7B1A6ACB74}"/>
                   </a:ext>
                 </a:extLst>
               </p:cNvPr>
@@ -30662,8 +28254,8 @@
             </p:nvSpPr>
             <p:spPr>
               <a:xfrm>
-                <a:off x="1089165" y="6337128"/>
-                <a:ext cx="1019831" cy="485774"/>
+                <a:off x="838200" y="3191090"/>
+                <a:ext cx="6454037" cy="3295261"/>
               </a:xfrm>
               <a:prstGeom prst="rect">
                 <a:avLst/>
@@ -30671,45 +28263,430 @@
               <a:noFill/>
             </p:spPr>
             <p:txBody>
-              <a:bodyPr wrap="none" rtlCol="0">
+              <a:bodyPr wrap="square" rtlCol="0">
                 <a:spAutoFit/>
               </a:bodyPr>
               <a:lstStyle/>
               <a:p>
+                <a:pPr algn="ctr"/>
                 <a:r>
-                  <a:rPr lang="en-US" dirty="0"/>
-                  <a:t>MCL = </a:t>
+                  <a:rPr lang="en-US" sz="2800" dirty="0"/>
+                  <a:t>Total MCL Drop for the addition of the two new leaf nodes is given by:</a:t>
                 </a:r>
+              </a:p>
+              <a:p>
+                <a:pPr algn="ctr"/>
+                <a:endParaRPr lang="en-US" b="0" i="1" dirty="0">
+                  <a:latin typeface="Cambria Math" panose="02040503050406030204" pitchFamily="18" charset="0"/>
+                </a:endParaRPr>
+              </a:p>
+              <a:p>
+                <a:pPr algn="ctr"/>
                 <a14:m>
-                  <m:oMath xmlns:m="http://schemas.openxmlformats.org/officeDocument/2006/math">
-                    <m:f>
-                      <m:fPr>
-                        <m:ctrlPr>
-                          <a:rPr lang="en-US" b="0" i="1" smtClean="0">
-                            <a:latin typeface="Cambria Math" panose="02040503050406030204" pitchFamily="18" charset="0"/>
-                          </a:rPr>
-                        </m:ctrlPr>
-                      </m:fPr>
-                      <m:num>
-                        <m:r>
-                          <a:rPr lang="en-US" b="0" i="1" smtClean="0">
-                            <a:latin typeface="Cambria Math" panose="02040503050406030204" pitchFamily="18" charset="0"/>
-                          </a:rPr>
-                          <m:t>6</m:t>
-                        </m:r>
-                      </m:num>
-                      <m:den>
-                        <m:r>
-                          <a:rPr lang="en-US" b="0" i="1" smtClean="0">
-                            <a:latin typeface="Cambria Math" panose="02040503050406030204" pitchFamily="18" charset="0"/>
-                          </a:rPr>
-                          <m:t>61</m:t>
-                        </m:r>
-                      </m:den>
-                    </m:f>
-                  </m:oMath>
+                  <m:oMathPara xmlns:m="http://schemas.openxmlformats.org/officeDocument/2006/math">
+                    <m:oMathParaPr>
+                      <m:jc m:val="centerGroup"/>
+                    </m:oMathParaPr>
+                    <m:oMath xmlns:m="http://schemas.openxmlformats.org/officeDocument/2006/math">
+                      <m:r>
+                        <a:rPr lang="en-US" sz="2000" b="0" i="1" smtClean="0">
+                          <a:latin typeface="Cambria Math" panose="02040503050406030204" pitchFamily="18" charset="0"/>
+                        </a:rPr>
+                        <m:t>𝐶𝐸</m:t>
+                      </m:r>
+                      <m:sSub>
+                        <m:sSubPr>
+                          <m:ctrlPr>
+                            <a:rPr lang="en-US" sz="2000" b="0" i="1" smtClean="0">
+                              <a:latin typeface="Cambria Math" panose="02040503050406030204" pitchFamily="18" charset="0"/>
+                            </a:rPr>
+                          </m:ctrlPr>
+                        </m:sSubPr>
+                        <m:e>
+                          <m:r>
+                            <a:rPr lang="en-US" sz="2000" b="0" i="1" smtClean="0">
+                              <a:latin typeface="Cambria Math" panose="02040503050406030204" pitchFamily="18" charset="0"/>
+                            </a:rPr>
+                            <m:t>𝑅</m:t>
+                          </m:r>
+                        </m:e>
+                        <m:sub>
+                          <m:r>
+                            <a:rPr lang="en-US" sz="2000" b="0" i="1" smtClean="0">
+                              <a:latin typeface="Cambria Math" panose="02040503050406030204" pitchFamily="18" charset="0"/>
+                            </a:rPr>
+                            <m:t>𝑃𝑎𝑟𝑒𝑛𝑡</m:t>
+                          </m:r>
+                        </m:sub>
+                      </m:sSub>
+                      <m:r>
+                        <a:rPr lang="en-US" sz="2000" b="0" i="1" smtClean="0">
+                          <a:latin typeface="Cambria Math" panose="02040503050406030204" pitchFamily="18" charset="0"/>
+                        </a:rPr>
+                        <m:t>−</m:t>
+                      </m:r>
+                      <m:r>
+                        <a:rPr lang="en-US" sz="2000" b="0" i="1" smtClean="0">
+                          <a:latin typeface="Cambria Math" panose="02040503050406030204" pitchFamily="18" charset="0"/>
+                        </a:rPr>
+                        <m:t>𝑃𝑟𝑜𝑏𝑎𝑏𝑖𝑙𝑖𝑡𝑦</m:t>
+                      </m:r>
+                      <m:r>
+                        <a:rPr lang="en-US" sz="2000" b="0" i="1" smtClean="0">
+                          <a:latin typeface="Cambria Math" panose="02040503050406030204" pitchFamily="18" charset="0"/>
+                        </a:rPr>
+                        <m:t> </m:t>
+                      </m:r>
+                      <m:r>
+                        <a:rPr lang="en-US" sz="2000" b="0" i="1" smtClean="0">
+                          <a:latin typeface="Cambria Math" panose="02040503050406030204" pitchFamily="18" charset="0"/>
+                        </a:rPr>
+                        <m:t>𝑜𝑓</m:t>
+                      </m:r>
+                      <m:r>
+                        <a:rPr lang="en-US" sz="2000" b="0" i="1" smtClean="0">
+                          <a:latin typeface="Cambria Math" panose="02040503050406030204" pitchFamily="18" charset="0"/>
+                        </a:rPr>
+                        <m:t> </m:t>
+                      </m:r>
+                      <m:r>
+                        <a:rPr lang="en-US" sz="2000" b="0" i="1" smtClean="0">
+                          <a:latin typeface="Cambria Math" panose="02040503050406030204" pitchFamily="18" charset="0"/>
+                        </a:rPr>
+                        <m:t>𝐿𝑒𝑓𝑡</m:t>
+                      </m:r>
+                      <m:r>
+                        <a:rPr lang="en-US" sz="2000" b="0" i="1" smtClean="0">
+                          <a:latin typeface="Cambria Math" panose="02040503050406030204" pitchFamily="18" charset="0"/>
+                        </a:rPr>
+                        <m:t> </m:t>
+                      </m:r>
+                      <m:r>
+                        <a:rPr lang="en-US" sz="2000" b="0" i="1" smtClean="0">
+                          <a:latin typeface="Cambria Math" panose="02040503050406030204" pitchFamily="18" charset="0"/>
+                        </a:rPr>
+                        <m:t>𝐿𝑒𝑎𝑓</m:t>
+                      </m:r>
+                      <m:r>
+                        <a:rPr lang="en-US" sz="2000" b="0" i="1" smtClean="0">
+                          <a:latin typeface="Cambria Math" panose="02040503050406030204" pitchFamily="18" charset="0"/>
+                        </a:rPr>
+                        <m:t>×</m:t>
+                      </m:r>
+                      <m:r>
+                        <a:rPr lang="en-US" sz="2000" b="0" i="1" smtClean="0">
+                          <a:latin typeface="Cambria Math" panose="02040503050406030204" pitchFamily="18" charset="0"/>
+                        </a:rPr>
+                        <m:t>𝐶𝐸</m:t>
+                      </m:r>
+                      <m:sSub>
+                        <m:sSubPr>
+                          <m:ctrlPr>
+                            <a:rPr lang="en-US" sz="2000" b="0" i="1" smtClean="0">
+                              <a:latin typeface="Cambria Math" panose="02040503050406030204" pitchFamily="18" charset="0"/>
+                            </a:rPr>
+                          </m:ctrlPr>
+                        </m:sSubPr>
+                        <m:e>
+                          <m:r>
+                            <a:rPr lang="en-US" sz="2000" b="0" i="1" smtClean="0">
+                              <a:latin typeface="Cambria Math" panose="02040503050406030204" pitchFamily="18" charset="0"/>
+                            </a:rPr>
+                            <m:t>𝑅</m:t>
+                          </m:r>
+                        </m:e>
+                        <m:sub>
+                          <m:r>
+                            <a:rPr lang="en-US" sz="2000" b="0" i="1" smtClean="0">
+                              <a:latin typeface="Cambria Math" panose="02040503050406030204" pitchFamily="18" charset="0"/>
+                            </a:rPr>
+                            <m:t>𝐿𝑒𝑓𝑡</m:t>
+                          </m:r>
+                        </m:sub>
+                      </m:sSub>
+                      <m:r>
+                        <a:rPr lang="en-US" sz="2000" b="0" i="1" smtClean="0">
+                          <a:latin typeface="Cambria Math" panose="02040503050406030204" pitchFamily="18" charset="0"/>
+                        </a:rPr>
+                        <m:t>−</m:t>
+                      </m:r>
+                      <m:r>
+                        <a:rPr lang="en-US" sz="2000" b="0" i="1" smtClean="0">
+                          <a:latin typeface="Cambria Math" panose="02040503050406030204" pitchFamily="18" charset="0"/>
+                        </a:rPr>
+                        <m:t>𝑃𝑟𝑜𝑏𝑎𝑏𝑖𝑙𝑖𝑡𝑦</m:t>
+                      </m:r>
+                      <m:r>
+                        <a:rPr lang="en-US" sz="2000" b="0" i="1" smtClean="0">
+                          <a:latin typeface="Cambria Math" panose="02040503050406030204" pitchFamily="18" charset="0"/>
+                        </a:rPr>
+                        <m:t> </m:t>
+                      </m:r>
+                      <m:r>
+                        <a:rPr lang="en-US" sz="2000" b="0" i="1" smtClean="0">
+                          <a:latin typeface="Cambria Math" panose="02040503050406030204" pitchFamily="18" charset="0"/>
+                        </a:rPr>
+                        <m:t>𝑜𝑓</m:t>
+                      </m:r>
+                      <m:r>
+                        <a:rPr lang="en-US" sz="2000" b="0" i="1" smtClean="0">
+                          <a:latin typeface="Cambria Math" panose="02040503050406030204" pitchFamily="18" charset="0"/>
+                        </a:rPr>
+                        <m:t> </m:t>
+                      </m:r>
+                      <m:r>
+                        <a:rPr lang="en-US" sz="2000" b="0" i="1" smtClean="0">
+                          <a:latin typeface="Cambria Math" panose="02040503050406030204" pitchFamily="18" charset="0"/>
+                        </a:rPr>
+                        <m:t>𝑅𝑖𝑔h𝑡</m:t>
+                      </m:r>
+                      <m:r>
+                        <a:rPr lang="en-US" sz="2000" b="0" i="1" smtClean="0">
+                          <a:latin typeface="Cambria Math" panose="02040503050406030204" pitchFamily="18" charset="0"/>
+                        </a:rPr>
+                        <m:t> </m:t>
+                      </m:r>
+                      <m:r>
+                        <a:rPr lang="en-US" sz="2000" b="0" i="1" smtClean="0">
+                          <a:latin typeface="Cambria Math" panose="02040503050406030204" pitchFamily="18" charset="0"/>
+                        </a:rPr>
+                        <m:t>𝐿𝑒𝑎𝑓</m:t>
+                      </m:r>
+                      <m:r>
+                        <a:rPr lang="en-US" sz="2000" b="0" i="1" smtClean="0">
+                          <a:latin typeface="Cambria Math" panose="02040503050406030204" pitchFamily="18" charset="0"/>
+                        </a:rPr>
+                        <m:t>×</m:t>
+                      </m:r>
+                      <m:r>
+                        <a:rPr lang="en-US" sz="2000" b="0" i="1" smtClean="0">
+                          <a:latin typeface="Cambria Math" panose="02040503050406030204" pitchFamily="18" charset="0"/>
+                        </a:rPr>
+                        <m:t>𝐶𝐸</m:t>
+                      </m:r>
+                      <m:sSub>
+                        <m:sSubPr>
+                          <m:ctrlPr>
+                            <a:rPr lang="en-US" sz="2000" b="0" i="1" smtClean="0">
+                              <a:latin typeface="Cambria Math" panose="02040503050406030204" pitchFamily="18" charset="0"/>
+                            </a:rPr>
+                          </m:ctrlPr>
+                        </m:sSubPr>
+                        <m:e>
+                          <m:r>
+                            <a:rPr lang="en-US" sz="2000" b="0" i="1" smtClean="0">
+                              <a:latin typeface="Cambria Math" panose="02040503050406030204" pitchFamily="18" charset="0"/>
+                            </a:rPr>
+                            <m:t>𝑅</m:t>
+                          </m:r>
+                        </m:e>
+                        <m:sub>
+                          <m:r>
+                            <a:rPr lang="en-US" sz="2000" b="0" i="1" smtClean="0">
+                              <a:latin typeface="Cambria Math" panose="02040503050406030204" pitchFamily="18" charset="0"/>
+                            </a:rPr>
+                            <m:t>𝑅𝑖𝑔h𝑡</m:t>
+                          </m:r>
+                        </m:sub>
+                      </m:sSub>
+                    </m:oMath>
+                  </m:oMathPara>
                 </a14:m>
-                <a:endParaRPr lang="en-US" dirty="0"/>
+                <a:endParaRPr lang="en-US" sz="3200" dirty="0"/>
+              </a:p>
+              <a:p>
+                <a:pPr algn="ctr"/>
+                <a:endParaRPr lang="en-US" sz="2800" dirty="0"/>
+              </a:p>
+              <a:p>
+                <a:pPr algn="ctr"/>
+                <a14:m>
+                  <m:oMathPara xmlns:m="http://schemas.openxmlformats.org/officeDocument/2006/math">
+                    <m:oMathParaPr>
+                      <m:jc m:val="centerGroup"/>
+                    </m:oMathParaPr>
+                    <m:oMath xmlns:m="http://schemas.openxmlformats.org/officeDocument/2006/math">
+                      <m:f>
+                        <m:fPr>
+                          <m:ctrlPr>
+                            <a:rPr lang="en-US" sz="2800" b="0" i="1" smtClean="0">
+                              <a:latin typeface="Cambria Math" panose="02040503050406030204" pitchFamily="18" charset="0"/>
+                            </a:rPr>
+                          </m:ctrlPr>
+                        </m:fPr>
+                        <m:num>
+                          <m:r>
+                            <a:rPr lang="en-US" sz="2800" b="0" i="1" smtClean="0">
+                              <a:latin typeface="Cambria Math" panose="02040503050406030204" pitchFamily="18" charset="0"/>
+                            </a:rPr>
+                            <m:t>40</m:t>
+                          </m:r>
+                        </m:num>
+                        <m:den>
+                          <m:r>
+                            <a:rPr lang="en-US" sz="2800" b="0" i="1" smtClean="0">
+                              <a:latin typeface="Cambria Math" panose="02040503050406030204" pitchFamily="18" charset="0"/>
+                            </a:rPr>
+                            <m:t>100</m:t>
+                          </m:r>
+                        </m:den>
+                      </m:f>
+                      <m:r>
+                        <a:rPr lang="en-US" sz="2800" b="0" i="1" smtClean="0">
+                          <a:latin typeface="Cambria Math" panose="02040503050406030204" pitchFamily="18" charset="0"/>
+                        </a:rPr>
+                        <m:t>−</m:t>
+                      </m:r>
+                      <m:d>
+                        <m:dPr>
+                          <m:ctrlPr>
+                            <a:rPr lang="en-US" sz="2800" b="0" i="1" smtClean="0">
+                              <a:latin typeface="Cambria Math" panose="02040503050406030204" pitchFamily="18" charset="0"/>
+                            </a:rPr>
+                          </m:ctrlPr>
+                        </m:dPr>
+                        <m:e>
+                          <m:f>
+                            <m:fPr>
+                              <m:ctrlPr>
+                                <a:rPr lang="en-US" sz="2800" b="0" i="1" smtClean="0">
+                                  <a:latin typeface="Cambria Math" panose="02040503050406030204" pitchFamily="18" charset="0"/>
+                                </a:rPr>
+                              </m:ctrlPr>
+                            </m:fPr>
+                            <m:num>
+                              <m:r>
+                                <a:rPr lang="en-US" sz="2800" b="0" i="1" smtClean="0">
+                                  <a:latin typeface="Cambria Math" panose="02040503050406030204" pitchFamily="18" charset="0"/>
+                                </a:rPr>
+                                <m:t>40</m:t>
+                              </m:r>
+                            </m:num>
+                            <m:den>
+                              <m:r>
+                                <a:rPr lang="en-US" sz="2800" b="0" i="1" smtClean="0">
+                                  <a:latin typeface="Cambria Math" panose="02040503050406030204" pitchFamily="18" charset="0"/>
+                                </a:rPr>
+                                <m:t>100</m:t>
+                              </m:r>
+                            </m:den>
+                          </m:f>
+                          <m:r>
+                            <a:rPr lang="en-US" sz="2800" b="0" i="1" smtClean="0">
+                              <a:latin typeface="Cambria Math" panose="02040503050406030204" pitchFamily="18" charset="0"/>
+                            </a:rPr>
+                            <m:t>×</m:t>
+                          </m:r>
+                          <m:f>
+                            <m:fPr>
+                              <m:ctrlPr>
+                                <a:rPr lang="en-US" sz="2800" b="0" i="1" smtClean="0">
+                                  <a:latin typeface="Cambria Math" panose="02040503050406030204" pitchFamily="18" charset="0"/>
+                                </a:rPr>
+                              </m:ctrlPr>
+                            </m:fPr>
+                            <m:num>
+                              <m:r>
+                                <a:rPr lang="en-US" sz="2800" b="0" i="1" smtClean="0">
+                                  <a:latin typeface="Cambria Math" panose="02040503050406030204" pitchFamily="18" charset="0"/>
+                                </a:rPr>
+                                <m:t>10</m:t>
+                              </m:r>
+                            </m:num>
+                            <m:den>
+                              <m:r>
+                                <a:rPr lang="en-US" sz="2800" b="0" i="1" smtClean="0">
+                                  <a:latin typeface="Cambria Math" panose="02040503050406030204" pitchFamily="18" charset="0"/>
+                                </a:rPr>
+                                <m:t>40</m:t>
+                              </m:r>
+                            </m:den>
+                          </m:f>
+                        </m:e>
+                      </m:d>
+                      <m:r>
+                        <a:rPr lang="en-US" sz="2800" b="0" i="1" smtClean="0">
+                          <a:latin typeface="Cambria Math" panose="02040503050406030204" pitchFamily="18" charset="0"/>
+                        </a:rPr>
+                        <m:t>−</m:t>
+                      </m:r>
+                      <m:d>
+                        <m:dPr>
+                          <m:ctrlPr>
+                            <a:rPr lang="en-US" sz="2800" b="0" i="1" smtClean="0">
+                              <a:latin typeface="Cambria Math" panose="02040503050406030204" pitchFamily="18" charset="0"/>
+                            </a:rPr>
+                          </m:ctrlPr>
+                        </m:dPr>
+                        <m:e>
+                          <m:f>
+                            <m:fPr>
+                              <m:ctrlPr>
+                                <a:rPr lang="en-US" sz="2800" b="0" i="1" smtClean="0">
+                                  <a:latin typeface="Cambria Math" panose="02040503050406030204" pitchFamily="18" charset="0"/>
+                                </a:rPr>
+                              </m:ctrlPr>
+                            </m:fPr>
+                            <m:num>
+                              <m:r>
+                                <a:rPr lang="en-US" sz="2800" b="0" i="1" smtClean="0">
+                                  <a:latin typeface="Cambria Math" panose="02040503050406030204" pitchFamily="18" charset="0"/>
+                                </a:rPr>
+                                <m:t>60</m:t>
+                              </m:r>
+                            </m:num>
+                            <m:den>
+                              <m:r>
+                                <a:rPr lang="en-US" sz="2800" b="0" i="1" smtClean="0">
+                                  <a:latin typeface="Cambria Math" panose="02040503050406030204" pitchFamily="18" charset="0"/>
+                                </a:rPr>
+                                <m:t>100</m:t>
+                              </m:r>
+                            </m:den>
+                          </m:f>
+                          <m:r>
+                            <a:rPr lang="en-US" sz="2800" b="0" i="1" smtClean="0">
+                              <a:latin typeface="Cambria Math" panose="02040503050406030204" pitchFamily="18" charset="0"/>
+                            </a:rPr>
+                            <m:t>×</m:t>
+                          </m:r>
+                          <m:f>
+                            <m:fPr>
+                              <m:ctrlPr>
+                                <a:rPr lang="en-US" sz="2800" b="0" i="1" smtClean="0">
+                                  <a:latin typeface="Cambria Math" panose="02040503050406030204" pitchFamily="18" charset="0"/>
+                                </a:rPr>
+                              </m:ctrlPr>
+                            </m:fPr>
+                            <m:num>
+                              <m:r>
+                                <a:rPr lang="en-US" sz="2800" b="0" i="1" smtClean="0">
+                                  <a:latin typeface="Cambria Math" panose="02040503050406030204" pitchFamily="18" charset="0"/>
+                                </a:rPr>
+                                <m:t>30</m:t>
+                              </m:r>
+                            </m:num>
+                            <m:den>
+                              <m:r>
+                                <a:rPr lang="en-US" sz="2800" b="0" i="1" smtClean="0">
+                                  <a:latin typeface="Cambria Math" panose="02040503050406030204" pitchFamily="18" charset="0"/>
+                                </a:rPr>
+                                <m:t>60</m:t>
+                              </m:r>
+                            </m:den>
+                          </m:f>
+                        </m:e>
+                      </m:d>
+                      <m:r>
+                        <a:rPr lang="en-US" sz="2800" b="0" i="1" smtClean="0">
+                          <a:latin typeface="Cambria Math" panose="02040503050406030204" pitchFamily="18" charset="0"/>
+                        </a:rPr>
+                        <m:t>=0</m:t>
+                      </m:r>
+                    </m:oMath>
+                  </m:oMathPara>
+                </a14:m>
+                <a:endParaRPr lang="en-US" sz="2400" dirty="0"/>
               </a:p>
             </p:txBody>
           </p:sp>
@@ -30717,10 +28694,10 @@
         <mc:Fallback xmlns="">
           <p:sp>
             <p:nvSpPr>
-              <p:cNvPr id="26" name="TextBox 25">
+              <p:cNvPr id="47" name="TextBox 46">
                 <a:extLst>
                   <a:ext uri="{FF2B5EF4-FFF2-40B4-BE49-F238E27FC236}">
-                    <a16:creationId xmlns:a16="http://schemas.microsoft.com/office/drawing/2014/main" id="{956D36F6-3F69-88C9-4DA2-C12BC2ACDE7E}"/>
+                    <a16:creationId xmlns:a16="http://schemas.microsoft.com/office/drawing/2014/main" id="{09EAF5D6-C55D-40BE-C095-BA7B1A6ACB74}"/>
                   </a:ext>
                 </a:extLst>
               </p:cNvPr>
@@ -30731,16 +28708,16 @@
             </p:nvSpPr>
             <p:spPr>
               <a:xfrm>
-                <a:off x="1089165" y="6337128"/>
-                <a:ext cx="1019831" cy="485774"/>
+                <a:off x="838200" y="3191090"/>
+                <a:ext cx="6454037" cy="3295261"/>
               </a:xfrm>
               <a:prstGeom prst="rect">
                 <a:avLst/>
               </a:prstGeom>
               <a:blipFill>
-                <a:blip r:embed="rId3"/>
+                <a:blip r:embed="rId6"/>
                 <a:stretch>
-                  <a:fillRect l="-5389" b="-8861"/>
+                  <a:fillRect l="-851" t="-1664" r="-2079"/>
                 </a:stretch>
               </a:blipFill>
             </p:spPr>
@@ -30759,14 +28736,250 @@
           </p:sp>
         </mc:Fallback>
       </mc:AlternateContent>
-      <mc:AlternateContent xmlns:mc="http://schemas.openxmlformats.org/markup-compatibility/2006" xmlns:a14="http://schemas.microsoft.com/office/drawing/2010/main">
-        <mc:Choice Requires="a14">
+    </p:spTree>
+    <p:extLst>
+      <p:ext uri="{BB962C8B-B14F-4D97-AF65-F5344CB8AC3E}">
+        <p14:creationId xmlns:p14="http://schemas.microsoft.com/office/powerpoint/2010/main" val="319600179"/>
+      </p:ext>
+    </p:extLst>
+  </p:cSld>
+  <p:clrMapOvr>
+    <a:masterClrMapping/>
+  </p:clrMapOvr>
+</p:sld>
+</file>
+
+<file path=ppt/slides/slide23.xml><?xml version="1.0" encoding="utf-8"?>
+<p:sld xmlns:a="http://schemas.openxmlformats.org/drawingml/2006/main" xmlns:r="http://schemas.openxmlformats.org/officeDocument/2006/relationships" xmlns:p="http://schemas.openxmlformats.org/presentationml/2006/main">
+  <p:cSld>
+    <p:spTree>
+      <p:nvGrpSpPr>
+        <p:cNvPr id="1" name=""/>
+        <p:cNvGrpSpPr/>
+        <p:nvPr/>
+      </p:nvGrpSpPr>
+      <p:grpSpPr>
+        <a:xfrm>
+          <a:off x="0" y="0"/>
+          <a:ext cx="0" cy="0"/>
+          <a:chOff x="0" y="0"/>
+          <a:chExt cx="0" cy="0"/>
+        </a:xfrm>
+      </p:grpSpPr>
+      <p:sp>
+        <p:nvSpPr>
+          <p:cNvPr id="2" name="Title 1">
+            <a:extLst>
+              <a:ext uri="{FF2B5EF4-FFF2-40B4-BE49-F238E27FC236}">
+                <a16:creationId xmlns:a16="http://schemas.microsoft.com/office/drawing/2014/main" id="{575301D9-40F1-2CA2-D120-12BD23B2401C}"/>
+              </a:ext>
+            </a:extLst>
+          </p:cNvPr>
+          <p:cNvSpPr>
+            <a:spLocks noGrp="1"/>
+          </p:cNvSpPr>
+          <p:nvPr>
+            <p:ph type="title"/>
+          </p:nvPr>
+        </p:nvSpPr>
+        <p:spPr/>
+        <p:txBody>
+          <a:bodyPr/>
+          <a:lstStyle/>
+          <a:p>
+            <a:r>
+              <a:rPr lang="en-US" dirty="0"/>
+              <a:t>Miss-Classification Loss (or)</a:t>
+            </a:r>
+            <a:br>
+              <a:rPr lang="en-US" dirty="0"/>
+            </a:br>
+            <a:r>
+              <a:rPr lang="en-US" dirty="0"/>
+              <a:t>Classification Error Rate – Insensitive Example</a:t>
+            </a:r>
+          </a:p>
+        </p:txBody>
+      </p:sp>
+      <p:grpSp>
+        <p:nvGrpSpPr>
+          <p:cNvPr id="12" name="Group 11">
+            <a:extLst>
+              <a:ext uri="{FF2B5EF4-FFF2-40B4-BE49-F238E27FC236}">
+                <a16:creationId xmlns:a16="http://schemas.microsoft.com/office/drawing/2014/main" id="{D95BFD2F-94D1-AA9C-0FB7-E7D75CCC9B31}"/>
+              </a:ext>
+            </a:extLst>
+          </p:cNvPr>
+          <p:cNvGrpSpPr/>
+          <p:nvPr/>
+        </p:nvGrpSpPr>
+        <p:grpSpPr>
+          <a:xfrm>
+            <a:off x="7234610" y="1690688"/>
+            <a:ext cx="4670324" cy="4393650"/>
+            <a:chOff x="-39295" y="2433164"/>
+            <a:chExt cx="4670324" cy="4393650"/>
+          </a:xfrm>
+        </p:grpSpPr>
+        <p:grpSp>
+          <p:nvGrpSpPr>
+            <p:cNvPr id="13" name="Group 12">
+              <a:extLst>
+                <a:ext uri="{FF2B5EF4-FFF2-40B4-BE49-F238E27FC236}">
+                  <a16:creationId xmlns:a16="http://schemas.microsoft.com/office/drawing/2014/main" id="{82B7870F-956B-33E9-68E6-16EA68BD3499}"/>
+                </a:ext>
+              </a:extLst>
+            </p:cNvPr>
+            <p:cNvGrpSpPr/>
+            <p:nvPr/>
+          </p:nvGrpSpPr>
+          <p:grpSpPr>
+            <a:xfrm>
+              <a:off x="838200" y="2433164"/>
+              <a:ext cx="3031948" cy="3971835"/>
+              <a:chOff x="6287550" y="242605"/>
+              <a:chExt cx="3120703" cy="4088104"/>
+            </a:xfrm>
+          </p:grpSpPr>
           <p:sp>
             <p:nvSpPr>
-              <p:cNvPr id="27" name="TextBox 26">
+              <p:cNvPr id="30" name="Oval 29">
                 <a:extLst>
                   <a:ext uri="{FF2B5EF4-FFF2-40B4-BE49-F238E27FC236}">
-                    <a16:creationId xmlns:a16="http://schemas.microsoft.com/office/drawing/2014/main" id="{8B50DBB1-62F0-BFC6-8322-F908671B06C6}"/>
+                    <a16:creationId xmlns:a16="http://schemas.microsoft.com/office/drawing/2014/main" id="{67FFA535-46AC-EA0D-EFDE-4CBFC791E0C7}"/>
+                  </a:ext>
+                </a:extLst>
+              </p:cNvPr>
+              <p:cNvSpPr/>
+              <p:nvPr/>
+            </p:nvSpPr>
+            <p:spPr>
+              <a:xfrm>
+                <a:off x="7214533" y="618381"/>
+                <a:ext cx="1350627" cy="1249960"/>
+              </a:xfrm>
+              <a:prstGeom prst="ellipse">
+                <a:avLst/>
+              </a:prstGeom>
+            </p:spPr>
+            <p:style>
+              <a:lnRef idx="2">
+                <a:schemeClr val="accent1">
+                  <a:shade val="15000"/>
+                </a:schemeClr>
+              </a:lnRef>
+              <a:fillRef idx="1">
+                <a:schemeClr val="accent1"/>
+              </a:fillRef>
+              <a:effectRef idx="0">
+                <a:schemeClr val="accent1"/>
+              </a:effectRef>
+              <a:fontRef idx="minor">
+                <a:schemeClr val="lt1"/>
+              </a:fontRef>
+            </p:style>
+            <p:txBody>
+              <a:bodyPr rtlCol="0" anchor="ctr"/>
+              <a:lstStyle/>
+              <a:p>
+                <a:pPr algn="ctr"/>
+                <a:r>
+                  <a:rPr lang="en-US" dirty="0"/>
+                  <a:t>Sunny?</a:t>
+                </a:r>
+              </a:p>
+            </p:txBody>
+          </p:sp>
+          <p:cxnSp>
+            <p:nvCxnSpPr>
+              <p:cNvPr id="31" name="Straight Arrow Connector 30">
+                <a:extLst>
+                  <a:ext uri="{FF2B5EF4-FFF2-40B4-BE49-F238E27FC236}">
+                    <a16:creationId xmlns:a16="http://schemas.microsoft.com/office/drawing/2014/main" id="{6AE69819-29F8-9ECF-EC3C-9155C434745E}"/>
+                  </a:ext>
+                </a:extLst>
+              </p:cNvPr>
+              <p:cNvCxnSpPr>
+                <a:cxnSpLocks/>
+                <a:stCxn id="30" idx="4"/>
+              </p:cNvCxnSpPr>
+              <p:nvPr/>
+            </p:nvCxnSpPr>
+            <p:spPr>
+              <a:xfrm flipH="1">
+                <a:off x="6962863" y="1868341"/>
+                <a:ext cx="926984" cy="922789"/>
+              </a:xfrm>
+              <a:prstGeom prst="straightConnector1">
+                <a:avLst/>
+              </a:prstGeom>
+              <a:ln>
+                <a:tailEnd type="triangle"/>
+              </a:ln>
+            </p:spPr>
+            <p:style>
+              <a:lnRef idx="1">
+                <a:schemeClr val="accent1"/>
+              </a:lnRef>
+              <a:fillRef idx="0">
+                <a:schemeClr val="accent1"/>
+              </a:fillRef>
+              <a:effectRef idx="0">
+                <a:schemeClr val="accent1"/>
+              </a:effectRef>
+              <a:fontRef idx="minor">
+                <a:schemeClr val="tx1"/>
+              </a:fontRef>
+            </p:style>
+          </p:cxnSp>
+          <p:cxnSp>
+            <p:nvCxnSpPr>
+              <p:cNvPr id="32" name="Straight Arrow Connector 31">
+                <a:extLst>
+                  <a:ext uri="{FF2B5EF4-FFF2-40B4-BE49-F238E27FC236}">
+                    <a16:creationId xmlns:a16="http://schemas.microsoft.com/office/drawing/2014/main" id="{3392997C-8696-D82F-A405-623299A0C203}"/>
+                  </a:ext>
+                </a:extLst>
+              </p:cNvPr>
+              <p:cNvCxnSpPr>
+                <a:cxnSpLocks/>
+                <a:stCxn id="30" idx="4"/>
+              </p:cNvCxnSpPr>
+              <p:nvPr/>
+            </p:nvCxnSpPr>
+            <p:spPr>
+              <a:xfrm>
+                <a:off x="7889847" y="1868341"/>
+                <a:ext cx="843093" cy="922789"/>
+              </a:xfrm>
+              <a:prstGeom prst="straightConnector1">
+                <a:avLst/>
+              </a:prstGeom>
+              <a:ln>
+                <a:tailEnd type="triangle"/>
+              </a:ln>
+            </p:spPr>
+            <p:style>
+              <a:lnRef idx="1">
+                <a:schemeClr val="accent1"/>
+              </a:lnRef>
+              <a:fillRef idx="0">
+                <a:schemeClr val="accent1"/>
+              </a:fillRef>
+              <a:effectRef idx="0">
+                <a:schemeClr val="accent1"/>
+              </a:effectRef>
+              <a:fontRef idx="minor">
+                <a:schemeClr val="tx1"/>
+              </a:fontRef>
+            </p:style>
+          </p:cxnSp>
+          <p:sp>
+            <p:nvSpPr>
+              <p:cNvPr id="33" name="TextBox 32">
+                <a:extLst>
+                  <a:ext uri="{FF2B5EF4-FFF2-40B4-BE49-F238E27FC236}">
+                    <a16:creationId xmlns:a16="http://schemas.microsoft.com/office/drawing/2014/main" id="{594B286F-BA28-B2E6-DD9D-BFE721FAAF6A}"/>
                   </a:ext>
                 </a:extLst>
               </p:cNvPr>
@@ -30775,8 +28988,8 @@
             </p:nvSpPr>
             <p:spPr>
               <a:xfrm>
-                <a:off x="2706529" y="6335301"/>
-                <a:ext cx="1015021" cy="489429"/>
+                <a:off x="6940837" y="2086347"/>
+                <a:ext cx="485519" cy="369332"/>
               </a:xfrm>
               <a:prstGeom prst="rect">
                 <a:avLst/>
@@ -30791,95 +29004,17 @@
               <a:p>
                 <a:r>
                   <a:rPr lang="en-US" dirty="0"/>
-                  <a:t>MCL = </a:t>
-                </a:r>
-                <a14:m>
-                  <m:oMath xmlns:m="http://schemas.openxmlformats.org/officeDocument/2006/math">
-                    <m:f>
-                      <m:fPr>
-                        <m:ctrlPr>
-                          <a:rPr lang="en-US" b="0" i="1" smtClean="0">
-                            <a:latin typeface="Cambria Math" panose="02040503050406030204" pitchFamily="18" charset="0"/>
-                          </a:rPr>
-                        </m:ctrlPr>
-                      </m:fPr>
-                      <m:num>
-                        <m:r>
-                          <a:rPr lang="en-US" b="0" i="1" smtClean="0">
-                            <a:latin typeface="Cambria Math" panose="02040503050406030204" pitchFamily="18" charset="0"/>
-                          </a:rPr>
-                          <m:t>5</m:t>
-                        </m:r>
-                      </m:num>
-                      <m:den>
-                        <m:r>
-                          <a:rPr lang="en-US" b="0" i="1" smtClean="0">
-                            <a:latin typeface="Cambria Math" panose="02040503050406030204" pitchFamily="18" charset="0"/>
-                          </a:rPr>
-                          <m:t>39</m:t>
-                        </m:r>
-                      </m:den>
-                    </m:f>
-                  </m:oMath>
-                </a14:m>
-                <a:endParaRPr lang="en-US" dirty="0"/>
-              </a:p>
-            </p:txBody>
-          </p:sp>
-        </mc:Choice>
-        <mc:Fallback xmlns="">
-          <p:sp>
-            <p:nvSpPr>
-              <p:cNvPr id="27" name="TextBox 26">
-                <a:extLst>
-                  <a:ext uri="{FF2B5EF4-FFF2-40B4-BE49-F238E27FC236}">
-                    <a16:creationId xmlns:a16="http://schemas.microsoft.com/office/drawing/2014/main" id="{8B50DBB1-62F0-BFC6-8322-F908671B06C6}"/>
-                  </a:ext>
-                </a:extLst>
-              </p:cNvPr>
-              <p:cNvSpPr txBox="1">
-                <a:spLocks noRot="1" noChangeAspect="1" noMove="1" noResize="1" noEditPoints="1" noAdjustHandles="1" noChangeArrowheads="1" noChangeShapeType="1" noTextEdit="1"/>
-              </p:cNvSpPr>
-              <p:nvPr/>
-            </p:nvSpPr>
-            <p:spPr>
-              <a:xfrm>
-                <a:off x="2706529" y="6335301"/>
-                <a:ext cx="1015021" cy="489429"/>
-              </a:xfrm>
-              <a:prstGeom prst="rect">
-                <a:avLst/>
-              </a:prstGeom>
-              <a:blipFill>
-                <a:blip r:embed="rId4"/>
-                <a:stretch>
-                  <a:fillRect l="-5422" b="-6173"/>
-                </a:stretch>
-              </a:blipFill>
-            </p:spPr>
-            <p:txBody>
-              <a:bodyPr/>
-              <a:lstStyle/>
-              <a:p>
-                <a:r>
-                  <a:rPr lang="en-US">
-                    <a:noFill/>
-                  </a:rPr>
-                  <a:t> </a:t>
+                  <a:t>Yes</a:t>
                 </a:r>
               </a:p>
             </p:txBody>
           </p:sp>
-        </mc:Fallback>
-      </mc:AlternateContent>
-      <mc:AlternateContent xmlns:mc="http://schemas.openxmlformats.org/markup-compatibility/2006" xmlns:a14="http://schemas.microsoft.com/office/drawing/2010/main">
-        <mc:Choice Requires="a14">
           <p:sp>
             <p:nvSpPr>
-              <p:cNvPr id="28" name="TextBox 27">
+              <p:cNvPr id="34" name="TextBox 33">
                 <a:extLst>
                   <a:ext uri="{FF2B5EF4-FFF2-40B4-BE49-F238E27FC236}">
-                    <a16:creationId xmlns:a16="http://schemas.microsoft.com/office/drawing/2014/main" id="{FAE898F9-4226-AD7E-7636-985731F0B5EE}"/>
+                    <a16:creationId xmlns:a16="http://schemas.microsoft.com/office/drawing/2014/main" id="{8CE4317F-AD92-EF4C-8FF9-121F3CE696C7}"/>
                   </a:ext>
                 </a:extLst>
               </p:cNvPr>
@@ -30888,8 +29023,8 @@
             </p:nvSpPr>
             <p:spPr>
               <a:xfrm>
-                <a:off x="481466" y="3176144"/>
-                <a:ext cx="1117614" cy="485774"/>
+                <a:off x="8490181" y="2086347"/>
+                <a:ext cx="455574" cy="369332"/>
               </a:xfrm>
               <a:prstGeom prst="rect">
                 <a:avLst/>
@@ -30904,246 +29039,225 @@
               <a:p>
                 <a:r>
                   <a:rPr lang="en-US" dirty="0"/>
-                  <a:t>MCL = </a:t>
+                  <a:t>No</a:t>
                 </a:r>
-                <a14:m>
-                  <m:oMath xmlns:m="http://schemas.openxmlformats.org/officeDocument/2006/math">
-                    <m:f>
-                      <m:fPr>
-                        <m:ctrlPr>
-                          <a:rPr lang="en-US" b="0" i="1" smtClean="0">
-                            <a:latin typeface="Cambria Math" panose="02040503050406030204" pitchFamily="18" charset="0"/>
-                          </a:rPr>
-                        </m:ctrlPr>
-                      </m:fPr>
-                      <m:num>
-                        <m:r>
-                          <a:rPr lang="en-US" b="0" i="1" smtClean="0">
-                            <a:latin typeface="Cambria Math" panose="02040503050406030204" pitchFamily="18" charset="0"/>
-                          </a:rPr>
-                          <m:t>40</m:t>
-                        </m:r>
-                      </m:num>
-                      <m:den>
-                        <m:r>
-                          <a:rPr lang="en-US" b="0" i="1" smtClean="0">
-                            <a:latin typeface="Cambria Math" panose="02040503050406030204" pitchFamily="18" charset="0"/>
-                          </a:rPr>
-                          <m:t>100</m:t>
-                        </m:r>
-                      </m:den>
-                    </m:f>
-                  </m:oMath>
-                </a14:m>
+              </a:p>
+            </p:txBody>
+          </p:sp>
+          <p:sp>
+            <p:nvSpPr>
+              <p:cNvPr id="35" name="Oval 34">
+                <a:extLst>
+                  <a:ext uri="{FF2B5EF4-FFF2-40B4-BE49-F238E27FC236}">
+                    <a16:creationId xmlns:a16="http://schemas.microsoft.com/office/drawing/2014/main" id="{B47FEB5B-CA41-CDB2-CCF9-92A7628887AD}"/>
+                  </a:ext>
+                </a:extLst>
+              </p:cNvPr>
+              <p:cNvSpPr/>
+              <p:nvPr/>
+            </p:nvSpPr>
+            <p:spPr>
+              <a:xfrm>
+                <a:off x="8057626" y="2804020"/>
+                <a:ext cx="1350627" cy="1249960"/>
+              </a:xfrm>
+              <a:prstGeom prst="ellipse">
+                <a:avLst/>
+              </a:prstGeom>
+            </p:spPr>
+            <p:style>
+              <a:lnRef idx="2">
+                <a:schemeClr val="accent1">
+                  <a:shade val="15000"/>
+                </a:schemeClr>
+              </a:lnRef>
+              <a:fillRef idx="1">
+                <a:schemeClr val="accent1"/>
+              </a:fillRef>
+              <a:effectRef idx="0">
+                <a:schemeClr val="accent1"/>
+              </a:effectRef>
+              <a:fontRef idx="minor">
+                <a:schemeClr val="lt1"/>
+              </a:fontRef>
+            </p:style>
+            <p:txBody>
+              <a:bodyPr rtlCol="0" anchor="ctr"/>
+              <a:lstStyle/>
+              <a:p>
+                <a:pPr algn="ctr"/>
+                <a:r>
+                  <a:rPr lang="en-US" dirty="0" err="1"/>
+                  <a:t>Bajji</a:t>
+                </a:r>
                 <a:endParaRPr lang="en-US" dirty="0"/>
               </a:p>
             </p:txBody>
           </p:sp>
-        </mc:Choice>
-        <mc:Fallback xmlns="">
           <p:sp>
             <p:nvSpPr>
-              <p:cNvPr id="28" name="TextBox 27">
+              <p:cNvPr id="36" name="Oval 35">
                 <a:extLst>
                   <a:ext uri="{FF2B5EF4-FFF2-40B4-BE49-F238E27FC236}">
-                    <a16:creationId xmlns:a16="http://schemas.microsoft.com/office/drawing/2014/main" id="{FAE898F9-4226-AD7E-7636-985731F0B5EE}"/>
+                    <a16:creationId xmlns:a16="http://schemas.microsoft.com/office/drawing/2014/main" id="{5BE6A2F7-39B8-3A6B-1716-7100F91A79E9}"/>
                   </a:ext>
                 </a:extLst>
               </p:cNvPr>
-              <p:cNvSpPr txBox="1">
-                <a:spLocks noRot="1" noChangeAspect="1" noMove="1" noResize="1" noEditPoints="1" noAdjustHandles="1" noChangeArrowheads="1" noChangeShapeType="1" noTextEdit="1"/>
-              </p:cNvSpPr>
+              <p:cNvSpPr/>
               <p:nvPr/>
             </p:nvSpPr>
             <p:spPr>
               <a:xfrm>
-                <a:off x="481466" y="3176144"/>
-                <a:ext cx="1117614" cy="485774"/>
+                <a:off x="6287550" y="2791130"/>
+                <a:ext cx="1350627" cy="1249960"/>
+              </a:xfrm>
+              <a:prstGeom prst="ellipse">
+                <a:avLst/>
+              </a:prstGeom>
+              <a:solidFill>
+                <a:srgbClr val="4472C4"/>
+              </a:solidFill>
+            </p:spPr>
+            <p:style>
+              <a:lnRef idx="2">
+                <a:schemeClr val="accent1">
+                  <a:shade val="15000"/>
+                </a:schemeClr>
+              </a:lnRef>
+              <a:fillRef idx="1">
+                <a:schemeClr val="accent1"/>
+              </a:fillRef>
+              <a:effectRef idx="0">
+                <a:schemeClr val="accent1"/>
+              </a:effectRef>
+              <a:fontRef idx="minor">
+                <a:schemeClr val="lt1"/>
+              </a:fontRef>
+            </p:style>
+            <p:txBody>
+              <a:bodyPr rtlCol="0" anchor="ctr"/>
+              <a:lstStyle/>
+              <a:p>
+                <a:pPr algn="ctr"/>
+                <a:r>
+                  <a:rPr lang="en-US" dirty="0"/>
+                  <a:t>Ice Cream</a:t>
+                </a:r>
+              </a:p>
+            </p:txBody>
+          </p:sp>
+          <p:sp>
+            <p:nvSpPr>
+              <p:cNvPr id="37" name="TextBox 36">
+                <a:extLst>
+                  <a:ext uri="{FF2B5EF4-FFF2-40B4-BE49-F238E27FC236}">
+                    <a16:creationId xmlns:a16="http://schemas.microsoft.com/office/drawing/2014/main" id="{552D3DC6-72B9-9188-3945-626490CED7FB}"/>
+                  </a:ext>
+                </a:extLst>
+              </p:cNvPr>
+              <p:cNvSpPr txBox="1"/>
+              <p:nvPr/>
+            </p:nvSpPr>
+            <p:spPr>
+              <a:xfrm>
+                <a:off x="7296542" y="242605"/>
+                <a:ext cx="1186607" cy="369332"/>
               </a:xfrm>
               <a:prstGeom prst="rect">
                 <a:avLst/>
               </a:prstGeom>
-              <a:blipFill>
-                <a:blip r:embed="rId5"/>
-                <a:stretch>
-                  <a:fillRect l="-4918" b="-7500"/>
-                </a:stretch>
-              </a:blipFill>
+              <a:noFill/>
             </p:spPr>
             <p:txBody>
-              <a:bodyPr/>
+              <a:bodyPr wrap="none" rtlCol="0">
+                <a:spAutoFit/>
+              </a:bodyPr>
               <a:lstStyle/>
               <a:p>
                 <a:r>
-                  <a:rPr lang="en-US">
-                    <a:noFill/>
-                  </a:rPr>
-                  <a:t> </a:t>
+                  <a:rPr lang="en-US" dirty="0"/>
+                  <a:t>Root Node</a:t>
                 </a:r>
               </a:p>
             </p:txBody>
           </p:sp>
-        </mc:Fallback>
-      </mc:AlternateContent>
-      <p:grpSp>
-        <p:nvGrpSpPr>
-          <p:cNvPr id="29" name="Group 28">
-            <a:extLst>
-              <a:ext uri="{FF2B5EF4-FFF2-40B4-BE49-F238E27FC236}">
-                <a16:creationId xmlns:a16="http://schemas.microsoft.com/office/drawing/2014/main" id="{D45E8348-993F-D7A8-D3A7-528FD4951D06}"/>
-              </a:ext>
-            </a:extLst>
-          </p:cNvPr>
-          <p:cNvGrpSpPr/>
-          <p:nvPr/>
-        </p:nvGrpSpPr>
-        <p:grpSpPr>
-          <a:xfrm>
-            <a:off x="7750838" y="2433163"/>
-            <a:ext cx="3031948" cy="3971836"/>
-            <a:chOff x="6287550" y="242604"/>
-            <a:chExt cx="3120703" cy="4088105"/>
-          </a:xfrm>
-        </p:grpSpPr>
+          <p:sp>
+            <p:nvSpPr>
+              <p:cNvPr id="38" name="TextBox 37">
+                <a:extLst>
+                  <a:ext uri="{FF2B5EF4-FFF2-40B4-BE49-F238E27FC236}">
+                    <a16:creationId xmlns:a16="http://schemas.microsoft.com/office/drawing/2014/main" id="{8F20F1F9-2F06-3812-ECB1-E226080D30B8}"/>
+                  </a:ext>
+                </a:extLst>
+              </p:cNvPr>
+              <p:cNvSpPr txBox="1"/>
+              <p:nvPr/>
+            </p:nvSpPr>
+            <p:spPr>
+              <a:xfrm>
+                <a:off x="6392901" y="3961377"/>
+                <a:ext cx="1138711" cy="369332"/>
+              </a:xfrm>
+              <a:prstGeom prst="rect">
+                <a:avLst/>
+              </a:prstGeom>
+              <a:noFill/>
+            </p:spPr>
+            <p:txBody>
+              <a:bodyPr wrap="none" rtlCol="0">
+                <a:spAutoFit/>
+              </a:bodyPr>
+              <a:lstStyle/>
+              <a:p>
+                <a:r>
+                  <a:rPr lang="en-US" dirty="0"/>
+                  <a:t>Leaf Node</a:t>
+                </a:r>
+              </a:p>
+            </p:txBody>
+          </p:sp>
+          <p:sp>
+            <p:nvSpPr>
+              <p:cNvPr id="39" name="TextBox 38">
+                <a:extLst>
+                  <a:ext uri="{FF2B5EF4-FFF2-40B4-BE49-F238E27FC236}">
+                    <a16:creationId xmlns:a16="http://schemas.microsoft.com/office/drawing/2014/main" id="{8585D152-2F9B-8A30-7E79-BDDB9DB44E8A}"/>
+                  </a:ext>
+                </a:extLst>
+              </p:cNvPr>
+              <p:cNvSpPr txBox="1"/>
+              <p:nvPr/>
+            </p:nvSpPr>
+            <p:spPr>
+              <a:xfrm>
+                <a:off x="8163584" y="3961377"/>
+                <a:ext cx="1138711" cy="369332"/>
+              </a:xfrm>
+              <a:prstGeom prst="rect">
+                <a:avLst/>
+              </a:prstGeom>
+              <a:noFill/>
+            </p:spPr>
+            <p:txBody>
+              <a:bodyPr wrap="none" rtlCol="0">
+                <a:spAutoFit/>
+              </a:bodyPr>
+              <a:lstStyle/>
+              <a:p>
+                <a:r>
+                  <a:rPr lang="en-US" dirty="0"/>
+                  <a:t>Leaf Node</a:t>
+                </a:r>
+              </a:p>
+            </p:txBody>
+          </p:sp>
+        </p:grpSp>
         <p:sp>
           <p:nvSpPr>
-            <p:cNvPr id="30" name="Oval 29">
+            <p:cNvPr id="14" name="TextBox 13">
               <a:extLst>
                 <a:ext uri="{FF2B5EF4-FFF2-40B4-BE49-F238E27FC236}">
-                  <a16:creationId xmlns:a16="http://schemas.microsoft.com/office/drawing/2014/main" id="{84155515-FDC0-2720-5235-BD176CCD8D31}"/>
-                </a:ext>
-              </a:extLst>
-            </p:cNvPr>
-            <p:cNvSpPr/>
-            <p:nvPr/>
-          </p:nvSpPr>
-          <p:spPr>
-            <a:xfrm>
-              <a:off x="7214533" y="618381"/>
-              <a:ext cx="1350627" cy="1249960"/>
-            </a:xfrm>
-            <a:prstGeom prst="ellipse">
-              <a:avLst/>
-            </a:prstGeom>
-          </p:spPr>
-          <p:style>
-            <a:lnRef idx="2">
-              <a:schemeClr val="accent1">
-                <a:shade val="15000"/>
-              </a:schemeClr>
-            </a:lnRef>
-            <a:fillRef idx="1">
-              <a:schemeClr val="accent1"/>
-            </a:fillRef>
-            <a:effectRef idx="0">
-              <a:schemeClr val="accent1"/>
-            </a:effectRef>
-            <a:fontRef idx="minor">
-              <a:schemeClr val="lt1"/>
-            </a:fontRef>
-          </p:style>
-          <p:txBody>
-            <a:bodyPr rtlCol="0" anchor="ctr"/>
-            <a:lstStyle/>
-            <a:p>
-              <a:pPr algn="ctr"/>
-              <a:r>
-                <a:rPr lang="en-US" dirty="0"/>
-                <a:t>Holiday?</a:t>
-              </a:r>
-            </a:p>
-          </p:txBody>
-        </p:sp>
-        <p:cxnSp>
-          <p:nvCxnSpPr>
-            <p:cNvPr id="31" name="Straight Arrow Connector 30">
-              <a:extLst>
-                <a:ext uri="{FF2B5EF4-FFF2-40B4-BE49-F238E27FC236}">
-                  <a16:creationId xmlns:a16="http://schemas.microsoft.com/office/drawing/2014/main" id="{289DD469-F55C-DA95-0FE1-26C41CC39105}"/>
-                </a:ext>
-              </a:extLst>
-            </p:cNvPr>
-            <p:cNvCxnSpPr>
-              <a:cxnSpLocks/>
-              <a:stCxn id="30" idx="4"/>
-            </p:cNvCxnSpPr>
-            <p:nvPr/>
-          </p:nvCxnSpPr>
-          <p:spPr>
-            <a:xfrm flipH="1">
-              <a:off x="6962863" y="1868341"/>
-              <a:ext cx="926984" cy="922789"/>
-            </a:xfrm>
-            <a:prstGeom prst="straightConnector1">
-              <a:avLst/>
-            </a:prstGeom>
-            <a:ln>
-              <a:tailEnd type="triangle"/>
-            </a:ln>
-          </p:spPr>
-          <p:style>
-            <a:lnRef idx="1">
-              <a:schemeClr val="accent1"/>
-            </a:lnRef>
-            <a:fillRef idx="0">
-              <a:schemeClr val="accent1"/>
-            </a:fillRef>
-            <a:effectRef idx="0">
-              <a:schemeClr val="accent1"/>
-            </a:effectRef>
-            <a:fontRef idx="minor">
-              <a:schemeClr val="tx1"/>
-            </a:fontRef>
-          </p:style>
-        </p:cxnSp>
-        <p:cxnSp>
-          <p:nvCxnSpPr>
-            <p:cNvPr id="32" name="Straight Arrow Connector 31">
-              <a:extLst>
-                <a:ext uri="{FF2B5EF4-FFF2-40B4-BE49-F238E27FC236}">
-                  <a16:creationId xmlns:a16="http://schemas.microsoft.com/office/drawing/2014/main" id="{73247E2E-B2B6-34B0-F17C-6287BAA2F37E}"/>
-                </a:ext>
-              </a:extLst>
-            </p:cNvPr>
-            <p:cNvCxnSpPr>
-              <a:cxnSpLocks/>
-              <a:stCxn id="30" idx="4"/>
-            </p:cNvCxnSpPr>
-            <p:nvPr/>
-          </p:nvCxnSpPr>
-          <p:spPr>
-            <a:xfrm>
-              <a:off x="7889847" y="1868341"/>
-              <a:ext cx="843093" cy="922789"/>
-            </a:xfrm>
-            <a:prstGeom prst="straightConnector1">
-              <a:avLst/>
-            </a:prstGeom>
-            <a:ln>
-              <a:tailEnd type="triangle"/>
-            </a:ln>
-          </p:spPr>
-          <p:style>
-            <a:lnRef idx="1">
-              <a:schemeClr val="accent1"/>
-            </a:lnRef>
-            <a:fillRef idx="0">
-              <a:schemeClr val="accent1"/>
-            </a:fillRef>
-            <a:effectRef idx="0">
-              <a:schemeClr val="accent1"/>
-            </a:effectRef>
-            <a:fontRef idx="minor">
-              <a:schemeClr val="tx1"/>
-            </a:fontRef>
-          </p:style>
-        </p:cxnSp>
-        <p:sp>
-          <p:nvSpPr>
-            <p:cNvPr id="33" name="TextBox 32">
-              <a:extLst>
-                <a:ext uri="{FF2B5EF4-FFF2-40B4-BE49-F238E27FC236}">
-                  <a16:creationId xmlns:a16="http://schemas.microsoft.com/office/drawing/2014/main" id="{CF1009FE-36D7-36D9-E3A9-05BAFF929E9E}"/>
+                  <a16:creationId xmlns:a16="http://schemas.microsoft.com/office/drawing/2014/main" id="{AB78CF45-7838-0E8C-475A-F85A032F2735}"/>
                 </a:ext>
               </a:extLst>
             </p:cNvPr>
@@ -31152,8 +29266,8 @@
           </p:nvSpPr>
           <p:spPr>
             <a:xfrm>
-              <a:off x="6940837" y="2086347"/>
-              <a:ext cx="485519" cy="369332"/>
+              <a:off x="3109266" y="3036906"/>
+              <a:ext cx="1521763" cy="646331"/>
             </a:xfrm>
             <a:prstGeom prst="rect">
               <a:avLst/>
@@ -31168,17 +29282,23 @@
             <a:p>
               <a:r>
                 <a:rPr lang="en-US" dirty="0"/>
-                <a:t>Yes</a:t>
+                <a:t>#Ice Cream 60</a:t>
+              </a:r>
+            </a:p>
+            <a:p>
+              <a:r>
+                <a:rPr lang="en-US" dirty="0"/>
+                <a:t>#Bajji 40</a:t>
               </a:r>
             </a:p>
           </p:txBody>
         </p:sp>
         <p:sp>
           <p:nvSpPr>
-            <p:cNvPr id="34" name="TextBox 33">
+            <p:cNvPr id="16" name="TextBox 15">
               <a:extLst>
                 <a:ext uri="{FF2B5EF4-FFF2-40B4-BE49-F238E27FC236}">
-                  <a16:creationId xmlns:a16="http://schemas.microsoft.com/office/drawing/2014/main" id="{48073763-1424-AB7A-E72F-FECD5F19E3D7}"/>
+                  <a16:creationId xmlns:a16="http://schemas.microsoft.com/office/drawing/2014/main" id="{31879E4A-F8C2-F5C5-4138-A0E6B4D25CD3}"/>
                 </a:ext>
               </a:extLst>
             </p:cNvPr>
@@ -31187,14 +29307,31 @@
           </p:nvSpPr>
           <p:spPr>
             <a:xfrm>
-              <a:off x="8490181" y="2086347"/>
-              <a:ext cx="455574" cy="369332"/>
+              <a:off x="-39295" y="4607305"/>
+              <a:ext cx="1521763" cy="646331"/>
             </a:xfrm>
             <a:prstGeom prst="rect">
               <a:avLst/>
             </a:prstGeom>
             <a:noFill/>
+            <a:ln>
+              <a:noFill/>
+            </a:ln>
           </p:spPr>
+          <p:style>
+            <a:lnRef idx="2">
+              <a:schemeClr val="accent2"/>
+            </a:lnRef>
+            <a:fillRef idx="1">
+              <a:schemeClr val="lt1"/>
+            </a:fillRef>
+            <a:effectRef idx="0">
+              <a:schemeClr val="accent2"/>
+            </a:effectRef>
+            <a:fontRef idx="minor">
+              <a:schemeClr val="dk1"/>
+            </a:fontRef>
+          </p:style>
           <p:txBody>
             <a:bodyPr wrap="none" rtlCol="0">
               <a:spAutoFit/>
@@ -31203,119 +29340,23 @@
             <a:p>
               <a:r>
                 <a:rPr lang="en-US" dirty="0"/>
-                <a:t>No</a:t>
+                <a:t>#Ice Cream 30</a:t>
+              </a:r>
+            </a:p>
+            <a:p>
+              <a:r>
+                <a:rPr lang="en-US" dirty="0"/>
+                <a:t>#Bajji 10</a:t>
               </a:r>
             </a:p>
           </p:txBody>
         </p:sp>
         <p:sp>
           <p:nvSpPr>
-            <p:cNvPr id="35" name="Oval 34">
+            <p:cNvPr id="17" name="TextBox 16">
               <a:extLst>
                 <a:ext uri="{FF2B5EF4-FFF2-40B4-BE49-F238E27FC236}">
-                  <a16:creationId xmlns:a16="http://schemas.microsoft.com/office/drawing/2014/main" id="{F28A6C95-752D-5656-B2FD-82A97AB173AD}"/>
-                </a:ext>
-              </a:extLst>
-            </p:cNvPr>
-            <p:cNvSpPr/>
-            <p:nvPr/>
-          </p:nvSpPr>
-          <p:spPr>
-            <a:xfrm>
-              <a:off x="8057626" y="2804020"/>
-              <a:ext cx="1350627" cy="1249960"/>
-            </a:xfrm>
-            <a:prstGeom prst="ellipse">
-              <a:avLst/>
-            </a:prstGeom>
-          </p:spPr>
-          <p:style>
-            <a:lnRef idx="2">
-              <a:schemeClr val="accent1">
-                <a:shade val="15000"/>
-              </a:schemeClr>
-            </a:lnRef>
-            <a:fillRef idx="1">
-              <a:schemeClr val="accent1"/>
-            </a:fillRef>
-            <a:effectRef idx="0">
-              <a:schemeClr val="accent1"/>
-            </a:effectRef>
-            <a:fontRef idx="minor">
-              <a:schemeClr val="lt1"/>
-            </a:fontRef>
-          </p:style>
-          <p:txBody>
-            <a:bodyPr rtlCol="0" anchor="ctr"/>
-            <a:lstStyle/>
-            <a:p>
-              <a:pPr algn="ctr"/>
-              <a:r>
-                <a:rPr lang="en-US" dirty="0" err="1"/>
-                <a:t>Bajji</a:t>
-              </a:r>
-              <a:endParaRPr lang="en-US" dirty="0"/>
-            </a:p>
-          </p:txBody>
-        </p:sp>
-        <p:sp>
-          <p:nvSpPr>
-            <p:cNvPr id="36" name="Oval 35">
-              <a:extLst>
-                <a:ext uri="{FF2B5EF4-FFF2-40B4-BE49-F238E27FC236}">
-                  <a16:creationId xmlns:a16="http://schemas.microsoft.com/office/drawing/2014/main" id="{98230F52-E715-C2A2-28E2-A486A6913340}"/>
-                </a:ext>
-              </a:extLst>
-            </p:cNvPr>
-            <p:cNvSpPr/>
-            <p:nvPr/>
-          </p:nvSpPr>
-          <p:spPr>
-            <a:xfrm>
-              <a:off x="6287550" y="2791130"/>
-              <a:ext cx="1350627" cy="1249960"/>
-            </a:xfrm>
-            <a:prstGeom prst="ellipse">
-              <a:avLst/>
-            </a:prstGeom>
-            <a:solidFill>
-              <a:srgbClr val="4472C4"/>
-            </a:solidFill>
-          </p:spPr>
-          <p:style>
-            <a:lnRef idx="2">
-              <a:schemeClr val="accent1">
-                <a:shade val="15000"/>
-              </a:schemeClr>
-            </a:lnRef>
-            <a:fillRef idx="1">
-              <a:schemeClr val="accent1"/>
-            </a:fillRef>
-            <a:effectRef idx="0">
-              <a:schemeClr val="accent1"/>
-            </a:effectRef>
-            <a:fontRef idx="minor">
-              <a:schemeClr val="lt1"/>
-            </a:fontRef>
-          </p:style>
-          <p:txBody>
-            <a:bodyPr rtlCol="0" anchor="ctr"/>
-            <a:lstStyle/>
-            <a:p>
-              <a:pPr algn="ctr"/>
-              <a:r>
-                <a:rPr lang="en-US" dirty="0"/>
-                <a:t>Ice Cream</a:t>
-              </a:r>
-            </a:p>
-          </p:txBody>
-        </p:sp>
-        <p:sp>
-          <p:nvSpPr>
-            <p:cNvPr id="37" name="TextBox 36">
-              <a:extLst>
-                <a:ext uri="{FF2B5EF4-FFF2-40B4-BE49-F238E27FC236}">
-                  <a16:creationId xmlns:a16="http://schemas.microsoft.com/office/drawing/2014/main" id="{E47B6AEA-C3B5-233E-BF2A-31702305A2A2}"/>
+                  <a16:creationId xmlns:a16="http://schemas.microsoft.com/office/drawing/2014/main" id="{7821729C-8209-8FF7-8F97-74033584BC41}"/>
                 </a:ext>
               </a:extLst>
             </p:cNvPr>
@@ -31324,568 +29365,398 @@
           </p:nvSpPr>
           <p:spPr>
             <a:xfrm>
-              <a:off x="7296542" y="242604"/>
-              <a:ext cx="1186607" cy="369332"/>
+              <a:off x="3109266" y="4607305"/>
+              <a:ext cx="1521763" cy="646331"/>
             </a:xfrm>
             <a:prstGeom prst="rect">
               <a:avLst/>
             </a:prstGeom>
             <a:noFill/>
+            <a:ln>
+              <a:noFill/>
+            </a:ln>
           </p:spPr>
+          <p:style>
+            <a:lnRef idx="2">
+              <a:schemeClr val="accent2"/>
+            </a:lnRef>
+            <a:fillRef idx="1">
+              <a:schemeClr val="lt1"/>
+            </a:fillRef>
+            <a:effectRef idx="0">
+              <a:schemeClr val="accent2"/>
+            </a:effectRef>
+            <a:fontRef idx="minor">
+              <a:schemeClr val="dk1"/>
+            </a:fontRef>
+          </p:style>
           <p:txBody>
             <a:bodyPr wrap="none" rtlCol="0">
               <a:spAutoFit/>
             </a:bodyPr>
             <a:lstStyle/>
             <a:p>
+              <a:pPr algn="r"/>
               <a:r>
                 <a:rPr lang="en-US" dirty="0"/>
-                <a:t>Root Node</a:t>
+                <a:t>#Ice Cream 30</a:t>
+              </a:r>
+            </a:p>
+            <a:p>
+              <a:pPr algn="r"/>
+              <a:r>
+                <a:rPr lang="en-US" dirty="0"/>
+                <a:t>#Bajji 30 </a:t>
               </a:r>
             </a:p>
           </p:txBody>
         </p:sp>
-        <p:sp>
-          <p:nvSpPr>
-            <p:cNvPr id="38" name="TextBox 37">
-              <a:extLst>
-                <a:ext uri="{FF2B5EF4-FFF2-40B4-BE49-F238E27FC236}">
-                  <a16:creationId xmlns:a16="http://schemas.microsoft.com/office/drawing/2014/main" id="{200CC094-5B88-559D-48B6-72CD618593ED}"/>
-                </a:ext>
-              </a:extLst>
-            </p:cNvPr>
-            <p:cNvSpPr txBox="1"/>
-            <p:nvPr/>
-          </p:nvSpPr>
-          <p:spPr>
-            <a:xfrm>
-              <a:off x="6328967" y="3961377"/>
-              <a:ext cx="1138711" cy="369332"/>
-            </a:xfrm>
-            <a:prstGeom prst="rect">
-              <a:avLst/>
-            </a:prstGeom>
-            <a:noFill/>
-          </p:spPr>
-          <p:txBody>
-            <a:bodyPr wrap="none" rtlCol="0">
-              <a:spAutoFit/>
-            </a:bodyPr>
-            <a:lstStyle/>
-            <a:p>
-              <a:r>
-                <a:rPr lang="en-US" dirty="0"/>
-                <a:t>Leaf Node</a:t>
-              </a:r>
-            </a:p>
-          </p:txBody>
-        </p:sp>
-        <p:sp>
-          <p:nvSpPr>
-            <p:cNvPr id="39" name="TextBox 38">
-              <a:extLst>
-                <a:ext uri="{FF2B5EF4-FFF2-40B4-BE49-F238E27FC236}">
-                  <a16:creationId xmlns:a16="http://schemas.microsoft.com/office/drawing/2014/main" id="{B862949B-92FE-373B-EACC-9CCEDAF9547D}"/>
-                </a:ext>
-              </a:extLst>
-            </p:cNvPr>
-            <p:cNvSpPr txBox="1"/>
-            <p:nvPr/>
-          </p:nvSpPr>
-          <p:spPr>
-            <a:xfrm>
-              <a:off x="8163584" y="3961377"/>
-              <a:ext cx="1138711" cy="369332"/>
-            </a:xfrm>
-            <a:prstGeom prst="rect">
-              <a:avLst/>
-            </a:prstGeom>
-            <a:noFill/>
-          </p:spPr>
-          <p:txBody>
-            <a:bodyPr wrap="none" rtlCol="0">
-              <a:spAutoFit/>
-            </a:bodyPr>
-            <a:lstStyle/>
-            <a:p>
-              <a:r>
-                <a:rPr lang="en-US" dirty="0"/>
-                <a:t>Leaf Node</a:t>
-              </a:r>
-            </a:p>
-          </p:txBody>
-        </p:sp>
+        <mc:AlternateContent xmlns:mc="http://schemas.openxmlformats.org/markup-compatibility/2006" xmlns:a14="http://schemas.microsoft.com/office/drawing/2010/main">
+          <mc:Choice Requires="a14">
+            <p:sp>
+              <p:nvSpPr>
+                <p:cNvPr id="20" name="TextBox 19">
+                  <a:extLst>
+                    <a:ext uri="{FF2B5EF4-FFF2-40B4-BE49-F238E27FC236}">
+                      <a16:creationId xmlns:a16="http://schemas.microsoft.com/office/drawing/2014/main" id="{A5CF6536-7841-6880-8356-06478D80C23A}"/>
+                    </a:ext>
+                  </a:extLst>
+                </p:cNvPr>
+                <p:cNvSpPr txBox="1"/>
+                <p:nvPr/>
+              </p:nvSpPr>
+              <p:spPr>
+                <a:xfrm>
+                  <a:off x="983802" y="6337128"/>
+                  <a:ext cx="1019831" cy="489686"/>
+                </a:xfrm>
+                <a:prstGeom prst="rect">
+                  <a:avLst/>
+                </a:prstGeom>
+                <a:noFill/>
+              </p:spPr>
+              <p:txBody>
+                <a:bodyPr wrap="none" rtlCol="0">
+                  <a:spAutoFit/>
+                </a:bodyPr>
+                <a:lstStyle/>
+                <a:p>
+                  <a:r>
+                    <a:rPr lang="en-US" dirty="0"/>
+                    <a:t>MCL = </a:t>
+                  </a:r>
+                  <a14:m>
+                    <m:oMath xmlns:m="http://schemas.openxmlformats.org/officeDocument/2006/math">
+                      <m:f>
+                        <m:fPr>
+                          <m:ctrlPr>
+                            <a:rPr lang="en-US" b="0" i="1" smtClean="0">
+                              <a:latin typeface="Cambria Math" panose="02040503050406030204" pitchFamily="18" charset="0"/>
+                            </a:rPr>
+                          </m:ctrlPr>
+                        </m:fPr>
+                        <m:num>
+                          <m:r>
+                            <a:rPr lang="en-US" b="0" i="1" smtClean="0">
+                              <a:latin typeface="Cambria Math" panose="02040503050406030204" pitchFamily="18" charset="0"/>
+                            </a:rPr>
+                            <m:t>15</m:t>
+                          </m:r>
+                        </m:num>
+                        <m:den>
+                          <m:r>
+                            <a:rPr lang="en-US" b="0" i="1" smtClean="0">
+                              <a:latin typeface="Cambria Math" panose="02040503050406030204" pitchFamily="18" charset="0"/>
+                            </a:rPr>
+                            <m:t>50</m:t>
+                          </m:r>
+                        </m:den>
+                      </m:f>
+                    </m:oMath>
+                  </a14:m>
+                  <a:endParaRPr lang="en-US" dirty="0"/>
+                </a:p>
+              </p:txBody>
+            </p:sp>
+          </mc:Choice>
+          <mc:Fallback xmlns="">
+            <p:sp>
+              <p:nvSpPr>
+                <p:cNvPr id="20" name="TextBox 19">
+                  <a:extLst>
+                    <a:ext uri="{FF2B5EF4-FFF2-40B4-BE49-F238E27FC236}">
+                      <a16:creationId xmlns:a16="http://schemas.microsoft.com/office/drawing/2014/main" id="{A5CF6536-7841-6880-8356-06478D80C23A}"/>
+                    </a:ext>
+                  </a:extLst>
+                </p:cNvPr>
+                <p:cNvSpPr txBox="1">
+                  <a:spLocks noRot="1" noChangeAspect="1" noMove="1" noResize="1" noEditPoints="1" noAdjustHandles="1" noChangeArrowheads="1" noChangeShapeType="1" noTextEdit="1"/>
+                </p:cNvSpPr>
+                <p:nvPr/>
+              </p:nvSpPr>
+              <p:spPr>
+                <a:xfrm>
+                  <a:off x="983802" y="6337128"/>
+                  <a:ext cx="1019831" cy="489686"/>
+                </a:xfrm>
+                <a:prstGeom prst="rect">
+                  <a:avLst/>
+                </a:prstGeom>
+                <a:blipFill>
+                  <a:blip r:embed="rId2"/>
+                  <a:stretch>
+                    <a:fillRect l="-5389" b="-7500"/>
+                  </a:stretch>
+                </a:blipFill>
+              </p:spPr>
+              <p:txBody>
+                <a:bodyPr/>
+                <a:lstStyle/>
+                <a:p>
+                  <a:r>
+                    <a:rPr lang="en-US">
+                      <a:noFill/>
+                    </a:rPr>
+                    <a:t> </a:t>
+                  </a:r>
+                </a:p>
+              </p:txBody>
+            </p:sp>
+          </mc:Fallback>
+        </mc:AlternateContent>
+        <mc:AlternateContent xmlns:mc="http://schemas.openxmlformats.org/markup-compatibility/2006" xmlns:a14="http://schemas.microsoft.com/office/drawing/2010/main">
+          <mc:Choice Requires="a14">
+            <p:sp>
+              <p:nvSpPr>
+                <p:cNvPr id="21" name="TextBox 20">
+                  <a:extLst>
+                    <a:ext uri="{FF2B5EF4-FFF2-40B4-BE49-F238E27FC236}">
+                      <a16:creationId xmlns:a16="http://schemas.microsoft.com/office/drawing/2014/main" id="{88FBF06E-569B-B789-A50C-16BE3C3967BE}"/>
+                    </a:ext>
+                  </a:extLst>
+                </p:cNvPr>
+                <p:cNvSpPr txBox="1"/>
+                <p:nvPr/>
+              </p:nvSpPr>
+              <p:spPr>
+                <a:xfrm>
+                  <a:off x="2706530" y="6335301"/>
+                  <a:ext cx="1015021" cy="489429"/>
+                </a:xfrm>
+                <a:prstGeom prst="rect">
+                  <a:avLst/>
+                </a:prstGeom>
+                <a:noFill/>
+              </p:spPr>
+              <p:txBody>
+                <a:bodyPr wrap="none" rtlCol="0">
+                  <a:spAutoFit/>
+                </a:bodyPr>
+                <a:lstStyle/>
+                <a:p>
+                  <a:r>
+                    <a:rPr lang="en-US" dirty="0"/>
+                    <a:t>MCL = </a:t>
+                  </a:r>
+                  <a14:m>
+                    <m:oMath xmlns:m="http://schemas.openxmlformats.org/officeDocument/2006/math">
+                      <m:f>
+                        <m:fPr>
+                          <m:ctrlPr>
+                            <a:rPr lang="en-US" b="0" i="1" smtClean="0">
+                              <a:latin typeface="Cambria Math" panose="02040503050406030204" pitchFamily="18" charset="0"/>
+                            </a:rPr>
+                          </m:ctrlPr>
+                        </m:fPr>
+                        <m:num>
+                          <m:r>
+                            <a:rPr lang="en-US" b="0" i="1" smtClean="0">
+                              <a:latin typeface="Cambria Math" panose="02040503050406030204" pitchFamily="18" charset="0"/>
+                            </a:rPr>
+                            <m:t>25</m:t>
+                          </m:r>
+                        </m:num>
+                        <m:den>
+                          <m:r>
+                            <a:rPr lang="en-US" b="0" i="1" smtClean="0">
+                              <a:latin typeface="Cambria Math" panose="02040503050406030204" pitchFamily="18" charset="0"/>
+                            </a:rPr>
+                            <m:t>50</m:t>
+                          </m:r>
+                        </m:den>
+                      </m:f>
+                    </m:oMath>
+                  </a14:m>
+                  <a:endParaRPr lang="en-US" dirty="0"/>
+                </a:p>
+              </p:txBody>
+            </p:sp>
+          </mc:Choice>
+          <mc:Fallback xmlns="">
+            <p:sp>
+              <p:nvSpPr>
+                <p:cNvPr id="21" name="TextBox 20">
+                  <a:extLst>
+                    <a:ext uri="{FF2B5EF4-FFF2-40B4-BE49-F238E27FC236}">
+                      <a16:creationId xmlns:a16="http://schemas.microsoft.com/office/drawing/2014/main" id="{88FBF06E-569B-B789-A50C-16BE3C3967BE}"/>
+                    </a:ext>
+                  </a:extLst>
+                </p:cNvPr>
+                <p:cNvSpPr txBox="1">
+                  <a:spLocks noRot="1" noChangeAspect="1" noMove="1" noResize="1" noEditPoints="1" noAdjustHandles="1" noChangeArrowheads="1" noChangeShapeType="1" noTextEdit="1"/>
+                </p:cNvSpPr>
+                <p:nvPr/>
+              </p:nvSpPr>
+              <p:spPr>
+                <a:xfrm>
+                  <a:off x="2706530" y="6335301"/>
+                  <a:ext cx="1015021" cy="489429"/>
+                </a:xfrm>
+                <a:prstGeom prst="rect">
+                  <a:avLst/>
+                </a:prstGeom>
+                <a:blipFill>
+                  <a:blip r:embed="rId3"/>
+                  <a:stretch>
+                    <a:fillRect l="-4790" b="-6173"/>
+                  </a:stretch>
+                </a:blipFill>
+              </p:spPr>
+              <p:txBody>
+                <a:bodyPr/>
+                <a:lstStyle/>
+                <a:p>
+                  <a:r>
+                    <a:rPr lang="en-US">
+                      <a:noFill/>
+                    </a:rPr>
+                    <a:t> </a:t>
+                  </a:r>
+                </a:p>
+              </p:txBody>
+            </p:sp>
+          </mc:Fallback>
+        </mc:AlternateContent>
+        <mc:AlternateContent xmlns:mc="http://schemas.openxmlformats.org/markup-compatibility/2006" xmlns:a14="http://schemas.microsoft.com/office/drawing/2010/main">
+          <mc:Choice Requires="a14">
+            <p:sp>
+              <p:nvSpPr>
+                <p:cNvPr id="29" name="TextBox 28">
+                  <a:extLst>
+                    <a:ext uri="{FF2B5EF4-FFF2-40B4-BE49-F238E27FC236}">
+                      <a16:creationId xmlns:a16="http://schemas.microsoft.com/office/drawing/2014/main" id="{D815C706-6E2D-8D45-F01E-8F0E8A7B7D7D}"/>
+                    </a:ext>
+                  </a:extLst>
+                </p:cNvPr>
+                <p:cNvSpPr txBox="1"/>
+                <p:nvPr/>
+              </p:nvSpPr>
+              <p:spPr>
+                <a:xfrm>
+                  <a:off x="481466" y="3176144"/>
+                  <a:ext cx="1117614" cy="485774"/>
+                </a:xfrm>
+                <a:prstGeom prst="rect">
+                  <a:avLst/>
+                </a:prstGeom>
+                <a:noFill/>
+              </p:spPr>
+              <p:txBody>
+                <a:bodyPr wrap="none" rtlCol="0">
+                  <a:spAutoFit/>
+                </a:bodyPr>
+                <a:lstStyle/>
+                <a:p>
+                  <a:r>
+                    <a:rPr lang="en-US" dirty="0"/>
+                    <a:t>MCL = </a:t>
+                  </a:r>
+                  <a14:m>
+                    <m:oMath xmlns:m="http://schemas.openxmlformats.org/officeDocument/2006/math">
+                      <m:f>
+                        <m:fPr>
+                          <m:ctrlPr>
+                            <a:rPr lang="en-US" b="0" i="1" smtClean="0">
+                              <a:latin typeface="Cambria Math" panose="02040503050406030204" pitchFamily="18" charset="0"/>
+                            </a:rPr>
+                          </m:ctrlPr>
+                        </m:fPr>
+                        <m:num>
+                          <m:r>
+                            <a:rPr lang="en-US" b="0" i="1" smtClean="0">
+                              <a:latin typeface="Cambria Math" panose="02040503050406030204" pitchFamily="18" charset="0"/>
+                            </a:rPr>
+                            <m:t>40</m:t>
+                          </m:r>
+                        </m:num>
+                        <m:den>
+                          <m:r>
+                            <a:rPr lang="en-US" b="0" i="1" smtClean="0">
+                              <a:latin typeface="Cambria Math" panose="02040503050406030204" pitchFamily="18" charset="0"/>
+                            </a:rPr>
+                            <m:t>100</m:t>
+                          </m:r>
+                        </m:den>
+                      </m:f>
+                    </m:oMath>
+                  </a14:m>
+                  <a:endParaRPr lang="en-US" dirty="0"/>
+                </a:p>
+              </p:txBody>
+            </p:sp>
+          </mc:Choice>
+          <mc:Fallback xmlns="">
+            <p:sp>
+              <p:nvSpPr>
+                <p:cNvPr id="29" name="TextBox 28">
+                  <a:extLst>
+                    <a:ext uri="{FF2B5EF4-FFF2-40B4-BE49-F238E27FC236}">
+                      <a16:creationId xmlns:a16="http://schemas.microsoft.com/office/drawing/2014/main" id="{D815C706-6E2D-8D45-F01E-8F0E8A7B7D7D}"/>
+                    </a:ext>
+                  </a:extLst>
+                </p:cNvPr>
+                <p:cNvSpPr txBox="1">
+                  <a:spLocks noRot="1" noChangeAspect="1" noMove="1" noResize="1" noEditPoints="1" noAdjustHandles="1" noChangeArrowheads="1" noChangeShapeType="1" noTextEdit="1"/>
+                </p:cNvSpPr>
+                <p:nvPr/>
+              </p:nvSpPr>
+              <p:spPr>
+                <a:xfrm>
+                  <a:off x="481466" y="3176144"/>
+                  <a:ext cx="1117614" cy="485774"/>
+                </a:xfrm>
+                <a:prstGeom prst="rect">
+                  <a:avLst/>
+                </a:prstGeom>
+                <a:blipFill>
+                  <a:blip r:embed="rId4"/>
+                  <a:stretch>
+                    <a:fillRect l="-4348" b="-7500"/>
+                  </a:stretch>
+                </a:blipFill>
+              </p:spPr>
+              <p:txBody>
+                <a:bodyPr/>
+                <a:lstStyle/>
+                <a:p>
+                  <a:r>
+                    <a:rPr lang="en-US">
+                      <a:noFill/>
+                    </a:rPr>
+                    <a:t> </a:t>
+                  </a:r>
+                </a:p>
+              </p:txBody>
+            </p:sp>
+          </mc:Fallback>
+        </mc:AlternateContent>
       </p:grpSp>
       <p:sp>
         <p:nvSpPr>
-          <p:cNvPr id="40" name="TextBox 39">
+          <p:cNvPr id="44" name="Rectangle: Rounded Corners 43">
             <a:extLst>
               <a:ext uri="{FF2B5EF4-FFF2-40B4-BE49-F238E27FC236}">
-                <a16:creationId xmlns:a16="http://schemas.microsoft.com/office/drawing/2014/main" id="{AEB5DC5E-258B-9A5B-2816-E98ABF5C870B}"/>
-              </a:ext>
-            </a:extLst>
-          </p:cNvPr>
-          <p:cNvSpPr txBox="1"/>
-          <p:nvPr/>
-        </p:nvSpPr>
-        <p:spPr>
-          <a:xfrm>
-            <a:off x="10021904" y="3036906"/>
-            <a:ext cx="1521763" cy="646331"/>
-          </a:xfrm>
-          <a:prstGeom prst="rect">
-            <a:avLst/>
-          </a:prstGeom>
-          <a:noFill/>
-        </p:spPr>
-        <p:txBody>
-          <a:bodyPr wrap="none" rtlCol="0">
-            <a:spAutoFit/>
-          </a:bodyPr>
-          <a:lstStyle/>
-          <a:p>
-            <a:r>
-              <a:rPr lang="en-US" dirty="0"/>
-              <a:t>#Ice Cream 60</a:t>
-            </a:r>
-          </a:p>
-          <a:p>
-            <a:r>
-              <a:rPr lang="en-US" dirty="0"/>
-              <a:t>#Bajji 40</a:t>
-            </a:r>
-          </a:p>
-        </p:txBody>
-      </p:sp>
-      <p:sp>
-        <p:nvSpPr>
-          <p:cNvPr id="41" name="TextBox 40">
-            <a:extLst>
-              <a:ext uri="{FF2B5EF4-FFF2-40B4-BE49-F238E27FC236}">
-                <a16:creationId xmlns:a16="http://schemas.microsoft.com/office/drawing/2014/main" id="{69B286DE-8DD1-0098-469F-6743F02ED02F}"/>
-              </a:ext>
-            </a:extLst>
-          </p:cNvPr>
-          <p:cNvSpPr txBox="1"/>
-          <p:nvPr/>
-        </p:nvSpPr>
-        <p:spPr>
-          <a:xfrm>
-            <a:off x="6920410" y="4607305"/>
-            <a:ext cx="1521763" cy="646331"/>
-          </a:xfrm>
-          <a:prstGeom prst="rect">
-            <a:avLst/>
-          </a:prstGeom>
-          <a:noFill/>
-        </p:spPr>
-        <p:txBody>
-          <a:bodyPr wrap="none" rtlCol="0">
-            <a:spAutoFit/>
-          </a:bodyPr>
-          <a:lstStyle/>
-          <a:p>
-            <a:r>
-              <a:rPr lang="en-US" dirty="0"/>
-              <a:t>#Ice Cream 35</a:t>
-            </a:r>
-          </a:p>
-          <a:p>
-            <a:r>
-              <a:rPr lang="en-US" dirty="0"/>
-              <a:t>#Bajji 15</a:t>
-            </a:r>
-          </a:p>
-        </p:txBody>
-      </p:sp>
-      <p:sp>
-        <p:nvSpPr>
-          <p:cNvPr id="42" name="TextBox 41">
-            <a:extLst>
-              <a:ext uri="{FF2B5EF4-FFF2-40B4-BE49-F238E27FC236}">
-                <a16:creationId xmlns:a16="http://schemas.microsoft.com/office/drawing/2014/main" id="{38EA5852-23D6-1864-34C4-AD92478ED447}"/>
-              </a:ext>
-            </a:extLst>
-          </p:cNvPr>
-          <p:cNvSpPr txBox="1"/>
-          <p:nvPr/>
-        </p:nvSpPr>
-        <p:spPr>
-          <a:xfrm>
-            <a:off x="10116231" y="4607305"/>
-            <a:ext cx="1521763" cy="646331"/>
-          </a:xfrm>
-          <a:prstGeom prst="rect">
-            <a:avLst/>
-          </a:prstGeom>
-          <a:noFill/>
-        </p:spPr>
-        <p:txBody>
-          <a:bodyPr wrap="none" rtlCol="0">
-            <a:spAutoFit/>
-          </a:bodyPr>
-          <a:lstStyle/>
-          <a:p>
-            <a:pPr algn="r"/>
-            <a:r>
-              <a:rPr lang="en-US" dirty="0"/>
-              <a:t>#Ice Cream 25</a:t>
-            </a:r>
-          </a:p>
-          <a:p>
-            <a:pPr algn="r"/>
-            <a:r>
-              <a:rPr lang="en-US" dirty="0"/>
-              <a:t>#Bajji 25</a:t>
-            </a:r>
-          </a:p>
-        </p:txBody>
-      </p:sp>
-      <mc:AlternateContent xmlns:mc="http://schemas.openxmlformats.org/markup-compatibility/2006" xmlns:a14="http://schemas.microsoft.com/office/drawing/2010/main">
-        <mc:Choice Requires="a14">
-          <p:sp>
-            <p:nvSpPr>
-              <p:cNvPr id="43" name="TextBox 42">
-                <a:extLst>
-                  <a:ext uri="{FF2B5EF4-FFF2-40B4-BE49-F238E27FC236}">
-                    <a16:creationId xmlns:a16="http://schemas.microsoft.com/office/drawing/2014/main" id="{32433729-1DA1-F08F-46E4-12E2D22A9128}"/>
-                  </a:ext>
-                </a:extLst>
-              </p:cNvPr>
-              <p:cNvSpPr txBox="1"/>
-              <p:nvPr/>
-            </p:nvSpPr>
-            <p:spPr>
-              <a:xfrm>
-                <a:off x="7897029" y="6337128"/>
-                <a:ext cx="1019831" cy="485774"/>
-              </a:xfrm>
-              <a:prstGeom prst="rect">
-                <a:avLst/>
-              </a:prstGeom>
-              <a:noFill/>
-            </p:spPr>
-            <p:txBody>
-              <a:bodyPr wrap="none" rtlCol="0">
-                <a:spAutoFit/>
-              </a:bodyPr>
-              <a:lstStyle/>
-              <a:p>
-                <a:r>
-                  <a:rPr lang="en-US" dirty="0"/>
-                  <a:t>MCL = </a:t>
-                </a:r>
-                <a14:m>
-                  <m:oMath xmlns:m="http://schemas.openxmlformats.org/officeDocument/2006/math">
-                    <m:f>
-                      <m:fPr>
-                        <m:ctrlPr>
-                          <a:rPr lang="en-US" b="0" i="1" smtClean="0">
-                            <a:latin typeface="Cambria Math" panose="02040503050406030204" pitchFamily="18" charset="0"/>
-                          </a:rPr>
-                        </m:ctrlPr>
-                      </m:fPr>
-                      <m:num>
-                        <m:r>
-                          <a:rPr lang="en-US" b="0" i="1" smtClean="0">
-                            <a:latin typeface="Cambria Math" panose="02040503050406030204" pitchFamily="18" charset="0"/>
-                          </a:rPr>
-                          <m:t>15</m:t>
-                        </m:r>
-                      </m:num>
-                      <m:den>
-                        <m:r>
-                          <a:rPr lang="en-US" b="0" i="1" smtClean="0">
-                            <a:latin typeface="Cambria Math" panose="02040503050406030204" pitchFamily="18" charset="0"/>
-                          </a:rPr>
-                          <m:t>50</m:t>
-                        </m:r>
-                      </m:den>
-                    </m:f>
-                  </m:oMath>
-                </a14:m>
-                <a:endParaRPr lang="en-US" dirty="0"/>
-              </a:p>
-            </p:txBody>
-          </p:sp>
-        </mc:Choice>
-        <mc:Fallback xmlns="">
-          <p:sp>
-            <p:nvSpPr>
-              <p:cNvPr id="43" name="TextBox 42">
-                <a:extLst>
-                  <a:ext uri="{FF2B5EF4-FFF2-40B4-BE49-F238E27FC236}">
-                    <a16:creationId xmlns:a16="http://schemas.microsoft.com/office/drawing/2014/main" id="{32433729-1DA1-F08F-46E4-12E2D22A9128}"/>
-                  </a:ext>
-                </a:extLst>
-              </p:cNvPr>
-              <p:cNvSpPr txBox="1">
-                <a:spLocks noRot="1" noChangeAspect="1" noMove="1" noResize="1" noEditPoints="1" noAdjustHandles="1" noChangeArrowheads="1" noChangeShapeType="1" noTextEdit="1"/>
-              </p:cNvSpPr>
-              <p:nvPr/>
-            </p:nvSpPr>
-            <p:spPr>
-              <a:xfrm>
-                <a:off x="7897029" y="6337128"/>
-                <a:ext cx="1019831" cy="485774"/>
-              </a:xfrm>
-              <a:prstGeom prst="rect">
-                <a:avLst/>
-              </a:prstGeom>
-              <a:blipFill>
-                <a:blip r:embed="rId6"/>
-                <a:stretch>
-                  <a:fillRect l="-4762" b="-8861"/>
-                </a:stretch>
-              </a:blipFill>
-            </p:spPr>
-            <p:txBody>
-              <a:bodyPr/>
-              <a:lstStyle/>
-              <a:p>
-                <a:r>
-                  <a:rPr lang="en-US">
-                    <a:noFill/>
-                  </a:rPr>
-                  <a:t> </a:t>
-                </a:r>
-              </a:p>
-            </p:txBody>
-          </p:sp>
-        </mc:Fallback>
-      </mc:AlternateContent>
-      <mc:AlternateContent xmlns:mc="http://schemas.openxmlformats.org/markup-compatibility/2006" xmlns:a14="http://schemas.microsoft.com/office/drawing/2010/main">
-        <mc:Choice Requires="a14">
-          <p:sp>
-            <p:nvSpPr>
-              <p:cNvPr id="44" name="TextBox 43">
-                <a:extLst>
-                  <a:ext uri="{FF2B5EF4-FFF2-40B4-BE49-F238E27FC236}">
-                    <a16:creationId xmlns:a16="http://schemas.microsoft.com/office/drawing/2014/main" id="{1EB8F219-0DAB-12E9-B3F5-18892EB1C547}"/>
-                  </a:ext>
-                </a:extLst>
-              </p:cNvPr>
-              <p:cNvSpPr txBox="1"/>
-              <p:nvPr/>
-            </p:nvSpPr>
-            <p:spPr>
-              <a:xfrm>
-                <a:off x="9619167" y="6335301"/>
-                <a:ext cx="1015021" cy="489429"/>
-              </a:xfrm>
-              <a:prstGeom prst="rect">
-                <a:avLst/>
-              </a:prstGeom>
-              <a:noFill/>
-            </p:spPr>
-            <p:txBody>
-              <a:bodyPr wrap="none" rtlCol="0">
-                <a:spAutoFit/>
-              </a:bodyPr>
-              <a:lstStyle/>
-              <a:p>
-                <a:r>
-                  <a:rPr lang="en-US" dirty="0"/>
-                  <a:t>MCL = </a:t>
-                </a:r>
-                <a14:m>
-                  <m:oMath xmlns:m="http://schemas.openxmlformats.org/officeDocument/2006/math">
-                    <m:f>
-                      <m:fPr>
-                        <m:ctrlPr>
-                          <a:rPr lang="en-US" b="0" i="1" smtClean="0">
-                            <a:latin typeface="Cambria Math" panose="02040503050406030204" pitchFamily="18" charset="0"/>
-                          </a:rPr>
-                        </m:ctrlPr>
-                      </m:fPr>
-                      <m:num>
-                        <m:r>
-                          <a:rPr lang="en-US" b="0" i="1" smtClean="0">
-                            <a:latin typeface="Cambria Math" panose="02040503050406030204" pitchFamily="18" charset="0"/>
-                          </a:rPr>
-                          <m:t>25</m:t>
-                        </m:r>
-                      </m:num>
-                      <m:den>
-                        <m:r>
-                          <a:rPr lang="en-US" b="0" i="1" smtClean="0">
-                            <a:latin typeface="Cambria Math" panose="02040503050406030204" pitchFamily="18" charset="0"/>
-                          </a:rPr>
-                          <m:t>50</m:t>
-                        </m:r>
-                      </m:den>
-                    </m:f>
-                  </m:oMath>
-                </a14:m>
-                <a:endParaRPr lang="en-US" dirty="0"/>
-              </a:p>
-            </p:txBody>
-          </p:sp>
-        </mc:Choice>
-        <mc:Fallback xmlns="">
-          <p:sp>
-            <p:nvSpPr>
-              <p:cNvPr id="44" name="TextBox 43">
-                <a:extLst>
-                  <a:ext uri="{FF2B5EF4-FFF2-40B4-BE49-F238E27FC236}">
-                    <a16:creationId xmlns:a16="http://schemas.microsoft.com/office/drawing/2014/main" id="{1EB8F219-0DAB-12E9-B3F5-18892EB1C547}"/>
-                  </a:ext>
-                </a:extLst>
-              </p:cNvPr>
-              <p:cNvSpPr txBox="1">
-                <a:spLocks noRot="1" noChangeAspect="1" noMove="1" noResize="1" noEditPoints="1" noAdjustHandles="1" noChangeArrowheads="1" noChangeShapeType="1" noTextEdit="1"/>
-              </p:cNvSpPr>
-              <p:nvPr/>
-            </p:nvSpPr>
-            <p:spPr>
-              <a:xfrm>
-                <a:off x="9619167" y="6335301"/>
-                <a:ext cx="1015021" cy="489429"/>
-              </a:xfrm>
-              <a:prstGeom prst="rect">
-                <a:avLst/>
-              </a:prstGeom>
-              <a:blipFill>
-                <a:blip r:embed="rId7"/>
-                <a:stretch>
-                  <a:fillRect l="-5422" b="-6173"/>
-                </a:stretch>
-              </a:blipFill>
-            </p:spPr>
-            <p:txBody>
-              <a:bodyPr/>
-              <a:lstStyle/>
-              <a:p>
-                <a:r>
-                  <a:rPr lang="en-US">
-                    <a:noFill/>
-                  </a:rPr>
-                  <a:t> </a:t>
-                </a:r>
-              </a:p>
-            </p:txBody>
-          </p:sp>
-        </mc:Fallback>
-      </mc:AlternateContent>
-      <mc:AlternateContent xmlns:mc="http://schemas.openxmlformats.org/markup-compatibility/2006" xmlns:a14="http://schemas.microsoft.com/office/drawing/2010/main">
-        <mc:Choice Requires="a14">
-          <p:sp>
-            <p:nvSpPr>
-              <p:cNvPr id="45" name="TextBox 44">
-                <a:extLst>
-                  <a:ext uri="{FF2B5EF4-FFF2-40B4-BE49-F238E27FC236}">
-                    <a16:creationId xmlns:a16="http://schemas.microsoft.com/office/drawing/2014/main" id="{256A487B-546C-60FF-B8FD-9F9E76290BAB}"/>
-                  </a:ext>
-                </a:extLst>
-              </p:cNvPr>
-              <p:cNvSpPr txBox="1"/>
-              <p:nvPr/>
-            </p:nvSpPr>
-            <p:spPr>
-              <a:xfrm>
-                <a:off x="7394104" y="3176144"/>
-                <a:ext cx="1117614" cy="485774"/>
-              </a:xfrm>
-              <a:prstGeom prst="rect">
-                <a:avLst/>
-              </a:prstGeom>
-              <a:noFill/>
-            </p:spPr>
-            <p:txBody>
-              <a:bodyPr wrap="none" rtlCol="0">
-                <a:spAutoFit/>
-              </a:bodyPr>
-              <a:lstStyle/>
-              <a:p>
-                <a:r>
-                  <a:rPr lang="en-US" dirty="0"/>
-                  <a:t>MCL = </a:t>
-                </a:r>
-                <a14:m>
-                  <m:oMath xmlns:m="http://schemas.openxmlformats.org/officeDocument/2006/math">
-                    <m:f>
-                      <m:fPr>
-                        <m:ctrlPr>
-                          <a:rPr lang="en-US" b="0" i="1" smtClean="0">
-                            <a:latin typeface="Cambria Math" panose="02040503050406030204" pitchFamily="18" charset="0"/>
-                          </a:rPr>
-                        </m:ctrlPr>
-                      </m:fPr>
-                      <m:num>
-                        <m:r>
-                          <a:rPr lang="en-US" b="0" i="1" smtClean="0">
-                            <a:latin typeface="Cambria Math" panose="02040503050406030204" pitchFamily="18" charset="0"/>
-                          </a:rPr>
-                          <m:t>40</m:t>
-                        </m:r>
-                      </m:num>
-                      <m:den>
-                        <m:r>
-                          <a:rPr lang="en-US" b="0" i="1" smtClean="0">
-                            <a:latin typeface="Cambria Math" panose="02040503050406030204" pitchFamily="18" charset="0"/>
-                          </a:rPr>
-                          <m:t>100</m:t>
-                        </m:r>
-                      </m:den>
-                    </m:f>
-                  </m:oMath>
-                </a14:m>
-                <a:endParaRPr lang="en-US" dirty="0"/>
-              </a:p>
-            </p:txBody>
-          </p:sp>
-        </mc:Choice>
-        <mc:Fallback xmlns="">
-          <p:sp>
-            <p:nvSpPr>
-              <p:cNvPr id="45" name="TextBox 44">
-                <a:extLst>
-                  <a:ext uri="{FF2B5EF4-FFF2-40B4-BE49-F238E27FC236}">
-                    <a16:creationId xmlns:a16="http://schemas.microsoft.com/office/drawing/2014/main" id="{256A487B-546C-60FF-B8FD-9F9E76290BAB}"/>
-                  </a:ext>
-                </a:extLst>
-              </p:cNvPr>
-              <p:cNvSpPr txBox="1">
-                <a:spLocks noRot="1" noChangeAspect="1" noMove="1" noResize="1" noEditPoints="1" noAdjustHandles="1" noChangeArrowheads="1" noChangeShapeType="1" noTextEdit="1"/>
-              </p:cNvSpPr>
-              <p:nvPr/>
-            </p:nvSpPr>
-            <p:spPr>
-              <a:xfrm>
-                <a:off x="7394104" y="3176144"/>
-                <a:ext cx="1117614" cy="485774"/>
-              </a:xfrm>
-              <a:prstGeom prst="rect">
-                <a:avLst/>
-              </a:prstGeom>
-              <a:blipFill>
-                <a:blip r:embed="rId8"/>
-                <a:stretch>
-                  <a:fillRect l="-4918" b="-7500"/>
-                </a:stretch>
-              </a:blipFill>
-            </p:spPr>
-            <p:txBody>
-              <a:bodyPr/>
-              <a:lstStyle/>
-              <a:p>
-                <a:r>
-                  <a:rPr lang="en-US">
-                    <a:noFill/>
-                  </a:rPr>
-                  <a:t> </a:t>
-                </a:r>
-              </a:p>
-            </p:txBody>
-          </p:sp>
-        </mc:Fallback>
-      </mc:AlternateContent>
-      <p:sp>
-        <p:nvSpPr>
-          <p:cNvPr id="46" name="Right Brace 45">
-            <a:extLst>
-              <a:ext uri="{FF2B5EF4-FFF2-40B4-BE49-F238E27FC236}">
-                <a16:creationId xmlns:a16="http://schemas.microsoft.com/office/drawing/2014/main" id="{3DF0DC52-60AB-D346-0978-3C324E83FD37}"/>
+                <a16:creationId xmlns:a16="http://schemas.microsoft.com/office/drawing/2014/main" id="{A898EDFB-24E3-D5FD-1D6F-40B7B5464375}"/>
               </a:ext>
             </a:extLst>
           </p:cNvPr>
@@ -31894,168 +29765,64 @@
         </p:nvSpPr>
         <p:spPr>
           <a:xfrm>
-            <a:off x="4442665" y="2724523"/>
-            <a:ext cx="329044" cy="4133477"/>
+            <a:off x="753753" y="2605366"/>
+            <a:ext cx="6451447" cy="3122729"/>
           </a:xfrm>
-          <a:prstGeom prst="rightBrace">
+          <a:prstGeom prst="roundRect">
             <a:avLst>
-              <a:gd name="adj1" fmla="val 33828"/>
-              <a:gd name="adj2" fmla="val 19760"/>
+              <a:gd name="adj" fmla="val 0"/>
             </a:avLst>
           </a:prstGeom>
+          <a:noFill/>
+          <a:ln>
+            <a:noFill/>
+          </a:ln>
         </p:spPr>
         <p:style>
-          <a:lnRef idx="1">
+          <a:lnRef idx="2">
             <a:schemeClr val="accent1"/>
           </a:lnRef>
-          <a:fillRef idx="0">
-            <a:schemeClr val="accent1"/>
+          <a:fillRef idx="1">
+            <a:schemeClr val="lt1"/>
           </a:fillRef>
           <a:effectRef idx="0">
             <a:schemeClr val="accent1"/>
           </a:effectRef>
           <a:fontRef idx="minor">
-            <a:schemeClr val="tx1"/>
+            <a:schemeClr val="dk1"/>
           </a:fontRef>
         </p:style>
         <p:txBody>
           <a:bodyPr rtlCol="0" anchor="ctr"/>
           <a:lstStyle/>
           <a:p>
-            <a:pPr algn="ctr"/>
-            <a:endParaRPr lang="en-US"/>
-          </a:p>
-        </p:txBody>
-      </p:sp>
-      <p:sp>
-        <p:nvSpPr>
-          <p:cNvPr id="47" name="TextBox 46">
-            <a:extLst>
-              <a:ext uri="{FF2B5EF4-FFF2-40B4-BE49-F238E27FC236}">
-                <a16:creationId xmlns:a16="http://schemas.microsoft.com/office/drawing/2014/main" id="{09EAF5D6-C55D-40BE-C095-BA7B1A6ACB74}"/>
-              </a:ext>
-            </a:extLst>
-          </p:cNvPr>
-          <p:cNvSpPr txBox="1"/>
-          <p:nvPr/>
-        </p:nvSpPr>
-        <p:spPr>
-          <a:xfrm>
-            <a:off x="4798595" y="3202353"/>
-            <a:ext cx="1107098" cy="646331"/>
-          </a:xfrm>
-          <a:prstGeom prst="rect">
-            <a:avLst/>
-          </a:prstGeom>
-          <a:noFill/>
-        </p:spPr>
-        <p:txBody>
-          <a:bodyPr wrap="none" rtlCol="0">
-            <a:spAutoFit/>
-          </a:bodyPr>
-          <a:lstStyle/>
-          <a:p>
-            <a:pPr algn="ctr"/>
+            <a:pPr marL="457200" indent="-457200">
+              <a:buFont typeface="Arial" panose="020B0604020202020204" pitchFamily="34" charset="0"/>
+              <a:buChar char="•"/>
+            </a:pPr>
             <a:r>
-              <a:rPr lang="en-US" dirty="0"/>
-              <a:t>Total MCL</a:t>
+              <a:rPr lang="en-US" sz="2800" dirty="0"/>
+              <a:t>When the subdominant class in parent node remains subdominant in the leaf nodes, then the miss-classification loss reduction is 0. </a:t>
             </a:r>
           </a:p>
           <a:p>
-            <a:pPr algn="ctr"/>
+            <a:pPr marL="457200" indent="-457200">
+              <a:buFont typeface="Arial" panose="020B0604020202020204" pitchFamily="34" charset="0"/>
+              <a:buChar char="•"/>
+            </a:pPr>
             <a:r>
-              <a:rPr lang="en-US" dirty="0"/>
-              <a:t>0.226</a:t>
-            </a:r>
-          </a:p>
-        </p:txBody>
-      </p:sp>
-      <p:sp>
-        <p:nvSpPr>
-          <p:cNvPr id="48" name="Right Brace 47">
-            <a:extLst>
-              <a:ext uri="{FF2B5EF4-FFF2-40B4-BE49-F238E27FC236}">
-                <a16:creationId xmlns:a16="http://schemas.microsoft.com/office/drawing/2014/main" id="{C7B96FAD-E7BD-C9E5-5317-B5EC2820627B}"/>
-              </a:ext>
-            </a:extLst>
-          </p:cNvPr>
-          <p:cNvSpPr/>
-          <p:nvPr/>
-        </p:nvSpPr>
-        <p:spPr>
-          <a:xfrm flipH="1">
-            <a:off x="6563288" y="2724522"/>
-            <a:ext cx="329044" cy="4133477"/>
-          </a:xfrm>
-          <a:prstGeom prst="rightBrace">
-            <a:avLst>
-              <a:gd name="adj1" fmla="val 44026"/>
-              <a:gd name="adj2" fmla="val 72528"/>
-            </a:avLst>
-          </a:prstGeom>
-        </p:spPr>
-        <p:style>
-          <a:lnRef idx="1">
-            <a:schemeClr val="accent1"/>
-          </a:lnRef>
-          <a:fillRef idx="0">
-            <a:schemeClr val="accent1"/>
-          </a:fillRef>
-          <a:effectRef idx="0">
-            <a:schemeClr val="accent1"/>
-          </a:effectRef>
-          <a:fontRef idx="minor">
-            <a:schemeClr val="tx1"/>
-          </a:fontRef>
-        </p:style>
-        <p:txBody>
-          <a:bodyPr rtlCol="0" anchor="ctr"/>
-          <a:lstStyle/>
-          <a:p>
-            <a:pPr algn="ctr"/>
-            <a:endParaRPr lang="en-US"/>
-          </a:p>
-        </p:txBody>
-      </p:sp>
-      <p:sp>
-        <p:nvSpPr>
-          <p:cNvPr id="49" name="TextBox 48">
-            <a:extLst>
-              <a:ext uri="{FF2B5EF4-FFF2-40B4-BE49-F238E27FC236}">
-                <a16:creationId xmlns:a16="http://schemas.microsoft.com/office/drawing/2014/main" id="{8BD64874-4F48-CD81-6188-17236835A441}"/>
-              </a:ext>
-            </a:extLst>
-          </p:cNvPr>
-          <p:cNvSpPr txBox="1"/>
-          <p:nvPr/>
-        </p:nvSpPr>
-        <p:spPr>
-          <a:xfrm>
-            <a:off x="5492824" y="5399840"/>
-            <a:ext cx="1107098" cy="646331"/>
-          </a:xfrm>
-          <a:prstGeom prst="rect">
-            <a:avLst/>
-          </a:prstGeom>
-          <a:noFill/>
-        </p:spPr>
-        <p:txBody>
-          <a:bodyPr wrap="none" rtlCol="0">
-            <a:spAutoFit/>
-          </a:bodyPr>
-          <a:lstStyle/>
-          <a:p>
-            <a:pPr algn="ctr"/>
-            <a:r>
-              <a:rPr lang="en-US" dirty="0"/>
-              <a:t>Total MCL</a:t>
+              <a:rPr lang="en-US" sz="2800" dirty="0"/>
+              <a:t>The reason for this is the linearity of this metric. </a:t>
             </a:r>
           </a:p>
           <a:p>
-            <a:pPr algn="ctr"/>
+            <a:pPr marL="457200" indent="-457200">
+              <a:buFont typeface="Arial" panose="020B0604020202020204" pitchFamily="34" charset="0"/>
+              <a:buChar char="•"/>
+            </a:pPr>
             <a:r>
-              <a:rPr lang="en-US" dirty="0"/>
-              <a:t>0.8</a:t>
+              <a:rPr lang="en-US" sz="2800" dirty="0"/>
+              <a:t>We need a more sensitive metric.</a:t>
             </a:r>
           </a:p>
         </p:txBody>
@@ -32063,7 +29830,7 @@
     </p:spTree>
     <p:extLst>
       <p:ext uri="{BB962C8B-B14F-4D97-AF65-F5344CB8AC3E}">
-        <p14:creationId xmlns:p14="http://schemas.microsoft.com/office/powerpoint/2010/main" val="3123407304"/>
+        <p14:creationId xmlns:p14="http://schemas.microsoft.com/office/powerpoint/2010/main" val="2706159930"/>
       </p:ext>
     </p:extLst>
   </p:cSld>

--- a/DecisionTrees/DecisionTrees.pptx
+++ b/DecisionTrees/DecisionTrees.pptx
@@ -27,11 +27,16 @@
     <p:sldId id="261" r:id="rId21"/>
     <p:sldId id="282" r:id="rId22"/>
     <p:sldId id="287" r:id="rId23"/>
-    <p:sldId id="288" r:id="rId24"/>
-    <p:sldId id="284" r:id="rId25"/>
-    <p:sldId id="262" r:id="rId26"/>
-    <p:sldId id="278" r:id="rId27"/>
-    <p:sldId id="279" r:id="rId28"/>
+    <p:sldId id="289" r:id="rId24"/>
+    <p:sldId id="288" r:id="rId25"/>
+    <p:sldId id="290" r:id="rId26"/>
+    <p:sldId id="291" r:id="rId27"/>
+    <p:sldId id="293" r:id="rId28"/>
+    <p:sldId id="294" r:id="rId29"/>
+    <p:sldId id="295" r:id="rId30"/>
+    <p:sldId id="262" r:id="rId31"/>
+    <p:sldId id="278" r:id="rId32"/>
+    <p:sldId id="279" r:id="rId33"/>
   </p:sldIdLst>
   <p:sldSz cx="12192000" cy="6858000"/>
   <p:notesSz cx="6858000" cy="9144000"/>
@@ -26459,8 +26464,8 @@
           </mc:Fallback>
         </mc:AlternateContent>
       </p:grpSp>
-      <mc:AlternateContent xmlns:mc="http://schemas.openxmlformats.org/markup-compatibility/2006" xmlns:a14="http://schemas.microsoft.com/office/drawing/2010/main">
-        <mc:Choice Requires="a14">
+      <mc:AlternateContent xmlns:mc="http://schemas.openxmlformats.org/markup-compatibility/2006">
+        <mc:Choice xmlns:a14="http://schemas.microsoft.com/office/drawing/2010/main" Requires="a14">
           <p:sp>
             <p:nvSpPr>
               <p:cNvPr id="47" name="TextBox 46">
@@ -26476,7 +26481,7 @@
             <p:spPr>
               <a:xfrm>
                 <a:off x="838200" y="3191090"/>
-                <a:ext cx="6454037" cy="3295261"/>
+                <a:ext cx="6454037" cy="3141373"/>
               </a:xfrm>
               <a:prstGeom prst="rect">
                 <a:avLst/>
@@ -26717,7 +26722,7 @@
               </a:p>
               <a:p>
                 <a:pPr algn="ctr"/>
-                <a:endParaRPr lang="en-US" sz="2800" dirty="0"/>
+                <a:endParaRPr lang="en-US" dirty="0"/>
               </a:p>
               <a:p>
                 <a:pPr algn="ctr"/>
@@ -26912,7 +26917,7 @@
             </p:txBody>
           </p:sp>
         </mc:Choice>
-        <mc:Fallback xmlns="">
+        <mc:Fallback>
           <p:sp>
             <p:nvSpPr>
               <p:cNvPr id="47" name="TextBox 46">
@@ -26930,7 +26935,7 @@
             <p:spPr>
               <a:xfrm>
                 <a:off x="838200" y="3191090"/>
-                <a:ext cx="6454037" cy="3295261"/>
+                <a:ext cx="6454037" cy="3141373"/>
               </a:xfrm>
               <a:prstGeom prst="rect">
                 <a:avLst/>
@@ -26938,7 +26943,7 @@
               <a:blipFill>
                 <a:blip r:embed="rId6"/>
                 <a:stretch>
-                  <a:fillRect l="-1512" t="-1664" r="-1418"/>
+                  <a:fillRect l="-851" t="-1744" r="-2079"/>
                 </a:stretch>
               </a:blipFill>
             </p:spPr>
@@ -28238,8 +28243,8 @@
           </mc:Fallback>
         </mc:AlternateContent>
       </p:grpSp>
-      <mc:AlternateContent xmlns:mc="http://schemas.openxmlformats.org/markup-compatibility/2006" xmlns:a14="http://schemas.microsoft.com/office/drawing/2010/main">
-        <mc:Choice Requires="a14">
+      <mc:AlternateContent xmlns:mc="http://schemas.openxmlformats.org/markup-compatibility/2006">
+        <mc:Choice xmlns:a14="http://schemas.microsoft.com/office/drawing/2010/main" Requires="a14">
           <p:sp>
             <p:nvSpPr>
               <p:cNvPr id="47" name="TextBox 46">
@@ -28255,7 +28260,7 @@
             <p:spPr>
               <a:xfrm>
                 <a:off x="838200" y="3191090"/>
-                <a:ext cx="6454037" cy="3295261"/>
+                <a:ext cx="6454037" cy="3141373"/>
               </a:xfrm>
               <a:prstGeom prst="rect">
                 <a:avLst/>
@@ -28496,7 +28501,7 @@
               </a:p>
               <a:p>
                 <a:pPr algn="ctr"/>
-                <a:endParaRPr lang="en-US" sz="2800" dirty="0"/>
+                <a:endParaRPr lang="en-US" dirty="0"/>
               </a:p>
               <a:p>
                 <a:pPr algn="ctr"/>
@@ -28691,7 +28696,7 @@
             </p:txBody>
           </p:sp>
         </mc:Choice>
-        <mc:Fallback xmlns="">
+        <mc:Fallback>
           <p:sp>
             <p:nvSpPr>
               <p:cNvPr id="47" name="TextBox 46">
@@ -28709,7 +28714,7 @@
             <p:spPr>
               <a:xfrm>
                 <a:off x="838200" y="3191090"/>
-                <a:ext cx="6454037" cy="3295261"/>
+                <a:ext cx="6454037" cy="3141373"/>
               </a:xfrm>
               <a:prstGeom prst="rect">
                 <a:avLst/>
@@ -28717,7 +28722,7 @@
               <a:blipFill>
                 <a:blip r:embed="rId6"/>
                 <a:stretch>
-                  <a:fillRect l="-851" t="-1664" r="-2079"/>
+                  <a:fillRect l="-851" t="-1744" r="-2079"/>
                 </a:stretch>
               </a:blipFill>
             </p:spPr>
@@ -28750,6 +28755,3540 @@
 </file>
 
 <file path=ppt/slides/slide23.xml><?xml version="1.0" encoding="utf-8"?>
+<p:sld xmlns:a="http://schemas.openxmlformats.org/drawingml/2006/main" xmlns:r="http://schemas.openxmlformats.org/officeDocument/2006/relationships" xmlns:p="http://schemas.openxmlformats.org/presentationml/2006/main" show="0">
+  <p:cSld>
+    <p:spTree>
+      <p:nvGrpSpPr>
+        <p:cNvPr id="1" name=""/>
+        <p:cNvGrpSpPr/>
+        <p:nvPr/>
+      </p:nvGrpSpPr>
+      <p:grpSpPr>
+        <a:xfrm>
+          <a:off x="0" y="0"/>
+          <a:ext cx="0" cy="0"/>
+          <a:chOff x="0" y="0"/>
+          <a:chExt cx="0" cy="0"/>
+        </a:xfrm>
+      </p:grpSpPr>
+      <p:sp>
+        <p:nvSpPr>
+          <p:cNvPr id="2" name="Title 1">
+            <a:extLst>
+              <a:ext uri="{FF2B5EF4-FFF2-40B4-BE49-F238E27FC236}">
+                <a16:creationId xmlns:a16="http://schemas.microsoft.com/office/drawing/2014/main" id="{575301D9-40F1-2CA2-D120-12BD23B2401C}"/>
+              </a:ext>
+            </a:extLst>
+          </p:cNvPr>
+          <p:cNvSpPr>
+            <a:spLocks noGrp="1"/>
+          </p:cNvSpPr>
+          <p:nvPr>
+            <p:ph type="title"/>
+          </p:nvPr>
+        </p:nvSpPr>
+        <p:spPr>
+          <a:xfrm>
+            <a:off x="838200" y="365125"/>
+            <a:ext cx="10515600" cy="1325563"/>
+          </a:xfrm>
+        </p:spPr>
+        <p:txBody>
+          <a:bodyPr/>
+          <a:lstStyle/>
+          <a:p>
+            <a:r>
+              <a:rPr lang="en-US" dirty="0"/>
+              <a:t>Miss-Classification Loss (or)</a:t>
+            </a:r>
+            <a:br>
+              <a:rPr lang="en-US" dirty="0"/>
+            </a:br>
+            <a:r>
+              <a:rPr lang="en-US" dirty="0"/>
+              <a:t>Classification Error Rate – Insensitive Example</a:t>
+            </a:r>
+          </a:p>
+        </p:txBody>
+      </p:sp>
+      <p:sp>
+        <p:nvSpPr>
+          <p:cNvPr id="5" name="Oval 4">
+            <a:extLst>
+              <a:ext uri="{FF2B5EF4-FFF2-40B4-BE49-F238E27FC236}">
+                <a16:creationId xmlns:a16="http://schemas.microsoft.com/office/drawing/2014/main" id="{58AD500D-7ADE-44AB-6400-7817F7E7BC2E}"/>
+              </a:ext>
+            </a:extLst>
+          </p:cNvPr>
+          <p:cNvSpPr/>
+          <p:nvPr/>
+        </p:nvSpPr>
+        <p:spPr>
+          <a:xfrm>
+            <a:off x="8982047" y="2066605"/>
+            <a:ext cx="1580422" cy="1462628"/>
+          </a:xfrm>
+          <a:prstGeom prst="ellipse">
+            <a:avLst/>
+          </a:prstGeom>
+        </p:spPr>
+        <p:style>
+          <a:lnRef idx="2">
+            <a:schemeClr val="accent1">
+              <a:shade val="15000"/>
+            </a:schemeClr>
+          </a:lnRef>
+          <a:fillRef idx="1">
+            <a:schemeClr val="accent1"/>
+          </a:fillRef>
+          <a:effectRef idx="0">
+            <a:schemeClr val="accent1"/>
+          </a:effectRef>
+          <a:fontRef idx="minor">
+            <a:schemeClr val="lt1"/>
+          </a:fontRef>
+        </p:style>
+        <p:txBody>
+          <a:bodyPr rtlCol="0" anchor="ctr"/>
+          <a:lstStyle/>
+          <a:p>
+            <a:pPr algn="ctr"/>
+            <a:r>
+              <a:rPr lang="en-US" dirty="0"/>
+              <a:t>Parent</a:t>
+            </a:r>
+          </a:p>
+          <a:p>
+            <a:pPr algn="ctr"/>
+            <a:r>
+              <a:rPr lang="en-US" dirty="0"/>
+              <a:t>N </a:t>
+            </a:r>
+          </a:p>
+          <a:p>
+            <a:pPr algn="ctr"/>
+            <a:r>
+              <a:rPr lang="en-US" dirty="0"/>
+              <a:t>Items</a:t>
+            </a:r>
+          </a:p>
+        </p:txBody>
+      </p:sp>
+      <p:cxnSp>
+        <p:nvCxnSpPr>
+          <p:cNvPr id="6" name="Straight Arrow Connector 5">
+            <a:extLst>
+              <a:ext uri="{FF2B5EF4-FFF2-40B4-BE49-F238E27FC236}">
+                <a16:creationId xmlns:a16="http://schemas.microsoft.com/office/drawing/2014/main" id="{FDF73690-89F7-2612-1177-CC19E87461AC}"/>
+              </a:ext>
+            </a:extLst>
+          </p:cNvPr>
+          <p:cNvCxnSpPr>
+            <a:cxnSpLocks/>
+            <a:stCxn id="5" idx="4"/>
+          </p:cNvCxnSpPr>
+          <p:nvPr/>
+        </p:nvCxnSpPr>
+        <p:spPr>
+          <a:xfrm flipH="1">
+            <a:off x="8871639" y="3529233"/>
+            <a:ext cx="900619" cy="772435"/>
+          </a:xfrm>
+          <a:prstGeom prst="straightConnector1">
+            <a:avLst/>
+          </a:prstGeom>
+          <a:ln>
+            <a:tailEnd type="triangle"/>
+          </a:ln>
+        </p:spPr>
+        <p:style>
+          <a:lnRef idx="1">
+            <a:schemeClr val="accent1"/>
+          </a:lnRef>
+          <a:fillRef idx="0">
+            <a:schemeClr val="accent1"/>
+          </a:fillRef>
+          <a:effectRef idx="0">
+            <a:schemeClr val="accent1"/>
+          </a:effectRef>
+          <a:fontRef idx="minor">
+            <a:schemeClr val="tx1"/>
+          </a:fontRef>
+        </p:style>
+      </p:cxnSp>
+      <p:cxnSp>
+        <p:nvCxnSpPr>
+          <p:cNvPr id="7" name="Straight Arrow Connector 6">
+            <a:extLst>
+              <a:ext uri="{FF2B5EF4-FFF2-40B4-BE49-F238E27FC236}">
+                <a16:creationId xmlns:a16="http://schemas.microsoft.com/office/drawing/2014/main" id="{AEF229AC-DD6A-D949-7F0E-167D374B1825}"/>
+              </a:ext>
+            </a:extLst>
+          </p:cNvPr>
+          <p:cNvCxnSpPr>
+            <a:cxnSpLocks/>
+            <a:stCxn id="5" idx="4"/>
+          </p:cNvCxnSpPr>
+          <p:nvPr/>
+        </p:nvCxnSpPr>
+        <p:spPr>
+          <a:xfrm>
+            <a:off x="9772258" y="3529233"/>
+            <a:ext cx="819116" cy="772435"/>
+          </a:xfrm>
+          <a:prstGeom prst="straightConnector1">
+            <a:avLst/>
+          </a:prstGeom>
+          <a:ln>
+            <a:tailEnd type="triangle"/>
+          </a:ln>
+        </p:spPr>
+        <p:style>
+          <a:lnRef idx="1">
+            <a:schemeClr val="accent1"/>
+          </a:lnRef>
+          <a:fillRef idx="0">
+            <a:schemeClr val="accent1"/>
+          </a:fillRef>
+          <a:effectRef idx="0">
+            <a:schemeClr val="accent1"/>
+          </a:effectRef>
+          <a:fontRef idx="minor">
+            <a:schemeClr val="tx1"/>
+          </a:fontRef>
+        </p:style>
+      </p:cxnSp>
+      <mc:AlternateContent xmlns:mc="http://schemas.openxmlformats.org/markup-compatibility/2006">
+        <mc:Choice xmlns:a14="http://schemas.microsoft.com/office/drawing/2010/main" Requires="a14">
+          <p:sp>
+            <p:nvSpPr>
+              <p:cNvPr id="8" name="TextBox 7">
+                <a:extLst>
+                  <a:ext uri="{FF2B5EF4-FFF2-40B4-BE49-F238E27FC236}">
+                    <a16:creationId xmlns:a16="http://schemas.microsoft.com/office/drawing/2014/main" id="{B4F67B17-B100-CD78-D5C3-E02837017CFA}"/>
+                  </a:ext>
+                </a:extLst>
+              </p:cNvPr>
+              <p:cNvSpPr txBox="1"/>
+              <p:nvPr/>
+            </p:nvSpPr>
+            <p:spPr>
+              <a:xfrm>
+                <a:off x="8081429" y="3634114"/>
+                <a:ext cx="1134028" cy="369332"/>
+              </a:xfrm>
+              <a:prstGeom prst="rect">
+                <a:avLst/>
+              </a:prstGeom>
+              <a:noFill/>
+            </p:spPr>
+            <p:txBody>
+              <a:bodyPr wrap="none" rtlCol="0">
+                <a:spAutoFit/>
+              </a:bodyPr>
+              <a:lstStyle/>
+              <a:p>
+                <a:r>
+                  <a:rPr lang="en-US" dirty="0"/>
+                  <a:t>Fraction </a:t>
+                </a:r>
+                <a14:m>
+                  <m:oMath xmlns:m="http://schemas.openxmlformats.org/officeDocument/2006/math">
+                    <m:r>
+                      <a:rPr lang="en-US" i="1" dirty="0" smtClean="0">
+                        <a:latin typeface="Cambria Math" panose="02040503050406030204" pitchFamily="18" charset="0"/>
+                      </a:rPr>
+                      <m:t>𝑓</m:t>
+                    </m:r>
+                  </m:oMath>
+                </a14:m>
+                <a:endParaRPr lang="en-US" dirty="0"/>
+              </a:p>
+            </p:txBody>
+          </p:sp>
+        </mc:Choice>
+        <mc:Fallback>
+          <p:sp>
+            <p:nvSpPr>
+              <p:cNvPr id="8" name="TextBox 7">
+                <a:extLst>
+                  <a:ext uri="{FF2B5EF4-FFF2-40B4-BE49-F238E27FC236}">
+                    <a16:creationId xmlns:a16="http://schemas.microsoft.com/office/drawing/2014/main" id="{B4F67B17-B100-CD78-D5C3-E02837017CFA}"/>
+                  </a:ext>
+                </a:extLst>
+              </p:cNvPr>
+              <p:cNvSpPr txBox="1">
+                <a:spLocks noRot="1" noChangeAspect="1" noMove="1" noResize="1" noEditPoints="1" noAdjustHandles="1" noChangeArrowheads="1" noChangeShapeType="1" noTextEdit="1"/>
+              </p:cNvSpPr>
+              <p:nvPr/>
+            </p:nvSpPr>
+            <p:spPr>
+              <a:xfrm>
+                <a:off x="8081429" y="3634114"/>
+                <a:ext cx="1134028" cy="369332"/>
+              </a:xfrm>
+              <a:prstGeom prst="rect">
+                <a:avLst/>
+              </a:prstGeom>
+              <a:blipFill>
+                <a:blip r:embed="rId2"/>
+                <a:stretch>
+                  <a:fillRect l="-4839" t="-8197" r="-538" b="-24590"/>
+                </a:stretch>
+              </a:blipFill>
+            </p:spPr>
+            <p:txBody>
+              <a:bodyPr/>
+              <a:lstStyle/>
+              <a:p>
+                <a:r>
+                  <a:rPr lang="en-US">
+                    <a:noFill/>
+                  </a:rPr>
+                  <a:t> </a:t>
+                </a:r>
+              </a:p>
+            </p:txBody>
+          </p:sp>
+        </mc:Fallback>
+      </mc:AlternateContent>
+      <mc:AlternateContent xmlns:mc="http://schemas.openxmlformats.org/markup-compatibility/2006">
+        <mc:Choice xmlns:a14="http://schemas.microsoft.com/office/drawing/2010/main" Requires="a14">
+          <p:sp>
+            <p:nvSpPr>
+              <p:cNvPr id="9" name="TextBox 8">
+                <a:extLst>
+                  <a:ext uri="{FF2B5EF4-FFF2-40B4-BE49-F238E27FC236}">
+                    <a16:creationId xmlns:a16="http://schemas.microsoft.com/office/drawing/2014/main" id="{36E1CF08-9851-39E9-03DA-0879DFF2C379}"/>
+                  </a:ext>
+                </a:extLst>
+              </p:cNvPr>
+              <p:cNvSpPr txBox="1"/>
+              <p:nvPr/>
+            </p:nvSpPr>
+            <p:spPr>
+              <a:xfrm>
+                <a:off x="10349742" y="3421917"/>
+                <a:ext cx="2008114" cy="646331"/>
+              </a:xfrm>
+              <a:prstGeom prst="rect">
+                <a:avLst/>
+              </a:prstGeom>
+              <a:noFill/>
+            </p:spPr>
+            <p:txBody>
+              <a:bodyPr wrap="none" rtlCol="0">
+                <a:spAutoFit/>
+              </a:bodyPr>
+              <a:lstStyle/>
+              <a:p>
+                <a:r>
+                  <a:rPr lang="en-US" dirty="0"/>
+                  <a:t>Remaining fraction </a:t>
+                </a:r>
+              </a:p>
+              <a:p>
+                <a14:m>
+                  <m:oMathPara xmlns:m="http://schemas.openxmlformats.org/officeDocument/2006/math">
+                    <m:oMathParaPr>
+                      <m:jc m:val="centerGroup"/>
+                    </m:oMathParaPr>
+                    <m:oMath xmlns:m="http://schemas.openxmlformats.org/officeDocument/2006/math">
+                      <m:r>
+                        <a:rPr lang="en-US" i="1" dirty="0" smtClean="0">
+                          <a:latin typeface="Cambria Math" panose="02040503050406030204" pitchFamily="18" charset="0"/>
+                        </a:rPr>
+                        <m:t>1−</m:t>
+                      </m:r>
+                      <m:r>
+                        <a:rPr lang="en-US" i="1" dirty="0" smtClean="0">
+                          <a:latin typeface="Cambria Math" panose="02040503050406030204" pitchFamily="18" charset="0"/>
+                        </a:rPr>
+                        <m:t>𝑓</m:t>
+                      </m:r>
+                    </m:oMath>
+                  </m:oMathPara>
+                </a14:m>
+                <a:endParaRPr lang="en-US" dirty="0"/>
+              </a:p>
+            </p:txBody>
+          </p:sp>
+        </mc:Choice>
+        <mc:Fallback>
+          <p:sp>
+            <p:nvSpPr>
+              <p:cNvPr id="9" name="TextBox 8">
+                <a:extLst>
+                  <a:ext uri="{FF2B5EF4-FFF2-40B4-BE49-F238E27FC236}">
+                    <a16:creationId xmlns:a16="http://schemas.microsoft.com/office/drawing/2014/main" id="{36E1CF08-9851-39E9-03DA-0879DFF2C379}"/>
+                  </a:ext>
+                </a:extLst>
+              </p:cNvPr>
+              <p:cNvSpPr txBox="1">
+                <a:spLocks noRot="1" noChangeAspect="1" noMove="1" noResize="1" noEditPoints="1" noAdjustHandles="1" noChangeArrowheads="1" noChangeShapeType="1" noTextEdit="1"/>
+              </p:cNvSpPr>
+              <p:nvPr/>
+            </p:nvSpPr>
+            <p:spPr>
+              <a:xfrm>
+                <a:off x="10349742" y="3421917"/>
+                <a:ext cx="2008114" cy="646331"/>
+              </a:xfrm>
+              <a:prstGeom prst="rect">
+                <a:avLst/>
+              </a:prstGeom>
+              <a:blipFill>
+                <a:blip r:embed="rId3"/>
+                <a:stretch>
+                  <a:fillRect l="-2736" t="-4717" r="-1520" b="-7547"/>
+                </a:stretch>
+              </a:blipFill>
+            </p:spPr>
+            <p:txBody>
+              <a:bodyPr/>
+              <a:lstStyle/>
+              <a:p>
+                <a:r>
+                  <a:rPr lang="en-US">
+                    <a:noFill/>
+                  </a:rPr>
+                  <a:t> </a:t>
+                </a:r>
+              </a:p>
+            </p:txBody>
+          </p:sp>
+        </mc:Fallback>
+      </mc:AlternateContent>
+      <mc:AlternateContent xmlns:mc="http://schemas.openxmlformats.org/markup-compatibility/2006">
+        <mc:Choice xmlns:a14="http://schemas.microsoft.com/office/drawing/2010/main" Requires="a14">
+          <p:sp>
+            <p:nvSpPr>
+              <p:cNvPr id="10" name="Oval 9">
+                <a:extLst>
+                  <a:ext uri="{FF2B5EF4-FFF2-40B4-BE49-F238E27FC236}">
+                    <a16:creationId xmlns:a16="http://schemas.microsoft.com/office/drawing/2014/main" id="{90DA7A2A-B794-43C8-E640-5C7D170566B1}"/>
+                  </a:ext>
+                </a:extLst>
+              </p:cNvPr>
+              <p:cNvSpPr/>
+              <p:nvPr/>
+            </p:nvSpPr>
+            <p:spPr>
+              <a:xfrm>
+                <a:off x="9801162" y="4190082"/>
+                <a:ext cx="1580422" cy="1462628"/>
+              </a:xfrm>
+              <a:prstGeom prst="ellipse">
+                <a:avLst/>
+              </a:prstGeom>
+            </p:spPr>
+            <p:style>
+              <a:lnRef idx="2">
+                <a:schemeClr val="accent1">
+                  <a:shade val="15000"/>
+                </a:schemeClr>
+              </a:lnRef>
+              <a:fillRef idx="1">
+                <a:schemeClr val="accent1"/>
+              </a:fillRef>
+              <a:effectRef idx="0">
+                <a:schemeClr val="accent1"/>
+              </a:effectRef>
+              <a:fontRef idx="minor">
+                <a:schemeClr val="lt1"/>
+              </a:fontRef>
+            </p:style>
+            <p:txBody>
+              <a:bodyPr rtlCol="0" anchor="ctr"/>
+              <a:lstStyle/>
+              <a:p>
+                <a:pPr algn="ctr"/>
+                <a:r>
+                  <a:rPr lang="en-US" dirty="0"/>
+                  <a:t>Right</a:t>
+                </a:r>
+              </a:p>
+              <a:p>
+                <a:pPr algn="ctr"/>
+                <a14:m>
+                  <m:oMathPara xmlns:m="http://schemas.openxmlformats.org/officeDocument/2006/math">
+                    <m:oMathParaPr>
+                      <m:jc m:val="centerGroup"/>
+                    </m:oMathParaPr>
+                    <m:oMath xmlns:m="http://schemas.openxmlformats.org/officeDocument/2006/math">
+                      <m:d>
+                        <m:dPr>
+                          <m:ctrlPr>
+                            <a:rPr lang="en-US" b="0" i="1" smtClean="0">
+                              <a:latin typeface="Cambria Math" panose="02040503050406030204" pitchFamily="18" charset="0"/>
+                            </a:rPr>
+                          </m:ctrlPr>
+                        </m:dPr>
+                        <m:e>
+                          <m:r>
+                            <a:rPr lang="en-US" b="0" i="1" smtClean="0">
+                              <a:latin typeface="Cambria Math" panose="02040503050406030204" pitchFamily="18" charset="0"/>
+                            </a:rPr>
+                            <m:t>1−</m:t>
+                          </m:r>
+                          <m:r>
+                            <a:rPr lang="en-US" b="0" i="1" smtClean="0">
+                              <a:latin typeface="Cambria Math" panose="02040503050406030204" pitchFamily="18" charset="0"/>
+                            </a:rPr>
+                            <m:t>𝑓</m:t>
+                          </m:r>
+                        </m:e>
+                      </m:d>
+                      <m:r>
+                        <a:rPr lang="en-US" b="0" i="1" smtClean="0">
+                          <a:latin typeface="Cambria Math" panose="02040503050406030204" pitchFamily="18" charset="0"/>
+                        </a:rPr>
+                        <m:t>𝑁</m:t>
+                      </m:r>
+                    </m:oMath>
+                  </m:oMathPara>
+                </a14:m>
+                <a:endParaRPr lang="en-US" dirty="0"/>
+              </a:p>
+              <a:p>
+                <a:pPr algn="ctr"/>
+                <a:r>
+                  <a:rPr lang="en-US" dirty="0"/>
+                  <a:t>Items</a:t>
+                </a:r>
+              </a:p>
+            </p:txBody>
+          </p:sp>
+        </mc:Choice>
+        <mc:Fallback>
+          <p:sp>
+            <p:nvSpPr>
+              <p:cNvPr id="10" name="Oval 9">
+                <a:extLst>
+                  <a:ext uri="{FF2B5EF4-FFF2-40B4-BE49-F238E27FC236}">
+                    <a16:creationId xmlns:a16="http://schemas.microsoft.com/office/drawing/2014/main" id="{90DA7A2A-B794-43C8-E640-5C7D170566B1}"/>
+                  </a:ext>
+                </a:extLst>
+              </p:cNvPr>
+              <p:cNvSpPr>
+                <a:spLocks noRot="1" noChangeAspect="1" noMove="1" noResize="1" noEditPoints="1" noAdjustHandles="1" noChangeArrowheads="1" noChangeShapeType="1" noTextEdit="1"/>
+              </p:cNvSpPr>
+              <p:nvPr/>
+            </p:nvSpPr>
+            <p:spPr>
+              <a:xfrm>
+                <a:off x="9801162" y="4190082"/>
+                <a:ext cx="1580422" cy="1462628"/>
+              </a:xfrm>
+              <a:prstGeom prst="ellipse">
+                <a:avLst/>
+              </a:prstGeom>
+              <a:blipFill>
+                <a:blip r:embed="rId4"/>
+                <a:stretch>
+                  <a:fillRect/>
+                </a:stretch>
+              </a:blipFill>
+            </p:spPr>
+            <p:txBody>
+              <a:bodyPr/>
+              <a:lstStyle/>
+              <a:p>
+                <a:r>
+                  <a:rPr lang="en-US">
+                    <a:noFill/>
+                  </a:rPr>
+                  <a:t> </a:t>
+                </a:r>
+              </a:p>
+            </p:txBody>
+          </p:sp>
+        </mc:Fallback>
+      </mc:AlternateContent>
+      <mc:AlternateContent xmlns:mc="http://schemas.openxmlformats.org/markup-compatibility/2006">
+        <mc:Choice xmlns:a14="http://schemas.microsoft.com/office/drawing/2010/main" Requires="a14">
+          <p:sp>
+            <p:nvSpPr>
+              <p:cNvPr id="15" name="Oval 14">
+                <a:extLst>
+                  <a:ext uri="{FF2B5EF4-FFF2-40B4-BE49-F238E27FC236}">
+                    <a16:creationId xmlns:a16="http://schemas.microsoft.com/office/drawing/2014/main" id="{42E68932-4231-7720-921F-79D709C06F46}"/>
+                  </a:ext>
+                </a:extLst>
+              </p:cNvPr>
+              <p:cNvSpPr/>
+              <p:nvPr/>
+            </p:nvSpPr>
+            <p:spPr>
+              <a:xfrm>
+                <a:off x="8081428" y="4177559"/>
+                <a:ext cx="1580422" cy="1462628"/>
+              </a:xfrm>
+              <a:prstGeom prst="ellipse">
+                <a:avLst/>
+              </a:prstGeom>
+              <a:solidFill>
+                <a:srgbClr val="4472C4"/>
+              </a:solidFill>
+            </p:spPr>
+            <p:style>
+              <a:lnRef idx="2">
+                <a:schemeClr val="accent1">
+                  <a:shade val="15000"/>
+                </a:schemeClr>
+              </a:lnRef>
+              <a:fillRef idx="1">
+                <a:schemeClr val="accent1"/>
+              </a:fillRef>
+              <a:effectRef idx="0">
+                <a:schemeClr val="accent1"/>
+              </a:effectRef>
+              <a:fontRef idx="minor">
+                <a:schemeClr val="lt1"/>
+              </a:fontRef>
+            </p:style>
+            <p:txBody>
+              <a:bodyPr rtlCol="0" anchor="ctr"/>
+              <a:lstStyle/>
+              <a:p>
+                <a:pPr algn="ctr"/>
+                <a:r>
+                  <a:rPr lang="en-US" dirty="0"/>
+                  <a:t>Left</a:t>
+                </a:r>
+              </a:p>
+              <a:p>
+                <a:pPr algn="ctr"/>
+                <a14:m>
+                  <m:oMathPara xmlns:m="http://schemas.openxmlformats.org/officeDocument/2006/math">
+                    <m:oMathParaPr>
+                      <m:jc m:val="centerGroup"/>
+                    </m:oMathParaPr>
+                    <m:oMath xmlns:m="http://schemas.openxmlformats.org/officeDocument/2006/math">
+                      <m:r>
+                        <a:rPr lang="en-US" b="0" i="1" smtClean="0">
+                          <a:latin typeface="Cambria Math" panose="02040503050406030204" pitchFamily="18" charset="0"/>
+                        </a:rPr>
+                        <m:t>𝑓𝑁</m:t>
+                      </m:r>
+                    </m:oMath>
+                  </m:oMathPara>
+                </a14:m>
+                <a:endParaRPr lang="en-US" dirty="0"/>
+              </a:p>
+              <a:p>
+                <a:pPr algn="ctr"/>
+                <a:r>
+                  <a:rPr lang="en-US" dirty="0"/>
+                  <a:t>Items</a:t>
+                </a:r>
+              </a:p>
+            </p:txBody>
+          </p:sp>
+        </mc:Choice>
+        <mc:Fallback>
+          <p:sp>
+            <p:nvSpPr>
+              <p:cNvPr id="15" name="Oval 14">
+                <a:extLst>
+                  <a:ext uri="{FF2B5EF4-FFF2-40B4-BE49-F238E27FC236}">
+                    <a16:creationId xmlns:a16="http://schemas.microsoft.com/office/drawing/2014/main" id="{42E68932-4231-7720-921F-79D709C06F46}"/>
+                  </a:ext>
+                </a:extLst>
+              </p:cNvPr>
+              <p:cNvSpPr>
+                <a:spLocks noRot="1" noChangeAspect="1" noMove="1" noResize="1" noEditPoints="1" noAdjustHandles="1" noChangeArrowheads="1" noChangeShapeType="1" noTextEdit="1"/>
+              </p:cNvSpPr>
+              <p:nvPr/>
+            </p:nvSpPr>
+            <p:spPr>
+              <a:xfrm>
+                <a:off x="8081428" y="4177559"/>
+                <a:ext cx="1580422" cy="1462628"/>
+              </a:xfrm>
+              <a:prstGeom prst="ellipse">
+                <a:avLst/>
+              </a:prstGeom>
+              <a:blipFill>
+                <a:blip r:embed="rId5"/>
+                <a:stretch>
+                  <a:fillRect/>
+                </a:stretch>
+              </a:blipFill>
+            </p:spPr>
+            <p:txBody>
+              <a:bodyPr/>
+              <a:lstStyle/>
+              <a:p>
+                <a:r>
+                  <a:rPr lang="en-US">
+                    <a:noFill/>
+                  </a:rPr>
+                  <a:t> </a:t>
+                </a:r>
+              </a:p>
+            </p:txBody>
+          </p:sp>
+        </mc:Fallback>
+      </mc:AlternateContent>
+      <p:sp>
+        <p:nvSpPr>
+          <p:cNvPr id="18" name="TextBox 17">
+            <a:extLst>
+              <a:ext uri="{FF2B5EF4-FFF2-40B4-BE49-F238E27FC236}">
+                <a16:creationId xmlns:a16="http://schemas.microsoft.com/office/drawing/2014/main" id="{B1135A72-D1DE-DBF5-1F35-907CB217DAD5}"/>
+              </a:ext>
+            </a:extLst>
+          </p:cNvPr>
+          <p:cNvSpPr txBox="1"/>
+          <p:nvPr/>
+        </p:nvSpPr>
+        <p:spPr>
+          <a:xfrm>
+            <a:off x="9224732" y="1675087"/>
+            <a:ext cx="1152859" cy="358828"/>
+          </a:xfrm>
+          <a:prstGeom prst="rect">
+            <a:avLst/>
+          </a:prstGeom>
+          <a:noFill/>
+        </p:spPr>
+        <p:txBody>
+          <a:bodyPr wrap="none" rtlCol="0">
+            <a:spAutoFit/>
+          </a:bodyPr>
+          <a:lstStyle/>
+          <a:p>
+            <a:r>
+              <a:rPr lang="en-US" dirty="0"/>
+              <a:t>Root Node</a:t>
+            </a:r>
+          </a:p>
+        </p:txBody>
+      </p:sp>
+      <mc:AlternateContent xmlns:mc="http://schemas.openxmlformats.org/markup-compatibility/2006">
+        <mc:Choice xmlns:a14="http://schemas.microsoft.com/office/drawing/2010/main" Requires="a14">
+          <p:sp>
+            <p:nvSpPr>
+              <p:cNvPr id="28" name="TextBox 27">
+                <a:extLst>
+                  <a:ext uri="{FF2B5EF4-FFF2-40B4-BE49-F238E27FC236}">
+                    <a16:creationId xmlns:a16="http://schemas.microsoft.com/office/drawing/2014/main" id="{FAE898F9-4226-AD7E-7636-985731F0B5EE}"/>
+                  </a:ext>
+                </a:extLst>
+              </p:cNvPr>
+              <p:cNvSpPr txBox="1"/>
+              <p:nvPr/>
+            </p:nvSpPr>
+            <p:spPr>
+              <a:xfrm>
+                <a:off x="6068699" y="2481355"/>
+                <a:ext cx="3200171" cy="624210"/>
+              </a:xfrm>
+              <a:prstGeom prst="rect">
+                <a:avLst/>
+              </a:prstGeom>
+              <a:noFill/>
+            </p:spPr>
+            <p:txBody>
+              <a:bodyPr wrap="none" rtlCol="0">
+                <a:spAutoFit/>
+              </a:bodyPr>
+              <a:lstStyle/>
+              <a:p>
+                <a:pPr/>
+                <a14:m>
+                  <m:oMathPara xmlns:m="http://schemas.openxmlformats.org/officeDocument/2006/math">
+                    <m:oMathParaPr>
+                      <m:jc m:val="left"/>
+                    </m:oMathParaPr>
+                    <m:oMath xmlns:m="http://schemas.openxmlformats.org/officeDocument/2006/math">
+                      <m:r>
+                        <a:rPr lang="en-US" i="1" dirty="0" smtClean="0">
+                          <a:latin typeface="Cambria Math" panose="02040503050406030204" pitchFamily="18" charset="0"/>
+                        </a:rPr>
+                        <m:t>𝑀𝐶</m:t>
+                      </m:r>
+                      <m:sSub>
+                        <m:sSubPr>
+                          <m:ctrlPr>
+                            <a:rPr lang="en-US" b="0" i="1" dirty="0" smtClean="0">
+                              <a:latin typeface="Cambria Math" panose="02040503050406030204" pitchFamily="18" charset="0"/>
+                            </a:rPr>
+                          </m:ctrlPr>
+                        </m:sSubPr>
+                        <m:e>
+                          <m:r>
+                            <a:rPr lang="en-US" i="1" dirty="0" smtClean="0">
+                              <a:latin typeface="Cambria Math" panose="02040503050406030204" pitchFamily="18" charset="0"/>
+                            </a:rPr>
+                            <m:t>𝐿</m:t>
+                          </m:r>
+                        </m:e>
+                        <m:sub>
+                          <m:r>
+                            <a:rPr lang="en-US" b="0" i="1" dirty="0" smtClean="0">
+                              <a:latin typeface="Cambria Math" panose="02040503050406030204" pitchFamily="18" charset="0"/>
+                            </a:rPr>
+                            <m:t>𝑝</m:t>
+                          </m:r>
+                        </m:sub>
+                      </m:sSub>
+                      <m:r>
+                        <a:rPr lang="en-US" i="1" dirty="0" smtClean="0">
+                          <a:latin typeface="Cambria Math" panose="02040503050406030204" pitchFamily="18" charset="0"/>
+                        </a:rPr>
+                        <m:t> = </m:t>
+                      </m:r>
+                      <m:d>
+                        <m:dPr>
+                          <m:begChr m:val="{"/>
+                          <m:endChr m:val=""/>
+                          <m:ctrlPr>
+                            <a:rPr lang="en-US" i="1" smtClean="0">
+                              <a:latin typeface="Cambria Math" panose="02040503050406030204" pitchFamily="18" charset="0"/>
+                            </a:rPr>
+                          </m:ctrlPr>
+                        </m:dPr>
+                        <m:e>
+                          <m:eqArr>
+                            <m:eqArrPr>
+                              <m:ctrlPr>
+                                <a:rPr lang="en-US" b="0" i="1" smtClean="0">
+                                  <a:latin typeface="Cambria Math" panose="02040503050406030204" pitchFamily="18" charset="0"/>
+                                </a:rPr>
+                              </m:ctrlPr>
+                            </m:eqArrPr>
+                            <m:e>
+                              <m:r>
+                                <a:rPr lang="en-US" i="1">
+                                  <a:latin typeface="Cambria Math" panose="02040503050406030204" pitchFamily="18" charset="0"/>
+                                </a:rPr>
+                                <m:t>𝑝</m:t>
+                              </m:r>
+                              <m:r>
+                                <a:rPr lang="en-US" b="0" i="1" smtClean="0">
+                                  <a:latin typeface="Cambria Math" panose="02040503050406030204" pitchFamily="18" charset="0"/>
+                                </a:rPr>
+                                <m:t> </m:t>
+                              </m:r>
+                              <m:r>
+                                <a:rPr lang="en-US" b="0" i="1" smtClean="0">
+                                  <a:latin typeface="Cambria Math" panose="02040503050406030204" pitchFamily="18" charset="0"/>
+                                </a:rPr>
+                                <m:t>𝑓𝑜𝑟</m:t>
+                              </m:r>
+                              <m:r>
+                                <a:rPr lang="en-US" b="0" i="1" smtClean="0">
+                                  <a:latin typeface="Cambria Math" panose="02040503050406030204" pitchFamily="18" charset="0"/>
+                                </a:rPr>
+                                <m:t> </m:t>
+                              </m:r>
+                              <m:r>
+                                <a:rPr lang="en-US" i="1">
+                                  <a:latin typeface="Cambria Math" panose="02040503050406030204" pitchFamily="18" charset="0"/>
+                                </a:rPr>
+                                <m:t>𝑝</m:t>
+                              </m:r>
+                              <m:r>
+                                <a:rPr lang="en-US" i="1">
+                                  <a:latin typeface="Cambria Math" panose="02040503050406030204" pitchFamily="18" charset="0"/>
+                                </a:rPr>
+                                <m:t>≤0.5</m:t>
+                              </m:r>
+                            </m:e>
+                            <m:e>
+                              <m:r>
+                                <a:rPr lang="en-US" b="0" i="1" smtClean="0">
+                                  <a:latin typeface="Cambria Math" panose="02040503050406030204" pitchFamily="18" charset="0"/>
+                                </a:rPr>
+                                <m:t>1−</m:t>
+                              </m:r>
+                              <m:r>
+                                <a:rPr lang="en-US" b="0" i="1" smtClean="0">
+                                  <a:latin typeface="Cambria Math" panose="02040503050406030204" pitchFamily="18" charset="0"/>
+                                </a:rPr>
+                                <m:t>𝑝</m:t>
+                              </m:r>
+                              <m:r>
+                                <a:rPr lang="en-US" b="0" i="1" smtClean="0">
+                                  <a:latin typeface="Cambria Math" panose="02040503050406030204" pitchFamily="18" charset="0"/>
+                                </a:rPr>
+                                <m:t> </m:t>
+                              </m:r>
+                              <m:r>
+                                <a:rPr lang="en-US" b="0" i="1" smtClean="0">
+                                  <a:latin typeface="Cambria Math" panose="02040503050406030204" pitchFamily="18" charset="0"/>
+                                </a:rPr>
+                                <m:t>𝑓𝑜𝑟</m:t>
+                              </m:r>
+                              <m:r>
+                                <a:rPr lang="en-US" b="0" i="1" smtClean="0">
+                                  <a:latin typeface="Cambria Math" panose="02040503050406030204" pitchFamily="18" charset="0"/>
+                                </a:rPr>
+                                <m:t> </m:t>
+                              </m:r>
+                              <m:r>
+                                <a:rPr lang="en-US" b="0" i="1" smtClean="0">
+                                  <a:latin typeface="Cambria Math" panose="02040503050406030204" pitchFamily="18" charset="0"/>
+                                </a:rPr>
+                                <m:t>𝑝</m:t>
+                              </m:r>
+                              <m:r>
+                                <a:rPr lang="en-US" b="0" i="1" smtClean="0">
+                                  <a:latin typeface="Cambria Math" panose="02040503050406030204" pitchFamily="18" charset="0"/>
+                                </a:rPr>
+                                <m:t>&gt;0.5</m:t>
+                              </m:r>
+                            </m:e>
+                          </m:eqArr>
+                          <m:r>
+                            <a:rPr lang="en-US" b="0" i="1" smtClean="0">
+                              <a:latin typeface="Cambria Math" panose="02040503050406030204" pitchFamily="18" charset="0"/>
+                            </a:rPr>
+                            <m:t> </m:t>
+                          </m:r>
+                        </m:e>
+                      </m:d>
+                    </m:oMath>
+                  </m:oMathPara>
+                </a14:m>
+                <a:endParaRPr lang="en-US" b="0" dirty="0"/>
+              </a:p>
+            </p:txBody>
+          </p:sp>
+        </mc:Choice>
+        <mc:Fallback>
+          <p:sp>
+            <p:nvSpPr>
+              <p:cNvPr id="28" name="TextBox 27">
+                <a:extLst>
+                  <a:ext uri="{FF2B5EF4-FFF2-40B4-BE49-F238E27FC236}">
+                    <a16:creationId xmlns:a16="http://schemas.microsoft.com/office/drawing/2014/main" id="{FAE898F9-4226-AD7E-7636-985731F0B5EE}"/>
+                  </a:ext>
+                </a:extLst>
+              </p:cNvPr>
+              <p:cNvSpPr txBox="1">
+                <a:spLocks noRot="1" noChangeAspect="1" noMove="1" noResize="1" noEditPoints="1" noAdjustHandles="1" noChangeArrowheads="1" noChangeShapeType="1" noTextEdit="1"/>
+              </p:cNvSpPr>
+              <p:nvPr/>
+            </p:nvSpPr>
+            <p:spPr>
+              <a:xfrm>
+                <a:off x="6068699" y="2481355"/>
+                <a:ext cx="3200171" cy="624210"/>
+              </a:xfrm>
+              <a:prstGeom prst="rect">
+                <a:avLst/>
+              </a:prstGeom>
+              <a:blipFill>
+                <a:blip r:embed="rId6"/>
+                <a:stretch>
+                  <a:fillRect/>
+                </a:stretch>
+              </a:blipFill>
+            </p:spPr>
+            <p:txBody>
+              <a:bodyPr/>
+              <a:lstStyle/>
+              <a:p>
+                <a:r>
+                  <a:rPr lang="en-US">
+                    <a:noFill/>
+                  </a:rPr>
+                  <a:t> </a:t>
+                </a:r>
+              </a:p>
+            </p:txBody>
+          </p:sp>
+        </mc:Fallback>
+      </mc:AlternateContent>
+      <mc:AlternateContent xmlns:mc="http://schemas.openxmlformats.org/markup-compatibility/2006">
+        <mc:Choice xmlns:a14="http://schemas.microsoft.com/office/drawing/2010/main" Requires="a14">
+          <p:sp>
+            <p:nvSpPr>
+              <p:cNvPr id="13" name="Content Placeholder 12">
+                <a:extLst>
+                  <a:ext uri="{FF2B5EF4-FFF2-40B4-BE49-F238E27FC236}">
+                    <a16:creationId xmlns:a16="http://schemas.microsoft.com/office/drawing/2014/main" id="{7FF94521-2B94-799D-FA2B-C3D2B3E3FB65}"/>
+                  </a:ext>
+                </a:extLst>
+              </p:cNvPr>
+              <p:cNvSpPr>
+                <a:spLocks noGrp="1"/>
+              </p:cNvSpPr>
+              <p:nvPr>
+                <p:ph idx="1"/>
+              </p:nvPr>
+            </p:nvSpPr>
+            <p:spPr>
+              <a:xfrm>
+                <a:off x="838201" y="1825625"/>
+                <a:ext cx="5141464" cy="2704430"/>
+              </a:xfrm>
+            </p:spPr>
+            <p:txBody>
+              <a:bodyPr>
+                <a:normAutofit fontScale="77500" lnSpcReduction="20000"/>
+              </a:bodyPr>
+              <a:lstStyle/>
+              <a:p>
+                <a:pPr marL="0" indent="0">
+                  <a:buNone/>
+                </a:pPr>
+                <a:r>
+                  <a:rPr lang="en-US" dirty="0"/>
+                  <a:t>Conservation of total positive elements</a:t>
+                </a:r>
+                <a:endParaRPr lang="en-US" b="0" dirty="0"/>
+              </a:p>
+              <a:p>
+                <a:pPr marL="0" indent="0">
+                  <a:buNone/>
+                </a:pPr>
+                <a14:m>
+                  <m:oMathPara xmlns:m="http://schemas.openxmlformats.org/officeDocument/2006/math">
+                    <m:oMathParaPr>
+                      <m:jc m:val="centerGroup"/>
+                    </m:oMathParaPr>
+                    <m:oMath xmlns:m="http://schemas.openxmlformats.org/officeDocument/2006/math">
+                      <m:r>
+                        <a:rPr lang="en-US" b="0" i="1" smtClean="0">
+                          <a:latin typeface="Cambria Math" panose="02040503050406030204" pitchFamily="18" charset="0"/>
+                        </a:rPr>
+                        <m:t>𝑝</m:t>
+                      </m:r>
+                      <m:r>
+                        <a:rPr lang="en-US" b="0" i="1" smtClean="0">
+                          <a:latin typeface="Cambria Math" panose="02040503050406030204" pitchFamily="18" charset="0"/>
+                        </a:rPr>
+                        <m:t>=</m:t>
+                      </m:r>
+                      <m:r>
+                        <a:rPr lang="en-US" b="0" i="1" smtClean="0">
+                          <a:latin typeface="Cambria Math" panose="02040503050406030204" pitchFamily="18" charset="0"/>
+                        </a:rPr>
+                        <m:t>𝑙𝑓</m:t>
+                      </m:r>
+                      <m:r>
+                        <a:rPr lang="en-US" b="0" i="1" smtClean="0">
+                          <a:latin typeface="Cambria Math" panose="02040503050406030204" pitchFamily="18" charset="0"/>
+                        </a:rPr>
+                        <m:t>+</m:t>
+                      </m:r>
+                      <m:r>
+                        <a:rPr lang="en-US" b="0" i="1" smtClean="0">
+                          <a:latin typeface="Cambria Math" panose="02040503050406030204" pitchFamily="18" charset="0"/>
+                        </a:rPr>
+                        <m:t>𝑟</m:t>
+                      </m:r>
+                      <m:d>
+                        <m:dPr>
+                          <m:ctrlPr>
+                            <a:rPr lang="en-US" b="0" i="1" smtClean="0">
+                              <a:latin typeface="Cambria Math" panose="02040503050406030204" pitchFamily="18" charset="0"/>
+                            </a:rPr>
+                          </m:ctrlPr>
+                        </m:dPr>
+                        <m:e>
+                          <m:r>
+                            <a:rPr lang="en-US" b="0" i="1" smtClean="0">
+                              <a:latin typeface="Cambria Math" panose="02040503050406030204" pitchFamily="18" charset="0"/>
+                            </a:rPr>
+                            <m:t>1−</m:t>
+                          </m:r>
+                          <m:r>
+                            <a:rPr lang="en-US" b="0" i="1" smtClean="0">
+                              <a:latin typeface="Cambria Math" panose="02040503050406030204" pitchFamily="18" charset="0"/>
+                            </a:rPr>
+                            <m:t>𝑓</m:t>
+                          </m:r>
+                        </m:e>
+                      </m:d>
+                    </m:oMath>
+                  </m:oMathPara>
+                </a14:m>
+                <a:endParaRPr lang="en-US" dirty="0"/>
+              </a:p>
+              <a:p>
+                <a:pPr marL="0" indent="0">
+                  <a:buNone/>
+                </a:pPr>
+                <a:r>
+                  <a:rPr lang="en-US" dirty="0"/>
+                  <a:t>Conservation of total negative elements</a:t>
+                </a:r>
+              </a:p>
+              <a:p>
+                <a:pPr marL="0" indent="0">
+                  <a:buNone/>
+                </a:pPr>
+                <a14:m>
+                  <m:oMathPara xmlns:m="http://schemas.openxmlformats.org/officeDocument/2006/math">
+                    <m:oMathParaPr>
+                      <m:jc m:val="centerGroup"/>
+                    </m:oMathParaPr>
+                    <m:oMath xmlns:m="http://schemas.openxmlformats.org/officeDocument/2006/math">
+                      <m:d>
+                        <m:dPr>
+                          <m:ctrlPr>
+                            <a:rPr lang="en-US" b="0" i="1" smtClean="0">
+                              <a:latin typeface="Cambria Math" panose="02040503050406030204" pitchFamily="18" charset="0"/>
+                            </a:rPr>
+                          </m:ctrlPr>
+                        </m:dPr>
+                        <m:e>
+                          <m:r>
+                            <a:rPr lang="en-US" b="0" i="1" smtClean="0">
+                              <a:latin typeface="Cambria Math" panose="02040503050406030204" pitchFamily="18" charset="0"/>
+                            </a:rPr>
+                            <m:t>1−</m:t>
+                          </m:r>
+                          <m:r>
+                            <a:rPr lang="en-US" b="0" i="1" smtClean="0">
+                              <a:latin typeface="Cambria Math" panose="02040503050406030204" pitchFamily="18" charset="0"/>
+                            </a:rPr>
+                            <m:t>𝑝</m:t>
+                          </m:r>
+                        </m:e>
+                      </m:d>
+                      <m:r>
+                        <a:rPr lang="en-US" b="0" i="1" smtClean="0">
+                          <a:latin typeface="Cambria Math" panose="02040503050406030204" pitchFamily="18" charset="0"/>
+                        </a:rPr>
+                        <m:t>=</m:t>
+                      </m:r>
+                      <m:d>
+                        <m:dPr>
+                          <m:ctrlPr>
+                            <a:rPr lang="en-US" b="0" i="1" smtClean="0">
+                              <a:latin typeface="Cambria Math" panose="02040503050406030204" pitchFamily="18" charset="0"/>
+                            </a:rPr>
+                          </m:ctrlPr>
+                        </m:dPr>
+                        <m:e>
+                          <m:r>
+                            <a:rPr lang="en-US" b="0" i="1" smtClean="0">
+                              <a:latin typeface="Cambria Math" panose="02040503050406030204" pitchFamily="18" charset="0"/>
+                            </a:rPr>
+                            <m:t>1−</m:t>
+                          </m:r>
+                          <m:r>
+                            <a:rPr lang="en-US" b="0" i="1" smtClean="0">
+                              <a:latin typeface="Cambria Math" panose="02040503050406030204" pitchFamily="18" charset="0"/>
+                            </a:rPr>
+                            <m:t>𝑙</m:t>
+                          </m:r>
+                        </m:e>
+                      </m:d>
+                      <m:r>
+                        <a:rPr lang="en-US" b="0" i="1" smtClean="0">
+                          <a:latin typeface="Cambria Math" panose="02040503050406030204" pitchFamily="18" charset="0"/>
+                        </a:rPr>
+                        <m:t>𝑓</m:t>
+                      </m:r>
+                      <m:r>
+                        <a:rPr lang="en-US" b="0" i="1" smtClean="0">
+                          <a:latin typeface="Cambria Math" panose="02040503050406030204" pitchFamily="18" charset="0"/>
+                        </a:rPr>
+                        <m:t>+(1−</m:t>
+                      </m:r>
+                      <m:r>
+                        <a:rPr lang="en-US" b="0" i="1" smtClean="0">
+                          <a:latin typeface="Cambria Math" panose="02040503050406030204" pitchFamily="18" charset="0"/>
+                        </a:rPr>
+                        <m:t>𝑟</m:t>
+                      </m:r>
+                      <m:r>
+                        <a:rPr lang="en-US" b="0" i="1" smtClean="0">
+                          <a:latin typeface="Cambria Math" panose="02040503050406030204" pitchFamily="18" charset="0"/>
+                        </a:rPr>
+                        <m:t>)(1−</m:t>
+                      </m:r>
+                      <m:r>
+                        <a:rPr lang="en-US" b="0" i="1" smtClean="0">
+                          <a:latin typeface="Cambria Math" panose="02040503050406030204" pitchFamily="18" charset="0"/>
+                        </a:rPr>
+                        <m:t>𝑓</m:t>
+                      </m:r>
+                      <m:r>
+                        <a:rPr lang="en-US" b="0" i="1" smtClean="0">
+                          <a:latin typeface="Cambria Math" panose="02040503050406030204" pitchFamily="18" charset="0"/>
+                        </a:rPr>
+                        <m:t>)</m:t>
+                      </m:r>
+                    </m:oMath>
+                  </m:oMathPara>
+                </a14:m>
+                <a:endParaRPr lang="en-US" dirty="0"/>
+              </a:p>
+              <a:p>
+                <a:pPr marL="0" indent="0">
+                  <a:buNone/>
+                </a:pPr>
+                <a:endParaRPr lang="en-US" dirty="0"/>
+              </a:p>
+              <a:p>
+                <a:pPr marL="0" indent="0">
+                  <a:buNone/>
+                </a:pPr>
+                <a:r>
+                  <a:rPr lang="en-US" dirty="0"/>
+                  <a:t>Drop in MCL:</a:t>
+                </a:r>
+              </a:p>
+              <a:p>
+                <a:pPr marL="0" indent="0">
+                  <a:buNone/>
+                </a:pPr>
+                <a14:m>
+                  <m:oMathPara xmlns:m="http://schemas.openxmlformats.org/officeDocument/2006/math">
+                    <m:oMathParaPr>
+                      <m:jc m:val="centerGroup"/>
+                    </m:oMathParaPr>
+                    <m:oMath xmlns:m="http://schemas.openxmlformats.org/officeDocument/2006/math">
+                      <m:r>
+                        <a:rPr lang="en-US" b="0" i="1" smtClean="0">
+                          <a:latin typeface="Cambria Math" panose="02040503050406030204" pitchFamily="18" charset="0"/>
+                        </a:rPr>
+                        <m:t>𝑀𝐶</m:t>
+                      </m:r>
+                      <m:sSub>
+                        <m:sSubPr>
+                          <m:ctrlPr>
+                            <a:rPr lang="en-US" b="0" i="1" smtClean="0">
+                              <a:latin typeface="Cambria Math" panose="02040503050406030204" pitchFamily="18" charset="0"/>
+                            </a:rPr>
+                          </m:ctrlPr>
+                        </m:sSubPr>
+                        <m:e>
+                          <m:r>
+                            <a:rPr lang="en-US" b="0" i="1" smtClean="0">
+                              <a:latin typeface="Cambria Math" panose="02040503050406030204" pitchFamily="18" charset="0"/>
+                            </a:rPr>
+                            <m:t>𝐿</m:t>
+                          </m:r>
+                        </m:e>
+                        <m:sub>
+                          <m:r>
+                            <a:rPr lang="en-US" b="0" i="1" smtClean="0">
+                              <a:latin typeface="Cambria Math" panose="02040503050406030204" pitchFamily="18" charset="0"/>
+                            </a:rPr>
+                            <m:t>𝑝</m:t>
+                          </m:r>
+                        </m:sub>
+                      </m:sSub>
+                      <m:r>
+                        <a:rPr lang="en-US" b="0" i="1" smtClean="0">
+                          <a:latin typeface="Cambria Math" panose="02040503050406030204" pitchFamily="18" charset="0"/>
+                        </a:rPr>
+                        <m:t>−</m:t>
+                      </m:r>
+                      <m:r>
+                        <a:rPr lang="en-US" b="0" i="1" smtClean="0">
+                          <a:latin typeface="Cambria Math" panose="02040503050406030204" pitchFamily="18" charset="0"/>
+                        </a:rPr>
+                        <m:t>𝑓𝑀𝐶</m:t>
+                      </m:r>
+                      <m:sSub>
+                        <m:sSubPr>
+                          <m:ctrlPr>
+                            <a:rPr lang="en-US" b="0" i="1" smtClean="0">
+                              <a:latin typeface="Cambria Math" panose="02040503050406030204" pitchFamily="18" charset="0"/>
+                            </a:rPr>
+                          </m:ctrlPr>
+                        </m:sSubPr>
+                        <m:e>
+                          <m:r>
+                            <a:rPr lang="en-US" b="0" i="1" smtClean="0">
+                              <a:latin typeface="Cambria Math" panose="02040503050406030204" pitchFamily="18" charset="0"/>
+                            </a:rPr>
+                            <m:t>𝐿</m:t>
+                          </m:r>
+                        </m:e>
+                        <m:sub>
+                          <m:r>
+                            <a:rPr lang="en-US" b="0" i="1" smtClean="0">
+                              <a:latin typeface="Cambria Math" panose="02040503050406030204" pitchFamily="18" charset="0"/>
+                            </a:rPr>
+                            <m:t>𝑙</m:t>
+                          </m:r>
+                        </m:sub>
+                      </m:sSub>
+                      <m:r>
+                        <a:rPr lang="en-US" b="0" i="1" smtClean="0">
+                          <a:latin typeface="Cambria Math" panose="02040503050406030204" pitchFamily="18" charset="0"/>
+                        </a:rPr>
+                        <m:t>−(1−</m:t>
+                      </m:r>
+                      <m:r>
+                        <a:rPr lang="en-US" b="0" i="1" smtClean="0">
+                          <a:latin typeface="Cambria Math" panose="02040503050406030204" pitchFamily="18" charset="0"/>
+                        </a:rPr>
+                        <m:t>𝑓</m:t>
+                      </m:r>
+                      <m:r>
+                        <a:rPr lang="en-US" b="0" i="1" smtClean="0">
+                          <a:latin typeface="Cambria Math" panose="02040503050406030204" pitchFamily="18" charset="0"/>
+                        </a:rPr>
+                        <m:t>)</m:t>
+                      </m:r>
+                      <m:r>
+                        <a:rPr lang="en-US" b="0" i="1" smtClean="0">
+                          <a:latin typeface="Cambria Math" panose="02040503050406030204" pitchFamily="18" charset="0"/>
+                        </a:rPr>
+                        <m:t>𝑀𝐶</m:t>
+                      </m:r>
+                      <m:sSub>
+                        <m:sSubPr>
+                          <m:ctrlPr>
+                            <a:rPr lang="en-US" b="0" i="1" smtClean="0">
+                              <a:latin typeface="Cambria Math" panose="02040503050406030204" pitchFamily="18" charset="0"/>
+                            </a:rPr>
+                          </m:ctrlPr>
+                        </m:sSubPr>
+                        <m:e>
+                          <m:r>
+                            <a:rPr lang="en-US" b="0" i="1" smtClean="0">
+                              <a:latin typeface="Cambria Math" panose="02040503050406030204" pitchFamily="18" charset="0"/>
+                            </a:rPr>
+                            <m:t>𝐿</m:t>
+                          </m:r>
+                        </m:e>
+                        <m:sub>
+                          <m:r>
+                            <a:rPr lang="en-US" b="0" i="1" smtClean="0">
+                              <a:latin typeface="Cambria Math" panose="02040503050406030204" pitchFamily="18" charset="0"/>
+                            </a:rPr>
+                            <m:t>𝑟</m:t>
+                          </m:r>
+                        </m:sub>
+                      </m:sSub>
+                    </m:oMath>
+                  </m:oMathPara>
+                </a14:m>
+                <a:endParaRPr lang="en-US" b="0" dirty="0"/>
+              </a:p>
+              <a:p>
+                <a:pPr marL="0" indent="0">
+                  <a:buNone/>
+                </a:pPr>
+                <a:br>
+                  <a:rPr lang="en-US" sz="1200" b="0" dirty="0"/>
+                </a:br>
+                <a:endParaRPr lang="en-US" sz="1200" b="0" dirty="0"/>
+              </a:p>
+            </p:txBody>
+          </p:sp>
+        </mc:Choice>
+        <mc:Fallback>
+          <p:sp>
+            <p:nvSpPr>
+              <p:cNvPr id="13" name="Content Placeholder 12">
+                <a:extLst>
+                  <a:ext uri="{FF2B5EF4-FFF2-40B4-BE49-F238E27FC236}">
+                    <a16:creationId xmlns:a16="http://schemas.microsoft.com/office/drawing/2014/main" id="{7FF94521-2B94-799D-FA2B-C3D2B3E3FB65}"/>
+                  </a:ext>
+                </a:extLst>
+              </p:cNvPr>
+              <p:cNvSpPr>
+                <a:spLocks noGrp="1" noRot="1" noChangeAspect="1" noMove="1" noResize="1" noEditPoints="1" noAdjustHandles="1" noChangeArrowheads="1" noChangeShapeType="1" noTextEdit="1"/>
+              </p:cNvSpPr>
+              <p:nvPr>
+                <p:ph idx="1"/>
+              </p:nvPr>
+            </p:nvSpPr>
+            <p:spPr>
+              <a:xfrm>
+                <a:off x="838201" y="1825625"/>
+                <a:ext cx="5141464" cy="2704430"/>
+              </a:xfrm>
+              <a:blipFill>
+                <a:blip r:embed="rId7"/>
+                <a:stretch>
+                  <a:fillRect l="-1542" t="-4505"/>
+                </a:stretch>
+              </a:blipFill>
+            </p:spPr>
+            <p:txBody>
+              <a:bodyPr/>
+              <a:lstStyle/>
+              <a:p>
+                <a:r>
+                  <a:rPr lang="en-US">
+                    <a:noFill/>
+                  </a:rPr>
+                  <a:t> </a:t>
+                </a:r>
+              </a:p>
+            </p:txBody>
+          </p:sp>
+        </mc:Fallback>
+      </mc:AlternateContent>
+      <mc:AlternateContent xmlns:mc="http://schemas.openxmlformats.org/markup-compatibility/2006">
+        <mc:Choice xmlns:a14="http://schemas.microsoft.com/office/drawing/2010/main" Requires="a14">
+          <p:sp>
+            <p:nvSpPr>
+              <p:cNvPr id="17" name="TextBox 16">
+                <a:extLst>
+                  <a:ext uri="{FF2B5EF4-FFF2-40B4-BE49-F238E27FC236}">
+                    <a16:creationId xmlns:a16="http://schemas.microsoft.com/office/drawing/2014/main" id="{8FD59BDD-F4EC-4D12-BB07-690286CD02DD}"/>
+                  </a:ext>
+                </a:extLst>
+              </p:cNvPr>
+              <p:cNvSpPr txBox="1"/>
+              <p:nvPr/>
+            </p:nvSpPr>
+            <p:spPr>
+              <a:xfrm>
+                <a:off x="6587543" y="5814300"/>
+                <a:ext cx="3045321" cy="624210"/>
+              </a:xfrm>
+              <a:prstGeom prst="rect">
+                <a:avLst/>
+              </a:prstGeom>
+              <a:noFill/>
+            </p:spPr>
+            <p:txBody>
+              <a:bodyPr wrap="none" rtlCol="0">
+                <a:spAutoFit/>
+              </a:bodyPr>
+              <a:lstStyle/>
+              <a:p>
+                <a:pPr/>
+                <a14:m>
+                  <m:oMathPara xmlns:m="http://schemas.openxmlformats.org/officeDocument/2006/math">
+                    <m:oMathParaPr>
+                      <m:jc m:val="left"/>
+                    </m:oMathParaPr>
+                    <m:oMath xmlns:m="http://schemas.openxmlformats.org/officeDocument/2006/math">
+                      <m:r>
+                        <a:rPr lang="en-US" i="1" dirty="0" smtClean="0">
+                          <a:latin typeface="Cambria Math" panose="02040503050406030204" pitchFamily="18" charset="0"/>
+                        </a:rPr>
+                        <m:t>𝑀𝐶</m:t>
+                      </m:r>
+                      <m:sSub>
+                        <m:sSubPr>
+                          <m:ctrlPr>
+                            <a:rPr lang="en-US" b="0" i="1" dirty="0" smtClean="0">
+                              <a:latin typeface="Cambria Math" panose="02040503050406030204" pitchFamily="18" charset="0"/>
+                            </a:rPr>
+                          </m:ctrlPr>
+                        </m:sSubPr>
+                        <m:e>
+                          <m:r>
+                            <a:rPr lang="en-US" i="1" dirty="0" smtClean="0">
+                              <a:latin typeface="Cambria Math" panose="02040503050406030204" pitchFamily="18" charset="0"/>
+                            </a:rPr>
+                            <m:t>𝐿</m:t>
+                          </m:r>
+                        </m:e>
+                        <m:sub>
+                          <m:r>
+                            <a:rPr lang="en-US" b="0" i="1" dirty="0" smtClean="0">
+                              <a:latin typeface="Cambria Math" panose="02040503050406030204" pitchFamily="18" charset="0"/>
+                            </a:rPr>
+                            <m:t>𝑙</m:t>
+                          </m:r>
+                        </m:sub>
+                      </m:sSub>
+                      <m:r>
+                        <a:rPr lang="en-US" i="1" dirty="0" smtClean="0">
+                          <a:latin typeface="Cambria Math" panose="02040503050406030204" pitchFamily="18" charset="0"/>
+                        </a:rPr>
+                        <m:t> = </m:t>
+                      </m:r>
+                      <m:d>
+                        <m:dPr>
+                          <m:begChr m:val="{"/>
+                          <m:endChr m:val=""/>
+                          <m:ctrlPr>
+                            <a:rPr lang="en-US" i="1" smtClean="0">
+                              <a:latin typeface="Cambria Math" panose="02040503050406030204" pitchFamily="18" charset="0"/>
+                            </a:rPr>
+                          </m:ctrlPr>
+                        </m:dPr>
+                        <m:e>
+                          <m:eqArr>
+                            <m:eqArrPr>
+                              <m:ctrlPr>
+                                <a:rPr lang="en-US" b="0" i="1" smtClean="0">
+                                  <a:latin typeface="Cambria Math" panose="02040503050406030204" pitchFamily="18" charset="0"/>
+                                </a:rPr>
+                              </m:ctrlPr>
+                            </m:eqArrPr>
+                            <m:e>
+                              <m:r>
+                                <a:rPr lang="en-US" b="0" i="1" smtClean="0">
+                                  <a:latin typeface="Cambria Math" panose="02040503050406030204" pitchFamily="18" charset="0"/>
+                                </a:rPr>
+                                <m:t>𝑙</m:t>
+                              </m:r>
+                              <m:r>
+                                <a:rPr lang="en-US" b="0" i="1" smtClean="0">
+                                  <a:latin typeface="Cambria Math" panose="02040503050406030204" pitchFamily="18" charset="0"/>
+                                </a:rPr>
+                                <m:t> </m:t>
+                              </m:r>
+                              <m:r>
+                                <a:rPr lang="en-US" b="0" i="1" smtClean="0">
+                                  <a:latin typeface="Cambria Math" panose="02040503050406030204" pitchFamily="18" charset="0"/>
+                                </a:rPr>
+                                <m:t>𝑓𝑜𝑟</m:t>
+                              </m:r>
+                              <m:r>
+                                <a:rPr lang="en-US" b="0" i="1" smtClean="0">
+                                  <a:latin typeface="Cambria Math" panose="02040503050406030204" pitchFamily="18" charset="0"/>
+                                </a:rPr>
+                                <m:t> </m:t>
+                              </m:r>
+                              <m:r>
+                                <a:rPr lang="en-US" b="0" i="1" smtClean="0">
+                                  <a:latin typeface="Cambria Math" panose="02040503050406030204" pitchFamily="18" charset="0"/>
+                                </a:rPr>
+                                <m:t>𝑙</m:t>
+                              </m:r>
+                              <m:r>
+                                <a:rPr lang="en-US" i="1">
+                                  <a:latin typeface="Cambria Math" panose="02040503050406030204" pitchFamily="18" charset="0"/>
+                                </a:rPr>
+                                <m:t>≤0.5</m:t>
+                              </m:r>
+                            </m:e>
+                            <m:e>
+                              <m:r>
+                                <a:rPr lang="en-US" b="0" i="1" smtClean="0">
+                                  <a:latin typeface="Cambria Math" panose="02040503050406030204" pitchFamily="18" charset="0"/>
+                                </a:rPr>
+                                <m:t>1−</m:t>
+                              </m:r>
+                              <m:r>
+                                <a:rPr lang="en-US" b="0" i="1" smtClean="0">
+                                  <a:latin typeface="Cambria Math" panose="02040503050406030204" pitchFamily="18" charset="0"/>
+                                </a:rPr>
+                                <m:t>𝑙</m:t>
+                              </m:r>
+                              <m:r>
+                                <a:rPr lang="en-US" b="0" i="1" smtClean="0">
+                                  <a:latin typeface="Cambria Math" panose="02040503050406030204" pitchFamily="18" charset="0"/>
+                                </a:rPr>
+                                <m:t> </m:t>
+                              </m:r>
+                              <m:r>
+                                <a:rPr lang="en-US" b="0" i="1" smtClean="0">
+                                  <a:latin typeface="Cambria Math" panose="02040503050406030204" pitchFamily="18" charset="0"/>
+                                </a:rPr>
+                                <m:t>𝑓𝑜𝑟</m:t>
+                              </m:r>
+                              <m:r>
+                                <a:rPr lang="en-US" b="0" i="1" smtClean="0">
+                                  <a:latin typeface="Cambria Math" panose="02040503050406030204" pitchFamily="18" charset="0"/>
+                                </a:rPr>
+                                <m:t> </m:t>
+                              </m:r>
+                              <m:r>
+                                <a:rPr lang="en-US" b="0" i="1" smtClean="0">
+                                  <a:latin typeface="Cambria Math" panose="02040503050406030204" pitchFamily="18" charset="0"/>
+                                </a:rPr>
+                                <m:t>𝑙</m:t>
+                              </m:r>
+                              <m:r>
+                                <a:rPr lang="en-US" b="0" i="1" smtClean="0">
+                                  <a:latin typeface="Cambria Math" panose="02040503050406030204" pitchFamily="18" charset="0"/>
+                                </a:rPr>
+                                <m:t>&gt;0.5</m:t>
+                              </m:r>
+                            </m:e>
+                          </m:eqArr>
+                          <m:r>
+                            <a:rPr lang="en-US" b="0" i="1" smtClean="0">
+                              <a:latin typeface="Cambria Math" panose="02040503050406030204" pitchFamily="18" charset="0"/>
+                            </a:rPr>
+                            <m:t> </m:t>
+                          </m:r>
+                        </m:e>
+                      </m:d>
+                    </m:oMath>
+                  </m:oMathPara>
+                </a14:m>
+                <a:endParaRPr lang="en-US" b="0" dirty="0"/>
+              </a:p>
+            </p:txBody>
+          </p:sp>
+        </mc:Choice>
+        <mc:Fallback>
+          <p:sp>
+            <p:nvSpPr>
+              <p:cNvPr id="17" name="TextBox 16">
+                <a:extLst>
+                  <a:ext uri="{FF2B5EF4-FFF2-40B4-BE49-F238E27FC236}">
+                    <a16:creationId xmlns:a16="http://schemas.microsoft.com/office/drawing/2014/main" id="{8FD59BDD-F4EC-4D12-BB07-690286CD02DD}"/>
+                  </a:ext>
+                </a:extLst>
+              </p:cNvPr>
+              <p:cNvSpPr txBox="1">
+                <a:spLocks noRot="1" noChangeAspect="1" noMove="1" noResize="1" noEditPoints="1" noAdjustHandles="1" noChangeArrowheads="1" noChangeShapeType="1" noTextEdit="1"/>
+              </p:cNvSpPr>
+              <p:nvPr/>
+            </p:nvSpPr>
+            <p:spPr>
+              <a:xfrm>
+                <a:off x="6587543" y="5814300"/>
+                <a:ext cx="3045321" cy="624210"/>
+              </a:xfrm>
+              <a:prstGeom prst="rect">
+                <a:avLst/>
+              </a:prstGeom>
+              <a:blipFill>
+                <a:blip r:embed="rId8"/>
+                <a:stretch>
+                  <a:fillRect/>
+                </a:stretch>
+              </a:blipFill>
+            </p:spPr>
+            <p:txBody>
+              <a:bodyPr/>
+              <a:lstStyle/>
+              <a:p>
+                <a:r>
+                  <a:rPr lang="en-US">
+                    <a:noFill/>
+                  </a:rPr>
+                  <a:t> </a:t>
+                </a:r>
+              </a:p>
+            </p:txBody>
+          </p:sp>
+        </mc:Fallback>
+      </mc:AlternateContent>
+      <mc:AlternateContent xmlns:mc="http://schemas.openxmlformats.org/markup-compatibility/2006">
+        <mc:Choice xmlns:a14="http://schemas.microsoft.com/office/drawing/2010/main" Requires="a14">
+          <p:sp>
+            <p:nvSpPr>
+              <p:cNvPr id="20" name="TextBox 19">
+                <a:extLst>
+                  <a:ext uri="{FF2B5EF4-FFF2-40B4-BE49-F238E27FC236}">
+                    <a16:creationId xmlns:a16="http://schemas.microsoft.com/office/drawing/2014/main" id="{96B6D2F1-9CBA-78D7-DE43-C70F10D29167}"/>
+                  </a:ext>
+                </a:extLst>
+              </p:cNvPr>
+              <p:cNvSpPr txBox="1"/>
+              <p:nvPr/>
+            </p:nvSpPr>
+            <p:spPr>
+              <a:xfrm>
+                <a:off x="9224732" y="5814300"/>
+                <a:ext cx="3149195" cy="624210"/>
+              </a:xfrm>
+              <a:prstGeom prst="rect">
+                <a:avLst/>
+              </a:prstGeom>
+              <a:noFill/>
+            </p:spPr>
+            <p:txBody>
+              <a:bodyPr wrap="none" rtlCol="0">
+                <a:spAutoFit/>
+              </a:bodyPr>
+              <a:lstStyle/>
+              <a:p>
+                <a14:m>
+                  <m:oMathPara xmlns:m="http://schemas.openxmlformats.org/officeDocument/2006/math">
+                    <m:oMathParaPr>
+                      <m:jc m:val="centerGroup"/>
+                    </m:oMathParaPr>
+                    <m:oMath xmlns:m="http://schemas.openxmlformats.org/officeDocument/2006/math">
+                      <m:r>
+                        <a:rPr lang="en-US" i="1" dirty="0" smtClean="0">
+                          <a:latin typeface="Cambria Math" panose="02040503050406030204" pitchFamily="18" charset="0"/>
+                        </a:rPr>
+                        <m:t>𝑀𝐶</m:t>
+                      </m:r>
+                      <m:sSub>
+                        <m:sSubPr>
+                          <m:ctrlPr>
+                            <a:rPr lang="en-US" b="0" i="1" dirty="0" smtClean="0">
+                              <a:latin typeface="Cambria Math" panose="02040503050406030204" pitchFamily="18" charset="0"/>
+                            </a:rPr>
+                          </m:ctrlPr>
+                        </m:sSubPr>
+                        <m:e>
+                          <m:r>
+                            <a:rPr lang="en-US" i="1" dirty="0" smtClean="0">
+                              <a:latin typeface="Cambria Math" panose="02040503050406030204" pitchFamily="18" charset="0"/>
+                            </a:rPr>
+                            <m:t>𝐿</m:t>
+                          </m:r>
+                        </m:e>
+                        <m:sub>
+                          <m:r>
+                            <a:rPr lang="en-US" b="0" i="1" dirty="0" smtClean="0">
+                              <a:latin typeface="Cambria Math" panose="02040503050406030204" pitchFamily="18" charset="0"/>
+                            </a:rPr>
+                            <m:t>𝑟</m:t>
+                          </m:r>
+                        </m:sub>
+                      </m:sSub>
+                      <m:r>
+                        <a:rPr lang="en-US" i="1" dirty="0" smtClean="0">
+                          <a:latin typeface="Cambria Math" panose="02040503050406030204" pitchFamily="18" charset="0"/>
+                        </a:rPr>
+                        <m:t> = </m:t>
+                      </m:r>
+                      <m:d>
+                        <m:dPr>
+                          <m:begChr m:val="{"/>
+                          <m:endChr m:val=""/>
+                          <m:ctrlPr>
+                            <a:rPr lang="en-US" i="1" smtClean="0">
+                              <a:latin typeface="Cambria Math" panose="02040503050406030204" pitchFamily="18" charset="0"/>
+                            </a:rPr>
+                          </m:ctrlPr>
+                        </m:dPr>
+                        <m:e>
+                          <m:eqArr>
+                            <m:eqArrPr>
+                              <m:ctrlPr>
+                                <a:rPr lang="en-US" b="0" i="1" smtClean="0">
+                                  <a:latin typeface="Cambria Math" panose="02040503050406030204" pitchFamily="18" charset="0"/>
+                                </a:rPr>
+                              </m:ctrlPr>
+                            </m:eqArrPr>
+                            <m:e>
+                              <m:r>
+                                <a:rPr lang="en-US" b="0" i="1" smtClean="0">
+                                  <a:latin typeface="Cambria Math" panose="02040503050406030204" pitchFamily="18" charset="0"/>
+                                </a:rPr>
+                                <m:t>𝑟</m:t>
+                              </m:r>
+                              <m:r>
+                                <a:rPr lang="en-US" b="0" i="1" smtClean="0">
+                                  <a:latin typeface="Cambria Math" panose="02040503050406030204" pitchFamily="18" charset="0"/>
+                                </a:rPr>
+                                <m:t> </m:t>
+                              </m:r>
+                              <m:r>
+                                <a:rPr lang="en-US" b="0" i="1" smtClean="0">
+                                  <a:latin typeface="Cambria Math" panose="02040503050406030204" pitchFamily="18" charset="0"/>
+                                </a:rPr>
+                                <m:t>𝑓𝑜𝑟</m:t>
+                              </m:r>
+                              <m:r>
+                                <a:rPr lang="en-US" b="0" i="1" smtClean="0">
+                                  <a:latin typeface="Cambria Math" panose="02040503050406030204" pitchFamily="18" charset="0"/>
+                                </a:rPr>
+                                <m:t> </m:t>
+                              </m:r>
+                              <m:r>
+                                <a:rPr lang="en-US" b="0" i="1" smtClean="0">
+                                  <a:latin typeface="Cambria Math" panose="02040503050406030204" pitchFamily="18" charset="0"/>
+                                </a:rPr>
+                                <m:t>𝑟</m:t>
+                              </m:r>
+                              <m:r>
+                                <a:rPr lang="en-US" i="1">
+                                  <a:latin typeface="Cambria Math" panose="02040503050406030204" pitchFamily="18" charset="0"/>
+                                </a:rPr>
+                                <m:t>≤0.5</m:t>
+                              </m:r>
+                            </m:e>
+                            <m:e>
+                              <m:r>
+                                <a:rPr lang="en-US" b="0" i="1" smtClean="0">
+                                  <a:latin typeface="Cambria Math" panose="02040503050406030204" pitchFamily="18" charset="0"/>
+                                </a:rPr>
+                                <m:t>1−</m:t>
+                              </m:r>
+                              <m:r>
+                                <a:rPr lang="en-US" b="0" i="1" smtClean="0">
+                                  <a:latin typeface="Cambria Math" panose="02040503050406030204" pitchFamily="18" charset="0"/>
+                                </a:rPr>
+                                <m:t>𝑟</m:t>
+                              </m:r>
+                              <m:r>
+                                <a:rPr lang="en-US" b="0" i="1" smtClean="0">
+                                  <a:latin typeface="Cambria Math" panose="02040503050406030204" pitchFamily="18" charset="0"/>
+                                </a:rPr>
+                                <m:t> </m:t>
+                              </m:r>
+                              <m:r>
+                                <a:rPr lang="en-US" b="0" i="1" smtClean="0">
+                                  <a:latin typeface="Cambria Math" panose="02040503050406030204" pitchFamily="18" charset="0"/>
+                                </a:rPr>
+                                <m:t>𝑓𝑜𝑟</m:t>
+                              </m:r>
+                              <m:r>
+                                <a:rPr lang="en-US" b="0" i="1" smtClean="0">
+                                  <a:latin typeface="Cambria Math" panose="02040503050406030204" pitchFamily="18" charset="0"/>
+                                </a:rPr>
+                                <m:t> </m:t>
+                              </m:r>
+                              <m:r>
+                                <a:rPr lang="en-US" b="0" i="1" smtClean="0">
+                                  <a:latin typeface="Cambria Math" panose="02040503050406030204" pitchFamily="18" charset="0"/>
+                                </a:rPr>
+                                <m:t>𝑟</m:t>
+                              </m:r>
+                              <m:r>
+                                <a:rPr lang="en-US" b="0" i="1" smtClean="0">
+                                  <a:latin typeface="Cambria Math" panose="02040503050406030204" pitchFamily="18" charset="0"/>
+                                </a:rPr>
+                                <m:t>&gt;0.5</m:t>
+                              </m:r>
+                            </m:e>
+                          </m:eqArr>
+                          <m:r>
+                            <a:rPr lang="en-US" b="0" i="1" smtClean="0">
+                              <a:latin typeface="Cambria Math" panose="02040503050406030204" pitchFamily="18" charset="0"/>
+                            </a:rPr>
+                            <m:t> </m:t>
+                          </m:r>
+                        </m:e>
+                      </m:d>
+                    </m:oMath>
+                  </m:oMathPara>
+                </a14:m>
+                <a:endParaRPr lang="en-US" b="0" dirty="0"/>
+              </a:p>
+            </p:txBody>
+          </p:sp>
+        </mc:Choice>
+        <mc:Fallback>
+          <p:sp>
+            <p:nvSpPr>
+              <p:cNvPr id="20" name="TextBox 19">
+                <a:extLst>
+                  <a:ext uri="{FF2B5EF4-FFF2-40B4-BE49-F238E27FC236}">
+                    <a16:creationId xmlns:a16="http://schemas.microsoft.com/office/drawing/2014/main" id="{96B6D2F1-9CBA-78D7-DE43-C70F10D29167}"/>
+                  </a:ext>
+                </a:extLst>
+              </p:cNvPr>
+              <p:cNvSpPr txBox="1">
+                <a:spLocks noRot="1" noChangeAspect="1" noMove="1" noResize="1" noEditPoints="1" noAdjustHandles="1" noChangeArrowheads="1" noChangeShapeType="1" noTextEdit="1"/>
+              </p:cNvSpPr>
+              <p:nvPr/>
+            </p:nvSpPr>
+            <p:spPr>
+              <a:xfrm>
+                <a:off x="9224732" y="5814300"/>
+                <a:ext cx="3149195" cy="624210"/>
+              </a:xfrm>
+              <a:prstGeom prst="rect">
+                <a:avLst/>
+              </a:prstGeom>
+              <a:blipFill>
+                <a:blip r:embed="rId9"/>
+                <a:stretch>
+                  <a:fillRect/>
+                </a:stretch>
+              </a:blipFill>
+            </p:spPr>
+            <p:txBody>
+              <a:bodyPr/>
+              <a:lstStyle/>
+              <a:p>
+                <a:r>
+                  <a:rPr lang="en-US">
+                    <a:noFill/>
+                  </a:rPr>
+                  <a:t> </a:t>
+                </a:r>
+              </a:p>
+            </p:txBody>
+          </p:sp>
+        </mc:Fallback>
+      </mc:AlternateContent>
+      <mc:AlternateContent xmlns:mc="http://schemas.openxmlformats.org/markup-compatibility/2006">
+        <mc:Choice xmlns:a14="http://schemas.microsoft.com/office/drawing/2010/main" Requires="a14">
+          <p:sp>
+            <p:nvSpPr>
+              <p:cNvPr id="29" name="TextBox 28">
+                <a:extLst>
+                  <a:ext uri="{FF2B5EF4-FFF2-40B4-BE49-F238E27FC236}">
+                    <a16:creationId xmlns:a16="http://schemas.microsoft.com/office/drawing/2014/main" id="{C87D1928-A684-7E3A-F54C-CBDFA5FA1C9A}"/>
+                  </a:ext>
+                </a:extLst>
+              </p:cNvPr>
+              <p:cNvSpPr txBox="1"/>
+              <p:nvPr/>
+            </p:nvSpPr>
+            <p:spPr>
+              <a:xfrm>
+                <a:off x="343007" y="4286234"/>
+                <a:ext cx="5917697" cy="504305"/>
+              </a:xfrm>
+              <a:prstGeom prst="rect">
+                <a:avLst/>
+              </a:prstGeom>
+              <a:noFill/>
+            </p:spPr>
+            <p:txBody>
+              <a:bodyPr wrap="square">
+                <a:spAutoFit/>
+              </a:bodyPr>
+              <a:lstStyle/>
+              <a:p>
+                <a:pPr/>
+                <a14:m>
+                  <m:oMathPara xmlns:m="http://schemas.openxmlformats.org/officeDocument/2006/math">
+                    <m:oMathParaPr>
+                      <m:jc m:val="centerGroup"/>
+                    </m:oMathParaPr>
+                    <m:oMath xmlns:m="http://schemas.openxmlformats.org/officeDocument/2006/math">
+                      <m:d>
+                        <m:dPr>
+                          <m:begChr m:val="{"/>
+                          <m:endChr m:val=""/>
+                          <m:ctrlPr>
+                            <a:rPr lang="en-US" sz="1200" i="1" smtClean="0">
+                              <a:latin typeface="Cambria Math" panose="02040503050406030204" pitchFamily="18" charset="0"/>
+                            </a:rPr>
+                          </m:ctrlPr>
+                        </m:dPr>
+                        <m:e>
+                          <m:eqArr>
+                            <m:eqArrPr>
+                              <m:ctrlPr>
+                                <a:rPr lang="en-US" sz="1200" i="1">
+                                  <a:latin typeface="Cambria Math" panose="02040503050406030204" pitchFamily="18" charset="0"/>
+                                </a:rPr>
+                              </m:ctrlPr>
+                            </m:eqArrPr>
+                            <m:e>
+                              <m:r>
+                                <a:rPr lang="en-US" sz="1200" i="1">
+                                  <a:latin typeface="Cambria Math" panose="02040503050406030204" pitchFamily="18" charset="0"/>
+                                </a:rPr>
+                                <m:t>𝑝</m:t>
+                              </m:r>
+                              <m:r>
+                                <a:rPr lang="en-US" sz="1200" i="1">
+                                  <a:latin typeface="Cambria Math" panose="02040503050406030204" pitchFamily="18" charset="0"/>
+                                </a:rPr>
+                                <m:t> </m:t>
+                              </m:r>
+                              <m:r>
+                                <a:rPr lang="en-US" sz="1200" i="1">
+                                  <a:latin typeface="Cambria Math" panose="02040503050406030204" pitchFamily="18" charset="0"/>
+                                </a:rPr>
+                                <m:t>𝑓𝑜𝑟</m:t>
+                              </m:r>
+                              <m:r>
+                                <a:rPr lang="en-US" sz="1200" i="1">
+                                  <a:latin typeface="Cambria Math" panose="02040503050406030204" pitchFamily="18" charset="0"/>
+                                </a:rPr>
+                                <m:t> </m:t>
+                              </m:r>
+                              <m:r>
+                                <a:rPr lang="en-US" sz="1200" i="1">
+                                  <a:latin typeface="Cambria Math" panose="02040503050406030204" pitchFamily="18" charset="0"/>
+                                </a:rPr>
+                                <m:t>𝑝</m:t>
+                              </m:r>
+                              <m:r>
+                                <a:rPr lang="en-US" sz="1200" i="1">
+                                  <a:latin typeface="Cambria Math" panose="02040503050406030204" pitchFamily="18" charset="0"/>
+                                </a:rPr>
+                                <m:t>≤0.5</m:t>
+                              </m:r>
+                            </m:e>
+                            <m:e>
+                              <m:r>
+                                <a:rPr lang="en-US" sz="1200" i="1">
+                                  <a:latin typeface="Cambria Math" panose="02040503050406030204" pitchFamily="18" charset="0"/>
+                                </a:rPr>
+                                <m:t>1−</m:t>
+                              </m:r>
+                              <m:r>
+                                <a:rPr lang="en-US" sz="1200" i="1">
+                                  <a:latin typeface="Cambria Math" panose="02040503050406030204" pitchFamily="18" charset="0"/>
+                                </a:rPr>
+                                <m:t>𝑝</m:t>
+                              </m:r>
+                              <m:r>
+                                <a:rPr lang="en-US" sz="1200" i="1">
+                                  <a:latin typeface="Cambria Math" panose="02040503050406030204" pitchFamily="18" charset="0"/>
+                                </a:rPr>
+                                <m:t> </m:t>
+                              </m:r>
+                              <m:r>
+                                <a:rPr lang="en-US" sz="1200" i="1">
+                                  <a:latin typeface="Cambria Math" panose="02040503050406030204" pitchFamily="18" charset="0"/>
+                                </a:rPr>
+                                <m:t>𝑓𝑜𝑟</m:t>
+                              </m:r>
+                              <m:r>
+                                <a:rPr lang="en-US" sz="1200" i="1">
+                                  <a:latin typeface="Cambria Math" panose="02040503050406030204" pitchFamily="18" charset="0"/>
+                                </a:rPr>
+                                <m:t> </m:t>
+                              </m:r>
+                              <m:r>
+                                <a:rPr lang="en-US" sz="1200" i="1">
+                                  <a:latin typeface="Cambria Math" panose="02040503050406030204" pitchFamily="18" charset="0"/>
+                                </a:rPr>
+                                <m:t>𝑝</m:t>
+                              </m:r>
+                              <m:r>
+                                <a:rPr lang="en-US" sz="1200" i="1">
+                                  <a:latin typeface="Cambria Math" panose="02040503050406030204" pitchFamily="18" charset="0"/>
+                                </a:rPr>
+                                <m:t>&gt;0.5</m:t>
+                              </m:r>
+                            </m:e>
+                          </m:eqArr>
+                          <m:r>
+                            <a:rPr lang="en-US" sz="1200" i="1">
+                              <a:latin typeface="Cambria Math" panose="02040503050406030204" pitchFamily="18" charset="0"/>
+                            </a:rPr>
+                            <m:t> </m:t>
+                          </m:r>
+                          <m:r>
+                            <a:rPr lang="en-US" sz="1200" b="0" i="1" smtClean="0">
+                              <a:latin typeface="Cambria Math" panose="02040503050406030204" pitchFamily="18" charset="0"/>
+                            </a:rPr>
+                            <m:t>−</m:t>
+                          </m:r>
+                          <m:d>
+                            <m:dPr>
+                              <m:begChr m:val="{"/>
+                              <m:endChr m:val=""/>
+                              <m:ctrlPr>
+                                <a:rPr lang="en-US" sz="1200" i="1">
+                                  <a:latin typeface="Cambria Math" panose="02040503050406030204" pitchFamily="18" charset="0"/>
+                                </a:rPr>
+                              </m:ctrlPr>
+                            </m:dPr>
+                            <m:e>
+                              <m:eqArr>
+                                <m:eqArrPr>
+                                  <m:ctrlPr>
+                                    <a:rPr lang="en-US" sz="1200" i="1">
+                                      <a:latin typeface="Cambria Math" panose="02040503050406030204" pitchFamily="18" charset="0"/>
+                                    </a:rPr>
+                                  </m:ctrlPr>
+                                </m:eqArrPr>
+                                <m:e>
+                                  <m:r>
+                                    <a:rPr lang="en-US" sz="1200" b="0" i="1" smtClean="0">
+                                      <a:latin typeface="Cambria Math" panose="02040503050406030204" pitchFamily="18" charset="0"/>
+                                    </a:rPr>
+                                    <m:t>𝑓</m:t>
+                                  </m:r>
+                                  <m:r>
+                                    <a:rPr lang="en-US" sz="1200" i="1">
+                                      <a:latin typeface="Cambria Math" panose="02040503050406030204" pitchFamily="18" charset="0"/>
+                                    </a:rPr>
+                                    <m:t>𝑙</m:t>
+                                  </m:r>
+                                  <m:r>
+                                    <a:rPr lang="en-US" sz="1200" i="1">
+                                      <a:latin typeface="Cambria Math" panose="02040503050406030204" pitchFamily="18" charset="0"/>
+                                    </a:rPr>
+                                    <m:t> </m:t>
+                                  </m:r>
+                                  <m:r>
+                                    <a:rPr lang="en-US" sz="1200" i="1">
+                                      <a:latin typeface="Cambria Math" panose="02040503050406030204" pitchFamily="18" charset="0"/>
+                                    </a:rPr>
+                                    <m:t>𝑓𝑜𝑟</m:t>
+                                  </m:r>
+                                  <m:r>
+                                    <a:rPr lang="en-US" sz="1200" i="1">
+                                      <a:latin typeface="Cambria Math" panose="02040503050406030204" pitchFamily="18" charset="0"/>
+                                    </a:rPr>
+                                    <m:t> </m:t>
+                                  </m:r>
+                                  <m:r>
+                                    <a:rPr lang="en-US" sz="1200" i="1">
+                                      <a:latin typeface="Cambria Math" panose="02040503050406030204" pitchFamily="18" charset="0"/>
+                                    </a:rPr>
+                                    <m:t>𝑙</m:t>
+                                  </m:r>
+                                  <m:r>
+                                    <a:rPr lang="en-US" sz="1200" i="1">
+                                      <a:latin typeface="Cambria Math" panose="02040503050406030204" pitchFamily="18" charset="0"/>
+                                    </a:rPr>
+                                    <m:t>≤0.5</m:t>
+                                  </m:r>
+                                </m:e>
+                                <m:e>
+                                  <m:r>
+                                    <a:rPr lang="en-US" sz="1200" b="0" i="1" smtClean="0">
+                                      <a:latin typeface="Cambria Math" panose="02040503050406030204" pitchFamily="18" charset="0"/>
+                                    </a:rPr>
+                                    <m:t>𝑓</m:t>
+                                  </m:r>
+                                  <m:r>
+                                    <a:rPr lang="en-US" sz="1200" b="0" i="1" smtClean="0">
+                                      <a:latin typeface="Cambria Math" panose="02040503050406030204" pitchFamily="18" charset="0"/>
+                                    </a:rPr>
+                                    <m:t>(1−</m:t>
+                                  </m:r>
+                                  <m:r>
+                                    <a:rPr lang="en-US" sz="1200" i="1">
+                                      <a:latin typeface="Cambria Math" panose="02040503050406030204" pitchFamily="18" charset="0"/>
+                                    </a:rPr>
+                                    <m:t>𝑙</m:t>
+                                  </m:r>
+                                  <m:r>
+                                    <a:rPr lang="en-US" sz="1200" b="0" i="1" smtClean="0">
+                                      <a:latin typeface="Cambria Math" panose="02040503050406030204" pitchFamily="18" charset="0"/>
+                                    </a:rPr>
+                                    <m:t>)</m:t>
+                                  </m:r>
+                                  <m:r>
+                                    <a:rPr lang="en-US" sz="1200" i="1">
+                                      <a:latin typeface="Cambria Math" panose="02040503050406030204" pitchFamily="18" charset="0"/>
+                                    </a:rPr>
+                                    <m:t> </m:t>
+                                  </m:r>
+                                  <m:r>
+                                    <a:rPr lang="en-US" sz="1200" i="1">
+                                      <a:latin typeface="Cambria Math" panose="02040503050406030204" pitchFamily="18" charset="0"/>
+                                    </a:rPr>
+                                    <m:t>𝑓𝑜𝑟</m:t>
+                                  </m:r>
+                                  <m:r>
+                                    <a:rPr lang="en-US" sz="1200" i="1">
+                                      <a:latin typeface="Cambria Math" panose="02040503050406030204" pitchFamily="18" charset="0"/>
+                                    </a:rPr>
+                                    <m:t> </m:t>
+                                  </m:r>
+                                  <m:r>
+                                    <a:rPr lang="en-US" sz="1200" i="1">
+                                      <a:latin typeface="Cambria Math" panose="02040503050406030204" pitchFamily="18" charset="0"/>
+                                    </a:rPr>
+                                    <m:t>𝑙</m:t>
+                                  </m:r>
+                                  <m:r>
+                                    <a:rPr lang="en-US" sz="1200" i="1">
+                                      <a:latin typeface="Cambria Math" panose="02040503050406030204" pitchFamily="18" charset="0"/>
+                                    </a:rPr>
+                                    <m:t>&gt;0.5</m:t>
+                                  </m:r>
+                                </m:e>
+                              </m:eqArr>
+                              <m:r>
+                                <a:rPr lang="en-US" sz="1200" i="1">
+                                  <a:latin typeface="Cambria Math" panose="02040503050406030204" pitchFamily="18" charset="0"/>
+                                </a:rPr>
+                                <m:t> </m:t>
+                              </m:r>
+                            </m:e>
+                          </m:d>
+                        </m:e>
+                      </m:d>
+                      <m:r>
+                        <a:rPr lang="en-US" sz="1200" b="0" i="1" smtClean="0">
+                          <a:latin typeface="Cambria Math" panose="02040503050406030204" pitchFamily="18" charset="0"/>
+                        </a:rPr>
+                        <m:t>−</m:t>
+                      </m:r>
+                      <m:d>
+                        <m:dPr>
+                          <m:begChr m:val="{"/>
+                          <m:endChr m:val=""/>
+                          <m:ctrlPr>
+                            <a:rPr lang="en-US" sz="1200" i="1">
+                              <a:latin typeface="Cambria Math" panose="02040503050406030204" pitchFamily="18" charset="0"/>
+                            </a:rPr>
+                          </m:ctrlPr>
+                        </m:dPr>
+                        <m:e>
+                          <m:eqArr>
+                            <m:eqArrPr>
+                              <m:ctrlPr>
+                                <a:rPr lang="en-US" sz="1200" i="1">
+                                  <a:latin typeface="Cambria Math" panose="02040503050406030204" pitchFamily="18" charset="0"/>
+                                </a:rPr>
+                              </m:ctrlPr>
+                            </m:eqArrPr>
+                            <m:e>
+                              <m:r>
+                                <a:rPr lang="en-US" sz="1200" i="1">
+                                  <a:latin typeface="Cambria Math" panose="02040503050406030204" pitchFamily="18" charset="0"/>
+                                </a:rPr>
+                                <m:t>(1−</m:t>
+                              </m:r>
+                              <m:r>
+                                <a:rPr lang="en-US" sz="1200" i="1">
+                                  <a:latin typeface="Cambria Math" panose="02040503050406030204" pitchFamily="18" charset="0"/>
+                                </a:rPr>
+                                <m:t>𝑓</m:t>
+                              </m:r>
+                              <m:r>
+                                <a:rPr lang="en-US" sz="1200" i="1">
+                                  <a:latin typeface="Cambria Math" panose="02040503050406030204" pitchFamily="18" charset="0"/>
+                                </a:rPr>
+                                <m:t>)</m:t>
+                              </m:r>
+                              <m:r>
+                                <a:rPr lang="en-US" sz="1200" i="1">
+                                  <a:latin typeface="Cambria Math" panose="02040503050406030204" pitchFamily="18" charset="0"/>
+                                </a:rPr>
+                                <m:t>𝑟</m:t>
+                              </m:r>
+                              <m:r>
+                                <a:rPr lang="en-US" sz="1200" i="1">
+                                  <a:latin typeface="Cambria Math" panose="02040503050406030204" pitchFamily="18" charset="0"/>
+                                </a:rPr>
+                                <m:t> </m:t>
+                              </m:r>
+                              <m:r>
+                                <a:rPr lang="en-US" sz="1200" i="1">
+                                  <a:latin typeface="Cambria Math" panose="02040503050406030204" pitchFamily="18" charset="0"/>
+                                </a:rPr>
+                                <m:t>𝑓𝑜𝑟</m:t>
+                              </m:r>
+                              <m:r>
+                                <a:rPr lang="en-US" sz="1200" i="1">
+                                  <a:latin typeface="Cambria Math" panose="02040503050406030204" pitchFamily="18" charset="0"/>
+                                </a:rPr>
+                                <m:t> </m:t>
+                              </m:r>
+                              <m:r>
+                                <a:rPr lang="en-US" sz="1200" i="1">
+                                  <a:latin typeface="Cambria Math" panose="02040503050406030204" pitchFamily="18" charset="0"/>
+                                </a:rPr>
+                                <m:t>𝑟</m:t>
+                              </m:r>
+                              <m:r>
+                                <a:rPr lang="en-US" sz="1200" i="1">
+                                  <a:latin typeface="Cambria Math" panose="02040503050406030204" pitchFamily="18" charset="0"/>
+                                </a:rPr>
+                                <m:t>≤0.5</m:t>
+                              </m:r>
+                            </m:e>
+                            <m:e>
+                              <m:r>
+                                <a:rPr lang="en-US" sz="1200" b="0" i="1" smtClean="0">
+                                  <a:latin typeface="Cambria Math" panose="02040503050406030204" pitchFamily="18" charset="0"/>
+                                </a:rPr>
+                                <m:t>(1−</m:t>
+                              </m:r>
+                              <m:r>
+                                <a:rPr lang="en-US" sz="1200" b="0" i="1" smtClean="0">
+                                  <a:latin typeface="Cambria Math" panose="02040503050406030204" pitchFamily="18" charset="0"/>
+                                </a:rPr>
+                                <m:t>𝑓</m:t>
+                              </m:r>
+                              <m:r>
+                                <a:rPr lang="en-US" sz="1200" b="0" i="1" smtClean="0">
+                                  <a:latin typeface="Cambria Math" panose="02040503050406030204" pitchFamily="18" charset="0"/>
+                                </a:rPr>
+                                <m:t>)(1−</m:t>
+                              </m:r>
+                              <m:r>
+                                <a:rPr lang="en-US" sz="1200" i="1">
+                                  <a:latin typeface="Cambria Math" panose="02040503050406030204" pitchFamily="18" charset="0"/>
+                                </a:rPr>
+                                <m:t>𝑟</m:t>
+                              </m:r>
+                              <m:r>
+                                <a:rPr lang="en-US" sz="1200" b="0" i="1" smtClean="0">
+                                  <a:latin typeface="Cambria Math" panose="02040503050406030204" pitchFamily="18" charset="0"/>
+                                </a:rPr>
+                                <m:t>)</m:t>
+                              </m:r>
+                              <m:r>
+                                <a:rPr lang="en-US" sz="1200" i="1">
+                                  <a:latin typeface="Cambria Math" panose="02040503050406030204" pitchFamily="18" charset="0"/>
+                                </a:rPr>
+                                <m:t> </m:t>
+                              </m:r>
+                              <m:r>
+                                <a:rPr lang="en-US" sz="1200" i="1">
+                                  <a:latin typeface="Cambria Math" panose="02040503050406030204" pitchFamily="18" charset="0"/>
+                                </a:rPr>
+                                <m:t>𝑓𝑜𝑟</m:t>
+                              </m:r>
+                              <m:r>
+                                <a:rPr lang="en-US" sz="1200" i="1">
+                                  <a:latin typeface="Cambria Math" panose="02040503050406030204" pitchFamily="18" charset="0"/>
+                                </a:rPr>
+                                <m:t> </m:t>
+                              </m:r>
+                              <m:r>
+                                <a:rPr lang="en-US" sz="1200" i="1">
+                                  <a:latin typeface="Cambria Math" panose="02040503050406030204" pitchFamily="18" charset="0"/>
+                                </a:rPr>
+                                <m:t>𝑟</m:t>
+                              </m:r>
+                              <m:r>
+                                <a:rPr lang="en-US" sz="1200" i="1">
+                                  <a:latin typeface="Cambria Math" panose="02040503050406030204" pitchFamily="18" charset="0"/>
+                                </a:rPr>
+                                <m:t>&gt;0.5</m:t>
+                              </m:r>
+                            </m:e>
+                          </m:eqArr>
+                          <m:r>
+                            <a:rPr lang="en-US" sz="1200" i="1">
+                              <a:latin typeface="Cambria Math" panose="02040503050406030204" pitchFamily="18" charset="0"/>
+                            </a:rPr>
+                            <m:t> </m:t>
+                          </m:r>
+                        </m:e>
+                      </m:d>
+                    </m:oMath>
+                  </m:oMathPara>
+                </a14:m>
+                <a:endParaRPr lang="en-US" sz="1200" dirty="0"/>
+              </a:p>
+            </p:txBody>
+          </p:sp>
+        </mc:Choice>
+        <mc:Fallback>
+          <p:sp>
+            <p:nvSpPr>
+              <p:cNvPr id="29" name="TextBox 28">
+                <a:extLst>
+                  <a:ext uri="{FF2B5EF4-FFF2-40B4-BE49-F238E27FC236}">
+                    <a16:creationId xmlns:a16="http://schemas.microsoft.com/office/drawing/2014/main" id="{C87D1928-A684-7E3A-F54C-CBDFA5FA1C9A}"/>
+                  </a:ext>
+                </a:extLst>
+              </p:cNvPr>
+              <p:cNvSpPr txBox="1">
+                <a:spLocks noRot="1" noChangeAspect="1" noMove="1" noResize="1" noEditPoints="1" noAdjustHandles="1" noChangeArrowheads="1" noChangeShapeType="1" noTextEdit="1"/>
+              </p:cNvSpPr>
+              <p:nvPr/>
+            </p:nvSpPr>
+            <p:spPr>
+              <a:xfrm>
+                <a:off x="343007" y="4286234"/>
+                <a:ext cx="5917697" cy="504305"/>
+              </a:xfrm>
+              <a:prstGeom prst="rect">
+                <a:avLst/>
+              </a:prstGeom>
+              <a:blipFill>
+                <a:blip r:embed="rId10"/>
+                <a:stretch>
+                  <a:fillRect l="-3811" t="-175904" b="-256627"/>
+                </a:stretch>
+              </a:blipFill>
+            </p:spPr>
+            <p:txBody>
+              <a:bodyPr/>
+              <a:lstStyle/>
+              <a:p>
+                <a:r>
+                  <a:rPr lang="en-US">
+                    <a:noFill/>
+                  </a:rPr>
+                  <a:t> </a:t>
+                </a:r>
+              </a:p>
+            </p:txBody>
+          </p:sp>
+        </mc:Fallback>
+      </mc:AlternateContent>
+      <mc:AlternateContent xmlns:mc="http://schemas.openxmlformats.org/markup-compatibility/2006">
+        <mc:Choice xmlns:a14="http://schemas.microsoft.com/office/drawing/2010/main" Requires="a14">
+          <p:sp>
+            <p:nvSpPr>
+              <p:cNvPr id="30" name="TextBox 29">
+                <a:extLst>
+                  <a:ext uri="{FF2B5EF4-FFF2-40B4-BE49-F238E27FC236}">
+                    <a16:creationId xmlns:a16="http://schemas.microsoft.com/office/drawing/2014/main" id="{4548118B-FCBC-CA97-A829-F18970E1A1A6}"/>
+                  </a:ext>
+                </a:extLst>
+              </p:cNvPr>
+              <p:cNvSpPr txBox="1"/>
+              <p:nvPr/>
+            </p:nvSpPr>
+            <p:spPr>
+              <a:xfrm>
+                <a:off x="1187407" y="5087476"/>
+                <a:ext cx="6824365" cy="1246495"/>
+              </a:xfrm>
+              <a:prstGeom prst="rect">
+                <a:avLst/>
+              </a:prstGeom>
+              <a:noFill/>
+            </p:spPr>
+            <p:txBody>
+              <a:bodyPr wrap="square">
+                <a:spAutoFit/>
+              </a:bodyPr>
+              <a:lstStyle/>
+              <a:p>
+                <a:pPr/>
+                <a14:m>
+                  <m:oMathPara xmlns:m="http://schemas.openxmlformats.org/officeDocument/2006/math">
+                    <m:oMathParaPr>
+                      <m:jc m:val="left"/>
+                    </m:oMathParaPr>
+                    <m:oMath xmlns:m="http://schemas.openxmlformats.org/officeDocument/2006/math">
+                      <m:d>
+                        <m:dPr>
+                          <m:begChr m:val="{"/>
+                          <m:endChr m:val=""/>
+                          <m:ctrlPr>
+                            <a:rPr lang="en-US" sz="1200" i="1" smtClean="0">
+                              <a:latin typeface="Cambria Math" panose="02040503050406030204" pitchFamily="18" charset="0"/>
+                            </a:rPr>
+                          </m:ctrlPr>
+                        </m:dPr>
+                        <m:e>
+                          <m:eqArr>
+                            <m:eqArrPr>
+                              <m:ctrlPr>
+                                <a:rPr lang="en-US" sz="1200" i="1">
+                                  <a:latin typeface="Cambria Math" panose="02040503050406030204" pitchFamily="18" charset="0"/>
+                                </a:rPr>
+                              </m:ctrlPr>
+                            </m:eqArrPr>
+                            <m:e>
+                              <m:r>
+                                <a:rPr lang="en-US" sz="1200" b="1" i="1" smtClean="0">
+                                  <a:latin typeface="Cambria Math" panose="02040503050406030204" pitchFamily="18" charset="0"/>
+                                </a:rPr>
+                                <m:t>𝒑</m:t>
+                              </m:r>
+                              <m:r>
+                                <a:rPr lang="en-US" sz="1200" b="1" i="1" smtClean="0">
+                                  <a:latin typeface="Cambria Math" panose="02040503050406030204" pitchFamily="18" charset="0"/>
+                                </a:rPr>
+                                <m:t>−</m:t>
+                              </m:r>
+                              <m:r>
+                                <a:rPr lang="en-US" sz="1200" b="1" i="1" smtClean="0">
+                                  <a:latin typeface="Cambria Math" panose="02040503050406030204" pitchFamily="18" charset="0"/>
+                                </a:rPr>
+                                <m:t>𝒇𝒍</m:t>
+                              </m:r>
+                              <m:r>
+                                <a:rPr lang="en-US" sz="1200" b="1" i="1" smtClean="0">
+                                  <a:latin typeface="Cambria Math" panose="02040503050406030204" pitchFamily="18" charset="0"/>
+                                </a:rPr>
+                                <m:t>−</m:t>
+                              </m:r>
+                              <m:r>
+                                <a:rPr lang="en-US" sz="1200" b="1" i="1" smtClean="0">
+                                  <a:latin typeface="Cambria Math" panose="02040503050406030204" pitchFamily="18" charset="0"/>
+                                </a:rPr>
+                                <m:t>𝒓</m:t>
+                              </m:r>
+                              <m:d>
+                                <m:dPr>
+                                  <m:ctrlPr>
+                                    <a:rPr lang="en-US" sz="1200" b="1" i="1" smtClean="0">
+                                      <a:latin typeface="Cambria Math" panose="02040503050406030204" pitchFamily="18" charset="0"/>
+                                    </a:rPr>
+                                  </m:ctrlPr>
+                                </m:dPr>
+                                <m:e>
+                                  <m:r>
+                                    <a:rPr lang="en-US" sz="1200" b="1" i="1" smtClean="0">
+                                      <a:latin typeface="Cambria Math" panose="02040503050406030204" pitchFamily="18" charset="0"/>
+                                    </a:rPr>
+                                    <m:t>𝟏</m:t>
+                                  </m:r>
+                                  <m:r>
+                                    <a:rPr lang="en-US" sz="1200" b="1" i="1" smtClean="0">
+                                      <a:latin typeface="Cambria Math" panose="02040503050406030204" pitchFamily="18" charset="0"/>
+                                    </a:rPr>
+                                    <m:t>−</m:t>
+                                  </m:r>
+                                  <m:r>
+                                    <a:rPr lang="en-US" sz="1200" b="1" i="1" smtClean="0">
+                                      <a:latin typeface="Cambria Math" panose="02040503050406030204" pitchFamily="18" charset="0"/>
+                                    </a:rPr>
+                                    <m:t>𝒇</m:t>
+                                  </m:r>
+                                </m:e>
+                              </m:d>
+                              <m:r>
+                                <a:rPr lang="en-US" sz="1200" b="1" i="1" smtClean="0">
+                                  <a:latin typeface="Cambria Math" panose="02040503050406030204" pitchFamily="18" charset="0"/>
+                                </a:rPr>
+                                <m:t>=</m:t>
+                              </m:r>
+                              <m:r>
+                                <a:rPr lang="en-US" sz="1200" b="1" i="1" smtClean="0">
+                                  <a:latin typeface="Cambria Math" panose="02040503050406030204" pitchFamily="18" charset="0"/>
+                                </a:rPr>
+                                <m:t>𝟎</m:t>
+                              </m:r>
+                              <m:r>
+                                <a:rPr lang="en-US" sz="1200" b="1" i="1" smtClean="0">
+                                  <a:latin typeface="Cambria Math" panose="02040503050406030204" pitchFamily="18" charset="0"/>
+                                </a:rPr>
+                                <m:t>      </m:t>
+                              </m:r>
+                              <m:r>
+                                <a:rPr lang="en-US" sz="1200" b="1" i="1">
+                                  <a:latin typeface="Cambria Math" panose="02040503050406030204" pitchFamily="18" charset="0"/>
+                                </a:rPr>
+                                <m:t>𝒇𝒐𝒓</m:t>
+                              </m:r>
+                              <m:r>
+                                <a:rPr lang="en-US" sz="1200" b="1" i="1">
+                                  <a:latin typeface="Cambria Math" panose="02040503050406030204" pitchFamily="18" charset="0"/>
+                                </a:rPr>
+                                <m:t> </m:t>
+                              </m:r>
+                              <m:r>
+                                <a:rPr lang="en-US" sz="1200" b="1" i="1">
+                                  <a:latin typeface="Cambria Math" panose="02040503050406030204" pitchFamily="18" charset="0"/>
+                                </a:rPr>
+                                <m:t>𝒑</m:t>
+                              </m:r>
+                              <m:r>
+                                <a:rPr lang="en-US" sz="1200" b="1" i="1" smtClean="0">
+                                  <a:latin typeface="Cambria Math" panose="02040503050406030204" pitchFamily="18" charset="0"/>
+                                </a:rPr>
+                                <m:t>,</m:t>
+                              </m:r>
+                              <m:r>
+                                <a:rPr lang="en-US" sz="1200" b="1" i="1" smtClean="0">
+                                  <a:latin typeface="Cambria Math" panose="02040503050406030204" pitchFamily="18" charset="0"/>
+                                </a:rPr>
+                                <m:t>𝒍</m:t>
+                              </m:r>
+                              <m:r>
+                                <a:rPr lang="en-US" sz="1200" b="1" i="1" smtClean="0">
+                                  <a:latin typeface="Cambria Math" panose="02040503050406030204" pitchFamily="18" charset="0"/>
+                                </a:rPr>
+                                <m:t>,</m:t>
+                              </m:r>
+                              <m:r>
+                                <a:rPr lang="en-US" sz="1200" b="1" i="1" smtClean="0">
+                                  <a:latin typeface="Cambria Math" panose="02040503050406030204" pitchFamily="18" charset="0"/>
+                                </a:rPr>
+                                <m:t>𝒓</m:t>
+                              </m:r>
+                              <m:r>
+                                <a:rPr lang="en-US" sz="1200" b="1" i="1">
+                                  <a:latin typeface="Cambria Math" panose="02040503050406030204" pitchFamily="18" charset="0"/>
+                                </a:rPr>
+                                <m:t>≤</m:t>
+                              </m:r>
+                              <m:r>
+                                <a:rPr lang="en-US" sz="1200" b="1" i="1">
+                                  <a:latin typeface="Cambria Math" panose="02040503050406030204" pitchFamily="18" charset="0"/>
+                                </a:rPr>
+                                <m:t>𝟎</m:t>
+                              </m:r>
+                              <m:r>
+                                <a:rPr lang="en-US" sz="1200" b="1" i="1">
+                                  <a:latin typeface="Cambria Math" panose="02040503050406030204" pitchFamily="18" charset="0"/>
+                                </a:rPr>
+                                <m:t>.</m:t>
+                              </m:r>
+                              <m:r>
+                                <a:rPr lang="en-US" sz="1200" b="1" i="1">
+                                  <a:latin typeface="Cambria Math" panose="02040503050406030204" pitchFamily="18" charset="0"/>
+                                </a:rPr>
+                                <m:t>𝟓</m:t>
+                              </m:r>
+                            </m:e>
+                            <m:e>
+                              <m:r>
+                                <a:rPr lang="en-US" sz="1200" b="0" i="1" smtClean="0">
+                                  <a:latin typeface="Cambria Math" panose="02040503050406030204" pitchFamily="18" charset="0"/>
+                                </a:rPr>
+                                <m:t>𝑝</m:t>
+                              </m:r>
+                              <m:r>
+                                <a:rPr lang="en-US" sz="1200" b="0" i="1" smtClean="0">
+                                  <a:latin typeface="Cambria Math" panose="02040503050406030204" pitchFamily="18" charset="0"/>
+                                </a:rPr>
+                                <m:t>−</m:t>
+                              </m:r>
+                              <m:r>
+                                <a:rPr lang="en-US" sz="1200" b="0" i="1" smtClean="0">
+                                  <a:latin typeface="Cambria Math" panose="02040503050406030204" pitchFamily="18" charset="0"/>
+                                </a:rPr>
+                                <m:t>𝑓𝑙</m:t>
+                              </m:r>
+                              <m:r>
+                                <a:rPr lang="en-US" sz="1200" b="0" i="1" smtClean="0">
+                                  <a:latin typeface="Cambria Math" panose="02040503050406030204" pitchFamily="18" charset="0"/>
+                                </a:rPr>
+                                <m:t>−</m:t>
+                              </m:r>
+                              <m:d>
+                                <m:dPr>
+                                  <m:ctrlPr>
+                                    <a:rPr lang="en-US" sz="1200" b="0" i="1" smtClean="0">
+                                      <a:latin typeface="Cambria Math" panose="02040503050406030204" pitchFamily="18" charset="0"/>
+                                    </a:rPr>
+                                  </m:ctrlPr>
+                                </m:dPr>
+                                <m:e>
+                                  <m:r>
+                                    <a:rPr lang="en-US" sz="1200" b="0" i="1" smtClean="0">
+                                      <a:latin typeface="Cambria Math" panose="02040503050406030204" pitchFamily="18" charset="0"/>
+                                    </a:rPr>
+                                    <m:t>1−</m:t>
+                                  </m:r>
+                                  <m:r>
+                                    <a:rPr lang="en-US" sz="1200" b="0" i="1" smtClean="0">
+                                      <a:latin typeface="Cambria Math" panose="02040503050406030204" pitchFamily="18" charset="0"/>
+                                    </a:rPr>
+                                    <m:t>𝑓</m:t>
+                                  </m:r>
+                                </m:e>
+                              </m:d>
+                              <m:d>
+                                <m:dPr>
+                                  <m:ctrlPr>
+                                    <a:rPr lang="en-US" sz="1200" b="0" i="1" smtClean="0">
+                                      <a:latin typeface="Cambria Math" panose="02040503050406030204" pitchFamily="18" charset="0"/>
+                                    </a:rPr>
+                                  </m:ctrlPr>
+                                </m:dPr>
+                                <m:e>
+                                  <m:r>
+                                    <a:rPr lang="en-US" sz="1200" b="0" i="1" smtClean="0">
+                                      <a:latin typeface="Cambria Math" panose="02040503050406030204" pitchFamily="18" charset="0"/>
+                                    </a:rPr>
+                                    <m:t>1−</m:t>
+                                  </m:r>
+                                  <m:r>
+                                    <a:rPr lang="en-US" sz="1200" b="0" i="1" smtClean="0">
+                                      <a:latin typeface="Cambria Math" panose="02040503050406030204" pitchFamily="18" charset="0"/>
+                                    </a:rPr>
+                                    <m:t>𝑟</m:t>
+                                  </m:r>
+                                </m:e>
+                              </m:d>
+                              <m:r>
+                                <a:rPr lang="en-US" sz="1200" b="0" i="1" smtClean="0">
+                                  <a:latin typeface="Cambria Math" panose="02040503050406030204" pitchFamily="18" charset="0"/>
+                                </a:rPr>
+                                <m:t>= </m:t>
+                              </m:r>
+                              <m:d>
+                                <m:dPr>
+                                  <m:ctrlPr>
+                                    <a:rPr lang="en-US" sz="1200" b="0" i="1" smtClean="0">
+                                      <a:latin typeface="Cambria Math" panose="02040503050406030204" pitchFamily="18" charset="0"/>
+                                    </a:rPr>
+                                  </m:ctrlPr>
+                                </m:dPr>
+                                <m:e>
+                                  <m:r>
+                                    <a:rPr lang="en-US" sz="1200" b="0" i="1" smtClean="0">
+                                      <a:latin typeface="Cambria Math" panose="02040503050406030204" pitchFamily="18" charset="0"/>
+                                    </a:rPr>
+                                    <m:t>1−</m:t>
+                                  </m:r>
+                                  <m:r>
+                                    <a:rPr lang="en-US" sz="1200" b="0" i="1" smtClean="0">
+                                      <a:latin typeface="Cambria Math" panose="02040503050406030204" pitchFamily="18" charset="0"/>
+                                    </a:rPr>
+                                    <m:t>𝑓</m:t>
+                                  </m:r>
+                                </m:e>
+                              </m:d>
+                              <m:d>
+                                <m:dPr>
+                                  <m:ctrlPr>
+                                    <a:rPr lang="en-US" sz="1200" b="0" i="1" smtClean="0">
+                                      <a:latin typeface="Cambria Math" panose="02040503050406030204" pitchFamily="18" charset="0"/>
+                                    </a:rPr>
+                                  </m:ctrlPr>
+                                </m:dPr>
+                                <m:e>
+                                  <m:r>
+                                    <a:rPr lang="en-US" sz="1200" b="0" i="1" smtClean="0">
+                                      <a:latin typeface="Cambria Math" panose="02040503050406030204" pitchFamily="18" charset="0"/>
+                                    </a:rPr>
+                                    <m:t>2</m:t>
+                                  </m:r>
+                                  <m:r>
+                                    <a:rPr lang="en-US" sz="1200" b="0" i="1" smtClean="0">
+                                      <a:latin typeface="Cambria Math" panose="02040503050406030204" pitchFamily="18" charset="0"/>
+                                    </a:rPr>
+                                    <m:t>𝑟</m:t>
+                                  </m:r>
+                                  <m:r>
+                                    <a:rPr lang="en-US" sz="1200" b="0" i="1" smtClean="0">
+                                      <a:latin typeface="Cambria Math" panose="02040503050406030204" pitchFamily="18" charset="0"/>
+                                    </a:rPr>
+                                    <m:t>−1</m:t>
+                                  </m:r>
+                                </m:e>
+                              </m:d>
+                              <m:r>
+                                <a:rPr lang="en-US" sz="1200" b="0" i="1" smtClean="0">
+                                  <a:latin typeface="Cambria Math" panose="02040503050406030204" pitchFamily="18" charset="0"/>
+                                </a:rPr>
+                                <m:t> </m:t>
+                              </m:r>
+                              <m:r>
+                                <a:rPr lang="en-US" sz="1200" b="0" i="1" smtClean="0">
+                                  <a:latin typeface="Cambria Math" panose="02040503050406030204" pitchFamily="18" charset="0"/>
+                                </a:rPr>
+                                <m:t>𝑓𝑜𝑟</m:t>
+                              </m:r>
+                              <m:r>
+                                <a:rPr lang="en-US" sz="1200" b="0" i="1" smtClean="0">
+                                  <a:latin typeface="Cambria Math" panose="02040503050406030204" pitchFamily="18" charset="0"/>
+                                </a:rPr>
+                                <m:t> </m:t>
+                              </m:r>
+                              <m:r>
+                                <a:rPr lang="en-US" sz="1200" b="0" i="1" smtClean="0">
+                                  <a:latin typeface="Cambria Math" panose="02040503050406030204" pitchFamily="18" charset="0"/>
+                                </a:rPr>
+                                <m:t>𝑝</m:t>
+                              </m:r>
+                              <m:r>
+                                <a:rPr lang="en-US" sz="1200" b="0" i="1" smtClean="0">
+                                  <a:latin typeface="Cambria Math" panose="02040503050406030204" pitchFamily="18" charset="0"/>
+                                </a:rPr>
+                                <m:t>,</m:t>
+                              </m:r>
+                              <m:r>
+                                <a:rPr lang="en-US" sz="1200" b="0" i="1" smtClean="0">
+                                  <a:latin typeface="Cambria Math" panose="02040503050406030204" pitchFamily="18" charset="0"/>
+                                </a:rPr>
+                                <m:t>𝑙</m:t>
+                              </m:r>
+                              <m:r>
+                                <a:rPr lang="en-US" sz="1200" b="0" i="1" smtClean="0">
+                                  <a:latin typeface="Cambria Math" panose="02040503050406030204" pitchFamily="18" charset="0"/>
+                                </a:rPr>
+                                <m:t>≤0.5 </m:t>
+                              </m:r>
+                              <m:r>
+                                <a:rPr lang="en-US" sz="1200" b="0" i="1" smtClean="0">
+                                  <a:latin typeface="Cambria Math" panose="02040503050406030204" pitchFamily="18" charset="0"/>
+                                </a:rPr>
+                                <m:t>𝑟</m:t>
+                              </m:r>
+                              <m:r>
+                                <a:rPr lang="en-US" sz="1200" b="0" i="1" smtClean="0">
+                                  <a:latin typeface="Cambria Math" panose="02040503050406030204" pitchFamily="18" charset="0"/>
+                                </a:rPr>
+                                <m:t>&gt;0.5</m:t>
+                              </m:r>
+                            </m:e>
+                            <m:e>
+                              <m:r>
+                                <a:rPr lang="en-US" sz="1200" b="0" i="1" smtClean="0">
+                                  <a:latin typeface="Cambria Math" panose="02040503050406030204" pitchFamily="18" charset="0"/>
+                                </a:rPr>
+                                <m:t>𝑝</m:t>
+                              </m:r>
+                              <m:r>
+                                <a:rPr lang="en-US" sz="1200" b="0" i="1" smtClean="0">
+                                  <a:latin typeface="Cambria Math" panose="02040503050406030204" pitchFamily="18" charset="0"/>
+                                </a:rPr>
+                                <m:t>−</m:t>
+                              </m:r>
+                              <m:r>
+                                <a:rPr lang="en-US" sz="1200" b="0" i="1" smtClean="0">
+                                  <a:latin typeface="Cambria Math" panose="02040503050406030204" pitchFamily="18" charset="0"/>
+                                </a:rPr>
+                                <m:t>𝑓</m:t>
+                              </m:r>
+                              <m:d>
+                                <m:dPr>
+                                  <m:ctrlPr>
+                                    <a:rPr lang="en-US" sz="1200" b="0" i="1" smtClean="0">
+                                      <a:latin typeface="Cambria Math" panose="02040503050406030204" pitchFamily="18" charset="0"/>
+                                    </a:rPr>
+                                  </m:ctrlPr>
+                                </m:dPr>
+                                <m:e>
+                                  <m:r>
+                                    <a:rPr lang="en-US" sz="1200" b="0" i="1" smtClean="0">
+                                      <a:latin typeface="Cambria Math" panose="02040503050406030204" pitchFamily="18" charset="0"/>
+                                    </a:rPr>
+                                    <m:t>1−</m:t>
+                                  </m:r>
+                                  <m:r>
+                                    <a:rPr lang="en-US" sz="1200" b="0" i="1" smtClean="0">
+                                      <a:latin typeface="Cambria Math" panose="02040503050406030204" pitchFamily="18" charset="0"/>
+                                    </a:rPr>
+                                    <m:t>𝑙</m:t>
+                                  </m:r>
+                                </m:e>
+                              </m:d>
+                              <m:r>
+                                <a:rPr lang="en-US" sz="1200" b="0" i="1" smtClean="0">
+                                  <a:latin typeface="Cambria Math" panose="02040503050406030204" pitchFamily="18" charset="0"/>
+                                </a:rPr>
+                                <m:t>−</m:t>
+                              </m:r>
+                              <m:d>
+                                <m:dPr>
+                                  <m:ctrlPr>
+                                    <a:rPr lang="en-US" sz="1200" b="0" i="1" smtClean="0">
+                                      <a:latin typeface="Cambria Math" panose="02040503050406030204" pitchFamily="18" charset="0"/>
+                                    </a:rPr>
+                                  </m:ctrlPr>
+                                </m:dPr>
+                                <m:e>
+                                  <m:r>
+                                    <a:rPr lang="en-US" sz="1200" b="0" i="1" smtClean="0">
+                                      <a:latin typeface="Cambria Math" panose="02040503050406030204" pitchFamily="18" charset="0"/>
+                                    </a:rPr>
+                                    <m:t>1−</m:t>
+                                  </m:r>
+                                  <m:r>
+                                    <a:rPr lang="en-US" sz="1200" b="0" i="1" smtClean="0">
+                                      <a:latin typeface="Cambria Math" panose="02040503050406030204" pitchFamily="18" charset="0"/>
+                                    </a:rPr>
+                                    <m:t>𝑓</m:t>
+                                  </m:r>
+                                </m:e>
+                              </m:d>
+                              <m:r>
+                                <a:rPr lang="en-US" sz="1200" b="0" i="1" smtClean="0">
+                                  <a:latin typeface="Cambria Math" panose="02040503050406030204" pitchFamily="18" charset="0"/>
+                                </a:rPr>
+                                <m:t>𝑟</m:t>
+                              </m:r>
+                              <m:r>
+                                <a:rPr lang="en-US" sz="1200" b="0" i="1" smtClean="0">
+                                  <a:latin typeface="Cambria Math" panose="02040503050406030204" pitchFamily="18" charset="0"/>
+                                </a:rPr>
+                                <m:t>=</m:t>
+                              </m:r>
+                              <m:r>
+                                <a:rPr lang="en-US" sz="1200" b="0" i="1" smtClean="0">
+                                  <a:latin typeface="Cambria Math" panose="02040503050406030204" pitchFamily="18" charset="0"/>
+                                </a:rPr>
+                                <m:t>𝑓</m:t>
+                              </m:r>
+                              <m:d>
+                                <m:dPr>
+                                  <m:ctrlPr>
+                                    <a:rPr lang="en-US" sz="1200" b="0" i="1" smtClean="0">
+                                      <a:latin typeface="Cambria Math" panose="02040503050406030204" pitchFamily="18" charset="0"/>
+                                    </a:rPr>
+                                  </m:ctrlPr>
+                                </m:dPr>
+                                <m:e>
+                                  <m:r>
+                                    <a:rPr lang="en-US" sz="1200" b="0" i="1" smtClean="0">
+                                      <a:latin typeface="Cambria Math" panose="02040503050406030204" pitchFamily="18" charset="0"/>
+                                    </a:rPr>
+                                    <m:t>2</m:t>
+                                  </m:r>
+                                  <m:r>
+                                    <a:rPr lang="en-US" sz="1200" b="0" i="1" smtClean="0">
+                                      <a:latin typeface="Cambria Math" panose="02040503050406030204" pitchFamily="18" charset="0"/>
+                                    </a:rPr>
+                                    <m:t>𝑙</m:t>
+                                  </m:r>
+                                  <m:r>
+                                    <a:rPr lang="en-US" sz="1200" b="0" i="1" smtClean="0">
+                                      <a:latin typeface="Cambria Math" panose="02040503050406030204" pitchFamily="18" charset="0"/>
+                                    </a:rPr>
+                                    <m:t>−1</m:t>
+                                  </m:r>
+                                </m:e>
+                              </m:d>
+                              <m:r>
+                                <a:rPr lang="en-US" sz="1200" b="0" i="1" smtClean="0">
+                                  <a:latin typeface="Cambria Math" panose="02040503050406030204" pitchFamily="18" charset="0"/>
+                                </a:rPr>
+                                <m:t> </m:t>
+                              </m:r>
+                              <m:r>
+                                <a:rPr lang="en-US" sz="1200" b="0" i="1" smtClean="0">
+                                  <a:latin typeface="Cambria Math" panose="02040503050406030204" pitchFamily="18" charset="0"/>
+                                </a:rPr>
+                                <m:t>𝑓𝑜𝑟</m:t>
+                              </m:r>
+                              <m:r>
+                                <a:rPr lang="en-US" sz="1200" b="0" i="1" smtClean="0">
+                                  <a:latin typeface="Cambria Math" panose="02040503050406030204" pitchFamily="18" charset="0"/>
+                                </a:rPr>
+                                <m:t> </m:t>
+                              </m:r>
+                              <m:r>
+                                <a:rPr lang="en-US" sz="1200" b="0" i="1" smtClean="0">
+                                  <a:latin typeface="Cambria Math" panose="02040503050406030204" pitchFamily="18" charset="0"/>
+                                </a:rPr>
+                                <m:t>𝑝</m:t>
+                              </m:r>
+                              <m:r>
+                                <a:rPr lang="en-US" sz="1200" b="0" i="1" smtClean="0">
+                                  <a:latin typeface="Cambria Math" panose="02040503050406030204" pitchFamily="18" charset="0"/>
+                                </a:rPr>
+                                <m:t>,</m:t>
+                              </m:r>
+                              <m:r>
+                                <a:rPr lang="en-US" sz="1200" b="0" i="1" smtClean="0">
+                                  <a:latin typeface="Cambria Math" panose="02040503050406030204" pitchFamily="18" charset="0"/>
+                                </a:rPr>
+                                <m:t>𝑟</m:t>
+                              </m:r>
+                              <m:r>
+                                <a:rPr lang="en-US" sz="1200" b="0" i="1" smtClean="0">
+                                  <a:latin typeface="Cambria Math" panose="02040503050406030204" pitchFamily="18" charset="0"/>
+                                </a:rPr>
+                                <m:t>≤0.5 </m:t>
+                              </m:r>
+                              <m:r>
+                                <a:rPr lang="en-US" sz="1200" b="0" i="1" smtClean="0">
+                                  <a:latin typeface="Cambria Math" panose="02040503050406030204" pitchFamily="18" charset="0"/>
+                                </a:rPr>
+                                <m:t>𝑙</m:t>
+                              </m:r>
+                              <m:r>
+                                <a:rPr lang="en-US" sz="1200" b="0" i="1" smtClean="0">
+                                  <a:latin typeface="Cambria Math" panose="02040503050406030204" pitchFamily="18" charset="0"/>
+                                </a:rPr>
+                                <m:t>&gt;0.5</m:t>
+                              </m:r>
+                            </m:e>
+                            <m:e>
+                              <m:d>
+                                <m:dPr>
+                                  <m:ctrlPr>
+                                    <a:rPr lang="en-US" sz="1200" b="1" i="1" smtClean="0">
+                                      <a:latin typeface="Cambria Math" panose="02040503050406030204" pitchFamily="18" charset="0"/>
+                                    </a:rPr>
+                                  </m:ctrlPr>
+                                </m:dPr>
+                                <m:e>
+                                  <m:r>
+                                    <a:rPr lang="en-US" sz="1200" b="1" i="1" smtClean="0">
+                                      <a:latin typeface="Cambria Math" panose="02040503050406030204" pitchFamily="18" charset="0"/>
+                                    </a:rPr>
+                                    <m:t>𝟏</m:t>
+                                  </m:r>
+                                  <m:r>
+                                    <a:rPr lang="en-US" sz="1200" b="1" i="1" smtClean="0">
+                                      <a:latin typeface="Cambria Math" panose="02040503050406030204" pitchFamily="18" charset="0"/>
+                                    </a:rPr>
+                                    <m:t>−</m:t>
+                                  </m:r>
+                                  <m:r>
+                                    <a:rPr lang="en-US" sz="1200" b="1" i="1" smtClean="0">
+                                      <a:latin typeface="Cambria Math" panose="02040503050406030204" pitchFamily="18" charset="0"/>
+                                    </a:rPr>
+                                    <m:t>𝒑</m:t>
+                                  </m:r>
+                                </m:e>
+                              </m:d>
+                              <m:r>
+                                <a:rPr lang="en-US" sz="1200" b="1" i="1" smtClean="0">
+                                  <a:latin typeface="Cambria Math" panose="02040503050406030204" pitchFamily="18" charset="0"/>
+                                </a:rPr>
+                                <m:t>−</m:t>
+                              </m:r>
+                              <m:r>
+                                <a:rPr lang="en-US" sz="1200" b="1" i="1" smtClean="0">
+                                  <a:latin typeface="Cambria Math" panose="02040503050406030204" pitchFamily="18" charset="0"/>
+                                </a:rPr>
+                                <m:t>𝒇</m:t>
+                              </m:r>
+                              <m:d>
+                                <m:dPr>
+                                  <m:ctrlPr>
+                                    <a:rPr lang="en-US" sz="1200" b="1" i="1" smtClean="0">
+                                      <a:latin typeface="Cambria Math" panose="02040503050406030204" pitchFamily="18" charset="0"/>
+                                    </a:rPr>
+                                  </m:ctrlPr>
+                                </m:dPr>
+                                <m:e>
+                                  <m:r>
+                                    <a:rPr lang="en-US" sz="1200" b="1" i="1" smtClean="0">
+                                      <a:latin typeface="Cambria Math" panose="02040503050406030204" pitchFamily="18" charset="0"/>
+                                    </a:rPr>
+                                    <m:t>𝟏</m:t>
+                                  </m:r>
+                                  <m:r>
+                                    <a:rPr lang="en-US" sz="1200" b="1" i="1" smtClean="0">
+                                      <a:latin typeface="Cambria Math" panose="02040503050406030204" pitchFamily="18" charset="0"/>
+                                    </a:rPr>
+                                    <m:t>−</m:t>
+                                  </m:r>
+                                  <m:r>
+                                    <a:rPr lang="en-US" sz="1200" b="1" i="1" smtClean="0">
+                                      <a:latin typeface="Cambria Math" panose="02040503050406030204" pitchFamily="18" charset="0"/>
+                                    </a:rPr>
+                                    <m:t>𝒍</m:t>
+                                  </m:r>
+                                </m:e>
+                              </m:d>
+                              <m:r>
+                                <a:rPr lang="en-US" sz="1200" b="1" i="1" smtClean="0">
+                                  <a:latin typeface="Cambria Math" panose="02040503050406030204" pitchFamily="18" charset="0"/>
+                                </a:rPr>
+                                <m:t>−</m:t>
+                              </m:r>
+                              <m:d>
+                                <m:dPr>
+                                  <m:ctrlPr>
+                                    <a:rPr lang="en-US" sz="1200" b="1" i="1" smtClean="0">
+                                      <a:latin typeface="Cambria Math" panose="02040503050406030204" pitchFamily="18" charset="0"/>
+                                    </a:rPr>
+                                  </m:ctrlPr>
+                                </m:dPr>
+                                <m:e>
+                                  <m:r>
+                                    <a:rPr lang="en-US" sz="1200" b="1" i="1" smtClean="0">
+                                      <a:latin typeface="Cambria Math" panose="02040503050406030204" pitchFamily="18" charset="0"/>
+                                    </a:rPr>
+                                    <m:t>𝟏</m:t>
+                                  </m:r>
+                                  <m:r>
+                                    <a:rPr lang="en-US" sz="1200" b="1" i="1" smtClean="0">
+                                      <a:latin typeface="Cambria Math" panose="02040503050406030204" pitchFamily="18" charset="0"/>
+                                    </a:rPr>
+                                    <m:t>−</m:t>
+                                  </m:r>
+                                  <m:r>
+                                    <a:rPr lang="en-US" sz="1200" b="1" i="1" smtClean="0">
+                                      <a:latin typeface="Cambria Math" panose="02040503050406030204" pitchFamily="18" charset="0"/>
+                                    </a:rPr>
+                                    <m:t>𝒇</m:t>
+                                  </m:r>
+                                </m:e>
+                              </m:d>
+                              <m:d>
+                                <m:dPr>
+                                  <m:ctrlPr>
+                                    <a:rPr lang="en-US" sz="1200" b="1" i="1" smtClean="0">
+                                      <a:latin typeface="Cambria Math" panose="02040503050406030204" pitchFamily="18" charset="0"/>
+                                    </a:rPr>
+                                  </m:ctrlPr>
+                                </m:dPr>
+                                <m:e>
+                                  <m:r>
+                                    <a:rPr lang="en-US" sz="1200" b="1" i="1" smtClean="0">
+                                      <a:latin typeface="Cambria Math" panose="02040503050406030204" pitchFamily="18" charset="0"/>
+                                    </a:rPr>
+                                    <m:t>𝟏</m:t>
+                                  </m:r>
+                                  <m:r>
+                                    <a:rPr lang="en-US" sz="1200" b="1" i="1" smtClean="0">
+                                      <a:latin typeface="Cambria Math" panose="02040503050406030204" pitchFamily="18" charset="0"/>
+                                    </a:rPr>
+                                    <m:t>−</m:t>
+                                  </m:r>
+                                  <m:r>
+                                    <a:rPr lang="en-US" sz="1200" b="1" i="1" smtClean="0">
+                                      <a:latin typeface="Cambria Math" panose="02040503050406030204" pitchFamily="18" charset="0"/>
+                                    </a:rPr>
+                                    <m:t>𝒓</m:t>
+                                  </m:r>
+                                </m:e>
+                              </m:d>
+                              <m:r>
+                                <a:rPr lang="en-US" sz="1200" b="1" i="1" smtClean="0">
+                                  <a:latin typeface="Cambria Math" panose="02040503050406030204" pitchFamily="18" charset="0"/>
+                                </a:rPr>
+                                <m:t>=</m:t>
+                              </m:r>
+                              <m:r>
+                                <a:rPr lang="en-US" sz="1200" b="1" i="1" smtClean="0">
+                                  <a:latin typeface="Cambria Math" panose="02040503050406030204" pitchFamily="18" charset="0"/>
+                                </a:rPr>
+                                <m:t>𝟎</m:t>
+                              </m:r>
+                              <m:r>
+                                <a:rPr lang="en-US" sz="1200" b="1" i="1" smtClean="0">
+                                  <a:latin typeface="Cambria Math" panose="02040503050406030204" pitchFamily="18" charset="0"/>
+                                </a:rPr>
+                                <m:t> </m:t>
+                              </m:r>
+                              <m:r>
+                                <a:rPr lang="en-US" sz="1200" b="1" i="1" smtClean="0">
+                                  <a:latin typeface="Cambria Math" panose="02040503050406030204" pitchFamily="18" charset="0"/>
+                                </a:rPr>
+                                <m:t>𝒇𝒐𝒓</m:t>
+                              </m:r>
+                              <m:r>
+                                <a:rPr lang="en-US" sz="1200" b="1" i="1" smtClean="0">
+                                  <a:latin typeface="Cambria Math" panose="02040503050406030204" pitchFamily="18" charset="0"/>
+                                </a:rPr>
+                                <m:t> </m:t>
+                              </m:r>
+                              <m:r>
+                                <a:rPr lang="en-US" sz="1200" b="1" i="1" smtClean="0">
+                                  <a:latin typeface="Cambria Math" panose="02040503050406030204" pitchFamily="18" charset="0"/>
+                                </a:rPr>
+                                <m:t>𝒑</m:t>
+                              </m:r>
+                              <m:r>
+                                <a:rPr lang="en-US" sz="1200" b="1" i="1" smtClean="0">
+                                  <a:latin typeface="Cambria Math" panose="02040503050406030204" pitchFamily="18" charset="0"/>
+                                </a:rPr>
+                                <m:t>,</m:t>
+                              </m:r>
+                              <m:r>
+                                <a:rPr lang="en-US" sz="1200" b="1" i="1" smtClean="0">
+                                  <a:latin typeface="Cambria Math" panose="02040503050406030204" pitchFamily="18" charset="0"/>
+                                </a:rPr>
+                                <m:t>𝒍</m:t>
+                              </m:r>
+                              <m:r>
+                                <a:rPr lang="en-US" sz="1200" b="1" i="1" smtClean="0">
+                                  <a:latin typeface="Cambria Math" panose="02040503050406030204" pitchFamily="18" charset="0"/>
+                                </a:rPr>
+                                <m:t>,</m:t>
+                              </m:r>
+                              <m:r>
+                                <a:rPr lang="en-US" sz="1200" b="1" i="1" smtClean="0">
+                                  <a:latin typeface="Cambria Math" panose="02040503050406030204" pitchFamily="18" charset="0"/>
+                                </a:rPr>
+                                <m:t>𝒓</m:t>
+                              </m:r>
+                              <m:r>
+                                <a:rPr lang="en-US" sz="1200" b="1" i="1" smtClean="0">
+                                  <a:latin typeface="Cambria Math" panose="02040503050406030204" pitchFamily="18" charset="0"/>
+                                </a:rPr>
+                                <m:t>≥</m:t>
+                              </m:r>
+                              <m:r>
+                                <a:rPr lang="en-US" sz="1200" b="1" i="1" smtClean="0">
+                                  <a:latin typeface="Cambria Math" panose="02040503050406030204" pitchFamily="18" charset="0"/>
+                                </a:rPr>
+                                <m:t>𝟎</m:t>
+                              </m:r>
+                              <m:r>
+                                <a:rPr lang="en-US" sz="1200" b="1" i="1" smtClean="0">
+                                  <a:latin typeface="Cambria Math" panose="02040503050406030204" pitchFamily="18" charset="0"/>
+                                </a:rPr>
+                                <m:t>.</m:t>
+                              </m:r>
+                              <m:r>
+                                <a:rPr lang="en-US" sz="1200" b="1" i="1" smtClean="0">
+                                  <a:latin typeface="Cambria Math" panose="02040503050406030204" pitchFamily="18" charset="0"/>
+                                </a:rPr>
+                                <m:t>𝟓</m:t>
+                              </m:r>
+                            </m:e>
+                            <m:e>
+                              <m:d>
+                                <m:dPr>
+                                  <m:ctrlPr>
+                                    <a:rPr lang="en-US" sz="1200" b="0" i="1" smtClean="0">
+                                      <a:latin typeface="Cambria Math" panose="02040503050406030204" pitchFamily="18" charset="0"/>
+                                    </a:rPr>
+                                  </m:ctrlPr>
+                                </m:dPr>
+                                <m:e>
+                                  <m:r>
+                                    <a:rPr lang="en-US" sz="1200" b="0" i="1" smtClean="0">
+                                      <a:latin typeface="Cambria Math" panose="02040503050406030204" pitchFamily="18" charset="0"/>
+                                    </a:rPr>
+                                    <m:t>1−</m:t>
+                                  </m:r>
+                                  <m:r>
+                                    <a:rPr lang="en-US" sz="1200" b="0" i="1" smtClean="0">
+                                      <a:latin typeface="Cambria Math" panose="02040503050406030204" pitchFamily="18" charset="0"/>
+                                    </a:rPr>
+                                    <m:t>𝑝</m:t>
+                                  </m:r>
+                                </m:e>
+                              </m:d>
+                              <m:r>
+                                <a:rPr lang="en-US" sz="1200" b="0" i="1" smtClean="0">
+                                  <a:latin typeface="Cambria Math" panose="02040503050406030204" pitchFamily="18" charset="0"/>
+                                </a:rPr>
+                                <m:t>−</m:t>
+                              </m:r>
+                              <m:r>
+                                <a:rPr lang="en-US" sz="1200" b="0" i="1" smtClean="0">
+                                  <a:latin typeface="Cambria Math" panose="02040503050406030204" pitchFamily="18" charset="0"/>
+                                </a:rPr>
+                                <m:t>𝑓</m:t>
+                              </m:r>
+                              <m:d>
+                                <m:dPr>
+                                  <m:ctrlPr>
+                                    <a:rPr lang="en-US" sz="1200" b="0" i="1" smtClean="0">
+                                      <a:latin typeface="Cambria Math" panose="02040503050406030204" pitchFamily="18" charset="0"/>
+                                    </a:rPr>
+                                  </m:ctrlPr>
+                                </m:dPr>
+                                <m:e>
+                                  <m:r>
+                                    <a:rPr lang="en-US" sz="1200" b="0" i="1" smtClean="0">
+                                      <a:latin typeface="Cambria Math" panose="02040503050406030204" pitchFamily="18" charset="0"/>
+                                    </a:rPr>
+                                    <m:t>1−</m:t>
+                                  </m:r>
+                                  <m:r>
+                                    <a:rPr lang="en-US" sz="1200" b="0" i="1" smtClean="0">
+                                      <a:latin typeface="Cambria Math" panose="02040503050406030204" pitchFamily="18" charset="0"/>
+                                    </a:rPr>
+                                    <m:t>𝑙</m:t>
+                                  </m:r>
+                                </m:e>
+                              </m:d>
+                              <m:r>
+                                <a:rPr lang="en-US" sz="1200" b="0" i="1" smtClean="0">
+                                  <a:latin typeface="Cambria Math" panose="02040503050406030204" pitchFamily="18" charset="0"/>
+                                </a:rPr>
+                                <m:t>−</m:t>
+                              </m:r>
+                              <m:d>
+                                <m:dPr>
+                                  <m:ctrlPr>
+                                    <a:rPr lang="en-US" sz="1200" b="0" i="1" smtClean="0">
+                                      <a:latin typeface="Cambria Math" panose="02040503050406030204" pitchFamily="18" charset="0"/>
+                                    </a:rPr>
+                                  </m:ctrlPr>
+                                </m:dPr>
+                                <m:e>
+                                  <m:r>
+                                    <a:rPr lang="en-US" sz="1200" b="0" i="1" smtClean="0">
+                                      <a:latin typeface="Cambria Math" panose="02040503050406030204" pitchFamily="18" charset="0"/>
+                                    </a:rPr>
+                                    <m:t>1−</m:t>
+                                  </m:r>
+                                  <m:r>
+                                    <a:rPr lang="en-US" sz="1200" b="0" i="1" smtClean="0">
+                                      <a:latin typeface="Cambria Math" panose="02040503050406030204" pitchFamily="18" charset="0"/>
+                                    </a:rPr>
+                                    <m:t>𝑓</m:t>
+                                  </m:r>
+                                </m:e>
+                              </m:d>
+                              <m:r>
+                                <a:rPr lang="en-US" sz="1200" b="0" i="1" smtClean="0">
+                                  <a:latin typeface="Cambria Math" panose="02040503050406030204" pitchFamily="18" charset="0"/>
+                                </a:rPr>
+                                <m:t>𝑟</m:t>
+                              </m:r>
+                              <m:r>
+                                <a:rPr lang="en-US" sz="1200" b="0" i="1" smtClean="0">
+                                  <a:latin typeface="Cambria Math" panose="02040503050406030204" pitchFamily="18" charset="0"/>
+                                </a:rPr>
+                                <m:t>=(1−2</m:t>
+                              </m:r>
+                              <m:r>
+                                <a:rPr lang="en-US" sz="1200" b="0" i="1" smtClean="0">
+                                  <a:latin typeface="Cambria Math" panose="02040503050406030204" pitchFamily="18" charset="0"/>
+                                </a:rPr>
+                                <m:t>𝑟</m:t>
+                              </m:r>
+                              <m:r>
+                                <a:rPr lang="en-US" sz="1200" b="0" i="1" smtClean="0">
+                                  <a:latin typeface="Cambria Math" panose="02040503050406030204" pitchFamily="18" charset="0"/>
+                                </a:rPr>
+                                <m:t>)(1−</m:t>
+                              </m:r>
+                              <m:r>
+                                <a:rPr lang="en-US" sz="1200" b="0" i="1" smtClean="0">
+                                  <a:latin typeface="Cambria Math" panose="02040503050406030204" pitchFamily="18" charset="0"/>
+                                </a:rPr>
+                                <m:t>𝑓</m:t>
+                              </m:r>
+                              <m:r>
+                                <a:rPr lang="en-US" sz="1200" b="0" i="1" smtClean="0">
+                                  <a:latin typeface="Cambria Math" panose="02040503050406030204" pitchFamily="18" charset="0"/>
+                                </a:rPr>
+                                <m:t>) </m:t>
+                              </m:r>
+                              <m:r>
+                                <a:rPr lang="en-US" sz="1200" b="0" i="1" smtClean="0">
+                                  <a:latin typeface="Cambria Math" panose="02040503050406030204" pitchFamily="18" charset="0"/>
+                                </a:rPr>
+                                <m:t>𝑓𝑜𝑟</m:t>
+                              </m:r>
+                              <m:r>
+                                <a:rPr lang="en-US" sz="1200" b="0" i="1" smtClean="0">
+                                  <a:latin typeface="Cambria Math" panose="02040503050406030204" pitchFamily="18" charset="0"/>
+                                </a:rPr>
+                                <m:t> </m:t>
+                              </m:r>
+                              <m:r>
+                                <a:rPr lang="en-US" sz="1200" b="0" i="1" smtClean="0">
+                                  <a:latin typeface="Cambria Math" panose="02040503050406030204" pitchFamily="18" charset="0"/>
+                                </a:rPr>
+                                <m:t>𝑝</m:t>
+                              </m:r>
+                              <m:r>
+                                <a:rPr lang="en-US" sz="1200" b="0" i="1" smtClean="0">
+                                  <a:latin typeface="Cambria Math" panose="02040503050406030204" pitchFamily="18" charset="0"/>
+                                </a:rPr>
+                                <m:t>,</m:t>
+                              </m:r>
+                              <m:r>
+                                <a:rPr lang="en-US" sz="1200" b="0" i="1" smtClean="0">
+                                  <a:latin typeface="Cambria Math" panose="02040503050406030204" pitchFamily="18" charset="0"/>
+                                </a:rPr>
+                                <m:t>𝑙</m:t>
+                              </m:r>
+                              <m:r>
+                                <a:rPr lang="en-US" sz="1200" b="0" i="1" smtClean="0">
+                                  <a:latin typeface="Cambria Math" panose="02040503050406030204" pitchFamily="18" charset="0"/>
+                                </a:rPr>
+                                <m:t>&gt;0.5 </m:t>
+                              </m:r>
+                              <m:r>
+                                <a:rPr lang="en-US" sz="1200" b="0" i="1" smtClean="0">
+                                  <a:latin typeface="Cambria Math" panose="02040503050406030204" pitchFamily="18" charset="0"/>
+                                </a:rPr>
+                                <m:t>𝑟</m:t>
+                              </m:r>
+                              <m:r>
+                                <a:rPr lang="en-US" sz="1200" b="0" i="1" smtClean="0">
+                                  <a:latin typeface="Cambria Math" panose="02040503050406030204" pitchFamily="18" charset="0"/>
+                                </a:rPr>
+                                <m:t>≤0.5</m:t>
+                              </m:r>
+                            </m:e>
+                            <m:e>
+                              <m:d>
+                                <m:dPr>
+                                  <m:ctrlPr>
+                                    <a:rPr lang="en-US" sz="1200" b="0" i="1" smtClean="0">
+                                      <a:latin typeface="Cambria Math" panose="02040503050406030204" pitchFamily="18" charset="0"/>
+                                    </a:rPr>
+                                  </m:ctrlPr>
+                                </m:dPr>
+                                <m:e>
+                                  <m:r>
+                                    <a:rPr lang="en-US" sz="1200" b="0" i="1" smtClean="0">
+                                      <a:latin typeface="Cambria Math" panose="02040503050406030204" pitchFamily="18" charset="0"/>
+                                    </a:rPr>
+                                    <m:t>1−</m:t>
+                                  </m:r>
+                                  <m:r>
+                                    <a:rPr lang="en-US" sz="1200" b="0" i="1" smtClean="0">
+                                      <a:latin typeface="Cambria Math" panose="02040503050406030204" pitchFamily="18" charset="0"/>
+                                    </a:rPr>
+                                    <m:t>𝑝</m:t>
+                                  </m:r>
+                                </m:e>
+                              </m:d>
+                              <m:r>
+                                <a:rPr lang="en-US" sz="1200" b="0" i="1" smtClean="0">
+                                  <a:latin typeface="Cambria Math" panose="02040503050406030204" pitchFamily="18" charset="0"/>
+                                </a:rPr>
+                                <m:t>−</m:t>
+                              </m:r>
+                              <m:r>
+                                <a:rPr lang="en-US" sz="1200" b="0" i="1" smtClean="0">
+                                  <a:latin typeface="Cambria Math" panose="02040503050406030204" pitchFamily="18" charset="0"/>
+                                </a:rPr>
+                                <m:t>𝑓𝑙</m:t>
+                              </m:r>
+                              <m:r>
+                                <a:rPr lang="en-US" sz="1200" b="0" i="1" smtClean="0">
+                                  <a:latin typeface="Cambria Math" panose="02040503050406030204" pitchFamily="18" charset="0"/>
+                                </a:rPr>
+                                <m:t> −</m:t>
+                              </m:r>
+                              <m:d>
+                                <m:dPr>
+                                  <m:ctrlPr>
+                                    <a:rPr lang="en-US" sz="1200" b="0" i="1" smtClean="0">
+                                      <a:latin typeface="Cambria Math" panose="02040503050406030204" pitchFamily="18" charset="0"/>
+                                    </a:rPr>
+                                  </m:ctrlPr>
+                                </m:dPr>
+                                <m:e>
+                                  <m:r>
+                                    <a:rPr lang="en-US" sz="1200" b="0" i="1" smtClean="0">
+                                      <a:latin typeface="Cambria Math" panose="02040503050406030204" pitchFamily="18" charset="0"/>
+                                    </a:rPr>
+                                    <m:t>1−</m:t>
+                                  </m:r>
+                                  <m:r>
+                                    <a:rPr lang="en-US" sz="1200" b="0" i="1" smtClean="0">
+                                      <a:latin typeface="Cambria Math" panose="02040503050406030204" pitchFamily="18" charset="0"/>
+                                    </a:rPr>
+                                    <m:t>𝑓</m:t>
+                                  </m:r>
+                                </m:e>
+                              </m:d>
+                              <m:d>
+                                <m:dPr>
+                                  <m:ctrlPr>
+                                    <a:rPr lang="en-US" sz="1200" b="0" i="1" smtClean="0">
+                                      <a:latin typeface="Cambria Math" panose="02040503050406030204" pitchFamily="18" charset="0"/>
+                                    </a:rPr>
+                                  </m:ctrlPr>
+                                </m:dPr>
+                                <m:e>
+                                  <m:r>
+                                    <a:rPr lang="en-US" sz="1200" b="0" i="1" smtClean="0">
+                                      <a:latin typeface="Cambria Math" panose="02040503050406030204" pitchFamily="18" charset="0"/>
+                                    </a:rPr>
+                                    <m:t>1−</m:t>
+                                  </m:r>
+                                  <m:r>
+                                    <a:rPr lang="en-US" sz="1200" b="0" i="1" smtClean="0">
+                                      <a:latin typeface="Cambria Math" panose="02040503050406030204" pitchFamily="18" charset="0"/>
+                                    </a:rPr>
+                                    <m:t>𝑟</m:t>
+                                  </m:r>
+                                </m:e>
+                              </m:d>
+                              <m:r>
+                                <a:rPr lang="en-US" sz="1200" b="0" i="1" smtClean="0">
+                                  <a:latin typeface="Cambria Math" panose="02040503050406030204" pitchFamily="18" charset="0"/>
+                                </a:rPr>
+                                <m:t>=</m:t>
+                              </m:r>
+                              <m:d>
+                                <m:dPr>
+                                  <m:ctrlPr>
+                                    <a:rPr lang="en-US" sz="1200" b="0" i="1" smtClean="0">
+                                      <a:latin typeface="Cambria Math" panose="02040503050406030204" pitchFamily="18" charset="0"/>
+                                    </a:rPr>
+                                  </m:ctrlPr>
+                                </m:dPr>
+                                <m:e>
+                                  <m:r>
+                                    <a:rPr lang="en-US" sz="1200" b="0" i="1" smtClean="0">
+                                      <a:latin typeface="Cambria Math" panose="02040503050406030204" pitchFamily="18" charset="0"/>
+                                    </a:rPr>
+                                    <m:t>1−2</m:t>
+                                  </m:r>
+                                  <m:r>
+                                    <a:rPr lang="en-US" sz="1200" b="0" i="1" smtClean="0">
+                                      <a:latin typeface="Cambria Math" panose="02040503050406030204" pitchFamily="18" charset="0"/>
+                                    </a:rPr>
+                                    <m:t>𝑙</m:t>
+                                  </m:r>
+                                </m:e>
+                              </m:d>
+                              <m:r>
+                                <a:rPr lang="en-US" sz="1200" b="0" i="1" smtClean="0">
+                                  <a:latin typeface="Cambria Math" panose="02040503050406030204" pitchFamily="18" charset="0"/>
+                                </a:rPr>
+                                <m:t>𝑓</m:t>
+                              </m:r>
+                              <m:r>
+                                <a:rPr lang="en-US" sz="1200" b="0" i="1" smtClean="0">
+                                  <a:latin typeface="Cambria Math" panose="02040503050406030204" pitchFamily="18" charset="0"/>
+                                </a:rPr>
+                                <m:t> </m:t>
+                              </m:r>
+                              <m:r>
+                                <a:rPr lang="en-US" sz="1200" b="0" i="1" smtClean="0">
+                                  <a:latin typeface="Cambria Math" panose="02040503050406030204" pitchFamily="18" charset="0"/>
+                                </a:rPr>
+                                <m:t>𝑓𝑜𝑟</m:t>
+                              </m:r>
+                              <m:r>
+                                <a:rPr lang="en-US" sz="1200" b="0" i="1" smtClean="0">
+                                  <a:latin typeface="Cambria Math" panose="02040503050406030204" pitchFamily="18" charset="0"/>
+                                </a:rPr>
+                                <m:t> </m:t>
+                              </m:r>
+                              <m:r>
+                                <a:rPr lang="en-US" sz="1200" b="0" i="1" smtClean="0">
+                                  <a:latin typeface="Cambria Math" panose="02040503050406030204" pitchFamily="18" charset="0"/>
+                                </a:rPr>
+                                <m:t>𝑝</m:t>
+                              </m:r>
+                              <m:r>
+                                <a:rPr lang="en-US" sz="1200" b="0" i="1" smtClean="0">
+                                  <a:latin typeface="Cambria Math" panose="02040503050406030204" pitchFamily="18" charset="0"/>
+                                </a:rPr>
+                                <m:t>,</m:t>
+                              </m:r>
+                              <m:r>
+                                <a:rPr lang="en-US" sz="1200" b="0" i="1" smtClean="0">
+                                  <a:latin typeface="Cambria Math" panose="02040503050406030204" pitchFamily="18" charset="0"/>
+                                </a:rPr>
+                                <m:t>𝑟</m:t>
+                              </m:r>
+                              <m:r>
+                                <a:rPr lang="en-US" sz="1200" b="0" i="1" smtClean="0">
+                                  <a:latin typeface="Cambria Math" panose="02040503050406030204" pitchFamily="18" charset="0"/>
+                                </a:rPr>
+                                <m:t>&gt;0.5 </m:t>
+                              </m:r>
+                              <m:r>
+                                <a:rPr lang="en-US" sz="1200" b="0" i="1" smtClean="0">
+                                  <a:latin typeface="Cambria Math" panose="02040503050406030204" pitchFamily="18" charset="0"/>
+                                </a:rPr>
+                                <m:t>𝑙</m:t>
+                              </m:r>
+                              <m:r>
+                                <a:rPr lang="en-US" sz="1200" b="0" i="1" smtClean="0">
+                                  <a:latin typeface="Cambria Math" panose="02040503050406030204" pitchFamily="18" charset="0"/>
+                                </a:rPr>
+                                <m:t>≤0.5</m:t>
+                              </m:r>
+                            </m:e>
+                          </m:eqArr>
+                          <m:r>
+                            <a:rPr lang="en-US" sz="1200" i="1">
+                              <a:latin typeface="Cambria Math" panose="02040503050406030204" pitchFamily="18" charset="0"/>
+                            </a:rPr>
+                            <m:t> </m:t>
+                          </m:r>
+                        </m:e>
+                      </m:d>
+                    </m:oMath>
+                  </m:oMathPara>
+                </a14:m>
+                <a:endParaRPr lang="en-US" sz="1200" dirty="0"/>
+              </a:p>
+            </p:txBody>
+          </p:sp>
+        </mc:Choice>
+        <mc:Fallback>
+          <p:sp>
+            <p:nvSpPr>
+              <p:cNvPr id="30" name="TextBox 29">
+                <a:extLst>
+                  <a:ext uri="{FF2B5EF4-FFF2-40B4-BE49-F238E27FC236}">
+                    <a16:creationId xmlns:a16="http://schemas.microsoft.com/office/drawing/2014/main" id="{4548118B-FCBC-CA97-A829-F18970E1A1A6}"/>
+                  </a:ext>
+                </a:extLst>
+              </p:cNvPr>
+              <p:cNvSpPr txBox="1">
+                <a:spLocks noRot="1" noChangeAspect="1" noMove="1" noResize="1" noEditPoints="1" noAdjustHandles="1" noChangeArrowheads="1" noChangeShapeType="1" noTextEdit="1"/>
+              </p:cNvSpPr>
+              <p:nvPr/>
+            </p:nvSpPr>
+            <p:spPr>
+              <a:xfrm>
+                <a:off x="1187407" y="5087476"/>
+                <a:ext cx="6824365" cy="1246495"/>
+              </a:xfrm>
+              <a:prstGeom prst="rect">
+                <a:avLst/>
+              </a:prstGeom>
+              <a:blipFill>
+                <a:blip r:embed="rId11"/>
+                <a:stretch>
+                  <a:fillRect/>
+                </a:stretch>
+              </a:blipFill>
+            </p:spPr>
+            <p:txBody>
+              <a:bodyPr/>
+              <a:lstStyle/>
+              <a:p>
+                <a:r>
+                  <a:rPr lang="en-US">
+                    <a:noFill/>
+                  </a:rPr>
+                  <a:t> </a:t>
+                </a:r>
+              </a:p>
+            </p:txBody>
+          </p:sp>
+        </mc:Fallback>
+      </mc:AlternateContent>
+    </p:spTree>
+    <p:extLst>
+      <p:ext uri="{BB962C8B-B14F-4D97-AF65-F5344CB8AC3E}">
+        <p14:creationId xmlns:p14="http://schemas.microsoft.com/office/powerpoint/2010/main" val="3911291511"/>
+      </p:ext>
+    </p:extLst>
+  </p:cSld>
+  <p:clrMapOvr>
+    <a:masterClrMapping/>
+  </p:clrMapOvr>
+</p:sld>
+</file>
+
+<file path=ppt/slides/slide24.xml><?xml version="1.0" encoding="utf-8"?>
 <p:sld xmlns:a="http://schemas.openxmlformats.org/drawingml/2006/main" xmlns:r="http://schemas.openxmlformats.org/officeDocument/2006/relationships" xmlns:p="http://schemas.openxmlformats.org/presentationml/2006/main">
   <p:cSld>
     <p:spTree>
@@ -29765,8 +33304,8 @@
         </p:nvSpPr>
         <p:spPr>
           <a:xfrm>
-            <a:off x="753753" y="2605366"/>
-            <a:ext cx="6451447" cy="3122729"/>
+            <a:off x="753753" y="1931351"/>
+            <a:ext cx="6451447" cy="4470760"/>
           </a:xfrm>
           <a:prstGeom prst="roundRect">
             <a:avLst>
@@ -29802,7 +33341,7 @@
             </a:pPr>
             <a:r>
               <a:rPr lang="en-US" sz="2800" dirty="0"/>
-              <a:t>When the subdominant class in parent node remains subdominant in the leaf nodes, then the miss-classification loss reduction is 0. </a:t>
+              <a:t>When the majority/minority class in parent node remains in majority/minority in both the leaf nodes, then the miss-classification loss reduction is 0. </a:t>
             </a:r>
           </a:p>
           <a:p>
@@ -29822,7 +33361,7 @@
             </a:pPr>
             <a:r>
               <a:rPr lang="en-US" sz="2800" dirty="0"/>
-              <a:t>We need a more sensitive metric.</a:t>
+              <a:t>Hence there is a need for a more sensitive metric to capture purity within such divisions.</a:t>
             </a:r>
           </a:p>
         </p:txBody>
@@ -29840,7 +33379,7 @@
 </p:sld>
 </file>
 
-<file path=ppt/slides/slide24.xml><?xml version="1.0" encoding="utf-8"?>
+<file path=ppt/slides/slide25.xml><?xml version="1.0" encoding="utf-8"?>
 <p:sld xmlns:a="http://schemas.openxmlformats.org/drawingml/2006/main" xmlns:r="http://schemas.openxmlformats.org/officeDocument/2006/relationships" xmlns:p="http://schemas.openxmlformats.org/presentationml/2006/main">
   <p:cSld>
     <p:spTree>
@@ -29862,7 +33401,5103 @@
           <p:cNvPr id="2" name="Title 1">
             <a:extLst>
               <a:ext uri="{FF2B5EF4-FFF2-40B4-BE49-F238E27FC236}">
-                <a16:creationId xmlns:a16="http://schemas.microsoft.com/office/drawing/2014/main" id="{D7D84157-C6D0-2EA9-8E09-09A662918383}"/>
+                <a16:creationId xmlns:a16="http://schemas.microsoft.com/office/drawing/2014/main" id="{575301D9-40F1-2CA2-D120-12BD23B2401C}"/>
+              </a:ext>
+            </a:extLst>
+          </p:cNvPr>
+          <p:cNvSpPr>
+            <a:spLocks noGrp="1"/>
+          </p:cNvSpPr>
+          <p:nvPr>
+            <p:ph type="title"/>
+          </p:nvPr>
+        </p:nvSpPr>
+        <p:spPr/>
+        <p:txBody>
+          <a:bodyPr/>
+          <a:lstStyle/>
+          <a:p>
+            <a:r>
+              <a:rPr lang="en-US" dirty="0"/>
+              <a:t>Entropy</a:t>
+            </a:r>
+          </a:p>
+        </p:txBody>
+      </p:sp>
+      <mc:AlternateContent xmlns:mc="http://schemas.openxmlformats.org/markup-compatibility/2006">
+        <mc:Choice xmlns:a14="http://schemas.microsoft.com/office/drawing/2010/main" Requires="a14">
+          <p:sp>
+            <p:nvSpPr>
+              <p:cNvPr id="44" name="Rectangle: Rounded Corners 43">
+                <a:extLst>
+                  <a:ext uri="{FF2B5EF4-FFF2-40B4-BE49-F238E27FC236}">
+                    <a16:creationId xmlns:a16="http://schemas.microsoft.com/office/drawing/2014/main" id="{A898EDFB-24E3-D5FD-1D6F-40B7B5464375}"/>
+                  </a:ext>
+                </a:extLst>
+              </p:cNvPr>
+              <p:cNvSpPr/>
+              <p:nvPr/>
+            </p:nvSpPr>
+            <p:spPr>
+              <a:xfrm>
+                <a:off x="753753" y="1931351"/>
+                <a:ext cx="5721838" cy="4561524"/>
+              </a:xfrm>
+              <a:prstGeom prst="roundRect">
+                <a:avLst>
+                  <a:gd name="adj" fmla="val 0"/>
+                </a:avLst>
+              </a:prstGeom>
+              <a:noFill/>
+              <a:ln>
+                <a:noFill/>
+              </a:ln>
+            </p:spPr>
+            <p:style>
+              <a:lnRef idx="2">
+                <a:schemeClr val="accent1"/>
+              </a:lnRef>
+              <a:fillRef idx="1">
+                <a:schemeClr val="lt1"/>
+              </a:fillRef>
+              <a:effectRef idx="0">
+                <a:schemeClr val="accent1"/>
+              </a:effectRef>
+              <a:fontRef idx="minor">
+                <a:schemeClr val="dk1"/>
+              </a:fontRef>
+            </p:style>
+            <p:txBody>
+              <a:bodyPr rtlCol="0" anchor="t"/>
+              <a:lstStyle/>
+              <a:p>
+                <a:r>
+                  <a:rPr lang="en-AU" sz="2800" dirty="0"/>
+                  <a:t>Entropy of a random variable </a:t>
+                </a:r>
+                <a14:m>
+                  <m:oMath xmlns:m="http://schemas.openxmlformats.org/officeDocument/2006/math">
+                    <m:r>
+                      <a:rPr lang="en-AU" sz="2800" i="1" dirty="0" smtClean="0">
+                        <a:latin typeface="Cambria Math" panose="02040503050406030204" pitchFamily="18" charset="0"/>
+                      </a:rPr>
+                      <m:t>𝑋</m:t>
+                    </m:r>
+                  </m:oMath>
+                </a14:m>
+                <a:r>
+                  <a:rPr lang="en-AU" sz="2800" dirty="0"/>
+                  <a:t> is defined as the “expected surprise” in the possible outcomes of it. </a:t>
+                </a:r>
+              </a:p>
+              <a:p>
+                <a:endParaRPr lang="en-AU" sz="2800" dirty="0"/>
+              </a:p>
+              <a:p>
+                <a:r>
+                  <a:rPr lang="en-AU" sz="2800" u="sng" dirty="0"/>
+                  <a:t>Properties of Surprise</a:t>
+                </a:r>
+              </a:p>
+              <a:p>
+                <a:endParaRPr lang="en-AU" sz="2800" i="1" dirty="0">
+                  <a:latin typeface="Cambria Math" panose="02040503050406030204" pitchFamily="18" charset="0"/>
+                </a:endParaRPr>
+              </a:p>
+           